--- a/ux_course/מצגת סופית להגשה.pptx
+++ b/ux_course/מצגת סופית להגשה.pptx
@@ -12981,8 +12981,8 @@
         </p:nvCxnSpPr>
         <p:spPr>
           <a:xfrm flipH="1" flipV="1">
-            <a:off x="5335480" y="4199138"/>
-            <a:ext cx="2201662" cy="275208"/>
+            <a:off x="5299969" y="4128117"/>
+            <a:ext cx="2299317" cy="1402671"/>
           </a:xfrm>
           <a:prstGeom prst="straightConnector1">
             <a:avLst/>

--- a/ux_course/מצגת סופית להגשה.pptx
+++ b/ux_course/מצגת סופית להגשה.pptx
@@ -12659,7 +12659,7 @@
           </p:nvSpPr>
           <p:spPr>
             <a:xfrm>
-              <a:off x="6499249" y="127650"/>
+              <a:off x="6514030" y="114491"/>
               <a:ext cx="1080000" cy="327900"/>
             </a:xfrm>
             <a:prstGeom prst="rect">
@@ -12715,7 +12715,7 @@
           </p:nvSpPr>
           <p:spPr>
             <a:xfrm>
-              <a:off x="5023249" y="96944"/>
+              <a:off x="4842907" y="127650"/>
               <a:ext cx="1476000" cy="327900"/>
             </a:xfrm>
             <a:prstGeom prst="rect">
@@ -12863,7 +12863,7 @@
         <p:spPr>
           <a:xfrm>
             <a:off x="6542843" y="2325950"/>
-            <a:ext cx="5193437" cy="3779176"/>
+            <a:ext cx="5193437" cy="4477508"/>
           </a:xfrm>
           <a:prstGeom prst="rect">
             <a:avLst/>
@@ -12884,7 +12884,7 @@
               <a:buChar char="•"/>
             </a:pPr>
             <a:r>
-              <a:rPr lang="he-IL" dirty="0"/>
+              <a:rPr lang="he-IL" sz="1600" dirty="0"/>
               <a:t>אין כפתור לביטול פעולה לאחר שעשינו אותה</a:t>
             </a:r>
           </a:p>
@@ -12897,7 +12897,7 @@
               <a:buChar char="•"/>
             </a:pPr>
             <a:r>
-              <a:rPr lang="he-IL" dirty="0"/>
+              <a:rPr lang="he-IL" sz="1600" dirty="0"/>
               <a:t>אין אופציה להיכנס ליום יחיד ולראות את הלו"ז בו</a:t>
             </a:r>
           </a:p>
@@ -12910,7 +12910,7 @@
               <a:buChar char="•"/>
             </a:pPr>
             <a:r>
-              <a:rPr lang="he-IL" dirty="0"/>
+              <a:rPr lang="he-IL" sz="1600" dirty="0"/>
               <a:t>הכפתורים לא נראים לחיצים (לא נראים כמו כפתורים)</a:t>
             </a:r>
           </a:p>
@@ -12923,7 +12923,7 @@
               <a:buChar char="•"/>
             </a:pPr>
             <a:r>
-              <a:rPr lang="he-IL" dirty="0"/>
+              <a:rPr lang="he-IL" sz="1600" dirty="0"/>
               <a:t>יש שטח מת מיותר בין התפריט בחלק העליון של המסך לבין לוח השנה</a:t>
             </a:r>
           </a:p>
@@ -12936,7 +12936,7 @@
               <a:buChar char="•"/>
             </a:pPr>
             <a:r>
-              <a:rPr lang="he-IL" dirty="0"/>
+              <a:rPr lang="he-IL" sz="1600" dirty="0"/>
               <a:t>אין חלוקה לשעות בתוך כל אחד מהריבועים שמתארים יום</a:t>
             </a:r>
           </a:p>
@@ -12949,7 +12949,7 @@
               <a:buChar char="•"/>
             </a:pPr>
             <a:r>
-              <a:rPr lang="he-IL" dirty="0"/>
+              <a:rPr lang="he-IL" sz="1600" dirty="0"/>
               <a:t>הבולט שמופיעה לפני כל פגישה ביומן מיותר</a:t>
             </a:r>
           </a:p>
@@ -12961,7 +12961,38 @@
               <a:buFont typeface="Arial" panose="020B0604020202020204" pitchFamily="34" charset="0"/>
               <a:buChar char="•"/>
             </a:pPr>
-            <a:endParaRPr lang="en-US" dirty="0"/>
+            <a:r>
+              <a:rPr lang="he-IL" sz="1600" dirty="0"/>
+              <a:t>כפתור הוספת אילוץ לא ברור מה עושה נראה כמו הוספת פגישה (להחליף את האייקון\להוסיף טקסט)</a:t>
+            </a:r>
+          </a:p>
+          <a:p>
+            <a:pPr marL="285750" indent="-285750" algn="r" rtl="1">
+              <a:lnSpc>
+                <a:spcPct val="150000"/>
+              </a:lnSpc>
+              <a:buFont typeface="Arial" panose="020B0604020202020204" pitchFamily="34" charset="0"/>
+              <a:buChar char="•"/>
+            </a:pPr>
+            <a:r>
+              <a:rPr lang="he-IL" sz="1600" dirty="0"/>
+              <a:t>כפתור פגישה חדשה לא ברור וממוקם בתפריט. </a:t>
+            </a:r>
+            <a:r>
+              <a:rPr lang="he-IL" sz="1600"/>
+              <a:t>להחליף באייקון ולהעביר ליד כפתור הוספת אילוץ.</a:t>
+            </a:r>
+            <a:endParaRPr lang="he-IL" sz="1600" dirty="0"/>
+          </a:p>
+          <a:p>
+            <a:pPr marL="285750" indent="-285750" algn="r" rtl="1">
+              <a:lnSpc>
+                <a:spcPct val="150000"/>
+              </a:lnSpc>
+              <a:buFont typeface="Arial" panose="020B0604020202020204" pitchFamily="34" charset="0"/>
+              <a:buChar char="•"/>
+            </a:pPr>
+            <a:endParaRPr lang="en-US" sz="1600" dirty="0"/>
           </a:p>
         </p:txBody>
       </p:sp>
@@ -12981,8 +13012,49 @@
         </p:nvCxnSpPr>
         <p:spPr>
           <a:xfrm flipH="1" flipV="1">
-            <a:off x="5299969" y="4128117"/>
-            <a:ext cx="2299317" cy="1402671"/>
+            <a:off x="5299970" y="4128119"/>
+            <a:ext cx="2645545" cy="665823"/>
+          </a:xfrm>
+          <a:prstGeom prst="straightConnector1">
+            <a:avLst/>
+          </a:prstGeom>
+          <a:ln>
+            <a:tailEnd type="triangle"/>
+          </a:ln>
+        </p:spPr>
+        <p:style>
+          <a:lnRef idx="1">
+            <a:schemeClr val="accent1"/>
+          </a:lnRef>
+          <a:fillRef idx="0">
+            <a:schemeClr val="accent1"/>
+          </a:fillRef>
+          <a:effectRef idx="0">
+            <a:schemeClr val="accent1"/>
+          </a:effectRef>
+          <a:fontRef idx="minor">
+            <a:schemeClr val="tx1"/>
+          </a:fontRef>
+        </p:style>
+      </p:cxnSp>
+      <p:cxnSp>
+        <p:nvCxnSpPr>
+          <p:cNvPr id="13" name="Straight Arrow Connector 12">
+            <a:extLst>
+              <a:ext uri="{FF2B5EF4-FFF2-40B4-BE49-F238E27FC236}">
+                <a16:creationId xmlns:a16="http://schemas.microsoft.com/office/drawing/2014/main" id="{19927A58-DC1B-4F33-A8F2-074571A215EE}"/>
+              </a:ext>
+            </a:extLst>
+          </p:cNvPr>
+          <p:cNvCxnSpPr>
+            <a:cxnSpLocks/>
+          </p:cNvCxnSpPr>
+          <p:nvPr/>
+        </p:nvCxnSpPr>
+        <p:spPr>
+          <a:xfrm flipH="1">
+            <a:off x="949913" y="5246703"/>
+            <a:ext cx="5965792" cy="604781"/>
           </a:xfrm>
           <a:prstGeom prst="straightConnector1">
             <a:avLst/>

--- a/ux_course/מצגת סופית להגשה.pptx
+++ b/ux_course/מצגת סופית להגשה.pptx
@@ -5,8 +5,13 @@
     <p:sldMasterId id="2147483828" r:id="rId1"/>
   </p:sldMasterIdLst>
   <p:sldIdLst>
-    <p:sldId id="257" r:id="rId2"/>
-    <p:sldId id="258" r:id="rId3"/>
+    <p:sldId id="262" r:id="rId2"/>
+    <p:sldId id="261" r:id="rId3"/>
+    <p:sldId id="264" r:id="rId4"/>
+    <p:sldId id="265" r:id="rId5"/>
+    <p:sldId id="258" r:id="rId6"/>
+    <p:sldId id="259" r:id="rId7"/>
+    <p:sldId id="263" r:id="rId8"/>
   </p:sldIdLst>
   <p:sldSz cx="12192000" cy="6858000"/>
   <p:notesSz cx="6858000" cy="9144000"/>
@@ -621,7 +626,7 @@
           <a:p>
             <a:fld id="{C4112ACB-F900-457F-BFCF-7AFE3E0F446C}" type="datetimeFigureOut">
               <a:rPr lang="en-US" smtClean="0"/>
-              <a:t>8/3/2019</a:t>
+              <a:t>8/4/2019</a:t>
             </a:fld>
             <a:endParaRPr lang="en-US"/>
           </a:p>
@@ -1603,7 +1608,7 @@
           <a:p>
             <a:fld id="{C4112ACB-F900-457F-BFCF-7AFE3E0F446C}" type="datetimeFigureOut">
               <a:rPr lang="en-US" smtClean="0"/>
-              <a:t>8/3/2019</a:t>
+              <a:t>8/4/2019</a:t>
             </a:fld>
             <a:endParaRPr lang="en-US"/>
           </a:p>
@@ -2473,7 +2478,7 @@
           <a:p>
             <a:fld id="{C4112ACB-F900-457F-BFCF-7AFE3E0F446C}" type="datetimeFigureOut">
               <a:rPr lang="en-US" smtClean="0"/>
-              <a:t>8/3/2019</a:t>
+              <a:t>8/4/2019</a:t>
             </a:fld>
             <a:endParaRPr lang="en-US"/>
           </a:p>
@@ -3494,7 +3499,7 @@
           <a:p>
             <a:fld id="{C4112ACB-F900-457F-BFCF-7AFE3E0F446C}" type="datetimeFigureOut">
               <a:rPr lang="en-US" smtClean="0"/>
-              <a:t>8/3/2019</a:t>
+              <a:t>8/4/2019</a:t>
             </a:fld>
             <a:endParaRPr lang="en-US"/>
           </a:p>
@@ -4414,7 +4419,7 @@
           <a:p>
             <a:fld id="{C4112ACB-F900-457F-BFCF-7AFE3E0F446C}" type="datetimeFigureOut">
               <a:rPr lang="en-US" smtClean="0"/>
-              <a:t>8/3/2019</a:t>
+              <a:t>8/4/2019</a:t>
             </a:fld>
             <a:endParaRPr lang="en-US"/>
           </a:p>
@@ -5070,7 +5075,7 @@
           <a:p>
             <a:fld id="{C4112ACB-F900-457F-BFCF-7AFE3E0F446C}" type="datetimeFigureOut">
               <a:rPr lang="en-US" smtClean="0"/>
-              <a:t>8/3/2019</a:t>
+              <a:t>8/4/2019</a:t>
             </a:fld>
             <a:endParaRPr lang="en-US"/>
           </a:p>
@@ -5927,7 +5932,7 @@
           <a:p>
             <a:fld id="{C4112ACB-F900-457F-BFCF-7AFE3E0F446C}" type="datetimeFigureOut">
               <a:rPr lang="en-US" smtClean="0"/>
-              <a:t>8/3/2019</a:t>
+              <a:t>8/4/2019</a:t>
             </a:fld>
             <a:endParaRPr lang="en-US"/>
           </a:p>
@@ -6110,7 +6115,7 @@
           <a:p>
             <a:fld id="{C4112ACB-F900-457F-BFCF-7AFE3E0F446C}" type="datetimeFigureOut">
               <a:rPr lang="en-US" smtClean="0"/>
-              <a:t>8/3/2019</a:t>
+              <a:t>8/4/2019</a:t>
             </a:fld>
             <a:endParaRPr lang="en-US"/>
           </a:p>
@@ -6967,7 +6972,7 @@
           <a:p>
             <a:fld id="{C4112ACB-F900-457F-BFCF-7AFE3E0F446C}" type="datetimeFigureOut">
               <a:rPr lang="en-US" smtClean="0"/>
-              <a:t>8/3/2019</a:t>
+              <a:t>8/4/2019</a:t>
             </a:fld>
             <a:endParaRPr lang="en-US"/>
           </a:p>
@@ -7186,7 +7191,7 @@
           <a:p>
             <a:fld id="{C4112ACB-F900-457F-BFCF-7AFE3E0F446C}" type="datetimeFigureOut">
               <a:rPr lang="en-US" smtClean="0"/>
-              <a:t>8/3/2019</a:t>
+              <a:t>8/4/2019</a:t>
             </a:fld>
             <a:endParaRPr lang="en-US"/>
           </a:p>
@@ -8111,7 +8116,7 @@
           <a:p>
             <a:fld id="{C4112ACB-F900-457F-BFCF-7AFE3E0F446C}" type="datetimeFigureOut">
               <a:rPr lang="en-US" smtClean="0"/>
-              <a:t>8/3/2019</a:t>
+              <a:t>8/4/2019</a:t>
             </a:fld>
             <a:endParaRPr lang="en-US"/>
           </a:p>
@@ -8395,7 +8400,7 @@
           <a:p>
             <a:fld id="{C4112ACB-F900-457F-BFCF-7AFE3E0F446C}" type="datetimeFigureOut">
               <a:rPr lang="en-US" smtClean="0"/>
-              <a:t>8/3/2019</a:t>
+              <a:t>8/4/2019</a:t>
             </a:fld>
             <a:endParaRPr lang="en-US"/>
           </a:p>
@@ -8785,7 +8790,7 @@
           <a:p>
             <a:fld id="{C4112ACB-F900-457F-BFCF-7AFE3E0F446C}" type="datetimeFigureOut">
               <a:rPr lang="en-US" smtClean="0"/>
-              <a:t>8/3/2019</a:t>
+              <a:t>8/4/2019</a:t>
             </a:fld>
             <a:endParaRPr lang="en-US"/>
           </a:p>
@@ -8911,7 +8916,7 @@
           <a:p>
             <a:fld id="{C4112ACB-F900-457F-BFCF-7AFE3E0F446C}" type="datetimeFigureOut">
               <a:rPr lang="en-US" smtClean="0"/>
-              <a:t>8/3/2019</a:t>
+              <a:t>8/4/2019</a:t>
             </a:fld>
             <a:endParaRPr lang="en-US"/>
           </a:p>
@@ -9006,7 +9011,7 @@
           <a:p>
             <a:fld id="{C4112ACB-F900-457F-BFCF-7AFE3E0F446C}" type="datetimeFigureOut">
               <a:rPr lang="en-US" smtClean="0"/>
-              <a:t>8/3/2019</a:t>
+              <a:t>8/4/2019</a:t>
             </a:fld>
             <a:endParaRPr lang="en-US"/>
           </a:p>
@@ -9977,7 +9982,7 @@
           <a:p>
             <a:fld id="{C4112ACB-F900-457F-BFCF-7AFE3E0F446C}" type="datetimeFigureOut">
               <a:rPr lang="en-US" smtClean="0"/>
-              <a:t>8/3/2019</a:t>
+              <a:t>8/4/2019</a:t>
             </a:fld>
             <a:endParaRPr lang="en-US"/>
           </a:p>
@@ -10972,7 +10977,7 @@
           <a:p>
             <a:fld id="{C4112ACB-F900-457F-BFCF-7AFE3E0F446C}" type="datetimeFigureOut">
               <a:rPr lang="en-US" smtClean="0"/>
-              <a:t>8/3/2019</a:t>
+              <a:t>8/4/2019</a:t>
             </a:fld>
             <a:endParaRPr lang="en-US"/>
           </a:p>
@@ -11856,7 +11861,7 @@
           <a:p>
             <a:fld id="{C4112ACB-F900-457F-BFCF-7AFE3E0F446C}" type="datetimeFigureOut">
               <a:rPr lang="en-US" smtClean="0"/>
-              <a:t>8/3/2019</a:t>
+              <a:t>8/4/2019</a:t>
             </a:fld>
             <a:endParaRPr lang="en-US"/>
           </a:p>
@@ -12422,10 +12427,212 @@
       </p:grpSpPr>
       <p:sp>
         <p:nvSpPr>
-          <p:cNvPr id="2" name="Title 1">
+          <p:cNvPr id="2" name="כותרת 1">
             <a:extLst>
               <a:ext uri="{FF2B5EF4-FFF2-40B4-BE49-F238E27FC236}">
-                <a16:creationId xmlns:a16="http://schemas.microsoft.com/office/drawing/2014/main" id="{4C9F16D8-6319-4C24-B5FF-3B85F8FEE970}"/>
+                <a16:creationId xmlns:a16="http://schemas.microsoft.com/office/drawing/2014/main" id="{CA9F5FB0-541C-493C-B0B3-01990AB05BB1}"/>
+              </a:ext>
+            </a:extLst>
+          </p:cNvPr>
+          <p:cNvSpPr>
+            <a:spLocks noGrp="1"/>
+          </p:cNvSpPr>
+          <p:nvPr>
+            <p:ph type="ctrTitle"/>
+          </p:nvPr>
+        </p:nvSpPr>
+        <p:spPr>
+          <a:xfrm>
+            <a:off x="1683171" y="2920957"/>
+            <a:ext cx="8825658" cy="1016086"/>
+          </a:xfrm>
+        </p:spPr>
+        <p:txBody>
+          <a:bodyPr/>
+          <a:lstStyle/>
+          <a:p>
+            <a:pPr algn="ctr"/>
+            <a:r>
+              <a:rPr lang="he-IL" dirty="0"/>
+              <a:t>פרויקט אפיון חווית משתמש</a:t>
+            </a:r>
+            <a:endParaRPr lang="en-US" dirty="0"/>
+          </a:p>
+        </p:txBody>
+      </p:sp>
+      <p:sp>
+        <p:nvSpPr>
+          <p:cNvPr id="3" name="כותרת משנה 2">
+            <a:extLst>
+              <a:ext uri="{FF2B5EF4-FFF2-40B4-BE49-F238E27FC236}">
+                <a16:creationId xmlns:a16="http://schemas.microsoft.com/office/drawing/2014/main" id="{5C6E3EEC-0434-4DA1-B60B-FA2AAA383E45}"/>
+              </a:ext>
+            </a:extLst>
+          </p:cNvPr>
+          <p:cNvSpPr>
+            <a:spLocks noGrp="1"/>
+          </p:cNvSpPr>
+          <p:nvPr>
+            <p:ph type="subTitle" idx="1"/>
+          </p:nvPr>
+        </p:nvSpPr>
+        <p:spPr>
+          <a:xfrm>
+            <a:off x="1338606" y="4419161"/>
+            <a:ext cx="9057101" cy="1293482"/>
+          </a:xfrm>
+        </p:spPr>
+        <p:txBody>
+          <a:bodyPr>
+            <a:noAutofit/>
+          </a:bodyPr>
+          <a:lstStyle/>
+          <a:p>
+            <a:pPr algn="r" rtl="1"/>
+            <a:r>
+              <a:rPr lang="he-IL" dirty="0"/>
+              <a:t>מגישים:</a:t>
+            </a:r>
+            <a:r>
+              <a:rPr lang="en-US" dirty="0"/>
+              <a:t> </a:t>
+            </a:r>
+            <a:r>
+              <a:rPr lang="he-IL" dirty="0"/>
+              <a:t>דין </a:t>
+            </a:r>
+            <a:r>
+              <a:rPr lang="he-IL" dirty="0" err="1"/>
+              <a:t>זליגמן</a:t>
+            </a:r>
+            <a:r>
+              <a:rPr lang="he-IL" dirty="0"/>
+              <a:t>, יונתן בן אברהם וגולן קויתי.</a:t>
+            </a:r>
+          </a:p>
+          <a:p>
+            <a:pPr algn="r" rtl="1"/>
+            <a:endParaRPr lang="he-IL" dirty="0"/>
+          </a:p>
+          <a:p>
+            <a:pPr algn="r" rtl="1"/>
+            <a:r>
+              <a:rPr lang="he-IL" dirty="0"/>
+              <a:t>מרצה הקורס: יהודה </a:t>
+            </a:r>
+            <a:r>
+              <a:rPr lang="he-IL" dirty="0" err="1"/>
+              <a:t>רוזיליו</a:t>
+            </a:r>
+            <a:r>
+              <a:rPr lang="he-IL" dirty="0"/>
+              <a:t>.</a:t>
+            </a:r>
+            <a:endParaRPr lang="en-US" dirty="0"/>
+          </a:p>
+        </p:txBody>
+      </p:sp>
+    </p:spTree>
+    <p:extLst>
+      <p:ext uri="{BB962C8B-B14F-4D97-AF65-F5344CB8AC3E}">
+        <p14:creationId xmlns:p14="http://schemas.microsoft.com/office/powerpoint/2010/main" val="919133533"/>
+      </p:ext>
+    </p:extLst>
+  </p:cSld>
+  <p:clrMapOvr>
+    <a:masterClrMapping/>
+  </p:clrMapOvr>
+</p:sld>
+</file>
+
+<file path=ppt/slides/slide2.xml><?xml version="1.0" encoding="utf-8"?>
+<p:sld xmlns:a="http://schemas.openxmlformats.org/drawingml/2006/main" xmlns:r="http://schemas.openxmlformats.org/officeDocument/2006/relationships" xmlns:p="http://schemas.openxmlformats.org/presentationml/2006/main">
+  <p:cSld>
+    <p:spTree>
+      <p:nvGrpSpPr>
+        <p:cNvPr id="1" name=""/>
+        <p:cNvGrpSpPr/>
+        <p:nvPr/>
+      </p:nvGrpSpPr>
+      <p:grpSpPr>
+        <a:xfrm>
+          <a:off x="0" y="0"/>
+          <a:ext cx="0" cy="0"/>
+          <a:chOff x="0" y="0"/>
+          <a:chExt cx="0" cy="0"/>
+        </a:xfrm>
+      </p:grpSpPr>
+      <p:sp>
+        <p:nvSpPr>
+          <p:cNvPr id="2" name="כותרת 1">
+            <a:extLst>
+              <a:ext uri="{FF2B5EF4-FFF2-40B4-BE49-F238E27FC236}">
+                <a16:creationId xmlns:a16="http://schemas.microsoft.com/office/drawing/2014/main" id="{7E2CFF58-DDF3-4D79-8E24-D3415F37CA20}"/>
+              </a:ext>
+            </a:extLst>
+          </p:cNvPr>
+          <p:cNvSpPr>
+            <a:spLocks noGrp="1"/>
+          </p:cNvSpPr>
+          <p:nvPr>
+            <p:ph type="ctrTitle"/>
+          </p:nvPr>
+        </p:nvSpPr>
+        <p:spPr>
+          <a:xfrm>
+            <a:off x="3708747" y="2998289"/>
+            <a:ext cx="4774505" cy="861421"/>
+          </a:xfrm>
+        </p:spPr>
+        <p:txBody>
+          <a:bodyPr/>
+          <a:lstStyle/>
+          <a:p>
+            <a:pPr algn="ctr"/>
+            <a:r>
+              <a:rPr lang="he-IL" dirty="0"/>
+              <a:t>בעיות באתר</a:t>
+            </a:r>
+            <a:endParaRPr lang="en-US" dirty="0"/>
+          </a:p>
+        </p:txBody>
+      </p:sp>
+    </p:spTree>
+    <p:extLst>
+      <p:ext uri="{BB962C8B-B14F-4D97-AF65-F5344CB8AC3E}">
+        <p14:creationId xmlns:p14="http://schemas.microsoft.com/office/powerpoint/2010/main" val="3757182478"/>
+      </p:ext>
+    </p:extLst>
+  </p:cSld>
+  <p:clrMapOvr>
+    <a:masterClrMapping/>
+  </p:clrMapOvr>
+</p:sld>
+</file>
+
+<file path=ppt/slides/slide3.xml><?xml version="1.0" encoding="utf-8"?>
+<p:sld xmlns:a="http://schemas.openxmlformats.org/drawingml/2006/main" xmlns:r="http://schemas.openxmlformats.org/officeDocument/2006/relationships" xmlns:p="http://schemas.openxmlformats.org/presentationml/2006/main">
+  <p:cSld>
+    <p:spTree>
+      <p:nvGrpSpPr>
+        <p:cNvPr id="1" name=""/>
+        <p:cNvGrpSpPr/>
+        <p:nvPr/>
+      </p:nvGrpSpPr>
+      <p:grpSpPr>
+        <a:xfrm>
+          <a:off x="0" y="0"/>
+          <a:ext cx="0" cy="0"/>
+          <a:chOff x="0" y="0"/>
+          <a:chExt cx="0" cy="0"/>
+        </a:xfrm>
+      </p:grpSpPr>
+      <p:sp>
+        <p:nvSpPr>
+          <p:cNvPr id="2" name="כותרת 1">
+            <a:extLst>
+              <a:ext uri="{FF2B5EF4-FFF2-40B4-BE49-F238E27FC236}">
+                <a16:creationId xmlns:a16="http://schemas.microsoft.com/office/drawing/2014/main" id="{B599D9D6-695C-49F2-8675-24C34760E750}"/>
               </a:ext>
             </a:extLst>
           </p:cNvPr>
@@ -12443,17 +12650,385 @@
           <a:p>
             <a:pPr algn="ctr"/>
             <a:r>
-              <a:rPr lang="he-IL" sz="4800" dirty="0"/>
-              <a:t>בעיות באתר</a:t>
+              <a:rPr lang="he-IL" dirty="0"/>
+              <a:t>בעיות כלליות</a:t>
             </a:r>
-            <a:endParaRPr lang="en-US" sz="4800" dirty="0"/>
+            <a:endParaRPr lang="en-US" dirty="0"/>
           </a:p>
         </p:txBody>
       </p:sp>
+      <p:grpSp>
+        <p:nvGrpSpPr>
+          <p:cNvPr id="11" name="Group 19">
+            <a:extLst>
+              <a:ext uri="{FF2B5EF4-FFF2-40B4-BE49-F238E27FC236}">
+                <a16:creationId xmlns:a16="http://schemas.microsoft.com/office/drawing/2014/main" id="{24EE15FA-E512-4767-B0D0-A61EBC902143}"/>
+              </a:ext>
+            </a:extLst>
+          </p:cNvPr>
+          <p:cNvGrpSpPr/>
+          <p:nvPr/>
+        </p:nvGrpSpPr>
+        <p:grpSpPr>
+          <a:xfrm>
+            <a:off x="565977" y="2761447"/>
+            <a:ext cx="4667160" cy="3262861"/>
+            <a:chOff x="0" y="0"/>
+            <a:chExt cx="9144000" cy="5143500"/>
+          </a:xfrm>
+        </p:grpSpPr>
+        <p:sp>
+          <p:nvSpPr>
+            <p:cNvPr id="12" name="Google Shape;91;p15">
+              <a:extLst>
+                <a:ext uri="{FF2B5EF4-FFF2-40B4-BE49-F238E27FC236}">
+                  <a16:creationId xmlns:a16="http://schemas.microsoft.com/office/drawing/2014/main" id="{75DE48C9-D857-4C78-A340-3A6FBDBAC8D0}"/>
+                </a:ext>
+              </a:extLst>
+            </p:cNvPr>
+            <p:cNvSpPr/>
+            <p:nvPr/>
+          </p:nvSpPr>
+          <p:spPr>
+            <a:xfrm>
+              <a:off x="0" y="0"/>
+              <a:ext cx="9144000" cy="583200"/>
+            </a:xfrm>
+            <a:prstGeom prst="rect">
+              <a:avLst/>
+            </a:prstGeom>
+            <a:solidFill>
+              <a:srgbClr val="B4D0E7"/>
+            </a:solidFill>
+            <a:ln w="9525" cap="flat" cmpd="sng">
+              <a:solidFill>
+                <a:srgbClr val="B4D0E7"/>
+              </a:solidFill>
+              <a:prstDash val="solid"/>
+              <a:round/>
+              <a:headEnd type="none" w="sm" len="sm"/>
+              <a:tailEnd type="none" w="sm" len="sm"/>
+            </a:ln>
+            <a:effectLst>
+              <a:outerShdw blurRad="57150" dist="19050" dir="5400000" algn="bl" rotWithShape="0">
+                <a:schemeClr val="dk1">
+                  <a:alpha val="50000"/>
+                </a:schemeClr>
+              </a:outerShdw>
+            </a:effectLst>
+          </p:spPr>
+          <p:txBody>
+            <a:bodyPr spcFirstLastPara="1" wrap="square" lIns="91425" tIns="91425" rIns="91425" bIns="91425" anchor="ctr" anchorCtr="0">
+              <a:noAutofit/>
+            </a:bodyPr>
+            <a:lstStyle/>
+            <a:p>
+              <a:pPr marL="0" lvl="0" indent="0" algn="l" rtl="0">
+                <a:spcBef>
+                  <a:spcPts val="0"/>
+                </a:spcBef>
+                <a:spcAft>
+                  <a:spcPts val="0"/>
+                </a:spcAft>
+                <a:buNone/>
+              </a:pPr>
+              <a:endParaRPr sz="800"/>
+            </a:p>
+          </p:txBody>
+        </p:sp>
+        <p:sp>
+          <p:nvSpPr>
+            <p:cNvPr id="13" name="Google Shape;92;p15">
+              <a:extLst>
+                <a:ext uri="{FF2B5EF4-FFF2-40B4-BE49-F238E27FC236}">
+                  <a16:creationId xmlns:a16="http://schemas.microsoft.com/office/drawing/2014/main" id="{999C71CB-6A80-4ECD-AA4A-1545CDA8B2EB}"/>
+                </a:ext>
+              </a:extLst>
+            </p:cNvPr>
+            <p:cNvSpPr txBox="1"/>
+            <p:nvPr/>
+          </p:nvSpPr>
+          <p:spPr>
+            <a:xfrm>
+              <a:off x="7759591" y="120750"/>
+              <a:ext cx="1330159" cy="341701"/>
+            </a:xfrm>
+            <a:prstGeom prst="rect">
+              <a:avLst/>
+            </a:prstGeom>
+            <a:noFill/>
+            <a:ln>
+              <a:noFill/>
+            </a:ln>
+          </p:spPr>
+          <p:txBody>
+            <a:bodyPr spcFirstLastPara="1" wrap="square" lIns="91425" tIns="91425" rIns="91425" bIns="91425" anchor="t" anchorCtr="0">
+              <a:noAutofit/>
+            </a:bodyPr>
+            <a:lstStyle/>
+            <a:p>
+              <a:pPr marL="0" lvl="0" indent="0" algn="r" rtl="0">
+                <a:spcBef>
+                  <a:spcPts val="0"/>
+                </a:spcBef>
+                <a:spcAft>
+                  <a:spcPts val="0"/>
+                </a:spcAft>
+                <a:buNone/>
+              </a:pPr>
+              <a:r>
+                <a:rPr lang="iw" sz="800" dirty="0">
+                  <a:solidFill>
+                    <a:srgbClr val="FFFFFF"/>
+                  </a:solidFill>
+                </a:rPr>
+                <a:t>WeMeet</a:t>
+              </a:r>
+              <a:endParaRPr sz="800" dirty="0">
+                <a:solidFill>
+                  <a:srgbClr val="FFFFFF"/>
+                </a:solidFill>
+              </a:endParaRPr>
+            </a:p>
+          </p:txBody>
+        </p:sp>
+        <p:sp>
+          <p:nvSpPr>
+            <p:cNvPr id="14" name="Google Shape;93;p15">
+              <a:extLst>
+                <a:ext uri="{FF2B5EF4-FFF2-40B4-BE49-F238E27FC236}">
+                  <a16:creationId xmlns:a16="http://schemas.microsoft.com/office/drawing/2014/main" id="{7B6CF6D1-B2A4-4E0C-AD54-7678FF38E4DD}"/>
+                </a:ext>
+              </a:extLst>
+            </p:cNvPr>
+            <p:cNvSpPr txBox="1"/>
+            <p:nvPr/>
+          </p:nvSpPr>
+          <p:spPr>
+            <a:xfrm>
+              <a:off x="6118031" y="114491"/>
+              <a:ext cx="1475997" cy="327901"/>
+            </a:xfrm>
+            <a:prstGeom prst="rect">
+              <a:avLst/>
+            </a:prstGeom>
+            <a:noFill/>
+            <a:ln>
+              <a:noFill/>
+            </a:ln>
+          </p:spPr>
+          <p:txBody>
+            <a:bodyPr spcFirstLastPara="1" wrap="square" lIns="91425" tIns="91425" rIns="91425" bIns="91425" anchor="t" anchorCtr="0">
+              <a:noAutofit/>
+            </a:bodyPr>
+            <a:lstStyle/>
+            <a:p>
+              <a:pPr marL="0" lvl="0" indent="0" algn="r" rtl="1">
+                <a:spcBef>
+                  <a:spcPts val="0"/>
+                </a:spcBef>
+                <a:spcAft>
+                  <a:spcPts val="0"/>
+                </a:spcAft>
+                <a:buNone/>
+              </a:pPr>
+              <a:r>
+                <a:rPr lang="iw" sz="800" dirty="0">
+                  <a:solidFill>
+                    <a:srgbClr val="FFFFFF"/>
+                  </a:solidFill>
+                </a:rPr>
+                <a:t>אזור אישי</a:t>
+              </a:r>
+              <a:endParaRPr sz="800" dirty="0">
+                <a:solidFill>
+                  <a:srgbClr val="FFFFFF"/>
+                </a:solidFill>
+              </a:endParaRPr>
+            </a:p>
+          </p:txBody>
+        </p:sp>
+        <p:sp>
+          <p:nvSpPr>
+            <p:cNvPr id="15" name="Google Shape;94;p15">
+              <a:extLst>
+                <a:ext uri="{FF2B5EF4-FFF2-40B4-BE49-F238E27FC236}">
+                  <a16:creationId xmlns:a16="http://schemas.microsoft.com/office/drawing/2014/main" id="{685C037F-571F-44B0-8918-42BDD99E3A8A}"/>
+                </a:ext>
+              </a:extLst>
+            </p:cNvPr>
+            <p:cNvSpPr txBox="1"/>
+            <p:nvPr/>
+          </p:nvSpPr>
+          <p:spPr>
+            <a:xfrm>
+              <a:off x="4451518" y="127650"/>
+              <a:ext cx="1475999" cy="327901"/>
+            </a:xfrm>
+            <a:prstGeom prst="rect">
+              <a:avLst/>
+            </a:prstGeom>
+            <a:noFill/>
+            <a:ln>
+              <a:noFill/>
+            </a:ln>
+          </p:spPr>
+          <p:txBody>
+            <a:bodyPr spcFirstLastPara="1" wrap="square" lIns="91425" tIns="91425" rIns="91425" bIns="91425" anchor="t" anchorCtr="0">
+              <a:noAutofit/>
+            </a:bodyPr>
+            <a:lstStyle/>
+            <a:p>
+              <a:pPr marL="0" lvl="0" indent="0" algn="r" rtl="1">
+                <a:spcBef>
+                  <a:spcPts val="0"/>
+                </a:spcBef>
+                <a:spcAft>
+                  <a:spcPts val="0"/>
+                </a:spcAft>
+                <a:buNone/>
+              </a:pPr>
+              <a:r>
+                <a:rPr lang="iw" sz="800" dirty="0">
+                  <a:solidFill>
+                    <a:srgbClr val="FFFFFF"/>
+                  </a:solidFill>
+                </a:rPr>
+                <a:t>פגישה חדשה</a:t>
+              </a:r>
+              <a:endParaRPr sz="800" dirty="0">
+                <a:solidFill>
+                  <a:srgbClr val="FFFFFF"/>
+                </a:solidFill>
+              </a:endParaRPr>
+            </a:p>
+          </p:txBody>
+        </p:sp>
+        <p:sp>
+          <p:nvSpPr>
+            <p:cNvPr id="16" name="Google Shape;95;p15">
+              <a:extLst>
+                <a:ext uri="{FF2B5EF4-FFF2-40B4-BE49-F238E27FC236}">
+                  <a16:creationId xmlns:a16="http://schemas.microsoft.com/office/drawing/2014/main" id="{FE69FCE3-ADD3-49EC-8C72-A0FC5885A5E4}"/>
+                </a:ext>
+              </a:extLst>
+            </p:cNvPr>
+            <p:cNvSpPr txBox="1"/>
+            <p:nvPr/>
+          </p:nvSpPr>
+          <p:spPr>
+            <a:xfrm>
+              <a:off x="314375" y="127650"/>
+              <a:ext cx="862800" cy="327900"/>
+            </a:xfrm>
+            <a:prstGeom prst="rect">
+              <a:avLst/>
+            </a:prstGeom>
+            <a:noFill/>
+            <a:ln>
+              <a:noFill/>
+            </a:ln>
+          </p:spPr>
+          <p:txBody>
+            <a:bodyPr spcFirstLastPara="1" wrap="square" lIns="91425" tIns="91425" rIns="91425" bIns="91425" anchor="t" anchorCtr="0">
+              <a:noAutofit/>
+            </a:bodyPr>
+            <a:lstStyle/>
+            <a:p>
+              <a:pPr marL="0" lvl="0" indent="0" algn="r" rtl="1">
+                <a:spcBef>
+                  <a:spcPts val="0"/>
+                </a:spcBef>
+                <a:spcAft>
+                  <a:spcPts val="0"/>
+                </a:spcAft>
+                <a:buNone/>
+              </a:pPr>
+              <a:r>
+                <a:rPr lang="iw" sz="800">
+                  <a:solidFill>
+                    <a:srgbClr val="FFFFFF"/>
+                  </a:solidFill>
+                </a:rPr>
+                <a:t>התנתק</a:t>
+              </a:r>
+              <a:endParaRPr sz="800">
+                <a:solidFill>
+                  <a:srgbClr val="FFFFFF"/>
+                </a:solidFill>
+              </a:endParaRPr>
+            </a:p>
+          </p:txBody>
+        </p:sp>
+        <p:pic>
+          <p:nvPicPr>
+            <p:cNvPr id="17" name="Google Shape;96;p15">
+              <a:extLst>
+                <a:ext uri="{FF2B5EF4-FFF2-40B4-BE49-F238E27FC236}">
+                  <a16:creationId xmlns:a16="http://schemas.microsoft.com/office/drawing/2014/main" id="{1E9A0179-27D0-4D29-A24F-C0EBFA2CC138}"/>
+                </a:ext>
+              </a:extLst>
+            </p:cNvPr>
+            <p:cNvPicPr preferRelativeResize="0"/>
+            <p:nvPr/>
+          </p:nvPicPr>
+          <p:blipFill>
+            <a:blip r:embed="rId2">
+              <a:alphaModFix/>
+            </a:blip>
+            <a:stretch>
+              <a:fillRect/>
+            </a:stretch>
+          </p:blipFill>
+          <p:spPr>
+            <a:xfrm>
+              <a:off x="0" y="1069008"/>
+              <a:ext cx="9143999" cy="4074492"/>
+            </a:xfrm>
+            <a:prstGeom prst="rect">
+              <a:avLst/>
+            </a:prstGeom>
+            <a:noFill/>
+            <a:ln>
+              <a:noFill/>
+            </a:ln>
+          </p:spPr>
+        </p:pic>
+      </p:grpSp>
+      <p:pic>
+        <p:nvPicPr>
+          <p:cNvPr id="18" name="תמונה 17">
+            <a:extLst>
+              <a:ext uri="{FF2B5EF4-FFF2-40B4-BE49-F238E27FC236}">
+                <a16:creationId xmlns:a16="http://schemas.microsoft.com/office/drawing/2014/main" id="{05C7FC45-B70C-4A30-A487-E15C7CD306A2}"/>
+              </a:ext>
+            </a:extLst>
+          </p:cNvPr>
+          <p:cNvPicPr>
+            <a:picLocks noChangeAspect="1"/>
+          </p:cNvPicPr>
+          <p:nvPr/>
+        </p:nvPicPr>
+        <p:blipFill>
+          <a:blip r:embed="rId3"/>
+          <a:stretch>
+            <a:fillRect/>
+          </a:stretch>
+        </p:blipFill>
+        <p:spPr>
+          <a:xfrm>
+            <a:off x="6184702" y="2761447"/>
+            <a:ext cx="5906023" cy="3337181"/>
+          </a:xfrm>
+          <a:prstGeom prst="rect">
+            <a:avLst/>
+          </a:prstGeom>
+        </p:spPr>
+      </p:pic>
     </p:spTree>
     <p:extLst>
       <p:ext uri="{BB962C8B-B14F-4D97-AF65-F5344CB8AC3E}">
-        <p14:creationId xmlns:p14="http://schemas.microsoft.com/office/powerpoint/2010/main" val="2886556530"/>
+        <p14:creationId xmlns:p14="http://schemas.microsoft.com/office/powerpoint/2010/main" val="2297951066"/>
       </p:ext>
     </p:extLst>
   </p:cSld>
@@ -12463,7 +13038,187 @@
 </p:sld>
 </file>
 
-<file path=ppt/slides/slide2.xml><?xml version="1.0" encoding="utf-8"?>
+<file path=ppt/slides/slide4.xml><?xml version="1.0" encoding="utf-8"?>
+<p:sld xmlns:a="http://schemas.openxmlformats.org/drawingml/2006/main" xmlns:r="http://schemas.openxmlformats.org/officeDocument/2006/relationships" xmlns:p="http://schemas.openxmlformats.org/presentationml/2006/main">
+  <p:cSld>
+    <p:spTree>
+      <p:nvGrpSpPr>
+        <p:cNvPr id="1" name=""/>
+        <p:cNvGrpSpPr/>
+        <p:nvPr/>
+      </p:nvGrpSpPr>
+      <p:grpSpPr>
+        <a:xfrm>
+          <a:off x="0" y="0"/>
+          <a:ext cx="0" cy="0"/>
+          <a:chOff x="0" y="0"/>
+          <a:chExt cx="0" cy="0"/>
+        </a:xfrm>
+      </p:grpSpPr>
+      <p:sp>
+        <p:nvSpPr>
+          <p:cNvPr id="2" name="כותרת 1">
+            <a:extLst>
+              <a:ext uri="{FF2B5EF4-FFF2-40B4-BE49-F238E27FC236}">
+                <a16:creationId xmlns:a16="http://schemas.microsoft.com/office/drawing/2014/main" id="{DF2A96FA-B4FE-4351-857B-1D4C8D1B532E}"/>
+              </a:ext>
+            </a:extLst>
+          </p:cNvPr>
+          <p:cNvSpPr>
+            <a:spLocks noGrp="1"/>
+          </p:cNvSpPr>
+          <p:nvPr>
+            <p:ph type="title"/>
+          </p:nvPr>
+        </p:nvSpPr>
+        <p:spPr/>
+        <p:txBody>
+          <a:bodyPr/>
+          <a:lstStyle/>
+          <a:p>
+            <a:pPr algn="ctr"/>
+            <a:r>
+              <a:rPr lang="he-IL" dirty="0"/>
+              <a:t>בעיות כלליות</a:t>
+            </a:r>
+            <a:endParaRPr lang="en-US" dirty="0"/>
+          </a:p>
+        </p:txBody>
+      </p:sp>
+      <p:sp>
+        <p:nvSpPr>
+          <p:cNvPr id="4" name="TextBox 26">
+            <a:extLst>
+              <a:ext uri="{FF2B5EF4-FFF2-40B4-BE49-F238E27FC236}">
+                <a16:creationId xmlns:a16="http://schemas.microsoft.com/office/drawing/2014/main" id="{BE063305-7885-45A4-8B6E-A96B39D54367}"/>
+              </a:ext>
+            </a:extLst>
+          </p:cNvPr>
+          <p:cNvSpPr txBox="1"/>
+          <p:nvPr/>
+        </p:nvSpPr>
+        <p:spPr>
+          <a:xfrm>
+            <a:off x="3714161" y="2325950"/>
+            <a:ext cx="8022119" cy="2632003"/>
+          </a:xfrm>
+          <a:prstGeom prst="rect">
+            <a:avLst/>
+          </a:prstGeom>
+          <a:noFill/>
+        </p:spPr>
+        <p:txBody>
+          <a:bodyPr wrap="square" rtlCol="0">
+            <a:spAutoFit/>
+          </a:bodyPr>
+          <a:lstStyle/>
+          <a:p>
+            <a:pPr marL="285750" indent="-285750" algn="r" rtl="1">
+              <a:lnSpc>
+                <a:spcPct val="150000"/>
+              </a:lnSpc>
+              <a:buFont typeface="Arial" panose="020B0604020202020204" pitchFamily="34" charset="0"/>
+              <a:buChar char="•"/>
+            </a:pPr>
+            <a:r>
+              <a:rPr lang="he-IL" sz="1600" dirty="0"/>
+              <a:t>בחירת צבעים לקויה, צבעים לא מזמינים.</a:t>
+            </a:r>
+          </a:p>
+          <a:p>
+            <a:pPr marL="285750" indent="-285750" algn="r" rtl="1">
+              <a:lnSpc>
+                <a:spcPct val="150000"/>
+              </a:lnSpc>
+              <a:buFont typeface="Arial" panose="020B0604020202020204" pitchFamily="34" charset="0"/>
+              <a:buChar char="•"/>
+            </a:pPr>
+            <a:r>
+              <a:rPr lang="he-IL" sz="1600" dirty="0"/>
+              <a:t>תפריט ניווט לא ברור – מערב ניווט לדפים וכמו כן מערב פעולה של הוספת פגישה שלא אמורה להיות חלק מהתפריט.</a:t>
+            </a:r>
+          </a:p>
+          <a:p>
+            <a:pPr marL="285750" indent="-285750" algn="r" rtl="1">
+              <a:lnSpc>
+                <a:spcPct val="150000"/>
+              </a:lnSpc>
+              <a:buFont typeface="Arial" panose="020B0604020202020204" pitchFamily="34" charset="0"/>
+              <a:buChar char="•"/>
+            </a:pPr>
+            <a:r>
+              <a:rPr lang="he-IL" sz="1600" dirty="0"/>
+              <a:t>אין אחידות בין המסכים, לדוגמא:</a:t>
+            </a:r>
+            <a:r>
+              <a:rPr lang="en-US" sz="1600" dirty="0"/>
+              <a:t> </a:t>
+            </a:r>
+            <a:r>
+              <a:rPr lang="he-IL" sz="1600" dirty="0"/>
+              <a:t>כפתורי הוספה</a:t>
+            </a:r>
+            <a:r>
+              <a:rPr lang="en-US" sz="1600" dirty="0"/>
+              <a:t>/</a:t>
+            </a:r>
+            <a:r>
+              <a:rPr lang="he-IL" sz="1600" dirty="0"/>
+              <a:t>ביטול שונים בכמה מסכים.</a:t>
+            </a:r>
+          </a:p>
+          <a:p>
+            <a:pPr marL="285750" indent="-285750" algn="r" rtl="1">
+              <a:lnSpc>
+                <a:spcPct val="150000"/>
+              </a:lnSpc>
+              <a:buFont typeface="Arial" panose="020B0604020202020204" pitchFamily="34" charset="0"/>
+              <a:buChar char="•"/>
+            </a:pPr>
+            <a:r>
+              <a:rPr lang="he-IL" sz="1600" dirty="0"/>
+              <a:t>חוסר ניצול של המסך – יש הרבה רווחים מיותרים.</a:t>
+            </a:r>
+          </a:p>
+          <a:p>
+            <a:pPr marL="285750" indent="-285750" algn="r" rtl="1">
+              <a:lnSpc>
+                <a:spcPct val="150000"/>
+              </a:lnSpc>
+              <a:buFont typeface="Arial" panose="020B0604020202020204" pitchFamily="34" charset="0"/>
+              <a:buChar char="•"/>
+            </a:pPr>
+            <a:r>
+              <a:rPr lang="he-IL" sz="1600" dirty="0"/>
+              <a:t>אין חיווי למשתמש באיזה דף הוא נמצא בכל רגע.</a:t>
+            </a:r>
+          </a:p>
+          <a:p>
+            <a:pPr marL="285750" indent="-285750" algn="r" rtl="1">
+              <a:lnSpc>
+                <a:spcPct val="150000"/>
+              </a:lnSpc>
+              <a:buFont typeface="Arial" panose="020B0604020202020204" pitchFamily="34" charset="0"/>
+              <a:buChar char="•"/>
+            </a:pPr>
+            <a:endParaRPr lang="he-IL" sz="1600" dirty="0"/>
+          </a:p>
+        </p:txBody>
+      </p:sp>
+    </p:spTree>
+    <p:extLst>
+      <p:ext uri="{BB962C8B-B14F-4D97-AF65-F5344CB8AC3E}">
+        <p14:creationId xmlns:p14="http://schemas.microsoft.com/office/powerpoint/2010/main" val="2030906434"/>
+      </p:ext>
+    </p:extLst>
+  </p:cSld>
+  <p:clrMapOvr>
+    <a:masterClrMapping/>
+  </p:clrMapOvr>
+</p:sld>
+</file>
+
+<file path=ppt/slides/slide5.xml><?xml version="1.0" encoding="utf-8"?>
 <p:sld xmlns:a="http://schemas.openxmlformats.org/drawingml/2006/main" xmlns:r="http://schemas.openxmlformats.org/officeDocument/2006/relationships" xmlns:p="http://schemas.openxmlformats.org/presentationml/2006/main">
   <p:cSld>
     <p:spTree>
@@ -12504,7 +13259,7 @@
             <a:pPr algn="ctr"/>
             <a:r>
               <a:rPr lang="he-IL" sz="4800" dirty="0"/>
-              <a:t>בעיות באתר</a:t>
+              <a:t>מסך הבית</a:t>
             </a:r>
             <a:endParaRPr lang="en-US" sz="4800" dirty="0"/>
           </a:p>
@@ -12976,13 +13731,8 @@
             </a:pPr>
             <a:r>
               <a:rPr lang="he-IL" sz="1600" dirty="0"/>
-              <a:t>כפתור פגישה חדשה לא ברור וממוקם בתפריט. </a:t>
+              <a:t>כפתור פגישה חדשה לא ברור וממוקם בתפריט. להחליף באייקון ולהעביר ליד כפתור הוספת אילוץ.</a:t>
             </a:r>
-            <a:r>
-              <a:rPr lang="he-IL" sz="1600"/>
-              <a:t>להחליף באייקון ולהעביר ליד כפתור הוספת אילוץ.</a:t>
-            </a:r>
-            <a:endParaRPr lang="he-IL" sz="1600" dirty="0"/>
           </a:p>
           <a:p>
             <a:pPr marL="285750" indent="-285750" algn="r" rtl="1">
@@ -13082,6 +13832,454 @@
     <p:extLst>
       <p:ext uri="{BB962C8B-B14F-4D97-AF65-F5344CB8AC3E}">
         <p14:creationId xmlns:p14="http://schemas.microsoft.com/office/powerpoint/2010/main" val="2247602383"/>
+      </p:ext>
+    </p:extLst>
+  </p:cSld>
+  <p:clrMapOvr>
+    <a:masterClrMapping/>
+  </p:clrMapOvr>
+</p:sld>
+</file>
+
+<file path=ppt/slides/slide6.xml><?xml version="1.0" encoding="utf-8"?>
+<p:sld xmlns:a="http://schemas.openxmlformats.org/drawingml/2006/main" xmlns:r="http://schemas.openxmlformats.org/officeDocument/2006/relationships" xmlns:p="http://schemas.openxmlformats.org/presentationml/2006/main">
+  <p:cSld>
+    <p:spTree>
+      <p:nvGrpSpPr>
+        <p:cNvPr id="1" name=""/>
+        <p:cNvGrpSpPr/>
+        <p:nvPr/>
+      </p:nvGrpSpPr>
+      <p:grpSpPr>
+        <a:xfrm>
+          <a:off x="0" y="0"/>
+          <a:ext cx="0" cy="0"/>
+          <a:chOff x="0" y="0"/>
+          <a:chExt cx="0" cy="0"/>
+        </a:xfrm>
+      </p:grpSpPr>
+      <p:sp>
+        <p:nvSpPr>
+          <p:cNvPr id="2" name="כותרת 1">
+            <a:extLst>
+              <a:ext uri="{FF2B5EF4-FFF2-40B4-BE49-F238E27FC236}">
+                <a16:creationId xmlns:a16="http://schemas.microsoft.com/office/drawing/2014/main" id="{482C2682-39BF-47B1-8F7B-4D2EA1299279}"/>
+              </a:ext>
+            </a:extLst>
+          </p:cNvPr>
+          <p:cNvSpPr>
+            <a:spLocks noGrp="1"/>
+          </p:cNvSpPr>
+          <p:nvPr>
+            <p:ph type="title"/>
+          </p:nvPr>
+        </p:nvSpPr>
+        <p:spPr/>
+        <p:txBody>
+          <a:bodyPr/>
+          <a:lstStyle/>
+          <a:p>
+            <a:pPr algn="ctr"/>
+            <a:r>
+              <a:rPr lang="he-IL" sz="4800" dirty="0"/>
+              <a:t>מסך אזור אישי</a:t>
+            </a:r>
+            <a:endParaRPr lang="en-US" sz="4800" dirty="0"/>
+          </a:p>
+        </p:txBody>
+      </p:sp>
+      <p:pic>
+        <p:nvPicPr>
+          <p:cNvPr id="4" name="תמונה 3">
+            <a:extLst>
+              <a:ext uri="{FF2B5EF4-FFF2-40B4-BE49-F238E27FC236}">
+                <a16:creationId xmlns:a16="http://schemas.microsoft.com/office/drawing/2014/main" id="{519B0208-01EF-4FED-A80F-57F1D51C5B2F}"/>
+              </a:ext>
+            </a:extLst>
+          </p:cNvPr>
+          <p:cNvPicPr>
+            <a:picLocks noChangeAspect="1"/>
+          </p:cNvPicPr>
+          <p:nvPr/>
+        </p:nvPicPr>
+        <p:blipFill>
+          <a:blip r:embed="rId2"/>
+          <a:stretch>
+            <a:fillRect/>
+          </a:stretch>
+        </p:blipFill>
+        <p:spPr>
+          <a:xfrm>
+            <a:off x="265358" y="3082566"/>
+            <a:ext cx="6281229" cy="3549190"/>
+          </a:xfrm>
+          <a:prstGeom prst="rect">
+            <a:avLst/>
+          </a:prstGeom>
+        </p:spPr>
+      </p:pic>
+      <p:sp>
+        <p:nvSpPr>
+          <p:cNvPr id="6" name="TextBox 26">
+            <a:extLst>
+              <a:ext uri="{FF2B5EF4-FFF2-40B4-BE49-F238E27FC236}">
+                <a16:creationId xmlns:a16="http://schemas.microsoft.com/office/drawing/2014/main" id="{3CBAE400-770D-4FCF-BE70-088A0C9FE0C3}"/>
+              </a:ext>
+            </a:extLst>
+          </p:cNvPr>
+          <p:cNvSpPr txBox="1"/>
+          <p:nvPr/>
+        </p:nvSpPr>
+        <p:spPr>
+          <a:xfrm>
+            <a:off x="6552269" y="1948878"/>
+            <a:ext cx="5193437" cy="4847994"/>
+          </a:xfrm>
+          <a:prstGeom prst="rect">
+            <a:avLst/>
+          </a:prstGeom>
+          <a:noFill/>
+        </p:spPr>
+        <p:txBody>
+          <a:bodyPr wrap="square" rtlCol="0">
+            <a:spAutoFit/>
+          </a:bodyPr>
+          <a:lstStyle/>
+          <a:p>
+            <a:pPr marL="285750" indent="-285750" algn="r" rtl="1">
+              <a:lnSpc>
+                <a:spcPct val="150000"/>
+              </a:lnSpc>
+              <a:buFont typeface="Arial" panose="020B0604020202020204" pitchFamily="34" charset="0"/>
+              <a:buChar char="•"/>
+            </a:pPr>
+            <a:r>
+              <a:rPr lang="he-IL" sz="1600" b="1" u="sng" dirty="0"/>
+              <a:t>בעיות כלליות:</a:t>
+            </a:r>
+          </a:p>
+          <a:p>
+            <a:pPr marL="742950" lvl="1" indent="-285750" algn="r" rtl="1">
+              <a:lnSpc>
+                <a:spcPct val="150000"/>
+              </a:lnSpc>
+              <a:buFont typeface="Arial" panose="020B0604020202020204" pitchFamily="34" charset="0"/>
+              <a:buChar char="•"/>
+            </a:pPr>
+            <a:r>
+              <a:rPr lang="he-IL" sz="1600" dirty="0"/>
+              <a:t>אין אינדיקציה באיזה עמוד נמצאים.</a:t>
+            </a:r>
+          </a:p>
+          <a:p>
+            <a:pPr marL="742950" lvl="1" indent="-285750" algn="r" rtl="1">
+              <a:lnSpc>
+                <a:spcPct val="150000"/>
+              </a:lnSpc>
+              <a:buFont typeface="Arial" panose="020B0604020202020204" pitchFamily="34" charset="0"/>
+              <a:buChar char="•"/>
+            </a:pPr>
+            <a:r>
+              <a:rPr lang="he-IL" sz="1600" dirty="0"/>
+              <a:t>גודל המשבצות – המשבצת של "פגישות ממתינות לאישור"</a:t>
+            </a:r>
+            <a:r>
+              <a:rPr lang="en-US" sz="1600" dirty="0"/>
+              <a:t> </a:t>
+            </a:r>
+            <a:r>
+              <a:rPr lang="he-IL" sz="1600" dirty="0"/>
+              <a:t>גדולה משאר המשבצות, למרות שהמשבצת של "הפגישות שלי" מכילה מידע חשוב ומרכזי לא פחות.</a:t>
+            </a:r>
+          </a:p>
+          <a:p>
+            <a:pPr marL="742950" lvl="1" indent="-285750" algn="r" rtl="1">
+              <a:lnSpc>
+                <a:spcPct val="150000"/>
+              </a:lnSpc>
+              <a:buFont typeface="Arial" panose="020B0604020202020204" pitchFamily="34" charset="0"/>
+              <a:buChar char="•"/>
+            </a:pPr>
+            <a:r>
+              <a:rPr lang="he-IL" sz="1600" dirty="0"/>
+              <a:t>מיקום המשבצות</a:t>
+            </a:r>
+            <a:r>
+              <a:rPr lang="en-US" sz="1600" dirty="0"/>
+              <a:t>/</a:t>
+            </a:r>
+            <a:r>
+              <a:rPr lang="he-IL" sz="1600" dirty="0"/>
+              <a:t>אופן הצגתן – יש הרבה שטח מת.</a:t>
+            </a:r>
+          </a:p>
+          <a:p>
+            <a:pPr marL="285750" indent="-285750" algn="r" rtl="1">
+              <a:lnSpc>
+                <a:spcPct val="150000"/>
+              </a:lnSpc>
+              <a:buFont typeface="Arial" panose="020B0604020202020204" pitchFamily="34" charset="0"/>
+              <a:buChar char="•"/>
+            </a:pPr>
+            <a:r>
+              <a:rPr lang="he-IL" sz="1600" b="1" u="sng" dirty="0"/>
+              <a:t>משבצת "פגישות ממתינות לאישור":</a:t>
+            </a:r>
+          </a:p>
+          <a:p>
+            <a:pPr marL="742950" lvl="1" indent="-285750" algn="r" rtl="1">
+              <a:lnSpc>
+                <a:spcPct val="150000"/>
+              </a:lnSpc>
+              <a:buFont typeface="Arial" panose="020B0604020202020204" pitchFamily="34" charset="0"/>
+              <a:buChar char="•"/>
+            </a:pPr>
+            <a:r>
+              <a:rPr lang="he-IL" sz="1600" dirty="0"/>
+              <a:t>כפתורים – כפתור ביטול ואישור מצד ימין לטקסט לעומת כתפור צפייה שמצד שמאל – אין אחידות. בנוסף, אין אחידות בין הכפתורים וזה לא נראה טוב.</a:t>
+            </a:r>
+          </a:p>
+          <a:p>
+            <a:pPr marL="742950" lvl="1" indent="-285750" algn="r" rtl="1">
+              <a:lnSpc>
+                <a:spcPct val="150000"/>
+              </a:lnSpc>
+              <a:buFont typeface="Arial" panose="020B0604020202020204" pitchFamily="34" charset="0"/>
+              <a:buChar char="•"/>
+            </a:pPr>
+            <a:r>
+              <a:rPr lang="he-IL" sz="1600" dirty="0"/>
+              <a:t>מרווח בין השורות גדול מידי, מוביל לניצול לא יעיל של המסך.</a:t>
+            </a:r>
+          </a:p>
+        </p:txBody>
+      </p:sp>
+    </p:spTree>
+    <p:extLst>
+      <p:ext uri="{BB962C8B-B14F-4D97-AF65-F5344CB8AC3E}">
+        <p14:creationId xmlns:p14="http://schemas.microsoft.com/office/powerpoint/2010/main" val="1064481248"/>
+      </p:ext>
+    </p:extLst>
+  </p:cSld>
+  <p:clrMapOvr>
+    <a:masterClrMapping/>
+  </p:clrMapOvr>
+</p:sld>
+</file>
+
+<file path=ppt/slides/slide7.xml><?xml version="1.0" encoding="utf-8"?>
+<p:sld xmlns:a="http://schemas.openxmlformats.org/drawingml/2006/main" xmlns:r="http://schemas.openxmlformats.org/officeDocument/2006/relationships" xmlns:p="http://schemas.openxmlformats.org/presentationml/2006/main">
+  <p:cSld>
+    <p:spTree>
+      <p:nvGrpSpPr>
+        <p:cNvPr id="1" name=""/>
+        <p:cNvGrpSpPr/>
+        <p:nvPr/>
+      </p:nvGrpSpPr>
+      <p:grpSpPr>
+        <a:xfrm>
+          <a:off x="0" y="0"/>
+          <a:ext cx="0" cy="0"/>
+          <a:chOff x="0" y="0"/>
+          <a:chExt cx="0" cy="0"/>
+        </a:xfrm>
+      </p:grpSpPr>
+      <p:sp>
+        <p:nvSpPr>
+          <p:cNvPr id="7" name="כותרת 1">
+            <a:extLst>
+              <a:ext uri="{FF2B5EF4-FFF2-40B4-BE49-F238E27FC236}">
+                <a16:creationId xmlns:a16="http://schemas.microsoft.com/office/drawing/2014/main" id="{9B962287-43E8-4133-B301-D86D75522C45}"/>
+              </a:ext>
+            </a:extLst>
+          </p:cNvPr>
+          <p:cNvSpPr>
+            <a:spLocks noGrp="1"/>
+          </p:cNvSpPr>
+          <p:nvPr>
+            <p:ph type="title"/>
+          </p:nvPr>
+        </p:nvSpPr>
+        <p:spPr>
+          <a:xfrm>
+            <a:off x="1154954" y="973669"/>
+            <a:ext cx="8825659" cy="706964"/>
+          </a:xfrm>
+        </p:spPr>
+        <p:txBody>
+          <a:bodyPr/>
+          <a:lstStyle/>
+          <a:p>
+            <a:pPr algn="ctr"/>
+            <a:r>
+              <a:rPr lang="he-IL" sz="4800" dirty="0"/>
+              <a:t>מסך אזור אישי</a:t>
+            </a:r>
+            <a:endParaRPr lang="en-US" sz="4800" dirty="0"/>
+          </a:p>
+        </p:txBody>
+      </p:sp>
+      <p:pic>
+        <p:nvPicPr>
+          <p:cNvPr id="8" name="תמונה 7">
+            <a:extLst>
+              <a:ext uri="{FF2B5EF4-FFF2-40B4-BE49-F238E27FC236}">
+                <a16:creationId xmlns:a16="http://schemas.microsoft.com/office/drawing/2014/main" id="{37758A73-53D1-47FA-91F4-024F372F10C7}"/>
+              </a:ext>
+            </a:extLst>
+          </p:cNvPr>
+          <p:cNvPicPr>
+            <a:picLocks noChangeAspect="1"/>
+          </p:cNvPicPr>
+          <p:nvPr/>
+        </p:nvPicPr>
+        <p:blipFill>
+          <a:blip r:embed="rId2"/>
+          <a:stretch>
+            <a:fillRect/>
+          </a:stretch>
+        </p:blipFill>
+        <p:spPr>
+          <a:xfrm>
+            <a:off x="271040" y="3091993"/>
+            <a:ext cx="6281229" cy="3549190"/>
+          </a:xfrm>
+          <a:prstGeom prst="rect">
+            <a:avLst/>
+          </a:prstGeom>
+        </p:spPr>
+      </p:pic>
+      <p:sp>
+        <p:nvSpPr>
+          <p:cNvPr id="9" name="TextBox 26">
+            <a:extLst>
+              <a:ext uri="{FF2B5EF4-FFF2-40B4-BE49-F238E27FC236}">
+                <a16:creationId xmlns:a16="http://schemas.microsoft.com/office/drawing/2014/main" id="{8A7C8333-F565-4281-8F01-EA3E703B3E02}"/>
+              </a:ext>
+            </a:extLst>
+          </p:cNvPr>
+          <p:cNvSpPr txBox="1"/>
+          <p:nvPr/>
+        </p:nvSpPr>
+        <p:spPr>
+          <a:xfrm>
+            <a:off x="6552269" y="1948878"/>
+            <a:ext cx="5193437" cy="3739998"/>
+          </a:xfrm>
+          <a:prstGeom prst="rect">
+            <a:avLst/>
+          </a:prstGeom>
+          <a:noFill/>
+        </p:spPr>
+        <p:txBody>
+          <a:bodyPr wrap="square" rtlCol="0">
+            <a:spAutoFit/>
+          </a:bodyPr>
+          <a:lstStyle/>
+          <a:p>
+            <a:pPr lvl="1" algn="r" rtl="1">
+              <a:lnSpc>
+                <a:spcPct val="150000"/>
+              </a:lnSpc>
+            </a:pPr>
+            <a:endParaRPr lang="he-IL" sz="1600" dirty="0"/>
+          </a:p>
+          <a:p>
+            <a:pPr marL="285750" indent="-285750" algn="r" rtl="1">
+              <a:lnSpc>
+                <a:spcPct val="150000"/>
+              </a:lnSpc>
+              <a:buFont typeface="Arial" panose="020B0604020202020204" pitchFamily="34" charset="0"/>
+              <a:buChar char="•"/>
+            </a:pPr>
+            <a:r>
+              <a:rPr lang="he-IL" sz="1600" b="1" u="sng" dirty="0"/>
+              <a:t>משבצת "המיקומים שלי":</a:t>
+            </a:r>
+          </a:p>
+          <a:p>
+            <a:pPr marL="742950" lvl="1" indent="-285750" algn="r" rtl="1">
+              <a:lnSpc>
+                <a:spcPct val="150000"/>
+              </a:lnSpc>
+              <a:buFont typeface="Arial" panose="020B0604020202020204" pitchFamily="34" charset="0"/>
+              <a:buChar char="•"/>
+            </a:pPr>
+            <a:r>
+              <a:rPr lang="he-IL" sz="1600" dirty="0"/>
+              <a:t>כפתור מחיקה – אייקון לא טוב, לא מעומד כמו כפתור הצגת פרטים.</a:t>
+            </a:r>
+          </a:p>
+          <a:p>
+            <a:pPr marL="742950" lvl="1" indent="-285750" algn="r" rtl="1">
+              <a:lnSpc>
+                <a:spcPct val="150000"/>
+              </a:lnSpc>
+              <a:buFont typeface="Arial" panose="020B0604020202020204" pitchFamily="34" charset="0"/>
+              <a:buChar char="•"/>
+            </a:pPr>
+            <a:r>
+              <a:rPr lang="he-IL" sz="1600" dirty="0"/>
+              <a:t>כפתור הוספת מיקום – ממוקם לא טוב, לא נוח לעין </a:t>
+            </a:r>
+            <a:br>
+              <a:rPr lang="en-US" sz="1600" dirty="0"/>
+            </a:br>
+            <a:r>
+              <a:rPr lang="he-IL" sz="1600" dirty="0"/>
+              <a:t>ולא שומר על עיצוב אחיד של כפתורי הוספה במערכת.</a:t>
+            </a:r>
+          </a:p>
+          <a:p>
+            <a:pPr marL="742950" lvl="1" indent="-285750" algn="r" rtl="1">
+              <a:lnSpc>
+                <a:spcPct val="150000"/>
+              </a:lnSpc>
+              <a:buFont typeface="Arial" panose="020B0604020202020204" pitchFamily="34" charset="0"/>
+              <a:buChar char="•"/>
+            </a:pPr>
+            <a:endParaRPr lang="he-IL" sz="1600" dirty="0"/>
+          </a:p>
+          <a:p>
+            <a:pPr marL="285750" indent="-285750" algn="r" rtl="1">
+              <a:lnSpc>
+                <a:spcPct val="150000"/>
+              </a:lnSpc>
+              <a:buFont typeface="Arial" panose="020B0604020202020204" pitchFamily="34" charset="0"/>
+              <a:buChar char="•"/>
+            </a:pPr>
+            <a:r>
+              <a:rPr lang="he-IL" sz="1600" b="1" u="sng" dirty="0"/>
+              <a:t>משבצת "הפגישות שלי":</a:t>
+            </a:r>
+          </a:p>
+          <a:p>
+            <a:pPr marL="742950" lvl="1" indent="-285750" algn="r" rtl="1">
+              <a:lnSpc>
+                <a:spcPct val="150000"/>
+              </a:lnSpc>
+              <a:buFont typeface="Arial" panose="020B0604020202020204" pitchFamily="34" charset="0"/>
+              <a:buChar char="•"/>
+            </a:pPr>
+            <a:r>
+              <a:rPr lang="he-IL" sz="1600" dirty="0"/>
+              <a:t>אין משמעות לסדר הפגישות.</a:t>
+            </a:r>
+          </a:p>
+          <a:p>
+            <a:pPr lvl="1" algn="r" rtl="1">
+              <a:lnSpc>
+                <a:spcPct val="150000"/>
+              </a:lnSpc>
+            </a:pPr>
+            <a:endParaRPr lang="he-IL" sz="1600" dirty="0"/>
+          </a:p>
+        </p:txBody>
+      </p:sp>
+    </p:spTree>
+    <p:extLst>
+      <p:ext uri="{BB962C8B-B14F-4D97-AF65-F5344CB8AC3E}">
+        <p14:creationId xmlns:p14="http://schemas.microsoft.com/office/powerpoint/2010/main" val="1209778919"/>
       </p:ext>
     </p:extLst>
   </p:cSld>

--- a/ux_course/מצגת סופית להגשה.pptx
+++ b/ux_course/מצגת סופית להגשה.pptx
@@ -12,6 +12,8 @@
     <p:sldId id="258" r:id="rId6"/>
     <p:sldId id="259" r:id="rId7"/>
     <p:sldId id="263" r:id="rId8"/>
+    <p:sldId id="266" r:id="rId9"/>
+    <p:sldId id="267" r:id="rId10"/>
   </p:sldIdLst>
   <p:sldSz cx="12192000" cy="6858000"/>
   <p:notesSz cx="6858000" cy="9144000"/>
@@ -14289,6 +14291,412 @@
 </p:sld>
 </file>
 
+<file path=ppt/slides/slide8.xml><?xml version="1.0" encoding="utf-8"?>
+<p:sld xmlns:a="http://schemas.openxmlformats.org/drawingml/2006/main" xmlns:r="http://schemas.openxmlformats.org/officeDocument/2006/relationships" xmlns:p="http://schemas.openxmlformats.org/presentationml/2006/main">
+  <p:cSld>
+    <p:spTree>
+      <p:nvGrpSpPr>
+        <p:cNvPr id="1" name=""/>
+        <p:cNvGrpSpPr/>
+        <p:nvPr/>
+      </p:nvGrpSpPr>
+      <p:grpSpPr>
+        <a:xfrm>
+          <a:off x="0" y="0"/>
+          <a:ext cx="0" cy="0"/>
+          <a:chOff x="0" y="0"/>
+          <a:chExt cx="0" cy="0"/>
+        </a:xfrm>
+      </p:grpSpPr>
+      <p:sp>
+        <p:nvSpPr>
+          <p:cNvPr id="2" name="כותרת 1">
+            <a:extLst>
+              <a:ext uri="{FF2B5EF4-FFF2-40B4-BE49-F238E27FC236}">
+                <a16:creationId xmlns:a16="http://schemas.microsoft.com/office/drawing/2014/main" id="{92A500EE-F6C5-4C79-92F1-D2FDEE8174A4}"/>
+              </a:ext>
+            </a:extLst>
+          </p:cNvPr>
+          <p:cNvSpPr>
+            <a:spLocks noGrp="1"/>
+          </p:cNvSpPr>
+          <p:nvPr>
+            <p:ph type="title"/>
+          </p:nvPr>
+        </p:nvSpPr>
+        <p:spPr/>
+        <p:txBody>
+          <a:bodyPr/>
+          <a:lstStyle/>
+          <a:p>
+            <a:pPr algn="ctr"/>
+            <a:r>
+              <a:rPr lang="he-IL" dirty="0"/>
+              <a:t>מסך התחברות</a:t>
+            </a:r>
+          </a:p>
+        </p:txBody>
+      </p:sp>
+      <p:pic>
+        <p:nvPicPr>
+          <p:cNvPr id="16" name="תמונה 15">
+            <a:extLst>
+              <a:ext uri="{FF2B5EF4-FFF2-40B4-BE49-F238E27FC236}">
+                <a16:creationId xmlns:a16="http://schemas.microsoft.com/office/drawing/2014/main" id="{4FD9B8E5-98A3-4C79-8EC6-1523FF6B0199}"/>
+              </a:ext>
+            </a:extLst>
+          </p:cNvPr>
+          <p:cNvPicPr>
+            <a:picLocks noChangeAspect="1"/>
+          </p:cNvPicPr>
+          <p:nvPr/>
+        </p:nvPicPr>
+        <p:blipFill>
+          <a:blip r:embed="rId2"/>
+          <a:stretch>
+            <a:fillRect/>
+          </a:stretch>
+        </p:blipFill>
+        <p:spPr>
+          <a:xfrm>
+            <a:off x="531944" y="2813539"/>
+            <a:ext cx="6851533" cy="3844516"/>
+          </a:xfrm>
+          <a:prstGeom prst="rect">
+            <a:avLst/>
+          </a:prstGeom>
+        </p:spPr>
+      </p:pic>
+      <p:sp>
+        <p:nvSpPr>
+          <p:cNvPr id="17" name="תיבת טקסט 16">
+            <a:extLst>
+              <a:ext uri="{FF2B5EF4-FFF2-40B4-BE49-F238E27FC236}">
+                <a16:creationId xmlns:a16="http://schemas.microsoft.com/office/drawing/2014/main" id="{2F642565-7D83-416E-A7D1-4FA3B48B83E1}"/>
+              </a:ext>
+            </a:extLst>
+          </p:cNvPr>
+          <p:cNvSpPr txBox="1"/>
+          <p:nvPr/>
+        </p:nvSpPr>
+        <p:spPr>
+          <a:xfrm>
+            <a:off x="7540282" y="2610683"/>
+            <a:ext cx="4487594" cy="4247317"/>
+          </a:xfrm>
+          <a:prstGeom prst="rect">
+            <a:avLst/>
+          </a:prstGeom>
+          <a:noFill/>
+        </p:spPr>
+        <p:txBody>
+          <a:bodyPr wrap="square" rtlCol="1">
+            <a:spAutoFit/>
+          </a:bodyPr>
+          <a:lstStyle/>
+          <a:p>
+            <a:pPr marL="285750" indent="-285750" algn="r" rtl="1">
+              <a:buFont typeface="Arial" panose="020B0604020202020204" pitchFamily="34" charset="0"/>
+              <a:buChar char="•"/>
+            </a:pPr>
+            <a:r>
+              <a:rPr lang="he-IL" dirty="0"/>
+              <a:t>שדות הקלט אינן עדכניות בעיצובן.</a:t>
+            </a:r>
+          </a:p>
+          <a:p>
+            <a:pPr marL="285750" indent="-285750" algn="r" rtl="1">
+              <a:buFont typeface="Arial" panose="020B0604020202020204" pitchFamily="34" charset="0"/>
+              <a:buChar char="•"/>
+            </a:pPr>
+            <a:r>
+              <a:rPr lang="he-IL" dirty="0"/>
+              <a:t>כפתור ההתחברות וההרשמה דומים ויכולים לגרום לבלבול בזמן ההתחברות.</a:t>
+            </a:r>
+          </a:p>
+          <a:p>
+            <a:pPr marL="285750" indent="-285750" algn="r" rtl="1">
+              <a:buFont typeface="Arial" panose="020B0604020202020204" pitchFamily="34" charset="0"/>
+              <a:buChar char="•"/>
+            </a:pPr>
+            <a:r>
+              <a:rPr lang="he-IL" dirty="0"/>
+              <a:t>אין אפשרות לשחזור סיסמת המשתמש.</a:t>
+            </a:r>
+          </a:p>
+          <a:p>
+            <a:pPr marL="285750" indent="-285750" algn="r" rtl="1">
+              <a:buFont typeface="Arial" panose="020B0604020202020204" pitchFamily="34" charset="0"/>
+              <a:buChar char="•"/>
+            </a:pPr>
+            <a:r>
+              <a:rPr lang="he-IL" dirty="0"/>
+              <a:t>צבעי הכפתורים ושדות הקלט דהויים ולא מזמינים.</a:t>
+            </a:r>
+          </a:p>
+          <a:p>
+            <a:pPr marL="285750" indent="-285750" algn="r" rtl="1">
+              <a:buFont typeface="Arial" panose="020B0604020202020204" pitchFamily="34" charset="0"/>
+              <a:buChar char="•"/>
+            </a:pPr>
+            <a:r>
+              <a:rPr lang="he-IL" dirty="0"/>
+              <a:t>אין חיווי המראה למשתמש היכן הוא ממלא את פרטיו.</a:t>
+            </a:r>
+          </a:p>
+          <a:p>
+            <a:pPr marL="285750" indent="-285750" algn="r" rtl="1">
+              <a:buFont typeface="Arial" panose="020B0604020202020204" pitchFamily="34" charset="0"/>
+              <a:buChar char="•"/>
+            </a:pPr>
+            <a:r>
+              <a:rPr lang="he-IL" dirty="0"/>
+              <a:t>שדה הסיסמה אינו מוסתר בעת הזנת הסיסמה.</a:t>
+            </a:r>
+          </a:p>
+          <a:p>
+            <a:pPr marL="285750" indent="-285750" algn="r" rtl="1">
+              <a:buFont typeface="Arial" panose="020B0604020202020204" pitchFamily="34" charset="0"/>
+              <a:buChar char="•"/>
+            </a:pPr>
+            <a:r>
+              <a:rPr lang="he-IL" dirty="0"/>
+              <a:t>לוגו האתר אינו מעומד משמאל לימין</a:t>
+            </a:r>
+          </a:p>
+          <a:p>
+            <a:pPr marL="285750" indent="-285750" algn="r" rtl="1">
+              <a:buFont typeface="Arial" panose="020B0604020202020204" pitchFamily="34" charset="0"/>
+              <a:buChar char="•"/>
+            </a:pPr>
+            <a:r>
+              <a:rPr lang="he-IL" dirty="0"/>
+              <a:t>אין אפשרות להזין אימייל במקום שם משתמש.</a:t>
+            </a:r>
+          </a:p>
+          <a:p>
+            <a:pPr marL="285750" indent="-285750" algn="r" rtl="1">
+              <a:buFont typeface="Arial" panose="020B0604020202020204" pitchFamily="34" charset="0"/>
+              <a:buChar char="•"/>
+            </a:pPr>
+            <a:r>
+              <a:rPr lang="he-IL" dirty="0"/>
+              <a:t>אין סמלים\אייקונים שמאפיינים את שדות הקלט.</a:t>
+            </a:r>
+          </a:p>
+        </p:txBody>
+      </p:sp>
+    </p:spTree>
+    <p:extLst>
+      <p:ext uri="{BB962C8B-B14F-4D97-AF65-F5344CB8AC3E}">
+        <p14:creationId xmlns:p14="http://schemas.microsoft.com/office/powerpoint/2010/main" val="2576447696"/>
+      </p:ext>
+    </p:extLst>
+  </p:cSld>
+  <p:clrMapOvr>
+    <a:masterClrMapping/>
+  </p:clrMapOvr>
+</p:sld>
+</file>
+
+<file path=ppt/slides/slide9.xml><?xml version="1.0" encoding="utf-8"?>
+<p:sld xmlns:a="http://schemas.openxmlformats.org/drawingml/2006/main" xmlns:r="http://schemas.openxmlformats.org/officeDocument/2006/relationships" xmlns:p="http://schemas.openxmlformats.org/presentationml/2006/main">
+  <p:cSld>
+    <p:spTree>
+      <p:nvGrpSpPr>
+        <p:cNvPr id="1" name=""/>
+        <p:cNvGrpSpPr/>
+        <p:nvPr/>
+      </p:nvGrpSpPr>
+      <p:grpSpPr>
+        <a:xfrm>
+          <a:off x="0" y="0"/>
+          <a:ext cx="0" cy="0"/>
+          <a:chOff x="0" y="0"/>
+          <a:chExt cx="0" cy="0"/>
+        </a:xfrm>
+      </p:grpSpPr>
+      <p:sp>
+        <p:nvSpPr>
+          <p:cNvPr id="2" name="כותרת 1">
+            <a:extLst>
+              <a:ext uri="{FF2B5EF4-FFF2-40B4-BE49-F238E27FC236}">
+                <a16:creationId xmlns:a16="http://schemas.microsoft.com/office/drawing/2014/main" id="{DE777293-170B-4164-A212-000191C56DFE}"/>
+              </a:ext>
+            </a:extLst>
+          </p:cNvPr>
+          <p:cNvSpPr>
+            <a:spLocks noGrp="1"/>
+          </p:cNvSpPr>
+          <p:nvPr>
+            <p:ph type="title"/>
+          </p:nvPr>
+        </p:nvSpPr>
+        <p:spPr/>
+        <p:txBody>
+          <a:bodyPr/>
+          <a:lstStyle/>
+          <a:p>
+            <a:pPr algn="ctr" rtl="1"/>
+            <a:r>
+              <a:rPr lang="he-IL" dirty="0"/>
+              <a:t>דף הרשמה</a:t>
+            </a:r>
+          </a:p>
+        </p:txBody>
+      </p:sp>
+      <p:pic>
+        <p:nvPicPr>
+          <p:cNvPr id="4" name="תמונה 3">
+            <a:extLst>
+              <a:ext uri="{FF2B5EF4-FFF2-40B4-BE49-F238E27FC236}">
+                <a16:creationId xmlns:a16="http://schemas.microsoft.com/office/drawing/2014/main" id="{2B8550E2-EBB3-4A16-B677-A16EF0998913}"/>
+              </a:ext>
+            </a:extLst>
+          </p:cNvPr>
+          <p:cNvPicPr>
+            <a:picLocks noChangeAspect="1"/>
+          </p:cNvPicPr>
+          <p:nvPr/>
+        </p:nvPicPr>
+        <p:blipFill>
+          <a:blip r:embed="rId2"/>
+          <a:stretch>
+            <a:fillRect/>
+          </a:stretch>
+        </p:blipFill>
+        <p:spPr>
+          <a:xfrm>
+            <a:off x="331177" y="2477527"/>
+            <a:ext cx="7434189" cy="4212128"/>
+          </a:xfrm>
+          <a:prstGeom prst="rect">
+            <a:avLst/>
+          </a:prstGeom>
+        </p:spPr>
+      </p:pic>
+      <p:sp>
+        <p:nvSpPr>
+          <p:cNvPr id="5" name="תיבת טקסט 4">
+            <a:extLst>
+              <a:ext uri="{FF2B5EF4-FFF2-40B4-BE49-F238E27FC236}">
+                <a16:creationId xmlns:a16="http://schemas.microsoft.com/office/drawing/2014/main" id="{49C1F48E-4344-478F-B955-03346A467B7E}"/>
+              </a:ext>
+            </a:extLst>
+          </p:cNvPr>
+          <p:cNvSpPr txBox="1"/>
+          <p:nvPr/>
+        </p:nvSpPr>
+        <p:spPr>
+          <a:xfrm>
+            <a:off x="7919696" y="2477527"/>
+            <a:ext cx="4121834" cy="3139321"/>
+          </a:xfrm>
+          <a:prstGeom prst="rect">
+            <a:avLst/>
+          </a:prstGeom>
+          <a:noFill/>
+        </p:spPr>
+        <p:txBody>
+          <a:bodyPr wrap="square" rtlCol="1">
+            <a:spAutoFit/>
+          </a:bodyPr>
+          <a:lstStyle/>
+          <a:p>
+            <a:pPr marL="285750" indent="-285750" algn="r" rtl="1">
+              <a:buFont typeface="Arial" panose="020B0604020202020204" pitchFamily="34" charset="0"/>
+              <a:buChar char="•"/>
+            </a:pPr>
+            <a:r>
+              <a:rPr lang="he-IL" dirty="0"/>
+              <a:t>שדות הקלט גם פה דומות בבעיותיהן למסך ההתחברות.</a:t>
+            </a:r>
+          </a:p>
+          <a:p>
+            <a:pPr marL="285750" indent="-285750" algn="r" rtl="1">
+              <a:buFont typeface="Arial" panose="020B0604020202020204" pitchFamily="34" charset="0"/>
+              <a:buChar char="•"/>
+            </a:pPr>
+            <a:r>
+              <a:rPr lang="he-IL" dirty="0"/>
+              <a:t>אין תיאור של הזנת מין.</a:t>
+            </a:r>
+          </a:p>
+          <a:p>
+            <a:pPr marL="285750" indent="-285750" algn="r" rtl="1">
+              <a:buFont typeface="Arial" panose="020B0604020202020204" pitchFamily="34" charset="0"/>
+              <a:buChar char="•"/>
+            </a:pPr>
+            <a:r>
+              <a:rPr lang="he-IL" dirty="0"/>
+              <a:t>אין אפשרות לסמן "אחר" במין.</a:t>
+            </a:r>
+          </a:p>
+          <a:p>
+            <a:pPr marL="285750" indent="-285750" algn="r" rtl="1">
+              <a:buFont typeface="Arial" panose="020B0604020202020204" pitchFamily="34" charset="0"/>
+              <a:buChar char="•"/>
+            </a:pPr>
+            <a:r>
+              <a:rPr lang="he-IL" dirty="0"/>
+              <a:t>כפתור ההרשמה ממוקם בצד ימין במקום מצד שמאל.</a:t>
+            </a:r>
+          </a:p>
+          <a:p>
+            <a:pPr marL="285750" indent="-285750" algn="r" rtl="1">
+              <a:buFont typeface="Arial" panose="020B0604020202020204" pitchFamily="34" charset="0"/>
+              <a:buChar char="•"/>
+            </a:pPr>
+            <a:r>
+              <a:rPr lang="he-IL" dirty="0"/>
+              <a:t>אין כפתור חזרה למסך ההתחברות.</a:t>
+            </a:r>
+          </a:p>
+          <a:p>
+            <a:pPr marL="285750" indent="-285750" algn="r" rtl="1">
+              <a:buFont typeface="Arial" panose="020B0604020202020204" pitchFamily="34" charset="0"/>
+              <a:buChar char="•"/>
+            </a:pPr>
+            <a:r>
+              <a:rPr lang="he-IL" dirty="0"/>
+              <a:t>השאלון גולש לתוך כותרת האתר.</a:t>
+            </a:r>
+          </a:p>
+          <a:p>
+            <a:pPr marL="285750" indent="-285750" algn="r" rtl="1">
+              <a:buFont typeface="Arial" panose="020B0604020202020204" pitchFamily="34" charset="0"/>
+              <a:buChar char="•"/>
+            </a:pPr>
+            <a:r>
+              <a:rPr lang="he-IL" dirty="0"/>
+              <a:t>אין שדה לאימות סיסמה בשנית.</a:t>
+            </a:r>
+          </a:p>
+          <a:p>
+            <a:pPr marL="285750" indent="-285750" algn="r" rtl="1">
+              <a:buFont typeface="Arial" panose="020B0604020202020204" pitchFamily="34" charset="0"/>
+              <a:buChar char="•"/>
+            </a:pPr>
+            <a:r>
+              <a:rPr lang="he-IL" dirty="0"/>
+              <a:t>אין ולידציה בעת מילוי האימייל (לפני לחיצת כפתור "הירשם").</a:t>
+            </a:r>
+          </a:p>
+        </p:txBody>
+      </p:sp>
+    </p:spTree>
+    <p:extLst>
+      <p:ext uri="{BB962C8B-B14F-4D97-AF65-F5344CB8AC3E}">
+        <p14:creationId xmlns:p14="http://schemas.microsoft.com/office/powerpoint/2010/main" val="2598648921"/>
+      </p:ext>
+    </p:extLst>
+  </p:cSld>
+  <p:clrMapOvr>
+    <a:masterClrMapping/>
+  </p:clrMapOvr>
+</p:sld>
+</file>
+
 <file path=ppt/theme/theme1.xml><?xml version="1.0" encoding="utf-8"?>
 <a:theme xmlns:a="http://schemas.openxmlformats.org/drawingml/2006/main" name="Ion Boardroom">
   <a:themeElements>

--- a/ux_course/מצגת סופית להגשה.pptx
+++ b/ux_course/מצגת סופית להגשה.pptx
@@ -14539,8 +14539,12 @@
           <a:p>
             <a:pPr algn="ctr" rtl="1"/>
             <a:r>
+              <a:rPr lang="he-IL"/>
+              <a:t>מסך </a:t>
+            </a:r>
+            <a:r>
               <a:rPr lang="he-IL" dirty="0"/>
-              <a:t>דף הרשמה</a:t>
+              <a:t>הרשמה</a:t>
             </a:r>
           </a:p>
         </p:txBody>

--- a/ux_course/מצגת סופית להגשה.pptx
+++ b/ux_course/מצגת סופית להגשה.pptx
@@ -9,11 +9,21 @@
     <p:sldId id="261" r:id="rId3"/>
     <p:sldId id="264" r:id="rId4"/>
     <p:sldId id="265" r:id="rId5"/>
-    <p:sldId id="258" r:id="rId6"/>
-    <p:sldId id="259" r:id="rId7"/>
-    <p:sldId id="263" r:id="rId8"/>
-    <p:sldId id="266" r:id="rId9"/>
-    <p:sldId id="267" r:id="rId10"/>
+    <p:sldId id="266" r:id="rId6"/>
+    <p:sldId id="267" r:id="rId7"/>
+    <p:sldId id="258" r:id="rId8"/>
+    <p:sldId id="259" r:id="rId9"/>
+    <p:sldId id="263" r:id="rId10"/>
+    <p:sldId id="268" r:id="rId11"/>
+    <p:sldId id="269" r:id="rId12"/>
+    <p:sldId id="270" r:id="rId13"/>
+    <p:sldId id="271" r:id="rId14"/>
+    <p:sldId id="272" r:id="rId15"/>
+    <p:sldId id="273" r:id="rId16"/>
+    <p:sldId id="274" r:id="rId17"/>
+    <p:sldId id="275" r:id="rId18"/>
+    <p:sldId id="276" r:id="rId19"/>
+    <p:sldId id="277" r:id="rId20"/>
   </p:sldIdLst>
   <p:sldSz cx="12192000" cy="6858000"/>
   <p:notesSz cx="6858000" cy="9144000"/>
@@ -628,7 +638,7 @@
           <a:p>
             <a:fld id="{C4112ACB-F900-457F-BFCF-7AFE3E0F446C}" type="datetimeFigureOut">
               <a:rPr lang="en-US" smtClean="0"/>
-              <a:t>8/4/2019</a:t>
+              <a:t>8/19/2019</a:t>
             </a:fld>
             <a:endParaRPr lang="en-US"/>
           </a:p>
@@ -1610,7 +1620,7 @@
           <a:p>
             <a:fld id="{C4112ACB-F900-457F-BFCF-7AFE3E0F446C}" type="datetimeFigureOut">
               <a:rPr lang="en-US" smtClean="0"/>
-              <a:t>8/4/2019</a:t>
+              <a:t>8/19/2019</a:t>
             </a:fld>
             <a:endParaRPr lang="en-US"/>
           </a:p>
@@ -2480,7 +2490,7 @@
           <a:p>
             <a:fld id="{C4112ACB-F900-457F-BFCF-7AFE3E0F446C}" type="datetimeFigureOut">
               <a:rPr lang="en-US" smtClean="0"/>
-              <a:t>8/4/2019</a:t>
+              <a:t>8/19/2019</a:t>
             </a:fld>
             <a:endParaRPr lang="en-US"/>
           </a:p>
@@ -3501,7 +3511,7 @@
           <a:p>
             <a:fld id="{C4112ACB-F900-457F-BFCF-7AFE3E0F446C}" type="datetimeFigureOut">
               <a:rPr lang="en-US" smtClean="0"/>
-              <a:t>8/4/2019</a:t>
+              <a:t>8/19/2019</a:t>
             </a:fld>
             <a:endParaRPr lang="en-US"/>
           </a:p>
@@ -4421,7 +4431,7 @@
           <a:p>
             <a:fld id="{C4112ACB-F900-457F-BFCF-7AFE3E0F446C}" type="datetimeFigureOut">
               <a:rPr lang="en-US" smtClean="0"/>
-              <a:t>8/4/2019</a:t>
+              <a:t>8/19/2019</a:t>
             </a:fld>
             <a:endParaRPr lang="en-US"/>
           </a:p>
@@ -5077,7 +5087,7 @@
           <a:p>
             <a:fld id="{C4112ACB-F900-457F-BFCF-7AFE3E0F446C}" type="datetimeFigureOut">
               <a:rPr lang="en-US" smtClean="0"/>
-              <a:t>8/4/2019</a:t>
+              <a:t>8/19/2019</a:t>
             </a:fld>
             <a:endParaRPr lang="en-US"/>
           </a:p>
@@ -5934,7 +5944,7 @@
           <a:p>
             <a:fld id="{C4112ACB-F900-457F-BFCF-7AFE3E0F446C}" type="datetimeFigureOut">
               <a:rPr lang="en-US" smtClean="0"/>
-              <a:t>8/4/2019</a:t>
+              <a:t>8/19/2019</a:t>
             </a:fld>
             <a:endParaRPr lang="en-US"/>
           </a:p>
@@ -6117,7 +6127,7 @@
           <a:p>
             <a:fld id="{C4112ACB-F900-457F-BFCF-7AFE3E0F446C}" type="datetimeFigureOut">
               <a:rPr lang="en-US" smtClean="0"/>
-              <a:t>8/4/2019</a:t>
+              <a:t>8/19/2019</a:t>
             </a:fld>
             <a:endParaRPr lang="en-US"/>
           </a:p>
@@ -6974,7 +6984,7 @@
           <a:p>
             <a:fld id="{C4112ACB-F900-457F-BFCF-7AFE3E0F446C}" type="datetimeFigureOut">
               <a:rPr lang="en-US" smtClean="0"/>
-              <a:t>8/4/2019</a:t>
+              <a:t>8/19/2019</a:t>
             </a:fld>
             <a:endParaRPr lang="en-US"/>
           </a:p>
@@ -7193,7 +7203,7 @@
           <a:p>
             <a:fld id="{C4112ACB-F900-457F-BFCF-7AFE3E0F446C}" type="datetimeFigureOut">
               <a:rPr lang="en-US" smtClean="0"/>
-              <a:t>8/4/2019</a:t>
+              <a:t>8/19/2019</a:t>
             </a:fld>
             <a:endParaRPr lang="en-US"/>
           </a:p>
@@ -8118,7 +8128,7 @@
           <a:p>
             <a:fld id="{C4112ACB-F900-457F-BFCF-7AFE3E0F446C}" type="datetimeFigureOut">
               <a:rPr lang="en-US" smtClean="0"/>
-              <a:t>8/4/2019</a:t>
+              <a:t>8/19/2019</a:t>
             </a:fld>
             <a:endParaRPr lang="en-US"/>
           </a:p>
@@ -8402,7 +8412,7 @@
           <a:p>
             <a:fld id="{C4112ACB-F900-457F-BFCF-7AFE3E0F446C}" type="datetimeFigureOut">
               <a:rPr lang="en-US" smtClean="0"/>
-              <a:t>8/4/2019</a:t>
+              <a:t>8/19/2019</a:t>
             </a:fld>
             <a:endParaRPr lang="en-US"/>
           </a:p>
@@ -8792,7 +8802,7 @@
           <a:p>
             <a:fld id="{C4112ACB-F900-457F-BFCF-7AFE3E0F446C}" type="datetimeFigureOut">
               <a:rPr lang="en-US" smtClean="0"/>
-              <a:t>8/4/2019</a:t>
+              <a:t>8/19/2019</a:t>
             </a:fld>
             <a:endParaRPr lang="en-US"/>
           </a:p>
@@ -8918,7 +8928,7 @@
           <a:p>
             <a:fld id="{C4112ACB-F900-457F-BFCF-7AFE3E0F446C}" type="datetimeFigureOut">
               <a:rPr lang="en-US" smtClean="0"/>
-              <a:t>8/4/2019</a:t>
+              <a:t>8/19/2019</a:t>
             </a:fld>
             <a:endParaRPr lang="en-US"/>
           </a:p>
@@ -9013,7 +9023,7 @@
           <a:p>
             <a:fld id="{C4112ACB-F900-457F-BFCF-7AFE3E0F446C}" type="datetimeFigureOut">
               <a:rPr lang="en-US" smtClean="0"/>
-              <a:t>8/4/2019</a:t>
+              <a:t>8/19/2019</a:t>
             </a:fld>
             <a:endParaRPr lang="en-US"/>
           </a:p>
@@ -9984,7 +9994,7 @@
           <a:p>
             <a:fld id="{C4112ACB-F900-457F-BFCF-7AFE3E0F446C}" type="datetimeFigureOut">
               <a:rPr lang="en-US" smtClean="0"/>
-              <a:t>8/4/2019</a:t>
+              <a:t>8/19/2019</a:t>
             </a:fld>
             <a:endParaRPr lang="en-US"/>
           </a:p>
@@ -10979,7 +10989,7 @@
           <a:p>
             <a:fld id="{C4112ACB-F900-457F-BFCF-7AFE3E0F446C}" type="datetimeFigureOut">
               <a:rPr lang="en-US" smtClean="0"/>
-              <a:t>8/4/2019</a:t>
+              <a:t>8/19/2019</a:t>
             </a:fld>
             <a:endParaRPr lang="en-US"/>
           </a:p>
@@ -11863,7 +11873,7 @@
           <a:p>
             <a:fld id="{C4112ACB-F900-457F-BFCF-7AFE3E0F446C}" type="datetimeFigureOut">
               <a:rPr lang="en-US" smtClean="0"/>
-              <a:t>8/4/2019</a:t>
+              <a:t>8/19/2019</a:t>
             </a:fld>
             <a:endParaRPr lang="en-US"/>
           </a:p>
@@ -12547,6 +12557,1357 @@
 </p:sld>
 </file>
 
+<file path=ppt/slides/slide10.xml><?xml version="1.0" encoding="utf-8"?>
+<p:sld xmlns:a="http://schemas.openxmlformats.org/drawingml/2006/main" xmlns:r="http://schemas.openxmlformats.org/officeDocument/2006/relationships" xmlns:p="http://schemas.openxmlformats.org/presentationml/2006/main">
+  <p:cSld>
+    <p:spTree>
+      <p:nvGrpSpPr>
+        <p:cNvPr id="1" name=""/>
+        <p:cNvGrpSpPr/>
+        <p:nvPr/>
+      </p:nvGrpSpPr>
+      <p:grpSpPr>
+        <a:xfrm>
+          <a:off x="0" y="0"/>
+          <a:ext cx="0" cy="0"/>
+          <a:chOff x="0" y="0"/>
+          <a:chExt cx="0" cy="0"/>
+        </a:xfrm>
+      </p:grpSpPr>
+      <p:sp>
+        <p:nvSpPr>
+          <p:cNvPr id="2" name="כותרת 1">
+            <a:extLst>
+              <a:ext uri="{FF2B5EF4-FFF2-40B4-BE49-F238E27FC236}">
+                <a16:creationId xmlns:a16="http://schemas.microsoft.com/office/drawing/2014/main" id="{7E2CFF58-DDF3-4D79-8E24-D3415F37CA20}"/>
+              </a:ext>
+            </a:extLst>
+          </p:cNvPr>
+          <p:cNvSpPr>
+            <a:spLocks noGrp="1"/>
+          </p:cNvSpPr>
+          <p:nvPr>
+            <p:ph type="ctrTitle"/>
+          </p:nvPr>
+        </p:nvSpPr>
+        <p:spPr>
+          <a:xfrm>
+            <a:off x="3708747" y="2998289"/>
+            <a:ext cx="4774505" cy="861421"/>
+          </a:xfrm>
+        </p:spPr>
+        <p:txBody>
+          <a:bodyPr/>
+          <a:lstStyle/>
+          <a:p>
+            <a:pPr algn="ctr"/>
+            <a:r>
+              <a:rPr lang="he-IL" dirty="0"/>
+              <a:t>האבולוציה של האתר</a:t>
+            </a:r>
+            <a:endParaRPr lang="en-US" dirty="0"/>
+          </a:p>
+        </p:txBody>
+      </p:sp>
+    </p:spTree>
+    <p:extLst>
+      <p:ext uri="{BB962C8B-B14F-4D97-AF65-F5344CB8AC3E}">
+        <p14:creationId xmlns:p14="http://schemas.microsoft.com/office/powerpoint/2010/main" val="1992770098"/>
+      </p:ext>
+    </p:extLst>
+  </p:cSld>
+  <p:clrMapOvr>
+    <a:masterClrMapping/>
+  </p:clrMapOvr>
+</p:sld>
+</file>
+
+<file path=ppt/slides/slide11.xml><?xml version="1.0" encoding="utf-8"?>
+<p:sld xmlns:a="http://schemas.openxmlformats.org/drawingml/2006/main" xmlns:r="http://schemas.openxmlformats.org/officeDocument/2006/relationships" xmlns:p="http://schemas.openxmlformats.org/presentationml/2006/main">
+  <p:cSld>
+    <p:spTree>
+      <p:nvGrpSpPr>
+        <p:cNvPr id="1" name=""/>
+        <p:cNvGrpSpPr/>
+        <p:nvPr/>
+      </p:nvGrpSpPr>
+      <p:grpSpPr>
+        <a:xfrm>
+          <a:off x="0" y="0"/>
+          <a:ext cx="0" cy="0"/>
+          <a:chOff x="0" y="0"/>
+          <a:chExt cx="0" cy="0"/>
+        </a:xfrm>
+      </p:grpSpPr>
+      <p:sp>
+        <p:nvSpPr>
+          <p:cNvPr id="2" name="כותרת 1">
+            <a:extLst>
+              <a:ext uri="{FF2B5EF4-FFF2-40B4-BE49-F238E27FC236}">
+                <a16:creationId xmlns:a16="http://schemas.microsoft.com/office/drawing/2014/main" id="{92A500EE-F6C5-4C79-92F1-D2FDEE8174A4}"/>
+              </a:ext>
+            </a:extLst>
+          </p:cNvPr>
+          <p:cNvSpPr>
+            <a:spLocks noGrp="1"/>
+          </p:cNvSpPr>
+          <p:nvPr>
+            <p:ph type="title"/>
+          </p:nvPr>
+        </p:nvSpPr>
+        <p:spPr>
+          <a:xfrm>
+            <a:off x="1154954" y="973669"/>
+            <a:ext cx="8825659" cy="706964"/>
+          </a:xfrm>
+        </p:spPr>
+        <p:txBody>
+          <a:bodyPr/>
+          <a:lstStyle/>
+          <a:p>
+            <a:pPr algn="ctr"/>
+            <a:r>
+              <a:rPr lang="he-IL"/>
+              <a:t>מסך התחברות</a:t>
+            </a:r>
+            <a:endParaRPr lang="he-IL" dirty="0"/>
+          </a:p>
+        </p:txBody>
+      </p:sp>
+      <p:sp>
+        <p:nvSpPr>
+          <p:cNvPr id="17" name="תיבת טקסט 16">
+            <a:extLst>
+              <a:ext uri="{FF2B5EF4-FFF2-40B4-BE49-F238E27FC236}">
+                <a16:creationId xmlns:a16="http://schemas.microsoft.com/office/drawing/2014/main" id="{2F642565-7D83-416E-A7D1-4FA3B48B83E1}"/>
+              </a:ext>
+            </a:extLst>
+          </p:cNvPr>
+          <p:cNvSpPr txBox="1"/>
+          <p:nvPr/>
+        </p:nvSpPr>
+        <p:spPr>
+          <a:xfrm>
+            <a:off x="7540282" y="2610683"/>
+            <a:ext cx="4487594" cy="1477328"/>
+          </a:xfrm>
+          <a:prstGeom prst="rect">
+            <a:avLst/>
+          </a:prstGeom>
+          <a:noFill/>
+        </p:spPr>
+        <p:txBody>
+          <a:bodyPr wrap="square" rtlCol="1">
+            <a:spAutoFit/>
+          </a:bodyPr>
+          <a:lstStyle/>
+          <a:p>
+            <a:pPr marL="285750" indent="-285750" algn="r" rtl="1">
+              <a:buFont typeface="Arial" panose="020B0604020202020204" pitchFamily="34" charset="0"/>
+              <a:buChar char="•"/>
+            </a:pPr>
+            <a:r>
+              <a:rPr lang="he-IL"/>
+              <a:t>שינינו את שדה "שם משתמש" ושדה "סיסמה" כך שיהיו מעוצבים יותר.</a:t>
+            </a:r>
+          </a:p>
+          <a:p>
+            <a:pPr marL="285750" indent="-285750" algn="r" rtl="1">
+              <a:buFont typeface="Arial" panose="020B0604020202020204" pitchFamily="34" charset="0"/>
+              <a:buChar char="•"/>
+            </a:pPr>
+            <a:r>
+              <a:rPr lang="he-IL"/>
+              <a:t>הוספנו סמלים מתאימים בצד כל שדה כך שיהיה ברור למשתמש מה עליו להכניס בשדה אותו הוא ממלא – </a:t>
+            </a:r>
+            <a:r>
+              <a:rPr lang="he-IL" b="1"/>
+              <a:t>זיהוי ולא זיכרון.</a:t>
+            </a:r>
+            <a:endParaRPr lang="he-IL" dirty="0"/>
+          </a:p>
+        </p:txBody>
+      </p:sp>
+      <p:pic>
+        <p:nvPicPr>
+          <p:cNvPr id="3" name="תמונה 2">
+            <a:extLst>
+              <a:ext uri="{FF2B5EF4-FFF2-40B4-BE49-F238E27FC236}">
+                <a16:creationId xmlns:a16="http://schemas.microsoft.com/office/drawing/2014/main" id="{1C6E892A-A569-467D-8D80-26AAEC4C107C}"/>
+              </a:ext>
+            </a:extLst>
+          </p:cNvPr>
+          <p:cNvPicPr>
+            <a:picLocks noChangeAspect="1"/>
+          </p:cNvPicPr>
+          <p:nvPr/>
+        </p:nvPicPr>
+        <p:blipFill>
+          <a:blip r:embed="rId2"/>
+          <a:stretch>
+            <a:fillRect/>
+          </a:stretch>
+        </p:blipFill>
+        <p:spPr>
+          <a:xfrm>
+            <a:off x="0" y="2610683"/>
+            <a:ext cx="7540282" cy="4247317"/>
+          </a:xfrm>
+          <a:prstGeom prst="rect">
+            <a:avLst/>
+          </a:prstGeom>
+        </p:spPr>
+      </p:pic>
+    </p:spTree>
+    <p:extLst>
+      <p:ext uri="{BB962C8B-B14F-4D97-AF65-F5344CB8AC3E}">
+        <p14:creationId xmlns:p14="http://schemas.microsoft.com/office/powerpoint/2010/main" val="3349785906"/>
+      </p:ext>
+    </p:extLst>
+  </p:cSld>
+  <p:clrMapOvr>
+    <a:masterClrMapping/>
+  </p:clrMapOvr>
+</p:sld>
+</file>
+
+<file path=ppt/slides/slide12.xml><?xml version="1.0" encoding="utf-8"?>
+<p:sld xmlns:a="http://schemas.openxmlformats.org/drawingml/2006/main" xmlns:r="http://schemas.openxmlformats.org/officeDocument/2006/relationships" xmlns:p="http://schemas.openxmlformats.org/presentationml/2006/main">
+  <p:cSld>
+    <p:spTree>
+      <p:nvGrpSpPr>
+        <p:cNvPr id="1" name=""/>
+        <p:cNvGrpSpPr/>
+        <p:nvPr/>
+      </p:nvGrpSpPr>
+      <p:grpSpPr>
+        <a:xfrm>
+          <a:off x="0" y="0"/>
+          <a:ext cx="0" cy="0"/>
+          <a:chOff x="0" y="0"/>
+          <a:chExt cx="0" cy="0"/>
+        </a:xfrm>
+      </p:grpSpPr>
+      <p:sp>
+        <p:nvSpPr>
+          <p:cNvPr id="2" name="כותרת 1">
+            <a:extLst>
+              <a:ext uri="{FF2B5EF4-FFF2-40B4-BE49-F238E27FC236}">
+                <a16:creationId xmlns:a16="http://schemas.microsoft.com/office/drawing/2014/main" id="{92A500EE-F6C5-4C79-92F1-D2FDEE8174A4}"/>
+              </a:ext>
+            </a:extLst>
+          </p:cNvPr>
+          <p:cNvSpPr>
+            <a:spLocks noGrp="1"/>
+          </p:cNvSpPr>
+          <p:nvPr>
+            <p:ph type="title"/>
+          </p:nvPr>
+        </p:nvSpPr>
+        <p:spPr>
+          <a:xfrm>
+            <a:off x="1154954" y="973669"/>
+            <a:ext cx="8825659" cy="706964"/>
+          </a:xfrm>
+        </p:spPr>
+        <p:txBody>
+          <a:bodyPr/>
+          <a:lstStyle/>
+          <a:p>
+            <a:pPr algn="ctr"/>
+            <a:r>
+              <a:rPr lang="he-IL"/>
+              <a:t>מסך התחברות</a:t>
+            </a:r>
+            <a:endParaRPr lang="he-IL" dirty="0"/>
+          </a:p>
+        </p:txBody>
+      </p:sp>
+      <p:sp>
+        <p:nvSpPr>
+          <p:cNvPr id="17" name="תיבת טקסט 16">
+            <a:extLst>
+              <a:ext uri="{FF2B5EF4-FFF2-40B4-BE49-F238E27FC236}">
+                <a16:creationId xmlns:a16="http://schemas.microsoft.com/office/drawing/2014/main" id="{2F642565-7D83-416E-A7D1-4FA3B48B83E1}"/>
+              </a:ext>
+            </a:extLst>
+          </p:cNvPr>
+          <p:cNvSpPr txBox="1"/>
+          <p:nvPr/>
+        </p:nvSpPr>
+        <p:spPr>
+          <a:xfrm>
+            <a:off x="7982504" y="2610683"/>
+            <a:ext cx="4045371" cy="2585323"/>
+          </a:xfrm>
+          <a:prstGeom prst="rect">
+            <a:avLst/>
+          </a:prstGeom>
+          <a:noFill/>
+        </p:spPr>
+        <p:txBody>
+          <a:bodyPr wrap="square" rtlCol="1">
+            <a:spAutoFit/>
+          </a:bodyPr>
+          <a:lstStyle/>
+          <a:p>
+            <a:pPr marL="285750" indent="-285750" algn="r" rtl="1">
+              <a:buFont typeface="Arial" panose="020B0604020202020204" pitchFamily="34" charset="0"/>
+              <a:buChar char="•"/>
+            </a:pPr>
+            <a:r>
+              <a:rPr lang="he-IL" dirty="0"/>
+              <a:t>בעת לחיצת המשתמש על אחת השדות, יהיה חיווי של השדה שיראה למשתמש כי הוא ממלא את השדה – </a:t>
+            </a:r>
+            <a:r>
+              <a:rPr lang="he-IL" b="1" dirty="0"/>
+              <a:t>חיווי מצב המערכת.</a:t>
+            </a:r>
+          </a:p>
+          <a:p>
+            <a:pPr marL="285750" indent="-285750" algn="r" rtl="1">
+              <a:buFont typeface="Arial" panose="020B0604020202020204" pitchFamily="34" charset="0"/>
+              <a:buChar char="•"/>
+            </a:pPr>
+            <a:r>
+              <a:rPr lang="he-IL" dirty="0"/>
+              <a:t>נאפשר למשתמש בעת לחיצת הכפתור "</a:t>
+            </a:r>
+            <a:r>
+              <a:rPr lang="en-US" dirty="0"/>
+              <a:t>TAB</a:t>
+            </a:r>
+            <a:r>
+              <a:rPr lang="he-IL" dirty="0"/>
+              <a:t>" לעבור לשדה הבא אוטומטית, ובעת לחיצת הכפתור "</a:t>
+            </a:r>
+            <a:r>
+              <a:rPr lang="en-US" dirty="0"/>
+              <a:t>ENTER</a:t>
+            </a:r>
+            <a:r>
+              <a:rPr lang="he-IL" dirty="0"/>
+              <a:t>" לבצע התחברות מבלי ללחוץ על כפתור ההתחברות – </a:t>
+            </a:r>
+            <a:r>
+              <a:rPr lang="he-IL" b="1" dirty="0"/>
+              <a:t>גמישות ויעילות שימוש.</a:t>
+            </a:r>
+            <a:endParaRPr lang="he-IL" dirty="0"/>
+          </a:p>
+        </p:txBody>
+      </p:sp>
+      <p:pic>
+        <p:nvPicPr>
+          <p:cNvPr id="4" name="תמונה 3">
+            <a:extLst>
+              <a:ext uri="{FF2B5EF4-FFF2-40B4-BE49-F238E27FC236}">
+                <a16:creationId xmlns:a16="http://schemas.microsoft.com/office/drawing/2014/main" id="{8C804448-1091-444C-BE73-7D69E8980E8C}"/>
+              </a:ext>
+            </a:extLst>
+          </p:cNvPr>
+          <p:cNvPicPr>
+            <a:picLocks noChangeAspect="1"/>
+          </p:cNvPicPr>
+          <p:nvPr/>
+        </p:nvPicPr>
+        <p:blipFill>
+          <a:blip r:embed="rId2"/>
+          <a:stretch>
+            <a:fillRect/>
+          </a:stretch>
+        </p:blipFill>
+        <p:spPr>
+          <a:xfrm>
+            <a:off x="0" y="2610000"/>
+            <a:ext cx="7981200" cy="4247306"/>
+          </a:xfrm>
+          <a:prstGeom prst="rect">
+            <a:avLst/>
+          </a:prstGeom>
+        </p:spPr>
+      </p:pic>
+    </p:spTree>
+    <p:extLst>
+      <p:ext uri="{BB962C8B-B14F-4D97-AF65-F5344CB8AC3E}">
+        <p14:creationId xmlns:p14="http://schemas.microsoft.com/office/powerpoint/2010/main" val="3877762486"/>
+      </p:ext>
+    </p:extLst>
+  </p:cSld>
+  <p:clrMapOvr>
+    <a:masterClrMapping/>
+  </p:clrMapOvr>
+</p:sld>
+</file>
+
+<file path=ppt/slides/slide13.xml><?xml version="1.0" encoding="utf-8"?>
+<p:sld xmlns:a="http://schemas.openxmlformats.org/drawingml/2006/main" xmlns:r="http://schemas.openxmlformats.org/officeDocument/2006/relationships" xmlns:p="http://schemas.openxmlformats.org/presentationml/2006/main">
+  <p:cSld>
+    <p:spTree>
+      <p:nvGrpSpPr>
+        <p:cNvPr id="1" name=""/>
+        <p:cNvGrpSpPr/>
+        <p:nvPr/>
+      </p:nvGrpSpPr>
+      <p:grpSpPr>
+        <a:xfrm>
+          <a:off x="0" y="0"/>
+          <a:ext cx="0" cy="0"/>
+          <a:chOff x="0" y="0"/>
+          <a:chExt cx="0" cy="0"/>
+        </a:xfrm>
+      </p:grpSpPr>
+      <p:sp>
+        <p:nvSpPr>
+          <p:cNvPr id="2" name="כותרת 1">
+            <a:extLst>
+              <a:ext uri="{FF2B5EF4-FFF2-40B4-BE49-F238E27FC236}">
+                <a16:creationId xmlns:a16="http://schemas.microsoft.com/office/drawing/2014/main" id="{92A500EE-F6C5-4C79-92F1-D2FDEE8174A4}"/>
+              </a:ext>
+            </a:extLst>
+          </p:cNvPr>
+          <p:cNvSpPr>
+            <a:spLocks noGrp="1"/>
+          </p:cNvSpPr>
+          <p:nvPr>
+            <p:ph type="title"/>
+          </p:nvPr>
+        </p:nvSpPr>
+        <p:spPr>
+          <a:xfrm>
+            <a:off x="1154954" y="973669"/>
+            <a:ext cx="8825659" cy="706964"/>
+          </a:xfrm>
+        </p:spPr>
+        <p:txBody>
+          <a:bodyPr/>
+          <a:lstStyle/>
+          <a:p>
+            <a:pPr algn="ctr"/>
+            <a:r>
+              <a:rPr lang="he-IL"/>
+              <a:t>מסך התחברות</a:t>
+            </a:r>
+            <a:endParaRPr lang="he-IL" dirty="0"/>
+          </a:p>
+        </p:txBody>
+      </p:sp>
+      <p:sp>
+        <p:nvSpPr>
+          <p:cNvPr id="17" name="תיבת טקסט 16">
+            <a:extLst>
+              <a:ext uri="{FF2B5EF4-FFF2-40B4-BE49-F238E27FC236}">
+                <a16:creationId xmlns:a16="http://schemas.microsoft.com/office/drawing/2014/main" id="{2F642565-7D83-416E-A7D1-4FA3B48B83E1}"/>
+              </a:ext>
+            </a:extLst>
+          </p:cNvPr>
+          <p:cNvSpPr txBox="1"/>
+          <p:nvPr/>
+        </p:nvSpPr>
+        <p:spPr>
+          <a:xfrm>
+            <a:off x="7540282" y="2739271"/>
+            <a:ext cx="4487594" cy="923330"/>
+          </a:xfrm>
+          <a:prstGeom prst="rect">
+            <a:avLst/>
+          </a:prstGeom>
+          <a:noFill/>
+        </p:spPr>
+        <p:txBody>
+          <a:bodyPr wrap="square" rtlCol="1">
+            <a:spAutoFit/>
+          </a:bodyPr>
+          <a:lstStyle/>
+          <a:p>
+            <a:pPr marL="285750" indent="-285750" algn="r" rtl="1">
+              <a:buFont typeface="Arial" panose="020B0604020202020204" pitchFamily="34" charset="0"/>
+              <a:buChar char="•"/>
+            </a:pPr>
+            <a:r>
+              <a:rPr lang="he-IL" dirty="0"/>
+              <a:t>הוספנו כפתור למשתמש לצד שדה ה"סיסמה" המאפשר לו לראות את הסיסמה שהזין – </a:t>
+            </a:r>
+            <a:r>
+              <a:rPr lang="he-IL" b="1" dirty="0"/>
+              <a:t>מניעת טעויות.</a:t>
+            </a:r>
+            <a:endParaRPr lang="he-IL" dirty="0"/>
+          </a:p>
+        </p:txBody>
+      </p:sp>
+      <p:pic>
+        <p:nvPicPr>
+          <p:cNvPr id="3" name="תמונה 2">
+            <a:extLst>
+              <a:ext uri="{FF2B5EF4-FFF2-40B4-BE49-F238E27FC236}">
+                <a16:creationId xmlns:a16="http://schemas.microsoft.com/office/drawing/2014/main" id="{44DD3646-170F-4B07-8F52-2001FE2F6DA1}"/>
+              </a:ext>
+            </a:extLst>
+          </p:cNvPr>
+          <p:cNvPicPr>
+            <a:picLocks noChangeAspect="1"/>
+          </p:cNvPicPr>
+          <p:nvPr/>
+        </p:nvPicPr>
+        <p:blipFill>
+          <a:blip r:embed="rId2"/>
+          <a:stretch>
+            <a:fillRect/>
+          </a:stretch>
+        </p:blipFill>
+        <p:spPr>
+          <a:xfrm>
+            <a:off x="0" y="2661899"/>
+            <a:ext cx="7489909" cy="4196101"/>
+          </a:xfrm>
+          <a:prstGeom prst="rect">
+            <a:avLst/>
+          </a:prstGeom>
+        </p:spPr>
+      </p:pic>
+    </p:spTree>
+    <p:extLst>
+      <p:ext uri="{BB962C8B-B14F-4D97-AF65-F5344CB8AC3E}">
+        <p14:creationId xmlns:p14="http://schemas.microsoft.com/office/powerpoint/2010/main" val="1977331281"/>
+      </p:ext>
+    </p:extLst>
+  </p:cSld>
+  <p:clrMapOvr>
+    <a:masterClrMapping/>
+  </p:clrMapOvr>
+</p:sld>
+</file>
+
+<file path=ppt/slides/slide14.xml><?xml version="1.0" encoding="utf-8"?>
+<p:sld xmlns:a="http://schemas.openxmlformats.org/drawingml/2006/main" xmlns:r="http://schemas.openxmlformats.org/officeDocument/2006/relationships" xmlns:p="http://schemas.openxmlformats.org/presentationml/2006/main">
+  <p:cSld>
+    <p:spTree>
+      <p:nvGrpSpPr>
+        <p:cNvPr id="1" name=""/>
+        <p:cNvGrpSpPr/>
+        <p:nvPr/>
+      </p:nvGrpSpPr>
+      <p:grpSpPr>
+        <a:xfrm>
+          <a:off x="0" y="0"/>
+          <a:ext cx="0" cy="0"/>
+          <a:chOff x="0" y="0"/>
+          <a:chExt cx="0" cy="0"/>
+        </a:xfrm>
+      </p:grpSpPr>
+      <p:sp>
+        <p:nvSpPr>
+          <p:cNvPr id="2" name="כותרת 1">
+            <a:extLst>
+              <a:ext uri="{FF2B5EF4-FFF2-40B4-BE49-F238E27FC236}">
+                <a16:creationId xmlns:a16="http://schemas.microsoft.com/office/drawing/2014/main" id="{92A500EE-F6C5-4C79-92F1-D2FDEE8174A4}"/>
+              </a:ext>
+            </a:extLst>
+          </p:cNvPr>
+          <p:cNvSpPr>
+            <a:spLocks noGrp="1"/>
+          </p:cNvSpPr>
+          <p:nvPr>
+            <p:ph type="title"/>
+          </p:nvPr>
+        </p:nvSpPr>
+        <p:spPr>
+          <a:xfrm>
+            <a:off x="1154954" y="973669"/>
+            <a:ext cx="8825659" cy="706964"/>
+          </a:xfrm>
+        </p:spPr>
+        <p:txBody>
+          <a:bodyPr/>
+          <a:lstStyle/>
+          <a:p>
+            <a:pPr algn="ctr"/>
+            <a:r>
+              <a:rPr lang="he-IL"/>
+              <a:t>מסך התחברות</a:t>
+            </a:r>
+            <a:endParaRPr lang="he-IL" dirty="0"/>
+          </a:p>
+        </p:txBody>
+      </p:sp>
+      <p:sp>
+        <p:nvSpPr>
+          <p:cNvPr id="17" name="תיבת טקסט 16">
+            <a:extLst>
+              <a:ext uri="{FF2B5EF4-FFF2-40B4-BE49-F238E27FC236}">
+                <a16:creationId xmlns:a16="http://schemas.microsoft.com/office/drawing/2014/main" id="{2F642565-7D83-416E-A7D1-4FA3B48B83E1}"/>
+              </a:ext>
+            </a:extLst>
+          </p:cNvPr>
+          <p:cNvSpPr txBox="1"/>
+          <p:nvPr/>
+        </p:nvSpPr>
+        <p:spPr>
+          <a:xfrm>
+            <a:off x="7540282" y="2739271"/>
+            <a:ext cx="4487594" cy="923330"/>
+          </a:xfrm>
+          <a:prstGeom prst="rect">
+            <a:avLst/>
+          </a:prstGeom>
+          <a:noFill/>
+        </p:spPr>
+        <p:txBody>
+          <a:bodyPr wrap="square" rtlCol="1">
+            <a:spAutoFit/>
+          </a:bodyPr>
+          <a:lstStyle/>
+          <a:p>
+            <a:pPr marL="285750" indent="-285750" algn="r" rtl="1">
+              <a:buFont typeface="Arial" panose="020B0604020202020204" pitchFamily="34" charset="0"/>
+              <a:buChar char="•"/>
+            </a:pPr>
+            <a:r>
+              <a:rPr lang="he-IL" dirty="0"/>
+              <a:t>הוספנו כפתור למשתמש לצד שדה ה"סיסמה" המאפשר לו לראות את הסיסמה שהזין – </a:t>
+            </a:r>
+            <a:r>
+              <a:rPr lang="he-IL" b="1" dirty="0"/>
+              <a:t>מניעת טעויות.</a:t>
+            </a:r>
+            <a:endParaRPr lang="he-IL" dirty="0"/>
+          </a:p>
+        </p:txBody>
+      </p:sp>
+      <p:pic>
+        <p:nvPicPr>
+          <p:cNvPr id="4" name="תמונה 3">
+            <a:extLst>
+              <a:ext uri="{FF2B5EF4-FFF2-40B4-BE49-F238E27FC236}">
+                <a16:creationId xmlns:a16="http://schemas.microsoft.com/office/drawing/2014/main" id="{94326547-AECF-4F4E-AC85-6BD44FEF36E6}"/>
+              </a:ext>
+            </a:extLst>
+          </p:cNvPr>
+          <p:cNvPicPr>
+            <a:picLocks noChangeAspect="1"/>
+          </p:cNvPicPr>
+          <p:nvPr/>
+        </p:nvPicPr>
+        <p:blipFill>
+          <a:blip r:embed="rId2"/>
+          <a:stretch>
+            <a:fillRect/>
+          </a:stretch>
+        </p:blipFill>
+        <p:spPr>
+          <a:xfrm>
+            <a:off x="0" y="2703995"/>
+            <a:ext cx="7491600" cy="4154005"/>
+          </a:xfrm>
+          <a:prstGeom prst="rect">
+            <a:avLst/>
+          </a:prstGeom>
+        </p:spPr>
+      </p:pic>
+    </p:spTree>
+    <p:extLst>
+      <p:ext uri="{BB962C8B-B14F-4D97-AF65-F5344CB8AC3E}">
+        <p14:creationId xmlns:p14="http://schemas.microsoft.com/office/powerpoint/2010/main" val="2786482054"/>
+      </p:ext>
+    </p:extLst>
+  </p:cSld>
+  <p:clrMapOvr>
+    <a:masterClrMapping/>
+  </p:clrMapOvr>
+</p:sld>
+</file>
+
+<file path=ppt/slides/slide15.xml><?xml version="1.0" encoding="utf-8"?>
+<p:sld xmlns:a="http://schemas.openxmlformats.org/drawingml/2006/main" xmlns:r="http://schemas.openxmlformats.org/officeDocument/2006/relationships" xmlns:p="http://schemas.openxmlformats.org/presentationml/2006/main">
+  <p:cSld>
+    <p:spTree>
+      <p:nvGrpSpPr>
+        <p:cNvPr id="1" name=""/>
+        <p:cNvGrpSpPr/>
+        <p:nvPr/>
+      </p:nvGrpSpPr>
+      <p:grpSpPr>
+        <a:xfrm>
+          <a:off x="0" y="0"/>
+          <a:ext cx="0" cy="0"/>
+          <a:chOff x="0" y="0"/>
+          <a:chExt cx="0" cy="0"/>
+        </a:xfrm>
+      </p:grpSpPr>
+      <p:sp>
+        <p:nvSpPr>
+          <p:cNvPr id="2" name="כותרת 1">
+            <a:extLst>
+              <a:ext uri="{FF2B5EF4-FFF2-40B4-BE49-F238E27FC236}">
+                <a16:creationId xmlns:a16="http://schemas.microsoft.com/office/drawing/2014/main" id="{92A500EE-F6C5-4C79-92F1-D2FDEE8174A4}"/>
+              </a:ext>
+            </a:extLst>
+          </p:cNvPr>
+          <p:cNvSpPr>
+            <a:spLocks noGrp="1"/>
+          </p:cNvSpPr>
+          <p:nvPr>
+            <p:ph type="title"/>
+          </p:nvPr>
+        </p:nvSpPr>
+        <p:spPr>
+          <a:xfrm>
+            <a:off x="1154954" y="973669"/>
+            <a:ext cx="8825659" cy="706964"/>
+          </a:xfrm>
+        </p:spPr>
+        <p:txBody>
+          <a:bodyPr/>
+          <a:lstStyle/>
+          <a:p>
+            <a:pPr algn="ctr"/>
+            <a:r>
+              <a:rPr lang="he-IL"/>
+              <a:t>מסך התחברות</a:t>
+            </a:r>
+            <a:endParaRPr lang="he-IL" dirty="0"/>
+          </a:p>
+        </p:txBody>
+      </p:sp>
+      <p:sp>
+        <p:nvSpPr>
+          <p:cNvPr id="17" name="תיבת טקסט 16">
+            <a:extLst>
+              <a:ext uri="{FF2B5EF4-FFF2-40B4-BE49-F238E27FC236}">
+                <a16:creationId xmlns:a16="http://schemas.microsoft.com/office/drawing/2014/main" id="{2F642565-7D83-416E-A7D1-4FA3B48B83E1}"/>
+              </a:ext>
+            </a:extLst>
+          </p:cNvPr>
+          <p:cNvSpPr txBox="1"/>
+          <p:nvPr/>
+        </p:nvSpPr>
+        <p:spPr>
+          <a:xfrm>
+            <a:off x="7540282" y="2739271"/>
+            <a:ext cx="4487594" cy="1477328"/>
+          </a:xfrm>
+          <a:prstGeom prst="rect">
+            <a:avLst/>
+          </a:prstGeom>
+          <a:noFill/>
+        </p:spPr>
+        <p:txBody>
+          <a:bodyPr wrap="square" rtlCol="1">
+            <a:spAutoFit/>
+          </a:bodyPr>
+          <a:lstStyle/>
+          <a:p>
+            <a:pPr marL="285750" indent="-285750" algn="r" rtl="1">
+              <a:buFont typeface="Arial" panose="020B0604020202020204" pitchFamily="34" charset="0"/>
+              <a:buChar char="•"/>
+            </a:pPr>
+            <a:r>
+              <a:rPr lang="he-IL" dirty="0"/>
+              <a:t>הזזנו את כפתור ההתחברות לצד שמאל.</a:t>
+            </a:r>
+          </a:p>
+          <a:p>
+            <a:pPr marL="285750" indent="-285750" algn="r" rtl="1">
+              <a:buFont typeface="Arial" panose="020B0604020202020204" pitchFamily="34" charset="0"/>
+              <a:buChar char="•"/>
+            </a:pPr>
+            <a:r>
+              <a:rPr lang="he-IL" dirty="0"/>
+              <a:t>שינינו את כפתור ההרשמה כך שיראה כמו קישור למסך הרשמה. – </a:t>
+            </a:r>
+            <a:r>
+              <a:rPr lang="he-IL" b="1" dirty="0"/>
+              <a:t>התאמה בין המערכת לעולם האמיתי (שימוש בשפה אנושית + מזמינות).</a:t>
+            </a:r>
+            <a:endParaRPr lang="he-IL" dirty="0"/>
+          </a:p>
+        </p:txBody>
+      </p:sp>
+      <p:pic>
+        <p:nvPicPr>
+          <p:cNvPr id="3" name="תמונה 2">
+            <a:extLst>
+              <a:ext uri="{FF2B5EF4-FFF2-40B4-BE49-F238E27FC236}">
+                <a16:creationId xmlns:a16="http://schemas.microsoft.com/office/drawing/2014/main" id="{AFF2BC89-6CFF-4440-A217-BA3D6ED40099}"/>
+              </a:ext>
+            </a:extLst>
+          </p:cNvPr>
+          <p:cNvPicPr>
+            <a:picLocks noChangeAspect="1"/>
+          </p:cNvPicPr>
+          <p:nvPr/>
+        </p:nvPicPr>
+        <p:blipFill>
+          <a:blip r:embed="rId2"/>
+          <a:stretch>
+            <a:fillRect/>
+          </a:stretch>
+        </p:blipFill>
+        <p:spPr>
+          <a:xfrm>
+            <a:off x="0" y="2724585"/>
+            <a:ext cx="7376157" cy="4133415"/>
+          </a:xfrm>
+          <a:prstGeom prst="rect">
+            <a:avLst/>
+          </a:prstGeom>
+        </p:spPr>
+      </p:pic>
+    </p:spTree>
+    <p:extLst>
+      <p:ext uri="{BB962C8B-B14F-4D97-AF65-F5344CB8AC3E}">
+        <p14:creationId xmlns:p14="http://schemas.microsoft.com/office/powerpoint/2010/main" val="438078503"/>
+      </p:ext>
+    </p:extLst>
+  </p:cSld>
+  <p:clrMapOvr>
+    <a:masterClrMapping/>
+  </p:clrMapOvr>
+</p:sld>
+</file>
+
+<file path=ppt/slides/slide16.xml><?xml version="1.0" encoding="utf-8"?>
+<p:sld xmlns:a="http://schemas.openxmlformats.org/drawingml/2006/main" xmlns:r="http://schemas.openxmlformats.org/officeDocument/2006/relationships" xmlns:p="http://schemas.openxmlformats.org/presentationml/2006/main">
+  <p:cSld>
+    <p:spTree>
+      <p:nvGrpSpPr>
+        <p:cNvPr id="1" name=""/>
+        <p:cNvGrpSpPr/>
+        <p:nvPr/>
+      </p:nvGrpSpPr>
+      <p:grpSpPr>
+        <a:xfrm>
+          <a:off x="0" y="0"/>
+          <a:ext cx="0" cy="0"/>
+          <a:chOff x="0" y="0"/>
+          <a:chExt cx="0" cy="0"/>
+        </a:xfrm>
+      </p:grpSpPr>
+      <p:sp>
+        <p:nvSpPr>
+          <p:cNvPr id="2" name="כותרת 1">
+            <a:extLst>
+              <a:ext uri="{FF2B5EF4-FFF2-40B4-BE49-F238E27FC236}">
+                <a16:creationId xmlns:a16="http://schemas.microsoft.com/office/drawing/2014/main" id="{92A500EE-F6C5-4C79-92F1-D2FDEE8174A4}"/>
+              </a:ext>
+            </a:extLst>
+          </p:cNvPr>
+          <p:cNvSpPr>
+            <a:spLocks noGrp="1"/>
+          </p:cNvSpPr>
+          <p:nvPr>
+            <p:ph type="title"/>
+          </p:nvPr>
+        </p:nvSpPr>
+        <p:spPr>
+          <a:xfrm>
+            <a:off x="1154954" y="973669"/>
+            <a:ext cx="8825659" cy="706964"/>
+          </a:xfrm>
+        </p:spPr>
+        <p:txBody>
+          <a:bodyPr/>
+          <a:lstStyle/>
+          <a:p>
+            <a:pPr algn="ctr"/>
+            <a:r>
+              <a:rPr lang="he-IL"/>
+              <a:t>מסך התחברות</a:t>
+            </a:r>
+            <a:endParaRPr lang="he-IL" dirty="0"/>
+          </a:p>
+        </p:txBody>
+      </p:sp>
+      <p:sp>
+        <p:nvSpPr>
+          <p:cNvPr id="17" name="תיבת טקסט 16">
+            <a:extLst>
+              <a:ext uri="{FF2B5EF4-FFF2-40B4-BE49-F238E27FC236}">
+                <a16:creationId xmlns:a16="http://schemas.microsoft.com/office/drawing/2014/main" id="{2F642565-7D83-416E-A7D1-4FA3B48B83E1}"/>
+              </a:ext>
+            </a:extLst>
+          </p:cNvPr>
+          <p:cNvSpPr txBox="1"/>
+          <p:nvPr/>
+        </p:nvSpPr>
+        <p:spPr>
+          <a:xfrm>
+            <a:off x="7540282" y="2739271"/>
+            <a:ext cx="4487594" cy="646331"/>
+          </a:xfrm>
+          <a:prstGeom prst="rect">
+            <a:avLst/>
+          </a:prstGeom>
+          <a:noFill/>
+        </p:spPr>
+        <p:txBody>
+          <a:bodyPr wrap="square" rtlCol="1">
+            <a:spAutoFit/>
+          </a:bodyPr>
+          <a:lstStyle/>
+          <a:p>
+            <a:pPr marL="285750" indent="-285750" algn="r" rtl="1">
+              <a:buFont typeface="Arial" panose="020B0604020202020204" pitchFamily="34" charset="0"/>
+              <a:buChar char="•"/>
+            </a:pPr>
+            <a:r>
+              <a:rPr lang="he-IL" dirty="0"/>
+              <a:t>הוספנו אפשרות לזכור את המשתמש לפעמים הבאות</a:t>
+            </a:r>
+          </a:p>
+        </p:txBody>
+      </p:sp>
+      <p:pic>
+        <p:nvPicPr>
+          <p:cNvPr id="4" name="תמונה 3">
+            <a:extLst>
+              <a:ext uri="{FF2B5EF4-FFF2-40B4-BE49-F238E27FC236}">
+                <a16:creationId xmlns:a16="http://schemas.microsoft.com/office/drawing/2014/main" id="{C4AC84E8-C33D-4B9A-9010-89F637AB80A1}"/>
+              </a:ext>
+            </a:extLst>
+          </p:cNvPr>
+          <p:cNvPicPr>
+            <a:picLocks noChangeAspect="1"/>
+          </p:cNvPicPr>
+          <p:nvPr/>
+        </p:nvPicPr>
+        <p:blipFill>
+          <a:blip r:embed="rId2"/>
+          <a:stretch>
+            <a:fillRect/>
+          </a:stretch>
+        </p:blipFill>
+        <p:spPr>
+          <a:xfrm>
+            <a:off x="0" y="2739271"/>
+            <a:ext cx="7403394" cy="4118729"/>
+          </a:xfrm>
+          <a:prstGeom prst="rect">
+            <a:avLst/>
+          </a:prstGeom>
+        </p:spPr>
+      </p:pic>
+    </p:spTree>
+    <p:extLst>
+      <p:ext uri="{BB962C8B-B14F-4D97-AF65-F5344CB8AC3E}">
+        <p14:creationId xmlns:p14="http://schemas.microsoft.com/office/powerpoint/2010/main" val="2099280823"/>
+      </p:ext>
+    </p:extLst>
+  </p:cSld>
+  <p:clrMapOvr>
+    <a:masterClrMapping/>
+  </p:clrMapOvr>
+</p:sld>
+</file>
+
+<file path=ppt/slides/slide17.xml><?xml version="1.0" encoding="utf-8"?>
+<p:sld xmlns:a="http://schemas.openxmlformats.org/drawingml/2006/main" xmlns:r="http://schemas.openxmlformats.org/officeDocument/2006/relationships" xmlns:p="http://schemas.openxmlformats.org/presentationml/2006/main">
+  <p:cSld>
+    <p:spTree>
+      <p:nvGrpSpPr>
+        <p:cNvPr id="1" name=""/>
+        <p:cNvGrpSpPr/>
+        <p:nvPr/>
+      </p:nvGrpSpPr>
+      <p:grpSpPr>
+        <a:xfrm>
+          <a:off x="0" y="0"/>
+          <a:ext cx="0" cy="0"/>
+          <a:chOff x="0" y="0"/>
+          <a:chExt cx="0" cy="0"/>
+        </a:xfrm>
+      </p:grpSpPr>
+      <p:sp>
+        <p:nvSpPr>
+          <p:cNvPr id="2" name="כותרת 1">
+            <a:extLst>
+              <a:ext uri="{FF2B5EF4-FFF2-40B4-BE49-F238E27FC236}">
+                <a16:creationId xmlns:a16="http://schemas.microsoft.com/office/drawing/2014/main" id="{92A500EE-F6C5-4C79-92F1-D2FDEE8174A4}"/>
+              </a:ext>
+            </a:extLst>
+          </p:cNvPr>
+          <p:cNvSpPr>
+            <a:spLocks noGrp="1"/>
+          </p:cNvSpPr>
+          <p:nvPr>
+            <p:ph type="title"/>
+          </p:nvPr>
+        </p:nvSpPr>
+        <p:spPr>
+          <a:xfrm>
+            <a:off x="1154954" y="973669"/>
+            <a:ext cx="8825659" cy="706964"/>
+          </a:xfrm>
+        </p:spPr>
+        <p:txBody>
+          <a:bodyPr/>
+          <a:lstStyle/>
+          <a:p>
+            <a:pPr algn="ctr"/>
+            <a:r>
+              <a:rPr lang="he-IL"/>
+              <a:t>מסך התחברות</a:t>
+            </a:r>
+            <a:endParaRPr lang="he-IL" dirty="0"/>
+          </a:p>
+        </p:txBody>
+      </p:sp>
+      <p:sp>
+        <p:nvSpPr>
+          <p:cNvPr id="17" name="תיבת טקסט 16">
+            <a:extLst>
+              <a:ext uri="{FF2B5EF4-FFF2-40B4-BE49-F238E27FC236}">
+                <a16:creationId xmlns:a16="http://schemas.microsoft.com/office/drawing/2014/main" id="{2F642565-7D83-416E-A7D1-4FA3B48B83E1}"/>
+              </a:ext>
+            </a:extLst>
+          </p:cNvPr>
+          <p:cNvSpPr txBox="1"/>
+          <p:nvPr/>
+        </p:nvSpPr>
+        <p:spPr>
+          <a:xfrm>
+            <a:off x="7540282" y="2739271"/>
+            <a:ext cx="4487594" cy="646331"/>
+          </a:xfrm>
+          <a:prstGeom prst="rect">
+            <a:avLst/>
+          </a:prstGeom>
+          <a:noFill/>
+        </p:spPr>
+        <p:txBody>
+          <a:bodyPr wrap="square" rtlCol="1">
+            <a:spAutoFit/>
+          </a:bodyPr>
+          <a:lstStyle/>
+          <a:p>
+            <a:pPr marL="285750" indent="-285750" algn="r" rtl="1">
+              <a:buFont typeface="Arial" panose="020B0604020202020204" pitchFamily="34" charset="0"/>
+              <a:buChar char="•"/>
+            </a:pPr>
+            <a:r>
+              <a:rPr lang="he-IL" dirty="0"/>
+              <a:t>הוספנו אפשרות לזכור את המשתמש לפעמים הבאות</a:t>
+            </a:r>
+          </a:p>
+        </p:txBody>
+      </p:sp>
+      <p:pic>
+        <p:nvPicPr>
+          <p:cNvPr id="3" name="תמונה 2">
+            <a:extLst>
+              <a:ext uri="{FF2B5EF4-FFF2-40B4-BE49-F238E27FC236}">
+                <a16:creationId xmlns:a16="http://schemas.microsoft.com/office/drawing/2014/main" id="{713B69A8-3AD9-4073-B2B7-E8BD26F62F61}"/>
+              </a:ext>
+            </a:extLst>
+          </p:cNvPr>
+          <p:cNvPicPr>
+            <a:picLocks noChangeAspect="1"/>
+          </p:cNvPicPr>
+          <p:nvPr/>
+        </p:nvPicPr>
+        <p:blipFill>
+          <a:blip r:embed="rId2"/>
+          <a:stretch>
+            <a:fillRect/>
+          </a:stretch>
+        </p:blipFill>
+        <p:spPr>
+          <a:xfrm>
+            <a:off x="0" y="2739271"/>
+            <a:ext cx="7399606" cy="4118729"/>
+          </a:xfrm>
+          <a:prstGeom prst="rect">
+            <a:avLst/>
+          </a:prstGeom>
+        </p:spPr>
+      </p:pic>
+    </p:spTree>
+    <p:extLst>
+      <p:ext uri="{BB962C8B-B14F-4D97-AF65-F5344CB8AC3E}">
+        <p14:creationId xmlns:p14="http://schemas.microsoft.com/office/powerpoint/2010/main" val="2827644645"/>
+      </p:ext>
+    </p:extLst>
+  </p:cSld>
+  <p:clrMapOvr>
+    <a:masterClrMapping/>
+  </p:clrMapOvr>
+</p:sld>
+</file>
+
+<file path=ppt/slides/slide18.xml><?xml version="1.0" encoding="utf-8"?>
+<p:sld xmlns:a="http://schemas.openxmlformats.org/drawingml/2006/main" xmlns:r="http://schemas.openxmlformats.org/officeDocument/2006/relationships" xmlns:p="http://schemas.openxmlformats.org/presentationml/2006/main">
+  <p:cSld>
+    <p:spTree>
+      <p:nvGrpSpPr>
+        <p:cNvPr id="1" name=""/>
+        <p:cNvGrpSpPr/>
+        <p:nvPr/>
+      </p:nvGrpSpPr>
+      <p:grpSpPr>
+        <a:xfrm>
+          <a:off x="0" y="0"/>
+          <a:ext cx="0" cy="0"/>
+          <a:chOff x="0" y="0"/>
+          <a:chExt cx="0" cy="0"/>
+        </a:xfrm>
+      </p:grpSpPr>
+      <p:sp>
+        <p:nvSpPr>
+          <p:cNvPr id="2" name="כותרת 1">
+            <a:extLst>
+              <a:ext uri="{FF2B5EF4-FFF2-40B4-BE49-F238E27FC236}">
+                <a16:creationId xmlns:a16="http://schemas.microsoft.com/office/drawing/2014/main" id="{92A500EE-F6C5-4C79-92F1-D2FDEE8174A4}"/>
+              </a:ext>
+            </a:extLst>
+          </p:cNvPr>
+          <p:cNvSpPr>
+            <a:spLocks noGrp="1"/>
+          </p:cNvSpPr>
+          <p:nvPr>
+            <p:ph type="title"/>
+          </p:nvPr>
+        </p:nvSpPr>
+        <p:spPr>
+          <a:xfrm>
+            <a:off x="1154954" y="973669"/>
+            <a:ext cx="8825659" cy="706964"/>
+          </a:xfrm>
+        </p:spPr>
+        <p:txBody>
+          <a:bodyPr/>
+          <a:lstStyle/>
+          <a:p>
+            <a:pPr algn="ctr"/>
+            <a:r>
+              <a:rPr lang="he-IL"/>
+              <a:t>מסך התחברות</a:t>
+            </a:r>
+            <a:endParaRPr lang="he-IL" dirty="0"/>
+          </a:p>
+        </p:txBody>
+      </p:sp>
+      <p:sp>
+        <p:nvSpPr>
+          <p:cNvPr id="17" name="תיבת טקסט 16">
+            <a:extLst>
+              <a:ext uri="{FF2B5EF4-FFF2-40B4-BE49-F238E27FC236}">
+                <a16:creationId xmlns:a16="http://schemas.microsoft.com/office/drawing/2014/main" id="{2F642565-7D83-416E-A7D1-4FA3B48B83E1}"/>
+              </a:ext>
+            </a:extLst>
+          </p:cNvPr>
+          <p:cNvSpPr txBox="1"/>
+          <p:nvPr/>
+        </p:nvSpPr>
+        <p:spPr>
+          <a:xfrm>
+            <a:off x="7540282" y="2739271"/>
+            <a:ext cx="4487594" cy="1200329"/>
+          </a:xfrm>
+          <a:prstGeom prst="rect">
+            <a:avLst/>
+          </a:prstGeom>
+          <a:noFill/>
+        </p:spPr>
+        <p:txBody>
+          <a:bodyPr wrap="square" rtlCol="1">
+            <a:spAutoFit/>
+          </a:bodyPr>
+          <a:lstStyle/>
+          <a:p>
+            <a:pPr marL="285750" indent="-285750" algn="r" rtl="1">
+              <a:buFont typeface="Arial" panose="020B0604020202020204" pitchFamily="34" charset="0"/>
+              <a:buChar char="•"/>
+            </a:pPr>
+            <a:r>
+              <a:rPr lang="he-IL" dirty="0"/>
+              <a:t>בעת הכנסת אחד מהשדות ערך שגוי ולחיצה על התחברות, נוסיף שגיאה מתאימה למשתמש המסבירה מה קרה – </a:t>
+            </a:r>
+            <a:r>
+              <a:rPr lang="he-IL" b="1" dirty="0"/>
+              <a:t>התאוששות משגיאות.</a:t>
+            </a:r>
+            <a:endParaRPr lang="he-IL" dirty="0"/>
+          </a:p>
+        </p:txBody>
+      </p:sp>
+      <p:pic>
+        <p:nvPicPr>
+          <p:cNvPr id="4" name="תמונה 3">
+            <a:extLst>
+              <a:ext uri="{FF2B5EF4-FFF2-40B4-BE49-F238E27FC236}">
+                <a16:creationId xmlns:a16="http://schemas.microsoft.com/office/drawing/2014/main" id="{FFFAB130-62FE-4E0C-9148-B93FEA07DEF3}"/>
+              </a:ext>
+            </a:extLst>
+          </p:cNvPr>
+          <p:cNvPicPr>
+            <a:picLocks noChangeAspect="1"/>
+          </p:cNvPicPr>
+          <p:nvPr/>
+        </p:nvPicPr>
+        <p:blipFill>
+          <a:blip r:embed="rId2"/>
+          <a:stretch>
+            <a:fillRect/>
+          </a:stretch>
+        </p:blipFill>
+        <p:spPr>
+          <a:xfrm>
+            <a:off x="1" y="2609458"/>
+            <a:ext cx="7540282" cy="4248541"/>
+          </a:xfrm>
+          <a:prstGeom prst="rect">
+            <a:avLst/>
+          </a:prstGeom>
+        </p:spPr>
+      </p:pic>
+    </p:spTree>
+    <p:extLst>
+      <p:ext uri="{BB962C8B-B14F-4D97-AF65-F5344CB8AC3E}">
+        <p14:creationId xmlns:p14="http://schemas.microsoft.com/office/powerpoint/2010/main" val="1321157970"/>
+      </p:ext>
+    </p:extLst>
+  </p:cSld>
+  <p:clrMapOvr>
+    <a:masterClrMapping/>
+  </p:clrMapOvr>
+</p:sld>
+</file>
+
+<file path=ppt/slides/slide19.xml><?xml version="1.0" encoding="utf-8"?>
+<p:sld xmlns:a="http://schemas.openxmlformats.org/drawingml/2006/main" xmlns:r="http://schemas.openxmlformats.org/officeDocument/2006/relationships" xmlns:p="http://schemas.openxmlformats.org/presentationml/2006/main">
+  <p:cSld>
+    <p:spTree>
+      <p:nvGrpSpPr>
+        <p:cNvPr id="1" name=""/>
+        <p:cNvGrpSpPr/>
+        <p:nvPr/>
+      </p:nvGrpSpPr>
+      <p:grpSpPr>
+        <a:xfrm>
+          <a:off x="0" y="0"/>
+          <a:ext cx="0" cy="0"/>
+          <a:chOff x="0" y="0"/>
+          <a:chExt cx="0" cy="0"/>
+        </a:xfrm>
+      </p:grpSpPr>
+      <p:sp>
+        <p:nvSpPr>
+          <p:cNvPr id="2" name="כותרת 1">
+            <a:extLst>
+              <a:ext uri="{FF2B5EF4-FFF2-40B4-BE49-F238E27FC236}">
+                <a16:creationId xmlns:a16="http://schemas.microsoft.com/office/drawing/2014/main" id="{92A500EE-F6C5-4C79-92F1-D2FDEE8174A4}"/>
+              </a:ext>
+            </a:extLst>
+          </p:cNvPr>
+          <p:cNvSpPr>
+            <a:spLocks noGrp="1"/>
+          </p:cNvSpPr>
+          <p:nvPr>
+            <p:ph type="title"/>
+          </p:nvPr>
+        </p:nvSpPr>
+        <p:spPr>
+          <a:xfrm>
+            <a:off x="1154954" y="973669"/>
+            <a:ext cx="8825659" cy="706964"/>
+          </a:xfrm>
+        </p:spPr>
+        <p:txBody>
+          <a:bodyPr/>
+          <a:lstStyle/>
+          <a:p>
+            <a:pPr algn="ctr"/>
+            <a:r>
+              <a:rPr lang="he-IL"/>
+              <a:t>מסך התחברות</a:t>
+            </a:r>
+            <a:endParaRPr lang="he-IL" dirty="0"/>
+          </a:p>
+        </p:txBody>
+      </p:sp>
+      <p:sp>
+        <p:nvSpPr>
+          <p:cNvPr id="17" name="תיבת טקסט 16">
+            <a:extLst>
+              <a:ext uri="{FF2B5EF4-FFF2-40B4-BE49-F238E27FC236}">
+                <a16:creationId xmlns:a16="http://schemas.microsoft.com/office/drawing/2014/main" id="{2F642565-7D83-416E-A7D1-4FA3B48B83E1}"/>
+              </a:ext>
+            </a:extLst>
+          </p:cNvPr>
+          <p:cNvSpPr txBox="1"/>
+          <p:nvPr/>
+        </p:nvSpPr>
+        <p:spPr>
+          <a:xfrm>
+            <a:off x="7540282" y="2739271"/>
+            <a:ext cx="4487594" cy="646331"/>
+          </a:xfrm>
+          <a:prstGeom prst="rect">
+            <a:avLst/>
+          </a:prstGeom>
+          <a:noFill/>
+        </p:spPr>
+        <p:txBody>
+          <a:bodyPr wrap="square" rtlCol="1">
+            <a:spAutoFit/>
+          </a:bodyPr>
+          <a:lstStyle/>
+          <a:p>
+            <a:pPr marL="285750" indent="-285750" algn="r" rtl="1">
+              <a:buFont typeface="Arial" panose="020B0604020202020204" pitchFamily="34" charset="0"/>
+              <a:buChar char="•"/>
+            </a:pPr>
+            <a:r>
+              <a:rPr lang="he-IL" dirty="0"/>
+              <a:t>הוספנו אפשרות של "שכחתי סיסמה" על מנת לאפשר למשתמש לשחזר סיסמה.</a:t>
+            </a:r>
+          </a:p>
+        </p:txBody>
+      </p:sp>
+      <p:pic>
+        <p:nvPicPr>
+          <p:cNvPr id="3" name="תמונה 2">
+            <a:extLst>
+              <a:ext uri="{FF2B5EF4-FFF2-40B4-BE49-F238E27FC236}">
+                <a16:creationId xmlns:a16="http://schemas.microsoft.com/office/drawing/2014/main" id="{D9F8231E-B136-4E40-8A95-5E995A9C40F7}"/>
+              </a:ext>
+            </a:extLst>
+          </p:cNvPr>
+          <p:cNvPicPr>
+            <a:picLocks noChangeAspect="1"/>
+          </p:cNvPicPr>
+          <p:nvPr/>
+        </p:nvPicPr>
+        <p:blipFill>
+          <a:blip r:embed="rId2"/>
+          <a:stretch>
+            <a:fillRect/>
+          </a:stretch>
+        </p:blipFill>
+        <p:spPr>
+          <a:xfrm>
+            <a:off x="0" y="2606431"/>
+            <a:ext cx="7652825" cy="4251569"/>
+          </a:xfrm>
+          <a:prstGeom prst="rect">
+            <a:avLst/>
+          </a:prstGeom>
+        </p:spPr>
+      </p:pic>
+    </p:spTree>
+    <p:extLst>
+      <p:ext uri="{BB962C8B-B14F-4D97-AF65-F5344CB8AC3E}">
+        <p14:creationId xmlns:p14="http://schemas.microsoft.com/office/powerpoint/2010/main" val="2957022314"/>
+      </p:ext>
+    </p:extLst>
+  </p:cSld>
+  <p:clrMapOvr>
+    <a:masterClrMapping/>
+  </p:clrMapOvr>
+</p:sld>
+</file>
+
 <file path=ppt/slides/slide2.xml><?xml version="1.0" encoding="utf-8"?>
 <p:sld xmlns:a="http://schemas.openxmlformats.org/drawingml/2006/main" xmlns:r="http://schemas.openxmlformats.org/officeDocument/2006/relationships" xmlns:p="http://schemas.openxmlformats.org/presentationml/2006/main">
   <p:cSld>
@@ -13239,6 +14600,400 @@
       </p:grpSpPr>
       <p:sp>
         <p:nvSpPr>
+          <p:cNvPr id="2" name="כותרת 1">
+            <a:extLst>
+              <a:ext uri="{FF2B5EF4-FFF2-40B4-BE49-F238E27FC236}">
+                <a16:creationId xmlns:a16="http://schemas.microsoft.com/office/drawing/2014/main" id="{92A500EE-F6C5-4C79-92F1-D2FDEE8174A4}"/>
+              </a:ext>
+            </a:extLst>
+          </p:cNvPr>
+          <p:cNvSpPr>
+            <a:spLocks noGrp="1"/>
+          </p:cNvSpPr>
+          <p:nvPr>
+            <p:ph type="title"/>
+          </p:nvPr>
+        </p:nvSpPr>
+        <p:spPr/>
+        <p:txBody>
+          <a:bodyPr/>
+          <a:lstStyle/>
+          <a:p>
+            <a:pPr algn="ctr"/>
+            <a:r>
+              <a:rPr lang="he-IL" dirty="0"/>
+              <a:t>מסך התחברות</a:t>
+            </a:r>
+          </a:p>
+        </p:txBody>
+      </p:sp>
+      <p:pic>
+        <p:nvPicPr>
+          <p:cNvPr id="16" name="תמונה 15">
+            <a:extLst>
+              <a:ext uri="{FF2B5EF4-FFF2-40B4-BE49-F238E27FC236}">
+                <a16:creationId xmlns:a16="http://schemas.microsoft.com/office/drawing/2014/main" id="{4FD9B8E5-98A3-4C79-8EC6-1523FF6B0199}"/>
+              </a:ext>
+            </a:extLst>
+          </p:cNvPr>
+          <p:cNvPicPr>
+            <a:picLocks noChangeAspect="1"/>
+          </p:cNvPicPr>
+          <p:nvPr/>
+        </p:nvPicPr>
+        <p:blipFill>
+          <a:blip r:embed="rId2"/>
+          <a:stretch>
+            <a:fillRect/>
+          </a:stretch>
+        </p:blipFill>
+        <p:spPr>
+          <a:xfrm>
+            <a:off x="531944" y="2813539"/>
+            <a:ext cx="6851533" cy="3844516"/>
+          </a:xfrm>
+          <a:prstGeom prst="rect">
+            <a:avLst/>
+          </a:prstGeom>
+        </p:spPr>
+      </p:pic>
+      <p:sp>
+        <p:nvSpPr>
+          <p:cNvPr id="17" name="תיבת טקסט 16">
+            <a:extLst>
+              <a:ext uri="{FF2B5EF4-FFF2-40B4-BE49-F238E27FC236}">
+                <a16:creationId xmlns:a16="http://schemas.microsoft.com/office/drawing/2014/main" id="{2F642565-7D83-416E-A7D1-4FA3B48B83E1}"/>
+              </a:ext>
+            </a:extLst>
+          </p:cNvPr>
+          <p:cNvSpPr txBox="1"/>
+          <p:nvPr/>
+        </p:nvSpPr>
+        <p:spPr>
+          <a:xfrm>
+            <a:off x="7540282" y="2610683"/>
+            <a:ext cx="4487594" cy="3693319"/>
+          </a:xfrm>
+          <a:prstGeom prst="rect">
+            <a:avLst/>
+          </a:prstGeom>
+          <a:noFill/>
+        </p:spPr>
+        <p:txBody>
+          <a:bodyPr wrap="square" rtlCol="1">
+            <a:spAutoFit/>
+          </a:bodyPr>
+          <a:lstStyle/>
+          <a:p>
+            <a:pPr marL="285750" indent="-285750" algn="r" rtl="1">
+              <a:buFont typeface="Arial" panose="020B0604020202020204" pitchFamily="34" charset="0"/>
+              <a:buChar char="•"/>
+            </a:pPr>
+            <a:r>
+              <a:rPr lang="he-IL" dirty="0"/>
+              <a:t>כפתור ההתחברות וההרשמה דומים ויכולים לגרום לבלבול בזמן ההתחברות.</a:t>
+            </a:r>
+          </a:p>
+          <a:p>
+            <a:pPr marL="285750" indent="-285750" algn="r" rtl="1">
+              <a:buFont typeface="Arial" panose="020B0604020202020204" pitchFamily="34" charset="0"/>
+              <a:buChar char="•"/>
+            </a:pPr>
+            <a:r>
+              <a:rPr lang="he-IL" dirty="0"/>
+              <a:t>אין אפשרות לשחזור סיסמת המשתמש – </a:t>
+            </a:r>
+            <a:r>
+              <a:rPr lang="he-IL" b="1" dirty="0"/>
+              <a:t>שליטת משתמש וחופש פעולה.</a:t>
+            </a:r>
+            <a:endParaRPr lang="he-IL" dirty="0"/>
+          </a:p>
+          <a:p>
+            <a:pPr marL="285750" indent="-285750" algn="r" rtl="1">
+              <a:buFont typeface="Arial" panose="020B0604020202020204" pitchFamily="34" charset="0"/>
+              <a:buChar char="•"/>
+            </a:pPr>
+            <a:r>
+              <a:rPr lang="he-IL" dirty="0"/>
+              <a:t>אין חיווי המראה למשתמש היכן הוא ממלא את פרטיו – </a:t>
+            </a:r>
+            <a:r>
+              <a:rPr lang="he-IL" b="1" dirty="0"/>
+              <a:t>חיווי מצב המערכת.</a:t>
+            </a:r>
+            <a:endParaRPr lang="he-IL" dirty="0"/>
+          </a:p>
+          <a:p>
+            <a:pPr marL="285750" indent="-285750" algn="r" rtl="1">
+              <a:buFont typeface="Arial" panose="020B0604020202020204" pitchFamily="34" charset="0"/>
+              <a:buChar char="•"/>
+            </a:pPr>
+            <a:r>
+              <a:rPr lang="he-IL" dirty="0"/>
+              <a:t>אין סמלים\אייקונים שמאפיינים את שדות הקלט – </a:t>
+            </a:r>
+            <a:r>
+              <a:rPr lang="he-IL" b="1" dirty="0"/>
+              <a:t>זיהוי ולא זיכרון.</a:t>
+            </a:r>
+          </a:p>
+          <a:p>
+            <a:pPr marL="285750" indent="-285750" algn="r" rtl="1">
+              <a:buFont typeface="Arial" panose="020B0604020202020204" pitchFamily="34" charset="0"/>
+              <a:buChar char="•"/>
+            </a:pPr>
+            <a:r>
+              <a:rPr lang="he-IL" dirty="0"/>
+              <a:t>על המשתמש ללחוץ על כל שדה קלט עם העכבר על מנת להכניס את הפרטים – </a:t>
+            </a:r>
+            <a:r>
+              <a:rPr lang="he-IL" b="1" dirty="0"/>
+              <a:t>גמישות ויעילות שימוש.</a:t>
+            </a:r>
+          </a:p>
+          <a:p>
+            <a:pPr marL="285750" indent="-285750" algn="r" rtl="1">
+              <a:buFont typeface="Arial" panose="020B0604020202020204" pitchFamily="34" charset="0"/>
+              <a:buChar char="•"/>
+            </a:pPr>
+            <a:r>
+              <a:rPr lang="he-IL" dirty="0"/>
+              <a:t>אין אפשרות "זכור אותי" – </a:t>
+            </a:r>
+            <a:r>
+              <a:rPr lang="he-IL" b="1" dirty="0"/>
+              <a:t>גמישות ויעילות שימוש.</a:t>
+            </a:r>
+            <a:endParaRPr lang="he-IL" dirty="0"/>
+          </a:p>
+        </p:txBody>
+      </p:sp>
+    </p:spTree>
+    <p:extLst>
+      <p:ext uri="{BB962C8B-B14F-4D97-AF65-F5344CB8AC3E}">
+        <p14:creationId xmlns:p14="http://schemas.microsoft.com/office/powerpoint/2010/main" val="2576447696"/>
+      </p:ext>
+    </p:extLst>
+  </p:cSld>
+  <p:clrMapOvr>
+    <a:masterClrMapping/>
+  </p:clrMapOvr>
+</p:sld>
+</file>
+
+<file path=ppt/slides/slide6.xml><?xml version="1.0" encoding="utf-8"?>
+<p:sld xmlns:a="http://schemas.openxmlformats.org/drawingml/2006/main" xmlns:r="http://schemas.openxmlformats.org/officeDocument/2006/relationships" xmlns:p="http://schemas.openxmlformats.org/presentationml/2006/main">
+  <p:cSld>
+    <p:spTree>
+      <p:nvGrpSpPr>
+        <p:cNvPr id="1" name=""/>
+        <p:cNvGrpSpPr/>
+        <p:nvPr/>
+      </p:nvGrpSpPr>
+      <p:grpSpPr>
+        <a:xfrm>
+          <a:off x="0" y="0"/>
+          <a:ext cx="0" cy="0"/>
+          <a:chOff x="0" y="0"/>
+          <a:chExt cx="0" cy="0"/>
+        </a:xfrm>
+      </p:grpSpPr>
+      <p:sp>
+        <p:nvSpPr>
+          <p:cNvPr id="2" name="כותרת 1">
+            <a:extLst>
+              <a:ext uri="{FF2B5EF4-FFF2-40B4-BE49-F238E27FC236}">
+                <a16:creationId xmlns:a16="http://schemas.microsoft.com/office/drawing/2014/main" id="{DE777293-170B-4164-A212-000191C56DFE}"/>
+              </a:ext>
+            </a:extLst>
+          </p:cNvPr>
+          <p:cNvSpPr>
+            <a:spLocks noGrp="1"/>
+          </p:cNvSpPr>
+          <p:nvPr>
+            <p:ph type="title"/>
+          </p:nvPr>
+        </p:nvSpPr>
+        <p:spPr/>
+        <p:txBody>
+          <a:bodyPr/>
+          <a:lstStyle/>
+          <a:p>
+            <a:pPr algn="ctr" rtl="1"/>
+            <a:r>
+              <a:rPr lang="he-IL"/>
+              <a:t>מסך </a:t>
+            </a:r>
+            <a:r>
+              <a:rPr lang="he-IL" dirty="0"/>
+              <a:t>הרשמה</a:t>
+            </a:r>
+          </a:p>
+        </p:txBody>
+      </p:sp>
+      <p:pic>
+        <p:nvPicPr>
+          <p:cNvPr id="4" name="תמונה 3">
+            <a:extLst>
+              <a:ext uri="{FF2B5EF4-FFF2-40B4-BE49-F238E27FC236}">
+                <a16:creationId xmlns:a16="http://schemas.microsoft.com/office/drawing/2014/main" id="{2B8550E2-EBB3-4A16-B677-A16EF0998913}"/>
+              </a:ext>
+            </a:extLst>
+          </p:cNvPr>
+          <p:cNvPicPr>
+            <a:picLocks noChangeAspect="1"/>
+          </p:cNvPicPr>
+          <p:nvPr/>
+        </p:nvPicPr>
+        <p:blipFill>
+          <a:blip r:embed="rId2"/>
+          <a:stretch>
+            <a:fillRect/>
+          </a:stretch>
+        </p:blipFill>
+        <p:spPr>
+          <a:xfrm>
+            <a:off x="331177" y="2477527"/>
+            <a:ext cx="7434189" cy="4212128"/>
+          </a:xfrm>
+          <a:prstGeom prst="rect">
+            <a:avLst/>
+          </a:prstGeom>
+        </p:spPr>
+      </p:pic>
+      <p:sp>
+        <p:nvSpPr>
+          <p:cNvPr id="5" name="תיבת טקסט 4">
+            <a:extLst>
+              <a:ext uri="{FF2B5EF4-FFF2-40B4-BE49-F238E27FC236}">
+                <a16:creationId xmlns:a16="http://schemas.microsoft.com/office/drawing/2014/main" id="{49C1F48E-4344-478F-B955-03346A467B7E}"/>
+              </a:ext>
+            </a:extLst>
+          </p:cNvPr>
+          <p:cNvSpPr txBox="1"/>
+          <p:nvPr/>
+        </p:nvSpPr>
+        <p:spPr>
+          <a:xfrm>
+            <a:off x="7919696" y="2477527"/>
+            <a:ext cx="4121834" cy="3139321"/>
+          </a:xfrm>
+          <a:prstGeom prst="rect">
+            <a:avLst/>
+          </a:prstGeom>
+          <a:noFill/>
+        </p:spPr>
+        <p:txBody>
+          <a:bodyPr wrap="square" rtlCol="1">
+            <a:spAutoFit/>
+          </a:bodyPr>
+          <a:lstStyle/>
+          <a:p>
+            <a:pPr marL="285750" indent="-285750" algn="r" rtl="1">
+              <a:buFont typeface="Arial" panose="020B0604020202020204" pitchFamily="34" charset="0"/>
+              <a:buChar char="•"/>
+            </a:pPr>
+            <a:r>
+              <a:rPr lang="he-IL" dirty="0"/>
+              <a:t>אין כפתור חזרה למסך ההתחברות – </a:t>
+            </a:r>
+            <a:r>
+              <a:rPr lang="he-IL" b="1" dirty="0"/>
+              <a:t>שליטת משתמש וחופש פעולה.</a:t>
+            </a:r>
+          </a:p>
+          <a:p>
+            <a:pPr marL="285750" indent="-285750" algn="r" rtl="1">
+              <a:buFont typeface="Arial" panose="020B0604020202020204" pitchFamily="34" charset="0"/>
+              <a:buChar char="•"/>
+            </a:pPr>
+            <a:r>
+              <a:rPr lang="he-IL" dirty="0"/>
+              <a:t>אין שדה לאימות סיסמה בשנית – </a:t>
+            </a:r>
+            <a:r>
+              <a:rPr lang="he-IL" b="1" dirty="0"/>
+              <a:t>מניעת טעויות.</a:t>
+            </a:r>
+          </a:p>
+          <a:p>
+            <a:pPr marL="285750" indent="-285750" algn="r" rtl="1">
+              <a:buFont typeface="Arial" panose="020B0604020202020204" pitchFamily="34" charset="0"/>
+              <a:buChar char="•"/>
+            </a:pPr>
+            <a:r>
+              <a:rPr lang="he-IL" dirty="0"/>
+              <a:t>אין חיווי למשתמש לגביי מה הדרישות לסיסמה תקינה – </a:t>
+            </a:r>
+            <a:r>
+              <a:rPr lang="he-IL" b="1" dirty="0"/>
+              <a:t>עזרה ומסמכים.</a:t>
+            </a:r>
+            <a:endParaRPr lang="he-IL" dirty="0"/>
+          </a:p>
+          <a:p>
+            <a:pPr marL="285750" indent="-285750" algn="r" rtl="1">
+              <a:buFont typeface="Arial" panose="020B0604020202020204" pitchFamily="34" charset="0"/>
+              <a:buChar char="•"/>
+            </a:pPr>
+            <a:r>
+              <a:rPr lang="he-IL" dirty="0"/>
+              <a:t>אין ולידציה בעת מילוי האימייל (לפני לחיצת כפתור "הירשם") או תבנית של אימייל המונעות טעויות – </a:t>
+            </a:r>
+            <a:r>
+              <a:rPr lang="he-IL" b="1" dirty="0"/>
+              <a:t>מניעת טעויות.</a:t>
+            </a:r>
+          </a:p>
+          <a:p>
+            <a:pPr marL="285750" indent="-285750" algn="r" rtl="1">
+              <a:buFont typeface="Arial" panose="020B0604020202020204" pitchFamily="34" charset="0"/>
+              <a:buChar char="•"/>
+            </a:pPr>
+            <a:r>
+              <a:rPr lang="he-IL" dirty="0"/>
+              <a:t>אין סימון ברירת מחדל של מין –</a:t>
+            </a:r>
+            <a:r>
+              <a:rPr lang="he-IL" b="1" dirty="0"/>
+              <a:t> מניעת טעויות.</a:t>
+            </a:r>
+          </a:p>
+        </p:txBody>
+      </p:sp>
+    </p:spTree>
+    <p:extLst>
+      <p:ext uri="{BB962C8B-B14F-4D97-AF65-F5344CB8AC3E}">
+        <p14:creationId xmlns:p14="http://schemas.microsoft.com/office/powerpoint/2010/main" val="2598648921"/>
+      </p:ext>
+    </p:extLst>
+  </p:cSld>
+  <p:clrMapOvr>
+    <a:masterClrMapping/>
+  </p:clrMapOvr>
+</p:sld>
+</file>
+
+<file path=ppt/slides/slide7.xml><?xml version="1.0" encoding="utf-8"?>
+<p:sld xmlns:a="http://schemas.openxmlformats.org/drawingml/2006/main" xmlns:r="http://schemas.openxmlformats.org/officeDocument/2006/relationships" xmlns:p="http://schemas.openxmlformats.org/presentationml/2006/main">
+  <p:cSld>
+    <p:spTree>
+      <p:nvGrpSpPr>
+        <p:cNvPr id="1" name=""/>
+        <p:cNvGrpSpPr/>
+        <p:nvPr/>
+      </p:nvGrpSpPr>
+      <p:grpSpPr>
+        <a:xfrm>
+          <a:off x="0" y="0"/>
+          <a:ext cx="0" cy="0"/>
+          <a:chOff x="0" y="0"/>
+          <a:chExt cx="0" cy="0"/>
+        </a:xfrm>
+      </p:grpSpPr>
+      <p:sp>
+        <p:nvSpPr>
           <p:cNvPr id="2" name="Title 1">
             <a:extLst>
               <a:ext uri="{FF2B5EF4-FFF2-40B4-BE49-F238E27FC236}">
@@ -13843,7 +15598,7 @@
 </p:sld>
 </file>
 
-<file path=ppt/slides/slide6.xml><?xml version="1.0" encoding="utf-8"?>
+<file path=ppt/slides/slide8.xml><?xml version="1.0" encoding="utf-8"?>
 <p:sld xmlns:a="http://schemas.openxmlformats.org/drawingml/2006/main" xmlns:r="http://schemas.openxmlformats.org/officeDocument/2006/relationships" xmlns:p="http://schemas.openxmlformats.org/presentationml/2006/main">
   <p:cSld>
     <p:spTree>
@@ -14069,7 +15824,7 @@
 </p:sld>
 </file>
 
-<file path=ppt/slides/slide7.xml><?xml version="1.0" encoding="utf-8"?>
+<file path=ppt/slides/slide9.xml><?xml version="1.0" encoding="utf-8"?>
 <p:sld xmlns:a="http://schemas.openxmlformats.org/drawingml/2006/main" xmlns:r="http://schemas.openxmlformats.org/officeDocument/2006/relationships" xmlns:p="http://schemas.openxmlformats.org/presentationml/2006/main">
   <p:cSld>
     <p:spTree>
@@ -14282,416 +16037,6 @@
     <p:extLst>
       <p:ext uri="{BB962C8B-B14F-4D97-AF65-F5344CB8AC3E}">
         <p14:creationId xmlns:p14="http://schemas.microsoft.com/office/powerpoint/2010/main" val="1209778919"/>
-      </p:ext>
-    </p:extLst>
-  </p:cSld>
-  <p:clrMapOvr>
-    <a:masterClrMapping/>
-  </p:clrMapOvr>
-</p:sld>
-</file>
-
-<file path=ppt/slides/slide8.xml><?xml version="1.0" encoding="utf-8"?>
-<p:sld xmlns:a="http://schemas.openxmlformats.org/drawingml/2006/main" xmlns:r="http://schemas.openxmlformats.org/officeDocument/2006/relationships" xmlns:p="http://schemas.openxmlformats.org/presentationml/2006/main">
-  <p:cSld>
-    <p:spTree>
-      <p:nvGrpSpPr>
-        <p:cNvPr id="1" name=""/>
-        <p:cNvGrpSpPr/>
-        <p:nvPr/>
-      </p:nvGrpSpPr>
-      <p:grpSpPr>
-        <a:xfrm>
-          <a:off x="0" y="0"/>
-          <a:ext cx="0" cy="0"/>
-          <a:chOff x="0" y="0"/>
-          <a:chExt cx="0" cy="0"/>
-        </a:xfrm>
-      </p:grpSpPr>
-      <p:sp>
-        <p:nvSpPr>
-          <p:cNvPr id="2" name="כותרת 1">
-            <a:extLst>
-              <a:ext uri="{FF2B5EF4-FFF2-40B4-BE49-F238E27FC236}">
-                <a16:creationId xmlns:a16="http://schemas.microsoft.com/office/drawing/2014/main" id="{92A500EE-F6C5-4C79-92F1-D2FDEE8174A4}"/>
-              </a:ext>
-            </a:extLst>
-          </p:cNvPr>
-          <p:cNvSpPr>
-            <a:spLocks noGrp="1"/>
-          </p:cNvSpPr>
-          <p:nvPr>
-            <p:ph type="title"/>
-          </p:nvPr>
-        </p:nvSpPr>
-        <p:spPr/>
-        <p:txBody>
-          <a:bodyPr/>
-          <a:lstStyle/>
-          <a:p>
-            <a:pPr algn="ctr"/>
-            <a:r>
-              <a:rPr lang="he-IL" dirty="0"/>
-              <a:t>מסך התחברות</a:t>
-            </a:r>
-          </a:p>
-        </p:txBody>
-      </p:sp>
-      <p:pic>
-        <p:nvPicPr>
-          <p:cNvPr id="16" name="תמונה 15">
-            <a:extLst>
-              <a:ext uri="{FF2B5EF4-FFF2-40B4-BE49-F238E27FC236}">
-                <a16:creationId xmlns:a16="http://schemas.microsoft.com/office/drawing/2014/main" id="{4FD9B8E5-98A3-4C79-8EC6-1523FF6B0199}"/>
-              </a:ext>
-            </a:extLst>
-          </p:cNvPr>
-          <p:cNvPicPr>
-            <a:picLocks noChangeAspect="1"/>
-          </p:cNvPicPr>
-          <p:nvPr/>
-        </p:nvPicPr>
-        <p:blipFill>
-          <a:blip r:embed="rId2"/>
-          <a:stretch>
-            <a:fillRect/>
-          </a:stretch>
-        </p:blipFill>
-        <p:spPr>
-          <a:xfrm>
-            <a:off x="531944" y="2813539"/>
-            <a:ext cx="6851533" cy="3844516"/>
-          </a:xfrm>
-          <a:prstGeom prst="rect">
-            <a:avLst/>
-          </a:prstGeom>
-        </p:spPr>
-      </p:pic>
-      <p:sp>
-        <p:nvSpPr>
-          <p:cNvPr id="17" name="תיבת טקסט 16">
-            <a:extLst>
-              <a:ext uri="{FF2B5EF4-FFF2-40B4-BE49-F238E27FC236}">
-                <a16:creationId xmlns:a16="http://schemas.microsoft.com/office/drawing/2014/main" id="{2F642565-7D83-416E-A7D1-4FA3B48B83E1}"/>
-              </a:ext>
-            </a:extLst>
-          </p:cNvPr>
-          <p:cNvSpPr txBox="1"/>
-          <p:nvPr/>
-        </p:nvSpPr>
-        <p:spPr>
-          <a:xfrm>
-            <a:off x="7540282" y="2610683"/>
-            <a:ext cx="4487594" cy="4247317"/>
-          </a:xfrm>
-          <a:prstGeom prst="rect">
-            <a:avLst/>
-          </a:prstGeom>
-          <a:noFill/>
-        </p:spPr>
-        <p:txBody>
-          <a:bodyPr wrap="square" rtlCol="1">
-            <a:spAutoFit/>
-          </a:bodyPr>
-          <a:lstStyle/>
-          <a:p>
-            <a:pPr marL="285750" indent="-285750" algn="r" rtl="1">
-              <a:buFont typeface="Arial" panose="020B0604020202020204" pitchFamily="34" charset="0"/>
-              <a:buChar char="•"/>
-            </a:pPr>
-            <a:r>
-              <a:rPr lang="he-IL" dirty="0"/>
-              <a:t>שדות הקלט אינן עדכניות בעיצובן.</a:t>
-            </a:r>
-          </a:p>
-          <a:p>
-            <a:pPr marL="285750" indent="-285750" algn="r" rtl="1">
-              <a:buFont typeface="Arial" panose="020B0604020202020204" pitchFamily="34" charset="0"/>
-              <a:buChar char="•"/>
-            </a:pPr>
-            <a:r>
-              <a:rPr lang="he-IL" dirty="0"/>
-              <a:t>כפתור ההתחברות וההרשמה דומים ויכולים לגרום לבלבול בזמן ההתחברות.</a:t>
-            </a:r>
-          </a:p>
-          <a:p>
-            <a:pPr marL="285750" indent="-285750" algn="r" rtl="1">
-              <a:buFont typeface="Arial" panose="020B0604020202020204" pitchFamily="34" charset="0"/>
-              <a:buChar char="•"/>
-            </a:pPr>
-            <a:r>
-              <a:rPr lang="he-IL" dirty="0"/>
-              <a:t>אין אפשרות לשחזור סיסמת המשתמש.</a:t>
-            </a:r>
-          </a:p>
-          <a:p>
-            <a:pPr marL="285750" indent="-285750" algn="r" rtl="1">
-              <a:buFont typeface="Arial" panose="020B0604020202020204" pitchFamily="34" charset="0"/>
-              <a:buChar char="•"/>
-            </a:pPr>
-            <a:r>
-              <a:rPr lang="he-IL" dirty="0"/>
-              <a:t>צבעי הכפתורים ושדות הקלט דהויים ולא מזמינים.</a:t>
-            </a:r>
-          </a:p>
-          <a:p>
-            <a:pPr marL="285750" indent="-285750" algn="r" rtl="1">
-              <a:buFont typeface="Arial" panose="020B0604020202020204" pitchFamily="34" charset="0"/>
-              <a:buChar char="•"/>
-            </a:pPr>
-            <a:r>
-              <a:rPr lang="he-IL" dirty="0"/>
-              <a:t>אין חיווי המראה למשתמש היכן הוא ממלא את פרטיו.</a:t>
-            </a:r>
-          </a:p>
-          <a:p>
-            <a:pPr marL="285750" indent="-285750" algn="r" rtl="1">
-              <a:buFont typeface="Arial" panose="020B0604020202020204" pitchFamily="34" charset="0"/>
-              <a:buChar char="•"/>
-            </a:pPr>
-            <a:r>
-              <a:rPr lang="he-IL" dirty="0"/>
-              <a:t>שדה הסיסמה אינו מוסתר בעת הזנת הסיסמה.</a:t>
-            </a:r>
-          </a:p>
-          <a:p>
-            <a:pPr marL="285750" indent="-285750" algn="r" rtl="1">
-              <a:buFont typeface="Arial" panose="020B0604020202020204" pitchFamily="34" charset="0"/>
-              <a:buChar char="•"/>
-            </a:pPr>
-            <a:r>
-              <a:rPr lang="he-IL" dirty="0"/>
-              <a:t>לוגו האתר אינו מעומד משמאל לימין</a:t>
-            </a:r>
-          </a:p>
-          <a:p>
-            <a:pPr marL="285750" indent="-285750" algn="r" rtl="1">
-              <a:buFont typeface="Arial" panose="020B0604020202020204" pitchFamily="34" charset="0"/>
-              <a:buChar char="•"/>
-            </a:pPr>
-            <a:r>
-              <a:rPr lang="he-IL" dirty="0"/>
-              <a:t>אין אפשרות להזין אימייל במקום שם משתמש.</a:t>
-            </a:r>
-          </a:p>
-          <a:p>
-            <a:pPr marL="285750" indent="-285750" algn="r" rtl="1">
-              <a:buFont typeface="Arial" panose="020B0604020202020204" pitchFamily="34" charset="0"/>
-              <a:buChar char="•"/>
-            </a:pPr>
-            <a:r>
-              <a:rPr lang="he-IL" dirty="0"/>
-              <a:t>אין סמלים\אייקונים שמאפיינים את שדות הקלט.</a:t>
-            </a:r>
-          </a:p>
-        </p:txBody>
-      </p:sp>
-    </p:spTree>
-    <p:extLst>
-      <p:ext uri="{BB962C8B-B14F-4D97-AF65-F5344CB8AC3E}">
-        <p14:creationId xmlns:p14="http://schemas.microsoft.com/office/powerpoint/2010/main" val="2576447696"/>
-      </p:ext>
-    </p:extLst>
-  </p:cSld>
-  <p:clrMapOvr>
-    <a:masterClrMapping/>
-  </p:clrMapOvr>
-</p:sld>
-</file>
-
-<file path=ppt/slides/slide9.xml><?xml version="1.0" encoding="utf-8"?>
-<p:sld xmlns:a="http://schemas.openxmlformats.org/drawingml/2006/main" xmlns:r="http://schemas.openxmlformats.org/officeDocument/2006/relationships" xmlns:p="http://schemas.openxmlformats.org/presentationml/2006/main">
-  <p:cSld>
-    <p:spTree>
-      <p:nvGrpSpPr>
-        <p:cNvPr id="1" name=""/>
-        <p:cNvGrpSpPr/>
-        <p:nvPr/>
-      </p:nvGrpSpPr>
-      <p:grpSpPr>
-        <a:xfrm>
-          <a:off x="0" y="0"/>
-          <a:ext cx="0" cy="0"/>
-          <a:chOff x="0" y="0"/>
-          <a:chExt cx="0" cy="0"/>
-        </a:xfrm>
-      </p:grpSpPr>
-      <p:sp>
-        <p:nvSpPr>
-          <p:cNvPr id="2" name="כותרת 1">
-            <a:extLst>
-              <a:ext uri="{FF2B5EF4-FFF2-40B4-BE49-F238E27FC236}">
-                <a16:creationId xmlns:a16="http://schemas.microsoft.com/office/drawing/2014/main" id="{DE777293-170B-4164-A212-000191C56DFE}"/>
-              </a:ext>
-            </a:extLst>
-          </p:cNvPr>
-          <p:cNvSpPr>
-            <a:spLocks noGrp="1"/>
-          </p:cNvSpPr>
-          <p:nvPr>
-            <p:ph type="title"/>
-          </p:nvPr>
-        </p:nvSpPr>
-        <p:spPr/>
-        <p:txBody>
-          <a:bodyPr/>
-          <a:lstStyle/>
-          <a:p>
-            <a:pPr algn="ctr" rtl="1"/>
-            <a:r>
-              <a:rPr lang="he-IL"/>
-              <a:t>מסך </a:t>
-            </a:r>
-            <a:r>
-              <a:rPr lang="he-IL" dirty="0"/>
-              <a:t>הרשמה</a:t>
-            </a:r>
-          </a:p>
-        </p:txBody>
-      </p:sp>
-      <p:pic>
-        <p:nvPicPr>
-          <p:cNvPr id="4" name="תמונה 3">
-            <a:extLst>
-              <a:ext uri="{FF2B5EF4-FFF2-40B4-BE49-F238E27FC236}">
-                <a16:creationId xmlns:a16="http://schemas.microsoft.com/office/drawing/2014/main" id="{2B8550E2-EBB3-4A16-B677-A16EF0998913}"/>
-              </a:ext>
-            </a:extLst>
-          </p:cNvPr>
-          <p:cNvPicPr>
-            <a:picLocks noChangeAspect="1"/>
-          </p:cNvPicPr>
-          <p:nvPr/>
-        </p:nvPicPr>
-        <p:blipFill>
-          <a:blip r:embed="rId2"/>
-          <a:stretch>
-            <a:fillRect/>
-          </a:stretch>
-        </p:blipFill>
-        <p:spPr>
-          <a:xfrm>
-            <a:off x="331177" y="2477527"/>
-            <a:ext cx="7434189" cy="4212128"/>
-          </a:xfrm>
-          <a:prstGeom prst="rect">
-            <a:avLst/>
-          </a:prstGeom>
-        </p:spPr>
-      </p:pic>
-      <p:sp>
-        <p:nvSpPr>
-          <p:cNvPr id="5" name="תיבת טקסט 4">
-            <a:extLst>
-              <a:ext uri="{FF2B5EF4-FFF2-40B4-BE49-F238E27FC236}">
-                <a16:creationId xmlns:a16="http://schemas.microsoft.com/office/drawing/2014/main" id="{49C1F48E-4344-478F-B955-03346A467B7E}"/>
-              </a:ext>
-            </a:extLst>
-          </p:cNvPr>
-          <p:cNvSpPr txBox="1"/>
-          <p:nvPr/>
-        </p:nvSpPr>
-        <p:spPr>
-          <a:xfrm>
-            <a:off x="7919696" y="2477527"/>
-            <a:ext cx="4121834" cy="3139321"/>
-          </a:xfrm>
-          <a:prstGeom prst="rect">
-            <a:avLst/>
-          </a:prstGeom>
-          <a:noFill/>
-        </p:spPr>
-        <p:txBody>
-          <a:bodyPr wrap="square" rtlCol="1">
-            <a:spAutoFit/>
-          </a:bodyPr>
-          <a:lstStyle/>
-          <a:p>
-            <a:pPr marL="285750" indent="-285750" algn="r" rtl="1">
-              <a:buFont typeface="Arial" panose="020B0604020202020204" pitchFamily="34" charset="0"/>
-              <a:buChar char="•"/>
-            </a:pPr>
-            <a:r>
-              <a:rPr lang="he-IL" dirty="0"/>
-              <a:t>שדות הקלט גם פה דומות בבעיותיהן למסך ההתחברות.</a:t>
-            </a:r>
-          </a:p>
-          <a:p>
-            <a:pPr marL="285750" indent="-285750" algn="r" rtl="1">
-              <a:buFont typeface="Arial" panose="020B0604020202020204" pitchFamily="34" charset="0"/>
-              <a:buChar char="•"/>
-            </a:pPr>
-            <a:r>
-              <a:rPr lang="he-IL" dirty="0"/>
-              <a:t>אין תיאור של הזנת מין.</a:t>
-            </a:r>
-          </a:p>
-          <a:p>
-            <a:pPr marL="285750" indent="-285750" algn="r" rtl="1">
-              <a:buFont typeface="Arial" panose="020B0604020202020204" pitchFamily="34" charset="0"/>
-              <a:buChar char="•"/>
-            </a:pPr>
-            <a:r>
-              <a:rPr lang="he-IL" dirty="0"/>
-              <a:t>אין אפשרות לסמן "אחר" במין.</a:t>
-            </a:r>
-          </a:p>
-          <a:p>
-            <a:pPr marL="285750" indent="-285750" algn="r" rtl="1">
-              <a:buFont typeface="Arial" panose="020B0604020202020204" pitchFamily="34" charset="0"/>
-              <a:buChar char="•"/>
-            </a:pPr>
-            <a:r>
-              <a:rPr lang="he-IL" dirty="0"/>
-              <a:t>כפתור ההרשמה ממוקם בצד ימין במקום מצד שמאל.</a:t>
-            </a:r>
-          </a:p>
-          <a:p>
-            <a:pPr marL="285750" indent="-285750" algn="r" rtl="1">
-              <a:buFont typeface="Arial" panose="020B0604020202020204" pitchFamily="34" charset="0"/>
-              <a:buChar char="•"/>
-            </a:pPr>
-            <a:r>
-              <a:rPr lang="he-IL" dirty="0"/>
-              <a:t>אין כפתור חזרה למסך ההתחברות.</a:t>
-            </a:r>
-          </a:p>
-          <a:p>
-            <a:pPr marL="285750" indent="-285750" algn="r" rtl="1">
-              <a:buFont typeface="Arial" panose="020B0604020202020204" pitchFamily="34" charset="0"/>
-              <a:buChar char="•"/>
-            </a:pPr>
-            <a:r>
-              <a:rPr lang="he-IL" dirty="0"/>
-              <a:t>השאלון גולש לתוך כותרת האתר.</a:t>
-            </a:r>
-          </a:p>
-          <a:p>
-            <a:pPr marL="285750" indent="-285750" algn="r" rtl="1">
-              <a:buFont typeface="Arial" panose="020B0604020202020204" pitchFamily="34" charset="0"/>
-              <a:buChar char="•"/>
-            </a:pPr>
-            <a:r>
-              <a:rPr lang="he-IL" dirty="0"/>
-              <a:t>אין שדה לאימות סיסמה בשנית.</a:t>
-            </a:r>
-          </a:p>
-          <a:p>
-            <a:pPr marL="285750" indent="-285750" algn="r" rtl="1">
-              <a:buFont typeface="Arial" panose="020B0604020202020204" pitchFamily="34" charset="0"/>
-              <a:buChar char="•"/>
-            </a:pPr>
-            <a:r>
-              <a:rPr lang="he-IL" dirty="0"/>
-              <a:t>אין ולידציה בעת מילוי האימייל (לפני לחיצת כפתור "הירשם").</a:t>
-            </a:r>
-          </a:p>
-        </p:txBody>
-      </p:sp>
-    </p:spTree>
-    <p:extLst>
-      <p:ext uri="{BB962C8B-B14F-4D97-AF65-F5344CB8AC3E}">
-        <p14:creationId xmlns:p14="http://schemas.microsoft.com/office/powerpoint/2010/main" val="2598648921"/>
       </p:ext>
     </p:extLst>
   </p:cSld>

--- a/ux_course/מצגת סופית להגשה.pptx
+++ b/ux_course/מצגת סופית להגשה.pptx
@@ -24,6 +24,9 @@
     <p:sldId id="275" r:id="rId18"/>
     <p:sldId id="276" r:id="rId19"/>
     <p:sldId id="277" r:id="rId20"/>
+    <p:sldId id="278" r:id="rId21"/>
+    <p:sldId id="279" r:id="rId22"/>
+    <p:sldId id="280" r:id="rId23"/>
   </p:sldIdLst>
   <p:sldSz cx="12192000" cy="6858000"/>
   <p:notesSz cx="6858000" cy="9144000"/>
@@ -638,7 +641,7 @@
           <a:p>
             <a:fld id="{C4112ACB-F900-457F-BFCF-7AFE3E0F446C}" type="datetimeFigureOut">
               <a:rPr lang="en-US" smtClean="0"/>
-              <a:t>8/19/2019</a:t>
+              <a:t>8/20/2019</a:t>
             </a:fld>
             <a:endParaRPr lang="en-US"/>
           </a:p>
@@ -1620,7 +1623,7 @@
           <a:p>
             <a:fld id="{C4112ACB-F900-457F-BFCF-7AFE3E0F446C}" type="datetimeFigureOut">
               <a:rPr lang="en-US" smtClean="0"/>
-              <a:t>8/19/2019</a:t>
+              <a:t>8/20/2019</a:t>
             </a:fld>
             <a:endParaRPr lang="en-US"/>
           </a:p>
@@ -2490,7 +2493,7 @@
           <a:p>
             <a:fld id="{C4112ACB-F900-457F-BFCF-7AFE3E0F446C}" type="datetimeFigureOut">
               <a:rPr lang="en-US" smtClean="0"/>
-              <a:t>8/19/2019</a:t>
+              <a:t>8/20/2019</a:t>
             </a:fld>
             <a:endParaRPr lang="en-US"/>
           </a:p>
@@ -3511,7 +3514,7 @@
           <a:p>
             <a:fld id="{C4112ACB-F900-457F-BFCF-7AFE3E0F446C}" type="datetimeFigureOut">
               <a:rPr lang="en-US" smtClean="0"/>
-              <a:t>8/19/2019</a:t>
+              <a:t>8/20/2019</a:t>
             </a:fld>
             <a:endParaRPr lang="en-US"/>
           </a:p>
@@ -4431,7 +4434,7 @@
           <a:p>
             <a:fld id="{C4112ACB-F900-457F-BFCF-7AFE3E0F446C}" type="datetimeFigureOut">
               <a:rPr lang="en-US" smtClean="0"/>
-              <a:t>8/19/2019</a:t>
+              <a:t>8/20/2019</a:t>
             </a:fld>
             <a:endParaRPr lang="en-US"/>
           </a:p>
@@ -5087,7 +5090,7 @@
           <a:p>
             <a:fld id="{C4112ACB-F900-457F-BFCF-7AFE3E0F446C}" type="datetimeFigureOut">
               <a:rPr lang="en-US" smtClean="0"/>
-              <a:t>8/19/2019</a:t>
+              <a:t>8/20/2019</a:t>
             </a:fld>
             <a:endParaRPr lang="en-US"/>
           </a:p>
@@ -5944,7 +5947,7 @@
           <a:p>
             <a:fld id="{C4112ACB-F900-457F-BFCF-7AFE3E0F446C}" type="datetimeFigureOut">
               <a:rPr lang="en-US" smtClean="0"/>
-              <a:t>8/19/2019</a:t>
+              <a:t>8/20/2019</a:t>
             </a:fld>
             <a:endParaRPr lang="en-US"/>
           </a:p>
@@ -6127,7 +6130,7 @@
           <a:p>
             <a:fld id="{C4112ACB-F900-457F-BFCF-7AFE3E0F446C}" type="datetimeFigureOut">
               <a:rPr lang="en-US" smtClean="0"/>
-              <a:t>8/19/2019</a:t>
+              <a:t>8/20/2019</a:t>
             </a:fld>
             <a:endParaRPr lang="en-US"/>
           </a:p>
@@ -6984,7 +6987,7 @@
           <a:p>
             <a:fld id="{C4112ACB-F900-457F-BFCF-7AFE3E0F446C}" type="datetimeFigureOut">
               <a:rPr lang="en-US" smtClean="0"/>
-              <a:t>8/19/2019</a:t>
+              <a:t>8/20/2019</a:t>
             </a:fld>
             <a:endParaRPr lang="en-US"/>
           </a:p>
@@ -7203,7 +7206,7 @@
           <a:p>
             <a:fld id="{C4112ACB-F900-457F-BFCF-7AFE3E0F446C}" type="datetimeFigureOut">
               <a:rPr lang="en-US" smtClean="0"/>
-              <a:t>8/19/2019</a:t>
+              <a:t>8/20/2019</a:t>
             </a:fld>
             <a:endParaRPr lang="en-US"/>
           </a:p>
@@ -8128,7 +8131,7 @@
           <a:p>
             <a:fld id="{C4112ACB-F900-457F-BFCF-7AFE3E0F446C}" type="datetimeFigureOut">
               <a:rPr lang="en-US" smtClean="0"/>
-              <a:t>8/19/2019</a:t>
+              <a:t>8/20/2019</a:t>
             </a:fld>
             <a:endParaRPr lang="en-US"/>
           </a:p>
@@ -8412,7 +8415,7 @@
           <a:p>
             <a:fld id="{C4112ACB-F900-457F-BFCF-7AFE3E0F446C}" type="datetimeFigureOut">
               <a:rPr lang="en-US" smtClean="0"/>
-              <a:t>8/19/2019</a:t>
+              <a:t>8/20/2019</a:t>
             </a:fld>
             <a:endParaRPr lang="en-US"/>
           </a:p>
@@ -8802,7 +8805,7 @@
           <a:p>
             <a:fld id="{C4112ACB-F900-457F-BFCF-7AFE3E0F446C}" type="datetimeFigureOut">
               <a:rPr lang="en-US" smtClean="0"/>
-              <a:t>8/19/2019</a:t>
+              <a:t>8/20/2019</a:t>
             </a:fld>
             <a:endParaRPr lang="en-US"/>
           </a:p>
@@ -8928,7 +8931,7 @@
           <a:p>
             <a:fld id="{C4112ACB-F900-457F-BFCF-7AFE3E0F446C}" type="datetimeFigureOut">
               <a:rPr lang="en-US" smtClean="0"/>
-              <a:t>8/19/2019</a:t>
+              <a:t>8/20/2019</a:t>
             </a:fld>
             <a:endParaRPr lang="en-US"/>
           </a:p>
@@ -9023,7 +9026,7 @@
           <a:p>
             <a:fld id="{C4112ACB-F900-457F-BFCF-7AFE3E0F446C}" type="datetimeFigureOut">
               <a:rPr lang="en-US" smtClean="0"/>
-              <a:t>8/19/2019</a:t>
+              <a:t>8/20/2019</a:t>
             </a:fld>
             <a:endParaRPr lang="en-US"/>
           </a:p>
@@ -9994,7 +9997,7 @@
           <a:p>
             <a:fld id="{C4112ACB-F900-457F-BFCF-7AFE3E0F446C}" type="datetimeFigureOut">
               <a:rPr lang="en-US" smtClean="0"/>
-              <a:t>8/19/2019</a:t>
+              <a:t>8/20/2019</a:t>
             </a:fld>
             <a:endParaRPr lang="en-US"/>
           </a:p>
@@ -10989,7 +10992,7 @@
           <a:p>
             <a:fld id="{C4112ACB-F900-457F-BFCF-7AFE3E0F446C}" type="datetimeFigureOut">
               <a:rPr lang="en-US" smtClean="0"/>
-              <a:t>8/19/2019</a:t>
+              <a:t>8/20/2019</a:t>
             </a:fld>
             <a:endParaRPr lang="en-US"/>
           </a:p>
@@ -11873,7 +11876,7 @@
           <a:p>
             <a:fld id="{C4112ACB-F900-457F-BFCF-7AFE3E0F446C}" type="datetimeFigureOut">
               <a:rPr lang="en-US" smtClean="0"/>
-              <a:t>8/19/2019</a:t>
+              <a:t>8/20/2019</a:t>
             </a:fld>
             <a:endParaRPr lang="en-US"/>
           </a:p>
@@ -12707,7 +12710,7 @@
               <a:buChar char="•"/>
             </a:pPr>
             <a:r>
-              <a:rPr lang="he-IL"/>
+              <a:rPr lang="he-IL" dirty="0"/>
               <a:t>שינינו את שדה "שם משתמש" ושדה "סיסמה" כך שיהיו מעוצבים יותר.</a:t>
             </a:r>
           </a:p>
@@ -12717,11 +12720,11 @@
               <a:buChar char="•"/>
             </a:pPr>
             <a:r>
-              <a:rPr lang="he-IL"/>
+              <a:rPr lang="he-IL" dirty="0"/>
               <a:t>הוספנו סמלים מתאימים בצד כל שדה כך שיהיה ברור למשתמש מה עליו להכניס בשדה אותו הוא ממלא – </a:t>
             </a:r>
             <a:r>
-              <a:rPr lang="he-IL" b="1"/>
+              <a:rPr lang="he-IL" b="1" dirty="0"/>
               <a:t>זיהוי ולא זיכרון.</a:t>
             </a:r>
             <a:endParaRPr lang="he-IL" dirty="0"/>
@@ -13964,6 +13967,466 @@
     <p:extLst>
       <p:ext uri="{BB962C8B-B14F-4D97-AF65-F5344CB8AC3E}">
         <p14:creationId xmlns:p14="http://schemas.microsoft.com/office/powerpoint/2010/main" val="3757182478"/>
+      </p:ext>
+    </p:extLst>
+  </p:cSld>
+  <p:clrMapOvr>
+    <a:masterClrMapping/>
+  </p:clrMapOvr>
+</p:sld>
+</file>
+
+<file path=ppt/slides/slide20.xml><?xml version="1.0" encoding="utf-8"?>
+<p:sld xmlns:a="http://schemas.openxmlformats.org/drawingml/2006/main" xmlns:r="http://schemas.openxmlformats.org/officeDocument/2006/relationships" xmlns:p="http://schemas.openxmlformats.org/presentationml/2006/main">
+  <p:cSld>
+    <p:spTree>
+      <p:nvGrpSpPr>
+        <p:cNvPr id="1" name=""/>
+        <p:cNvGrpSpPr/>
+        <p:nvPr/>
+      </p:nvGrpSpPr>
+      <p:grpSpPr>
+        <a:xfrm>
+          <a:off x="0" y="0"/>
+          <a:ext cx="0" cy="0"/>
+          <a:chOff x="0" y="0"/>
+          <a:chExt cx="0" cy="0"/>
+        </a:xfrm>
+      </p:grpSpPr>
+      <p:sp>
+        <p:nvSpPr>
+          <p:cNvPr id="2" name="כותרת 1">
+            <a:extLst>
+              <a:ext uri="{FF2B5EF4-FFF2-40B4-BE49-F238E27FC236}">
+                <a16:creationId xmlns:a16="http://schemas.microsoft.com/office/drawing/2014/main" id="{DE777293-170B-4164-A212-000191C56DFE}"/>
+              </a:ext>
+            </a:extLst>
+          </p:cNvPr>
+          <p:cNvSpPr>
+            <a:spLocks noGrp="1"/>
+          </p:cNvSpPr>
+          <p:nvPr>
+            <p:ph type="title"/>
+          </p:nvPr>
+        </p:nvSpPr>
+        <p:spPr/>
+        <p:txBody>
+          <a:bodyPr/>
+          <a:lstStyle/>
+          <a:p>
+            <a:pPr algn="ctr" rtl="1"/>
+            <a:r>
+              <a:rPr lang="he-IL"/>
+              <a:t>מסך </a:t>
+            </a:r>
+            <a:r>
+              <a:rPr lang="he-IL" dirty="0"/>
+              <a:t>הרשמה</a:t>
+            </a:r>
+          </a:p>
+        </p:txBody>
+      </p:sp>
+      <p:sp>
+        <p:nvSpPr>
+          <p:cNvPr id="5" name="תיבת טקסט 4">
+            <a:extLst>
+              <a:ext uri="{FF2B5EF4-FFF2-40B4-BE49-F238E27FC236}">
+                <a16:creationId xmlns:a16="http://schemas.microsoft.com/office/drawing/2014/main" id="{49C1F48E-4344-478F-B955-03346A467B7E}"/>
+              </a:ext>
+            </a:extLst>
+          </p:cNvPr>
+          <p:cNvSpPr txBox="1"/>
+          <p:nvPr/>
+        </p:nvSpPr>
+        <p:spPr>
+          <a:xfrm>
+            <a:off x="7919696" y="2477527"/>
+            <a:ext cx="4121834" cy="3970318"/>
+          </a:xfrm>
+          <a:prstGeom prst="rect">
+            <a:avLst/>
+          </a:prstGeom>
+          <a:noFill/>
+        </p:spPr>
+        <p:txBody>
+          <a:bodyPr wrap="square" rtlCol="1">
+            <a:spAutoFit/>
+          </a:bodyPr>
+          <a:lstStyle/>
+          <a:p>
+            <a:pPr marL="285750" indent="-285750" algn="r" rtl="1">
+              <a:buFont typeface="Arial" panose="020B0604020202020204" pitchFamily="34" charset="0"/>
+              <a:buChar char="•"/>
+            </a:pPr>
+            <a:r>
+              <a:rPr lang="he-IL" dirty="0"/>
+              <a:t>שינינו את עיצוב השדות כך שיראו יותר מעודכנים.</a:t>
+            </a:r>
+          </a:p>
+          <a:p>
+            <a:pPr marL="285750" indent="-285750" algn="r" rtl="1">
+              <a:buFont typeface="Arial" panose="020B0604020202020204" pitchFamily="34" charset="0"/>
+              <a:buChar char="•"/>
+            </a:pPr>
+            <a:r>
+              <a:rPr lang="he-IL" dirty="0"/>
+              <a:t>הוספנו סמלים מתאימים בצד כל שדה כך שיהיה ברור למשתמש מה עליו להכניס בשדה אותו הוא ממלא – </a:t>
+            </a:r>
+            <a:r>
+              <a:rPr lang="he-IL" b="1" dirty="0"/>
+              <a:t>זיהוי ולא זיכרון.</a:t>
+            </a:r>
+            <a:endParaRPr lang="he-IL" dirty="0"/>
+          </a:p>
+          <a:p>
+            <a:pPr marL="285750" indent="-285750" algn="r" rtl="1">
+              <a:buFont typeface="Arial" panose="020B0604020202020204" pitchFamily="34" charset="0"/>
+              <a:buChar char="•"/>
+            </a:pPr>
+            <a:r>
+              <a:rPr lang="he-IL" dirty="0"/>
+              <a:t>הוספנו תיאור לבחירת המין כדי שיהיה ברור יותר למשתמש מה עליו לבחור, בנוסף סימנו את המין "זכר" כברירת מחדל – </a:t>
+            </a:r>
+            <a:r>
+              <a:rPr lang="he-IL" b="1" dirty="0"/>
+              <a:t>מניעת טעויות.</a:t>
+            </a:r>
+            <a:endParaRPr lang="he-IL" dirty="0"/>
+          </a:p>
+          <a:p>
+            <a:pPr marL="285750" indent="-285750" algn="r" rtl="1">
+              <a:buFont typeface="Arial" panose="020B0604020202020204" pitchFamily="34" charset="0"/>
+              <a:buChar char="•"/>
+            </a:pPr>
+            <a:r>
+              <a:rPr lang="he-IL" dirty="0"/>
+              <a:t>הוספנו את אותה התנהגות של השדות כמו במסך ההתחברות (הדגשת השדה כאשר המשתמש מפוקס עליו + קיצורי מקשים) - </a:t>
+            </a:r>
+            <a:r>
+              <a:rPr lang="he-IL" b="1" dirty="0"/>
+              <a:t>חיווי מצב המערכת + גמישות ויעילות שימוש.</a:t>
+            </a:r>
+          </a:p>
+        </p:txBody>
+      </p:sp>
+      <p:pic>
+        <p:nvPicPr>
+          <p:cNvPr id="3" name="תמונה 2">
+            <a:extLst>
+              <a:ext uri="{FF2B5EF4-FFF2-40B4-BE49-F238E27FC236}">
+                <a16:creationId xmlns:a16="http://schemas.microsoft.com/office/drawing/2014/main" id="{EDBDBFCF-CC0C-44D5-822E-F5193ADFCEC5}"/>
+              </a:ext>
+            </a:extLst>
+          </p:cNvPr>
+          <p:cNvPicPr>
+            <a:picLocks noChangeAspect="1"/>
+          </p:cNvPicPr>
+          <p:nvPr/>
+        </p:nvPicPr>
+        <p:blipFill>
+          <a:blip r:embed="rId2"/>
+          <a:stretch>
+            <a:fillRect/>
+          </a:stretch>
+        </p:blipFill>
+        <p:spPr>
+          <a:xfrm>
+            <a:off x="0" y="2477527"/>
+            <a:ext cx="7795603" cy="4380473"/>
+          </a:xfrm>
+          <a:prstGeom prst="rect">
+            <a:avLst/>
+          </a:prstGeom>
+        </p:spPr>
+      </p:pic>
+    </p:spTree>
+    <p:extLst>
+      <p:ext uri="{BB962C8B-B14F-4D97-AF65-F5344CB8AC3E}">
+        <p14:creationId xmlns:p14="http://schemas.microsoft.com/office/powerpoint/2010/main" val="1933346331"/>
+      </p:ext>
+    </p:extLst>
+  </p:cSld>
+  <p:clrMapOvr>
+    <a:masterClrMapping/>
+  </p:clrMapOvr>
+</p:sld>
+</file>
+
+<file path=ppt/slides/slide21.xml><?xml version="1.0" encoding="utf-8"?>
+<p:sld xmlns:a="http://schemas.openxmlformats.org/drawingml/2006/main" xmlns:r="http://schemas.openxmlformats.org/officeDocument/2006/relationships" xmlns:p="http://schemas.openxmlformats.org/presentationml/2006/main">
+  <p:cSld>
+    <p:spTree>
+      <p:nvGrpSpPr>
+        <p:cNvPr id="1" name=""/>
+        <p:cNvGrpSpPr/>
+        <p:nvPr/>
+      </p:nvGrpSpPr>
+      <p:grpSpPr>
+        <a:xfrm>
+          <a:off x="0" y="0"/>
+          <a:ext cx="0" cy="0"/>
+          <a:chOff x="0" y="0"/>
+          <a:chExt cx="0" cy="0"/>
+        </a:xfrm>
+      </p:grpSpPr>
+      <p:sp>
+        <p:nvSpPr>
+          <p:cNvPr id="2" name="כותרת 1">
+            <a:extLst>
+              <a:ext uri="{FF2B5EF4-FFF2-40B4-BE49-F238E27FC236}">
+                <a16:creationId xmlns:a16="http://schemas.microsoft.com/office/drawing/2014/main" id="{DE777293-170B-4164-A212-000191C56DFE}"/>
+              </a:ext>
+            </a:extLst>
+          </p:cNvPr>
+          <p:cNvSpPr>
+            <a:spLocks noGrp="1"/>
+          </p:cNvSpPr>
+          <p:nvPr>
+            <p:ph type="title"/>
+          </p:nvPr>
+        </p:nvSpPr>
+        <p:spPr/>
+        <p:txBody>
+          <a:bodyPr/>
+          <a:lstStyle/>
+          <a:p>
+            <a:pPr algn="ctr" rtl="1"/>
+            <a:r>
+              <a:rPr lang="he-IL"/>
+              <a:t>מסך </a:t>
+            </a:r>
+            <a:r>
+              <a:rPr lang="he-IL" dirty="0"/>
+              <a:t>הרשמה</a:t>
+            </a:r>
+          </a:p>
+        </p:txBody>
+      </p:sp>
+      <p:sp>
+        <p:nvSpPr>
+          <p:cNvPr id="5" name="תיבת טקסט 4">
+            <a:extLst>
+              <a:ext uri="{FF2B5EF4-FFF2-40B4-BE49-F238E27FC236}">
+                <a16:creationId xmlns:a16="http://schemas.microsoft.com/office/drawing/2014/main" id="{49C1F48E-4344-478F-B955-03346A467B7E}"/>
+              </a:ext>
+            </a:extLst>
+          </p:cNvPr>
+          <p:cNvSpPr txBox="1"/>
+          <p:nvPr/>
+        </p:nvSpPr>
+        <p:spPr>
+          <a:xfrm>
+            <a:off x="7919696" y="2477527"/>
+            <a:ext cx="4121834" cy="923330"/>
+          </a:xfrm>
+          <a:prstGeom prst="rect">
+            <a:avLst/>
+          </a:prstGeom>
+          <a:noFill/>
+        </p:spPr>
+        <p:txBody>
+          <a:bodyPr wrap="square" rtlCol="1">
+            <a:spAutoFit/>
+          </a:bodyPr>
+          <a:lstStyle/>
+          <a:p>
+            <a:pPr marL="285750" indent="-285750" algn="r" rtl="1">
+              <a:buFont typeface="Arial" panose="020B0604020202020204" pitchFamily="34" charset="0"/>
+              <a:buChar char="•"/>
+            </a:pPr>
+            <a:r>
+              <a:rPr lang="he-IL" dirty="0"/>
+              <a:t>הוספנו הדגשה עבור כל שדה חובה והסבר בתחתית העמוד המסביר מהי ההדגשה – </a:t>
+            </a:r>
+            <a:r>
+              <a:rPr lang="he-IL" b="1" dirty="0"/>
+              <a:t>מניעת טעויות.</a:t>
+            </a:r>
+            <a:endParaRPr lang="he-IL" dirty="0"/>
+          </a:p>
+        </p:txBody>
+      </p:sp>
+      <p:pic>
+        <p:nvPicPr>
+          <p:cNvPr id="4" name="תמונה 3">
+            <a:extLst>
+              <a:ext uri="{FF2B5EF4-FFF2-40B4-BE49-F238E27FC236}">
+                <a16:creationId xmlns:a16="http://schemas.microsoft.com/office/drawing/2014/main" id="{F7A459F8-8EB4-4454-BC2E-F42597AF3D89}"/>
+              </a:ext>
+            </a:extLst>
+          </p:cNvPr>
+          <p:cNvPicPr>
+            <a:picLocks noChangeAspect="1"/>
+          </p:cNvPicPr>
+          <p:nvPr/>
+        </p:nvPicPr>
+        <p:blipFill>
+          <a:blip r:embed="rId2"/>
+          <a:stretch>
+            <a:fillRect/>
+          </a:stretch>
+        </p:blipFill>
+        <p:spPr>
+          <a:xfrm>
+            <a:off x="1" y="2393328"/>
+            <a:ext cx="7919696" cy="4464671"/>
+          </a:xfrm>
+          <a:prstGeom prst="rect">
+            <a:avLst/>
+          </a:prstGeom>
+        </p:spPr>
+      </p:pic>
+    </p:spTree>
+    <p:extLst>
+      <p:ext uri="{BB962C8B-B14F-4D97-AF65-F5344CB8AC3E}">
+        <p14:creationId xmlns:p14="http://schemas.microsoft.com/office/powerpoint/2010/main" val="567271253"/>
+      </p:ext>
+    </p:extLst>
+  </p:cSld>
+  <p:clrMapOvr>
+    <a:masterClrMapping/>
+  </p:clrMapOvr>
+</p:sld>
+</file>
+
+<file path=ppt/slides/slide22.xml><?xml version="1.0" encoding="utf-8"?>
+<p:sld xmlns:a="http://schemas.openxmlformats.org/drawingml/2006/main" xmlns:r="http://schemas.openxmlformats.org/officeDocument/2006/relationships" xmlns:p="http://schemas.openxmlformats.org/presentationml/2006/main">
+  <p:cSld>
+    <p:spTree>
+      <p:nvGrpSpPr>
+        <p:cNvPr id="1" name=""/>
+        <p:cNvGrpSpPr/>
+        <p:nvPr/>
+      </p:nvGrpSpPr>
+      <p:grpSpPr>
+        <a:xfrm>
+          <a:off x="0" y="0"/>
+          <a:ext cx="0" cy="0"/>
+          <a:chOff x="0" y="0"/>
+          <a:chExt cx="0" cy="0"/>
+        </a:xfrm>
+      </p:grpSpPr>
+      <p:sp>
+        <p:nvSpPr>
+          <p:cNvPr id="2" name="כותרת 1">
+            <a:extLst>
+              <a:ext uri="{FF2B5EF4-FFF2-40B4-BE49-F238E27FC236}">
+                <a16:creationId xmlns:a16="http://schemas.microsoft.com/office/drawing/2014/main" id="{DE777293-170B-4164-A212-000191C56DFE}"/>
+              </a:ext>
+            </a:extLst>
+          </p:cNvPr>
+          <p:cNvSpPr>
+            <a:spLocks noGrp="1"/>
+          </p:cNvSpPr>
+          <p:nvPr>
+            <p:ph type="title"/>
+          </p:nvPr>
+        </p:nvSpPr>
+        <p:spPr/>
+        <p:txBody>
+          <a:bodyPr/>
+          <a:lstStyle/>
+          <a:p>
+            <a:pPr algn="ctr" rtl="1"/>
+            <a:r>
+              <a:rPr lang="he-IL"/>
+              <a:t>מסך </a:t>
+            </a:r>
+            <a:r>
+              <a:rPr lang="he-IL" dirty="0"/>
+              <a:t>הרשמה</a:t>
+            </a:r>
+          </a:p>
+        </p:txBody>
+      </p:sp>
+      <p:sp>
+        <p:nvSpPr>
+          <p:cNvPr id="5" name="תיבת טקסט 4">
+            <a:extLst>
+              <a:ext uri="{FF2B5EF4-FFF2-40B4-BE49-F238E27FC236}">
+                <a16:creationId xmlns:a16="http://schemas.microsoft.com/office/drawing/2014/main" id="{49C1F48E-4344-478F-B955-03346A467B7E}"/>
+              </a:ext>
+            </a:extLst>
+          </p:cNvPr>
+          <p:cNvSpPr txBox="1"/>
+          <p:nvPr/>
+        </p:nvSpPr>
+        <p:spPr>
+          <a:xfrm>
+            <a:off x="7919696" y="2477527"/>
+            <a:ext cx="4121834" cy="1477328"/>
+          </a:xfrm>
+          <a:prstGeom prst="rect">
+            <a:avLst/>
+          </a:prstGeom>
+          <a:noFill/>
+        </p:spPr>
+        <p:txBody>
+          <a:bodyPr wrap="square" rtlCol="1">
+            <a:spAutoFit/>
+          </a:bodyPr>
+          <a:lstStyle/>
+          <a:p>
+            <a:pPr marL="285750" indent="-285750" algn="r" rtl="1">
+              <a:buFont typeface="Arial" panose="020B0604020202020204" pitchFamily="34" charset="0"/>
+              <a:buChar char="•"/>
+            </a:pPr>
+            <a:r>
+              <a:rPr lang="he-IL" dirty="0"/>
+              <a:t>שינינו את מיקום כפתור "הירשם", וגם שינינו את עיצובו.</a:t>
+            </a:r>
+          </a:p>
+          <a:p>
+            <a:pPr marL="285750" indent="-285750" algn="r" rtl="1">
+              <a:buFont typeface="Arial" panose="020B0604020202020204" pitchFamily="34" charset="0"/>
+              <a:buChar char="•"/>
+            </a:pPr>
+            <a:r>
+              <a:rPr lang="he-IL" dirty="0"/>
+              <a:t>הוספנו כפתור "חזור" לחזרה למסך ההתחברות – </a:t>
+            </a:r>
+            <a:r>
+              <a:rPr lang="he-IL" b="1" dirty="0"/>
+              <a:t>שליטה וחופש של המשתמש.</a:t>
+            </a:r>
+            <a:endParaRPr lang="he-IL" dirty="0"/>
+          </a:p>
+        </p:txBody>
+      </p:sp>
+      <p:pic>
+        <p:nvPicPr>
+          <p:cNvPr id="3" name="תמונה 2">
+            <a:extLst>
+              <a:ext uri="{FF2B5EF4-FFF2-40B4-BE49-F238E27FC236}">
+                <a16:creationId xmlns:a16="http://schemas.microsoft.com/office/drawing/2014/main" id="{38430044-946A-4A50-94AE-6A5D66B2DBD5}"/>
+              </a:ext>
+            </a:extLst>
+          </p:cNvPr>
+          <p:cNvPicPr>
+            <a:picLocks noChangeAspect="1"/>
+          </p:cNvPicPr>
+          <p:nvPr/>
+        </p:nvPicPr>
+        <p:blipFill>
+          <a:blip r:embed="rId2"/>
+          <a:stretch>
+            <a:fillRect/>
+          </a:stretch>
+        </p:blipFill>
+        <p:spPr>
+          <a:xfrm>
+            <a:off x="1" y="2477527"/>
+            <a:ext cx="7820968" cy="4380472"/>
+          </a:xfrm>
+          <a:prstGeom prst="rect">
+            <a:avLst/>
+          </a:prstGeom>
+        </p:spPr>
+      </p:pic>
+    </p:spTree>
+    <p:extLst>
+      <p:ext uri="{BB962C8B-B14F-4D97-AF65-F5344CB8AC3E}">
+        <p14:creationId xmlns:p14="http://schemas.microsoft.com/office/powerpoint/2010/main" val="3086947910"/>
       </p:ext>
     </p:extLst>
   </p:cSld>

--- a/ux_course/מצגת סופית להגשה.pptx
+++ b/ux_course/מצגת סופית להגשה.pptx
@@ -14,19 +14,32 @@
     <p:sldId id="258" r:id="rId8"/>
     <p:sldId id="259" r:id="rId9"/>
     <p:sldId id="263" r:id="rId10"/>
-    <p:sldId id="268" r:id="rId11"/>
-    <p:sldId id="269" r:id="rId12"/>
-    <p:sldId id="270" r:id="rId13"/>
-    <p:sldId id="271" r:id="rId14"/>
-    <p:sldId id="272" r:id="rId15"/>
-    <p:sldId id="273" r:id="rId16"/>
-    <p:sldId id="274" r:id="rId17"/>
-    <p:sldId id="275" r:id="rId18"/>
-    <p:sldId id="276" r:id="rId19"/>
-    <p:sldId id="277" r:id="rId20"/>
-    <p:sldId id="278" r:id="rId21"/>
-    <p:sldId id="279" r:id="rId22"/>
-    <p:sldId id="280" r:id="rId23"/>
+    <p:sldId id="281" r:id="rId11"/>
+    <p:sldId id="268" r:id="rId12"/>
+    <p:sldId id="293" r:id="rId13"/>
+    <p:sldId id="292" r:id="rId14"/>
+    <p:sldId id="291" r:id="rId15"/>
+    <p:sldId id="290" r:id="rId16"/>
+    <p:sldId id="269" r:id="rId17"/>
+    <p:sldId id="270" r:id="rId18"/>
+    <p:sldId id="271" r:id="rId19"/>
+    <p:sldId id="272" r:id="rId20"/>
+    <p:sldId id="273" r:id="rId21"/>
+    <p:sldId id="274" r:id="rId22"/>
+    <p:sldId id="275" r:id="rId23"/>
+    <p:sldId id="276" r:id="rId24"/>
+    <p:sldId id="277" r:id="rId25"/>
+    <p:sldId id="278" r:id="rId26"/>
+    <p:sldId id="279" r:id="rId27"/>
+    <p:sldId id="280" r:id="rId28"/>
+    <p:sldId id="282" r:id="rId29"/>
+    <p:sldId id="283" r:id="rId30"/>
+    <p:sldId id="284" r:id="rId31"/>
+    <p:sldId id="285" r:id="rId32"/>
+    <p:sldId id="286" r:id="rId33"/>
+    <p:sldId id="287" r:id="rId34"/>
+    <p:sldId id="288" r:id="rId35"/>
+    <p:sldId id="289" r:id="rId36"/>
   </p:sldIdLst>
   <p:sldSz cx="12192000" cy="6858000"/>
   <p:notesSz cx="6858000" cy="9144000"/>
@@ -641,7 +654,7 @@
           <a:p>
             <a:fld id="{C4112ACB-F900-457F-BFCF-7AFE3E0F446C}" type="datetimeFigureOut">
               <a:rPr lang="en-US" smtClean="0"/>
-              <a:t>8/20/2019</a:t>
+              <a:t>8/23/2019</a:t>
             </a:fld>
             <a:endParaRPr lang="en-US"/>
           </a:p>
@@ -1623,7 +1636,7 @@
           <a:p>
             <a:fld id="{C4112ACB-F900-457F-BFCF-7AFE3E0F446C}" type="datetimeFigureOut">
               <a:rPr lang="en-US" smtClean="0"/>
-              <a:t>8/20/2019</a:t>
+              <a:t>8/23/2019</a:t>
             </a:fld>
             <a:endParaRPr lang="en-US"/>
           </a:p>
@@ -2493,7 +2506,7 @@
           <a:p>
             <a:fld id="{C4112ACB-F900-457F-BFCF-7AFE3E0F446C}" type="datetimeFigureOut">
               <a:rPr lang="en-US" smtClean="0"/>
-              <a:t>8/20/2019</a:t>
+              <a:t>8/23/2019</a:t>
             </a:fld>
             <a:endParaRPr lang="en-US"/>
           </a:p>
@@ -3514,7 +3527,7 @@
           <a:p>
             <a:fld id="{C4112ACB-F900-457F-BFCF-7AFE3E0F446C}" type="datetimeFigureOut">
               <a:rPr lang="en-US" smtClean="0"/>
-              <a:t>8/20/2019</a:t>
+              <a:t>8/23/2019</a:t>
             </a:fld>
             <a:endParaRPr lang="en-US"/>
           </a:p>
@@ -4434,7 +4447,7 @@
           <a:p>
             <a:fld id="{C4112ACB-F900-457F-BFCF-7AFE3E0F446C}" type="datetimeFigureOut">
               <a:rPr lang="en-US" smtClean="0"/>
-              <a:t>8/20/2019</a:t>
+              <a:t>8/23/2019</a:t>
             </a:fld>
             <a:endParaRPr lang="en-US"/>
           </a:p>
@@ -5090,7 +5103,7 @@
           <a:p>
             <a:fld id="{C4112ACB-F900-457F-BFCF-7AFE3E0F446C}" type="datetimeFigureOut">
               <a:rPr lang="en-US" smtClean="0"/>
-              <a:t>8/20/2019</a:t>
+              <a:t>8/23/2019</a:t>
             </a:fld>
             <a:endParaRPr lang="en-US"/>
           </a:p>
@@ -5947,7 +5960,7 @@
           <a:p>
             <a:fld id="{C4112ACB-F900-457F-BFCF-7AFE3E0F446C}" type="datetimeFigureOut">
               <a:rPr lang="en-US" smtClean="0"/>
-              <a:t>8/20/2019</a:t>
+              <a:t>8/23/2019</a:t>
             </a:fld>
             <a:endParaRPr lang="en-US"/>
           </a:p>
@@ -6130,7 +6143,7 @@
           <a:p>
             <a:fld id="{C4112ACB-F900-457F-BFCF-7AFE3E0F446C}" type="datetimeFigureOut">
               <a:rPr lang="en-US" smtClean="0"/>
-              <a:t>8/20/2019</a:t>
+              <a:t>8/23/2019</a:t>
             </a:fld>
             <a:endParaRPr lang="en-US"/>
           </a:p>
@@ -6987,7 +7000,7 @@
           <a:p>
             <a:fld id="{C4112ACB-F900-457F-BFCF-7AFE3E0F446C}" type="datetimeFigureOut">
               <a:rPr lang="en-US" smtClean="0"/>
-              <a:t>8/20/2019</a:t>
+              <a:t>8/23/2019</a:t>
             </a:fld>
             <a:endParaRPr lang="en-US"/>
           </a:p>
@@ -7206,7 +7219,7 @@
           <a:p>
             <a:fld id="{C4112ACB-F900-457F-BFCF-7AFE3E0F446C}" type="datetimeFigureOut">
               <a:rPr lang="en-US" smtClean="0"/>
-              <a:t>8/20/2019</a:t>
+              <a:t>8/23/2019</a:t>
             </a:fld>
             <a:endParaRPr lang="en-US"/>
           </a:p>
@@ -8131,7 +8144,7 @@
           <a:p>
             <a:fld id="{C4112ACB-F900-457F-BFCF-7AFE3E0F446C}" type="datetimeFigureOut">
               <a:rPr lang="en-US" smtClean="0"/>
-              <a:t>8/20/2019</a:t>
+              <a:t>8/23/2019</a:t>
             </a:fld>
             <a:endParaRPr lang="en-US"/>
           </a:p>
@@ -8415,7 +8428,7 @@
           <a:p>
             <a:fld id="{C4112ACB-F900-457F-BFCF-7AFE3E0F446C}" type="datetimeFigureOut">
               <a:rPr lang="en-US" smtClean="0"/>
-              <a:t>8/20/2019</a:t>
+              <a:t>8/23/2019</a:t>
             </a:fld>
             <a:endParaRPr lang="en-US"/>
           </a:p>
@@ -8805,7 +8818,7 @@
           <a:p>
             <a:fld id="{C4112ACB-F900-457F-BFCF-7AFE3E0F446C}" type="datetimeFigureOut">
               <a:rPr lang="en-US" smtClean="0"/>
-              <a:t>8/20/2019</a:t>
+              <a:t>8/23/2019</a:t>
             </a:fld>
             <a:endParaRPr lang="en-US"/>
           </a:p>
@@ -8931,7 +8944,7 @@
           <a:p>
             <a:fld id="{C4112ACB-F900-457F-BFCF-7AFE3E0F446C}" type="datetimeFigureOut">
               <a:rPr lang="en-US" smtClean="0"/>
-              <a:t>8/20/2019</a:t>
+              <a:t>8/23/2019</a:t>
             </a:fld>
             <a:endParaRPr lang="en-US"/>
           </a:p>
@@ -9026,7 +9039,7 @@
           <a:p>
             <a:fld id="{C4112ACB-F900-457F-BFCF-7AFE3E0F446C}" type="datetimeFigureOut">
               <a:rPr lang="en-US" smtClean="0"/>
-              <a:t>8/20/2019</a:t>
+              <a:t>8/23/2019</a:t>
             </a:fld>
             <a:endParaRPr lang="en-US"/>
           </a:p>
@@ -9997,7 +10010,7 @@
           <a:p>
             <a:fld id="{C4112ACB-F900-457F-BFCF-7AFE3E0F446C}" type="datetimeFigureOut">
               <a:rPr lang="en-US" smtClean="0"/>
-              <a:t>8/20/2019</a:t>
+              <a:t>8/23/2019</a:t>
             </a:fld>
             <a:endParaRPr lang="en-US"/>
           </a:p>
@@ -10992,7 +11005,7 @@
           <a:p>
             <a:fld id="{C4112ACB-F900-457F-BFCF-7AFE3E0F446C}" type="datetimeFigureOut">
               <a:rPr lang="en-US" smtClean="0"/>
-              <a:t>8/20/2019</a:t>
+              <a:t>8/23/2019</a:t>
             </a:fld>
             <a:endParaRPr lang="en-US"/>
           </a:p>
@@ -11876,7 +11889,7 @@
           <a:p>
             <a:fld id="{C4112ACB-F900-457F-BFCF-7AFE3E0F446C}" type="datetimeFigureOut">
               <a:rPr lang="en-US" smtClean="0"/>
-              <a:t>8/20/2019</a:t>
+              <a:t>8/23/2019</a:t>
             </a:fld>
             <a:endParaRPr lang="en-US"/>
           </a:p>
@@ -12579,10 +12592,10 @@
       </p:grpSpPr>
       <p:sp>
         <p:nvSpPr>
-          <p:cNvPr id="2" name="כותרת 1">
+          <p:cNvPr id="4" name="כותרת 1">
             <a:extLst>
               <a:ext uri="{FF2B5EF4-FFF2-40B4-BE49-F238E27FC236}">
-                <a16:creationId xmlns:a16="http://schemas.microsoft.com/office/drawing/2014/main" id="{7E2CFF58-DDF3-4D79-8E24-D3415F37CA20}"/>
+                <a16:creationId xmlns:a16="http://schemas.microsoft.com/office/drawing/2014/main" id="{ADEE28D4-8283-4AAA-B03E-3760CDDD81F1}"/>
               </a:ext>
             </a:extLst>
           </p:cNvPr>
@@ -12590,13 +12603,13 @@
             <a:spLocks noGrp="1"/>
           </p:cNvSpPr>
           <p:nvPr>
-            <p:ph type="ctrTitle"/>
+            <p:ph type="title"/>
           </p:nvPr>
         </p:nvSpPr>
         <p:spPr>
           <a:xfrm>
-            <a:off x="3708747" y="2998289"/>
-            <a:ext cx="4774505" cy="861421"/>
+            <a:off x="1154954" y="973669"/>
+            <a:ext cx="8825659" cy="706964"/>
           </a:xfrm>
         </p:spPr>
         <p:txBody>
@@ -12605,17 +12618,198 @@
           <a:p>
             <a:pPr algn="ctr"/>
             <a:r>
-              <a:rPr lang="he-IL" dirty="0"/>
-              <a:t>האבולוציה של האתר</a:t>
-            </a:r>
-            <a:endParaRPr lang="en-US" dirty="0"/>
+              <a:rPr lang="he-IL" sz="4800" dirty="0"/>
+              <a:t>מסך אזור אישי</a:t>
+            </a:r>
+            <a:endParaRPr lang="en-US" sz="4800" dirty="0"/>
+          </a:p>
+        </p:txBody>
+      </p:sp>
+      <p:pic>
+        <p:nvPicPr>
+          <p:cNvPr id="5" name="תמונה 4">
+            <a:extLst>
+              <a:ext uri="{FF2B5EF4-FFF2-40B4-BE49-F238E27FC236}">
+                <a16:creationId xmlns:a16="http://schemas.microsoft.com/office/drawing/2014/main" id="{E8EE1ADC-A14B-42F0-99B1-5E2E037E5CAE}"/>
+              </a:ext>
+            </a:extLst>
+          </p:cNvPr>
+          <p:cNvPicPr>
+            <a:picLocks noChangeAspect="1"/>
+          </p:cNvPicPr>
+          <p:nvPr/>
+        </p:nvPicPr>
+        <p:blipFill>
+          <a:blip r:embed="rId2"/>
+          <a:stretch>
+            <a:fillRect/>
+          </a:stretch>
+        </p:blipFill>
+        <p:spPr>
+          <a:xfrm>
+            <a:off x="271040" y="3091993"/>
+            <a:ext cx="6281229" cy="3549190"/>
+          </a:xfrm>
+          <a:prstGeom prst="rect">
+            <a:avLst/>
+          </a:prstGeom>
+        </p:spPr>
+      </p:pic>
+      <p:sp>
+        <p:nvSpPr>
+          <p:cNvPr id="6" name="TextBox 26">
+            <a:extLst>
+              <a:ext uri="{FF2B5EF4-FFF2-40B4-BE49-F238E27FC236}">
+                <a16:creationId xmlns:a16="http://schemas.microsoft.com/office/drawing/2014/main" id="{4FFC1899-DDA5-45D1-9A80-03E96067FF3C}"/>
+              </a:ext>
+            </a:extLst>
+          </p:cNvPr>
+          <p:cNvSpPr txBox="1"/>
+          <p:nvPr/>
+        </p:nvSpPr>
+        <p:spPr>
+          <a:xfrm>
+            <a:off x="6552269" y="1948878"/>
+            <a:ext cx="5193437" cy="4847994"/>
+          </a:xfrm>
+          <a:prstGeom prst="rect">
+            <a:avLst/>
+          </a:prstGeom>
+          <a:noFill/>
+        </p:spPr>
+        <p:txBody>
+          <a:bodyPr wrap="square" rtlCol="0">
+            <a:spAutoFit/>
+          </a:bodyPr>
+          <a:lstStyle/>
+          <a:p>
+            <a:pPr lvl="1" algn="r" rtl="1">
+              <a:lnSpc>
+                <a:spcPct val="150000"/>
+              </a:lnSpc>
+            </a:pPr>
+            <a:endParaRPr lang="he-IL" sz="1600" dirty="0"/>
+          </a:p>
+          <a:p>
+            <a:pPr marL="285750" indent="-285750" algn="r" rtl="1">
+              <a:lnSpc>
+                <a:spcPct val="150000"/>
+              </a:lnSpc>
+              <a:buFont typeface="Arial" panose="020B0604020202020204" pitchFamily="34" charset="0"/>
+              <a:buChar char="•"/>
+            </a:pPr>
+            <a:r>
+              <a:rPr lang="he-IL" sz="1600" b="1" u="sng" dirty="0"/>
+              <a:t>משבצת "המיקומים שלי":</a:t>
+            </a:r>
+          </a:p>
+          <a:p>
+            <a:pPr marL="742950" lvl="1" indent="-285750" algn="r" rtl="1">
+              <a:lnSpc>
+                <a:spcPct val="150000"/>
+              </a:lnSpc>
+              <a:buFont typeface="Arial" panose="020B0604020202020204" pitchFamily="34" charset="0"/>
+              <a:buChar char="•"/>
+            </a:pPr>
+            <a:r>
+              <a:rPr lang="he-IL" sz="1600" dirty="0"/>
+              <a:t>כפתור מחיקה – אייקון לא תואם סטנדרט ש המערכת, לא מעומד כמו כפתור הצגת פרטים - </a:t>
+            </a:r>
+            <a:r>
+              <a:rPr lang="he-IL" sz="1600" b="1" dirty="0"/>
+              <a:t>עקיבות וסטנדרטים.</a:t>
+            </a:r>
+            <a:endParaRPr lang="he-IL" sz="1600" dirty="0"/>
+          </a:p>
+          <a:p>
+            <a:pPr marL="742950" lvl="1" indent="-285750" algn="r" rtl="1">
+              <a:lnSpc>
+                <a:spcPct val="150000"/>
+              </a:lnSpc>
+              <a:buFont typeface="Arial" panose="020B0604020202020204" pitchFamily="34" charset="0"/>
+              <a:buChar char="•"/>
+            </a:pPr>
+            <a:r>
+              <a:rPr lang="he-IL" sz="1600" dirty="0"/>
+              <a:t>כפתור הוספת מיקום – ממוקם לא טוב, לא נוח לעין </a:t>
+            </a:r>
+            <a:br>
+              <a:rPr lang="en-US" sz="1600" dirty="0"/>
+            </a:br>
+            <a:r>
+              <a:rPr lang="he-IL" sz="1600" dirty="0"/>
+              <a:t>ולא שומר על עיצוב אחיד של כפתורי הוספה במערכת - </a:t>
+            </a:r>
+            <a:r>
+              <a:rPr lang="he-IL" sz="1600" b="1" dirty="0"/>
+              <a:t>עקיבות וסטנדרטים.</a:t>
+            </a:r>
+            <a:endParaRPr lang="he-IL" sz="1600" dirty="0"/>
+          </a:p>
+          <a:p>
+            <a:pPr marL="742950" lvl="1" indent="-285750" algn="r" rtl="1">
+              <a:lnSpc>
+                <a:spcPct val="150000"/>
+              </a:lnSpc>
+              <a:buFont typeface="Arial" panose="020B0604020202020204" pitchFamily="34" charset="0"/>
+              <a:buChar char="•"/>
+            </a:pPr>
+            <a:endParaRPr lang="he-IL" sz="1600" dirty="0"/>
+          </a:p>
+          <a:p>
+            <a:pPr marL="285750" indent="-285750" algn="r" rtl="1">
+              <a:lnSpc>
+                <a:spcPct val="150000"/>
+              </a:lnSpc>
+              <a:buFont typeface="Arial" panose="020B0604020202020204" pitchFamily="34" charset="0"/>
+              <a:buChar char="•"/>
+            </a:pPr>
+            <a:r>
+              <a:rPr lang="he-IL" sz="1600" b="1" u="sng" dirty="0"/>
+              <a:t>משבצת "הפגישות שלי":</a:t>
+            </a:r>
+          </a:p>
+          <a:p>
+            <a:pPr marL="742950" lvl="1" indent="-285750" algn="r" rtl="1">
+              <a:lnSpc>
+                <a:spcPct val="150000"/>
+              </a:lnSpc>
+              <a:buFont typeface="Arial" panose="020B0604020202020204" pitchFamily="34" charset="0"/>
+              <a:buChar char="•"/>
+            </a:pPr>
+            <a:r>
+              <a:rPr lang="he-IL" sz="1600" dirty="0"/>
+              <a:t>אין משמעות לסדר הפגישות.</a:t>
+            </a:r>
+            <a:endParaRPr lang="en-US" sz="1600" dirty="0"/>
+          </a:p>
+          <a:p>
+            <a:pPr marL="742950" lvl="1" indent="-285750" algn="r" rtl="1">
+              <a:lnSpc>
+                <a:spcPct val="150000"/>
+              </a:lnSpc>
+              <a:buFont typeface="Arial" panose="020B0604020202020204" pitchFamily="34" charset="0"/>
+              <a:buChar char="•"/>
+            </a:pPr>
+            <a:r>
+              <a:rPr lang="he-IL" sz="1600" dirty="0"/>
+              <a:t>לא מצוינת שעת הפגישה – חסר מידע חיוני.</a:t>
+            </a:r>
+          </a:p>
+          <a:p>
+            <a:pPr lvl="1" algn="r" rtl="1">
+              <a:lnSpc>
+                <a:spcPct val="150000"/>
+              </a:lnSpc>
+            </a:pPr>
+            <a:endParaRPr lang="he-IL" sz="1600" dirty="0"/>
           </a:p>
         </p:txBody>
       </p:sp>
     </p:spTree>
     <p:extLst>
       <p:ext uri="{BB962C8B-B14F-4D97-AF65-F5344CB8AC3E}">
-        <p14:creationId xmlns:p14="http://schemas.microsoft.com/office/powerpoint/2010/main" val="1992770098"/>
+        <p14:creationId xmlns:p14="http://schemas.microsoft.com/office/powerpoint/2010/main" val="3135379886"/>
       </p:ext>
     </p:extLst>
   </p:cSld>
@@ -12647,7 +12841,7 @@
           <p:cNvPr id="2" name="כותרת 1">
             <a:extLst>
               <a:ext uri="{FF2B5EF4-FFF2-40B4-BE49-F238E27FC236}">
-                <a16:creationId xmlns:a16="http://schemas.microsoft.com/office/drawing/2014/main" id="{92A500EE-F6C5-4C79-92F1-D2FDEE8174A4}"/>
+                <a16:creationId xmlns:a16="http://schemas.microsoft.com/office/drawing/2014/main" id="{7E2CFF58-DDF3-4D79-8E24-D3415F37CA20}"/>
               </a:ext>
             </a:extLst>
           </p:cNvPr>
@@ -12655,13 +12849,13 @@
             <a:spLocks noGrp="1"/>
           </p:cNvSpPr>
           <p:nvPr>
-            <p:ph type="title"/>
+            <p:ph type="ctrTitle"/>
           </p:nvPr>
         </p:nvSpPr>
         <p:spPr>
           <a:xfrm>
-            <a:off x="1154954" y="973669"/>
-            <a:ext cx="8825659" cy="706964"/>
+            <a:off x="3708747" y="2998289"/>
+            <a:ext cx="4774505" cy="861421"/>
           </a:xfrm>
         </p:spPr>
         <p:txBody>
@@ -12670,101 +12864,17 @@
           <a:p>
             <a:pPr algn="ctr"/>
             <a:r>
-              <a:rPr lang="he-IL"/>
-              <a:t>מסך התחברות</a:t>
-            </a:r>
-            <a:endParaRPr lang="he-IL" dirty="0"/>
+              <a:rPr lang="he-IL" dirty="0"/>
+              <a:t>האבולוציה של האתר</a:t>
+            </a:r>
+            <a:endParaRPr lang="en-US" dirty="0"/>
           </a:p>
         </p:txBody>
       </p:sp>
-      <p:sp>
-        <p:nvSpPr>
-          <p:cNvPr id="17" name="תיבת טקסט 16">
-            <a:extLst>
-              <a:ext uri="{FF2B5EF4-FFF2-40B4-BE49-F238E27FC236}">
-                <a16:creationId xmlns:a16="http://schemas.microsoft.com/office/drawing/2014/main" id="{2F642565-7D83-416E-A7D1-4FA3B48B83E1}"/>
-              </a:ext>
-            </a:extLst>
-          </p:cNvPr>
-          <p:cNvSpPr txBox="1"/>
-          <p:nvPr/>
-        </p:nvSpPr>
-        <p:spPr>
-          <a:xfrm>
-            <a:off x="7540282" y="2610683"/>
-            <a:ext cx="4487594" cy="1477328"/>
-          </a:xfrm>
-          <a:prstGeom prst="rect">
-            <a:avLst/>
-          </a:prstGeom>
-          <a:noFill/>
-        </p:spPr>
-        <p:txBody>
-          <a:bodyPr wrap="square" rtlCol="1">
-            <a:spAutoFit/>
-          </a:bodyPr>
-          <a:lstStyle/>
-          <a:p>
-            <a:pPr marL="285750" indent="-285750" algn="r" rtl="1">
-              <a:buFont typeface="Arial" panose="020B0604020202020204" pitchFamily="34" charset="0"/>
-              <a:buChar char="•"/>
-            </a:pPr>
-            <a:r>
-              <a:rPr lang="he-IL" dirty="0"/>
-              <a:t>שינינו את שדה "שם משתמש" ושדה "סיסמה" כך שיהיו מעוצבים יותר.</a:t>
-            </a:r>
-          </a:p>
-          <a:p>
-            <a:pPr marL="285750" indent="-285750" algn="r" rtl="1">
-              <a:buFont typeface="Arial" panose="020B0604020202020204" pitchFamily="34" charset="0"/>
-              <a:buChar char="•"/>
-            </a:pPr>
-            <a:r>
-              <a:rPr lang="he-IL" dirty="0"/>
-              <a:t>הוספנו סמלים מתאימים בצד כל שדה כך שיהיה ברור למשתמש מה עליו להכניס בשדה אותו הוא ממלא – </a:t>
-            </a:r>
-            <a:r>
-              <a:rPr lang="he-IL" b="1" dirty="0"/>
-              <a:t>זיהוי ולא זיכרון.</a:t>
-            </a:r>
-            <a:endParaRPr lang="he-IL" dirty="0"/>
-          </a:p>
-        </p:txBody>
-      </p:sp>
-      <p:pic>
-        <p:nvPicPr>
-          <p:cNvPr id="3" name="תמונה 2">
-            <a:extLst>
-              <a:ext uri="{FF2B5EF4-FFF2-40B4-BE49-F238E27FC236}">
-                <a16:creationId xmlns:a16="http://schemas.microsoft.com/office/drawing/2014/main" id="{1C6E892A-A569-467D-8D80-26AAEC4C107C}"/>
-              </a:ext>
-            </a:extLst>
-          </p:cNvPr>
-          <p:cNvPicPr>
-            <a:picLocks noChangeAspect="1"/>
-          </p:cNvPicPr>
-          <p:nvPr/>
-        </p:nvPicPr>
-        <p:blipFill>
-          <a:blip r:embed="rId2"/>
-          <a:stretch>
-            <a:fillRect/>
-          </a:stretch>
-        </p:blipFill>
-        <p:spPr>
-          <a:xfrm>
-            <a:off x="0" y="2610683"/>
-            <a:ext cx="7540282" cy="4247317"/>
-          </a:xfrm>
-          <a:prstGeom prst="rect">
-            <a:avLst/>
-          </a:prstGeom>
-        </p:spPr>
-      </p:pic>
     </p:spTree>
     <p:extLst>
       <p:ext uri="{BB962C8B-B14F-4D97-AF65-F5344CB8AC3E}">
-        <p14:creationId xmlns:p14="http://schemas.microsoft.com/office/powerpoint/2010/main" val="3349785906"/>
+        <p14:creationId xmlns:p14="http://schemas.microsoft.com/office/powerpoint/2010/main" val="1992770098"/>
       </p:ext>
     </p:extLst>
   </p:cSld>
@@ -12793,10 +12903,10 @@
       </p:grpSpPr>
       <p:sp>
         <p:nvSpPr>
-          <p:cNvPr id="2" name="כותרת 1">
+          <p:cNvPr id="4" name="כותרת 1">
             <a:extLst>
               <a:ext uri="{FF2B5EF4-FFF2-40B4-BE49-F238E27FC236}">
-                <a16:creationId xmlns:a16="http://schemas.microsoft.com/office/drawing/2014/main" id="{92A500EE-F6C5-4C79-92F1-D2FDEE8174A4}"/>
+                <a16:creationId xmlns:a16="http://schemas.microsoft.com/office/drawing/2014/main" id="{55F08124-27CA-4969-A224-C929341B0EDC}"/>
               </a:ext>
             </a:extLst>
           </p:cNvPr>
@@ -12819,19 +12929,19 @@
           <a:p>
             <a:pPr algn="ctr"/>
             <a:r>
-              <a:rPr lang="he-IL"/>
-              <a:t>מסך התחברות</a:t>
-            </a:r>
-            <a:endParaRPr lang="he-IL" dirty="0"/>
+              <a:rPr lang="he-IL" dirty="0"/>
+              <a:t>דברים כלליים במערכת</a:t>
+            </a:r>
+            <a:endParaRPr lang="en-US" dirty="0"/>
           </a:p>
         </p:txBody>
       </p:sp>
       <p:sp>
         <p:nvSpPr>
-          <p:cNvPr id="17" name="תיבת טקסט 16">
+          <p:cNvPr id="5" name="תיבת טקסט 4">
             <a:extLst>
               <a:ext uri="{FF2B5EF4-FFF2-40B4-BE49-F238E27FC236}">
-                <a16:creationId xmlns:a16="http://schemas.microsoft.com/office/drawing/2014/main" id="{2F642565-7D83-416E-A7D1-4FA3B48B83E1}"/>
+                <a16:creationId xmlns:a16="http://schemas.microsoft.com/office/drawing/2014/main" id="{1D79F5F6-3585-4EC0-A5B9-8C27C267FDC2}"/>
               </a:ext>
             </a:extLst>
           </p:cNvPr>
@@ -12840,8 +12950,8 @@
         </p:nvSpPr>
         <p:spPr>
           <a:xfrm>
-            <a:off x="7982504" y="2610683"/>
-            <a:ext cx="4045371" cy="2585323"/>
+            <a:off x="7540282" y="2610683"/>
+            <a:ext cx="4487594" cy="2118529"/>
           </a:xfrm>
           <a:prstGeom prst="rect">
             <a:avLst/>
@@ -12855,57 +12965,53 @@
           <a:lstStyle/>
           <a:p>
             <a:pPr marL="285750" indent="-285750" algn="r" rtl="1">
+              <a:lnSpc>
+                <a:spcPct val="150000"/>
+              </a:lnSpc>
               <a:buFont typeface="Arial" panose="020B0604020202020204" pitchFamily="34" charset="0"/>
               <a:buChar char="•"/>
             </a:pPr>
             <a:r>
               <a:rPr lang="he-IL" dirty="0"/>
-              <a:t>בעת לחיצת המשתמש על אחת השדות, יהיה חיווי של השדה שיראה למשתמש כי הוא ממלא את השדה – </a:t>
+              <a:t>שינינו חלקים במסכים כך שתהיה אחידות בניהם - </a:t>
             </a:r>
             <a:r>
               <a:rPr lang="he-IL" b="1" dirty="0"/>
-              <a:t>חיווי מצב המערכת.</a:t>
-            </a:r>
-          </a:p>
-          <a:p>
-            <a:pPr marL="285750" indent="-285750" algn="r" rtl="1">
-              <a:buFont typeface="Arial" panose="020B0604020202020204" pitchFamily="34" charset="0"/>
-              <a:buChar char="•"/>
+              <a:t>עקיבות וסטנדרטים.</a:t>
+            </a:r>
+            <a:br>
+              <a:rPr lang="en-US" b="1" dirty="0"/>
+            </a:br>
+            <a:r>
+              <a:rPr lang="he-IL" dirty="0"/>
+              <a:t>לדוגמא:</a:t>
+            </a:r>
+            <a:r>
+              <a:rPr lang="en-US" dirty="0"/>
+              <a:t> </a:t>
+            </a:r>
+            <a:r>
+              <a:rPr lang="he-IL" dirty="0"/>
+              <a:t>כפתורי צפייה, עריכה, ביטול והוספה זהים בכל המערכת, והצבעים אחידים.</a:t>
+            </a:r>
+            <a:endParaRPr lang="he-IL" b="1" dirty="0"/>
+          </a:p>
+          <a:p>
+            <a:pPr algn="r" rtl="1">
+              <a:lnSpc>
+                <a:spcPct val="150000"/>
+              </a:lnSpc>
             </a:pPr>
-            <a:r>
-              <a:rPr lang="he-IL" dirty="0"/>
-              <a:t>נאפשר למשתמש בעת לחיצת הכפתור "</a:t>
-            </a:r>
-            <a:r>
-              <a:rPr lang="en-US" dirty="0"/>
-              <a:t>TAB</a:t>
-            </a:r>
-            <a:r>
-              <a:rPr lang="he-IL" dirty="0"/>
-              <a:t>" לעבור לשדה הבא אוטומטית, ובעת לחיצת הכפתור "</a:t>
-            </a:r>
-            <a:r>
-              <a:rPr lang="en-US" dirty="0"/>
-              <a:t>ENTER</a:t>
-            </a:r>
-            <a:r>
-              <a:rPr lang="he-IL" dirty="0"/>
-              <a:t>" לבצע התחברות מבלי ללחוץ על כפתור ההתחברות – </a:t>
-            </a:r>
-            <a:r>
-              <a:rPr lang="he-IL" b="1" dirty="0"/>
-              <a:t>גמישות ויעילות שימוש.</a:t>
-            </a:r>
             <a:endParaRPr lang="he-IL" dirty="0"/>
           </a:p>
         </p:txBody>
       </p:sp>
       <p:pic>
         <p:nvPicPr>
-          <p:cNvPr id="4" name="תמונה 3">
+          <p:cNvPr id="7" name="תמונה 6">
             <a:extLst>
               <a:ext uri="{FF2B5EF4-FFF2-40B4-BE49-F238E27FC236}">
-                <a16:creationId xmlns:a16="http://schemas.microsoft.com/office/drawing/2014/main" id="{8C804448-1091-444C-BE73-7D69E8980E8C}"/>
+                <a16:creationId xmlns:a16="http://schemas.microsoft.com/office/drawing/2014/main" id="{83BCCF4E-DD0A-4DEE-859B-42EDD9FCFE78}"/>
               </a:ext>
             </a:extLst>
           </p:cNvPr>
@@ -12922,8 +13028,98 @@
         </p:blipFill>
         <p:spPr>
           <a:xfrm>
-            <a:off x="0" y="2610000"/>
-            <a:ext cx="7981200" cy="4247306"/>
+            <a:off x="164124" y="2347274"/>
+            <a:ext cx="3173699" cy="1640724"/>
+          </a:xfrm>
+          <a:prstGeom prst="rect">
+            <a:avLst/>
+          </a:prstGeom>
+        </p:spPr>
+      </p:pic>
+      <p:pic>
+        <p:nvPicPr>
+          <p:cNvPr id="8" name="תמונה 7">
+            <a:extLst>
+              <a:ext uri="{FF2B5EF4-FFF2-40B4-BE49-F238E27FC236}">
+                <a16:creationId xmlns:a16="http://schemas.microsoft.com/office/drawing/2014/main" id="{13A883BA-D279-41A5-9592-9C1EAF08A0B9}"/>
+              </a:ext>
+            </a:extLst>
+          </p:cNvPr>
+          <p:cNvPicPr>
+            <a:picLocks noChangeAspect="1"/>
+          </p:cNvPicPr>
+          <p:nvPr/>
+        </p:nvPicPr>
+        <p:blipFill>
+          <a:blip r:embed="rId3"/>
+          <a:stretch>
+            <a:fillRect/>
+          </a:stretch>
+        </p:blipFill>
+        <p:spPr>
+          <a:xfrm>
+            <a:off x="3535052" y="2378836"/>
+            <a:ext cx="2875212" cy="1681231"/>
+          </a:xfrm>
+          <a:prstGeom prst="rect">
+            <a:avLst/>
+          </a:prstGeom>
+        </p:spPr>
+      </p:pic>
+      <p:pic>
+        <p:nvPicPr>
+          <p:cNvPr id="9" name="תמונה 8">
+            <a:extLst>
+              <a:ext uri="{FF2B5EF4-FFF2-40B4-BE49-F238E27FC236}">
+                <a16:creationId xmlns:a16="http://schemas.microsoft.com/office/drawing/2014/main" id="{5B3D2887-C14C-463B-83EE-A91918D5D9E2}"/>
+              </a:ext>
+            </a:extLst>
+          </p:cNvPr>
+          <p:cNvPicPr>
+            <a:picLocks noChangeAspect="1"/>
+          </p:cNvPicPr>
+          <p:nvPr/>
+        </p:nvPicPr>
+        <p:blipFill>
+          <a:blip r:embed="rId4"/>
+          <a:stretch>
+            <a:fillRect/>
+          </a:stretch>
+        </p:blipFill>
+        <p:spPr>
+          <a:xfrm>
+            <a:off x="5891790" y="5182080"/>
+            <a:ext cx="3994453" cy="1640724"/>
+          </a:xfrm>
+          <a:prstGeom prst="rect">
+            <a:avLst/>
+          </a:prstGeom>
+        </p:spPr>
+      </p:pic>
+      <p:pic>
+        <p:nvPicPr>
+          <p:cNvPr id="10" name="תמונה 9">
+            <a:extLst>
+              <a:ext uri="{FF2B5EF4-FFF2-40B4-BE49-F238E27FC236}">
+                <a16:creationId xmlns:a16="http://schemas.microsoft.com/office/drawing/2014/main" id="{1F87BD62-4023-46D3-B70C-CAB8B7C75DA6}"/>
+              </a:ext>
+            </a:extLst>
+          </p:cNvPr>
+          <p:cNvPicPr>
+            <a:picLocks noChangeAspect="1"/>
+          </p:cNvPicPr>
+          <p:nvPr/>
+        </p:nvPicPr>
+        <p:blipFill>
+          <a:blip r:embed="rId5"/>
+          <a:stretch>
+            <a:fillRect/>
+          </a:stretch>
+        </p:blipFill>
+        <p:spPr>
+          <a:xfrm>
+            <a:off x="0" y="4654639"/>
+            <a:ext cx="5328638" cy="2168165"/>
           </a:xfrm>
           <a:prstGeom prst="rect">
             <a:avLst/>
@@ -12933,7 +13129,7 @@
     </p:spTree>
     <p:extLst>
       <p:ext uri="{BB962C8B-B14F-4D97-AF65-F5344CB8AC3E}">
-        <p14:creationId xmlns:p14="http://schemas.microsoft.com/office/powerpoint/2010/main" val="3877762486"/>
+        <p14:creationId xmlns:p14="http://schemas.microsoft.com/office/powerpoint/2010/main" val="1985063399"/>
       </p:ext>
     </p:extLst>
   </p:cSld>
@@ -12962,10 +13158,10 @@
       </p:grpSpPr>
       <p:sp>
         <p:nvSpPr>
-          <p:cNvPr id="2" name="כותרת 1">
+          <p:cNvPr id="7" name="כותרת 1">
             <a:extLst>
               <a:ext uri="{FF2B5EF4-FFF2-40B4-BE49-F238E27FC236}">
-                <a16:creationId xmlns:a16="http://schemas.microsoft.com/office/drawing/2014/main" id="{92A500EE-F6C5-4C79-92F1-D2FDEE8174A4}"/>
+                <a16:creationId xmlns:a16="http://schemas.microsoft.com/office/drawing/2014/main" id="{78BD3069-7EB5-4305-8FDB-E6FD8362DFE0}"/>
               </a:ext>
             </a:extLst>
           </p:cNvPr>
@@ -12988,19 +13184,19 @@
           <a:p>
             <a:pPr algn="ctr"/>
             <a:r>
-              <a:rPr lang="he-IL"/>
-              <a:t>מסך התחברות</a:t>
-            </a:r>
-            <a:endParaRPr lang="he-IL" dirty="0"/>
+              <a:rPr lang="he-IL" dirty="0"/>
+              <a:t>דברים כלליים במערכת</a:t>
+            </a:r>
+            <a:endParaRPr lang="en-US" dirty="0"/>
           </a:p>
         </p:txBody>
       </p:sp>
       <p:sp>
         <p:nvSpPr>
-          <p:cNvPr id="17" name="תיבת טקסט 16">
+          <p:cNvPr id="8" name="תיבת טקסט 7">
             <a:extLst>
               <a:ext uri="{FF2B5EF4-FFF2-40B4-BE49-F238E27FC236}">
-                <a16:creationId xmlns:a16="http://schemas.microsoft.com/office/drawing/2014/main" id="{2F642565-7D83-416E-A7D1-4FA3B48B83E1}"/>
+                <a16:creationId xmlns:a16="http://schemas.microsoft.com/office/drawing/2014/main" id="{39B17C3A-5BE1-465A-A891-240388F1CCDA}"/>
               </a:ext>
             </a:extLst>
           </p:cNvPr>
@@ -13009,8 +13205,8 @@
         </p:nvSpPr>
         <p:spPr>
           <a:xfrm>
-            <a:off x="7540282" y="2739271"/>
-            <a:ext cx="4487594" cy="923330"/>
+            <a:off x="7540282" y="2610683"/>
+            <a:ext cx="4487594" cy="872034"/>
           </a:xfrm>
           <a:prstGeom prst="rect">
             <a:avLst/>
@@ -13024,27 +13220,29 @@
           <a:lstStyle/>
           <a:p>
             <a:pPr marL="285750" indent="-285750" algn="r" rtl="1">
+              <a:lnSpc>
+                <a:spcPct val="150000"/>
+              </a:lnSpc>
               <a:buFont typeface="Arial" panose="020B0604020202020204" pitchFamily="34" charset="0"/>
               <a:buChar char="•"/>
             </a:pPr>
             <a:r>
               <a:rPr lang="he-IL" dirty="0"/>
-              <a:t>הוספנו כפתור למשתמש לצד שדה ה"סיסמה" המאפשר לו לראות את הסיסמה שהזין – </a:t>
+              <a:t>הוספנו חיווי למשתמש באיזה דף הוא נמצא בכל רגע - </a:t>
             </a:r>
             <a:r>
               <a:rPr lang="he-IL" b="1" dirty="0"/>
-              <a:t>מניעת טעויות.</a:t>
-            </a:r>
-            <a:endParaRPr lang="he-IL" dirty="0"/>
+              <a:t>נראות מצב המערכת.</a:t>
+            </a:r>
           </a:p>
         </p:txBody>
       </p:sp>
       <p:pic>
         <p:nvPicPr>
-          <p:cNvPr id="3" name="תמונה 2">
+          <p:cNvPr id="10" name="תמונה 9">
             <a:extLst>
               <a:ext uri="{FF2B5EF4-FFF2-40B4-BE49-F238E27FC236}">
-                <a16:creationId xmlns:a16="http://schemas.microsoft.com/office/drawing/2014/main" id="{44DD3646-170F-4B07-8F52-2001FE2F6DA1}"/>
+                <a16:creationId xmlns:a16="http://schemas.microsoft.com/office/drawing/2014/main" id="{7055E3BF-B29E-49DB-9F8F-5CAA37983551}"/>
               </a:ext>
             </a:extLst>
           </p:cNvPr>
@@ -13061,8 +13259,8 @@
         </p:blipFill>
         <p:spPr>
           <a:xfrm>
-            <a:off x="0" y="2661899"/>
-            <a:ext cx="7489909" cy="4196101"/>
+            <a:off x="0" y="2752627"/>
+            <a:ext cx="7300525" cy="4099438"/>
           </a:xfrm>
           <a:prstGeom prst="rect">
             <a:avLst/>
@@ -13072,7 +13270,7 @@
     </p:spTree>
     <p:extLst>
       <p:ext uri="{BB962C8B-B14F-4D97-AF65-F5344CB8AC3E}">
-        <p14:creationId xmlns:p14="http://schemas.microsoft.com/office/powerpoint/2010/main" val="1977331281"/>
+        <p14:creationId xmlns:p14="http://schemas.microsoft.com/office/powerpoint/2010/main" val="1049553679"/>
       </p:ext>
     </p:extLst>
   </p:cSld>
@@ -13101,10 +13299,10 @@
       </p:grpSpPr>
       <p:sp>
         <p:nvSpPr>
-          <p:cNvPr id="2" name="כותרת 1">
+          <p:cNvPr id="4" name="כותרת 1">
             <a:extLst>
               <a:ext uri="{FF2B5EF4-FFF2-40B4-BE49-F238E27FC236}">
-                <a16:creationId xmlns:a16="http://schemas.microsoft.com/office/drawing/2014/main" id="{92A500EE-F6C5-4C79-92F1-D2FDEE8174A4}"/>
+                <a16:creationId xmlns:a16="http://schemas.microsoft.com/office/drawing/2014/main" id="{F1B43665-3015-4230-B018-E886844CCA11}"/>
               </a:ext>
             </a:extLst>
           </p:cNvPr>
@@ -13127,19 +13325,19 @@
           <a:p>
             <a:pPr algn="ctr"/>
             <a:r>
-              <a:rPr lang="he-IL"/>
-              <a:t>מסך התחברות</a:t>
-            </a:r>
-            <a:endParaRPr lang="he-IL" dirty="0"/>
+              <a:rPr lang="he-IL" dirty="0"/>
+              <a:t>דברים כלליים במערכת</a:t>
+            </a:r>
+            <a:endParaRPr lang="en-US" dirty="0"/>
           </a:p>
         </p:txBody>
       </p:sp>
       <p:sp>
         <p:nvSpPr>
-          <p:cNvPr id="17" name="תיבת טקסט 16">
+          <p:cNvPr id="5" name="תיבת טקסט 4">
             <a:extLst>
               <a:ext uri="{FF2B5EF4-FFF2-40B4-BE49-F238E27FC236}">
-                <a16:creationId xmlns:a16="http://schemas.microsoft.com/office/drawing/2014/main" id="{2F642565-7D83-416E-A7D1-4FA3B48B83E1}"/>
+                <a16:creationId xmlns:a16="http://schemas.microsoft.com/office/drawing/2014/main" id="{FFF52523-5F99-4BE9-AB01-3D65E85B6A75}"/>
               </a:ext>
             </a:extLst>
           </p:cNvPr>
@@ -13148,8 +13346,8 @@
         </p:nvSpPr>
         <p:spPr>
           <a:xfrm>
-            <a:off x="7540282" y="2739271"/>
-            <a:ext cx="4487594" cy="923330"/>
+            <a:off x="7540282" y="2610683"/>
+            <a:ext cx="4487594" cy="2308324"/>
           </a:xfrm>
           <a:prstGeom prst="rect">
             <a:avLst/>
@@ -13168,22 +13366,46 @@
             </a:pPr>
             <a:r>
               <a:rPr lang="he-IL" dirty="0"/>
-              <a:t>הוספנו כפתור למשתמש לצד שדה ה"סיסמה" המאפשר לו לראות את הסיסמה שהזין – </a:t>
+              <a:t>הוספנו פופ-אפ אישור על כל פעולה "מסוכנת" - </a:t>
             </a:r>
             <a:r>
               <a:rPr lang="he-IL" b="1" dirty="0"/>
               <a:t>מניעת טעויות.</a:t>
             </a:r>
-            <a:endParaRPr lang="he-IL" dirty="0"/>
+            <a:br>
+              <a:rPr lang="en-US" b="1" dirty="0"/>
+            </a:br>
+            <a:r>
+              <a:rPr lang="he-IL" dirty="0"/>
+              <a:t>לדוגמא: המשתמש דוחה פגישה שהזמינו אותו אליה ומוקפץ לו פופ אם שמסביר את השלכות הדחייה עם אופציה לאשר את הפעולה או לבטל אותה.</a:t>
+            </a:r>
+          </a:p>
+          <a:p>
+            <a:pPr marL="285750" indent="-285750" algn="r" rtl="1">
+              <a:buFont typeface="Arial" panose="020B0604020202020204" pitchFamily="34" charset="0"/>
+              <a:buChar char="•"/>
+            </a:pPr>
+            <a:r>
+              <a:rPr lang="he-IL" dirty="0"/>
+              <a:t>במידה ויאשר ועדיין ירצה לבטל אותה, יקפוץ ה</a:t>
+            </a:r>
+            <a:r>
+              <a:rPr lang="en-US" dirty="0"/>
+              <a:t>snack bar</a:t>
+            </a:r>
+            <a:r>
+              <a:rPr lang="he-IL" dirty="0"/>
+              <a:t> שמאפשר את היפוך הפעולה.</a:t>
+            </a:r>
           </a:p>
         </p:txBody>
       </p:sp>
       <p:pic>
         <p:nvPicPr>
-          <p:cNvPr id="4" name="תמונה 3">
+          <p:cNvPr id="8" name="תמונה 7">
             <a:extLst>
               <a:ext uri="{FF2B5EF4-FFF2-40B4-BE49-F238E27FC236}">
-                <a16:creationId xmlns:a16="http://schemas.microsoft.com/office/drawing/2014/main" id="{94326547-AECF-4F4E-AC85-6BD44FEF36E6}"/>
+                <a16:creationId xmlns:a16="http://schemas.microsoft.com/office/drawing/2014/main" id="{21F40EF4-906D-42FA-8C0D-9BE154FA4FFB}"/>
               </a:ext>
             </a:extLst>
           </p:cNvPr>
@@ -13200,8 +13422,8 @@
         </p:blipFill>
         <p:spPr>
           <a:xfrm>
-            <a:off x="0" y="2703995"/>
-            <a:ext cx="7491600" cy="4154005"/>
+            <a:off x="285242" y="3540057"/>
+            <a:ext cx="5629275" cy="3124200"/>
           </a:xfrm>
           <a:prstGeom prst="rect">
             <a:avLst/>
@@ -13211,7 +13433,7 @@
     </p:spTree>
     <p:extLst>
       <p:ext uri="{BB962C8B-B14F-4D97-AF65-F5344CB8AC3E}">
-        <p14:creationId xmlns:p14="http://schemas.microsoft.com/office/powerpoint/2010/main" val="2786482054"/>
+        <p14:creationId xmlns:p14="http://schemas.microsoft.com/office/powerpoint/2010/main" val="1472041432"/>
       </p:ext>
     </p:extLst>
   </p:cSld>
@@ -13243,7 +13465,7 @@
           <p:cNvPr id="2" name="כותרת 1">
             <a:extLst>
               <a:ext uri="{FF2B5EF4-FFF2-40B4-BE49-F238E27FC236}">
-                <a16:creationId xmlns:a16="http://schemas.microsoft.com/office/drawing/2014/main" id="{92A500EE-F6C5-4C79-92F1-D2FDEE8174A4}"/>
+                <a16:creationId xmlns:a16="http://schemas.microsoft.com/office/drawing/2014/main" id="{FEA224D4-E308-49CE-B55C-BAB9BF354E77}"/>
               </a:ext>
             </a:extLst>
           </p:cNvPr>
@@ -13254,31 +13476,26 @@
             <p:ph type="title"/>
           </p:nvPr>
         </p:nvSpPr>
-        <p:spPr>
-          <a:xfrm>
-            <a:off x="1154954" y="973669"/>
-            <a:ext cx="8825659" cy="706964"/>
-          </a:xfrm>
-        </p:spPr>
+        <p:spPr/>
         <p:txBody>
           <a:bodyPr/>
           <a:lstStyle/>
           <a:p>
             <a:pPr algn="ctr"/>
             <a:r>
-              <a:rPr lang="he-IL"/>
-              <a:t>מסך התחברות</a:t>
-            </a:r>
-            <a:endParaRPr lang="he-IL" dirty="0"/>
+              <a:rPr lang="he-IL" dirty="0"/>
+              <a:t>דברים כלליים במערכת</a:t>
+            </a:r>
+            <a:endParaRPr lang="en-US" dirty="0"/>
           </a:p>
         </p:txBody>
       </p:sp>
       <p:sp>
         <p:nvSpPr>
-          <p:cNvPr id="17" name="תיבת טקסט 16">
+          <p:cNvPr id="4" name="תיבת טקסט 3">
             <a:extLst>
               <a:ext uri="{FF2B5EF4-FFF2-40B4-BE49-F238E27FC236}">
-                <a16:creationId xmlns:a16="http://schemas.microsoft.com/office/drawing/2014/main" id="{2F642565-7D83-416E-A7D1-4FA3B48B83E1}"/>
+                <a16:creationId xmlns:a16="http://schemas.microsoft.com/office/drawing/2014/main" id="{930511A8-19F4-47A2-B890-484463A47540}"/>
               </a:ext>
             </a:extLst>
           </p:cNvPr>
@@ -13287,8 +13504,8 @@
         </p:nvSpPr>
         <p:spPr>
           <a:xfrm>
-            <a:off x="7540282" y="2739271"/>
-            <a:ext cx="4487594" cy="1477328"/>
+            <a:off x="7540282" y="2610683"/>
+            <a:ext cx="4487594" cy="2308324"/>
           </a:xfrm>
           <a:prstGeom prst="rect">
             <a:avLst/>
@@ -13307,32 +13524,36 @@
             </a:pPr>
             <a:r>
               <a:rPr lang="he-IL" dirty="0"/>
-              <a:t>הזזנו את כפתור ההתחברות לצד שמאל.</a:t>
-            </a:r>
-          </a:p>
-          <a:p>
-            <a:pPr marL="285750" indent="-285750" algn="r" rtl="1">
-              <a:buFont typeface="Arial" panose="020B0604020202020204" pitchFamily="34" charset="0"/>
-              <a:buChar char="•"/>
-            </a:pPr>
+              <a:t>אפשרנו למשתמש לבצע פעולת "חזור" לכל פעולה במערכת, על ידי </a:t>
+            </a:r>
+            <a:r>
+              <a:rPr lang="en-US" dirty="0"/>
+              <a:t>snack bar</a:t>
+            </a:r>
             <a:r>
               <a:rPr lang="he-IL" dirty="0"/>
-              <a:t>שינינו את כפתור ההרשמה כך שיראה כמו קישור למסך הרשמה. – </a:t>
+              <a:t> שמופיע לכמה שניות לאחר הפעולה, עם הודעה מתאימה לפעילות של המשתמש וכפתור ביטול שמבטל אותה - </a:t>
             </a:r>
             <a:r>
               <a:rPr lang="he-IL" b="1" dirty="0"/>
-              <a:t>התאמה בין המערכת לעולם האמיתי (שימוש בשפה אנושית + מזמינות).</a:t>
-            </a:r>
-            <a:endParaRPr lang="he-IL" dirty="0"/>
+              <a:t>שליטה וחופש של המשתמש.</a:t>
+            </a:r>
+            <a:br>
+              <a:rPr lang="en-US" dirty="0"/>
+            </a:br>
+            <a:r>
+              <a:rPr lang="he-IL" dirty="0"/>
+              <a:t>לדוגמא – המשתמש ביטל פגישה וכעת הוא יכול להתחרט ולבטל את הפעולה.</a:t>
+            </a:r>
           </a:p>
         </p:txBody>
       </p:sp>
       <p:pic>
         <p:nvPicPr>
-          <p:cNvPr id="3" name="תמונה 2">
+          <p:cNvPr id="5" name="תמונה 4">
             <a:extLst>
               <a:ext uri="{FF2B5EF4-FFF2-40B4-BE49-F238E27FC236}">
-                <a16:creationId xmlns:a16="http://schemas.microsoft.com/office/drawing/2014/main" id="{AFF2BC89-6CFF-4440-A217-BA3D6ED40099}"/>
+                <a16:creationId xmlns:a16="http://schemas.microsoft.com/office/drawing/2014/main" id="{B832D7B7-B745-43B5-A417-2FCA85FA6414}"/>
               </a:ext>
             </a:extLst>
           </p:cNvPr>
@@ -13349,8 +13570,38 @@
         </p:blipFill>
         <p:spPr>
           <a:xfrm>
-            <a:off x="0" y="2724585"/>
-            <a:ext cx="7376157" cy="4133415"/>
+            <a:off x="34780" y="2771480"/>
+            <a:ext cx="7223475" cy="4086520"/>
+          </a:xfrm>
+          <a:prstGeom prst="rect">
+            <a:avLst/>
+          </a:prstGeom>
+        </p:spPr>
+      </p:pic>
+      <p:pic>
+        <p:nvPicPr>
+          <p:cNvPr id="9" name="תמונה 8">
+            <a:extLst>
+              <a:ext uri="{FF2B5EF4-FFF2-40B4-BE49-F238E27FC236}">
+                <a16:creationId xmlns:a16="http://schemas.microsoft.com/office/drawing/2014/main" id="{FB635FC1-23E4-4B0E-83E2-1FC9A7974221}"/>
+              </a:ext>
+            </a:extLst>
+          </p:cNvPr>
+          <p:cNvPicPr>
+            <a:picLocks noChangeAspect="1"/>
+          </p:cNvPicPr>
+          <p:nvPr/>
+        </p:nvPicPr>
+        <p:blipFill>
+          <a:blip r:embed="rId3"/>
+          <a:stretch>
+            <a:fillRect/>
+          </a:stretch>
+        </p:blipFill>
+        <p:spPr>
+          <a:xfrm>
+            <a:off x="2405751" y="6346168"/>
+            <a:ext cx="2656444" cy="429823"/>
           </a:xfrm>
           <a:prstGeom prst="rect">
             <a:avLst/>
@@ -13360,7 +13611,7 @@
     </p:spTree>
     <p:extLst>
       <p:ext uri="{BB962C8B-B14F-4D97-AF65-F5344CB8AC3E}">
-        <p14:creationId xmlns:p14="http://schemas.microsoft.com/office/powerpoint/2010/main" val="438078503"/>
+        <p14:creationId xmlns:p14="http://schemas.microsoft.com/office/powerpoint/2010/main" val="3760907985"/>
       </p:ext>
     </p:extLst>
   </p:cSld>
@@ -13436,8 +13687,8 @@
         </p:nvSpPr>
         <p:spPr>
           <a:xfrm>
-            <a:off x="7540282" y="2739271"/>
-            <a:ext cx="4487594" cy="646331"/>
+            <a:off x="7540282" y="2610683"/>
+            <a:ext cx="4487594" cy="1477328"/>
           </a:xfrm>
           <a:prstGeom prst="rect">
             <a:avLst/>
@@ -13456,17 +13707,32 @@
             </a:pPr>
             <a:r>
               <a:rPr lang="he-IL" dirty="0"/>
-              <a:t>הוספנו אפשרות לזכור את המשתמש לפעמים הבאות</a:t>
-            </a:r>
+              <a:t>שינינו את שדה "שם משתמש" ושדה "סיסמה" כך שיהיו מעוצבים יותר.</a:t>
+            </a:r>
+          </a:p>
+          <a:p>
+            <a:pPr marL="285750" indent="-285750" algn="r" rtl="1">
+              <a:buFont typeface="Arial" panose="020B0604020202020204" pitchFamily="34" charset="0"/>
+              <a:buChar char="•"/>
+            </a:pPr>
+            <a:r>
+              <a:rPr lang="he-IL" dirty="0"/>
+              <a:t>הוספנו סמלים מתאימים בצד כל שדה כך שיהיה ברור למשתמש מה עליו להכניס בשדה אותו הוא ממלא – </a:t>
+            </a:r>
+            <a:r>
+              <a:rPr lang="he-IL" b="1" dirty="0"/>
+              <a:t>זיהוי ולא זיכרון.</a:t>
+            </a:r>
+            <a:endParaRPr lang="he-IL" dirty="0"/>
           </a:p>
         </p:txBody>
       </p:sp>
       <p:pic>
         <p:nvPicPr>
-          <p:cNvPr id="4" name="תמונה 3">
+          <p:cNvPr id="3" name="תמונה 2">
             <a:extLst>
               <a:ext uri="{FF2B5EF4-FFF2-40B4-BE49-F238E27FC236}">
-                <a16:creationId xmlns:a16="http://schemas.microsoft.com/office/drawing/2014/main" id="{C4AC84E8-C33D-4B9A-9010-89F637AB80A1}"/>
+                <a16:creationId xmlns:a16="http://schemas.microsoft.com/office/drawing/2014/main" id="{1C6E892A-A569-467D-8D80-26AAEC4C107C}"/>
               </a:ext>
             </a:extLst>
           </p:cNvPr>
@@ -13483,8 +13749,8 @@
         </p:blipFill>
         <p:spPr>
           <a:xfrm>
-            <a:off x="0" y="2739271"/>
-            <a:ext cx="7403394" cy="4118729"/>
+            <a:off x="0" y="2610683"/>
+            <a:ext cx="7540282" cy="4247317"/>
           </a:xfrm>
           <a:prstGeom prst="rect">
             <a:avLst/>
@@ -13494,7 +13760,7 @@
     </p:spTree>
     <p:extLst>
       <p:ext uri="{BB962C8B-B14F-4D97-AF65-F5344CB8AC3E}">
-        <p14:creationId xmlns:p14="http://schemas.microsoft.com/office/powerpoint/2010/main" val="2099280823"/>
+        <p14:creationId xmlns:p14="http://schemas.microsoft.com/office/powerpoint/2010/main" val="3349785906"/>
       </p:ext>
     </p:extLst>
   </p:cSld>
@@ -13570,8 +13836,8 @@
         </p:nvSpPr>
         <p:spPr>
           <a:xfrm>
-            <a:off x="7540282" y="2739271"/>
-            <a:ext cx="4487594" cy="646331"/>
+            <a:off x="7982504" y="2610683"/>
+            <a:ext cx="4045371" cy="2585323"/>
           </a:xfrm>
           <a:prstGeom prst="rect">
             <a:avLst/>
@@ -13590,17 +13856,52 @@
             </a:pPr>
             <a:r>
               <a:rPr lang="he-IL" dirty="0"/>
-              <a:t>הוספנו אפשרות לזכור את המשתמש לפעמים הבאות</a:t>
-            </a:r>
+              <a:t>בעת לחיצת המשתמש על אחת השדות, יהיה חיווי של השדה שיראה למשתמש כי הוא ממלא את השדה – </a:t>
+            </a:r>
+            <a:r>
+              <a:rPr lang="he-IL" b="1" dirty="0"/>
+              <a:t>חיווי מצב המערכת.</a:t>
+            </a:r>
+          </a:p>
+          <a:p>
+            <a:pPr marL="285750" indent="-285750" algn="r" rtl="1">
+              <a:buFont typeface="Arial" panose="020B0604020202020204" pitchFamily="34" charset="0"/>
+              <a:buChar char="•"/>
+            </a:pPr>
+            <a:r>
+              <a:rPr lang="he-IL" dirty="0"/>
+              <a:t>נאפשר למשתמש בעת לחיצת הכפתור "</a:t>
+            </a:r>
+            <a:r>
+              <a:rPr lang="en-US" dirty="0"/>
+              <a:t>TAB</a:t>
+            </a:r>
+            <a:r>
+              <a:rPr lang="he-IL" dirty="0"/>
+              <a:t>" לעבור לשדה הבא אוטומטית, ובעת לחיצת הכפתור "</a:t>
+            </a:r>
+            <a:r>
+              <a:rPr lang="en-US" dirty="0"/>
+              <a:t>ENTER</a:t>
+            </a:r>
+            <a:r>
+              <a:rPr lang="he-IL" dirty="0"/>
+              <a:t>" לבצע התחברות מבלי ללחוץ על כפתור ההתחברות – </a:t>
+            </a:r>
+            <a:r>
+              <a:rPr lang="he-IL" b="1" dirty="0"/>
+              <a:t>גמישות ויעילות שימוש.</a:t>
+            </a:r>
+            <a:endParaRPr lang="he-IL" dirty="0"/>
           </a:p>
         </p:txBody>
       </p:sp>
       <p:pic>
         <p:nvPicPr>
-          <p:cNvPr id="3" name="תמונה 2">
+          <p:cNvPr id="4" name="תמונה 3">
             <a:extLst>
               <a:ext uri="{FF2B5EF4-FFF2-40B4-BE49-F238E27FC236}">
-                <a16:creationId xmlns:a16="http://schemas.microsoft.com/office/drawing/2014/main" id="{713B69A8-3AD9-4073-B2B7-E8BD26F62F61}"/>
+                <a16:creationId xmlns:a16="http://schemas.microsoft.com/office/drawing/2014/main" id="{8C804448-1091-444C-BE73-7D69E8980E8C}"/>
               </a:ext>
             </a:extLst>
           </p:cNvPr>
@@ -13617,8 +13918,8 @@
         </p:blipFill>
         <p:spPr>
           <a:xfrm>
-            <a:off x="0" y="2739271"/>
-            <a:ext cx="7399606" cy="4118729"/>
+            <a:off x="0" y="2610000"/>
+            <a:ext cx="7981200" cy="4247306"/>
           </a:xfrm>
           <a:prstGeom prst="rect">
             <a:avLst/>
@@ -13628,7 +13929,7 @@
     </p:spTree>
     <p:extLst>
       <p:ext uri="{BB962C8B-B14F-4D97-AF65-F5344CB8AC3E}">
-        <p14:creationId xmlns:p14="http://schemas.microsoft.com/office/powerpoint/2010/main" val="2827644645"/>
+        <p14:creationId xmlns:p14="http://schemas.microsoft.com/office/powerpoint/2010/main" val="3877762486"/>
       </p:ext>
     </p:extLst>
   </p:cSld>
@@ -13705,7 +14006,7 @@
         <p:spPr>
           <a:xfrm>
             <a:off x="7540282" y="2739271"/>
-            <a:ext cx="4487594" cy="1200329"/>
+            <a:ext cx="4487594" cy="923330"/>
           </a:xfrm>
           <a:prstGeom prst="rect">
             <a:avLst/>
@@ -13724,11 +14025,11 @@
             </a:pPr>
             <a:r>
               <a:rPr lang="he-IL" dirty="0"/>
-              <a:t>בעת הכנסת אחד מהשדות ערך שגוי ולחיצה על התחברות, נוסיף שגיאה מתאימה למשתמש המסבירה מה קרה – </a:t>
+              <a:t>הוספנו כפתור למשתמש לצד שדה ה"סיסמה" המאפשר לו לראות את הסיסמה שהזין – </a:t>
             </a:r>
             <a:r>
               <a:rPr lang="he-IL" b="1" dirty="0"/>
-              <a:t>התאוששות משגיאות.</a:t>
+              <a:t>מניעת טעויות.</a:t>
             </a:r>
             <a:endParaRPr lang="he-IL" dirty="0"/>
           </a:p>
@@ -13736,10 +14037,10 @@
       </p:sp>
       <p:pic>
         <p:nvPicPr>
-          <p:cNvPr id="4" name="תמונה 3">
+          <p:cNvPr id="3" name="תמונה 2">
             <a:extLst>
               <a:ext uri="{FF2B5EF4-FFF2-40B4-BE49-F238E27FC236}">
-                <a16:creationId xmlns:a16="http://schemas.microsoft.com/office/drawing/2014/main" id="{FFFAB130-62FE-4E0C-9148-B93FEA07DEF3}"/>
+                <a16:creationId xmlns:a16="http://schemas.microsoft.com/office/drawing/2014/main" id="{44DD3646-170F-4B07-8F52-2001FE2F6DA1}"/>
               </a:ext>
             </a:extLst>
           </p:cNvPr>
@@ -13756,8 +14057,8 @@
         </p:blipFill>
         <p:spPr>
           <a:xfrm>
-            <a:off x="1" y="2609458"/>
-            <a:ext cx="7540282" cy="4248541"/>
+            <a:off x="0" y="2661899"/>
+            <a:ext cx="7489909" cy="4196101"/>
           </a:xfrm>
           <a:prstGeom prst="rect">
             <a:avLst/>
@@ -13767,7 +14068,7 @@
     </p:spTree>
     <p:extLst>
       <p:ext uri="{BB962C8B-B14F-4D97-AF65-F5344CB8AC3E}">
-        <p14:creationId xmlns:p14="http://schemas.microsoft.com/office/powerpoint/2010/main" val="1321157970"/>
+        <p14:creationId xmlns:p14="http://schemas.microsoft.com/office/powerpoint/2010/main" val="1977331281"/>
       </p:ext>
     </p:extLst>
   </p:cSld>
@@ -13844,7 +14145,7 @@
         <p:spPr>
           <a:xfrm>
             <a:off x="7540282" y="2739271"/>
-            <a:ext cx="4487594" cy="646331"/>
+            <a:ext cx="4487594" cy="923330"/>
           </a:xfrm>
           <a:prstGeom prst="rect">
             <a:avLst/>
@@ -13863,17 +14164,22 @@
             </a:pPr>
             <a:r>
               <a:rPr lang="he-IL" dirty="0"/>
-              <a:t>הוספנו אפשרות של "שכחתי סיסמה" על מנת לאפשר למשתמש לשחזר סיסמה.</a:t>
-            </a:r>
+              <a:t>הוספנו כפתור למשתמש לצד שדה ה"סיסמה" המאפשר לו לראות את הסיסמה שהזין – </a:t>
+            </a:r>
+            <a:r>
+              <a:rPr lang="he-IL" b="1" dirty="0"/>
+              <a:t>מניעת טעויות.</a:t>
+            </a:r>
+            <a:endParaRPr lang="he-IL" dirty="0"/>
           </a:p>
         </p:txBody>
       </p:sp>
       <p:pic>
         <p:nvPicPr>
-          <p:cNvPr id="3" name="תמונה 2">
+          <p:cNvPr id="4" name="תמונה 3">
             <a:extLst>
               <a:ext uri="{FF2B5EF4-FFF2-40B4-BE49-F238E27FC236}">
-                <a16:creationId xmlns:a16="http://schemas.microsoft.com/office/drawing/2014/main" id="{D9F8231E-B136-4E40-8A95-5E995A9C40F7}"/>
+                <a16:creationId xmlns:a16="http://schemas.microsoft.com/office/drawing/2014/main" id="{94326547-AECF-4F4E-AC85-6BD44FEF36E6}"/>
               </a:ext>
             </a:extLst>
           </p:cNvPr>
@@ -13890,8 +14196,8 @@
         </p:blipFill>
         <p:spPr>
           <a:xfrm>
-            <a:off x="0" y="2606431"/>
-            <a:ext cx="7652825" cy="4251569"/>
+            <a:off x="0" y="2703995"/>
+            <a:ext cx="7491600" cy="4154005"/>
           </a:xfrm>
           <a:prstGeom prst="rect">
             <a:avLst/>
@@ -13901,7 +14207,7 @@
     </p:spTree>
     <p:extLst>
       <p:ext uri="{BB962C8B-B14F-4D97-AF65-F5344CB8AC3E}">
-        <p14:creationId xmlns:p14="http://schemas.microsoft.com/office/powerpoint/2010/main" val="2957022314"/>
+        <p14:creationId xmlns:p14="http://schemas.microsoft.com/office/powerpoint/2010/main" val="2786482054"/>
       </p:ext>
     </p:extLst>
   </p:cSld>
@@ -13998,6 +14304,696 @@
           <p:cNvPr id="2" name="כותרת 1">
             <a:extLst>
               <a:ext uri="{FF2B5EF4-FFF2-40B4-BE49-F238E27FC236}">
+                <a16:creationId xmlns:a16="http://schemas.microsoft.com/office/drawing/2014/main" id="{92A500EE-F6C5-4C79-92F1-D2FDEE8174A4}"/>
+              </a:ext>
+            </a:extLst>
+          </p:cNvPr>
+          <p:cNvSpPr>
+            <a:spLocks noGrp="1"/>
+          </p:cNvSpPr>
+          <p:nvPr>
+            <p:ph type="title"/>
+          </p:nvPr>
+        </p:nvSpPr>
+        <p:spPr>
+          <a:xfrm>
+            <a:off x="1154954" y="973669"/>
+            <a:ext cx="8825659" cy="706964"/>
+          </a:xfrm>
+        </p:spPr>
+        <p:txBody>
+          <a:bodyPr/>
+          <a:lstStyle/>
+          <a:p>
+            <a:pPr algn="ctr"/>
+            <a:r>
+              <a:rPr lang="he-IL"/>
+              <a:t>מסך התחברות</a:t>
+            </a:r>
+            <a:endParaRPr lang="he-IL" dirty="0"/>
+          </a:p>
+        </p:txBody>
+      </p:sp>
+      <p:sp>
+        <p:nvSpPr>
+          <p:cNvPr id="17" name="תיבת טקסט 16">
+            <a:extLst>
+              <a:ext uri="{FF2B5EF4-FFF2-40B4-BE49-F238E27FC236}">
+                <a16:creationId xmlns:a16="http://schemas.microsoft.com/office/drawing/2014/main" id="{2F642565-7D83-416E-A7D1-4FA3B48B83E1}"/>
+              </a:ext>
+            </a:extLst>
+          </p:cNvPr>
+          <p:cNvSpPr txBox="1"/>
+          <p:nvPr/>
+        </p:nvSpPr>
+        <p:spPr>
+          <a:xfrm>
+            <a:off x="7540282" y="2739271"/>
+            <a:ext cx="4487594" cy="1477328"/>
+          </a:xfrm>
+          <a:prstGeom prst="rect">
+            <a:avLst/>
+          </a:prstGeom>
+          <a:noFill/>
+        </p:spPr>
+        <p:txBody>
+          <a:bodyPr wrap="square" rtlCol="1">
+            <a:spAutoFit/>
+          </a:bodyPr>
+          <a:lstStyle/>
+          <a:p>
+            <a:pPr marL="285750" indent="-285750" algn="r" rtl="1">
+              <a:buFont typeface="Arial" panose="020B0604020202020204" pitchFamily="34" charset="0"/>
+              <a:buChar char="•"/>
+            </a:pPr>
+            <a:r>
+              <a:rPr lang="he-IL" dirty="0"/>
+              <a:t>הזזנו את כפתור ההתחברות לצד שמאל.</a:t>
+            </a:r>
+          </a:p>
+          <a:p>
+            <a:pPr marL="285750" indent="-285750" algn="r" rtl="1">
+              <a:buFont typeface="Arial" panose="020B0604020202020204" pitchFamily="34" charset="0"/>
+              <a:buChar char="•"/>
+            </a:pPr>
+            <a:r>
+              <a:rPr lang="he-IL" dirty="0"/>
+              <a:t>שינינו את כפתור ההרשמה כך שיראה כמו קישור למסך הרשמה. – </a:t>
+            </a:r>
+            <a:r>
+              <a:rPr lang="he-IL" b="1" dirty="0"/>
+              <a:t>התאמה בין המערכת לעולם האמיתי (שימוש בשפה אנושית + מזמינות).</a:t>
+            </a:r>
+            <a:endParaRPr lang="he-IL" dirty="0"/>
+          </a:p>
+        </p:txBody>
+      </p:sp>
+      <p:pic>
+        <p:nvPicPr>
+          <p:cNvPr id="3" name="תמונה 2">
+            <a:extLst>
+              <a:ext uri="{FF2B5EF4-FFF2-40B4-BE49-F238E27FC236}">
+                <a16:creationId xmlns:a16="http://schemas.microsoft.com/office/drawing/2014/main" id="{AFF2BC89-6CFF-4440-A217-BA3D6ED40099}"/>
+              </a:ext>
+            </a:extLst>
+          </p:cNvPr>
+          <p:cNvPicPr>
+            <a:picLocks noChangeAspect="1"/>
+          </p:cNvPicPr>
+          <p:nvPr/>
+        </p:nvPicPr>
+        <p:blipFill>
+          <a:blip r:embed="rId2"/>
+          <a:stretch>
+            <a:fillRect/>
+          </a:stretch>
+        </p:blipFill>
+        <p:spPr>
+          <a:xfrm>
+            <a:off x="0" y="2724585"/>
+            <a:ext cx="7376157" cy="4133415"/>
+          </a:xfrm>
+          <a:prstGeom prst="rect">
+            <a:avLst/>
+          </a:prstGeom>
+        </p:spPr>
+      </p:pic>
+    </p:spTree>
+    <p:extLst>
+      <p:ext uri="{BB962C8B-B14F-4D97-AF65-F5344CB8AC3E}">
+        <p14:creationId xmlns:p14="http://schemas.microsoft.com/office/powerpoint/2010/main" val="438078503"/>
+      </p:ext>
+    </p:extLst>
+  </p:cSld>
+  <p:clrMapOvr>
+    <a:masterClrMapping/>
+  </p:clrMapOvr>
+</p:sld>
+</file>
+
+<file path=ppt/slides/slide21.xml><?xml version="1.0" encoding="utf-8"?>
+<p:sld xmlns:a="http://schemas.openxmlformats.org/drawingml/2006/main" xmlns:r="http://schemas.openxmlformats.org/officeDocument/2006/relationships" xmlns:p="http://schemas.openxmlformats.org/presentationml/2006/main">
+  <p:cSld>
+    <p:spTree>
+      <p:nvGrpSpPr>
+        <p:cNvPr id="1" name=""/>
+        <p:cNvGrpSpPr/>
+        <p:nvPr/>
+      </p:nvGrpSpPr>
+      <p:grpSpPr>
+        <a:xfrm>
+          <a:off x="0" y="0"/>
+          <a:ext cx="0" cy="0"/>
+          <a:chOff x="0" y="0"/>
+          <a:chExt cx="0" cy="0"/>
+        </a:xfrm>
+      </p:grpSpPr>
+      <p:sp>
+        <p:nvSpPr>
+          <p:cNvPr id="2" name="כותרת 1">
+            <a:extLst>
+              <a:ext uri="{FF2B5EF4-FFF2-40B4-BE49-F238E27FC236}">
+                <a16:creationId xmlns:a16="http://schemas.microsoft.com/office/drawing/2014/main" id="{92A500EE-F6C5-4C79-92F1-D2FDEE8174A4}"/>
+              </a:ext>
+            </a:extLst>
+          </p:cNvPr>
+          <p:cNvSpPr>
+            <a:spLocks noGrp="1"/>
+          </p:cNvSpPr>
+          <p:nvPr>
+            <p:ph type="title"/>
+          </p:nvPr>
+        </p:nvSpPr>
+        <p:spPr>
+          <a:xfrm>
+            <a:off x="1154954" y="973669"/>
+            <a:ext cx="8825659" cy="706964"/>
+          </a:xfrm>
+        </p:spPr>
+        <p:txBody>
+          <a:bodyPr/>
+          <a:lstStyle/>
+          <a:p>
+            <a:pPr algn="ctr"/>
+            <a:r>
+              <a:rPr lang="he-IL"/>
+              <a:t>מסך התחברות</a:t>
+            </a:r>
+            <a:endParaRPr lang="he-IL" dirty="0"/>
+          </a:p>
+        </p:txBody>
+      </p:sp>
+      <p:sp>
+        <p:nvSpPr>
+          <p:cNvPr id="17" name="תיבת טקסט 16">
+            <a:extLst>
+              <a:ext uri="{FF2B5EF4-FFF2-40B4-BE49-F238E27FC236}">
+                <a16:creationId xmlns:a16="http://schemas.microsoft.com/office/drawing/2014/main" id="{2F642565-7D83-416E-A7D1-4FA3B48B83E1}"/>
+              </a:ext>
+            </a:extLst>
+          </p:cNvPr>
+          <p:cNvSpPr txBox="1"/>
+          <p:nvPr/>
+        </p:nvSpPr>
+        <p:spPr>
+          <a:xfrm>
+            <a:off x="7540282" y="2739271"/>
+            <a:ext cx="4487594" cy="646331"/>
+          </a:xfrm>
+          <a:prstGeom prst="rect">
+            <a:avLst/>
+          </a:prstGeom>
+          <a:noFill/>
+        </p:spPr>
+        <p:txBody>
+          <a:bodyPr wrap="square" rtlCol="1">
+            <a:spAutoFit/>
+          </a:bodyPr>
+          <a:lstStyle/>
+          <a:p>
+            <a:pPr marL="285750" indent="-285750" algn="r" rtl="1">
+              <a:buFont typeface="Arial" panose="020B0604020202020204" pitchFamily="34" charset="0"/>
+              <a:buChar char="•"/>
+            </a:pPr>
+            <a:r>
+              <a:rPr lang="he-IL" dirty="0"/>
+              <a:t>הוספנו אפשרות לזכור את המשתמש לפעמים הבאות</a:t>
+            </a:r>
+          </a:p>
+        </p:txBody>
+      </p:sp>
+      <p:pic>
+        <p:nvPicPr>
+          <p:cNvPr id="4" name="תמונה 3">
+            <a:extLst>
+              <a:ext uri="{FF2B5EF4-FFF2-40B4-BE49-F238E27FC236}">
+                <a16:creationId xmlns:a16="http://schemas.microsoft.com/office/drawing/2014/main" id="{C4AC84E8-C33D-4B9A-9010-89F637AB80A1}"/>
+              </a:ext>
+            </a:extLst>
+          </p:cNvPr>
+          <p:cNvPicPr>
+            <a:picLocks noChangeAspect="1"/>
+          </p:cNvPicPr>
+          <p:nvPr/>
+        </p:nvPicPr>
+        <p:blipFill>
+          <a:blip r:embed="rId2"/>
+          <a:stretch>
+            <a:fillRect/>
+          </a:stretch>
+        </p:blipFill>
+        <p:spPr>
+          <a:xfrm>
+            <a:off x="0" y="2739271"/>
+            <a:ext cx="7403394" cy="4118729"/>
+          </a:xfrm>
+          <a:prstGeom prst="rect">
+            <a:avLst/>
+          </a:prstGeom>
+        </p:spPr>
+      </p:pic>
+    </p:spTree>
+    <p:extLst>
+      <p:ext uri="{BB962C8B-B14F-4D97-AF65-F5344CB8AC3E}">
+        <p14:creationId xmlns:p14="http://schemas.microsoft.com/office/powerpoint/2010/main" val="2099280823"/>
+      </p:ext>
+    </p:extLst>
+  </p:cSld>
+  <p:clrMapOvr>
+    <a:masterClrMapping/>
+  </p:clrMapOvr>
+</p:sld>
+</file>
+
+<file path=ppt/slides/slide22.xml><?xml version="1.0" encoding="utf-8"?>
+<p:sld xmlns:a="http://schemas.openxmlformats.org/drawingml/2006/main" xmlns:r="http://schemas.openxmlformats.org/officeDocument/2006/relationships" xmlns:p="http://schemas.openxmlformats.org/presentationml/2006/main">
+  <p:cSld>
+    <p:spTree>
+      <p:nvGrpSpPr>
+        <p:cNvPr id="1" name=""/>
+        <p:cNvGrpSpPr/>
+        <p:nvPr/>
+      </p:nvGrpSpPr>
+      <p:grpSpPr>
+        <a:xfrm>
+          <a:off x="0" y="0"/>
+          <a:ext cx="0" cy="0"/>
+          <a:chOff x="0" y="0"/>
+          <a:chExt cx="0" cy="0"/>
+        </a:xfrm>
+      </p:grpSpPr>
+      <p:sp>
+        <p:nvSpPr>
+          <p:cNvPr id="2" name="כותרת 1">
+            <a:extLst>
+              <a:ext uri="{FF2B5EF4-FFF2-40B4-BE49-F238E27FC236}">
+                <a16:creationId xmlns:a16="http://schemas.microsoft.com/office/drawing/2014/main" id="{92A500EE-F6C5-4C79-92F1-D2FDEE8174A4}"/>
+              </a:ext>
+            </a:extLst>
+          </p:cNvPr>
+          <p:cNvSpPr>
+            <a:spLocks noGrp="1"/>
+          </p:cNvSpPr>
+          <p:nvPr>
+            <p:ph type="title"/>
+          </p:nvPr>
+        </p:nvSpPr>
+        <p:spPr>
+          <a:xfrm>
+            <a:off x="1154954" y="973669"/>
+            <a:ext cx="8825659" cy="706964"/>
+          </a:xfrm>
+        </p:spPr>
+        <p:txBody>
+          <a:bodyPr/>
+          <a:lstStyle/>
+          <a:p>
+            <a:pPr algn="ctr"/>
+            <a:r>
+              <a:rPr lang="he-IL"/>
+              <a:t>מסך התחברות</a:t>
+            </a:r>
+            <a:endParaRPr lang="he-IL" dirty="0"/>
+          </a:p>
+        </p:txBody>
+      </p:sp>
+      <p:sp>
+        <p:nvSpPr>
+          <p:cNvPr id="17" name="תיבת טקסט 16">
+            <a:extLst>
+              <a:ext uri="{FF2B5EF4-FFF2-40B4-BE49-F238E27FC236}">
+                <a16:creationId xmlns:a16="http://schemas.microsoft.com/office/drawing/2014/main" id="{2F642565-7D83-416E-A7D1-4FA3B48B83E1}"/>
+              </a:ext>
+            </a:extLst>
+          </p:cNvPr>
+          <p:cNvSpPr txBox="1"/>
+          <p:nvPr/>
+        </p:nvSpPr>
+        <p:spPr>
+          <a:xfrm>
+            <a:off x="7540282" y="2739271"/>
+            <a:ext cx="4487594" cy="646331"/>
+          </a:xfrm>
+          <a:prstGeom prst="rect">
+            <a:avLst/>
+          </a:prstGeom>
+          <a:noFill/>
+        </p:spPr>
+        <p:txBody>
+          <a:bodyPr wrap="square" rtlCol="1">
+            <a:spAutoFit/>
+          </a:bodyPr>
+          <a:lstStyle/>
+          <a:p>
+            <a:pPr marL="285750" indent="-285750" algn="r" rtl="1">
+              <a:buFont typeface="Arial" panose="020B0604020202020204" pitchFamily="34" charset="0"/>
+              <a:buChar char="•"/>
+            </a:pPr>
+            <a:r>
+              <a:rPr lang="he-IL" dirty="0"/>
+              <a:t>הוספנו אפשרות לזכור את המשתמש לפעמים הבאות</a:t>
+            </a:r>
+          </a:p>
+        </p:txBody>
+      </p:sp>
+      <p:pic>
+        <p:nvPicPr>
+          <p:cNvPr id="3" name="תמונה 2">
+            <a:extLst>
+              <a:ext uri="{FF2B5EF4-FFF2-40B4-BE49-F238E27FC236}">
+                <a16:creationId xmlns:a16="http://schemas.microsoft.com/office/drawing/2014/main" id="{713B69A8-3AD9-4073-B2B7-E8BD26F62F61}"/>
+              </a:ext>
+            </a:extLst>
+          </p:cNvPr>
+          <p:cNvPicPr>
+            <a:picLocks noChangeAspect="1"/>
+          </p:cNvPicPr>
+          <p:nvPr/>
+        </p:nvPicPr>
+        <p:blipFill>
+          <a:blip r:embed="rId2"/>
+          <a:stretch>
+            <a:fillRect/>
+          </a:stretch>
+        </p:blipFill>
+        <p:spPr>
+          <a:xfrm>
+            <a:off x="0" y="2739271"/>
+            <a:ext cx="7399606" cy="4118729"/>
+          </a:xfrm>
+          <a:prstGeom prst="rect">
+            <a:avLst/>
+          </a:prstGeom>
+        </p:spPr>
+      </p:pic>
+    </p:spTree>
+    <p:extLst>
+      <p:ext uri="{BB962C8B-B14F-4D97-AF65-F5344CB8AC3E}">
+        <p14:creationId xmlns:p14="http://schemas.microsoft.com/office/powerpoint/2010/main" val="2827644645"/>
+      </p:ext>
+    </p:extLst>
+  </p:cSld>
+  <p:clrMapOvr>
+    <a:masterClrMapping/>
+  </p:clrMapOvr>
+</p:sld>
+</file>
+
+<file path=ppt/slides/slide23.xml><?xml version="1.0" encoding="utf-8"?>
+<p:sld xmlns:a="http://schemas.openxmlformats.org/drawingml/2006/main" xmlns:r="http://schemas.openxmlformats.org/officeDocument/2006/relationships" xmlns:p="http://schemas.openxmlformats.org/presentationml/2006/main">
+  <p:cSld>
+    <p:spTree>
+      <p:nvGrpSpPr>
+        <p:cNvPr id="1" name=""/>
+        <p:cNvGrpSpPr/>
+        <p:nvPr/>
+      </p:nvGrpSpPr>
+      <p:grpSpPr>
+        <a:xfrm>
+          <a:off x="0" y="0"/>
+          <a:ext cx="0" cy="0"/>
+          <a:chOff x="0" y="0"/>
+          <a:chExt cx="0" cy="0"/>
+        </a:xfrm>
+      </p:grpSpPr>
+      <p:sp>
+        <p:nvSpPr>
+          <p:cNvPr id="2" name="כותרת 1">
+            <a:extLst>
+              <a:ext uri="{FF2B5EF4-FFF2-40B4-BE49-F238E27FC236}">
+                <a16:creationId xmlns:a16="http://schemas.microsoft.com/office/drawing/2014/main" id="{92A500EE-F6C5-4C79-92F1-D2FDEE8174A4}"/>
+              </a:ext>
+            </a:extLst>
+          </p:cNvPr>
+          <p:cNvSpPr>
+            <a:spLocks noGrp="1"/>
+          </p:cNvSpPr>
+          <p:nvPr>
+            <p:ph type="title"/>
+          </p:nvPr>
+        </p:nvSpPr>
+        <p:spPr>
+          <a:xfrm>
+            <a:off x="1154954" y="973669"/>
+            <a:ext cx="8825659" cy="706964"/>
+          </a:xfrm>
+        </p:spPr>
+        <p:txBody>
+          <a:bodyPr/>
+          <a:lstStyle/>
+          <a:p>
+            <a:pPr algn="ctr"/>
+            <a:r>
+              <a:rPr lang="he-IL"/>
+              <a:t>מסך התחברות</a:t>
+            </a:r>
+            <a:endParaRPr lang="he-IL" dirty="0"/>
+          </a:p>
+        </p:txBody>
+      </p:sp>
+      <p:sp>
+        <p:nvSpPr>
+          <p:cNvPr id="17" name="תיבת טקסט 16">
+            <a:extLst>
+              <a:ext uri="{FF2B5EF4-FFF2-40B4-BE49-F238E27FC236}">
+                <a16:creationId xmlns:a16="http://schemas.microsoft.com/office/drawing/2014/main" id="{2F642565-7D83-416E-A7D1-4FA3B48B83E1}"/>
+              </a:ext>
+            </a:extLst>
+          </p:cNvPr>
+          <p:cNvSpPr txBox="1"/>
+          <p:nvPr/>
+        </p:nvSpPr>
+        <p:spPr>
+          <a:xfrm>
+            <a:off x="7540282" y="2739271"/>
+            <a:ext cx="4487594" cy="1200329"/>
+          </a:xfrm>
+          <a:prstGeom prst="rect">
+            <a:avLst/>
+          </a:prstGeom>
+          <a:noFill/>
+        </p:spPr>
+        <p:txBody>
+          <a:bodyPr wrap="square" rtlCol="1">
+            <a:spAutoFit/>
+          </a:bodyPr>
+          <a:lstStyle/>
+          <a:p>
+            <a:pPr marL="285750" indent="-285750" algn="r" rtl="1">
+              <a:buFont typeface="Arial" panose="020B0604020202020204" pitchFamily="34" charset="0"/>
+              <a:buChar char="•"/>
+            </a:pPr>
+            <a:r>
+              <a:rPr lang="he-IL" dirty="0"/>
+              <a:t>בעת הכנסת אחד מהשדות ערך שגוי ולחיצה על התחברות, נוסיף שגיאה מתאימה למשתמש המסבירה מה קרה – </a:t>
+            </a:r>
+            <a:r>
+              <a:rPr lang="he-IL" b="1" dirty="0"/>
+              <a:t>התאוששות משגיאות.</a:t>
+            </a:r>
+            <a:endParaRPr lang="he-IL" dirty="0"/>
+          </a:p>
+        </p:txBody>
+      </p:sp>
+      <p:pic>
+        <p:nvPicPr>
+          <p:cNvPr id="4" name="תמונה 3">
+            <a:extLst>
+              <a:ext uri="{FF2B5EF4-FFF2-40B4-BE49-F238E27FC236}">
+                <a16:creationId xmlns:a16="http://schemas.microsoft.com/office/drawing/2014/main" id="{FFFAB130-62FE-4E0C-9148-B93FEA07DEF3}"/>
+              </a:ext>
+            </a:extLst>
+          </p:cNvPr>
+          <p:cNvPicPr>
+            <a:picLocks noChangeAspect="1"/>
+          </p:cNvPicPr>
+          <p:nvPr/>
+        </p:nvPicPr>
+        <p:blipFill>
+          <a:blip r:embed="rId2"/>
+          <a:stretch>
+            <a:fillRect/>
+          </a:stretch>
+        </p:blipFill>
+        <p:spPr>
+          <a:xfrm>
+            <a:off x="1" y="2609458"/>
+            <a:ext cx="7540282" cy="4248541"/>
+          </a:xfrm>
+          <a:prstGeom prst="rect">
+            <a:avLst/>
+          </a:prstGeom>
+        </p:spPr>
+      </p:pic>
+    </p:spTree>
+    <p:extLst>
+      <p:ext uri="{BB962C8B-B14F-4D97-AF65-F5344CB8AC3E}">
+        <p14:creationId xmlns:p14="http://schemas.microsoft.com/office/powerpoint/2010/main" val="1321157970"/>
+      </p:ext>
+    </p:extLst>
+  </p:cSld>
+  <p:clrMapOvr>
+    <a:masterClrMapping/>
+  </p:clrMapOvr>
+</p:sld>
+</file>
+
+<file path=ppt/slides/slide24.xml><?xml version="1.0" encoding="utf-8"?>
+<p:sld xmlns:a="http://schemas.openxmlformats.org/drawingml/2006/main" xmlns:r="http://schemas.openxmlformats.org/officeDocument/2006/relationships" xmlns:p="http://schemas.openxmlformats.org/presentationml/2006/main">
+  <p:cSld>
+    <p:spTree>
+      <p:nvGrpSpPr>
+        <p:cNvPr id="1" name=""/>
+        <p:cNvGrpSpPr/>
+        <p:nvPr/>
+      </p:nvGrpSpPr>
+      <p:grpSpPr>
+        <a:xfrm>
+          <a:off x="0" y="0"/>
+          <a:ext cx="0" cy="0"/>
+          <a:chOff x="0" y="0"/>
+          <a:chExt cx="0" cy="0"/>
+        </a:xfrm>
+      </p:grpSpPr>
+      <p:sp>
+        <p:nvSpPr>
+          <p:cNvPr id="2" name="כותרת 1">
+            <a:extLst>
+              <a:ext uri="{FF2B5EF4-FFF2-40B4-BE49-F238E27FC236}">
+                <a16:creationId xmlns:a16="http://schemas.microsoft.com/office/drawing/2014/main" id="{92A500EE-F6C5-4C79-92F1-D2FDEE8174A4}"/>
+              </a:ext>
+            </a:extLst>
+          </p:cNvPr>
+          <p:cNvSpPr>
+            <a:spLocks noGrp="1"/>
+          </p:cNvSpPr>
+          <p:nvPr>
+            <p:ph type="title"/>
+          </p:nvPr>
+        </p:nvSpPr>
+        <p:spPr>
+          <a:xfrm>
+            <a:off x="1154954" y="973669"/>
+            <a:ext cx="8825659" cy="706964"/>
+          </a:xfrm>
+        </p:spPr>
+        <p:txBody>
+          <a:bodyPr/>
+          <a:lstStyle/>
+          <a:p>
+            <a:pPr algn="ctr"/>
+            <a:r>
+              <a:rPr lang="he-IL"/>
+              <a:t>מסך התחברות</a:t>
+            </a:r>
+            <a:endParaRPr lang="he-IL" dirty="0"/>
+          </a:p>
+        </p:txBody>
+      </p:sp>
+      <p:sp>
+        <p:nvSpPr>
+          <p:cNvPr id="17" name="תיבת טקסט 16">
+            <a:extLst>
+              <a:ext uri="{FF2B5EF4-FFF2-40B4-BE49-F238E27FC236}">
+                <a16:creationId xmlns:a16="http://schemas.microsoft.com/office/drawing/2014/main" id="{2F642565-7D83-416E-A7D1-4FA3B48B83E1}"/>
+              </a:ext>
+            </a:extLst>
+          </p:cNvPr>
+          <p:cNvSpPr txBox="1"/>
+          <p:nvPr/>
+        </p:nvSpPr>
+        <p:spPr>
+          <a:xfrm>
+            <a:off x="7540282" y="2739271"/>
+            <a:ext cx="4487594" cy="646331"/>
+          </a:xfrm>
+          <a:prstGeom prst="rect">
+            <a:avLst/>
+          </a:prstGeom>
+          <a:noFill/>
+        </p:spPr>
+        <p:txBody>
+          <a:bodyPr wrap="square" rtlCol="1">
+            <a:spAutoFit/>
+          </a:bodyPr>
+          <a:lstStyle/>
+          <a:p>
+            <a:pPr marL="285750" indent="-285750" algn="r" rtl="1">
+              <a:buFont typeface="Arial" panose="020B0604020202020204" pitchFamily="34" charset="0"/>
+              <a:buChar char="•"/>
+            </a:pPr>
+            <a:r>
+              <a:rPr lang="he-IL" dirty="0"/>
+              <a:t>הוספנו אפשרות של "שכחתי סיסמה" על מנת לאפשר למשתמש לשחזר סיסמה.</a:t>
+            </a:r>
+          </a:p>
+        </p:txBody>
+      </p:sp>
+      <p:pic>
+        <p:nvPicPr>
+          <p:cNvPr id="3" name="תמונה 2">
+            <a:extLst>
+              <a:ext uri="{FF2B5EF4-FFF2-40B4-BE49-F238E27FC236}">
+                <a16:creationId xmlns:a16="http://schemas.microsoft.com/office/drawing/2014/main" id="{D9F8231E-B136-4E40-8A95-5E995A9C40F7}"/>
+              </a:ext>
+            </a:extLst>
+          </p:cNvPr>
+          <p:cNvPicPr>
+            <a:picLocks noChangeAspect="1"/>
+          </p:cNvPicPr>
+          <p:nvPr/>
+        </p:nvPicPr>
+        <p:blipFill>
+          <a:blip r:embed="rId2"/>
+          <a:stretch>
+            <a:fillRect/>
+          </a:stretch>
+        </p:blipFill>
+        <p:spPr>
+          <a:xfrm>
+            <a:off x="0" y="2606431"/>
+            <a:ext cx="7652825" cy="4251569"/>
+          </a:xfrm>
+          <a:prstGeom prst="rect">
+            <a:avLst/>
+          </a:prstGeom>
+        </p:spPr>
+      </p:pic>
+    </p:spTree>
+    <p:extLst>
+      <p:ext uri="{BB962C8B-B14F-4D97-AF65-F5344CB8AC3E}">
+        <p14:creationId xmlns:p14="http://schemas.microsoft.com/office/powerpoint/2010/main" val="2957022314"/>
+      </p:ext>
+    </p:extLst>
+  </p:cSld>
+  <p:clrMapOvr>
+    <a:masterClrMapping/>
+  </p:clrMapOvr>
+</p:sld>
+</file>
+
+<file path=ppt/slides/slide25.xml><?xml version="1.0" encoding="utf-8"?>
+<p:sld xmlns:a="http://schemas.openxmlformats.org/drawingml/2006/main" xmlns:r="http://schemas.openxmlformats.org/officeDocument/2006/relationships" xmlns:p="http://schemas.openxmlformats.org/presentationml/2006/main">
+  <p:cSld>
+    <p:spTree>
+      <p:nvGrpSpPr>
+        <p:cNvPr id="1" name=""/>
+        <p:cNvGrpSpPr/>
+        <p:nvPr/>
+      </p:nvGrpSpPr>
+      <p:grpSpPr>
+        <a:xfrm>
+          <a:off x="0" y="0"/>
+          <a:ext cx="0" cy="0"/>
+          <a:chOff x="0" y="0"/>
+          <a:chExt cx="0" cy="0"/>
+        </a:xfrm>
+      </p:grpSpPr>
+      <p:sp>
+        <p:nvSpPr>
+          <p:cNvPr id="2" name="כותרת 1">
+            <a:extLst>
+              <a:ext uri="{FF2B5EF4-FFF2-40B4-BE49-F238E27FC236}">
                 <a16:creationId xmlns:a16="http://schemas.microsoft.com/office/drawing/2014/main" id="{DE777293-170B-4164-A212-000191C56DFE}"/>
               </a:ext>
             </a:extLst>
@@ -14152,7 +15148,7 @@
 </p:sld>
 </file>
 
-<file path=ppt/slides/slide21.xml><?xml version="1.0" encoding="utf-8"?>
+<file path=ppt/slides/slide26.xml><?xml version="1.0" encoding="utf-8"?>
 <p:sld xmlns:a="http://schemas.openxmlformats.org/drawingml/2006/main" xmlns:r="http://schemas.openxmlformats.org/officeDocument/2006/relationships" xmlns:p="http://schemas.openxmlformats.org/presentationml/2006/main">
   <p:cSld>
     <p:spTree>
@@ -14289,7 +15285,7 @@
 </p:sld>
 </file>
 
-<file path=ppt/slides/slide22.xml><?xml version="1.0" encoding="utf-8"?>
+<file path=ppt/slides/slide27.xml><?xml version="1.0" encoding="utf-8"?>
 <p:sld xmlns:a="http://schemas.openxmlformats.org/drawingml/2006/main" xmlns:r="http://schemas.openxmlformats.org/officeDocument/2006/relationships" xmlns:p="http://schemas.openxmlformats.org/presentationml/2006/main">
   <p:cSld>
     <p:spTree>
@@ -14415,7 +15411,7 @@
         </p:blipFill>
         <p:spPr>
           <a:xfrm>
-            <a:off x="1" y="2477527"/>
+            <a:off x="0" y="2477528"/>
             <a:ext cx="7820968" cy="4380472"/>
           </a:xfrm>
           <a:prstGeom prst="rect">
@@ -14427,6 +15423,279 @@
     <p:extLst>
       <p:ext uri="{BB962C8B-B14F-4D97-AF65-F5344CB8AC3E}">
         <p14:creationId xmlns:p14="http://schemas.microsoft.com/office/powerpoint/2010/main" val="3086947910"/>
+      </p:ext>
+    </p:extLst>
+  </p:cSld>
+  <p:clrMapOvr>
+    <a:masterClrMapping/>
+  </p:clrMapOvr>
+</p:sld>
+</file>
+
+<file path=ppt/slides/slide28.xml><?xml version="1.0" encoding="utf-8"?>
+<p:sld xmlns:a="http://schemas.openxmlformats.org/drawingml/2006/main" xmlns:r="http://schemas.openxmlformats.org/officeDocument/2006/relationships" xmlns:p="http://schemas.openxmlformats.org/presentationml/2006/main">
+  <p:cSld>
+    <p:spTree>
+      <p:nvGrpSpPr>
+        <p:cNvPr id="1" name=""/>
+        <p:cNvGrpSpPr/>
+        <p:nvPr/>
+      </p:nvGrpSpPr>
+      <p:grpSpPr>
+        <a:xfrm>
+          <a:off x="0" y="0"/>
+          <a:ext cx="0" cy="0"/>
+          <a:chOff x="0" y="0"/>
+          <a:chExt cx="0" cy="0"/>
+        </a:xfrm>
+      </p:grpSpPr>
+      <p:sp>
+        <p:nvSpPr>
+          <p:cNvPr id="4" name="כותרת 1">
+            <a:extLst>
+              <a:ext uri="{FF2B5EF4-FFF2-40B4-BE49-F238E27FC236}">
+                <a16:creationId xmlns:a16="http://schemas.microsoft.com/office/drawing/2014/main" id="{9CE63F66-44FD-481E-9FC0-03A70DA8B208}"/>
+              </a:ext>
+            </a:extLst>
+          </p:cNvPr>
+          <p:cNvSpPr>
+            <a:spLocks noGrp="1"/>
+          </p:cNvSpPr>
+          <p:nvPr>
+            <p:ph type="title"/>
+          </p:nvPr>
+        </p:nvSpPr>
+        <p:spPr>
+          <a:xfrm>
+            <a:off x="1154954" y="973669"/>
+            <a:ext cx="8825659" cy="706964"/>
+          </a:xfrm>
+        </p:spPr>
+        <p:txBody>
+          <a:bodyPr/>
+          <a:lstStyle/>
+          <a:p>
+            <a:pPr algn="ctr" rtl="1"/>
+            <a:r>
+              <a:rPr lang="he-IL" dirty="0"/>
+              <a:t>אזור אישי</a:t>
+            </a:r>
+          </a:p>
+        </p:txBody>
+      </p:sp>
+      <p:sp>
+        <p:nvSpPr>
+          <p:cNvPr id="5" name="תיבת טקסט 4">
+            <a:extLst>
+              <a:ext uri="{FF2B5EF4-FFF2-40B4-BE49-F238E27FC236}">
+                <a16:creationId xmlns:a16="http://schemas.microsoft.com/office/drawing/2014/main" id="{D36CFA63-7BB9-43CF-8ED1-B5D1EE2F78F6}"/>
+              </a:ext>
+            </a:extLst>
+          </p:cNvPr>
+          <p:cNvSpPr txBox="1"/>
+          <p:nvPr/>
+        </p:nvSpPr>
+        <p:spPr>
+          <a:xfrm>
+            <a:off x="7919696" y="2534088"/>
+            <a:ext cx="4121834" cy="1754326"/>
+          </a:xfrm>
+          <a:prstGeom prst="rect">
+            <a:avLst/>
+          </a:prstGeom>
+          <a:noFill/>
+        </p:spPr>
+        <p:txBody>
+          <a:bodyPr wrap="square" rtlCol="1">
+            <a:spAutoFit/>
+          </a:bodyPr>
+          <a:lstStyle/>
+          <a:p>
+            <a:pPr marL="285750" indent="-285750" algn="r" rtl="1">
+              <a:buFont typeface="Arial" panose="020B0604020202020204" pitchFamily="34" charset="0"/>
+              <a:buChar char="•"/>
+            </a:pPr>
+            <a:r>
+              <a:rPr lang="he-IL" dirty="0"/>
+              <a:t>תחילה, רצינו לשנות את אופן הפריסה של המשבצות במסך כך שהן יעבירו את האינפורמציה הרצויה למשתמש בצורה הטובה ביותר.</a:t>
+            </a:r>
+            <a:br>
+              <a:rPr lang="en-US" dirty="0"/>
+            </a:br>
+            <a:r>
+              <a:rPr lang="he-IL" dirty="0"/>
+              <a:t>הניסיון הראשון היה להעביר אותן לרשימה אחת אחרי השנייה.</a:t>
+            </a:r>
+          </a:p>
+        </p:txBody>
+      </p:sp>
+      <p:pic>
+        <p:nvPicPr>
+          <p:cNvPr id="7" name="תמונה 6">
+            <a:extLst>
+              <a:ext uri="{FF2B5EF4-FFF2-40B4-BE49-F238E27FC236}">
+                <a16:creationId xmlns:a16="http://schemas.microsoft.com/office/drawing/2014/main" id="{CFDF37F6-ABAD-4A8F-9414-5C0E624ADA4B}"/>
+              </a:ext>
+            </a:extLst>
+          </p:cNvPr>
+          <p:cNvPicPr>
+            <a:picLocks noChangeAspect="1"/>
+          </p:cNvPicPr>
+          <p:nvPr/>
+        </p:nvPicPr>
+        <p:blipFill>
+          <a:blip r:embed="rId2"/>
+          <a:stretch>
+            <a:fillRect/>
+          </a:stretch>
+        </p:blipFill>
+        <p:spPr>
+          <a:xfrm>
+            <a:off x="2638" y="2639504"/>
+            <a:ext cx="7496301" cy="4218495"/>
+          </a:xfrm>
+          <a:prstGeom prst="rect">
+            <a:avLst/>
+          </a:prstGeom>
+        </p:spPr>
+      </p:pic>
+    </p:spTree>
+    <p:extLst>
+      <p:ext uri="{BB962C8B-B14F-4D97-AF65-F5344CB8AC3E}">
+        <p14:creationId xmlns:p14="http://schemas.microsoft.com/office/powerpoint/2010/main" val="326088053"/>
+      </p:ext>
+    </p:extLst>
+  </p:cSld>
+  <p:clrMapOvr>
+    <a:masterClrMapping/>
+  </p:clrMapOvr>
+</p:sld>
+</file>
+
+<file path=ppt/slides/slide29.xml><?xml version="1.0" encoding="utf-8"?>
+<p:sld xmlns:a="http://schemas.openxmlformats.org/drawingml/2006/main" xmlns:r="http://schemas.openxmlformats.org/officeDocument/2006/relationships" xmlns:p="http://schemas.openxmlformats.org/presentationml/2006/main">
+  <p:cSld>
+    <p:spTree>
+      <p:nvGrpSpPr>
+        <p:cNvPr id="1" name=""/>
+        <p:cNvGrpSpPr/>
+        <p:nvPr/>
+      </p:nvGrpSpPr>
+      <p:grpSpPr>
+        <a:xfrm>
+          <a:off x="0" y="0"/>
+          <a:ext cx="0" cy="0"/>
+          <a:chOff x="0" y="0"/>
+          <a:chExt cx="0" cy="0"/>
+        </a:xfrm>
+      </p:grpSpPr>
+      <p:sp>
+        <p:nvSpPr>
+          <p:cNvPr id="7" name="כותרת 1">
+            <a:extLst>
+              <a:ext uri="{FF2B5EF4-FFF2-40B4-BE49-F238E27FC236}">
+                <a16:creationId xmlns:a16="http://schemas.microsoft.com/office/drawing/2014/main" id="{6662C6A5-8295-439A-895D-B86DC7C49A08}"/>
+              </a:ext>
+            </a:extLst>
+          </p:cNvPr>
+          <p:cNvSpPr>
+            <a:spLocks noGrp="1"/>
+          </p:cNvSpPr>
+          <p:nvPr>
+            <p:ph type="title"/>
+          </p:nvPr>
+        </p:nvSpPr>
+        <p:spPr>
+          <a:xfrm>
+            <a:off x="1154954" y="973669"/>
+            <a:ext cx="8825659" cy="706964"/>
+          </a:xfrm>
+        </p:spPr>
+        <p:txBody>
+          <a:bodyPr/>
+          <a:lstStyle/>
+          <a:p>
+            <a:pPr algn="ctr" rtl="1"/>
+            <a:r>
+              <a:rPr lang="he-IL" dirty="0"/>
+              <a:t>אזור אישי</a:t>
+            </a:r>
+          </a:p>
+        </p:txBody>
+      </p:sp>
+      <p:sp>
+        <p:nvSpPr>
+          <p:cNvPr id="8" name="תיבת טקסט 7">
+            <a:extLst>
+              <a:ext uri="{FF2B5EF4-FFF2-40B4-BE49-F238E27FC236}">
+                <a16:creationId xmlns:a16="http://schemas.microsoft.com/office/drawing/2014/main" id="{574778D9-918E-4D7E-9B1A-A7F55F23F17F}"/>
+              </a:ext>
+            </a:extLst>
+          </p:cNvPr>
+          <p:cNvSpPr txBox="1"/>
+          <p:nvPr/>
+        </p:nvSpPr>
+        <p:spPr>
+          <a:xfrm>
+            <a:off x="7919696" y="2534088"/>
+            <a:ext cx="4121834" cy="2031325"/>
+          </a:xfrm>
+          <a:prstGeom prst="rect">
+            <a:avLst/>
+          </a:prstGeom>
+          <a:noFill/>
+        </p:spPr>
+        <p:txBody>
+          <a:bodyPr wrap="square" rtlCol="1">
+            <a:spAutoFit/>
+          </a:bodyPr>
+          <a:lstStyle/>
+          <a:p>
+            <a:pPr marL="285750" indent="-285750" algn="r" rtl="1">
+              <a:buFont typeface="Arial" panose="020B0604020202020204" pitchFamily="34" charset="0"/>
+              <a:buChar char="•"/>
+            </a:pPr>
+            <a:r>
+              <a:rPr lang="he-IL" dirty="0"/>
+              <a:t>בניסיון השני, הגדלנו את משבצת הפגישות שלי, המטרה היא לתת לה משקל גדול יותר מהמשבצות האחרות מכיוון שזהו מידע שיכול להיות יותר רלוונטי למשתמש מאשר משבצת המיקומים שלו שבדרך כלל מכילה את אותו המידע כל הזמן.</a:t>
+            </a:r>
+          </a:p>
+        </p:txBody>
+      </p:sp>
+      <p:pic>
+        <p:nvPicPr>
+          <p:cNvPr id="2" name="תמונה 1">
+            <a:extLst>
+              <a:ext uri="{FF2B5EF4-FFF2-40B4-BE49-F238E27FC236}">
+                <a16:creationId xmlns:a16="http://schemas.microsoft.com/office/drawing/2014/main" id="{1D0A558C-F366-4223-9BC4-B052EF278C55}"/>
+              </a:ext>
+            </a:extLst>
+          </p:cNvPr>
+          <p:cNvPicPr>
+            <a:picLocks noChangeAspect="1"/>
+          </p:cNvPicPr>
+          <p:nvPr/>
+        </p:nvPicPr>
+        <p:blipFill>
+          <a:blip r:embed="rId2"/>
+          <a:stretch>
+            <a:fillRect/>
+          </a:stretch>
+        </p:blipFill>
+        <p:spPr>
+          <a:xfrm>
+            <a:off x="34780" y="2771480"/>
+            <a:ext cx="7223475" cy="4086520"/>
+          </a:xfrm>
+          <a:prstGeom prst="rect">
+            <a:avLst/>
+          </a:prstGeom>
+        </p:spPr>
+      </p:pic>
+    </p:spTree>
+    <p:extLst>
+      <p:ext uri="{BB962C8B-B14F-4D97-AF65-F5344CB8AC3E}">
+        <p14:creationId xmlns:p14="http://schemas.microsoft.com/office/powerpoint/2010/main" val="3822788990"/>
       </p:ext>
     </p:extLst>
   </p:cSld>
@@ -14864,6 +16133,1050 @@
 </p:sld>
 </file>
 
+<file path=ppt/slides/slide30.xml><?xml version="1.0" encoding="utf-8"?>
+<p:sld xmlns:a="http://schemas.openxmlformats.org/drawingml/2006/main" xmlns:r="http://schemas.openxmlformats.org/officeDocument/2006/relationships" xmlns:p="http://schemas.openxmlformats.org/presentationml/2006/main">
+  <p:cSld>
+    <p:spTree>
+      <p:nvGrpSpPr>
+        <p:cNvPr id="1" name=""/>
+        <p:cNvGrpSpPr/>
+        <p:nvPr/>
+      </p:nvGrpSpPr>
+      <p:grpSpPr>
+        <a:xfrm>
+          <a:off x="0" y="0"/>
+          <a:ext cx="0" cy="0"/>
+          <a:chOff x="0" y="0"/>
+          <a:chExt cx="0" cy="0"/>
+        </a:xfrm>
+      </p:grpSpPr>
+      <p:sp>
+        <p:nvSpPr>
+          <p:cNvPr id="4" name="כותרת 1">
+            <a:extLst>
+              <a:ext uri="{FF2B5EF4-FFF2-40B4-BE49-F238E27FC236}">
+                <a16:creationId xmlns:a16="http://schemas.microsoft.com/office/drawing/2014/main" id="{77A4D537-50C0-4CD4-8506-D044B5D076BB}"/>
+              </a:ext>
+            </a:extLst>
+          </p:cNvPr>
+          <p:cNvSpPr>
+            <a:spLocks noGrp="1"/>
+          </p:cNvSpPr>
+          <p:nvPr>
+            <p:ph type="title"/>
+          </p:nvPr>
+        </p:nvSpPr>
+        <p:spPr>
+          <a:xfrm>
+            <a:off x="1154954" y="973669"/>
+            <a:ext cx="8825659" cy="706964"/>
+          </a:xfrm>
+        </p:spPr>
+        <p:txBody>
+          <a:bodyPr/>
+          <a:lstStyle/>
+          <a:p>
+            <a:pPr algn="ctr" rtl="1"/>
+            <a:r>
+              <a:rPr lang="he-IL" dirty="0"/>
+              <a:t>אזור אישי</a:t>
+            </a:r>
+          </a:p>
+        </p:txBody>
+      </p:sp>
+      <p:sp>
+        <p:nvSpPr>
+          <p:cNvPr id="5" name="תיבת טקסט 4">
+            <a:extLst>
+              <a:ext uri="{FF2B5EF4-FFF2-40B4-BE49-F238E27FC236}">
+                <a16:creationId xmlns:a16="http://schemas.microsoft.com/office/drawing/2014/main" id="{104EA44E-BC8B-4DD0-B075-E012933F25AE}"/>
+              </a:ext>
+            </a:extLst>
+          </p:cNvPr>
+          <p:cNvSpPr txBox="1"/>
+          <p:nvPr/>
+        </p:nvSpPr>
+        <p:spPr>
+          <a:xfrm>
+            <a:off x="7919696" y="2534088"/>
+            <a:ext cx="4121834" cy="2862322"/>
+          </a:xfrm>
+          <a:prstGeom prst="rect">
+            <a:avLst/>
+          </a:prstGeom>
+          <a:noFill/>
+        </p:spPr>
+        <p:txBody>
+          <a:bodyPr wrap="square" rtlCol="1">
+            <a:spAutoFit/>
+          </a:bodyPr>
+          <a:lstStyle/>
+          <a:p>
+            <a:pPr marL="285750" indent="-285750" algn="r" rtl="1">
+              <a:buFont typeface="Arial" panose="020B0604020202020204" pitchFamily="34" charset="0"/>
+              <a:buChar char="•"/>
+            </a:pPr>
+            <a:r>
+              <a:rPr lang="he-IL" dirty="0"/>
+              <a:t>הבנו שחסר מידע משמעותי למשתמש, המערכת שלנו משבצת פגישות בצורה אוטומטית, כל יום ב12 בלילה.</a:t>
+            </a:r>
+            <a:br>
+              <a:rPr lang="en-US" dirty="0"/>
+            </a:br>
+            <a:r>
+              <a:rPr lang="he-IL" dirty="0"/>
+              <a:t>כל פעם שמשתמש פותח פגישה חדשה, היא עדיין לא משובצת, ולמשתמש אין אינדיקציה שאכן תהליך פתיחת הפגישה הסתיים בהצלחה.</a:t>
+            </a:r>
+            <a:br>
+              <a:rPr lang="en-US" dirty="0"/>
+            </a:br>
+            <a:r>
+              <a:rPr lang="he-IL" dirty="0"/>
+              <a:t>לכן, הוספנו משבצת נוספת בה המשתמש יכול לראות את הפגישות שמחכות לשיבוץ מהמערכת.</a:t>
+            </a:r>
+          </a:p>
+        </p:txBody>
+      </p:sp>
+      <p:pic>
+        <p:nvPicPr>
+          <p:cNvPr id="7" name="תמונה 6">
+            <a:extLst>
+              <a:ext uri="{FF2B5EF4-FFF2-40B4-BE49-F238E27FC236}">
+                <a16:creationId xmlns:a16="http://schemas.microsoft.com/office/drawing/2014/main" id="{CBC310CA-627D-4DF2-A1A9-301985A9CDE5}"/>
+              </a:ext>
+            </a:extLst>
+          </p:cNvPr>
+          <p:cNvPicPr>
+            <a:picLocks noChangeAspect="1"/>
+          </p:cNvPicPr>
+          <p:nvPr/>
+        </p:nvPicPr>
+        <p:blipFill>
+          <a:blip r:embed="rId2"/>
+          <a:stretch>
+            <a:fillRect/>
+          </a:stretch>
+        </p:blipFill>
+        <p:spPr>
+          <a:xfrm>
+            <a:off x="0" y="2696066"/>
+            <a:ext cx="7400235" cy="4158667"/>
+          </a:xfrm>
+          <a:prstGeom prst="rect">
+            <a:avLst/>
+          </a:prstGeom>
+        </p:spPr>
+      </p:pic>
+    </p:spTree>
+    <p:extLst>
+      <p:ext uri="{BB962C8B-B14F-4D97-AF65-F5344CB8AC3E}">
+        <p14:creationId xmlns:p14="http://schemas.microsoft.com/office/powerpoint/2010/main" val="828814305"/>
+      </p:ext>
+    </p:extLst>
+  </p:cSld>
+  <p:clrMapOvr>
+    <a:masterClrMapping/>
+  </p:clrMapOvr>
+</p:sld>
+</file>
+
+<file path=ppt/slides/slide31.xml><?xml version="1.0" encoding="utf-8"?>
+<p:sld xmlns:a="http://schemas.openxmlformats.org/drawingml/2006/main" xmlns:r="http://schemas.openxmlformats.org/officeDocument/2006/relationships" xmlns:p="http://schemas.openxmlformats.org/presentationml/2006/main">
+  <p:cSld>
+    <p:spTree>
+      <p:nvGrpSpPr>
+        <p:cNvPr id="1" name=""/>
+        <p:cNvGrpSpPr/>
+        <p:nvPr/>
+      </p:nvGrpSpPr>
+      <p:grpSpPr>
+        <a:xfrm>
+          <a:off x="0" y="0"/>
+          <a:ext cx="0" cy="0"/>
+          <a:chOff x="0" y="0"/>
+          <a:chExt cx="0" cy="0"/>
+        </a:xfrm>
+      </p:grpSpPr>
+      <p:sp>
+        <p:nvSpPr>
+          <p:cNvPr id="4" name="כותרת 1">
+            <a:extLst>
+              <a:ext uri="{FF2B5EF4-FFF2-40B4-BE49-F238E27FC236}">
+                <a16:creationId xmlns:a16="http://schemas.microsoft.com/office/drawing/2014/main" id="{1CF8AA43-7E97-492E-83E5-3498889D34BE}"/>
+              </a:ext>
+            </a:extLst>
+          </p:cNvPr>
+          <p:cNvSpPr>
+            <a:spLocks noGrp="1"/>
+          </p:cNvSpPr>
+          <p:nvPr>
+            <p:ph type="title"/>
+          </p:nvPr>
+        </p:nvSpPr>
+        <p:spPr>
+          <a:xfrm>
+            <a:off x="1154954" y="973669"/>
+            <a:ext cx="8825659" cy="706964"/>
+          </a:xfrm>
+        </p:spPr>
+        <p:txBody>
+          <a:bodyPr/>
+          <a:lstStyle/>
+          <a:p>
+            <a:pPr algn="ctr" rtl="1"/>
+            <a:r>
+              <a:rPr lang="he-IL" dirty="0"/>
+              <a:t>אזור אישי</a:t>
+            </a:r>
+          </a:p>
+        </p:txBody>
+      </p:sp>
+      <p:sp>
+        <p:nvSpPr>
+          <p:cNvPr id="5" name="תיבת טקסט 4">
+            <a:extLst>
+              <a:ext uri="{FF2B5EF4-FFF2-40B4-BE49-F238E27FC236}">
+                <a16:creationId xmlns:a16="http://schemas.microsoft.com/office/drawing/2014/main" id="{8A00D926-C93A-496C-A149-3AC29F2C6F5C}"/>
+              </a:ext>
+            </a:extLst>
+          </p:cNvPr>
+          <p:cNvSpPr txBox="1"/>
+          <p:nvPr/>
+        </p:nvSpPr>
+        <p:spPr>
+          <a:xfrm>
+            <a:off x="7685975" y="2534088"/>
+            <a:ext cx="4121834" cy="2031325"/>
+          </a:xfrm>
+          <a:prstGeom prst="rect">
+            <a:avLst/>
+          </a:prstGeom>
+          <a:noFill/>
+        </p:spPr>
+        <p:txBody>
+          <a:bodyPr wrap="square" rtlCol="1">
+            <a:spAutoFit/>
+          </a:bodyPr>
+          <a:lstStyle/>
+          <a:p>
+            <a:pPr algn="r" rtl="1"/>
+            <a:r>
+              <a:rPr lang="he-IL" b="1" u="sng" dirty="0"/>
+              <a:t>משבצת </a:t>
+            </a:r>
+            <a:r>
+              <a:rPr lang="en-US" b="1" u="sng" dirty="0"/>
+              <a:t>"</a:t>
+            </a:r>
+            <a:r>
+              <a:rPr lang="he-IL" b="1" u="sng" dirty="0"/>
+              <a:t>הפגישות שלי</a:t>
+            </a:r>
+            <a:r>
+              <a:rPr lang="en-US" b="1" u="sng" dirty="0"/>
+              <a:t>"</a:t>
+            </a:r>
+            <a:endParaRPr lang="he-IL" b="1" u="sng" dirty="0"/>
+          </a:p>
+          <a:p>
+            <a:pPr algn="r" rtl="1"/>
+            <a:endParaRPr lang="he-IL" dirty="0"/>
+          </a:p>
+          <a:p>
+            <a:pPr marL="285750" indent="-285750" algn="r" rtl="1">
+              <a:buFont typeface="Arial" panose="020B0604020202020204" pitchFamily="34" charset="0"/>
+              <a:buChar char="•"/>
+            </a:pPr>
+            <a:r>
+              <a:rPr lang="he-IL" dirty="0"/>
+              <a:t>שינינו את הרווחים בין השורות.</a:t>
+            </a:r>
+          </a:p>
+          <a:p>
+            <a:pPr marL="285750" indent="-285750" algn="r" rtl="1">
+              <a:buFont typeface="Arial" panose="020B0604020202020204" pitchFamily="34" charset="0"/>
+              <a:buChar char="•"/>
+            </a:pPr>
+            <a:endParaRPr lang="he-IL" dirty="0"/>
+          </a:p>
+          <a:p>
+            <a:pPr marL="285750" indent="-285750" algn="r" rtl="1">
+              <a:buFont typeface="Arial" panose="020B0604020202020204" pitchFamily="34" charset="0"/>
+              <a:buChar char="•"/>
+            </a:pPr>
+            <a:r>
+              <a:rPr lang="he-IL" dirty="0"/>
+              <a:t>עימדנו את הפגישות בהתאם לכותרת.</a:t>
+            </a:r>
+          </a:p>
+          <a:p>
+            <a:pPr marL="285750" indent="-285750" algn="r" rtl="1">
+              <a:buFont typeface="Arial" panose="020B0604020202020204" pitchFamily="34" charset="0"/>
+              <a:buChar char="•"/>
+            </a:pPr>
+            <a:endParaRPr lang="he-IL" dirty="0"/>
+          </a:p>
+          <a:p>
+            <a:pPr marL="285750" indent="-285750" algn="r" rtl="1">
+              <a:buFont typeface="Arial" panose="020B0604020202020204" pitchFamily="34" charset="0"/>
+              <a:buChar char="•"/>
+            </a:pPr>
+            <a:r>
+              <a:rPr lang="he-IL" dirty="0"/>
+              <a:t>הוספנו את שעת הפגישה.</a:t>
+            </a:r>
+          </a:p>
+        </p:txBody>
+      </p:sp>
+      <p:pic>
+        <p:nvPicPr>
+          <p:cNvPr id="7" name="תמונה 6">
+            <a:extLst>
+              <a:ext uri="{FF2B5EF4-FFF2-40B4-BE49-F238E27FC236}">
+                <a16:creationId xmlns:a16="http://schemas.microsoft.com/office/drawing/2014/main" id="{BBFFBFD0-75E2-45C7-9B03-55961CF682E3}"/>
+              </a:ext>
+            </a:extLst>
+          </p:cNvPr>
+          <p:cNvPicPr>
+            <a:picLocks noChangeAspect="1"/>
+          </p:cNvPicPr>
+          <p:nvPr/>
+        </p:nvPicPr>
+        <p:blipFill>
+          <a:blip r:embed="rId2"/>
+          <a:stretch>
+            <a:fillRect/>
+          </a:stretch>
+        </p:blipFill>
+        <p:spPr>
+          <a:xfrm>
+            <a:off x="384191" y="2877581"/>
+            <a:ext cx="6238875" cy="3648075"/>
+          </a:xfrm>
+          <a:prstGeom prst="rect">
+            <a:avLst/>
+          </a:prstGeom>
+        </p:spPr>
+      </p:pic>
+    </p:spTree>
+    <p:extLst>
+      <p:ext uri="{BB962C8B-B14F-4D97-AF65-F5344CB8AC3E}">
+        <p14:creationId xmlns:p14="http://schemas.microsoft.com/office/powerpoint/2010/main" val="2166048656"/>
+      </p:ext>
+    </p:extLst>
+  </p:cSld>
+  <p:clrMapOvr>
+    <a:masterClrMapping/>
+  </p:clrMapOvr>
+</p:sld>
+</file>
+
+<file path=ppt/slides/slide32.xml><?xml version="1.0" encoding="utf-8"?>
+<p:sld xmlns:a="http://schemas.openxmlformats.org/drawingml/2006/main" xmlns:r="http://schemas.openxmlformats.org/officeDocument/2006/relationships" xmlns:p="http://schemas.openxmlformats.org/presentationml/2006/main">
+  <p:cSld>
+    <p:spTree>
+      <p:nvGrpSpPr>
+        <p:cNvPr id="1" name=""/>
+        <p:cNvGrpSpPr/>
+        <p:nvPr/>
+      </p:nvGrpSpPr>
+      <p:grpSpPr>
+        <a:xfrm>
+          <a:off x="0" y="0"/>
+          <a:ext cx="0" cy="0"/>
+          <a:chOff x="0" y="0"/>
+          <a:chExt cx="0" cy="0"/>
+        </a:xfrm>
+      </p:grpSpPr>
+      <p:sp>
+        <p:nvSpPr>
+          <p:cNvPr id="4" name="כותרת 1">
+            <a:extLst>
+              <a:ext uri="{FF2B5EF4-FFF2-40B4-BE49-F238E27FC236}">
+                <a16:creationId xmlns:a16="http://schemas.microsoft.com/office/drawing/2014/main" id="{5A5BEC2D-F28F-4D55-96B7-3B9C6271AC58}"/>
+              </a:ext>
+            </a:extLst>
+          </p:cNvPr>
+          <p:cNvSpPr>
+            <a:spLocks noGrp="1"/>
+          </p:cNvSpPr>
+          <p:nvPr>
+            <p:ph type="title"/>
+          </p:nvPr>
+        </p:nvSpPr>
+        <p:spPr>
+          <a:xfrm>
+            <a:off x="1154954" y="973669"/>
+            <a:ext cx="8825659" cy="706964"/>
+          </a:xfrm>
+        </p:spPr>
+        <p:txBody>
+          <a:bodyPr/>
+          <a:lstStyle/>
+          <a:p>
+            <a:pPr algn="ctr" rtl="1"/>
+            <a:r>
+              <a:rPr lang="he-IL" dirty="0"/>
+              <a:t>אזור אישי</a:t>
+            </a:r>
+          </a:p>
+        </p:txBody>
+      </p:sp>
+      <p:sp>
+        <p:nvSpPr>
+          <p:cNvPr id="8" name="תיבת טקסט 7">
+            <a:extLst>
+              <a:ext uri="{FF2B5EF4-FFF2-40B4-BE49-F238E27FC236}">
+                <a16:creationId xmlns:a16="http://schemas.microsoft.com/office/drawing/2014/main" id="{C0192822-6DB4-482C-AEB0-960091DDCA35}"/>
+              </a:ext>
+            </a:extLst>
+          </p:cNvPr>
+          <p:cNvSpPr txBox="1"/>
+          <p:nvPr/>
+        </p:nvSpPr>
+        <p:spPr>
+          <a:xfrm>
+            <a:off x="7685975" y="2534088"/>
+            <a:ext cx="4121834" cy="3693319"/>
+          </a:xfrm>
+          <a:prstGeom prst="rect">
+            <a:avLst/>
+          </a:prstGeom>
+          <a:noFill/>
+        </p:spPr>
+        <p:txBody>
+          <a:bodyPr wrap="square" rtlCol="1">
+            <a:spAutoFit/>
+          </a:bodyPr>
+          <a:lstStyle/>
+          <a:p>
+            <a:pPr algn="r" rtl="1"/>
+            <a:r>
+              <a:rPr lang="he-IL" b="1" u="sng" dirty="0"/>
+              <a:t>משבצת </a:t>
+            </a:r>
+            <a:r>
+              <a:rPr lang="en-US" b="1" u="sng" dirty="0"/>
+              <a:t>"</a:t>
+            </a:r>
+            <a:r>
+              <a:rPr lang="he-IL" b="1" u="sng" dirty="0"/>
+              <a:t>פגישות ממתינות לאישור":</a:t>
+            </a:r>
+          </a:p>
+          <a:p>
+            <a:pPr algn="r" rtl="1"/>
+            <a:endParaRPr lang="he-IL" dirty="0"/>
+          </a:p>
+          <a:p>
+            <a:pPr marL="285750" indent="-285750" algn="r" rtl="1">
+              <a:buFont typeface="Arial" panose="020B0604020202020204" pitchFamily="34" charset="0"/>
+              <a:buChar char="•"/>
+            </a:pPr>
+            <a:r>
+              <a:rPr lang="he-IL" dirty="0"/>
+              <a:t>הזזנו את הביטול והאישור מצד ימין לצד שמאל כך שהם מעומדים יחד עם כפור הצפייה.</a:t>
+            </a:r>
+          </a:p>
+          <a:p>
+            <a:pPr marL="285750" indent="-285750" algn="r" rtl="1">
+              <a:buFont typeface="Arial" panose="020B0604020202020204" pitchFamily="34" charset="0"/>
+              <a:buChar char="•"/>
+            </a:pPr>
+            <a:endParaRPr lang="he-IL" dirty="0"/>
+          </a:p>
+          <a:p>
+            <a:pPr marL="285750" indent="-285750" algn="r" rtl="1">
+              <a:buFont typeface="Arial" panose="020B0604020202020204" pitchFamily="34" charset="0"/>
+              <a:buChar char="•"/>
+            </a:pPr>
+            <a:r>
+              <a:rPr lang="he-IL" dirty="0"/>
+              <a:t>שינינו את הגדלים ואת הצבעים של כפתורי האישור והביטול כך שיתאימו לכפתור הצפייה ולסטנדרט של המערכת.</a:t>
+            </a:r>
+          </a:p>
+          <a:p>
+            <a:pPr marL="285750" indent="-285750" algn="r" rtl="1">
+              <a:buFont typeface="Arial" panose="020B0604020202020204" pitchFamily="34" charset="0"/>
+              <a:buChar char="•"/>
+            </a:pPr>
+            <a:endParaRPr lang="he-IL" dirty="0"/>
+          </a:p>
+          <a:p>
+            <a:pPr marL="285750" indent="-285750" algn="r" rtl="1">
+              <a:buFont typeface="Arial" panose="020B0604020202020204" pitchFamily="34" charset="0"/>
+              <a:buChar char="•"/>
+            </a:pPr>
+            <a:r>
+              <a:rPr lang="he-IL" dirty="0"/>
+              <a:t>שינינו את המרווח בין הפריטים.</a:t>
+            </a:r>
+          </a:p>
+          <a:p>
+            <a:pPr algn="r" rtl="1"/>
+            <a:endParaRPr lang="he-IL" dirty="0"/>
+          </a:p>
+          <a:p>
+            <a:pPr marL="285750" indent="-285750" algn="r" rtl="1">
+              <a:buFont typeface="Arial" panose="020B0604020202020204" pitchFamily="34" charset="0"/>
+              <a:buChar char="•"/>
+            </a:pPr>
+            <a:r>
+              <a:rPr lang="he-IL" dirty="0"/>
+              <a:t>סדר הפגישות ממוין לפי התאריך.</a:t>
+            </a:r>
+          </a:p>
+        </p:txBody>
+      </p:sp>
+      <p:pic>
+        <p:nvPicPr>
+          <p:cNvPr id="9" name="תמונה 8">
+            <a:extLst>
+              <a:ext uri="{FF2B5EF4-FFF2-40B4-BE49-F238E27FC236}">
+                <a16:creationId xmlns:a16="http://schemas.microsoft.com/office/drawing/2014/main" id="{A5CD8385-62A6-4378-A56D-72D9E7E603C4}"/>
+              </a:ext>
+            </a:extLst>
+          </p:cNvPr>
+          <p:cNvPicPr>
+            <a:picLocks noChangeAspect="1"/>
+          </p:cNvPicPr>
+          <p:nvPr/>
+        </p:nvPicPr>
+        <p:blipFill>
+          <a:blip r:embed="rId2"/>
+          <a:stretch>
+            <a:fillRect/>
+          </a:stretch>
+        </p:blipFill>
+        <p:spPr>
+          <a:xfrm>
+            <a:off x="230709" y="3609852"/>
+            <a:ext cx="7642893" cy="3139322"/>
+          </a:xfrm>
+          <a:prstGeom prst="rect">
+            <a:avLst/>
+          </a:prstGeom>
+        </p:spPr>
+      </p:pic>
+    </p:spTree>
+    <p:extLst>
+      <p:ext uri="{BB962C8B-B14F-4D97-AF65-F5344CB8AC3E}">
+        <p14:creationId xmlns:p14="http://schemas.microsoft.com/office/powerpoint/2010/main" val="1793708727"/>
+      </p:ext>
+    </p:extLst>
+  </p:cSld>
+  <p:clrMapOvr>
+    <a:masterClrMapping/>
+  </p:clrMapOvr>
+</p:sld>
+</file>
+
+<file path=ppt/slides/slide33.xml><?xml version="1.0" encoding="utf-8"?>
+<p:sld xmlns:a="http://schemas.openxmlformats.org/drawingml/2006/main" xmlns:r="http://schemas.openxmlformats.org/officeDocument/2006/relationships" xmlns:p="http://schemas.openxmlformats.org/presentationml/2006/main">
+  <p:cSld>
+    <p:spTree>
+      <p:nvGrpSpPr>
+        <p:cNvPr id="1" name=""/>
+        <p:cNvGrpSpPr/>
+        <p:nvPr/>
+      </p:nvGrpSpPr>
+      <p:grpSpPr>
+        <a:xfrm>
+          <a:off x="0" y="0"/>
+          <a:ext cx="0" cy="0"/>
+          <a:chOff x="0" y="0"/>
+          <a:chExt cx="0" cy="0"/>
+        </a:xfrm>
+      </p:grpSpPr>
+      <p:sp>
+        <p:nvSpPr>
+          <p:cNvPr id="4" name="כותרת 1">
+            <a:extLst>
+              <a:ext uri="{FF2B5EF4-FFF2-40B4-BE49-F238E27FC236}">
+                <a16:creationId xmlns:a16="http://schemas.microsoft.com/office/drawing/2014/main" id="{9DC245D2-F8BC-422C-A2B9-39E3C7451A8C}"/>
+              </a:ext>
+            </a:extLst>
+          </p:cNvPr>
+          <p:cNvSpPr>
+            <a:spLocks noGrp="1"/>
+          </p:cNvSpPr>
+          <p:nvPr>
+            <p:ph type="title"/>
+          </p:nvPr>
+        </p:nvSpPr>
+        <p:spPr>
+          <a:xfrm>
+            <a:off x="1154954" y="973669"/>
+            <a:ext cx="8825659" cy="706964"/>
+          </a:xfrm>
+        </p:spPr>
+        <p:txBody>
+          <a:bodyPr/>
+          <a:lstStyle/>
+          <a:p>
+            <a:pPr algn="ctr" rtl="1"/>
+            <a:r>
+              <a:rPr lang="he-IL" dirty="0"/>
+              <a:t>אזור אישי</a:t>
+            </a:r>
+          </a:p>
+        </p:txBody>
+      </p:sp>
+      <p:sp>
+        <p:nvSpPr>
+          <p:cNvPr id="5" name="תיבת טקסט 4">
+            <a:extLst>
+              <a:ext uri="{FF2B5EF4-FFF2-40B4-BE49-F238E27FC236}">
+                <a16:creationId xmlns:a16="http://schemas.microsoft.com/office/drawing/2014/main" id="{DC64E9DF-030D-4F2E-BA9F-4D2CF7B30438}"/>
+              </a:ext>
+            </a:extLst>
+          </p:cNvPr>
+          <p:cNvSpPr txBox="1"/>
+          <p:nvPr/>
+        </p:nvSpPr>
+        <p:spPr>
+          <a:xfrm>
+            <a:off x="7685975" y="2534088"/>
+            <a:ext cx="4121834" cy="2862322"/>
+          </a:xfrm>
+          <a:prstGeom prst="rect">
+            <a:avLst/>
+          </a:prstGeom>
+          <a:noFill/>
+        </p:spPr>
+        <p:txBody>
+          <a:bodyPr wrap="square" rtlCol="1">
+            <a:spAutoFit/>
+          </a:bodyPr>
+          <a:lstStyle/>
+          <a:p>
+            <a:pPr algn="r" rtl="1"/>
+            <a:r>
+              <a:rPr lang="he-IL" b="1" u="sng" dirty="0"/>
+              <a:t>משבצת "המיקומים שלי":</a:t>
+            </a:r>
+          </a:p>
+          <a:p>
+            <a:pPr algn="r" rtl="1"/>
+            <a:endParaRPr lang="he-IL" dirty="0"/>
+          </a:p>
+          <a:p>
+            <a:pPr marL="285750" indent="-285750" algn="r" rtl="1">
+              <a:buFont typeface="Arial" panose="020B0604020202020204" pitchFamily="34" charset="0"/>
+              <a:buChar char="•"/>
+            </a:pPr>
+            <a:r>
+              <a:rPr lang="he-IL" dirty="0"/>
+              <a:t>שינינו את האייקון של המחיקה שיהיה אחיד לאייקונים במערכת.</a:t>
+            </a:r>
+          </a:p>
+          <a:p>
+            <a:pPr marL="285750" indent="-285750" algn="r" rtl="1">
+              <a:buFont typeface="Arial" panose="020B0604020202020204" pitchFamily="34" charset="0"/>
+              <a:buChar char="•"/>
+            </a:pPr>
+            <a:endParaRPr lang="he-IL" dirty="0"/>
+          </a:p>
+          <a:p>
+            <a:pPr marL="285750" indent="-285750" algn="r" rtl="1">
+              <a:buFont typeface="Arial" panose="020B0604020202020204" pitchFamily="34" charset="0"/>
+              <a:buChar char="•"/>
+            </a:pPr>
+            <a:r>
+              <a:rPr lang="he-IL" dirty="0"/>
+              <a:t>שינינו את כפתור הוספת מיקום, כך שיראה יותר יפה ואסתטי והשתמשנו באייקון במקום טקסט.</a:t>
+            </a:r>
+          </a:p>
+          <a:p>
+            <a:pPr marL="285750" indent="-285750" algn="r" rtl="1">
+              <a:buFont typeface="Arial" panose="020B0604020202020204" pitchFamily="34" charset="0"/>
+              <a:buChar char="•"/>
+            </a:pPr>
+            <a:endParaRPr lang="he-IL" dirty="0"/>
+          </a:p>
+          <a:p>
+            <a:pPr marL="285750" indent="-285750" algn="r" rtl="1">
+              <a:buFont typeface="Arial" panose="020B0604020202020204" pitchFamily="34" charset="0"/>
+              <a:buChar char="•"/>
+            </a:pPr>
+            <a:r>
+              <a:rPr lang="he-IL" dirty="0"/>
+              <a:t>שינינו את המרווח בין הפריטים.</a:t>
+            </a:r>
+          </a:p>
+        </p:txBody>
+      </p:sp>
+      <p:pic>
+        <p:nvPicPr>
+          <p:cNvPr id="8" name="תמונה 7">
+            <a:extLst>
+              <a:ext uri="{FF2B5EF4-FFF2-40B4-BE49-F238E27FC236}">
+                <a16:creationId xmlns:a16="http://schemas.microsoft.com/office/drawing/2014/main" id="{57A67FB7-6648-4E51-AF1B-676A350766EC}"/>
+              </a:ext>
+            </a:extLst>
+          </p:cNvPr>
+          <p:cNvPicPr>
+            <a:picLocks noChangeAspect="1"/>
+          </p:cNvPicPr>
+          <p:nvPr/>
+        </p:nvPicPr>
+        <p:blipFill>
+          <a:blip r:embed="rId2"/>
+          <a:stretch>
+            <a:fillRect/>
+          </a:stretch>
+        </p:blipFill>
+        <p:spPr>
+          <a:xfrm>
+            <a:off x="165116" y="3429000"/>
+            <a:ext cx="6315075" cy="3314700"/>
+          </a:xfrm>
+          <a:prstGeom prst="rect">
+            <a:avLst/>
+          </a:prstGeom>
+        </p:spPr>
+      </p:pic>
+    </p:spTree>
+    <p:extLst>
+      <p:ext uri="{BB962C8B-B14F-4D97-AF65-F5344CB8AC3E}">
+        <p14:creationId xmlns:p14="http://schemas.microsoft.com/office/powerpoint/2010/main" val="2706630592"/>
+      </p:ext>
+    </p:extLst>
+  </p:cSld>
+  <p:clrMapOvr>
+    <a:masterClrMapping/>
+  </p:clrMapOvr>
+</p:sld>
+</file>
+
+<file path=ppt/slides/slide34.xml><?xml version="1.0" encoding="utf-8"?>
+<p:sld xmlns:a="http://schemas.openxmlformats.org/drawingml/2006/main" xmlns:r="http://schemas.openxmlformats.org/officeDocument/2006/relationships" xmlns:p="http://schemas.openxmlformats.org/presentationml/2006/main">
+  <p:cSld>
+    <p:spTree>
+      <p:nvGrpSpPr>
+        <p:cNvPr id="1" name=""/>
+        <p:cNvGrpSpPr/>
+        <p:nvPr/>
+      </p:nvGrpSpPr>
+      <p:grpSpPr>
+        <a:xfrm>
+          <a:off x="0" y="0"/>
+          <a:ext cx="0" cy="0"/>
+          <a:chOff x="0" y="0"/>
+          <a:chExt cx="0" cy="0"/>
+        </a:xfrm>
+      </p:grpSpPr>
+      <p:sp>
+        <p:nvSpPr>
+          <p:cNvPr id="4" name="כותרת 1">
+            <a:extLst>
+              <a:ext uri="{FF2B5EF4-FFF2-40B4-BE49-F238E27FC236}">
+                <a16:creationId xmlns:a16="http://schemas.microsoft.com/office/drawing/2014/main" id="{73DBC8F2-C1B3-4457-A23C-DA9A46AE7EF5}"/>
+              </a:ext>
+            </a:extLst>
+          </p:cNvPr>
+          <p:cNvSpPr>
+            <a:spLocks noGrp="1"/>
+          </p:cNvSpPr>
+          <p:nvPr>
+            <p:ph type="title"/>
+          </p:nvPr>
+        </p:nvSpPr>
+        <p:spPr>
+          <a:xfrm>
+            <a:off x="1154954" y="973669"/>
+            <a:ext cx="8825659" cy="706964"/>
+          </a:xfrm>
+        </p:spPr>
+        <p:txBody>
+          <a:bodyPr/>
+          <a:lstStyle/>
+          <a:p>
+            <a:pPr algn="ctr" rtl="1"/>
+            <a:r>
+              <a:rPr lang="he-IL" dirty="0"/>
+              <a:t>אזור אישי</a:t>
+            </a:r>
+          </a:p>
+        </p:txBody>
+      </p:sp>
+      <p:sp>
+        <p:nvSpPr>
+          <p:cNvPr id="5" name="תיבת טקסט 4">
+            <a:extLst>
+              <a:ext uri="{FF2B5EF4-FFF2-40B4-BE49-F238E27FC236}">
+                <a16:creationId xmlns:a16="http://schemas.microsoft.com/office/drawing/2014/main" id="{A0B248C0-6A86-4C32-8EB5-4142E5A65D4E}"/>
+              </a:ext>
+            </a:extLst>
+          </p:cNvPr>
+          <p:cNvSpPr txBox="1"/>
+          <p:nvPr/>
+        </p:nvSpPr>
+        <p:spPr>
+          <a:xfrm>
+            <a:off x="7685975" y="2534088"/>
+            <a:ext cx="4121834" cy="2031325"/>
+          </a:xfrm>
+          <a:prstGeom prst="rect">
+            <a:avLst/>
+          </a:prstGeom>
+          <a:noFill/>
+        </p:spPr>
+        <p:txBody>
+          <a:bodyPr wrap="square" rtlCol="1">
+            <a:spAutoFit/>
+          </a:bodyPr>
+          <a:lstStyle/>
+          <a:p>
+            <a:pPr algn="r" rtl="1"/>
+            <a:r>
+              <a:rPr lang="he-IL" b="1" u="sng" dirty="0"/>
+              <a:t>משבצת "המיקומים שלי":</a:t>
+            </a:r>
+          </a:p>
+          <a:p>
+            <a:pPr algn="r" rtl="1"/>
+            <a:endParaRPr lang="he-IL" dirty="0"/>
+          </a:p>
+          <a:p>
+            <a:pPr marL="285750" indent="-285750" algn="r" rtl="1">
+              <a:buFont typeface="Arial" panose="020B0604020202020204" pitchFamily="34" charset="0"/>
+              <a:buChar char="•"/>
+            </a:pPr>
+            <a:r>
+              <a:rPr lang="he-IL" dirty="0"/>
+              <a:t>שינינו את כפתור ההוספה שוב כדי שיתאים לסטנדרט המערכת.</a:t>
+            </a:r>
+          </a:p>
+          <a:p>
+            <a:pPr algn="r" rtl="1"/>
+            <a:endParaRPr lang="he-IL" dirty="0"/>
+          </a:p>
+          <a:p>
+            <a:pPr marL="285750" indent="-285750" algn="r" rtl="1">
+              <a:buFont typeface="Arial" panose="020B0604020202020204" pitchFamily="34" charset="0"/>
+              <a:buChar char="•"/>
+            </a:pPr>
+            <a:r>
+              <a:rPr lang="he-IL" dirty="0"/>
+              <a:t>הכפתור עוצב על פי שיטת העיצוב </a:t>
+            </a:r>
+            <a:r>
+              <a:rPr lang="en-US" dirty="0"/>
+              <a:t>material design</a:t>
+            </a:r>
+            <a:r>
+              <a:rPr lang="he-IL" dirty="0"/>
+              <a:t> של גוגל.</a:t>
+            </a:r>
+          </a:p>
+        </p:txBody>
+      </p:sp>
+      <p:pic>
+        <p:nvPicPr>
+          <p:cNvPr id="8" name="תמונה 7">
+            <a:extLst>
+              <a:ext uri="{FF2B5EF4-FFF2-40B4-BE49-F238E27FC236}">
+                <a16:creationId xmlns:a16="http://schemas.microsoft.com/office/drawing/2014/main" id="{8D2EB5EF-5A32-43C6-A237-C28CA3A3D4DB}"/>
+              </a:ext>
+            </a:extLst>
+          </p:cNvPr>
+          <p:cNvPicPr>
+            <a:picLocks noChangeAspect="1"/>
+          </p:cNvPicPr>
+          <p:nvPr/>
+        </p:nvPicPr>
+        <p:blipFill>
+          <a:blip r:embed="rId2"/>
+          <a:stretch>
+            <a:fillRect/>
+          </a:stretch>
+        </p:blipFill>
+        <p:spPr>
+          <a:xfrm>
+            <a:off x="384191" y="3549750"/>
+            <a:ext cx="6172200" cy="3190875"/>
+          </a:xfrm>
+          <a:prstGeom prst="rect">
+            <a:avLst/>
+          </a:prstGeom>
+        </p:spPr>
+      </p:pic>
+    </p:spTree>
+    <p:extLst>
+      <p:ext uri="{BB962C8B-B14F-4D97-AF65-F5344CB8AC3E}">
+        <p14:creationId xmlns:p14="http://schemas.microsoft.com/office/powerpoint/2010/main" val="1431834300"/>
+      </p:ext>
+    </p:extLst>
+  </p:cSld>
+  <p:clrMapOvr>
+    <a:masterClrMapping/>
+  </p:clrMapOvr>
+</p:sld>
+</file>
+
+<file path=ppt/slides/slide35.xml><?xml version="1.0" encoding="utf-8"?>
+<p:sld xmlns:a="http://schemas.openxmlformats.org/drawingml/2006/main" xmlns:r="http://schemas.openxmlformats.org/officeDocument/2006/relationships" xmlns:p="http://schemas.openxmlformats.org/presentationml/2006/main">
+  <p:cSld>
+    <p:spTree>
+      <p:nvGrpSpPr>
+        <p:cNvPr id="1" name=""/>
+        <p:cNvGrpSpPr/>
+        <p:nvPr/>
+      </p:nvGrpSpPr>
+      <p:grpSpPr>
+        <a:xfrm>
+          <a:off x="0" y="0"/>
+          <a:ext cx="0" cy="0"/>
+          <a:chOff x="0" y="0"/>
+          <a:chExt cx="0" cy="0"/>
+        </a:xfrm>
+      </p:grpSpPr>
+      <p:sp>
+        <p:nvSpPr>
+          <p:cNvPr id="4" name="כותרת 1">
+            <a:extLst>
+              <a:ext uri="{FF2B5EF4-FFF2-40B4-BE49-F238E27FC236}">
+                <a16:creationId xmlns:a16="http://schemas.microsoft.com/office/drawing/2014/main" id="{BBC3B682-CCD3-40B0-B8FA-BB5FDA754345}"/>
+              </a:ext>
+            </a:extLst>
+          </p:cNvPr>
+          <p:cNvSpPr>
+            <a:spLocks noGrp="1"/>
+          </p:cNvSpPr>
+          <p:nvPr>
+            <p:ph type="title"/>
+          </p:nvPr>
+        </p:nvSpPr>
+        <p:spPr>
+          <a:xfrm>
+            <a:off x="1154954" y="973669"/>
+            <a:ext cx="8825659" cy="706964"/>
+          </a:xfrm>
+        </p:spPr>
+        <p:txBody>
+          <a:bodyPr/>
+          <a:lstStyle/>
+          <a:p>
+            <a:pPr algn="ctr" rtl="1"/>
+            <a:r>
+              <a:rPr lang="he-IL" dirty="0"/>
+              <a:t>אזור אישי</a:t>
+            </a:r>
+          </a:p>
+        </p:txBody>
+      </p:sp>
+      <p:sp>
+        <p:nvSpPr>
+          <p:cNvPr id="5" name="תיבת טקסט 4">
+            <a:extLst>
+              <a:ext uri="{FF2B5EF4-FFF2-40B4-BE49-F238E27FC236}">
+                <a16:creationId xmlns:a16="http://schemas.microsoft.com/office/drawing/2014/main" id="{71FF33C9-F0A1-4BB9-8DE3-BD1199DF4336}"/>
+              </a:ext>
+            </a:extLst>
+          </p:cNvPr>
+          <p:cNvSpPr txBox="1"/>
+          <p:nvPr/>
+        </p:nvSpPr>
+        <p:spPr>
+          <a:xfrm>
+            <a:off x="7685975" y="2534088"/>
+            <a:ext cx="4121834" cy="2308324"/>
+          </a:xfrm>
+          <a:prstGeom prst="rect">
+            <a:avLst/>
+          </a:prstGeom>
+          <a:noFill/>
+        </p:spPr>
+        <p:txBody>
+          <a:bodyPr wrap="square" rtlCol="1">
+            <a:spAutoFit/>
+          </a:bodyPr>
+          <a:lstStyle/>
+          <a:p>
+            <a:pPr algn="r" rtl="1"/>
+            <a:r>
+              <a:rPr lang="he-IL" b="1" u="sng" dirty="0"/>
+              <a:t>משבצת </a:t>
+            </a:r>
+            <a:r>
+              <a:rPr lang="en-US" b="1" u="sng" dirty="0"/>
+              <a:t>"</a:t>
+            </a:r>
+            <a:r>
+              <a:rPr lang="he-IL" b="1" u="sng" dirty="0"/>
+              <a:t>פגישות ממתינות לאישור":</a:t>
+            </a:r>
+          </a:p>
+          <a:p>
+            <a:pPr algn="r" rtl="1"/>
+            <a:endParaRPr lang="he-IL" dirty="0"/>
+          </a:p>
+          <a:p>
+            <a:pPr marL="285750" indent="-285750" algn="r" rtl="1">
+              <a:buFont typeface="Arial" panose="020B0604020202020204" pitchFamily="34" charset="0"/>
+              <a:buChar char="•"/>
+            </a:pPr>
+            <a:r>
+              <a:rPr lang="he-IL" dirty="0"/>
+              <a:t>המשבצת אחידה למשבצות האחרות בדף, (אייקונים, מרווחים).</a:t>
+            </a:r>
+          </a:p>
+          <a:p>
+            <a:pPr marL="285750" indent="-285750" algn="r" rtl="1">
+              <a:buFont typeface="Arial" panose="020B0604020202020204" pitchFamily="34" charset="0"/>
+              <a:buChar char="•"/>
+            </a:pPr>
+            <a:r>
+              <a:rPr lang="he-IL" dirty="0"/>
+              <a:t>הוספנו הודעה במקרה שאין מידע להצגה (כמו כן, במשבצות האחרות בעמוד), כדי שהמשתמש לא יחשוב שיש משהו לא בסדר במערכת.</a:t>
+            </a:r>
+          </a:p>
+        </p:txBody>
+      </p:sp>
+      <p:pic>
+        <p:nvPicPr>
+          <p:cNvPr id="7" name="תמונה 6">
+            <a:extLst>
+              <a:ext uri="{FF2B5EF4-FFF2-40B4-BE49-F238E27FC236}">
+                <a16:creationId xmlns:a16="http://schemas.microsoft.com/office/drawing/2014/main" id="{455F304E-C0D2-4802-A411-BD7F40CD43EB}"/>
+              </a:ext>
+            </a:extLst>
+          </p:cNvPr>
+          <p:cNvPicPr>
+            <a:picLocks noChangeAspect="1"/>
+          </p:cNvPicPr>
+          <p:nvPr/>
+        </p:nvPicPr>
+        <p:blipFill>
+          <a:blip r:embed="rId2"/>
+          <a:stretch>
+            <a:fillRect/>
+          </a:stretch>
+        </p:blipFill>
+        <p:spPr>
+          <a:xfrm>
+            <a:off x="0" y="3926104"/>
+            <a:ext cx="7821038" cy="2741395"/>
+          </a:xfrm>
+          <a:prstGeom prst="rect">
+            <a:avLst/>
+          </a:prstGeom>
+        </p:spPr>
+      </p:pic>
+    </p:spTree>
+    <p:extLst>
+      <p:ext uri="{BB962C8B-B14F-4D97-AF65-F5344CB8AC3E}">
+        <p14:creationId xmlns:p14="http://schemas.microsoft.com/office/powerpoint/2010/main" val="2753159462"/>
+      </p:ext>
+    </p:extLst>
+  </p:cSld>
+  <p:clrMapOvr>
+    <a:masterClrMapping/>
+  </p:clrMapOvr>
+</p:sld>
+</file>
+
 <file path=ppt/slides/slide4.xml><?xml version="1.0" encoding="utf-8"?>
 <p:sld xmlns:a="http://schemas.openxmlformats.org/drawingml/2006/main" xmlns:r="http://schemas.openxmlformats.org/officeDocument/2006/relationships" xmlns:p="http://schemas.openxmlformats.org/presentationml/2006/main">
   <p:cSld>
@@ -14926,7 +17239,7 @@
         <p:spPr>
           <a:xfrm>
             <a:off x="3714161" y="2325950"/>
-            <a:ext cx="8022119" cy="2632003"/>
+            <a:ext cx="8022119" cy="3739998"/>
           </a:xfrm>
           <a:prstGeom prst="rect">
             <a:avLst/>
@@ -14948,7 +17261,7 @@
             </a:pPr>
             <a:r>
               <a:rPr lang="he-IL" sz="1600" dirty="0"/>
-              <a:t>בחירת צבעים לקויה, צבעים לא מזמינים.</a:t>
+              <a:t>תפריט ניווט לא ברור – מערב ניווט לדפים וכמו כן מערב פעולה של הוספת פגישה שלא אמורה להיות חלק מהתפריט .</a:t>
             </a:r>
           </a:p>
           <a:p>
@@ -14961,7 +17274,27 @@
             </a:pPr>
             <a:r>
               <a:rPr lang="he-IL" sz="1600" dirty="0"/>
-              <a:t>תפריט ניווט לא ברור – מערב ניווט לדפים וכמו כן מערב פעולה של הוספת פגישה שלא אמורה להיות חלק מהתפריט.</a:t>
+              <a:t>אין אחידות בין המסכים, לדוגמא:</a:t>
+            </a:r>
+            <a:r>
+              <a:rPr lang="en-US" sz="1600" dirty="0"/>
+              <a:t> </a:t>
+            </a:r>
+            <a:r>
+              <a:rPr lang="he-IL" sz="1600" dirty="0"/>
+              <a:t>כפתורי הוספה</a:t>
+            </a:r>
+            <a:r>
+              <a:rPr lang="en-US" sz="1600" dirty="0"/>
+              <a:t>/</a:t>
+            </a:r>
+            <a:r>
+              <a:rPr lang="he-IL" sz="1600" dirty="0"/>
+              <a:t>ביטול שונים בכמה מסכים - </a:t>
+            </a:r>
+            <a:r>
+              <a:rPr lang="he-IL" sz="1600" b="1" dirty="0"/>
+              <a:t>עקיבות וסטנדרטים.</a:t>
             </a:r>
           </a:p>
           <a:p>
@@ -14974,23 +17307,7 @@
             </a:pPr>
             <a:r>
               <a:rPr lang="he-IL" sz="1600" dirty="0"/>
-              <a:t>אין אחידות בין המסכים, לדוגמא:</a:t>
-            </a:r>
-            <a:r>
-              <a:rPr lang="en-US" sz="1600" dirty="0"/>
-              <a:t> </a:t>
-            </a:r>
-            <a:r>
-              <a:rPr lang="he-IL" sz="1600" dirty="0"/>
-              <a:t>כפתורי הוספה</a:t>
-            </a:r>
-            <a:r>
-              <a:rPr lang="en-US" sz="1600" dirty="0"/>
-              <a:t>/</a:t>
-            </a:r>
-            <a:r>
-              <a:rPr lang="he-IL" sz="1600" dirty="0"/>
-              <a:t>ביטול שונים בכמה מסכים.</a:t>
+              <a:t>חוסר ניצול של המסך – יש הרבה רווחים מיותרים.</a:t>
             </a:r>
           </a:p>
           <a:p>
@@ -15003,7 +17320,11 @@
             </a:pPr>
             <a:r>
               <a:rPr lang="he-IL" sz="1600" dirty="0"/>
-              <a:t>חוסר ניצול של המסך – יש הרבה רווחים מיותרים.</a:t>
+              <a:t>אין חיווי למשתמש באיזה דף הוא נמצא בכל רגע - </a:t>
+            </a:r>
+            <a:r>
+              <a:rPr lang="he-IL" sz="1600" b="1" dirty="0"/>
+              <a:t>נראות מצב המערכת.</a:t>
             </a:r>
           </a:p>
           <a:p>
@@ -15016,8 +17337,13 @@
             </a:pPr>
             <a:r>
               <a:rPr lang="he-IL" sz="1600" dirty="0"/>
-              <a:t>אין חיווי למשתמש באיזה דף הוא נמצא בכל רגע.</a:t>
-            </a:r>
+              <a:t>המשתמש לא יכול לתקן או לשנות פעולות, לדוגמא: אם המשתמש ביטל פגישה או אישר אותה הוא לא יכול לעשות את הפעולה ההפוכה. – </a:t>
+            </a:r>
+            <a:r>
+              <a:rPr lang="he-IL" sz="1600" b="1" dirty="0"/>
+              <a:t>שליטה וחופש של המשתמש.</a:t>
+            </a:r>
+            <a:endParaRPr lang="he-IL" sz="1600" dirty="0"/>
           </a:p>
           <a:p>
             <a:pPr marL="285750" indent="-285750" algn="r" rtl="1">
@@ -15027,7 +17353,28 @@
               <a:buFont typeface="Arial" panose="020B0604020202020204" pitchFamily="34" charset="0"/>
               <a:buChar char="•"/>
             </a:pPr>
-            <a:endParaRPr lang="he-IL" sz="1600" dirty="0"/>
+            <a:r>
+              <a:rPr lang="he-IL" sz="1600" dirty="0"/>
+              <a:t>אין פופ - אפים לאישור הפעולה, דרך </a:t>
+            </a:r>
+            <a:r>
+              <a:rPr lang="he-IL" sz="1600" b="1" dirty="0"/>
+              <a:t>למניעת טעויות.</a:t>
+            </a:r>
+          </a:p>
+          <a:p>
+            <a:pPr marL="285750" indent="-285750" algn="r" rtl="1">
+              <a:lnSpc>
+                <a:spcPct val="150000"/>
+              </a:lnSpc>
+              <a:buFont typeface="Arial" panose="020B0604020202020204" pitchFamily="34" charset="0"/>
+              <a:buChar char="•"/>
+            </a:pPr>
+            <a:r>
+              <a:rPr lang="he-IL" sz="1600" dirty="0"/>
+              <a:t>בחירת צבעים לקויה, צבעים לא מזמינים.</a:t>
+            </a:r>
+            <a:endParaRPr lang="he-IL" sz="1600" b="1" dirty="0"/>
           </a:p>
         </p:txBody>
       </p:sp>
@@ -16153,7 +18500,7 @@
         <p:spPr>
           <a:xfrm>
             <a:off x="6552269" y="1948878"/>
-            <a:ext cx="5193437" cy="4847994"/>
+            <a:ext cx="5193437" cy="4109330"/>
           </a:xfrm>
           <a:prstGeom prst="rect">
             <a:avLst/>
@@ -16188,8 +18535,13 @@
             </a:pPr>
             <a:r>
               <a:rPr lang="he-IL" sz="1600" dirty="0"/>
-              <a:t>אין אינדיקציה באיזה עמוד נמצאים.</a:t>
-            </a:r>
+              <a:t>אין אינדיקציה באיזה עמוד נמצאים - </a:t>
+            </a:r>
+            <a:r>
+              <a:rPr lang="he-IL" sz="1600" b="1" dirty="0"/>
+              <a:t>נראות מצב המערכת.</a:t>
+            </a:r>
+            <a:endParaRPr lang="he-IL" sz="1600" dirty="0"/>
           </a:p>
           <a:p>
             <a:pPr marL="742950" lvl="1" indent="-285750" algn="r" rtl="1">
@@ -16230,21 +18582,13 @@
             </a:r>
             <a:r>
               <a:rPr lang="he-IL" sz="1600" dirty="0"/>
-              <a:t>אופן הצגתן – יש הרבה שטח מת.</a:t>
-            </a:r>
-          </a:p>
-          <a:p>
-            <a:pPr marL="285750" indent="-285750" algn="r" rtl="1">
-              <a:lnSpc>
-                <a:spcPct val="150000"/>
-              </a:lnSpc>
-              <a:buFont typeface="Arial" panose="020B0604020202020204" pitchFamily="34" charset="0"/>
-              <a:buChar char="•"/>
-            </a:pPr>
-            <a:r>
-              <a:rPr lang="he-IL" sz="1600" b="1" u="sng" dirty="0"/>
-              <a:t>משבצת "פגישות ממתינות לאישור":</a:t>
-            </a:r>
+              <a:t>אופן הצגתן – יש הרבה שטח מת - </a:t>
+            </a:r>
+            <a:r>
+              <a:rPr lang="he-IL" sz="1600" b="1" dirty="0"/>
+              <a:t>אסתטיקה ועיצוב מינימליסטי.</a:t>
+            </a:r>
+            <a:endParaRPr lang="en-US" sz="1600" b="1" dirty="0"/>
           </a:p>
           <a:p>
             <a:pPr marL="742950" lvl="1" indent="-285750" algn="r" rtl="1">
@@ -16256,21 +18600,13 @@
             </a:pPr>
             <a:r>
               <a:rPr lang="he-IL" sz="1600" dirty="0"/>
-              <a:t>כפתורים – כפתור ביטול ואישור מצד ימין לטקסט לעומת כתפור צפייה שמצד שמאל – אין אחידות. בנוסף, אין אחידות בין הכפתורים וזה לא נראה טוב.</a:t>
-            </a:r>
-          </a:p>
-          <a:p>
-            <a:pPr marL="742950" lvl="1" indent="-285750" algn="r" rtl="1">
-              <a:lnSpc>
-                <a:spcPct val="150000"/>
-              </a:lnSpc>
-              <a:buFont typeface="Arial" panose="020B0604020202020204" pitchFamily="34" charset="0"/>
-              <a:buChar char="•"/>
-            </a:pPr>
-            <a:r>
-              <a:rPr lang="he-IL" sz="1600" dirty="0"/>
-              <a:t>מרווח בין השורות גדול מידי, מוביל לניצול לא יעיל של המסך.</a:t>
-            </a:r>
+              <a:t>כשאין מידע להצגה לא מופיעה הודעה מתאימה - </a:t>
+            </a:r>
+            <a:r>
+              <a:rPr lang="he-IL" sz="1600" b="1" dirty="0"/>
+              <a:t>נראות מצב המערכת.</a:t>
+            </a:r>
+            <a:endParaRPr lang="he-IL" sz="1600" dirty="0"/>
           </a:p>
         </p:txBody>
       </p:sp>
@@ -16414,7 +18750,7 @@
             </a:pPr>
             <a:r>
               <a:rPr lang="he-IL" sz="1600" b="1" u="sng" dirty="0"/>
-              <a:t>משבצת "המיקומים שלי":</a:t>
+              <a:t>משבצת "פגישות ממתינות לאישור":</a:t>
             </a:r>
           </a:p>
           <a:p>
@@ -16427,7 +18763,11 @@
             </a:pPr>
             <a:r>
               <a:rPr lang="he-IL" sz="1600" dirty="0"/>
-              <a:t>כפתור מחיקה – אייקון לא טוב, לא מעומד כמו כפתור הצגת פרטים.</a:t>
+              <a:t>כפתורים – כפתור ביטול ואישור מצד ימין לטקסט לעומת כתפור צפייה שמצד שמאל – אין אחידות - </a:t>
+            </a:r>
+            <a:r>
+              <a:rPr lang="he-IL" sz="1600" b="1" dirty="0"/>
+              <a:t>עקיבות וסטנדרטים.</a:t>
             </a:r>
           </a:p>
           <a:p>
@@ -16440,15 +18780,13 @@
             </a:pPr>
             <a:r>
               <a:rPr lang="he-IL" sz="1600" dirty="0"/>
-              <a:t>כפתור הוספת מיקום – ממוקם לא טוב, לא נוח לעין </a:t>
-            </a:r>
-            <a:br>
-              <a:rPr lang="en-US" sz="1600" dirty="0"/>
-            </a:br>
-            <a:r>
-              <a:rPr lang="he-IL" sz="1600" dirty="0"/>
-              <a:t>ולא שומר על עיצוב אחיד של כפתורי הוספה במערכת.</a:t>
-            </a:r>
+              <a:t>אין אחידות בין הכפתורים וזה לא נראה טוב - </a:t>
+            </a:r>
+            <a:r>
+              <a:rPr lang="he-IL" sz="1600" b="1" dirty="0"/>
+              <a:t>עקיבות וסטנדרטים.</a:t>
+            </a:r>
+            <a:endParaRPr lang="he-IL" sz="1600" dirty="0"/>
           </a:p>
           <a:p>
             <a:pPr marL="742950" lvl="1" indent="-285750" algn="r" rtl="1">
@@ -16458,32 +18796,13 @@
               <a:buFont typeface="Arial" panose="020B0604020202020204" pitchFamily="34" charset="0"/>
               <a:buChar char="•"/>
             </a:pPr>
-            <a:endParaRPr lang="he-IL" sz="1600" dirty="0"/>
-          </a:p>
-          <a:p>
-            <a:pPr marL="285750" indent="-285750" algn="r" rtl="1">
-              <a:lnSpc>
-                <a:spcPct val="150000"/>
-              </a:lnSpc>
-              <a:buFont typeface="Arial" panose="020B0604020202020204" pitchFamily="34" charset="0"/>
-              <a:buChar char="•"/>
-            </a:pPr>
-            <a:r>
-              <a:rPr lang="he-IL" sz="1600" b="1" u="sng" dirty="0"/>
-              <a:t>משבצת "הפגישות שלי":</a:t>
-            </a:r>
-          </a:p>
-          <a:p>
-            <a:pPr marL="742950" lvl="1" indent="-285750" algn="r" rtl="1">
-              <a:lnSpc>
-                <a:spcPct val="150000"/>
-              </a:lnSpc>
-              <a:buFont typeface="Arial" panose="020B0604020202020204" pitchFamily="34" charset="0"/>
-              <a:buChar char="•"/>
-            </a:pPr>
             <a:r>
               <a:rPr lang="he-IL" sz="1600" dirty="0"/>
-              <a:t>אין משמעות לסדר הפגישות.</a:t>
+              <a:t>מרווח בין השורות גדול מידי, מוביל לניצול לא יעיל של המסך - </a:t>
+            </a:r>
+            <a:r>
+              <a:rPr lang="he-IL" sz="1600" b="1" dirty="0"/>
+              <a:t>אסתטיקה ועיצוב מינימליסטי.</a:t>
             </a:r>
           </a:p>
           <a:p>

--- a/ux_course/מצגת סופית להגשה.pptx
+++ b/ux_course/מצגת סופית להגשה.pptx
@@ -4,6 +4,9 @@
   <p:sldMasterIdLst>
     <p:sldMasterId id="2147483828" r:id="rId1"/>
   </p:sldMasterIdLst>
+  <p:notesMasterIdLst>
+    <p:notesMasterId r:id="rId49"/>
+  </p:notesMasterIdLst>
   <p:sldIdLst>
     <p:sldId id="262" r:id="rId2"/>
     <p:sldId id="261" r:id="rId3"/>
@@ -11,35 +14,47 @@
     <p:sldId id="265" r:id="rId5"/>
     <p:sldId id="266" r:id="rId6"/>
     <p:sldId id="267" r:id="rId7"/>
-    <p:sldId id="258" r:id="rId8"/>
-    <p:sldId id="259" r:id="rId9"/>
-    <p:sldId id="263" r:id="rId10"/>
-    <p:sldId id="281" r:id="rId11"/>
-    <p:sldId id="268" r:id="rId12"/>
-    <p:sldId id="293" r:id="rId13"/>
-    <p:sldId id="292" r:id="rId14"/>
-    <p:sldId id="291" r:id="rId15"/>
-    <p:sldId id="290" r:id="rId16"/>
-    <p:sldId id="269" r:id="rId17"/>
-    <p:sldId id="270" r:id="rId18"/>
-    <p:sldId id="271" r:id="rId19"/>
-    <p:sldId id="272" r:id="rId20"/>
-    <p:sldId id="273" r:id="rId21"/>
-    <p:sldId id="274" r:id="rId22"/>
-    <p:sldId id="275" r:id="rId23"/>
-    <p:sldId id="276" r:id="rId24"/>
-    <p:sldId id="277" r:id="rId25"/>
-    <p:sldId id="278" r:id="rId26"/>
-    <p:sldId id="279" r:id="rId27"/>
-    <p:sldId id="280" r:id="rId28"/>
-    <p:sldId id="282" r:id="rId29"/>
-    <p:sldId id="283" r:id="rId30"/>
-    <p:sldId id="284" r:id="rId31"/>
-    <p:sldId id="285" r:id="rId32"/>
-    <p:sldId id="286" r:id="rId33"/>
-    <p:sldId id="287" r:id="rId34"/>
-    <p:sldId id="288" r:id="rId35"/>
-    <p:sldId id="289" r:id="rId36"/>
+    <p:sldId id="294" r:id="rId8"/>
+    <p:sldId id="258" r:id="rId9"/>
+    <p:sldId id="259" r:id="rId10"/>
+    <p:sldId id="263" r:id="rId11"/>
+    <p:sldId id="281" r:id="rId12"/>
+    <p:sldId id="268" r:id="rId13"/>
+    <p:sldId id="293" r:id="rId14"/>
+    <p:sldId id="292" r:id="rId15"/>
+    <p:sldId id="291" r:id="rId16"/>
+    <p:sldId id="290" r:id="rId17"/>
+    <p:sldId id="269" r:id="rId18"/>
+    <p:sldId id="270" r:id="rId19"/>
+    <p:sldId id="271" r:id="rId20"/>
+    <p:sldId id="272" r:id="rId21"/>
+    <p:sldId id="273" r:id="rId22"/>
+    <p:sldId id="274" r:id="rId23"/>
+    <p:sldId id="275" r:id="rId24"/>
+    <p:sldId id="276" r:id="rId25"/>
+    <p:sldId id="277" r:id="rId26"/>
+    <p:sldId id="278" r:id="rId27"/>
+    <p:sldId id="279" r:id="rId28"/>
+    <p:sldId id="280" r:id="rId29"/>
+    <p:sldId id="282" r:id="rId30"/>
+    <p:sldId id="283" r:id="rId31"/>
+    <p:sldId id="284" r:id="rId32"/>
+    <p:sldId id="285" r:id="rId33"/>
+    <p:sldId id="286" r:id="rId34"/>
+    <p:sldId id="287" r:id="rId35"/>
+    <p:sldId id="288" r:id="rId36"/>
+    <p:sldId id="289" r:id="rId37"/>
+    <p:sldId id="297" r:id="rId38"/>
+    <p:sldId id="299" r:id="rId39"/>
+    <p:sldId id="300" r:id="rId40"/>
+    <p:sldId id="301" r:id="rId41"/>
+    <p:sldId id="302" r:id="rId42"/>
+    <p:sldId id="303" r:id="rId43"/>
+    <p:sldId id="305" r:id="rId44"/>
+    <p:sldId id="304" r:id="rId45"/>
+    <p:sldId id="306" r:id="rId46"/>
+    <p:sldId id="296" r:id="rId47"/>
+    <p:sldId id="295" r:id="rId48"/>
   </p:sldIdLst>
   <p:sldSz cx="12192000" cy="6858000"/>
   <p:notesSz cx="6858000" cy="9144000"/>
@@ -144,6 +159,439 @@
     </p:ext>
   </p:extLst>
 </p:presentation>
+</file>
+
+<file path=ppt/notesMasters/notesMaster1.xml><?xml version="1.0" encoding="utf-8"?>
+<p:notesMaster xmlns:a="http://schemas.openxmlformats.org/drawingml/2006/main" xmlns:r="http://schemas.openxmlformats.org/officeDocument/2006/relationships" xmlns:p="http://schemas.openxmlformats.org/presentationml/2006/main">
+  <p:cSld>
+    <p:bg>
+      <p:bgRef idx="1001">
+        <a:schemeClr val="bg1"/>
+      </p:bgRef>
+    </p:bg>
+    <p:spTree>
+      <p:nvGrpSpPr>
+        <p:cNvPr id="1" name=""/>
+        <p:cNvGrpSpPr/>
+        <p:nvPr/>
+      </p:nvGrpSpPr>
+      <p:grpSpPr>
+        <a:xfrm>
+          <a:off x="0" y="0"/>
+          <a:ext cx="0" cy="0"/>
+          <a:chOff x="0" y="0"/>
+          <a:chExt cx="0" cy="0"/>
+        </a:xfrm>
+      </p:grpSpPr>
+      <p:sp>
+        <p:nvSpPr>
+          <p:cNvPr id="2" name="Header Placeholder 1"/>
+          <p:cNvSpPr>
+            <a:spLocks noGrp="1"/>
+          </p:cNvSpPr>
+          <p:nvPr>
+            <p:ph type="hdr" sz="quarter"/>
+          </p:nvPr>
+        </p:nvSpPr>
+        <p:spPr>
+          <a:xfrm>
+            <a:off x="0" y="0"/>
+            <a:ext cx="2971800" cy="458788"/>
+          </a:xfrm>
+          <a:prstGeom prst="rect">
+            <a:avLst/>
+          </a:prstGeom>
+        </p:spPr>
+        <p:txBody>
+          <a:bodyPr vert="horz" lIns="91440" tIns="45720" rIns="91440" bIns="45720" rtlCol="0"/>
+          <a:lstStyle>
+            <a:lvl1pPr algn="l">
+              <a:defRPr sz="1200"/>
+            </a:lvl1pPr>
+          </a:lstStyle>
+          <a:p>
+            <a:endParaRPr lang="en-US"/>
+          </a:p>
+        </p:txBody>
+      </p:sp>
+      <p:sp>
+        <p:nvSpPr>
+          <p:cNvPr id="3" name="Date Placeholder 2"/>
+          <p:cNvSpPr>
+            <a:spLocks noGrp="1"/>
+          </p:cNvSpPr>
+          <p:nvPr>
+            <p:ph type="dt" idx="1"/>
+          </p:nvPr>
+        </p:nvSpPr>
+        <p:spPr>
+          <a:xfrm>
+            <a:off x="3884613" y="0"/>
+            <a:ext cx="2971800" cy="458788"/>
+          </a:xfrm>
+          <a:prstGeom prst="rect">
+            <a:avLst/>
+          </a:prstGeom>
+        </p:spPr>
+        <p:txBody>
+          <a:bodyPr vert="horz" lIns="91440" tIns="45720" rIns="91440" bIns="45720" rtlCol="0"/>
+          <a:lstStyle>
+            <a:lvl1pPr algn="r">
+              <a:defRPr sz="1200"/>
+            </a:lvl1pPr>
+          </a:lstStyle>
+          <a:p>
+            <a:fld id="{EECBF3D3-3F3C-4185-B7B9-1B22B8E19755}" type="datetimeFigureOut">
+              <a:rPr lang="en-US" smtClean="0"/>
+              <a:t>8/24/2019</a:t>
+            </a:fld>
+            <a:endParaRPr lang="en-US"/>
+          </a:p>
+        </p:txBody>
+      </p:sp>
+      <p:sp>
+        <p:nvSpPr>
+          <p:cNvPr id="4" name="Slide Image Placeholder 3"/>
+          <p:cNvSpPr>
+            <a:spLocks noGrp="1" noRot="1" noChangeAspect="1"/>
+          </p:cNvSpPr>
+          <p:nvPr>
+            <p:ph type="sldImg" idx="2"/>
+          </p:nvPr>
+        </p:nvSpPr>
+        <p:spPr>
+          <a:xfrm>
+            <a:off x="685800" y="1143000"/>
+            <a:ext cx="5486400" cy="3086100"/>
+          </a:xfrm>
+          <a:prstGeom prst="rect">
+            <a:avLst/>
+          </a:prstGeom>
+          <a:noFill/>
+          <a:ln w="12700">
+            <a:solidFill>
+              <a:prstClr val="black"/>
+            </a:solidFill>
+          </a:ln>
+        </p:spPr>
+        <p:txBody>
+          <a:bodyPr vert="horz" lIns="91440" tIns="45720" rIns="91440" bIns="45720" rtlCol="0" anchor="ctr"/>
+          <a:lstStyle/>
+          <a:p>
+            <a:endParaRPr lang="en-US"/>
+          </a:p>
+        </p:txBody>
+      </p:sp>
+      <p:sp>
+        <p:nvSpPr>
+          <p:cNvPr id="5" name="Notes Placeholder 4"/>
+          <p:cNvSpPr>
+            <a:spLocks noGrp="1"/>
+          </p:cNvSpPr>
+          <p:nvPr>
+            <p:ph type="body" sz="quarter" idx="3"/>
+          </p:nvPr>
+        </p:nvSpPr>
+        <p:spPr>
+          <a:xfrm>
+            <a:off x="685800" y="4400550"/>
+            <a:ext cx="5486400" cy="3600450"/>
+          </a:xfrm>
+          <a:prstGeom prst="rect">
+            <a:avLst/>
+          </a:prstGeom>
+        </p:spPr>
+        <p:txBody>
+          <a:bodyPr vert="horz" lIns="91440" tIns="45720" rIns="91440" bIns="45720" rtlCol="0"/>
+          <a:lstStyle/>
+          <a:p>
+            <a:pPr lvl="0"/>
+            <a:r>
+              <a:rPr lang="en-US"/>
+              <a:t>Click to edit Master text styles</a:t>
+            </a:r>
+          </a:p>
+          <a:p>
+            <a:pPr lvl="1"/>
+            <a:r>
+              <a:rPr lang="en-US"/>
+              <a:t>Second level</a:t>
+            </a:r>
+          </a:p>
+          <a:p>
+            <a:pPr lvl="2"/>
+            <a:r>
+              <a:rPr lang="en-US"/>
+              <a:t>Third level</a:t>
+            </a:r>
+          </a:p>
+          <a:p>
+            <a:pPr lvl="3"/>
+            <a:r>
+              <a:rPr lang="en-US"/>
+              <a:t>Fourth level</a:t>
+            </a:r>
+          </a:p>
+          <a:p>
+            <a:pPr lvl="4"/>
+            <a:r>
+              <a:rPr lang="en-US"/>
+              <a:t>Fifth level</a:t>
+            </a:r>
+          </a:p>
+        </p:txBody>
+      </p:sp>
+      <p:sp>
+        <p:nvSpPr>
+          <p:cNvPr id="6" name="Footer Placeholder 5"/>
+          <p:cNvSpPr>
+            <a:spLocks noGrp="1"/>
+          </p:cNvSpPr>
+          <p:nvPr>
+            <p:ph type="ftr" sz="quarter" idx="4"/>
+          </p:nvPr>
+        </p:nvSpPr>
+        <p:spPr>
+          <a:xfrm>
+            <a:off x="0" y="8685213"/>
+            <a:ext cx="2971800" cy="458787"/>
+          </a:xfrm>
+          <a:prstGeom prst="rect">
+            <a:avLst/>
+          </a:prstGeom>
+        </p:spPr>
+        <p:txBody>
+          <a:bodyPr vert="horz" lIns="91440" tIns="45720" rIns="91440" bIns="45720" rtlCol="0" anchor="b"/>
+          <a:lstStyle>
+            <a:lvl1pPr algn="l">
+              <a:defRPr sz="1200"/>
+            </a:lvl1pPr>
+          </a:lstStyle>
+          <a:p>
+            <a:endParaRPr lang="en-US"/>
+          </a:p>
+        </p:txBody>
+      </p:sp>
+      <p:sp>
+        <p:nvSpPr>
+          <p:cNvPr id="7" name="Slide Number Placeholder 6"/>
+          <p:cNvSpPr>
+            <a:spLocks noGrp="1"/>
+          </p:cNvSpPr>
+          <p:nvPr>
+            <p:ph type="sldNum" sz="quarter" idx="5"/>
+          </p:nvPr>
+        </p:nvSpPr>
+        <p:spPr>
+          <a:xfrm>
+            <a:off x="3884613" y="8685213"/>
+            <a:ext cx="2971800" cy="458787"/>
+          </a:xfrm>
+          <a:prstGeom prst="rect">
+            <a:avLst/>
+          </a:prstGeom>
+        </p:spPr>
+        <p:txBody>
+          <a:bodyPr vert="horz" lIns="91440" tIns="45720" rIns="91440" bIns="45720" rtlCol="0" anchor="b"/>
+          <a:lstStyle>
+            <a:lvl1pPr algn="r">
+              <a:defRPr sz="1200"/>
+            </a:lvl1pPr>
+          </a:lstStyle>
+          <a:p>
+            <a:fld id="{6E084796-162D-476E-82D2-4B26235D4C2C}" type="slidenum">
+              <a:rPr lang="en-US" smtClean="0"/>
+              <a:t>‹#›</a:t>
+            </a:fld>
+            <a:endParaRPr lang="en-US"/>
+          </a:p>
+        </p:txBody>
+      </p:sp>
+    </p:spTree>
+    <p:extLst>
+      <p:ext uri="{BB962C8B-B14F-4D97-AF65-F5344CB8AC3E}">
+        <p14:creationId xmlns:p14="http://schemas.microsoft.com/office/powerpoint/2010/main" val="3456255516"/>
+      </p:ext>
+    </p:extLst>
+  </p:cSld>
+  <p:clrMap bg1="lt1" tx1="dk1" bg2="lt2" tx2="dk2" accent1="accent1" accent2="accent2" accent3="accent3" accent4="accent4" accent5="accent5" accent6="accent6" hlink="hlink" folHlink="folHlink"/>
+  <p:notesStyle>
+    <a:lvl1pPr marL="0" algn="l" defTabSz="914400" rtl="0" eaLnBrk="1" latinLnBrk="0" hangingPunct="1">
+      <a:defRPr sz="1200" kern="1200">
+        <a:solidFill>
+          <a:schemeClr val="tx1"/>
+        </a:solidFill>
+        <a:latin typeface="+mn-lt"/>
+        <a:ea typeface="+mn-ea"/>
+        <a:cs typeface="+mn-cs"/>
+      </a:defRPr>
+    </a:lvl1pPr>
+    <a:lvl2pPr marL="457200" algn="l" defTabSz="914400" rtl="0" eaLnBrk="1" latinLnBrk="0" hangingPunct="1">
+      <a:defRPr sz="1200" kern="1200">
+        <a:solidFill>
+          <a:schemeClr val="tx1"/>
+        </a:solidFill>
+        <a:latin typeface="+mn-lt"/>
+        <a:ea typeface="+mn-ea"/>
+        <a:cs typeface="+mn-cs"/>
+      </a:defRPr>
+    </a:lvl2pPr>
+    <a:lvl3pPr marL="914400" algn="l" defTabSz="914400" rtl="0" eaLnBrk="1" latinLnBrk="0" hangingPunct="1">
+      <a:defRPr sz="1200" kern="1200">
+        <a:solidFill>
+          <a:schemeClr val="tx1"/>
+        </a:solidFill>
+        <a:latin typeface="+mn-lt"/>
+        <a:ea typeface="+mn-ea"/>
+        <a:cs typeface="+mn-cs"/>
+      </a:defRPr>
+    </a:lvl3pPr>
+    <a:lvl4pPr marL="1371600" algn="l" defTabSz="914400" rtl="0" eaLnBrk="1" latinLnBrk="0" hangingPunct="1">
+      <a:defRPr sz="1200" kern="1200">
+        <a:solidFill>
+          <a:schemeClr val="tx1"/>
+        </a:solidFill>
+        <a:latin typeface="+mn-lt"/>
+        <a:ea typeface="+mn-ea"/>
+        <a:cs typeface="+mn-cs"/>
+      </a:defRPr>
+    </a:lvl4pPr>
+    <a:lvl5pPr marL="1828800" algn="l" defTabSz="914400" rtl="0" eaLnBrk="1" latinLnBrk="0" hangingPunct="1">
+      <a:defRPr sz="1200" kern="1200">
+        <a:solidFill>
+          <a:schemeClr val="tx1"/>
+        </a:solidFill>
+        <a:latin typeface="+mn-lt"/>
+        <a:ea typeface="+mn-ea"/>
+        <a:cs typeface="+mn-cs"/>
+      </a:defRPr>
+    </a:lvl5pPr>
+    <a:lvl6pPr marL="2286000" algn="l" defTabSz="914400" rtl="0" eaLnBrk="1" latinLnBrk="0" hangingPunct="1">
+      <a:defRPr sz="1200" kern="1200">
+        <a:solidFill>
+          <a:schemeClr val="tx1"/>
+        </a:solidFill>
+        <a:latin typeface="+mn-lt"/>
+        <a:ea typeface="+mn-ea"/>
+        <a:cs typeface="+mn-cs"/>
+      </a:defRPr>
+    </a:lvl6pPr>
+    <a:lvl7pPr marL="2743200" algn="l" defTabSz="914400" rtl="0" eaLnBrk="1" latinLnBrk="0" hangingPunct="1">
+      <a:defRPr sz="1200" kern="1200">
+        <a:solidFill>
+          <a:schemeClr val="tx1"/>
+        </a:solidFill>
+        <a:latin typeface="+mn-lt"/>
+        <a:ea typeface="+mn-ea"/>
+        <a:cs typeface="+mn-cs"/>
+      </a:defRPr>
+    </a:lvl7pPr>
+    <a:lvl8pPr marL="3200400" algn="l" defTabSz="914400" rtl="0" eaLnBrk="1" latinLnBrk="0" hangingPunct="1">
+      <a:defRPr sz="1200" kern="1200">
+        <a:solidFill>
+          <a:schemeClr val="tx1"/>
+        </a:solidFill>
+        <a:latin typeface="+mn-lt"/>
+        <a:ea typeface="+mn-ea"/>
+        <a:cs typeface="+mn-cs"/>
+      </a:defRPr>
+    </a:lvl8pPr>
+    <a:lvl9pPr marL="3657600" algn="l" defTabSz="914400" rtl="0" eaLnBrk="1" latinLnBrk="0" hangingPunct="1">
+      <a:defRPr sz="1200" kern="1200">
+        <a:solidFill>
+          <a:schemeClr val="tx1"/>
+        </a:solidFill>
+        <a:latin typeface="+mn-lt"/>
+        <a:ea typeface="+mn-ea"/>
+        <a:cs typeface="+mn-cs"/>
+      </a:defRPr>
+    </a:lvl9pPr>
+  </p:notesStyle>
+</p:notesMaster>
+</file>
+
+<file path=ppt/notesSlides/notesSlide1.xml><?xml version="1.0" encoding="utf-8"?>
+<p:notes xmlns:a="http://schemas.openxmlformats.org/drawingml/2006/main" xmlns:r="http://schemas.openxmlformats.org/officeDocument/2006/relationships" xmlns:p="http://schemas.openxmlformats.org/presentationml/2006/main">
+  <p:cSld>
+    <p:spTree>
+      <p:nvGrpSpPr>
+        <p:cNvPr id="1" name=""/>
+        <p:cNvGrpSpPr/>
+        <p:nvPr/>
+      </p:nvGrpSpPr>
+      <p:grpSpPr>
+        <a:xfrm>
+          <a:off x="0" y="0"/>
+          <a:ext cx="0" cy="0"/>
+          <a:chOff x="0" y="0"/>
+          <a:chExt cx="0" cy="0"/>
+        </a:xfrm>
+      </p:grpSpPr>
+      <p:sp>
+        <p:nvSpPr>
+          <p:cNvPr id="2" name="Slide Image Placeholder 1"/>
+          <p:cNvSpPr>
+            <a:spLocks noGrp="1" noRot="1" noChangeAspect="1"/>
+          </p:cNvSpPr>
+          <p:nvPr>
+            <p:ph type="sldImg"/>
+          </p:nvPr>
+        </p:nvSpPr>
+        <p:spPr/>
+      </p:sp>
+      <p:sp>
+        <p:nvSpPr>
+          <p:cNvPr id="3" name="Notes Placeholder 2"/>
+          <p:cNvSpPr>
+            <a:spLocks noGrp="1"/>
+          </p:cNvSpPr>
+          <p:nvPr>
+            <p:ph type="body" idx="1"/>
+          </p:nvPr>
+        </p:nvSpPr>
+        <p:spPr/>
+        <p:txBody>
+          <a:bodyPr/>
+          <a:lstStyle/>
+          <a:p>
+            <a:endParaRPr lang="en-US" dirty="0"/>
+          </a:p>
+        </p:txBody>
+      </p:sp>
+      <p:sp>
+        <p:nvSpPr>
+          <p:cNvPr id="4" name="Slide Number Placeholder 3"/>
+          <p:cNvSpPr>
+            <a:spLocks noGrp="1"/>
+          </p:cNvSpPr>
+          <p:nvPr>
+            <p:ph type="sldNum" sz="quarter" idx="5"/>
+          </p:nvPr>
+        </p:nvSpPr>
+        <p:spPr/>
+        <p:txBody>
+          <a:bodyPr/>
+          <a:lstStyle/>
+          <a:p>
+            <a:fld id="{6E084796-162D-476E-82D2-4B26235D4C2C}" type="slidenum">
+              <a:rPr lang="en-US" smtClean="0"/>
+              <a:t>42</a:t>
+            </a:fld>
+            <a:endParaRPr lang="en-US"/>
+          </a:p>
+        </p:txBody>
+      </p:sp>
+    </p:spTree>
+    <p:extLst>
+      <p:ext uri="{BB962C8B-B14F-4D97-AF65-F5344CB8AC3E}">
+        <p14:creationId xmlns:p14="http://schemas.microsoft.com/office/powerpoint/2010/main" val="4074396798"/>
+      </p:ext>
+    </p:extLst>
+  </p:cSld>
+  <p:clrMapOvr>
+    <a:masterClrMapping/>
+  </p:clrMapOvr>
+</p:notes>
 </file>
 
 <file path=ppt/slideLayouts/slideLayout1.xml><?xml version="1.0" encoding="utf-8"?>
@@ -654,7 +1102,7 @@
           <a:p>
             <a:fld id="{C4112ACB-F900-457F-BFCF-7AFE3E0F446C}" type="datetimeFigureOut">
               <a:rPr lang="en-US" smtClean="0"/>
-              <a:t>8/23/2019</a:t>
+              <a:t>8/24/2019</a:t>
             </a:fld>
             <a:endParaRPr lang="en-US"/>
           </a:p>
@@ -1636,7 +2084,7 @@
           <a:p>
             <a:fld id="{C4112ACB-F900-457F-BFCF-7AFE3E0F446C}" type="datetimeFigureOut">
               <a:rPr lang="en-US" smtClean="0"/>
-              <a:t>8/23/2019</a:t>
+              <a:t>8/24/2019</a:t>
             </a:fld>
             <a:endParaRPr lang="en-US"/>
           </a:p>
@@ -2506,7 +2954,7 @@
           <a:p>
             <a:fld id="{C4112ACB-F900-457F-BFCF-7AFE3E0F446C}" type="datetimeFigureOut">
               <a:rPr lang="en-US" smtClean="0"/>
-              <a:t>8/23/2019</a:t>
+              <a:t>8/24/2019</a:t>
             </a:fld>
             <a:endParaRPr lang="en-US"/>
           </a:p>
@@ -3527,7 +3975,7 @@
           <a:p>
             <a:fld id="{C4112ACB-F900-457F-BFCF-7AFE3E0F446C}" type="datetimeFigureOut">
               <a:rPr lang="en-US" smtClean="0"/>
-              <a:t>8/23/2019</a:t>
+              <a:t>8/24/2019</a:t>
             </a:fld>
             <a:endParaRPr lang="en-US"/>
           </a:p>
@@ -4447,7 +4895,7 @@
           <a:p>
             <a:fld id="{C4112ACB-F900-457F-BFCF-7AFE3E0F446C}" type="datetimeFigureOut">
               <a:rPr lang="en-US" smtClean="0"/>
-              <a:t>8/23/2019</a:t>
+              <a:t>8/24/2019</a:t>
             </a:fld>
             <a:endParaRPr lang="en-US"/>
           </a:p>
@@ -5103,7 +5551,7 @@
           <a:p>
             <a:fld id="{C4112ACB-F900-457F-BFCF-7AFE3E0F446C}" type="datetimeFigureOut">
               <a:rPr lang="en-US" smtClean="0"/>
-              <a:t>8/23/2019</a:t>
+              <a:t>8/24/2019</a:t>
             </a:fld>
             <a:endParaRPr lang="en-US"/>
           </a:p>
@@ -5960,7 +6408,7 @@
           <a:p>
             <a:fld id="{C4112ACB-F900-457F-BFCF-7AFE3E0F446C}" type="datetimeFigureOut">
               <a:rPr lang="en-US" smtClean="0"/>
-              <a:t>8/23/2019</a:t>
+              <a:t>8/24/2019</a:t>
             </a:fld>
             <a:endParaRPr lang="en-US"/>
           </a:p>
@@ -6143,7 +6591,7 @@
           <a:p>
             <a:fld id="{C4112ACB-F900-457F-BFCF-7AFE3E0F446C}" type="datetimeFigureOut">
               <a:rPr lang="en-US" smtClean="0"/>
-              <a:t>8/23/2019</a:t>
+              <a:t>8/24/2019</a:t>
             </a:fld>
             <a:endParaRPr lang="en-US"/>
           </a:p>
@@ -7000,7 +7448,7 @@
           <a:p>
             <a:fld id="{C4112ACB-F900-457F-BFCF-7AFE3E0F446C}" type="datetimeFigureOut">
               <a:rPr lang="en-US" smtClean="0"/>
-              <a:t>8/23/2019</a:t>
+              <a:t>8/24/2019</a:t>
             </a:fld>
             <a:endParaRPr lang="en-US"/>
           </a:p>
@@ -7219,7 +7667,7 @@
           <a:p>
             <a:fld id="{C4112ACB-F900-457F-BFCF-7AFE3E0F446C}" type="datetimeFigureOut">
               <a:rPr lang="en-US" smtClean="0"/>
-              <a:t>8/23/2019</a:t>
+              <a:t>8/24/2019</a:t>
             </a:fld>
             <a:endParaRPr lang="en-US"/>
           </a:p>
@@ -8144,7 +8592,7 @@
           <a:p>
             <a:fld id="{C4112ACB-F900-457F-BFCF-7AFE3E0F446C}" type="datetimeFigureOut">
               <a:rPr lang="en-US" smtClean="0"/>
-              <a:t>8/23/2019</a:t>
+              <a:t>8/24/2019</a:t>
             </a:fld>
             <a:endParaRPr lang="en-US"/>
           </a:p>
@@ -8428,7 +8876,7 @@
           <a:p>
             <a:fld id="{C4112ACB-F900-457F-BFCF-7AFE3E0F446C}" type="datetimeFigureOut">
               <a:rPr lang="en-US" smtClean="0"/>
-              <a:t>8/23/2019</a:t>
+              <a:t>8/24/2019</a:t>
             </a:fld>
             <a:endParaRPr lang="en-US"/>
           </a:p>
@@ -8818,7 +9266,7 @@
           <a:p>
             <a:fld id="{C4112ACB-F900-457F-BFCF-7AFE3E0F446C}" type="datetimeFigureOut">
               <a:rPr lang="en-US" smtClean="0"/>
-              <a:t>8/23/2019</a:t>
+              <a:t>8/24/2019</a:t>
             </a:fld>
             <a:endParaRPr lang="en-US"/>
           </a:p>
@@ -8944,7 +9392,7 @@
           <a:p>
             <a:fld id="{C4112ACB-F900-457F-BFCF-7AFE3E0F446C}" type="datetimeFigureOut">
               <a:rPr lang="en-US" smtClean="0"/>
-              <a:t>8/23/2019</a:t>
+              <a:t>8/24/2019</a:t>
             </a:fld>
             <a:endParaRPr lang="en-US"/>
           </a:p>
@@ -9039,7 +9487,7 @@
           <a:p>
             <a:fld id="{C4112ACB-F900-457F-BFCF-7AFE3E0F446C}" type="datetimeFigureOut">
               <a:rPr lang="en-US" smtClean="0"/>
-              <a:t>8/23/2019</a:t>
+              <a:t>8/24/2019</a:t>
             </a:fld>
             <a:endParaRPr lang="en-US"/>
           </a:p>
@@ -10010,7 +10458,7 @@
           <a:p>
             <a:fld id="{C4112ACB-F900-457F-BFCF-7AFE3E0F446C}" type="datetimeFigureOut">
               <a:rPr lang="en-US" smtClean="0"/>
-              <a:t>8/23/2019</a:t>
+              <a:t>8/24/2019</a:t>
             </a:fld>
             <a:endParaRPr lang="en-US"/>
           </a:p>
@@ -11005,7 +11453,7 @@
           <a:p>
             <a:fld id="{C4112ACB-F900-457F-BFCF-7AFE3E0F446C}" type="datetimeFigureOut">
               <a:rPr lang="en-US" smtClean="0"/>
-              <a:t>8/23/2019</a:t>
+              <a:t>8/24/2019</a:t>
             </a:fld>
             <a:endParaRPr lang="en-US"/>
           </a:p>
@@ -11889,7 +12337,7 @@
           <a:p>
             <a:fld id="{C4112ACB-F900-457F-BFCF-7AFE3E0F446C}" type="datetimeFigureOut">
               <a:rPr lang="en-US" smtClean="0"/>
-              <a:t>8/23/2019</a:t>
+              <a:t>8/24/2019</a:t>
             </a:fld>
             <a:endParaRPr lang="en-US"/>
           </a:p>
@@ -12592,6 +13040,211 @@
       </p:grpSpPr>
       <p:sp>
         <p:nvSpPr>
+          <p:cNvPr id="7" name="כותרת 1">
+            <a:extLst>
+              <a:ext uri="{FF2B5EF4-FFF2-40B4-BE49-F238E27FC236}">
+                <a16:creationId xmlns:a16="http://schemas.microsoft.com/office/drawing/2014/main" id="{9B962287-43E8-4133-B301-D86D75522C45}"/>
+              </a:ext>
+            </a:extLst>
+          </p:cNvPr>
+          <p:cNvSpPr>
+            <a:spLocks noGrp="1"/>
+          </p:cNvSpPr>
+          <p:nvPr>
+            <p:ph type="title"/>
+          </p:nvPr>
+        </p:nvSpPr>
+        <p:spPr>
+          <a:xfrm>
+            <a:off x="1154954" y="973669"/>
+            <a:ext cx="8825659" cy="706964"/>
+          </a:xfrm>
+        </p:spPr>
+        <p:txBody>
+          <a:bodyPr/>
+          <a:lstStyle/>
+          <a:p>
+            <a:pPr algn="ctr"/>
+            <a:r>
+              <a:rPr lang="he-IL" sz="4800" dirty="0"/>
+              <a:t>מסך אזור אישי</a:t>
+            </a:r>
+            <a:endParaRPr lang="en-US" sz="4800" dirty="0"/>
+          </a:p>
+        </p:txBody>
+      </p:sp>
+      <p:pic>
+        <p:nvPicPr>
+          <p:cNvPr id="8" name="תמונה 7">
+            <a:extLst>
+              <a:ext uri="{FF2B5EF4-FFF2-40B4-BE49-F238E27FC236}">
+                <a16:creationId xmlns:a16="http://schemas.microsoft.com/office/drawing/2014/main" id="{37758A73-53D1-47FA-91F4-024F372F10C7}"/>
+              </a:ext>
+            </a:extLst>
+          </p:cNvPr>
+          <p:cNvPicPr>
+            <a:picLocks noChangeAspect="1"/>
+          </p:cNvPicPr>
+          <p:nvPr/>
+        </p:nvPicPr>
+        <p:blipFill>
+          <a:blip r:embed="rId2"/>
+          <a:stretch>
+            <a:fillRect/>
+          </a:stretch>
+        </p:blipFill>
+        <p:spPr>
+          <a:xfrm>
+            <a:off x="271040" y="3091993"/>
+            <a:ext cx="6281229" cy="3549190"/>
+          </a:xfrm>
+          <a:prstGeom prst="rect">
+            <a:avLst/>
+          </a:prstGeom>
+        </p:spPr>
+      </p:pic>
+      <p:sp>
+        <p:nvSpPr>
+          <p:cNvPr id="9" name="TextBox 26">
+            <a:extLst>
+              <a:ext uri="{FF2B5EF4-FFF2-40B4-BE49-F238E27FC236}">
+                <a16:creationId xmlns:a16="http://schemas.microsoft.com/office/drawing/2014/main" id="{8A7C8333-F565-4281-8F01-EA3E703B3E02}"/>
+              </a:ext>
+            </a:extLst>
+          </p:cNvPr>
+          <p:cNvSpPr txBox="1"/>
+          <p:nvPr/>
+        </p:nvSpPr>
+        <p:spPr>
+          <a:xfrm>
+            <a:off x="6552269" y="1948878"/>
+            <a:ext cx="5193437" cy="3739998"/>
+          </a:xfrm>
+          <a:prstGeom prst="rect">
+            <a:avLst/>
+          </a:prstGeom>
+          <a:noFill/>
+        </p:spPr>
+        <p:txBody>
+          <a:bodyPr wrap="square" rtlCol="0">
+            <a:spAutoFit/>
+          </a:bodyPr>
+          <a:lstStyle/>
+          <a:p>
+            <a:pPr lvl="1" algn="r" rtl="1">
+              <a:lnSpc>
+                <a:spcPct val="150000"/>
+              </a:lnSpc>
+            </a:pPr>
+            <a:endParaRPr lang="he-IL" sz="1600" dirty="0"/>
+          </a:p>
+          <a:p>
+            <a:pPr marL="285750" indent="-285750" algn="r" rtl="1">
+              <a:lnSpc>
+                <a:spcPct val="150000"/>
+              </a:lnSpc>
+              <a:buFont typeface="Arial" panose="020B0604020202020204" pitchFamily="34" charset="0"/>
+              <a:buChar char="•"/>
+            </a:pPr>
+            <a:r>
+              <a:rPr lang="he-IL" sz="1600" b="1" u="sng" dirty="0"/>
+              <a:t>משבצת "פגישות ממתינות לאישור":</a:t>
+            </a:r>
+          </a:p>
+          <a:p>
+            <a:pPr marL="742950" lvl="1" indent="-285750" algn="r" rtl="1">
+              <a:lnSpc>
+                <a:spcPct val="150000"/>
+              </a:lnSpc>
+              <a:buFont typeface="Arial" panose="020B0604020202020204" pitchFamily="34" charset="0"/>
+              <a:buChar char="•"/>
+            </a:pPr>
+            <a:r>
+              <a:rPr lang="he-IL" sz="1600" dirty="0"/>
+              <a:t>כפתורים – כפתור ביטול ואישור מצד ימין לטקסט לעומת כתפור צפייה שמצד שמאל – אין אחידות - </a:t>
+            </a:r>
+            <a:r>
+              <a:rPr lang="he-IL" sz="1600" b="1" dirty="0"/>
+              <a:t>עקיבות וסטנדרטים.</a:t>
+            </a:r>
+          </a:p>
+          <a:p>
+            <a:pPr marL="742950" lvl="1" indent="-285750" algn="r" rtl="1">
+              <a:lnSpc>
+                <a:spcPct val="150000"/>
+              </a:lnSpc>
+              <a:buFont typeface="Arial" panose="020B0604020202020204" pitchFamily="34" charset="0"/>
+              <a:buChar char="•"/>
+            </a:pPr>
+            <a:r>
+              <a:rPr lang="he-IL" sz="1600" dirty="0"/>
+              <a:t>אין אחידות בין הכפתורים וזה לא נראה טוב - </a:t>
+            </a:r>
+            <a:r>
+              <a:rPr lang="he-IL" sz="1600" b="1" dirty="0"/>
+              <a:t>עקיבות וסטנדרטים.</a:t>
+            </a:r>
+            <a:endParaRPr lang="he-IL" sz="1600" dirty="0"/>
+          </a:p>
+          <a:p>
+            <a:pPr marL="742950" lvl="1" indent="-285750" algn="r" rtl="1">
+              <a:lnSpc>
+                <a:spcPct val="150000"/>
+              </a:lnSpc>
+              <a:buFont typeface="Arial" panose="020B0604020202020204" pitchFamily="34" charset="0"/>
+              <a:buChar char="•"/>
+            </a:pPr>
+            <a:r>
+              <a:rPr lang="he-IL" sz="1600" dirty="0"/>
+              <a:t>מרווח בין השורות גדול מידי, מוביל לניצול לא יעיל של המסך - </a:t>
+            </a:r>
+            <a:r>
+              <a:rPr lang="he-IL" sz="1600" b="1" dirty="0"/>
+              <a:t>אסתטיקה ועיצוב מינימליסטי.</a:t>
+            </a:r>
+          </a:p>
+          <a:p>
+            <a:pPr lvl="1" algn="r" rtl="1">
+              <a:lnSpc>
+                <a:spcPct val="150000"/>
+              </a:lnSpc>
+            </a:pPr>
+            <a:endParaRPr lang="he-IL" sz="1600" dirty="0"/>
+          </a:p>
+        </p:txBody>
+      </p:sp>
+    </p:spTree>
+    <p:extLst>
+      <p:ext uri="{BB962C8B-B14F-4D97-AF65-F5344CB8AC3E}">
+        <p14:creationId xmlns:p14="http://schemas.microsoft.com/office/powerpoint/2010/main" val="1209778919"/>
+      </p:ext>
+    </p:extLst>
+  </p:cSld>
+  <p:clrMapOvr>
+    <a:masterClrMapping/>
+  </p:clrMapOvr>
+</p:sld>
+</file>
+
+<file path=ppt/slides/slide11.xml><?xml version="1.0" encoding="utf-8"?>
+<p:sld xmlns:a="http://schemas.openxmlformats.org/drawingml/2006/main" xmlns:r="http://schemas.openxmlformats.org/officeDocument/2006/relationships" xmlns:p="http://schemas.openxmlformats.org/presentationml/2006/main">
+  <p:cSld>
+    <p:spTree>
+      <p:nvGrpSpPr>
+        <p:cNvPr id="1" name=""/>
+        <p:cNvGrpSpPr/>
+        <p:nvPr/>
+      </p:nvGrpSpPr>
+      <p:grpSpPr>
+        <a:xfrm>
+          <a:off x="0" y="0"/>
+          <a:ext cx="0" cy="0"/>
+          <a:chOff x="0" y="0"/>
+          <a:chExt cx="0" cy="0"/>
+        </a:xfrm>
+      </p:grpSpPr>
+      <p:sp>
+        <p:nvSpPr>
           <p:cNvPr id="4" name="כותרת 1">
             <a:extLst>
               <a:ext uri="{FF2B5EF4-FFF2-40B4-BE49-F238E27FC236}">
@@ -12819,7 +13472,7 @@
 </p:sld>
 </file>
 
-<file path=ppt/slides/slide11.xml><?xml version="1.0" encoding="utf-8"?>
+<file path=ppt/slides/slide12.xml><?xml version="1.0" encoding="utf-8"?>
 <p:sld xmlns:a="http://schemas.openxmlformats.org/drawingml/2006/main" xmlns:r="http://schemas.openxmlformats.org/officeDocument/2006/relationships" xmlns:p="http://schemas.openxmlformats.org/presentationml/2006/main">
   <p:cSld>
     <p:spTree>
@@ -12884,7 +13537,7 @@
 </p:sld>
 </file>
 
-<file path=ppt/slides/slide12.xml><?xml version="1.0" encoding="utf-8"?>
+<file path=ppt/slides/slide13.xml><?xml version="1.0" encoding="utf-8"?>
 <p:sld xmlns:a="http://schemas.openxmlformats.org/drawingml/2006/main" xmlns:r="http://schemas.openxmlformats.org/officeDocument/2006/relationships" xmlns:p="http://schemas.openxmlformats.org/presentationml/2006/main">
   <p:cSld>
     <p:spTree>
@@ -13139,7 +13792,7 @@
 </p:sld>
 </file>
 
-<file path=ppt/slides/slide13.xml><?xml version="1.0" encoding="utf-8"?>
+<file path=ppt/slides/slide14.xml><?xml version="1.0" encoding="utf-8"?>
 <p:sld xmlns:a="http://schemas.openxmlformats.org/drawingml/2006/main" xmlns:r="http://schemas.openxmlformats.org/officeDocument/2006/relationships" xmlns:p="http://schemas.openxmlformats.org/presentationml/2006/main">
   <p:cSld>
     <p:spTree>
@@ -13280,7 +13933,7 @@
 </p:sld>
 </file>
 
-<file path=ppt/slides/slide14.xml><?xml version="1.0" encoding="utf-8"?>
+<file path=ppt/slides/slide15.xml><?xml version="1.0" encoding="utf-8"?>
 <p:sld xmlns:a="http://schemas.openxmlformats.org/drawingml/2006/main" xmlns:r="http://schemas.openxmlformats.org/officeDocument/2006/relationships" xmlns:p="http://schemas.openxmlformats.org/presentationml/2006/main">
   <p:cSld>
     <p:spTree>
@@ -13443,7 +14096,7 @@
 </p:sld>
 </file>
 
-<file path=ppt/slides/slide15.xml><?xml version="1.0" encoding="utf-8"?>
+<file path=ppt/slides/slide16.xml><?xml version="1.0" encoding="utf-8"?>
 <p:sld xmlns:a="http://schemas.openxmlformats.org/drawingml/2006/main" xmlns:r="http://schemas.openxmlformats.org/officeDocument/2006/relationships" xmlns:p="http://schemas.openxmlformats.org/presentationml/2006/main">
   <p:cSld>
     <p:spTree>
@@ -13621,155 +14274,6 @@
 </p:sld>
 </file>
 
-<file path=ppt/slides/slide16.xml><?xml version="1.0" encoding="utf-8"?>
-<p:sld xmlns:a="http://schemas.openxmlformats.org/drawingml/2006/main" xmlns:r="http://schemas.openxmlformats.org/officeDocument/2006/relationships" xmlns:p="http://schemas.openxmlformats.org/presentationml/2006/main">
-  <p:cSld>
-    <p:spTree>
-      <p:nvGrpSpPr>
-        <p:cNvPr id="1" name=""/>
-        <p:cNvGrpSpPr/>
-        <p:nvPr/>
-      </p:nvGrpSpPr>
-      <p:grpSpPr>
-        <a:xfrm>
-          <a:off x="0" y="0"/>
-          <a:ext cx="0" cy="0"/>
-          <a:chOff x="0" y="0"/>
-          <a:chExt cx="0" cy="0"/>
-        </a:xfrm>
-      </p:grpSpPr>
-      <p:sp>
-        <p:nvSpPr>
-          <p:cNvPr id="2" name="כותרת 1">
-            <a:extLst>
-              <a:ext uri="{FF2B5EF4-FFF2-40B4-BE49-F238E27FC236}">
-                <a16:creationId xmlns:a16="http://schemas.microsoft.com/office/drawing/2014/main" id="{92A500EE-F6C5-4C79-92F1-D2FDEE8174A4}"/>
-              </a:ext>
-            </a:extLst>
-          </p:cNvPr>
-          <p:cNvSpPr>
-            <a:spLocks noGrp="1"/>
-          </p:cNvSpPr>
-          <p:nvPr>
-            <p:ph type="title"/>
-          </p:nvPr>
-        </p:nvSpPr>
-        <p:spPr>
-          <a:xfrm>
-            <a:off x="1154954" y="973669"/>
-            <a:ext cx="8825659" cy="706964"/>
-          </a:xfrm>
-        </p:spPr>
-        <p:txBody>
-          <a:bodyPr/>
-          <a:lstStyle/>
-          <a:p>
-            <a:pPr algn="ctr"/>
-            <a:r>
-              <a:rPr lang="he-IL"/>
-              <a:t>מסך התחברות</a:t>
-            </a:r>
-            <a:endParaRPr lang="he-IL" dirty="0"/>
-          </a:p>
-        </p:txBody>
-      </p:sp>
-      <p:sp>
-        <p:nvSpPr>
-          <p:cNvPr id="17" name="תיבת טקסט 16">
-            <a:extLst>
-              <a:ext uri="{FF2B5EF4-FFF2-40B4-BE49-F238E27FC236}">
-                <a16:creationId xmlns:a16="http://schemas.microsoft.com/office/drawing/2014/main" id="{2F642565-7D83-416E-A7D1-4FA3B48B83E1}"/>
-              </a:ext>
-            </a:extLst>
-          </p:cNvPr>
-          <p:cNvSpPr txBox="1"/>
-          <p:nvPr/>
-        </p:nvSpPr>
-        <p:spPr>
-          <a:xfrm>
-            <a:off x="7540282" y="2610683"/>
-            <a:ext cx="4487594" cy="1477328"/>
-          </a:xfrm>
-          <a:prstGeom prst="rect">
-            <a:avLst/>
-          </a:prstGeom>
-          <a:noFill/>
-        </p:spPr>
-        <p:txBody>
-          <a:bodyPr wrap="square" rtlCol="1">
-            <a:spAutoFit/>
-          </a:bodyPr>
-          <a:lstStyle/>
-          <a:p>
-            <a:pPr marL="285750" indent="-285750" algn="r" rtl="1">
-              <a:buFont typeface="Arial" panose="020B0604020202020204" pitchFamily="34" charset="0"/>
-              <a:buChar char="•"/>
-            </a:pPr>
-            <a:r>
-              <a:rPr lang="he-IL" dirty="0"/>
-              <a:t>שינינו את שדה "שם משתמש" ושדה "סיסמה" כך שיהיו מעוצבים יותר.</a:t>
-            </a:r>
-          </a:p>
-          <a:p>
-            <a:pPr marL="285750" indent="-285750" algn="r" rtl="1">
-              <a:buFont typeface="Arial" panose="020B0604020202020204" pitchFamily="34" charset="0"/>
-              <a:buChar char="•"/>
-            </a:pPr>
-            <a:r>
-              <a:rPr lang="he-IL" dirty="0"/>
-              <a:t>הוספנו סמלים מתאימים בצד כל שדה כך שיהיה ברור למשתמש מה עליו להכניס בשדה אותו הוא ממלא – </a:t>
-            </a:r>
-            <a:r>
-              <a:rPr lang="he-IL" b="1" dirty="0"/>
-              <a:t>זיהוי ולא זיכרון.</a:t>
-            </a:r>
-            <a:endParaRPr lang="he-IL" dirty="0"/>
-          </a:p>
-        </p:txBody>
-      </p:sp>
-      <p:pic>
-        <p:nvPicPr>
-          <p:cNvPr id="3" name="תמונה 2">
-            <a:extLst>
-              <a:ext uri="{FF2B5EF4-FFF2-40B4-BE49-F238E27FC236}">
-                <a16:creationId xmlns:a16="http://schemas.microsoft.com/office/drawing/2014/main" id="{1C6E892A-A569-467D-8D80-26AAEC4C107C}"/>
-              </a:ext>
-            </a:extLst>
-          </p:cNvPr>
-          <p:cNvPicPr>
-            <a:picLocks noChangeAspect="1"/>
-          </p:cNvPicPr>
-          <p:nvPr/>
-        </p:nvPicPr>
-        <p:blipFill>
-          <a:blip r:embed="rId2"/>
-          <a:stretch>
-            <a:fillRect/>
-          </a:stretch>
-        </p:blipFill>
-        <p:spPr>
-          <a:xfrm>
-            <a:off x="0" y="2610683"/>
-            <a:ext cx="7540282" cy="4247317"/>
-          </a:xfrm>
-          <a:prstGeom prst="rect">
-            <a:avLst/>
-          </a:prstGeom>
-        </p:spPr>
-      </p:pic>
-    </p:spTree>
-    <p:extLst>
-      <p:ext uri="{BB962C8B-B14F-4D97-AF65-F5344CB8AC3E}">
-        <p14:creationId xmlns:p14="http://schemas.microsoft.com/office/powerpoint/2010/main" val="3349785906"/>
-      </p:ext>
-    </p:extLst>
-  </p:cSld>
-  <p:clrMapOvr>
-    <a:masterClrMapping/>
-  </p:clrMapOvr>
-</p:sld>
-</file>
-
 <file path=ppt/slides/slide17.xml><?xml version="1.0" encoding="utf-8"?>
 <p:sld xmlns:a="http://schemas.openxmlformats.org/drawingml/2006/main" xmlns:r="http://schemas.openxmlformats.org/officeDocument/2006/relationships" xmlns:p="http://schemas.openxmlformats.org/presentationml/2006/main">
   <p:cSld>
@@ -13836,8 +14340,8 @@
         </p:nvSpPr>
         <p:spPr>
           <a:xfrm>
-            <a:off x="7982504" y="2610683"/>
-            <a:ext cx="4045371" cy="2585323"/>
+            <a:off x="7540282" y="2610683"/>
+            <a:ext cx="4487594" cy="1477328"/>
           </a:xfrm>
           <a:prstGeom prst="rect">
             <a:avLst/>
@@ -13856,11 +14360,7 @@
             </a:pPr>
             <a:r>
               <a:rPr lang="he-IL" dirty="0"/>
-              <a:t>בעת לחיצת המשתמש על אחת השדות, יהיה חיווי של השדה שיראה למשתמש כי הוא ממלא את השדה – </a:t>
-            </a:r>
-            <a:r>
-              <a:rPr lang="he-IL" b="1" dirty="0"/>
-              <a:t>חיווי מצב המערכת.</a:t>
+              <a:t>שינינו את שדה "שם משתמש" ושדה "סיסמה" כך שיהיו מעוצבים יותר.</a:t>
             </a:r>
           </a:p>
           <a:p>
@@ -13870,27 +14370,11 @@
             </a:pPr>
             <a:r>
               <a:rPr lang="he-IL" dirty="0"/>
-              <a:t>נאפשר למשתמש בעת לחיצת הכפתור "</a:t>
-            </a:r>
-            <a:r>
-              <a:rPr lang="en-US" dirty="0"/>
-              <a:t>TAB</a:t>
-            </a:r>
-            <a:r>
-              <a:rPr lang="he-IL" dirty="0"/>
-              <a:t>" לעבור לשדה הבא אוטומטית, ובעת לחיצת הכפתור "</a:t>
-            </a:r>
-            <a:r>
-              <a:rPr lang="en-US" dirty="0"/>
-              <a:t>ENTER</a:t>
-            </a:r>
-            <a:r>
-              <a:rPr lang="he-IL" dirty="0"/>
-              <a:t>" לבצע התחברות מבלי ללחוץ על כפתור ההתחברות – </a:t>
+              <a:t>הוספנו סמלים מתאימים בצד כל שדה כך שיהיה ברור למשתמש מה עליו להכניס בשדה אותו הוא ממלא – </a:t>
             </a:r>
             <a:r>
               <a:rPr lang="he-IL" b="1" dirty="0"/>
-              <a:t>גמישות ויעילות שימוש.</a:t>
+              <a:t>זיהוי ולא זיכרון.</a:t>
             </a:r>
             <a:endParaRPr lang="he-IL" dirty="0"/>
           </a:p>
@@ -13898,10 +14382,10 @@
       </p:sp>
       <p:pic>
         <p:nvPicPr>
-          <p:cNvPr id="4" name="תמונה 3">
+          <p:cNvPr id="3" name="תמונה 2">
             <a:extLst>
               <a:ext uri="{FF2B5EF4-FFF2-40B4-BE49-F238E27FC236}">
-                <a16:creationId xmlns:a16="http://schemas.microsoft.com/office/drawing/2014/main" id="{8C804448-1091-444C-BE73-7D69E8980E8C}"/>
+                <a16:creationId xmlns:a16="http://schemas.microsoft.com/office/drawing/2014/main" id="{1C6E892A-A569-467D-8D80-26AAEC4C107C}"/>
               </a:ext>
             </a:extLst>
           </p:cNvPr>
@@ -13918,8 +14402,8 @@
         </p:blipFill>
         <p:spPr>
           <a:xfrm>
-            <a:off x="0" y="2610000"/>
-            <a:ext cx="7981200" cy="4247306"/>
+            <a:off x="0" y="2610683"/>
+            <a:ext cx="7540282" cy="4247317"/>
           </a:xfrm>
           <a:prstGeom prst="rect">
             <a:avLst/>
@@ -13929,7 +14413,7 @@
     </p:spTree>
     <p:extLst>
       <p:ext uri="{BB962C8B-B14F-4D97-AF65-F5344CB8AC3E}">
-        <p14:creationId xmlns:p14="http://schemas.microsoft.com/office/powerpoint/2010/main" val="3877762486"/>
+        <p14:creationId xmlns:p14="http://schemas.microsoft.com/office/powerpoint/2010/main" val="3349785906"/>
       </p:ext>
     </p:extLst>
   </p:cSld>
@@ -14005,8 +14489,8 @@
         </p:nvSpPr>
         <p:spPr>
           <a:xfrm>
-            <a:off x="7540282" y="2739271"/>
-            <a:ext cx="4487594" cy="923330"/>
+            <a:off x="7982504" y="2610683"/>
+            <a:ext cx="4045371" cy="2585323"/>
           </a:xfrm>
           <a:prstGeom prst="rect">
             <a:avLst/>
@@ -14025,11 +14509,41 @@
             </a:pPr>
             <a:r>
               <a:rPr lang="he-IL" dirty="0"/>
-              <a:t>הוספנו כפתור למשתמש לצד שדה ה"סיסמה" המאפשר לו לראות את הסיסמה שהזין – </a:t>
+              <a:t>בעת לחיצת המשתמש על אחת השדות, יהיה חיווי של השדה שיראה למשתמש כי הוא ממלא את השדה – </a:t>
             </a:r>
             <a:r>
               <a:rPr lang="he-IL" b="1" dirty="0"/>
-              <a:t>מניעת טעויות.</a:t>
+              <a:t>חיווי מצב המערכת.</a:t>
+            </a:r>
+          </a:p>
+          <a:p>
+            <a:pPr marL="285750" indent="-285750" algn="r" rtl="1">
+              <a:buFont typeface="Arial" panose="020B0604020202020204" pitchFamily="34" charset="0"/>
+              <a:buChar char="•"/>
+            </a:pPr>
+            <a:r>
+              <a:rPr lang="he-IL" dirty="0"/>
+              <a:t>נאפשר למשתמש בעת לחיצת הכפתור "</a:t>
+            </a:r>
+            <a:r>
+              <a:rPr lang="en-US" dirty="0"/>
+              <a:t>TAB</a:t>
+            </a:r>
+            <a:r>
+              <a:rPr lang="he-IL" dirty="0"/>
+              <a:t>" לעבור לשדה הבא אוטומטית, ובעת לחיצת הכפתור "</a:t>
+            </a:r>
+            <a:r>
+              <a:rPr lang="en-US" dirty="0"/>
+              <a:t>ENTER</a:t>
+            </a:r>
+            <a:r>
+              <a:rPr lang="he-IL" dirty="0"/>
+              <a:t>" לבצע התחברות מבלי ללחוץ על כפתור ההתחברות – </a:t>
+            </a:r>
+            <a:r>
+              <a:rPr lang="he-IL" b="1" dirty="0"/>
+              <a:t>גמישות ויעילות שימוש.</a:t>
             </a:r>
             <a:endParaRPr lang="he-IL" dirty="0"/>
           </a:p>
@@ -14037,10 +14551,10 @@
       </p:sp>
       <p:pic>
         <p:nvPicPr>
-          <p:cNvPr id="3" name="תמונה 2">
+          <p:cNvPr id="4" name="תמונה 3">
             <a:extLst>
               <a:ext uri="{FF2B5EF4-FFF2-40B4-BE49-F238E27FC236}">
-                <a16:creationId xmlns:a16="http://schemas.microsoft.com/office/drawing/2014/main" id="{44DD3646-170F-4B07-8F52-2001FE2F6DA1}"/>
+                <a16:creationId xmlns:a16="http://schemas.microsoft.com/office/drawing/2014/main" id="{8C804448-1091-444C-BE73-7D69E8980E8C}"/>
               </a:ext>
             </a:extLst>
           </p:cNvPr>
@@ -14057,8 +14571,8 @@
         </p:blipFill>
         <p:spPr>
           <a:xfrm>
-            <a:off x="0" y="2661899"/>
-            <a:ext cx="7489909" cy="4196101"/>
+            <a:off x="0" y="2610000"/>
+            <a:ext cx="7981200" cy="4247306"/>
           </a:xfrm>
           <a:prstGeom prst="rect">
             <a:avLst/>
@@ -14068,7 +14582,7 @@
     </p:spTree>
     <p:extLst>
       <p:ext uri="{BB962C8B-B14F-4D97-AF65-F5344CB8AC3E}">
-        <p14:creationId xmlns:p14="http://schemas.microsoft.com/office/powerpoint/2010/main" val="1977331281"/>
+        <p14:creationId xmlns:p14="http://schemas.microsoft.com/office/powerpoint/2010/main" val="3877762486"/>
       </p:ext>
     </p:extLst>
   </p:cSld>
@@ -14176,10 +14690,10 @@
       </p:sp>
       <p:pic>
         <p:nvPicPr>
-          <p:cNvPr id="4" name="תמונה 3">
+          <p:cNvPr id="3" name="תמונה 2">
             <a:extLst>
               <a:ext uri="{FF2B5EF4-FFF2-40B4-BE49-F238E27FC236}">
-                <a16:creationId xmlns:a16="http://schemas.microsoft.com/office/drawing/2014/main" id="{94326547-AECF-4F4E-AC85-6BD44FEF36E6}"/>
+                <a16:creationId xmlns:a16="http://schemas.microsoft.com/office/drawing/2014/main" id="{44DD3646-170F-4B07-8F52-2001FE2F6DA1}"/>
               </a:ext>
             </a:extLst>
           </p:cNvPr>
@@ -14196,8 +14710,8 @@
         </p:blipFill>
         <p:spPr>
           <a:xfrm>
-            <a:off x="0" y="2703995"/>
-            <a:ext cx="7491600" cy="4154005"/>
+            <a:off x="0" y="2661899"/>
+            <a:ext cx="7489909" cy="4196101"/>
           </a:xfrm>
           <a:prstGeom prst="rect">
             <a:avLst/>
@@ -14207,7 +14721,7 @@
     </p:spTree>
     <p:extLst>
       <p:ext uri="{BB962C8B-B14F-4D97-AF65-F5344CB8AC3E}">
-        <p14:creationId xmlns:p14="http://schemas.microsoft.com/office/powerpoint/2010/main" val="2786482054"/>
+        <p14:creationId xmlns:p14="http://schemas.microsoft.com/office/powerpoint/2010/main" val="1977331281"/>
       </p:ext>
     </p:extLst>
   </p:cSld>
@@ -14349,7 +14863,7 @@
         <p:spPr>
           <a:xfrm>
             <a:off x="7540282" y="2739271"/>
-            <a:ext cx="4487594" cy="1477328"/>
+            <a:ext cx="4487594" cy="923330"/>
           </a:xfrm>
           <a:prstGeom prst="rect">
             <a:avLst/>
@@ -14368,21 +14882,11 @@
             </a:pPr>
             <a:r>
               <a:rPr lang="he-IL" dirty="0"/>
-              <a:t>הזזנו את כפתור ההתחברות לצד שמאל.</a:t>
-            </a:r>
-          </a:p>
-          <a:p>
-            <a:pPr marL="285750" indent="-285750" algn="r" rtl="1">
-              <a:buFont typeface="Arial" panose="020B0604020202020204" pitchFamily="34" charset="0"/>
-              <a:buChar char="•"/>
-            </a:pPr>
-            <a:r>
-              <a:rPr lang="he-IL" dirty="0"/>
-              <a:t>שינינו את כפתור ההרשמה כך שיראה כמו קישור למסך הרשמה. – </a:t>
+              <a:t>הוספנו כפתור למשתמש לצד שדה ה"סיסמה" המאפשר לו לראות את הסיסמה שהזין – </a:t>
             </a:r>
             <a:r>
               <a:rPr lang="he-IL" b="1" dirty="0"/>
-              <a:t>התאמה בין המערכת לעולם האמיתי (שימוש בשפה אנושית + מזמינות).</a:t>
+              <a:t>מניעת טעויות.</a:t>
             </a:r>
             <a:endParaRPr lang="he-IL" dirty="0"/>
           </a:p>
@@ -14390,10 +14894,10 @@
       </p:sp>
       <p:pic>
         <p:nvPicPr>
-          <p:cNvPr id="3" name="תמונה 2">
+          <p:cNvPr id="4" name="תמונה 3">
             <a:extLst>
               <a:ext uri="{FF2B5EF4-FFF2-40B4-BE49-F238E27FC236}">
-                <a16:creationId xmlns:a16="http://schemas.microsoft.com/office/drawing/2014/main" id="{AFF2BC89-6CFF-4440-A217-BA3D6ED40099}"/>
+                <a16:creationId xmlns:a16="http://schemas.microsoft.com/office/drawing/2014/main" id="{94326547-AECF-4F4E-AC85-6BD44FEF36E6}"/>
               </a:ext>
             </a:extLst>
           </p:cNvPr>
@@ -14410,8 +14914,8 @@
         </p:blipFill>
         <p:spPr>
           <a:xfrm>
-            <a:off x="0" y="2724585"/>
-            <a:ext cx="7376157" cy="4133415"/>
+            <a:off x="0" y="2703995"/>
+            <a:ext cx="7491600" cy="4154005"/>
           </a:xfrm>
           <a:prstGeom prst="rect">
             <a:avLst/>
@@ -14421,7 +14925,7 @@
     </p:spTree>
     <p:extLst>
       <p:ext uri="{BB962C8B-B14F-4D97-AF65-F5344CB8AC3E}">
-        <p14:creationId xmlns:p14="http://schemas.microsoft.com/office/powerpoint/2010/main" val="438078503"/>
+        <p14:creationId xmlns:p14="http://schemas.microsoft.com/office/powerpoint/2010/main" val="2786482054"/>
       </p:ext>
     </p:extLst>
   </p:cSld>
@@ -14498,7 +15002,7 @@
         <p:spPr>
           <a:xfrm>
             <a:off x="7540282" y="2739271"/>
-            <a:ext cx="4487594" cy="646331"/>
+            <a:ext cx="4487594" cy="1477328"/>
           </a:xfrm>
           <a:prstGeom prst="rect">
             <a:avLst/>
@@ -14517,17 +15021,32 @@
             </a:pPr>
             <a:r>
               <a:rPr lang="he-IL" dirty="0"/>
-              <a:t>הוספנו אפשרות לזכור את המשתמש לפעמים הבאות</a:t>
-            </a:r>
+              <a:t>הזזנו את כפתור ההתחברות לצד שמאל.</a:t>
+            </a:r>
+          </a:p>
+          <a:p>
+            <a:pPr marL="285750" indent="-285750" algn="r" rtl="1">
+              <a:buFont typeface="Arial" panose="020B0604020202020204" pitchFamily="34" charset="0"/>
+              <a:buChar char="•"/>
+            </a:pPr>
+            <a:r>
+              <a:rPr lang="he-IL" dirty="0"/>
+              <a:t>שינינו את כפתור ההרשמה כך שיראה כמו קישור למסך הרשמה. – </a:t>
+            </a:r>
+            <a:r>
+              <a:rPr lang="he-IL" b="1" dirty="0"/>
+              <a:t>התאמה בין המערכת לעולם האמיתי (שימוש בשפה אנושית + מזמינות).</a:t>
+            </a:r>
+            <a:endParaRPr lang="he-IL" dirty="0"/>
           </a:p>
         </p:txBody>
       </p:sp>
       <p:pic>
         <p:nvPicPr>
-          <p:cNvPr id="4" name="תמונה 3">
+          <p:cNvPr id="3" name="תמונה 2">
             <a:extLst>
               <a:ext uri="{FF2B5EF4-FFF2-40B4-BE49-F238E27FC236}">
-                <a16:creationId xmlns:a16="http://schemas.microsoft.com/office/drawing/2014/main" id="{C4AC84E8-C33D-4B9A-9010-89F637AB80A1}"/>
+                <a16:creationId xmlns:a16="http://schemas.microsoft.com/office/drawing/2014/main" id="{AFF2BC89-6CFF-4440-A217-BA3D6ED40099}"/>
               </a:ext>
             </a:extLst>
           </p:cNvPr>
@@ -14544,8 +15063,8 @@
         </p:blipFill>
         <p:spPr>
           <a:xfrm>
-            <a:off x="0" y="2739271"/>
-            <a:ext cx="7403394" cy="4118729"/>
+            <a:off x="0" y="2724585"/>
+            <a:ext cx="7376157" cy="4133415"/>
           </a:xfrm>
           <a:prstGeom prst="rect">
             <a:avLst/>
@@ -14555,7 +15074,7 @@
     </p:spTree>
     <p:extLst>
       <p:ext uri="{BB962C8B-B14F-4D97-AF65-F5344CB8AC3E}">
-        <p14:creationId xmlns:p14="http://schemas.microsoft.com/office/powerpoint/2010/main" val="2099280823"/>
+        <p14:creationId xmlns:p14="http://schemas.microsoft.com/office/powerpoint/2010/main" val="438078503"/>
       </p:ext>
     </p:extLst>
   </p:cSld>
@@ -14658,10 +15177,10 @@
       </p:sp>
       <p:pic>
         <p:nvPicPr>
-          <p:cNvPr id="3" name="תמונה 2">
+          <p:cNvPr id="4" name="תמונה 3">
             <a:extLst>
               <a:ext uri="{FF2B5EF4-FFF2-40B4-BE49-F238E27FC236}">
-                <a16:creationId xmlns:a16="http://schemas.microsoft.com/office/drawing/2014/main" id="{713B69A8-3AD9-4073-B2B7-E8BD26F62F61}"/>
+                <a16:creationId xmlns:a16="http://schemas.microsoft.com/office/drawing/2014/main" id="{C4AC84E8-C33D-4B9A-9010-89F637AB80A1}"/>
               </a:ext>
             </a:extLst>
           </p:cNvPr>
@@ -14679,7 +15198,7 @@
         <p:spPr>
           <a:xfrm>
             <a:off x="0" y="2739271"/>
-            <a:ext cx="7399606" cy="4118729"/>
+            <a:ext cx="7403394" cy="4118729"/>
           </a:xfrm>
           <a:prstGeom prst="rect">
             <a:avLst/>
@@ -14689,7 +15208,7 @@
     </p:spTree>
     <p:extLst>
       <p:ext uri="{BB962C8B-B14F-4D97-AF65-F5344CB8AC3E}">
-        <p14:creationId xmlns:p14="http://schemas.microsoft.com/office/powerpoint/2010/main" val="2827644645"/>
+        <p14:creationId xmlns:p14="http://schemas.microsoft.com/office/powerpoint/2010/main" val="2099280823"/>
       </p:ext>
     </p:extLst>
   </p:cSld>
@@ -14766,7 +15285,7 @@
         <p:spPr>
           <a:xfrm>
             <a:off x="7540282" y="2739271"/>
-            <a:ext cx="4487594" cy="1200329"/>
+            <a:ext cx="4487594" cy="646331"/>
           </a:xfrm>
           <a:prstGeom prst="rect">
             <a:avLst/>
@@ -14785,22 +15304,17 @@
             </a:pPr>
             <a:r>
               <a:rPr lang="he-IL" dirty="0"/>
-              <a:t>בעת הכנסת אחד מהשדות ערך שגוי ולחיצה על התחברות, נוסיף שגיאה מתאימה למשתמש המסבירה מה קרה – </a:t>
-            </a:r>
-            <a:r>
-              <a:rPr lang="he-IL" b="1" dirty="0"/>
-              <a:t>התאוששות משגיאות.</a:t>
-            </a:r>
-            <a:endParaRPr lang="he-IL" dirty="0"/>
+              <a:t>הוספנו אפשרות לזכור את המשתמש לפעמים הבאות</a:t>
+            </a:r>
           </a:p>
         </p:txBody>
       </p:sp>
       <p:pic>
         <p:nvPicPr>
-          <p:cNvPr id="4" name="תמונה 3">
+          <p:cNvPr id="3" name="תמונה 2">
             <a:extLst>
               <a:ext uri="{FF2B5EF4-FFF2-40B4-BE49-F238E27FC236}">
-                <a16:creationId xmlns:a16="http://schemas.microsoft.com/office/drawing/2014/main" id="{FFFAB130-62FE-4E0C-9148-B93FEA07DEF3}"/>
+                <a16:creationId xmlns:a16="http://schemas.microsoft.com/office/drawing/2014/main" id="{713B69A8-3AD9-4073-B2B7-E8BD26F62F61}"/>
               </a:ext>
             </a:extLst>
           </p:cNvPr>
@@ -14817,8 +15331,8 @@
         </p:blipFill>
         <p:spPr>
           <a:xfrm>
-            <a:off x="1" y="2609458"/>
-            <a:ext cx="7540282" cy="4248541"/>
+            <a:off x="0" y="2739271"/>
+            <a:ext cx="7399606" cy="4118729"/>
           </a:xfrm>
           <a:prstGeom prst="rect">
             <a:avLst/>
@@ -14828,7 +15342,7 @@
     </p:spTree>
     <p:extLst>
       <p:ext uri="{BB962C8B-B14F-4D97-AF65-F5344CB8AC3E}">
-        <p14:creationId xmlns:p14="http://schemas.microsoft.com/office/powerpoint/2010/main" val="1321157970"/>
+        <p14:creationId xmlns:p14="http://schemas.microsoft.com/office/powerpoint/2010/main" val="2827644645"/>
       </p:ext>
     </p:extLst>
   </p:cSld>
@@ -14905,6 +15419,145 @@
         <p:spPr>
           <a:xfrm>
             <a:off x="7540282" y="2739271"/>
+            <a:ext cx="4487594" cy="1200329"/>
+          </a:xfrm>
+          <a:prstGeom prst="rect">
+            <a:avLst/>
+          </a:prstGeom>
+          <a:noFill/>
+        </p:spPr>
+        <p:txBody>
+          <a:bodyPr wrap="square" rtlCol="1">
+            <a:spAutoFit/>
+          </a:bodyPr>
+          <a:lstStyle/>
+          <a:p>
+            <a:pPr marL="285750" indent="-285750" algn="r" rtl="1">
+              <a:buFont typeface="Arial" panose="020B0604020202020204" pitchFamily="34" charset="0"/>
+              <a:buChar char="•"/>
+            </a:pPr>
+            <a:r>
+              <a:rPr lang="he-IL" dirty="0"/>
+              <a:t>בעת הכנסת אחד מהשדות ערך שגוי ולחיצה על התחברות, נוסיף שגיאה מתאימה למשתמש המסבירה מה קרה – </a:t>
+            </a:r>
+            <a:r>
+              <a:rPr lang="he-IL" b="1" dirty="0"/>
+              <a:t>התאוששות משגיאות.</a:t>
+            </a:r>
+            <a:endParaRPr lang="he-IL" dirty="0"/>
+          </a:p>
+        </p:txBody>
+      </p:sp>
+      <p:pic>
+        <p:nvPicPr>
+          <p:cNvPr id="4" name="תמונה 3">
+            <a:extLst>
+              <a:ext uri="{FF2B5EF4-FFF2-40B4-BE49-F238E27FC236}">
+                <a16:creationId xmlns:a16="http://schemas.microsoft.com/office/drawing/2014/main" id="{FFFAB130-62FE-4E0C-9148-B93FEA07DEF3}"/>
+              </a:ext>
+            </a:extLst>
+          </p:cNvPr>
+          <p:cNvPicPr>
+            <a:picLocks noChangeAspect="1"/>
+          </p:cNvPicPr>
+          <p:nvPr/>
+        </p:nvPicPr>
+        <p:blipFill>
+          <a:blip r:embed="rId2"/>
+          <a:stretch>
+            <a:fillRect/>
+          </a:stretch>
+        </p:blipFill>
+        <p:spPr>
+          <a:xfrm>
+            <a:off x="1" y="2609458"/>
+            <a:ext cx="7540282" cy="4248541"/>
+          </a:xfrm>
+          <a:prstGeom prst="rect">
+            <a:avLst/>
+          </a:prstGeom>
+        </p:spPr>
+      </p:pic>
+    </p:spTree>
+    <p:extLst>
+      <p:ext uri="{BB962C8B-B14F-4D97-AF65-F5344CB8AC3E}">
+        <p14:creationId xmlns:p14="http://schemas.microsoft.com/office/powerpoint/2010/main" val="1321157970"/>
+      </p:ext>
+    </p:extLst>
+  </p:cSld>
+  <p:clrMapOvr>
+    <a:masterClrMapping/>
+  </p:clrMapOvr>
+</p:sld>
+</file>
+
+<file path=ppt/slides/slide25.xml><?xml version="1.0" encoding="utf-8"?>
+<p:sld xmlns:a="http://schemas.openxmlformats.org/drawingml/2006/main" xmlns:r="http://schemas.openxmlformats.org/officeDocument/2006/relationships" xmlns:p="http://schemas.openxmlformats.org/presentationml/2006/main">
+  <p:cSld>
+    <p:spTree>
+      <p:nvGrpSpPr>
+        <p:cNvPr id="1" name=""/>
+        <p:cNvGrpSpPr/>
+        <p:nvPr/>
+      </p:nvGrpSpPr>
+      <p:grpSpPr>
+        <a:xfrm>
+          <a:off x="0" y="0"/>
+          <a:ext cx="0" cy="0"/>
+          <a:chOff x="0" y="0"/>
+          <a:chExt cx="0" cy="0"/>
+        </a:xfrm>
+      </p:grpSpPr>
+      <p:sp>
+        <p:nvSpPr>
+          <p:cNvPr id="2" name="כותרת 1">
+            <a:extLst>
+              <a:ext uri="{FF2B5EF4-FFF2-40B4-BE49-F238E27FC236}">
+                <a16:creationId xmlns:a16="http://schemas.microsoft.com/office/drawing/2014/main" id="{92A500EE-F6C5-4C79-92F1-D2FDEE8174A4}"/>
+              </a:ext>
+            </a:extLst>
+          </p:cNvPr>
+          <p:cNvSpPr>
+            <a:spLocks noGrp="1"/>
+          </p:cNvSpPr>
+          <p:nvPr>
+            <p:ph type="title"/>
+          </p:nvPr>
+        </p:nvSpPr>
+        <p:spPr>
+          <a:xfrm>
+            <a:off x="1154954" y="973669"/>
+            <a:ext cx="8825659" cy="706964"/>
+          </a:xfrm>
+        </p:spPr>
+        <p:txBody>
+          <a:bodyPr/>
+          <a:lstStyle/>
+          <a:p>
+            <a:pPr algn="ctr"/>
+            <a:r>
+              <a:rPr lang="he-IL"/>
+              <a:t>מסך התחברות</a:t>
+            </a:r>
+            <a:endParaRPr lang="he-IL" dirty="0"/>
+          </a:p>
+        </p:txBody>
+      </p:sp>
+      <p:sp>
+        <p:nvSpPr>
+          <p:cNvPr id="17" name="תיבת טקסט 16">
+            <a:extLst>
+              <a:ext uri="{FF2B5EF4-FFF2-40B4-BE49-F238E27FC236}">
+                <a16:creationId xmlns:a16="http://schemas.microsoft.com/office/drawing/2014/main" id="{2F642565-7D83-416E-A7D1-4FA3B48B83E1}"/>
+              </a:ext>
+            </a:extLst>
+          </p:cNvPr>
+          <p:cNvSpPr txBox="1"/>
+          <p:nvPr/>
+        </p:nvSpPr>
+        <p:spPr>
+          <a:xfrm>
+            <a:off x="7540282" y="2739271"/>
             <a:ext cx="4487594" cy="646331"/>
           </a:xfrm>
           <a:prstGeom prst="rect">
@@ -14963,182 +15616,6 @@
     <p:extLst>
       <p:ext uri="{BB962C8B-B14F-4D97-AF65-F5344CB8AC3E}">
         <p14:creationId xmlns:p14="http://schemas.microsoft.com/office/powerpoint/2010/main" val="2957022314"/>
-      </p:ext>
-    </p:extLst>
-  </p:cSld>
-  <p:clrMapOvr>
-    <a:masterClrMapping/>
-  </p:clrMapOvr>
-</p:sld>
-</file>
-
-<file path=ppt/slides/slide25.xml><?xml version="1.0" encoding="utf-8"?>
-<p:sld xmlns:a="http://schemas.openxmlformats.org/drawingml/2006/main" xmlns:r="http://schemas.openxmlformats.org/officeDocument/2006/relationships" xmlns:p="http://schemas.openxmlformats.org/presentationml/2006/main">
-  <p:cSld>
-    <p:spTree>
-      <p:nvGrpSpPr>
-        <p:cNvPr id="1" name=""/>
-        <p:cNvGrpSpPr/>
-        <p:nvPr/>
-      </p:nvGrpSpPr>
-      <p:grpSpPr>
-        <a:xfrm>
-          <a:off x="0" y="0"/>
-          <a:ext cx="0" cy="0"/>
-          <a:chOff x="0" y="0"/>
-          <a:chExt cx="0" cy="0"/>
-        </a:xfrm>
-      </p:grpSpPr>
-      <p:sp>
-        <p:nvSpPr>
-          <p:cNvPr id="2" name="כותרת 1">
-            <a:extLst>
-              <a:ext uri="{FF2B5EF4-FFF2-40B4-BE49-F238E27FC236}">
-                <a16:creationId xmlns:a16="http://schemas.microsoft.com/office/drawing/2014/main" id="{DE777293-170B-4164-A212-000191C56DFE}"/>
-              </a:ext>
-            </a:extLst>
-          </p:cNvPr>
-          <p:cNvSpPr>
-            <a:spLocks noGrp="1"/>
-          </p:cNvSpPr>
-          <p:nvPr>
-            <p:ph type="title"/>
-          </p:nvPr>
-        </p:nvSpPr>
-        <p:spPr/>
-        <p:txBody>
-          <a:bodyPr/>
-          <a:lstStyle/>
-          <a:p>
-            <a:pPr algn="ctr" rtl="1"/>
-            <a:r>
-              <a:rPr lang="he-IL"/>
-              <a:t>מסך </a:t>
-            </a:r>
-            <a:r>
-              <a:rPr lang="he-IL" dirty="0"/>
-              <a:t>הרשמה</a:t>
-            </a:r>
-          </a:p>
-        </p:txBody>
-      </p:sp>
-      <p:sp>
-        <p:nvSpPr>
-          <p:cNvPr id="5" name="תיבת טקסט 4">
-            <a:extLst>
-              <a:ext uri="{FF2B5EF4-FFF2-40B4-BE49-F238E27FC236}">
-                <a16:creationId xmlns:a16="http://schemas.microsoft.com/office/drawing/2014/main" id="{49C1F48E-4344-478F-B955-03346A467B7E}"/>
-              </a:ext>
-            </a:extLst>
-          </p:cNvPr>
-          <p:cNvSpPr txBox="1"/>
-          <p:nvPr/>
-        </p:nvSpPr>
-        <p:spPr>
-          <a:xfrm>
-            <a:off x="7919696" y="2477527"/>
-            <a:ext cx="4121834" cy="3970318"/>
-          </a:xfrm>
-          <a:prstGeom prst="rect">
-            <a:avLst/>
-          </a:prstGeom>
-          <a:noFill/>
-        </p:spPr>
-        <p:txBody>
-          <a:bodyPr wrap="square" rtlCol="1">
-            <a:spAutoFit/>
-          </a:bodyPr>
-          <a:lstStyle/>
-          <a:p>
-            <a:pPr marL="285750" indent="-285750" algn="r" rtl="1">
-              <a:buFont typeface="Arial" panose="020B0604020202020204" pitchFamily="34" charset="0"/>
-              <a:buChar char="•"/>
-            </a:pPr>
-            <a:r>
-              <a:rPr lang="he-IL" dirty="0"/>
-              <a:t>שינינו את עיצוב השדות כך שיראו יותר מעודכנים.</a:t>
-            </a:r>
-          </a:p>
-          <a:p>
-            <a:pPr marL="285750" indent="-285750" algn="r" rtl="1">
-              <a:buFont typeface="Arial" panose="020B0604020202020204" pitchFamily="34" charset="0"/>
-              <a:buChar char="•"/>
-            </a:pPr>
-            <a:r>
-              <a:rPr lang="he-IL" dirty="0"/>
-              <a:t>הוספנו סמלים מתאימים בצד כל שדה כך שיהיה ברור למשתמש מה עליו להכניס בשדה אותו הוא ממלא – </a:t>
-            </a:r>
-            <a:r>
-              <a:rPr lang="he-IL" b="1" dirty="0"/>
-              <a:t>זיהוי ולא זיכרון.</a:t>
-            </a:r>
-            <a:endParaRPr lang="he-IL" dirty="0"/>
-          </a:p>
-          <a:p>
-            <a:pPr marL="285750" indent="-285750" algn="r" rtl="1">
-              <a:buFont typeface="Arial" panose="020B0604020202020204" pitchFamily="34" charset="0"/>
-              <a:buChar char="•"/>
-            </a:pPr>
-            <a:r>
-              <a:rPr lang="he-IL" dirty="0"/>
-              <a:t>הוספנו תיאור לבחירת המין כדי שיהיה ברור יותר למשתמש מה עליו לבחור, בנוסף סימנו את המין "זכר" כברירת מחדל – </a:t>
-            </a:r>
-            <a:r>
-              <a:rPr lang="he-IL" b="1" dirty="0"/>
-              <a:t>מניעת טעויות.</a:t>
-            </a:r>
-            <a:endParaRPr lang="he-IL" dirty="0"/>
-          </a:p>
-          <a:p>
-            <a:pPr marL="285750" indent="-285750" algn="r" rtl="1">
-              <a:buFont typeface="Arial" panose="020B0604020202020204" pitchFamily="34" charset="0"/>
-              <a:buChar char="•"/>
-            </a:pPr>
-            <a:r>
-              <a:rPr lang="he-IL" dirty="0"/>
-              <a:t>הוספנו את אותה התנהגות של השדות כמו במסך ההתחברות (הדגשת השדה כאשר המשתמש מפוקס עליו + קיצורי מקשים) - </a:t>
-            </a:r>
-            <a:r>
-              <a:rPr lang="he-IL" b="1" dirty="0"/>
-              <a:t>חיווי מצב המערכת + גמישות ויעילות שימוש.</a:t>
-            </a:r>
-          </a:p>
-        </p:txBody>
-      </p:sp>
-      <p:pic>
-        <p:nvPicPr>
-          <p:cNvPr id="3" name="תמונה 2">
-            <a:extLst>
-              <a:ext uri="{FF2B5EF4-FFF2-40B4-BE49-F238E27FC236}">
-                <a16:creationId xmlns:a16="http://schemas.microsoft.com/office/drawing/2014/main" id="{EDBDBFCF-CC0C-44D5-822E-F5193ADFCEC5}"/>
-              </a:ext>
-            </a:extLst>
-          </p:cNvPr>
-          <p:cNvPicPr>
-            <a:picLocks noChangeAspect="1"/>
-          </p:cNvPicPr>
-          <p:nvPr/>
-        </p:nvPicPr>
-        <p:blipFill>
-          <a:blip r:embed="rId2"/>
-          <a:stretch>
-            <a:fillRect/>
-          </a:stretch>
-        </p:blipFill>
-        <p:spPr>
-          <a:xfrm>
-            <a:off x="0" y="2477527"/>
-            <a:ext cx="7795603" cy="4380473"/>
-          </a:xfrm>
-          <a:prstGeom prst="rect">
-            <a:avLst/>
-          </a:prstGeom>
-        </p:spPr>
-      </p:pic>
-    </p:spTree>
-    <p:extLst>
-      <p:ext uri="{BB962C8B-B14F-4D97-AF65-F5344CB8AC3E}">
-        <p14:creationId xmlns:p14="http://schemas.microsoft.com/office/powerpoint/2010/main" val="1933346331"/>
       </p:ext>
     </p:extLst>
   </p:cSld>
@@ -15213,7 +15690,7 @@
         <p:spPr>
           <a:xfrm>
             <a:off x="7919696" y="2477527"/>
-            <a:ext cx="4121834" cy="923330"/>
+            <a:ext cx="4121834" cy="3970318"/>
           </a:xfrm>
           <a:prstGeom prst="rect">
             <a:avLst/>
@@ -15232,22 +15709,61 @@
             </a:pPr>
             <a:r>
               <a:rPr lang="he-IL" dirty="0"/>
-              <a:t>הוספנו הדגשה עבור כל שדה חובה והסבר בתחתית העמוד המסביר מהי ההדגשה – </a:t>
+              <a:t>שינינו את עיצוב השדות כך שיראו יותר מעודכנים.</a:t>
+            </a:r>
+          </a:p>
+          <a:p>
+            <a:pPr marL="285750" indent="-285750" algn="r" rtl="1">
+              <a:buFont typeface="Arial" panose="020B0604020202020204" pitchFamily="34" charset="0"/>
+              <a:buChar char="•"/>
+            </a:pPr>
+            <a:r>
+              <a:rPr lang="he-IL" dirty="0"/>
+              <a:t>הוספנו סמלים מתאימים בצד כל שדה כך שיהיה ברור למשתמש מה עליו להכניס בשדה אותו הוא ממלא – </a:t>
+            </a:r>
+            <a:r>
+              <a:rPr lang="he-IL" b="1" dirty="0"/>
+              <a:t>זיהוי ולא זיכרון.</a:t>
+            </a:r>
+            <a:endParaRPr lang="he-IL" dirty="0"/>
+          </a:p>
+          <a:p>
+            <a:pPr marL="285750" indent="-285750" algn="r" rtl="1">
+              <a:buFont typeface="Arial" panose="020B0604020202020204" pitchFamily="34" charset="0"/>
+              <a:buChar char="•"/>
+            </a:pPr>
+            <a:r>
+              <a:rPr lang="he-IL" dirty="0"/>
+              <a:t>הוספנו תיאור לבחירת המין כדי שיהיה ברור יותר למשתמש מה עליו לבחור, בנוסף סימנו את המין "זכר" כברירת מחדל – </a:t>
             </a:r>
             <a:r>
               <a:rPr lang="he-IL" b="1" dirty="0"/>
               <a:t>מניעת טעויות.</a:t>
             </a:r>
             <a:endParaRPr lang="he-IL" dirty="0"/>
+          </a:p>
+          <a:p>
+            <a:pPr marL="285750" indent="-285750" algn="r" rtl="1">
+              <a:buFont typeface="Arial" panose="020B0604020202020204" pitchFamily="34" charset="0"/>
+              <a:buChar char="•"/>
+            </a:pPr>
+            <a:r>
+              <a:rPr lang="he-IL" dirty="0"/>
+              <a:t>הוספנו את אותה התנהגות של השדות כמו במסך ההתחברות (הדגשת השדה כאשר המשתמש מפוקס עליו + קיצורי מקשים) - </a:t>
+            </a:r>
+            <a:r>
+              <a:rPr lang="he-IL" b="1" dirty="0"/>
+              <a:t>חיווי מצב המערכת + גמישות ויעילות שימוש.</a:t>
+            </a:r>
           </a:p>
         </p:txBody>
       </p:sp>
       <p:pic>
         <p:nvPicPr>
-          <p:cNvPr id="4" name="תמונה 3">
+          <p:cNvPr id="3" name="תמונה 2">
             <a:extLst>
               <a:ext uri="{FF2B5EF4-FFF2-40B4-BE49-F238E27FC236}">
-                <a16:creationId xmlns:a16="http://schemas.microsoft.com/office/drawing/2014/main" id="{F7A459F8-8EB4-4454-BC2E-F42597AF3D89}"/>
+                <a16:creationId xmlns:a16="http://schemas.microsoft.com/office/drawing/2014/main" id="{EDBDBFCF-CC0C-44D5-822E-F5193ADFCEC5}"/>
               </a:ext>
             </a:extLst>
           </p:cNvPr>
@@ -15264,8 +15780,8 @@
         </p:blipFill>
         <p:spPr>
           <a:xfrm>
-            <a:off x="1" y="2393328"/>
-            <a:ext cx="7919696" cy="4464671"/>
+            <a:off x="0" y="2477527"/>
+            <a:ext cx="7795603" cy="4380473"/>
           </a:xfrm>
           <a:prstGeom prst="rect">
             <a:avLst/>
@@ -15275,7 +15791,7 @@
     </p:spTree>
     <p:extLst>
       <p:ext uri="{BB962C8B-B14F-4D97-AF65-F5344CB8AC3E}">
-        <p14:creationId xmlns:p14="http://schemas.microsoft.com/office/powerpoint/2010/main" val="567271253"/>
+        <p14:creationId xmlns:p14="http://schemas.microsoft.com/office/powerpoint/2010/main" val="1933346331"/>
       </p:ext>
     </p:extLst>
   </p:cSld>
@@ -15350,6 +15866,143 @@
         <p:spPr>
           <a:xfrm>
             <a:off x="7919696" y="2477527"/>
+            <a:ext cx="4121834" cy="923330"/>
+          </a:xfrm>
+          <a:prstGeom prst="rect">
+            <a:avLst/>
+          </a:prstGeom>
+          <a:noFill/>
+        </p:spPr>
+        <p:txBody>
+          <a:bodyPr wrap="square" rtlCol="1">
+            <a:spAutoFit/>
+          </a:bodyPr>
+          <a:lstStyle/>
+          <a:p>
+            <a:pPr marL="285750" indent="-285750" algn="r" rtl="1">
+              <a:buFont typeface="Arial" panose="020B0604020202020204" pitchFamily="34" charset="0"/>
+              <a:buChar char="•"/>
+            </a:pPr>
+            <a:r>
+              <a:rPr lang="he-IL" dirty="0"/>
+              <a:t>הוספנו הדגשה עבור כל שדה חובה והסבר בתחתית העמוד המסביר מהי ההדגשה – </a:t>
+            </a:r>
+            <a:r>
+              <a:rPr lang="he-IL" b="1" dirty="0"/>
+              <a:t>מניעת טעויות.</a:t>
+            </a:r>
+            <a:endParaRPr lang="he-IL" dirty="0"/>
+          </a:p>
+        </p:txBody>
+      </p:sp>
+      <p:pic>
+        <p:nvPicPr>
+          <p:cNvPr id="4" name="תמונה 3">
+            <a:extLst>
+              <a:ext uri="{FF2B5EF4-FFF2-40B4-BE49-F238E27FC236}">
+                <a16:creationId xmlns:a16="http://schemas.microsoft.com/office/drawing/2014/main" id="{F7A459F8-8EB4-4454-BC2E-F42597AF3D89}"/>
+              </a:ext>
+            </a:extLst>
+          </p:cNvPr>
+          <p:cNvPicPr>
+            <a:picLocks noChangeAspect="1"/>
+          </p:cNvPicPr>
+          <p:nvPr/>
+        </p:nvPicPr>
+        <p:blipFill>
+          <a:blip r:embed="rId2"/>
+          <a:stretch>
+            <a:fillRect/>
+          </a:stretch>
+        </p:blipFill>
+        <p:spPr>
+          <a:xfrm>
+            <a:off x="1" y="2393328"/>
+            <a:ext cx="7919696" cy="4464671"/>
+          </a:xfrm>
+          <a:prstGeom prst="rect">
+            <a:avLst/>
+          </a:prstGeom>
+        </p:spPr>
+      </p:pic>
+    </p:spTree>
+    <p:extLst>
+      <p:ext uri="{BB962C8B-B14F-4D97-AF65-F5344CB8AC3E}">
+        <p14:creationId xmlns:p14="http://schemas.microsoft.com/office/powerpoint/2010/main" val="567271253"/>
+      </p:ext>
+    </p:extLst>
+  </p:cSld>
+  <p:clrMapOvr>
+    <a:masterClrMapping/>
+  </p:clrMapOvr>
+</p:sld>
+</file>
+
+<file path=ppt/slides/slide28.xml><?xml version="1.0" encoding="utf-8"?>
+<p:sld xmlns:a="http://schemas.openxmlformats.org/drawingml/2006/main" xmlns:r="http://schemas.openxmlformats.org/officeDocument/2006/relationships" xmlns:p="http://schemas.openxmlformats.org/presentationml/2006/main">
+  <p:cSld>
+    <p:spTree>
+      <p:nvGrpSpPr>
+        <p:cNvPr id="1" name=""/>
+        <p:cNvGrpSpPr/>
+        <p:nvPr/>
+      </p:nvGrpSpPr>
+      <p:grpSpPr>
+        <a:xfrm>
+          <a:off x="0" y="0"/>
+          <a:ext cx="0" cy="0"/>
+          <a:chOff x="0" y="0"/>
+          <a:chExt cx="0" cy="0"/>
+        </a:xfrm>
+      </p:grpSpPr>
+      <p:sp>
+        <p:nvSpPr>
+          <p:cNvPr id="2" name="כותרת 1">
+            <a:extLst>
+              <a:ext uri="{FF2B5EF4-FFF2-40B4-BE49-F238E27FC236}">
+                <a16:creationId xmlns:a16="http://schemas.microsoft.com/office/drawing/2014/main" id="{DE777293-170B-4164-A212-000191C56DFE}"/>
+              </a:ext>
+            </a:extLst>
+          </p:cNvPr>
+          <p:cNvSpPr>
+            <a:spLocks noGrp="1"/>
+          </p:cNvSpPr>
+          <p:nvPr>
+            <p:ph type="title"/>
+          </p:nvPr>
+        </p:nvSpPr>
+        <p:spPr/>
+        <p:txBody>
+          <a:bodyPr/>
+          <a:lstStyle/>
+          <a:p>
+            <a:pPr algn="ctr" rtl="1"/>
+            <a:r>
+              <a:rPr lang="he-IL"/>
+              <a:t>מסך </a:t>
+            </a:r>
+            <a:r>
+              <a:rPr lang="he-IL" dirty="0"/>
+              <a:t>הרשמה</a:t>
+            </a:r>
+          </a:p>
+        </p:txBody>
+      </p:sp>
+      <p:sp>
+        <p:nvSpPr>
+          <p:cNvPr id="5" name="תיבת טקסט 4">
+            <a:extLst>
+              <a:ext uri="{FF2B5EF4-FFF2-40B4-BE49-F238E27FC236}">
+                <a16:creationId xmlns:a16="http://schemas.microsoft.com/office/drawing/2014/main" id="{49C1F48E-4344-478F-B955-03346A467B7E}"/>
+              </a:ext>
+            </a:extLst>
+          </p:cNvPr>
+          <p:cNvSpPr txBox="1"/>
+          <p:nvPr/>
+        </p:nvSpPr>
+        <p:spPr>
+          <a:xfrm>
+            <a:off x="7919696" y="2477527"/>
             <a:ext cx="4121834" cy="1477328"/>
           </a:xfrm>
           <a:prstGeom prst="rect">
@@ -15432,7 +16085,7 @@
 </p:sld>
 </file>
 
-<file path=ppt/slides/slide28.xml><?xml version="1.0" encoding="utf-8"?>
+<file path=ppt/slides/slide29.xml><?xml version="1.0" encoding="utf-8"?>
 <p:sld xmlns:a="http://schemas.openxmlformats.org/drawingml/2006/main" xmlns:r="http://schemas.openxmlformats.org/officeDocument/2006/relationships" xmlns:p="http://schemas.openxmlformats.org/presentationml/2006/main">
   <p:cSld>
     <p:spTree>
@@ -15563,139 +16216,6 @@
     <p:extLst>
       <p:ext uri="{BB962C8B-B14F-4D97-AF65-F5344CB8AC3E}">
         <p14:creationId xmlns:p14="http://schemas.microsoft.com/office/powerpoint/2010/main" val="326088053"/>
-      </p:ext>
-    </p:extLst>
-  </p:cSld>
-  <p:clrMapOvr>
-    <a:masterClrMapping/>
-  </p:clrMapOvr>
-</p:sld>
-</file>
-
-<file path=ppt/slides/slide29.xml><?xml version="1.0" encoding="utf-8"?>
-<p:sld xmlns:a="http://schemas.openxmlformats.org/drawingml/2006/main" xmlns:r="http://schemas.openxmlformats.org/officeDocument/2006/relationships" xmlns:p="http://schemas.openxmlformats.org/presentationml/2006/main">
-  <p:cSld>
-    <p:spTree>
-      <p:nvGrpSpPr>
-        <p:cNvPr id="1" name=""/>
-        <p:cNvGrpSpPr/>
-        <p:nvPr/>
-      </p:nvGrpSpPr>
-      <p:grpSpPr>
-        <a:xfrm>
-          <a:off x="0" y="0"/>
-          <a:ext cx="0" cy="0"/>
-          <a:chOff x="0" y="0"/>
-          <a:chExt cx="0" cy="0"/>
-        </a:xfrm>
-      </p:grpSpPr>
-      <p:sp>
-        <p:nvSpPr>
-          <p:cNvPr id="7" name="כותרת 1">
-            <a:extLst>
-              <a:ext uri="{FF2B5EF4-FFF2-40B4-BE49-F238E27FC236}">
-                <a16:creationId xmlns:a16="http://schemas.microsoft.com/office/drawing/2014/main" id="{6662C6A5-8295-439A-895D-B86DC7C49A08}"/>
-              </a:ext>
-            </a:extLst>
-          </p:cNvPr>
-          <p:cNvSpPr>
-            <a:spLocks noGrp="1"/>
-          </p:cNvSpPr>
-          <p:nvPr>
-            <p:ph type="title"/>
-          </p:nvPr>
-        </p:nvSpPr>
-        <p:spPr>
-          <a:xfrm>
-            <a:off x="1154954" y="973669"/>
-            <a:ext cx="8825659" cy="706964"/>
-          </a:xfrm>
-        </p:spPr>
-        <p:txBody>
-          <a:bodyPr/>
-          <a:lstStyle/>
-          <a:p>
-            <a:pPr algn="ctr" rtl="1"/>
-            <a:r>
-              <a:rPr lang="he-IL" dirty="0"/>
-              <a:t>אזור אישי</a:t>
-            </a:r>
-          </a:p>
-        </p:txBody>
-      </p:sp>
-      <p:sp>
-        <p:nvSpPr>
-          <p:cNvPr id="8" name="תיבת טקסט 7">
-            <a:extLst>
-              <a:ext uri="{FF2B5EF4-FFF2-40B4-BE49-F238E27FC236}">
-                <a16:creationId xmlns:a16="http://schemas.microsoft.com/office/drawing/2014/main" id="{574778D9-918E-4D7E-9B1A-A7F55F23F17F}"/>
-              </a:ext>
-            </a:extLst>
-          </p:cNvPr>
-          <p:cNvSpPr txBox="1"/>
-          <p:nvPr/>
-        </p:nvSpPr>
-        <p:spPr>
-          <a:xfrm>
-            <a:off x="7919696" y="2534088"/>
-            <a:ext cx="4121834" cy="2031325"/>
-          </a:xfrm>
-          <a:prstGeom prst="rect">
-            <a:avLst/>
-          </a:prstGeom>
-          <a:noFill/>
-        </p:spPr>
-        <p:txBody>
-          <a:bodyPr wrap="square" rtlCol="1">
-            <a:spAutoFit/>
-          </a:bodyPr>
-          <a:lstStyle/>
-          <a:p>
-            <a:pPr marL="285750" indent="-285750" algn="r" rtl="1">
-              <a:buFont typeface="Arial" panose="020B0604020202020204" pitchFamily="34" charset="0"/>
-              <a:buChar char="•"/>
-            </a:pPr>
-            <a:r>
-              <a:rPr lang="he-IL" dirty="0"/>
-              <a:t>בניסיון השני, הגדלנו את משבצת הפגישות שלי, המטרה היא לתת לה משקל גדול יותר מהמשבצות האחרות מכיוון שזהו מידע שיכול להיות יותר רלוונטי למשתמש מאשר משבצת המיקומים שלו שבדרך כלל מכילה את אותו המידע כל הזמן.</a:t>
-            </a:r>
-          </a:p>
-        </p:txBody>
-      </p:sp>
-      <p:pic>
-        <p:nvPicPr>
-          <p:cNvPr id="2" name="תמונה 1">
-            <a:extLst>
-              <a:ext uri="{FF2B5EF4-FFF2-40B4-BE49-F238E27FC236}">
-                <a16:creationId xmlns:a16="http://schemas.microsoft.com/office/drawing/2014/main" id="{1D0A558C-F366-4223-9BC4-B052EF278C55}"/>
-              </a:ext>
-            </a:extLst>
-          </p:cNvPr>
-          <p:cNvPicPr>
-            <a:picLocks noChangeAspect="1"/>
-          </p:cNvPicPr>
-          <p:nvPr/>
-        </p:nvPicPr>
-        <p:blipFill>
-          <a:blip r:embed="rId2"/>
-          <a:stretch>
-            <a:fillRect/>
-          </a:stretch>
-        </p:blipFill>
-        <p:spPr>
-          <a:xfrm>
-            <a:off x="34780" y="2771480"/>
-            <a:ext cx="7223475" cy="4086520"/>
-          </a:xfrm>
-          <a:prstGeom prst="rect">
-            <a:avLst/>
-          </a:prstGeom>
-        </p:spPr>
-      </p:pic>
-    </p:spTree>
-    <p:extLst>
-      <p:ext uri="{BB962C8B-B14F-4D97-AF65-F5344CB8AC3E}">
-        <p14:creationId xmlns:p14="http://schemas.microsoft.com/office/powerpoint/2010/main" val="3822788990"/>
       </p:ext>
     </p:extLst>
   </p:cSld>
@@ -16152,6 +16672,139 @@
       </p:grpSpPr>
       <p:sp>
         <p:nvSpPr>
+          <p:cNvPr id="7" name="כותרת 1">
+            <a:extLst>
+              <a:ext uri="{FF2B5EF4-FFF2-40B4-BE49-F238E27FC236}">
+                <a16:creationId xmlns:a16="http://schemas.microsoft.com/office/drawing/2014/main" id="{6662C6A5-8295-439A-895D-B86DC7C49A08}"/>
+              </a:ext>
+            </a:extLst>
+          </p:cNvPr>
+          <p:cNvSpPr>
+            <a:spLocks noGrp="1"/>
+          </p:cNvSpPr>
+          <p:nvPr>
+            <p:ph type="title"/>
+          </p:nvPr>
+        </p:nvSpPr>
+        <p:spPr>
+          <a:xfrm>
+            <a:off x="1154954" y="973669"/>
+            <a:ext cx="8825659" cy="706964"/>
+          </a:xfrm>
+        </p:spPr>
+        <p:txBody>
+          <a:bodyPr/>
+          <a:lstStyle/>
+          <a:p>
+            <a:pPr algn="ctr" rtl="1"/>
+            <a:r>
+              <a:rPr lang="he-IL" dirty="0"/>
+              <a:t>אזור אישי</a:t>
+            </a:r>
+          </a:p>
+        </p:txBody>
+      </p:sp>
+      <p:sp>
+        <p:nvSpPr>
+          <p:cNvPr id="8" name="תיבת טקסט 7">
+            <a:extLst>
+              <a:ext uri="{FF2B5EF4-FFF2-40B4-BE49-F238E27FC236}">
+                <a16:creationId xmlns:a16="http://schemas.microsoft.com/office/drawing/2014/main" id="{574778D9-918E-4D7E-9B1A-A7F55F23F17F}"/>
+              </a:ext>
+            </a:extLst>
+          </p:cNvPr>
+          <p:cNvSpPr txBox="1"/>
+          <p:nvPr/>
+        </p:nvSpPr>
+        <p:spPr>
+          <a:xfrm>
+            <a:off x="7919696" y="2534088"/>
+            <a:ext cx="4121834" cy="2031325"/>
+          </a:xfrm>
+          <a:prstGeom prst="rect">
+            <a:avLst/>
+          </a:prstGeom>
+          <a:noFill/>
+        </p:spPr>
+        <p:txBody>
+          <a:bodyPr wrap="square" rtlCol="1">
+            <a:spAutoFit/>
+          </a:bodyPr>
+          <a:lstStyle/>
+          <a:p>
+            <a:pPr marL="285750" indent="-285750" algn="r" rtl="1">
+              <a:buFont typeface="Arial" panose="020B0604020202020204" pitchFamily="34" charset="0"/>
+              <a:buChar char="•"/>
+            </a:pPr>
+            <a:r>
+              <a:rPr lang="he-IL" dirty="0"/>
+              <a:t>בניסיון השני, הגדלנו את משבצת הפגישות שלי, המטרה היא לתת לה משקל גדול יותר מהמשבצות האחרות מכיוון שזהו מידע שיכול להיות יותר רלוונטי למשתמש מאשר משבצת המיקומים שלו שבדרך כלל מכילה את אותו המידע כל הזמן.</a:t>
+            </a:r>
+          </a:p>
+        </p:txBody>
+      </p:sp>
+      <p:pic>
+        <p:nvPicPr>
+          <p:cNvPr id="2" name="תמונה 1">
+            <a:extLst>
+              <a:ext uri="{FF2B5EF4-FFF2-40B4-BE49-F238E27FC236}">
+                <a16:creationId xmlns:a16="http://schemas.microsoft.com/office/drawing/2014/main" id="{1D0A558C-F366-4223-9BC4-B052EF278C55}"/>
+              </a:ext>
+            </a:extLst>
+          </p:cNvPr>
+          <p:cNvPicPr>
+            <a:picLocks noChangeAspect="1"/>
+          </p:cNvPicPr>
+          <p:nvPr/>
+        </p:nvPicPr>
+        <p:blipFill>
+          <a:blip r:embed="rId2"/>
+          <a:stretch>
+            <a:fillRect/>
+          </a:stretch>
+        </p:blipFill>
+        <p:spPr>
+          <a:xfrm>
+            <a:off x="34780" y="2771480"/>
+            <a:ext cx="7223475" cy="4086520"/>
+          </a:xfrm>
+          <a:prstGeom prst="rect">
+            <a:avLst/>
+          </a:prstGeom>
+        </p:spPr>
+      </p:pic>
+    </p:spTree>
+    <p:extLst>
+      <p:ext uri="{BB962C8B-B14F-4D97-AF65-F5344CB8AC3E}">
+        <p14:creationId xmlns:p14="http://schemas.microsoft.com/office/powerpoint/2010/main" val="3822788990"/>
+      </p:ext>
+    </p:extLst>
+  </p:cSld>
+  <p:clrMapOvr>
+    <a:masterClrMapping/>
+  </p:clrMapOvr>
+</p:sld>
+</file>
+
+<file path=ppt/slides/slide31.xml><?xml version="1.0" encoding="utf-8"?>
+<p:sld xmlns:a="http://schemas.openxmlformats.org/drawingml/2006/main" xmlns:r="http://schemas.openxmlformats.org/officeDocument/2006/relationships" xmlns:p="http://schemas.openxmlformats.org/presentationml/2006/main">
+  <p:cSld>
+    <p:spTree>
+      <p:nvGrpSpPr>
+        <p:cNvPr id="1" name=""/>
+        <p:cNvGrpSpPr/>
+        <p:nvPr/>
+      </p:nvGrpSpPr>
+      <p:grpSpPr>
+        <a:xfrm>
+          <a:off x="0" y="0"/>
+          <a:ext cx="0" cy="0"/>
+          <a:chOff x="0" y="0"/>
+          <a:chExt cx="0" cy="0"/>
+        </a:xfrm>
+      </p:grpSpPr>
+      <p:sp>
+        <p:nvSpPr>
           <p:cNvPr id="4" name="כותרת 1">
             <a:extLst>
               <a:ext uri="{FF2B5EF4-FFF2-40B4-BE49-F238E27FC236}">
@@ -16280,7 +16933,7 @@
 </p:sld>
 </file>
 
-<file path=ppt/slides/slide31.xml><?xml version="1.0" encoding="utf-8"?>
+<file path=ppt/slides/slide32.xml><?xml version="1.0" encoding="utf-8"?>
 <p:sld xmlns:a="http://schemas.openxmlformats.org/drawingml/2006/main" xmlns:r="http://schemas.openxmlformats.org/officeDocument/2006/relationships" xmlns:p="http://schemas.openxmlformats.org/presentationml/2006/main">
   <p:cSld>
     <p:spTree>
@@ -16471,7 +17124,7 @@
 </p:sld>
 </file>
 
-<file path=ppt/slides/slide32.xml><?xml version="1.0" encoding="utf-8"?>
+<file path=ppt/slides/slide33.xml><?xml version="1.0" encoding="utf-8"?>
 <p:sld xmlns:a="http://schemas.openxmlformats.org/drawingml/2006/main" xmlns:r="http://schemas.openxmlformats.org/officeDocument/2006/relationships" xmlns:p="http://schemas.openxmlformats.org/presentationml/2006/main">
   <p:cSld>
     <p:spTree>
@@ -16671,7 +17324,7 @@
 </p:sld>
 </file>
 
-<file path=ppt/slides/slide33.xml><?xml version="1.0" encoding="utf-8"?>
+<file path=ppt/slides/slide34.xml><?xml version="1.0" encoding="utf-8"?>
 <p:sld xmlns:a="http://schemas.openxmlformats.org/drawingml/2006/main" xmlns:r="http://schemas.openxmlformats.org/officeDocument/2006/relationships" xmlns:p="http://schemas.openxmlformats.org/presentationml/2006/main">
   <p:cSld>
     <p:spTree>
@@ -16849,7 +17502,7 @@
 </p:sld>
 </file>
 
-<file path=ppt/slides/slide34.xml><?xml version="1.0" encoding="utf-8"?>
+<file path=ppt/slides/slide35.xml><?xml version="1.0" encoding="utf-8"?>
 <p:sld xmlns:a="http://schemas.openxmlformats.org/drawingml/2006/main" xmlns:r="http://schemas.openxmlformats.org/officeDocument/2006/relationships" xmlns:p="http://schemas.openxmlformats.org/presentationml/2006/main">
   <p:cSld>
     <p:spTree>
@@ -17015,7 +17668,7 @@
 </p:sld>
 </file>
 
-<file path=ppt/slides/slide35.xml><?xml version="1.0" encoding="utf-8"?>
+<file path=ppt/slides/slide36.xml><?xml version="1.0" encoding="utf-8"?>
 <p:sld xmlns:a="http://schemas.openxmlformats.org/drawingml/2006/main" xmlns:r="http://schemas.openxmlformats.org/officeDocument/2006/relationships" xmlns:p="http://schemas.openxmlformats.org/presentationml/2006/main">
   <p:cSld>
     <p:spTree>
@@ -17177,615 +17830,7 @@
 </p:sld>
 </file>
 
-<file path=ppt/slides/slide4.xml><?xml version="1.0" encoding="utf-8"?>
-<p:sld xmlns:a="http://schemas.openxmlformats.org/drawingml/2006/main" xmlns:r="http://schemas.openxmlformats.org/officeDocument/2006/relationships" xmlns:p="http://schemas.openxmlformats.org/presentationml/2006/main">
-  <p:cSld>
-    <p:spTree>
-      <p:nvGrpSpPr>
-        <p:cNvPr id="1" name=""/>
-        <p:cNvGrpSpPr/>
-        <p:nvPr/>
-      </p:nvGrpSpPr>
-      <p:grpSpPr>
-        <a:xfrm>
-          <a:off x="0" y="0"/>
-          <a:ext cx="0" cy="0"/>
-          <a:chOff x="0" y="0"/>
-          <a:chExt cx="0" cy="0"/>
-        </a:xfrm>
-      </p:grpSpPr>
-      <p:sp>
-        <p:nvSpPr>
-          <p:cNvPr id="2" name="כותרת 1">
-            <a:extLst>
-              <a:ext uri="{FF2B5EF4-FFF2-40B4-BE49-F238E27FC236}">
-                <a16:creationId xmlns:a16="http://schemas.microsoft.com/office/drawing/2014/main" id="{DF2A96FA-B4FE-4351-857B-1D4C8D1B532E}"/>
-              </a:ext>
-            </a:extLst>
-          </p:cNvPr>
-          <p:cNvSpPr>
-            <a:spLocks noGrp="1"/>
-          </p:cNvSpPr>
-          <p:nvPr>
-            <p:ph type="title"/>
-          </p:nvPr>
-        </p:nvSpPr>
-        <p:spPr/>
-        <p:txBody>
-          <a:bodyPr/>
-          <a:lstStyle/>
-          <a:p>
-            <a:pPr algn="ctr"/>
-            <a:r>
-              <a:rPr lang="he-IL" dirty="0"/>
-              <a:t>בעיות כלליות</a:t>
-            </a:r>
-            <a:endParaRPr lang="en-US" dirty="0"/>
-          </a:p>
-        </p:txBody>
-      </p:sp>
-      <p:sp>
-        <p:nvSpPr>
-          <p:cNvPr id="4" name="TextBox 26">
-            <a:extLst>
-              <a:ext uri="{FF2B5EF4-FFF2-40B4-BE49-F238E27FC236}">
-                <a16:creationId xmlns:a16="http://schemas.microsoft.com/office/drawing/2014/main" id="{BE063305-7885-45A4-8B6E-A96B39D54367}"/>
-              </a:ext>
-            </a:extLst>
-          </p:cNvPr>
-          <p:cNvSpPr txBox="1"/>
-          <p:nvPr/>
-        </p:nvSpPr>
-        <p:spPr>
-          <a:xfrm>
-            <a:off x="3714161" y="2325950"/>
-            <a:ext cx="8022119" cy="3739998"/>
-          </a:xfrm>
-          <a:prstGeom prst="rect">
-            <a:avLst/>
-          </a:prstGeom>
-          <a:noFill/>
-        </p:spPr>
-        <p:txBody>
-          <a:bodyPr wrap="square" rtlCol="0">
-            <a:spAutoFit/>
-          </a:bodyPr>
-          <a:lstStyle/>
-          <a:p>
-            <a:pPr marL="285750" indent="-285750" algn="r" rtl="1">
-              <a:lnSpc>
-                <a:spcPct val="150000"/>
-              </a:lnSpc>
-              <a:buFont typeface="Arial" panose="020B0604020202020204" pitchFamily="34" charset="0"/>
-              <a:buChar char="•"/>
-            </a:pPr>
-            <a:r>
-              <a:rPr lang="he-IL" sz="1600" dirty="0"/>
-              <a:t>תפריט ניווט לא ברור – מערב ניווט לדפים וכמו כן מערב פעולה של הוספת פגישה שלא אמורה להיות חלק מהתפריט .</a:t>
-            </a:r>
-          </a:p>
-          <a:p>
-            <a:pPr marL="285750" indent="-285750" algn="r" rtl="1">
-              <a:lnSpc>
-                <a:spcPct val="150000"/>
-              </a:lnSpc>
-              <a:buFont typeface="Arial" panose="020B0604020202020204" pitchFamily="34" charset="0"/>
-              <a:buChar char="•"/>
-            </a:pPr>
-            <a:r>
-              <a:rPr lang="he-IL" sz="1600" dirty="0"/>
-              <a:t>אין אחידות בין המסכים, לדוגמא:</a:t>
-            </a:r>
-            <a:r>
-              <a:rPr lang="en-US" sz="1600" dirty="0"/>
-              <a:t> </a:t>
-            </a:r>
-            <a:r>
-              <a:rPr lang="he-IL" sz="1600" dirty="0"/>
-              <a:t>כפתורי הוספה</a:t>
-            </a:r>
-            <a:r>
-              <a:rPr lang="en-US" sz="1600" dirty="0"/>
-              <a:t>/</a:t>
-            </a:r>
-            <a:r>
-              <a:rPr lang="he-IL" sz="1600" dirty="0"/>
-              <a:t>ביטול שונים בכמה מסכים - </a:t>
-            </a:r>
-            <a:r>
-              <a:rPr lang="he-IL" sz="1600" b="1" dirty="0"/>
-              <a:t>עקיבות וסטנדרטים.</a:t>
-            </a:r>
-          </a:p>
-          <a:p>
-            <a:pPr marL="285750" indent="-285750" algn="r" rtl="1">
-              <a:lnSpc>
-                <a:spcPct val="150000"/>
-              </a:lnSpc>
-              <a:buFont typeface="Arial" panose="020B0604020202020204" pitchFamily="34" charset="0"/>
-              <a:buChar char="•"/>
-            </a:pPr>
-            <a:r>
-              <a:rPr lang="he-IL" sz="1600" dirty="0"/>
-              <a:t>חוסר ניצול של המסך – יש הרבה רווחים מיותרים.</a:t>
-            </a:r>
-          </a:p>
-          <a:p>
-            <a:pPr marL="285750" indent="-285750" algn="r" rtl="1">
-              <a:lnSpc>
-                <a:spcPct val="150000"/>
-              </a:lnSpc>
-              <a:buFont typeface="Arial" panose="020B0604020202020204" pitchFamily="34" charset="0"/>
-              <a:buChar char="•"/>
-            </a:pPr>
-            <a:r>
-              <a:rPr lang="he-IL" sz="1600" dirty="0"/>
-              <a:t>אין חיווי למשתמש באיזה דף הוא נמצא בכל רגע - </a:t>
-            </a:r>
-            <a:r>
-              <a:rPr lang="he-IL" sz="1600" b="1" dirty="0"/>
-              <a:t>נראות מצב המערכת.</a:t>
-            </a:r>
-          </a:p>
-          <a:p>
-            <a:pPr marL="285750" indent="-285750" algn="r" rtl="1">
-              <a:lnSpc>
-                <a:spcPct val="150000"/>
-              </a:lnSpc>
-              <a:buFont typeface="Arial" panose="020B0604020202020204" pitchFamily="34" charset="0"/>
-              <a:buChar char="•"/>
-            </a:pPr>
-            <a:r>
-              <a:rPr lang="he-IL" sz="1600" dirty="0"/>
-              <a:t>המשתמש לא יכול לתקן או לשנות פעולות, לדוגמא: אם המשתמש ביטל פגישה או אישר אותה הוא לא יכול לעשות את הפעולה ההפוכה. – </a:t>
-            </a:r>
-            <a:r>
-              <a:rPr lang="he-IL" sz="1600" b="1" dirty="0"/>
-              <a:t>שליטה וחופש של המשתמש.</a:t>
-            </a:r>
-            <a:endParaRPr lang="he-IL" sz="1600" dirty="0"/>
-          </a:p>
-          <a:p>
-            <a:pPr marL="285750" indent="-285750" algn="r" rtl="1">
-              <a:lnSpc>
-                <a:spcPct val="150000"/>
-              </a:lnSpc>
-              <a:buFont typeface="Arial" panose="020B0604020202020204" pitchFamily="34" charset="0"/>
-              <a:buChar char="•"/>
-            </a:pPr>
-            <a:r>
-              <a:rPr lang="he-IL" sz="1600" dirty="0"/>
-              <a:t>אין פופ - אפים לאישור הפעולה, דרך </a:t>
-            </a:r>
-            <a:r>
-              <a:rPr lang="he-IL" sz="1600" b="1" dirty="0"/>
-              <a:t>למניעת טעויות.</a:t>
-            </a:r>
-          </a:p>
-          <a:p>
-            <a:pPr marL="285750" indent="-285750" algn="r" rtl="1">
-              <a:lnSpc>
-                <a:spcPct val="150000"/>
-              </a:lnSpc>
-              <a:buFont typeface="Arial" panose="020B0604020202020204" pitchFamily="34" charset="0"/>
-              <a:buChar char="•"/>
-            </a:pPr>
-            <a:r>
-              <a:rPr lang="he-IL" sz="1600" dirty="0"/>
-              <a:t>בחירת צבעים לקויה, צבעים לא מזמינים.</a:t>
-            </a:r>
-            <a:endParaRPr lang="he-IL" sz="1600" b="1" dirty="0"/>
-          </a:p>
-        </p:txBody>
-      </p:sp>
-    </p:spTree>
-    <p:extLst>
-      <p:ext uri="{BB962C8B-B14F-4D97-AF65-F5344CB8AC3E}">
-        <p14:creationId xmlns:p14="http://schemas.microsoft.com/office/powerpoint/2010/main" val="2030906434"/>
-      </p:ext>
-    </p:extLst>
-  </p:cSld>
-  <p:clrMapOvr>
-    <a:masterClrMapping/>
-  </p:clrMapOvr>
-</p:sld>
-</file>
-
-<file path=ppt/slides/slide5.xml><?xml version="1.0" encoding="utf-8"?>
-<p:sld xmlns:a="http://schemas.openxmlformats.org/drawingml/2006/main" xmlns:r="http://schemas.openxmlformats.org/officeDocument/2006/relationships" xmlns:p="http://schemas.openxmlformats.org/presentationml/2006/main">
-  <p:cSld>
-    <p:spTree>
-      <p:nvGrpSpPr>
-        <p:cNvPr id="1" name=""/>
-        <p:cNvGrpSpPr/>
-        <p:nvPr/>
-      </p:nvGrpSpPr>
-      <p:grpSpPr>
-        <a:xfrm>
-          <a:off x="0" y="0"/>
-          <a:ext cx="0" cy="0"/>
-          <a:chOff x="0" y="0"/>
-          <a:chExt cx="0" cy="0"/>
-        </a:xfrm>
-      </p:grpSpPr>
-      <p:sp>
-        <p:nvSpPr>
-          <p:cNvPr id="2" name="כותרת 1">
-            <a:extLst>
-              <a:ext uri="{FF2B5EF4-FFF2-40B4-BE49-F238E27FC236}">
-                <a16:creationId xmlns:a16="http://schemas.microsoft.com/office/drawing/2014/main" id="{92A500EE-F6C5-4C79-92F1-D2FDEE8174A4}"/>
-              </a:ext>
-            </a:extLst>
-          </p:cNvPr>
-          <p:cNvSpPr>
-            <a:spLocks noGrp="1"/>
-          </p:cNvSpPr>
-          <p:nvPr>
-            <p:ph type="title"/>
-          </p:nvPr>
-        </p:nvSpPr>
-        <p:spPr/>
-        <p:txBody>
-          <a:bodyPr/>
-          <a:lstStyle/>
-          <a:p>
-            <a:pPr algn="ctr"/>
-            <a:r>
-              <a:rPr lang="he-IL" dirty="0"/>
-              <a:t>מסך התחברות</a:t>
-            </a:r>
-          </a:p>
-        </p:txBody>
-      </p:sp>
-      <p:pic>
-        <p:nvPicPr>
-          <p:cNvPr id="16" name="תמונה 15">
-            <a:extLst>
-              <a:ext uri="{FF2B5EF4-FFF2-40B4-BE49-F238E27FC236}">
-                <a16:creationId xmlns:a16="http://schemas.microsoft.com/office/drawing/2014/main" id="{4FD9B8E5-98A3-4C79-8EC6-1523FF6B0199}"/>
-              </a:ext>
-            </a:extLst>
-          </p:cNvPr>
-          <p:cNvPicPr>
-            <a:picLocks noChangeAspect="1"/>
-          </p:cNvPicPr>
-          <p:nvPr/>
-        </p:nvPicPr>
-        <p:blipFill>
-          <a:blip r:embed="rId2"/>
-          <a:stretch>
-            <a:fillRect/>
-          </a:stretch>
-        </p:blipFill>
-        <p:spPr>
-          <a:xfrm>
-            <a:off x="531944" y="2813539"/>
-            <a:ext cx="6851533" cy="3844516"/>
-          </a:xfrm>
-          <a:prstGeom prst="rect">
-            <a:avLst/>
-          </a:prstGeom>
-        </p:spPr>
-      </p:pic>
-      <p:sp>
-        <p:nvSpPr>
-          <p:cNvPr id="17" name="תיבת טקסט 16">
-            <a:extLst>
-              <a:ext uri="{FF2B5EF4-FFF2-40B4-BE49-F238E27FC236}">
-                <a16:creationId xmlns:a16="http://schemas.microsoft.com/office/drawing/2014/main" id="{2F642565-7D83-416E-A7D1-4FA3B48B83E1}"/>
-              </a:ext>
-            </a:extLst>
-          </p:cNvPr>
-          <p:cNvSpPr txBox="1"/>
-          <p:nvPr/>
-        </p:nvSpPr>
-        <p:spPr>
-          <a:xfrm>
-            <a:off x="7540282" y="2610683"/>
-            <a:ext cx="4487594" cy="3693319"/>
-          </a:xfrm>
-          <a:prstGeom prst="rect">
-            <a:avLst/>
-          </a:prstGeom>
-          <a:noFill/>
-        </p:spPr>
-        <p:txBody>
-          <a:bodyPr wrap="square" rtlCol="1">
-            <a:spAutoFit/>
-          </a:bodyPr>
-          <a:lstStyle/>
-          <a:p>
-            <a:pPr marL="285750" indent="-285750" algn="r" rtl="1">
-              <a:buFont typeface="Arial" panose="020B0604020202020204" pitchFamily="34" charset="0"/>
-              <a:buChar char="•"/>
-            </a:pPr>
-            <a:r>
-              <a:rPr lang="he-IL" dirty="0"/>
-              <a:t>כפתור ההתחברות וההרשמה דומים ויכולים לגרום לבלבול בזמן ההתחברות.</a:t>
-            </a:r>
-          </a:p>
-          <a:p>
-            <a:pPr marL="285750" indent="-285750" algn="r" rtl="1">
-              <a:buFont typeface="Arial" panose="020B0604020202020204" pitchFamily="34" charset="0"/>
-              <a:buChar char="•"/>
-            </a:pPr>
-            <a:r>
-              <a:rPr lang="he-IL" dirty="0"/>
-              <a:t>אין אפשרות לשחזור סיסמת המשתמש – </a:t>
-            </a:r>
-            <a:r>
-              <a:rPr lang="he-IL" b="1" dirty="0"/>
-              <a:t>שליטת משתמש וחופש פעולה.</a:t>
-            </a:r>
-            <a:endParaRPr lang="he-IL" dirty="0"/>
-          </a:p>
-          <a:p>
-            <a:pPr marL="285750" indent="-285750" algn="r" rtl="1">
-              <a:buFont typeface="Arial" panose="020B0604020202020204" pitchFamily="34" charset="0"/>
-              <a:buChar char="•"/>
-            </a:pPr>
-            <a:r>
-              <a:rPr lang="he-IL" dirty="0"/>
-              <a:t>אין חיווי המראה למשתמש היכן הוא ממלא את פרטיו – </a:t>
-            </a:r>
-            <a:r>
-              <a:rPr lang="he-IL" b="1" dirty="0"/>
-              <a:t>חיווי מצב המערכת.</a:t>
-            </a:r>
-            <a:endParaRPr lang="he-IL" dirty="0"/>
-          </a:p>
-          <a:p>
-            <a:pPr marL="285750" indent="-285750" algn="r" rtl="1">
-              <a:buFont typeface="Arial" panose="020B0604020202020204" pitchFamily="34" charset="0"/>
-              <a:buChar char="•"/>
-            </a:pPr>
-            <a:r>
-              <a:rPr lang="he-IL" dirty="0"/>
-              <a:t>אין סמלים\אייקונים שמאפיינים את שדות הקלט – </a:t>
-            </a:r>
-            <a:r>
-              <a:rPr lang="he-IL" b="1" dirty="0"/>
-              <a:t>זיהוי ולא זיכרון.</a:t>
-            </a:r>
-          </a:p>
-          <a:p>
-            <a:pPr marL="285750" indent="-285750" algn="r" rtl="1">
-              <a:buFont typeface="Arial" panose="020B0604020202020204" pitchFamily="34" charset="0"/>
-              <a:buChar char="•"/>
-            </a:pPr>
-            <a:r>
-              <a:rPr lang="he-IL" dirty="0"/>
-              <a:t>על המשתמש ללחוץ על כל שדה קלט עם העכבר על מנת להכניס את הפרטים – </a:t>
-            </a:r>
-            <a:r>
-              <a:rPr lang="he-IL" b="1" dirty="0"/>
-              <a:t>גמישות ויעילות שימוש.</a:t>
-            </a:r>
-          </a:p>
-          <a:p>
-            <a:pPr marL="285750" indent="-285750" algn="r" rtl="1">
-              <a:buFont typeface="Arial" panose="020B0604020202020204" pitchFamily="34" charset="0"/>
-              <a:buChar char="•"/>
-            </a:pPr>
-            <a:r>
-              <a:rPr lang="he-IL" dirty="0"/>
-              <a:t>אין אפשרות "זכור אותי" – </a:t>
-            </a:r>
-            <a:r>
-              <a:rPr lang="he-IL" b="1" dirty="0"/>
-              <a:t>גמישות ויעילות שימוש.</a:t>
-            </a:r>
-            <a:endParaRPr lang="he-IL" dirty="0"/>
-          </a:p>
-        </p:txBody>
-      </p:sp>
-    </p:spTree>
-    <p:extLst>
-      <p:ext uri="{BB962C8B-B14F-4D97-AF65-F5344CB8AC3E}">
-        <p14:creationId xmlns:p14="http://schemas.microsoft.com/office/powerpoint/2010/main" val="2576447696"/>
-      </p:ext>
-    </p:extLst>
-  </p:cSld>
-  <p:clrMapOvr>
-    <a:masterClrMapping/>
-  </p:clrMapOvr>
-</p:sld>
-</file>
-
-<file path=ppt/slides/slide6.xml><?xml version="1.0" encoding="utf-8"?>
-<p:sld xmlns:a="http://schemas.openxmlformats.org/drawingml/2006/main" xmlns:r="http://schemas.openxmlformats.org/officeDocument/2006/relationships" xmlns:p="http://schemas.openxmlformats.org/presentationml/2006/main">
-  <p:cSld>
-    <p:spTree>
-      <p:nvGrpSpPr>
-        <p:cNvPr id="1" name=""/>
-        <p:cNvGrpSpPr/>
-        <p:nvPr/>
-      </p:nvGrpSpPr>
-      <p:grpSpPr>
-        <a:xfrm>
-          <a:off x="0" y="0"/>
-          <a:ext cx="0" cy="0"/>
-          <a:chOff x="0" y="0"/>
-          <a:chExt cx="0" cy="0"/>
-        </a:xfrm>
-      </p:grpSpPr>
-      <p:sp>
-        <p:nvSpPr>
-          <p:cNvPr id="2" name="כותרת 1">
-            <a:extLst>
-              <a:ext uri="{FF2B5EF4-FFF2-40B4-BE49-F238E27FC236}">
-                <a16:creationId xmlns:a16="http://schemas.microsoft.com/office/drawing/2014/main" id="{DE777293-170B-4164-A212-000191C56DFE}"/>
-              </a:ext>
-            </a:extLst>
-          </p:cNvPr>
-          <p:cNvSpPr>
-            <a:spLocks noGrp="1"/>
-          </p:cNvSpPr>
-          <p:nvPr>
-            <p:ph type="title"/>
-          </p:nvPr>
-        </p:nvSpPr>
-        <p:spPr/>
-        <p:txBody>
-          <a:bodyPr/>
-          <a:lstStyle/>
-          <a:p>
-            <a:pPr algn="ctr" rtl="1"/>
-            <a:r>
-              <a:rPr lang="he-IL"/>
-              <a:t>מסך </a:t>
-            </a:r>
-            <a:r>
-              <a:rPr lang="he-IL" dirty="0"/>
-              <a:t>הרשמה</a:t>
-            </a:r>
-          </a:p>
-        </p:txBody>
-      </p:sp>
-      <p:pic>
-        <p:nvPicPr>
-          <p:cNvPr id="4" name="תמונה 3">
-            <a:extLst>
-              <a:ext uri="{FF2B5EF4-FFF2-40B4-BE49-F238E27FC236}">
-                <a16:creationId xmlns:a16="http://schemas.microsoft.com/office/drawing/2014/main" id="{2B8550E2-EBB3-4A16-B677-A16EF0998913}"/>
-              </a:ext>
-            </a:extLst>
-          </p:cNvPr>
-          <p:cNvPicPr>
-            <a:picLocks noChangeAspect="1"/>
-          </p:cNvPicPr>
-          <p:nvPr/>
-        </p:nvPicPr>
-        <p:blipFill>
-          <a:blip r:embed="rId2"/>
-          <a:stretch>
-            <a:fillRect/>
-          </a:stretch>
-        </p:blipFill>
-        <p:spPr>
-          <a:xfrm>
-            <a:off x="331177" y="2477527"/>
-            <a:ext cx="7434189" cy="4212128"/>
-          </a:xfrm>
-          <a:prstGeom prst="rect">
-            <a:avLst/>
-          </a:prstGeom>
-        </p:spPr>
-      </p:pic>
-      <p:sp>
-        <p:nvSpPr>
-          <p:cNvPr id="5" name="תיבת טקסט 4">
-            <a:extLst>
-              <a:ext uri="{FF2B5EF4-FFF2-40B4-BE49-F238E27FC236}">
-                <a16:creationId xmlns:a16="http://schemas.microsoft.com/office/drawing/2014/main" id="{49C1F48E-4344-478F-B955-03346A467B7E}"/>
-              </a:ext>
-            </a:extLst>
-          </p:cNvPr>
-          <p:cNvSpPr txBox="1"/>
-          <p:nvPr/>
-        </p:nvSpPr>
-        <p:spPr>
-          <a:xfrm>
-            <a:off x="7919696" y="2477527"/>
-            <a:ext cx="4121834" cy="3139321"/>
-          </a:xfrm>
-          <a:prstGeom prst="rect">
-            <a:avLst/>
-          </a:prstGeom>
-          <a:noFill/>
-        </p:spPr>
-        <p:txBody>
-          <a:bodyPr wrap="square" rtlCol="1">
-            <a:spAutoFit/>
-          </a:bodyPr>
-          <a:lstStyle/>
-          <a:p>
-            <a:pPr marL="285750" indent="-285750" algn="r" rtl="1">
-              <a:buFont typeface="Arial" panose="020B0604020202020204" pitchFamily="34" charset="0"/>
-              <a:buChar char="•"/>
-            </a:pPr>
-            <a:r>
-              <a:rPr lang="he-IL" dirty="0"/>
-              <a:t>אין כפתור חזרה למסך ההתחברות – </a:t>
-            </a:r>
-            <a:r>
-              <a:rPr lang="he-IL" b="1" dirty="0"/>
-              <a:t>שליטת משתמש וחופש פעולה.</a:t>
-            </a:r>
-          </a:p>
-          <a:p>
-            <a:pPr marL="285750" indent="-285750" algn="r" rtl="1">
-              <a:buFont typeface="Arial" panose="020B0604020202020204" pitchFamily="34" charset="0"/>
-              <a:buChar char="•"/>
-            </a:pPr>
-            <a:r>
-              <a:rPr lang="he-IL" dirty="0"/>
-              <a:t>אין שדה לאימות סיסמה בשנית – </a:t>
-            </a:r>
-            <a:r>
-              <a:rPr lang="he-IL" b="1" dirty="0"/>
-              <a:t>מניעת טעויות.</a:t>
-            </a:r>
-          </a:p>
-          <a:p>
-            <a:pPr marL="285750" indent="-285750" algn="r" rtl="1">
-              <a:buFont typeface="Arial" panose="020B0604020202020204" pitchFamily="34" charset="0"/>
-              <a:buChar char="•"/>
-            </a:pPr>
-            <a:r>
-              <a:rPr lang="he-IL" dirty="0"/>
-              <a:t>אין חיווי למשתמש לגביי מה הדרישות לסיסמה תקינה – </a:t>
-            </a:r>
-            <a:r>
-              <a:rPr lang="he-IL" b="1" dirty="0"/>
-              <a:t>עזרה ומסמכים.</a:t>
-            </a:r>
-            <a:endParaRPr lang="he-IL" dirty="0"/>
-          </a:p>
-          <a:p>
-            <a:pPr marL="285750" indent="-285750" algn="r" rtl="1">
-              <a:buFont typeface="Arial" panose="020B0604020202020204" pitchFamily="34" charset="0"/>
-              <a:buChar char="•"/>
-            </a:pPr>
-            <a:r>
-              <a:rPr lang="he-IL" dirty="0"/>
-              <a:t>אין ולידציה בעת מילוי האימייל (לפני לחיצת כפתור "הירשם") או תבנית של אימייל המונעות טעויות – </a:t>
-            </a:r>
-            <a:r>
-              <a:rPr lang="he-IL" b="1" dirty="0"/>
-              <a:t>מניעת טעויות.</a:t>
-            </a:r>
-          </a:p>
-          <a:p>
-            <a:pPr marL="285750" indent="-285750" algn="r" rtl="1">
-              <a:buFont typeface="Arial" panose="020B0604020202020204" pitchFamily="34" charset="0"/>
-              <a:buChar char="•"/>
-            </a:pPr>
-            <a:r>
-              <a:rPr lang="he-IL" dirty="0"/>
-              <a:t>אין סימון ברירת מחדל של מין –</a:t>
-            </a:r>
-            <a:r>
-              <a:rPr lang="he-IL" b="1" dirty="0"/>
-              <a:t> מניעת טעויות.</a:t>
-            </a:r>
-          </a:p>
-        </p:txBody>
-      </p:sp>
-    </p:spTree>
-    <p:extLst>
-      <p:ext uri="{BB962C8B-B14F-4D97-AF65-F5344CB8AC3E}">
-        <p14:creationId xmlns:p14="http://schemas.microsoft.com/office/powerpoint/2010/main" val="2598648921"/>
-      </p:ext>
-    </p:extLst>
-  </p:cSld>
-  <p:clrMapOvr>
-    <a:masterClrMapping/>
-  </p:clrMapOvr>
-</p:sld>
-</file>
-
-<file path=ppt/slides/slide7.xml><?xml version="1.0" encoding="utf-8"?>
+<file path=ppt/slides/slide37.xml><?xml version="1.0" encoding="utf-8"?>
 <p:sld xmlns:a="http://schemas.openxmlformats.org/drawingml/2006/main" xmlns:r="http://schemas.openxmlformats.org/officeDocument/2006/relationships" xmlns:p="http://schemas.openxmlformats.org/presentationml/2006/main">
   <p:cSld>
     <p:spTree>
@@ -18184,8 +18229,8 @@
         </p:nvSpPr>
         <p:spPr>
           <a:xfrm>
-            <a:off x="6542843" y="2325950"/>
-            <a:ext cx="5193437" cy="4477508"/>
+            <a:off x="6704846" y="2664995"/>
+            <a:ext cx="5193437" cy="1893339"/>
           </a:xfrm>
           <a:prstGeom prst="rect">
             <a:avLst/>
@@ -18198,6 +18243,125 @@
           </a:bodyPr>
           <a:lstStyle/>
           <a:p>
+            <a:pPr algn="r" rtl="1">
+              <a:lnSpc>
+                <a:spcPct val="150000"/>
+              </a:lnSpc>
+            </a:pPr>
+            <a:r>
+              <a:rPr lang="he-IL" sz="1600" dirty="0"/>
+              <a:t>הבעיה הראשונה איתה התמודדנו במסך זה היא שאין כפתור למחיקת אילוץ\פגישה. לעיתים המשתמש פתח פגישה ביום לא נכון או אילות ביום לא נכון ויירצה מיד למחוק אותה ולחזור למצב הקודם בלחיצת כפתור. </a:t>
+            </a:r>
+          </a:p>
+          <a:p>
+            <a:pPr algn="r" rtl="1">
+              <a:lnSpc>
+                <a:spcPct val="150000"/>
+              </a:lnSpc>
+            </a:pPr>
+            <a:r>
+              <a:rPr lang="he-IL" sz="1600" dirty="0"/>
+              <a:t>(פוגע בעקרון </a:t>
+            </a:r>
+            <a:r>
+              <a:rPr lang="he-IL" sz="1600" b="1" dirty="0"/>
+              <a:t>השליטה והחופש של המשתמש</a:t>
+            </a:r>
+            <a:r>
+              <a:rPr lang="he-IL" sz="1600" dirty="0"/>
+              <a:t>) </a:t>
+            </a:r>
+          </a:p>
+        </p:txBody>
+      </p:sp>
+    </p:spTree>
+    <p:extLst>
+      <p:ext uri="{BB962C8B-B14F-4D97-AF65-F5344CB8AC3E}">
+        <p14:creationId xmlns:p14="http://schemas.microsoft.com/office/powerpoint/2010/main" val="931752309"/>
+      </p:ext>
+    </p:extLst>
+  </p:cSld>
+  <p:clrMapOvr>
+    <a:masterClrMapping/>
+  </p:clrMapOvr>
+</p:sld>
+</file>
+
+<file path=ppt/slides/slide38.xml><?xml version="1.0" encoding="utf-8"?>
+<p:sld xmlns:a="http://schemas.openxmlformats.org/drawingml/2006/main" xmlns:r="http://schemas.openxmlformats.org/officeDocument/2006/relationships" xmlns:p="http://schemas.openxmlformats.org/presentationml/2006/main">
+  <p:cSld>
+    <p:spTree>
+      <p:nvGrpSpPr>
+        <p:cNvPr id="1" name=""/>
+        <p:cNvGrpSpPr/>
+        <p:nvPr/>
+      </p:nvGrpSpPr>
+      <p:grpSpPr>
+        <a:xfrm>
+          <a:off x="0" y="0"/>
+          <a:ext cx="0" cy="0"/>
+          <a:chOff x="0" y="0"/>
+          <a:chExt cx="0" cy="0"/>
+        </a:xfrm>
+      </p:grpSpPr>
+      <p:sp>
+        <p:nvSpPr>
+          <p:cNvPr id="2" name="Title 1">
+            <a:extLst>
+              <a:ext uri="{FF2B5EF4-FFF2-40B4-BE49-F238E27FC236}">
+                <a16:creationId xmlns:a16="http://schemas.microsoft.com/office/drawing/2014/main" id="{F2E75ACD-C303-46DD-8FB4-27FC6A409857}"/>
+              </a:ext>
+            </a:extLst>
+          </p:cNvPr>
+          <p:cNvSpPr>
+            <a:spLocks noGrp="1"/>
+          </p:cNvSpPr>
+          <p:nvPr>
+            <p:ph type="title"/>
+          </p:nvPr>
+        </p:nvSpPr>
+        <p:spPr/>
+        <p:txBody>
+          <a:bodyPr/>
+          <a:lstStyle/>
+          <a:p>
+            <a:pPr algn="ctr"/>
+            <a:r>
+              <a:rPr lang="he-IL" sz="4800" dirty="0"/>
+              <a:t>מסך הבית</a:t>
+            </a:r>
+            <a:endParaRPr lang="en-US" sz="4800" dirty="0"/>
+          </a:p>
+        </p:txBody>
+      </p:sp>
+      <p:sp>
+        <p:nvSpPr>
+          <p:cNvPr id="27" name="TextBox 26">
+            <a:extLst>
+              <a:ext uri="{FF2B5EF4-FFF2-40B4-BE49-F238E27FC236}">
+                <a16:creationId xmlns:a16="http://schemas.microsoft.com/office/drawing/2014/main" id="{793931D8-69E6-451B-8BCE-EC76158083DE}"/>
+              </a:ext>
+            </a:extLst>
+          </p:cNvPr>
+          <p:cNvSpPr txBox="1"/>
+          <p:nvPr/>
+        </p:nvSpPr>
+        <p:spPr>
+          <a:xfrm>
+            <a:off x="7039992" y="2664995"/>
+            <a:ext cx="4858291" cy="1154675"/>
+          </a:xfrm>
+          <a:prstGeom prst="rect">
+            <a:avLst/>
+          </a:prstGeom>
+          <a:noFill/>
+        </p:spPr>
+        <p:txBody>
+          <a:bodyPr wrap="square" rtlCol="0">
+            <a:spAutoFit/>
+          </a:bodyPr>
+          <a:lstStyle/>
+          <a:p>
             <a:pPr marL="285750" indent="-285750" algn="r" rtl="1">
               <a:lnSpc>
                 <a:spcPct val="150000"/>
@@ -18207,9 +18371,593 @@
             </a:pPr>
             <a:r>
               <a:rPr lang="he-IL" sz="1600" dirty="0"/>
-              <a:t>אין כפתור לביטול פעולה לאחר שעשינו אותה</a:t>
-            </a:r>
-          </a:p>
+              <a:t>החלפנו את הבולטים בכפתור </a:t>
+            </a:r>
+            <a:r>
+              <a:rPr lang="en-US" sz="1600" dirty="0"/>
+              <a:t>X</a:t>
+            </a:r>
+            <a:r>
+              <a:rPr lang="he-IL" sz="1600" dirty="0"/>
+              <a:t> קטן ליד פגישות ואילוצים</a:t>
+            </a:r>
+            <a:r>
+              <a:rPr lang="he-IL" sz="1600" b="1" dirty="0"/>
+              <a:t> </a:t>
+            </a:r>
+            <a:r>
+              <a:rPr lang="he-IL" sz="1600" dirty="0"/>
+              <a:t>כעת היה אפשר למחוק אילוץ או פגישה במסך זה בלחיצת כפתור.</a:t>
+            </a:r>
+          </a:p>
+        </p:txBody>
+      </p:sp>
+      <p:grpSp>
+        <p:nvGrpSpPr>
+          <p:cNvPr id="5" name="Group 4">
+            <a:extLst>
+              <a:ext uri="{FF2B5EF4-FFF2-40B4-BE49-F238E27FC236}">
+                <a16:creationId xmlns:a16="http://schemas.microsoft.com/office/drawing/2014/main" id="{F866ED38-380F-4F5A-A902-2E205D5EA656}"/>
+              </a:ext>
+            </a:extLst>
+          </p:cNvPr>
+          <p:cNvGrpSpPr/>
+          <p:nvPr/>
+        </p:nvGrpSpPr>
+        <p:grpSpPr>
+          <a:xfrm>
+            <a:off x="603682" y="2587752"/>
+            <a:ext cx="5492317" cy="3470148"/>
+            <a:chOff x="0" y="0"/>
+            <a:chExt cx="9144000" cy="5143500"/>
+          </a:xfrm>
+        </p:grpSpPr>
+        <p:sp>
+          <p:nvSpPr>
+            <p:cNvPr id="6" name="Google Shape;91;p15">
+              <a:extLst>
+                <a:ext uri="{FF2B5EF4-FFF2-40B4-BE49-F238E27FC236}">
+                  <a16:creationId xmlns:a16="http://schemas.microsoft.com/office/drawing/2014/main" id="{01755B5A-0BB7-408E-9535-1E077DF2E1A8}"/>
+                </a:ext>
+              </a:extLst>
+            </p:cNvPr>
+            <p:cNvSpPr/>
+            <p:nvPr/>
+          </p:nvSpPr>
+          <p:spPr>
+            <a:xfrm>
+              <a:off x="0" y="0"/>
+              <a:ext cx="9144000" cy="583200"/>
+            </a:xfrm>
+            <a:prstGeom prst="rect">
+              <a:avLst/>
+            </a:prstGeom>
+            <a:solidFill>
+              <a:srgbClr val="B4D0E7"/>
+            </a:solidFill>
+            <a:ln w="9525" cap="flat" cmpd="sng">
+              <a:solidFill>
+                <a:srgbClr val="B4D0E7"/>
+              </a:solidFill>
+              <a:prstDash val="solid"/>
+              <a:round/>
+              <a:headEnd type="none" w="sm" len="sm"/>
+              <a:tailEnd type="none" w="sm" len="sm"/>
+            </a:ln>
+            <a:effectLst>
+              <a:outerShdw blurRad="57150" dist="19050" dir="5400000" algn="bl" rotWithShape="0">
+                <a:schemeClr val="dk1">
+                  <a:alpha val="50000"/>
+                </a:schemeClr>
+              </a:outerShdw>
+            </a:effectLst>
+          </p:spPr>
+          <p:txBody>
+            <a:bodyPr spcFirstLastPara="1" wrap="square" lIns="91425" tIns="91425" rIns="91425" bIns="91425" anchor="ctr" anchorCtr="0">
+              <a:noAutofit/>
+            </a:bodyPr>
+            <a:lstStyle/>
+            <a:p>
+              <a:pPr marL="0" lvl="0" indent="0" algn="l" rtl="0">
+                <a:spcBef>
+                  <a:spcPts val="0"/>
+                </a:spcBef>
+                <a:spcAft>
+                  <a:spcPts val="0"/>
+                </a:spcAft>
+                <a:buNone/>
+              </a:pPr>
+              <a:endParaRPr sz="800"/>
+            </a:p>
+          </p:txBody>
+        </p:sp>
+        <p:sp>
+          <p:nvSpPr>
+            <p:cNvPr id="7" name="Google Shape;92;p15">
+              <a:extLst>
+                <a:ext uri="{FF2B5EF4-FFF2-40B4-BE49-F238E27FC236}">
+                  <a16:creationId xmlns:a16="http://schemas.microsoft.com/office/drawing/2014/main" id="{5C7BE3B2-FD5B-460A-9A67-FCE458A6B155}"/>
+                </a:ext>
+              </a:extLst>
+            </p:cNvPr>
+            <p:cNvSpPr txBox="1"/>
+            <p:nvPr/>
+          </p:nvSpPr>
+          <p:spPr>
+            <a:xfrm>
+              <a:off x="7759591" y="120750"/>
+              <a:ext cx="1330159" cy="341701"/>
+            </a:xfrm>
+            <a:prstGeom prst="rect">
+              <a:avLst/>
+            </a:prstGeom>
+            <a:noFill/>
+            <a:ln>
+              <a:noFill/>
+            </a:ln>
+          </p:spPr>
+          <p:txBody>
+            <a:bodyPr spcFirstLastPara="1" wrap="square" lIns="91425" tIns="91425" rIns="91425" bIns="91425" anchor="t" anchorCtr="0">
+              <a:noAutofit/>
+            </a:bodyPr>
+            <a:lstStyle/>
+            <a:p>
+              <a:pPr marL="0" lvl="0" indent="0" algn="r" rtl="0">
+                <a:spcBef>
+                  <a:spcPts val="0"/>
+                </a:spcBef>
+                <a:spcAft>
+                  <a:spcPts val="0"/>
+                </a:spcAft>
+                <a:buNone/>
+              </a:pPr>
+              <a:r>
+                <a:rPr lang="iw" sz="800" dirty="0">
+                  <a:solidFill>
+                    <a:srgbClr val="FFFFFF"/>
+                  </a:solidFill>
+                </a:rPr>
+                <a:t>WeMeet</a:t>
+              </a:r>
+              <a:endParaRPr sz="800" dirty="0">
+                <a:solidFill>
+                  <a:srgbClr val="FFFFFF"/>
+                </a:solidFill>
+              </a:endParaRPr>
+            </a:p>
+          </p:txBody>
+        </p:sp>
+        <p:sp>
+          <p:nvSpPr>
+            <p:cNvPr id="8" name="Google Shape;93;p15">
+              <a:extLst>
+                <a:ext uri="{FF2B5EF4-FFF2-40B4-BE49-F238E27FC236}">
+                  <a16:creationId xmlns:a16="http://schemas.microsoft.com/office/drawing/2014/main" id="{CE27B41C-32BA-41CE-9EDD-89D8F15B1D10}"/>
+                </a:ext>
+              </a:extLst>
+            </p:cNvPr>
+            <p:cNvSpPr txBox="1"/>
+            <p:nvPr/>
+          </p:nvSpPr>
+          <p:spPr>
+            <a:xfrm>
+              <a:off x="6514030" y="114491"/>
+              <a:ext cx="1080000" cy="327900"/>
+            </a:xfrm>
+            <a:prstGeom prst="rect">
+              <a:avLst/>
+            </a:prstGeom>
+            <a:noFill/>
+            <a:ln>
+              <a:noFill/>
+            </a:ln>
+          </p:spPr>
+          <p:txBody>
+            <a:bodyPr spcFirstLastPara="1" wrap="square" lIns="91425" tIns="91425" rIns="91425" bIns="91425" anchor="t" anchorCtr="0">
+              <a:noAutofit/>
+            </a:bodyPr>
+            <a:lstStyle/>
+            <a:p>
+              <a:pPr marL="0" lvl="0" indent="0" algn="r" rtl="1">
+                <a:spcBef>
+                  <a:spcPts val="0"/>
+                </a:spcBef>
+                <a:spcAft>
+                  <a:spcPts val="0"/>
+                </a:spcAft>
+                <a:buNone/>
+              </a:pPr>
+              <a:r>
+                <a:rPr lang="iw" sz="800" dirty="0">
+                  <a:solidFill>
+                    <a:srgbClr val="FFFFFF"/>
+                  </a:solidFill>
+                </a:rPr>
+                <a:t>אזור אישי</a:t>
+              </a:r>
+              <a:endParaRPr sz="800" dirty="0">
+                <a:solidFill>
+                  <a:srgbClr val="FFFFFF"/>
+                </a:solidFill>
+              </a:endParaRPr>
+            </a:p>
+          </p:txBody>
+        </p:sp>
+        <p:sp>
+          <p:nvSpPr>
+            <p:cNvPr id="9" name="Google Shape;94;p15">
+              <a:extLst>
+                <a:ext uri="{FF2B5EF4-FFF2-40B4-BE49-F238E27FC236}">
+                  <a16:creationId xmlns:a16="http://schemas.microsoft.com/office/drawing/2014/main" id="{771585CF-BF08-43CA-8C3C-82AF60CAE1C2}"/>
+                </a:ext>
+              </a:extLst>
+            </p:cNvPr>
+            <p:cNvSpPr txBox="1"/>
+            <p:nvPr/>
+          </p:nvSpPr>
+          <p:spPr>
+            <a:xfrm>
+              <a:off x="4842907" y="127650"/>
+              <a:ext cx="1476000" cy="327900"/>
+            </a:xfrm>
+            <a:prstGeom prst="rect">
+              <a:avLst/>
+            </a:prstGeom>
+            <a:noFill/>
+            <a:ln>
+              <a:noFill/>
+            </a:ln>
+          </p:spPr>
+          <p:txBody>
+            <a:bodyPr spcFirstLastPara="1" wrap="square" lIns="91425" tIns="91425" rIns="91425" bIns="91425" anchor="t" anchorCtr="0">
+              <a:noAutofit/>
+            </a:bodyPr>
+            <a:lstStyle/>
+            <a:p>
+              <a:pPr marL="0" lvl="0" indent="0" algn="r" rtl="1">
+                <a:spcBef>
+                  <a:spcPts val="0"/>
+                </a:spcBef>
+                <a:spcAft>
+                  <a:spcPts val="0"/>
+                </a:spcAft>
+                <a:buNone/>
+              </a:pPr>
+              <a:r>
+                <a:rPr lang="iw" sz="800" dirty="0">
+                  <a:solidFill>
+                    <a:srgbClr val="FFFFFF"/>
+                  </a:solidFill>
+                </a:rPr>
+                <a:t>פגישה חדשה</a:t>
+              </a:r>
+              <a:endParaRPr sz="800" dirty="0">
+                <a:solidFill>
+                  <a:srgbClr val="FFFFFF"/>
+                </a:solidFill>
+              </a:endParaRPr>
+            </a:p>
+          </p:txBody>
+        </p:sp>
+        <p:sp>
+          <p:nvSpPr>
+            <p:cNvPr id="10" name="Google Shape;95;p15">
+              <a:extLst>
+                <a:ext uri="{FF2B5EF4-FFF2-40B4-BE49-F238E27FC236}">
+                  <a16:creationId xmlns:a16="http://schemas.microsoft.com/office/drawing/2014/main" id="{E13A2D5B-48D4-41B8-A4AA-4AB9E5CA746E}"/>
+                </a:ext>
+              </a:extLst>
+            </p:cNvPr>
+            <p:cNvSpPr txBox="1"/>
+            <p:nvPr/>
+          </p:nvSpPr>
+          <p:spPr>
+            <a:xfrm>
+              <a:off x="314375" y="127650"/>
+              <a:ext cx="862800" cy="327900"/>
+            </a:xfrm>
+            <a:prstGeom prst="rect">
+              <a:avLst/>
+            </a:prstGeom>
+            <a:noFill/>
+            <a:ln>
+              <a:noFill/>
+            </a:ln>
+          </p:spPr>
+          <p:txBody>
+            <a:bodyPr spcFirstLastPara="1" wrap="square" lIns="91425" tIns="91425" rIns="91425" bIns="91425" anchor="t" anchorCtr="0">
+              <a:noAutofit/>
+            </a:bodyPr>
+            <a:lstStyle/>
+            <a:p>
+              <a:pPr marL="0" lvl="0" indent="0" algn="r" rtl="1">
+                <a:spcBef>
+                  <a:spcPts val="0"/>
+                </a:spcBef>
+                <a:spcAft>
+                  <a:spcPts val="0"/>
+                </a:spcAft>
+                <a:buNone/>
+              </a:pPr>
+              <a:r>
+                <a:rPr lang="iw" sz="800">
+                  <a:solidFill>
+                    <a:srgbClr val="FFFFFF"/>
+                  </a:solidFill>
+                </a:rPr>
+                <a:t>התנתק</a:t>
+              </a:r>
+              <a:endParaRPr sz="800">
+                <a:solidFill>
+                  <a:srgbClr val="FFFFFF"/>
+                </a:solidFill>
+              </a:endParaRPr>
+            </a:p>
+          </p:txBody>
+        </p:sp>
+        <p:pic>
+          <p:nvPicPr>
+            <p:cNvPr id="11" name="Google Shape;96;p15">
+              <a:extLst>
+                <a:ext uri="{FF2B5EF4-FFF2-40B4-BE49-F238E27FC236}">
+                  <a16:creationId xmlns:a16="http://schemas.microsoft.com/office/drawing/2014/main" id="{35DDAF46-A92C-403A-93AD-9A666674BB4E}"/>
+                </a:ext>
+              </a:extLst>
+            </p:cNvPr>
+            <p:cNvPicPr preferRelativeResize="0"/>
+            <p:nvPr/>
+          </p:nvPicPr>
+          <p:blipFill>
+            <a:blip r:embed="rId2">
+              <a:alphaModFix/>
+            </a:blip>
+            <a:stretch>
+              <a:fillRect/>
+            </a:stretch>
+          </p:blipFill>
+          <p:spPr>
+            <a:xfrm>
+              <a:off x="0" y="1069008"/>
+              <a:ext cx="9143999" cy="4074492"/>
+            </a:xfrm>
+            <a:prstGeom prst="rect">
+              <a:avLst/>
+            </a:prstGeom>
+            <a:noFill/>
+            <a:ln>
+              <a:noFill/>
+            </a:ln>
+          </p:spPr>
+        </p:pic>
+      </p:grpSp>
+      <p:pic>
+        <p:nvPicPr>
+          <p:cNvPr id="1026" name="Picture 2" descr="Image result for blue x sign">
+            <a:extLst>
+              <a:ext uri="{FF2B5EF4-FFF2-40B4-BE49-F238E27FC236}">
+                <a16:creationId xmlns:a16="http://schemas.microsoft.com/office/drawing/2014/main" id="{B7F4F153-1D55-4CAA-A62F-E0244B0667E6}"/>
+              </a:ext>
+            </a:extLst>
+          </p:cNvPr>
+          <p:cNvPicPr>
+            <a:picLocks noChangeAspect="1" noChangeArrowheads="1"/>
+          </p:cNvPicPr>
+          <p:nvPr/>
+        </p:nvPicPr>
+        <p:blipFill>
+          <a:blip r:embed="rId3">
+            <a:extLst>
+              <a:ext uri="{28A0092B-C50C-407E-A947-70E740481C1C}">
+                <a14:useLocalDpi xmlns:a14="http://schemas.microsoft.com/office/drawing/2010/main" val="0"/>
+              </a:ext>
+            </a:extLst>
+          </a:blip>
+          <a:srcRect/>
+          <a:stretch>
+            <a:fillRect/>
+          </a:stretch>
+        </p:blipFill>
+        <p:spPr bwMode="auto">
+          <a:xfrm flipH="1" flipV="1">
+            <a:off x="2886929" y="3586162"/>
+            <a:ext cx="65820" cy="65820"/>
+          </a:xfrm>
+          <a:prstGeom prst="rect">
+            <a:avLst/>
+          </a:prstGeom>
+          <a:noFill/>
+          <a:extLst>
+            <a:ext uri="{909E8E84-426E-40DD-AFC4-6F175D3DCCD1}">
+              <a14:hiddenFill xmlns:a14="http://schemas.microsoft.com/office/drawing/2010/main">
+                <a:solidFill>
+                  <a:srgbClr val="FFFFFF"/>
+                </a:solidFill>
+              </a14:hiddenFill>
+            </a:ext>
+          </a:extLst>
+        </p:spPr>
+      </p:pic>
+      <p:pic>
+        <p:nvPicPr>
+          <p:cNvPr id="13" name="Picture 2" descr="Image result for blue x sign">
+            <a:extLst>
+              <a:ext uri="{FF2B5EF4-FFF2-40B4-BE49-F238E27FC236}">
+                <a16:creationId xmlns:a16="http://schemas.microsoft.com/office/drawing/2014/main" id="{8463B991-8138-4223-8350-33CBF2281A89}"/>
+              </a:ext>
+            </a:extLst>
+          </p:cNvPr>
+          <p:cNvPicPr>
+            <a:picLocks noChangeAspect="1" noChangeArrowheads="1"/>
+          </p:cNvPicPr>
+          <p:nvPr/>
+        </p:nvPicPr>
+        <p:blipFill>
+          <a:blip r:embed="rId3">
+            <a:extLst>
+              <a:ext uri="{28A0092B-C50C-407E-A947-70E740481C1C}">
+                <a14:useLocalDpi xmlns:a14="http://schemas.microsoft.com/office/drawing/2010/main" val="0"/>
+              </a:ext>
+            </a:extLst>
+          </a:blip>
+          <a:srcRect/>
+          <a:stretch>
+            <a:fillRect/>
+          </a:stretch>
+        </p:blipFill>
+        <p:spPr bwMode="auto">
+          <a:xfrm flipH="1" flipV="1">
+            <a:off x="5236311" y="4119562"/>
+            <a:ext cx="65820" cy="65820"/>
+          </a:xfrm>
+          <a:prstGeom prst="rect">
+            <a:avLst/>
+          </a:prstGeom>
+          <a:noFill/>
+          <a:extLst>
+            <a:ext uri="{909E8E84-426E-40DD-AFC4-6F175D3DCCD1}">
+              <a14:hiddenFill xmlns:a14="http://schemas.microsoft.com/office/drawing/2010/main">
+                <a:solidFill>
+                  <a:srgbClr val="FFFFFF"/>
+                </a:solidFill>
+              </a14:hiddenFill>
+            </a:ext>
+          </a:extLst>
+        </p:spPr>
+      </p:pic>
+      <p:pic>
+        <p:nvPicPr>
+          <p:cNvPr id="14" name="Picture 2" descr="Image result for blue x sign">
+            <a:extLst>
+              <a:ext uri="{FF2B5EF4-FFF2-40B4-BE49-F238E27FC236}">
+                <a16:creationId xmlns:a16="http://schemas.microsoft.com/office/drawing/2014/main" id="{AE536344-A19E-4537-9F0A-D8AABF055296}"/>
+              </a:ext>
+            </a:extLst>
+          </p:cNvPr>
+          <p:cNvPicPr>
+            <a:picLocks noChangeAspect="1" noChangeArrowheads="1"/>
+          </p:cNvPicPr>
+          <p:nvPr/>
+        </p:nvPicPr>
+        <p:blipFill>
+          <a:blip r:embed="rId3">
+            <a:extLst>
+              <a:ext uri="{28A0092B-C50C-407E-A947-70E740481C1C}">
+                <a14:useLocalDpi xmlns:a14="http://schemas.microsoft.com/office/drawing/2010/main" val="0"/>
+              </a:ext>
+            </a:extLst>
+          </a:blip>
+          <a:srcRect/>
+          <a:stretch>
+            <a:fillRect/>
+          </a:stretch>
+        </p:blipFill>
+        <p:spPr bwMode="auto">
+          <a:xfrm flipH="1" flipV="1">
+            <a:off x="5236311" y="5700710"/>
+            <a:ext cx="65820" cy="65820"/>
+          </a:xfrm>
+          <a:prstGeom prst="rect">
+            <a:avLst/>
+          </a:prstGeom>
+          <a:noFill/>
+          <a:extLst>
+            <a:ext uri="{909E8E84-426E-40DD-AFC4-6F175D3DCCD1}">
+              <a14:hiddenFill xmlns:a14="http://schemas.microsoft.com/office/drawing/2010/main">
+                <a:solidFill>
+                  <a:srgbClr val="FFFFFF"/>
+                </a:solidFill>
+              </a14:hiddenFill>
+            </a:ext>
+          </a:extLst>
+        </p:spPr>
+      </p:pic>
+    </p:spTree>
+    <p:extLst>
+      <p:ext uri="{BB962C8B-B14F-4D97-AF65-F5344CB8AC3E}">
+        <p14:creationId xmlns:p14="http://schemas.microsoft.com/office/powerpoint/2010/main" val="992437201"/>
+      </p:ext>
+    </p:extLst>
+  </p:cSld>
+  <p:clrMapOvr>
+    <a:masterClrMapping/>
+  </p:clrMapOvr>
+</p:sld>
+</file>
+
+<file path=ppt/slides/slide39.xml><?xml version="1.0" encoding="utf-8"?>
+<p:sld xmlns:a="http://schemas.openxmlformats.org/drawingml/2006/main" xmlns:r="http://schemas.openxmlformats.org/officeDocument/2006/relationships" xmlns:p="http://schemas.openxmlformats.org/presentationml/2006/main">
+  <p:cSld>
+    <p:spTree>
+      <p:nvGrpSpPr>
+        <p:cNvPr id="1" name=""/>
+        <p:cNvGrpSpPr/>
+        <p:nvPr/>
+      </p:nvGrpSpPr>
+      <p:grpSpPr>
+        <a:xfrm>
+          <a:off x="0" y="0"/>
+          <a:ext cx="0" cy="0"/>
+          <a:chOff x="0" y="0"/>
+          <a:chExt cx="0" cy="0"/>
+        </a:xfrm>
+      </p:grpSpPr>
+      <p:sp>
+        <p:nvSpPr>
+          <p:cNvPr id="2" name="Title 1">
+            <a:extLst>
+              <a:ext uri="{FF2B5EF4-FFF2-40B4-BE49-F238E27FC236}">
+                <a16:creationId xmlns:a16="http://schemas.microsoft.com/office/drawing/2014/main" id="{F2E75ACD-C303-46DD-8FB4-27FC6A409857}"/>
+              </a:ext>
+            </a:extLst>
+          </p:cNvPr>
+          <p:cNvSpPr>
+            <a:spLocks noGrp="1"/>
+          </p:cNvSpPr>
+          <p:nvPr>
+            <p:ph type="title"/>
+          </p:nvPr>
+        </p:nvSpPr>
+        <p:spPr/>
+        <p:txBody>
+          <a:bodyPr/>
+          <a:lstStyle/>
+          <a:p>
+            <a:pPr algn="ctr"/>
+            <a:r>
+              <a:rPr lang="he-IL" sz="4800" dirty="0"/>
+              <a:t>מסך הבית</a:t>
+            </a:r>
+            <a:endParaRPr lang="en-US" sz="4800" dirty="0"/>
+          </a:p>
+        </p:txBody>
+      </p:sp>
+      <p:sp>
+        <p:nvSpPr>
+          <p:cNvPr id="27" name="TextBox 26">
+            <a:extLst>
+              <a:ext uri="{FF2B5EF4-FFF2-40B4-BE49-F238E27FC236}">
+                <a16:creationId xmlns:a16="http://schemas.microsoft.com/office/drawing/2014/main" id="{793931D8-69E6-451B-8BCE-EC76158083DE}"/>
+              </a:ext>
+            </a:extLst>
+          </p:cNvPr>
+          <p:cNvSpPr txBox="1"/>
+          <p:nvPr/>
+        </p:nvSpPr>
+        <p:spPr>
+          <a:xfrm>
+            <a:off x="6704846" y="2664995"/>
+            <a:ext cx="5193437" cy="1523815"/>
+          </a:xfrm>
+          <a:prstGeom prst="rect">
+            <a:avLst/>
+          </a:prstGeom>
+          <a:noFill/>
+        </p:spPr>
+        <p:txBody>
+          <a:bodyPr wrap="square" rtlCol="0">
+            <a:spAutoFit/>
+          </a:bodyPr>
+          <a:lstStyle/>
           <a:p>
             <a:pPr marL="285750" indent="-285750" algn="r" rtl="1">
               <a:lnSpc>
@@ -18220,9 +18968,535 @@
             </a:pPr>
             <a:r>
               <a:rPr lang="he-IL" sz="1600" dirty="0"/>
-              <a:t>אין אופציה להיכנס ליום יחיד ולראות את הלו"ז בו</a:t>
-            </a:r>
-          </a:p>
+              <a:t>אבל זה עדיין היה מאוד לא אינטואיטיבי עבור המשתמשים ולא כל כך אלגנטי והחלטנו להחליף את ה </a:t>
+            </a:r>
+            <a:r>
+              <a:rPr lang="en-US" sz="1600" dirty="0"/>
+              <a:t>X</a:t>
+            </a:r>
+            <a:r>
+              <a:rPr lang="he-IL" sz="1600" dirty="0"/>
+              <a:t> בסמל של פח אשפה שיופיע רק כשנוגעים בפגישה. מה שיהיה יותר אינטואיטיבי למשתמשים</a:t>
+            </a:r>
+            <a:endParaRPr lang="en-US" sz="1400" dirty="0"/>
+          </a:p>
+        </p:txBody>
+      </p:sp>
+      <p:grpSp>
+        <p:nvGrpSpPr>
+          <p:cNvPr id="12" name="Group 11">
+            <a:extLst>
+              <a:ext uri="{FF2B5EF4-FFF2-40B4-BE49-F238E27FC236}">
+                <a16:creationId xmlns:a16="http://schemas.microsoft.com/office/drawing/2014/main" id="{1DE057FB-A088-4946-8D44-CE8087F3EBC1}"/>
+              </a:ext>
+            </a:extLst>
+          </p:cNvPr>
+          <p:cNvGrpSpPr/>
+          <p:nvPr/>
+        </p:nvGrpSpPr>
+        <p:grpSpPr>
+          <a:xfrm>
+            <a:off x="603682" y="2587752"/>
+            <a:ext cx="5492317" cy="3470148"/>
+            <a:chOff x="0" y="0"/>
+            <a:chExt cx="9144000" cy="5143500"/>
+          </a:xfrm>
+        </p:grpSpPr>
+        <p:sp>
+          <p:nvSpPr>
+            <p:cNvPr id="13" name="Google Shape;91;p15">
+              <a:extLst>
+                <a:ext uri="{FF2B5EF4-FFF2-40B4-BE49-F238E27FC236}">
+                  <a16:creationId xmlns:a16="http://schemas.microsoft.com/office/drawing/2014/main" id="{B9B34CCF-A942-47ED-911B-DE76AF51188C}"/>
+                </a:ext>
+              </a:extLst>
+            </p:cNvPr>
+            <p:cNvSpPr/>
+            <p:nvPr/>
+          </p:nvSpPr>
+          <p:spPr>
+            <a:xfrm>
+              <a:off x="0" y="0"/>
+              <a:ext cx="9144000" cy="583200"/>
+            </a:xfrm>
+            <a:prstGeom prst="rect">
+              <a:avLst/>
+            </a:prstGeom>
+            <a:solidFill>
+              <a:srgbClr val="B4D0E7"/>
+            </a:solidFill>
+            <a:ln w="9525" cap="flat" cmpd="sng">
+              <a:solidFill>
+                <a:srgbClr val="B4D0E7"/>
+              </a:solidFill>
+              <a:prstDash val="solid"/>
+              <a:round/>
+              <a:headEnd type="none" w="sm" len="sm"/>
+              <a:tailEnd type="none" w="sm" len="sm"/>
+            </a:ln>
+            <a:effectLst>
+              <a:outerShdw blurRad="57150" dist="19050" dir="5400000" algn="bl" rotWithShape="0">
+                <a:schemeClr val="dk1">
+                  <a:alpha val="50000"/>
+                </a:schemeClr>
+              </a:outerShdw>
+            </a:effectLst>
+          </p:spPr>
+          <p:txBody>
+            <a:bodyPr spcFirstLastPara="1" wrap="square" lIns="91425" tIns="91425" rIns="91425" bIns="91425" anchor="ctr" anchorCtr="0">
+              <a:noAutofit/>
+            </a:bodyPr>
+            <a:lstStyle/>
+            <a:p>
+              <a:pPr marL="0" lvl="0" indent="0" algn="l" rtl="0">
+                <a:spcBef>
+                  <a:spcPts val="0"/>
+                </a:spcBef>
+                <a:spcAft>
+                  <a:spcPts val="0"/>
+                </a:spcAft>
+                <a:buNone/>
+              </a:pPr>
+              <a:endParaRPr sz="800"/>
+            </a:p>
+          </p:txBody>
+        </p:sp>
+        <p:sp>
+          <p:nvSpPr>
+            <p:cNvPr id="14" name="Google Shape;92;p15">
+              <a:extLst>
+                <a:ext uri="{FF2B5EF4-FFF2-40B4-BE49-F238E27FC236}">
+                  <a16:creationId xmlns:a16="http://schemas.microsoft.com/office/drawing/2014/main" id="{6C5EBF33-5BBA-4E55-9407-AE68978CB239}"/>
+                </a:ext>
+              </a:extLst>
+            </p:cNvPr>
+            <p:cNvSpPr txBox="1"/>
+            <p:nvPr/>
+          </p:nvSpPr>
+          <p:spPr>
+            <a:xfrm>
+              <a:off x="7759591" y="120750"/>
+              <a:ext cx="1330159" cy="341701"/>
+            </a:xfrm>
+            <a:prstGeom prst="rect">
+              <a:avLst/>
+            </a:prstGeom>
+            <a:noFill/>
+            <a:ln>
+              <a:noFill/>
+            </a:ln>
+          </p:spPr>
+          <p:txBody>
+            <a:bodyPr spcFirstLastPara="1" wrap="square" lIns="91425" tIns="91425" rIns="91425" bIns="91425" anchor="t" anchorCtr="0">
+              <a:noAutofit/>
+            </a:bodyPr>
+            <a:lstStyle/>
+            <a:p>
+              <a:pPr marL="0" lvl="0" indent="0" algn="r" rtl="0">
+                <a:spcBef>
+                  <a:spcPts val="0"/>
+                </a:spcBef>
+                <a:spcAft>
+                  <a:spcPts val="0"/>
+                </a:spcAft>
+                <a:buNone/>
+              </a:pPr>
+              <a:r>
+                <a:rPr lang="iw" sz="800" dirty="0">
+                  <a:solidFill>
+                    <a:srgbClr val="FFFFFF"/>
+                  </a:solidFill>
+                </a:rPr>
+                <a:t>WeMeet</a:t>
+              </a:r>
+              <a:endParaRPr sz="800" dirty="0">
+                <a:solidFill>
+                  <a:srgbClr val="FFFFFF"/>
+                </a:solidFill>
+              </a:endParaRPr>
+            </a:p>
+          </p:txBody>
+        </p:sp>
+        <p:sp>
+          <p:nvSpPr>
+            <p:cNvPr id="15" name="Google Shape;93;p15">
+              <a:extLst>
+                <a:ext uri="{FF2B5EF4-FFF2-40B4-BE49-F238E27FC236}">
+                  <a16:creationId xmlns:a16="http://schemas.microsoft.com/office/drawing/2014/main" id="{5D388D1D-6209-4643-8D64-72257DB9DE29}"/>
+                </a:ext>
+              </a:extLst>
+            </p:cNvPr>
+            <p:cNvSpPr txBox="1"/>
+            <p:nvPr/>
+          </p:nvSpPr>
+          <p:spPr>
+            <a:xfrm>
+              <a:off x="6514030" y="114491"/>
+              <a:ext cx="1080000" cy="327900"/>
+            </a:xfrm>
+            <a:prstGeom prst="rect">
+              <a:avLst/>
+            </a:prstGeom>
+            <a:noFill/>
+            <a:ln>
+              <a:noFill/>
+            </a:ln>
+          </p:spPr>
+          <p:txBody>
+            <a:bodyPr spcFirstLastPara="1" wrap="square" lIns="91425" tIns="91425" rIns="91425" bIns="91425" anchor="t" anchorCtr="0">
+              <a:noAutofit/>
+            </a:bodyPr>
+            <a:lstStyle/>
+            <a:p>
+              <a:pPr marL="0" lvl="0" indent="0" algn="r" rtl="1">
+                <a:spcBef>
+                  <a:spcPts val="0"/>
+                </a:spcBef>
+                <a:spcAft>
+                  <a:spcPts val="0"/>
+                </a:spcAft>
+                <a:buNone/>
+              </a:pPr>
+              <a:r>
+                <a:rPr lang="iw" sz="800" dirty="0">
+                  <a:solidFill>
+                    <a:srgbClr val="FFFFFF"/>
+                  </a:solidFill>
+                </a:rPr>
+                <a:t>אזור אישי</a:t>
+              </a:r>
+              <a:endParaRPr sz="800" dirty="0">
+                <a:solidFill>
+                  <a:srgbClr val="FFFFFF"/>
+                </a:solidFill>
+              </a:endParaRPr>
+            </a:p>
+          </p:txBody>
+        </p:sp>
+        <p:sp>
+          <p:nvSpPr>
+            <p:cNvPr id="16" name="Google Shape;94;p15">
+              <a:extLst>
+                <a:ext uri="{FF2B5EF4-FFF2-40B4-BE49-F238E27FC236}">
+                  <a16:creationId xmlns:a16="http://schemas.microsoft.com/office/drawing/2014/main" id="{08359C53-1B32-4D16-B912-B7888D55DD7A}"/>
+                </a:ext>
+              </a:extLst>
+            </p:cNvPr>
+            <p:cNvSpPr txBox="1"/>
+            <p:nvPr/>
+          </p:nvSpPr>
+          <p:spPr>
+            <a:xfrm>
+              <a:off x="4842907" y="127650"/>
+              <a:ext cx="1476000" cy="327900"/>
+            </a:xfrm>
+            <a:prstGeom prst="rect">
+              <a:avLst/>
+            </a:prstGeom>
+            <a:noFill/>
+            <a:ln>
+              <a:noFill/>
+            </a:ln>
+          </p:spPr>
+          <p:txBody>
+            <a:bodyPr spcFirstLastPara="1" wrap="square" lIns="91425" tIns="91425" rIns="91425" bIns="91425" anchor="t" anchorCtr="0">
+              <a:noAutofit/>
+            </a:bodyPr>
+            <a:lstStyle/>
+            <a:p>
+              <a:pPr marL="0" lvl="0" indent="0" algn="r" rtl="1">
+                <a:spcBef>
+                  <a:spcPts val="0"/>
+                </a:spcBef>
+                <a:spcAft>
+                  <a:spcPts val="0"/>
+                </a:spcAft>
+                <a:buNone/>
+              </a:pPr>
+              <a:r>
+                <a:rPr lang="iw" sz="800" dirty="0">
+                  <a:solidFill>
+                    <a:srgbClr val="FFFFFF"/>
+                  </a:solidFill>
+                </a:rPr>
+                <a:t>פגישה חדשה</a:t>
+              </a:r>
+              <a:endParaRPr sz="800" dirty="0">
+                <a:solidFill>
+                  <a:srgbClr val="FFFFFF"/>
+                </a:solidFill>
+              </a:endParaRPr>
+            </a:p>
+          </p:txBody>
+        </p:sp>
+        <p:sp>
+          <p:nvSpPr>
+            <p:cNvPr id="17" name="Google Shape;95;p15">
+              <a:extLst>
+                <a:ext uri="{FF2B5EF4-FFF2-40B4-BE49-F238E27FC236}">
+                  <a16:creationId xmlns:a16="http://schemas.microsoft.com/office/drawing/2014/main" id="{9E66D533-CA60-43FF-B579-92A94F026F3A}"/>
+                </a:ext>
+              </a:extLst>
+            </p:cNvPr>
+            <p:cNvSpPr txBox="1"/>
+            <p:nvPr/>
+          </p:nvSpPr>
+          <p:spPr>
+            <a:xfrm>
+              <a:off x="314375" y="127650"/>
+              <a:ext cx="862800" cy="327900"/>
+            </a:xfrm>
+            <a:prstGeom prst="rect">
+              <a:avLst/>
+            </a:prstGeom>
+            <a:noFill/>
+            <a:ln>
+              <a:noFill/>
+            </a:ln>
+          </p:spPr>
+          <p:txBody>
+            <a:bodyPr spcFirstLastPara="1" wrap="square" lIns="91425" tIns="91425" rIns="91425" bIns="91425" anchor="t" anchorCtr="0">
+              <a:noAutofit/>
+            </a:bodyPr>
+            <a:lstStyle/>
+            <a:p>
+              <a:pPr marL="0" lvl="0" indent="0" algn="r" rtl="1">
+                <a:spcBef>
+                  <a:spcPts val="0"/>
+                </a:spcBef>
+                <a:spcAft>
+                  <a:spcPts val="0"/>
+                </a:spcAft>
+                <a:buNone/>
+              </a:pPr>
+              <a:r>
+                <a:rPr lang="iw" sz="800">
+                  <a:solidFill>
+                    <a:srgbClr val="FFFFFF"/>
+                  </a:solidFill>
+                </a:rPr>
+                <a:t>התנתק</a:t>
+              </a:r>
+              <a:endParaRPr sz="800">
+                <a:solidFill>
+                  <a:srgbClr val="FFFFFF"/>
+                </a:solidFill>
+              </a:endParaRPr>
+            </a:p>
+          </p:txBody>
+        </p:sp>
+        <p:pic>
+          <p:nvPicPr>
+            <p:cNvPr id="18" name="Google Shape;96;p15">
+              <a:extLst>
+                <a:ext uri="{FF2B5EF4-FFF2-40B4-BE49-F238E27FC236}">
+                  <a16:creationId xmlns:a16="http://schemas.microsoft.com/office/drawing/2014/main" id="{F5BA48BA-28C7-47DD-B900-0AF4EFE88721}"/>
+                </a:ext>
+              </a:extLst>
+            </p:cNvPr>
+            <p:cNvPicPr preferRelativeResize="0"/>
+            <p:nvPr/>
+          </p:nvPicPr>
+          <p:blipFill>
+            <a:blip r:embed="rId2">
+              <a:alphaModFix/>
+            </a:blip>
+            <a:stretch>
+              <a:fillRect/>
+            </a:stretch>
+          </p:blipFill>
+          <p:spPr>
+            <a:xfrm>
+              <a:off x="0" y="1069008"/>
+              <a:ext cx="9143999" cy="4074492"/>
+            </a:xfrm>
+            <a:prstGeom prst="rect">
+              <a:avLst/>
+            </a:prstGeom>
+            <a:noFill/>
+            <a:ln>
+              <a:noFill/>
+            </a:ln>
+          </p:spPr>
+        </p:pic>
+      </p:grpSp>
+      <p:pic>
+        <p:nvPicPr>
+          <p:cNvPr id="2052" name="Picture 4" descr="Image result for web trash sign">
+            <a:extLst>
+              <a:ext uri="{FF2B5EF4-FFF2-40B4-BE49-F238E27FC236}">
+                <a16:creationId xmlns:a16="http://schemas.microsoft.com/office/drawing/2014/main" id="{02FD0779-55BD-4AE0-8084-652E3A9DDB5C}"/>
+              </a:ext>
+            </a:extLst>
+          </p:cNvPr>
+          <p:cNvPicPr>
+            <a:picLocks noChangeAspect="1" noChangeArrowheads="1"/>
+          </p:cNvPicPr>
+          <p:nvPr/>
+        </p:nvPicPr>
+        <p:blipFill rotWithShape="1">
+          <a:blip r:embed="rId3">
+            <a:extLst>
+              <a:ext uri="{28A0092B-C50C-407E-A947-70E740481C1C}">
+                <a14:useLocalDpi xmlns:a14="http://schemas.microsoft.com/office/drawing/2010/main" val="0"/>
+              </a:ext>
+            </a:extLst>
+          </a:blip>
+          <a:srcRect l="18056" t="4077" r="17361" b="12017"/>
+          <a:stretch/>
+        </p:blipFill>
+        <p:spPr bwMode="auto">
+          <a:xfrm>
+            <a:off x="5233502" y="4100513"/>
+            <a:ext cx="73201" cy="102586"/>
+          </a:xfrm>
+          <a:prstGeom prst="rect">
+            <a:avLst/>
+          </a:prstGeom>
+          <a:noFill/>
+          <a:extLst>
+            <a:ext uri="{909E8E84-426E-40DD-AFC4-6F175D3DCCD1}">
+              <a14:hiddenFill xmlns:a14="http://schemas.microsoft.com/office/drawing/2010/main">
+                <a:solidFill>
+                  <a:srgbClr val="FFFFFF"/>
+                </a:solidFill>
+              </a14:hiddenFill>
+            </a:ext>
+          </a:extLst>
+        </p:spPr>
+      </p:pic>
+      <p:pic>
+        <p:nvPicPr>
+          <p:cNvPr id="2054" name="Picture 6" descr="Image result for mouse arrow'">
+            <a:extLst>
+              <a:ext uri="{FF2B5EF4-FFF2-40B4-BE49-F238E27FC236}">
+                <a16:creationId xmlns:a16="http://schemas.microsoft.com/office/drawing/2014/main" id="{716E502C-DA3A-4E1C-B17C-C6D720DC5165}"/>
+              </a:ext>
+            </a:extLst>
+          </p:cNvPr>
+          <p:cNvPicPr>
+            <a:picLocks noChangeAspect="1" noChangeArrowheads="1"/>
+          </p:cNvPicPr>
+          <p:nvPr/>
+        </p:nvPicPr>
+        <p:blipFill rotWithShape="1">
+          <a:blip r:embed="rId4">
+            <a:extLst>
+              <a:ext uri="{28A0092B-C50C-407E-A947-70E740481C1C}">
+                <a14:useLocalDpi xmlns:a14="http://schemas.microsoft.com/office/drawing/2010/main" val="0"/>
+              </a:ext>
+            </a:extLst>
+          </a:blip>
+          <a:srcRect l="18196" t="26223" r="51917" b="31778"/>
+          <a:stretch/>
+        </p:blipFill>
+        <p:spPr bwMode="auto">
+          <a:xfrm>
+            <a:off x="4998720" y="4191000"/>
+            <a:ext cx="83820" cy="124414"/>
+          </a:xfrm>
+          <a:prstGeom prst="rect">
+            <a:avLst/>
+          </a:prstGeom>
+          <a:noFill/>
+          <a:extLst>
+            <a:ext uri="{909E8E84-426E-40DD-AFC4-6F175D3DCCD1}">
+              <a14:hiddenFill xmlns:a14="http://schemas.microsoft.com/office/drawing/2010/main">
+                <a:solidFill>
+                  <a:srgbClr val="FFFFFF"/>
+                </a:solidFill>
+              </a14:hiddenFill>
+            </a:ext>
+          </a:extLst>
+        </p:spPr>
+      </p:pic>
+    </p:spTree>
+    <p:extLst>
+      <p:ext uri="{BB962C8B-B14F-4D97-AF65-F5344CB8AC3E}">
+        <p14:creationId xmlns:p14="http://schemas.microsoft.com/office/powerpoint/2010/main" val="94472614"/>
+      </p:ext>
+    </p:extLst>
+  </p:cSld>
+  <p:clrMapOvr>
+    <a:masterClrMapping/>
+  </p:clrMapOvr>
+</p:sld>
+</file>
+
+<file path=ppt/slides/slide4.xml><?xml version="1.0" encoding="utf-8"?>
+<p:sld xmlns:a="http://schemas.openxmlformats.org/drawingml/2006/main" xmlns:r="http://schemas.openxmlformats.org/officeDocument/2006/relationships" xmlns:p="http://schemas.openxmlformats.org/presentationml/2006/main">
+  <p:cSld>
+    <p:spTree>
+      <p:nvGrpSpPr>
+        <p:cNvPr id="1" name=""/>
+        <p:cNvGrpSpPr/>
+        <p:nvPr/>
+      </p:nvGrpSpPr>
+      <p:grpSpPr>
+        <a:xfrm>
+          <a:off x="0" y="0"/>
+          <a:ext cx="0" cy="0"/>
+          <a:chOff x="0" y="0"/>
+          <a:chExt cx="0" cy="0"/>
+        </a:xfrm>
+      </p:grpSpPr>
+      <p:sp>
+        <p:nvSpPr>
+          <p:cNvPr id="2" name="כותרת 1">
+            <a:extLst>
+              <a:ext uri="{FF2B5EF4-FFF2-40B4-BE49-F238E27FC236}">
+                <a16:creationId xmlns:a16="http://schemas.microsoft.com/office/drawing/2014/main" id="{DF2A96FA-B4FE-4351-857B-1D4C8D1B532E}"/>
+              </a:ext>
+            </a:extLst>
+          </p:cNvPr>
+          <p:cNvSpPr>
+            <a:spLocks noGrp="1"/>
+          </p:cNvSpPr>
+          <p:nvPr>
+            <p:ph type="title"/>
+          </p:nvPr>
+        </p:nvSpPr>
+        <p:spPr/>
+        <p:txBody>
+          <a:bodyPr/>
+          <a:lstStyle/>
+          <a:p>
+            <a:pPr algn="ctr"/>
+            <a:r>
+              <a:rPr lang="he-IL" dirty="0"/>
+              <a:t>בעיות כלליות</a:t>
+            </a:r>
+            <a:endParaRPr lang="en-US" dirty="0"/>
+          </a:p>
+        </p:txBody>
+      </p:sp>
+      <p:sp>
+        <p:nvSpPr>
+          <p:cNvPr id="4" name="TextBox 26">
+            <a:extLst>
+              <a:ext uri="{FF2B5EF4-FFF2-40B4-BE49-F238E27FC236}">
+                <a16:creationId xmlns:a16="http://schemas.microsoft.com/office/drawing/2014/main" id="{BE063305-7885-45A4-8B6E-A96B39D54367}"/>
+              </a:ext>
+            </a:extLst>
+          </p:cNvPr>
+          <p:cNvSpPr txBox="1"/>
+          <p:nvPr/>
+        </p:nvSpPr>
+        <p:spPr>
+          <a:xfrm>
+            <a:off x="3714161" y="2325950"/>
+            <a:ext cx="8022119" cy="3739998"/>
+          </a:xfrm>
+          <a:prstGeom prst="rect">
+            <a:avLst/>
+          </a:prstGeom>
+          <a:noFill/>
+        </p:spPr>
+        <p:txBody>
+          <a:bodyPr wrap="square" rtlCol="0">
+            <a:spAutoFit/>
+          </a:bodyPr>
+          <a:lstStyle/>
           <a:p>
             <a:pPr marL="285750" indent="-285750" algn="r" rtl="1">
               <a:lnSpc>
@@ -18233,7 +19507,7 @@
             </a:pPr>
             <a:r>
               <a:rPr lang="he-IL" sz="1600" dirty="0"/>
-              <a:t>הכפתורים לא נראים לחיצים (לא נראים כמו כפתורים)</a:t>
+              <a:t>תפריט ניווט לא ברור – מערב ניווט לדפים וכמו כן מערב פעולה של הוספת פגישה שלא אמורה להיות חלק מהתפריט .</a:t>
             </a:r>
           </a:p>
           <a:p>
@@ -18246,7 +19520,27 @@
             </a:pPr>
             <a:r>
               <a:rPr lang="he-IL" sz="1600" dirty="0"/>
-              <a:t>יש שטח מת מיותר בין התפריט בחלק העליון של המסך לבין לוח השנה</a:t>
+              <a:t>אין אחידות בין המסכים, לדוגמא:</a:t>
+            </a:r>
+            <a:r>
+              <a:rPr lang="en-US" sz="1600" dirty="0"/>
+              <a:t> </a:t>
+            </a:r>
+            <a:r>
+              <a:rPr lang="he-IL" sz="1600" dirty="0"/>
+              <a:t>כפתורי הוספה</a:t>
+            </a:r>
+            <a:r>
+              <a:rPr lang="en-US" sz="1600" dirty="0"/>
+              <a:t>/</a:t>
+            </a:r>
+            <a:r>
+              <a:rPr lang="he-IL" sz="1600" dirty="0"/>
+              <a:t>ביטול שונים בכמה מסכים - </a:t>
+            </a:r>
+            <a:r>
+              <a:rPr lang="he-IL" sz="1600" b="1" dirty="0"/>
+              <a:t>עקיבות וסטנדרטים.</a:t>
             </a:r>
           </a:p>
           <a:p>
@@ -18259,7 +19553,7 @@
             </a:pPr>
             <a:r>
               <a:rPr lang="he-IL" sz="1600" dirty="0"/>
-              <a:t>אין חלוקה לשעות בתוך כל אחד מהריבועים שמתארים יום</a:t>
+              <a:t>חוסר ניצול של המסך – יש הרבה רווחים מיותרים.</a:t>
             </a:r>
           </a:p>
           <a:p>
@@ -18272,7 +19566,11 @@
             </a:pPr>
             <a:r>
               <a:rPr lang="he-IL" sz="1600" dirty="0"/>
-              <a:t>הבולט שמופיעה לפני כל פגישה ביומן מיותר</a:t>
+              <a:t>אין חיווי למשתמש באיזה דף הוא נמצא בכל רגע - </a:t>
+            </a:r>
+            <a:r>
+              <a:rPr lang="he-IL" sz="1600" b="1" dirty="0"/>
+              <a:t>נראות מצב המערכת.</a:t>
             </a:r>
           </a:p>
           <a:p>
@@ -18285,8 +19583,13 @@
             </a:pPr>
             <a:r>
               <a:rPr lang="he-IL" sz="1600" dirty="0"/>
-              <a:t>כפתור הוספת אילוץ לא ברור מה עושה נראה כמו הוספת פגישה (להחליף את האייקון\להוסיף טקסט)</a:t>
-            </a:r>
+              <a:t>המשתמש לא יכול לתקן או לשנות פעולות, לדוגמא: אם המשתמש ביטל פגישה או אישר אותה הוא לא יכול לעשות את הפעולה ההפוכה. – </a:t>
+            </a:r>
+            <a:r>
+              <a:rPr lang="he-IL" sz="1600" b="1" dirty="0"/>
+              <a:t>שליטה וחופש של המשתמש.</a:t>
+            </a:r>
+            <a:endParaRPr lang="he-IL" sz="1600" dirty="0"/>
           </a:p>
           <a:p>
             <a:pPr marL="285750" indent="-285750" algn="r" rtl="1">
@@ -18298,7 +19601,11 @@
             </a:pPr>
             <a:r>
               <a:rPr lang="he-IL" sz="1600" dirty="0"/>
-              <a:t>כפתור פגישה חדשה לא ברור וממוקם בתפריט. להחליף באייקון ולהעביר ליד כפתור הוספת אילוץ.</a:t>
+              <a:t>אין פופ - אפים לאישור הפעולה, דרך </a:t>
+            </a:r>
+            <a:r>
+              <a:rPr lang="he-IL" sz="1600" b="1" dirty="0"/>
+              <a:t>למניעת טעויות.</a:t>
             </a:r>
           </a:p>
           <a:p>
@@ -18309,75 +19616,1582 @@
               <a:buFont typeface="Arial" panose="020B0604020202020204" pitchFamily="34" charset="0"/>
               <a:buChar char="•"/>
             </a:pPr>
-            <a:endParaRPr lang="en-US" sz="1600" dirty="0"/>
+            <a:r>
+              <a:rPr lang="he-IL" sz="1600" dirty="0"/>
+              <a:t>בחירת צבעים לקויה, צבעים לא מזמינים.</a:t>
+            </a:r>
+            <a:endParaRPr lang="he-IL" sz="1600" b="1" dirty="0"/>
           </a:p>
         </p:txBody>
       </p:sp>
-      <p:cxnSp>
-        <p:nvCxnSpPr>
-          <p:cNvPr id="31" name="Straight Arrow Connector 30">
+    </p:spTree>
+    <p:extLst>
+      <p:ext uri="{BB962C8B-B14F-4D97-AF65-F5344CB8AC3E}">
+        <p14:creationId xmlns:p14="http://schemas.microsoft.com/office/powerpoint/2010/main" val="2030906434"/>
+      </p:ext>
+    </p:extLst>
+  </p:cSld>
+  <p:clrMapOvr>
+    <a:masterClrMapping/>
+  </p:clrMapOvr>
+</p:sld>
+</file>
+
+<file path=ppt/slides/slide40.xml><?xml version="1.0" encoding="utf-8"?>
+<p:sld xmlns:a="http://schemas.openxmlformats.org/drawingml/2006/main" xmlns:r="http://schemas.openxmlformats.org/officeDocument/2006/relationships" xmlns:p="http://schemas.openxmlformats.org/presentationml/2006/main">
+  <p:cSld>
+    <p:spTree>
+      <p:nvGrpSpPr>
+        <p:cNvPr id="1" name=""/>
+        <p:cNvGrpSpPr/>
+        <p:nvPr/>
+      </p:nvGrpSpPr>
+      <p:grpSpPr>
+        <a:xfrm>
+          <a:off x="0" y="0"/>
+          <a:ext cx="0" cy="0"/>
+          <a:chOff x="0" y="0"/>
+          <a:chExt cx="0" cy="0"/>
+        </a:xfrm>
+      </p:grpSpPr>
+      <p:sp>
+        <p:nvSpPr>
+          <p:cNvPr id="2" name="Title 1">
             <a:extLst>
               <a:ext uri="{FF2B5EF4-FFF2-40B4-BE49-F238E27FC236}">
-                <a16:creationId xmlns:a16="http://schemas.microsoft.com/office/drawing/2014/main" id="{AFEEF8B2-6ABC-4F2B-ACB6-8DCC442EC4A4}"/>
+                <a16:creationId xmlns:a16="http://schemas.microsoft.com/office/drawing/2014/main" id="{F2E75ACD-C303-46DD-8FB4-27FC6A409857}"/>
               </a:ext>
             </a:extLst>
           </p:cNvPr>
-          <p:cNvCxnSpPr>
-            <a:cxnSpLocks/>
-          </p:cNvCxnSpPr>
+          <p:cNvSpPr>
+            <a:spLocks noGrp="1"/>
+          </p:cNvSpPr>
+          <p:nvPr>
+            <p:ph type="title"/>
+          </p:nvPr>
+        </p:nvSpPr>
+        <p:spPr/>
+        <p:txBody>
+          <a:bodyPr/>
+          <a:lstStyle/>
+          <a:p>
+            <a:pPr algn="ctr"/>
+            <a:r>
+              <a:rPr lang="he-IL" sz="4800" dirty="0"/>
+              <a:t>מסך הבית</a:t>
+            </a:r>
+            <a:endParaRPr lang="en-US" sz="4800" dirty="0"/>
+          </a:p>
+        </p:txBody>
+      </p:sp>
+      <p:grpSp>
+        <p:nvGrpSpPr>
+          <p:cNvPr id="20" name="Group 19">
+            <a:extLst>
+              <a:ext uri="{FF2B5EF4-FFF2-40B4-BE49-F238E27FC236}">
+                <a16:creationId xmlns:a16="http://schemas.microsoft.com/office/drawing/2014/main" id="{658F2FAD-9CD3-4083-9C05-368B72ADF35F}"/>
+              </a:ext>
+            </a:extLst>
+          </p:cNvPr>
+          <p:cNvGrpSpPr/>
           <p:nvPr/>
-        </p:nvCxnSpPr>
+        </p:nvGrpSpPr>
+        <p:grpSpPr>
+          <a:xfrm>
+            <a:off x="603682" y="2587752"/>
+            <a:ext cx="5492317" cy="3470148"/>
+            <a:chOff x="0" y="0"/>
+            <a:chExt cx="9144000" cy="5143500"/>
+          </a:xfrm>
+        </p:grpSpPr>
+        <p:sp>
+          <p:nvSpPr>
+            <p:cNvPr id="21" name="Google Shape;91;p15">
+              <a:extLst>
+                <a:ext uri="{FF2B5EF4-FFF2-40B4-BE49-F238E27FC236}">
+                  <a16:creationId xmlns:a16="http://schemas.microsoft.com/office/drawing/2014/main" id="{1CEB6900-4A31-4DF7-A826-F18350A49799}"/>
+                </a:ext>
+              </a:extLst>
+            </p:cNvPr>
+            <p:cNvSpPr/>
+            <p:nvPr/>
+          </p:nvSpPr>
+          <p:spPr>
+            <a:xfrm>
+              <a:off x="0" y="0"/>
+              <a:ext cx="9144000" cy="583200"/>
+            </a:xfrm>
+            <a:prstGeom prst="rect">
+              <a:avLst/>
+            </a:prstGeom>
+            <a:solidFill>
+              <a:srgbClr val="B4D0E7"/>
+            </a:solidFill>
+            <a:ln w="9525" cap="flat" cmpd="sng">
+              <a:solidFill>
+                <a:srgbClr val="B4D0E7"/>
+              </a:solidFill>
+              <a:prstDash val="solid"/>
+              <a:round/>
+              <a:headEnd type="none" w="sm" len="sm"/>
+              <a:tailEnd type="none" w="sm" len="sm"/>
+            </a:ln>
+            <a:effectLst>
+              <a:outerShdw blurRad="57150" dist="19050" dir="5400000" algn="bl" rotWithShape="0">
+                <a:schemeClr val="dk1">
+                  <a:alpha val="50000"/>
+                </a:schemeClr>
+              </a:outerShdw>
+            </a:effectLst>
+          </p:spPr>
+          <p:txBody>
+            <a:bodyPr spcFirstLastPara="1" wrap="square" lIns="91425" tIns="91425" rIns="91425" bIns="91425" anchor="ctr" anchorCtr="0">
+              <a:noAutofit/>
+            </a:bodyPr>
+            <a:lstStyle/>
+            <a:p>
+              <a:pPr marL="0" lvl="0" indent="0" algn="l" rtl="0">
+                <a:spcBef>
+                  <a:spcPts val="0"/>
+                </a:spcBef>
+                <a:spcAft>
+                  <a:spcPts val="0"/>
+                </a:spcAft>
+                <a:buNone/>
+              </a:pPr>
+              <a:endParaRPr sz="800"/>
+            </a:p>
+          </p:txBody>
+        </p:sp>
+        <p:sp>
+          <p:nvSpPr>
+            <p:cNvPr id="22" name="Google Shape;92;p15">
+              <a:extLst>
+                <a:ext uri="{FF2B5EF4-FFF2-40B4-BE49-F238E27FC236}">
+                  <a16:creationId xmlns:a16="http://schemas.microsoft.com/office/drawing/2014/main" id="{62A16A85-9B0A-44DC-9E4C-8AA74E32CCE6}"/>
+                </a:ext>
+              </a:extLst>
+            </p:cNvPr>
+            <p:cNvSpPr txBox="1"/>
+            <p:nvPr/>
+          </p:nvSpPr>
+          <p:spPr>
+            <a:xfrm>
+              <a:off x="7759591" y="120750"/>
+              <a:ext cx="1330159" cy="341701"/>
+            </a:xfrm>
+            <a:prstGeom prst="rect">
+              <a:avLst/>
+            </a:prstGeom>
+            <a:noFill/>
+            <a:ln>
+              <a:noFill/>
+            </a:ln>
+          </p:spPr>
+          <p:txBody>
+            <a:bodyPr spcFirstLastPara="1" wrap="square" lIns="91425" tIns="91425" rIns="91425" bIns="91425" anchor="t" anchorCtr="0">
+              <a:noAutofit/>
+            </a:bodyPr>
+            <a:lstStyle/>
+            <a:p>
+              <a:pPr marL="0" lvl="0" indent="0" algn="r" rtl="0">
+                <a:spcBef>
+                  <a:spcPts val="0"/>
+                </a:spcBef>
+                <a:spcAft>
+                  <a:spcPts val="0"/>
+                </a:spcAft>
+                <a:buNone/>
+              </a:pPr>
+              <a:r>
+                <a:rPr lang="iw" sz="800" dirty="0">
+                  <a:solidFill>
+                    <a:srgbClr val="FFFFFF"/>
+                  </a:solidFill>
+                </a:rPr>
+                <a:t>WeMeet</a:t>
+              </a:r>
+              <a:endParaRPr sz="800" dirty="0">
+                <a:solidFill>
+                  <a:srgbClr val="FFFFFF"/>
+                </a:solidFill>
+              </a:endParaRPr>
+            </a:p>
+          </p:txBody>
+        </p:sp>
+        <p:sp>
+          <p:nvSpPr>
+            <p:cNvPr id="23" name="Google Shape;93;p15">
+              <a:extLst>
+                <a:ext uri="{FF2B5EF4-FFF2-40B4-BE49-F238E27FC236}">
+                  <a16:creationId xmlns:a16="http://schemas.microsoft.com/office/drawing/2014/main" id="{FC8DC434-D63C-4F84-8050-621C7164CDF7}"/>
+                </a:ext>
+              </a:extLst>
+            </p:cNvPr>
+            <p:cNvSpPr txBox="1"/>
+            <p:nvPr/>
+          </p:nvSpPr>
+          <p:spPr>
+            <a:xfrm>
+              <a:off x="6514030" y="114491"/>
+              <a:ext cx="1080000" cy="327900"/>
+            </a:xfrm>
+            <a:prstGeom prst="rect">
+              <a:avLst/>
+            </a:prstGeom>
+            <a:noFill/>
+            <a:ln>
+              <a:noFill/>
+            </a:ln>
+          </p:spPr>
+          <p:txBody>
+            <a:bodyPr spcFirstLastPara="1" wrap="square" lIns="91425" tIns="91425" rIns="91425" bIns="91425" anchor="t" anchorCtr="0">
+              <a:noAutofit/>
+            </a:bodyPr>
+            <a:lstStyle/>
+            <a:p>
+              <a:pPr marL="0" lvl="0" indent="0" algn="r" rtl="1">
+                <a:spcBef>
+                  <a:spcPts val="0"/>
+                </a:spcBef>
+                <a:spcAft>
+                  <a:spcPts val="0"/>
+                </a:spcAft>
+                <a:buNone/>
+              </a:pPr>
+              <a:r>
+                <a:rPr lang="iw" sz="800" dirty="0">
+                  <a:solidFill>
+                    <a:srgbClr val="FFFFFF"/>
+                  </a:solidFill>
+                </a:rPr>
+                <a:t>אזור אישי</a:t>
+              </a:r>
+              <a:endParaRPr sz="800" dirty="0">
+                <a:solidFill>
+                  <a:srgbClr val="FFFFFF"/>
+                </a:solidFill>
+              </a:endParaRPr>
+            </a:p>
+          </p:txBody>
+        </p:sp>
+        <p:sp>
+          <p:nvSpPr>
+            <p:cNvPr id="24" name="Google Shape;94;p15">
+              <a:extLst>
+                <a:ext uri="{FF2B5EF4-FFF2-40B4-BE49-F238E27FC236}">
+                  <a16:creationId xmlns:a16="http://schemas.microsoft.com/office/drawing/2014/main" id="{755C1065-94C8-49E0-A38C-37668A678C16}"/>
+                </a:ext>
+              </a:extLst>
+            </p:cNvPr>
+            <p:cNvSpPr txBox="1"/>
+            <p:nvPr/>
+          </p:nvSpPr>
+          <p:spPr>
+            <a:xfrm>
+              <a:off x="4842907" y="127650"/>
+              <a:ext cx="1476000" cy="327900"/>
+            </a:xfrm>
+            <a:prstGeom prst="rect">
+              <a:avLst/>
+            </a:prstGeom>
+            <a:noFill/>
+            <a:ln>
+              <a:noFill/>
+            </a:ln>
+          </p:spPr>
+          <p:txBody>
+            <a:bodyPr spcFirstLastPara="1" wrap="square" lIns="91425" tIns="91425" rIns="91425" bIns="91425" anchor="t" anchorCtr="0">
+              <a:noAutofit/>
+            </a:bodyPr>
+            <a:lstStyle/>
+            <a:p>
+              <a:pPr marL="0" lvl="0" indent="0" algn="r" rtl="1">
+                <a:spcBef>
+                  <a:spcPts val="0"/>
+                </a:spcBef>
+                <a:spcAft>
+                  <a:spcPts val="0"/>
+                </a:spcAft>
+                <a:buNone/>
+              </a:pPr>
+              <a:r>
+                <a:rPr lang="iw" sz="800" dirty="0">
+                  <a:solidFill>
+                    <a:srgbClr val="FFFFFF"/>
+                  </a:solidFill>
+                </a:rPr>
+                <a:t>פגישה חדשה</a:t>
+              </a:r>
+              <a:endParaRPr sz="800" dirty="0">
+                <a:solidFill>
+                  <a:srgbClr val="FFFFFF"/>
+                </a:solidFill>
+              </a:endParaRPr>
+            </a:p>
+          </p:txBody>
+        </p:sp>
+        <p:sp>
+          <p:nvSpPr>
+            <p:cNvPr id="25" name="Google Shape;95;p15">
+              <a:extLst>
+                <a:ext uri="{FF2B5EF4-FFF2-40B4-BE49-F238E27FC236}">
+                  <a16:creationId xmlns:a16="http://schemas.microsoft.com/office/drawing/2014/main" id="{823D2CA7-AFF5-4DF6-915A-A9FDA4D3BB2B}"/>
+                </a:ext>
+              </a:extLst>
+            </p:cNvPr>
+            <p:cNvSpPr txBox="1"/>
+            <p:nvPr/>
+          </p:nvSpPr>
+          <p:spPr>
+            <a:xfrm>
+              <a:off x="314375" y="127650"/>
+              <a:ext cx="862800" cy="327900"/>
+            </a:xfrm>
+            <a:prstGeom prst="rect">
+              <a:avLst/>
+            </a:prstGeom>
+            <a:noFill/>
+            <a:ln>
+              <a:noFill/>
+            </a:ln>
+          </p:spPr>
+          <p:txBody>
+            <a:bodyPr spcFirstLastPara="1" wrap="square" lIns="91425" tIns="91425" rIns="91425" bIns="91425" anchor="t" anchorCtr="0">
+              <a:noAutofit/>
+            </a:bodyPr>
+            <a:lstStyle/>
+            <a:p>
+              <a:pPr marL="0" lvl="0" indent="0" algn="r" rtl="1">
+                <a:spcBef>
+                  <a:spcPts val="0"/>
+                </a:spcBef>
+                <a:spcAft>
+                  <a:spcPts val="0"/>
+                </a:spcAft>
+                <a:buNone/>
+              </a:pPr>
+              <a:r>
+                <a:rPr lang="iw" sz="800">
+                  <a:solidFill>
+                    <a:srgbClr val="FFFFFF"/>
+                  </a:solidFill>
+                </a:rPr>
+                <a:t>התנתק</a:t>
+              </a:r>
+              <a:endParaRPr sz="800">
+                <a:solidFill>
+                  <a:srgbClr val="FFFFFF"/>
+                </a:solidFill>
+              </a:endParaRPr>
+            </a:p>
+          </p:txBody>
+        </p:sp>
+        <p:pic>
+          <p:nvPicPr>
+            <p:cNvPr id="26" name="Google Shape;96;p15">
+              <a:extLst>
+                <a:ext uri="{FF2B5EF4-FFF2-40B4-BE49-F238E27FC236}">
+                  <a16:creationId xmlns:a16="http://schemas.microsoft.com/office/drawing/2014/main" id="{A1478F72-1340-4F9B-B43B-F0E74452AA54}"/>
+                </a:ext>
+              </a:extLst>
+            </p:cNvPr>
+            <p:cNvPicPr preferRelativeResize="0"/>
+            <p:nvPr/>
+          </p:nvPicPr>
+          <p:blipFill>
+            <a:blip r:embed="rId2">
+              <a:alphaModFix/>
+            </a:blip>
+            <a:stretch>
+              <a:fillRect/>
+            </a:stretch>
+          </p:blipFill>
+          <p:spPr>
+            <a:xfrm>
+              <a:off x="0" y="1069008"/>
+              <a:ext cx="9143999" cy="4074492"/>
+            </a:xfrm>
+            <a:prstGeom prst="rect">
+              <a:avLst/>
+            </a:prstGeom>
+            <a:noFill/>
+            <a:ln>
+              <a:noFill/>
+            </a:ln>
+          </p:spPr>
+        </p:pic>
+      </p:grpSp>
+      <p:sp>
+        <p:nvSpPr>
+          <p:cNvPr id="27" name="TextBox 26">
+            <a:extLst>
+              <a:ext uri="{FF2B5EF4-FFF2-40B4-BE49-F238E27FC236}">
+                <a16:creationId xmlns:a16="http://schemas.microsoft.com/office/drawing/2014/main" id="{793931D8-69E6-451B-8BCE-EC76158083DE}"/>
+              </a:ext>
+            </a:extLst>
+          </p:cNvPr>
+          <p:cNvSpPr txBox="1"/>
+          <p:nvPr/>
+        </p:nvSpPr>
         <p:spPr>
-          <a:xfrm flipH="1" flipV="1">
-            <a:off x="5299970" y="4128119"/>
-            <a:ext cx="2645545" cy="665823"/>
+          <a:xfrm>
+            <a:off x="6704846" y="2664995"/>
+            <a:ext cx="5193437" cy="3088025"/>
           </a:xfrm>
-          <a:prstGeom prst="straightConnector1">
+          <a:prstGeom prst="rect">
             <a:avLst/>
           </a:prstGeom>
+          <a:noFill/>
+        </p:spPr>
+        <p:txBody>
+          <a:bodyPr wrap="square" rtlCol="0">
+            <a:spAutoFit/>
+          </a:bodyPr>
+          <a:lstStyle/>
+          <a:p>
+            <a:pPr algn="r" rtl="1">
+              <a:lnSpc>
+                <a:spcPct val="150000"/>
+              </a:lnSpc>
+            </a:pPr>
+            <a:r>
+              <a:rPr lang="he-IL" sz="1600" dirty="0"/>
+              <a:t>הבעיה הבאה בה התעסקנו במסך הייתה כפתור הוספת אילוץ. וכפתור הוספת פגישה. הכפתורים היו מבלבליםי מאוד ורבים מהמשתמשים חשבו שכפתור הוספת אילוץ אחראי על הוספת פגישה.</a:t>
+            </a:r>
+            <a:r>
+              <a:rPr lang="en-US" sz="1600" dirty="0"/>
+              <a:t> </a:t>
+            </a:r>
+            <a:r>
+              <a:rPr lang="he-IL" sz="1600" dirty="0"/>
+              <a:t> כמו כן הם היו ממוקמים במקומות שונים לגמרי במסך מה שהיה מאוד לא איטואיטיבי למשתמשים.</a:t>
+            </a:r>
+          </a:p>
+          <a:p>
+            <a:pPr algn="r" rtl="1">
+              <a:lnSpc>
+                <a:spcPct val="150000"/>
+              </a:lnSpc>
+            </a:pPr>
+            <a:endParaRPr lang="he-IL" sz="1600" dirty="0"/>
+          </a:p>
+          <a:p>
+            <a:pPr algn="r" rtl="1">
+              <a:lnSpc>
+                <a:spcPct val="150000"/>
+              </a:lnSpc>
+            </a:pPr>
+            <a:r>
+              <a:rPr lang="he-IL" sz="1600" dirty="0"/>
+              <a:t>(פוגע בעקרונות </a:t>
+            </a:r>
+            <a:r>
+              <a:rPr lang="he-IL" b="1" dirty="0"/>
+              <a:t> עקיבות וסטנדרטים, מניעת טעויות, זיהוי במקום הִזָּכְרוּת</a:t>
+            </a:r>
+            <a:r>
+              <a:rPr lang="he-IL" sz="1600" dirty="0"/>
+              <a:t>)</a:t>
+            </a:r>
+          </a:p>
+        </p:txBody>
+      </p:sp>
+    </p:spTree>
+    <p:extLst>
+      <p:ext uri="{BB962C8B-B14F-4D97-AF65-F5344CB8AC3E}">
+        <p14:creationId xmlns:p14="http://schemas.microsoft.com/office/powerpoint/2010/main" val="3647882289"/>
+      </p:ext>
+    </p:extLst>
+  </p:cSld>
+  <p:clrMapOvr>
+    <a:masterClrMapping/>
+  </p:clrMapOvr>
+</p:sld>
+</file>
+
+<file path=ppt/slides/slide41.xml><?xml version="1.0" encoding="utf-8"?>
+<p:sld xmlns:a="http://schemas.openxmlformats.org/drawingml/2006/main" xmlns:r="http://schemas.openxmlformats.org/officeDocument/2006/relationships" xmlns:p="http://schemas.openxmlformats.org/presentationml/2006/main">
+  <p:cSld>
+    <p:spTree>
+      <p:nvGrpSpPr>
+        <p:cNvPr id="1" name=""/>
+        <p:cNvGrpSpPr/>
+        <p:nvPr/>
+      </p:nvGrpSpPr>
+      <p:grpSpPr>
+        <a:xfrm>
+          <a:off x="0" y="0"/>
+          <a:ext cx="0" cy="0"/>
+          <a:chOff x="0" y="0"/>
+          <a:chExt cx="0" cy="0"/>
+        </a:xfrm>
+      </p:grpSpPr>
+      <p:sp>
+        <p:nvSpPr>
+          <p:cNvPr id="2" name="Title 1">
+            <a:extLst>
+              <a:ext uri="{FF2B5EF4-FFF2-40B4-BE49-F238E27FC236}">
+                <a16:creationId xmlns:a16="http://schemas.microsoft.com/office/drawing/2014/main" id="{F2E75ACD-C303-46DD-8FB4-27FC6A409857}"/>
+              </a:ext>
+            </a:extLst>
+          </p:cNvPr>
+          <p:cNvSpPr>
+            <a:spLocks noGrp="1"/>
+          </p:cNvSpPr>
+          <p:nvPr>
+            <p:ph type="title"/>
+          </p:nvPr>
+        </p:nvSpPr>
+        <p:spPr/>
+        <p:txBody>
+          <a:bodyPr/>
+          <a:lstStyle/>
+          <a:p>
+            <a:pPr algn="ctr"/>
+            <a:r>
+              <a:rPr lang="he-IL" sz="4800" dirty="0"/>
+              <a:t>מסך הבית</a:t>
+            </a:r>
+            <a:endParaRPr lang="en-US" sz="4800" dirty="0"/>
+          </a:p>
+        </p:txBody>
+      </p:sp>
+      <p:grpSp>
+        <p:nvGrpSpPr>
+          <p:cNvPr id="20" name="Group 19">
+            <a:extLst>
+              <a:ext uri="{FF2B5EF4-FFF2-40B4-BE49-F238E27FC236}">
+                <a16:creationId xmlns:a16="http://schemas.microsoft.com/office/drawing/2014/main" id="{658F2FAD-9CD3-4083-9C05-368B72ADF35F}"/>
+              </a:ext>
+            </a:extLst>
+          </p:cNvPr>
+          <p:cNvGrpSpPr/>
+          <p:nvPr/>
+        </p:nvGrpSpPr>
+        <p:grpSpPr>
+          <a:xfrm>
+            <a:off x="603682" y="2587752"/>
+            <a:ext cx="5492317" cy="3470148"/>
+            <a:chOff x="0" y="0"/>
+            <a:chExt cx="9144000" cy="5143500"/>
+          </a:xfrm>
+        </p:grpSpPr>
+        <p:sp>
+          <p:nvSpPr>
+            <p:cNvPr id="21" name="Google Shape;91;p15">
+              <a:extLst>
+                <a:ext uri="{FF2B5EF4-FFF2-40B4-BE49-F238E27FC236}">
+                  <a16:creationId xmlns:a16="http://schemas.microsoft.com/office/drawing/2014/main" id="{1CEB6900-4A31-4DF7-A826-F18350A49799}"/>
+                </a:ext>
+              </a:extLst>
+            </p:cNvPr>
+            <p:cNvSpPr/>
+            <p:nvPr/>
+          </p:nvSpPr>
+          <p:spPr>
+            <a:xfrm>
+              <a:off x="0" y="0"/>
+              <a:ext cx="9144000" cy="583200"/>
+            </a:xfrm>
+            <a:prstGeom prst="rect">
+              <a:avLst/>
+            </a:prstGeom>
+            <a:solidFill>
+              <a:srgbClr val="B4D0E7"/>
+            </a:solidFill>
+            <a:ln w="9525" cap="flat" cmpd="sng">
+              <a:solidFill>
+                <a:srgbClr val="B4D0E7"/>
+              </a:solidFill>
+              <a:prstDash val="solid"/>
+              <a:round/>
+              <a:headEnd type="none" w="sm" len="sm"/>
+              <a:tailEnd type="none" w="sm" len="sm"/>
+            </a:ln>
+            <a:effectLst>
+              <a:outerShdw blurRad="57150" dist="19050" dir="5400000" algn="bl" rotWithShape="0">
+                <a:schemeClr val="dk1">
+                  <a:alpha val="50000"/>
+                </a:schemeClr>
+              </a:outerShdw>
+            </a:effectLst>
+          </p:spPr>
+          <p:txBody>
+            <a:bodyPr spcFirstLastPara="1" wrap="square" lIns="91425" tIns="91425" rIns="91425" bIns="91425" anchor="ctr" anchorCtr="0">
+              <a:noAutofit/>
+            </a:bodyPr>
+            <a:lstStyle/>
+            <a:p>
+              <a:pPr marL="0" lvl="0" indent="0" algn="l" rtl="0">
+                <a:spcBef>
+                  <a:spcPts val="0"/>
+                </a:spcBef>
+                <a:spcAft>
+                  <a:spcPts val="0"/>
+                </a:spcAft>
+                <a:buNone/>
+              </a:pPr>
+              <a:endParaRPr sz="800"/>
+            </a:p>
+          </p:txBody>
+        </p:sp>
+        <p:sp>
+          <p:nvSpPr>
+            <p:cNvPr id="22" name="Google Shape;92;p15">
+              <a:extLst>
+                <a:ext uri="{FF2B5EF4-FFF2-40B4-BE49-F238E27FC236}">
+                  <a16:creationId xmlns:a16="http://schemas.microsoft.com/office/drawing/2014/main" id="{62A16A85-9B0A-44DC-9E4C-8AA74E32CCE6}"/>
+                </a:ext>
+              </a:extLst>
+            </p:cNvPr>
+            <p:cNvSpPr txBox="1"/>
+            <p:nvPr/>
+          </p:nvSpPr>
+          <p:spPr>
+            <a:xfrm>
+              <a:off x="7759591" y="120750"/>
+              <a:ext cx="1330159" cy="341701"/>
+            </a:xfrm>
+            <a:prstGeom prst="rect">
+              <a:avLst/>
+            </a:prstGeom>
+            <a:noFill/>
+            <a:ln>
+              <a:noFill/>
+            </a:ln>
+          </p:spPr>
+          <p:txBody>
+            <a:bodyPr spcFirstLastPara="1" wrap="square" lIns="91425" tIns="91425" rIns="91425" bIns="91425" anchor="t" anchorCtr="0">
+              <a:noAutofit/>
+            </a:bodyPr>
+            <a:lstStyle/>
+            <a:p>
+              <a:pPr marL="0" lvl="0" indent="0" algn="r" rtl="0">
+                <a:spcBef>
+                  <a:spcPts val="0"/>
+                </a:spcBef>
+                <a:spcAft>
+                  <a:spcPts val="0"/>
+                </a:spcAft>
+                <a:buNone/>
+              </a:pPr>
+              <a:r>
+                <a:rPr lang="iw" sz="800" dirty="0">
+                  <a:solidFill>
+                    <a:srgbClr val="FFFFFF"/>
+                  </a:solidFill>
+                </a:rPr>
+                <a:t>WeMeet</a:t>
+              </a:r>
+              <a:endParaRPr sz="800" dirty="0">
+                <a:solidFill>
+                  <a:srgbClr val="FFFFFF"/>
+                </a:solidFill>
+              </a:endParaRPr>
+            </a:p>
+          </p:txBody>
+        </p:sp>
+        <p:sp>
+          <p:nvSpPr>
+            <p:cNvPr id="23" name="Google Shape;93;p15">
+              <a:extLst>
+                <a:ext uri="{FF2B5EF4-FFF2-40B4-BE49-F238E27FC236}">
+                  <a16:creationId xmlns:a16="http://schemas.microsoft.com/office/drawing/2014/main" id="{FC8DC434-D63C-4F84-8050-621C7164CDF7}"/>
+                </a:ext>
+              </a:extLst>
+            </p:cNvPr>
+            <p:cNvSpPr txBox="1"/>
+            <p:nvPr/>
+          </p:nvSpPr>
+          <p:spPr>
+            <a:xfrm>
+              <a:off x="6514030" y="114491"/>
+              <a:ext cx="1080000" cy="327900"/>
+            </a:xfrm>
+            <a:prstGeom prst="rect">
+              <a:avLst/>
+            </a:prstGeom>
+            <a:noFill/>
+            <a:ln>
+              <a:noFill/>
+            </a:ln>
+          </p:spPr>
+          <p:txBody>
+            <a:bodyPr spcFirstLastPara="1" wrap="square" lIns="91425" tIns="91425" rIns="91425" bIns="91425" anchor="t" anchorCtr="0">
+              <a:noAutofit/>
+            </a:bodyPr>
+            <a:lstStyle/>
+            <a:p>
+              <a:pPr marL="0" lvl="0" indent="0" algn="r" rtl="1">
+                <a:spcBef>
+                  <a:spcPts val="0"/>
+                </a:spcBef>
+                <a:spcAft>
+                  <a:spcPts val="0"/>
+                </a:spcAft>
+                <a:buNone/>
+              </a:pPr>
+              <a:r>
+                <a:rPr lang="iw" sz="800" dirty="0">
+                  <a:solidFill>
+                    <a:srgbClr val="FFFFFF"/>
+                  </a:solidFill>
+                </a:rPr>
+                <a:t>אזור אישי</a:t>
+              </a:r>
+              <a:endParaRPr sz="800" dirty="0">
+                <a:solidFill>
+                  <a:srgbClr val="FFFFFF"/>
+                </a:solidFill>
+              </a:endParaRPr>
+            </a:p>
+          </p:txBody>
+        </p:sp>
+        <p:sp>
+          <p:nvSpPr>
+            <p:cNvPr id="25" name="Google Shape;95;p15">
+              <a:extLst>
+                <a:ext uri="{FF2B5EF4-FFF2-40B4-BE49-F238E27FC236}">
+                  <a16:creationId xmlns:a16="http://schemas.microsoft.com/office/drawing/2014/main" id="{823D2CA7-AFF5-4DF6-915A-A9FDA4D3BB2B}"/>
+                </a:ext>
+              </a:extLst>
+            </p:cNvPr>
+            <p:cNvSpPr txBox="1"/>
+            <p:nvPr/>
+          </p:nvSpPr>
+          <p:spPr>
+            <a:xfrm>
+              <a:off x="314375" y="127650"/>
+              <a:ext cx="862800" cy="327900"/>
+            </a:xfrm>
+            <a:prstGeom prst="rect">
+              <a:avLst/>
+            </a:prstGeom>
+            <a:noFill/>
+            <a:ln>
+              <a:noFill/>
+            </a:ln>
+          </p:spPr>
+          <p:txBody>
+            <a:bodyPr spcFirstLastPara="1" wrap="square" lIns="91425" tIns="91425" rIns="91425" bIns="91425" anchor="t" anchorCtr="0">
+              <a:noAutofit/>
+            </a:bodyPr>
+            <a:lstStyle/>
+            <a:p>
+              <a:pPr marL="0" lvl="0" indent="0" algn="r" rtl="1">
+                <a:spcBef>
+                  <a:spcPts val="0"/>
+                </a:spcBef>
+                <a:spcAft>
+                  <a:spcPts val="0"/>
+                </a:spcAft>
+                <a:buNone/>
+              </a:pPr>
+              <a:r>
+                <a:rPr lang="iw" sz="800">
+                  <a:solidFill>
+                    <a:srgbClr val="FFFFFF"/>
+                  </a:solidFill>
+                </a:rPr>
+                <a:t>התנתק</a:t>
+              </a:r>
+              <a:endParaRPr sz="800">
+                <a:solidFill>
+                  <a:srgbClr val="FFFFFF"/>
+                </a:solidFill>
+              </a:endParaRPr>
+            </a:p>
+          </p:txBody>
+        </p:sp>
+        <p:pic>
+          <p:nvPicPr>
+            <p:cNvPr id="26" name="Google Shape;96;p15">
+              <a:extLst>
+                <a:ext uri="{FF2B5EF4-FFF2-40B4-BE49-F238E27FC236}">
+                  <a16:creationId xmlns:a16="http://schemas.microsoft.com/office/drawing/2014/main" id="{A1478F72-1340-4F9B-B43B-F0E74452AA54}"/>
+                </a:ext>
+              </a:extLst>
+            </p:cNvPr>
+            <p:cNvPicPr preferRelativeResize="0"/>
+            <p:nvPr/>
+          </p:nvPicPr>
+          <p:blipFill>
+            <a:blip r:embed="rId2">
+              <a:alphaModFix/>
+            </a:blip>
+            <a:stretch>
+              <a:fillRect/>
+            </a:stretch>
+          </p:blipFill>
+          <p:spPr>
+            <a:xfrm>
+              <a:off x="0" y="1069008"/>
+              <a:ext cx="9143999" cy="4074492"/>
+            </a:xfrm>
+            <a:prstGeom prst="rect">
+              <a:avLst/>
+            </a:prstGeom>
+            <a:noFill/>
+            <a:ln>
+              <a:noFill/>
+            </a:ln>
+          </p:spPr>
+        </p:pic>
+      </p:grpSp>
+      <p:sp>
+        <p:nvSpPr>
+          <p:cNvPr id="27" name="TextBox 26">
+            <a:extLst>
+              <a:ext uri="{FF2B5EF4-FFF2-40B4-BE49-F238E27FC236}">
+                <a16:creationId xmlns:a16="http://schemas.microsoft.com/office/drawing/2014/main" id="{793931D8-69E6-451B-8BCE-EC76158083DE}"/>
+              </a:ext>
+            </a:extLst>
+          </p:cNvPr>
+          <p:cNvSpPr txBox="1"/>
+          <p:nvPr/>
+        </p:nvSpPr>
+        <p:spPr>
+          <a:xfrm>
+            <a:off x="6704846" y="2664995"/>
+            <a:ext cx="5193437" cy="2262671"/>
+          </a:xfrm>
+          <a:prstGeom prst="rect">
+            <a:avLst/>
+          </a:prstGeom>
+          <a:noFill/>
+        </p:spPr>
+        <p:txBody>
+          <a:bodyPr wrap="square" rtlCol="0">
+            <a:spAutoFit/>
+          </a:bodyPr>
+          <a:lstStyle/>
+          <a:p>
+            <a:pPr algn="r" rtl="1">
+              <a:lnSpc>
+                <a:spcPct val="150000"/>
+              </a:lnSpc>
+            </a:pPr>
+            <a:r>
+              <a:rPr lang="he-IL" sz="1600" dirty="0"/>
+              <a:t>בתור התחלה הורדנו את כפתור פגישה חדשה להיות ממוקמם ליד כפתור הוספת אילוץ והחלפנו את הסמל של הכפתור של הוספת אילוץ לטקסט פשוט.</a:t>
+            </a:r>
+          </a:p>
+          <a:p>
+            <a:pPr algn="r" rtl="1">
+              <a:lnSpc>
+                <a:spcPct val="150000"/>
+              </a:lnSpc>
+            </a:pPr>
+            <a:r>
+              <a:rPr lang="he-IL" sz="1600" dirty="0"/>
+              <a:t>אומנם פתרנו את בעיית ה</a:t>
+            </a:r>
+            <a:r>
+              <a:rPr lang="he-IL" sz="1600" b="1" dirty="0"/>
+              <a:t>עיקביות </a:t>
+            </a:r>
+            <a:r>
+              <a:rPr lang="he-IL" sz="1600" dirty="0"/>
+              <a:t>ומנענו </a:t>
+            </a:r>
+            <a:r>
+              <a:rPr lang="he-IL" sz="1600" b="1" dirty="0"/>
+              <a:t>טעויות של המשתמשים </a:t>
+            </a:r>
+            <a:r>
+              <a:rPr lang="he-IL" sz="1600" dirty="0"/>
+              <a:t>אך גרמנו לבעיה חדשה. כעת הכפתורים הסתירו חלק גדול מלוח השנה ופגענו בעיקרון </a:t>
+            </a:r>
+            <a:r>
+              <a:rPr lang="he-IL" sz="1600" b="1" dirty="0"/>
+              <a:t>נראות מצב המערכת</a:t>
+            </a:r>
+            <a:r>
+              <a:rPr lang="he-IL" sz="1600" dirty="0"/>
+              <a:t>.</a:t>
+            </a:r>
+          </a:p>
+        </p:txBody>
+      </p:sp>
+      <p:sp>
+        <p:nvSpPr>
+          <p:cNvPr id="4" name="Rectangle 3">
+            <a:extLst>
+              <a:ext uri="{FF2B5EF4-FFF2-40B4-BE49-F238E27FC236}">
+                <a16:creationId xmlns:a16="http://schemas.microsoft.com/office/drawing/2014/main" id="{CB851B2A-29AE-4C61-9CBD-F5CB2E1D410A}"/>
+              </a:ext>
+            </a:extLst>
+          </p:cNvPr>
+          <p:cNvSpPr/>
+          <p:nvPr/>
+        </p:nvSpPr>
+        <p:spPr>
+          <a:xfrm>
+            <a:off x="670560" y="5593080"/>
+            <a:ext cx="342900" cy="411480"/>
+          </a:xfrm>
+          <a:prstGeom prst="rect">
+            <a:avLst/>
+          </a:prstGeom>
+          <a:solidFill>
+            <a:schemeClr val="bg1"/>
+          </a:solidFill>
           <a:ln>
-            <a:tailEnd type="triangle"/>
+            <a:solidFill>
+              <a:schemeClr val="bg1"/>
+            </a:solidFill>
           </a:ln>
         </p:spPr>
         <p:style>
-          <a:lnRef idx="1">
-            <a:schemeClr val="accent1"/>
+          <a:lnRef idx="2">
+            <a:schemeClr val="accent1">
+              <a:shade val="50000"/>
+            </a:schemeClr>
           </a:lnRef>
-          <a:fillRef idx="0">
+          <a:fillRef idx="1">
             <a:schemeClr val="accent1"/>
           </a:fillRef>
           <a:effectRef idx="0">
             <a:schemeClr val="accent1"/>
           </a:effectRef>
           <a:fontRef idx="minor">
-            <a:schemeClr val="tx1"/>
+            <a:schemeClr val="lt1"/>
           </a:fontRef>
         </p:style>
-      </p:cxnSp>
+        <p:txBody>
+          <a:bodyPr rtlCol="0" anchor="ctr"/>
+          <a:lstStyle/>
+          <a:p>
+            <a:pPr algn="ctr"/>
+            <a:endParaRPr lang="en-US"/>
+          </a:p>
+        </p:txBody>
+      </p:sp>
+      <p:sp>
+        <p:nvSpPr>
+          <p:cNvPr id="13" name="Rectangle: Rounded Corners 12">
+            <a:extLst>
+              <a:ext uri="{FF2B5EF4-FFF2-40B4-BE49-F238E27FC236}">
+                <a16:creationId xmlns:a16="http://schemas.microsoft.com/office/drawing/2014/main" id="{BE5836DE-9EB1-42C4-9B02-5AD05EE13D64}"/>
+              </a:ext>
+            </a:extLst>
+          </p:cNvPr>
+          <p:cNvSpPr/>
+          <p:nvPr/>
+        </p:nvSpPr>
+        <p:spPr>
+          <a:xfrm>
+            <a:off x="1625930" y="5709666"/>
+            <a:ext cx="888492" cy="243840"/>
+          </a:xfrm>
+          <a:prstGeom prst="roundRect">
+            <a:avLst/>
+          </a:prstGeom>
+          <a:solidFill>
+            <a:srgbClr val="B4D0E7"/>
+          </a:solidFill>
+        </p:spPr>
+        <p:style>
+          <a:lnRef idx="0">
+            <a:schemeClr val="accent5"/>
+          </a:lnRef>
+          <a:fillRef idx="3">
+            <a:schemeClr val="accent5"/>
+          </a:fillRef>
+          <a:effectRef idx="3">
+            <a:schemeClr val="accent5"/>
+          </a:effectRef>
+          <a:fontRef idx="minor">
+            <a:schemeClr val="lt1"/>
+          </a:fontRef>
+        </p:style>
+        <p:txBody>
+          <a:bodyPr rtlCol="0" anchor="ctr"/>
+          <a:lstStyle/>
+          <a:p>
+            <a:pPr algn="ctr"/>
+            <a:r>
+              <a:rPr lang="he-IL" sz="900" dirty="0"/>
+              <a:t>הוספת פגישה</a:t>
+            </a:r>
+            <a:endParaRPr lang="en-US" sz="900" dirty="0"/>
+          </a:p>
+        </p:txBody>
+      </p:sp>
+      <p:sp>
+        <p:nvSpPr>
+          <p:cNvPr id="14" name="Rectangle: Rounded Corners 13">
+            <a:extLst>
+              <a:ext uri="{FF2B5EF4-FFF2-40B4-BE49-F238E27FC236}">
+                <a16:creationId xmlns:a16="http://schemas.microsoft.com/office/drawing/2014/main" id="{9C67FA8F-8617-44AE-A04C-1253B5A105B4}"/>
+              </a:ext>
+            </a:extLst>
+          </p:cNvPr>
+          <p:cNvSpPr/>
+          <p:nvPr/>
+        </p:nvSpPr>
+        <p:spPr>
+          <a:xfrm>
+            <a:off x="670560" y="5709666"/>
+            <a:ext cx="888492" cy="243840"/>
+          </a:xfrm>
+          <a:prstGeom prst="roundRect">
+            <a:avLst/>
+          </a:prstGeom>
+          <a:solidFill>
+            <a:srgbClr val="B4D0E7"/>
+          </a:solidFill>
+        </p:spPr>
+        <p:style>
+          <a:lnRef idx="0">
+            <a:schemeClr val="accent5"/>
+          </a:lnRef>
+          <a:fillRef idx="3">
+            <a:schemeClr val="accent5"/>
+          </a:fillRef>
+          <a:effectRef idx="3">
+            <a:schemeClr val="accent5"/>
+          </a:effectRef>
+          <a:fontRef idx="minor">
+            <a:schemeClr val="lt1"/>
+          </a:fontRef>
+        </p:style>
+        <p:txBody>
+          <a:bodyPr rtlCol="0" anchor="ctr"/>
+          <a:lstStyle/>
+          <a:p>
+            <a:pPr algn="ctr"/>
+            <a:r>
+              <a:rPr lang="he-IL" sz="900" dirty="0"/>
+              <a:t>הוספת אילוץ</a:t>
+            </a:r>
+            <a:endParaRPr lang="en-US" sz="900" dirty="0"/>
+          </a:p>
+        </p:txBody>
+      </p:sp>
+      <p:sp>
+        <p:nvSpPr>
+          <p:cNvPr id="15" name="Rectangle: Rounded Corners 14">
+            <a:extLst>
+              <a:ext uri="{FF2B5EF4-FFF2-40B4-BE49-F238E27FC236}">
+                <a16:creationId xmlns:a16="http://schemas.microsoft.com/office/drawing/2014/main" id="{1E904339-FBBF-45C4-9A7F-844BB5939DBA}"/>
+              </a:ext>
+            </a:extLst>
+          </p:cNvPr>
+          <p:cNvSpPr/>
+          <p:nvPr/>
+        </p:nvSpPr>
+        <p:spPr>
+          <a:xfrm>
+            <a:off x="1641348" y="5718810"/>
+            <a:ext cx="888492" cy="243840"/>
+          </a:xfrm>
+          <a:prstGeom prst="roundRect">
+            <a:avLst/>
+          </a:prstGeom>
+          <a:solidFill>
+            <a:srgbClr val="B4D0E7"/>
+          </a:solidFill>
+        </p:spPr>
+        <p:style>
+          <a:lnRef idx="0">
+            <a:schemeClr val="accent5"/>
+          </a:lnRef>
+          <a:fillRef idx="3">
+            <a:schemeClr val="accent5"/>
+          </a:fillRef>
+          <a:effectRef idx="3">
+            <a:schemeClr val="accent5"/>
+          </a:effectRef>
+          <a:fontRef idx="minor">
+            <a:schemeClr val="lt1"/>
+          </a:fontRef>
+        </p:style>
+        <p:txBody>
+          <a:bodyPr rtlCol="0" anchor="ctr"/>
+          <a:lstStyle/>
+          <a:p>
+            <a:pPr algn="ctr"/>
+            <a:r>
+              <a:rPr lang="he-IL" sz="900" dirty="0"/>
+              <a:t>הוספת פגישה</a:t>
+            </a:r>
+            <a:endParaRPr lang="en-US" sz="900" dirty="0"/>
+          </a:p>
+        </p:txBody>
+      </p:sp>
+    </p:spTree>
+    <p:extLst>
+      <p:ext uri="{BB962C8B-B14F-4D97-AF65-F5344CB8AC3E}">
+        <p14:creationId xmlns:p14="http://schemas.microsoft.com/office/powerpoint/2010/main" val="471190346"/>
+      </p:ext>
+    </p:extLst>
+  </p:cSld>
+  <p:clrMapOvr>
+    <a:masterClrMapping/>
+  </p:clrMapOvr>
+</p:sld>
+</file>
+
+<file path=ppt/slides/slide42.xml><?xml version="1.0" encoding="utf-8"?>
+<p:sld xmlns:a="http://schemas.openxmlformats.org/drawingml/2006/main" xmlns:r="http://schemas.openxmlformats.org/officeDocument/2006/relationships" xmlns:p="http://schemas.openxmlformats.org/presentationml/2006/main">
+  <p:cSld>
+    <p:spTree>
+      <p:nvGrpSpPr>
+        <p:cNvPr id="1" name=""/>
+        <p:cNvGrpSpPr/>
+        <p:nvPr/>
+      </p:nvGrpSpPr>
+      <p:grpSpPr>
+        <a:xfrm>
+          <a:off x="0" y="0"/>
+          <a:ext cx="0" cy="0"/>
+          <a:chOff x="0" y="0"/>
+          <a:chExt cx="0" cy="0"/>
+        </a:xfrm>
+      </p:grpSpPr>
+      <p:sp>
+        <p:nvSpPr>
+          <p:cNvPr id="2" name="Title 1">
+            <a:extLst>
+              <a:ext uri="{FF2B5EF4-FFF2-40B4-BE49-F238E27FC236}">
+                <a16:creationId xmlns:a16="http://schemas.microsoft.com/office/drawing/2014/main" id="{F2E75ACD-C303-46DD-8FB4-27FC6A409857}"/>
+              </a:ext>
+            </a:extLst>
+          </p:cNvPr>
+          <p:cNvSpPr>
+            <a:spLocks noGrp="1"/>
+          </p:cNvSpPr>
+          <p:nvPr>
+            <p:ph type="title"/>
+          </p:nvPr>
+        </p:nvSpPr>
+        <p:spPr/>
+        <p:txBody>
+          <a:bodyPr/>
+          <a:lstStyle/>
+          <a:p>
+            <a:pPr algn="ctr"/>
+            <a:r>
+              <a:rPr lang="he-IL" sz="4800" dirty="0"/>
+              <a:t>מסך הבית</a:t>
+            </a:r>
+            <a:endParaRPr lang="en-US" sz="4800" dirty="0"/>
+          </a:p>
+        </p:txBody>
+      </p:sp>
+      <p:grpSp>
+        <p:nvGrpSpPr>
+          <p:cNvPr id="20" name="Group 19">
+            <a:extLst>
+              <a:ext uri="{FF2B5EF4-FFF2-40B4-BE49-F238E27FC236}">
+                <a16:creationId xmlns:a16="http://schemas.microsoft.com/office/drawing/2014/main" id="{658F2FAD-9CD3-4083-9C05-368B72ADF35F}"/>
+              </a:ext>
+            </a:extLst>
+          </p:cNvPr>
+          <p:cNvGrpSpPr/>
+          <p:nvPr/>
+        </p:nvGrpSpPr>
+        <p:grpSpPr>
+          <a:xfrm>
+            <a:off x="603682" y="2587752"/>
+            <a:ext cx="5492317" cy="3470148"/>
+            <a:chOff x="0" y="0"/>
+            <a:chExt cx="9144000" cy="5143500"/>
+          </a:xfrm>
+        </p:grpSpPr>
+        <p:sp>
+          <p:nvSpPr>
+            <p:cNvPr id="21" name="Google Shape;91;p15">
+              <a:extLst>
+                <a:ext uri="{FF2B5EF4-FFF2-40B4-BE49-F238E27FC236}">
+                  <a16:creationId xmlns:a16="http://schemas.microsoft.com/office/drawing/2014/main" id="{1CEB6900-4A31-4DF7-A826-F18350A49799}"/>
+                </a:ext>
+              </a:extLst>
+            </p:cNvPr>
+            <p:cNvSpPr/>
+            <p:nvPr/>
+          </p:nvSpPr>
+          <p:spPr>
+            <a:xfrm>
+              <a:off x="0" y="0"/>
+              <a:ext cx="9144000" cy="583200"/>
+            </a:xfrm>
+            <a:prstGeom prst="rect">
+              <a:avLst/>
+            </a:prstGeom>
+            <a:solidFill>
+              <a:srgbClr val="B4D0E7"/>
+            </a:solidFill>
+            <a:ln w="9525" cap="flat" cmpd="sng">
+              <a:solidFill>
+                <a:srgbClr val="B4D0E7"/>
+              </a:solidFill>
+              <a:prstDash val="solid"/>
+              <a:round/>
+              <a:headEnd type="none" w="sm" len="sm"/>
+              <a:tailEnd type="none" w="sm" len="sm"/>
+            </a:ln>
+            <a:effectLst>
+              <a:outerShdw blurRad="57150" dist="19050" dir="5400000" algn="bl" rotWithShape="0">
+                <a:schemeClr val="dk1">
+                  <a:alpha val="50000"/>
+                </a:schemeClr>
+              </a:outerShdw>
+            </a:effectLst>
+          </p:spPr>
+          <p:txBody>
+            <a:bodyPr spcFirstLastPara="1" wrap="square" lIns="91425" tIns="91425" rIns="91425" bIns="91425" anchor="ctr" anchorCtr="0">
+              <a:noAutofit/>
+            </a:bodyPr>
+            <a:lstStyle/>
+            <a:p>
+              <a:pPr marL="0" lvl="0" indent="0" algn="l" rtl="0">
+                <a:spcBef>
+                  <a:spcPts val="0"/>
+                </a:spcBef>
+                <a:spcAft>
+                  <a:spcPts val="0"/>
+                </a:spcAft>
+                <a:buNone/>
+              </a:pPr>
+              <a:endParaRPr sz="800"/>
+            </a:p>
+          </p:txBody>
+        </p:sp>
+        <p:sp>
+          <p:nvSpPr>
+            <p:cNvPr id="22" name="Google Shape;92;p15">
+              <a:extLst>
+                <a:ext uri="{FF2B5EF4-FFF2-40B4-BE49-F238E27FC236}">
+                  <a16:creationId xmlns:a16="http://schemas.microsoft.com/office/drawing/2014/main" id="{62A16A85-9B0A-44DC-9E4C-8AA74E32CCE6}"/>
+                </a:ext>
+              </a:extLst>
+            </p:cNvPr>
+            <p:cNvSpPr txBox="1"/>
+            <p:nvPr/>
+          </p:nvSpPr>
+          <p:spPr>
+            <a:xfrm>
+              <a:off x="7759591" y="120750"/>
+              <a:ext cx="1330159" cy="341701"/>
+            </a:xfrm>
+            <a:prstGeom prst="rect">
+              <a:avLst/>
+            </a:prstGeom>
+            <a:noFill/>
+            <a:ln>
+              <a:noFill/>
+            </a:ln>
+          </p:spPr>
+          <p:txBody>
+            <a:bodyPr spcFirstLastPara="1" wrap="square" lIns="91425" tIns="91425" rIns="91425" bIns="91425" anchor="t" anchorCtr="0">
+              <a:noAutofit/>
+            </a:bodyPr>
+            <a:lstStyle/>
+            <a:p>
+              <a:pPr marL="0" lvl="0" indent="0" algn="r" rtl="0">
+                <a:spcBef>
+                  <a:spcPts val="0"/>
+                </a:spcBef>
+                <a:spcAft>
+                  <a:spcPts val="0"/>
+                </a:spcAft>
+                <a:buNone/>
+              </a:pPr>
+              <a:r>
+                <a:rPr lang="iw" sz="800" dirty="0">
+                  <a:solidFill>
+                    <a:srgbClr val="FFFFFF"/>
+                  </a:solidFill>
+                </a:rPr>
+                <a:t>WeMeet</a:t>
+              </a:r>
+              <a:endParaRPr sz="800" dirty="0">
+                <a:solidFill>
+                  <a:srgbClr val="FFFFFF"/>
+                </a:solidFill>
+              </a:endParaRPr>
+            </a:p>
+          </p:txBody>
+        </p:sp>
+        <p:sp>
+          <p:nvSpPr>
+            <p:cNvPr id="23" name="Google Shape;93;p15">
+              <a:extLst>
+                <a:ext uri="{FF2B5EF4-FFF2-40B4-BE49-F238E27FC236}">
+                  <a16:creationId xmlns:a16="http://schemas.microsoft.com/office/drawing/2014/main" id="{FC8DC434-D63C-4F84-8050-621C7164CDF7}"/>
+                </a:ext>
+              </a:extLst>
+            </p:cNvPr>
+            <p:cNvSpPr txBox="1"/>
+            <p:nvPr/>
+          </p:nvSpPr>
+          <p:spPr>
+            <a:xfrm>
+              <a:off x="6514030" y="114491"/>
+              <a:ext cx="1080000" cy="327900"/>
+            </a:xfrm>
+            <a:prstGeom prst="rect">
+              <a:avLst/>
+            </a:prstGeom>
+            <a:noFill/>
+            <a:ln>
+              <a:noFill/>
+            </a:ln>
+          </p:spPr>
+          <p:txBody>
+            <a:bodyPr spcFirstLastPara="1" wrap="square" lIns="91425" tIns="91425" rIns="91425" bIns="91425" anchor="t" anchorCtr="0">
+              <a:noAutofit/>
+            </a:bodyPr>
+            <a:lstStyle/>
+            <a:p>
+              <a:pPr marL="0" lvl="0" indent="0" algn="r" rtl="1">
+                <a:spcBef>
+                  <a:spcPts val="0"/>
+                </a:spcBef>
+                <a:spcAft>
+                  <a:spcPts val="0"/>
+                </a:spcAft>
+                <a:buNone/>
+              </a:pPr>
+              <a:r>
+                <a:rPr lang="iw" sz="800" dirty="0">
+                  <a:solidFill>
+                    <a:srgbClr val="FFFFFF"/>
+                  </a:solidFill>
+                </a:rPr>
+                <a:t>אזור אישי</a:t>
+              </a:r>
+              <a:endParaRPr sz="800" dirty="0">
+                <a:solidFill>
+                  <a:srgbClr val="FFFFFF"/>
+                </a:solidFill>
+              </a:endParaRPr>
+            </a:p>
+          </p:txBody>
+        </p:sp>
+        <p:sp>
+          <p:nvSpPr>
+            <p:cNvPr id="25" name="Google Shape;95;p15">
+              <a:extLst>
+                <a:ext uri="{FF2B5EF4-FFF2-40B4-BE49-F238E27FC236}">
+                  <a16:creationId xmlns:a16="http://schemas.microsoft.com/office/drawing/2014/main" id="{823D2CA7-AFF5-4DF6-915A-A9FDA4D3BB2B}"/>
+                </a:ext>
+              </a:extLst>
+            </p:cNvPr>
+            <p:cNvSpPr txBox="1"/>
+            <p:nvPr/>
+          </p:nvSpPr>
+          <p:spPr>
+            <a:xfrm>
+              <a:off x="314375" y="127650"/>
+              <a:ext cx="862800" cy="327900"/>
+            </a:xfrm>
+            <a:prstGeom prst="rect">
+              <a:avLst/>
+            </a:prstGeom>
+            <a:noFill/>
+            <a:ln>
+              <a:noFill/>
+            </a:ln>
+          </p:spPr>
+          <p:txBody>
+            <a:bodyPr spcFirstLastPara="1" wrap="square" lIns="91425" tIns="91425" rIns="91425" bIns="91425" anchor="t" anchorCtr="0">
+              <a:noAutofit/>
+            </a:bodyPr>
+            <a:lstStyle/>
+            <a:p>
+              <a:pPr marL="0" lvl="0" indent="0" algn="r" rtl="1">
+                <a:spcBef>
+                  <a:spcPts val="0"/>
+                </a:spcBef>
+                <a:spcAft>
+                  <a:spcPts val="0"/>
+                </a:spcAft>
+                <a:buNone/>
+              </a:pPr>
+              <a:r>
+                <a:rPr lang="iw" sz="800">
+                  <a:solidFill>
+                    <a:srgbClr val="FFFFFF"/>
+                  </a:solidFill>
+                </a:rPr>
+                <a:t>התנתק</a:t>
+              </a:r>
+              <a:endParaRPr sz="800">
+                <a:solidFill>
+                  <a:srgbClr val="FFFFFF"/>
+                </a:solidFill>
+              </a:endParaRPr>
+            </a:p>
+          </p:txBody>
+        </p:sp>
+        <p:pic>
+          <p:nvPicPr>
+            <p:cNvPr id="26" name="Google Shape;96;p15">
+              <a:extLst>
+                <a:ext uri="{FF2B5EF4-FFF2-40B4-BE49-F238E27FC236}">
+                  <a16:creationId xmlns:a16="http://schemas.microsoft.com/office/drawing/2014/main" id="{A1478F72-1340-4F9B-B43B-F0E74452AA54}"/>
+                </a:ext>
+              </a:extLst>
+            </p:cNvPr>
+            <p:cNvPicPr preferRelativeResize="0"/>
+            <p:nvPr/>
+          </p:nvPicPr>
+          <p:blipFill>
+            <a:blip r:embed="rId3">
+              <a:alphaModFix/>
+            </a:blip>
+            <a:stretch>
+              <a:fillRect/>
+            </a:stretch>
+          </p:blipFill>
+          <p:spPr>
+            <a:xfrm>
+              <a:off x="0" y="1069008"/>
+              <a:ext cx="9143999" cy="4074492"/>
+            </a:xfrm>
+            <a:prstGeom prst="rect">
+              <a:avLst/>
+            </a:prstGeom>
+            <a:noFill/>
+            <a:ln>
+              <a:noFill/>
+            </a:ln>
+          </p:spPr>
+        </p:pic>
+      </p:grpSp>
+      <p:sp>
+        <p:nvSpPr>
+          <p:cNvPr id="27" name="TextBox 26">
+            <a:extLst>
+              <a:ext uri="{FF2B5EF4-FFF2-40B4-BE49-F238E27FC236}">
+                <a16:creationId xmlns:a16="http://schemas.microsoft.com/office/drawing/2014/main" id="{793931D8-69E6-451B-8BCE-EC76158083DE}"/>
+              </a:ext>
+            </a:extLst>
+          </p:cNvPr>
+          <p:cNvSpPr txBox="1"/>
+          <p:nvPr/>
+        </p:nvSpPr>
+        <p:spPr>
+          <a:xfrm>
+            <a:off x="6704846" y="2664995"/>
+            <a:ext cx="5193437" cy="1154675"/>
+          </a:xfrm>
+          <a:prstGeom prst="rect">
+            <a:avLst/>
+          </a:prstGeom>
+          <a:noFill/>
+        </p:spPr>
+        <p:txBody>
+          <a:bodyPr wrap="square" rtlCol="0">
+            <a:spAutoFit/>
+          </a:bodyPr>
+          <a:lstStyle/>
+          <a:p>
+            <a:pPr algn="r" rtl="1">
+              <a:lnSpc>
+                <a:spcPct val="150000"/>
+              </a:lnSpc>
+            </a:pPr>
+            <a:r>
+              <a:rPr lang="he-IL" sz="1600" dirty="0"/>
+              <a:t>לכן החלטנו למזער את הכפתורים לכפתור + שהיה מלחתחילה אבל כעת בלחיצה עליו ייפתח חלון קטן אם שתי האופציות של ההוספה והמשתמש יוכל לבחור להוסיף אילוץ או פגישה</a:t>
+            </a:r>
+          </a:p>
+        </p:txBody>
+      </p:sp>
+      <p:sp>
+        <p:nvSpPr>
+          <p:cNvPr id="11" name="Rectangle: Rounded Corners 10">
+            <a:extLst>
+              <a:ext uri="{FF2B5EF4-FFF2-40B4-BE49-F238E27FC236}">
+                <a16:creationId xmlns:a16="http://schemas.microsoft.com/office/drawing/2014/main" id="{092BEA74-A8FF-48C0-B499-4EECCB688BCE}"/>
+              </a:ext>
+            </a:extLst>
+          </p:cNvPr>
+          <p:cNvSpPr/>
+          <p:nvPr/>
+        </p:nvSpPr>
+        <p:spPr>
+          <a:xfrm>
+            <a:off x="792510" y="5044440"/>
+            <a:ext cx="888492" cy="605741"/>
+          </a:xfrm>
+          <a:prstGeom prst="roundRect">
+            <a:avLst/>
+          </a:prstGeom>
+          <a:solidFill>
+            <a:srgbClr val="B4D0E7"/>
+          </a:solidFill>
+        </p:spPr>
+        <p:style>
+          <a:lnRef idx="0">
+            <a:schemeClr val="accent5"/>
+          </a:lnRef>
+          <a:fillRef idx="3">
+            <a:schemeClr val="accent5"/>
+          </a:fillRef>
+          <a:effectRef idx="3">
+            <a:schemeClr val="accent5"/>
+          </a:effectRef>
+          <a:fontRef idx="minor">
+            <a:schemeClr val="lt1"/>
+          </a:fontRef>
+        </p:style>
+        <p:txBody>
+          <a:bodyPr rtlCol="0" anchor="ctr"/>
+          <a:lstStyle/>
+          <a:p>
+            <a:pPr algn="ctr"/>
+            <a:r>
+              <a:rPr lang="he-IL" sz="900" dirty="0"/>
+              <a:t>הוספת אילוץ</a:t>
+            </a:r>
+          </a:p>
+          <a:p>
+            <a:pPr algn="ctr"/>
+            <a:endParaRPr lang="he-IL" sz="900" dirty="0"/>
+          </a:p>
+          <a:p>
+            <a:pPr algn="ctr"/>
+            <a:r>
+              <a:rPr lang="he-IL" sz="900" dirty="0"/>
+              <a:t>הוספת פגישה</a:t>
+            </a:r>
+            <a:endParaRPr lang="en-US" sz="900" dirty="0"/>
+          </a:p>
+        </p:txBody>
+      </p:sp>
       <p:cxnSp>
         <p:nvCxnSpPr>
-          <p:cNvPr id="13" name="Straight Arrow Connector 12">
+          <p:cNvPr id="6" name="Straight Connector 5">
             <a:extLst>
               <a:ext uri="{FF2B5EF4-FFF2-40B4-BE49-F238E27FC236}">
-                <a16:creationId xmlns:a16="http://schemas.microsoft.com/office/drawing/2014/main" id="{19927A58-DC1B-4F33-A8F2-074571A215EE}"/>
+                <a16:creationId xmlns:a16="http://schemas.microsoft.com/office/drawing/2014/main" id="{4392BB02-7F25-4DF0-90A8-D9EC46F6CC2A}"/>
               </a:ext>
             </a:extLst>
           </p:cNvPr>
           <p:cNvCxnSpPr>
             <a:cxnSpLocks/>
+            <a:stCxn id="11" idx="1"/>
           </p:cNvCxnSpPr>
           <p:nvPr/>
         </p:nvCxnSpPr>
         <p:spPr>
-          <a:xfrm flipH="1">
-            <a:off x="949913" y="5246703"/>
-            <a:ext cx="5965792" cy="604781"/>
+          <a:xfrm flipV="1">
+            <a:off x="792510" y="5341621"/>
+            <a:ext cx="888492" cy="5690"/>
           </a:xfrm>
-          <a:prstGeom prst="straightConnector1">
+          <a:prstGeom prst="line">
             <a:avLst/>
           </a:prstGeom>
           <a:ln>
-            <a:tailEnd type="triangle"/>
+            <a:solidFill>
+              <a:schemeClr val="bg1"/>
+            </a:solidFill>
           </a:ln>
         </p:spPr>
         <p:style>
@@ -18398,6 +21212,3343 @@
     </p:spTree>
     <p:extLst>
       <p:ext uri="{BB962C8B-B14F-4D97-AF65-F5344CB8AC3E}">
+        <p14:creationId xmlns:p14="http://schemas.microsoft.com/office/powerpoint/2010/main" val="1924561587"/>
+      </p:ext>
+    </p:extLst>
+  </p:cSld>
+  <p:clrMapOvr>
+    <a:masterClrMapping/>
+  </p:clrMapOvr>
+</p:sld>
+</file>
+
+<file path=ppt/slides/slide43.xml><?xml version="1.0" encoding="utf-8"?>
+<p:sld xmlns:a="http://schemas.openxmlformats.org/drawingml/2006/main" xmlns:r="http://schemas.openxmlformats.org/officeDocument/2006/relationships" xmlns:p="http://schemas.openxmlformats.org/presentationml/2006/main">
+  <p:cSld>
+    <p:spTree>
+      <p:nvGrpSpPr>
+        <p:cNvPr id="1" name=""/>
+        <p:cNvGrpSpPr/>
+        <p:nvPr/>
+      </p:nvGrpSpPr>
+      <p:grpSpPr>
+        <a:xfrm>
+          <a:off x="0" y="0"/>
+          <a:ext cx="0" cy="0"/>
+          <a:chOff x="0" y="0"/>
+          <a:chExt cx="0" cy="0"/>
+        </a:xfrm>
+      </p:grpSpPr>
+      <p:sp>
+        <p:nvSpPr>
+          <p:cNvPr id="2" name="Title 1">
+            <a:extLst>
+              <a:ext uri="{FF2B5EF4-FFF2-40B4-BE49-F238E27FC236}">
+                <a16:creationId xmlns:a16="http://schemas.microsoft.com/office/drawing/2014/main" id="{F2E75ACD-C303-46DD-8FB4-27FC6A409857}"/>
+              </a:ext>
+            </a:extLst>
+          </p:cNvPr>
+          <p:cNvSpPr>
+            <a:spLocks noGrp="1"/>
+          </p:cNvSpPr>
+          <p:nvPr>
+            <p:ph type="title"/>
+          </p:nvPr>
+        </p:nvSpPr>
+        <p:spPr/>
+        <p:txBody>
+          <a:bodyPr/>
+          <a:lstStyle/>
+          <a:p>
+            <a:pPr algn="ctr"/>
+            <a:r>
+              <a:rPr lang="he-IL" sz="4800" dirty="0"/>
+              <a:t>מסך הבית</a:t>
+            </a:r>
+            <a:endParaRPr lang="en-US" sz="4800" dirty="0"/>
+          </a:p>
+        </p:txBody>
+      </p:sp>
+      <p:grpSp>
+        <p:nvGrpSpPr>
+          <p:cNvPr id="20" name="Group 19">
+            <a:extLst>
+              <a:ext uri="{FF2B5EF4-FFF2-40B4-BE49-F238E27FC236}">
+                <a16:creationId xmlns:a16="http://schemas.microsoft.com/office/drawing/2014/main" id="{658F2FAD-9CD3-4083-9C05-368B72ADF35F}"/>
+              </a:ext>
+            </a:extLst>
+          </p:cNvPr>
+          <p:cNvGrpSpPr/>
+          <p:nvPr/>
+        </p:nvGrpSpPr>
+        <p:grpSpPr>
+          <a:xfrm>
+            <a:off x="603682" y="2587752"/>
+            <a:ext cx="5492317" cy="3470148"/>
+            <a:chOff x="0" y="0"/>
+            <a:chExt cx="9144000" cy="5143500"/>
+          </a:xfrm>
+        </p:grpSpPr>
+        <p:sp>
+          <p:nvSpPr>
+            <p:cNvPr id="21" name="Google Shape;91;p15">
+              <a:extLst>
+                <a:ext uri="{FF2B5EF4-FFF2-40B4-BE49-F238E27FC236}">
+                  <a16:creationId xmlns:a16="http://schemas.microsoft.com/office/drawing/2014/main" id="{1CEB6900-4A31-4DF7-A826-F18350A49799}"/>
+                </a:ext>
+              </a:extLst>
+            </p:cNvPr>
+            <p:cNvSpPr/>
+            <p:nvPr/>
+          </p:nvSpPr>
+          <p:spPr>
+            <a:xfrm>
+              <a:off x="0" y="0"/>
+              <a:ext cx="9144000" cy="583200"/>
+            </a:xfrm>
+            <a:prstGeom prst="rect">
+              <a:avLst/>
+            </a:prstGeom>
+            <a:solidFill>
+              <a:srgbClr val="B4D0E7"/>
+            </a:solidFill>
+            <a:ln w="9525" cap="flat" cmpd="sng">
+              <a:solidFill>
+                <a:srgbClr val="B4D0E7"/>
+              </a:solidFill>
+              <a:prstDash val="solid"/>
+              <a:round/>
+              <a:headEnd type="none" w="sm" len="sm"/>
+              <a:tailEnd type="none" w="sm" len="sm"/>
+            </a:ln>
+            <a:effectLst>
+              <a:outerShdw blurRad="57150" dist="19050" dir="5400000" algn="bl" rotWithShape="0">
+                <a:schemeClr val="dk1">
+                  <a:alpha val="50000"/>
+                </a:schemeClr>
+              </a:outerShdw>
+            </a:effectLst>
+          </p:spPr>
+          <p:txBody>
+            <a:bodyPr spcFirstLastPara="1" wrap="square" lIns="91425" tIns="91425" rIns="91425" bIns="91425" anchor="ctr" anchorCtr="0">
+              <a:noAutofit/>
+            </a:bodyPr>
+            <a:lstStyle/>
+            <a:p>
+              <a:pPr marL="0" lvl="0" indent="0" algn="l" rtl="0">
+                <a:spcBef>
+                  <a:spcPts val="0"/>
+                </a:spcBef>
+                <a:spcAft>
+                  <a:spcPts val="0"/>
+                </a:spcAft>
+                <a:buNone/>
+              </a:pPr>
+              <a:endParaRPr sz="800"/>
+            </a:p>
+          </p:txBody>
+        </p:sp>
+        <p:sp>
+          <p:nvSpPr>
+            <p:cNvPr id="22" name="Google Shape;92;p15">
+              <a:extLst>
+                <a:ext uri="{FF2B5EF4-FFF2-40B4-BE49-F238E27FC236}">
+                  <a16:creationId xmlns:a16="http://schemas.microsoft.com/office/drawing/2014/main" id="{62A16A85-9B0A-44DC-9E4C-8AA74E32CCE6}"/>
+                </a:ext>
+              </a:extLst>
+            </p:cNvPr>
+            <p:cNvSpPr txBox="1"/>
+            <p:nvPr/>
+          </p:nvSpPr>
+          <p:spPr>
+            <a:xfrm>
+              <a:off x="7759591" y="120750"/>
+              <a:ext cx="1330159" cy="341701"/>
+            </a:xfrm>
+            <a:prstGeom prst="rect">
+              <a:avLst/>
+            </a:prstGeom>
+            <a:noFill/>
+            <a:ln>
+              <a:noFill/>
+            </a:ln>
+          </p:spPr>
+          <p:txBody>
+            <a:bodyPr spcFirstLastPara="1" wrap="square" lIns="91425" tIns="91425" rIns="91425" bIns="91425" anchor="t" anchorCtr="0">
+              <a:noAutofit/>
+            </a:bodyPr>
+            <a:lstStyle/>
+            <a:p>
+              <a:pPr marL="0" lvl="0" indent="0" algn="r" rtl="0">
+                <a:spcBef>
+                  <a:spcPts val="0"/>
+                </a:spcBef>
+                <a:spcAft>
+                  <a:spcPts val="0"/>
+                </a:spcAft>
+                <a:buNone/>
+              </a:pPr>
+              <a:r>
+                <a:rPr lang="iw" sz="800" dirty="0">
+                  <a:solidFill>
+                    <a:srgbClr val="FFFFFF"/>
+                  </a:solidFill>
+                </a:rPr>
+                <a:t>WeMeet</a:t>
+              </a:r>
+              <a:endParaRPr sz="800" dirty="0">
+                <a:solidFill>
+                  <a:srgbClr val="FFFFFF"/>
+                </a:solidFill>
+              </a:endParaRPr>
+            </a:p>
+          </p:txBody>
+        </p:sp>
+        <p:sp>
+          <p:nvSpPr>
+            <p:cNvPr id="23" name="Google Shape;93;p15">
+              <a:extLst>
+                <a:ext uri="{FF2B5EF4-FFF2-40B4-BE49-F238E27FC236}">
+                  <a16:creationId xmlns:a16="http://schemas.microsoft.com/office/drawing/2014/main" id="{FC8DC434-D63C-4F84-8050-621C7164CDF7}"/>
+                </a:ext>
+              </a:extLst>
+            </p:cNvPr>
+            <p:cNvSpPr txBox="1"/>
+            <p:nvPr/>
+          </p:nvSpPr>
+          <p:spPr>
+            <a:xfrm>
+              <a:off x="6514030" y="114491"/>
+              <a:ext cx="1080000" cy="327900"/>
+            </a:xfrm>
+            <a:prstGeom prst="rect">
+              <a:avLst/>
+            </a:prstGeom>
+            <a:noFill/>
+            <a:ln>
+              <a:noFill/>
+            </a:ln>
+          </p:spPr>
+          <p:txBody>
+            <a:bodyPr spcFirstLastPara="1" wrap="square" lIns="91425" tIns="91425" rIns="91425" bIns="91425" anchor="t" anchorCtr="0">
+              <a:noAutofit/>
+            </a:bodyPr>
+            <a:lstStyle/>
+            <a:p>
+              <a:pPr marL="0" lvl="0" indent="0" algn="r" rtl="1">
+                <a:spcBef>
+                  <a:spcPts val="0"/>
+                </a:spcBef>
+                <a:spcAft>
+                  <a:spcPts val="0"/>
+                </a:spcAft>
+                <a:buNone/>
+              </a:pPr>
+              <a:r>
+                <a:rPr lang="iw" sz="800" dirty="0">
+                  <a:solidFill>
+                    <a:srgbClr val="FFFFFF"/>
+                  </a:solidFill>
+                </a:rPr>
+                <a:t>אזור אישי</a:t>
+              </a:r>
+              <a:endParaRPr sz="800" dirty="0">
+                <a:solidFill>
+                  <a:srgbClr val="FFFFFF"/>
+                </a:solidFill>
+              </a:endParaRPr>
+            </a:p>
+          </p:txBody>
+        </p:sp>
+        <p:sp>
+          <p:nvSpPr>
+            <p:cNvPr id="25" name="Google Shape;95;p15">
+              <a:extLst>
+                <a:ext uri="{FF2B5EF4-FFF2-40B4-BE49-F238E27FC236}">
+                  <a16:creationId xmlns:a16="http://schemas.microsoft.com/office/drawing/2014/main" id="{823D2CA7-AFF5-4DF6-915A-A9FDA4D3BB2B}"/>
+                </a:ext>
+              </a:extLst>
+            </p:cNvPr>
+            <p:cNvSpPr txBox="1"/>
+            <p:nvPr/>
+          </p:nvSpPr>
+          <p:spPr>
+            <a:xfrm>
+              <a:off x="314375" y="127650"/>
+              <a:ext cx="862800" cy="327900"/>
+            </a:xfrm>
+            <a:prstGeom prst="rect">
+              <a:avLst/>
+            </a:prstGeom>
+            <a:noFill/>
+            <a:ln>
+              <a:noFill/>
+            </a:ln>
+          </p:spPr>
+          <p:txBody>
+            <a:bodyPr spcFirstLastPara="1" wrap="square" lIns="91425" tIns="91425" rIns="91425" bIns="91425" anchor="t" anchorCtr="0">
+              <a:noAutofit/>
+            </a:bodyPr>
+            <a:lstStyle/>
+            <a:p>
+              <a:pPr marL="0" lvl="0" indent="0" algn="r" rtl="1">
+                <a:spcBef>
+                  <a:spcPts val="0"/>
+                </a:spcBef>
+                <a:spcAft>
+                  <a:spcPts val="0"/>
+                </a:spcAft>
+                <a:buNone/>
+              </a:pPr>
+              <a:r>
+                <a:rPr lang="iw" sz="800">
+                  <a:solidFill>
+                    <a:srgbClr val="FFFFFF"/>
+                  </a:solidFill>
+                </a:rPr>
+                <a:t>התנתק</a:t>
+              </a:r>
+              <a:endParaRPr sz="800">
+                <a:solidFill>
+                  <a:srgbClr val="FFFFFF"/>
+                </a:solidFill>
+              </a:endParaRPr>
+            </a:p>
+          </p:txBody>
+        </p:sp>
+        <p:pic>
+          <p:nvPicPr>
+            <p:cNvPr id="26" name="Google Shape;96;p15">
+              <a:extLst>
+                <a:ext uri="{FF2B5EF4-FFF2-40B4-BE49-F238E27FC236}">
+                  <a16:creationId xmlns:a16="http://schemas.microsoft.com/office/drawing/2014/main" id="{A1478F72-1340-4F9B-B43B-F0E74452AA54}"/>
+                </a:ext>
+              </a:extLst>
+            </p:cNvPr>
+            <p:cNvPicPr preferRelativeResize="0"/>
+            <p:nvPr/>
+          </p:nvPicPr>
+          <p:blipFill>
+            <a:blip r:embed="rId2">
+              <a:alphaModFix/>
+            </a:blip>
+            <a:stretch>
+              <a:fillRect/>
+            </a:stretch>
+          </p:blipFill>
+          <p:spPr>
+            <a:xfrm>
+              <a:off x="0" y="1069008"/>
+              <a:ext cx="9143999" cy="4074492"/>
+            </a:xfrm>
+            <a:prstGeom prst="rect">
+              <a:avLst/>
+            </a:prstGeom>
+            <a:noFill/>
+            <a:ln>
+              <a:noFill/>
+            </a:ln>
+          </p:spPr>
+        </p:pic>
+      </p:grpSp>
+      <p:sp>
+        <p:nvSpPr>
+          <p:cNvPr id="27" name="TextBox 26">
+            <a:extLst>
+              <a:ext uri="{FF2B5EF4-FFF2-40B4-BE49-F238E27FC236}">
+                <a16:creationId xmlns:a16="http://schemas.microsoft.com/office/drawing/2014/main" id="{793931D8-69E6-451B-8BCE-EC76158083DE}"/>
+              </a:ext>
+            </a:extLst>
+          </p:cNvPr>
+          <p:cNvSpPr txBox="1"/>
+          <p:nvPr/>
+        </p:nvSpPr>
+        <p:spPr>
+          <a:xfrm>
+            <a:off x="6704846" y="2664995"/>
+            <a:ext cx="5193437" cy="1893339"/>
+          </a:xfrm>
+          <a:prstGeom prst="rect">
+            <a:avLst/>
+          </a:prstGeom>
+          <a:noFill/>
+        </p:spPr>
+        <p:txBody>
+          <a:bodyPr wrap="square" rtlCol="0">
+            <a:spAutoFit/>
+          </a:bodyPr>
+          <a:lstStyle/>
+          <a:p>
+            <a:pPr algn="r" rtl="1">
+              <a:lnSpc>
+                <a:spcPct val="150000"/>
+              </a:lnSpc>
+            </a:pPr>
+            <a:r>
+              <a:rPr lang="he-IL" sz="1600" dirty="0"/>
+              <a:t>הבעיה הבאה בה התעסקנו היא בעיית תצוגת החודש שבו אנחנו נמצאים.</a:t>
+            </a:r>
+          </a:p>
+          <a:p>
+            <a:pPr algn="r" rtl="1">
+              <a:lnSpc>
+                <a:spcPct val="150000"/>
+              </a:lnSpc>
+            </a:pPr>
+            <a:r>
+              <a:rPr lang="he-IL" sz="1600" dirty="0"/>
+              <a:t>בעיה זו גם גרמה למשתמשים רבים להכניס אילוצים ופגישות בחודש לא נכון </a:t>
+            </a:r>
+            <a:r>
+              <a:rPr lang="he-IL" sz="1600" b="1" dirty="0"/>
+              <a:t>(פגיעה בעקרון מניעת בעיות)</a:t>
+            </a:r>
+          </a:p>
+          <a:p>
+            <a:pPr algn="r" rtl="1">
+              <a:lnSpc>
+                <a:spcPct val="150000"/>
+              </a:lnSpc>
+            </a:pPr>
+            <a:r>
+              <a:rPr lang="he-IL" sz="1600" dirty="0"/>
+              <a:t>וגם פוגעת בעיקרון </a:t>
+            </a:r>
+            <a:r>
+              <a:rPr lang="he-IL" sz="1600" b="1" dirty="0"/>
+              <a:t>נראות מצב המערכת.</a:t>
+            </a:r>
+            <a:r>
+              <a:rPr lang="he-IL" sz="1600" dirty="0"/>
+              <a:t> </a:t>
+            </a:r>
+          </a:p>
+        </p:txBody>
+      </p:sp>
+    </p:spTree>
+    <p:extLst>
+      <p:ext uri="{BB962C8B-B14F-4D97-AF65-F5344CB8AC3E}">
+        <p14:creationId xmlns:p14="http://schemas.microsoft.com/office/powerpoint/2010/main" val="3857222618"/>
+      </p:ext>
+    </p:extLst>
+  </p:cSld>
+  <p:clrMapOvr>
+    <a:masterClrMapping/>
+  </p:clrMapOvr>
+</p:sld>
+</file>
+
+<file path=ppt/slides/slide44.xml><?xml version="1.0" encoding="utf-8"?>
+<p:sld xmlns:a="http://schemas.openxmlformats.org/drawingml/2006/main" xmlns:r="http://schemas.openxmlformats.org/officeDocument/2006/relationships" xmlns:p="http://schemas.openxmlformats.org/presentationml/2006/main">
+  <p:cSld>
+    <p:spTree>
+      <p:nvGrpSpPr>
+        <p:cNvPr id="1" name=""/>
+        <p:cNvGrpSpPr/>
+        <p:nvPr/>
+      </p:nvGrpSpPr>
+      <p:grpSpPr>
+        <a:xfrm>
+          <a:off x="0" y="0"/>
+          <a:ext cx="0" cy="0"/>
+          <a:chOff x="0" y="0"/>
+          <a:chExt cx="0" cy="0"/>
+        </a:xfrm>
+      </p:grpSpPr>
+      <p:sp>
+        <p:nvSpPr>
+          <p:cNvPr id="2" name="Title 1">
+            <a:extLst>
+              <a:ext uri="{FF2B5EF4-FFF2-40B4-BE49-F238E27FC236}">
+                <a16:creationId xmlns:a16="http://schemas.microsoft.com/office/drawing/2014/main" id="{F2E75ACD-C303-46DD-8FB4-27FC6A409857}"/>
+              </a:ext>
+            </a:extLst>
+          </p:cNvPr>
+          <p:cNvSpPr>
+            <a:spLocks noGrp="1"/>
+          </p:cNvSpPr>
+          <p:nvPr>
+            <p:ph type="title"/>
+          </p:nvPr>
+        </p:nvSpPr>
+        <p:spPr/>
+        <p:txBody>
+          <a:bodyPr/>
+          <a:lstStyle/>
+          <a:p>
+            <a:pPr algn="ctr"/>
+            <a:r>
+              <a:rPr lang="he-IL" sz="4800" dirty="0"/>
+              <a:t>מסך הבית</a:t>
+            </a:r>
+            <a:endParaRPr lang="en-US" sz="4800" dirty="0"/>
+          </a:p>
+        </p:txBody>
+      </p:sp>
+      <p:grpSp>
+        <p:nvGrpSpPr>
+          <p:cNvPr id="20" name="Group 19">
+            <a:extLst>
+              <a:ext uri="{FF2B5EF4-FFF2-40B4-BE49-F238E27FC236}">
+                <a16:creationId xmlns:a16="http://schemas.microsoft.com/office/drawing/2014/main" id="{658F2FAD-9CD3-4083-9C05-368B72ADF35F}"/>
+              </a:ext>
+            </a:extLst>
+          </p:cNvPr>
+          <p:cNvGrpSpPr/>
+          <p:nvPr/>
+        </p:nvGrpSpPr>
+        <p:grpSpPr>
+          <a:xfrm>
+            <a:off x="603682" y="2587752"/>
+            <a:ext cx="5492317" cy="3470148"/>
+            <a:chOff x="0" y="0"/>
+            <a:chExt cx="9144000" cy="5143500"/>
+          </a:xfrm>
+        </p:grpSpPr>
+        <p:sp>
+          <p:nvSpPr>
+            <p:cNvPr id="21" name="Google Shape;91;p15">
+              <a:extLst>
+                <a:ext uri="{FF2B5EF4-FFF2-40B4-BE49-F238E27FC236}">
+                  <a16:creationId xmlns:a16="http://schemas.microsoft.com/office/drawing/2014/main" id="{1CEB6900-4A31-4DF7-A826-F18350A49799}"/>
+                </a:ext>
+              </a:extLst>
+            </p:cNvPr>
+            <p:cNvSpPr/>
+            <p:nvPr/>
+          </p:nvSpPr>
+          <p:spPr>
+            <a:xfrm>
+              <a:off x="0" y="0"/>
+              <a:ext cx="9144000" cy="583200"/>
+            </a:xfrm>
+            <a:prstGeom prst="rect">
+              <a:avLst/>
+            </a:prstGeom>
+            <a:solidFill>
+              <a:srgbClr val="B4D0E7"/>
+            </a:solidFill>
+            <a:ln w="9525" cap="flat" cmpd="sng">
+              <a:solidFill>
+                <a:srgbClr val="B4D0E7"/>
+              </a:solidFill>
+              <a:prstDash val="solid"/>
+              <a:round/>
+              <a:headEnd type="none" w="sm" len="sm"/>
+              <a:tailEnd type="none" w="sm" len="sm"/>
+            </a:ln>
+            <a:effectLst>
+              <a:outerShdw blurRad="57150" dist="19050" dir="5400000" algn="bl" rotWithShape="0">
+                <a:schemeClr val="dk1">
+                  <a:alpha val="50000"/>
+                </a:schemeClr>
+              </a:outerShdw>
+            </a:effectLst>
+          </p:spPr>
+          <p:txBody>
+            <a:bodyPr spcFirstLastPara="1" wrap="square" lIns="91425" tIns="91425" rIns="91425" bIns="91425" anchor="ctr" anchorCtr="0">
+              <a:noAutofit/>
+            </a:bodyPr>
+            <a:lstStyle/>
+            <a:p>
+              <a:pPr marL="0" lvl="0" indent="0" algn="l" rtl="0">
+                <a:spcBef>
+                  <a:spcPts val="0"/>
+                </a:spcBef>
+                <a:spcAft>
+                  <a:spcPts val="0"/>
+                </a:spcAft>
+                <a:buNone/>
+              </a:pPr>
+              <a:endParaRPr sz="800"/>
+            </a:p>
+          </p:txBody>
+        </p:sp>
+        <p:sp>
+          <p:nvSpPr>
+            <p:cNvPr id="22" name="Google Shape;92;p15">
+              <a:extLst>
+                <a:ext uri="{FF2B5EF4-FFF2-40B4-BE49-F238E27FC236}">
+                  <a16:creationId xmlns:a16="http://schemas.microsoft.com/office/drawing/2014/main" id="{62A16A85-9B0A-44DC-9E4C-8AA74E32CCE6}"/>
+                </a:ext>
+              </a:extLst>
+            </p:cNvPr>
+            <p:cNvSpPr txBox="1"/>
+            <p:nvPr/>
+          </p:nvSpPr>
+          <p:spPr>
+            <a:xfrm>
+              <a:off x="7759591" y="120750"/>
+              <a:ext cx="1330159" cy="341701"/>
+            </a:xfrm>
+            <a:prstGeom prst="rect">
+              <a:avLst/>
+            </a:prstGeom>
+            <a:noFill/>
+            <a:ln>
+              <a:noFill/>
+            </a:ln>
+          </p:spPr>
+          <p:txBody>
+            <a:bodyPr spcFirstLastPara="1" wrap="square" lIns="91425" tIns="91425" rIns="91425" bIns="91425" anchor="t" anchorCtr="0">
+              <a:noAutofit/>
+            </a:bodyPr>
+            <a:lstStyle/>
+            <a:p>
+              <a:pPr marL="0" lvl="0" indent="0" algn="r" rtl="0">
+                <a:spcBef>
+                  <a:spcPts val="0"/>
+                </a:spcBef>
+                <a:spcAft>
+                  <a:spcPts val="0"/>
+                </a:spcAft>
+                <a:buNone/>
+              </a:pPr>
+              <a:r>
+                <a:rPr lang="iw" sz="800" dirty="0">
+                  <a:solidFill>
+                    <a:srgbClr val="FFFFFF"/>
+                  </a:solidFill>
+                </a:rPr>
+                <a:t>WeMeet</a:t>
+              </a:r>
+              <a:endParaRPr sz="800" dirty="0">
+                <a:solidFill>
+                  <a:srgbClr val="FFFFFF"/>
+                </a:solidFill>
+              </a:endParaRPr>
+            </a:p>
+          </p:txBody>
+        </p:sp>
+        <p:sp>
+          <p:nvSpPr>
+            <p:cNvPr id="23" name="Google Shape;93;p15">
+              <a:extLst>
+                <a:ext uri="{FF2B5EF4-FFF2-40B4-BE49-F238E27FC236}">
+                  <a16:creationId xmlns:a16="http://schemas.microsoft.com/office/drawing/2014/main" id="{FC8DC434-D63C-4F84-8050-621C7164CDF7}"/>
+                </a:ext>
+              </a:extLst>
+            </p:cNvPr>
+            <p:cNvSpPr txBox="1"/>
+            <p:nvPr/>
+          </p:nvSpPr>
+          <p:spPr>
+            <a:xfrm>
+              <a:off x="6514030" y="114491"/>
+              <a:ext cx="1080000" cy="327900"/>
+            </a:xfrm>
+            <a:prstGeom prst="rect">
+              <a:avLst/>
+            </a:prstGeom>
+            <a:noFill/>
+            <a:ln>
+              <a:noFill/>
+            </a:ln>
+          </p:spPr>
+          <p:txBody>
+            <a:bodyPr spcFirstLastPara="1" wrap="square" lIns="91425" tIns="91425" rIns="91425" bIns="91425" anchor="t" anchorCtr="0">
+              <a:noAutofit/>
+            </a:bodyPr>
+            <a:lstStyle/>
+            <a:p>
+              <a:pPr marL="0" lvl="0" indent="0" algn="r" rtl="1">
+                <a:spcBef>
+                  <a:spcPts val="0"/>
+                </a:spcBef>
+                <a:spcAft>
+                  <a:spcPts val="0"/>
+                </a:spcAft>
+                <a:buNone/>
+              </a:pPr>
+              <a:r>
+                <a:rPr lang="iw" sz="800" dirty="0">
+                  <a:solidFill>
+                    <a:srgbClr val="FFFFFF"/>
+                  </a:solidFill>
+                </a:rPr>
+                <a:t>אזור אישי</a:t>
+              </a:r>
+              <a:endParaRPr sz="800" dirty="0">
+                <a:solidFill>
+                  <a:srgbClr val="FFFFFF"/>
+                </a:solidFill>
+              </a:endParaRPr>
+            </a:p>
+          </p:txBody>
+        </p:sp>
+        <p:sp>
+          <p:nvSpPr>
+            <p:cNvPr id="25" name="Google Shape;95;p15">
+              <a:extLst>
+                <a:ext uri="{FF2B5EF4-FFF2-40B4-BE49-F238E27FC236}">
+                  <a16:creationId xmlns:a16="http://schemas.microsoft.com/office/drawing/2014/main" id="{823D2CA7-AFF5-4DF6-915A-A9FDA4D3BB2B}"/>
+                </a:ext>
+              </a:extLst>
+            </p:cNvPr>
+            <p:cNvSpPr txBox="1"/>
+            <p:nvPr/>
+          </p:nvSpPr>
+          <p:spPr>
+            <a:xfrm>
+              <a:off x="314375" y="127650"/>
+              <a:ext cx="862800" cy="327900"/>
+            </a:xfrm>
+            <a:prstGeom prst="rect">
+              <a:avLst/>
+            </a:prstGeom>
+            <a:noFill/>
+            <a:ln>
+              <a:noFill/>
+            </a:ln>
+          </p:spPr>
+          <p:txBody>
+            <a:bodyPr spcFirstLastPara="1" wrap="square" lIns="91425" tIns="91425" rIns="91425" bIns="91425" anchor="t" anchorCtr="0">
+              <a:noAutofit/>
+            </a:bodyPr>
+            <a:lstStyle/>
+            <a:p>
+              <a:pPr marL="0" lvl="0" indent="0" algn="r" rtl="1">
+                <a:spcBef>
+                  <a:spcPts val="0"/>
+                </a:spcBef>
+                <a:spcAft>
+                  <a:spcPts val="0"/>
+                </a:spcAft>
+                <a:buNone/>
+              </a:pPr>
+              <a:r>
+                <a:rPr lang="iw" sz="800">
+                  <a:solidFill>
+                    <a:srgbClr val="FFFFFF"/>
+                  </a:solidFill>
+                </a:rPr>
+                <a:t>התנתק</a:t>
+              </a:r>
+              <a:endParaRPr sz="800">
+                <a:solidFill>
+                  <a:srgbClr val="FFFFFF"/>
+                </a:solidFill>
+              </a:endParaRPr>
+            </a:p>
+          </p:txBody>
+        </p:sp>
+        <p:pic>
+          <p:nvPicPr>
+            <p:cNvPr id="26" name="Google Shape;96;p15">
+              <a:extLst>
+                <a:ext uri="{FF2B5EF4-FFF2-40B4-BE49-F238E27FC236}">
+                  <a16:creationId xmlns:a16="http://schemas.microsoft.com/office/drawing/2014/main" id="{A1478F72-1340-4F9B-B43B-F0E74452AA54}"/>
+                </a:ext>
+              </a:extLst>
+            </p:cNvPr>
+            <p:cNvPicPr preferRelativeResize="0"/>
+            <p:nvPr/>
+          </p:nvPicPr>
+          <p:blipFill>
+            <a:blip r:embed="rId2">
+              <a:alphaModFix/>
+            </a:blip>
+            <a:stretch>
+              <a:fillRect/>
+            </a:stretch>
+          </p:blipFill>
+          <p:spPr>
+            <a:xfrm>
+              <a:off x="0" y="1069008"/>
+              <a:ext cx="9143999" cy="4074492"/>
+            </a:xfrm>
+            <a:prstGeom prst="rect">
+              <a:avLst/>
+            </a:prstGeom>
+            <a:noFill/>
+            <a:ln>
+              <a:noFill/>
+            </a:ln>
+          </p:spPr>
+        </p:pic>
+      </p:grpSp>
+      <p:sp>
+        <p:nvSpPr>
+          <p:cNvPr id="27" name="TextBox 26">
+            <a:extLst>
+              <a:ext uri="{FF2B5EF4-FFF2-40B4-BE49-F238E27FC236}">
+                <a16:creationId xmlns:a16="http://schemas.microsoft.com/office/drawing/2014/main" id="{793931D8-69E6-451B-8BCE-EC76158083DE}"/>
+              </a:ext>
+            </a:extLst>
+          </p:cNvPr>
+          <p:cNvSpPr txBox="1"/>
+          <p:nvPr/>
+        </p:nvSpPr>
+        <p:spPr>
+          <a:xfrm>
+            <a:off x="6704846" y="2664995"/>
+            <a:ext cx="5193437" cy="1985672"/>
+          </a:xfrm>
+          <a:prstGeom prst="rect">
+            <a:avLst/>
+          </a:prstGeom>
+          <a:noFill/>
+        </p:spPr>
+        <p:txBody>
+          <a:bodyPr wrap="square" rtlCol="0">
+            <a:spAutoFit/>
+          </a:bodyPr>
+          <a:lstStyle/>
+          <a:p>
+            <a:pPr algn="r" rtl="1">
+              <a:lnSpc>
+                <a:spcPct val="150000"/>
+              </a:lnSpc>
+            </a:pPr>
+            <a:r>
+              <a:rPr lang="he-IL" sz="1600" dirty="0"/>
+              <a:t>בעיה זו היה די פשוט לפתור ע"י הוספת כותרת של החודש הנוכחי מתחת לסרגל הניווט. בנוסף הוספנו את אייקון שיתפוס את העיניים של המשתמשים. (עקרון </a:t>
+            </a:r>
+            <a:r>
+              <a:rPr lang="he-IL" b="1" dirty="0"/>
+              <a:t>התאמה בין המערכת והעולם האמיתי </a:t>
+            </a:r>
+            <a:r>
+              <a:rPr lang="he-IL" sz="1600" dirty="0"/>
+              <a:t>כל משתמש סביר במערכת מכיר את הסמל של לוח השנה ויבין שמתואר בחודש הנוכחי)</a:t>
+            </a:r>
+          </a:p>
+        </p:txBody>
+      </p:sp>
+      <p:sp>
+        <p:nvSpPr>
+          <p:cNvPr id="3" name="TextBox 2">
+            <a:extLst>
+              <a:ext uri="{FF2B5EF4-FFF2-40B4-BE49-F238E27FC236}">
+                <a16:creationId xmlns:a16="http://schemas.microsoft.com/office/drawing/2014/main" id="{2E1EFA0E-7F27-407A-B3F9-6141FF790EA6}"/>
+              </a:ext>
+            </a:extLst>
+          </p:cNvPr>
+          <p:cNvSpPr txBox="1"/>
+          <p:nvPr/>
+        </p:nvSpPr>
+        <p:spPr>
+          <a:xfrm>
+            <a:off x="5149258" y="2983737"/>
+            <a:ext cx="755229" cy="276999"/>
+          </a:xfrm>
+          <a:prstGeom prst="rect">
+            <a:avLst/>
+          </a:prstGeom>
+          <a:noFill/>
+        </p:spPr>
+        <p:txBody>
+          <a:bodyPr wrap="square" rtlCol="0">
+            <a:noAutofit/>
+          </a:bodyPr>
+          <a:lstStyle/>
+          <a:p>
+            <a:pPr algn="ctr"/>
+            <a:r>
+              <a:rPr lang="he-IL" sz="1400" dirty="0"/>
+              <a:t>נובמבר</a:t>
+            </a:r>
+            <a:endParaRPr lang="en-US" sz="2400" dirty="0"/>
+          </a:p>
+        </p:txBody>
+      </p:sp>
+      <p:pic>
+        <p:nvPicPr>
+          <p:cNvPr id="3074" name="Picture 2" descr="Image result for Calendar icon web">
+            <a:extLst>
+              <a:ext uri="{FF2B5EF4-FFF2-40B4-BE49-F238E27FC236}">
+                <a16:creationId xmlns:a16="http://schemas.microsoft.com/office/drawing/2014/main" id="{6924675A-FAB1-45FD-A36A-38150D77379D}"/>
+              </a:ext>
+            </a:extLst>
+          </p:cNvPr>
+          <p:cNvPicPr>
+            <a:picLocks noChangeAspect="1" noChangeArrowheads="1"/>
+          </p:cNvPicPr>
+          <p:nvPr/>
+        </p:nvPicPr>
+        <p:blipFill>
+          <a:blip r:embed="rId3">
+            <a:extLst>
+              <a:ext uri="{28A0092B-C50C-407E-A947-70E740481C1C}">
+                <a14:useLocalDpi xmlns:a14="http://schemas.microsoft.com/office/drawing/2010/main" val="0"/>
+              </a:ext>
+            </a:extLst>
+          </a:blip>
+          <a:srcRect/>
+          <a:stretch>
+            <a:fillRect/>
+          </a:stretch>
+        </p:blipFill>
+        <p:spPr bwMode="auto">
+          <a:xfrm>
+            <a:off x="5811095" y="3030797"/>
+            <a:ext cx="228600" cy="228600"/>
+          </a:xfrm>
+          <a:prstGeom prst="rect">
+            <a:avLst/>
+          </a:prstGeom>
+          <a:noFill/>
+          <a:extLst>
+            <a:ext uri="{909E8E84-426E-40DD-AFC4-6F175D3DCCD1}">
+              <a14:hiddenFill xmlns:a14="http://schemas.microsoft.com/office/drawing/2010/main">
+                <a:solidFill>
+                  <a:srgbClr val="FFFFFF"/>
+                </a:solidFill>
+              </a14:hiddenFill>
+            </a:ext>
+          </a:extLst>
+        </p:spPr>
+      </p:pic>
+    </p:spTree>
+    <p:extLst>
+      <p:ext uri="{BB962C8B-B14F-4D97-AF65-F5344CB8AC3E}">
+        <p14:creationId xmlns:p14="http://schemas.microsoft.com/office/powerpoint/2010/main" val="148109869"/>
+      </p:ext>
+    </p:extLst>
+  </p:cSld>
+  <p:clrMapOvr>
+    <a:masterClrMapping/>
+  </p:clrMapOvr>
+</p:sld>
+</file>
+
+<file path=ppt/slides/slide45.xml><?xml version="1.0" encoding="utf-8"?>
+<p:sld xmlns:a="http://schemas.openxmlformats.org/drawingml/2006/main" xmlns:r="http://schemas.openxmlformats.org/officeDocument/2006/relationships" xmlns:p="http://schemas.openxmlformats.org/presentationml/2006/main">
+  <p:cSld>
+    <p:spTree>
+      <p:nvGrpSpPr>
+        <p:cNvPr id="1" name=""/>
+        <p:cNvGrpSpPr/>
+        <p:nvPr/>
+      </p:nvGrpSpPr>
+      <p:grpSpPr>
+        <a:xfrm>
+          <a:off x="0" y="0"/>
+          <a:ext cx="0" cy="0"/>
+          <a:chOff x="0" y="0"/>
+          <a:chExt cx="0" cy="0"/>
+        </a:xfrm>
+      </p:grpSpPr>
+      <p:sp>
+        <p:nvSpPr>
+          <p:cNvPr id="2" name="Title 1">
+            <a:extLst>
+              <a:ext uri="{FF2B5EF4-FFF2-40B4-BE49-F238E27FC236}">
+                <a16:creationId xmlns:a16="http://schemas.microsoft.com/office/drawing/2014/main" id="{F2E75ACD-C303-46DD-8FB4-27FC6A409857}"/>
+              </a:ext>
+            </a:extLst>
+          </p:cNvPr>
+          <p:cNvSpPr>
+            <a:spLocks noGrp="1"/>
+          </p:cNvSpPr>
+          <p:nvPr>
+            <p:ph type="title"/>
+          </p:nvPr>
+        </p:nvSpPr>
+        <p:spPr/>
+        <p:txBody>
+          <a:bodyPr/>
+          <a:lstStyle/>
+          <a:p>
+            <a:pPr algn="ctr"/>
+            <a:r>
+              <a:rPr lang="he-IL" sz="4800" dirty="0"/>
+              <a:t>מסך הבית</a:t>
+            </a:r>
+            <a:endParaRPr lang="en-US" sz="4800" dirty="0"/>
+          </a:p>
+        </p:txBody>
+      </p:sp>
+      <p:grpSp>
+        <p:nvGrpSpPr>
+          <p:cNvPr id="20" name="Group 19">
+            <a:extLst>
+              <a:ext uri="{FF2B5EF4-FFF2-40B4-BE49-F238E27FC236}">
+                <a16:creationId xmlns:a16="http://schemas.microsoft.com/office/drawing/2014/main" id="{658F2FAD-9CD3-4083-9C05-368B72ADF35F}"/>
+              </a:ext>
+            </a:extLst>
+          </p:cNvPr>
+          <p:cNvGrpSpPr/>
+          <p:nvPr/>
+        </p:nvGrpSpPr>
+        <p:grpSpPr>
+          <a:xfrm>
+            <a:off x="603682" y="2587752"/>
+            <a:ext cx="5492317" cy="3470148"/>
+            <a:chOff x="0" y="0"/>
+            <a:chExt cx="9144000" cy="5143500"/>
+          </a:xfrm>
+        </p:grpSpPr>
+        <p:sp>
+          <p:nvSpPr>
+            <p:cNvPr id="21" name="Google Shape;91;p15">
+              <a:extLst>
+                <a:ext uri="{FF2B5EF4-FFF2-40B4-BE49-F238E27FC236}">
+                  <a16:creationId xmlns:a16="http://schemas.microsoft.com/office/drawing/2014/main" id="{1CEB6900-4A31-4DF7-A826-F18350A49799}"/>
+                </a:ext>
+              </a:extLst>
+            </p:cNvPr>
+            <p:cNvSpPr/>
+            <p:nvPr/>
+          </p:nvSpPr>
+          <p:spPr>
+            <a:xfrm>
+              <a:off x="0" y="0"/>
+              <a:ext cx="9144000" cy="583200"/>
+            </a:xfrm>
+            <a:prstGeom prst="rect">
+              <a:avLst/>
+            </a:prstGeom>
+            <a:solidFill>
+              <a:srgbClr val="B4D0E7"/>
+            </a:solidFill>
+            <a:ln w="9525" cap="flat" cmpd="sng">
+              <a:solidFill>
+                <a:srgbClr val="B4D0E7"/>
+              </a:solidFill>
+              <a:prstDash val="solid"/>
+              <a:round/>
+              <a:headEnd type="none" w="sm" len="sm"/>
+              <a:tailEnd type="none" w="sm" len="sm"/>
+            </a:ln>
+            <a:effectLst>
+              <a:outerShdw blurRad="57150" dist="19050" dir="5400000" algn="bl" rotWithShape="0">
+                <a:schemeClr val="dk1">
+                  <a:alpha val="50000"/>
+                </a:schemeClr>
+              </a:outerShdw>
+            </a:effectLst>
+          </p:spPr>
+          <p:txBody>
+            <a:bodyPr spcFirstLastPara="1" wrap="square" lIns="91425" tIns="91425" rIns="91425" bIns="91425" anchor="ctr" anchorCtr="0">
+              <a:noAutofit/>
+            </a:bodyPr>
+            <a:lstStyle/>
+            <a:p>
+              <a:pPr marL="0" lvl="0" indent="0" algn="l" rtl="0">
+                <a:spcBef>
+                  <a:spcPts val="0"/>
+                </a:spcBef>
+                <a:spcAft>
+                  <a:spcPts val="0"/>
+                </a:spcAft>
+                <a:buNone/>
+              </a:pPr>
+              <a:endParaRPr sz="800"/>
+            </a:p>
+          </p:txBody>
+        </p:sp>
+        <p:sp>
+          <p:nvSpPr>
+            <p:cNvPr id="22" name="Google Shape;92;p15">
+              <a:extLst>
+                <a:ext uri="{FF2B5EF4-FFF2-40B4-BE49-F238E27FC236}">
+                  <a16:creationId xmlns:a16="http://schemas.microsoft.com/office/drawing/2014/main" id="{62A16A85-9B0A-44DC-9E4C-8AA74E32CCE6}"/>
+                </a:ext>
+              </a:extLst>
+            </p:cNvPr>
+            <p:cNvSpPr txBox="1"/>
+            <p:nvPr/>
+          </p:nvSpPr>
+          <p:spPr>
+            <a:xfrm>
+              <a:off x="7759591" y="120750"/>
+              <a:ext cx="1330159" cy="341701"/>
+            </a:xfrm>
+            <a:prstGeom prst="rect">
+              <a:avLst/>
+            </a:prstGeom>
+            <a:noFill/>
+            <a:ln>
+              <a:noFill/>
+            </a:ln>
+          </p:spPr>
+          <p:txBody>
+            <a:bodyPr spcFirstLastPara="1" wrap="square" lIns="91425" tIns="91425" rIns="91425" bIns="91425" anchor="t" anchorCtr="0">
+              <a:noAutofit/>
+            </a:bodyPr>
+            <a:lstStyle/>
+            <a:p>
+              <a:pPr marL="0" lvl="0" indent="0" algn="r" rtl="0">
+                <a:spcBef>
+                  <a:spcPts val="0"/>
+                </a:spcBef>
+                <a:spcAft>
+                  <a:spcPts val="0"/>
+                </a:spcAft>
+                <a:buNone/>
+              </a:pPr>
+              <a:r>
+                <a:rPr lang="iw" sz="800" dirty="0">
+                  <a:solidFill>
+                    <a:srgbClr val="FFFFFF"/>
+                  </a:solidFill>
+                </a:rPr>
+                <a:t>WeMeet</a:t>
+              </a:r>
+              <a:endParaRPr sz="800" dirty="0">
+                <a:solidFill>
+                  <a:srgbClr val="FFFFFF"/>
+                </a:solidFill>
+              </a:endParaRPr>
+            </a:p>
+          </p:txBody>
+        </p:sp>
+        <p:sp>
+          <p:nvSpPr>
+            <p:cNvPr id="23" name="Google Shape;93;p15">
+              <a:extLst>
+                <a:ext uri="{FF2B5EF4-FFF2-40B4-BE49-F238E27FC236}">
+                  <a16:creationId xmlns:a16="http://schemas.microsoft.com/office/drawing/2014/main" id="{FC8DC434-D63C-4F84-8050-621C7164CDF7}"/>
+                </a:ext>
+              </a:extLst>
+            </p:cNvPr>
+            <p:cNvSpPr txBox="1"/>
+            <p:nvPr/>
+          </p:nvSpPr>
+          <p:spPr>
+            <a:xfrm>
+              <a:off x="6514030" y="114491"/>
+              <a:ext cx="1080000" cy="327900"/>
+            </a:xfrm>
+            <a:prstGeom prst="rect">
+              <a:avLst/>
+            </a:prstGeom>
+            <a:noFill/>
+            <a:ln>
+              <a:noFill/>
+            </a:ln>
+          </p:spPr>
+          <p:txBody>
+            <a:bodyPr spcFirstLastPara="1" wrap="square" lIns="91425" tIns="91425" rIns="91425" bIns="91425" anchor="t" anchorCtr="0">
+              <a:noAutofit/>
+            </a:bodyPr>
+            <a:lstStyle/>
+            <a:p>
+              <a:pPr marL="0" lvl="0" indent="0" algn="r" rtl="1">
+                <a:spcBef>
+                  <a:spcPts val="0"/>
+                </a:spcBef>
+                <a:spcAft>
+                  <a:spcPts val="0"/>
+                </a:spcAft>
+                <a:buNone/>
+              </a:pPr>
+              <a:r>
+                <a:rPr lang="iw" sz="800" dirty="0">
+                  <a:solidFill>
+                    <a:srgbClr val="FFFFFF"/>
+                  </a:solidFill>
+                </a:rPr>
+                <a:t>אזור אישי</a:t>
+              </a:r>
+              <a:endParaRPr sz="800" dirty="0">
+                <a:solidFill>
+                  <a:srgbClr val="FFFFFF"/>
+                </a:solidFill>
+              </a:endParaRPr>
+            </a:p>
+          </p:txBody>
+        </p:sp>
+        <p:sp>
+          <p:nvSpPr>
+            <p:cNvPr id="25" name="Google Shape;95;p15">
+              <a:extLst>
+                <a:ext uri="{FF2B5EF4-FFF2-40B4-BE49-F238E27FC236}">
+                  <a16:creationId xmlns:a16="http://schemas.microsoft.com/office/drawing/2014/main" id="{823D2CA7-AFF5-4DF6-915A-A9FDA4D3BB2B}"/>
+                </a:ext>
+              </a:extLst>
+            </p:cNvPr>
+            <p:cNvSpPr txBox="1"/>
+            <p:nvPr/>
+          </p:nvSpPr>
+          <p:spPr>
+            <a:xfrm>
+              <a:off x="314375" y="127650"/>
+              <a:ext cx="862800" cy="327900"/>
+            </a:xfrm>
+            <a:prstGeom prst="rect">
+              <a:avLst/>
+            </a:prstGeom>
+            <a:noFill/>
+            <a:ln>
+              <a:noFill/>
+            </a:ln>
+          </p:spPr>
+          <p:txBody>
+            <a:bodyPr spcFirstLastPara="1" wrap="square" lIns="91425" tIns="91425" rIns="91425" bIns="91425" anchor="t" anchorCtr="0">
+              <a:noAutofit/>
+            </a:bodyPr>
+            <a:lstStyle/>
+            <a:p>
+              <a:pPr marL="0" lvl="0" indent="0" algn="r" rtl="1">
+                <a:spcBef>
+                  <a:spcPts val="0"/>
+                </a:spcBef>
+                <a:spcAft>
+                  <a:spcPts val="0"/>
+                </a:spcAft>
+                <a:buNone/>
+              </a:pPr>
+              <a:r>
+                <a:rPr lang="iw" sz="800">
+                  <a:solidFill>
+                    <a:srgbClr val="FFFFFF"/>
+                  </a:solidFill>
+                </a:rPr>
+                <a:t>התנתק</a:t>
+              </a:r>
+              <a:endParaRPr sz="800">
+                <a:solidFill>
+                  <a:srgbClr val="FFFFFF"/>
+                </a:solidFill>
+              </a:endParaRPr>
+            </a:p>
+          </p:txBody>
+        </p:sp>
+        <p:pic>
+          <p:nvPicPr>
+            <p:cNvPr id="26" name="Google Shape;96;p15">
+              <a:extLst>
+                <a:ext uri="{FF2B5EF4-FFF2-40B4-BE49-F238E27FC236}">
+                  <a16:creationId xmlns:a16="http://schemas.microsoft.com/office/drawing/2014/main" id="{A1478F72-1340-4F9B-B43B-F0E74452AA54}"/>
+                </a:ext>
+              </a:extLst>
+            </p:cNvPr>
+            <p:cNvPicPr preferRelativeResize="0"/>
+            <p:nvPr/>
+          </p:nvPicPr>
+          <p:blipFill>
+            <a:blip r:embed="rId2">
+              <a:alphaModFix/>
+            </a:blip>
+            <a:stretch>
+              <a:fillRect/>
+            </a:stretch>
+          </p:blipFill>
+          <p:spPr>
+            <a:xfrm>
+              <a:off x="0" y="1069008"/>
+              <a:ext cx="9143999" cy="4074492"/>
+            </a:xfrm>
+            <a:prstGeom prst="rect">
+              <a:avLst/>
+            </a:prstGeom>
+            <a:noFill/>
+            <a:ln>
+              <a:noFill/>
+            </a:ln>
+          </p:spPr>
+        </p:pic>
+      </p:grpSp>
+      <p:sp>
+        <p:nvSpPr>
+          <p:cNvPr id="27" name="TextBox 26">
+            <a:extLst>
+              <a:ext uri="{FF2B5EF4-FFF2-40B4-BE49-F238E27FC236}">
+                <a16:creationId xmlns:a16="http://schemas.microsoft.com/office/drawing/2014/main" id="{793931D8-69E6-451B-8BCE-EC76158083DE}"/>
+              </a:ext>
+            </a:extLst>
+          </p:cNvPr>
+          <p:cNvSpPr txBox="1"/>
+          <p:nvPr/>
+        </p:nvSpPr>
+        <p:spPr>
+          <a:xfrm>
+            <a:off x="6704846" y="2664995"/>
+            <a:ext cx="5193437" cy="2262671"/>
+          </a:xfrm>
+          <a:prstGeom prst="rect">
+            <a:avLst/>
+          </a:prstGeom>
+          <a:noFill/>
+        </p:spPr>
+        <p:txBody>
+          <a:bodyPr wrap="square" rtlCol="0">
+            <a:spAutoFit/>
+          </a:bodyPr>
+          <a:lstStyle/>
+          <a:p>
+            <a:pPr algn="r" rtl="1">
+              <a:lnSpc>
+                <a:spcPct val="150000"/>
+              </a:lnSpc>
+            </a:pPr>
+            <a:r>
+              <a:rPr lang="he-IL" sz="1600" dirty="0"/>
+              <a:t>בעיה נוספת במסך זה היא בעיית תצוגת היום הנוכחי.</a:t>
+            </a:r>
+          </a:p>
+          <a:p>
+            <a:pPr algn="r" rtl="1">
+              <a:lnSpc>
+                <a:spcPct val="150000"/>
+              </a:lnSpc>
+            </a:pPr>
+            <a:r>
+              <a:rPr lang="he-IL" sz="1600" dirty="0"/>
+              <a:t>לא מעט משתמשים פרשו את התצוגה של היום הנוכחי כתאריך שאי אפשר להוסיף אליו פגישות ואילוצים. מכיוון שכסטנדרט (במערכת ומחוצה לה) מחלון מואפר משתמע שהחלון לא פעיל.</a:t>
+            </a:r>
+          </a:p>
+          <a:p>
+            <a:pPr algn="r" rtl="1">
+              <a:lnSpc>
+                <a:spcPct val="150000"/>
+              </a:lnSpc>
+            </a:pPr>
+            <a:r>
+              <a:rPr lang="he-IL" sz="1600" dirty="0"/>
+              <a:t>דבר זה פגע בעיקרון </a:t>
+            </a:r>
+            <a:r>
+              <a:rPr lang="he-IL" sz="1600" b="1" dirty="0"/>
+              <a:t>התאמה בין המערכת והעולם האמיתי </a:t>
+            </a:r>
+            <a:r>
+              <a:rPr lang="he-IL" sz="1600" dirty="0"/>
+              <a:t>ובעיקורן </a:t>
+            </a:r>
+            <a:r>
+              <a:rPr lang="he-IL" sz="1600" b="1" dirty="0"/>
+              <a:t>עיקביות וסטנדרטים</a:t>
+            </a:r>
+            <a:r>
+              <a:rPr lang="he-IL" sz="1600" dirty="0"/>
+              <a:t>.</a:t>
+            </a:r>
+            <a:endParaRPr lang="he-IL" sz="1600" b="1" dirty="0"/>
+          </a:p>
+        </p:txBody>
+      </p:sp>
+    </p:spTree>
+    <p:extLst>
+      <p:ext uri="{BB962C8B-B14F-4D97-AF65-F5344CB8AC3E}">
+        <p14:creationId xmlns:p14="http://schemas.microsoft.com/office/powerpoint/2010/main" val="1511805470"/>
+      </p:ext>
+    </p:extLst>
+  </p:cSld>
+  <p:clrMapOvr>
+    <a:masterClrMapping/>
+  </p:clrMapOvr>
+</p:sld>
+</file>
+
+<file path=ppt/slides/slide46.xml><?xml version="1.0" encoding="utf-8"?>
+<p:sld xmlns:a="http://schemas.openxmlformats.org/drawingml/2006/main" xmlns:r="http://schemas.openxmlformats.org/officeDocument/2006/relationships" xmlns:p="http://schemas.openxmlformats.org/presentationml/2006/main">
+  <p:cSld>
+    <p:spTree>
+      <p:nvGrpSpPr>
+        <p:cNvPr id="1" name=""/>
+        <p:cNvGrpSpPr/>
+        <p:nvPr/>
+      </p:nvGrpSpPr>
+      <p:grpSpPr>
+        <a:xfrm>
+          <a:off x="0" y="0"/>
+          <a:ext cx="0" cy="0"/>
+          <a:chOff x="0" y="0"/>
+          <a:chExt cx="0" cy="0"/>
+        </a:xfrm>
+      </p:grpSpPr>
+      <p:sp>
+        <p:nvSpPr>
+          <p:cNvPr id="2" name="Title 1">
+            <a:extLst>
+              <a:ext uri="{FF2B5EF4-FFF2-40B4-BE49-F238E27FC236}">
+                <a16:creationId xmlns:a16="http://schemas.microsoft.com/office/drawing/2014/main" id="{F2E75ACD-C303-46DD-8FB4-27FC6A409857}"/>
+              </a:ext>
+            </a:extLst>
+          </p:cNvPr>
+          <p:cNvSpPr>
+            <a:spLocks noGrp="1"/>
+          </p:cNvSpPr>
+          <p:nvPr>
+            <p:ph type="title"/>
+          </p:nvPr>
+        </p:nvSpPr>
+        <p:spPr/>
+        <p:txBody>
+          <a:bodyPr/>
+          <a:lstStyle/>
+          <a:p>
+            <a:pPr algn="ctr"/>
+            <a:r>
+              <a:rPr lang="he-IL" sz="4800" dirty="0"/>
+              <a:t>מסך הבית</a:t>
+            </a:r>
+            <a:endParaRPr lang="en-US" sz="4800" dirty="0"/>
+          </a:p>
+        </p:txBody>
+      </p:sp>
+      <p:sp>
+        <p:nvSpPr>
+          <p:cNvPr id="27" name="TextBox 26">
+            <a:extLst>
+              <a:ext uri="{FF2B5EF4-FFF2-40B4-BE49-F238E27FC236}">
+                <a16:creationId xmlns:a16="http://schemas.microsoft.com/office/drawing/2014/main" id="{793931D8-69E6-451B-8BCE-EC76158083DE}"/>
+              </a:ext>
+            </a:extLst>
+          </p:cNvPr>
+          <p:cNvSpPr txBox="1"/>
+          <p:nvPr/>
+        </p:nvSpPr>
+        <p:spPr>
+          <a:xfrm>
+            <a:off x="7039992" y="2664995"/>
+            <a:ext cx="4858291" cy="1524007"/>
+          </a:xfrm>
+          <a:prstGeom prst="rect">
+            <a:avLst/>
+          </a:prstGeom>
+          <a:noFill/>
+        </p:spPr>
+        <p:txBody>
+          <a:bodyPr wrap="square" rtlCol="0">
+            <a:spAutoFit/>
+          </a:bodyPr>
+          <a:lstStyle/>
+          <a:p>
+            <a:pPr marL="285750" indent="-285750" algn="r" rtl="1">
+              <a:lnSpc>
+                <a:spcPct val="150000"/>
+              </a:lnSpc>
+              <a:buFont typeface="Arial" panose="020B0604020202020204" pitchFamily="34" charset="0"/>
+              <a:buChar char="•"/>
+            </a:pPr>
+            <a:r>
+              <a:rPr lang="he-IL" sz="1600" dirty="0"/>
+              <a:t>כמו שאמרנו החלון של היום הנוכחי יצר תחושה לא נכונה אצל המשתמשים שלא ניתן לבצע פעולות הוספת אילוץ או פגישה ביום הנוכחי. לכן בחרנו להוריד את הצבע האפור מהמשבצת</a:t>
+            </a:r>
+            <a:endParaRPr lang="he-IL" b="1" dirty="0"/>
+          </a:p>
+        </p:txBody>
+      </p:sp>
+      <p:pic>
+        <p:nvPicPr>
+          <p:cNvPr id="4" name="Picture 3">
+            <a:extLst>
+              <a:ext uri="{FF2B5EF4-FFF2-40B4-BE49-F238E27FC236}">
+                <a16:creationId xmlns:a16="http://schemas.microsoft.com/office/drawing/2014/main" id="{F5C0651E-3617-40AB-A6DE-0694A7E85B04}"/>
+              </a:ext>
+            </a:extLst>
+          </p:cNvPr>
+          <p:cNvPicPr>
+            <a:picLocks noChangeAspect="1"/>
+          </p:cNvPicPr>
+          <p:nvPr/>
+        </p:nvPicPr>
+        <p:blipFill>
+          <a:blip r:embed="rId2"/>
+          <a:stretch>
+            <a:fillRect/>
+          </a:stretch>
+        </p:blipFill>
+        <p:spPr>
+          <a:xfrm>
+            <a:off x="608693" y="2552700"/>
+            <a:ext cx="5487307" cy="3428999"/>
+          </a:xfrm>
+          <a:prstGeom prst="rect">
+            <a:avLst/>
+          </a:prstGeom>
+        </p:spPr>
+      </p:pic>
+      <p:sp>
+        <p:nvSpPr>
+          <p:cNvPr id="13" name="Rectangle 12">
+            <a:extLst>
+              <a:ext uri="{FF2B5EF4-FFF2-40B4-BE49-F238E27FC236}">
+                <a16:creationId xmlns:a16="http://schemas.microsoft.com/office/drawing/2014/main" id="{1F5C0053-ED28-4B46-B5DE-882067A21BEE}"/>
+              </a:ext>
+            </a:extLst>
+          </p:cNvPr>
+          <p:cNvSpPr/>
+          <p:nvPr/>
+        </p:nvSpPr>
+        <p:spPr>
+          <a:xfrm>
+            <a:off x="3680460" y="2664995"/>
+            <a:ext cx="891540" cy="230605"/>
+          </a:xfrm>
+          <a:prstGeom prst="rect">
+            <a:avLst/>
+          </a:prstGeom>
+          <a:solidFill>
+            <a:srgbClr val="B4D0E7"/>
+          </a:solidFill>
+          <a:ln>
+            <a:solidFill>
+              <a:srgbClr val="B4D0E7"/>
+            </a:solidFill>
+          </a:ln>
+        </p:spPr>
+        <p:style>
+          <a:lnRef idx="2">
+            <a:schemeClr val="accent1">
+              <a:shade val="50000"/>
+            </a:schemeClr>
+          </a:lnRef>
+          <a:fillRef idx="1">
+            <a:schemeClr val="accent1"/>
+          </a:fillRef>
+          <a:effectRef idx="0">
+            <a:schemeClr val="accent1"/>
+          </a:effectRef>
+          <a:fontRef idx="minor">
+            <a:schemeClr val="lt1"/>
+          </a:fontRef>
+        </p:style>
+        <p:txBody>
+          <a:bodyPr rtlCol="0" anchor="ctr"/>
+          <a:lstStyle/>
+          <a:p>
+            <a:pPr algn="ctr"/>
+            <a:endParaRPr lang="en-US"/>
+          </a:p>
+        </p:txBody>
+      </p:sp>
+      <p:sp>
+        <p:nvSpPr>
+          <p:cNvPr id="16" name="TextBox 15">
+            <a:extLst>
+              <a:ext uri="{FF2B5EF4-FFF2-40B4-BE49-F238E27FC236}">
+                <a16:creationId xmlns:a16="http://schemas.microsoft.com/office/drawing/2014/main" id="{D9486BF6-0CA5-4FF9-9BF9-93DFBB7195E4}"/>
+              </a:ext>
+            </a:extLst>
+          </p:cNvPr>
+          <p:cNvSpPr txBox="1"/>
+          <p:nvPr/>
+        </p:nvSpPr>
+        <p:spPr>
+          <a:xfrm>
+            <a:off x="5149258" y="2983737"/>
+            <a:ext cx="755229" cy="276999"/>
+          </a:xfrm>
+          <a:prstGeom prst="rect">
+            <a:avLst/>
+          </a:prstGeom>
+          <a:noFill/>
+        </p:spPr>
+        <p:txBody>
+          <a:bodyPr wrap="square" rtlCol="0">
+            <a:noAutofit/>
+          </a:bodyPr>
+          <a:lstStyle/>
+          <a:p>
+            <a:pPr algn="ctr"/>
+            <a:r>
+              <a:rPr lang="he-IL" sz="1400" dirty="0"/>
+              <a:t>נובמבר</a:t>
+            </a:r>
+            <a:endParaRPr lang="en-US" sz="2400" dirty="0"/>
+          </a:p>
+        </p:txBody>
+      </p:sp>
+      <p:pic>
+        <p:nvPicPr>
+          <p:cNvPr id="17" name="Picture 2" descr="Image result for Calendar icon web">
+            <a:extLst>
+              <a:ext uri="{FF2B5EF4-FFF2-40B4-BE49-F238E27FC236}">
+                <a16:creationId xmlns:a16="http://schemas.microsoft.com/office/drawing/2014/main" id="{2008EE45-7653-4B54-9F36-B179C90AABF3}"/>
+              </a:ext>
+            </a:extLst>
+          </p:cNvPr>
+          <p:cNvPicPr>
+            <a:picLocks noChangeAspect="1" noChangeArrowheads="1"/>
+          </p:cNvPicPr>
+          <p:nvPr/>
+        </p:nvPicPr>
+        <p:blipFill>
+          <a:blip r:embed="rId3">
+            <a:extLst>
+              <a:ext uri="{28A0092B-C50C-407E-A947-70E740481C1C}">
+                <a14:useLocalDpi xmlns:a14="http://schemas.microsoft.com/office/drawing/2010/main" val="0"/>
+              </a:ext>
+            </a:extLst>
+          </a:blip>
+          <a:srcRect/>
+          <a:stretch>
+            <a:fillRect/>
+          </a:stretch>
+        </p:blipFill>
+        <p:spPr bwMode="auto">
+          <a:xfrm>
+            <a:off x="5811095" y="3030797"/>
+            <a:ext cx="228600" cy="228600"/>
+          </a:xfrm>
+          <a:prstGeom prst="rect">
+            <a:avLst/>
+          </a:prstGeom>
+          <a:noFill/>
+          <a:extLst>
+            <a:ext uri="{909E8E84-426E-40DD-AFC4-6F175D3DCCD1}">
+              <a14:hiddenFill xmlns:a14="http://schemas.microsoft.com/office/drawing/2010/main">
+                <a:solidFill>
+                  <a:srgbClr val="FFFFFF"/>
+                </a:solidFill>
+              </a14:hiddenFill>
+            </a:ext>
+          </a:extLst>
+        </p:spPr>
+      </p:pic>
+    </p:spTree>
+    <p:extLst>
+      <p:ext uri="{BB962C8B-B14F-4D97-AF65-F5344CB8AC3E}">
+        <p14:creationId xmlns:p14="http://schemas.microsoft.com/office/powerpoint/2010/main" val="4140185367"/>
+      </p:ext>
+    </p:extLst>
+  </p:cSld>
+  <p:clrMapOvr>
+    <a:masterClrMapping/>
+  </p:clrMapOvr>
+</p:sld>
+</file>
+
+<file path=ppt/slides/slide47.xml><?xml version="1.0" encoding="utf-8"?>
+<p:sld xmlns:a="http://schemas.openxmlformats.org/drawingml/2006/main" xmlns:r="http://schemas.openxmlformats.org/officeDocument/2006/relationships" xmlns:p="http://schemas.openxmlformats.org/presentationml/2006/main">
+  <p:cSld>
+    <p:spTree>
+      <p:nvGrpSpPr>
+        <p:cNvPr id="1" name=""/>
+        <p:cNvGrpSpPr/>
+        <p:nvPr/>
+      </p:nvGrpSpPr>
+      <p:grpSpPr>
+        <a:xfrm>
+          <a:off x="0" y="0"/>
+          <a:ext cx="0" cy="0"/>
+          <a:chOff x="0" y="0"/>
+          <a:chExt cx="0" cy="0"/>
+        </a:xfrm>
+      </p:grpSpPr>
+      <p:sp>
+        <p:nvSpPr>
+          <p:cNvPr id="2" name="Title 1">
+            <a:extLst>
+              <a:ext uri="{FF2B5EF4-FFF2-40B4-BE49-F238E27FC236}">
+                <a16:creationId xmlns:a16="http://schemas.microsoft.com/office/drawing/2014/main" id="{F2E75ACD-C303-46DD-8FB4-27FC6A409857}"/>
+              </a:ext>
+            </a:extLst>
+          </p:cNvPr>
+          <p:cNvSpPr>
+            <a:spLocks noGrp="1"/>
+          </p:cNvSpPr>
+          <p:nvPr>
+            <p:ph type="title"/>
+          </p:nvPr>
+        </p:nvSpPr>
+        <p:spPr/>
+        <p:txBody>
+          <a:bodyPr/>
+          <a:lstStyle/>
+          <a:p>
+            <a:pPr algn="ctr"/>
+            <a:r>
+              <a:rPr lang="he-IL" sz="4800" dirty="0"/>
+              <a:t>מסך הבית</a:t>
+            </a:r>
+            <a:endParaRPr lang="en-US" sz="4800" dirty="0"/>
+          </a:p>
+        </p:txBody>
+      </p:sp>
+      <p:sp>
+        <p:nvSpPr>
+          <p:cNvPr id="27" name="TextBox 26">
+            <a:extLst>
+              <a:ext uri="{FF2B5EF4-FFF2-40B4-BE49-F238E27FC236}">
+                <a16:creationId xmlns:a16="http://schemas.microsoft.com/office/drawing/2014/main" id="{793931D8-69E6-451B-8BCE-EC76158083DE}"/>
+              </a:ext>
+            </a:extLst>
+          </p:cNvPr>
+          <p:cNvSpPr txBox="1"/>
+          <p:nvPr/>
+        </p:nvSpPr>
+        <p:spPr>
+          <a:xfrm>
+            <a:off x="6704846" y="2664995"/>
+            <a:ext cx="5193437" cy="1523815"/>
+          </a:xfrm>
+          <a:prstGeom prst="rect">
+            <a:avLst/>
+          </a:prstGeom>
+          <a:noFill/>
+        </p:spPr>
+        <p:txBody>
+          <a:bodyPr wrap="square" rtlCol="0">
+            <a:spAutoFit/>
+          </a:bodyPr>
+          <a:lstStyle/>
+          <a:p>
+            <a:pPr marL="285750" indent="-285750" algn="r" rtl="1">
+              <a:lnSpc>
+                <a:spcPct val="150000"/>
+              </a:lnSpc>
+              <a:buFont typeface="Arial" panose="020B0604020202020204" pitchFamily="34" charset="0"/>
+              <a:buChar char="•"/>
+            </a:pPr>
+            <a:r>
+              <a:rPr lang="he-IL" sz="1600" dirty="0"/>
+              <a:t>אבל כעת למשתמשים לקח יותר זמן כדי להבין מה היום הנוכחי העיגול הכחול מסביב לתאריך הנוכחי היה אינדיקציה לא מספקת עבור המשתמשים. לכן הוספנו ריבוע כחול מסביב ליום שייסמן את היום הנוכחי </a:t>
+            </a:r>
+            <a:r>
+              <a:rPr lang="he-IL" sz="1600" b="1" dirty="0"/>
+              <a:t>(נראות מצב המערכת)</a:t>
+            </a:r>
+            <a:endParaRPr lang="en-US" sz="1400" dirty="0"/>
+          </a:p>
+        </p:txBody>
+      </p:sp>
+      <p:pic>
+        <p:nvPicPr>
+          <p:cNvPr id="4" name="Picture 3">
+            <a:extLst>
+              <a:ext uri="{FF2B5EF4-FFF2-40B4-BE49-F238E27FC236}">
+                <a16:creationId xmlns:a16="http://schemas.microsoft.com/office/drawing/2014/main" id="{4B83C5ED-D84A-480D-93A0-B902ADC65D2C}"/>
+              </a:ext>
+            </a:extLst>
+          </p:cNvPr>
+          <p:cNvPicPr>
+            <a:picLocks noChangeAspect="1"/>
+          </p:cNvPicPr>
+          <p:nvPr/>
+        </p:nvPicPr>
+        <p:blipFill>
+          <a:blip r:embed="rId2"/>
+          <a:stretch>
+            <a:fillRect/>
+          </a:stretch>
+        </p:blipFill>
+        <p:spPr>
+          <a:xfrm>
+            <a:off x="543619" y="2544284"/>
+            <a:ext cx="5712284" cy="3650776"/>
+          </a:xfrm>
+          <a:prstGeom prst="rect">
+            <a:avLst/>
+          </a:prstGeom>
+        </p:spPr>
+      </p:pic>
+      <p:sp>
+        <p:nvSpPr>
+          <p:cNvPr id="5" name="Rectangle 4">
+            <a:extLst>
+              <a:ext uri="{FF2B5EF4-FFF2-40B4-BE49-F238E27FC236}">
+                <a16:creationId xmlns:a16="http://schemas.microsoft.com/office/drawing/2014/main" id="{EDCEBE16-4C3A-4875-B792-9D51AAB3E2D1}"/>
+              </a:ext>
+            </a:extLst>
+          </p:cNvPr>
+          <p:cNvSpPr/>
+          <p:nvPr/>
+        </p:nvSpPr>
+        <p:spPr>
+          <a:xfrm>
+            <a:off x="3680460" y="2664995"/>
+            <a:ext cx="891540" cy="230605"/>
+          </a:xfrm>
+          <a:prstGeom prst="rect">
+            <a:avLst/>
+          </a:prstGeom>
+          <a:solidFill>
+            <a:srgbClr val="B4D0E7"/>
+          </a:solidFill>
+          <a:ln>
+            <a:solidFill>
+              <a:srgbClr val="B4D0E7"/>
+            </a:solidFill>
+          </a:ln>
+        </p:spPr>
+        <p:style>
+          <a:lnRef idx="2">
+            <a:schemeClr val="accent1">
+              <a:shade val="50000"/>
+            </a:schemeClr>
+          </a:lnRef>
+          <a:fillRef idx="1">
+            <a:schemeClr val="accent1"/>
+          </a:fillRef>
+          <a:effectRef idx="0">
+            <a:schemeClr val="accent1"/>
+          </a:effectRef>
+          <a:fontRef idx="minor">
+            <a:schemeClr val="lt1"/>
+          </a:fontRef>
+        </p:style>
+        <p:txBody>
+          <a:bodyPr rtlCol="0" anchor="ctr"/>
+          <a:lstStyle/>
+          <a:p>
+            <a:pPr algn="ctr"/>
+            <a:endParaRPr lang="en-US"/>
+          </a:p>
+        </p:txBody>
+      </p:sp>
+      <p:sp>
+        <p:nvSpPr>
+          <p:cNvPr id="35" name="TextBox 34">
+            <a:extLst>
+              <a:ext uri="{FF2B5EF4-FFF2-40B4-BE49-F238E27FC236}">
+                <a16:creationId xmlns:a16="http://schemas.microsoft.com/office/drawing/2014/main" id="{7C3E669C-908E-4F18-B085-F8B8E4F63DA5}"/>
+              </a:ext>
+            </a:extLst>
+          </p:cNvPr>
+          <p:cNvSpPr txBox="1"/>
+          <p:nvPr/>
+        </p:nvSpPr>
+        <p:spPr>
+          <a:xfrm>
+            <a:off x="5149258" y="2983737"/>
+            <a:ext cx="755229" cy="276999"/>
+          </a:xfrm>
+          <a:prstGeom prst="rect">
+            <a:avLst/>
+          </a:prstGeom>
+          <a:noFill/>
+        </p:spPr>
+        <p:txBody>
+          <a:bodyPr wrap="square" rtlCol="0">
+            <a:noAutofit/>
+          </a:bodyPr>
+          <a:lstStyle/>
+          <a:p>
+            <a:pPr algn="ctr"/>
+            <a:r>
+              <a:rPr lang="he-IL" sz="1400" dirty="0"/>
+              <a:t>נובמבר</a:t>
+            </a:r>
+            <a:endParaRPr lang="en-US" sz="2400" dirty="0"/>
+          </a:p>
+        </p:txBody>
+      </p:sp>
+      <p:pic>
+        <p:nvPicPr>
+          <p:cNvPr id="36" name="Picture 2" descr="Image result for Calendar icon web">
+            <a:extLst>
+              <a:ext uri="{FF2B5EF4-FFF2-40B4-BE49-F238E27FC236}">
+                <a16:creationId xmlns:a16="http://schemas.microsoft.com/office/drawing/2014/main" id="{1E6B3E9C-74C1-4090-A466-42E36CE65B15}"/>
+              </a:ext>
+            </a:extLst>
+          </p:cNvPr>
+          <p:cNvPicPr>
+            <a:picLocks noChangeAspect="1" noChangeArrowheads="1"/>
+          </p:cNvPicPr>
+          <p:nvPr/>
+        </p:nvPicPr>
+        <p:blipFill>
+          <a:blip r:embed="rId3">
+            <a:extLst>
+              <a:ext uri="{28A0092B-C50C-407E-A947-70E740481C1C}">
+                <a14:useLocalDpi xmlns:a14="http://schemas.microsoft.com/office/drawing/2010/main" val="0"/>
+              </a:ext>
+            </a:extLst>
+          </a:blip>
+          <a:srcRect/>
+          <a:stretch>
+            <a:fillRect/>
+          </a:stretch>
+        </p:blipFill>
+        <p:spPr bwMode="auto">
+          <a:xfrm>
+            <a:off x="5811095" y="3030797"/>
+            <a:ext cx="228600" cy="228600"/>
+          </a:xfrm>
+          <a:prstGeom prst="rect">
+            <a:avLst/>
+          </a:prstGeom>
+          <a:noFill/>
+          <a:extLst>
+            <a:ext uri="{909E8E84-426E-40DD-AFC4-6F175D3DCCD1}">
+              <a14:hiddenFill xmlns:a14="http://schemas.microsoft.com/office/drawing/2010/main">
+                <a:solidFill>
+                  <a:srgbClr val="FFFFFF"/>
+                </a:solidFill>
+              </a14:hiddenFill>
+            </a:ext>
+          </a:extLst>
+        </p:spPr>
+      </p:pic>
+    </p:spTree>
+    <p:extLst>
+      <p:ext uri="{BB962C8B-B14F-4D97-AF65-F5344CB8AC3E}">
+        <p14:creationId xmlns:p14="http://schemas.microsoft.com/office/powerpoint/2010/main" val="2527601576"/>
+      </p:ext>
+    </p:extLst>
+  </p:cSld>
+  <p:clrMapOvr>
+    <a:masterClrMapping/>
+  </p:clrMapOvr>
+</p:sld>
+</file>
+
+<file path=ppt/slides/slide5.xml><?xml version="1.0" encoding="utf-8"?>
+<p:sld xmlns:a="http://schemas.openxmlformats.org/drawingml/2006/main" xmlns:r="http://schemas.openxmlformats.org/officeDocument/2006/relationships" xmlns:p="http://schemas.openxmlformats.org/presentationml/2006/main">
+  <p:cSld>
+    <p:spTree>
+      <p:nvGrpSpPr>
+        <p:cNvPr id="1" name=""/>
+        <p:cNvGrpSpPr/>
+        <p:nvPr/>
+      </p:nvGrpSpPr>
+      <p:grpSpPr>
+        <a:xfrm>
+          <a:off x="0" y="0"/>
+          <a:ext cx="0" cy="0"/>
+          <a:chOff x="0" y="0"/>
+          <a:chExt cx="0" cy="0"/>
+        </a:xfrm>
+      </p:grpSpPr>
+      <p:sp>
+        <p:nvSpPr>
+          <p:cNvPr id="2" name="כותרת 1">
+            <a:extLst>
+              <a:ext uri="{FF2B5EF4-FFF2-40B4-BE49-F238E27FC236}">
+                <a16:creationId xmlns:a16="http://schemas.microsoft.com/office/drawing/2014/main" id="{92A500EE-F6C5-4C79-92F1-D2FDEE8174A4}"/>
+              </a:ext>
+            </a:extLst>
+          </p:cNvPr>
+          <p:cNvSpPr>
+            <a:spLocks noGrp="1"/>
+          </p:cNvSpPr>
+          <p:nvPr>
+            <p:ph type="title"/>
+          </p:nvPr>
+        </p:nvSpPr>
+        <p:spPr/>
+        <p:txBody>
+          <a:bodyPr/>
+          <a:lstStyle/>
+          <a:p>
+            <a:pPr algn="ctr"/>
+            <a:r>
+              <a:rPr lang="he-IL" dirty="0"/>
+              <a:t>מסך התחברות</a:t>
+            </a:r>
+          </a:p>
+        </p:txBody>
+      </p:sp>
+      <p:pic>
+        <p:nvPicPr>
+          <p:cNvPr id="16" name="תמונה 15">
+            <a:extLst>
+              <a:ext uri="{FF2B5EF4-FFF2-40B4-BE49-F238E27FC236}">
+                <a16:creationId xmlns:a16="http://schemas.microsoft.com/office/drawing/2014/main" id="{4FD9B8E5-98A3-4C79-8EC6-1523FF6B0199}"/>
+              </a:ext>
+            </a:extLst>
+          </p:cNvPr>
+          <p:cNvPicPr>
+            <a:picLocks noChangeAspect="1"/>
+          </p:cNvPicPr>
+          <p:nvPr/>
+        </p:nvPicPr>
+        <p:blipFill>
+          <a:blip r:embed="rId2"/>
+          <a:stretch>
+            <a:fillRect/>
+          </a:stretch>
+        </p:blipFill>
+        <p:spPr>
+          <a:xfrm>
+            <a:off x="531944" y="2813539"/>
+            <a:ext cx="6851533" cy="3844516"/>
+          </a:xfrm>
+          <a:prstGeom prst="rect">
+            <a:avLst/>
+          </a:prstGeom>
+        </p:spPr>
+      </p:pic>
+      <p:sp>
+        <p:nvSpPr>
+          <p:cNvPr id="17" name="תיבת טקסט 16">
+            <a:extLst>
+              <a:ext uri="{FF2B5EF4-FFF2-40B4-BE49-F238E27FC236}">
+                <a16:creationId xmlns:a16="http://schemas.microsoft.com/office/drawing/2014/main" id="{2F642565-7D83-416E-A7D1-4FA3B48B83E1}"/>
+              </a:ext>
+            </a:extLst>
+          </p:cNvPr>
+          <p:cNvSpPr txBox="1"/>
+          <p:nvPr/>
+        </p:nvSpPr>
+        <p:spPr>
+          <a:xfrm>
+            <a:off x="7540282" y="2610683"/>
+            <a:ext cx="4487594" cy="3693319"/>
+          </a:xfrm>
+          <a:prstGeom prst="rect">
+            <a:avLst/>
+          </a:prstGeom>
+          <a:noFill/>
+        </p:spPr>
+        <p:txBody>
+          <a:bodyPr wrap="square" rtlCol="1">
+            <a:spAutoFit/>
+          </a:bodyPr>
+          <a:lstStyle/>
+          <a:p>
+            <a:pPr marL="285750" indent="-285750" algn="r" rtl="1">
+              <a:buFont typeface="Arial" panose="020B0604020202020204" pitchFamily="34" charset="0"/>
+              <a:buChar char="•"/>
+            </a:pPr>
+            <a:r>
+              <a:rPr lang="he-IL" dirty="0"/>
+              <a:t>כפתור ההתחברות וההרשמה דומים ויכולים לגרום לבלבול בזמן ההתחברות.</a:t>
+            </a:r>
+          </a:p>
+          <a:p>
+            <a:pPr marL="285750" indent="-285750" algn="r" rtl="1">
+              <a:buFont typeface="Arial" panose="020B0604020202020204" pitchFamily="34" charset="0"/>
+              <a:buChar char="•"/>
+            </a:pPr>
+            <a:r>
+              <a:rPr lang="he-IL" dirty="0"/>
+              <a:t>אין אפשרות לשחזור סיסמת המשתמש – </a:t>
+            </a:r>
+            <a:r>
+              <a:rPr lang="he-IL" b="1" dirty="0"/>
+              <a:t>שליטת משתמש וחופש פעולה.</a:t>
+            </a:r>
+            <a:endParaRPr lang="he-IL" dirty="0"/>
+          </a:p>
+          <a:p>
+            <a:pPr marL="285750" indent="-285750" algn="r" rtl="1">
+              <a:buFont typeface="Arial" panose="020B0604020202020204" pitchFamily="34" charset="0"/>
+              <a:buChar char="•"/>
+            </a:pPr>
+            <a:r>
+              <a:rPr lang="he-IL" dirty="0"/>
+              <a:t>אין חיווי המראה למשתמש היכן הוא ממלא את פרטיו – </a:t>
+            </a:r>
+            <a:r>
+              <a:rPr lang="he-IL" b="1" dirty="0"/>
+              <a:t>חיווי מצב המערכת.</a:t>
+            </a:r>
+            <a:endParaRPr lang="he-IL" dirty="0"/>
+          </a:p>
+          <a:p>
+            <a:pPr marL="285750" indent="-285750" algn="r" rtl="1">
+              <a:buFont typeface="Arial" panose="020B0604020202020204" pitchFamily="34" charset="0"/>
+              <a:buChar char="•"/>
+            </a:pPr>
+            <a:r>
+              <a:rPr lang="he-IL" dirty="0"/>
+              <a:t>אין סמלים\אייקונים שמאפיינים את שדות הקלט – </a:t>
+            </a:r>
+            <a:r>
+              <a:rPr lang="he-IL" b="1" dirty="0"/>
+              <a:t>זיהוי ולא זיכרון.</a:t>
+            </a:r>
+          </a:p>
+          <a:p>
+            <a:pPr marL="285750" indent="-285750" algn="r" rtl="1">
+              <a:buFont typeface="Arial" panose="020B0604020202020204" pitchFamily="34" charset="0"/>
+              <a:buChar char="•"/>
+            </a:pPr>
+            <a:r>
+              <a:rPr lang="he-IL" dirty="0"/>
+              <a:t>על המשתמש ללחוץ על כל שדה קלט עם העכבר על מנת להכניס את הפרטים – </a:t>
+            </a:r>
+            <a:r>
+              <a:rPr lang="he-IL" b="1" dirty="0"/>
+              <a:t>גמישות ויעילות שימוש.</a:t>
+            </a:r>
+          </a:p>
+          <a:p>
+            <a:pPr marL="285750" indent="-285750" algn="r" rtl="1">
+              <a:buFont typeface="Arial" panose="020B0604020202020204" pitchFamily="34" charset="0"/>
+              <a:buChar char="•"/>
+            </a:pPr>
+            <a:r>
+              <a:rPr lang="he-IL" dirty="0"/>
+              <a:t>אין אפשרות "זכור אותי" – </a:t>
+            </a:r>
+            <a:r>
+              <a:rPr lang="he-IL" b="1" dirty="0"/>
+              <a:t>גמישות ויעילות שימוש.</a:t>
+            </a:r>
+            <a:endParaRPr lang="he-IL" dirty="0"/>
+          </a:p>
+        </p:txBody>
+      </p:sp>
+    </p:spTree>
+    <p:extLst>
+      <p:ext uri="{BB962C8B-B14F-4D97-AF65-F5344CB8AC3E}">
+        <p14:creationId xmlns:p14="http://schemas.microsoft.com/office/powerpoint/2010/main" val="2576447696"/>
+      </p:ext>
+    </p:extLst>
+  </p:cSld>
+  <p:clrMapOvr>
+    <a:masterClrMapping/>
+  </p:clrMapOvr>
+</p:sld>
+</file>
+
+<file path=ppt/slides/slide6.xml><?xml version="1.0" encoding="utf-8"?>
+<p:sld xmlns:a="http://schemas.openxmlformats.org/drawingml/2006/main" xmlns:r="http://schemas.openxmlformats.org/officeDocument/2006/relationships" xmlns:p="http://schemas.openxmlformats.org/presentationml/2006/main">
+  <p:cSld>
+    <p:spTree>
+      <p:nvGrpSpPr>
+        <p:cNvPr id="1" name=""/>
+        <p:cNvGrpSpPr/>
+        <p:nvPr/>
+      </p:nvGrpSpPr>
+      <p:grpSpPr>
+        <a:xfrm>
+          <a:off x="0" y="0"/>
+          <a:ext cx="0" cy="0"/>
+          <a:chOff x="0" y="0"/>
+          <a:chExt cx="0" cy="0"/>
+        </a:xfrm>
+      </p:grpSpPr>
+      <p:sp>
+        <p:nvSpPr>
+          <p:cNvPr id="2" name="כותרת 1">
+            <a:extLst>
+              <a:ext uri="{FF2B5EF4-FFF2-40B4-BE49-F238E27FC236}">
+                <a16:creationId xmlns:a16="http://schemas.microsoft.com/office/drawing/2014/main" id="{DE777293-170B-4164-A212-000191C56DFE}"/>
+              </a:ext>
+            </a:extLst>
+          </p:cNvPr>
+          <p:cNvSpPr>
+            <a:spLocks noGrp="1"/>
+          </p:cNvSpPr>
+          <p:nvPr>
+            <p:ph type="title"/>
+          </p:nvPr>
+        </p:nvSpPr>
+        <p:spPr/>
+        <p:txBody>
+          <a:bodyPr/>
+          <a:lstStyle/>
+          <a:p>
+            <a:pPr algn="ctr" rtl="1"/>
+            <a:r>
+              <a:rPr lang="he-IL"/>
+              <a:t>מסך </a:t>
+            </a:r>
+            <a:r>
+              <a:rPr lang="he-IL" dirty="0"/>
+              <a:t>הרשמה</a:t>
+            </a:r>
+          </a:p>
+        </p:txBody>
+      </p:sp>
+      <p:pic>
+        <p:nvPicPr>
+          <p:cNvPr id="4" name="תמונה 3">
+            <a:extLst>
+              <a:ext uri="{FF2B5EF4-FFF2-40B4-BE49-F238E27FC236}">
+                <a16:creationId xmlns:a16="http://schemas.microsoft.com/office/drawing/2014/main" id="{2B8550E2-EBB3-4A16-B677-A16EF0998913}"/>
+              </a:ext>
+            </a:extLst>
+          </p:cNvPr>
+          <p:cNvPicPr>
+            <a:picLocks noChangeAspect="1"/>
+          </p:cNvPicPr>
+          <p:nvPr/>
+        </p:nvPicPr>
+        <p:blipFill>
+          <a:blip r:embed="rId2"/>
+          <a:stretch>
+            <a:fillRect/>
+          </a:stretch>
+        </p:blipFill>
+        <p:spPr>
+          <a:xfrm>
+            <a:off x="331177" y="2477527"/>
+            <a:ext cx="7434189" cy="4212128"/>
+          </a:xfrm>
+          <a:prstGeom prst="rect">
+            <a:avLst/>
+          </a:prstGeom>
+        </p:spPr>
+      </p:pic>
+      <p:sp>
+        <p:nvSpPr>
+          <p:cNvPr id="5" name="תיבת טקסט 4">
+            <a:extLst>
+              <a:ext uri="{FF2B5EF4-FFF2-40B4-BE49-F238E27FC236}">
+                <a16:creationId xmlns:a16="http://schemas.microsoft.com/office/drawing/2014/main" id="{49C1F48E-4344-478F-B955-03346A467B7E}"/>
+              </a:ext>
+            </a:extLst>
+          </p:cNvPr>
+          <p:cNvSpPr txBox="1"/>
+          <p:nvPr/>
+        </p:nvSpPr>
+        <p:spPr>
+          <a:xfrm>
+            <a:off x="7919696" y="2477527"/>
+            <a:ext cx="4121834" cy="3139321"/>
+          </a:xfrm>
+          <a:prstGeom prst="rect">
+            <a:avLst/>
+          </a:prstGeom>
+          <a:noFill/>
+        </p:spPr>
+        <p:txBody>
+          <a:bodyPr wrap="square" rtlCol="1">
+            <a:spAutoFit/>
+          </a:bodyPr>
+          <a:lstStyle/>
+          <a:p>
+            <a:pPr marL="285750" indent="-285750" algn="r" rtl="1">
+              <a:buFont typeface="Arial" panose="020B0604020202020204" pitchFamily="34" charset="0"/>
+              <a:buChar char="•"/>
+            </a:pPr>
+            <a:r>
+              <a:rPr lang="he-IL" dirty="0"/>
+              <a:t>אין כפתור חזרה למסך ההתחברות – </a:t>
+            </a:r>
+            <a:r>
+              <a:rPr lang="he-IL" b="1" dirty="0"/>
+              <a:t>שליטת משתמש וחופש פעולה.</a:t>
+            </a:r>
+          </a:p>
+          <a:p>
+            <a:pPr marL="285750" indent="-285750" algn="r" rtl="1">
+              <a:buFont typeface="Arial" panose="020B0604020202020204" pitchFamily="34" charset="0"/>
+              <a:buChar char="•"/>
+            </a:pPr>
+            <a:r>
+              <a:rPr lang="he-IL" dirty="0"/>
+              <a:t>אין שדה לאימות סיסמה בשנית – </a:t>
+            </a:r>
+            <a:r>
+              <a:rPr lang="he-IL" b="1" dirty="0"/>
+              <a:t>מניעת טעויות.</a:t>
+            </a:r>
+          </a:p>
+          <a:p>
+            <a:pPr marL="285750" indent="-285750" algn="r" rtl="1">
+              <a:buFont typeface="Arial" panose="020B0604020202020204" pitchFamily="34" charset="0"/>
+              <a:buChar char="•"/>
+            </a:pPr>
+            <a:r>
+              <a:rPr lang="he-IL" dirty="0"/>
+              <a:t>אין חיווי למשתמש לגביי מה הדרישות לסיסמה תקינה – </a:t>
+            </a:r>
+            <a:r>
+              <a:rPr lang="he-IL" b="1" dirty="0"/>
+              <a:t>עזרה ומסמכים.</a:t>
+            </a:r>
+            <a:endParaRPr lang="he-IL" dirty="0"/>
+          </a:p>
+          <a:p>
+            <a:pPr marL="285750" indent="-285750" algn="r" rtl="1">
+              <a:buFont typeface="Arial" panose="020B0604020202020204" pitchFamily="34" charset="0"/>
+              <a:buChar char="•"/>
+            </a:pPr>
+            <a:r>
+              <a:rPr lang="he-IL" dirty="0"/>
+              <a:t>אין ולידציה בעת מילוי האימייל (לפני לחיצת כפתור "הירשם") או תבנית של אימייל המונעות טעויות – </a:t>
+            </a:r>
+            <a:r>
+              <a:rPr lang="he-IL" b="1" dirty="0"/>
+              <a:t>מניעת טעויות.</a:t>
+            </a:r>
+          </a:p>
+          <a:p>
+            <a:pPr marL="285750" indent="-285750" algn="r" rtl="1">
+              <a:buFont typeface="Arial" panose="020B0604020202020204" pitchFamily="34" charset="0"/>
+              <a:buChar char="•"/>
+            </a:pPr>
+            <a:r>
+              <a:rPr lang="he-IL" dirty="0"/>
+              <a:t>אין סימון ברירת מחדל של מין –</a:t>
+            </a:r>
+            <a:r>
+              <a:rPr lang="he-IL" b="1" dirty="0"/>
+              <a:t> מניעת טעויות.</a:t>
+            </a:r>
+          </a:p>
+        </p:txBody>
+      </p:sp>
+    </p:spTree>
+    <p:extLst>
+      <p:ext uri="{BB962C8B-B14F-4D97-AF65-F5344CB8AC3E}">
+        <p14:creationId xmlns:p14="http://schemas.microsoft.com/office/powerpoint/2010/main" val="2598648921"/>
+      </p:ext>
+    </p:extLst>
+  </p:cSld>
+  <p:clrMapOvr>
+    <a:masterClrMapping/>
+  </p:clrMapOvr>
+</p:sld>
+</file>
+
+<file path=ppt/slides/slide7.xml><?xml version="1.0" encoding="utf-8"?>
+<p:sld xmlns:a="http://schemas.openxmlformats.org/drawingml/2006/main" xmlns:r="http://schemas.openxmlformats.org/officeDocument/2006/relationships" xmlns:p="http://schemas.openxmlformats.org/presentationml/2006/main">
+  <p:cSld>
+    <p:spTree>
+      <p:nvGrpSpPr>
+        <p:cNvPr id="1" name=""/>
+        <p:cNvGrpSpPr/>
+        <p:nvPr/>
+      </p:nvGrpSpPr>
+      <p:grpSpPr>
+        <a:xfrm>
+          <a:off x="0" y="0"/>
+          <a:ext cx="0" cy="0"/>
+          <a:chOff x="0" y="0"/>
+          <a:chExt cx="0" cy="0"/>
+        </a:xfrm>
+      </p:grpSpPr>
+      <p:sp>
+        <p:nvSpPr>
+          <p:cNvPr id="2" name="Title 1">
+            <a:extLst>
+              <a:ext uri="{FF2B5EF4-FFF2-40B4-BE49-F238E27FC236}">
+                <a16:creationId xmlns:a16="http://schemas.microsoft.com/office/drawing/2014/main" id="{F2E75ACD-C303-46DD-8FB4-27FC6A409857}"/>
+              </a:ext>
+            </a:extLst>
+          </p:cNvPr>
+          <p:cNvSpPr>
+            <a:spLocks noGrp="1"/>
+          </p:cNvSpPr>
+          <p:nvPr>
+            <p:ph type="title"/>
+          </p:nvPr>
+        </p:nvSpPr>
+        <p:spPr/>
+        <p:txBody>
+          <a:bodyPr/>
+          <a:lstStyle/>
+          <a:p>
+            <a:pPr algn="ctr"/>
+            <a:r>
+              <a:rPr lang="he-IL" sz="4800" dirty="0"/>
+              <a:t>מסך הבית</a:t>
+            </a:r>
+            <a:endParaRPr lang="en-US" sz="4800" dirty="0"/>
+          </a:p>
+        </p:txBody>
+      </p:sp>
+      <p:grpSp>
+        <p:nvGrpSpPr>
+          <p:cNvPr id="20" name="Group 19">
+            <a:extLst>
+              <a:ext uri="{FF2B5EF4-FFF2-40B4-BE49-F238E27FC236}">
+                <a16:creationId xmlns:a16="http://schemas.microsoft.com/office/drawing/2014/main" id="{658F2FAD-9CD3-4083-9C05-368B72ADF35F}"/>
+              </a:ext>
+            </a:extLst>
+          </p:cNvPr>
+          <p:cNvGrpSpPr/>
+          <p:nvPr/>
+        </p:nvGrpSpPr>
+        <p:grpSpPr>
+          <a:xfrm>
+            <a:off x="603682" y="2587752"/>
+            <a:ext cx="5492317" cy="3470148"/>
+            <a:chOff x="0" y="0"/>
+            <a:chExt cx="9144000" cy="5143500"/>
+          </a:xfrm>
+        </p:grpSpPr>
+        <p:sp>
+          <p:nvSpPr>
+            <p:cNvPr id="21" name="Google Shape;91;p15">
+              <a:extLst>
+                <a:ext uri="{FF2B5EF4-FFF2-40B4-BE49-F238E27FC236}">
+                  <a16:creationId xmlns:a16="http://schemas.microsoft.com/office/drawing/2014/main" id="{1CEB6900-4A31-4DF7-A826-F18350A49799}"/>
+                </a:ext>
+              </a:extLst>
+            </p:cNvPr>
+            <p:cNvSpPr/>
+            <p:nvPr/>
+          </p:nvSpPr>
+          <p:spPr>
+            <a:xfrm>
+              <a:off x="0" y="0"/>
+              <a:ext cx="9144000" cy="583200"/>
+            </a:xfrm>
+            <a:prstGeom prst="rect">
+              <a:avLst/>
+            </a:prstGeom>
+            <a:solidFill>
+              <a:srgbClr val="B4D0E7"/>
+            </a:solidFill>
+            <a:ln w="9525" cap="flat" cmpd="sng">
+              <a:solidFill>
+                <a:srgbClr val="B4D0E7"/>
+              </a:solidFill>
+              <a:prstDash val="solid"/>
+              <a:round/>
+              <a:headEnd type="none" w="sm" len="sm"/>
+              <a:tailEnd type="none" w="sm" len="sm"/>
+            </a:ln>
+            <a:effectLst>
+              <a:outerShdw blurRad="57150" dist="19050" dir="5400000" algn="bl" rotWithShape="0">
+                <a:schemeClr val="dk1">
+                  <a:alpha val="50000"/>
+                </a:schemeClr>
+              </a:outerShdw>
+            </a:effectLst>
+          </p:spPr>
+          <p:txBody>
+            <a:bodyPr spcFirstLastPara="1" wrap="square" lIns="91425" tIns="91425" rIns="91425" bIns="91425" anchor="ctr" anchorCtr="0">
+              <a:noAutofit/>
+            </a:bodyPr>
+            <a:lstStyle/>
+            <a:p>
+              <a:pPr marL="0" lvl="0" indent="0" algn="l" rtl="0">
+                <a:spcBef>
+                  <a:spcPts val="0"/>
+                </a:spcBef>
+                <a:spcAft>
+                  <a:spcPts val="0"/>
+                </a:spcAft>
+                <a:buNone/>
+              </a:pPr>
+              <a:endParaRPr sz="800"/>
+            </a:p>
+          </p:txBody>
+        </p:sp>
+        <p:sp>
+          <p:nvSpPr>
+            <p:cNvPr id="22" name="Google Shape;92;p15">
+              <a:extLst>
+                <a:ext uri="{FF2B5EF4-FFF2-40B4-BE49-F238E27FC236}">
+                  <a16:creationId xmlns:a16="http://schemas.microsoft.com/office/drawing/2014/main" id="{62A16A85-9B0A-44DC-9E4C-8AA74E32CCE6}"/>
+                </a:ext>
+              </a:extLst>
+            </p:cNvPr>
+            <p:cNvSpPr txBox="1"/>
+            <p:nvPr/>
+          </p:nvSpPr>
+          <p:spPr>
+            <a:xfrm>
+              <a:off x="7759591" y="120750"/>
+              <a:ext cx="1330159" cy="341701"/>
+            </a:xfrm>
+            <a:prstGeom prst="rect">
+              <a:avLst/>
+            </a:prstGeom>
+            <a:noFill/>
+            <a:ln>
+              <a:noFill/>
+            </a:ln>
+          </p:spPr>
+          <p:txBody>
+            <a:bodyPr spcFirstLastPara="1" wrap="square" lIns="91425" tIns="91425" rIns="91425" bIns="91425" anchor="t" anchorCtr="0">
+              <a:noAutofit/>
+            </a:bodyPr>
+            <a:lstStyle/>
+            <a:p>
+              <a:pPr marL="0" lvl="0" indent="0" algn="r" rtl="0">
+                <a:spcBef>
+                  <a:spcPts val="0"/>
+                </a:spcBef>
+                <a:spcAft>
+                  <a:spcPts val="0"/>
+                </a:spcAft>
+                <a:buNone/>
+              </a:pPr>
+              <a:r>
+                <a:rPr lang="iw" sz="800" dirty="0">
+                  <a:solidFill>
+                    <a:srgbClr val="FFFFFF"/>
+                  </a:solidFill>
+                </a:rPr>
+                <a:t>WeMeet</a:t>
+              </a:r>
+              <a:endParaRPr sz="800" dirty="0">
+                <a:solidFill>
+                  <a:srgbClr val="FFFFFF"/>
+                </a:solidFill>
+              </a:endParaRPr>
+            </a:p>
+          </p:txBody>
+        </p:sp>
+        <p:sp>
+          <p:nvSpPr>
+            <p:cNvPr id="23" name="Google Shape;93;p15">
+              <a:extLst>
+                <a:ext uri="{FF2B5EF4-FFF2-40B4-BE49-F238E27FC236}">
+                  <a16:creationId xmlns:a16="http://schemas.microsoft.com/office/drawing/2014/main" id="{FC8DC434-D63C-4F84-8050-621C7164CDF7}"/>
+                </a:ext>
+              </a:extLst>
+            </p:cNvPr>
+            <p:cNvSpPr txBox="1"/>
+            <p:nvPr/>
+          </p:nvSpPr>
+          <p:spPr>
+            <a:xfrm>
+              <a:off x="6514030" y="114491"/>
+              <a:ext cx="1080000" cy="327900"/>
+            </a:xfrm>
+            <a:prstGeom prst="rect">
+              <a:avLst/>
+            </a:prstGeom>
+            <a:noFill/>
+            <a:ln>
+              <a:noFill/>
+            </a:ln>
+          </p:spPr>
+          <p:txBody>
+            <a:bodyPr spcFirstLastPara="1" wrap="square" lIns="91425" tIns="91425" rIns="91425" bIns="91425" anchor="t" anchorCtr="0">
+              <a:noAutofit/>
+            </a:bodyPr>
+            <a:lstStyle/>
+            <a:p>
+              <a:pPr marL="0" lvl="0" indent="0" algn="r" rtl="1">
+                <a:spcBef>
+                  <a:spcPts val="0"/>
+                </a:spcBef>
+                <a:spcAft>
+                  <a:spcPts val="0"/>
+                </a:spcAft>
+                <a:buNone/>
+              </a:pPr>
+              <a:r>
+                <a:rPr lang="iw" sz="800" dirty="0">
+                  <a:solidFill>
+                    <a:srgbClr val="FFFFFF"/>
+                  </a:solidFill>
+                </a:rPr>
+                <a:t>אזור אישי</a:t>
+              </a:r>
+              <a:endParaRPr sz="800" dirty="0">
+                <a:solidFill>
+                  <a:srgbClr val="FFFFFF"/>
+                </a:solidFill>
+              </a:endParaRPr>
+            </a:p>
+          </p:txBody>
+        </p:sp>
+        <p:sp>
+          <p:nvSpPr>
+            <p:cNvPr id="24" name="Google Shape;94;p15">
+              <a:extLst>
+                <a:ext uri="{FF2B5EF4-FFF2-40B4-BE49-F238E27FC236}">
+                  <a16:creationId xmlns:a16="http://schemas.microsoft.com/office/drawing/2014/main" id="{755C1065-94C8-49E0-A38C-37668A678C16}"/>
+                </a:ext>
+              </a:extLst>
+            </p:cNvPr>
+            <p:cNvSpPr txBox="1"/>
+            <p:nvPr/>
+          </p:nvSpPr>
+          <p:spPr>
+            <a:xfrm>
+              <a:off x="4842907" y="127650"/>
+              <a:ext cx="1476000" cy="327900"/>
+            </a:xfrm>
+            <a:prstGeom prst="rect">
+              <a:avLst/>
+            </a:prstGeom>
+            <a:noFill/>
+            <a:ln>
+              <a:noFill/>
+            </a:ln>
+          </p:spPr>
+          <p:txBody>
+            <a:bodyPr spcFirstLastPara="1" wrap="square" lIns="91425" tIns="91425" rIns="91425" bIns="91425" anchor="t" anchorCtr="0">
+              <a:noAutofit/>
+            </a:bodyPr>
+            <a:lstStyle/>
+            <a:p>
+              <a:pPr marL="0" lvl="0" indent="0" algn="r" rtl="1">
+                <a:spcBef>
+                  <a:spcPts val="0"/>
+                </a:spcBef>
+                <a:spcAft>
+                  <a:spcPts val="0"/>
+                </a:spcAft>
+                <a:buNone/>
+              </a:pPr>
+              <a:r>
+                <a:rPr lang="iw" sz="800" dirty="0">
+                  <a:solidFill>
+                    <a:srgbClr val="FFFFFF"/>
+                  </a:solidFill>
+                </a:rPr>
+                <a:t>פגישה חדשה</a:t>
+              </a:r>
+              <a:endParaRPr sz="800" dirty="0">
+                <a:solidFill>
+                  <a:srgbClr val="FFFFFF"/>
+                </a:solidFill>
+              </a:endParaRPr>
+            </a:p>
+          </p:txBody>
+        </p:sp>
+        <p:sp>
+          <p:nvSpPr>
+            <p:cNvPr id="25" name="Google Shape;95;p15">
+              <a:extLst>
+                <a:ext uri="{FF2B5EF4-FFF2-40B4-BE49-F238E27FC236}">
+                  <a16:creationId xmlns:a16="http://schemas.microsoft.com/office/drawing/2014/main" id="{823D2CA7-AFF5-4DF6-915A-A9FDA4D3BB2B}"/>
+                </a:ext>
+              </a:extLst>
+            </p:cNvPr>
+            <p:cNvSpPr txBox="1"/>
+            <p:nvPr/>
+          </p:nvSpPr>
+          <p:spPr>
+            <a:xfrm>
+              <a:off x="314375" y="127650"/>
+              <a:ext cx="862800" cy="327900"/>
+            </a:xfrm>
+            <a:prstGeom prst="rect">
+              <a:avLst/>
+            </a:prstGeom>
+            <a:noFill/>
+            <a:ln>
+              <a:noFill/>
+            </a:ln>
+          </p:spPr>
+          <p:txBody>
+            <a:bodyPr spcFirstLastPara="1" wrap="square" lIns="91425" tIns="91425" rIns="91425" bIns="91425" anchor="t" anchorCtr="0">
+              <a:noAutofit/>
+            </a:bodyPr>
+            <a:lstStyle/>
+            <a:p>
+              <a:pPr marL="0" lvl="0" indent="0" algn="r" rtl="1">
+                <a:spcBef>
+                  <a:spcPts val="0"/>
+                </a:spcBef>
+                <a:spcAft>
+                  <a:spcPts val="0"/>
+                </a:spcAft>
+                <a:buNone/>
+              </a:pPr>
+              <a:r>
+                <a:rPr lang="iw" sz="800">
+                  <a:solidFill>
+                    <a:srgbClr val="FFFFFF"/>
+                  </a:solidFill>
+                </a:rPr>
+                <a:t>התנתק</a:t>
+              </a:r>
+              <a:endParaRPr sz="800">
+                <a:solidFill>
+                  <a:srgbClr val="FFFFFF"/>
+                </a:solidFill>
+              </a:endParaRPr>
+            </a:p>
+          </p:txBody>
+        </p:sp>
+        <p:pic>
+          <p:nvPicPr>
+            <p:cNvPr id="26" name="Google Shape;96;p15">
+              <a:extLst>
+                <a:ext uri="{FF2B5EF4-FFF2-40B4-BE49-F238E27FC236}">
+                  <a16:creationId xmlns:a16="http://schemas.microsoft.com/office/drawing/2014/main" id="{A1478F72-1340-4F9B-B43B-F0E74452AA54}"/>
+                </a:ext>
+              </a:extLst>
+            </p:cNvPr>
+            <p:cNvPicPr preferRelativeResize="0"/>
+            <p:nvPr/>
+          </p:nvPicPr>
+          <p:blipFill>
+            <a:blip r:embed="rId2">
+              <a:alphaModFix/>
+            </a:blip>
+            <a:stretch>
+              <a:fillRect/>
+            </a:stretch>
+          </p:blipFill>
+          <p:spPr>
+            <a:xfrm>
+              <a:off x="0" y="1069008"/>
+              <a:ext cx="9143999" cy="4074492"/>
+            </a:xfrm>
+            <a:prstGeom prst="rect">
+              <a:avLst/>
+            </a:prstGeom>
+            <a:noFill/>
+            <a:ln>
+              <a:noFill/>
+            </a:ln>
+          </p:spPr>
+        </p:pic>
+      </p:grpSp>
+      <p:sp>
+        <p:nvSpPr>
+          <p:cNvPr id="27" name="TextBox 26">
+            <a:extLst>
+              <a:ext uri="{FF2B5EF4-FFF2-40B4-BE49-F238E27FC236}">
+                <a16:creationId xmlns:a16="http://schemas.microsoft.com/office/drawing/2014/main" id="{793931D8-69E6-451B-8BCE-EC76158083DE}"/>
+              </a:ext>
+            </a:extLst>
+          </p:cNvPr>
+          <p:cNvSpPr txBox="1"/>
+          <p:nvPr/>
+        </p:nvSpPr>
+        <p:spPr>
+          <a:xfrm>
+            <a:off x="6704846" y="2664995"/>
+            <a:ext cx="5193437" cy="3228897"/>
+          </a:xfrm>
+          <a:prstGeom prst="rect">
+            <a:avLst/>
+          </a:prstGeom>
+          <a:noFill/>
+        </p:spPr>
+        <p:txBody>
+          <a:bodyPr wrap="square" rtlCol="0">
+            <a:spAutoFit/>
+          </a:bodyPr>
+          <a:lstStyle/>
+          <a:p>
+            <a:pPr marL="285750" indent="-285750" algn="r" rtl="1">
+              <a:lnSpc>
+                <a:spcPct val="150000"/>
+              </a:lnSpc>
+              <a:buFont typeface="Arial" panose="020B0604020202020204" pitchFamily="34" charset="0"/>
+              <a:buChar char="•"/>
+            </a:pPr>
+            <a:r>
+              <a:rPr lang="he-IL" sz="1600" dirty="0"/>
+              <a:t>אין כפתור למחיקת אילוץ\פגישה לאחר שעשינו אותה</a:t>
+            </a:r>
+            <a:r>
+              <a:rPr lang="en-US" sz="1600" dirty="0"/>
+              <a:t> </a:t>
+            </a:r>
+            <a:r>
+              <a:rPr lang="he-IL" sz="1600" dirty="0"/>
+              <a:t>(נרצה לבטל בלחיצת כפתור). </a:t>
+            </a:r>
+          </a:p>
+          <a:p>
+            <a:pPr algn="r" rtl="1">
+              <a:lnSpc>
+                <a:spcPct val="150000"/>
+              </a:lnSpc>
+            </a:pPr>
+            <a:r>
+              <a:rPr lang="he-IL" sz="900" dirty="0"/>
+              <a:t>	(שליטה וחופש של המשתמש)</a:t>
+            </a:r>
+          </a:p>
+          <a:p>
+            <a:pPr marL="285750" indent="-285750" algn="r" rtl="1">
+              <a:lnSpc>
+                <a:spcPct val="150000"/>
+              </a:lnSpc>
+              <a:buFont typeface="Arial" panose="020B0604020202020204" pitchFamily="34" charset="0"/>
+              <a:buChar char="•"/>
+            </a:pPr>
+            <a:r>
+              <a:rPr lang="he-IL" sz="1600" dirty="0"/>
+              <a:t>הכפתורים לא נראים לחיצים (לא נראים כמו כפתורים)</a:t>
+            </a:r>
+            <a:endParaRPr lang="en-US" sz="1600" dirty="0"/>
+          </a:p>
+          <a:p>
+            <a:pPr algn="r" rtl="1">
+              <a:lnSpc>
+                <a:spcPct val="150000"/>
+              </a:lnSpc>
+            </a:pPr>
+            <a:r>
+              <a:rPr lang="en-US" sz="900" dirty="0"/>
+              <a:t>	 </a:t>
+            </a:r>
+            <a:r>
+              <a:rPr lang="he-IL" sz="900" dirty="0"/>
+              <a:t>(נראות מצב המערכת)</a:t>
+            </a:r>
+          </a:p>
+          <a:p>
+            <a:pPr marL="285750" indent="-285750" algn="r" rtl="1">
+              <a:lnSpc>
+                <a:spcPct val="150000"/>
+              </a:lnSpc>
+              <a:buFont typeface="Arial" panose="020B0604020202020204" pitchFamily="34" charset="0"/>
+              <a:buChar char="•"/>
+            </a:pPr>
+            <a:r>
+              <a:rPr lang="he-IL" sz="1600" dirty="0"/>
+              <a:t>כפתור הוספת אילוץ לא ברור מה עושה נראה כמו הוספת פגישה</a:t>
+            </a:r>
+          </a:p>
+          <a:p>
+            <a:pPr algn="r" rtl="1">
+              <a:lnSpc>
+                <a:spcPct val="150000"/>
+              </a:lnSpc>
+            </a:pPr>
+            <a:r>
+              <a:rPr lang="he-IL" sz="1400" dirty="0"/>
+              <a:t>	</a:t>
+            </a:r>
+            <a:r>
+              <a:rPr lang="he-IL" sz="900" dirty="0"/>
+              <a:t>(זיהוי במקום היזכרות)</a:t>
+            </a:r>
+          </a:p>
+          <a:p>
+            <a:pPr marL="285750" indent="-285750" algn="r" rtl="1">
+              <a:lnSpc>
+                <a:spcPct val="150000"/>
+              </a:lnSpc>
+              <a:buFont typeface="Arial" panose="020B0604020202020204" pitchFamily="34" charset="0"/>
+              <a:buChar char="•"/>
+            </a:pPr>
+            <a:r>
+              <a:rPr lang="he-IL" sz="1600" dirty="0"/>
+              <a:t>כפתור פגישה חדשה לא ברור וממוקם בתפריט.</a:t>
+            </a:r>
+            <a:r>
+              <a:rPr lang="en-US" sz="1600" dirty="0"/>
+              <a:t> </a:t>
+            </a:r>
+            <a:endParaRPr lang="he-IL" sz="1600" dirty="0"/>
+          </a:p>
+          <a:p>
+            <a:pPr lvl="1" algn="r" rtl="1">
+              <a:lnSpc>
+                <a:spcPct val="150000"/>
+              </a:lnSpc>
+            </a:pPr>
+            <a:r>
+              <a:rPr lang="he-IL" sz="900" dirty="0"/>
+              <a:t>(עקביות וסטנדרטים)</a:t>
+            </a:r>
+            <a:endParaRPr lang="en-US" sz="1400" dirty="0"/>
+          </a:p>
+        </p:txBody>
+      </p:sp>
+    </p:spTree>
+    <p:extLst>
+      <p:ext uri="{BB962C8B-B14F-4D97-AF65-F5344CB8AC3E}">
+        <p14:creationId xmlns:p14="http://schemas.microsoft.com/office/powerpoint/2010/main" val="1675124401"/>
+      </p:ext>
+    </p:extLst>
+  </p:cSld>
+  <p:clrMapOvr>
+    <a:masterClrMapping/>
+  </p:clrMapOvr>
+</p:sld>
+</file>
+
+<file path=ppt/slides/slide8.xml><?xml version="1.0" encoding="utf-8"?>
+<p:sld xmlns:a="http://schemas.openxmlformats.org/drawingml/2006/main" xmlns:r="http://schemas.openxmlformats.org/officeDocument/2006/relationships" xmlns:p="http://schemas.openxmlformats.org/presentationml/2006/main">
+  <p:cSld>
+    <p:spTree>
+      <p:nvGrpSpPr>
+        <p:cNvPr id="1" name=""/>
+        <p:cNvGrpSpPr/>
+        <p:nvPr/>
+      </p:nvGrpSpPr>
+      <p:grpSpPr>
+        <a:xfrm>
+          <a:off x="0" y="0"/>
+          <a:ext cx="0" cy="0"/>
+          <a:chOff x="0" y="0"/>
+          <a:chExt cx="0" cy="0"/>
+        </a:xfrm>
+      </p:grpSpPr>
+      <p:sp>
+        <p:nvSpPr>
+          <p:cNvPr id="2" name="Title 1">
+            <a:extLst>
+              <a:ext uri="{FF2B5EF4-FFF2-40B4-BE49-F238E27FC236}">
+                <a16:creationId xmlns:a16="http://schemas.microsoft.com/office/drawing/2014/main" id="{F2E75ACD-C303-46DD-8FB4-27FC6A409857}"/>
+              </a:ext>
+            </a:extLst>
+          </p:cNvPr>
+          <p:cNvSpPr>
+            <a:spLocks noGrp="1"/>
+          </p:cNvSpPr>
+          <p:nvPr>
+            <p:ph type="title"/>
+          </p:nvPr>
+        </p:nvSpPr>
+        <p:spPr/>
+        <p:txBody>
+          <a:bodyPr/>
+          <a:lstStyle/>
+          <a:p>
+            <a:pPr algn="ctr"/>
+            <a:r>
+              <a:rPr lang="he-IL" sz="4800" dirty="0"/>
+              <a:t>מסך הבית</a:t>
+            </a:r>
+            <a:endParaRPr lang="en-US" sz="4800" dirty="0"/>
+          </a:p>
+        </p:txBody>
+      </p:sp>
+      <p:grpSp>
+        <p:nvGrpSpPr>
+          <p:cNvPr id="20" name="Group 19">
+            <a:extLst>
+              <a:ext uri="{FF2B5EF4-FFF2-40B4-BE49-F238E27FC236}">
+                <a16:creationId xmlns:a16="http://schemas.microsoft.com/office/drawing/2014/main" id="{658F2FAD-9CD3-4083-9C05-368B72ADF35F}"/>
+              </a:ext>
+            </a:extLst>
+          </p:cNvPr>
+          <p:cNvGrpSpPr/>
+          <p:nvPr/>
+        </p:nvGrpSpPr>
+        <p:grpSpPr>
+          <a:xfrm>
+            <a:off x="603682" y="2587752"/>
+            <a:ext cx="5492317" cy="3470148"/>
+            <a:chOff x="0" y="0"/>
+            <a:chExt cx="9144000" cy="5143500"/>
+          </a:xfrm>
+        </p:grpSpPr>
+        <p:sp>
+          <p:nvSpPr>
+            <p:cNvPr id="21" name="Google Shape;91;p15">
+              <a:extLst>
+                <a:ext uri="{FF2B5EF4-FFF2-40B4-BE49-F238E27FC236}">
+                  <a16:creationId xmlns:a16="http://schemas.microsoft.com/office/drawing/2014/main" id="{1CEB6900-4A31-4DF7-A826-F18350A49799}"/>
+                </a:ext>
+              </a:extLst>
+            </p:cNvPr>
+            <p:cNvSpPr/>
+            <p:nvPr/>
+          </p:nvSpPr>
+          <p:spPr>
+            <a:xfrm>
+              <a:off x="0" y="0"/>
+              <a:ext cx="9144000" cy="583200"/>
+            </a:xfrm>
+            <a:prstGeom prst="rect">
+              <a:avLst/>
+            </a:prstGeom>
+            <a:solidFill>
+              <a:srgbClr val="B4D0E7"/>
+            </a:solidFill>
+            <a:ln w="9525" cap="flat" cmpd="sng">
+              <a:solidFill>
+                <a:srgbClr val="B4D0E7"/>
+              </a:solidFill>
+              <a:prstDash val="solid"/>
+              <a:round/>
+              <a:headEnd type="none" w="sm" len="sm"/>
+              <a:tailEnd type="none" w="sm" len="sm"/>
+            </a:ln>
+            <a:effectLst>
+              <a:outerShdw blurRad="57150" dist="19050" dir="5400000" algn="bl" rotWithShape="0">
+                <a:schemeClr val="dk1">
+                  <a:alpha val="50000"/>
+                </a:schemeClr>
+              </a:outerShdw>
+            </a:effectLst>
+          </p:spPr>
+          <p:txBody>
+            <a:bodyPr spcFirstLastPara="1" wrap="square" lIns="91425" tIns="91425" rIns="91425" bIns="91425" anchor="ctr" anchorCtr="0">
+              <a:noAutofit/>
+            </a:bodyPr>
+            <a:lstStyle/>
+            <a:p>
+              <a:pPr marL="0" lvl="0" indent="0" algn="l" rtl="0">
+                <a:spcBef>
+                  <a:spcPts val="0"/>
+                </a:spcBef>
+                <a:spcAft>
+                  <a:spcPts val="0"/>
+                </a:spcAft>
+                <a:buNone/>
+              </a:pPr>
+              <a:endParaRPr sz="800"/>
+            </a:p>
+          </p:txBody>
+        </p:sp>
+        <p:sp>
+          <p:nvSpPr>
+            <p:cNvPr id="22" name="Google Shape;92;p15">
+              <a:extLst>
+                <a:ext uri="{FF2B5EF4-FFF2-40B4-BE49-F238E27FC236}">
+                  <a16:creationId xmlns:a16="http://schemas.microsoft.com/office/drawing/2014/main" id="{62A16A85-9B0A-44DC-9E4C-8AA74E32CCE6}"/>
+                </a:ext>
+              </a:extLst>
+            </p:cNvPr>
+            <p:cNvSpPr txBox="1"/>
+            <p:nvPr/>
+          </p:nvSpPr>
+          <p:spPr>
+            <a:xfrm>
+              <a:off x="7759591" y="120750"/>
+              <a:ext cx="1330159" cy="341701"/>
+            </a:xfrm>
+            <a:prstGeom prst="rect">
+              <a:avLst/>
+            </a:prstGeom>
+            <a:noFill/>
+            <a:ln>
+              <a:noFill/>
+            </a:ln>
+          </p:spPr>
+          <p:txBody>
+            <a:bodyPr spcFirstLastPara="1" wrap="square" lIns="91425" tIns="91425" rIns="91425" bIns="91425" anchor="t" anchorCtr="0">
+              <a:noAutofit/>
+            </a:bodyPr>
+            <a:lstStyle/>
+            <a:p>
+              <a:pPr marL="0" lvl="0" indent="0" algn="r" rtl="0">
+                <a:spcBef>
+                  <a:spcPts val="0"/>
+                </a:spcBef>
+                <a:spcAft>
+                  <a:spcPts val="0"/>
+                </a:spcAft>
+                <a:buNone/>
+              </a:pPr>
+              <a:r>
+                <a:rPr lang="iw" sz="800" dirty="0">
+                  <a:solidFill>
+                    <a:srgbClr val="FFFFFF"/>
+                  </a:solidFill>
+                </a:rPr>
+                <a:t>WeMeet</a:t>
+              </a:r>
+              <a:endParaRPr sz="800" dirty="0">
+                <a:solidFill>
+                  <a:srgbClr val="FFFFFF"/>
+                </a:solidFill>
+              </a:endParaRPr>
+            </a:p>
+          </p:txBody>
+        </p:sp>
+        <p:sp>
+          <p:nvSpPr>
+            <p:cNvPr id="23" name="Google Shape;93;p15">
+              <a:extLst>
+                <a:ext uri="{FF2B5EF4-FFF2-40B4-BE49-F238E27FC236}">
+                  <a16:creationId xmlns:a16="http://schemas.microsoft.com/office/drawing/2014/main" id="{FC8DC434-D63C-4F84-8050-621C7164CDF7}"/>
+                </a:ext>
+              </a:extLst>
+            </p:cNvPr>
+            <p:cNvSpPr txBox="1"/>
+            <p:nvPr/>
+          </p:nvSpPr>
+          <p:spPr>
+            <a:xfrm>
+              <a:off x="6514030" y="114491"/>
+              <a:ext cx="1080000" cy="327900"/>
+            </a:xfrm>
+            <a:prstGeom prst="rect">
+              <a:avLst/>
+            </a:prstGeom>
+            <a:noFill/>
+            <a:ln>
+              <a:noFill/>
+            </a:ln>
+          </p:spPr>
+          <p:txBody>
+            <a:bodyPr spcFirstLastPara="1" wrap="square" lIns="91425" tIns="91425" rIns="91425" bIns="91425" anchor="t" anchorCtr="0">
+              <a:noAutofit/>
+            </a:bodyPr>
+            <a:lstStyle/>
+            <a:p>
+              <a:pPr marL="0" lvl="0" indent="0" algn="r" rtl="1">
+                <a:spcBef>
+                  <a:spcPts val="0"/>
+                </a:spcBef>
+                <a:spcAft>
+                  <a:spcPts val="0"/>
+                </a:spcAft>
+                <a:buNone/>
+              </a:pPr>
+              <a:r>
+                <a:rPr lang="iw" sz="800" dirty="0">
+                  <a:solidFill>
+                    <a:srgbClr val="FFFFFF"/>
+                  </a:solidFill>
+                </a:rPr>
+                <a:t>אזור אישי</a:t>
+              </a:r>
+              <a:endParaRPr sz="800" dirty="0">
+                <a:solidFill>
+                  <a:srgbClr val="FFFFFF"/>
+                </a:solidFill>
+              </a:endParaRPr>
+            </a:p>
+          </p:txBody>
+        </p:sp>
+        <p:sp>
+          <p:nvSpPr>
+            <p:cNvPr id="24" name="Google Shape;94;p15">
+              <a:extLst>
+                <a:ext uri="{FF2B5EF4-FFF2-40B4-BE49-F238E27FC236}">
+                  <a16:creationId xmlns:a16="http://schemas.microsoft.com/office/drawing/2014/main" id="{755C1065-94C8-49E0-A38C-37668A678C16}"/>
+                </a:ext>
+              </a:extLst>
+            </p:cNvPr>
+            <p:cNvSpPr txBox="1"/>
+            <p:nvPr/>
+          </p:nvSpPr>
+          <p:spPr>
+            <a:xfrm>
+              <a:off x="4842907" y="127650"/>
+              <a:ext cx="1476000" cy="327900"/>
+            </a:xfrm>
+            <a:prstGeom prst="rect">
+              <a:avLst/>
+            </a:prstGeom>
+            <a:noFill/>
+            <a:ln>
+              <a:noFill/>
+            </a:ln>
+          </p:spPr>
+          <p:txBody>
+            <a:bodyPr spcFirstLastPara="1" wrap="square" lIns="91425" tIns="91425" rIns="91425" bIns="91425" anchor="t" anchorCtr="0">
+              <a:noAutofit/>
+            </a:bodyPr>
+            <a:lstStyle/>
+            <a:p>
+              <a:pPr marL="0" lvl="0" indent="0" algn="r" rtl="1">
+                <a:spcBef>
+                  <a:spcPts val="0"/>
+                </a:spcBef>
+                <a:spcAft>
+                  <a:spcPts val="0"/>
+                </a:spcAft>
+                <a:buNone/>
+              </a:pPr>
+              <a:r>
+                <a:rPr lang="iw" sz="800" dirty="0">
+                  <a:solidFill>
+                    <a:srgbClr val="FFFFFF"/>
+                  </a:solidFill>
+                </a:rPr>
+                <a:t>פגישה חדשה</a:t>
+              </a:r>
+              <a:endParaRPr sz="800" dirty="0">
+                <a:solidFill>
+                  <a:srgbClr val="FFFFFF"/>
+                </a:solidFill>
+              </a:endParaRPr>
+            </a:p>
+          </p:txBody>
+        </p:sp>
+        <p:sp>
+          <p:nvSpPr>
+            <p:cNvPr id="25" name="Google Shape;95;p15">
+              <a:extLst>
+                <a:ext uri="{FF2B5EF4-FFF2-40B4-BE49-F238E27FC236}">
+                  <a16:creationId xmlns:a16="http://schemas.microsoft.com/office/drawing/2014/main" id="{823D2CA7-AFF5-4DF6-915A-A9FDA4D3BB2B}"/>
+                </a:ext>
+              </a:extLst>
+            </p:cNvPr>
+            <p:cNvSpPr txBox="1"/>
+            <p:nvPr/>
+          </p:nvSpPr>
+          <p:spPr>
+            <a:xfrm>
+              <a:off x="314375" y="127650"/>
+              <a:ext cx="862800" cy="327900"/>
+            </a:xfrm>
+            <a:prstGeom prst="rect">
+              <a:avLst/>
+            </a:prstGeom>
+            <a:noFill/>
+            <a:ln>
+              <a:noFill/>
+            </a:ln>
+          </p:spPr>
+          <p:txBody>
+            <a:bodyPr spcFirstLastPara="1" wrap="square" lIns="91425" tIns="91425" rIns="91425" bIns="91425" anchor="t" anchorCtr="0">
+              <a:noAutofit/>
+            </a:bodyPr>
+            <a:lstStyle/>
+            <a:p>
+              <a:pPr marL="0" lvl="0" indent="0" algn="r" rtl="1">
+                <a:spcBef>
+                  <a:spcPts val="0"/>
+                </a:spcBef>
+                <a:spcAft>
+                  <a:spcPts val="0"/>
+                </a:spcAft>
+                <a:buNone/>
+              </a:pPr>
+              <a:r>
+                <a:rPr lang="iw" sz="800">
+                  <a:solidFill>
+                    <a:srgbClr val="FFFFFF"/>
+                  </a:solidFill>
+                </a:rPr>
+                <a:t>התנתק</a:t>
+              </a:r>
+              <a:endParaRPr sz="800">
+                <a:solidFill>
+                  <a:srgbClr val="FFFFFF"/>
+                </a:solidFill>
+              </a:endParaRPr>
+            </a:p>
+          </p:txBody>
+        </p:sp>
+        <p:pic>
+          <p:nvPicPr>
+            <p:cNvPr id="26" name="Google Shape;96;p15">
+              <a:extLst>
+                <a:ext uri="{FF2B5EF4-FFF2-40B4-BE49-F238E27FC236}">
+                  <a16:creationId xmlns:a16="http://schemas.microsoft.com/office/drawing/2014/main" id="{A1478F72-1340-4F9B-B43B-F0E74452AA54}"/>
+                </a:ext>
+              </a:extLst>
+            </p:cNvPr>
+            <p:cNvPicPr preferRelativeResize="0"/>
+            <p:nvPr/>
+          </p:nvPicPr>
+          <p:blipFill>
+            <a:blip r:embed="rId2">
+              <a:alphaModFix/>
+            </a:blip>
+            <a:stretch>
+              <a:fillRect/>
+            </a:stretch>
+          </p:blipFill>
+          <p:spPr>
+            <a:xfrm>
+              <a:off x="0" y="1069008"/>
+              <a:ext cx="9143999" cy="4074492"/>
+            </a:xfrm>
+            <a:prstGeom prst="rect">
+              <a:avLst/>
+            </a:prstGeom>
+            <a:noFill/>
+            <a:ln>
+              <a:noFill/>
+            </a:ln>
+          </p:spPr>
+        </p:pic>
+      </p:grpSp>
+      <p:sp>
+        <p:nvSpPr>
+          <p:cNvPr id="27" name="TextBox 26">
+            <a:extLst>
+              <a:ext uri="{FF2B5EF4-FFF2-40B4-BE49-F238E27FC236}">
+                <a16:creationId xmlns:a16="http://schemas.microsoft.com/office/drawing/2014/main" id="{793931D8-69E6-451B-8BCE-EC76158083DE}"/>
+              </a:ext>
+            </a:extLst>
+          </p:cNvPr>
+          <p:cNvSpPr txBox="1"/>
+          <p:nvPr/>
+        </p:nvSpPr>
+        <p:spPr>
+          <a:xfrm>
+            <a:off x="6600927" y="2423605"/>
+            <a:ext cx="5252499" cy="4109330"/>
+          </a:xfrm>
+          <a:prstGeom prst="rect">
+            <a:avLst/>
+          </a:prstGeom>
+          <a:noFill/>
+        </p:spPr>
+        <p:txBody>
+          <a:bodyPr wrap="square" rtlCol="0">
+            <a:spAutoFit/>
+          </a:bodyPr>
+          <a:lstStyle/>
+          <a:p>
+            <a:pPr marL="285750" indent="-285750" algn="r" rtl="1">
+              <a:lnSpc>
+                <a:spcPct val="150000"/>
+              </a:lnSpc>
+              <a:buFont typeface="Arial" panose="020B0604020202020204" pitchFamily="34" charset="0"/>
+              <a:buChar char="•"/>
+            </a:pPr>
+            <a:r>
+              <a:rPr lang="he-IL" sz="1600" dirty="0"/>
+              <a:t>לא כתוב בבירור במסך באיזה חודש אנחנו נמצאים (רק ב -1 לכל חודש רשום) </a:t>
+            </a:r>
+          </a:p>
+          <a:p>
+            <a:pPr algn="r" rtl="1">
+              <a:lnSpc>
+                <a:spcPct val="150000"/>
+              </a:lnSpc>
+            </a:pPr>
+            <a:r>
+              <a:rPr lang="he-IL" sz="1600" dirty="0"/>
+              <a:t>	</a:t>
+            </a:r>
+            <a:r>
+              <a:rPr lang="he-IL" sz="900" dirty="0"/>
+              <a:t>(מניעת טעויות)</a:t>
+            </a:r>
+          </a:p>
+          <a:p>
+            <a:pPr marL="285750" indent="-285750" algn="r" rtl="1">
+              <a:lnSpc>
+                <a:spcPct val="150000"/>
+              </a:lnSpc>
+              <a:buFont typeface="Arial" panose="020B0604020202020204" pitchFamily="34" charset="0"/>
+              <a:buChar char="•"/>
+            </a:pPr>
+            <a:r>
+              <a:rPr lang="he-IL" sz="1600" dirty="0"/>
+              <a:t>אין סט צבעים אחיד (חג מוצג בצבע ירוק)</a:t>
+            </a:r>
+          </a:p>
+          <a:p>
+            <a:pPr algn="r" rtl="1">
+              <a:lnSpc>
+                <a:spcPct val="150000"/>
+              </a:lnSpc>
+            </a:pPr>
+            <a:r>
+              <a:rPr lang="he-IL" sz="1600" dirty="0"/>
+              <a:t>	</a:t>
+            </a:r>
+            <a:r>
+              <a:rPr lang="he-IL" sz="900" dirty="0"/>
+              <a:t>(עיקביות וסטנדרטים)</a:t>
+            </a:r>
+          </a:p>
+          <a:p>
+            <a:pPr marL="285750" indent="-285750" algn="r" rtl="1">
+              <a:lnSpc>
+                <a:spcPct val="150000"/>
+              </a:lnSpc>
+              <a:buFont typeface="Arial" panose="020B0604020202020204" pitchFamily="34" charset="0"/>
+              <a:buChar char="•"/>
+            </a:pPr>
+            <a:r>
+              <a:rPr lang="he-IL" sz="1600" dirty="0"/>
+              <a:t>הפעולות הראשיות של הוספת פגישה או הוספת אילוץ לא גדולות ומרכזיות מספיק במסך </a:t>
+            </a:r>
+          </a:p>
+          <a:p>
+            <a:pPr algn="r" rtl="1">
+              <a:lnSpc>
+                <a:spcPct val="150000"/>
+              </a:lnSpc>
+            </a:pPr>
+            <a:r>
+              <a:rPr lang="he-IL" sz="1600" dirty="0"/>
+              <a:t>	</a:t>
+            </a:r>
+            <a:r>
+              <a:rPr lang="he-IL" sz="900" dirty="0"/>
+              <a:t>(אסטטיקה ומינימליסטיות)</a:t>
+            </a:r>
+          </a:p>
+          <a:p>
+            <a:pPr marL="285750" indent="-285750" algn="r" rtl="1">
+              <a:lnSpc>
+                <a:spcPct val="150000"/>
+              </a:lnSpc>
+              <a:buFont typeface="Arial" panose="020B0604020202020204" pitchFamily="34" charset="0"/>
+              <a:buChar char="•"/>
+            </a:pPr>
+            <a:r>
+              <a:rPr lang="he-IL" sz="1600" dirty="0"/>
+              <a:t>החלון של היום הנוכחי מואפר מה שנותן תחושה שלא ניתן להוסיף פגישות או אילוצים לאותו יום</a:t>
+            </a:r>
+          </a:p>
+          <a:p>
+            <a:pPr algn="r" rtl="1">
+              <a:lnSpc>
+                <a:spcPct val="150000"/>
+              </a:lnSpc>
+            </a:pPr>
+            <a:r>
+              <a:rPr lang="he-IL" sz="1600" dirty="0"/>
+              <a:t>	</a:t>
+            </a:r>
+            <a:r>
+              <a:rPr lang="he-IL" sz="900" dirty="0"/>
+              <a:t>(עיקביות וסטנדרטים)</a:t>
+            </a:r>
+            <a:endParaRPr lang="en-US" sz="1400" dirty="0"/>
+          </a:p>
+        </p:txBody>
+      </p:sp>
+    </p:spTree>
+    <p:extLst>
+      <p:ext uri="{BB962C8B-B14F-4D97-AF65-F5344CB8AC3E}">
         <p14:creationId xmlns:p14="http://schemas.microsoft.com/office/powerpoint/2010/main" val="2247602383"/>
       </p:ext>
     </p:extLst>
@@ -18408,7 +24559,7 @@
 </p:sld>
 </file>
 
-<file path=ppt/slides/slide8.xml><?xml version="1.0" encoding="utf-8"?>
+<file path=ppt/slides/slide9.xml><?xml version="1.0" encoding="utf-8"?>
 <p:sld xmlns:a="http://schemas.openxmlformats.org/drawingml/2006/main" xmlns:r="http://schemas.openxmlformats.org/officeDocument/2006/relationships" xmlns:p="http://schemas.openxmlformats.org/presentationml/2006/main">
   <p:cSld>
     <p:spTree>
@@ -18614,211 +24765,6 @@
     <p:extLst>
       <p:ext uri="{BB962C8B-B14F-4D97-AF65-F5344CB8AC3E}">
         <p14:creationId xmlns:p14="http://schemas.microsoft.com/office/powerpoint/2010/main" val="1064481248"/>
-      </p:ext>
-    </p:extLst>
-  </p:cSld>
-  <p:clrMapOvr>
-    <a:masterClrMapping/>
-  </p:clrMapOvr>
-</p:sld>
-</file>
-
-<file path=ppt/slides/slide9.xml><?xml version="1.0" encoding="utf-8"?>
-<p:sld xmlns:a="http://schemas.openxmlformats.org/drawingml/2006/main" xmlns:r="http://schemas.openxmlformats.org/officeDocument/2006/relationships" xmlns:p="http://schemas.openxmlformats.org/presentationml/2006/main">
-  <p:cSld>
-    <p:spTree>
-      <p:nvGrpSpPr>
-        <p:cNvPr id="1" name=""/>
-        <p:cNvGrpSpPr/>
-        <p:nvPr/>
-      </p:nvGrpSpPr>
-      <p:grpSpPr>
-        <a:xfrm>
-          <a:off x="0" y="0"/>
-          <a:ext cx="0" cy="0"/>
-          <a:chOff x="0" y="0"/>
-          <a:chExt cx="0" cy="0"/>
-        </a:xfrm>
-      </p:grpSpPr>
-      <p:sp>
-        <p:nvSpPr>
-          <p:cNvPr id="7" name="כותרת 1">
-            <a:extLst>
-              <a:ext uri="{FF2B5EF4-FFF2-40B4-BE49-F238E27FC236}">
-                <a16:creationId xmlns:a16="http://schemas.microsoft.com/office/drawing/2014/main" id="{9B962287-43E8-4133-B301-D86D75522C45}"/>
-              </a:ext>
-            </a:extLst>
-          </p:cNvPr>
-          <p:cNvSpPr>
-            <a:spLocks noGrp="1"/>
-          </p:cNvSpPr>
-          <p:nvPr>
-            <p:ph type="title"/>
-          </p:nvPr>
-        </p:nvSpPr>
-        <p:spPr>
-          <a:xfrm>
-            <a:off x="1154954" y="973669"/>
-            <a:ext cx="8825659" cy="706964"/>
-          </a:xfrm>
-        </p:spPr>
-        <p:txBody>
-          <a:bodyPr/>
-          <a:lstStyle/>
-          <a:p>
-            <a:pPr algn="ctr"/>
-            <a:r>
-              <a:rPr lang="he-IL" sz="4800" dirty="0"/>
-              <a:t>מסך אזור אישי</a:t>
-            </a:r>
-            <a:endParaRPr lang="en-US" sz="4800" dirty="0"/>
-          </a:p>
-        </p:txBody>
-      </p:sp>
-      <p:pic>
-        <p:nvPicPr>
-          <p:cNvPr id="8" name="תמונה 7">
-            <a:extLst>
-              <a:ext uri="{FF2B5EF4-FFF2-40B4-BE49-F238E27FC236}">
-                <a16:creationId xmlns:a16="http://schemas.microsoft.com/office/drawing/2014/main" id="{37758A73-53D1-47FA-91F4-024F372F10C7}"/>
-              </a:ext>
-            </a:extLst>
-          </p:cNvPr>
-          <p:cNvPicPr>
-            <a:picLocks noChangeAspect="1"/>
-          </p:cNvPicPr>
-          <p:nvPr/>
-        </p:nvPicPr>
-        <p:blipFill>
-          <a:blip r:embed="rId2"/>
-          <a:stretch>
-            <a:fillRect/>
-          </a:stretch>
-        </p:blipFill>
-        <p:spPr>
-          <a:xfrm>
-            <a:off x="271040" y="3091993"/>
-            <a:ext cx="6281229" cy="3549190"/>
-          </a:xfrm>
-          <a:prstGeom prst="rect">
-            <a:avLst/>
-          </a:prstGeom>
-        </p:spPr>
-      </p:pic>
-      <p:sp>
-        <p:nvSpPr>
-          <p:cNvPr id="9" name="TextBox 26">
-            <a:extLst>
-              <a:ext uri="{FF2B5EF4-FFF2-40B4-BE49-F238E27FC236}">
-                <a16:creationId xmlns:a16="http://schemas.microsoft.com/office/drawing/2014/main" id="{8A7C8333-F565-4281-8F01-EA3E703B3E02}"/>
-              </a:ext>
-            </a:extLst>
-          </p:cNvPr>
-          <p:cNvSpPr txBox="1"/>
-          <p:nvPr/>
-        </p:nvSpPr>
-        <p:spPr>
-          <a:xfrm>
-            <a:off x="6552269" y="1948878"/>
-            <a:ext cx="5193437" cy="3739998"/>
-          </a:xfrm>
-          <a:prstGeom prst="rect">
-            <a:avLst/>
-          </a:prstGeom>
-          <a:noFill/>
-        </p:spPr>
-        <p:txBody>
-          <a:bodyPr wrap="square" rtlCol="0">
-            <a:spAutoFit/>
-          </a:bodyPr>
-          <a:lstStyle/>
-          <a:p>
-            <a:pPr lvl="1" algn="r" rtl="1">
-              <a:lnSpc>
-                <a:spcPct val="150000"/>
-              </a:lnSpc>
-            </a:pPr>
-            <a:endParaRPr lang="he-IL" sz="1600" dirty="0"/>
-          </a:p>
-          <a:p>
-            <a:pPr marL="285750" indent="-285750" algn="r" rtl="1">
-              <a:lnSpc>
-                <a:spcPct val="150000"/>
-              </a:lnSpc>
-              <a:buFont typeface="Arial" panose="020B0604020202020204" pitchFamily="34" charset="0"/>
-              <a:buChar char="•"/>
-            </a:pPr>
-            <a:r>
-              <a:rPr lang="he-IL" sz="1600" b="1" u="sng" dirty="0"/>
-              <a:t>משבצת "פגישות ממתינות לאישור":</a:t>
-            </a:r>
-          </a:p>
-          <a:p>
-            <a:pPr marL="742950" lvl="1" indent="-285750" algn="r" rtl="1">
-              <a:lnSpc>
-                <a:spcPct val="150000"/>
-              </a:lnSpc>
-              <a:buFont typeface="Arial" panose="020B0604020202020204" pitchFamily="34" charset="0"/>
-              <a:buChar char="•"/>
-            </a:pPr>
-            <a:r>
-              <a:rPr lang="he-IL" sz="1600" dirty="0"/>
-              <a:t>כפתורים – כפתור ביטול ואישור מצד ימין לטקסט לעומת כתפור צפייה שמצד שמאל – אין אחידות - </a:t>
-            </a:r>
-            <a:r>
-              <a:rPr lang="he-IL" sz="1600" b="1" dirty="0"/>
-              <a:t>עקיבות וסטנדרטים.</a:t>
-            </a:r>
-          </a:p>
-          <a:p>
-            <a:pPr marL="742950" lvl="1" indent="-285750" algn="r" rtl="1">
-              <a:lnSpc>
-                <a:spcPct val="150000"/>
-              </a:lnSpc>
-              <a:buFont typeface="Arial" panose="020B0604020202020204" pitchFamily="34" charset="0"/>
-              <a:buChar char="•"/>
-            </a:pPr>
-            <a:r>
-              <a:rPr lang="he-IL" sz="1600" dirty="0"/>
-              <a:t>אין אחידות בין הכפתורים וזה לא נראה טוב - </a:t>
-            </a:r>
-            <a:r>
-              <a:rPr lang="he-IL" sz="1600" b="1" dirty="0"/>
-              <a:t>עקיבות וסטנדרטים.</a:t>
-            </a:r>
-            <a:endParaRPr lang="he-IL" sz="1600" dirty="0"/>
-          </a:p>
-          <a:p>
-            <a:pPr marL="742950" lvl="1" indent="-285750" algn="r" rtl="1">
-              <a:lnSpc>
-                <a:spcPct val="150000"/>
-              </a:lnSpc>
-              <a:buFont typeface="Arial" panose="020B0604020202020204" pitchFamily="34" charset="0"/>
-              <a:buChar char="•"/>
-            </a:pPr>
-            <a:r>
-              <a:rPr lang="he-IL" sz="1600" dirty="0"/>
-              <a:t>מרווח בין השורות גדול מידי, מוביל לניצול לא יעיל של המסך - </a:t>
-            </a:r>
-            <a:r>
-              <a:rPr lang="he-IL" sz="1600" b="1" dirty="0"/>
-              <a:t>אסתטיקה ועיצוב מינימליסטי.</a:t>
-            </a:r>
-          </a:p>
-          <a:p>
-            <a:pPr lvl="1" algn="r" rtl="1">
-              <a:lnSpc>
-                <a:spcPct val="150000"/>
-              </a:lnSpc>
-            </a:pPr>
-            <a:endParaRPr lang="he-IL" sz="1600" dirty="0"/>
-          </a:p>
-        </p:txBody>
-      </p:sp>
-    </p:spTree>
-    <p:extLst>
-      <p:ext uri="{BB962C8B-B14F-4D97-AF65-F5344CB8AC3E}">
-        <p14:creationId xmlns:p14="http://schemas.microsoft.com/office/powerpoint/2010/main" val="1209778919"/>
       </p:ext>
     </p:extLst>
   </p:cSld>
@@ -19092,4 +25038,299 @@
     </a:ext>
   </a:extLst>
 </a:theme>
+</file>
+
+<file path=ppt/theme/theme2.xml><?xml version="1.0" encoding="utf-8"?>
+<a:theme xmlns:a="http://schemas.openxmlformats.org/drawingml/2006/main" name="Office Theme">
+  <a:themeElements>
+    <a:clrScheme name="Office">
+      <a:dk1>
+        <a:sysClr val="windowText" lastClr="000000"/>
+      </a:dk1>
+      <a:lt1>
+        <a:sysClr val="window" lastClr="FFFFFF"/>
+      </a:lt1>
+      <a:dk2>
+        <a:srgbClr val="44546A"/>
+      </a:dk2>
+      <a:lt2>
+        <a:srgbClr val="E7E6E6"/>
+      </a:lt2>
+      <a:accent1>
+        <a:srgbClr val="4472C4"/>
+      </a:accent1>
+      <a:accent2>
+        <a:srgbClr val="ED7D31"/>
+      </a:accent2>
+      <a:accent3>
+        <a:srgbClr val="A5A5A5"/>
+      </a:accent3>
+      <a:accent4>
+        <a:srgbClr val="FFC000"/>
+      </a:accent4>
+      <a:accent5>
+        <a:srgbClr val="5B9BD5"/>
+      </a:accent5>
+      <a:accent6>
+        <a:srgbClr val="70AD47"/>
+      </a:accent6>
+      <a:hlink>
+        <a:srgbClr val="0563C1"/>
+      </a:hlink>
+      <a:folHlink>
+        <a:srgbClr val="954F72"/>
+      </a:folHlink>
+    </a:clrScheme>
+    <a:fontScheme name="Office">
+      <a:majorFont>
+        <a:latin typeface="Calibri Light" panose="020F0302020204030204"/>
+        <a:ea typeface=""/>
+        <a:cs typeface=""/>
+        <a:font script="Jpan" typeface="游ゴシック Light"/>
+        <a:font script="Hang" typeface="맑은 고딕"/>
+        <a:font script="Hans" typeface="等线 Light"/>
+        <a:font script="Hant" typeface="新細明體"/>
+        <a:font script="Arab" typeface="Times New Roman"/>
+        <a:font script="Hebr" typeface="Times New Roman"/>
+        <a:font script="Thai" typeface="Angsana New"/>
+        <a:font script="Ethi" typeface="Nyala"/>
+        <a:font script="Beng" typeface="Vrinda"/>
+        <a:font script="Gujr" typeface="Shruti"/>
+        <a:font script="Khmr" typeface="MoolBoran"/>
+        <a:font script="Knda" typeface="Tunga"/>
+        <a:font script="Guru" typeface="Raavi"/>
+        <a:font script="Cans" typeface="Euphemia"/>
+        <a:font script="Cher" typeface="Plantagenet Cherokee"/>
+        <a:font script="Yiii" typeface="Microsoft Yi Baiti"/>
+        <a:font script="Tibt" typeface="Microsoft Himalaya"/>
+        <a:font script="Thaa" typeface="MV Boli"/>
+        <a:font script="Deva" typeface="Mangal"/>
+        <a:font script="Telu" typeface="Gautami"/>
+        <a:font script="Taml" typeface="Latha"/>
+        <a:font script="Syrc" typeface="Estrangelo Edessa"/>
+        <a:font script="Orya" typeface="Kalinga"/>
+        <a:font script="Mlym" typeface="Kartika"/>
+        <a:font script="Laoo" typeface="DokChampa"/>
+        <a:font script="Sinh" typeface="Iskoola Pota"/>
+        <a:font script="Mong" typeface="Mongolian Baiti"/>
+        <a:font script="Viet" typeface="Times New Roman"/>
+        <a:font script="Uigh" typeface="Microsoft Uighur"/>
+        <a:font script="Geor" typeface="Sylfaen"/>
+        <a:font script="Armn" typeface="Arial"/>
+        <a:font script="Bugi" typeface="Leelawadee UI"/>
+        <a:font script="Bopo" typeface="Microsoft JhengHei"/>
+        <a:font script="Java" typeface="Javanese Text"/>
+        <a:font script="Lisu" typeface="Segoe UI"/>
+        <a:font script="Mymr" typeface="Myanmar Text"/>
+        <a:font script="Nkoo" typeface="Ebrima"/>
+        <a:font script="Olck" typeface="Nirmala UI"/>
+        <a:font script="Osma" typeface="Ebrima"/>
+        <a:font script="Phag" typeface="Phagspa"/>
+        <a:font script="Syrn" typeface="Estrangelo Edessa"/>
+        <a:font script="Syrj" typeface="Estrangelo Edessa"/>
+        <a:font script="Syre" typeface="Estrangelo Edessa"/>
+        <a:font script="Sora" typeface="Nirmala UI"/>
+        <a:font script="Tale" typeface="Microsoft Tai Le"/>
+        <a:font script="Talu" typeface="Microsoft New Tai Lue"/>
+        <a:font script="Tfng" typeface="Ebrima"/>
+      </a:majorFont>
+      <a:minorFont>
+        <a:latin typeface="Calibri" panose="020F0502020204030204"/>
+        <a:ea typeface=""/>
+        <a:cs typeface=""/>
+        <a:font script="Jpan" typeface="游ゴシック"/>
+        <a:font script="Hang" typeface="맑은 고딕"/>
+        <a:font script="Hans" typeface="等线"/>
+        <a:font script="Hant" typeface="新細明體"/>
+        <a:font script="Arab" typeface="Arial"/>
+        <a:font script="Hebr" typeface="Arial"/>
+        <a:font script="Thai" typeface="Cordia New"/>
+        <a:font script="Ethi" typeface="Nyala"/>
+        <a:font script="Beng" typeface="Vrinda"/>
+        <a:font script="Gujr" typeface="Shruti"/>
+        <a:font script="Khmr" typeface="DaunPenh"/>
+        <a:font script="Knda" typeface="Tunga"/>
+        <a:font script="Guru" typeface="Raavi"/>
+        <a:font script="Cans" typeface="Euphemia"/>
+        <a:font script="Cher" typeface="Plantagenet Cherokee"/>
+        <a:font script="Yiii" typeface="Microsoft Yi Baiti"/>
+        <a:font script="Tibt" typeface="Microsoft Himalaya"/>
+        <a:font script="Thaa" typeface="MV Boli"/>
+        <a:font script="Deva" typeface="Mangal"/>
+        <a:font script="Telu" typeface="Gautami"/>
+        <a:font script="Taml" typeface="Latha"/>
+        <a:font script="Syrc" typeface="Estrangelo Edessa"/>
+        <a:font script="Orya" typeface="Kalinga"/>
+        <a:font script="Mlym" typeface="Kartika"/>
+        <a:font script="Laoo" typeface="DokChampa"/>
+        <a:font script="Sinh" typeface="Iskoola Pota"/>
+        <a:font script="Mong" typeface="Mongolian Baiti"/>
+        <a:font script="Viet" typeface="Arial"/>
+        <a:font script="Uigh" typeface="Microsoft Uighur"/>
+        <a:font script="Geor" typeface="Sylfaen"/>
+        <a:font script="Armn" typeface="Arial"/>
+        <a:font script="Bugi" typeface="Leelawadee UI"/>
+        <a:font script="Bopo" typeface="Microsoft JhengHei"/>
+        <a:font script="Java" typeface="Javanese Text"/>
+        <a:font script="Lisu" typeface="Segoe UI"/>
+        <a:font script="Mymr" typeface="Myanmar Text"/>
+        <a:font script="Nkoo" typeface="Ebrima"/>
+        <a:font script="Olck" typeface="Nirmala UI"/>
+        <a:font script="Osma" typeface="Ebrima"/>
+        <a:font script="Phag" typeface="Phagspa"/>
+        <a:font script="Syrn" typeface="Estrangelo Edessa"/>
+        <a:font script="Syrj" typeface="Estrangelo Edessa"/>
+        <a:font script="Syre" typeface="Estrangelo Edessa"/>
+        <a:font script="Sora" typeface="Nirmala UI"/>
+        <a:font script="Tale" typeface="Microsoft Tai Le"/>
+        <a:font script="Talu" typeface="Microsoft New Tai Lue"/>
+        <a:font script="Tfng" typeface="Ebrima"/>
+      </a:minorFont>
+    </a:fontScheme>
+    <a:fmtScheme name="Office">
+      <a:fillStyleLst>
+        <a:solidFill>
+          <a:schemeClr val="phClr"/>
+        </a:solidFill>
+        <a:gradFill rotWithShape="1">
+          <a:gsLst>
+            <a:gs pos="0">
+              <a:schemeClr val="phClr">
+                <a:lumMod val="110000"/>
+                <a:satMod val="105000"/>
+                <a:tint val="67000"/>
+              </a:schemeClr>
+            </a:gs>
+            <a:gs pos="50000">
+              <a:schemeClr val="phClr">
+                <a:lumMod val="105000"/>
+                <a:satMod val="103000"/>
+                <a:tint val="73000"/>
+              </a:schemeClr>
+            </a:gs>
+            <a:gs pos="100000">
+              <a:schemeClr val="phClr">
+                <a:lumMod val="105000"/>
+                <a:satMod val="109000"/>
+                <a:tint val="81000"/>
+              </a:schemeClr>
+            </a:gs>
+          </a:gsLst>
+          <a:lin ang="5400000" scaled="0"/>
+        </a:gradFill>
+        <a:gradFill rotWithShape="1">
+          <a:gsLst>
+            <a:gs pos="0">
+              <a:schemeClr val="phClr">
+                <a:satMod val="103000"/>
+                <a:lumMod val="102000"/>
+                <a:tint val="94000"/>
+              </a:schemeClr>
+            </a:gs>
+            <a:gs pos="50000">
+              <a:schemeClr val="phClr">
+                <a:satMod val="110000"/>
+                <a:lumMod val="100000"/>
+                <a:shade val="100000"/>
+              </a:schemeClr>
+            </a:gs>
+            <a:gs pos="100000">
+              <a:schemeClr val="phClr">
+                <a:lumMod val="99000"/>
+                <a:satMod val="120000"/>
+                <a:shade val="78000"/>
+              </a:schemeClr>
+            </a:gs>
+          </a:gsLst>
+          <a:lin ang="5400000" scaled="0"/>
+        </a:gradFill>
+      </a:fillStyleLst>
+      <a:lnStyleLst>
+        <a:ln w="6350" cap="flat" cmpd="sng" algn="ctr">
+          <a:solidFill>
+            <a:schemeClr val="phClr"/>
+          </a:solidFill>
+          <a:prstDash val="solid"/>
+          <a:miter lim="800000"/>
+        </a:ln>
+        <a:ln w="12700" cap="flat" cmpd="sng" algn="ctr">
+          <a:solidFill>
+            <a:schemeClr val="phClr"/>
+          </a:solidFill>
+          <a:prstDash val="solid"/>
+          <a:miter lim="800000"/>
+        </a:ln>
+        <a:ln w="19050" cap="flat" cmpd="sng" algn="ctr">
+          <a:solidFill>
+            <a:schemeClr val="phClr"/>
+          </a:solidFill>
+          <a:prstDash val="solid"/>
+          <a:miter lim="800000"/>
+        </a:ln>
+      </a:lnStyleLst>
+      <a:effectStyleLst>
+        <a:effectStyle>
+          <a:effectLst/>
+        </a:effectStyle>
+        <a:effectStyle>
+          <a:effectLst/>
+        </a:effectStyle>
+        <a:effectStyle>
+          <a:effectLst>
+            <a:outerShdw blurRad="57150" dist="19050" dir="5400000" algn="ctr" rotWithShape="0">
+              <a:srgbClr val="000000">
+                <a:alpha val="63000"/>
+              </a:srgbClr>
+            </a:outerShdw>
+          </a:effectLst>
+        </a:effectStyle>
+      </a:effectStyleLst>
+      <a:bgFillStyleLst>
+        <a:solidFill>
+          <a:schemeClr val="phClr"/>
+        </a:solidFill>
+        <a:solidFill>
+          <a:schemeClr val="phClr">
+            <a:tint val="95000"/>
+            <a:satMod val="170000"/>
+          </a:schemeClr>
+        </a:solidFill>
+        <a:gradFill rotWithShape="1">
+          <a:gsLst>
+            <a:gs pos="0">
+              <a:schemeClr val="phClr">
+                <a:tint val="93000"/>
+                <a:satMod val="150000"/>
+                <a:shade val="98000"/>
+                <a:lumMod val="102000"/>
+              </a:schemeClr>
+            </a:gs>
+            <a:gs pos="50000">
+              <a:schemeClr val="phClr">
+                <a:tint val="98000"/>
+                <a:satMod val="130000"/>
+                <a:shade val="90000"/>
+                <a:lumMod val="103000"/>
+              </a:schemeClr>
+            </a:gs>
+            <a:gs pos="100000">
+              <a:schemeClr val="phClr">
+                <a:shade val="63000"/>
+                <a:satMod val="120000"/>
+              </a:schemeClr>
+            </a:gs>
+          </a:gsLst>
+          <a:lin ang="5400000" scaled="0"/>
+        </a:gradFill>
+      </a:bgFillStyleLst>
+    </a:fmtScheme>
+  </a:themeElements>
+  <a:objectDefaults/>
+  <a:extraClrSchemeLst/>
+  <a:extLst>
+    <a:ext uri="{05A4C25C-085E-4340-85A3-A5531E510DB2}">
+      <thm15:themeFamily xmlns:thm15="http://schemas.microsoft.com/office/thememl/2012/main" name="Office Theme" id="{62F939B6-93AF-4DB8-9C6B-D6C7DFDC589F}" vid="{4A3C46E8-61CC-4603-A589-7422A47A8E4A}"/>
+    </a:ext>
+  </a:extLst>
+</a:theme>
 </file>
--- a/ux_course/מצגת סופית להגשה.pptx
+++ b/ux_course/מצגת סופית להגשה.pptx
@@ -5,7 +5,7 @@
     <p:sldMasterId id="2147483828" r:id="rId1"/>
   </p:sldMasterIdLst>
   <p:notesMasterIdLst>
-    <p:notesMasterId r:id="rId49"/>
+    <p:notesMasterId r:id="rId51"/>
   </p:notesMasterIdLst>
   <p:sldIdLst>
     <p:sldId id="262" r:id="rId2"/>
@@ -19,42 +19,44 @@
     <p:sldId id="259" r:id="rId10"/>
     <p:sldId id="263" r:id="rId11"/>
     <p:sldId id="281" r:id="rId12"/>
-    <p:sldId id="268" r:id="rId13"/>
-    <p:sldId id="293" r:id="rId14"/>
-    <p:sldId id="292" r:id="rId15"/>
-    <p:sldId id="291" r:id="rId16"/>
-    <p:sldId id="290" r:id="rId17"/>
-    <p:sldId id="269" r:id="rId18"/>
-    <p:sldId id="270" r:id="rId19"/>
-    <p:sldId id="271" r:id="rId20"/>
-    <p:sldId id="272" r:id="rId21"/>
-    <p:sldId id="273" r:id="rId22"/>
-    <p:sldId id="274" r:id="rId23"/>
-    <p:sldId id="275" r:id="rId24"/>
-    <p:sldId id="276" r:id="rId25"/>
-    <p:sldId id="277" r:id="rId26"/>
-    <p:sldId id="278" r:id="rId27"/>
-    <p:sldId id="279" r:id="rId28"/>
-    <p:sldId id="280" r:id="rId29"/>
-    <p:sldId id="282" r:id="rId30"/>
-    <p:sldId id="283" r:id="rId31"/>
-    <p:sldId id="284" r:id="rId32"/>
-    <p:sldId id="285" r:id="rId33"/>
-    <p:sldId id="286" r:id="rId34"/>
-    <p:sldId id="287" r:id="rId35"/>
-    <p:sldId id="288" r:id="rId36"/>
-    <p:sldId id="289" r:id="rId37"/>
-    <p:sldId id="297" r:id="rId38"/>
-    <p:sldId id="299" r:id="rId39"/>
-    <p:sldId id="300" r:id="rId40"/>
-    <p:sldId id="301" r:id="rId41"/>
-    <p:sldId id="302" r:id="rId42"/>
-    <p:sldId id="303" r:id="rId43"/>
-    <p:sldId id="305" r:id="rId44"/>
-    <p:sldId id="304" r:id="rId45"/>
-    <p:sldId id="306" r:id="rId46"/>
-    <p:sldId id="296" r:id="rId47"/>
-    <p:sldId id="295" r:id="rId48"/>
+    <p:sldId id="307" r:id="rId13"/>
+    <p:sldId id="308" r:id="rId14"/>
+    <p:sldId id="268" r:id="rId15"/>
+    <p:sldId id="293" r:id="rId16"/>
+    <p:sldId id="292" r:id="rId17"/>
+    <p:sldId id="291" r:id="rId18"/>
+    <p:sldId id="290" r:id="rId19"/>
+    <p:sldId id="269" r:id="rId20"/>
+    <p:sldId id="270" r:id="rId21"/>
+    <p:sldId id="271" r:id="rId22"/>
+    <p:sldId id="272" r:id="rId23"/>
+    <p:sldId id="273" r:id="rId24"/>
+    <p:sldId id="274" r:id="rId25"/>
+    <p:sldId id="275" r:id="rId26"/>
+    <p:sldId id="276" r:id="rId27"/>
+    <p:sldId id="277" r:id="rId28"/>
+    <p:sldId id="278" r:id="rId29"/>
+    <p:sldId id="279" r:id="rId30"/>
+    <p:sldId id="280" r:id="rId31"/>
+    <p:sldId id="282" r:id="rId32"/>
+    <p:sldId id="283" r:id="rId33"/>
+    <p:sldId id="284" r:id="rId34"/>
+    <p:sldId id="285" r:id="rId35"/>
+    <p:sldId id="286" r:id="rId36"/>
+    <p:sldId id="287" r:id="rId37"/>
+    <p:sldId id="288" r:id="rId38"/>
+    <p:sldId id="289" r:id="rId39"/>
+    <p:sldId id="297" r:id="rId40"/>
+    <p:sldId id="299" r:id="rId41"/>
+    <p:sldId id="300" r:id="rId42"/>
+    <p:sldId id="301" r:id="rId43"/>
+    <p:sldId id="302" r:id="rId44"/>
+    <p:sldId id="303" r:id="rId45"/>
+    <p:sldId id="305" r:id="rId46"/>
+    <p:sldId id="304" r:id="rId47"/>
+    <p:sldId id="306" r:id="rId48"/>
+    <p:sldId id="296" r:id="rId49"/>
+    <p:sldId id="295" r:id="rId50"/>
   </p:sldIdLst>
   <p:sldSz cx="12192000" cy="6858000"/>
   <p:notesSz cx="6858000" cy="9144000"/>
@@ -575,7 +577,7 @@
           <a:p>
             <a:fld id="{6E084796-162D-476E-82D2-4B26235D4C2C}" type="slidenum">
               <a:rPr lang="en-US" smtClean="0"/>
-              <a:t>42</a:t>
+              <a:t>44</a:t>
             </a:fld>
             <a:endParaRPr lang="en-US"/>
           </a:p>
@@ -13518,6 +13520,659 @@
             <a:pPr algn="ctr"/>
             <a:r>
               <a:rPr lang="he-IL" dirty="0"/>
+              <a:t>פרסונות</a:t>
+            </a:r>
+            <a:endParaRPr lang="en-US" dirty="0"/>
+          </a:p>
+        </p:txBody>
+      </p:sp>
+    </p:spTree>
+    <p:extLst>
+      <p:ext uri="{BB962C8B-B14F-4D97-AF65-F5344CB8AC3E}">
+        <p14:creationId xmlns:p14="http://schemas.microsoft.com/office/powerpoint/2010/main" val="4201251315"/>
+      </p:ext>
+    </p:extLst>
+  </p:cSld>
+  <p:clrMapOvr>
+    <a:masterClrMapping/>
+  </p:clrMapOvr>
+</p:sld>
+</file>
+
+<file path=ppt/slides/slide13.xml><?xml version="1.0" encoding="utf-8"?>
+<p:sld xmlns:a="http://schemas.openxmlformats.org/drawingml/2006/main" xmlns:r="http://schemas.openxmlformats.org/officeDocument/2006/relationships" xmlns:p="http://schemas.openxmlformats.org/presentationml/2006/main">
+  <p:cSld>
+    <p:spTree>
+      <p:nvGrpSpPr>
+        <p:cNvPr id="1" name=""/>
+        <p:cNvGrpSpPr/>
+        <p:nvPr/>
+      </p:nvGrpSpPr>
+      <p:grpSpPr>
+        <a:xfrm>
+          <a:off x="0" y="0"/>
+          <a:ext cx="0" cy="0"/>
+          <a:chOff x="0" y="0"/>
+          <a:chExt cx="0" cy="0"/>
+        </a:xfrm>
+      </p:grpSpPr>
+      <p:sp>
+        <p:nvSpPr>
+          <p:cNvPr id="7" name="TextBox 6">
+            <a:extLst>
+              <a:ext uri="{FF2B5EF4-FFF2-40B4-BE49-F238E27FC236}">
+                <a16:creationId xmlns:a16="http://schemas.microsoft.com/office/drawing/2014/main" id="{62BB41F1-2457-4A5E-A117-AF4B5054B3E6}"/>
+              </a:ext>
+            </a:extLst>
+          </p:cNvPr>
+          <p:cNvSpPr txBox="1"/>
+          <p:nvPr/>
+        </p:nvSpPr>
+        <p:spPr>
+          <a:xfrm>
+            <a:off x="6096000" y="763480"/>
+            <a:ext cx="2441359" cy="923330"/>
+          </a:xfrm>
+          <a:prstGeom prst="rect">
+            <a:avLst/>
+          </a:prstGeom>
+          <a:noFill/>
+        </p:spPr>
+        <p:txBody>
+          <a:bodyPr wrap="square" rtlCol="0">
+            <a:spAutoFit/>
+          </a:bodyPr>
+          <a:lstStyle/>
+          <a:p>
+            <a:pPr algn="ctr"/>
+            <a:r>
+              <a:rPr lang="he-IL" sz="5400" dirty="0">
+                <a:solidFill>
+                  <a:schemeClr val="bg1"/>
+                </a:solidFill>
+              </a:rPr>
+              <a:t>דור כהן</a:t>
+            </a:r>
+            <a:endParaRPr lang="en-US" sz="2800" dirty="0">
+              <a:solidFill>
+                <a:schemeClr val="bg1"/>
+              </a:solidFill>
+            </a:endParaRPr>
+          </a:p>
+        </p:txBody>
+      </p:sp>
+      <p:pic>
+        <p:nvPicPr>
+          <p:cNvPr id="1026" name="Picture 2" descr="Image result for â«×× ×× ××¡×¤××â¬â">
+            <a:extLst>
+              <a:ext uri="{FF2B5EF4-FFF2-40B4-BE49-F238E27FC236}">
+                <a16:creationId xmlns:a16="http://schemas.microsoft.com/office/drawing/2014/main" id="{D4396B78-E603-40B2-B00F-6CCEA4539C2D}"/>
+              </a:ext>
+            </a:extLst>
+          </p:cNvPr>
+          <p:cNvPicPr>
+            <a:picLocks noChangeAspect="1" noChangeArrowheads="1"/>
+          </p:cNvPicPr>
+          <p:nvPr/>
+        </p:nvPicPr>
+        <p:blipFill>
+          <a:blip r:embed="rId2">
+            <a:extLst>
+              <a:ext uri="{28A0092B-C50C-407E-A947-70E740481C1C}">
+                <a14:useLocalDpi xmlns:a14="http://schemas.microsoft.com/office/drawing/2010/main" val="0"/>
+              </a:ext>
+            </a:extLst>
+          </a:blip>
+          <a:srcRect/>
+          <a:stretch>
+            <a:fillRect/>
+          </a:stretch>
+        </p:blipFill>
+        <p:spPr bwMode="auto">
+          <a:xfrm>
+            <a:off x="4167326" y="550416"/>
+            <a:ext cx="1544715" cy="1544715"/>
+          </a:xfrm>
+          <a:prstGeom prst="ellipse">
+            <a:avLst/>
+          </a:prstGeom>
+          <a:ln w="63500" cap="rnd">
+            <a:solidFill>
+              <a:srgbClr val="333333"/>
+            </a:solidFill>
+          </a:ln>
+          <a:effectLst>
+            <a:outerShdw blurRad="381000" dist="292100" dir="5400000" sx="-80000" sy="-18000" rotWithShape="0">
+              <a:srgbClr val="000000">
+                <a:alpha val="22000"/>
+              </a:srgbClr>
+            </a:outerShdw>
+          </a:effectLst>
+          <a:scene3d>
+            <a:camera prst="orthographicFront"/>
+            <a:lightRig rig="contrasting" dir="t">
+              <a:rot lat="0" lon="0" rev="3000000"/>
+            </a:lightRig>
+          </a:scene3d>
+          <a:sp3d contourW="7620">
+            <a:bevelT w="95250" h="31750"/>
+            <a:contourClr>
+              <a:srgbClr val="333333"/>
+            </a:contourClr>
+          </a:sp3d>
+          <a:extLst>
+            <a:ext uri="{909E8E84-426E-40DD-AFC4-6F175D3DCCD1}">
+              <a14:hiddenFill xmlns:a14="http://schemas.microsoft.com/office/drawing/2010/main">
+                <a:solidFill>
+                  <a:srgbClr val="FFFFFF"/>
+                </a:solidFill>
+              </a14:hiddenFill>
+            </a:ext>
+          </a:extLst>
+        </p:spPr>
+      </p:pic>
+      <p:sp>
+        <p:nvSpPr>
+          <p:cNvPr id="9" name="Rectangle 8">
+            <a:extLst>
+              <a:ext uri="{FF2B5EF4-FFF2-40B4-BE49-F238E27FC236}">
+                <a16:creationId xmlns:a16="http://schemas.microsoft.com/office/drawing/2014/main" id="{BAD55C81-6949-4AD7-BBE5-3BF83C90A131}"/>
+              </a:ext>
+            </a:extLst>
+          </p:cNvPr>
+          <p:cNvSpPr/>
+          <p:nvPr/>
+        </p:nvSpPr>
+        <p:spPr>
+          <a:xfrm>
+            <a:off x="8060924" y="2556769"/>
+            <a:ext cx="3311371" cy="4030462"/>
+          </a:xfrm>
+          <a:prstGeom prst="rect">
+            <a:avLst/>
+          </a:prstGeom>
+          <a:solidFill>
+            <a:schemeClr val="tx2">
+              <a:lumMod val="20000"/>
+              <a:lumOff val="80000"/>
+            </a:schemeClr>
+          </a:solidFill>
+          <a:ln/>
+        </p:spPr>
+        <p:style>
+          <a:lnRef idx="1">
+            <a:schemeClr val="accent5"/>
+          </a:lnRef>
+          <a:fillRef idx="2">
+            <a:schemeClr val="accent5"/>
+          </a:fillRef>
+          <a:effectRef idx="1">
+            <a:schemeClr val="accent5"/>
+          </a:effectRef>
+          <a:fontRef idx="minor">
+            <a:schemeClr val="dk1"/>
+          </a:fontRef>
+        </p:style>
+        <p:txBody>
+          <a:bodyPr rtlCol="0" anchor="ctr"/>
+          <a:lstStyle/>
+          <a:p>
+            <a:pPr algn="r" rtl="1"/>
+            <a:endParaRPr lang="he-IL" sz="1000" dirty="0"/>
+          </a:p>
+          <a:p>
+            <a:pPr algn="r" rtl="1"/>
+            <a:endParaRPr lang="he-IL" sz="1000" dirty="0"/>
+          </a:p>
+          <a:p>
+            <a:pPr algn="r" rtl="1"/>
+            <a:endParaRPr lang="he-IL" sz="1000" dirty="0"/>
+          </a:p>
+          <a:p>
+            <a:pPr algn="r" rtl="1"/>
+            <a:endParaRPr lang="he-IL" sz="1000" dirty="0"/>
+          </a:p>
+          <a:p>
+            <a:pPr algn="r" rtl="1"/>
+            <a:r>
+              <a:rPr lang="he-IL" sz="1000" dirty="0"/>
+              <a:t>גיל - 54</a:t>
+            </a:r>
+          </a:p>
+          <a:p>
+            <a:pPr algn="r" rtl="1"/>
+            <a:endParaRPr lang="en-US" sz="1000" dirty="0"/>
+          </a:p>
+          <a:p>
+            <a:pPr algn="r" rtl="1"/>
+            <a:r>
+              <a:rPr lang="he-IL" sz="1000" dirty="0"/>
+              <a:t>מגדר - זכר</a:t>
+            </a:r>
+          </a:p>
+          <a:p>
+            <a:pPr algn="r" rtl="1"/>
+            <a:endParaRPr lang="en-US" sz="1000" dirty="0"/>
+          </a:p>
+          <a:p>
+            <a:pPr algn="r" rtl="1"/>
+            <a:r>
+              <a:rPr lang="he-IL" sz="1000" dirty="0"/>
+              <a:t>שפה – עברית שפת אם, אנגלית שוטפת, מעט ערבית</a:t>
+            </a:r>
+          </a:p>
+          <a:p>
+            <a:pPr algn="r" rtl="1"/>
+            <a:endParaRPr lang="en-US" sz="1000" dirty="0"/>
+          </a:p>
+          <a:p>
+            <a:pPr algn="r" rtl="1"/>
+            <a:r>
+              <a:rPr lang="he-IL" sz="1000" dirty="0"/>
+              <a:t>מצב משפחתי – נשוי +</a:t>
+            </a:r>
+            <a:r>
+              <a:rPr lang="en-US" sz="1000" dirty="0"/>
+              <a:t> </a:t>
+            </a:r>
+            <a:r>
+              <a:rPr lang="he-IL" sz="1000" dirty="0"/>
+              <a:t>2 ילדים</a:t>
+            </a:r>
+          </a:p>
+          <a:p>
+            <a:pPr algn="r" rtl="1"/>
+            <a:endParaRPr lang="en-US" sz="1000" dirty="0"/>
+          </a:p>
+          <a:p>
+            <a:pPr algn="r" rtl="1"/>
+            <a:r>
+              <a:rPr lang="he-IL" sz="1000" dirty="0"/>
+              <a:t>תפקיד – מנהל כספים בחברת אינטל</a:t>
+            </a:r>
+          </a:p>
+          <a:p>
+            <a:pPr algn="r" rtl="1"/>
+            <a:endParaRPr lang="en-US" sz="1000" dirty="0"/>
+          </a:p>
+          <a:p>
+            <a:pPr algn="r" rtl="1"/>
+            <a:r>
+              <a:rPr lang="he-IL" sz="1000" dirty="0"/>
+              <a:t>רמת השכלה – תואר ראשון בראיית חשבון</a:t>
+            </a:r>
+          </a:p>
+          <a:p>
+            <a:pPr algn="r" rtl="1"/>
+            <a:endParaRPr lang="en-US" sz="1000" dirty="0"/>
+          </a:p>
+          <a:p>
+            <a:pPr algn="r" rtl="1"/>
+            <a:r>
+              <a:rPr lang="he-IL" sz="1000" dirty="0"/>
+              <a:t>רמת יכולת טכנולוגית – רמה ממוצעת מחזיק טלפון חכם מצוין בעבודה עם אקסל, עובד הרבה עם </a:t>
+            </a:r>
+            <a:r>
+              <a:rPr lang="en-US" sz="1000" dirty="0" err="1"/>
+              <a:t>outllook</a:t>
+            </a:r>
+            <a:r>
+              <a:rPr lang="he-IL" sz="1000" dirty="0"/>
+              <a:t> לא מאוד פתוח ללמוד טכנולוגיות ותוכנות חדשות.</a:t>
+            </a:r>
+          </a:p>
+          <a:p>
+            <a:pPr algn="r" rtl="1"/>
+            <a:endParaRPr lang="en-US" sz="1000" dirty="0"/>
+          </a:p>
+          <a:p>
+            <a:pPr algn="r" rtl="1"/>
+            <a:r>
+              <a:rPr lang="he-IL" sz="1000" dirty="0"/>
+              <a:t>רמה מקצועית בתחום המוצר – מכיר מוצרים דומים למוצר עובד המון עם אקסל מנהל את הפגישות שלו שם.</a:t>
+            </a:r>
+          </a:p>
+          <a:p>
+            <a:pPr algn="r" rtl="1"/>
+            <a:endParaRPr lang="he-IL" sz="1000" dirty="0"/>
+          </a:p>
+          <a:p>
+            <a:pPr algn="r" rtl="1"/>
+            <a:r>
+              <a:rPr lang="he-IL" sz="1000" dirty="0"/>
+              <a:t>תחביבים – קיאקים, סרטי דוקו בערוץ ההיסטוריה, לבשל. </a:t>
+            </a:r>
+            <a:endParaRPr lang="en-US" sz="1000" dirty="0"/>
+          </a:p>
+          <a:p>
+            <a:pPr algn="r" rtl="1"/>
+            <a:endParaRPr lang="he-IL" sz="1000" dirty="0"/>
+          </a:p>
+          <a:p>
+            <a:pPr algn="r" rtl="1"/>
+            <a:endParaRPr lang="en-US" sz="1000" dirty="0"/>
+          </a:p>
+        </p:txBody>
+      </p:sp>
+      <p:sp>
+        <p:nvSpPr>
+          <p:cNvPr id="10" name="Rectangle 9">
+            <a:extLst>
+              <a:ext uri="{FF2B5EF4-FFF2-40B4-BE49-F238E27FC236}">
+                <a16:creationId xmlns:a16="http://schemas.microsoft.com/office/drawing/2014/main" id="{C34DED98-5609-4009-8991-24D3EDC7E114}"/>
+              </a:ext>
+            </a:extLst>
+          </p:cNvPr>
+          <p:cNvSpPr/>
+          <p:nvPr/>
+        </p:nvSpPr>
+        <p:spPr>
+          <a:xfrm>
+            <a:off x="8243285" y="2689934"/>
+            <a:ext cx="2964772" cy="337352"/>
+          </a:xfrm>
+          <a:prstGeom prst="rect">
+            <a:avLst/>
+          </a:prstGeom>
+          <a:ln>
+            <a:noFill/>
+          </a:ln>
+        </p:spPr>
+        <p:style>
+          <a:lnRef idx="2">
+            <a:schemeClr val="accent5">
+              <a:shade val="50000"/>
+            </a:schemeClr>
+          </a:lnRef>
+          <a:fillRef idx="1">
+            <a:schemeClr val="accent5"/>
+          </a:fillRef>
+          <a:effectRef idx="0">
+            <a:schemeClr val="accent5"/>
+          </a:effectRef>
+          <a:fontRef idx="minor">
+            <a:schemeClr val="lt1"/>
+          </a:fontRef>
+        </p:style>
+        <p:txBody>
+          <a:bodyPr rtlCol="0" anchor="ctr"/>
+          <a:lstStyle/>
+          <a:p>
+            <a:pPr algn="ctr"/>
+            <a:r>
+              <a:rPr lang="he-IL" sz="1600" dirty="0">
+                <a:solidFill>
+                  <a:schemeClr val="tx1"/>
+                </a:solidFill>
+              </a:rPr>
+              <a:t>מאפיינים בסיסים</a:t>
+            </a:r>
+            <a:endParaRPr lang="he-IL" sz="1600" dirty="0">
+              <a:ln w="0"/>
+              <a:solidFill>
+                <a:schemeClr val="tx1"/>
+              </a:solidFill>
+            </a:endParaRPr>
+          </a:p>
+        </p:txBody>
+      </p:sp>
+      <p:sp>
+        <p:nvSpPr>
+          <p:cNvPr id="20" name="Rectangle 19">
+            <a:extLst>
+              <a:ext uri="{FF2B5EF4-FFF2-40B4-BE49-F238E27FC236}">
+                <a16:creationId xmlns:a16="http://schemas.microsoft.com/office/drawing/2014/main" id="{786DF970-0100-4178-8E92-D166A4F05B18}"/>
+              </a:ext>
+            </a:extLst>
+          </p:cNvPr>
+          <p:cNvSpPr/>
+          <p:nvPr/>
+        </p:nvSpPr>
+        <p:spPr>
+          <a:xfrm>
+            <a:off x="3815918" y="2556769"/>
+            <a:ext cx="3311371" cy="4030462"/>
+          </a:xfrm>
+          <a:prstGeom prst="rect">
+            <a:avLst/>
+          </a:prstGeom>
+          <a:solidFill>
+            <a:schemeClr val="tx2">
+              <a:lumMod val="20000"/>
+              <a:lumOff val="80000"/>
+            </a:schemeClr>
+          </a:solidFill>
+          <a:ln/>
+        </p:spPr>
+        <p:style>
+          <a:lnRef idx="1">
+            <a:schemeClr val="accent5"/>
+          </a:lnRef>
+          <a:fillRef idx="2">
+            <a:schemeClr val="accent5"/>
+          </a:fillRef>
+          <a:effectRef idx="1">
+            <a:schemeClr val="accent5"/>
+          </a:effectRef>
+          <a:fontRef idx="minor">
+            <a:schemeClr val="dk1"/>
+          </a:fontRef>
+        </p:style>
+        <p:txBody>
+          <a:bodyPr rtlCol="0" anchor="ctr"/>
+          <a:lstStyle/>
+          <a:p>
+            <a:pPr algn="r" rtl="1"/>
+            <a:endParaRPr lang="he-IL" sz="1000" dirty="0"/>
+          </a:p>
+          <a:p>
+            <a:pPr algn="r" rtl="1"/>
+            <a:endParaRPr lang="he-IL" sz="1000" dirty="0"/>
+          </a:p>
+          <a:p>
+            <a:pPr algn="r" rtl="1"/>
+            <a:endParaRPr lang="en-US" sz="1000" dirty="0"/>
+          </a:p>
+          <a:p>
+            <a:pPr algn="r" rtl="1"/>
+            <a:r>
+              <a:rPr lang="he-IL" sz="1000" dirty="0"/>
+              <a:t>סיבה לשימוש במוצר – הכלים בהם משתמש היום לקבוע פגישות לא מספקים לו את כל הצרכים. חלק ניכר מהעבודה שלו היא בפגישות עם גורמים שונים ולעיתים קשה עד בלתי אפשרי לגרום לכול הגורמים להגיע לפגישה.</a:t>
+            </a:r>
+          </a:p>
+          <a:p>
+            <a:pPr algn="r" rtl="1"/>
+            <a:endParaRPr lang="en-US" sz="1000" dirty="0"/>
+          </a:p>
+          <a:p>
+            <a:pPr algn="r" rtl="1"/>
+            <a:r>
+              <a:rPr lang="he-IL" sz="1000" dirty="0"/>
+              <a:t>תדירות שימוש – יום יומית כדי לנהל את היומן שלו ואת הפגישות שהוא עושה במסגרת העבודה.</a:t>
+            </a:r>
+          </a:p>
+          <a:p>
+            <a:pPr algn="r" rtl="1"/>
+            <a:endParaRPr lang="en-US" sz="1000" dirty="0"/>
+          </a:p>
+          <a:p>
+            <a:pPr algn="r" rtl="1"/>
+            <a:r>
+              <a:rPr lang="he-IL" sz="1000" dirty="0"/>
+              <a:t>מתי – במהלך כל היום, כל פעם שיש צורך לקבוע פגישה משתמש במוצר.</a:t>
+            </a:r>
+          </a:p>
+          <a:p>
+            <a:pPr algn="r" rtl="1"/>
+            <a:endParaRPr lang="en-US" sz="1000" dirty="0"/>
+          </a:p>
+          <a:p>
+            <a:pPr algn="r" rtl="1"/>
+            <a:r>
+              <a:rPr lang="he-IL" sz="1000" dirty="0"/>
+              <a:t>איפה – במחשב במשרד שלו, לעיתים גם בפלאפון כשהוא רוצה לראות מה הלוז שלו ליום המחרת.</a:t>
+            </a:r>
+          </a:p>
+          <a:p>
+            <a:pPr algn="r" rtl="1"/>
+            <a:endParaRPr lang="en-US" sz="1000" dirty="0"/>
+          </a:p>
+          <a:p>
+            <a:pPr algn="r" rtl="1"/>
+            <a:r>
+              <a:rPr lang="he-IL" sz="1000" dirty="0"/>
+              <a:t>תנאי סביבה – בדרך כלל סביבה שקטה (המשרד שלו) לעיתים נמצא עם משהו בפלאפון במקביל בכדי לקבוע את הפגישה</a:t>
+            </a:r>
+          </a:p>
+          <a:p>
+            <a:pPr algn="r" rtl="1"/>
+            <a:endParaRPr lang="he-IL" sz="1000" dirty="0"/>
+          </a:p>
+          <a:p>
+            <a:pPr algn="r" rtl="1"/>
+            <a:r>
+              <a:rPr lang="he-IL" sz="1000" dirty="0"/>
+              <a:t>חסמים – מאוד לא אוהב תוכנות חדשות מכיר את ה </a:t>
+            </a:r>
+            <a:r>
+              <a:rPr lang="en-US" sz="1000" dirty="0"/>
+              <a:t>outlook</a:t>
+            </a:r>
+            <a:r>
+              <a:rPr lang="he-IL" sz="1000" dirty="0"/>
+              <a:t> ואוהב אותו.</a:t>
+            </a:r>
+          </a:p>
+          <a:p>
+            <a:pPr algn="r" rtl="1"/>
+            <a:endParaRPr lang="en-US" sz="1000" dirty="0"/>
+          </a:p>
+          <a:p>
+            <a:pPr algn="r" rtl="1"/>
+            <a:r>
+              <a:rPr lang="he-IL" sz="1000" dirty="0"/>
+              <a:t>רצונות – שיהיה כלי שיידע לגשת ללוח השנה של האנשים איתם הוא רוצה לקבוע פגישה וידע את כל האילוצים של כל הגורמים בפגישה.</a:t>
+            </a:r>
+            <a:endParaRPr lang="en-US" sz="1000" dirty="0"/>
+          </a:p>
+        </p:txBody>
+      </p:sp>
+      <p:sp>
+        <p:nvSpPr>
+          <p:cNvPr id="21" name="Rectangle 20">
+            <a:extLst>
+              <a:ext uri="{FF2B5EF4-FFF2-40B4-BE49-F238E27FC236}">
+                <a16:creationId xmlns:a16="http://schemas.microsoft.com/office/drawing/2014/main" id="{BD75981B-D294-4749-A28A-C8B20EDFE2A1}"/>
+              </a:ext>
+            </a:extLst>
+          </p:cNvPr>
+          <p:cNvSpPr/>
+          <p:nvPr/>
+        </p:nvSpPr>
+        <p:spPr>
+          <a:xfrm>
+            <a:off x="3962768" y="2689934"/>
+            <a:ext cx="2964772" cy="337352"/>
+          </a:xfrm>
+          <a:prstGeom prst="rect">
+            <a:avLst/>
+          </a:prstGeom>
+          <a:ln>
+            <a:noFill/>
+          </a:ln>
+        </p:spPr>
+        <p:style>
+          <a:lnRef idx="2">
+            <a:schemeClr val="accent5">
+              <a:shade val="50000"/>
+            </a:schemeClr>
+          </a:lnRef>
+          <a:fillRef idx="1">
+            <a:schemeClr val="accent5"/>
+          </a:fillRef>
+          <a:effectRef idx="0">
+            <a:schemeClr val="accent5"/>
+          </a:effectRef>
+          <a:fontRef idx="minor">
+            <a:schemeClr val="lt1"/>
+          </a:fontRef>
+        </p:style>
+        <p:txBody>
+          <a:bodyPr rtlCol="0" anchor="ctr"/>
+          <a:lstStyle/>
+          <a:p>
+            <a:pPr algn="ctr"/>
+            <a:r>
+              <a:rPr lang="he-IL" sz="1600" dirty="0">
+                <a:ln w="0"/>
+                <a:solidFill>
+                  <a:schemeClr val="tx1"/>
+                </a:solidFill>
+              </a:rPr>
+              <a:t>מאפייני זיקה למוצר</a:t>
+            </a:r>
+          </a:p>
+        </p:txBody>
+      </p:sp>
+    </p:spTree>
+    <p:extLst>
+      <p:ext uri="{BB962C8B-B14F-4D97-AF65-F5344CB8AC3E}">
+        <p14:creationId xmlns:p14="http://schemas.microsoft.com/office/powerpoint/2010/main" val="4290133305"/>
+      </p:ext>
+    </p:extLst>
+  </p:cSld>
+  <p:clrMapOvr>
+    <a:masterClrMapping/>
+  </p:clrMapOvr>
+</p:sld>
+</file>
+
+<file path=ppt/slides/slide14.xml><?xml version="1.0" encoding="utf-8"?>
+<p:sld xmlns:a="http://schemas.openxmlformats.org/drawingml/2006/main" xmlns:r="http://schemas.openxmlformats.org/officeDocument/2006/relationships" xmlns:p="http://schemas.openxmlformats.org/presentationml/2006/main">
+  <p:cSld>
+    <p:spTree>
+      <p:nvGrpSpPr>
+        <p:cNvPr id="1" name=""/>
+        <p:cNvGrpSpPr/>
+        <p:nvPr/>
+      </p:nvGrpSpPr>
+      <p:grpSpPr>
+        <a:xfrm>
+          <a:off x="0" y="0"/>
+          <a:ext cx="0" cy="0"/>
+          <a:chOff x="0" y="0"/>
+          <a:chExt cx="0" cy="0"/>
+        </a:xfrm>
+      </p:grpSpPr>
+      <p:sp>
+        <p:nvSpPr>
+          <p:cNvPr id="2" name="כותרת 1">
+            <a:extLst>
+              <a:ext uri="{FF2B5EF4-FFF2-40B4-BE49-F238E27FC236}">
+                <a16:creationId xmlns:a16="http://schemas.microsoft.com/office/drawing/2014/main" id="{7E2CFF58-DDF3-4D79-8E24-D3415F37CA20}"/>
+              </a:ext>
+            </a:extLst>
+          </p:cNvPr>
+          <p:cNvSpPr>
+            <a:spLocks noGrp="1"/>
+          </p:cNvSpPr>
+          <p:nvPr>
+            <p:ph type="ctrTitle"/>
+          </p:nvPr>
+        </p:nvSpPr>
+        <p:spPr>
+          <a:xfrm>
+            <a:off x="3708747" y="2998289"/>
+            <a:ext cx="4774505" cy="861421"/>
+          </a:xfrm>
+        </p:spPr>
+        <p:txBody>
+          <a:bodyPr/>
+          <a:lstStyle/>
+          <a:p>
+            <a:pPr algn="ctr"/>
+            <a:r>
+              <a:rPr lang="he-IL" dirty="0"/>
               <a:t>האבולוציה של האתר</a:t>
             </a:r>
             <a:endParaRPr lang="en-US" dirty="0"/>
@@ -13537,7 +14192,7 @@
 </p:sld>
 </file>
 
-<file path=ppt/slides/slide13.xml><?xml version="1.0" encoding="utf-8"?>
+<file path=ppt/slides/slide15.xml><?xml version="1.0" encoding="utf-8"?>
 <p:sld xmlns:a="http://schemas.openxmlformats.org/drawingml/2006/main" xmlns:r="http://schemas.openxmlformats.org/officeDocument/2006/relationships" xmlns:p="http://schemas.openxmlformats.org/presentationml/2006/main">
   <p:cSld>
     <p:spTree>
@@ -13792,7 +14447,7 @@
 </p:sld>
 </file>
 
-<file path=ppt/slides/slide14.xml><?xml version="1.0" encoding="utf-8"?>
+<file path=ppt/slides/slide16.xml><?xml version="1.0" encoding="utf-8"?>
 <p:sld xmlns:a="http://schemas.openxmlformats.org/drawingml/2006/main" xmlns:r="http://schemas.openxmlformats.org/officeDocument/2006/relationships" xmlns:p="http://schemas.openxmlformats.org/presentationml/2006/main">
   <p:cSld>
     <p:spTree>
@@ -13933,7 +14588,7 @@
 </p:sld>
 </file>
 
-<file path=ppt/slides/slide15.xml><?xml version="1.0" encoding="utf-8"?>
+<file path=ppt/slides/slide17.xml><?xml version="1.0" encoding="utf-8"?>
 <p:sld xmlns:a="http://schemas.openxmlformats.org/drawingml/2006/main" xmlns:r="http://schemas.openxmlformats.org/officeDocument/2006/relationships" xmlns:p="http://schemas.openxmlformats.org/presentationml/2006/main">
   <p:cSld>
     <p:spTree>
@@ -14096,7 +14751,7 @@
 </p:sld>
 </file>
 
-<file path=ppt/slides/slide16.xml><?xml version="1.0" encoding="utf-8"?>
+<file path=ppt/slides/slide18.xml><?xml version="1.0" encoding="utf-8"?>
 <p:sld xmlns:a="http://schemas.openxmlformats.org/drawingml/2006/main" xmlns:r="http://schemas.openxmlformats.org/officeDocument/2006/relationships" xmlns:p="http://schemas.openxmlformats.org/presentationml/2006/main">
   <p:cSld>
     <p:spTree>
@@ -14274,324 +14929,6 @@
 </p:sld>
 </file>
 
-<file path=ppt/slides/slide17.xml><?xml version="1.0" encoding="utf-8"?>
-<p:sld xmlns:a="http://schemas.openxmlformats.org/drawingml/2006/main" xmlns:r="http://schemas.openxmlformats.org/officeDocument/2006/relationships" xmlns:p="http://schemas.openxmlformats.org/presentationml/2006/main">
-  <p:cSld>
-    <p:spTree>
-      <p:nvGrpSpPr>
-        <p:cNvPr id="1" name=""/>
-        <p:cNvGrpSpPr/>
-        <p:nvPr/>
-      </p:nvGrpSpPr>
-      <p:grpSpPr>
-        <a:xfrm>
-          <a:off x="0" y="0"/>
-          <a:ext cx="0" cy="0"/>
-          <a:chOff x="0" y="0"/>
-          <a:chExt cx="0" cy="0"/>
-        </a:xfrm>
-      </p:grpSpPr>
-      <p:sp>
-        <p:nvSpPr>
-          <p:cNvPr id="2" name="כותרת 1">
-            <a:extLst>
-              <a:ext uri="{FF2B5EF4-FFF2-40B4-BE49-F238E27FC236}">
-                <a16:creationId xmlns:a16="http://schemas.microsoft.com/office/drawing/2014/main" id="{92A500EE-F6C5-4C79-92F1-D2FDEE8174A4}"/>
-              </a:ext>
-            </a:extLst>
-          </p:cNvPr>
-          <p:cNvSpPr>
-            <a:spLocks noGrp="1"/>
-          </p:cNvSpPr>
-          <p:nvPr>
-            <p:ph type="title"/>
-          </p:nvPr>
-        </p:nvSpPr>
-        <p:spPr>
-          <a:xfrm>
-            <a:off x="1154954" y="973669"/>
-            <a:ext cx="8825659" cy="706964"/>
-          </a:xfrm>
-        </p:spPr>
-        <p:txBody>
-          <a:bodyPr/>
-          <a:lstStyle/>
-          <a:p>
-            <a:pPr algn="ctr"/>
-            <a:r>
-              <a:rPr lang="he-IL"/>
-              <a:t>מסך התחברות</a:t>
-            </a:r>
-            <a:endParaRPr lang="he-IL" dirty="0"/>
-          </a:p>
-        </p:txBody>
-      </p:sp>
-      <p:sp>
-        <p:nvSpPr>
-          <p:cNvPr id="17" name="תיבת טקסט 16">
-            <a:extLst>
-              <a:ext uri="{FF2B5EF4-FFF2-40B4-BE49-F238E27FC236}">
-                <a16:creationId xmlns:a16="http://schemas.microsoft.com/office/drawing/2014/main" id="{2F642565-7D83-416E-A7D1-4FA3B48B83E1}"/>
-              </a:ext>
-            </a:extLst>
-          </p:cNvPr>
-          <p:cNvSpPr txBox="1"/>
-          <p:nvPr/>
-        </p:nvSpPr>
-        <p:spPr>
-          <a:xfrm>
-            <a:off x="7540282" y="2610683"/>
-            <a:ext cx="4487594" cy="1477328"/>
-          </a:xfrm>
-          <a:prstGeom prst="rect">
-            <a:avLst/>
-          </a:prstGeom>
-          <a:noFill/>
-        </p:spPr>
-        <p:txBody>
-          <a:bodyPr wrap="square" rtlCol="1">
-            <a:spAutoFit/>
-          </a:bodyPr>
-          <a:lstStyle/>
-          <a:p>
-            <a:pPr marL="285750" indent="-285750" algn="r" rtl="1">
-              <a:buFont typeface="Arial" panose="020B0604020202020204" pitchFamily="34" charset="0"/>
-              <a:buChar char="•"/>
-            </a:pPr>
-            <a:r>
-              <a:rPr lang="he-IL" dirty="0"/>
-              <a:t>שינינו את שדה "שם משתמש" ושדה "סיסמה" כך שיהיו מעוצבים יותר.</a:t>
-            </a:r>
-          </a:p>
-          <a:p>
-            <a:pPr marL="285750" indent="-285750" algn="r" rtl="1">
-              <a:buFont typeface="Arial" panose="020B0604020202020204" pitchFamily="34" charset="0"/>
-              <a:buChar char="•"/>
-            </a:pPr>
-            <a:r>
-              <a:rPr lang="he-IL" dirty="0"/>
-              <a:t>הוספנו סמלים מתאימים בצד כל שדה כך שיהיה ברור למשתמש מה עליו להכניס בשדה אותו הוא ממלא – </a:t>
-            </a:r>
-            <a:r>
-              <a:rPr lang="he-IL" b="1" dirty="0"/>
-              <a:t>זיהוי ולא זיכרון.</a:t>
-            </a:r>
-            <a:endParaRPr lang="he-IL" dirty="0"/>
-          </a:p>
-        </p:txBody>
-      </p:sp>
-      <p:pic>
-        <p:nvPicPr>
-          <p:cNvPr id="3" name="תמונה 2">
-            <a:extLst>
-              <a:ext uri="{FF2B5EF4-FFF2-40B4-BE49-F238E27FC236}">
-                <a16:creationId xmlns:a16="http://schemas.microsoft.com/office/drawing/2014/main" id="{1C6E892A-A569-467D-8D80-26AAEC4C107C}"/>
-              </a:ext>
-            </a:extLst>
-          </p:cNvPr>
-          <p:cNvPicPr>
-            <a:picLocks noChangeAspect="1"/>
-          </p:cNvPicPr>
-          <p:nvPr/>
-        </p:nvPicPr>
-        <p:blipFill>
-          <a:blip r:embed="rId2"/>
-          <a:stretch>
-            <a:fillRect/>
-          </a:stretch>
-        </p:blipFill>
-        <p:spPr>
-          <a:xfrm>
-            <a:off x="0" y="2610683"/>
-            <a:ext cx="7540282" cy="4247317"/>
-          </a:xfrm>
-          <a:prstGeom prst="rect">
-            <a:avLst/>
-          </a:prstGeom>
-        </p:spPr>
-      </p:pic>
-    </p:spTree>
-    <p:extLst>
-      <p:ext uri="{BB962C8B-B14F-4D97-AF65-F5344CB8AC3E}">
-        <p14:creationId xmlns:p14="http://schemas.microsoft.com/office/powerpoint/2010/main" val="3349785906"/>
-      </p:ext>
-    </p:extLst>
-  </p:cSld>
-  <p:clrMapOvr>
-    <a:masterClrMapping/>
-  </p:clrMapOvr>
-</p:sld>
-</file>
-
-<file path=ppt/slides/slide18.xml><?xml version="1.0" encoding="utf-8"?>
-<p:sld xmlns:a="http://schemas.openxmlformats.org/drawingml/2006/main" xmlns:r="http://schemas.openxmlformats.org/officeDocument/2006/relationships" xmlns:p="http://schemas.openxmlformats.org/presentationml/2006/main">
-  <p:cSld>
-    <p:spTree>
-      <p:nvGrpSpPr>
-        <p:cNvPr id="1" name=""/>
-        <p:cNvGrpSpPr/>
-        <p:nvPr/>
-      </p:nvGrpSpPr>
-      <p:grpSpPr>
-        <a:xfrm>
-          <a:off x="0" y="0"/>
-          <a:ext cx="0" cy="0"/>
-          <a:chOff x="0" y="0"/>
-          <a:chExt cx="0" cy="0"/>
-        </a:xfrm>
-      </p:grpSpPr>
-      <p:sp>
-        <p:nvSpPr>
-          <p:cNvPr id="2" name="כותרת 1">
-            <a:extLst>
-              <a:ext uri="{FF2B5EF4-FFF2-40B4-BE49-F238E27FC236}">
-                <a16:creationId xmlns:a16="http://schemas.microsoft.com/office/drawing/2014/main" id="{92A500EE-F6C5-4C79-92F1-D2FDEE8174A4}"/>
-              </a:ext>
-            </a:extLst>
-          </p:cNvPr>
-          <p:cNvSpPr>
-            <a:spLocks noGrp="1"/>
-          </p:cNvSpPr>
-          <p:nvPr>
-            <p:ph type="title"/>
-          </p:nvPr>
-        </p:nvSpPr>
-        <p:spPr>
-          <a:xfrm>
-            <a:off x="1154954" y="973669"/>
-            <a:ext cx="8825659" cy="706964"/>
-          </a:xfrm>
-        </p:spPr>
-        <p:txBody>
-          <a:bodyPr/>
-          <a:lstStyle/>
-          <a:p>
-            <a:pPr algn="ctr"/>
-            <a:r>
-              <a:rPr lang="he-IL"/>
-              <a:t>מסך התחברות</a:t>
-            </a:r>
-            <a:endParaRPr lang="he-IL" dirty="0"/>
-          </a:p>
-        </p:txBody>
-      </p:sp>
-      <p:sp>
-        <p:nvSpPr>
-          <p:cNvPr id="17" name="תיבת טקסט 16">
-            <a:extLst>
-              <a:ext uri="{FF2B5EF4-FFF2-40B4-BE49-F238E27FC236}">
-                <a16:creationId xmlns:a16="http://schemas.microsoft.com/office/drawing/2014/main" id="{2F642565-7D83-416E-A7D1-4FA3B48B83E1}"/>
-              </a:ext>
-            </a:extLst>
-          </p:cNvPr>
-          <p:cNvSpPr txBox="1"/>
-          <p:nvPr/>
-        </p:nvSpPr>
-        <p:spPr>
-          <a:xfrm>
-            <a:off x="7982504" y="2610683"/>
-            <a:ext cx="4045371" cy="2585323"/>
-          </a:xfrm>
-          <a:prstGeom prst="rect">
-            <a:avLst/>
-          </a:prstGeom>
-          <a:noFill/>
-        </p:spPr>
-        <p:txBody>
-          <a:bodyPr wrap="square" rtlCol="1">
-            <a:spAutoFit/>
-          </a:bodyPr>
-          <a:lstStyle/>
-          <a:p>
-            <a:pPr marL="285750" indent="-285750" algn="r" rtl="1">
-              <a:buFont typeface="Arial" panose="020B0604020202020204" pitchFamily="34" charset="0"/>
-              <a:buChar char="•"/>
-            </a:pPr>
-            <a:r>
-              <a:rPr lang="he-IL" dirty="0"/>
-              <a:t>בעת לחיצת המשתמש על אחת השדות, יהיה חיווי של השדה שיראה למשתמש כי הוא ממלא את השדה – </a:t>
-            </a:r>
-            <a:r>
-              <a:rPr lang="he-IL" b="1" dirty="0"/>
-              <a:t>חיווי מצב המערכת.</a:t>
-            </a:r>
-          </a:p>
-          <a:p>
-            <a:pPr marL="285750" indent="-285750" algn="r" rtl="1">
-              <a:buFont typeface="Arial" panose="020B0604020202020204" pitchFamily="34" charset="0"/>
-              <a:buChar char="•"/>
-            </a:pPr>
-            <a:r>
-              <a:rPr lang="he-IL" dirty="0"/>
-              <a:t>נאפשר למשתמש בעת לחיצת הכפתור "</a:t>
-            </a:r>
-            <a:r>
-              <a:rPr lang="en-US" dirty="0"/>
-              <a:t>TAB</a:t>
-            </a:r>
-            <a:r>
-              <a:rPr lang="he-IL" dirty="0"/>
-              <a:t>" לעבור לשדה הבא אוטומטית, ובעת לחיצת הכפתור "</a:t>
-            </a:r>
-            <a:r>
-              <a:rPr lang="en-US" dirty="0"/>
-              <a:t>ENTER</a:t>
-            </a:r>
-            <a:r>
-              <a:rPr lang="he-IL" dirty="0"/>
-              <a:t>" לבצע התחברות מבלי ללחוץ על כפתור ההתחברות – </a:t>
-            </a:r>
-            <a:r>
-              <a:rPr lang="he-IL" b="1" dirty="0"/>
-              <a:t>גמישות ויעילות שימוש.</a:t>
-            </a:r>
-            <a:endParaRPr lang="he-IL" dirty="0"/>
-          </a:p>
-        </p:txBody>
-      </p:sp>
-      <p:pic>
-        <p:nvPicPr>
-          <p:cNvPr id="4" name="תמונה 3">
-            <a:extLst>
-              <a:ext uri="{FF2B5EF4-FFF2-40B4-BE49-F238E27FC236}">
-                <a16:creationId xmlns:a16="http://schemas.microsoft.com/office/drawing/2014/main" id="{8C804448-1091-444C-BE73-7D69E8980E8C}"/>
-              </a:ext>
-            </a:extLst>
-          </p:cNvPr>
-          <p:cNvPicPr>
-            <a:picLocks noChangeAspect="1"/>
-          </p:cNvPicPr>
-          <p:nvPr/>
-        </p:nvPicPr>
-        <p:blipFill>
-          <a:blip r:embed="rId2"/>
-          <a:stretch>
-            <a:fillRect/>
-          </a:stretch>
-        </p:blipFill>
-        <p:spPr>
-          <a:xfrm>
-            <a:off x="0" y="2610000"/>
-            <a:ext cx="7981200" cy="4247306"/>
-          </a:xfrm>
-          <a:prstGeom prst="rect">
-            <a:avLst/>
-          </a:prstGeom>
-        </p:spPr>
-      </p:pic>
-    </p:spTree>
-    <p:extLst>
-      <p:ext uri="{BB962C8B-B14F-4D97-AF65-F5344CB8AC3E}">
-        <p14:creationId xmlns:p14="http://schemas.microsoft.com/office/powerpoint/2010/main" val="3877762486"/>
-      </p:ext>
-    </p:extLst>
-  </p:cSld>
-  <p:clrMapOvr>
-    <a:masterClrMapping/>
-  </p:clrMapOvr>
-</p:sld>
-</file>
-
 <file path=ppt/slides/slide19.xml><?xml version="1.0" encoding="utf-8"?>
 <p:sld xmlns:a="http://schemas.openxmlformats.org/drawingml/2006/main" xmlns:r="http://schemas.openxmlformats.org/officeDocument/2006/relationships" xmlns:p="http://schemas.openxmlformats.org/presentationml/2006/main">
   <p:cSld>
@@ -14658,8 +14995,8 @@
         </p:nvSpPr>
         <p:spPr>
           <a:xfrm>
-            <a:off x="7540282" y="2739271"/>
-            <a:ext cx="4487594" cy="923330"/>
+            <a:off x="7540282" y="2610683"/>
+            <a:ext cx="4487594" cy="1477328"/>
           </a:xfrm>
           <a:prstGeom prst="rect">
             <a:avLst/>
@@ -14678,11 +15015,21 @@
             </a:pPr>
             <a:r>
               <a:rPr lang="he-IL" dirty="0"/>
-              <a:t>הוספנו כפתור למשתמש לצד שדה ה"סיסמה" המאפשר לו לראות את הסיסמה שהזין – </a:t>
+              <a:t>שינינו את שדה "שם משתמש" ושדה "סיסמה" כך שיהיו מעוצבים יותר.</a:t>
+            </a:r>
+          </a:p>
+          <a:p>
+            <a:pPr marL="285750" indent="-285750" algn="r" rtl="1">
+              <a:buFont typeface="Arial" panose="020B0604020202020204" pitchFamily="34" charset="0"/>
+              <a:buChar char="•"/>
+            </a:pPr>
+            <a:r>
+              <a:rPr lang="he-IL" dirty="0"/>
+              <a:t>הוספנו סמלים מתאימים בצד כל שדה כך שיהיה ברור למשתמש מה עליו להכניס בשדה אותו הוא ממלא – </a:t>
             </a:r>
             <a:r>
               <a:rPr lang="he-IL" b="1" dirty="0"/>
-              <a:t>מניעת טעויות.</a:t>
+              <a:t>זיהוי ולא זיכרון.</a:t>
             </a:r>
             <a:endParaRPr lang="he-IL" dirty="0"/>
           </a:p>
@@ -14693,7 +15040,7 @@
           <p:cNvPr id="3" name="תמונה 2">
             <a:extLst>
               <a:ext uri="{FF2B5EF4-FFF2-40B4-BE49-F238E27FC236}">
-                <a16:creationId xmlns:a16="http://schemas.microsoft.com/office/drawing/2014/main" id="{44DD3646-170F-4B07-8F52-2001FE2F6DA1}"/>
+                <a16:creationId xmlns:a16="http://schemas.microsoft.com/office/drawing/2014/main" id="{1C6E892A-A569-467D-8D80-26AAEC4C107C}"/>
               </a:ext>
             </a:extLst>
           </p:cNvPr>
@@ -14710,8 +15057,8 @@
         </p:blipFill>
         <p:spPr>
           <a:xfrm>
-            <a:off x="0" y="2661899"/>
-            <a:ext cx="7489909" cy="4196101"/>
+            <a:off x="0" y="2610683"/>
+            <a:ext cx="7540282" cy="4247317"/>
           </a:xfrm>
           <a:prstGeom prst="rect">
             <a:avLst/>
@@ -14721,7 +15068,7 @@
     </p:spTree>
     <p:extLst>
       <p:ext uri="{BB962C8B-B14F-4D97-AF65-F5344CB8AC3E}">
-        <p14:creationId xmlns:p14="http://schemas.microsoft.com/office/powerpoint/2010/main" val="1977331281"/>
+        <p14:creationId xmlns:p14="http://schemas.microsoft.com/office/powerpoint/2010/main" val="3349785906"/>
       </p:ext>
     </p:extLst>
   </p:cSld>
@@ -14862,8 +15209,8 @@
         </p:nvSpPr>
         <p:spPr>
           <a:xfrm>
-            <a:off x="7540282" y="2739271"/>
-            <a:ext cx="4487594" cy="923330"/>
+            <a:off x="7982504" y="2610683"/>
+            <a:ext cx="4045371" cy="2585323"/>
           </a:xfrm>
           <a:prstGeom prst="rect">
             <a:avLst/>
@@ -14882,11 +15229,41 @@
             </a:pPr>
             <a:r>
               <a:rPr lang="he-IL" dirty="0"/>
-              <a:t>הוספנו כפתור למשתמש לצד שדה ה"סיסמה" המאפשר לו לראות את הסיסמה שהזין – </a:t>
+              <a:t>בעת לחיצת המשתמש על אחת השדות, יהיה חיווי של השדה שיראה למשתמש כי הוא ממלא את השדה – </a:t>
             </a:r>
             <a:r>
               <a:rPr lang="he-IL" b="1" dirty="0"/>
-              <a:t>מניעת טעויות.</a:t>
+              <a:t>חיווי מצב המערכת.</a:t>
+            </a:r>
+          </a:p>
+          <a:p>
+            <a:pPr marL="285750" indent="-285750" algn="r" rtl="1">
+              <a:buFont typeface="Arial" panose="020B0604020202020204" pitchFamily="34" charset="0"/>
+              <a:buChar char="•"/>
+            </a:pPr>
+            <a:r>
+              <a:rPr lang="he-IL" dirty="0"/>
+              <a:t>נאפשר למשתמש בעת לחיצת הכפתור "</a:t>
+            </a:r>
+            <a:r>
+              <a:rPr lang="en-US" dirty="0"/>
+              <a:t>TAB</a:t>
+            </a:r>
+            <a:r>
+              <a:rPr lang="he-IL" dirty="0"/>
+              <a:t>" לעבור לשדה הבא אוטומטית, ובעת לחיצת הכפתור "</a:t>
+            </a:r>
+            <a:r>
+              <a:rPr lang="en-US" dirty="0"/>
+              <a:t>ENTER</a:t>
+            </a:r>
+            <a:r>
+              <a:rPr lang="he-IL" dirty="0"/>
+              <a:t>" לבצע התחברות מבלי ללחוץ על כפתור ההתחברות – </a:t>
+            </a:r>
+            <a:r>
+              <a:rPr lang="he-IL" b="1" dirty="0"/>
+              <a:t>גמישות ויעילות שימוש.</a:t>
             </a:r>
             <a:endParaRPr lang="he-IL" dirty="0"/>
           </a:p>
@@ -14897,7 +15274,7 @@
           <p:cNvPr id="4" name="תמונה 3">
             <a:extLst>
               <a:ext uri="{FF2B5EF4-FFF2-40B4-BE49-F238E27FC236}">
-                <a16:creationId xmlns:a16="http://schemas.microsoft.com/office/drawing/2014/main" id="{94326547-AECF-4F4E-AC85-6BD44FEF36E6}"/>
+                <a16:creationId xmlns:a16="http://schemas.microsoft.com/office/drawing/2014/main" id="{8C804448-1091-444C-BE73-7D69E8980E8C}"/>
               </a:ext>
             </a:extLst>
           </p:cNvPr>
@@ -14914,8 +15291,8 @@
         </p:blipFill>
         <p:spPr>
           <a:xfrm>
-            <a:off x="0" y="2703995"/>
-            <a:ext cx="7491600" cy="4154005"/>
+            <a:off x="0" y="2610000"/>
+            <a:ext cx="7981200" cy="4247306"/>
           </a:xfrm>
           <a:prstGeom prst="rect">
             <a:avLst/>
@@ -14925,7 +15302,7 @@
     </p:spTree>
     <p:extLst>
       <p:ext uri="{BB962C8B-B14F-4D97-AF65-F5344CB8AC3E}">
-        <p14:creationId xmlns:p14="http://schemas.microsoft.com/office/powerpoint/2010/main" val="2786482054"/>
+        <p14:creationId xmlns:p14="http://schemas.microsoft.com/office/powerpoint/2010/main" val="3877762486"/>
       </p:ext>
     </p:extLst>
   </p:cSld>
@@ -15002,7 +15379,7 @@
         <p:spPr>
           <a:xfrm>
             <a:off x="7540282" y="2739271"/>
-            <a:ext cx="4487594" cy="1477328"/>
+            <a:ext cx="4487594" cy="923330"/>
           </a:xfrm>
           <a:prstGeom prst="rect">
             <a:avLst/>
@@ -15021,21 +15398,11 @@
             </a:pPr>
             <a:r>
               <a:rPr lang="he-IL" dirty="0"/>
-              <a:t>הזזנו את כפתור ההתחברות לצד שמאל.</a:t>
-            </a:r>
-          </a:p>
-          <a:p>
-            <a:pPr marL="285750" indent="-285750" algn="r" rtl="1">
-              <a:buFont typeface="Arial" panose="020B0604020202020204" pitchFamily="34" charset="0"/>
-              <a:buChar char="•"/>
-            </a:pPr>
-            <a:r>
-              <a:rPr lang="he-IL" dirty="0"/>
-              <a:t>שינינו את כפתור ההרשמה כך שיראה כמו קישור למסך הרשמה. – </a:t>
+              <a:t>הוספנו כפתור למשתמש לצד שדה ה"סיסמה" המאפשר לו לראות את הסיסמה שהזין – </a:t>
             </a:r>
             <a:r>
               <a:rPr lang="he-IL" b="1" dirty="0"/>
-              <a:t>התאמה בין המערכת לעולם האמיתי (שימוש בשפה אנושית + מזמינות).</a:t>
+              <a:t>מניעת טעויות.</a:t>
             </a:r>
             <a:endParaRPr lang="he-IL" dirty="0"/>
           </a:p>
@@ -15046,7 +15413,7 @@
           <p:cNvPr id="3" name="תמונה 2">
             <a:extLst>
               <a:ext uri="{FF2B5EF4-FFF2-40B4-BE49-F238E27FC236}">
-                <a16:creationId xmlns:a16="http://schemas.microsoft.com/office/drawing/2014/main" id="{AFF2BC89-6CFF-4440-A217-BA3D6ED40099}"/>
+                <a16:creationId xmlns:a16="http://schemas.microsoft.com/office/drawing/2014/main" id="{44DD3646-170F-4B07-8F52-2001FE2F6DA1}"/>
               </a:ext>
             </a:extLst>
           </p:cNvPr>
@@ -15063,8 +15430,8 @@
         </p:blipFill>
         <p:spPr>
           <a:xfrm>
-            <a:off x="0" y="2724585"/>
-            <a:ext cx="7376157" cy="4133415"/>
+            <a:off x="0" y="2661899"/>
+            <a:ext cx="7489909" cy="4196101"/>
           </a:xfrm>
           <a:prstGeom prst="rect">
             <a:avLst/>
@@ -15074,7 +15441,7 @@
     </p:spTree>
     <p:extLst>
       <p:ext uri="{BB962C8B-B14F-4D97-AF65-F5344CB8AC3E}">
-        <p14:creationId xmlns:p14="http://schemas.microsoft.com/office/powerpoint/2010/main" val="438078503"/>
+        <p14:creationId xmlns:p14="http://schemas.microsoft.com/office/powerpoint/2010/main" val="1977331281"/>
       </p:ext>
     </p:extLst>
   </p:cSld>
@@ -15151,7 +15518,7 @@
         <p:spPr>
           <a:xfrm>
             <a:off x="7540282" y="2739271"/>
-            <a:ext cx="4487594" cy="646331"/>
+            <a:ext cx="4487594" cy="923330"/>
           </a:xfrm>
           <a:prstGeom prst="rect">
             <a:avLst/>
@@ -15170,8 +15537,13 @@
             </a:pPr>
             <a:r>
               <a:rPr lang="he-IL" dirty="0"/>
-              <a:t>הוספנו אפשרות לזכור את המשתמש לפעמים הבאות</a:t>
-            </a:r>
+              <a:t>הוספנו כפתור למשתמש לצד שדה ה"סיסמה" המאפשר לו לראות את הסיסמה שהזין – </a:t>
+            </a:r>
+            <a:r>
+              <a:rPr lang="he-IL" b="1" dirty="0"/>
+              <a:t>מניעת טעויות.</a:t>
+            </a:r>
+            <a:endParaRPr lang="he-IL" dirty="0"/>
           </a:p>
         </p:txBody>
       </p:sp>
@@ -15180,7 +15552,7 @@
           <p:cNvPr id="4" name="תמונה 3">
             <a:extLst>
               <a:ext uri="{FF2B5EF4-FFF2-40B4-BE49-F238E27FC236}">
-                <a16:creationId xmlns:a16="http://schemas.microsoft.com/office/drawing/2014/main" id="{C4AC84E8-C33D-4B9A-9010-89F637AB80A1}"/>
+                <a16:creationId xmlns:a16="http://schemas.microsoft.com/office/drawing/2014/main" id="{94326547-AECF-4F4E-AC85-6BD44FEF36E6}"/>
               </a:ext>
             </a:extLst>
           </p:cNvPr>
@@ -15197,8 +15569,8 @@
         </p:blipFill>
         <p:spPr>
           <a:xfrm>
-            <a:off x="0" y="2739271"/>
-            <a:ext cx="7403394" cy="4118729"/>
+            <a:off x="0" y="2703995"/>
+            <a:ext cx="7491600" cy="4154005"/>
           </a:xfrm>
           <a:prstGeom prst="rect">
             <a:avLst/>
@@ -15208,7 +15580,7 @@
     </p:spTree>
     <p:extLst>
       <p:ext uri="{BB962C8B-B14F-4D97-AF65-F5344CB8AC3E}">
-        <p14:creationId xmlns:p14="http://schemas.microsoft.com/office/powerpoint/2010/main" val="2099280823"/>
+        <p14:creationId xmlns:p14="http://schemas.microsoft.com/office/powerpoint/2010/main" val="2786482054"/>
       </p:ext>
     </p:extLst>
   </p:cSld>
@@ -15285,7 +15657,7 @@
         <p:spPr>
           <a:xfrm>
             <a:off x="7540282" y="2739271"/>
-            <a:ext cx="4487594" cy="646331"/>
+            <a:ext cx="4487594" cy="1477328"/>
           </a:xfrm>
           <a:prstGeom prst="rect">
             <a:avLst/>
@@ -15304,8 +15676,23 @@
             </a:pPr>
             <a:r>
               <a:rPr lang="he-IL" dirty="0"/>
-              <a:t>הוספנו אפשרות לזכור את המשתמש לפעמים הבאות</a:t>
-            </a:r>
+              <a:t>הזזנו את כפתור ההתחברות לצד שמאל.</a:t>
+            </a:r>
+          </a:p>
+          <a:p>
+            <a:pPr marL="285750" indent="-285750" algn="r" rtl="1">
+              <a:buFont typeface="Arial" panose="020B0604020202020204" pitchFamily="34" charset="0"/>
+              <a:buChar char="•"/>
+            </a:pPr>
+            <a:r>
+              <a:rPr lang="he-IL" dirty="0"/>
+              <a:t>שינינו את כפתור ההרשמה כך שיראה כמו קישור למסך הרשמה. – </a:t>
+            </a:r>
+            <a:r>
+              <a:rPr lang="he-IL" b="1" dirty="0"/>
+              <a:t>התאמה בין המערכת לעולם האמיתי (שימוש בשפה אנושית + מזמינות).</a:t>
+            </a:r>
+            <a:endParaRPr lang="he-IL" dirty="0"/>
           </a:p>
         </p:txBody>
       </p:sp>
@@ -15314,7 +15701,7 @@
           <p:cNvPr id="3" name="תמונה 2">
             <a:extLst>
               <a:ext uri="{FF2B5EF4-FFF2-40B4-BE49-F238E27FC236}">
-                <a16:creationId xmlns:a16="http://schemas.microsoft.com/office/drawing/2014/main" id="{713B69A8-3AD9-4073-B2B7-E8BD26F62F61}"/>
+                <a16:creationId xmlns:a16="http://schemas.microsoft.com/office/drawing/2014/main" id="{AFF2BC89-6CFF-4440-A217-BA3D6ED40099}"/>
               </a:ext>
             </a:extLst>
           </p:cNvPr>
@@ -15331,8 +15718,8 @@
         </p:blipFill>
         <p:spPr>
           <a:xfrm>
-            <a:off x="0" y="2739271"/>
-            <a:ext cx="7399606" cy="4118729"/>
+            <a:off x="0" y="2724585"/>
+            <a:ext cx="7376157" cy="4133415"/>
           </a:xfrm>
           <a:prstGeom prst="rect">
             <a:avLst/>
@@ -15342,7 +15729,7 @@
     </p:spTree>
     <p:extLst>
       <p:ext uri="{BB962C8B-B14F-4D97-AF65-F5344CB8AC3E}">
-        <p14:creationId xmlns:p14="http://schemas.microsoft.com/office/powerpoint/2010/main" val="2827644645"/>
+        <p14:creationId xmlns:p14="http://schemas.microsoft.com/office/powerpoint/2010/main" val="438078503"/>
       </p:ext>
     </p:extLst>
   </p:cSld>
@@ -15419,7 +15806,7 @@
         <p:spPr>
           <a:xfrm>
             <a:off x="7540282" y="2739271"/>
-            <a:ext cx="4487594" cy="1200329"/>
+            <a:ext cx="4487594" cy="646331"/>
           </a:xfrm>
           <a:prstGeom prst="rect">
             <a:avLst/>
@@ -15438,13 +15825,8 @@
             </a:pPr>
             <a:r>
               <a:rPr lang="he-IL" dirty="0"/>
-              <a:t>בעת הכנסת אחד מהשדות ערך שגוי ולחיצה על התחברות, נוסיף שגיאה מתאימה למשתמש המסבירה מה קרה – </a:t>
-            </a:r>
-            <a:r>
-              <a:rPr lang="he-IL" b="1" dirty="0"/>
-              <a:t>התאוששות משגיאות.</a:t>
-            </a:r>
-            <a:endParaRPr lang="he-IL" dirty="0"/>
+              <a:t>הוספנו אפשרות לזכור את המשתמש לפעמים הבאות</a:t>
+            </a:r>
           </a:p>
         </p:txBody>
       </p:sp>
@@ -15453,7 +15835,7 @@
           <p:cNvPr id="4" name="תמונה 3">
             <a:extLst>
               <a:ext uri="{FF2B5EF4-FFF2-40B4-BE49-F238E27FC236}">
-                <a16:creationId xmlns:a16="http://schemas.microsoft.com/office/drawing/2014/main" id="{FFFAB130-62FE-4E0C-9148-B93FEA07DEF3}"/>
+                <a16:creationId xmlns:a16="http://schemas.microsoft.com/office/drawing/2014/main" id="{C4AC84E8-C33D-4B9A-9010-89F637AB80A1}"/>
               </a:ext>
             </a:extLst>
           </p:cNvPr>
@@ -15470,8 +15852,8 @@
         </p:blipFill>
         <p:spPr>
           <a:xfrm>
-            <a:off x="1" y="2609458"/>
-            <a:ext cx="7540282" cy="4248541"/>
+            <a:off x="0" y="2739271"/>
+            <a:ext cx="7403394" cy="4118729"/>
           </a:xfrm>
           <a:prstGeom prst="rect">
             <a:avLst/>
@@ -15481,7 +15863,7 @@
     </p:spTree>
     <p:extLst>
       <p:ext uri="{BB962C8B-B14F-4D97-AF65-F5344CB8AC3E}">
-        <p14:creationId xmlns:p14="http://schemas.microsoft.com/office/powerpoint/2010/main" val="1321157970"/>
+        <p14:creationId xmlns:p14="http://schemas.microsoft.com/office/powerpoint/2010/main" val="2099280823"/>
       </p:ext>
     </p:extLst>
   </p:cSld>
@@ -15577,6 +15959,279 @@
             </a:pPr>
             <a:r>
               <a:rPr lang="he-IL" dirty="0"/>
+              <a:t>הוספנו אפשרות לזכור את המשתמש לפעמים הבאות</a:t>
+            </a:r>
+          </a:p>
+        </p:txBody>
+      </p:sp>
+      <p:pic>
+        <p:nvPicPr>
+          <p:cNvPr id="3" name="תמונה 2">
+            <a:extLst>
+              <a:ext uri="{FF2B5EF4-FFF2-40B4-BE49-F238E27FC236}">
+                <a16:creationId xmlns:a16="http://schemas.microsoft.com/office/drawing/2014/main" id="{713B69A8-3AD9-4073-B2B7-E8BD26F62F61}"/>
+              </a:ext>
+            </a:extLst>
+          </p:cNvPr>
+          <p:cNvPicPr>
+            <a:picLocks noChangeAspect="1"/>
+          </p:cNvPicPr>
+          <p:nvPr/>
+        </p:nvPicPr>
+        <p:blipFill>
+          <a:blip r:embed="rId2"/>
+          <a:stretch>
+            <a:fillRect/>
+          </a:stretch>
+        </p:blipFill>
+        <p:spPr>
+          <a:xfrm>
+            <a:off x="0" y="2739271"/>
+            <a:ext cx="7399606" cy="4118729"/>
+          </a:xfrm>
+          <a:prstGeom prst="rect">
+            <a:avLst/>
+          </a:prstGeom>
+        </p:spPr>
+      </p:pic>
+    </p:spTree>
+    <p:extLst>
+      <p:ext uri="{BB962C8B-B14F-4D97-AF65-F5344CB8AC3E}">
+        <p14:creationId xmlns:p14="http://schemas.microsoft.com/office/powerpoint/2010/main" val="2827644645"/>
+      </p:ext>
+    </p:extLst>
+  </p:cSld>
+  <p:clrMapOvr>
+    <a:masterClrMapping/>
+  </p:clrMapOvr>
+</p:sld>
+</file>
+
+<file path=ppt/slides/slide26.xml><?xml version="1.0" encoding="utf-8"?>
+<p:sld xmlns:a="http://schemas.openxmlformats.org/drawingml/2006/main" xmlns:r="http://schemas.openxmlformats.org/officeDocument/2006/relationships" xmlns:p="http://schemas.openxmlformats.org/presentationml/2006/main">
+  <p:cSld>
+    <p:spTree>
+      <p:nvGrpSpPr>
+        <p:cNvPr id="1" name=""/>
+        <p:cNvGrpSpPr/>
+        <p:nvPr/>
+      </p:nvGrpSpPr>
+      <p:grpSpPr>
+        <a:xfrm>
+          <a:off x="0" y="0"/>
+          <a:ext cx="0" cy="0"/>
+          <a:chOff x="0" y="0"/>
+          <a:chExt cx="0" cy="0"/>
+        </a:xfrm>
+      </p:grpSpPr>
+      <p:sp>
+        <p:nvSpPr>
+          <p:cNvPr id="2" name="כותרת 1">
+            <a:extLst>
+              <a:ext uri="{FF2B5EF4-FFF2-40B4-BE49-F238E27FC236}">
+                <a16:creationId xmlns:a16="http://schemas.microsoft.com/office/drawing/2014/main" id="{92A500EE-F6C5-4C79-92F1-D2FDEE8174A4}"/>
+              </a:ext>
+            </a:extLst>
+          </p:cNvPr>
+          <p:cNvSpPr>
+            <a:spLocks noGrp="1"/>
+          </p:cNvSpPr>
+          <p:nvPr>
+            <p:ph type="title"/>
+          </p:nvPr>
+        </p:nvSpPr>
+        <p:spPr>
+          <a:xfrm>
+            <a:off x="1154954" y="973669"/>
+            <a:ext cx="8825659" cy="706964"/>
+          </a:xfrm>
+        </p:spPr>
+        <p:txBody>
+          <a:bodyPr/>
+          <a:lstStyle/>
+          <a:p>
+            <a:pPr algn="ctr"/>
+            <a:r>
+              <a:rPr lang="he-IL"/>
+              <a:t>מסך התחברות</a:t>
+            </a:r>
+            <a:endParaRPr lang="he-IL" dirty="0"/>
+          </a:p>
+        </p:txBody>
+      </p:sp>
+      <p:sp>
+        <p:nvSpPr>
+          <p:cNvPr id="17" name="תיבת טקסט 16">
+            <a:extLst>
+              <a:ext uri="{FF2B5EF4-FFF2-40B4-BE49-F238E27FC236}">
+                <a16:creationId xmlns:a16="http://schemas.microsoft.com/office/drawing/2014/main" id="{2F642565-7D83-416E-A7D1-4FA3B48B83E1}"/>
+              </a:ext>
+            </a:extLst>
+          </p:cNvPr>
+          <p:cNvSpPr txBox="1"/>
+          <p:nvPr/>
+        </p:nvSpPr>
+        <p:spPr>
+          <a:xfrm>
+            <a:off x="7540282" y="2739271"/>
+            <a:ext cx="4487594" cy="1200329"/>
+          </a:xfrm>
+          <a:prstGeom prst="rect">
+            <a:avLst/>
+          </a:prstGeom>
+          <a:noFill/>
+        </p:spPr>
+        <p:txBody>
+          <a:bodyPr wrap="square" rtlCol="1">
+            <a:spAutoFit/>
+          </a:bodyPr>
+          <a:lstStyle/>
+          <a:p>
+            <a:pPr marL="285750" indent="-285750" algn="r" rtl="1">
+              <a:buFont typeface="Arial" panose="020B0604020202020204" pitchFamily="34" charset="0"/>
+              <a:buChar char="•"/>
+            </a:pPr>
+            <a:r>
+              <a:rPr lang="he-IL" dirty="0"/>
+              <a:t>בעת הכנסת אחד מהשדות ערך שגוי ולחיצה על התחברות, נוסיף שגיאה מתאימה למשתמש המסבירה מה קרה – </a:t>
+            </a:r>
+            <a:r>
+              <a:rPr lang="he-IL" b="1" dirty="0"/>
+              <a:t>התאוששות משגיאות.</a:t>
+            </a:r>
+            <a:endParaRPr lang="he-IL" dirty="0"/>
+          </a:p>
+        </p:txBody>
+      </p:sp>
+      <p:pic>
+        <p:nvPicPr>
+          <p:cNvPr id="4" name="תמונה 3">
+            <a:extLst>
+              <a:ext uri="{FF2B5EF4-FFF2-40B4-BE49-F238E27FC236}">
+                <a16:creationId xmlns:a16="http://schemas.microsoft.com/office/drawing/2014/main" id="{FFFAB130-62FE-4E0C-9148-B93FEA07DEF3}"/>
+              </a:ext>
+            </a:extLst>
+          </p:cNvPr>
+          <p:cNvPicPr>
+            <a:picLocks noChangeAspect="1"/>
+          </p:cNvPicPr>
+          <p:nvPr/>
+        </p:nvPicPr>
+        <p:blipFill>
+          <a:blip r:embed="rId2"/>
+          <a:stretch>
+            <a:fillRect/>
+          </a:stretch>
+        </p:blipFill>
+        <p:spPr>
+          <a:xfrm>
+            <a:off x="1" y="2609458"/>
+            <a:ext cx="7540282" cy="4248541"/>
+          </a:xfrm>
+          <a:prstGeom prst="rect">
+            <a:avLst/>
+          </a:prstGeom>
+        </p:spPr>
+      </p:pic>
+    </p:spTree>
+    <p:extLst>
+      <p:ext uri="{BB962C8B-B14F-4D97-AF65-F5344CB8AC3E}">
+        <p14:creationId xmlns:p14="http://schemas.microsoft.com/office/powerpoint/2010/main" val="1321157970"/>
+      </p:ext>
+    </p:extLst>
+  </p:cSld>
+  <p:clrMapOvr>
+    <a:masterClrMapping/>
+  </p:clrMapOvr>
+</p:sld>
+</file>
+
+<file path=ppt/slides/slide27.xml><?xml version="1.0" encoding="utf-8"?>
+<p:sld xmlns:a="http://schemas.openxmlformats.org/drawingml/2006/main" xmlns:r="http://schemas.openxmlformats.org/officeDocument/2006/relationships" xmlns:p="http://schemas.openxmlformats.org/presentationml/2006/main">
+  <p:cSld>
+    <p:spTree>
+      <p:nvGrpSpPr>
+        <p:cNvPr id="1" name=""/>
+        <p:cNvGrpSpPr/>
+        <p:nvPr/>
+      </p:nvGrpSpPr>
+      <p:grpSpPr>
+        <a:xfrm>
+          <a:off x="0" y="0"/>
+          <a:ext cx="0" cy="0"/>
+          <a:chOff x="0" y="0"/>
+          <a:chExt cx="0" cy="0"/>
+        </a:xfrm>
+      </p:grpSpPr>
+      <p:sp>
+        <p:nvSpPr>
+          <p:cNvPr id="2" name="כותרת 1">
+            <a:extLst>
+              <a:ext uri="{FF2B5EF4-FFF2-40B4-BE49-F238E27FC236}">
+                <a16:creationId xmlns:a16="http://schemas.microsoft.com/office/drawing/2014/main" id="{92A500EE-F6C5-4C79-92F1-D2FDEE8174A4}"/>
+              </a:ext>
+            </a:extLst>
+          </p:cNvPr>
+          <p:cNvSpPr>
+            <a:spLocks noGrp="1"/>
+          </p:cNvSpPr>
+          <p:nvPr>
+            <p:ph type="title"/>
+          </p:nvPr>
+        </p:nvSpPr>
+        <p:spPr>
+          <a:xfrm>
+            <a:off x="1154954" y="973669"/>
+            <a:ext cx="8825659" cy="706964"/>
+          </a:xfrm>
+        </p:spPr>
+        <p:txBody>
+          <a:bodyPr/>
+          <a:lstStyle/>
+          <a:p>
+            <a:pPr algn="ctr"/>
+            <a:r>
+              <a:rPr lang="he-IL"/>
+              <a:t>מסך התחברות</a:t>
+            </a:r>
+            <a:endParaRPr lang="he-IL" dirty="0"/>
+          </a:p>
+        </p:txBody>
+      </p:sp>
+      <p:sp>
+        <p:nvSpPr>
+          <p:cNvPr id="17" name="תיבת טקסט 16">
+            <a:extLst>
+              <a:ext uri="{FF2B5EF4-FFF2-40B4-BE49-F238E27FC236}">
+                <a16:creationId xmlns:a16="http://schemas.microsoft.com/office/drawing/2014/main" id="{2F642565-7D83-416E-A7D1-4FA3B48B83E1}"/>
+              </a:ext>
+            </a:extLst>
+          </p:cNvPr>
+          <p:cNvSpPr txBox="1"/>
+          <p:nvPr/>
+        </p:nvSpPr>
+        <p:spPr>
+          <a:xfrm>
+            <a:off x="7540282" y="2739271"/>
+            <a:ext cx="4487594" cy="646331"/>
+          </a:xfrm>
+          <a:prstGeom prst="rect">
+            <a:avLst/>
+          </a:prstGeom>
+          <a:noFill/>
+        </p:spPr>
+        <p:txBody>
+          <a:bodyPr wrap="square" rtlCol="1">
+            <a:spAutoFit/>
+          </a:bodyPr>
+          <a:lstStyle/>
+          <a:p>
+            <a:pPr marL="285750" indent="-285750" algn="r" rtl="1">
+              <a:buFont typeface="Arial" panose="020B0604020202020204" pitchFamily="34" charset="0"/>
+              <a:buChar char="•"/>
+            </a:pPr>
+            <a:r>
+              <a:rPr lang="he-IL" dirty="0"/>
               <a:t>הוספנו אפשרות של "שכחתי סיסמה" על מנת לאפשר למשתמש לשחזר סיסמה.</a:t>
             </a:r>
           </a:p>
@@ -15616,319 +16271,6 @@
     <p:extLst>
       <p:ext uri="{BB962C8B-B14F-4D97-AF65-F5344CB8AC3E}">
         <p14:creationId xmlns:p14="http://schemas.microsoft.com/office/powerpoint/2010/main" val="2957022314"/>
-      </p:ext>
-    </p:extLst>
-  </p:cSld>
-  <p:clrMapOvr>
-    <a:masterClrMapping/>
-  </p:clrMapOvr>
-</p:sld>
-</file>
-
-<file path=ppt/slides/slide26.xml><?xml version="1.0" encoding="utf-8"?>
-<p:sld xmlns:a="http://schemas.openxmlformats.org/drawingml/2006/main" xmlns:r="http://schemas.openxmlformats.org/officeDocument/2006/relationships" xmlns:p="http://schemas.openxmlformats.org/presentationml/2006/main">
-  <p:cSld>
-    <p:spTree>
-      <p:nvGrpSpPr>
-        <p:cNvPr id="1" name=""/>
-        <p:cNvGrpSpPr/>
-        <p:nvPr/>
-      </p:nvGrpSpPr>
-      <p:grpSpPr>
-        <a:xfrm>
-          <a:off x="0" y="0"/>
-          <a:ext cx="0" cy="0"/>
-          <a:chOff x="0" y="0"/>
-          <a:chExt cx="0" cy="0"/>
-        </a:xfrm>
-      </p:grpSpPr>
-      <p:sp>
-        <p:nvSpPr>
-          <p:cNvPr id="2" name="כותרת 1">
-            <a:extLst>
-              <a:ext uri="{FF2B5EF4-FFF2-40B4-BE49-F238E27FC236}">
-                <a16:creationId xmlns:a16="http://schemas.microsoft.com/office/drawing/2014/main" id="{DE777293-170B-4164-A212-000191C56DFE}"/>
-              </a:ext>
-            </a:extLst>
-          </p:cNvPr>
-          <p:cNvSpPr>
-            <a:spLocks noGrp="1"/>
-          </p:cNvSpPr>
-          <p:nvPr>
-            <p:ph type="title"/>
-          </p:nvPr>
-        </p:nvSpPr>
-        <p:spPr/>
-        <p:txBody>
-          <a:bodyPr/>
-          <a:lstStyle/>
-          <a:p>
-            <a:pPr algn="ctr" rtl="1"/>
-            <a:r>
-              <a:rPr lang="he-IL"/>
-              <a:t>מסך </a:t>
-            </a:r>
-            <a:r>
-              <a:rPr lang="he-IL" dirty="0"/>
-              <a:t>הרשמה</a:t>
-            </a:r>
-          </a:p>
-        </p:txBody>
-      </p:sp>
-      <p:sp>
-        <p:nvSpPr>
-          <p:cNvPr id="5" name="תיבת טקסט 4">
-            <a:extLst>
-              <a:ext uri="{FF2B5EF4-FFF2-40B4-BE49-F238E27FC236}">
-                <a16:creationId xmlns:a16="http://schemas.microsoft.com/office/drawing/2014/main" id="{49C1F48E-4344-478F-B955-03346A467B7E}"/>
-              </a:ext>
-            </a:extLst>
-          </p:cNvPr>
-          <p:cNvSpPr txBox="1"/>
-          <p:nvPr/>
-        </p:nvSpPr>
-        <p:spPr>
-          <a:xfrm>
-            <a:off x="7919696" y="2477527"/>
-            <a:ext cx="4121834" cy="3970318"/>
-          </a:xfrm>
-          <a:prstGeom prst="rect">
-            <a:avLst/>
-          </a:prstGeom>
-          <a:noFill/>
-        </p:spPr>
-        <p:txBody>
-          <a:bodyPr wrap="square" rtlCol="1">
-            <a:spAutoFit/>
-          </a:bodyPr>
-          <a:lstStyle/>
-          <a:p>
-            <a:pPr marL="285750" indent="-285750" algn="r" rtl="1">
-              <a:buFont typeface="Arial" panose="020B0604020202020204" pitchFamily="34" charset="0"/>
-              <a:buChar char="•"/>
-            </a:pPr>
-            <a:r>
-              <a:rPr lang="he-IL" dirty="0"/>
-              <a:t>שינינו את עיצוב השדות כך שיראו יותר מעודכנים.</a:t>
-            </a:r>
-          </a:p>
-          <a:p>
-            <a:pPr marL="285750" indent="-285750" algn="r" rtl="1">
-              <a:buFont typeface="Arial" panose="020B0604020202020204" pitchFamily="34" charset="0"/>
-              <a:buChar char="•"/>
-            </a:pPr>
-            <a:r>
-              <a:rPr lang="he-IL" dirty="0"/>
-              <a:t>הוספנו סמלים מתאימים בצד כל שדה כך שיהיה ברור למשתמש מה עליו להכניס בשדה אותו הוא ממלא – </a:t>
-            </a:r>
-            <a:r>
-              <a:rPr lang="he-IL" b="1" dirty="0"/>
-              <a:t>זיהוי ולא זיכרון.</a:t>
-            </a:r>
-            <a:endParaRPr lang="he-IL" dirty="0"/>
-          </a:p>
-          <a:p>
-            <a:pPr marL="285750" indent="-285750" algn="r" rtl="1">
-              <a:buFont typeface="Arial" panose="020B0604020202020204" pitchFamily="34" charset="0"/>
-              <a:buChar char="•"/>
-            </a:pPr>
-            <a:r>
-              <a:rPr lang="he-IL" dirty="0"/>
-              <a:t>הוספנו תיאור לבחירת המין כדי שיהיה ברור יותר למשתמש מה עליו לבחור, בנוסף סימנו את המין "זכר" כברירת מחדל – </a:t>
-            </a:r>
-            <a:r>
-              <a:rPr lang="he-IL" b="1" dirty="0"/>
-              <a:t>מניעת טעויות.</a:t>
-            </a:r>
-            <a:endParaRPr lang="he-IL" dirty="0"/>
-          </a:p>
-          <a:p>
-            <a:pPr marL="285750" indent="-285750" algn="r" rtl="1">
-              <a:buFont typeface="Arial" panose="020B0604020202020204" pitchFamily="34" charset="0"/>
-              <a:buChar char="•"/>
-            </a:pPr>
-            <a:r>
-              <a:rPr lang="he-IL" dirty="0"/>
-              <a:t>הוספנו את אותה התנהגות של השדות כמו במסך ההתחברות (הדגשת השדה כאשר המשתמש מפוקס עליו + קיצורי מקשים) - </a:t>
-            </a:r>
-            <a:r>
-              <a:rPr lang="he-IL" b="1" dirty="0"/>
-              <a:t>חיווי מצב המערכת + גמישות ויעילות שימוש.</a:t>
-            </a:r>
-          </a:p>
-        </p:txBody>
-      </p:sp>
-      <p:pic>
-        <p:nvPicPr>
-          <p:cNvPr id="3" name="תמונה 2">
-            <a:extLst>
-              <a:ext uri="{FF2B5EF4-FFF2-40B4-BE49-F238E27FC236}">
-                <a16:creationId xmlns:a16="http://schemas.microsoft.com/office/drawing/2014/main" id="{EDBDBFCF-CC0C-44D5-822E-F5193ADFCEC5}"/>
-              </a:ext>
-            </a:extLst>
-          </p:cNvPr>
-          <p:cNvPicPr>
-            <a:picLocks noChangeAspect="1"/>
-          </p:cNvPicPr>
-          <p:nvPr/>
-        </p:nvPicPr>
-        <p:blipFill>
-          <a:blip r:embed="rId2"/>
-          <a:stretch>
-            <a:fillRect/>
-          </a:stretch>
-        </p:blipFill>
-        <p:spPr>
-          <a:xfrm>
-            <a:off x="0" y="2477527"/>
-            <a:ext cx="7795603" cy="4380473"/>
-          </a:xfrm>
-          <a:prstGeom prst="rect">
-            <a:avLst/>
-          </a:prstGeom>
-        </p:spPr>
-      </p:pic>
-    </p:spTree>
-    <p:extLst>
-      <p:ext uri="{BB962C8B-B14F-4D97-AF65-F5344CB8AC3E}">
-        <p14:creationId xmlns:p14="http://schemas.microsoft.com/office/powerpoint/2010/main" val="1933346331"/>
-      </p:ext>
-    </p:extLst>
-  </p:cSld>
-  <p:clrMapOvr>
-    <a:masterClrMapping/>
-  </p:clrMapOvr>
-</p:sld>
-</file>
-
-<file path=ppt/slides/slide27.xml><?xml version="1.0" encoding="utf-8"?>
-<p:sld xmlns:a="http://schemas.openxmlformats.org/drawingml/2006/main" xmlns:r="http://schemas.openxmlformats.org/officeDocument/2006/relationships" xmlns:p="http://schemas.openxmlformats.org/presentationml/2006/main">
-  <p:cSld>
-    <p:spTree>
-      <p:nvGrpSpPr>
-        <p:cNvPr id="1" name=""/>
-        <p:cNvGrpSpPr/>
-        <p:nvPr/>
-      </p:nvGrpSpPr>
-      <p:grpSpPr>
-        <a:xfrm>
-          <a:off x="0" y="0"/>
-          <a:ext cx="0" cy="0"/>
-          <a:chOff x="0" y="0"/>
-          <a:chExt cx="0" cy="0"/>
-        </a:xfrm>
-      </p:grpSpPr>
-      <p:sp>
-        <p:nvSpPr>
-          <p:cNvPr id="2" name="כותרת 1">
-            <a:extLst>
-              <a:ext uri="{FF2B5EF4-FFF2-40B4-BE49-F238E27FC236}">
-                <a16:creationId xmlns:a16="http://schemas.microsoft.com/office/drawing/2014/main" id="{DE777293-170B-4164-A212-000191C56DFE}"/>
-              </a:ext>
-            </a:extLst>
-          </p:cNvPr>
-          <p:cNvSpPr>
-            <a:spLocks noGrp="1"/>
-          </p:cNvSpPr>
-          <p:nvPr>
-            <p:ph type="title"/>
-          </p:nvPr>
-        </p:nvSpPr>
-        <p:spPr/>
-        <p:txBody>
-          <a:bodyPr/>
-          <a:lstStyle/>
-          <a:p>
-            <a:pPr algn="ctr" rtl="1"/>
-            <a:r>
-              <a:rPr lang="he-IL"/>
-              <a:t>מסך </a:t>
-            </a:r>
-            <a:r>
-              <a:rPr lang="he-IL" dirty="0"/>
-              <a:t>הרשמה</a:t>
-            </a:r>
-          </a:p>
-        </p:txBody>
-      </p:sp>
-      <p:sp>
-        <p:nvSpPr>
-          <p:cNvPr id="5" name="תיבת טקסט 4">
-            <a:extLst>
-              <a:ext uri="{FF2B5EF4-FFF2-40B4-BE49-F238E27FC236}">
-                <a16:creationId xmlns:a16="http://schemas.microsoft.com/office/drawing/2014/main" id="{49C1F48E-4344-478F-B955-03346A467B7E}"/>
-              </a:ext>
-            </a:extLst>
-          </p:cNvPr>
-          <p:cNvSpPr txBox="1"/>
-          <p:nvPr/>
-        </p:nvSpPr>
-        <p:spPr>
-          <a:xfrm>
-            <a:off x="7919696" y="2477527"/>
-            <a:ext cx="4121834" cy="923330"/>
-          </a:xfrm>
-          <a:prstGeom prst="rect">
-            <a:avLst/>
-          </a:prstGeom>
-          <a:noFill/>
-        </p:spPr>
-        <p:txBody>
-          <a:bodyPr wrap="square" rtlCol="1">
-            <a:spAutoFit/>
-          </a:bodyPr>
-          <a:lstStyle/>
-          <a:p>
-            <a:pPr marL="285750" indent="-285750" algn="r" rtl="1">
-              <a:buFont typeface="Arial" panose="020B0604020202020204" pitchFamily="34" charset="0"/>
-              <a:buChar char="•"/>
-            </a:pPr>
-            <a:r>
-              <a:rPr lang="he-IL" dirty="0"/>
-              <a:t>הוספנו הדגשה עבור כל שדה חובה והסבר בתחתית העמוד המסביר מהי ההדגשה – </a:t>
-            </a:r>
-            <a:r>
-              <a:rPr lang="he-IL" b="1" dirty="0"/>
-              <a:t>מניעת טעויות.</a:t>
-            </a:r>
-            <a:endParaRPr lang="he-IL" dirty="0"/>
-          </a:p>
-        </p:txBody>
-      </p:sp>
-      <p:pic>
-        <p:nvPicPr>
-          <p:cNvPr id="4" name="תמונה 3">
-            <a:extLst>
-              <a:ext uri="{FF2B5EF4-FFF2-40B4-BE49-F238E27FC236}">
-                <a16:creationId xmlns:a16="http://schemas.microsoft.com/office/drawing/2014/main" id="{F7A459F8-8EB4-4454-BC2E-F42597AF3D89}"/>
-              </a:ext>
-            </a:extLst>
-          </p:cNvPr>
-          <p:cNvPicPr>
-            <a:picLocks noChangeAspect="1"/>
-          </p:cNvPicPr>
-          <p:nvPr/>
-        </p:nvPicPr>
-        <p:blipFill>
-          <a:blip r:embed="rId2"/>
-          <a:stretch>
-            <a:fillRect/>
-          </a:stretch>
-        </p:blipFill>
-        <p:spPr>
-          <a:xfrm>
-            <a:off x="1" y="2393328"/>
-            <a:ext cx="7919696" cy="4464671"/>
-          </a:xfrm>
-          <a:prstGeom prst="rect">
-            <a:avLst/>
-          </a:prstGeom>
-        </p:spPr>
-      </p:pic>
-    </p:spTree>
-    <p:extLst>
-      <p:ext uri="{BB962C8B-B14F-4D97-AF65-F5344CB8AC3E}">
-        <p14:creationId xmlns:p14="http://schemas.microsoft.com/office/powerpoint/2010/main" val="567271253"/>
       </p:ext>
     </p:extLst>
   </p:cSld>
@@ -16003,7 +16345,7 @@
         <p:spPr>
           <a:xfrm>
             <a:off x="7919696" y="2477527"/>
-            <a:ext cx="4121834" cy="1477328"/>
+            <a:ext cx="4121834" cy="3970318"/>
           </a:xfrm>
           <a:prstGeom prst="rect">
             <a:avLst/>
@@ -16022,7 +16364,7 @@
             </a:pPr>
             <a:r>
               <a:rPr lang="he-IL" dirty="0"/>
-              <a:t>שינינו את מיקום כפתור "הירשם", וגם שינינו את עיצובו.</a:t>
+              <a:t>שינינו את עיצוב השדות כך שיראו יותר מעודכנים.</a:t>
             </a:r>
           </a:p>
           <a:p>
@@ -16032,13 +16374,42 @@
             </a:pPr>
             <a:r>
               <a:rPr lang="he-IL" dirty="0"/>
-              <a:t>הוספנו כפתור "חזור" לחזרה למסך ההתחברות – </a:t>
+              <a:t>הוספנו סמלים מתאימים בצד כל שדה כך שיהיה ברור למשתמש מה עליו להכניס בשדה אותו הוא ממלא – </a:t>
             </a:r>
             <a:r>
               <a:rPr lang="he-IL" b="1" dirty="0"/>
-              <a:t>שליטה וחופש של המשתמש.</a:t>
+              <a:t>זיהוי ולא זיכרון.</a:t>
             </a:r>
             <a:endParaRPr lang="he-IL" dirty="0"/>
+          </a:p>
+          <a:p>
+            <a:pPr marL="285750" indent="-285750" algn="r" rtl="1">
+              <a:buFont typeface="Arial" panose="020B0604020202020204" pitchFamily="34" charset="0"/>
+              <a:buChar char="•"/>
+            </a:pPr>
+            <a:r>
+              <a:rPr lang="he-IL" dirty="0"/>
+              <a:t>הוספנו תיאור לבחירת המין כדי שיהיה ברור יותר למשתמש מה עליו לבחור, בנוסף סימנו את המין "זכר" כברירת מחדל – </a:t>
+            </a:r>
+            <a:r>
+              <a:rPr lang="he-IL" b="1" dirty="0"/>
+              <a:t>מניעת טעויות.</a:t>
+            </a:r>
+            <a:endParaRPr lang="he-IL" dirty="0"/>
+          </a:p>
+          <a:p>
+            <a:pPr marL="285750" indent="-285750" algn="r" rtl="1">
+              <a:buFont typeface="Arial" panose="020B0604020202020204" pitchFamily="34" charset="0"/>
+              <a:buChar char="•"/>
+            </a:pPr>
+            <a:r>
+              <a:rPr lang="he-IL" dirty="0"/>
+              <a:t>הוספנו את אותה התנהגות של השדות כמו במסך ההתחברות (הדגשת השדה כאשר המשתמש מפוקס עליו + קיצורי מקשים) - </a:t>
+            </a:r>
+            <a:r>
+              <a:rPr lang="he-IL" b="1" dirty="0"/>
+              <a:t>חיווי מצב המערכת + גמישות ויעילות שימוש.</a:t>
+            </a:r>
           </a:p>
         </p:txBody>
       </p:sp>
@@ -16047,7 +16418,7 @@
           <p:cNvPr id="3" name="תמונה 2">
             <a:extLst>
               <a:ext uri="{FF2B5EF4-FFF2-40B4-BE49-F238E27FC236}">
-                <a16:creationId xmlns:a16="http://schemas.microsoft.com/office/drawing/2014/main" id="{38430044-946A-4A50-94AE-6A5D66B2DBD5}"/>
+                <a16:creationId xmlns:a16="http://schemas.microsoft.com/office/drawing/2014/main" id="{EDBDBFCF-CC0C-44D5-822E-F5193ADFCEC5}"/>
               </a:ext>
             </a:extLst>
           </p:cNvPr>
@@ -16064,8 +16435,8 @@
         </p:blipFill>
         <p:spPr>
           <a:xfrm>
-            <a:off x="0" y="2477528"/>
-            <a:ext cx="7820968" cy="4380472"/>
+            <a:off x="0" y="2477527"/>
+            <a:ext cx="7795603" cy="4380473"/>
           </a:xfrm>
           <a:prstGeom prst="rect">
             <a:avLst/>
@@ -16075,7 +16446,7 @@
     </p:spTree>
     <p:extLst>
       <p:ext uri="{BB962C8B-B14F-4D97-AF65-F5344CB8AC3E}">
-        <p14:creationId xmlns:p14="http://schemas.microsoft.com/office/powerpoint/2010/main" val="3086947910"/>
+        <p14:creationId xmlns:p14="http://schemas.microsoft.com/office/powerpoint/2010/main" val="1933346331"/>
       </p:ext>
     </p:extLst>
   </p:cSld>
@@ -16104,10 +16475,10 @@
       </p:grpSpPr>
       <p:sp>
         <p:nvSpPr>
-          <p:cNvPr id="4" name="כותרת 1">
+          <p:cNvPr id="2" name="כותרת 1">
             <a:extLst>
               <a:ext uri="{FF2B5EF4-FFF2-40B4-BE49-F238E27FC236}">
-                <a16:creationId xmlns:a16="http://schemas.microsoft.com/office/drawing/2014/main" id="{9CE63F66-44FD-481E-9FC0-03A70DA8B208}"/>
+                <a16:creationId xmlns:a16="http://schemas.microsoft.com/office/drawing/2014/main" id="{DE777293-170B-4164-A212-000191C56DFE}"/>
               </a:ext>
             </a:extLst>
           </p:cNvPr>
@@ -16118,20 +16489,19 @@
             <p:ph type="title"/>
           </p:nvPr>
         </p:nvSpPr>
-        <p:spPr>
-          <a:xfrm>
-            <a:off x="1154954" y="973669"/>
-            <a:ext cx="8825659" cy="706964"/>
-          </a:xfrm>
-        </p:spPr>
+        <p:spPr/>
         <p:txBody>
           <a:bodyPr/>
           <a:lstStyle/>
           <a:p>
             <a:pPr algn="ctr" rtl="1"/>
             <a:r>
+              <a:rPr lang="he-IL"/>
+              <a:t>מסך </a:t>
+            </a:r>
+            <a:r>
               <a:rPr lang="he-IL" dirty="0"/>
-              <a:t>אזור אישי</a:t>
+              <a:t>הרשמה</a:t>
             </a:r>
           </a:p>
         </p:txBody>
@@ -16141,7 +16511,7 @@
           <p:cNvPr id="5" name="תיבת טקסט 4">
             <a:extLst>
               <a:ext uri="{FF2B5EF4-FFF2-40B4-BE49-F238E27FC236}">
-                <a16:creationId xmlns:a16="http://schemas.microsoft.com/office/drawing/2014/main" id="{D36CFA63-7BB9-43CF-8ED1-B5D1EE2F78F6}"/>
+                <a16:creationId xmlns:a16="http://schemas.microsoft.com/office/drawing/2014/main" id="{49C1F48E-4344-478F-B955-03346A467B7E}"/>
               </a:ext>
             </a:extLst>
           </p:cNvPr>
@@ -16150,8 +16520,8 @@
         </p:nvSpPr>
         <p:spPr>
           <a:xfrm>
-            <a:off x="7919696" y="2534088"/>
-            <a:ext cx="4121834" cy="1754326"/>
+            <a:off x="7919696" y="2477527"/>
+            <a:ext cx="4121834" cy="923330"/>
           </a:xfrm>
           <a:prstGeom prst="rect">
             <a:avLst/>
@@ -16170,24 +16540,22 @@
             </a:pPr>
             <a:r>
               <a:rPr lang="he-IL" dirty="0"/>
-              <a:t>תחילה, רצינו לשנות את אופן הפריסה של המשבצות במסך כך שהן יעבירו את האינפורמציה הרצויה למשתמש בצורה הטובה ביותר.</a:t>
-            </a:r>
-            <a:br>
-              <a:rPr lang="en-US" dirty="0"/>
-            </a:br>
-            <a:r>
-              <a:rPr lang="he-IL" dirty="0"/>
-              <a:t>הניסיון הראשון היה להעביר אותן לרשימה אחת אחרי השנייה.</a:t>
-            </a:r>
+              <a:t>הוספנו הדגשה עבור כל שדה חובה והסבר בתחתית העמוד המסביר מהי ההדגשה – </a:t>
+            </a:r>
+            <a:r>
+              <a:rPr lang="he-IL" b="1" dirty="0"/>
+              <a:t>מניעת טעויות.</a:t>
+            </a:r>
+            <a:endParaRPr lang="he-IL" dirty="0"/>
           </a:p>
         </p:txBody>
       </p:sp>
       <p:pic>
         <p:nvPicPr>
-          <p:cNvPr id="7" name="תמונה 6">
+          <p:cNvPr id="4" name="תמונה 3">
             <a:extLst>
               <a:ext uri="{FF2B5EF4-FFF2-40B4-BE49-F238E27FC236}">
-                <a16:creationId xmlns:a16="http://schemas.microsoft.com/office/drawing/2014/main" id="{CFDF37F6-ABAD-4A8F-9414-5C0E624ADA4B}"/>
+                <a16:creationId xmlns:a16="http://schemas.microsoft.com/office/drawing/2014/main" id="{F7A459F8-8EB4-4454-BC2E-F42597AF3D89}"/>
               </a:ext>
             </a:extLst>
           </p:cNvPr>
@@ -16204,8 +16572,8 @@
         </p:blipFill>
         <p:spPr>
           <a:xfrm>
-            <a:off x="2638" y="2639504"/>
-            <a:ext cx="7496301" cy="4218495"/>
+            <a:off x="1" y="2393328"/>
+            <a:ext cx="7919696" cy="4464671"/>
           </a:xfrm>
           <a:prstGeom prst="rect">
             <a:avLst/>
@@ -16215,7 +16583,7 @@
     </p:spTree>
     <p:extLst>
       <p:ext uri="{BB962C8B-B14F-4D97-AF65-F5344CB8AC3E}">
-        <p14:creationId xmlns:p14="http://schemas.microsoft.com/office/powerpoint/2010/main" val="326088053"/>
+        <p14:creationId xmlns:p14="http://schemas.microsoft.com/office/powerpoint/2010/main" val="567271253"/>
       </p:ext>
     </p:extLst>
   </p:cSld>
@@ -16672,6 +17040,293 @@
       </p:grpSpPr>
       <p:sp>
         <p:nvSpPr>
+          <p:cNvPr id="2" name="כותרת 1">
+            <a:extLst>
+              <a:ext uri="{FF2B5EF4-FFF2-40B4-BE49-F238E27FC236}">
+                <a16:creationId xmlns:a16="http://schemas.microsoft.com/office/drawing/2014/main" id="{DE777293-170B-4164-A212-000191C56DFE}"/>
+              </a:ext>
+            </a:extLst>
+          </p:cNvPr>
+          <p:cNvSpPr>
+            <a:spLocks noGrp="1"/>
+          </p:cNvSpPr>
+          <p:nvPr>
+            <p:ph type="title"/>
+          </p:nvPr>
+        </p:nvSpPr>
+        <p:spPr/>
+        <p:txBody>
+          <a:bodyPr/>
+          <a:lstStyle/>
+          <a:p>
+            <a:pPr algn="ctr" rtl="1"/>
+            <a:r>
+              <a:rPr lang="he-IL"/>
+              <a:t>מסך </a:t>
+            </a:r>
+            <a:r>
+              <a:rPr lang="he-IL" dirty="0"/>
+              <a:t>הרשמה</a:t>
+            </a:r>
+          </a:p>
+        </p:txBody>
+      </p:sp>
+      <p:sp>
+        <p:nvSpPr>
+          <p:cNvPr id="5" name="תיבת טקסט 4">
+            <a:extLst>
+              <a:ext uri="{FF2B5EF4-FFF2-40B4-BE49-F238E27FC236}">
+                <a16:creationId xmlns:a16="http://schemas.microsoft.com/office/drawing/2014/main" id="{49C1F48E-4344-478F-B955-03346A467B7E}"/>
+              </a:ext>
+            </a:extLst>
+          </p:cNvPr>
+          <p:cNvSpPr txBox="1"/>
+          <p:nvPr/>
+        </p:nvSpPr>
+        <p:spPr>
+          <a:xfrm>
+            <a:off x="7919696" y="2477527"/>
+            <a:ext cx="4121834" cy="1477328"/>
+          </a:xfrm>
+          <a:prstGeom prst="rect">
+            <a:avLst/>
+          </a:prstGeom>
+          <a:noFill/>
+        </p:spPr>
+        <p:txBody>
+          <a:bodyPr wrap="square" rtlCol="1">
+            <a:spAutoFit/>
+          </a:bodyPr>
+          <a:lstStyle/>
+          <a:p>
+            <a:pPr marL="285750" indent="-285750" algn="r" rtl="1">
+              <a:buFont typeface="Arial" panose="020B0604020202020204" pitchFamily="34" charset="0"/>
+              <a:buChar char="•"/>
+            </a:pPr>
+            <a:r>
+              <a:rPr lang="he-IL" dirty="0"/>
+              <a:t>שינינו את מיקום כפתור "הירשם", וגם שינינו את עיצובו.</a:t>
+            </a:r>
+          </a:p>
+          <a:p>
+            <a:pPr marL="285750" indent="-285750" algn="r" rtl="1">
+              <a:buFont typeface="Arial" panose="020B0604020202020204" pitchFamily="34" charset="0"/>
+              <a:buChar char="•"/>
+            </a:pPr>
+            <a:r>
+              <a:rPr lang="he-IL" dirty="0"/>
+              <a:t>הוספנו כפתור "חזור" לחזרה למסך ההתחברות – </a:t>
+            </a:r>
+            <a:r>
+              <a:rPr lang="he-IL" b="1" dirty="0"/>
+              <a:t>שליטה וחופש של המשתמש.</a:t>
+            </a:r>
+            <a:endParaRPr lang="he-IL" dirty="0"/>
+          </a:p>
+        </p:txBody>
+      </p:sp>
+      <p:pic>
+        <p:nvPicPr>
+          <p:cNvPr id="3" name="תמונה 2">
+            <a:extLst>
+              <a:ext uri="{FF2B5EF4-FFF2-40B4-BE49-F238E27FC236}">
+                <a16:creationId xmlns:a16="http://schemas.microsoft.com/office/drawing/2014/main" id="{38430044-946A-4A50-94AE-6A5D66B2DBD5}"/>
+              </a:ext>
+            </a:extLst>
+          </p:cNvPr>
+          <p:cNvPicPr>
+            <a:picLocks noChangeAspect="1"/>
+          </p:cNvPicPr>
+          <p:nvPr/>
+        </p:nvPicPr>
+        <p:blipFill>
+          <a:blip r:embed="rId2"/>
+          <a:stretch>
+            <a:fillRect/>
+          </a:stretch>
+        </p:blipFill>
+        <p:spPr>
+          <a:xfrm>
+            <a:off x="0" y="2477528"/>
+            <a:ext cx="7820968" cy="4380472"/>
+          </a:xfrm>
+          <a:prstGeom prst="rect">
+            <a:avLst/>
+          </a:prstGeom>
+        </p:spPr>
+      </p:pic>
+    </p:spTree>
+    <p:extLst>
+      <p:ext uri="{BB962C8B-B14F-4D97-AF65-F5344CB8AC3E}">
+        <p14:creationId xmlns:p14="http://schemas.microsoft.com/office/powerpoint/2010/main" val="3086947910"/>
+      </p:ext>
+    </p:extLst>
+  </p:cSld>
+  <p:clrMapOvr>
+    <a:masterClrMapping/>
+  </p:clrMapOvr>
+</p:sld>
+</file>
+
+<file path=ppt/slides/slide31.xml><?xml version="1.0" encoding="utf-8"?>
+<p:sld xmlns:a="http://schemas.openxmlformats.org/drawingml/2006/main" xmlns:r="http://schemas.openxmlformats.org/officeDocument/2006/relationships" xmlns:p="http://schemas.openxmlformats.org/presentationml/2006/main">
+  <p:cSld>
+    <p:spTree>
+      <p:nvGrpSpPr>
+        <p:cNvPr id="1" name=""/>
+        <p:cNvGrpSpPr/>
+        <p:nvPr/>
+      </p:nvGrpSpPr>
+      <p:grpSpPr>
+        <a:xfrm>
+          <a:off x="0" y="0"/>
+          <a:ext cx="0" cy="0"/>
+          <a:chOff x="0" y="0"/>
+          <a:chExt cx="0" cy="0"/>
+        </a:xfrm>
+      </p:grpSpPr>
+      <p:sp>
+        <p:nvSpPr>
+          <p:cNvPr id="4" name="כותרת 1">
+            <a:extLst>
+              <a:ext uri="{FF2B5EF4-FFF2-40B4-BE49-F238E27FC236}">
+                <a16:creationId xmlns:a16="http://schemas.microsoft.com/office/drawing/2014/main" id="{9CE63F66-44FD-481E-9FC0-03A70DA8B208}"/>
+              </a:ext>
+            </a:extLst>
+          </p:cNvPr>
+          <p:cNvSpPr>
+            <a:spLocks noGrp="1"/>
+          </p:cNvSpPr>
+          <p:nvPr>
+            <p:ph type="title"/>
+          </p:nvPr>
+        </p:nvSpPr>
+        <p:spPr>
+          <a:xfrm>
+            <a:off x="1154954" y="973669"/>
+            <a:ext cx="8825659" cy="706964"/>
+          </a:xfrm>
+        </p:spPr>
+        <p:txBody>
+          <a:bodyPr/>
+          <a:lstStyle/>
+          <a:p>
+            <a:pPr algn="ctr" rtl="1"/>
+            <a:r>
+              <a:rPr lang="he-IL" dirty="0"/>
+              <a:t>אזור אישי</a:t>
+            </a:r>
+          </a:p>
+        </p:txBody>
+      </p:sp>
+      <p:sp>
+        <p:nvSpPr>
+          <p:cNvPr id="5" name="תיבת טקסט 4">
+            <a:extLst>
+              <a:ext uri="{FF2B5EF4-FFF2-40B4-BE49-F238E27FC236}">
+                <a16:creationId xmlns:a16="http://schemas.microsoft.com/office/drawing/2014/main" id="{D36CFA63-7BB9-43CF-8ED1-B5D1EE2F78F6}"/>
+              </a:ext>
+            </a:extLst>
+          </p:cNvPr>
+          <p:cNvSpPr txBox="1"/>
+          <p:nvPr/>
+        </p:nvSpPr>
+        <p:spPr>
+          <a:xfrm>
+            <a:off x="7919696" y="2534088"/>
+            <a:ext cx="4121834" cy="1754326"/>
+          </a:xfrm>
+          <a:prstGeom prst="rect">
+            <a:avLst/>
+          </a:prstGeom>
+          <a:noFill/>
+        </p:spPr>
+        <p:txBody>
+          <a:bodyPr wrap="square" rtlCol="1">
+            <a:spAutoFit/>
+          </a:bodyPr>
+          <a:lstStyle/>
+          <a:p>
+            <a:pPr marL="285750" indent="-285750" algn="r" rtl="1">
+              <a:buFont typeface="Arial" panose="020B0604020202020204" pitchFamily="34" charset="0"/>
+              <a:buChar char="•"/>
+            </a:pPr>
+            <a:r>
+              <a:rPr lang="he-IL" dirty="0"/>
+              <a:t>תחילה, רצינו לשנות את אופן הפריסה של המשבצות במסך כך שהן יעבירו את האינפורמציה הרצויה למשתמש בצורה הטובה ביותר.</a:t>
+            </a:r>
+            <a:br>
+              <a:rPr lang="en-US" dirty="0"/>
+            </a:br>
+            <a:r>
+              <a:rPr lang="he-IL" dirty="0"/>
+              <a:t>הניסיון הראשון היה להעביר אותן לרשימה אחת אחרי השנייה.</a:t>
+            </a:r>
+          </a:p>
+        </p:txBody>
+      </p:sp>
+      <p:pic>
+        <p:nvPicPr>
+          <p:cNvPr id="7" name="תמונה 6">
+            <a:extLst>
+              <a:ext uri="{FF2B5EF4-FFF2-40B4-BE49-F238E27FC236}">
+                <a16:creationId xmlns:a16="http://schemas.microsoft.com/office/drawing/2014/main" id="{CFDF37F6-ABAD-4A8F-9414-5C0E624ADA4B}"/>
+              </a:ext>
+            </a:extLst>
+          </p:cNvPr>
+          <p:cNvPicPr>
+            <a:picLocks noChangeAspect="1"/>
+          </p:cNvPicPr>
+          <p:nvPr/>
+        </p:nvPicPr>
+        <p:blipFill>
+          <a:blip r:embed="rId2"/>
+          <a:stretch>
+            <a:fillRect/>
+          </a:stretch>
+        </p:blipFill>
+        <p:spPr>
+          <a:xfrm>
+            <a:off x="2638" y="2639504"/>
+            <a:ext cx="7496301" cy="4218495"/>
+          </a:xfrm>
+          <a:prstGeom prst="rect">
+            <a:avLst/>
+          </a:prstGeom>
+        </p:spPr>
+      </p:pic>
+    </p:spTree>
+    <p:extLst>
+      <p:ext uri="{BB962C8B-B14F-4D97-AF65-F5344CB8AC3E}">
+        <p14:creationId xmlns:p14="http://schemas.microsoft.com/office/powerpoint/2010/main" val="326088053"/>
+      </p:ext>
+    </p:extLst>
+  </p:cSld>
+  <p:clrMapOvr>
+    <a:masterClrMapping/>
+  </p:clrMapOvr>
+</p:sld>
+</file>
+
+<file path=ppt/slides/slide32.xml><?xml version="1.0" encoding="utf-8"?>
+<p:sld xmlns:a="http://schemas.openxmlformats.org/drawingml/2006/main" xmlns:r="http://schemas.openxmlformats.org/officeDocument/2006/relationships" xmlns:p="http://schemas.openxmlformats.org/presentationml/2006/main">
+  <p:cSld>
+    <p:spTree>
+      <p:nvGrpSpPr>
+        <p:cNvPr id="1" name=""/>
+        <p:cNvGrpSpPr/>
+        <p:nvPr/>
+      </p:nvGrpSpPr>
+      <p:grpSpPr>
+        <a:xfrm>
+          <a:off x="0" y="0"/>
+          <a:ext cx="0" cy="0"/>
+          <a:chOff x="0" y="0"/>
+          <a:chExt cx="0" cy="0"/>
+        </a:xfrm>
+      </p:grpSpPr>
+      <p:sp>
+        <p:nvSpPr>
           <p:cNvPr id="7" name="כותרת 1">
             <a:extLst>
               <a:ext uri="{FF2B5EF4-FFF2-40B4-BE49-F238E27FC236}">
@@ -16786,7 +17441,7 @@
 </p:sld>
 </file>
 
-<file path=ppt/slides/slide31.xml><?xml version="1.0" encoding="utf-8"?>
+<file path=ppt/slides/slide33.xml><?xml version="1.0" encoding="utf-8"?>
 <p:sld xmlns:a="http://schemas.openxmlformats.org/drawingml/2006/main" xmlns:r="http://schemas.openxmlformats.org/officeDocument/2006/relationships" xmlns:p="http://schemas.openxmlformats.org/presentationml/2006/main">
   <p:cSld>
     <p:spTree>
@@ -16933,7 +17588,7 @@
 </p:sld>
 </file>
 
-<file path=ppt/slides/slide32.xml><?xml version="1.0" encoding="utf-8"?>
+<file path=ppt/slides/slide34.xml><?xml version="1.0" encoding="utf-8"?>
 <p:sld xmlns:a="http://schemas.openxmlformats.org/drawingml/2006/main" xmlns:r="http://schemas.openxmlformats.org/officeDocument/2006/relationships" xmlns:p="http://schemas.openxmlformats.org/presentationml/2006/main">
   <p:cSld>
     <p:spTree>
@@ -17124,7 +17779,7 @@
 </p:sld>
 </file>
 
-<file path=ppt/slides/slide33.xml><?xml version="1.0" encoding="utf-8"?>
+<file path=ppt/slides/slide35.xml><?xml version="1.0" encoding="utf-8"?>
 <p:sld xmlns:a="http://schemas.openxmlformats.org/drawingml/2006/main" xmlns:r="http://schemas.openxmlformats.org/officeDocument/2006/relationships" xmlns:p="http://schemas.openxmlformats.org/presentationml/2006/main">
   <p:cSld>
     <p:spTree>
@@ -17324,7 +17979,7 @@
 </p:sld>
 </file>
 
-<file path=ppt/slides/slide34.xml><?xml version="1.0" encoding="utf-8"?>
+<file path=ppt/slides/slide36.xml><?xml version="1.0" encoding="utf-8"?>
 <p:sld xmlns:a="http://schemas.openxmlformats.org/drawingml/2006/main" xmlns:r="http://schemas.openxmlformats.org/officeDocument/2006/relationships" xmlns:p="http://schemas.openxmlformats.org/presentationml/2006/main">
   <p:cSld>
     <p:spTree>
@@ -17502,7 +18157,7 @@
 </p:sld>
 </file>
 
-<file path=ppt/slides/slide35.xml><?xml version="1.0" encoding="utf-8"?>
+<file path=ppt/slides/slide37.xml><?xml version="1.0" encoding="utf-8"?>
 <p:sld xmlns:a="http://schemas.openxmlformats.org/drawingml/2006/main" xmlns:r="http://schemas.openxmlformats.org/officeDocument/2006/relationships" xmlns:p="http://schemas.openxmlformats.org/presentationml/2006/main">
   <p:cSld>
     <p:spTree>
@@ -17668,7 +18323,7 @@
 </p:sld>
 </file>
 
-<file path=ppt/slides/slide36.xml><?xml version="1.0" encoding="utf-8"?>
+<file path=ppt/slides/slide38.xml><?xml version="1.0" encoding="utf-8"?>
 <p:sld xmlns:a="http://schemas.openxmlformats.org/drawingml/2006/main" xmlns:r="http://schemas.openxmlformats.org/officeDocument/2006/relationships" xmlns:p="http://schemas.openxmlformats.org/presentationml/2006/main">
   <p:cSld>
     <p:spTree>
@@ -17830,7 +18485,7 @@
 </p:sld>
 </file>
 
-<file path=ppt/slides/slide37.xml><?xml version="1.0" encoding="utf-8"?>
+<file path=ppt/slides/slide39.xml><?xml version="1.0" encoding="utf-8"?>
 <p:sld xmlns:a="http://schemas.openxmlformats.org/drawingml/2006/main" xmlns:r="http://schemas.openxmlformats.org/officeDocument/2006/relationships" xmlns:p="http://schemas.openxmlformats.org/presentationml/2006/main">
   <p:cSld>
     <p:spTree>
@@ -18287,7 +18942,221 @@
 </p:sld>
 </file>
 
-<file path=ppt/slides/slide38.xml><?xml version="1.0" encoding="utf-8"?>
+<file path=ppt/slides/slide4.xml><?xml version="1.0" encoding="utf-8"?>
+<p:sld xmlns:a="http://schemas.openxmlformats.org/drawingml/2006/main" xmlns:r="http://schemas.openxmlformats.org/officeDocument/2006/relationships" xmlns:p="http://schemas.openxmlformats.org/presentationml/2006/main">
+  <p:cSld>
+    <p:spTree>
+      <p:nvGrpSpPr>
+        <p:cNvPr id="1" name=""/>
+        <p:cNvGrpSpPr/>
+        <p:nvPr/>
+      </p:nvGrpSpPr>
+      <p:grpSpPr>
+        <a:xfrm>
+          <a:off x="0" y="0"/>
+          <a:ext cx="0" cy="0"/>
+          <a:chOff x="0" y="0"/>
+          <a:chExt cx="0" cy="0"/>
+        </a:xfrm>
+      </p:grpSpPr>
+      <p:sp>
+        <p:nvSpPr>
+          <p:cNvPr id="2" name="כותרת 1">
+            <a:extLst>
+              <a:ext uri="{FF2B5EF4-FFF2-40B4-BE49-F238E27FC236}">
+                <a16:creationId xmlns:a16="http://schemas.microsoft.com/office/drawing/2014/main" id="{DF2A96FA-B4FE-4351-857B-1D4C8D1B532E}"/>
+              </a:ext>
+            </a:extLst>
+          </p:cNvPr>
+          <p:cNvSpPr>
+            <a:spLocks noGrp="1"/>
+          </p:cNvSpPr>
+          <p:nvPr>
+            <p:ph type="title"/>
+          </p:nvPr>
+        </p:nvSpPr>
+        <p:spPr/>
+        <p:txBody>
+          <a:bodyPr/>
+          <a:lstStyle/>
+          <a:p>
+            <a:pPr algn="ctr"/>
+            <a:r>
+              <a:rPr lang="he-IL" dirty="0"/>
+              <a:t>בעיות כלליות</a:t>
+            </a:r>
+            <a:endParaRPr lang="en-US" dirty="0"/>
+          </a:p>
+        </p:txBody>
+      </p:sp>
+      <p:sp>
+        <p:nvSpPr>
+          <p:cNvPr id="4" name="TextBox 26">
+            <a:extLst>
+              <a:ext uri="{FF2B5EF4-FFF2-40B4-BE49-F238E27FC236}">
+                <a16:creationId xmlns:a16="http://schemas.microsoft.com/office/drawing/2014/main" id="{BE063305-7885-45A4-8B6E-A96B39D54367}"/>
+              </a:ext>
+            </a:extLst>
+          </p:cNvPr>
+          <p:cNvSpPr txBox="1"/>
+          <p:nvPr/>
+        </p:nvSpPr>
+        <p:spPr>
+          <a:xfrm>
+            <a:off x="3714161" y="2325950"/>
+            <a:ext cx="8022119" cy="3739998"/>
+          </a:xfrm>
+          <a:prstGeom prst="rect">
+            <a:avLst/>
+          </a:prstGeom>
+          <a:noFill/>
+        </p:spPr>
+        <p:txBody>
+          <a:bodyPr wrap="square" rtlCol="0">
+            <a:spAutoFit/>
+          </a:bodyPr>
+          <a:lstStyle/>
+          <a:p>
+            <a:pPr marL="285750" indent="-285750" algn="r" rtl="1">
+              <a:lnSpc>
+                <a:spcPct val="150000"/>
+              </a:lnSpc>
+              <a:buFont typeface="Arial" panose="020B0604020202020204" pitchFamily="34" charset="0"/>
+              <a:buChar char="•"/>
+            </a:pPr>
+            <a:r>
+              <a:rPr lang="he-IL" sz="1600" dirty="0"/>
+              <a:t>תפריט ניווט לא ברור – מערב ניווט לדפים וכמו כן מערב פעולה של הוספת פגישה שלא אמורה להיות חלק מהתפריט .</a:t>
+            </a:r>
+          </a:p>
+          <a:p>
+            <a:pPr marL="285750" indent="-285750" algn="r" rtl="1">
+              <a:lnSpc>
+                <a:spcPct val="150000"/>
+              </a:lnSpc>
+              <a:buFont typeface="Arial" panose="020B0604020202020204" pitchFamily="34" charset="0"/>
+              <a:buChar char="•"/>
+            </a:pPr>
+            <a:r>
+              <a:rPr lang="he-IL" sz="1600" dirty="0"/>
+              <a:t>אין אחידות בין המסכים, לדוגמא:</a:t>
+            </a:r>
+            <a:r>
+              <a:rPr lang="en-US" sz="1600" dirty="0"/>
+              <a:t> </a:t>
+            </a:r>
+            <a:r>
+              <a:rPr lang="he-IL" sz="1600" dirty="0"/>
+              <a:t>כפתורי הוספה</a:t>
+            </a:r>
+            <a:r>
+              <a:rPr lang="en-US" sz="1600" dirty="0"/>
+              <a:t>/</a:t>
+            </a:r>
+            <a:r>
+              <a:rPr lang="he-IL" sz="1600" dirty="0"/>
+              <a:t>ביטול שונים בכמה מסכים - </a:t>
+            </a:r>
+            <a:r>
+              <a:rPr lang="he-IL" sz="1600" b="1" dirty="0"/>
+              <a:t>עקיבות וסטנדרטים.</a:t>
+            </a:r>
+          </a:p>
+          <a:p>
+            <a:pPr marL="285750" indent="-285750" algn="r" rtl="1">
+              <a:lnSpc>
+                <a:spcPct val="150000"/>
+              </a:lnSpc>
+              <a:buFont typeface="Arial" panose="020B0604020202020204" pitchFamily="34" charset="0"/>
+              <a:buChar char="•"/>
+            </a:pPr>
+            <a:r>
+              <a:rPr lang="he-IL" sz="1600" dirty="0"/>
+              <a:t>חוסר ניצול של המסך – יש הרבה רווחים מיותרים.</a:t>
+            </a:r>
+          </a:p>
+          <a:p>
+            <a:pPr marL="285750" indent="-285750" algn="r" rtl="1">
+              <a:lnSpc>
+                <a:spcPct val="150000"/>
+              </a:lnSpc>
+              <a:buFont typeface="Arial" panose="020B0604020202020204" pitchFamily="34" charset="0"/>
+              <a:buChar char="•"/>
+            </a:pPr>
+            <a:r>
+              <a:rPr lang="he-IL" sz="1600" dirty="0"/>
+              <a:t>אין חיווי למשתמש באיזה דף הוא נמצא בכל רגע - </a:t>
+            </a:r>
+            <a:r>
+              <a:rPr lang="he-IL" sz="1600" b="1" dirty="0"/>
+              <a:t>נראות מצב המערכת.</a:t>
+            </a:r>
+          </a:p>
+          <a:p>
+            <a:pPr marL="285750" indent="-285750" algn="r" rtl="1">
+              <a:lnSpc>
+                <a:spcPct val="150000"/>
+              </a:lnSpc>
+              <a:buFont typeface="Arial" panose="020B0604020202020204" pitchFamily="34" charset="0"/>
+              <a:buChar char="•"/>
+            </a:pPr>
+            <a:r>
+              <a:rPr lang="he-IL" sz="1600" dirty="0"/>
+              <a:t>המשתמש לא יכול לתקן או לשנות פעולות, לדוגמא: אם המשתמש ביטל פגישה או אישר אותה הוא לא יכול לעשות את הפעולה ההפוכה. – </a:t>
+            </a:r>
+            <a:r>
+              <a:rPr lang="he-IL" sz="1600" b="1" dirty="0"/>
+              <a:t>שליטה וחופש של המשתמש.</a:t>
+            </a:r>
+            <a:endParaRPr lang="he-IL" sz="1600" dirty="0"/>
+          </a:p>
+          <a:p>
+            <a:pPr marL="285750" indent="-285750" algn="r" rtl="1">
+              <a:lnSpc>
+                <a:spcPct val="150000"/>
+              </a:lnSpc>
+              <a:buFont typeface="Arial" panose="020B0604020202020204" pitchFamily="34" charset="0"/>
+              <a:buChar char="•"/>
+            </a:pPr>
+            <a:r>
+              <a:rPr lang="he-IL" sz="1600" dirty="0"/>
+              <a:t>אין פופ - אפים לאישור הפעולה, דרך </a:t>
+            </a:r>
+            <a:r>
+              <a:rPr lang="he-IL" sz="1600" b="1" dirty="0"/>
+              <a:t>למניעת טעויות.</a:t>
+            </a:r>
+          </a:p>
+          <a:p>
+            <a:pPr marL="285750" indent="-285750" algn="r" rtl="1">
+              <a:lnSpc>
+                <a:spcPct val="150000"/>
+              </a:lnSpc>
+              <a:buFont typeface="Arial" panose="020B0604020202020204" pitchFamily="34" charset="0"/>
+              <a:buChar char="•"/>
+            </a:pPr>
+            <a:r>
+              <a:rPr lang="he-IL" sz="1600" dirty="0"/>
+              <a:t>בחירת צבעים לקויה, צבעים לא מזמינים.</a:t>
+            </a:r>
+            <a:endParaRPr lang="he-IL" sz="1600" b="1" dirty="0"/>
+          </a:p>
+        </p:txBody>
+      </p:sp>
+    </p:spTree>
+    <p:extLst>
+      <p:ext uri="{BB962C8B-B14F-4D97-AF65-F5344CB8AC3E}">
+        <p14:creationId xmlns:p14="http://schemas.microsoft.com/office/powerpoint/2010/main" val="2030906434"/>
+      </p:ext>
+    </p:extLst>
+  </p:cSld>
+  <p:clrMapOvr>
+    <a:masterClrMapping/>
+  </p:clrMapOvr>
+</p:sld>
+</file>
+
+<file path=ppt/slides/slide40.xml><?xml version="1.0" encoding="utf-8"?>
 <p:sld xmlns:a="http://schemas.openxmlformats.org/drawingml/2006/main" xmlns:r="http://schemas.openxmlformats.org/officeDocument/2006/relationships" xmlns:p="http://schemas.openxmlformats.org/presentationml/2006/main">
   <p:cSld>
     <p:spTree>
@@ -18884,7 +19753,7 @@
 </p:sld>
 </file>
 
-<file path=ppt/slides/slide39.xml><?xml version="1.0" encoding="utf-8"?>
+<file path=ppt/slides/slide41.xml><?xml version="1.0" encoding="utf-8"?>
 <p:sld xmlns:a="http://schemas.openxmlformats.org/drawingml/2006/main" xmlns:r="http://schemas.openxmlformats.org/officeDocument/2006/relationships" xmlns:p="http://schemas.openxmlformats.org/presentationml/2006/main">
   <p:cSld>
     <p:spTree>
@@ -19423,221 +20292,7 @@
 </p:sld>
 </file>
 
-<file path=ppt/slides/slide4.xml><?xml version="1.0" encoding="utf-8"?>
-<p:sld xmlns:a="http://schemas.openxmlformats.org/drawingml/2006/main" xmlns:r="http://schemas.openxmlformats.org/officeDocument/2006/relationships" xmlns:p="http://schemas.openxmlformats.org/presentationml/2006/main">
-  <p:cSld>
-    <p:spTree>
-      <p:nvGrpSpPr>
-        <p:cNvPr id="1" name=""/>
-        <p:cNvGrpSpPr/>
-        <p:nvPr/>
-      </p:nvGrpSpPr>
-      <p:grpSpPr>
-        <a:xfrm>
-          <a:off x="0" y="0"/>
-          <a:ext cx="0" cy="0"/>
-          <a:chOff x="0" y="0"/>
-          <a:chExt cx="0" cy="0"/>
-        </a:xfrm>
-      </p:grpSpPr>
-      <p:sp>
-        <p:nvSpPr>
-          <p:cNvPr id="2" name="כותרת 1">
-            <a:extLst>
-              <a:ext uri="{FF2B5EF4-FFF2-40B4-BE49-F238E27FC236}">
-                <a16:creationId xmlns:a16="http://schemas.microsoft.com/office/drawing/2014/main" id="{DF2A96FA-B4FE-4351-857B-1D4C8D1B532E}"/>
-              </a:ext>
-            </a:extLst>
-          </p:cNvPr>
-          <p:cNvSpPr>
-            <a:spLocks noGrp="1"/>
-          </p:cNvSpPr>
-          <p:nvPr>
-            <p:ph type="title"/>
-          </p:nvPr>
-        </p:nvSpPr>
-        <p:spPr/>
-        <p:txBody>
-          <a:bodyPr/>
-          <a:lstStyle/>
-          <a:p>
-            <a:pPr algn="ctr"/>
-            <a:r>
-              <a:rPr lang="he-IL" dirty="0"/>
-              <a:t>בעיות כלליות</a:t>
-            </a:r>
-            <a:endParaRPr lang="en-US" dirty="0"/>
-          </a:p>
-        </p:txBody>
-      </p:sp>
-      <p:sp>
-        <p:nvSpPr>
-          <p:cNvPr id="4" name="TextBox 26">
-            <a:extLst>
-              <a:ext uri="{FF2B5EF4-FFF2-40B4-BE49-F238E27FC236}">
-                <a16:creationId xmlns:a16="http://schemas.microsoft.com/office/drawing/2014/main" id="{BE063305-7885-45A4-8B6E-A96B39D54367}"/>
-              </a:ext>
-            </a:extLst>
-          </p:cNvPr>
-          <p:cNvSpPr txBox="1"/>
-          <p:nvPr/>
-        </p:nvSpPr>
-        <p:spPr>
-          <a:xfrm>
-            <a:off x="3714161" y="2325950"/>
-            <a:ext cx="8022119" cy="3739998"/>
-          </a:xfrm>
-          <a:prstGeom prst="rect">
-            <a:avLst/>
-          </a:prstGeom>
-          <a:noFill/>
-        </p:spPr>
-        <p:txBody>
-          <a:bodyPr wrap="square" rtlCol="0">
-            <a:spAutoFit/>
-          </a:bodyPr>
-          <a:lstStyle/>
-          <a:p>
-            <a:pPr marL="285750" indent="-285750" algn="r" rtl="1">
-              <a:lnSpc>
-                <a:spcPct val="150000"/>
-              </a:lnSpc>
-              <a:buFont typeface="Arial" panose="020B0604020202020204" pitchFamily="34" charset="0"/>
-              <a:buChar char="•"/>
-            </a:pPr>
-            <a:r>
-              <a:rPr lang="he-IL" sz="1600" dirty="0"/>
-              <a:t>תפריט ניווט לא ברור – מערב ניווט לדפים וכמו כן מערב פעולה של הוספת פגישה שלא אמורה להיות חלק מהתפריט .</a:t>
-            </a:r>
-          </a:p>
-          <a:p>
-            <a:pPr marL="285750" indent="-285750" algn="r" rtl="1">
-              <a:lnSpc>
-                <a:spcPct val="150000"/>
-              </a:lnSpc>
-              <a:buFont typeface="Arial" panose="020B0604020202020204" pitchFamily="34" charset="0"/>
-              <a:buChar char="•"/>
-            </a:pPr>
-            <a:r>
-              <a:rPr lang="he-IL" sz="1600" dirty="0"/>
-              <a:t>אין אחידות בין המסכים, לדוגמא:</a:t>
-            </a:r>
-            <a:r>
-              <a:rPr lang="en-US" sz="1600" dirty="0"/>
-              <a:t> </a:t>
-            </a:r>
-            <a:r>
-              <a:rPr lang="he-IL" sz="1600" dirty="0"/>
-              <a:t>כפתורי הוספה</a:t>
-            </a:r>
-            <a:r>
-              <a:rPr lang="en-US" sz="1600" dirty="0"/>
-              <a:t>/</a:t>
-            </a:r>
-            <a:r>
-              <a:rPr lang="he-IL" sz="1600" dirty="0"/>
-              <a:t>ביטול שונים בכמה מסכים - </a:t>
-            </a:r>
-            <a:r>
-              <a:rPr lang="he-IL" sz="1600" b="1" dirty="0"/>
-              <a:t>עקיבות וסטנדרטים.</a:t>
-            </a:r>
-          </a:p>
-          <a:p>
-            <a:pPr marL="285750" indent="-285750" algn="r" rtl="1">
-              <a:lnSpc>
-                <a:spcPct val="150000"/>
-              </a:lnSpc>
-              <a:buFont typeface="Arial" panose="020B0604020202020204" pitchFamily="34" charset="0"/>
-              <a:buChar char="•"/>
-            </a:pPr>
-            <a:r>
-              <a:rPr lang="he-IL" sz="1600" dirty="0"/>
-              <a:t>חוסר ניצול של המסך – יש הרבה רווחים מיותרים.</a:t>
-            </a:r>
-          </a:p>
-          <a:p>
-            <a:pPr marL="285750" indent="-285750" algn="r" rtl="1">
-              <a:lnSpc>
-                <a:spcPct val="150000"/>
-              </a:lnSpc>
-              <a:buFont typeface="Arial" panose="020B0604020202020204" pitchFamily="34" charset="0"/>
-              <a:buChar char="•"/>
-            </a:pPr>
-            <a:r>
-              <a:rPr lang="he-IL" sz="1600" dirty="0"/>
-              <a:t>אין חיווי למשתמש באיזה דף הוא נמצא בכל רגע - </a:t>
-            </a:r>
-            <a:r>
-              <a:rPr lang="he-IL" sz="1600" b="1" dirty="0"/>
-              <a:t>נראות מצב המערכת.</a:t>
-            </a:r>
-          </a:p>
-          <a:p>
-            <a:pPr marL="285750" indent="-285750" algn="r" rtl="1">
-              <a:lnSpc>
-                <a:spcPct val="150000"/>
-              </a:lnSpc>
-              <a:buFont typeface="Arial" panose="020B0604020202020204" pitchFamily="34" charset="0"/>
-              <a:buChar char="•"/>
-            </a:pPr>
-            <a:r>
-              <a:rPr lang="he-IL" sz="1600" dirty="0"/>
-              <a:t>המשתמש לא יכול לתקן או לשנות פעולות, לדוגמא: אם המשתמש ביטל פגישה או אישר אותה הוא לא יכול לעשות את הפעולה ההפוכה. – </a:t>
-            </a:r>
-            <a:r>
-              <a:rPr lang="he-IL" sz="1600" b="1" dirty="0"/>
-              <a:t>שליטה וחופש של המשתמש.</a:t>
-            </a:r>
-            <a:endParaRPr lang="he-IL" sz="1600" dirty="0"/>
-          </a:p>
-          <a:p>
-            <a:pPr marL="285750" indent="-285750" algn="r" rtl="1">
-              <a:lnSpc>
-                <a:spcPct val="150000"/>
-              </a:lnSpc>
-              <a:buFont typeface="Arial" panose="020B0604020202020204" pitchFamily="34" charset="0"/>
-              <a:buChar char="•"/>
-            </a:pPr>
-            <a:r>
-              <a:rPr lang="he-IL" sz="1600" dirty="0"/>
-              <a:t>אין פופ - אפים לאישור הפעולה, דרך </a:t>
-            </a:r>
-            <a:r>
-              <a:rPr lang="he-IL" sz="1600" b="1" dirty="0"/>
-              <a:t>למניעת טעויות.</a:t>
-            </a:r>
-          </a:p>
-          <a:p>
-            <a:pPr marL="285750" indent="-285750" algn="r" rtl="1">
-              <a:lnSpc>
-                <a:spcPct val="150000"/>
-              </a:lnSpc>
-              <a:buFont typeface="Arial" panose="020B0604020202020204" pitchFamily="34" charset="0"/>
-              <a:buChar char="•"/>
-            </a:pPr>
-            <a:r>
-              <a:rPr lang="he-IL" sz="1600" dirty="0"/>
-              <a:t>בחירת צבעים לקויה, צבעים לא מזמינים.</a:t>
-            </a:r>
-            <a:endParaRPr lang="he-IL" sz="1600" b="1" dirty="0"/>
-          </a:p>
-        </p:txBody>
-      </p:sp>
-    </p:spTree>
-    <p:extLst>
-      <p:ext uri="{BB962C8B-B14F-4D97-AF65-F5344CB8AC3E}">
-        <p14:creationId xmlns:p14="http://schemas.microsoft.com/office/powerpoint/2010/main" val="2030906434"/>
-      </p:ext>
-    </p:extLst>
-  </p:cSld>
-  <p:clrMapOvr>
-    <a:masterClrMapping/>
-  </p:clrMapOvr>
-</p:sld>
-</file>
-
-<file path=ppt/slides/slide40.xml><?xml version="1.0" encoding="utf-8"?>
+<file path=ppt/slides/slide42.xml><?xml version="1.0" encoding="utf-8"?>
 <p:sld xmlns:a="http://schemas.openxmlformats.org/drawingml/2006/main" xmlns:r="http://schemas.openxmlformats.org/officeDocument/2006/relationships" xmlns:p="http://schemas.openxmlformats.org/presentationml/2006/main">
   <p:cSld>
     <p:spTree>
@@ -20110,7 +20765,7 @@
 </p:sld>
 </file>
 
-<file path=ppt/slides/slide41.xml><?xml version="1.0" encoding="utf-8"?>
+<file path=ppt/slides/slide43.xml><?xml version="1.0" encoding="utf-8"?>
 <p:sld xmlns:a="http://schemas.openxmlformats.org/drawingml/2006/main" xmlns:r="http://schemas.openxmlformats.org/officeDocument/2006/relationships" xmlns:p="http://schemas.openxmlformats.org/presentationml/2006/main">
   <p:cSld>
     <p:spTree>
@@ -20734,7 +21389,7 @@
 </p:sld>
 </file>
 
-<file path=ppt/slides/slide42.xml><?xml version="1.0" encoding="utf-8"?>
+<file path=ppt/slides/slide44.xml><?xml version="1.0" encoding="utf-8"?>
 <p:sld xmlns:a="http://schemas.openxmlformats.org/drawingml/2006/main" xmlns:r="http://schemas.openxmlformats.org/officeDocument/2006/relationships" xmlns:p="http://schemas.openxmlformats.org/presentationml/2006/main">
   <p:cSld>
     <p:spTree>
@@ -21222,7 +21877,7 @@
 </p:sld>
 </file>
 
-<file path=ppt/slides/slide43.xml><?xml version="1.0" encoding="utf-8"?>
+<file path=ppt/slides/slide45.xml><?xml version="1.0" encoding="utf-8"?>
 <p:sld xmlns:a="http://schemas.openxmlformats.org/drawingml/2006/main" xmlns:r="http://schemas.openxmlformats.org/officeDocument/2006/relationships" xmlns:p="http://schemas.openxmlformats.org/presentationml/2006/main">
   <p:cSld>
     <p:spTree>
@@ -21638,7 +22293,7 @@
 </p:sld>
 </file>
 
-<file path=ppt/slides/slide44.xml><?xml version="1.0" encoding="utf-8"?>
+<file path=ppt/slides/slide46.xml><?xml version="1.0" encoding="utf-8"?>
 <p:sld xmlns:a="http://schemas.openxmlformats.org/drawingml/2006/main" xmlns:r="http://schemas.openxmlformats.org/officeDocument/2006/relationships" xmlns:p="http://schemas.openxmlformats.org/presentationml/2006/main">
   <p:cSld>
     <p:spTree>
@@ -22112,7 +22767,7 @@
 </p:sld>
 </file>
 
-<file path=ppt/slides/slide45.xml><?xml version="1.0" encoding="utf-8"?>
+<file path=ppt/slides/slide47.xml><?xml version="1.0" encoding="utf-8"?>
 <p:sld xmlns:a="http://schemas.openxmlformats.org/drawingml/2006/main" xmlns:r="http://schemas.openxmlformats.org/officeDocument/2006/relationships" xmlns:p="http://schemas.openxmlformats.org/presentationml/2006/main">
   <p:cSld>
     <p:spTree>
@@ -22533,7 +23188,7 @@
 </p:sld>
 </file>
 
-<file path=ppt/slides/slide46.xml><?xml version="1.0" encoding="utf-8"?>
+<file path=ppt/slides/slide48.xml><?xml version="1.0" encoding="utf-8"?>
 <p:sld xmlns:a="http://schemas.openxmlformats.org/drawingml/2006/main" xmlns:r="http://schemas.openxmlformats.org/officeDocument/2006/relationships" xmlns:p="http://schemas.openxmlformats.org/presentationml/2006/main">
   <p:cSld>
     <p:spTree>
@@ -22804,7 +23459,7 @@
 </p:sld>
 </file>
 
-<file path=ppt/slides/slide47.xml><?xml version="1.0" encoding="utf-8"?>
+<file path=ppt/slides/slide49.xml><?xml version="1.0" encoding="utf-8"?>
 <p:sld xmlns:a="http://schemas.openxmlformats.org/drawingml/2006/main" xmlns:r="http://schemas.openxmlformats.org/officeDocument/2006/relationships" xmlns:p="http://schemas.openxmlformats.org/presentationml/2006/main">
   <p:cSld>
     <p:spTree>

--- a/ux_course/מצגת סופית להגשה.pptx
+++ b/ux_course/מצגת סופית להגשה.pptx
@@ -5,7 +5,7 @@
     <p:sldMasterId id="2147483828" r:id="rId1"/>
   </p:sldMasterIdLst>
   <p:notesMasterIdLst>
-    <p:notesMasterId r:id="rId51"/>
+    <p:notesMasterId r:id="rId52"/>
   </p:notesMasterIdLst>
   <p:sldIdLst>
     <p:sldId id="262" r:id="rId2"/>
@@ -21,42 +21,43 @@
     <p:sldId id="281" r:id="rId12"/>
     <p:sldId id="307" r:id="rId13"/>
     <p:sldId id="308" r:id="rId14"/>
-    <p:sldId id="268" r:id="rId15"/>
-    <p:sldId id="293" r:id="rId16"/>
-    <p:sldId id="292" r:id="rId17"/>
-    <p:sldId id="291" r:id="rId18"/>
-    <p:sldId id="290" r:id="rId19"/>
-    <p:sldId id="269" r:id="rId20"/>
-    <p:sldId id="270" r:id="rId21"/>
-    <p:sldId id="271" r:id="rId22"/>
-    <p:sldId id="272" r:id="rId23"/>
-    <p:sldId id="273" r:id="rId24"/>
-    <p:sldId id="274" r:id="rId25"/>
-    <p:sldId id="275" r:id="rId26"/>
-    <p:sldId id="276" r:id="rId27"/>
-    <p:sldId id="277" r:id="rId28"/>
-    <p:sldId id="278" r:id="rId29"/>
-    <p:sldId id="279" r:id="rId30"/>
-    <p:sldId id="280" r:id="rId31"/>
-    <p:sldId id="282" r:id="rId32"/>
-    <p:sldId id="283" r:id="rId33"/>
-    <p:sldId id="284" r:id="rId34"/>
-    <p:sldId id="285" r:id="rId35"/>
-    <p:sldId id="286" r:id="rId36"/>
-    <p:sldId id="287" r:id="rId37"/>
-    <p:sldId id="288" r:id="rId38"/>
-    <p:sldId id="289" r:id="rId39"/>
-    <p:sldId id="297" r:id="rId40"/>
-    <p:sldId id="299" r:id="rId41"/>
-    <p:sldId id="300" r:id="rId42"/>
-    <p:sldId id="301" r:id="rId43"/>
-    <p:sldId id="302" r:id="rId44"/>
-    <p:sldId id="303" r:id="rId45"/>
-    <p:sldId id="305" r:id="rId46"/>
-    <p:sldId id="304" r:id="rId47"/>
-    <p:sldId id="306" r:id="rId48"/>
-    <p:sldId id="296" r:id="rId49"/>
-    <p:sldId id="295" r:id="rId50"/>
+    <p:sldId id="309" r:id="rId15"/>
+    <p:sldId id="268" r:id="rId16"/>
+    <p:sldId id="293" r:id="rId17"/>
+    <p:sldId id="292" r:id="rId18"/>
+    <p:sldId id="291" r:id="rId19"/>
+    <p:sldId id="290" r:id="rId20"/>
+    <p:sldId id="269" r:id="rId21"/>
+    <p:sldId id="270" r:id="rId22"/>
+    <p:sldId id="271" r:id="rId23"/>
+    <p:sldId id="272" r:id="rId24"/>
+    <p:sldId id="273" r:id="rId25"/>
+    <p:sldId id="274" r:id="rId26"/>
+    <p:sldId id="275" r:id="rId27"/>
+    <p:sldId id="276" r:id="rId28"/>
+    <p:sldId id="277" r:id="rId29"/>
+    <p:sldId id="278" r:id="rId30"/>
+    <p:sldId id="279" r:id="rId31"/>
+    <p:sldId id="280" r:id="rId32"/>
+    <p:sldId id="282" r:id="rId33"/>
+    <p:sldId id="283" r:id="rId34"/>
+    <p:sldId id="284" r:id="rId35"/>
+    <p:sldId id="285" r:id="rId36"/>
+    <p:sldId id="286" r:id="rId37"/>
+    <p:sldId id="287" r:id="rId38"/>
+    <p:sldId id="288" r:id="rId39"/>
+    <p:sldId id="289" r:id="rId40"/>
+    <p:sldId id="297" r:id="rId41"/>
+    <p:sldId id="299" r:id="rId42"/>
+    <p:sldId id="300" r:id="rId43"/>
+    <p:sldId id="301" r:id="rId44"/>
+    <p:sldId id="302" r:id="rId45"/>
+    <p:sldId id="303" r:id="rId46"/>
+    <p:sldId id="305" r:id="rId47"/>
+    <p:sldId id="304" r:id="rId48"/>
+    <p:sldId id="306" r:id="rId49"/>
+    <p:sldId id="296" r:id="rId50"/>
+    <p:sldId id="295" r:id="rId51"/>
   </p:sldIdLst>
   <p:sldSz cx="12192000" cy="6858000"/>
   <p:notesSz cx="6858000" cy="9144000"/>
@@ -577,7 +578,7 @@
           <a:p>
             <a:fld id="{6E084796-162D-476E-82D2-4B26235D4C2C}" type="slidenum">
               <a:rPr lang="en-US" smtClean="0"/>
-              <a:t>44</a:t>
+              <a:t>45</a:t>
             </a:fld>
             <a:endParaRPr lang="en-US"/>
           </a:p>
@@ -14146,6 +14147,581 @@
       </p:grpSpPr>
       <p:sp>
         <p:nvSpPr>
+          <p:cNvPr id="7" name="TextBox 6">
+            <a:extLst>
+              <a:ext uri="{FF2B5EF4-FFF2-40B4-BE49-F238E27FC236}">
+                <a16:creationId xmlns:a16="http://schemas.microsoft.com/office/drawing/2014/main" id="{62BB41F1-2457-4A5E-A117-AF4B5054B3E6}"/>
+              </a:ext>
+            </a:extLst>
+          </p:cNvPr>
+          <p:cNvSpPr txBox="1"/>
+          <p:nvPr/>
+        </p:nvSpPr>
+        <p:spPr>
+          <a:xfrm>
+            <a:off x="5225990" y="763480"/>
+            <a:ext cx="3311370" cy="923330"/>
+          </a:xfrm>
+          <a:prstGeom prst="rect">
+            <a:avLst/>
+          </a:prstGeom>
+          <a:noFill/>
+        </p:spPr>
+        <p:txBody>
+          <a:bodyPr wrap="square" rtlCol="0">
+            <a:spAutoFit/>
+          </a:bodyPr>
+          <a:lstStyle/>
+          <a:p>
+            <a:pPr algn="ctr"/>
+            <a:r>
+              <a:rPr lang="he-IL" sz="5400" dirty="0">
+                <a:solidFill>
+                  <a:schemeClr val="bg1"/>
+                </a:solidFill>
+              </a:rPr>
+              <a:t>מיקה שקד</a:t>
+            </a:r>
+            <a:endParaRPr lang="en-US" sz="2800" dirty="0">
+              <a:solidFill>
+                <a:schemeClr val="bg1"/>
+              </a:solidFill>
+            </a:endParaRPr>
+          </a:p>
+        </p:txBody>
+      </p:sp>
+      <p:sp>
+        <p:nvSpPr>
+          <p:cNvPr id="9" name="Rectangle 8">
+            <a:extLst>
+              <a:ext uri="{FF2B5EF4-FFF2-40B4-BE49-F238E27FC236}">
+                <a16:creationId xmlns:a16="http://schemas.microsoft.com/office/drawing/2014/main" id="{BAD55C81-6949-4AD7-BBE5-3BF83C90A131}"/>
+              </a:ext>
+            </a:extLst>
+          </p:cNvPr>
+          <p:cNvSpPr/>
+          <p:nvPr/>
+        </p:nvSpPr>
+        <p:spPr>
+          <a:xfrm>
+            <a:off x="8060924" y="2556769"/>
+            <a:ext cx="3311371" cy="4030462"/>
+          </a:xfrm>
+          <a:prstGeom prst="rect">
+            <a:avLst/>
+          </a:prstGeom>
+          <a:solidFill>
+            <a:schemeClr val="tx2">
+              <a:lumMod val="20000"/>
+              <a:lumOff val="80000"/>
+            </a:schemeClr>
+          </a:solidFill>
+          <a:ln/>
+        </p:spPr>
+        <p:style>
+          <a:lnRef idx="1">
+            <a:schemeClr val="accent5"/>
+          </a:lnRef>
+          <a:fillRef idx="2">
+            <a:schemeClr val="accent5"/>
+          </a:fillRef>
+          <a:effectRef idx="1">
+            <a:schemeClr val="accent5"/>
+          </a:effectRef>
+          <a:fontRef idx="minor">
+            <a:schemeClr val="dk1"/>
+          </a:fontRef>
+        </p:style>
+        <p:txBody>
+          <a:bodyPr rtlCol="0" anchor="ctr"/>
+          <a:lstStyle/>
+          <a:p>
+            <a:pPr algn="r" rtl="1"/>
+            <a:endParaRPr lang="he-IL" sz="1000" dirty="0"/>
+          </a:p>
+          <a:p>
+            <a:pPr algn="r" rtl="1"/>
+            <a:endParaRPr lang="he-IL" sz="1000" dirty="0"/>
+          </a:p>
+          <a:p>
+            <a:pPr algn="r" rtl="1"/>
+            <a:endParaRPr lang="he-IL" sz="1000" dirty="0"/>
+          </a:p>
+          <a:p>
+            <a:pPr algn="r" rtl="1"/>
+            <a:endParaRPr lang="he-IL" sz="1000" dirty="0"/>
+          </a:p>
+          <a:p>
+            <a:pPr algn="r" rtl="1"/>
+            <a:r>
+              <a:rPr lang="he-IL" sz="1000" dirty="0"/>
+              <a:t>גיל - 23</a:t>
+            </a:r>
+            <a:endParaRPr lang="en-US" sz="1000" dirty="0"/>
+          </a:p>
+          <a:p>
+            <a:pPr algn="r" rtl="1"/>
+            <a:r>
+              <a:rPr lang="he-IL" sz="1000" dirty="0"/>
+              <a:t>מגדר - נקבה</a:t>
+            </a:r>
+          </a:p>
+          <a:p>
+            <a:pPr algn="r" rtl="1"/>
+            <a:endParaRPr lang="en-US" sz="1000" dirty="0"/>
+          </a:p>
+          <a:p>
+            <a:pPr algn="r" rtl="1"/>
+            <a:r>
+              <a:rPr lang="he-IL" sz="1000" dirty="0"/>
+              <a:t>שפה – עברית שפת אם, אנגלית שוטפת.</a:t>
+            </a:r>
+          </a:p>
+          <a:p>
+            <a:pPr algn="r" rtl="1"/>
+            <a:endParaRPr lang="en-US" sz="1000" dirty="0"/>
+          </a:p>
+          <a:p>
+            <a:pPr algn="r" rtl="1"/>
+            <a:r>
+              <a:rPr lang="he-IL" sz="1000" dirty="0"/>
+              <a:t>מצב משפחתי – רווקה</a:t>
+            </a:r>
+          </a:p>
+          <a:p>
+            <a:pPr algn="r" rtl="1"/>
+            <a:endParaRPr lang="en-US" sz="1000" dirty="0"/>
+          </a:p>
+          <a:p>
+            <a:pPr algn="r" rtl="1"/>
+            <a:r>
+              <a:rPr lang="he-IL" sz="1000" dirty="0"/>
+              <a:t>תפקיד – מלצרית בבית קפה.</a:t>
+            </a:r>
+          </a:p>
+          <a:p>
+            <a:pPr algn="r" rtl="1"/>
+            <a:endParaRPr lang="en-US" sz="1000" dirty="0"/>
+          </a:p>
+          <a:p>
+            <a:pPr algn="r" rtl="1"/>
+            <a:r>
+              <a:rPr lang="he-IL" sz="1000" dirty="0"/>
+              <a:t>רמת השכלה – סטודנטית שנה ב' למדעי ההתנהגות.</a:t>
+            </a:r>
+          </a:p>
+          <a:p>
+            <a:pPr algn="r" rtl="1"/>
+            <a:endParaRPr lang="en-US" sz="1000" dirty="0"/>
+          </a:p>
+          <a:p>
+            <a:pPr algn="r" rtl="1"/>
+            <a:r>
+              <a:rPr lang="he-IL" sz="1000" dirty="0"/>
+              <a:t>רמת יכולת טכנולוגית – רמה גבוהה, משתמש </a:t>
+            </a:r>
+            <a:r>
+              <a:rPr lang="he-IL" sz="1000" dirty="0" err="1"/>
+              <a:t>בסמארטפון</a:t>
+            </a:r>
+            <a:r>
+              <a:rPr lang="he-IL" sz="1000" dirty="0"/>
+              <a:t> ולפטופ על מנת לקבוע פגישות.</a:t>
+            </a:r>
+          </a:p>
+          <a:p>
+            <a:pPr algn="r" rtl="1"/>
+            <a:endParaRPr lang="en-US" sz="1000" dirty="0"/>
+          </a:p>
+          <a:p>
+            <a:pPr algn="r" rtl="1"/>
+            <a:r>
+              <a:rPr lang="he-IL" sz="1000" dirty="0"/>
+              <a:t>רמה מקצועית בתחום המוצר – עד כה השתמשה רק ביומן של גוגל </a:t>
+            </a:r>
+            <a:r>
+              <a:rPr lang="he-IL" sz="1000" dirty="0" err="1"/>
+              <a:t>בסמטארפון</a:t>
+            </a:r>
+            <a:r>
+              <a:rPr lang="he-IL" sz="1000" dirty="0"/>
+              <a:t>.</a:t>
+            </a:r>
+          </a:p>
+          <a:p>
+            <a:pPr algn="r" rtl="1"/>
+            <a:endParaRPr lang="he-IL" sz="1000" dirty="0"/>
+          </a:p>
+          <a:p>
+            <a:pPr algn="r" rtl="1"/>
+            <a:r>
+              <a:rPr lang="he-IL" sz="1000" dirty="0"/>
+              <a:t>תחביבים – שופינג, קריאת ספרים, צלילה.</a:t>
+            </a:r>
+            <a:endParaRPr lang="en-US" sz="1000" dirty="0"/>
+          </a:p>
+          <a:p>
+            <a:pPr algn="r" rtl="1"/>
+            <a:endParaRPr lang="he-IL" sz="1000" dirty="0"/>
+          </a:p>
+          <a:p>
+            <a:pPr algn="r" rtl="1"/>
+            <a:endParaRPr lang="en-US" sz="1000" dirty="0"/>
+          </a:p>
+        </p:txBody>
+      </p:sp>
+      <p:sp>
+        <p:nvSpPr>
+          <p:cNvPr id="10" name="Rectangle 9">
+            <a:extLst>
+              <a:ext uri="{FF2B5EF4-FFF2-40B4-BE49-F238E27FC236}">
+                <a16:creationId xmlns:a16="http://schemas.microsoft.com/office/drawing/2014/main" id="{C34DED98-5609-4009-8991-24D3EDC7E114}"/>
+              </a:ext>
+            </a:extLst>
+          </p:cNvPr>
+          <p:cNvSpPr/>
+          <p:nvPr/>
+        </p:nvSpPr>
+        <p:spPr>
+          <a:xfrm>
+            <a:off x="8243285" y="2689934"/>
+            <a:ext cx="2964772" cy="337352"/>
+          </a:xfrm>
+          <a:prstGeom prst="rect">
+            <a:avLst/>
+          </a:prstGeom>
+          <a:ln>
+            <a:noFill/>
+          </a:ln>
+        </p:spPr>
+        <p:style>
+          <a:lnRef idx="2">
+            <a:schemeClr val="accent5">
+              <a:shade val="50000"/>
+            </a:schemeClr>
+          </a:lnRef>
+          <a:fillRef idx="1">
+            <a:schemeClr val="accent5"/>
+          </a:fillRef>
+          <a:effectRef idx="0">
+            <a:schemeClr val="accent5"/>
+          </a:effectRef>
+          <a:fontRef idx="minor">
+            <a:schemeClr val="lt1"/>
+          </a:fontRef>
+        </p:style>
+        <p:txBody>
+          <a:bodyPr rtlCol="0" anchor="ctr"/>
+          <a:lstStyle/>
+          <a:p>
+            <a:pPr algn="ctr"/>
+            <a:r>
+              <a:rPr lang="he-IL" sz="1600" dirty="0">
+                <a:solidFill>
+                  <a:schemeClr val="tx1"/>
+                </a:solidFill>
+              </a:rPr>
+              <a:t>מאפיינים בסיסים</a:t>
+            </a:r>
+            <a:endParaRPr lang="he-IL" sz="1600" dirty="0">
+              <a:ln w="0"/>
+              <a:solidFill>
+                <a:schemeClr val="tx1"/>
+              </a:solidFill>
+            </a:endParaRPr>
+          </a:p>
+        </p:txBody>
+      </p:sp>
+      <p:sp>
+        <p:nvSpPr>
+          <p:cNvPr id="20" name="Rectangle 19">
+            <a:extLst>
+              <a:ext uri="{FF2B5EF4-FFF2-40B4-BE49-F238E27FC236}">
+                <a16:creationId xmlns:a16="http://schemas.microsoft.com/office/drawing/2014/main" id="{786DF970-0100-4178-8E92-D166A4F05B18}"/>
+              </a:ext>
+            </a:extLst>
+          </p:cNvPr>
+          <p:cNvSpPr/>
+          <p:nvPr/>
+        </p:nvSpPr>
+        <p:spPr>
+          <a:xfrm>
+            <a:off x="3815918" y="2556769"/>
+            <a:ext cx="3311371" cy="4030462"/>
+          </a:xfrm>
+          <a:prstGeom prst="rect">
+            <a:avLst/>
+          </a:prstGeom>
+          <a:solidFill>
+            <a:schemeClr val="tx2">
+              <a:lumMod val="20000"/>
+              <a:lumOff val="80000"/>
+            </a:schemeClr>
+          </a:solidFill>
+          <a:ln/>
+        </p:spPr>
+        <p:style>
+          <a:lnRef idx="1">
+            <a:schemeClr val="accent5"/>
+          </a:lnRef>
+          <a:fillRef idx="2">
+            <a:schemeClr val="accent5"/>
+          </a:fillRef>
+          <a:effectRef idx="1">
+            <a:schemeClr val="accent5"/>
+          </a:effectRef>
+          <a:fontRef idx="minor">
+            <a:schemeClr val="dk1"/>
+          </a:fontRef>
+        </p:style>
+        <p:txBody>
+          <a:bodyPr rtlCol="0" anchor="ctr"/>
+          <a:lstStyle/>
+          <a:p>
+            <a:pPr algn="r" rtl="1"/>
+            <a:endParaRPr lang="he-IL" sz="1000" dirty="0"/>
+          </a:p>
+          <a:p>
+            <a:pPr algn="r" rtl="1"/>
+            <a:endParaRPr lang="he-IL" sz="1000" dirty="0"/>
+          </a:p>
+          <a:p>
+            <a:pPr algn="r" rtl="1"/>
+            <a:endParaRPr lang="en-US" sz="1000" dirty="0"/>
+          </a:p>
+          <a:p>
+            <a:pPr algn="r" rtl="1"/>
+            <a:r>
+              <a:rPr lang="he-IL" sz="1000" dirty="0"/>
+              <a:t>סיבה לשימוש במוצר – בגלל עומס הלוז שלה, היא חיפשה כלי שיעזור לה לנהל אותו בצורה פשוטה ונוחה, מוצר שיתזמן לה את כל העבודות הגשה, מבחנים, חיי חברה ועבודה במקום אחד.</a:t>
+            </a:r>
+          </a:p>
+          <a:p>
+            <a:pPr algn="r" rtl="1"/>
+            <a:endParaRPr lang="en-US" sz="1000" dirty="0"/>
+          </a:p>
+          <a:p>
+            <a:pPr algn="r" rtl="1"/>
+            <a:r>
+              <a:rPr lang="he-IL" sz="1000" dirty="0"/>
+              <a:t>תדירות שימוש – יום יומית כדי לנהל ולתזמן את כל האילוצים שלה.</a:t>
+            </a:r>
+          </a:p>
+          <a:p>
+            <a:pPr algn="r" rtl="1"/>
+            <a:endParaRPr lang="en-US" sz="1000" dirty="0"/>
+          </a:p>
+          <a:p>
+            <a:pPr algn="r" rtl="1"/>
+            <a:r>
+              <a:rPr lang="he-IL" sz="1000" dirty="0"/>
+              <a:t>מתי – במהלך כל היום אבל בעיקר בשעות הערב כאשר היא חוזרת ממשמרת בבית הקפה.</a:t>
+            </a:r>
+          </a:p>
+          <a:p>
+            <a:pPr algn="r" rtl="1"/>
+            <a:endParaRPr lang="en-US" sz="1000" dirty="0"/>
+          </a:p>
+          <a:p>
+            <a:pPr algn="r" rtl="1"/>
+            <a:r>
+              <a:rPr lang="he-IL" sz="1000" dirty="0"/>
+              <a:t>איפה – </a:t>
+            </a:r>
+            <a:r>
+              <a:rPr lang="he-IL" sz="1000" dirty="0" err="1"/>
+              <a:t>בפאלפון</a:t>
+            </a:r>
+            <a:r>
+              <a:rPr lang="he-IL" sz="1000" dirty="0"/>
+              <a:t> הנייד, בלפטופ האישי שלה בביתה.</a:t>
+            </a:r>
+          </a:p>
+          <a:p>
+            <a:pPr algn="r" rtl="1"/>
+            <a:endParaRPr lang="en-US" sz="1000" dirty="0"/>
+          </a:p>
+          <a:p>
+            <a:pPr algn="r" rtl="1"/>
+            <a:r>
+              <a:rPr lang="he-IL" sz="1000" dirty="0"/>
+              <a:t>תנאי סביבה – בדרך כלל סביבה שקטה בביתה.</a:t>
+            </a:r>
+          </a:p>
+          <a:p>
+            <a:pPr algn="r" rtl="1"/>
+            <a:endParaRPr lang="he-IL" sz="1000" dirty="0"/>
+          </a:p>
+          <a:p>
+            <a:pPr algn="r" rtl="1"/>
+            <a:r>
+              <a:rPr lang="he-IL" sz="1000" dirty="0"/>
+              <a:t>חסמים – חשש מחשיפת אילוציה הפרטיים, חשש שהמערכת לא תקבע מועד אופטימלי בשבילה לפגישה.</a:t>
+            </a:r>
+          </a:p>
+          <a:p>
+            <a:pPr algn="r" rtl="1"/>
+            <a:endParaRPr lang="en-US" sz="1000" dirty="0"/>
+          </a:p>
+          <a:p>
+            <a:pPr algn="r" rtl="1"/>
+            <a:r>
+              <a:rPr lang="he-IL" sz="1000" dirty="0"/>
+              <a:t>רצונות – שיהיה כלי שיידע לגשת ללוח השנה של האנשים איתם היא רוצה לקבוע פגישה וידע את כל האילוצים של כל הגורמים בפגישה.</a:t>
+            </a:r>
+            <a:endParaRPr lang="en-US" sz="1000" dirty="0"/>
+          </a:p>
+        </p:txBody>
+      </p:sp>
+      <p:sp>
+        <p:nvSpPr>
+          <p:cNvPr id="21" name="Rectangle 20">
+            <a:extLst>
+              <a:ext uri="{FF2B5EF4-FFF2-40B4-BE49-F238E27FC236}">
+                <a16:creationId xmlns:a16="http://schemas.microsoft.com/office/drawing/2014/main" id="{BD75981B-D294-4749-A28A-C8B20EDFE2A1}"/>
+              </a:ext>
+            </a:extLst>
+          </p:cNvPr>
+          <p:cNvSpPr/>
+          <p:nvPr/>
+        </p:nvSpPr>
+        <p:spPr>
+          <a:xfrm>
+            <a:off x="3962768" y="2689934"/>
+            <a:ext cx="2964772" cy="337352"/>
+          </a:xfrm>
+          <a:prstGeom prst="rect">
+            <a:avLst/>
+          </a:prstGeom>
+          <a:ln>
+            <a:noFill/>
+          </a:ln>
+        </p:spPr>
+        <p:style>
+          <a:lnRef idx="2">
+            <a:schemeClr val="accent5">
+              <a:shade val="50000"/>
+            </a:schemeClr>
+          </a:lnRef>
+          <a:fillRef idx="1">
+            <a:schemeClr val="accent5"/>
+          </a:fillRef>
+          <a:effectRef idx="0">
+            <a:schemeClr val="accent5"/>
+          </a:effectRef>
+          <a:fontRef idx="minor">
+            <a:schemeClr val="lt1"/>
+          </a:fontRef>
+        </p:style>
+        <p:txBody>
+          <a:bodyPr rtlCol="0" anchor="ctr"/>
+          <a:lstStyle/>
+          <a:p>
+            <a:pPr algn="ctr"/>
+            <a:r>
+              <a:rPr lang="he-IL" sz="1600" dirty="0">
+                <a:ln w="0"/>
+                <a:solidFill>
+                  <a:schemeClr val="tx1"/>
+                </a:solidFill>
+              </a:rPr>
+              <a:t>מאפייני זיקה למוצר</a:t>
+            </a:r>
+          </a:p>
+        </p:txBody>
+      </p:sp>
+      <p:pic>
+        <p:nvPicPr>
+          <p:cNvPr id="3" name="תמונה 2" descr="תמונה שמכילה אדם, מקורה, ישיבה, שולחן&#10;&#10;התיאור נוצר באופן אוטומטי">
+            <a:extLst>
+              <a:ext uri="{FF2B5EF4-FFF2-40B4-BE49-F238E27FC236}">
+                <a16:creationId xmlns:a16="http://schemas.microsoft.com/office/drawing/2014/main" id="{8476E6B9-32DC-481E-8FF5-48107775E98C}"/>
+              </a:ext>
+            </a:extLst>
+          </p:cNvPr>
+          <p:cNvPicPr>
+            <a:picLocks noChangeAspect="1"/>
+          </p:cNvPicPr>
+          <p:nvPr/>
+        </p:nvPicPr>
+        <p:blipFill>
+          <a:blip r:embed="rId2">
+            <a:extLst>
+              <a:ext uri="{28A0092B-C50C-407E-A947-70E740481C1C}">
+                <a14:useLocalDpi xmlns:a14="http://schemas.microsoft.com/office/drawing/2010/main" val="0"/>
+              </a:ext>
+            </a:extLst>
+          </a:blip>
+          <a:stretch>
+            <a:fillRect/>
+          </a:stretch>
+        </p:blipFill>
+        <p:spPr>
+          <a:xfrm>
+            <a:off x="2831030" y="763480"/>
+            <a:ext cx="2394960" cy="1197878"/>
+          </a:xfrm>
+          <a:prstGeom prst="ellipse">
+            <a:avLst/>
+          </a:prstGeom>
+          <a:ln w="63500" cap="rnd">
+            <a:solidFill>
+              <a:srgbClr val="333333"/>
+            </a:solidFill>
+          </a:ln>
+          <a:effectLst>
+            <a:outerShdw blurRad="381000" dist="292100" dir="5400000" sx="-80000" sy="-18000" rotWithShape="0">
+              <a:srgbClr val="000000">
+                <a:alpha val="22000"/>
+              </a:srgbClr>
+            </a:outerShdw>
+          </a:effectLst>
+          <a:scene3d>
+            <a:camera prst="orthographicFront"/>
+            <a:lightRig rig="contrasting" dir="t">
+              <a:rot lat="0" lon="0" rev="3000000"/>
+            </a:lightRig>
+          </a:scene3d>
+          <a:sp3d contourW="7620">
+            <a:bevelT w="95250" h="31750"/>
+            <a:contourClr>
+              <a:srgbClr val="333333"/>
+            </a:contourClr>
+          </a:sp3d>
+        </p:spPr>
+      </p:pic>
+    </p:spTree>
+    <p:extLst>
+      <p:ext uri="{BB962C8B-B14F-4D97-AF65-F5344CB8AC3E}">
+        <p14:creationId xmlns:p14="http://schemas.microsoft.com/office/powerpoint/2010/main" val="1044157407"/>
+      </p:ext>
+    </p:extLst>
+  </p:cSld>
+  <p:clrMapOvr>
+    <a:masterClrMapping/>
+  </p:clrMapOvr>
+</p:sld>
+</file>
+
+<file path=ppt/slides/slide15.xml><?xml version="1.0" encoding="utf-8"?>
+<p:sld xmlns:a="http://schemas.openxmlformats.org/drawingml/2006/main" xmlns:r="http://schemas.openxmlformats.org/officeDocument/2006/relationships" xmlns:p="http://schemas.openxmlformats.org/presentationml/2006/main">
+  <p:cSld>
+    <p:spTree>
+      <p:nvGrpSpPr>
+        <p:cNvPr id="1" name=""/>
+        <p:cNvGrpSpPr/>
+        <p:nvPr/>
+      </p:nvGrpSpPr>
+      <p:grpSpPr>
+        <a:xfrm>
+          <a:off x="0" y="0"/>
+          <a:ext cx="0" cy="0"/>
+          <a:chOff x="0" y="0"/>
+          <a:chExt cx="0" cy="0"/>
+        </a:xfrm>
+      </p:grpSpPr>
+      <p:sp>
+        <p:nvSpPr>
           <p:cNvPr id="2" name="כותרת 1">
             <a:extLst>
               <a:ext uri="{FF2B5EF4-FFF2-40B4-BE49-F238E27FC236}">
@@ -14192,7 +14768,7 @@
 </p:sld>
 </file>
 
-<file path=ppt/slides/slide15.xml><?xml version="1.0" encoding="utf-8"?>
+<file path=ppt/slides/slide16.xml><?xml version="1.0" encoding="utf-8"?>
 <p:sld xmlns:a="http://schemas.openxmlformats.org/drawingml/2006/main" xmlns:r="http://schemas.openxmlformats.org/officeDocument/2006/relationships" xmlns:p="http://schemas.openxmlformats.org/presentationml/2006/main">
   <p:cSld>
     <p:spTree>
@@ -14447,7 +15023,7 @@
 </p:sld>
 </file>
 
-<file path=ppt/slides/slide16.xml><?xml version="1.0" encoding="utf-8"?>
+<file path=ppt/slides/slide17.xml><?xml version="1.0" encoding="utf-8"?>
 <p:sld xmlns:a="http://schemas.openxmlformats.org/drawingml/2006/main" xmlns:r="http://schemas.openxmlformats.org/officeDocument/2006/relationships" xmlns:p="http://schemas.openxmlformats.org/presentationml/2006/main">
   <p:cSld>
     <p:spTree>
@@ -14588,7 +15164,7 @@
 </p:sld>
 </file>
 
-<file path=ppt/slides/slide17.xml><?xml version="1.0" encoding="utf-8"?>
+<file path=ppt/slides/slide18.xml><?xml version="1.0" encoding="utf-8"?>
 <p:sld xmlns:a="http://schemas.openxmlformats.org/drawingml/2006/main" xmlns:r="http://schemas.openxmlformats.org/officeDocument/2006/relationships" xmlns:p="http://schemas.openxmlformats.org/presentationml/2006/main">
   <p:cSld>
     <p:spTree>
@@ -14751,7 +15327,7 @@
 </p:sld>
 </file>
 
-<file path=ppt/slides/slide18.xml><?xml version="1.0" encoding="utf-8"?>
+<file path=ppt/slides/slide19.xml><?xml version="1.0" encoding="utf-8"?>
 <p:sld xmlns:a="http://schemas.openxmlformats.org/drawingml/2006/main" xmlns:r="http://schemas.openxmlformats.org/officeDocument/2006/relationships" xmlns:p="http://schemas.openxmlformats.org/presentationml/2006/main">
   <p:cSld>
     <p:spTree>
@@ -14929,155 +15505,6 @@
 </p:sld>
 </file>
 
-<file path=ppt/slides/slide19.xml><?xml version="1.0" encoding="utf-8"?>
-<p:sld xmlns:a="http://schemas.openxmlformats.org/drawingml/2006/main" xmlns:r="http://schemas.openxmlformats.org/officeDocument/2006/relationships" xmlns:p="http://schemas.openxmlformats.org/presentationml/2006/main">
-  <p:cSld>
-    <p:spTree>
-      <p:nvGrpSpPr>
-        <p:cNvPr id="1" name=""/>
-        <p:cNvGrpSpPr/>
-        <p:nvPr/>
-      </p:nvGrpSpPr>
-      <p:grpSpPr>
-        <a:xfrm>
-          <a:off x="0" y="0"/>
-          <a:ext cx="0" cy="0"/>
-          <a:chOff x="0" y="0"/>
-          <a:chExt cx="0" cy="0"/>
-        </a:xfrm>
-      </p:grpSpPr>
-      <p:sp>
-        <p:nvSpPr>
-          <p:cNvPr id="2" name="כותרת 1">
-            <a:extLst>
-              <a:ext uri="{FF2B5EF4-FFF2-40B4-BE49-F238E27FC236}">
-                <a16:creationId xmlns:a16="http://schemas.microsoft.com/office/drawing/2014/main" id="{92A500EE-F6C5-4C79-92F1-D2FDEE8174A4}"/>
-              </a:ext>
-            </a:extLst>
-          </p:cNvPr>
-          <p:cNvSpPr>
-            <a:spLocks noGrp="1"/>
-          </p:cNvSpPr>
-          <p:nvPr>
-            <p:ph type="title"/>
-          </p:nvPr>
-        </p:nvSpPr>
-        <p:spPr>
-          <a:xfrm>
-            <a:off x="1154954" y="973669"/>
-            <a:ext cx="8825659" cy="706964"/>
-          </a:xfrm>
-        </p:spPr>
-        <p:txBody>
-          <a:bodyPr/>
-          <a:lstStyle/>
-          <a:p>
-            <a:pPr algn="ctr"/>
-            <a:r>
-              <a:rPr lang="he-IL"/>
-              <a:t>מסך התחברות</a:t>
-            </a:r>
-            <a:endParaRPr lang="he-IL" dirty="0"/>
-          </a:p>
-        </p:txBody>
-      </p:sp>
-      <p:sp>
-        <p:nvSpPr>
-          <p:cNvPr id="17" name="תיבת טקסט 16">
-            <a:extLst>
-              <a:ext uri="{FF2B5EF4-FFF2-40B4-BE49-F238E27FC236}">
-                <a16:creationId xmlns:a16="http://schemas.microsoft.com/office/drawing/2014/main" id="{2F642565-7D83-416E-A7D1-4FA3B48B83E1}"/>
-              </a:ext>
-            </a:extLst>
-          </p:cNvPr>
-          <p:cNvSpPr txBox="1"/>
-          <p:nvPr/>
-        </p:nvSpPr>
-        <p:spPr>
-          <a:xfrm>
-            <a:off x="7540282" y="2610683"/>
-            <a:ext cx="4487594" cy="1477328"/>
-          </a:xfrm>
-          <a:prstGeom prst="rect">
-            <a:avLst/>
-          </a:prstGeom>
-          <a:noFill/>
-        </p:spPr>
-        <p:txBody>
-          <a:bodyPr wrap="square" rtlCol="1">
-            <a:spAutoFit/>
-          </a:bodyPr>
-          <a:lstStyle/>
-          <a:p>
-            <a:pPr marL="285750" indent="-285750" algn="r" rtl="1">
-              <a:buFont typeface="Arial" panose="020B0604020202020204" pitchFamily="34" charset="0"/>
-              <a:buChar char="•"/>
-            </a:pPr>
-            <a:r>
-              <a:rPr lang="he-IL" dirty="0"/>
-              <a:t>שינינו את שדה "שם משתמש" ושדה "סיסמה" כך שיהיו מעוצבים יותר.</a:t>
-            </a:r>
-          </a:p>
-          <a:p>
-            <a:pPr marL="285750" indent="-285750" algn="r" rtl="1">
-              <a:buFont typeface="Arial" panose="020B0604020202020204" pitchFamily="34" charset="0"/>
-              <a:buChar char="•"/>
-            </a:pPr>
-            <a:r>
-              <a:rPr lang="he-IL" dirty="0"/>
-              <a:t>הוספנו סמלים מתאימים בצד כל שדה כך שיהיה ברור למשתמש מה עליו להכניס בשדה אותו הוא ממלא – </a:t>
-            </a:r>
-            <a:r>
-              <a:rPr lang="he-IL" b="1" dirty="0"/>
-              <a:t>זיהוי ולא זיכרון.</a:t>
-            </a:r>
-            <a:endParaRPr lang="he-IL" dirty="0"/>
-          </a:p>
-        </p:txBody>
-      </p:sp>
-      <p:pic>
-        <p:nvPicPr>
-          <p:cNvPr id="3" name="תמונה 2">
-            <a:extLst>
-              <a:ext uri="{FF2B5EF4-FFF2-40B4-BE49-F238E27FC236}">
-                <a16:creationId xmlns:a16="http://schemas.microsoft.com/office/drawing/2014/main" id="{1C6E892A-A569-467D-8D80-26AAEC4C107C}"/>
-              </a:ext>
-            </a:extLst>
-          </p:cNvPr>
-          <p:cNvPicPr>
-            <a:picLocks noChangeAspect="1"/>
-          </p:cNvPicPr>
-          <p:nvPr/>
-        </p:nvPicPr>
-        <p:blipFill>
-          <a:blip r:embed="rId2"/>
-          <a:stretch>
-            <a:fillRect/>
-          </a:stretch>
-        </p:blipFill>
-        <p:spPr>
-          <a:xfrm>
-            <a:off x="0" y="2610683"/>
-            <a:ext cx="7540282" cy="4247317"/>
-          </a:xfrm>
-          <a:prstGeom prst="rect">
-            <a:avLst/>
-          </a:prstGeom>
-        </p:spPr>
-      </p:pic>
-    </p:spTree>
-    <p:extLst>
-      <p:ext uri="{BB962C8B-B14F-4D97-AF65-F5344CB8AC3E}">
-        <p14:creationId xmlns:p14="http://schemas.microsoft.com/office/powerpoint/2010/main" val="3349785906"/>
-      </p:ext>
-    </p:extLst>
-  </p:cSld>
-  <p:clrMapOvr>
-    <a:masterClrMapping/>
-  </p:clrMapOvr>
-</p:sld>
-</file>
-
 <file path=ppt/slides/slide2.xml><?xml version="1.0" encoding="utf-8"?>
 <p:sld xmlns:a="http://schemas.openxmlformats.org/drawingml/2006/main" xmlns:r="http://schemas.openxmlformats.org/officeDocument/2006/relationships" xmlns:p="http://schemas.openxmlformats.org/presentationml/2006/main">
   <p:cSld>
@@ -15209,8 +15636,8 @@
         </p:nvSpPr>
         <p:spPr>
           <a:xfrm>
-            <a:off x="7982504" y="2610683"/>
-            <a:ext cx="4045371" cy="2585323"/>
+            <a:off x="7540282" y="2610683"/>
+            <a:ext cx="4487594" cy="1477328"/>
           </a:xfrm>
           <a:prstGeom prst="rect">
             <a:avLst/>
@@ -15229,11 +15656,7 @@
             </a:pPr>
             <a:r>
               <a:rPr lang="he-IL" dirty="0"/>
-              <a:t>בעת לחיצת המשתמש על אחת השדות, יהיה חיווי של השדה שיראה למשתמש כי הוא ממלא את השדה – </a:t>
-            </a:r>
-            <a:r>
-              <a:rPr lang="he-IL" b="1" dirty="0"/>
-              <a:t>חיווי מצב המערכת.</a:t>
+              <a:t>שינינו את שדה "שם משתמש" ושדה "סיסמה" כך שיהיו מעוצבים יותר.</a:t>
             </a:r>
           </a:p>
           <a:p>
@@ -15243,27 +15666,11 @@
             </a:pPr>
             <a:r>
               <a:rPr lang="he-IL" dirty="0"/>
-              <a:t>נאפשר למשתמש בעת לחיצת הכפתור "</a:t>
-            </a:r>
-            <a:r>
-              <a:rPr lang="en-US" dirty="0"/>
-              <a:t>TAB</a:t>
-            </a:r>
-            <a:r>
-              <a:rPr lang="he-IL" dirty="0"/>
-              <a:t>" לעבור לשדה הבא אוטומטית, ובעת לחיצת הכפתור "</a:t>
-            </a:r>
-            <a:r>
-              <a:rPr lang="en-US" dirty="0"/>
-              <a:t>ENTER</a:t>
-            </a:r>
-            <a:r>
-              <a:rPr lang="he-IL" dirty="0"/>
-              <a:t>" לבצע התחברות מבלי ללחוץ על כפתור ההתחברות – </a:t>
+              <a:t>הוספנו סמלים מתאימים בצד כל שדה כך שיהיה ברור למשתמש מה עליו להכניס בשדה אותו הוא ממלא – </a:t>
             </a:r>
             <a:r>
               <a:rPr lang="he-IL" b="1" dirty="0"/>
-              <a:t>גמישות ויעילות שימוש.</a:t>
+              <a:t>זיהוי ולא זיכרון.</a:t>
             </a:r>
             <a:endParaRPr lang="he-IL" dirty="0"/>
           </a:p>
@@ -15271,10 +15678,10 @@
       </p:sp>
       <p:pic>
         <p:nvPicPr>
-          <p:cNvPr id="4" name="תמונה 3">
+          <p:cNvPr id="3" name="תמונה 2">
             <a:extLst>
               <a:ext uri="{FF2B5EF4-FFF2-40B4-BE49-F238E27FC236}">
-                <a16:creationId xmlns:a16="http://schemas.microsoft.com/office/drawing/2014/main" id="{8C804448-1091-444C-BE73-7D69E8980E8C}"/>
+                <a16:creationId xmlns:a16="http://schemas.microsoft.com/office/drawing/2014/main" id="{1C6E892A-A569-467D-8D80-26AAEC4C107C}"/>
               </a:ext>
             </a:extLst>
           </p:cNvPr>
@@ -15291,8 +15698,8 @@
         </p:blipFill>
         <p:spPr>
           <a:xfrm>
-            <a:off x="0" y="2610000"/>
-            <a:ext cx="7981200" cy="4247306"/>
+            <a:off x="0" y="2610683"/>
+            <a:ext cx="7540282" cy="4247317"/>
           </a:xfrm>
           <a:prstGeom prst="rect">
             <a:avLst/>
@@ -15302,7 +15709,7 @@
     </p:spTree>
     <p:extLst>
       <p:ext uri="{BB962C8B-B14F-4D97-AF65-F5344CB8AC3E}">
-        <p14:creationId xmlns:p14="http://schemas.microsoft.com/office/powerpoint/2010/main" val="3877762486"/>
+        <p14:creationId xmlns:p14="http://schemas.microsoft.com/office/powerpoint/2010/main" val="3349785906"/>
       </p:ext>
     </p:extLst>
   </p:cSld>
@@ -15378,8 +15785,8 @@
         </p:nvSpPr>
         <p:spPr>
           <a:xfrm>
-            <a:off x="7540282" y="2739271"/>
-            <a:ext cx="4487594" cy="923330"/>
+            <a:off x="7982504" y="2610683"/>
+            <a:ext cx="4045371" cy="2585323"/>
           </a:xfrm>
           <a:prstGeom prst="rect">
             <a:avLst/>
@@ -15398,11 +15805,41 @@
             </a:pPr>
             <a:r>
               <a:rPr lang="he-IL" dirty="0"/>
-              <a:t>הוספנו כפתור למשתמש לצד שדה ה"סיסמה" המאפשר לו לראות את הסיסמה שהזין – </a:t>
+              <a:t>בעת לחיצת המשתמש על אחת השדות, יהיה חיווי של השדה שיראה למשתמש כי הוא ממלא את השדה – </a:t>
             </a:r>
             <a:r>
               <a:rPr lang="he-IL" b="1" dirty="0"/>
-              <a:t>מניעת טעויות.</a:t>
+              <a:t>חיווי מצב המערכת.</a:t>
+            </a:r>
+          </a:p>
+          <a:p>
+            <a:pPr marL="285750" indent="-285750" algn="r" rtl="1">
+              <a:buFont typeface="Arial" panose="020B0604020202020204" pitchFamily="34" charset="0"/>
+              <a:buChar char="•"/>
+            </a:pPr>
+            <a:r>
+              <a:rPr lang="he-IL" dirty="0"/>
+              <a:t>נאפשר למשתמש בעת לחיצת הכפתור "</a:t>
+            </a:r>
+            <a:r>
+              <a:rPr lang="en-US" dirty="0"/>
+              <a:t>TAB</a:t>
+            </a:r>
+            <a:r>
+              <a:rPr lang="he-IL" dirty="0"/>
+              <a:t>" לעבור לשדה הבא אוטומטית, ובעת לחיצת הכפתור "</a:t>
+            </a:r>
+            <a:r>
+              <a:rPr lang="en-US" dirty="0"/>
+              <a:t>ENTER</a:t>
+            </a:r>
+            <a:r>
+              <a:rPr lang="he-IL" dirty="0"/>
+              <a:t>" לבצע התחברות מבלי ללחוץ על כפתור ההתחברות – </a:t>
+            </a:r>
+            <a:r>
+              <a:rPr lang="he-IL" b="1" dirty="0"/>
+              <a:t>גמישות ויעילות שימוש.</a:t>
             </a:r>
             <a:endParaRPr lang="he-IL" dirty="0"/>
           </a:p>
@@ -15410,10 +15847,10 @@
       </p:sp>
       <p:pic>
         <p:nvPicPr>
-          <p:cNvPr id="3" name="תמונה 2">
+          <p:cNvPr id="4" name="תמונה 3">
             <a:extLst>
               <a:ext uri="{FF2B5EF4-FFF2-40B4-BE49-F238E27FC236}">
-                <a16:creationId xmlns:a16="http://schemas.microsoft.com/office/drawing/2014/main" id="{44DD3646-170F-4B07-8F52-2001FE2F6DA1}"/>
+                <a16:creationId xmlns:a16="http://schemas.microsoft.com/office/drawing/2014/main" id="{8C804448-1091-444C-BE73-7D69E8980E8C}"/>
               </a:ext>
             </a:extLst>
           </p:cNvPr>
@@ -15430,8 +15867,8 @@
         </p:blipFill>
         <p:spPr>
           <a:xfrm>
-            <a:off x="0" y="2661899"/>
-            <a:ext cx="7489909" cy="4196101"/>
+            <a:off x="0" y="2610000"/>
+            <a:ext cx="7981200" cy="4247306"/>
           </a:xfrm>
           <a:prstGeom prst="rect">
             <a:avLst/>
@@ -15441,7 +15878,7 @@
     </p:spTree>
     <p:extLst>
       <p:ext uri="{BB962C8B-B14F-4D97-AF65-F5344CB8AC3E}">
-        <p14:creationId xmlns:p14="http://schemas.microsoft.com/office/powerpoint/2010/main" val="1977331281"/>
+        <p14:creationId xmlns:p14="http://schemas.microsoft.com/office/powerpoint/2010/main" val="3877762486"/>
       </p:ext>
     </p:extLst>
   </p:cSld>
@@ -15549,10 +15986,10 @@
       </p:sp>
       <p:pic>
         <p:nvPicPr>
-          <p:cNvPr id="4" name="תמונה 3">
+          <p:cNvPr id="3" name="תמונה 2">
             <a:extLst>
               <a:ext uri="{FF2B5EF4-FFF2-40B4-BE49-F238E27FC236}">
-                <a16:creationId xmlns:a16="http://schemas.microsoft.com/office/drawing/2014/main" id="{94326547-AECF-4F4E-AC85-6BD44FEF36E6}"/>
+                <a16:creationId xmlns:a16="http://schemas.microsoft.com/office/drawing/2014/main" id="{44DD3646-170F-4B07-8F52-2001FE2F6DA1}"/>
               </a:ext>
             </a:extLst>
           </p:cNvPr>
@@ -15569,8 +16006,8 @@
         </p:blipFill>
         <p:spPr>
           <a:xfrm>
-            <a:off x="0" y="2703995"/>
-            <a:ext cx="7491600" cy="4154005"/>
+            <a:off x="0" y="2661899"/>
+            <a:ext cx="7489909" cy="4196101"/>
           </a:xfrm>
           <a:prstGeom prst="rect">
             <a:avLst/>
@@ -15580,7 +16017,7 @@
     </p:spTree>
     <p:extLst>
       <p:ext uri="{BB962C8B-B14F-4D97-AF65-F5344CB8AC3E}">
-        <p14:creationId xmlns:p14="http://schemas.microsoft.com/office/powerpoint/2010/main" val="2786482054"/>
+        <p14:creationId xmlns:p14="http://schemas.microsoft.com/office/powerpoint/2010/main" val="1977331281"/>
       </p:ext>
     </p:extLst>
   </p:cSld>
@@ -15657,7 +16094,7 @@
         <p:spPr>
           <a:xfrm>
             <a:off x="7540282" y="2739271"/>
-            <a:ext cx="4487594" cy="1477328"/>
+            <a:ext cx="4487594" cy="923330"/>
           </a:xfrm>
           <a:prstGeom prst="rect">
             <a:avLst/>
@@ -15676,21 +16113,11 @@
             </a:pPr>
             <a:r>
               <a:rPr lang="he-IL" dirty="0"/>
-              <a:t>הזזנו את כפתור ההתחברות לצד שמאל.</a:t>
-            </a:r>
-          </a:p>
-          <a:p>
-            <a:pPr marL="285750" indent="-285750" algn="r" rtl="1">
-              <a:buFont typeface="Arial" panose="020B0604020202020204" pitchFamily="34" charset="0"/>
-              <a:buChar char="•"/>
-            </a:pPr>
-            <a:r>
-              <a:rPr lang="he-IL" dirty="0"/>
-              <a:t>שינינו את כפתור ההרשמה כך שיראה כמו קישור למסך הרשמה. – </a:t>
+              <a:t>הוספנו כפתור למשתמש לצד שדה ה"סיסמה" המאפשר לו לראות את הסיסמה שהזין – </a:t>
             </a:r>
             <a:r>
               <a:rPr lang="he-IL" b="1" dirty="0"/>
-              <a:t>התאמה בין המערכת לעולם האמיתי (שימוש בשפה אנושית + מזמינות).</a:t>
+              <a:t>מניעת טעויות.</a:t>
             </a:r>
             <a:endParaRPr lang="he-IL" dirty="0"/>
           </a:p>
@@ -15698,10 +16125,10 @@
       </p:sp>
       <p:pic>
         <p:nvPicPr>
-          <p:cNvPr id="3" name="תמונה 2">
+          <p:cNvPr id="4" name="תמונה 3">
             <a:extLst>
               <a:ext uri="{FF2B5EF4-FFF2-40B4-BE49-F238E27FC236}">
-                <a16:creationId xmlns:a16="http://schemas.microsoft.com/office/drawing/2014/main" id="{AFF2BC89-6CFF-4440-A217-BA3D6ED40099}"/>
+                <a16:creationId xmlns:a16="http://schemas.microsoft.com/office/drawing/2014/main" id="{94326547-AECF-4F4E-AC85-6BD44FEF36E6}"/>
               </a:ext>
             </a:extLst>
           </p:cNvPr>
@@ -15718,8 +16145,8 @@
         </p:blipFill>
         <p:spPr>
           <a:xfrm>
-            <a:off x="0" y="2724585"/>
-            <a:ext cx="7376157" cy="4133415"/>
+            <a:off x="0" y="2703995"/>
+            <a:ext cx="7491600" cy="4154005"/>
           </a:xfrm>
           <a:prstGeom prst="rect">
             <a:avLst/>
@@ -15729,7 +16156,7 @@
     </p:spTree>
     <p:extLst>
       <p:ext uri="{BB962C8B-B14F-4D97-AF65-F5344CB8AC3E}">
-        <p14:creationId xmlns:p14="http://schemas.microsoft.com/office/powerpoint/2010/main" val="438078503"/>
+        <p14:creationId xmlns:p14="http://schemas.microsoft.com/office/powerpoint/2010/main" val="2786482054"/>
       </p:ext>
     </p:extLst>
   </p:cSld>
@@ -15806,7 +16233,7 @@
         <p:spPr>
           <a:xfrm>
             <a:off x="7540282" y="2739271"/>
-            <a:ext cx="4487594" cy="646331"/>
+            <a:ext cx="4487594" cy="1477328"/>
           </a:xfrm>
           <a:prstGeom prst="rect">
             <a:avLst/>
@@ -15825,17 +16252,32 @@
             </a:pPr>
             <a:r>
               <a:rPr lang="he-IL" dirty="0"/>
-              <a:t>הוספנו אפשרות לזכור את המשתמש לפעמים הבאות</a:t>
-            </a:r>
+              <a:t>הזזנו את כפתור ההתחברות לצד שמאל.</a:t>
+            </a:r>
+          </a:p>
+          <a:p>
+            <a:pPr marL="285750" indent="-285750" algn="r" rtl="1">
+              <a:buFont typeface="Arial" panose="020B0604020202020204" pitchFamily="34" charset="0"/>
+              <a:buChar char="•"/>
+            </a:pPr>
+            <a:r>
+              <a:rPr lang="he-IL" dirty="0"/>
+              <a:t>שינינו את כפתור ההרשמה כך שיראה כמו קישור למסך הרשמה. – </a:t>
+            </a:r>
+            <a:r>
+              <a:rPr lang="he-IL" b="1" dirty="0"/>
+              <a:t>התאמה בין המערכת לעולם האמיתי (שימוש בשפה אנושית + מזמינות).</a:t>
+            </a:r>
+            <a:endParaRPr lang="he-IL" dirty="0"/>
           </a:p>
         </p:txBody>
       </p:sp>
       <p:pic>
         <p:nvPicPr>
-          <p:cNvPr id="4" name="תמונה 3">
+          <p:cNvPr id="3" name="תמונה 2">
             <a:extLst>
               <a:ext uri="{FF2B5EF4-FFF2-40B4-BE49-F238E27FC236}">
-                <a16:creationId xmlns:a16="http://schemas.microsoft.com/office/drawing/2014/main" id="{C4AC84E8-C33D-4B9A-9010-89F637AB80A1}"/>
+                <a16:creationId xmlns:a16="http://schemas.microsoft.com/office/drawing/2014/main" id="{AFF2BC89-6CFF-4440-A217-BA3D6ED40099}"/>
               </a:ext>
             </a:extLst>
           </p:cNvPr>
@@ -15852,8 +16294,8 @@
         </p:blipFill>
         <p:spPr>
           <a:xfrm>
-            <a:off x="0" y="2739271"/>
-            <a:ext cx="7403394" cy="4118729"/>
+            <a:off x="0" y="2724585"/>
+            <a:ext cx="7376157" cy="4133415"/>
           </a:xfrm>
           <a:prstGeom prst="rect">
             <a:avLst/>
@@ -15863,7 +16305,7 @@
     </p:spTree>
     <p:extLst>
       <p:ext uri="{BB962C8B-B14F-4D97-AF65-F5344CB8AC3E}">
-        <p14:creationId xmlns:p14="http://schemas.microsoft.com/office/powerpoint/2010/main" val="2099280823"/>
+        <p14:creationId xmlns:p14="http://schemas.microsoft.com/office/powerpoint/2010/main" val="438078503"/>
       </p:ext>
     </p:extLst>
   </p:cSld>
@@ -15966,10 +16408,10 @@
       </p:sp>
       <p:pic>
         <p:nvPicPr>
-          <p:cNvPr id="3" name="תמונה 2">
+          <p:cNvPr id="4" name="תמונה 3">
             <a:extLst>
               <a:ext uri="{FF2B5EF4-FFF2-40B4-BE49-F238E27FC236}">
-                <a16:creationId xmlns:a16="http://schemas.microsoft.com/office/drawing/2014/main" id="{713B69A8-3AD9-4073-B2B7-E8BD26F62F61}"/>
+                <a16:creationId xmlns:a16="http://schemas.microsoft.com/office/drawing/2014/main" id="{C4AC84E8-C33D-4B9A-9010-89F637AB80A1}"/>
               </a:ext>
             </a:extLst>
           </p:cNvPr>
@@ -15987,7 +16429,7 @@
         <p:spPr>
           <a:xfrm>
             <a:off x="0" y="2739271"/>
-            <a:ext cx="7399606" cy="4118729"/>
+            <a:ext cx="7403394" cy="4118729"/>
           </a:xfrm>
           <a:prstGeom prst="rect">
             <a:avLst/>
@@ -15997,7 +16439,7 @@
     </p:spTree>
     <p:extLst>
       <p:ext uri="{BB962C8B-B14F-4D97-AF65-F5344CB8AC3E}">
-        <p14:creationId xmlns:p14="http://schemas.microsoft.com/office/powerpoint/2010/main" val="2827644645"/>
+        <p14:creationId xmlns:p14="http://schemas.microsoft.com/office/powerpoint/2010/main" val="2099280823"/>
       </p:ext>
     </p:extLst>
   </p:cSld>
@@ -16074,7 +16516,7 @@
         <p:spPr>
           <a:xfrm>
             <a:off x="7540282" y="2739271"/>
-            <a:ext cx="4487594" cy="1200329"/>
+            <a:ext cx="4487594" cy="646331"/>
           </a:xfrm>
           <a:prstGeom prst="rect">
             <a:avLst/>
@@ -16093,22 +16535,17 @@
             </a:pPr>
             <a:r>
               <a:rPr lang="he-IL" dirty="0"/>
-              <a:t>בעת הכנסת אחד מהשדות ערך שגוי ולחיצה על התחברות, נוסיף שגיאה מתאימה למשתמש המסבירה מה קרה – </a:t>
-            </a:r>
-            <a:r>
-              <a:rPr lang="he-IL" b="1" dirty="0"/>
-              <a:t>התאוששות משגיאות.</a:t>
-            </a:r>
-            <a:endParaRPr lang="he-IL" dirty="0"/>
+              <a:t>הוספנו אפשרות לזכור את המשתמש לפעמים הבאות</a:t>
+            </a:r>
           </a:p>
         </p:txBody>
       </p:sp>
       <p:pic>
         <p:nvPicPr>
-          <p:cNvPr id="4" name="תמונה 3">
+          <p:cNvPr id="3" name="תמונה 2">
             <a:extLst>
               <a:ext uri="{FF2B5EF4-FFF2-40B4-BE49-F238E27FC236}">
-                <a16:creationId xmlns:a16="http://schemas.microsoft.com/office/drawing/2014/main" id="{FFFAB130-62FE-4E0C-9148-B93FEA07DEF3}"/>
+                <a16:creationId xmlns:a16="http://schemas.microsoft.com/office/drawing/2014/main" id="{713B69A8-3AD9-4073-B2B7-E8BD26F62F61}"/>
               </a:ext>
             </a:extLst>
           </p:cNvPr>
@@ -16125,8 +16562,8 @@
         </p:blipFill>
         <p:spPr>
           <a:xfrm>
-            <a:off x="1" y="2609458"/>
-            <a:ext cx="7540282" cy="4248541"/>
+            <a:off x="0" y="2739271"/>
+            <a:ext cx="7399606" cy="4118729"/>
           </a:xfrm>
           <a:prstGeom prst="rect">
             <a:avLst/>
@@ -16136,7 +16573,7 @@
     </p:spTree>
     <p:extLst>
       <p:ext uri="{BB962C8B-B14F-4D97-AF65-F5344CB8AC3E}">
-        <p14:creationId xmlns:p14="http://schemas.microsoft.com/office/powerpoint/2010/main" val="1321157970"/>
+        <p14:creationId xmlns:p14="http://schemas.microsoft.com/office/powerpoint/2010/main" val="2827644645"/>
       </p:ext>
     </p:extLst>
   </p:cSld>
@@ -16213,6 +16650,145 @@
         <p:spPr>
           <a:xfrm>
             <a:off x="7540282" y="2739271"/>
+            <a:ext cx="4487594" cy="1200329"/>
+          </a:xfrm>
+          <a:prstGeom prst="rect">
+            <a:avLst/>
+          </a:prstGeom>
+          <a:noFill/>
+        </p:spPr>
+        <p:txBody>
+          <a:bodyPr wrap="square" rtlCol="1">
+            <a:spAutoFit/>
+          </a:bodyPr>
+          <a:lstStyle/>
+          <a:p>
+            <a:pPr marL="285750" indent="-285750" algn="r" rtl="1">
+              <a:buFont typeface="Arial" panose="020B0604020202020204" pitchFamily="34" charset="0"/>
+              <a:buChar char="•"/>
+            </a:pPr>
+            <a:r>
+              <a:rPr lang="he-IL" dirty="0"/>
+              <a:t>בעת הכנסת אחד מהשדות ערך שגוי ולחיצה על התחברות, נוסיף שגיאה מתאימה למשתמש המסבירה מה קרה – </a:t>
+            </a:r>
+            <a:r>
+              <a:rPr lang="he-IL" b="1" dirty="0"/>
+              <a:t>התאוששות משגיאות.</a:t>
+            </a:r>
+            <a:endParaRPr lang="he-IL" dirty="0"/>
+          </a:p>
+        </p:txBody>
+      </p:sp>
+      <p:pic>
+        <p:nvPicPr>
+          <p:cNvPr id="4" name="תמונה 3">
+            <a:extLst>
+              <a:ext uri="{FF2B5EF4-FFF2-40B4-BE49-F238E27FC236}">
+                <a16:creationId xmlns:a16="http://schemas.microsoft.com/office/drawing/2014/main" id="{FFFAB130-62FE-4E0C-9148-B93FEA07DEF3}"/>
+              </a:ext>
+            </a:extLst>
+          </p:cNvPr>
+          <p:cNvPicPr>
+            <a:picLocks noChangeAspect="1"/>
+          </p:cNvPicPr>
+          <p:nvPr/>
+        </p:nvPicPr>
+        <p:blipFill>
+          <a:blip r:embed="rId2"/>
+          <a:stretch>
+            <a:fillRect/>
+          </a:stretch>
+        </p:blipFill>
+        <p:spPr>
+          <a:xfrm>
+            <a:off x="1" y="2609458"/>
+            <a:ext cx="7540282" cy="4248541"/>
+          </a:xfrm>
+          <a:prstGeom prst="rect">
+            <a:avLst/>
+          </a:prstGeom>
+        </p:spPr>
+      </p:pic>
+    </p:spTree>
+    <p:extLst>
+      <p:ext uri="{BB962C8B-B14F-4D97-AF65-F5344CB8AC3E}">
+        <p14:creationId xmlns:p14="http://schemas.microsoft.com/office/powerpoint/2010/main" val="1321157970"/>
+      </p:ext>
+    </p:extLst>
+  </p:cSld>
+  <p:clrMapOvr>
+    <a:masterClrMapping/>
+  </p:clrMapOvr>
+</p:sld>
+</file>
+
+<file path=ppt/slides/slide28.xml><?xml version="1.0" encoding="utf-8"?>
+<p:sld xmlns:a="http://schemas.openxmlformats.org/drawingml/2006/main" xmlns:r="http://schemas.openxmlformats.org/officeDocument/2006/relationships" xmlns:p="http://schemas.openxmlformats.org/presentationml/2006/main">
+  <p:cSld>
+    <p:spTree>
+      <p:nvGrpSpPr>
+        <p:cNvPr id="1" name=""/>
+        <p:cNvGrpSpPr/>
+        <p:nvPr/>
+      </p:nvGrpSpPr>
+      <p:grpSpPr>
+        <a:xfrm>
+          <a:off x="0" y="0"/>
+          <a:ext cx="0" cy="0"/>
+          <a:chOff x="0" y="0"/>
+          <a:chExt cx="0" cy="0"/>
+        </a:xfrm>
+      </p:grpSpPr>
+      <p:sp>
+        <p:nvSpPr>
+          <p:cNvPr id="2" name="כותרת 1">
+            <a:extLst>
+              <a:ext uri="{FF2B5EF4-FFF2-40B4-BE49-F238E27FC236}">
+                <a16:creationId xmlns:a16="http://schemas.microsoft.com/office/drawing/2014/main" id="{92A500EE-F6C5-4C79-92F1-D2FDEE8174A4}"/>
+              </a:ext>
+            </a:extLst>
+          </p:cNvPr>
+          <p:cNvSpPr>
+            <a:spLocks noGrp="1"/>
+          </p:cNvSpPr>
+          <p:nvPr>
+            <p:ph type="title"/>
+          </p:nvPr>
+        </p:nvSpPr>
+        <p:spPr>
+          <a:xfrm>
+            <a:off x="1154954" y="973669"/>
+            <a:ext cx="8825659" cy="706964"/>
+          </a:xfrm>
+        </p:spPr>
+        <p:txBody>
+          <a:bodyPr/>
+          <a:lstStyle/>
+          <a:p>
+            <a:pPr algn="ctr"/>
+            <a:r>
+              <a:rPr lang="he-IL"/>
+              <a:t>מסך התחברות</a:t>
+            </a:r>
+            <a:endParaRPr lang="he-IL" dirty="0"/>
+          </a:p>
+        </p:txBody>
+      </p:sp>
+      <p:sp>
+        <p:nvSpPr>
+          <p:cNvPr id="17" name="תיבת טקסט 16">
+            <a:extLst>
+              <a:ext uri="{FF2B5EF4-FFF2-40B4-BE49-F238E27FC236}">
+                <a16:creationId xmlns:a16="http://schemas.microsoft.com/office/drawing/2014/main" id="{2F642565-7D83-416E-A7D1-4FA3B48B83E1}"/>
+              </a:ext>
+            </a:extLst>
+          </p:cNvPr>
+          <p:cNvSpPr txBox="1"/>
+          <p:nvPr/>
+        </p:nvSpPr>
+        <p:spPr>
+          <a:xfrm>
+            <a:off x="7540282" y="2739271"/>
             <a:ext cx="4487594" cy="646331"/>
           </a:xfrm>
           <a:prstGeom prst="rect">
@@ -16271,182 +16847,6 @@
     <p:extLst>
       <p:ext uri="{BB962C8B-B14F-4D97-AF65-F5344CB8AC3E}">
         <p14:creationId xmlns:p14="http://schemas.microsoft.com/office/powerpoint/2010/main" val="2957022314"/>
-      </p:ext>
-    </p:extLst>
-  </p:cSld>
-  <p:clrMapOvr>
-    <a:masterClrMapping/>
-  </p:clrMapOvr>
-</p:sld>
-</file>
-
-<file path=ppt/slides/slide28.xml><?xml version="1.0" encoding="utf-8"?>
-<p:sld xmlns:a="http://schemas.openxmlformats.org/drawingml/2006/main" xmlns:r="http://schemas.openxmlformats.org/officeDocument/2006/relationships" xmlns:p="http://schemas.openxmlformats.org/presentationml/2006/main">
-  <p:cSld>
-    <p:spTree>
-      <p:nvGrpSpPr>
-        <p:cNvPr id="1" name=""/>
-        <p:cNvGrpSpPr/>
-        <p:nvPr/>
-      </p:nvGrpSpPr>
-      <p:grpSpPr>
-        <a:xfrm>
-          <a:off x="0" y="0"/>
-          <a:ext cx="0" cy="0"/>
-          <a:chOff x="0" y="0"/>
-          <a:chExt cx="0" cy="0"/>
-        </a:xfrm>
-      </p:grpSpPr>
-      <p:sp>
-        <p:nvSpPr>
-          <p:cNvPr id="2" name="כותרת 1">
-            <a:extLst>
-              <a:ext uri="{FF2B5EF4-FFF2-40B4-BE49-F238E27FC236}">
-                <a16:creationId xmlns:a16="http://schemas.microsoft.com/office/drawing/2014/main" id="{DE777293-170B-4164-A212-000191C56DFE}"/>
-              </a:ext>
-            </a:extLst>
-          </p:cNvPr>
-          <p:cNvSpPr>
-            <a:spLocks noGrp="1"/>
-          </p:cNvSpPr>
-          <p:nvPr>
-            <p:ph type="title"/>
-          </p:nvPr>
-        </p:nvSpPr>
-        <p:spPr/>
-        <p:txBody>
-          <a:bodyPr/>
-          <a:lstStyle/>
-          <a:p>
-            <a:pPr algn="ctr" rtl="1"/>
-            <a:r>
-              <a:rPr lang="he-IL"/>
-              <a:t>מסך </a:t>
-            </a:r>
-            <a:r>
-              <a:rPr lang="he-IL" dirty="0"/>
-              <a:t>הרשמה</a:t>
-            </a:r>
-          </a:p>
-        </p:txBody>
-      </p:sp>
-      <p:sp>
-        <p:nvSpPr>
-          <p:cNvPr id="5" name="תיבת טקסט 4">
-            <a:extLst>
-              <a:ext uri="{FF2B5EF4-FFF2-40B4-BE49-F238E27FC236}">
-                <a16:creationId xmlns:a16="http://schemas.microsoft.com/office/drawing/2014/main" id="{49C1F48E-4344-478F-B955-03346A467B7E}"/>
-              </a:ext>
-            </a:extLst>
-          </p:cNvPr>
-          <p:cNvSpPr txBox="1"/>
-          <p:nvPr/>
-        </p:nvSpPr>
-        <p:spPr>
-          <a:xfrm>
-            <a:off x="7919696" y="2477527"/>
-            <a:ext cx="4121834" cy="3970318"/>
-          </a:xfrm>
-          <a:prstGeom prst="rect">
-            <a:avLst/>
-          </a:prstGeom>
-          <a:noFill/>
-        </p:spPr>
-        <p:txBody>
-          <a:bodyPr wrap="square" rtlCol="1">
-            <a:spAutoFit/>
-          </a:bodyPr>
-          <a:lstStyle/>
-          <a:p>
-            <a:pPr marL="285750" indent="-285750" algn="r" rtl="1">
-              <a:buFont typeface="Arial" panose="020B0604020202020204" pitchFamily="34" charset="0"/>
-              <a:buChar char="•"/>
-            </a:pPr>
-            <a:r>
-              <a:rPr lang="he-IL" dirty="0"/>
-              <a:t>שינינו את עיצוב השדות כך שיראו יותר מעודכנים.</a:t>
-            </a:r>
-          </a:p>
-          <a:p>
-            <a:pPr marL="285750" indent="-285750" algn="r" rtl="1">
-              <a:buFont typeface="Arial" panose="020B0604020202020204" pitchFamily="34" charset="0"/>
-              <a:buChar char="•"/>
-            </a:pPr>
-            <a:r>
-              <a:rPr lang="he-IL" dirty="0"/>
-              <a:t>הוספנו סמלים מתאימים בצד כל שדה כך שיהיה ברור למשתמש מה עליו להכניס בשדה אותו הוא ממלא – </a:t>
-            </a:r>
-            <a:r>
-              <a:rPr lang="he-IL" b="1" dirty="0"/>
-              <a:t>זיהוי ולא זיכרון.</a:t>
-            </a:r>
-            <a:endParaRPr lang="he-IL" dirty="0"/>
-          </a:p>
-          <a:p>
-            <a:pPr marL="285750" indent="-285750" algn="r" rtl="1">
-              <a:buFont typeface="Arial" panose="020B0604020202020204" pitchFamily="34" charset="0"/>
-              <a:buChar char="•"/>
-            </a:pPr>
-            <a:r>
-              <a:rPr lang="he-IL" dirty="0"/>
-              <a:t>הוספנו תיאור לבחירת המין כדי שיהיה ברור יותר למשתמש מה עליו לבחור, בנוסף סימנו את המין "זכר" כברירת מחדל – </a:t>
-            </a:r>
-            <a:r>
-              <a:rPr lang="he-IL" b="1" dirty="0"/>
-              <a:t>מניעת טעויות.</a:t>
-            </a:r>
-            <a:endParaRPr lang="he-IL" dirty="0"/>
-          </a:p>
-          <a:p>
-            <a:pPr marL="285750" indent="-285750" algn="r" rtl="1">
-              <a:buFont typeface="Arial" panose="020B0604020202020204" pitchFamily="34" charset="0"/>
-              <a:buChar char="•"/>
-            </a:pPr>
-            <a:r>
-              <a:rPr lang="he-IL" dirty="0"/>
-              <a:t>הוספנו את אותה התנהגות של השדות כמו במסך ההתחברות (הדגשת השדה כאשר המשתמש מפוקס עליו + קיצורי מקשים) - </a:t>
-            </a:r>
-            <a:r>
-              <a:rPr lang="he-IL" b="1" dirty="0"/>
-              <a:t>חיווי מצב המערכת + גמישות ויעילות שימוש.</a:t>
-            </a:r>
-          </a:p>
-        </p:txBody>
-      </p:sp>
-      <p:pic>
-        <p:nvPicPr>
-          <p:cNvPr id="3" name="תמונה 2">
-            <a:extLst>
-              <a:ext uri="{FF2B5EF4-FFF2-40B4-BE49-F238E27FC236}">
-                <a16:creationId xmlns:a16="http://schemas.microsoft.com/office/drawing/2014/main" id="{EDBDBFCF-CC0C-44D5-822E-F5193ADFCEC5}"/>
-              </a:ext>
-            </a:extLst>
-          </p:cNvPr>
-          <p:cNvPicPr>
-            <a:picLocks noChangeAspect="1"/>
-          </p:cNvPicPr>
-          <p:nvPr/>
-        </p:nvPicPr>
-        <p:blipFill>
-          <a:blip r:embed="rId2"/>
-          <a:stretch>
-            <a:fillRect/>
-          </a:stretch>
-        </p:blipFill>
-        <p:spPr>
-          <a:xfrm>
-            <a:off x="0" y="2477527"/>
-            <a:ext cx="7795603" cy="4380473"/>
-          </a:xfrm>
-          <a:prstGeom prst="rect">
-            <a:avLst/>
-          </a:prstGeom>
-        </p:spPr>
-      </p:pic>
-    </p:spTree>
-    <p:extLst>
-      <p:ext uri="{BB962C8B-B14F-4D97-AF65-F5344CB8AC3E}">
-        <p14:creationId xmlns:p14="http://schemas.microsoft.com/office/powerpoint/2010/main" val="1933346331"/>
       </p:ext>
     </p:extLst>
   </p:cSld>
@@ -16521,7 +16921,7 @@
         <p:spPr>
           <a:xfrm>
             <a:off x="7919696" y="2477527"/>
-            <a:ext cx="4121834" cy="923330"/>
+            <a:ext cx="4121834" cy="3970318"/>
           </a:xfrm>
           <a:prstGeom prst="rect">
             <a:avLst/>
@@ -16540,22 +16940,61 @@
             </a:pPr>
             <a:r>
               <a:rPr lang="he-IL" dirty="0"/>
-              <a:t>הוספנו הדגשה עבור כל שדה חובה והסבר בתחתית העמוד המסביר מהי ההדגשה – </a:t>
+              <a:t>שינינו את עיצוב השדות כך שיראו יותר מעודכנים.</a:t>
+            </a:r>
+          </a:p>
+          <a:p>
+            <a:pPr marL="285750" indent="-285750" algn="r" rtl="1">
+              <a:buFont typeface="Arial" panose="020B0604020202020204" pitchFamily="34" charset="0"/>
+              <a:buChar char="•"/>
+            </a:pPr>
+            <a:r>
+              <a:rPr lang="he-IL" dirty="0"/>
+              <a:t>הוספנו סמלים מתאימים בצד כל שדה כך שיהיה ברור למשתמש מה עליו להכניס בשדה אותו הוא ממלא – </a:t>
+            </a:r>
+            <a:r>
+              <a:rPr lang="he-IL" b="1" dirty="0"/>
+              <a:t>זיהוי ולא זיכרון.</a:t>
+            </a:r>
+            <a:endParaRPr lang="he-IL" dirty="0"/>
+          </a:p>
+          <a:p>
+            <a:pPr marL="285750" indent="-285750" algn="r" rtl="1">
+              <a:buFont typeface="Arial" panose="020B0604020202020204" pitchFamily="34" charset="0"/>
+              <a:buChar char="•"/>
+            </a:pPr>
+            <a:r>
+              <a:rPr lang="he-IL" dirty="0"/>
+              <a:t>הוספנו תיאור לבחירת המין כדי שיהיה ברור יותר למשתמש מה עליו לבחור, בנוסף סימנו את המין "זכר" כברירת מחדל – </a:t>
             </a:r>
             <a:r>
               <a:rPr lang="he-IL" b="1" dirty="0"/>
               <a:t>מניעת טעויות.</a:t>
             </a:r>
             <a:endParaRPr lang="he-IL" dirty="0"/>
+          </a:p>
+          <a:p>
+            <a:pPr marL="285750" indent="-285750" algn="r" rtl="1">
+              <a:buFont typeface="Arial" panose="020B0604020202020204" pitchFamily="34" charset="0"/>
+              <a:buChar char="•"/>
+            </a:pPr>
+            <a:r>
+              <a:rPr lang="he-IL" dirty="0"/>
+              <a:t>הוספנו את אותה התנהגות של השדות כמו במסך ההתחברות (הדגשת השדה כאשר המשתמש מפוקס עליו + קיצורי מקשים) - </a:t>
+            </a:r>
+            <a:r>
+              <a:rPr lang="he-IL" b="1" dirty="0"/>
+              <a:t>חיווי מצב המערכת + גמישות ויעילות שימוש.</a:t>
+            </a:r>
           </a:p>
         </p:txBody>
       </p:sp>
       <p:pic>
         <p:nvPicPr>
-          <p:cNvPr id="4" name="תמונה 3">
+          <p:cNvPr id="3" name="תמונה 2">
             <a:extLst>
               <a:ext uri="{FF2B5EF4-FFF2-40B4-BE49-F238E27FC236}">
-                <a16:creationId xmlns:a16="http://schemas.microsoft.com/office/drawing/2014/main" id="{F7A459F8-8EB4-4454-BC2E-F42597AF3D89}"/>
+                <a16:creationId xmlns:a16="http://schemas.microsoft.com/office/drawing/2014/main" id="{EDBDBFCF-CC0C-44D5-822E-F5193ADFCEC5}"/>
               </a:ext>
             </a:extLst>
           </p:cNvPr>
@@ -16572,8 +17011,8 @@
         </p:blipFill>
         <p:spPr>
           <a:xfrm>
-            <a:off x="1" y="2393328"/>
-            <a:ext cx="7919696" cy="4464671"/>
+            <a:off x="0" y="2477527"/>
+            <a:ext cx="7795603" cy="4380473"/>
           </a:xfrm>
           <a:prstGeom prst="rect">
             <a:avLst/>
@@ -16583,7 +17022,7 @@
     </p:spTree>
     <p:extLst>
       <p:ext uri="{BB962C8B-B14F-4D97-AF65-F5344CB8AC3E}">
-        <p14:creationId xmlns:p14="http://schemas.microsoft.com/office/powerpoint/2010/main" val="567271253"/>
+        <p14:creationId xmlns:p14="http://schemas.microsoft.com/office/powerpoint/2010/main" val="1933346331"/>
       </p:ext>
     </p:extLst>
   </p:cSld>
@@ -17086,6 +17525,143 @@
         <p:spPr>
           <a:xfrm>
             <a:off x="7919696" y="2477527"/>
+            <a:ext cx="4121834" cy="923330"/>
+          </a:xfrm>
+          <a:prstGeom prst="rect">
+            <a:avLst/>
+          </a:prstGeom>
+          <a:noFill/>
+        </p:spPr>
+        <p:txBody>
+          <a:bodyPr wrap="square" rtlCol="1">
+            <a:spAutoFit/>
+          </a:bodyPr>
+          <a:lstStyle/>
+          <a:p>
+            <a:pPr marL="285750" indent="-285750" algn="r" rtl="1">
+              <a:buFont typeface="Arial" panose="020B0604020202020204" pitchFamily="34" charset="0"/>
+              <a:buChar char="•"/>
+            </a:pPr>
+            <a:r>
+              <a:rPr lang="he-IL" dirty="0"/>
+              <a:t>הוספנו הדגשה עבור כל שדה חובה והסבר בתחתית העמוד המסביר מהי ההדגשה – </a:t>
+            </a:r>
+            <a:r>
+              <a:rPr lang="he-IL" b="1" dirty="0"/>
+              <a:t>מניעת טעויות.</a:t>
+            </a:r>
+            <a:endParaRPr lang="he-IL" dirty="0"/>
+          </a:p>
+        </p:txBody>
+      </p:sp>
+      <p:pic>
+        <p:nvPicPr>
+          <p:cNvPr id="4" name="תמונה 3">
+            <a:extLst>
+              <a:ext uri="{FF2B5EF4-FFF2-40B4-BE49-F238E27FC236}">
+                <a16:creationId xmlns:a16="http://schemas.microsoft.com/office/drawing/2014/main" id="{F7A459F8-8EB4-4454-BC2E-F42597AF3D89}"/>
+              </a:ext>
+            </a:extLst>
+          </p:cNvPr>
+          <p:cNvPicPr>
+            <a:picLocks noChangeAspect="1"/>
+          </p:cNvPicPr>
+          <p:nvPr/>
+        </p:nvPicPr>
+        <p:blipFill>
+          <a:blip r:embed="rId2"/>
+          <a:stretch>
+            <a:fillRect/>
+          </a:stretch>
+        </p:blipFill>
+        <p:spPr>
+          <a:xfrm>
+            <a:off x="1" y="2393328"/>
+            <a:ext cx="7919696" cy="4464671"/>
+          </a:xfrm>
+          <a:prstGeom prst="rect">
+            <a:avLst/>
+          </a:prstGeom>
+        </p:spPr>
+      </p:pic>
+    </p:spTree>
+    <p:extLst>
+      <p:ext uri="{BB962C8B-B14F-4D97-AF65-F5344CB8AC3E}">
+        <p14:creationId xmlns:p14="http://schemas.microsoft.com/office/powerpoint/2010/main" val="567271253"/>
+      </p:ext>
+    </p:extLst>
+  </p:cSld>
+  <p:clrMapOvr>
+    <a:masterClrMapping/>
+  </p:clrMapOvr>
+</p:sld>
+</file>
+
+<file path=ppt/slides/slide31.xml><?xml version="1.0" encoding="utf-8"?>
+<p:sld xmlns:a="http://schemas.openxmlformats.org/drawingml/2006/main" xmlns:r="http://schemas.openxmlformats.org/officeDocument/2006/relationships" xmlns:p="http://schemas.openxmlformats.org/presentationml/2006/main">
+  <p:cSld>
+    <p:spTree>
+      <p:nvGrpSpPr>
+        <p:cNvPr id="1" name=""/>
+        <p:cNvGrpSpPr/>
+        <p:nvPr/>
+      </p:nvGrpSpPr>
+      <p:grpSpPr>
+        <a:xfrm>
+          <a:off x="0" y="0"/>
+          <a:ext cx="0" cy="0"/>
+          <a:chOff x="0" y="0"/>
+          <a:chExt cx="0" cy="0"/>
+        </a:xfrm>
+      </p:grpSpPr>
+      <p:sp>
+        <p:nvSpPr>
+          <p:cNvPr id="2" name="כותרת 1">
+            <a:extLst>
+              <a:ext uri="{FF2B5EF4-FFF2-40B4-BE49-F238E27FC236}">
+                <a16:creationId xmlns:a16="http://schemas.microsoft.com/office/drawing/2014/main" id="{DE777293-170B-4164-A212-000191C56DFE}"/>
+              </a:ext>
+            </a:extLst>
+          </p:cNvPr>
+          <p:cNvSpPr>
+            <a:spLocks noGrp="1"/>
+          </p:cNvSpPr>
+          <p:nvPr>
+            <p:ph type="title"/>
+          </p:nvPr>
+        </p:nvSpPr>
+        <p:spPr/>
+        <p:txBody>
+          <a:bodyPr/>
+          <a:lstStyle/>
+          <a:p>
+            <a:pPr algn="ctr" rtl="1"/>
+            <a:r>
+              <a:rPr lang="he-IL"/>
+              <a:t>מסך </a:t>
+            </a:r>
+            <a:r>
+              <a:rPr lang="he-IL" dirty="0"/>
+              <a:t>הרשמה</a:t>
+            </a:r>
+          </a:p>
+        </p:txBody>
+      </p:sp>
+      <p:sp>
+        <p:nvSpPr>
+          <p:cNvPr id="5" name="תיבת טקסט 4">
+            <a:extLst>
+              <a:ext uri="{FF2B5EF4-FFF2-40B4-BE49-F238E27FC236}">
+                <a16:creationId xmlns:a16="http://schemas.microsoft.com/office/drawing/2014/main" id="{49C1F48E-4344-478F-B955-03346A467B7E}"/>
+              </a:ext>
+            </a:extLst>
+          </p:cNvPr>
+          <p:cNvSpPr txBox="1"/>
+          <p:nvPr/>
+        </p:nvSpPr>
+        <p:spPr>
+          <a:xfrm>
+            <a:off x="7919696" y="2477527"/>
             <a:ext cx="4121834" cy="1477328"/>
           </a:xfrm>
           <a:prstGeom prst="rect">
@@ -17168,7 +17744,7 @@
 </p:sld>
 </file>
 
-<file path=ppt/slides/slide31.xml><?xml version="1.0" encoding="utf-8"?>
+<file path=ppt/slides/slide32.xml><?xml version="1.0" encoding="utf-8"?>
 <p:sld xmlns:a="http://schemas.openxmlformats.org/drawingml/2006/main" xmlns:r="http://schemas.openxmlformats.org/officeDocument/2006/relationships" xmlns:p="http://schemas.openxmlformats.org/presentationml/2006/main">
   <p:cSld>
     <p:spTree>
@@ -17308,7 +17884,7 @@
 </p:sld>
 </file>
 
-<file path=ppt/slides/slide32.xml><?xml version="1.0" encoding="utf-8"?>
+<file path=ppt/slides/slide33.xml><?xml version="1.0" encoding="utf-8"?>
 <p:sld xmlns:a="http://schemas.openxmlformats.org/drawingml/2006/main" xmlns:r="http://schemas.openxmlformats.org/officeDocument/2006/relationships" xmlns:p="http://schemas.openxmlformats.org/presentationml/2006/main">
   <p:cSld>
     <p:spTree>
@@ -17441,7 +18017,7 @@
 </p:sld>
 </file>
 
-<file path=ppt/slides/slide33.xml><?xml version="1.0" encoding="utf-8"?>
+<file path=ppt/slides/slide34.xml><?xml version="1.0" encoding="utf-8"?>
 <p:sld xmlns:a="http://schemas.openxmlformats.org/drawingml/2006/main" xmlns:r="http://schemas.openxmlformats.org/officeDocument/2006/relationships" xmlns:p="http://schemas.openxmlformats.org/presentationml/2006/main">
   <p:cSld>
     <p:spTree>
@@ -17588,7 +18164,7 @@
 </p:sld>
 </file>
 
-<file path=ppt/slides/slide34.xml><?xml version="1.0" encoding="utf-8"?>
+<file path=ppt/slides/slide35.xml><?xml version="1.0" encoding="utf-8"?>
 <p:sld xmlns:a="http://schemas.openxmlformats.org/drawingml/2006/main" xmlns:r="http://schemas.openxmlformats.org/officeDocument/2006/relationships" xmlns:p="http://schemas.openxmlformats.org/presentationml/2006/main">
   <p:cSld>
     <p:spTree>
@@ -17779,7 +18355,7 @@
 </p:sld>
 </file>
 
-<file path=ppt/slides/slide35.xml><?xml version="1.0" encoding="utf-8"?>
+<file path=ppt/slides/slide36.xml><?xml version="1.0" encoding="utf-8"?>
 <p:sld xmlns:a="http://schemas.openxmlformats.org/drawingml/2006/main" xmlns:r="http://schemas.openxmlformats.org/officeDocument/2006/relationships" xmlns:p="http://schemas.openxmlformats.org/presentationml/2006/main">
   <p:cSld>
     <p:spTree>
@@ -17979,7 +18555,7 @@
 </p:sld>
 </file>
 
-<file path=ppt/slides/slide36.xml><?xml version="1.0" encoding="utf-8"?>
+<file path=ppt/slides/slide37.xml><?xml version="1.0" encoding="utf-8"?>
 <p:sld xmlns:a="http://schemas.openxmlformats.org/drawingml/2006/main" xmlns:r="http://schemas.openxmlformats.org/officeDocument/2006/relationships" xmlns:p="http://schemas.openxmlformats.org/presentationml/2006/main">
   <p:cSld>
     <p:spTree>
@@ -18157,7 +18733,7 @@
 </p:sld>
 </file>
 
-<file path=ppt/slides/slide37.xml><?xml version="1.0" encoding="utf-8"?>
+<file path=ppt/slides/slide38.xml><?xml version="1.0" encoding="utf-8"?>
 <p:sld xmlns:a="http://schemas.openxmlformats.org/drawingml/2006/main" xmlns:r="http://schemas.openxmlformats.org/officeDocument/2006/relationships" xmlns:p="http://schemas.openxmlformats.org/presentationml/2006/main">
   <p:cSld>
     <p:spTree>
@@ -18323,7 +18899,7 @@
 </p:sld>
 </file>
 
-<file path=ppt/slides/slide38.xml><?xml version="1.0" encoding="utf-8"?>
+<file path=ppt/slides/slide39.xml><?xml version="1.0" encoding="utf-8"?>
 <p:sld xmlns:a="http://schemas.openxmlformats.org/drawingml/2006/main" xmlns:r="http://schemas.openxmlformats.org/officeDocument/2006/relationships" xmlns:p="http://schemas.openxmlformats.org/presentationml/2006/main">
   <p:cSld>
     <p:spTree>
@@ -18485,7 +19061,221 @@
 </p:sld>
 </file>
 
-<file path=ppt/slides/slide39.xml><?xml version="1.0" encoding="utf-8"?>
+<file path=ppt/slides/slide4.xml><?xml version="1.0" encoding="utf-8"?>
+<p:sld xmlns:a="http://schemas.openxmlformats.org/drawingml/2006/main" xmlns:r="http://schemas.openxmlformats.org/officeDocument/2006/relationships" xmlns:p="http://schemas.openxmlformats.org/presentationml/2006/main">
+  <p:cSld>
+    <p:spTree>
+      <p:nvGrpSpPr>
+        <p:cNvPr id="1" name=""/>
+        <p:cNvGrpSpPr/>
+        <p:nvPr/>
+      </p:nvGrpSpPr>
+      <p:grpSpPr>
+        <a:xfrm>
+          <a:off x="0" y="0"/>
+          <a:ext cx="0" cy="0"/>
+          <a:chOff x="0" y="0"/>
+          <a:chExt cx="0" cy="0"/>
+        </a:xfrm>
+      </p:grpSpPr>
+      <p:sp>
+        <p:nvSpPr>
+          <p:cNvPr id="2" name="כותרת 1">
+            <a:extLst>
+              <a:ext uri="{FF2B5EF4-FFF2-40B4-BE49-F238E27FC236}">
+                <a16:creationId xmlns:a16="http://schemas.microsoft.com/office/drawing/2014/main" id="{DF2A96FA-B4FE-4351-857B-1D4C8D1B532E}"/>
+              </a:ext>
+            </a:extLst>
+          </p:cNvPr>
+          <p:cNvSpPr>
+            <a:spLocks noGrp="1"/>
+          </p:cNvSpPr>
+          <p:nvPr>
+            <p:ph type="title"/>
+          </p:nvPr>
+        </p:nvSpPr>
+        <p:spPr/>
+        <p:txBody>
+          <a:bodyPr/>
+          <a:lstStyle/>
+          <a:p>
+            <a:pPr algn="ctr"/>
+            <a:r>
+              <a:rPr lang="he-IL" dirty="0"/>
+              <a:t>בעיות כלליות</a:t>
+            </a:r>
+            <a:endParaRPr lang="en-US" dirty="0"/>
+          </a:p>
+        </p:txBody>
+      </p:sp>
+      <p:sp>
+        <p:nvSpPr>
+          <p:cNvPr id="4" name="TextBox 26">
+            <a:extLst>
+              <a:ext uri="{FF2B5EF4-FFF2-40B4-BE49-F238E27FC236}">
+                <a16:creationId xmlns:a16="http://schemas.microsoft.com/office/drawing/2014/main" id="{BE063305-7885-45A4-8B6E-A96B39D54367}"/>
+              </a:ext>
+            </a:extLst>
+          </p:cNvPr>
+          <p:cNvSpPr txBox="1"/>
+          <p:nvPr/>
+        </p:nvSpPr>
+        <p:spPr>
+          <a:xfrm>
+            <a:off x="3714161" y="2325950"/>
+            <a:ext cx="8022119" cy="3739998"/>
+          </a:xfrm>
+          <a:prstGeom prst="rect">
+            <a:avLst/>
+          </a:prstGeom>
+          <a:noFill/>
+        </p:spPr>
+        <p:txBody>
+          <a:bodyPr wrap="square" rtlCol="0">
+            <a:spAutoFit/>
+          </a:bodyPr>
+          <a:lstStyle/>
+          <a:p>
+            <a:pPr marL="285750" indent="-285750" algn="r" rtl="1">
+              <a:lnSpc>
+                <a:spcPct val="150000"/>
+              </a:lnSpc>
+              <a:buFont typeface="Arial" panose="020B0604020202020204" pitchFamily="34" charset="0"/>
+              <a:buChar char="•"/>
+            </a:pPr>
+            <a:r>
+              <a:rPr lang="he-IL" sz="1600" dirty="0"/>
+              <a:t>תפריט ניווט לא ברור – מערב ניווט לדפים וכמו כן מערב פעולה של הוספת פגישה שלא אמורה להיות חלק מהתפריט .</a:t>
+            </a:r>
+          </a:p>
+          <a:p>
+            <a:pPr marL="285750" indent="-285750" algn="r" rtl="1">
+              <a:lnSpc>
+                <a:spcPct val="150000"/>
+              </a:lnSpc>
+              <a:buFont typeface="Arial" panose="020B0604020202020204" pitchFamily="34" charset="0"/>
+              <a:buChar char="•"/>
+            </a:pPr>
+            <a:r>
+              <a:rPr lang="he-IL" sz="1600" dirty="0"/>
+              <a:t>אין אחידות בין המסכים, לדוגמא:</a:t>
+            </a:r>
+            <a:r>
+              <a:rPr lang="en-US" sz="1600" dirty="0"/>
+              <a:t> </a:t>
+            </a:r>
+            <a:r>
+              <a:rPr lang="he-IL" sz="1600" dirty="0"/>
+              <a:t>כפתורי הוספה</a:t>
+            </a:r>
+            <a:r>
+              <a:rPr lang="en-US" sz="1600" dirty="0"/>
+              <a:t>/</a:t>
+            </a:r>
+            <a:r>
+              <a:rPr lang="he-IL" sz="1600" dirty="0"/>
+              <a:t>ביטול שונים בכמה מסכים - </a:t>
+            </a:r>
+            <a:r>
+              <a:rPr lang="he-IL" sz="1600" b="1" dirty="0"/>
+              <a:t>עקיבות וסטנדרטים.</a:t>
+            </a:r>
+          </a:p>
+          <a:p>
+            <a:pPr marL="285750" indent="-285750" algn="r" rtl="1">
+              <a:lnSpc>
+                <a:spcPct val="150000"/>
+              </a:lnSpc>
+              <a:buFont typeface="Arial" panose="020B0604020202020204" pitchFamily="34" charset="0"/>
+              <a:buChar char="•"/>
+            </a:pPr>
+            <a:r>
+              <a:rPr lang="he-IL" sz="1600" dirty="0"/>
+              <a:t>חוסר ניצול של המסך – יש הרבה רווחים מיותרים.</a:t>
+            </a:r>
+          </a:p>
+          <a:p>
+            <a:pPr marL="285750" indent="-285750" algn="r" rtl="1">
+              <a:lnSpc>
+                <a:spcPct val="150000"/>
+              </a:lnSpc>
+              <a:buFont typeface="Arial" panose="020B0604020202020204" pitchFamily="34" charset="0"/>
+              <a:buChar char="•"/>
+            </a:pPr>
+            <a:r>
+              <a:rPr lang="he-IL" sz="1600" dirty="0"/>
+              <a:t>אין חיווי למשתמש באיזה דף הוא נמצא בכל רגע - </a:t>
+            </a:r>
+            <a:r>
+              <a:rPr lang="he-IL" sz="1600" b="1" dirty="0"/>
+              <a:t>נראות מצב המערכת.</a:t>
+            </a:r>
+          </a:p>
+          <a:p>
+            <a:pPr marL="285750" indent="-285750" algn="r" rtl="1">
+              <a:lnSpc>
+                <a:spcPct val="150000"/>
+              </a:lnSpc>
+              <a:buFont typeface="Arial" panose="020B0604020202020204" pitchFamily="34" charset="0"/>
+              <a:buChar char="•"/>
+            </a:pPr>
+            <a:r>
+              <a:rPr lang="he-IL" sz="1600" dirty="0"/>
+              <a:t>המשתמש לא יכול לתקן או לשנות פעולות, לדוגמא: אם המשתמש ביטל פגישה או אישר אותה הוא לא יכול לעשות את הפעולה ההפוכה. – </a:t>
+            </a:r>
+            <a:r>
+              <a:rPr lang="he-IL" sz="1600" b="1" dirty="0"/>
+              <a:t>שליטה וחופש של המשתמש.</a:t>
+            </a:r>
+            <a:endParaRPr lang="he-IL" sz="1600" dirty="0"/>
+          </a:p>
+          <a:p>
+            <a:pPr marL="285750" indent="-285750" algn="r" rtl="1">
+              <a:lnSpc>
+                <a:spcPct val="150000"/>
+              </a:lnSpc>
+              <a:buFont typeface="Arial" panose="020B0604020202020204" pitchFamily="34" charset="0"/>
+              <a:buChar char="•"/>
+            </a:pPr>
+            <a:r>
+              <a:rPr lang="he-IL" sz="1600" dirty="0"/>
+              <a:t>אין פופ - אפים לאישור הפעולה, דרך </a:t>
+            </a:r>
+            <a:r>
+              <a:rPr lang="he-IL" sz="1600" b="1" dirty="0"/>
+              <a:t>למניעת טעויות.</a:t>
+            </a:r>
+          </a:p>
+          <a:p>
+            <a:pPr marL="285750" indent="-285750" algn="r" rtl="1">
+              <a:lnSpc>
+                <a:spcPct val="150000"/>
+              </a:lnSpc>
+              <a:buFont typeface="Arial" panose="020B0604020202020204" pitchFamily="34" charset="0"/>
+              <a:buChar char="•"/>
+            </a:pPr>
+            <a:r>
+              <a:rPr lang="he-IL" sz="1600" dirty="0"/>
+              <a:t>בחירת צבעים לקויה, צבעים לא מזמינים.</a:t>
+            </a:r>
+            <a:endParaRPr lang="he-IL" sz="1600" b="1" dirty="0"/>
+          </a:p>
+        </p:txBody>
+      </p:sp>
+    </p:spTree>
+    <p:extLst>
+      <p:ext uri="{BB962C8B-B14F-4D97-AF65-F5344CB8AC3E}">
+        <p14:creationId xmlns:p14="http://schemas.microsoft.com/office/powerpoint/2010/main" val="2030906434"/>
+      </p:ext>
+    </p:extLst>
+  </p:cSld>
+  <p:clrMapOvr>
+    <a:masterClrMapping/>
+  </p:clrMapOvr>
+</p:sld>
+</file>
+
+<file path=ppt/slides/slide40.xml><?xml version="1.0" encoding="utf-8"?>
 <p:sld xmlns:a="http://schemas.openxmlformats.org/drawingml/2006/main" xmlns:r="http://schemas.openxmlformats.org/officeDocument/2006/relationships" xmlns:p="http://schemas.openxmlformats.org/presentationml/2006/main">
   <p:cSld>
     <p:spTree>
@@ -18942,221 +19732,7 @@
 </p:sld>
 </file>
 
-<file path=ppt/slides/slide4.xml><?xml version="1.0" encoding="utf-8"?>
-<p:sld xmlns:a="http://schemas.openxmlformats.org/drawingml/2006/main" xmlns:r="http://schemas.openxmlformats.org/officeDocument/2006/relationships" xmlns:p="http://schemas.openxmlformats.org/presentationml/2006/main">
-  <p:cSld>
-    <p:spTree>
-      <p:nvGrpSpPr>
-        <p:cNvPr id="1" name=""/>
-        <p:cNvGrpSpPr/>
-        <p:nvPr/>
-      </p:nvGrpSpPr>
-      <p:grpSpPr>
-        <a:xfrm>
-          <a:off x="0" y="0"/>
-          <a:ext cx="0" cy="0"/>
-          <a:chOff x="0" y="0"/>
-          <a:chExt cx="0" cy="0"/>
-        </a:xfrm>
-      </p:grpSpPr>
-      <p:sp>
-        <p:nvSpPr>
-          <p:cNvPr id="2" name="כותרת 1">
-            <a:extLst>
-              <a:ext uri="{FF2B5EF4-FFF2-40B4-BE49-F238E27FC236}">
-                <a16:creationId xmlns:a16="http://schemas.microsoft.com/office/drawing/2014/main" id="{DF2A96FA-B4FE-4351-857B-1D4C8D1B532E}"/>
-              </a:ext>
-            </a:extLst>
-          </p:cNvPr>
-          <p:cNvSpPr>
-            <a:spLocks noGrp="1"/>
-          </p:cNvSpPr>
-          <p:nvPr>
-            <p:ph type="title"/>
-          </p:nvPr>
-        </p:nvSpPr>
-        <p:spPr/>
-        <p:txBody>
-          <a:bodyPr/>
-          <a:lstStyle/>
-          <a:p>
-            <a:pPr algn="ctr"/>
-            <a:r>
-              <a:rPr lang="he-IL" dirty="0"/>
-              <a:t>בעיות כלליות</a:t>
-            </a:r>
-            <a:endParaRPr lang="en-US" dirty="0"/>
-          </a:p>
-        </p:txBody>
-      </p:sp>
-      <p:sp>
-        <p:nvSpPr>
-          <p:cNvPr id="4" name="TextBox 26">
-            <a:extLst>
-              <a:ext uri="{FF2B5EF4-FFF2-40B4-BE49-F238E27FC236}">
-                <a16:creationId xmlns:a16="http://schemas.microsoft.com/office/drawing/2014/main" id="{BE063305-7885-45A4-8B6E-A96B39D54367}"/>
-              </a:ext>
-            </a:extLst>
-          </p:cNvPr>
-          <p:cNvSpPr txBox="1"/>
-          <p:nvPr/>
-        </p:nvSpPr>
-        <p:spPr>
-          <a:xfrm>
-            <a:off x="3714161" y="2325950"/>
-            <a:ext cx="8022119" cy="3739998"/>
-          </a:xfrm>
-          <a:prstGeom prst="rect">
-            <a:avLst/>
-          </a:prstGeom>
-          <a:noFill/>
-        </p:spPr>
-        <p:txBody>
-          <a:bodyPr wrap="square" rtlCol="0">
-            <a:spAutoFit/>
-          </a:bodyPr>
-          <a:lstStyle/>
-          <a:p>
-            <a:pPr marL="285750" indent="-285750" algn="r" rtl="1">
-              <a:lnSpc>
-                <a:spcPct val="150000"/>
-              </a:lnSpc>
-              <a:buFont typeface="Arial" panose="020B0604020202020204" pitchFamily="34" charset="0"/>
-              <a:buChar char="•"/>
-            </a:pPr>
-            <a:r>
-              <a:rPr lang="he-IL" sz="1600" dirty="0"/>
-              <a:t>תפריט ניווט לא ברור – מערב ניווט לדפים וכמו כן מערב פעולה של הוספת פגישה שלא אמורה להיות חלק מהתפריט .</a:t>
-            </a:r>
-          </a:p>
-          <a:p>
-            <a:pPr marL="285750" indent="-285750" algn="r" rtl="1">
-              <a:lnSpc>
-                <a:spcPct val="150000"/>
-              </a:lnSpc>
-              <a:buFont typeface="Arial" panose="020B0604020202020204" pitchFamily="34" charset="0"/>
-              <a:buChar char="•"/>
-            </a:pPr>
-            <a:r>
-              <a:rPr lang="he-IL" sz="1600" dirty="0"/>
-              <a:t>אין אחידות בין המסכים, לדוגמא:</a:t>
-            </a:r>
-            <a:r>
-              <a:rPr lang="en-US" sz="1600" dirty="0"/>
-              <a:t> </a:t>
-            </a:r>
-            <a:r>
-              <a:rPr lang="he-IL" sz="1600" dirty="0"/>
-              <a:t>כפתורי הוספה</a:t>
-            </a:r>
-            <a:r>
-              <a:rPr lang="en-US" sz="1600" dirty="0"/>
-              <a:t>/</a:t>
-            </a:r>
-            <a:r>
-              <a:rPr lang="he-IL" sz="1600" dirty="0"/>
-              <a:t>ביטול שונים בכמה מסכים - </a:t>
-            </a:r>
-            <a:r>
-              <a:rPr lang="he-IL" sz="1600" b="1" dirty="0"/>
-              <a:t>עקיבות וסטנדרטים.</a:t>
-            </a:r>
-          </a:p>
-          <a:p>
-            <a:pPr marL="285750" indent="-285750" algn="r" rtl="1">
-              <a:lnSpc>
-                <a:spcPct val="150000"/>
-              </a:lnSpc>
-              <a:buFont typeface="Arial" panose="020B0604020202020204" pitchFamily="34" charset="0"/>
-              <a:buChar char="•"/>
-            </a:pPr>
-            <a:r>
-              <a:rPr lang="he-IL" sz="1600" dirty="0"/>
-              <a:t>חוסר ניצול של המסך – יש הרבה רווחים מיותרים.</a:t>
-            </a:r>
-          </a:p>
-          <a:p>
-            <a:pPr marL="285750" indent="-285750" algn="r" rtl="1">
-              <a:lnSpc>
-                <a:spcPct val="150000"/>
-              </a:lnSpc>
-              <a:buFont typeface="Arial" panose="020B0604020202020204" pitchFamily="34" charset="0"/>
-              <a:buChar char="•"/>
-            </a:pPr>
-            <a:r>
-              <a:rPr lang="he-IL" sz="1600" dirty="0"/>
-              <a:t>אין חיווי למשתמש באיזה דף הוא נמצא בכל רגע - </a:t>
-            </a:r>
-            <a:r>
-              <a:rPr lang="he-IL" sz="1600" b="1" dirty="0"/>
-              <a:t>נראות מצב המערכת.</a:t>
-            </a:r>
-          </a:p>
-          <a:p>
-            <a:pPr marL="285750" indent="-285750" algn="r" rtl="1">
-              <a:lnSpc>
-                <a:spcPct val="150000"/>
-              </a:lnSpc>
-              <a:buFont typeface="Arial" panose="020B0604020202020204" pitchFamily="34" charset="0"/>
-              <a:buChar char="•"/>
-            </a:pPr>
-            <a:r>
-              <a:rPr lang="he-IL" sz="1600" dirty="0"/>
-              <a:t>המשתמש לא יכול לתקן או לשנות פעולות, לדוגמא: אם המשתמש ביטל פגישה או אישר אותה הוא לא יכול לעשות את הפעולה ההפוכה. – </a:t>
-            </a:r>
-            <a:r>
-              <a:rPr lang="he-IL" sz="1600" b="1" dirty="0"/>
-              <a:t>שליטה וחופש של המשתמש.</a:t>
-            </a:r>
-            <a:endParaRPr lang="he-IL" sz="1600" dirty="0"/>
-          </a:p>
-          <a:p>
-            <a:pPr marL="285750" indent="-285750" algn="r" rtl="1">
-              <a:lnSpc>
-                <a:spcPct val="150000"/>
-              </a:lnSpc>
-              <a:buFont typeface="Arial" panose="020B0604020202020204" pitchFamily="34" charset="0"/>
-              <a:buChar char="•"/>
-            </a:pPr>
-            <a:r>
-              <a:rPr lang="he-IL" sz="1600" dirty="0"/>
-              <a:t>אין פופ - אפים לאישור הפעולה, דרך </a:t>
-            </a:r>
-            <a:r>
-              <a:rPr lang="he-IL" sz="1600" b="1" dirty="0"/>
-              <a:t>למניעת טעויות.</a:t>
-            </a:r>
-          </a:p>
-          <a:p>
-            <a:pPr marL="285750" indent="-285750" algn="r" rtl="1">
-              <a:lnSpc>
-                <a:spcPct val="150000"/>
-              </a:lnSpc>
-              <a:buFont typeface="Arial" panose="020B0604020202020204" pitchFamily="34" charset="0"/>
-              <a:buChar char="•"/>
-            </a:pPr>
-            <a:r>
-              <a:rPr lang="he-IL" sz="1600" dirty="0"/>
-              <a:t>בחירת צבעים לקויה, צבעים לא מזמינים.</a:t>
-            </a:r>
-            <a:endParaRPr lang="he-IL" sz="1600" b="1" dirty="0"/>
-          </a:p>
-        </p:txBody>
-      </p:sp>
-    </p:spTree>
-    <p:extLst>
-      <p:ext uri="{BB962C8B-B14F-4D97-AF65-F5344CB8AC3E}">
-        <p14:creationId xmlns:p14="http://schemas.microsoft.com/office/powerpoint/2010/main" val="2030906434"/>
-      </p:ext>
-    </p:extLst>
-  </p:cSld>
-  <p:clrMapOvr>
-    <a:masterClrMapping/>
-  </p:clrMapOvr>
-</p:sld>
-</file>
-
-<file path=ppt/slides/slide40.xml><?xml version="1.0" encoding="utf-8"?>
+<file path=ppt/slides/slide41.xml><?xml version="1.0" encoding="utf-8"?>
 <p:sld xmlns:a="http://schemas.openxmlformats.org/drawingml/2006/main" xmlns:r="http://schemas.openxmlformats.org/officeDocument/2006/relationships" xmlns:p="http://schemas.openxmlformats.org/presentationml/2006/main">
   <p:cSld>
     <p:spTree>
@@ -19753,7 +20329,7 @@
 </p:sld>
 </file>
 
-<file path=ppt/slides/slide41.xml><?xml version="1.0" encoding="utf-8"?>
+<file path=ppt/slides/slide42.xml><?xml version="1.0" encoding="utf-8"?>
 <p:sld xmlns:a="http://schemas.openxmlformats.org/drawingml/2006/main" xmlns:r="http://schemas.openxmlformats.org/officeDocument/2006/relationships" xmlns:p="http://schemas.openxmlformats.org/presentationml/2006/main">
   <p:cSld>
     <p:spTree>
@@ -20292,7 +20868,7 @@
 </p:sld>
 </file>
 
-<file path=ppt/slides/slide42.xml><?xml version="1.0" encoding="utf-8"?>
+<file path=ppt/slides/slide43.xml><?xml version="1.0" encoding="utf-8"?>
 <p:sld xmlns:a="http://schemas.openxmlformats.org/drawingml/2006/main" xmlns:r="http://schemas.openxmlformats.org/officeDocument/2006/relationships" xmlns:p="http://schemas.openxmlformats.org/presentationml/2006/main">
   <p:cSld>
     <p:spTree>
@@ -20765,7 +21341,7 @@
 </p:sld>
 </file>
 
-<file path=ppt/slides/slide43.xml><?xml version="1.0" encoding="utf-8"?>
+<file path=ppt/slides/slide44.xml><?xml version="1.0" encoding="utf-8"?>
 <p:sld xmlns:a="http://schemas.openxmlformats.org/drawingml/2006/main" xmlns:r="http://schemas.openxmlformats.org/officeDocument/2006/relationships" xmlns:p="http://schemas.openxmlformats.org/presentationml/2006/main">
   <p:cSld>
     <p:spTree>
@@ -21389,7 +21965,7 @@
 </p:sld>
 </file>
 
-<file path=ppt/slides/slide44.xml><?xml version="1.0" encoding="utf-8"?>
+<file path=ppt/slides/slide45.xml><?xml version="1.0" encoding="utf-8"?>
 <p:sld xmlns:a="http://schemas.openxmlformats.org/drawingml/2006/main" xmlns:r="http://schemas.openxmlformats.org/officeDocument/2006/relationships" xmlns:p="http://schemas.openxmlformats.org/presentationml/2006/main">
   <p:cSld>
     <p:spTree>
@@ -21877,7 +22453,7 @@
 </p:sld>
 </file>
 
-<file path=ppt/slides/slide45.xml><?xml version="1.0" encoding="utf-8"?>
+<file path=ppt/slides/slide46.xml><?xml version="1.0" encoding="utf-8"?>
 <p:sld xmlns:a="http://schemas.openxmlformats.org/drawingml/2006/main" xmlns:r="http://schemas.openxmlformats.org/officeDocument/2006/relationships" xmlns:p="http://schemas.openxmlformats.org/presentationml/2006/main">
   <p:cSld>
     <p:spTree>
@@ -22293,7 +22869,7 @@
 </p:sld>
 </file>
 
-<file path=ppt/slides/slide46.xml><?xml version="1.0" encoding="utf-8"?>
+<file path=ppt/slides/slide47.xml><?xml version="1.0" encoding="utf-8"?>
 <p:sld xmlns:a="http://schemas.openxmlformats.org/drawingml/2006/main" xmlns:r="http://schemas.openxmlformats.org/officeDocument/2006/relationships" xmlns:p="http://schemas.openxmlformats.org/presentationml/2006/main">
   <p:cSld>
     <p:spTree>
@@ -22767,7 +23343,7 @@
 </p:sld>
 </file>
 
-<file path=ppt/slides/slide47.xml><?xml version="1.0" encoding="utf-8"?>
+<file path=ppt/slides/slide48.xml><?xml version="1.0" encoding="utf-8"?>
 <p:sld xmlns:a="http://schemas.openxmlformats.org/drawingml/2006/main" xmlns:r="http://schemas.openxmlformats.org/officeDocument/2006/relationships" xmlns:p="http://schemas.openxmlformats.org/presentationml/2006/main">
   <p:cSld>
     <p:spTree>
@@ -23188,7 +23764,7 @@
 </p:sld>
 </file>
 
-<file path=ppt/slides/slide48.xml><?xml version="1.0" encoding="utf-8"?>
+<file path=ppt/slides/slide49.xml><?xml version="1.0" encoding="utf-8"?>
 <p:sld xmlns:a="http://schemas.openxmlformats.org/drawingml/2006/main" xmlns:r="http://schemas.openxmlformats.org/officeDocument/2006/relationships" xmlns:p="http://schemas.openxmlformats.org/presentationml/2006/main">
   <p:cSld>
     <p:spTree>
@@ -23459,7 +24035,208 @@
 </p:sld>
 </file>
 
-<file path=ppt/slides/slide49.xml><?xml version="1.0" encoding="utf-8"?>
+<file path=ppt/slides/slide5.xml><?xml version="1.0" encoding="utf-8"?>
+<p:sld xmlns:a="http://schemas.openxmlformats.org/drawingml/2006/main" xmlns:r="http://schemas.openxmlformats.org/officeDocument/2006/relationships" xmlns:p="http://schemas.openxmlformats.org/presentationml/2006/main">
+  <p:cSld>
+    <p:spTree>
+      <p:nvGrpSpPr>
+        <p:cNvPr id="1" name=""/>
+        <p:cNvGrpSpPr/>
+        <p:nvPr/>
+      </p:nvGrpSpPr>
+      <p:grpSpPr>
+        <a:xfrm>
+          <a:off x="0" y="0"/>
+          <a:ext cx="0" cy="0"/>
+          <a:chOff x="0" y="0"/>
+          <a:chExt cx="0" cy="0"/>
+        </a:xfrm>
+      </p:grpSpPr>
+      <p:sp>
+        <p:nvSpPr>
+          <p:cNvPr id="2" name="כותרת 1">
+            <a:extLst>
+              <a:ext uri="{FF2B5EF4-FFF2-40B4-BE49-F238E27FC236}">
+                <a16:creationId xmlns:a16="http://schemas.microsoft.com/office/drawing/2014/main" id="{92A500EE-F6C5-4C79-92F1-D2FDEE8174A4}"/>
+              </a:ext>
+            </a:extLst>
+          </p:cNvPr>
+          <p:cNvSpPr>
+            <a:spLocks noGrp="1"/>
+          </p:cNvSpPr>
+          <p:nvPr>
+            <p:ph type="title"/>
+          </p:nvPr>
+        </p:nvSpPr>
+        <p:spPr/>
+        <p:txBody>
+          <a:bodyPr/>
+          <a:lstStyle/>
+          <a:p>
+            <a:pPr algn="ctr"/>
+            <a:r>
+              <a:rPr lang="he-IL" dirty="0"/>
+              <a:t>מסך התחברות</a:t>
+            </a:r>
+          </a:p>
+        </p:txBody>
+      </p:sp>
+      <p:pic>
+        <p:nvPicPr>
+          <p:cNvPr id="16" name="תמונה 15">
+            <a:extLst>
+              <a:ext uri="{FF2B5EF4-FFF2-40B4-BE49-F238E27FC236}">
+                <a16:creationId xmlns:a16="http://schemas.microsoft.com/office/drawing/2014/main" id="{4FD9B8E5-98A3-4C79-8EC6-1523FF6B0199}"/>
+              </a:ext>
+            </a:extLst>
+          </p:cNvPr>
+          <p:cNvPicPr>
+            <a:picLocks noChangeAspect="1"/>
+          </p:cNvPicPr>
+          <p:nvPr/>
+        </p:nvPicPr>
+        <p:blipFill>
+          <a:blip r:embed="rId2"/>
+          <a:stretch>
+            <a:fillRect/>
+          </a:stretch>
+        </p:blipFill>
+        <p:spPr>
+          <a:xfrm>
+            <a:off x="531944" y="2813539"/>
+            <a:ext cx="6851533" cy="3844516"/>
+          </a:xfrm>
+          <a:prstGeom prst="rect">
+            <a:avLst/>
+          </a:prstGeom>
+        </p:spPr>
+      </p:pic>
+      <p:sp>
+        <p:nvSpPr>
+          <p:cNvPr id="17" name="תיבת טקסט 16">
+            <a:extLst>
+              <a:ext uri="{FF2B5EF4-FFF2-40B4-BE49-F238E27FC236}">
+                <a16:creationId xmlns:a16="http://schemas.microsoft.com/office/drawing/2014/main" id="{2F642565-7D83-416E-A7D1-4FA3B48B83E1}"/>
+              </a:ext>
+            </a:extLst>
+          </p:cNvPr>
+          <p:cNvSpPr txBox="1"/>
+          <p:nvPr/>
+        </p:nvSpPr>
+        <p:spPr>
+          <a:xfrm>
+            <a:off x="7540282" y="2610683"/>
+            <a:ext cx="4487594" cy="3693319"/>
+          </a:xfrm>
+          <a:prstGeom prst="rect">
+            <a:avLst/>
+          </a:prstGeom>
+          <a:noFill/>
+        </p:spPr>
+        <p:txBody>
+          <a:bodyPr wrap="square" rtlCol="1">
+            <a:spAutoFit/>
+          </a:bodyPr>
+          <a:lstStyle/>
+          <a:p>
+            <a:pPr marL="285750" indent="-285750" algn="r" rtl="1">
+              <a:buFont typeface="Arial" panose="020B0604020202020204" pitchFamily="34" charset="0"/>
+              <a:buChar char="•"/>
+            </a:pPr>
+            <a:r>
+              <a:rPr lang="he-IL" dirty="0"/>
+              <a:t>כפתור ההתחברות וההרשמה דומים ויכולים לגרום לבלבול בזמן ההתחברות.</a:t>
+            </a:r>
+          </a:p>
+          <a:p>
+            <a:pPr marL="285750" indent="-285750" algn="r" rtl="1">
+              <a:buFont typeface="Arial" panose="020B0604020202020204" pitchFamily="34" charset="0"/>
+              <a:buChar char="•"/>
+            </a:pPr>
+            <a:r>
+              <a:rPr lang="he-IL" dirty="0"/>
+              <a:t>אין אפשרות לשחזור סיסמת המשתמש – </a:t>
+            </a:r>
+            <a:r>
+              <a:rPr lang="he-IL" b="1" dirty="0"/>
+              <a:t>שליטת משתמש וחופש פעולה.</a:t>
+            </a:r>
+            <a:endParaRPr lang="he-IL" dirty="0"/>
+          </a:p>
+          <a:p>
+            <a:pPr marL="285750" indent="-285750" algn="r" rtl="1">
+              <a:buFont typeface="Arial" panose="020B0604020202020204" pitchFamily="34" charset="0"/>
+              <a:buChar char="•"/>
+            </a:pPr>
+            <a:r>
+              <a:rPr lang="he-IL" dirty="0"/>
+              <a:t>אין חיווי המראה למשתמש היכן הוא ממלא את פרטיו – </a:t>
+            </a:r>
+            <a:r>
+              <a:rPr lang="he-IL" b="1" dirty="0"/>
+              <a:t>חיווי מצב המערכת.</a:t>
+            </a:r>
+            <a:endParaRPr lang="he-IL" dirty="0"/>
+          </a:p>
+          <a:p>
+            <a:pPr marL="285750" indent="-285750" algn="r" rtl="1">
+              <a:buFont typeface="Arial" panose="020B0604020202020204" pitchFamily="34" charset="0"/>
+              <a:buChar char="•"/>
+            </a:pPr>
+            <a:r>
+              <a:rPr lang="he-IL" dirty="0"/>
+              <a:t>אין סמלים\אייקונים שמאפיינים את שדות הקלט – </a:t>
+            </a:r>
+            <a:r>
+              <a:rPr lang="he-IL" b="1" dirty="0"/>
+              <a:t>זיהוי ולא זיכרון.</a:t>
+            </a:r>
+          </a:p>
+          <a:p>
+            <a:pPr marL="285750" indent="-285750" algn="r" rtl="1">
+              <a:buFont typeface="Arial" panose="020B0604020202020204" pitchFamily="34" charset="0"/>
+              <a:buChar char="•"/>
+            </a:pPr>
+            <a:r>
+              <a:rPr lang="he-IL" dirty="0"/>
+              <a:t>על המשתמש ללחוץ על כל שדה קלט עם העכבר על מנת להכניס את הפרטים – </a:t>
+            </a:r>
+            <a:r>
+              <a:rPr lang="he-IL" b="1" dirty="0"/>
+              <a:t>גמישות ויעילות שימוש.</a:t>
+            </a:r>
+          </a:p>
+          <a:p>
+            <a:pPr marL="285750" indent="-285750" algn="r" rtl="1">
+              <a:buFont typeface="Arial" panose="020B0604020202020204" pitchFamily="34" charset="0"/>
+              <a:buChar char="•"/>
+            </a:pPr>
+            <a:r>
+              <a:rPr lang="he-IL" dirty="0"/>
+              <a:t>אין אפשרות "זכור אותי" – </a:t>
+            </a:r>
+            <a:r>
+              <a:rPr lang="he-IL" b="1" dirty="0"/>
+              <a:t>גמישות ויעילות שימוש.</a:t>
+            </a:r>
+            <a:endParaRPr lang="he-IL" dirty="0"/>
+          </a:p>
+        </p:txBody>
+      </p:sp>
+    </p:spTree>
+    <p:extLst>
+      <p:ext uri="{BB962C8B-B14F-4D97-AF65-F5344CB8AC3E}">
+        <p14:creationId xmlns:p14="http://schemas.microsoft.com/office/powerpoint/2010/main" val="2576447696"/>
+      </p:ext>
+    </p:extLst>
+  </p:cSld>
+  <p:clrMapOvr>
+    <a:masterClrMapping/>
+  </p:clrMapOvr>
+</p:sld>
+</file>
+
+<file path=ppt/slides/slide50.xml><?xml version="1.0" encoding="utf-8"?>
 <p:sld xmlns:a="http://schemas.openxmlformats.org/drawingml/2006/main" xmlns:r="http://schemas.openxmlformats.org/officeDocument/2006/relationships" xmlns:p="http://schemas.openxmlformats.org/presentationml/2006/main">
   <p:cSld>
     <p:spTree>
@@ -23725,207 +24502,6 @@
     <p:extLst>
       <p:ext uri="{BB962C8B-B14F-4D97-AF65-F5344CB8AC3E}">
         <p14:creationId xmlns:p14="http://schemas.microsoft.com/office/powerpoint/2010/main" val="2527601576"/>
-      </p:ext>
-    </p:extLst>
-  </p:cSld>
-  <p:clrMapOvr>
-    <a:masterClrMapping/>
-  </p:clrMapOvr>
-</p:sld>
-</file>
-
-<file path=ppt/slides/slide5.xml><?xml version="1.0" encoding="utf-8"?>
-<p:sld xmlns:a="http://schemas.openxmlformats.org/drawingml/2006/main" xmlns:r="http://schemas.openxmlformats.org/officeDocument/2006/relationships" xmlns:p="http://schemas.openxmlformats.org/presentationml/2006/main">
-  <p:cSld>
-    <p:spTree>
-      <p:nvGrpSpPr>
-        <p:cNvPr id="1" name=""/>
-        <p:cNvGrpSpPr/>
-        <p:nvPr/>
-      </p:nvGrpSpPr>
-      <p:grpSpPr>
-        <a:xfrm>
-          <a:off x="0" y="0"/>
-          <a:ext cx="0" cy="0"/>
-          <a:chOff x="0" y="0"/>
-          <a:chExt cx="0" cy="0"/>
-        </a:xfrm>
-      </p:grpSpPr>
-      <p:sp>
-        <p:nvSpPr>
-          <p:cNvPr id="2" name="כותרת 1">
-            <a:extLst>
-              <a:ext uri="{FF2B5EF4-FFF2-40B4-BE49-F238E27FC236}">
-                <a16:creationId xmlns:a16="http://schemas.microsoft.com/office/drawing/2014/main" id="{92A500EE-F6C5-4C79-92F1-D2FDEE8174A4}"/>
-              </a:ext>
-            </a:extLst>
-          </p:cNvPr>
-          <p:cNvSpPr>
-            <a:spLocks noGrp="1"/>
-          </p:cNvSpPr>
-          <p:nvPr>
-            <p:ph type="title"/>
-          </p:nvPr>
-        </p:nvSpPr>
-        <p:spPr/>
-        <p:txBody>
-          <a:bodyPr/>
-          <a:lstStyle/>
-          <a:p>
-            <a:pPr algn="ctr"/>
-            <a:r>
-              <a:rPr lang="he-IL" dirty="0"/>
-              <a:t>מסך התחברות</a:t>
-            </a:r>
-          </a:p>
-        </p:txBody>
-      </p:sp>
-      <p:pic>
-        <p:nvPicPr>
-          <p:cNvPr id="16" name="תמונה 15">
-            <a:extLst>
-              <a:ext uri="{FF2B5EF4-FFF2-40B4-BE49-F238E27FC236}">
-                <a16:creationId xmlns:a16="http://schemas.microsoft.com/office/drawing/2014/main" id="{4FD9B8E5-98A3-4C79-8EC6-1523FF6B0199}"/>
-              </a:ext>
-            </a:extLst>
-          </p:cNvPr>
-          <p:cNvPicPr>
-            <a:picLocks noChangeAspect="1"/>
-          </p:cNvPicPr>
-          <p:nvPr/>
-        </p:nvPicPr>
-        <p:blipFill>
-          <a:blip r:embed="rId2"/>
-          <a:stretch>
-            <a:fillRect/>
-          </a:stretch>
-        </p:blipFill>
-        <p:spPr>
-          <a:xfrm>
-            <a:off x="531944" y="2813539"/>
-            <a:ext cx="6851533" cy="3844516"/>
-          </a:xfrm>
-          <a:prstGeom prst="rect">
-            <a:avLst/>
-          </a:prstGeom>
-        </p:spPr>
-      </p:pic>
-      <p:sp>
-        <p:nvSpPr>
-          <p:cNvPr id="17" name="תיבת טקסט 16">
-            <a:extLst>
-              <a:ext uri="{FF2B5EF4-FFF2-40B4-BE49-F238E27FC236}">
-                <a16:creationId xmlns:a16="http://schemas.microsoft.com/office/drawing/2014/main" id="{2F642565-7D83-416E-A7D1-4FA3B48B83E1}"/>
-              </a:ext>
-            </a:extLst>
-          </p:cNvPr>
-          <p:cNvSpPr txBox="1"/>
-          <p:nvPr/>
-        </p:nvSpPr>
-        <p:spPr>
-          <a:xfrm>
-            <a:off x="7540282" y="2610683"/>
-            <a:ext cx="4487594" cy="3693319"/>
-          </a:xfrm>
-          <a:prstGeom prst="rect">
-            <a:avLst/>
-          </a:prstGeom>
-          <a:noFill/>
-        </p:spPr>
-        <p:txBody>
-          <a:bodyPr wrap="square" rtlCol="1">
-            <a:spAutoFit/>
-          </a:bodyPr>
-          <a:lstStyle/>
-          <a:p>
-            <a:pPr marL="285750" indent="-285750" algn="r" rtl="1">
-              <a:buFont typeface="Arial" panose="020B0604020202020204" pitchFamily="34" charset="0"/>
-              <a:buChar char="•"/>
-            </a:pPr>
-            <a:r>
-              <a:rPr lang="he-IL" dirty="0"/>
-              <a:t>כפתור ההתחברות וההרשמה דומים ויכולים לגרום לבלבול בזמן ההתחברות.</a:t>
-            </a:r>
-          </a:p>
-          <a:p>
-            <a:pPr marL="285750" indent="-285750" algn="r" rtl="1">
-              <a:buFont typeface="Arial" panose="020B0604020202020204" pitchFamily="34" charset="0"/>
-              <a:buChar char="•"/>
-            </a:pPr>
-            <a:r>
-              <a:rPr lang="he-IL" dirty="0"/>
-              <a:t>אין אפשרות לשחזור סיסמת המשתמש – </a:t>
-            </a:r>
-            <a:r>
-              <a:rPr lang="he-IL" b="1" dirty="0"/>
-              <a:t>שליטת משתמש וחופש פעולה.</a:t>
-            </a:r>
-            <a:endParaRPr lang="he-IL" dirty="0"/>
-          </a:p>
-          <a:p>
-            <a:pPr marL="285750" indent="-285750" algn="r" rtl="1">
-              <a:buFont typeface="Arial" panose="020B0604020202020204" pitchFamily="34" charset="0"/>
-              <a:buChar char="•"/>
-            </a:pPr>
-            <a:r>
-              <a:rPr lang="he-IL" dirty="0"/>
-              <a:t>אין חיווי המראה למשתמש היכן הוא ממלא את פרטיו – </a:t>
-            </a:r>
-            <a:r>
-              <a:rPr lang="he-IL" b="1" dirty="0"/>
-              <a:t>חיווי מצב המערכת.</a:t>
-            </a:r>
-            <a:endParaRPr lang="he-IL" dirty="0"/>
-          </a:p>
-          <a:p>
-            <a:pPr marL="285750" indent="-285750" algn="r" rtl="1">
-              <a:buFont typeface="Arial" panose="020B0604020202020204" pitchFamily="34" charset="0"/>
-              <a:buChar char="•"/>
-            </a:pPr>
-            <a:r>
-              <a:rPr lang="he-IL" dirty="0"/>
-              <a:t>אין סמלים\אייקונים שמאפיינים את שדות הקלט – </a:t>
-            </a:r>
-            <a:r>
-              <a:rPr lang="he-IL" b="1" dirty="0"/>
-              <a:t>זיהוי ולא זיכרון.</a:t>
-            </a:r>
-          </a:p>
-          <a:p>
-            <a:pPr marL="285750" indent="-285750" algn="r" rtl="1">
-              <a:buFont typeface="Arial" panose="020B0604020202020204" pitchFamily="34" charset="0"/>
-              <a:buChar char="•"/>
-            </a:pPr>
-            <a:r>
-              <a:rPr lang="he-IL" dirty="0"/>
-              <a:t>על המשתמש ללחוץ על כל שדה קלט עם העכבר על מנת להכניס את הפרטים – </a:t>
-            </a:r>
-            <a:r>
-              <a:rPr lang="he-IL" b="1" dirty="0"/>
-              <a:t>גמישות ויעילות שימוש.</a:t>
-            </a:r>
-          </a:p>
-          <a:p>
-            <a:pPr marL="285750" indent="-285750" algn="r" rtl="1">
-              <a:buFont typeface="Arial" panose="020B0604020202020204" pitchFamily="34" charset="0"/>
-              <a:buChar char="•"/>
-            </a:pPr>
-            <a:r>
-              <a:rPr lang="he-IL" dirty="0"/>
-              <a:t>אין אפשרות "זכור אותי" – </a:t>
-            </a:r>
-            <a:r>
-              <a:rPr lang="he-IL" b="1" dirty="0"/>
-              <a:t>גמישות ויעילות שימוש.</a:t>
-            </a:r>
-            <a:endParaRPr lang="he-IL" dirty="0"/>
-          </a:p>
-        </p:txBody>
-      </p:sp>
-    </p:spTree>
-    <p:extLst>
-      <p:ext uri="{BB962C8B-B14F-4D97-AF65-F5344CB8AC3E}">
-        <p14:creationId xmlns:p14="http://schemas.microsoft.com/office/powerpoint/2010/main" val="2576447696"/>
       </p:ext>
     </p:extLst>
   </p:cSld>

--- a/ux_course/מצגת סופית להגשה.pptx
+++ b/ux_course/מצגת סופית להגשה.pptx
@@ -5,7 +5,7 @@
     <p:sldMasterId id="2147483828" r:id="rId1"/>
   </p:sldMasterIdLst>
   <p:notesMasterIdLst>
-    <p:notesMasterId r:id="rId52"/>
+    <p:notesMasterId r:id="rId59"/>
   </p:notesMasterIdLst>
   <p:sldIdLst>
     <p:sldId id="262" r:id="rId2"/>
@@ -49,15 +49,22 @@
     <p:sldId id="289" r:id="rId40"/>
     <p:sldId id="297" r:id="rId41"/>
     <p:sldId id="299" r:id="rId42"/>
-    <p:sldId id="300" r:id="rId43"/>
-    <p:sldId id="301" r:id="rId44"/>
-    <p:sldId id="302" r:id="rId45"/>
-    <p:sldId id="303" r:id="rId46"/>
-    <p:sldId id="305" r:id="rId47"/>
-    <p:sldId id="304" r:id="rId48"/>
-    <p:sldId id="306" r:id="rId49"/>
-    <p:sldId id="296" r:id="rId50"/>
-    <p:sldId id="295" r:id="rId51"/>
+    <p:sldId id="310" r:id="rId43"/>
+    <p:sldId id="300" r:id="rId44"/>
+    <p:sldId id="301" r:id="rId45"/>
+    <p:sldId id="302" r:id="rId46"/>
+    <p:sldId id="303" r:id="rId47"/>
+    <p:sldId id="305" r:id="rId48"/>
+    <p:sldId id="304" r:id="rId49"/>
+    <p:sldId id="306" r:id="rId50"/>
+    <p:sldId id="296" r:id="rId51"/>
+    <p:sldId id="295" r:id="rId52"/>
+    <p:sldId id="311" r:id="rId53"/>
+    <p:sldId id="313" r:id="rId54"/>
+    <p:sldId id="314" r:id="rId55"/>
+    <p:sldId id="315" r:id="rId56"/>
+    <p:sldId id="316" r:id="rId57"/>
+    <p:sldId id="312" r:id="rId58"/>
   </p:sldIdLst>
   <p:sldSz cx="12192000" cy="6858000"/>
   <p:notesSz cx="6858000" cy="9144000"/>
@@ -578,7 +585,7 @@
           <a:p>
             <a:fld id="{6E084796-162D-476E-82D2-4B26235D4C2C}" type="slidenum">
               <a:rPr lang="en-US" smtClean="0"/>
-              <a:t>45</a:t>
+              <a:t>46</a:t>
             </a:fld>
             <a:endParaRPr lang="en-US"/>
           </a:p>
@@ -20858,6 +20865,545 @@
     </p:spTree>
     <p:extLst>
       <p:ext uri="{BB962C8B-B14F-4D97-AF65-F5344CB8AC3E}">
+        <p14:creationId xmlns:p14="http://schemas.microsoft.com/office/powerpoint/2010/main" val="1576982466"/>
+      </p:ext>
+    </p:extLst>
+  </p:cSld>
+  <p:clrMapOvr>
+    <a:masterClrMapping/>
+  </p:clrMapOvr>
+</p:sld>
+</file>
+
+<file path=ppt/slides/slide43.xml><?xml version="1.0" encoding="utf-8"?>
+<p:sld xmlns:a="http://schemas.openxmlformats.org/drawingml/2006/main" xmlns:r="http://schemas.openxmlformats.org/officeDocument/2006/relationships" xmlns:p="http://schemas.openxmlformats.org/presentationml/2006/main">
+  <p:cSld>
+    <p:spTree>
+      <p:nvGrpSpPr>
+        <p:cNvPr id="1" name=""/>
+        <p:cNvGrpSpPr/>
+        <p:nvPr/>
+      </p:nvGrpSpPr>
+      <p:grpSpPr>
+        <a:xfrm>
+          <a:off x="0" y="0"/>
+          <a:ext cx="0" cy="0"/>
+          <a:chOff x="0" y="0"/>
+          <a:chExt cx="0" cy="0"/>
+        </a:xfrm>
+      </p:grpSpPr>
+      <p:sp>
+        <p:nvSpPr>
+          <p:cNvPr id="2" name="Title 1">
+            <a:extLst>
+              <a:ext uri="{FF2B5EF4-FFF2-40B4-BE49-F238E27FC236}">
+                <a16:creationId xmlns:a16="http://schemas.microsoft.com/office/drawing/2014/main" id="{F2E75ACD-C303-46DD-8FB4-27FC6A409857}"/>
+              </a:ext>
+            </a:extLst>
+          </p:cNvPr>
+          <p:cNvSpPr>
+            <a:spLocks noGrp="1"/>
+          </p:cNvSpPr>
+          <p:nvPr>
+            <p:ph type="title"/>
+          </p:nvPr>
+        </p:nvSpPr>
+        <p:spPr/>
+        <p:txBody>
+          <a:bodyPr/>
+          <a:lstStyle/>
+          <a:p>
+            <a:pPr algn="ctr"/>
+            <a:r>
+              <a:rPr lang="he-IL" sz="4800" dirty="0"/>
+              <a:t>מסך הבית</a:t>
+            </a:r>
+            <a:endParaRPr lang="en-US" sz="4800" dirty="0"/>
+          </a:p>
+        </p:txBody>
+      </p:sp>
+      <p:sp>
+        <p:nvSpPr>
+          <p:cNvPr id="27" name="TextBox 26">
+            <a:extLst>
+              <a:ext uri="{FF2B5EF4-FFF2-40B4-BE49-F238E27FC236}">
+                <a16:creationId xmlns:a16="http://schemas.microsoft.com/office/drawing/2014/main" id="{793931D8-69E6-451B-8BCE-EC76158083DE}"/>
+              </a:ext>
+            </a:extLst>
+          </p:cNvPr>
+          <p:cNvSpPr txBox="1"/>
+          <p:nvPr/>
+        </p:nvSpPr>
+        <p:spPr>
+          <a:xfrm>
+            <a:off x="6704846" y="2664995"/>
+            <a:ext cx="5193437" cy="1523815"/>
+          </a:xfrm>
+          <a:prstGeom prst="rect">
+            <a:avLst/>
+          </a:prstGeom>
+          <a:noFill/>
+        </p:spPr>
+        <p:txBody>
+          <a:bodyPr wrap="square" rtlCol="0">
+            <a:spAutoFit/>
+          </a:bodyPr>
+          <a:lstStyle/>
+          <a:p>
+            <a:pPr marL="285750" indent="-285750" algn="r" rtl="1">
+              <a:lnSpc>
+                <a:spcPct val="150000"/>
+              </a:lnSpc>
+              <a:buFont typeface="Arial" panose="020B0604020202020204" pitchFamily="34" charset="0"/>
+              <a:buChar char="•"/>
+            </a:pPr>
+            <a:r>
+              <a:rPr lang="he-IL" sz="1600" dirty="0"/>
+              <a:t>אבל זה עדיין היה מאוד לא אינטואיטיבי עבור המשתמשים ולא כל כך אלגנטי והחלטנו להחליף את ה </a:t>
+            </a:r>
+            <a:r>
+              <a:rPr lang="en-US" sz="1600" dirty="0"/>
+              <a:t>X</a:t>
+            </a:r>
+            <a:r>
+              <a:rPr lang="he-IL" sz="1600" dirty="0"/>
+              <a:t> בסמל של פח אשפה שיופיע רק כשנוגעים בפגישה. מה שיהיה יותר אינטואיטיבי למשתמשים</a:t>
+            </a:r>
+            <a:endParaRPr lang="en-US" sz="1400" dirty="0"/>
+          </a:p>
+        </p:txBody>
+      </p:sp>
+      <p:grpSp>
+        <p:nvGrpSpPr>
+          <p:cNvPr id="12" name="Group 11">
+            <a:extLst>
+              <a:ext uri="{FF2B5EF4-FFF2-40B4-BE49-F238E27FC236}">
+                <a16:creationId xmlns:a16="http://schemas.microsoft.com/office/drawing/2014/main" id="{1DE057FB-A088-4946-8D44-CE8087F3EBC1}"/>
+              </a:ext>
+            </a:extLst>
+          </p:cNvPr>
+          <p:cNvGrpSpPr/>
+          <p:nvPr/>
+        </p:nvGrpSpPr>
+        <p:grpSpPr>
+          <a:xfrm>
+            <a:off x="603682" y="2587752"/>
+            <a:ext cx="5492317" cy="3470148"/>
+            <a:chOff x="0" y="0"/>
+            <a:chExt cx="9144000" cy="5143500"/>
+          </a:xfrm>
+        </p:grpSpPr>
+        <p:sp>
+          <p:nvSpPr>
+            <p:cNvPr id="13" name="Google Shape;91;p15">
+              <a:extLst>
+                <a:ext uri="{FF2B5EF4-FFF2-40B4-BE49-F238E27FC236}">
+                  <a16:creationId xmlns:a16="http://schemas.microsoft.com/office/drawing/2014/main" id="{B9B34CCF-A942-47ED-911B-DE76AF51188C}"/>
+                </a:ext>
+              </a:extLst>
+            </p:cNvPr>
+            <p:cNvSpPr/>
+            <p:nvPr/>
+          </p:nvSpPr>
+          <p:spPr>
+            <a:xfrm>
+              <a:off x="0" y="0"/>
+              <a:ext cx="9144000" cy="583200"/>
+            </a:xfrm>
+            <a:prstGeom prst="rect">
+              <a:avLst/>
+            </a:prstGeom>
+            <a:solidFill>
+              <a:srgbClr val="B4D0E7"/>
+            </a:solidFill>
+            <a:ln w="9525" cap="flat" cmpd="sng">
+              <a:solidFill>
+                <a:srgbClr val="B4D0E7"/>
+              </a:solidFill>
+              <a:prstDash val="solid"/>
+              <a:round/>
+              <a:headEnd type="none" w="sm" len="sm"/>
+              <a:tailEnd type="none" w="sm" len="sm"/>
+            </a:ln>
+            <a:effectLst>
+              <a:outerShdw blurRad="57150" dist="19050" dir="5400000" algn="bl" rotWithShape="0">
+                <a:schemeClr val="dk1">
+                  <a:alpha val="50000"/>
+                </a:schemeClr>
+              </a:outerShdw>
+            </a:effectLst>
+          </p:spPr>
+          <p:txBody>
+            <a:bodyPr spcFirstLastPara="1" wrap="square" lIns="91425" tIns="91425" rIns="91425" bIns="91425" anchor="ctr" anchorCtr="0">
+              <a:noAutofit/>
+            </a:bodyPr>
+            <a:lstStyle/>
+            <a:p>
+              <a:pPr marL="0" lvl="0" indent="0" algn="l" rtl="0">
+                <a:spcBef>
+                  <a:spcPts val="0"/>
+                </a:spcBef>
+                <a:spcAft>
+                  <a:spcPts val="0"/>
+                </a:spcAft>
+                <a:buNone/>
+              </a:pPr>
+              <a:endParaRPr sz="800"/>
+            </a:p>
+          </p:txBody>
+        </p:sp>
+        <p:sp>
+          <p:nvSpPr>
+            <p:cNvPr id="14" name="Google Shape;92;p15">
+              <a:extLst>
+                <a:ext uri="{FF2B5EF4-FFF2-40B4-BE49-F238E27FC236}">
+                  <a16:creationId xmlns:a16="http://schemas.microsoft.com/office/drawing/2014/main" id="{6C5EBF33-5BBA-4E55-9407-AE68978CB239}"/>
+                </a:ext>
+              </a:extLst>
+            </p:cNvPr>
+            <p:cNvSpPr txBox="1"/>
+            <p:nvPr/>
+          </p:nvSpPr>
+          <p:spPr>
+            <a:xfrm>
+              <a:off x="7759591" y="120750"/>
+              <a:ext cx="1330159" cy="341701"/>
+            </a:xfrm>
+            <a:prstGeom prst="rect">
+              <a:avLst/>
+            </a:prstGeom>
+            <a:noFill/>
+            <a:ln>
+              <a:noFill/>
+            </a:ln>
+          </p:spPr>
+          <p:txBody>
+            <a:bodyPr spcFirstLastPara="1" wrap="square" lIns="91425" tIns="91425" rIns="91425" bIns="91425" anchor="t" anchorCtr="0">
+              <a:noAutofit/>
+            </a:bodyPr>
+            <a:lstStyle/>
+            <a:p>
+              <a:pPr marL="0" lvl="0" indent="0" algn="r" rtl="0">
+                <a:spcBef>
+                  <a:spcPts val="0"/>
+                </a:spcBef>
+                <a:spcAft>
+                  <a:spcPts val="0"/>
+                </a:spcAft>
+                <a:buNone/>
+              </a:pPr>
+              <a:r>
+                <a:rPr lang="iw" sz="800" dirty="0">
+                  <a:solidFill>
+                    <a:srgbClr val="FFFFFF"/>
+                  </a:solidFill>
+                </a:rPr>
+                <a:t>WeMeet</a:t>
+              </a:r>
+              <a:endParaRPr sz="800" dirty="0">
+                <a:solidFill>
+                  <a:srgbClr val="FFFFFF"/>
+                </a:solidFill>
+              </a:endParaRPr>
+            </a:p>
+          </p:txBody>
+        </p:sp>
+        <p:sp>
+          <p:nvSpPr>
+            <p:cNvPr id="15" name="Google Shape;93;p15">
+              <a:extLst>
+                <a:ext uri="{FF2B5EF4-FFF2-40B4-BE49-F238E27FC236}">
+                  <a16:creationId xmlns:a16="http://schemas.microsoft.com/office/drawing/2014/main" id="{5D388D1D-6209-4643-8D64-72257DB9DE29}"/>
+                </a:ext>
+              </a:extLst>
+            </p:cNvPr>
+            <p:cNvSpPr txBox="1"/>
+            <p:nvPr/>
+          </p:nvSpPr>
+          <p:spPr>
+            <a:xfrm>
+              <a:off x="6514030" y="114491"/>
+              <a:ext cx="1080000" cy="327900"/>
+            </a:xfrm>
+            <a:prstGeom prst="rect">
+              <a:avLst/>
+            </a:prstGeom>
+            <a:noFill/>
+            <a:ln>
+              <a:noFill/>
+            </a:ln>
+          </p:spPr>
+          <p:txBody>
+            <a:bodyPr spcFirstLastPara="1" wrap="square" lIns="91425" tIns="91425" rIns="91425" bIns="91425" anchor="t" anchorCtr="0">
+              <a:noAutofit/>
+            </a:bodyPr>
+            <a:lstStyle/>
+            <a:p>
+              <a:pPr marL="0" lvl="0" indent="0" algn="r" rtl="1">
+                <a:spcBef>
+                  <a:spcPts val="0"/>
+                </a:spcBef>
+                <a:spcAft>
+                  <a:spcPts val="0"/>
+                </a:spcAft>
+                <a:buNone/>
+              </a:pPr>
+              <a:r>
+                <a:rPr lang="iw" sz="800" dirty="0">
+                  <a:solidFill>
+                    <a:srgbClr val="FFFFFF"/>
+                  </a:solidFill>
+                </a:rPr>
+                <a:t>אזור אישי</a:t>
+              </a:r>
+              <a:endParaRPr sz="800" dirty="0">
+                <a:solidFill>
+                  <a:srgbClr val="FFFFFF"/>
+                </a:solidFill>
+              </a:endParaRPr>
+            </a:p>
+          </p:txBody>
+        </p:sp>
+        <p:sp>
+          <p:nvSpPr>
+            <p:cNvPr id="16" name="Google Shape;94;p15">
+              <a:extLst>
+                <a:ext uri="{FF2B5EF4-FFF2-40B4-BE49-F238E27FC236}">
+                  <a16:creationId xmlns:a16="http://schemas.microsoft.com/office/drawing/2014/main" id="{08359C53-1B32-4D16-B912-B7888D55DD7A}"/>
+                </a:ext>
+              </a:extLst>
+            </p:cNvPr>
+            <p:cNvSpPr txBox="1"/>
+            <p:nvPr/>
+          </p:nvSpPr>
+          <p:spPr>
+            <a:xfrm>
+              <a:off x="4842907" y="127650"/>
+              <a:ext cx="1476000" cy="327900"/>
+            </a:xfrm>
+            <a:prstGeom prst="rect">
+              <a:avLst/>
+            </a:prstGeom>
+            <a:noFill/>
+            <a:ln>
+              <a:noFill/>
+            </a:ln>
+          </p:spPr>
+          <p:txBody>
+            <a:bodyPr spcFirstLastPara="1" wrap="square" lIns="91425" tIns="91425" rIns="91425" bIns="91425" anchor="t" anchorCtr="0">
+              <a:noAutofit/>
+            </a:bodyPr>
+            <a:lstStyle/>
+            <a:p>
+              <a:pPr marL="0" lvl="0" indent="0" algn="r" rtl="1">
+                <a:spcBef>
+                  <a:spcPts val="0"/>
+                </a:spcBef>
+                <a:spcAft>
+                  <a:spcPts val="0"/>
+                </a:spcAft>
+                <a:buNone/>
+              </a:pPr>
+              <a:r>
+                <a:rPr lang="iw" sz="800" dirty="0">
+                  <a:solidFill>
+                    <a:srgbClr val="FFFFFF"/>
+                  </a:solidFill>
+                </a:rPr>
+                <a:t>פגישה חדשה</a:t>
+              </a:r>
+              <a:endParaRPr sz="800" dirty="0">
+                <a:solidFill>
+                  <a:srgbClr val="FFFFFF"/>
+                </a:solidFill>
+              </a:endParaRPr>
+            </a:p>
+          </p:txBody>
+        </p:sp>
+        <p:sp>
+          <p:nvSpPr>
+            <p:cNvPr id="17" name="Google Shape;95;p15">
+              <a:extLst>
+                <a:ext uri="{FF2B5EF4-FFF2-40B4-BE49-F238E27FC236}">
+                  <a16:creationId xmlns:a16="http://schemas.microsoft.com/office/drawing/2014/main" id="{9E66D533-CA60-43FF-B579-92A94F026F3A}"/>
+                </a:ext>
+              </a:extLst>
+            </p:cNvPr>
+            <p:cNvSpPr txBox="1"/>
+            <p:nvPr/>
+          </p:nvSpPr>
+          <p:spPr>
+            <a:xfrm>
+              <a:off x="314375" y="127650"/>
+              <a:ext cx="862800" cy="327900"/>
+            </a:xfrm>
+            <a:prstGeom prst="rect">
+              <a:avLst/>
+            </a:prstGeom>
+            <a:noFill/>
+            <a:ln>
+              <a:noFill/>
+            </a:ln>
+          </p:spPr>
+          <p:txBody>
+            <a:bodyPr spcFirstLastPara="1" wrap="square" lIns="91425" tIns="91425" rIns="91425" bIns="91425" anchor="t" anchorCtr="0">
+              <a:noAutofit/>
+            </a:bodyPr>
+            <a:lstStyle/>
+            <a:p>
+              <a:pPr marL="0" lvl="0" indent="0" algn="r" rtl="1">
+                <a:spcBef>
+                  <a:spcPts val="0"/>
+                </a:spcBef>
+                <a:spcAft>
+                  <a:spcPts val="0"/>
+                </a:spcAft>
+                <a:buNone/>
+              </a:pPr>
+              <a:r>
+                <a:rPr lang="iw" sz="800">
+                  <a:solidFill>
+                    <a:srgbClr val="FFFFFF"/>
+                  </a:solidFill>
+                </a:rPr>
+                <a:t>התנתק</a:t>
+              </a:r>
+              <a:endParaRPr sz="800">
+                <a:solidFill>
+                  <a:srgbClr val="FFFFFF"/>
+                </a:solidFill>
+              </a:endParaRPr>
+            </a:p>
+          </p:txBody>
+        </p:sp>
+        <p:pic>
+          <p:nvPicPr>
+            <p:cNvPr id="18" name="Google Shape;96;p15">
+              <a:extLst>
+                <a:ext uri="{FF2B5EF4-FFF2-40B4-BE49-F238E27FC236}">
+                  <a16:creationId xmlns:a16="http://schemas.microsoft.com/office/drawing/2014/main" id="{F5BA48BA-28C7-47DD-B900-0AF4EFE88721}"/>
+                </a:ext>
+              </a:extLst>
+            </p:cNvPr>
+            <p:cNvPicPr preferRelativeResize="0"/>
+            <p:nvPr/>
+          </p:nvPicPr>
+          <p:blipFill>
+            <a:blip r:embed="rId2">
+              <a:alphaModFix/>
+            </a:blip>
+            <a:stretch>
+              <a:fillRect/>
+            </a:stretch>
+          </p:blipFill>
+          <p:spPr>
+            <a:xfrm>
+              <a:off x="0" y="1069008"/>
+              <a:ext cx="9143999" cy="4074492"/>
+            </a:xfrm>
+            <a:prstGeom prst="rect">
+              <a:avLst/>
+            </a:prstGeom>
+            <a:noFill/>
+            <a:ln>
+              <a:noFill/>
+            </a:ln>
+          </p:spPr>
+        </p:pic>
+      </p:grpSp>
+      <p:pic>
+        <p:nvPicPr>
+          <p:cNvPr id="2052" name="Picture 4" descr="Image result for web trash sign">
+            <a:extLst>
+              <a:ext uri="{FF2B5EF4-FFF2-40B4-BE49-F238E27FC236}">
+                <a16:creationId xmlns:a16="http://schemas.microsoft.com/office/drawing/2014/main" id="{02FD0779-55BD-4AE0-8084-652E3A9DDB5C}"/>
+              </a:ext>
+            </a:extLst>
+          </p:cNvPr>
+          <p:cNvPicPr>
+            <a:picLocks noChangeAspect="1" noChangeArrowheads="1"/>
+          </p:cNvPicPr>
+          <p:nvPr/>
+        </p:nvPicPr>
+        <p:blipFill rotWithShape="1">
+          <a:blip r:embed="rId3">
+            <a:extLst>
+              <a:ext uri="{28A0092B-C50C-407E-A947-70E740481C1C}">
+                <a14:useLocalDpi xmlns:a14="http://schemas.microsoft.com/office/drawing/2010/main" val="0"/>
+              </a:ext>
+            </a:extLst>
+          </a:blip>
+          <a:srcRect l="18056" t="4077" r="17361" b="12017"/>
+          <a:stretch/>
+        </p:blipFill>
+        <p:spPr bwMode="auto">
+          <a:xfrm>
+            <a:off x="5233502" y="4100513"/>
+            <a:ext cx="73201" cy="102586"/>
+          </a:xfrm>
+          <a:prstGeom prst="rect">
+            <a:avLst/>
+          </a:prstGeom>
+          <a:noFill/>
+          <a:extLst>
+            <a:ext uri="{909E8E84-426E-40DD-AFC4-6F175D3DCCD1}">
+              <a14:hiddenFill xmlns:a14="http://schemas.microsoft.com/office/drawing/2010/main">
+                <a:solidFill>
+                  <a:srgbClr val="FFFFFF"/>
+                </a:solidFill>
+              </a14:hiddenFill>
+            </a:ext>
+          </a:extLst>
+        </p:spPr>
+      </p:pic>
+      <p:pic>
+        <p:nvPicPr>
+          <p:cNvPr id="2054" name="Picture 6" descr="Image result for mouse arrow'">
+            <a:extLst>
+              <a:ext uri="{FF2B5EF4-FFF2-40B4-BE49-F238E27FC236}">
+                <a16:creationId xmlns:a16="http://schemas.microsoft.com/office/drawing/2014/main" id="{716E502C-DA3A-4E1C-B17C-C6D720DC5165}"/>
+              </a:ext>
+            </a:extLst>
+          </p:cNvPr>
+          <p:cNvPicPr>
+            <a:picLocks noChangeAspect="1" noChangeArrowheads="1"/>
+          </p:cNvPicPr>
+          <p:nvPr/>
+        </p:nvPicPr>
+        <p:blipFill rotWithShape="1">
+          <a:blip r:embed="rId4">
+            <a:extLst>
+              <a:ext uri="{28A0092B-C50C-407E-A947-70E740481C1C}">
+                <a14:useLocalDpi xmlns:a14="http://schemas.microsoft.com/office/drawing/2010/main" val="0"/>
+              </a:ext>
+            </a:extLst>
+          </a:blip>
+          <a:srcRect l="18196" t="26223" r="51917" b="31778"/>
+          <a:stretch/>
+        </p:blipFill>
+        <p:spPr bwMode="auto">
+          <a:xfrm>
+            <a:off x="4998720" y="4191000"/>
+            <a:ext cx="83820" cy="124414"/>
+          </a:xfrm>
+          <a:prstGeom prst="rect">
+            <a:avLst/>
+          </a:prstGeom>
+          <a:noFill/>
+          <a:extLst>
+            <a:ext uri="{909E8E84-426E-40DD-AFC4-6F175D3DCCD1}">
+              <a14:hiddenFill xmlns:a14="http://schemas.microsoft.com/office/drawing/2010/main">
+                <a:solidFill>
+                  <a:srgbClr val="FFFFFF"/>
+                </a:solidFill>
+              </a14:hiddenFill>
+            </a:ext>
+          </a:extLst>
+        </p:spPr>
+      </p:pic>
+    </p:spTree>
+    <p:extLst>
+      <p:ext uri="{BB962C8B-B14F-4D97-AF65-F5344CB8AC3E}">
         <p14:creationId xmlns:p14="http://schemas.microsoft.com/office/powerpoint/2010/main" val="94472614"/>
       </p:ext>
     </p:extLst>
@@ -20868,7 +21414,7 @@
 </p:sld>
 </file>
 
-<file path=ppt/slides/slide43.xml><?xml version="1.0" encoding="utf-8"?>
+<file path=ppt/slides/slide44.xml><?xml version="1.0" encoding="utf-8"?>
 <p:sld xmlns:a="http://schemas.openxmlformats.org/drawingml/2006/main" xmlns:r="http://schemas.openxmlformats.org/officeDocument/2006/relationships" xmlns:p="http://schemas.openxmlformats.org/presentationml/2006/main">
   <p:cSld>
     <p:spTree>
@@ -21341,7 +21887,7 @@
 </p:sld>
 </file>
 
-<file path=ppt/slides/slide44.xml><?xml version="1.0" encoding="utf-8"?>
+<file path=ppt/slides/slide45.xml><?xml version="1.0" encoding="utf-8"?>
 <p:sld xmlns:a="http://schemas.openxmlformats.org/drawingml/2006/main" xmlns:r="http://schemas.openxmlformats.org/officeDocument/2006/relationships" xmlns:p="http://schemas.openxmlformats.org/presentationml/2006/main">
   <p:cSld>
     <p:spTree>
@@ -21965,7 +22511,7 @@
 </p:sld>
 </file>
 
-<file path=ppt/slides/slide45.xml><?xml version="1.0" encoding="utf-8"?>
+<file path=ppt/slides/slide46.xml><?xml version="1.0" encoding="utf-8"?>
 <p:sld xmlns:a="http://schemas.openxmlformats.org/drawingml/2006/main" xmlns:r="http://schemas.openxmlformats.org/officeDocument/2006/relationships" xmlns:p="http://schemas.openxmlformats.org/presentationml/2006/main">
   <p:cSld>
     <p:spTree>
@@ -22453,7 +22999,7 @@
 </p:sld>
 </file>
 
-<file path=ppt/slides/slide46.xml><?xml version="1.0" encoding="utf-8"?>
+<file path=ppt/slides/slide47.xml><?xml version="1.0" encoding="utf-8"?>
 <p:sld xmlns:a="http://schemas.openxmlformats.org/drawingml/2006/main" xmlns:r="http://schemas.openxmlformats.org/officeDocument/2006/relationships" xmlns:p="http://schemas.openxmlformats.org/presentationml/2006/main">
   <p:cSld>
     <p:spTree>
@@ -22869,7 +23415,7 @@
 </p:sld>
 </file>
 
-<file path=ppt/slides/slide47.xml><?xml version="1.0" encoding="utf-8"?>
+<file path=ppt/slides/slide48.xml><?xml version="1.0" encoding="utf-8"?>
 <p:sld xmlns:a="http://schemas.openxmlformats.org/drawingml/2006/main" xmlns:r="http://schemas.openxmlformats.org/officeDocument/2006/relationships" xmlns:p="http://schemas.openxmlformats.org/presentationml/2006/main">
   <p:cSld>
     <p:spTree>
@@ -23343,7 +23889,7 @@
 </p:sld>
 </file>
 
-<file path=ppt/slides/slide48.xml><?xml version="1.0" encoding="utf-8"?>
+<file path=ppt/slides/slide49.xml><?xml version="1.0" encoding="utf-8"?>
 <p:sld xmlns:a="http://schemas.openxmlformats.org/drawingml/2006/main" xmlns:r="http://schemas.openxmlformats.org/officeDocument/2006/relationships" xmlns:p="http://schemas.openxmlformats.org/presentationml/2006/main">
   <p:cSld>
     <p:spTree>
@@ -23751,6 +24297,90 @@
           </a:p>
         </p:txBody>
       </p:sp>
+      <p:sp>
+        <p:nvSpPr>
+          <p:cNvPr id="10" name="TextBox 9">
+            <a:extLst>
+              <a:ext uri="{FF2B5EF4-FFF2-40B4-BE49-F238E27FC236}">
+                <a16:creationId xmlns:a16="http://schemas.microsoft.com/office/drawing/2014/main" id="{5CD359DE-98AE-458F-AF22-FB046CCD38C6}"/>
+              </a:ext>
+            </a:extLst>
+          </p:cNvPr>
+          <p:cNvSpPr txBox="1"/>
+          <p:nvPr/>
+        </p:nvSpPr>
+        <p:spPr>
+          <a:xfrm>
+            <a:off x="5149258" y="2983737"/>
+            <a:ext cx="755229" cy="276999"/>
+          </a:xfrm>
+          <a:prstGeom prst="rect">
+            <a:avLst/>
+          </a:prstGeom>
+          <a:noFill/>
+        </p:spPr>
+        <p:txBody>
+          <a:bodyPr wrap="square" rtlCol="0">
+            <a:noAutofit/>
+          </a:bodyPr>
+          <a:lstStyle/>
+          <a:p>
+            <a:pPr algn="ctr"/>
+            <a:r>
+              <a:rPr lang="he-IL" sz="1400" dirty="0"/>
+              <a:t>נובמבר</a:t>
+            </a:r>
+            <a:endParaRPr lang="en-US" sz="2400" dirty="0"/>
+          </a:p>
+        </p:txBody>
+      </p:sp>
+      <p:pic>
+        <p:nvPicPr>
+          <p:cNvPr id="11" name="Picture 2" descr="Image result for Calendar icon web">
+            <a:extLst>
+              <a:ext uri="{FF2B5EF4-FFF2-40B4-BE49-F238E27FC236}">
+                <a16:creationId xmlns:a16="http://schemas.microsoft.com/office/drawing/2014/main" id="{F4DFDAF3-356E-4C07-9B1C-4ED0515482B9}"/>
+              </a:ext>
+            </a:extLst>
+          </p:cNvPr>
+          <p:cNvPicPr>
+            <a:picLocks noChangeAspect="1" noChangeArrowheads="1"/>
+          </p:cNvPicPr>
+          <p:nvPr/>
+        </p:nvPicPr>
+        <p:blipFill>
+          <a:blip r:embed="rId3">
+            <a:extLst>
+              <a:ext uri="{28A0092B-C50C-407E-A947-70E740481C1C}">
+                <a14:useLocalDpi xmlns:a14="http://schemas.microsoft.com/office/drawing/2010/main" val="0"/>
+              </a:ext>
+            </a:extLst>
+          </a:blip>
+          <a:srcRect/>
+          <a:stretch>
+            <a:fillRect/>
+          </a:stretch>
+        </p:blipFill>
+        <p:spPr bwMode="auto">
+          <a:xfrm>
+            <a:off x="5811095" y="3030797"/>
+            <a:ext cx="228600" cy="228600"/>
+          </a:xfrm>
+          <a:prstGeom prst="rect">
+            <a:avLst/>
+          </a:prstGeom>
+          <a:noFill/>
+          <a:extLst>
+            <a:ext uri="{909E8E84-426E-40DD-AFC4-6F175D3DCCD1}">
+              <a14:hiddenFill xmlns:a14="http://schemas.microsoft.com/office/drawing/2010/main">
+                <a:solidFill>
+                  <a:srgbClr val="FFFFFF"/>
+                </a:solidFill>
+              </a14:hiddenFill>
+            </a:ext>
+          </a:extLst>
+        </p:spPr>
+      </p:pic>
     </p:spTree>
     <p:extLst>
       <p:ext uri="{BB962C8B-B14F-4D97-AF65-F5344CB8AC3E}">
@@ -23764,7 +24394,208 @@
 </p:sld>
 </file>
 
-<file path=ppt/slides/slide49.xml><?xml version="1.0" encoding="utf-8"?>
+<file path=ppt/slides/slide5.xml><?xml version="1.0" encoding="utf-8"?>
+<p:sld xmlns:a="http://schemas.openxmlformats.org/drawingml/2006/main" xmlns:r="http://schemas.openxmlformats.org/officeDocument/2006/relationships" xmlns:p="http://schemas.openxmlformats.org/presentationml/2006/main">
+  <p:cSld>
+    <p:spTree>
+      <p:nvGrpSpPr>
+        <p:cNvPr id="1" name=""/>
+        <p:cNvGrpSpPr/>
+        <p:nvPr/>
+      </p:nvGrpSpPr>
+      <p:grpSpPr>
+        <a:xfrm>
+          <a:off x="0" y="0"/>
+          <a:ext cx="0" cy="0"/>
+          <a:chOff x="0" y="0"/>
+          <a:chExt cx="0" cy="0"/>
+        </a:xfrm>
+      </p:grpSpPr>
+      <p:sp>
+        <p:nvSpPr>
+          <p:cNvPr id="2" name="כותרת 1">
+            <a:extLst>
+              <a:ext uri="{FF2B5EF4-FFF2-40B4-BE49-F238E27FC236}">
+                <a16:creationId xmlns:a16="http://schemas.microsoft.com/office/drawing/2014/main" id="{92A500EE-F6C5-4C79-92F1-D2FDEE8174A4}"/>
+              </a:ext>
+            </a:extLst>
+          </p:cNvPr>
+          <p:cNvSpPr>
+            <a:spLocks noGrp="1"/>
+          </p:cNvSpPr>
+          <p:nvPr>
+            <p:ph type="title"/>
+          </p:nvPr>
+        </p:nvSpPr>
+        <p:spPr/>
+        <p:txBody>
+          <a:bodyPr/>
+          <a:lstStyle/>
+          <a:p>
+            <a:pPr algn="ctr"/>
+            <a:r>
+              <a:rPr lang="he-IL" dirty="0"/>
+              <a:t>מסך התחברות</a:t>
+            </a:r>
+          </a:p>
+        </p:txBody>
+      </p:sp>
+      <p:pic>
+        <p:nvPicPr>
+          <p:cNvPr id="16" name="תמונה 15">
+            <a:extLst>
+              <a:ext uri="{FF2B5EF4-FFF2-40B4-BE49-F238E27FC236}">
+                <a16:creationId xmlns:a16="http://schemas.microsoft.com/office/drawing/2014/main" id="{4FD9B8E5-98A3-4C79-8EC6-1523FF6B0199}"/>
+              </a:ext>
+            </a:extLst>
+          </p:cNvPr>
+          <p:cNvPicPr>
+            <a:picLocks noChangeAspect="1"/>
+          </p:cNvPicPr>
+          <p:nvPr/>
+        </p:nvPicPr>
+        <p:blipFill>
+          <a:blip r:embed="rId2"/>
+          <a:stretch>
+            <a:fillRect/>
+          </a:stretch>
+        </p:blipFill>
+        <p:spPr>
+          <a:xfrm>
+            <a:off x="531944" y="2813539"/>
+            <a:ext cx="6851533" cy="3844516"/>
+          </a:xfrm>
+          <a:prstGeom prst="rect">
+            <a:avLst/>
+          </a:prstGeom>
+        </p:spPr>
+      </p:pic>
+      <p:sp>
+        <p:nvSpPr>
+          <p:cNvPr id="17" name="תיבת טקסט 16">
+            <a:extLst>
+              <a:ext uri="{FF2B5EF4-FFF2-40B4-BE49-F238E27FC236}">
+                <a16:creationId xmlns:a16="http://schemas.microsoft.com/office/drawing/2014/main" id="{2F642565-7D83-416E-A7D1-4FA3B48B83E1}"/>
+              </a:ext>
+            </a:extLst>
+          </p:cNvPr>
+          <p:cNvSpPr txBox="1"/>
+          <p:nvPr/>
+        </p:nvSpPr>
+        <p:spPr>
+          <a:xfrm>
+            <a:off x="7540282" y="2610683"/>
+            <a:ext cx="4487594" cy="3693319"/>
+          </a:xfrm>
+          <a:prstGeom prst="rect">
+            <a:avLst/>
+          </a:prstGeom>
+          <a:noFill/>
+        </p:spPr>
+        <p:txBody>
+          <a:bodyPr wrap="square" rtlCol="1">
+            <a:spAutoFit/>
+          </a:bodyPr>
+          <a:lstStyle/>
+          <a:p>
+            <a:pPr marL="285750" indent="-285750" algn="r" rtl="1">
+              <a:buFont typeface="Arial" panose="020B0604020202020204" pitchFamily="34" charset="0"/>
+              <a:buChar char="•"/>
+            </a:pPr>
+            <a:r>
+              <a:rPr lang="he-IL" dirty="0"/>
+              <a:t>כפתור ההתחברות וההרשמה דומים ויכולים לגרום לבלבול בזמן ההתחברות.</a:t>
+            </a:r>
+          </a:p>
+          <a:p>
+            <a:pPr marL="285750" indent="-285750" algn="r" rtl="1">
+              <a:buFont typeface="Arial" panose="020B0604020202020204" pitchFamily="34" charset="0"/>
+              <a:buChar char="•"/>
+            </a:pPr>
+            <a:r>
+              <a:rPr lang="he-IL" dirty="0"/>
+              <a:t>אין אפשרות לשחזור סיסמת המשתמש – </a:t>
+            </a:r>
+            <a:r>
+              <a:rPr lang="he-IL" b="1" dirty="0"/>
+              <a:t>שליטת משתמש וחופש פעולה.</a:t>
+            </a:r>
+            <a:endParaRPr lang="he-IL" dirty="0"/>
+          </a:p>
+          <a:p>
+            <a:pPr marL="285750" indent="-285750" algn="r" rtl="1">
+              <a:buFont typeface="Arial" panose="020B0604020202020204" pitchFamily="34" charset="0"/>
+              <a:buChar char="•"/>
+            </a:pPr>
+            <a:r>
+              <a:rPr lang="he-IL" dirty="0"/>
+              <a:t>אין חיווי המראה למשתמש היכן הוא ממלא את פרטיו – </a:t>
+            </a:r>
+            <a:r>
+              <a:rPr lang="he-IL" b="1" dirty="0"/>
+              <a:t>חיווי מצב המערכת.</a:t>
+            </a:r>
+            <a:endParaRPr lang="he-IL" dirty="0"/>
+          </a:p>
+          <a:p>
+            <a:pPr marL="285750" indent="-285750" algn="r" rtl="1">
+              <a:buFont typeface="Arial" panose="020B0604020202020204" pitchFamily="34" charset="0"/>
+              <a:buChar char="•"/>
+            </a:pPr>
+            <a:r>
+              <a:rPr lang="he-IL" dirty="0"/>
+              <a:t>אין סמלים\אייקונים שמאפיינים את שדות הקלט – </a:t>
+            </a:r>
+            <a:r>
+              <a:rPr lang="he-IL" b="1" dirty="0"/>
+              <a:t>זיהוי ולא זיכרון.</a:t>
+            </a:r>
+          </a:p>
+          <a:p>
+            <a:pPr marL="285750" indent="-285750" algn="r" rtl="1">
+              <a:buFont typeface="Arial" panose="020B0604020202020204" pitchFamily="34" charset="0"/>
+              <a:buChar char="•"/>
+            </a:pPr>
+            <a:r>
+              <a:rPr lang="he-IL" dirty="0"/>
+              <a:t>על המשתמש ללחוץ על כל שדה קלט עם העכבר על מנת להכניס את הפרטים – </a:t>
+            </a:r>
+            <a:r>
+              <a:rPr lang="he-IL" b="1" dirty="0"/>
+              <a:t>גמישות ויעילות שימוש.</a:t>
+            </a:r>
+          </a:p>
+          <a:p>
+            <a:pPr marL="285750" indent="-285750" algn="r" rtl="1">
+              <a:buFont typeface="Arial" panose="020B0604020202020204" pitchFamily="34" charset="0"/>
+              <a:buChar char="•"/>
+            </a:pPr>
+            <a:r>
+              <a:rPr lang="he-IL" dirty="0"/>
+              <a:t>אין אפשרות "זכור אותי" – </a:t>
+            </a:r>
+            <a:r>
+              <a:rPr lang="he-IL" b="1" dirty="0"/>
+              <a:t>גמישות ויעילות שימוש.</a:t>
+            </a:r>
+            <a:endParaRPr lang="he-IL" dirty="0"/>
+          </a:p>
+        </p:txBody>
+      </p:sp>
+    </p:spTree>
+    <p:extLst>
+      <p:ext uri="{BB962C8B-B14F-4D97-AF65-F5344CB8AC3E}">
+        <p14:creationId xmlns:p14="http://schemas.microsoft.com/office/powerpoint/2010/main" val="2576447696"/>
+      </p:ext>
+    </p:extLst>
+  </p:cSld>
+  <p:clrMapOvr>
+    <a:masterClrMapping/>
+  </p:clrMapOvr>
+</p:sld>
+</file>
+
+<file path=ppt/slides/slide50.xml><?xml version="1.0" encoding="utf-8"?>
 <p:sld xmlns:a="http://schemas.openxmlformats.org/drawingml/2006/main" xmlns:r="http://schemas.openxmlformats.org/officeDocument/2006/relationships" xmlns:p="http://schemas.openxmlformats.org/presentationml/2006/main">
   <p:cSld>
     <p:spTree>
@@ -24035,208 +24866,7 @@
 </p:sld>
 </file>
 
-<file path=ppt/slides/slide5.xml><?xml version="1.0" encoding="utf-8"?>
-<p:sld xmlns:a="http://schemas.openxmlformats.org/drawingml/2006/main" xmlns:r="http://schemas.openxmlformats.org/officeDocument/2006/relationships" xmlns:p="http://schemas.openxmlformats.org/presentationml/2006/main">
-  <p:cSld>
-    <p:spTree>
-      <p:nvGrpSpPr>
-        <p:cNvPr id="1" name=""/>
-        <p:cNvGrpSpPr/>
-        <p:nvPr/>
-      </p:nvGrpSpPr>
-      <p:grpSpPr>
-        <a:xfrm>
-          <a:off x="0" y="0"/>
-          <a:ext cx="0" cy="0"/>
-          <a:chOff x="0" y="0"/>
-          <a:chExt cx="0" cy="0"/>
-        </a:xfrm>
-      </p:grpSpPr>
-      <p:sp>
-        <p:nvSpPr>
-          <p:cNvPr id="2" name="כותרת 1">
-            <a:extLst>
-              <a:ext uri="{FF2B5EF4-FFF2-40B4-BE49-F238E27FC236}">
-                <a16:creationId xmlns:a16="http://schemas.microsoft.com/office/drawing/2014/main" id="{92A500EE-F6C5-4C79-92F1-D2FDEE8174A4}"/>
-              </a:ext>
-            </a:extLst>
-          </p:cNvPr>
-          <p:cNvSpPr>
-            <a:spLocks noGrp="1"/>
-          </p:cNvSpPr>
-          <p:nvPr>
-            <p:ph type="title"/>
-          </p:nvPr>
-        </p:nvSpPr>
-        <p:spPr/>
-        <p:txBody>
-          <a:bodyPr/>
-          <a:lstStyle/>
-          <a:p>
-            <a:pPr algn="ctr"/>
-            <a:r>
-              <a:rPr lang="he-IL" dirty="0"/>
-              <a:t>מסך התחברות</a:t>
-            </a:r>
-          </a:p>
-        </p:txBody>
-      </p:sp>
-      <p:pic>
-        <p:nvPicPr>
-          <p:cNvPr id="16" name="תמונה 15">
-            <a:extLst>
-              <a:ext uri="{FF2B5EF4-FFF2-40B4-BE49-F238E27FC236}">
-                <a16:creationId xmlns:a16="http://schemas.microsoft.com/office/drawing/2014/main" id="{4FD9B8E5-98A3-4C79-8EC6-1523FF6B0199}"/>
-              </a:ext>
-            </a:extLst>
-          </p:cNvPr>
-          <p:cNvPicPr>
-            <a:picLocks noChangeAspect="1"/>
-          </p:cNvPicPr>
-          <p:nvPr/>
-        </p:nvPicPr>
-        <p:blipFill>
-          <a:blip r:embed="rId2"/>
-          <a:stretch>
-            <a:fillRect/>
-          </a:stretch>
-        </p:blipFill>
-        <p:spPr>
-          <a:xfrm>
-            <a:off x="531944" y="2813539"/>
-            <a:ext cx="6851533" cy="3844516"/>
-          </a:xfrm>
-          <a:prstGeom prst="rect">
-            <a:avLst/>
-          </a:prstGeom>
-        </p:spPr>
-      </p:pic>
-      <p:sp>
-        <p:nvSpPr>
-          <p:cNvPr id="17" name="תיבת טקסט 16">
-            <a:extLst>
-              <a:ext uri="{FF2B5EF4-FFF2-40B4-BE49-F238E27FC236}">
-                <a16:creationId xmlns:a16="http://schemas.microsoft.com/office/drawing/2014/main" id="{2F642565-7D83-416E-A7D1-4FA3B48B83E1}"/>
-              </a:ext>
-            </a:extLst>
-          </p:cNvPr>
-          <p:cNvSpPr txBox="1"/>
-          <p:nvPr/>
-        </p:nvSpPr>
-        <p:spPr>
-          <a:xfrm>
-            <a:off x="7540282" y="2610683"/>
-            <a:ext cx="4487594" cy="3693319"/>
-          </a:xfrm>
-          <a:prstGeom prst="rect">
-            <a:avLst/>
-          </a:prstGeom>
-          <a:noFill/>
-        </p:spPr>
-        <p:txBody>
-          <a:bodyPr wrap="square" rtlCol="1">
-            <a:spAutoFit/>
-          </a:bodyPr>
-          <a:lstStyle/>
-          <a:p>
-            <a:pPr marL="285750" indent="-285750" algn="r" rtl="1">
-              <a:buFont typeface="Arial" panose="020B0604020202020204" pitchFamily="34" charset="0"/>
-              <a:buChar char="•"/>
-            </a:pPr>
-            <a:r>
-              <a:rPr lang="he-IL" dirty="0"/>
-              <a:t>כפתור ההתחברות וההרשמה דומים ויכולים לגרום לבלבול בזמן ההתחברות.</a:t>
-            </a:r>
-          </a:p>
-          <a:p>
-            <a:pPr marL="285750" indent="-285750" algn="r" rtl="1">
-              <a:buFont typeface="Arial" panose="020B0604020202020204" pitchFamily="34" charset="0"/>
-              <a:buChar char="•"/>
-            </a:pPr>
-            <a:r>
-              <a:rPr lang="he-IL" dirty="0"/>
-              <a:t>אין אפשרות לשחזור סיסמת המשתמש – </a:t>
-            </a:r>
-            <a:r>
-              <a:rPr lang="he-IL" b="1" dirty="0"/>
-              <a:t>שליטת משתמש וחופש פעולה.</a:t>
-            </a:r>
-            <a:endParaRPr lang="he-IL" dirty="0"/>
-          </a:p>
-          <a:p>
-            <a:pPr marL="285750" indent="-285750" algn="r" rtl="1">
-              <a:buFont typeface="Arial" panose="020B0604020202020204" pitchFamily="34" charset="0"/>
-              <a:buChar char="•"/>
-            </a:pPr>
-            <a:r>
-              <a:rPr lang="he-IL" dirty="0"/>
-              <a:t>אין חיווי המראה למשתמש היכן הוא ממלא את פרטיו – </a:t>
-            </a:r>
-            <a:r>
-              <a:rPr lang="he-IL" b="1" dirty="0"/>
-              <a:t>חיווי מצב המערכת.</a:t>
-            </a:r>
-            <a:endParaRPr lang="he-IL" dirty="0"/>
-          </a:p>
-          <a:p>
-            <a:pPr marL="285750" indent="-285750" algn="r" rtl="1">
-              <a:buFont typeface="Arial" panose="020B0604020202020204" pitchFamily="34" charset="0"/>
-              <a:buChar char="•"/>
-            </a:pPr>
-            <a:r>
-              <a:rPr lang="he-IL" dirty="0"/>
-              <a:t>אין סמלים\אייקונים שמאפיינים את שדות הקלט – </a:t>
-            </a:r>
-            <a:r>
-              <a:rPr lang="he-IL" b="1" dirty="0"/>
-              <a:t>זיהוי ולא זיכרון.</a:t>
-            </a:r>
-          </a:p>
-          <a:p>
-            <a:pPr marL="285750" indent="-285750" algn="r" rtl="1">
-              <a:buFont typeface="Arial" panose="020B0604020202020204" pitchFamily="34" charset="0"/>
-              <a:buChar char="•"/>
-            </a:pPr>
-            <a:r>
-              <a:rPr lang="he-IL" dirty="0"/>
-              <a:t>על המשתמש ללחוץ על כל שדה קלט עם העכבר על מנת להכניס את הפרטים – </a:t>
-            </a:r>
-            <a:r>
-              <a:rPr lang="he-IL" b="1" dirty="0"/>
-              <a:t>גמישות ויעילות שימוש.</a:t>
-            </a:r>
-          </a:p>
-          <a:p>
-            <a:pPr marL="285750" indent="-285750" algn="r" rtl="1">
-              <a:buFont typeface="Arial" panose="020B0604020202020204" pitchFamily="34" charset="0"/>
-              <a:buChar char="•"/>
-            </a:pPr>
-            <a:r>
-              <a:rPr lang="he-IL" dirty="0"/>
-              <a:t>אין אפשרות "זכור אותי" – </a:t>
-            </a:r>
-            <a:r>
-              <a:rPr lang="he-IL" b="1" dirty="0"/>
-              <a:t>גמישות ויעילות שימוש.</a:t>
-            </a:r>
-            <a:endParaRPr lang="he-IL" dirty="0"/>
-          </a:p>
-        </p:txBody>
-      </p:sp>
-    </p:spTree>
-    <p:extLst>
-      <p:ext uri="{BB962C8B-B14F-4D97-AF65-F5344CB8AC3E}">
-        <p14:creationId xmlns:p14="http://schemas.microsoft.com/office/powerpoint/2010/main" val="2576447696"/>
-      </p:ext>
-    </p:extLst>
-  </p:cSld>
-  <p:clrMapOvr>
-    <a:masterClrMapping/>
-  </p:clrMapOvr>
-</p:sld>
-</file>
-
-<file path=ppt/slides/slide50.xml><?xml version="1.0" encoding="utf-8"?>
+<file path=ppt/slides/slide51.xml><?xml version="1.0" encoding="utf-8"?>
 <p:sld xmlns:a="http://schemas.openxmlformats.org/drawingml/2006/main" xmlns:r="http://schemas.openxmlformats.org/officeDocument/2006/relationships" xmlns:p="http://schemas.openxmlformats.org/presentationml/2006/main">
   <p:cSld>
     <p:spTree>
@@ -24502,6 +25132,3613 @@
     <p:extLst>
       <p:ext uri="{BB962C8B-B14F-4D97-AF65-F5344CB8AC3E}">
         <p14:creationId xmlns:p14="http://schemas.microsoft.com/office/powerpoint/2010/main" val="2527601576"/>
+      </p:ext>
+    </p:extLst>
+  </p:cSld>
+  <p:clrMapOvr>
+    <a:masterClrMapping/>
+  </p:clrMapOvr>
+</p:sld>
+</file>
+
+<file path=ppt/slides/slide52.xml><?xml version="1.0" encoding="utf-8"?>
+<p:sld xmlns:a="http://schemas.openxmlformats.org/drawingml/2006/main" xmlns:r="http://schemas.openxmlformats.org/officeDocument/2006/relationships" xmlns:p="http://schemas.openxmlformats.org/presentationml/2006/main">
+  <p:cSld>
+    <p:spTree>
+      <p:nvGrpSpPr>
+        <p:cNvPr id="1" name=""/>
+        <p:cNvGrpSpPr/>
+        <p:nvPr/>
+      </p:nvGrpSpPr>
+      <p:grpSpPr>
+        <a:xfrm>
+          <a:off x="0" y="0"/>
+          <a:ext cx="0" cy="0"/>
+          <a:chOff x="0" y="0"/>
+          <a:chExt cx="0" cy="0"/>
+        </a:xfrm>
+      </p:grpSpPr>
+      <p:sp>
+        <p:nvSpPr>
+          <p:cNvPr id="2" name="כותרת 1">
+            <a:extLst>
+              <a:ext uri="{FF2B5EF4-FFF2-40B4-BE49-F238E27FC236}">
+                <a16:creationId xmlns:a16="http://schemas.microsoft.com/office/drawing/2014/main" id="{7E2CFF58-DDF3-4D79-8E24-D3415F37CA20}"/>
+              </a:ext>
+            </a:extLst>
+          </p:cNvPr>
+          <p:cNvSpPr>
+            <a:spLocks noGrp="1"/>
+          </p:cNvSpPr>
+          <p:nvPr>
+            <p:ph type="ctrTitle"/>
+          </p:nvPr>
+        </p:nvSpPr>
+        <p:spPr>
+          <a:xfrm>
+            <a:off x="2614894" y="2998289"/>
+            <a:ext cx="6962212" cy="861421"/>
+          </a:xfrm>
+        </p:spPr>
+        <p:txBody>
+          <a:bodyPr/>
+          <a:lstStyle/>
+          <a:p>
+            <a:pPr algn="ctr"/>
+            <a:r>
+              <a:rPr lang="he-IL" dirty="0"/>
+              <a:t> מסע לקוח </a:t>
+            </a:r>
+            <a:br>
+              <a:rPr lang="he-IL" dirty="0"/>
+            </a:br>
+            <a:r>
+              <a:rPr lang="he-IL" dirty="0"/>
+              <a:t>וזיהוי הזדמנויות</a:t>
+            </a:r>
+            <a:endParaRPr lang="en-US" dirty="0"/>
+          </a:p>
+        </p:txBody>
+      </p:sp>
+    </p:spTree>
+    <p:extLst>
+      <p:ext uri="{BB962C8B-B14F-4D97-AF65-F5344CB8AC3E}">
+        <p14:creationId xmlns:p14="http://schemas.microsoft.com/office/powerpoint/2010/main" val="2183377141"/>
+      </p:ext>
+    </p:extLst>
+  </p:cSld>
+  <p:clrMapOvr>
+    <a:masterClrMapping/>
+  </p:clrMapOvr>
+</p:sld>
+</file>
+
+<file path=ppt/slides/slide53.xml><?xml version="1.0" encoding="utf-8"?>
+<p:sld xmlns:a="http://schemas.openxmlformats.org/drawingml/2006/main" xmlns:r="http://schemas.openxmlformats.org/officeDocument/2006/relationships" xmlns:p="http://schemas.openxmlformats.org/presentationml/2006/main">
+  <p:cSld>
+    <p:spTree>
+      <p:nvGrpSpPr>
+        <p:cNvPr id="1" name=""/>
+        <p:cNvGrpSpPr/>
+        <p:nvPr/>
+      </p:nvGrpSpPr>
+      <p:grpSpPr>
+        <a:xfrm>
+          <a:off x="0" y="0"/>
+          <a:ext cx="0" cy="0"/>
+          <a:chOff x="0" y="0"/>
+          <a:chExt cx="0" cy="0"/>
+        </a:xfrm>
+      </p:grpSpPr>
+      <p:sp>
+        <p:nvSpPr>
+          <p:cNvPr id="2" name="Title 1">
+            <a:extLst>
+              <a:ext uri="{FF2B5EF4-FFF2-40B4-BE49-F238E27FC236}">
+                <a16:creationId xmlns:a16="http://schemas.microsoft.com/office/drawing/2014/main" id="{F2E75ACD-C303-46DD-8FB4-27FC6A409857}"/>
+              </a:ext>
+            </a:extLst>
+          </p:cNvPr>
+          <p:cNvSpPr>
+            <a:spLocks noGrp="1"/>
+          </p:cNvSpPr>
+          <p:nvPr>
+            <p:ph type="title"/>
+          </p:nvPr>
+        </p:nvSpPr>
+        <p:spPr/>
+        <p:txBody>
+          <a:bodyPr/>
+          <a:lstStyle/>
+          <a:p>
+            <a:pPr algn="ctr"/>
+            <a:r>
+              <a:rPr lang="he-IL" sz="4800" dirty="0"/>
+              <a:t>מסע לקוח - קביעת פגישה</a:t>
+            </a:r>
+            <a:endParaRPr lang="en-US" sz="4800" dirty="0"/>
+          </a:p>
+        </p:txBody>
+      </p:sp>
+      <p:grpSp>
+        <p:nvGrpSpPr>
+          <p:cNvPr id="26" name="Group 25">
+            <a:extLst>
+              <a:ext uri="{FF2B5EF4-FFF2-40B4-BE49-F238E27FC236}">
+                <a16:creationId xmlns:a16="http://schemas.microsoft.com/office/drawing/2014/main" id="{27855C0A-3995-4FC9-A74F-A0B80D0AE5C7}"/>
+              </a:ext>
+            </a:extLst>
+          </p:cNvPr>
+          <p:cNvGrpSpPr/>
+          <p:nvPr/>
+        </p:nvGrpSpPr>
+        <p:grpSpPr>
+          <a:xfrm>
+            <a:off x="1860482" y="1948693"/>
+            <a:ext cx="7408982" cy="4715329"/>
+            <a:chOff x="1860482" y="1902973"/>
+            <a:chExt cx="7408982" cy="4715329"/>
+          </a:xfrm>
+        </p:grpSpPr>
+        <p:pic>
+          <p:nvPicPr>
+            <p:cNvPr id="3" name="Picture 2">
+              <a:extLst>
+                <a:ext uri="{FF2B5EF4-FFF2-40B4-BE49-F238E27FC236}">
+                  <a16:creationId xmlns:a16="http://schemas.microsoft.com/office/drawing/2014/main" id="{46AADC74-5A4E-4818-AF61-14EF97650448}"/>
+                </a:ext>
+              </a:extLst>
+            </p:cNvPr>
+            <p:cNvPicPr>
+              <a:picLocks noChangeAspect="1"/>
+            </p:cNvPicPr>
+            <p:nvPr/>
+          </p:nvPicPr>
+          <p:blipFill>
+            <a:blip r:embed="rId2"/>
+            <a:stretch>
+              <a:fillRect/>
+            </a:stretch>
+          </p:blipFill>
+          <p:spPr>
+            <a:xfrm>
+              <a:off x="1860482" y="1902973"/>
+              <a:ext cx="7408982" cy="4715329"/>
+            </a:xfrm>
+            <a:prstGeom prst="rect">
+              <a:avLst/>
+            </a:prstGeom>
+          </p:spPr>
+        </p:pic>
+        <p:sp>
+          <p:nvSpPr>
+            <p:cNvPr id="6" name="Rectangle 5">
+              <a:extLst>
+                <a:ext uri="{FF2B5EF4-FFF2-40B4-BE49-F238E27FC236}">
+                  <a16:creationId xmlns:a16="http://schemas.microsoft.com/office/drawing/2014/main" id="{901B59FB-006E-427B-806D-758AB6C9351B}"/>
+                </a:ext>
+              </a:extLst>
+            </p:cNvPr>
+            <p:cNvSpPr/>
+            <p:nvPr/>
+          </p:nvSpPr>
+          <p:spPr>
+            <a:xfrm>
+              <a:off x="1944210" y="1902973"/>
+              <a:ext cx="2902998" cy="236545"/>
+            </a:xfrm>
+            <a:prstGeom prst="rect">
+              <a:avLst/>
+            </a:prstGeom>
+            <a:solidFill>
+              <a:srgbClr val="FFFFFF"/>
+            </a:solidFill>
+            <a:ln>
+              <a:noFill/>
+            </a:ln>
+          </p:spPr>
+          <p:style>
+            <a:lnRef idx="2">
+              <a:schemeClr val="accent1">
+                <a:shade val="50000"/>
+              </a:schemeClr>
+            </a:lnRef>
+            <a:fillRef idx="1">
+              <a:schemeClr val="accent1"/>
+            </a:fillRef>
+            <a:effectRef idx="0">
+              <a:schemeClr val="accent1"/>
+            </a:effectRef>
+            <a:fontRef idx="minor">
+              <a:schemeClr val="lt1"/>
+            </a:fontRef>
+          </p:style>
+          <p:txBody>
+            <a:bodyPr rtlCol="0" anchor="ctr"/>
+            <a:lstStyle/>
+            <a:p>
+              <a:pPr algn="ctr"/>
+              <a:endParaRPr lang="en-US"/>
+            </a:p>
+          </p:txBody>
+        </p:sp>
+        <p:sp>
+          <p:nvSpPr>
+            <p:cNvPr id="5" name="Rectangle 4">
+              <a:extLst>
+                <a:ext uri="{FF2B5EF4-FFF2-40B4-BE49-F238E27FC236}">
+                  <a16:creationId xmlns:a16="http://schemas.microsoft.com/office/drawing/2014/main" id="{72D91BE8-F8BF-4ED6-BFD8-7AA9E5B87E29}"/>
+                </a:ext>
+              </a:extLst>
+            </p:cNvPr>
+            <p:cNvSpPr/>
+            <p:nvPr/>
+          </p:nvSpPr>
+          <p:spPr>
+            <a:xfrm>
+              <a:off x="2239347" y="1902973"/>
+              <a:ext cx="6923314" cy="401688"/>
+            </a:xfrm>
+            <a:prstGeom prst="rect">
+              <a:avLst/>
+            </a:prstGeom>
+            <a:solidFill>
+              <a:schemeClr val="bg1"/>
+            </a:solidFill>
+            <a:ln>
+              <a:noFill/>
+            </a:ln>
+          </p:spPr>
+          <p:style>
+            <a:lnRef idx="2">
+              <a:schemeClr val="accent1">
+                <a:shade val="50000"/>
+              </a:schemeClr>
+            </a:lnRef>
+            <a:fillRef idx="1">
+              <a:schemeClr val="accent1"/>
+            </a:fillRef>
+            <a:effectRef idx="0">
+              <a:schemeClr val="accent1"/>
+            </a:effectRef>
+            <a:fontRef idx="minor">
+              <a:schemeClr val="lt1"/>
+            </a:fontRef>
+          </p:style>
+          <p:txBody>
+            <a:bodyPr rtlCol="0" anchor="ctr"/>
+            <a:lstStyle/>
+            <a:p>
+              <a:pPr algn="ctr"/>
+              <a:endParaRPr lang="en-US"/>
+            </a:p>
+          </p:txBody>
+        </p:sp>
+        <p:sp>
+          <p:nvSpPr>
+            <p:cNvPr id="22" name="Rectangle 21">
+              <a:extLst>
+                <a:ext uri="{FF2B5EF4-FFF2-40B4-BE49-F238E27FC236}">
+                  <a16:creationId xmlns:a16="http://schemas.microsoft.com/office/drawing/2014/main" id="{ABD477BC-2FC9-46E5-B9E6-69DD88856745}"/>
+                </a:ext>
+              </a:extLst>
+            </p:cNvPr>
+            <p:cNvSpPr/>
+            <p:nvPr/>
+          </p:nvSpPr>
+          <p:spPr>
+            <a:xfrm>
+              <a:off x="1981199" y="2304661"/>
+              <a:ext cx="6845560" cy="139959"/>
+            </a:xfrm>
+            <a:prstGeom prst="rect">
+              <a:avLst/>
+            </a:prstGeom>
+            <a:solidFill>
+              <a:srgbClr val="F2F2F2"/>
+            </a:solidFill>
+            <a:ln>
+              <a:solidFill>
+                <a:srgbClr val="FFFFFF"/>
+              </a:solidFill>
+            </a:ln>
+          </p:spPr>
+          <p:style>
+            <a:lnRef idx="2">
+              <a:schemeClr val="accent1">
+                <a:shade val="50000"/>
+              </a:schemeClr>
+            </a:lnRef>
+            <a:fillRef idx="1">
+              <a:schemeClr val="accent1"/>
+            </a:fillRef>
+            <a:effectRef idx="0">
+              <a:schemeClr val="accent1"/>
+            </a:effectRef>
+            <a:fontRef idx="minor">
+              <a:schemeClr val="lt1"/>
+            </a:fontRef>
+          </p:style>
+          <p:txBody>
+            <a:bodyPr rtlCol="0" anchor="ctr"/>
+            <a:lstStyle/>
+            <a:p>
+              <a:pPr algn="ctr"/>
+              <a:endParaRPr lang="en-US"/>
+            </a:p>
+          </p:txBody>
+        </p:sp>
+        <p:sp>
+          <p:nvSpPr>
+            <p:cNvPr id="23" name="Rectangle 22">
+              <a:extLst>
+                <a:ext uri="{FF2B5EF4-FFF2-40B4-BE49-F238E27FC236}">
+                  <a16:creationId xmlns:a16="http://schemas.microsoft.com/office/drawing/2014/main" id="{BE49CA2B-1A92-4238-B51A-C620E3DBD8B8}"/>
+                </a:ext>
+              </a:extLst>
+            </p:cNvPr>
+            <p:cNvSpPr/>
+            <p:nvPr/>
+          </p:nvSpPr>
+          <p:spPr>
+            <a:xfrm>
+              <a:off x="2755641" y="2444620"/>
+              <a:ext cx="6024465" cy="1091852"/>
+            </a:xfrm>
+            <a:prstGeom prst="rect">
+              <a:avLst/>
+            </a:prstGeom>
+            <a:solidFill>
+              <a:srgbClr val="F2F2F2"/>
+            </a:solidFill>
+            <a:ln>
+              <a:noFill/>
+            </a:ln>
+          </p:spPr>
+          <p:style>
+            <a:lnRef idx="2">
+              <a:schemeClr val="accent1">
+                <a:shade val="50000"/>
+              </a:schemeClr>
+            </a:lnRef>
+            <a:fillRef idx="1">
+              <a:schemeClr val="accent1"/>
+            </a:fillRef>
+            <a:effectRef idx="0">
+              <a:schemeClr val="accent1"/>
+            </a:effectRef>
+            <a:fontRef idx="minor">
+              <a:schemeClr val="lt1"/>
+            </a:fontRef>
+          </p:style>
+          <p:txBody>
+            <a:bodyPr rtlCol="0" anchor="ctr"/>
+            <a:lstStyle/>
+            <a:p>
+              <a:pPr algn="ctr"/>
+              <a:endParaRPr lang="en-US" dirty="0"/>
+            </a:p>
+          </p:txBody>
+        </p:sp>
+        <p:sp>
+          <p:nvSpPr>
+            <p:cNvPr id="24" name="Rectangle 23">
+              <a:extLst>
+                <a:ext uri="{FF2B5EF4-FFF2-40B4-BE49-F238E27FC236}">
+                  <a16:creationId xmlns:a16="http://schemas.microsoft.com/office/drawing/2014/main" id="{CC89FECD-FECC-4E43-9CEF-7137D13F6341}"/>
+                </a:ext>
+              </a:extLst>
+            </p:cNvPr>
+            <p:cNvSpPr/>
+            <p:nvPr/>
+          </p:nvSpPr>
+          <p:spPr>
+            <a:xfrm>
+              <a:off x="2796072" y="3735356"/>
+              <a:ext cx="6024465" cy="1312505"/>
+            </a:xfrm>
+            <a:prstGeom prst="rect">
+              <a:avLst/>
+            </a:prstGeom>
+            <a:solidFill>
+              <a:srgbClr val="F2F2F2"/>
+            </a:solidFill>
+            <a:ln>
+              <a:noFill/>
+            </a:ln>
+          </p:spPr>
+          <p:style>
+            <a:lnRef idx="2">
+              <a:schemeClr val="accent1">
+                <a:shade val="50000"/>
+              </a:schemeClr>
+            </a:lnRef>
+            <a:fillRef idx="1">
+              <a:schemeClr val="accent1"/>
+            </a:fillRef>
+            <a:effectRef idx="0">
+              <a:schemeClr val="accent1"/>
+            </a:effectRef>
+            <a:fontRef idx="minor">
+              <a:schemeClr val="lt1"/>
+            </a:fontRef>
+          </p:style>
+          <p:txBody>
+            <a:bodyPr rtlCol="0" anchor="ctr"/>
+            <a:lstStyle/>
+            <a:p>
+              <a:pPr algn="ctr"/>
+              <a:endParaRPr lang="en-US"/>
+            </a:p>
+          </p:txBody>
+        </p:sp>
+        <p:sp>
+          <p:nvSpPr>
+            <p:cNvPr id="25" name="Rectangle 24">
+              <a:extLst>
+                <a:ext uri="{FF2B5EF4-FFF2-40B4-BE49-F238E27FC236}">
+                  <a16:creationId xmlns:a16="http://schemas.microsoft.com/office/drawing/2014/main" id="{8BF95874-C3BC-4151-98D6-F37B0E694F31}"/>
+                </a:ext>
+              </a:extLst>
+            </p:cNvPr>
+            <p:cNvSpPr/>
+            <p:nvPr/>
+          </p:nvSpPr>
+          <p:spPr>
+            <a:xfrm>
+              <a:off x="2786741" y="5178491"/>
+              <a:ext cx="6024465" cy="1374494"/>
+            </a:xfrm>
+            <a:prstGeom prst="rect">
+              <a:avLst/>
+            </a:prstGeom>
+            <a:solidFill>
+              <a:srgbClr val="F2F2F2"/>
+            </a:solidFill>
+            <a:ln>
+              <a:noFill/>
+            </a:ln>
+          </p:spPr>
+          <p:style>
+            <a:lnRef idx="2">
+              <a:schemeClr val="accent1">
+                <a:shade val="50000"/>
+              </a:schemeClr>
+            </a:lnRef>
+            <a:fillRef idx="1">
+              <a:schemeClr val="accent1"/>
+            </a:fillRef>
+            <a:effectRef idx="0">
+              <a:schemeClr val="accent1"/>
+            </a:effectRef>
+            <a:fontRef idx="minor">
+              <a:schemeClr val="lt1"/>
+            </a:fontRef>
+          </p:style>
+          <p:txBody>
+            <a:bodyPr rtlCol="0" anchor="ctr"/>
+            <a:lstStyle/>
+            <a:p>
+              <a:pPr algn="ctr"/>
+              <a:endParaRPr lang="en-US"/>
+            </a:p>
+          </p:txBody>
+        </p:sp>
+      </p:grpSp>
+      <p:sp>
+        <p:nvSpPr>
+          <p:cNvPr id="27" name="Rectangle 26">
+            <a:extLst>
+              <a:ext uri="{FF2B5EF4-FFF2-40B4-BE49-F238E27FC236}">
+                <a16:creationId xmlns:a16="http://schemas.microsoft.com/office/drawing/2014/main" id="{AE8DF733-F2AA-46A3-85F6-FA05F02FE289}"/>
+              </a:ext>
+            </a:extLst>
+          </p:cNvPr>
+          <p:cNvSpPr/>
+          <p:nvPr/>
+        </p:nvSpPr>
+        <p:spPr>
+          <a:xfrm>
+            <a:off x="3060440" y="2792920"/>
+            <a:ext cx="790199" cy="388839"/>
+          </a:xfrm>
+          <a:prstGeom prst="rect">
+            <a:avLst/>
+          </a:prstGeom>
+          <a:solidFill>
+            <a:srgbClr val="00B0F0"/>
+          </a:solidFill>
+          <a:ln>
+            <a:solidFill>
+              <a:srgbClr val="B4D0E7"/>
+            </a:solidFill>
+          </a:ln>
+        </p:spPr>
+        <p:style>
+          <a:lnRef idx="3">
+            <a:schemeClr val="lt1"/>
+          </a:lnRef>
+          <a:fillRef idx="1">
+            <a:schemeClr val="accent5"/>
+          </a:fillRef>
+          <a:effectRef idx="1">
+            <a:schemeClr val="accent5"/>
+          </a:effectRef>
+          <a:fontRef idx="minor">
+            <a:schemeClr val="lt1"/>
+          </a:fontRef>
+        </p:style>
+        <p:txBody>
+          <a:bodyPr rtlCol="0" anchor="ctr"/>
+          <a:lstStyle/>
+          <a:p>
+            <a:pPr algn="ctr"/>
+            <a:r>
+              <a:rPr lang="he-IL" sz="700" dirty="0"/>
+              <a:t> חייב לקבוע את הפגישת תקציב הרבעונית</a:t>
+            </a:r>
+            <a:endParaRPr lang="en-US" sz="700" dirty="0"/>
+          </a:p>
+        </p:txBody>
+      </p:sp>
+      <p:sp>
+        <p:nvSpPr>
+          <p:cNvPr id="28" name="Rectangle 27">
+            <a:extLst>
+              <a:ext uri="{FF2B5EF4-FFF2-40B4-BE49-F238E27FC236}">
+                <a16:creationId xmlns:a16="http://schemas.microsoft.com/office/drawing/2014/main" id="{C1EC3C79-CEDB-45AB-9E1F-C5A1E7F9CE7C}"/>
+              </a:ext>
+            </a:extLst>
+          </p:cNvPr>
+          <p:cNvSpPr/>
+          <p:nvPr/>
+        </p:nvSpPr>
+        <p:spPr>
+          <a:xfrm>
+            <a:off x="5163561" y="2723001"/>
+            <a:ext cx="871479" cy="439299"/>
+          </a:xfrm>
+          <a:prstGeom prst="rect">
+            <a:avLst/>
+          </a:prstGeom>
+          <a:solidFill>
+            <a:srgbClr val="00B0F0"/>
+          </a:solidFill>
+          <a:ln>
+            <a:solidFill>
+              <a:srgbClr val="B4D0E7"/>
+            </a:solidFill>
+          </a:ln>
+        </p:spPr>
+        <p:style>
+          <a:lnRef idx="3">
+            <a:schemeClr val="lt1"/>
+          </a:lnRef>
+          <a:fillRef idx="1">
+            <a:schemeClr val="accent5"/>
+          </a:fillRef>
+          <a:effectRef idx="1">
+            <a:schemeClr val="accent5"/>
+          </a:effectRef>
+          <a:fontRef idx="minor">
+            <a:schemeClr val="lt1"/>
+          </a:fontRef>
+        </p:style>
+        <p:txBody>
+          <a:bodyPr rtlCol="0" anchor="ctr"/>
+          <a:lstStyle/>
+          <a:p>
+            <a:pPr algn="ctr"/>
+            <a:r>
+              <a:rPr lang="he-IL" sz="700" dirty="0"/>
+              <a:t>4 אנשים ונציג מהבנק ייקח נצח למצוא תאריך</a:t>
+            </a:r>
+            <a:endParaRPr lang="en-US" sz="700" dirty="0"/>
+          </a:p>
+        </p:txBody>
+      </p:sp>
+      <p:sp>
+        <p:nvSpPr>
+          <p:cNvPr id="29" name="Rectangle 28">
+            <a:extLst>
+              <a:ext uri="{FF2B5EF4-FFF2-40B4-BE49-F238E27FC236}">
+                <a16:creationId xmlns:a16="http://schemas.microsoft.com/office/drawing/2014/main" id="{751621AB-02C8-4580-A04C-63ED99F57E01}"/>
+              </a:ext>
+            </a:extLst>
+          </p:cNvPr>
+          <p:cNvSpPr/>
+          <p:nvPr/>
+        </p:nvSpPr>
+        <p:spPr>
+          <a:xfrm>
+            <a:off x="3060440" y="4002769"/>
+            <a:ext cx="896880" cy="388839"/>
+          </a:xfrm>
+          <a:prstGeom prst="rect">
+            <a:avLst/>
+          </a:prstGeom>
+          <a:solidFill>
+            <a:srgbClr val="FFFF00"/>
+          </a:solidFill>
+          <a:ln>
+            <a:solidFill>
+              <a:srgbClr val="B4D0E7"/>
+            </a:solidFill>
+          </a:ln>
+        </p:spPr>
+        <p:style>
+          <a:lnRef idx="3">
+            <a:schemeClr val="lt1"/>
+          </a:lnRef>
+          <a:fillRef idx="1">
+            <a:schemeClr val="accent5"/>
+          </a:fillRef>
+          <a:effectRef idx="1">
+            <a:schemeClr val="accent5"/>
+          </a:effectRef>
+          <a:fontRef idx="minor">
+            <a:schemeClr val="lt1"/>
+          </a:fontRef>
+        </p:style>
+        <p:txBody>
+          <a:bodyPr rtlCol="0" anchor="ctr"/>
+          <a:lstStyle/>
+          <a:p>
+            <a:pPr algn="ctr"/>
+            <a:r>
+              <a:rPr lang="he-IL" sz="700" dirty="0">
+                <a:solidFill>
+                  <a:sysClr val="windowText" lastClr="000000"/>
+                </a:solidFill>
+              </a:rPr>
+              <a:t>רוצה לקבוע פגישת תקציב רבעוני של החברה</a:t>
+            </a:r>
+            <a:endParaRPr lang="en-US" sz="700" dirty="0">
+              <a:solidFill>
+                <a:sysClr val="windowText" lastClr="000000"/>
+              </a:solidFill>
+            </a:endParaRPr>
+          </a:p>
+        </p:txBody>
+      </p:sp>
+      <p:sp>
+        <p:nvSpPr>
+          <p:cNvPr id="30" name="Rectangle 29">
+            <a:extLst>
+              <a:ext uri="{FF2B5EF4-FFF2-40B4-BE49-F238E27FC236}">
+                <a16:creationId xmlns:a16="http://schemas.microsoft.com/office/drawing/2014/main" id="{8BBF4B69-71D8-471A-BDB5-E60499357DCF}"/>
+              </a:ext>
+            </a:extLst>
+          </p:cNvPr>
+          <p:cNvSpPr/>
+          <p:nvPr/>
+        </p:nvSpPr>
+        <p:spPr>
+          <a:xfrm>
+            <a:off x="3771640" y="4494128"/>
+            <a:ext cx="896880" cy="388839"/>
+          </a:xfrm>
+          <a:prstGeom prst="rect">
+            <a:avLst/>
+          </a:prstGeom>
+          <a:solidFill>
+            <a:srgbClr val="FFFF00"/>
+          </a:solidFill>
+          <a:ln>
+            <a:solidFill>
+              <a:srgbClr val="B4D0E7"/>
+            </a:solidFill>
+          </a:ln>
+        </p:spPr>
+        <p:style>
+          <a:lnRef idx="3">
+            <a:schemeClr val="lt1"/>
+          </a:lnRef>
+          <a:fillRef idx="1">
+            <a:schemeClr val="accent5"/>
+          </a:fillRef>
+          <a:effectRef idx="1">
+            <a:schemeClr val="accent5"/>
+          </a:effectRef>
+          <a:fontRef idx="minor">
+            <a:schemeClr val="lt1"/>
+          </a:fontRef>
+        </p:style>
+        <p:txBody>
+          <a:bodyPr rtlCol="0" anchor="ctr"/>
+          <a:lstStyle/>
+          <a:p>
+            <a:pPr algn="ctr"/>
+            <a:r>
+              <a:rPr lang="he-IL" sz="700" dirty="0">
+                <a:solidFill>
+                  <a:sysClr val="windowText" lastClr="000000"/>
+                </a:solidFill>
+              </a:rPr>
+              <a:t>פותח את המייל ונכנס ללוח השנה שלו</a:t>
+            </a:r>
+            <a:endParaRPr lang="en-US" sz="700" dirty="0">
+              <a:solidFill>
+                <a:sysClr val="windowText" lastClr="000000"/>
+              </a:solidFill>
+            </a:endParaRPr>
+          </a:p>
+        </p:txBody>
+      </p:sp>
+      <p:sp>
+        <p:nvSpPr>
+          <p:cNvPr id="31" name="Rectangle 30">
+            <a:extLst>
+              <a:ext uri="{FF2B5EF4-FFF2-40B4-BE49-F238E27FC236}">
+                <a16:creationId xmlns:a16="http://schemas.microsoft.com/office/drawing/2014/main" id="{01639B06-3E5B-4016-88F3-97F5F2BF30DA}"/>
+              </a:ext>
+            </a:extLst>
+          </p:cNvPr>
+          <p:cNvSpPr/>
+          <p:nvPr/>
+        </p:nvSpPr>
+        <p:spPr>
+          <a:xfrm>
+            <a:off x="4493000" y="3904848"/>
+            <a:ext cx="896880" cy="388839"/>
+          </a:xfrm>
+          <a:prstGeom prst="rect">
+            <a:avLst/>
+          </a:prstGeom>
+          <a:solidFill>
+            <a:srgbClr val="FFFF00"/>
+          </a:solidFill>
+          <a:ln>
+            <a:solidFill>
+              <a:srgbClr val="B4D0E7"/>
+            </a:solidFill>
+          </a:ln>
+        </p:spPr>
+        <p:style>
+          <a:lnRef idx="3">
+            <a:schemeClr val="lt1"/>
+          </a:lnRef>
+          <a:fillRef idx="1">
+            <a:schemeClr val="accent5"/>
+          </a:fillRef>
+          <a:effectRef idx="1">
+            <a:schemeClr val="accent5"/>
+          </a:effectRef>
+          <a:fontRef idx="minor">
+            <a:schemeClr val="lt1"/>
+          </a:fontRef>
+        </p:style>
+        <p:txBody>
+          <a:bodyPr rtlCol="0" anchor="ctr"/>
+          <a:lstStyle/>
+          <a:p>
+            <a:pPr algn="ctr"/>
+            <a:r>
+              <a:rPr lang="he-IL" sz="700" dirty="0">
+                <a:solidFill>
+                  <a:sysClr val="windowText" lastClr="000000"/>
+                </a:solidFill>
+              </a:rPr>
+              <a:t>מוצא ארבעה מועדים בהם הוא פנוי לקבוע את פגישת התקציב</a:t>
+            </a:r>
+            <a:endParaRPr lang="en-US" sz="700" dirty="0">
+              <a:solidFill>
+                <a:sysClr val="windowText" lastClr="000000"/>
+              </a:solidFill>
+            </a:endParaRPr>
+          </a:p>
+        </p:txBody>
+      </p:sp>
+      <p:sp>
+        <p:nvSpPr>
+          <p:cNvPr id="32" name="Rectangle 31">
+            <a:extLst>
+              <a:ext uri="{FF2B5EF4-FFF2-40B4-BE49-F238E27FC236}">
+                <a16:creationId xmlns:a16="http://schemas.microsoft.com/office/drawing/2014/main" id="{1E29E399-2CAA-46D5-BE2F-F462241C79C8}"/>
+              </a:ext>
+            </a:extLst>
+          </p:cNvPr>
+          <p:cNvSpPr/>
+          <p:nvPr/>
+        </p:nvSpPr>
+        <p:spPr>
+          <a:xfrm>
+            <a:off x="5432800" y="4392528"/>
+            <a:ext cx="896880" cy="490560"/>
+          </a:xfrm>
+          <a:prstGeom prst="rect">
+            <a:avLst/>
+          </a:prstGeom>
+          <a:solidFill>
+            <a:srgbClr val="FFFF00"/>
+          </a:solidFill>
+          <a:ln>
+            <a:solidFill>
+              <a:srgbClr val="B4D0E7"/>
+            </a:solidFill>
+          </a:ln>
+        </p:spPr>
+        <p:style>
+          <a:lnRef idx="3">
+            <a:schemeClr val="lt1"/>
+          </a:lnRef>
+          <a:fillRef idx="1">
+            <a:schemeClr val="accent5"/>
+          </a:fillRef>
+          <a:effectRef idx="1">
+            <a:schemeClr val="accent5"/>
+          </a:effectRef>
+          <a:fontRef idx="minor">
+            <a:schemeClr val="lt1"/>
+          </a:fontRef>
+        </p:style>
+        <p:txBody>
+          <a:bodyPr rtlCol="0" anchor="ctr"/>
+          <a:lstStyle/>
+          <a:p>
+            <a:pPr algn="ctr"/>
+            <a:r>
+              <a:rPr lang="he-IL" sz="700" dirty="0">
+                <a:solidFill>
+                  <a:sysClr val="windowText" lastClr="000000"/>
+                </a:solidFill>
+              </a:rPr>
+              <a:t>מתקשר לאנשים שחשוב שיהיו בפגישה בודק מתי הם יכולים</a:t>
+            </a:r>
+            <a:endParaRPr lang="en-US" sz="700" dirty="0">
+              <a:solidFill>
+                <a:sysClr val="windowText" lastClr="000000"/>
+              </a:solidFill>
+            </a:endParaRPr>
+          </a:p>
+        </p:txBody>
+      </p:sp>
+      <p:sp>
+        <p:nvSpPr>
+          <p:cNvPr id="33" name="Rectangle 32">
+            <a:extLst>
+              <a:ext uri="{FF2B5EF4-FFF2-40B4-BE49-F238E27FC236}">
+                <a16:creationId xmlns:a16="http://schemas.microsoft.com/office/drawing/2014/main" id="{E1971537-2867-44F0-9AFD-CAFCE31A53C3}"/>
+              </a:ext>
+            </a:extLst>
+          </p:cNvPr>
+          <p:cNvSpPr/>
+          <p:nvPr/>
+        </p:nvSpPr>
+        <p:spPr>
+          <a:xfrm>
+            <a:off x="5834120" y="3808328"/>
+            <a:ext cx="896880" cy="453570"/>
+          </a:xfrm>
+          <a:prstGeom prst="rect">
+            <a:avLst/>
+          </a:prstGeom>
+          <a:solidFill>
+            <a:srgbClr val="FFFF00"/>
+          </a:solidFill>
+          <a:ln>
+            <a:solidFill>
+              <a:srgbClr val="B4D0E7"/>
+            </a:solidFill>
+          </a:ln>
+        </p:spPr>
+        <p:style>
+          <a:lnRef idx="3">
+            <a:schemeClr val="lt1"/>
+          </a:lnRef>
+          <a:fillRef idx="1">
+            <a:schemeClr val="accent5"/>
+          </a:fillRef>
+          <a:effectRef idx="1">
+            <a:schemeClr val="accent5"/>
+          </a:effectRef>
+          <a:fontRef idx="minor">
+            <a:schemeClr val="lt1"/>
+          </a:fontRef>
+        </p:style>
+        <p:txBody>
+          <a:bodyPr rtlCol="0" anchor="ctr"/>
+          <a:lstStyle/>
+          <a:p>
+            <a:pPr algn="ctr"/>
+            <a:r>
+              <a:rPr lang="he-IL" sz="700" dirty="0">
+                <a:solidFill>
+                  <a:sysClr val="windowText" lastClr="000000"/>
+                </a:solidFill>
+              </a:rPr>
+              <a:t>אין שום תאריך שמתאים לכולם מתחיל לחשוב מי פחות חשוב שיהיה</a:t>
+            </a:r>
+            <a:endParaRPr lang="en-US" sz="700" dirty="0">
+              <a:solidFill>
+                <a:sysClr val="windowText" lastClr="000000"/>
+              </a:solidFill>
+            </a:endParaRPr>
+          </a:p>
+        </p:txBody>
+      </p:sp>
+      <p:sp>
+        <p:nvSpPr>
+          <p:cNvPr id="34" name="Rectangle 33">
+            <a:extLst>
+              <a:ext uri="{FF2B5EF4-FFF2-40B4-BE49-F238E27FC236}">
+                <a16:creationId xmlns:a16="http://schemas.microsoft.com/office/drawing/2014/main" id="{4D92EB4C-F04A-4DFE-AB11-68A38D7095C6}"/>
+              </a:ext>
+            </a:extLst>
+          </p:cNvPr>
+          <p:cNvSpPr/>
+          <p:nvPr/>
+        </p:nvSpPr>
+        <p:spPr>
+          <a:xfrm>
+            <a:off x="6878888" y="4261898"/>
+            <a:ext cx="896880" cy="426941"/>
+          </a:xfrm>
+          <a:prstGeom prst="rect">
+            <a:avLst/>
+          </a:prstGeom>
+          <a:solidFill>
+            <a:srgbClr val="FFFF00"/>
+          </a:solidFill>
+          <a:ln>
+            <a:solidFill>
+              <a:srgbClr val="B4D0E7"/>
+            </a:solidFill>
+          </a:ln>
+        </p:spPr>
+        <p:style>
+          <a:lnRef idx="3">
+            <a:schemeClr val="lt1"/>
+          </a:lnRef>
+          <a:fillRef idx="1">
+            <a:schemeClr val="accent5"/>
+          </a:fillRef>
+          <a:effectRef idx="1">
+            <a:schemeClr val="accent5"/>
+          </a:effectRef>
+          <a:fontRef idx="minor">
+            <a:schemeClr val="lt1"/>
+          </a:fontRef>
+        </p:style>
+        <p:txBody>
+          <a:bodyPr rtlCol="0" anchor="ctr"/>
+          <a:lstStyle/>
+          <a:p>
+            <a:pPr algn="ctr"/>
+            <a:r>
+              <a:rPr lang="he-IL" sz="700" dirty="0">
+                <a:solidFill>
+                  <a:sysClr val="windowText" lastClr="000000"/>
+                </a:solidFill>
+              </a:rPr>
+              <a:t>יוצר פגישה חדשה בתאריך הכי מתאים. </a:t>
+            </a:r>
+            <a:endParaRPr lang="en-US" sz="700" dirty="0">
+              <a:solidFill>
+                <a:sysClr val="windowText" lastClr="000000"/>
+              </a:solidFill>
+            </a:endParaRPr>
+          </a:p>
+        </p:txBody>
+      </p:sp>
+      <p:sp>
+        <p:nvSpPr>
+          <p:cNvPr id="36" name="Rectangle 35">
+            <a:extLst>
+              <a:ext uri="{FF2B5EF4-FFF2-40B4-BE49-F238E27FC236}">
+                <a16:creationId xmlns:a16="http://schemas.microsoft.com/office/drawing/2014/main" id="{B26F40F9-10B5-478A-BC31-865B7DF9EF7B}"/>
+              </a:ext>
+            </a:extLst>
+          </p:cNvPr>
+          <p:cNvSpPr/>
+          <p:nvPr/>
+        </p:nvSpPr>
+        <p:spPr>
+          <a:xfrm>
+            <a:off x="7861868" y="4494128"/>
+            <a:ext cx="918238" cy="599453"/>
+          </a:xfrm>
+          <a:prstGeom prst="rect">
+            <a:avLst/>
+          </a:prstGeom>
+          <a:solidFill>
+            <a:srgbClr val="FFFF00"/>
+          </a:solidFill>
+          <a:ln>
+            <a:solidFill>
+              <a:srgbClr val="B4D0E7"/>
+            </a:solidFill>
+          </a:ln>
+        </p:spPr>
+        <p:style>
+          <a:lnRef idx="3">
+            <a:schemeClr val="lt1"/>
+          </a:lnRef>
+          <a:fillRef idx="1">
+            <a:schemeClr val="accent5"/>
+          </a:fillRef>
+          <a:effectRef idx="1">
+            <a:schemeClr val="accent5"/>
+          </a:effectRef>
+          <a:fontRef idx="minor">
+            <a:schemeClr val="lt1"/>
+          </a:fontRef>
+        </p:style>
+        <p:txBody>
+          <a:bodyPr rtlCol="0" anchor="ctr"/>
+          <a:lstStyle/>
+          <a:p>
+            <a:pPr algn="ctr"/>
+            <a:r>
+              <a:rPr lang="he-IL" sz="700" dirty="0">
+                <a:solidFill>
+                  <a:sysClr val="windowText" lastClr="000000"/>
+                </a:solidFill>
+              </a:rPr>
+              <a:t>מוסיף הודעה שמבקשת לפנות את הלוז למי שזה מתנגש לו עם משהו</a:t>
+            </a:r>
+            <a:endParaRPr lang="en-US" sz="700" dirty="0">
+              <a:solidFill>
+                <a:sysClr val="windowText" lastClr="000000"/>
+              </a:solidFill>
+            </a:endParaRPr>
+          </a:p>
+          <a:p>
+            <a:pPr algn="ctr"/>
+            <a:endParaRPr lang="en-US" sz="700" dirty="0">
+              <a:solidFill>
+                <a:sysClr val="windowText" lastClr="000000"/>
+              </a:solidFill>
+            </a:endParaRPr>
+          </a:p>
+        </p:txBody>
+      </p:sp>
+      <p:sp>
+        <p:nvSpPr>
+          <p:cNvPr id="37" name="Rectangle 36">
+            <a:extLst>
+              <a:ext uri="{FF2B5EF4-FFF2-40B4-BE49-F238E27FC236}">
+                <a16:creationId xmlns:a16="http://schemas.microsoft.com/office/drawing/2014/main" id="{1EDAEB0F-F451-44B9-85C0-BA174D8BECFD}"/>
+              </a:ext>
+            </a:extLst>
+          </p:cNvPr>
+          <p:cNvSpPr/>
+          <p:nvPr/>
+        </p:nvSpPr>
+        <p:spPr>
+          <a:xfrm>
+            <a:off x="4001982" y="3138802"/>
+            <a:ext cx="790199" cy="388839"/>
+          </a:xfrm>
+          <a:prstGeom prst="rect">
+            <a:avLst/>
+          </a:prstGeom>
+          <a:solidFill>
+            <a:srgbClr val="00B0F0"/>
+          </a:solidFill>
+          <a:ln>
+            <a:solidFill>
+              <a:srgbClr val="B4D0E7"/>
+            </a:solidFill>
+          </a:ln>
+        </p:spPr>
+        <p:style>
+          <a:lnRef idx="3">
+            <a:schemeClr val="lt1"/>
+          </a:lnRef>
+          <a:fillRef idx="1">
+            <a:schemeClr val="accent5"/>
+          </a:fillRef>
+          <a:effectRef idx="1">
+            <a:schemeClr val="accent5"/>
+          </a:effectRef>
+          <a:fontRef idx="minor">
+            <a:schemeClr val="lt1"/>
+          </a:fontRef>
+        </p:style>
+        <p:txBody>
+          <a:bodyPr rtlCol="0" anchor="ctr"/>
+          <a:lstStyle/>
+          <a:p>
+            <a:pPr algn="ctr"/>
+            <a:r>
+              <a:rPr lang="he-IL" sz="700" dirty="0"/>
+              <a:t>וואי איזה שבוע עמוס יש לי</a:t>
+            </a:r>
+            <a:endParaRPr lang="en-US" sz="700" dirty="0"/>
+          </a:p>
+        </p:txBody>
+      </p:sp>
+      <p:sp>
+        <p:nvSpPr>
+          <p:cNvPr id="38" name="Rectangle 37">
+            <a:extLst>
+              <a:ext uri="{FF2B5EF4-FFF2-40B4-BE49-F238E27FC236}">
+                <a16:creationId xmlns:a16="http://schemas.microsoft.com/office/drawing/2014/main" id="{FC5B42D9-F2F2-4D96-BB04-61E82BC71354}"/>
+              </a:ext>
+            </a:extLst>
+          </p:cNvPr>
+          <p:cNvSpPr/>
+          <p:nvPr/>
+        </p:nvSpPr>
+        <p:spPr>
+          <a:xfrm>
+            <a:off x="6731000" y="2906312"/>
+            <a:ext cx="871479" cy="439299"/>
+          </a:xfrm>
+          <a:prstGeom prst="rect">
+            <a:avLst/>
+          </a:prstGeom>
+          <a:solidFill>
+            <a:srgbClr val="00B0F0"/>
+          </a:solidFill>
+          <a:ln>
+            <a:solidFill>
+              <a:srgbClr val="B4D0E7"/>
+            </a:solidFill>
+          </a:ln>
+        </p:spPr>
+        <p:style>
+          <a:lnRef idx="3">
+            <a:schemeClr val="lt1"/>
+          </a:lnRef>
+          <a:fillRef idx="1">
+            <a:schemeClr val="accent5"/>
+          </a:fillRef>
+          <a:effectRef idx="1">
+            <a:schemeClr val="accent5"/>
+          </a:effectRef>
+          <a:fontRef idx="minor">
+            <a:schemeClr val="lt1"/>
+          </a:fontRef>
+        </p:style>
+        <p:txBody>
+          <a:bodyPr rtlCol="0" anchor="ctr"/>
+          <a:lstStyle/>
+          <a:p>
+            <a:pPr algn="ctr"/>
+            <a:r>
+              <a:rPr lang="he-IL" sz="700" dirty="0"/>
+              <a:t>טוב נוותר על דורון לא חייב שהוא יהיה</a:t>
+            </a:r>
+            <a:endParaRPr lang="en-US" sz="700" dirty="0"/>
+          </a:p>
+        </p:txBody>
+      </p:sp>
+      <p:sp>
+        <p:nvSpPr>
+          <p:cNvPr id="40" name="Rectangle 39">
+            <a:extLst>
+              <a:ext uri="{FF2B5EF4-FFF2-40B4-BE49-F238E27FC236}">
+                <a16:creationId xmlns:a16="http://schemas.microsoft.com/office/drawing/2014/main" id="{FAB66E3B-EEFB-4A1E-9753-0AEAE973D4E1}"/>
+              </a:ext>
+            </a:extLst>
+          </p:cNvPr>
+          <p:cNvSpPr/>
+          <p:nvPr/>
+        </p:nvSpPr>
+        <p:spPr>
+          <a:xfrm>
+            <a:off x="5628381" y="3264021"/>
+            <a:ext cx="871479" cy="439299"/>
+          </a:xfrm>
+          <a:prstGeom prst="rect">
+            <a:avLst/>
+          </a:prstGeom>
+          <a:solidFill>
+            <a:srgbClr val="00B0F0"/>
+          </a:solidFill>
+          <a:ln>
+            <a:solidFill>
+              <a:srgbClr val="B4D0E7"/>
+            </a:solidFill>
+          </a:ln>
+        </p:spPr>
+        <p:style>
+          <a:lnRef idx="3">
+            <a:schemeClr val="lt1"/>
+          </a:lnRef>
+          <a:fillRef idx="1">
+            <a:schemeClr val="accent5"/>
+          </a:fillRef>
+          <a:effectRef idx="1">
+            <a:schemeClr val="accent5"/>
+          </a:effectRef>
+          <a:fontRef idx="minor">
+            <a:schemeClr val="lt1"/>
+          </a:fontRef>
+        </p:style>
+        <p:txBody>
+          <a:bodyPr rtlCol="0" anchor="ctr"/>
+          <a:lstStyle/>
+          <a:p>
+            <a:pPr algn="ctr"/>
+            <a:r>
+              <a:rPr lang="he-IL" sz="700" dirty="0"/>
+              <a:t>אוף כל כך הרבה טלפונים לעשות</a:t>
+            </a:r>
+            <a:endParaRPr lang="en-US" sz="700" dirty="0"/>
+          </a:p>
+        </p:txBody>
+      </p:sp>
+      <p:sp>
+        <p:nvSpPr>
+          <p:cNvPr id="41" name="Rectangle 40">
+            <a:extLst>
+              <a:ext uri="{FF2B5EF4-FFF2-40B4-BE49-F238E27FC236}">
+                <a16:creationId xmlns:a16="http://schemas.microsoft.com/office/drawing/2014/main" id="{C2E33011-8062-456D-B768-224AF19B9253}"/>
+              </a:ext>
+            </a:extLst>
+          </p:cNvPr>
+          <p:cNvSpPr/>
+          <p:nvPr/>
+        </p:nvSpPr>
+        <p:spPr>
+          <a:xfrm>
+            <a:off x="7767320" y="3134912"/>
+            <a:ext cx="871479" cy="439299"/>
+          </a:xfrm>
+          <a:prstGeom prst="rect">
+            <a:avLst/>
+          </a:prstGeom>
+          <a:solidFill>
+            <a:srgbClr val="00B0F0"/>
+          </a:solidFill>
+          <a:ln>
+            <a:solidFill>
+              <a:srgbClr val="B4D0E7"/>
+            </a:solidFill>
+          </a:ln>
+        </p:spPr>
+        <p:style>
+          <a:lnRef idx="3">
+            <a:schemeClr val="lt1"/>
+          </a:lnRef>
+          <a:fillRef idx="1">
+            <a:schemeClr val="accent5"/>
+          </a:fillRef>
+          <a:effectRef idx="1">
+            <a:schemeClr val="accent5"/>
+          </a:effectRef>
+          <a:fontRef idx="minor">
+            <a:schemeClr val="lt1"/>
+          </a:fontRef>
+        </p:style>
+        <p:txBody>
+          <a:bodyPr rtlCol="0" anchor="ctr"/>
+          <a:lstStyle/>
+          <a:p>
+            <a:pPr algn="ctr"/>
+            <a:r>
+              <a:rPr lang="he-IL" sz="700" dirty="0"/>
+              <a:t>נבקש ממנו להזיז את מה שיש לו</a:t>
+            </a:r>
+            <a:endParaRPr lang="en-US" sz="700" dirty="0"/>
+          </a:p>
+        </p:txBody>
+      </p:sp>
+      <p:sp>
+        <p:nvSpPr>
+          <p:cNvPr id="42" name="Rectangle 41">
+            <a:extLst>
+              <a:ext uri="{FF2B5EF4-FFF2-40B4-BE49-F238E27FC236}">
+                <a16:creationId xmlns:a16="http://schemas.microsoft.com/office/drawing/2014/main" id="{F16B2313-CCCC-45E6-96A4-88F65D799FF4}"/>
+              </a:ext>
+            </a:extLst>
+          </p:cNvPr>
+          <p:cNvSpPr/>
+          <p:nvPr/>
+        </p:nvSpPr>
+        <p:spPr>
+          <a:xfrm>
+            <a:off x="3129020" y="5397229"/>
+            <a:ext cx="896880" cy="388839"/>
+          </a:xfrm>
+          <a:prstGeom prst="rect">
+            <a:avLst/>
+          </a:prstGeom>
+          <a:solidFill>
+            <a:srgbClr val="92D050"/>
+          </a:solidFill>
+          <a:ln>
+            <a:solidFill>
+              <a:srgbClr val="B4D0E7"/>
+            </a:solidFill>
+          </a:ln>
+        </p:spPr>
+        <p:style>
+          <a:lnRef idx="3">
+            <a:schemeClr val="lt1"/>
+          </a:lnRef>
+          <a:fillRef idx="1">
+            <a:schemeClr val="accent5"/>
+          </a:fillRef>
+          <a:effectRef idx="1">
+            <a:schemeClr val="accent5"/>
+          </a:effectRef>
+          <a:fontRef idx="minor">
+            <a:schemeClr val="lt1"/>
+          </a:fontRef>
+        </p:style>
+        <p:txBody>
+          <a:bodyPr rtlCol="0" anchor="ctr"/>
+          <a:lstStyle/>
+          <a:p>
+            <a:pPr algn="ctr"/>
+            <a:r>
+              <a:rPr lang="he-IL" sz="700" dirty="0">
+                <a:solidFill>
+                  <a:sysClr val="windowText" lastClr="000000"/>
+                </a:solidFill>
+              </a:rPr>
+              <a:t>אפליקציית המייל</a:t>
+            </a:r>
+            <a:endParaRPr lang="en-US" sz="700" dirty="0">
+              <a:solidFill>
+                <a:sysClr val="windowText" lastClr="000000"/>
+              </a:solidFill>
+            </a:endParaRPr>
+          </a:p>
+        </p:txBody>
+      </p:sp>
+      <p:sp>
+        <p:nvSpPr>
+          <p:cNvPr id="44" name="Rectangle 43">
+            <a:extLst>
+              <a:ext uri="{FF2B5EF4-FFF2-40B4-BE49-F238E27FC236}">
+                <a16:creationId xmlns:a16="http://schemas.microsoft.com/office/drawing/2014/main" id="{3AB9BE5D-AAB2-438D-BDEE-E2862AD39762}"/>
+              </a:ext>
+            </a:extLst>
+          </p:cNvPr>
+          <p:cNvSpPr/>
+          <p:nvPr/>
+        </p:nvSpPr>
+        <p:spPr>
+          <a:xfrm>
+            <a:off x="4157720" y="5999209"/>
+            <a:ext cx="896880" cy="388839"/>
+          </a:xfrm>
+          <a:prstGeom prst="rect">
+            <a:avLst/>
+          </a:prstGeom>
+          <a:solidFill>
+            <a:srgbClr val="92D050"/>
+          </a:solidFill>
+          <a:ln>
+            <a:solidFill>
+              <a:srgbClr val="B4D0E7"/>
+            </a:solidFill>
+          </a:ln>
+        </p:spPr>
+        <p:style>
+          <a:lnRef idx="3">
+            <a:schemeClr val="lt1"/>
+          </a:lnRef>
+          <a:fillRef idx="1">
+            <a:schemeClr val="accent5"/>
+          </a:fillRef>
+          <a:effectRef idx="1">
+            <a:schemeClr val="accent5"/>
+          </a:effectRef>
+          <a:fontRef idx="minor">
+            <a:schemeClr val="lt1"/>
+          </a:fontRef>
+        </p:style>
+        <p:txBody>
+          <a:bodyPr rtlCol="0" anchor="ctr"/>
+          <a:lstStyle/>
+          <a:p>
+            <a:pPr algn="ctr"/>
+            <a:r>
+              <a:rPr lang="he-IL" sz="700" dirty="0">
+                <a:solidFill>
+                  <a:sysClr val="windowText" lastClr="000000"/>
+                </a:solidFill>
+              </a:rPr>
+              <a:t>עמוד היומן באפליקציית המייל </a:t>
+            </a:r>
+            <a:endParaRPr lang="en-US" sz="700" dirty="0">
+              <a:solidFill>
+                <a:sysClr val="windowText" lastClr="000000"/>
+              </a:solidFill>
+            </a:endParaRPr>
+          </a:p>
+        </p:txBody>
+      </p:sp>
+      <p:sp>
+        <p:nvSpPr>
+          <p:cNvPr id="45" name="Rectangle 44">
+            <a:extLst>
+              <a:ext uri="{FF2B5EF4-FFF2-40B4-BE49-F238E27FC236}">
+                <a16:creationId xmlns:a16="http://schemas.microsoft.com/office/drawing/2014/main" id="{A9399C76-B6E5-4230-A33A-C0E49A78758C}"/>
+              </a:ext>
+            </a:extLst>
+          </p:cNvPr>
+          <p:cNvSpPr/>
+          <p:nvPr/>
+        </p:nvSpPr>
+        <p:spPr>
+          <a:xfrm>
+            <a:off x="4942580" y="5313409"/>
+            <a:ext cx="896880" cy="388839"/>
+          </a:xfrm>
+          <a:prstGeom prst="rect">
+            <a:avLst/>
+          </a:prstGeom>
+          <a:solidFill>
+            <a:srgbClr val="92D050"/>
+          </a:solidFill>
+          <a:ln>
+            <a:solidFill>
+              <a:srgbClr val="B4D0E7"/>
+            </a:solidFill>
+          </a:ln>
+        </p:spPr>
+        <p:style>
+          <a:lnRef idx="3">
+            <a:schemeClr val="lt1"/>
+          </a:lnRef>
+          <a:fillRef idx="1">
+            <a:schemeClr val="accent5"/>
+          </a:fillRef>
+          <a:effectRef idx="1">
+            <a:schemeClr val="accent5"/>
+          </a:effectRef>
+          <a:fontRef idx="minor">
+            <a:schemeClr val="lt1"/>
+          </a:fontRef>
+        </p:style>
+        <p:txBody>
+          <a:bodyPr rtlCol="0" anchor="ctr"/>
+          <a:lstStyle/>
+          <a:p>
+            <a:pPr algn="ctr"/>
+            <a:r>
+              <a:rPr lang="he-IL" sz="700" dirty="0">
+                <a:solidFill>
+                  <a:sysClr val="windowText" lastClr="000000"/>
+                </a:solidFill>
+              </a:rPr>
+              <a:t>שיחת טלפון עם האנשים שצריכים להגיע לפגישה</a:t>
+            </a:r>
+            <a:endParaRPr lang="en-US" sz="700" dirty="0">
+              <a:solidFill>
+                <a:sysClr val="windowText" lastClr="000000"/>
+              </a:solidFill>
+            </a:endParaRPr>
+          </a:p>
+        </p:txBody>
+      </p:sp>
+      <p:sp>
+        <p:nvSpPr>
+          <p:cNvPr id="46" name="Rectangle 45">
+            <a:extLst>
+              <a:ext uri="{FF2B5EF4-FFF2-40B4-BE49-F238E27FC236}">
+                <a16:creationId xmlns:a16="http://schemas.microsoft.com/office/drawing/2014/main" id="{FF18CD94-977D-4005-AC6E-1002E0E97355}"/>
+              </a:ext>
+            </a:extLst>
+          </p:cNvPr>
+          <p:cNvSpPr/>
+          <p:nvPr/>
+        </p:nvSpPr>
+        <p:spPr>
+          <a:xfrm>
+            <a:off x="6596120" y="5610589"/>
+            <a:ext cx="896880" cy="388839"/>
+          </a:xfrm>
+          <a:prstGeom prst="rect">
+            <a:avLst/>
+          </a:prstGeom>
+          <a:solidFill>
+            <a:srgbClr val="92D050"/>
+          </a:solidFill>
+          <a:ln>
+            <a:solidFill>
+              <a:srgbClr val="B4D0E7"/>
+            </a:solidFill>
+          </a:ln>
+        </p:spPr>
+        <p:style>
+          <a:lnRef idx="3">
+            <a:schemeClr val="lt1"/>
+          </a:lnRef>
+          <a:fillRef idx="1">
+            <a:schemeClr val="accent5"/>
+          </a:fillRef>
+          <a:effectRef idx="1">
+            <a:schemeClr val="accent5"/>
+          </a:effectRef>
+          <a:fontRef idx="minor">
+            <a:schemeClr val="lt1"/>
+          </a:fontRef>
+        </p:style>
+        <p:txBody>
+          <a:bodyPr rtlCol="0" anchor="ctr"/>
+          <a:lstStyle/>
+          <a:p>
+            <a:pPr algn="ctr"/>
+            <a:r>
+              <a:rPr lang="he-IL" sz="700" dirty="0">
+                <a:solidFill>
+                  <a:sysClr val="windowText" lastClr="000000"/>
+                </a:solidFill>
+              </a:rPr>
+              <a:t>חלון יצירת פגישה חדשה</a:t>
+            </a:r>
+            <a:endParaRPr lang="en-US" sz="700" dirty="0">
+              <a:solidFill>
+                <a:sysClr val="windowText" lastClr="000000"/>
+              </a:solidFill>
+            </a:endParaRPr>
+          </a:p>
+        </p:txBody>
+      </p:sp>
+    </p:spTree>
+    <p:extLst>
+      <p:ext uri="{BB962C8B-B14F-4D97-AF65-F5344CB8AC3E}">
+        <p14:creationId xmlns:p14="http://schemas.microsoft.com/office/powerpoint/2010/main" val="3173906703"/>
+      </p:ext>
+    </p:extLst>
+  </p:cSld>
+  <p:clrMapOvr>
+    <a:masterClrMapping/>
+  </p:clrMapOvr>
+</p:sld>
+</file>
+
+<file path=ppt/slides/slide54.xml><?xml version="1.0" encoding="utf-8"?>
+<p:sld xmlns:a="http://schemas.openxmlformats.org/drawingml/2006/main" xmlns:r="http://schemas.openxmlformats.org/officeDocument/2006/relationships" xmlns:p="http://schemas.openxmlformats.org/presentationml/2006/main">
+  <p:cSld>
+    <p:spTree>
+      <p:nvGrpSpPr>
+        <p:cNvPr id="1" name=""/>
+        <p:cNvGrpSpPr/>
+        <p:nvPr/>
+      </p:nvGrpSpPr>
+      <p:grpSpPr>
+        <a:xfrm>
+          <a:off x="0" y="0"/>
+          <a:ext cx="0" cy="0"/>
+          <a:chOff x="0" y="0"/>
+          <a:chExt cx="0" cy="0"/>
+        </a:xfrm>
+      </p:grpSpPr>
+      <p:sp>
+        <p:nvSpPr>
+          <p:cNvPr id="2" name="Title 1">
+            <a:extLst>
+              <a:ext uri="{FF2B5EF4-FFF2-40B4-BE49-F238E27FC236}">
+                <a16:creationId xmlns:a16="http://schemas.microsoft.com/office/drawing/2014/main" id="{F2E75ACD-C303-46DD-8FB4-27FC6A409857}"/>
+              </a:ext>
+            </a:extLst>
+          </p:cNvPr>
+          <p:cNvSpPr>
+            <a:spLocks noGrp="1"/>
+          </p:cNvSpPr>
+          <p:nvPr>
+            <p:ph type="title"/>
+          </p:nvPr>
+        </p:nvSpPr>
+        <p:spPr/>
+        <p:txBody>
+          <a:bodyPr/>
+          <a:lstStyle/>
+          <a:p>
+            <a:pPr algn="ctr"/>
+            <a:r>
+              <a:rPr lang="he-IL" sz="4800" dirty="0"/>
+              <a:t>מסע לקוח - קביעת פגישה</a:t>
+            </a:r>
+            <a:endParaRPr lang="en-US" sz="4800" dirty="0"/>
+          </a:p>
+        </p:txBody>
+      </p:sp>
+      <p:grpSp>
+        <p:nvGrpSpPr>
+          <p:cNvPr id="26" name="Group 25">
+            <a:extLst>
+              <a:ext uri="{FF2B5EF4-FFF2-40B4-BE49-F238E27FC236}">
+                <a16:creationId xmlns:a16="http://schemas.microsoft.com/office/drawing/2014/main" id="{27855C0A-3995-4FC9-A74F-A0B80D0AE5C7}"/>
+              </a:ext>
+            </a:extLst>
+          </p:cNvPr>
+          <p:cNvGrpSpPr/>
+          <p:nvPr/>
+        </p:nvGrpSpPr>
+        <p:grpSpPr>
+          <a:xfrm>
+            <a:off x="1860482" y="1948693"/>
+            <a:ext cx="7408982" cy="4715329"/>
+            <a:chOff x="1860482" y="1902973"/>
+            <a:chExt cx="7408982" cy="4715329"/>
+          </a:xfrm>
+        </p:grpSpPr>
+        <p:pic>
+          <p:nvPicPr>
+            <p:cNvPr id="3" name="Picture 2">
+              <a:extLst>
+                <a:ext uri="{FF2B5EF4-FFF2-40B4-BE49-F238E27FC236}">
+                  <a16:creationId xmlns:a16="http://schemas.microsoft.com/office/drawing/2014/main" id="{46AADC74-5A4E-4818-AF61-14EF97650448}"/>
+                </a:ext>
+              </a:extLst>
+            </p:cNvPr>
+            <p:cNvPicPr>
+              <a:picLocks noChangeAspect="1"/>
+            </p:cNvPicPr>
+            <p:nvPr/>
+          </p:nvPicPr>
+          <p:blipFill>
+            <a:blip r:embed="rId2"/>
+            <a:stretch>
+              <a:fillRect/>
+            </a:stretch>
+          </p:blipFill>
+          <p:spPr>
+            <a:xfrm>
+              <a:off x="1860482" y="1902973"/>
+              <a:ext cx="7408982" cy="4715329"/>
+            </a:xfrm>
+            <a:prstGeom prst="rect">
+              <a:avLst/>
+            </a:prstGeom>
+          </p:spPr>
+        </p:pic>
+        <p:sp>
+          <p:nvSpPr>
+            <p:cNvPr id="6" name="Rectangle 5">
+              <a:extLst>
+                <a:ext uri="{FF2B5EF4-FFF2-40B4-BE49-F238E27FC236}">
+                  <a16:creationId xmlns:a16="http://schemas.microsoft.com/office/drawing/2014/main" id="{901B59FB-006E-427B-806D-758AB6C9351B}"/>
+                </a:ext>
+              </a:extLst>
+            </p:cNvPr>
+            <p:cNvSpPr/>
+            <p:nvPr/>
+          </p:nvSpPr>
+          <p:spPr>
+            <a:xfrm>
+              <a:off x="1944210" y="1902973"/>
+              <a:ext cx="2902998" cy="236545"/>
+            </a:xfrm>
+            <a:prstGeom prst="rect">
+              <a:avLst/>
+            </a:prstGeom>
+            <a:solidFill>
+              <a:srgbClr val="FFFFFF"/>
+            </a:solidFill>
+            <a:ln>
+              <a:noFill/>
+            </a:ln>
+          </p:spPr>
+          <p:style>
+            <a:lnRef idx="2">
+              <a:schemeClr val="accent1">
+                <a:shade val="50000"/>
+              </a:schemeClr>
+            </a:lnRef>
+            <a:fillRef idx="1">
+              <a:schemeClr val="accent1"/>
+            </a:fillRef>
+            <a:effectRef idx="0">
+              <a:schemeClr val="accent1"/>
+            </a:effectRef>
+            <a:fontRef idx="minor">
+              <a:schemeClr val="lt1"/>
+            </a:fontRef>
+          </p:style>
+          <p:txBody>
+            <a:bodyPr rtlCol="0" anchor="ctr"/>
+            <a:lstStyle/>
+            <a:p>
+              <a:pPr algn="ctr"/>
+              <a:endParaRPr lang="en-US"/>
+            </a:p>
+          </p:txBody>
+        </p:sp>
+        <p:sp>
+          <p:nvSpPr>
+            <p:cNvPr id="5" name="Rectangle 4">
+              <a:extLst>
+                <a:ext uri="{FF2B5EF4-FFF2-40B4-BE49-F238E27FC236}">
+                  <a16:creationId xmlns:a16="http://schemas.microsoft.com/office/drawing/2014/main" id="{72D91BE8-F8BF-4ED6-BFD8-7AA9E5B87E29}"/>
+                </a:ext>
+              </a:extLst>
+            </p:cNvPr>
+            <p:cNvSpPr/>
+            <p:nvPr/>
+          </p:nvSpPr>
+          <p:spPr>
+            <a:xfrm>
+              <a:off x="2239347" y="1902973"/>
+              <a:ext cx="6923314" cy="401688"/>
+            </a:xfrm>
+            <a:prstGeom prst="rect">
+              <a:avLst/>
+            </a:prstGeom>
+            <a:solidFill>
+              <a:schemeClr val="bg1"/>
+            </a:solidFill>
+            <a:ln>
+              <a:noFill/>
+            </a:ln>
+          </p:spPr>
+          <p:style>
+            <a:lnRef idx="2">
+              <a:schemeClr val="accent1">
+                <a:shade val="50000"/>
+              </a:schemeClr>
+            </a:lnRef>
+            <a:fillRef idx="1">
+              <a:schemeClr val="accent1"/>
+            </a:fillRef>
+            <a:effectRef idx="0">
+              <a:schemeClr val="accent1"/>
+            </a:effectRef>
+            <a:fontRef idx="minor">
+              <a:schemeClr val="lt1"/>
+            </a:fontRef>
+          </p:style>
+          <p:txBody>
+            <a:bodyPr rtlCol="0" anchor="ctr"/>
+            <a:lstStyle/>
+            <a:p>
+              <a:pPr algn="ctr"/>
+              <a:endParaRPr lang="en-US"/>
+            </a:p>
+          </p:txBody>
+        </p:sp>
+        <p:sp>
+          <p:nvSpPr>
+            <p:cNvPr id="22" name="Rectangle 21">
+              <a:extLst>
+                <a:ext uri="{FF2B5EF4-FFF2-40B4-BE49-F238E27FC236}">
+                  <a16:creationId xmlns:a16="http://schemas.microsoft.com/office/drawing/2014/main" id="{ABD477BC-2FC9-46E5-B9E6-69DD88856745}"/>
+                </a:ext>
+              </a:extLst>
+            </p:cNvPr>
+            <p:cNvSpPr/>
+            <p:nvPr/>
+          </p:nvSpPr>
+          <p:spPr>
+            <a:xfrm>
+              <a:off x="1981199" y="2304661"/>
+              <a:ext cx="6845560" cy="139959"/>
+            </a:xfrm>
+            <a:prstGeom prst="rect">
+              <a:avLst/>
+            </a:prstGeom>
+            <a:solidFill>
+              <a:srgbClr val="F2F2F2"/>
+            </a:solidFill>
+            <a:ln>
+              <a:solidFill>
+                <a:srgbClr val="FFFFFF"/>
+              </a:solidFill>
+            </a:ln>
+          </p:spPr>
+          <p:style>
+            <a:lnRef idx="2">
+              <a:schemeClr val="accent1">
+                <a:shade val="50000"/>
+              </a:schemeClr>
+            </a:lnRef>
+            <a:fillRef idx="1">
+              <a:schemeClr val="accent1"/>
+            </a:fillRef>
+            <a:effectRef idx="0">
+              <a:schemeClr val="accent1"/>
+            </a:effectRef>
+            <a:fontRef idx="minor">
+              <a:schemeClr val="lt1"/>
+            </a:fontRef>
+          </p:style>
+          <p:txBody>
+            <a:bodyPr rtlCol="0" anchor="ctr"/>
+            <a:lstStyle/>
+            <a:p>
+              <a:pPr algn="ctr"/>
+              <a:endParaRPr lang="en-US"/>
+            </a:p>
+          </p:txBody>
+        </p:sp>
+        <p:sp>
+          <p:nvSpPr>
+            <p:cNvPr id="23" name="Rectangle 22">
+              <a:extLst>
+                <a:ext uri="{FF2B5EF4-FFF2-40B4-BE49-F238E27FC236}">
+                  <a16:creationId xmlns:a16="http://schemas.microsoft.com/office/drawing/2014/main" id="{BE49CA2B-1A92-4238-B51A-C620E3DBD8B8}"/>
+                </a:ext>
+              </a:extLst>
+            </p:cNvPr>
+            <p:cNvSpPr/>
+            <p:nvPr/>
+          </p:nvSpPr>
+          <p:spPr>
+            <a:xfrm>
+              <a:off x="2755641" y="2444620"/>
+              <a:ext cx="6024465" cy="1091852"/>
+            </a:xfrm>
+            <a:prstGeom prst="rect">
+              <a:avLst/>
+            </a:prstGeom>
+            <a:solidFill>
+              <a:srgbClr val="F2F2F2"/>
+            </a:solidFill>
+            <a:ln>
+              <a:noFill/>
+            </a:ln>
+          </p:spPr>
+          <p:style>
+            <a:lnRef idx="2">
+              <a:schemeClr val="accent1">
+                <a:shade val="50000"/>
+              </a:schemeClr>
+            </a:lnRef>
+            <a:fillRef idx="1">
+              <a:schemeClr val="accent1"/>
+            </a:fillRef>
+            <a:effectRef idx="0">
+              <a:schemeClr val="accent1"/>
+            </a:effectRef>
+            <a:fontRef idx="minor">
+              <a:schemeClr val="lt1"/>
+            </a:fontRef>
+          </p:style>
+          <p:txBody>
+            <a:bodyPr rtlCol="0" anchor="ctr"/>
+            <a:lstStyle/>
+            <a:p>
+              <a:pPr algn="ctr"/>
+              <a:endParaRPr lang="en-US" dirty="0"/>
+            </a:p>
+          </p:txBody>
+        </p:sp>
+        <p:sp>
+          <p:nvSpPr>
+            <p:cNvPr id="24" name="Rectangle 23">
+              <a:extLst>
+                <a:ext uri="{FF2B5EF4-FFF2-40B4-BE49-F238E27FC236}">
+                  <a16:creationId xmlns:a16="http://schemas.microsoft.com/office/drawing/2014/main" id="{CC89FECD-FECC-4E43-9CEF-7137D13F6341}"/>
+                </a:ext>
+              </a:extLst>
+            </p:cNvPr>
+            <p:cNvSpPr/>
+            <p:nvPr/>
+          </p:nvSpPr>
+          <p:spPr>
+            <a:xfrm>
+              <a:off x="2796072" y="3735356"/>
+              <a:ext cx="6024465" cy="1312505"/>
+            </a:xfrm>
+            <a:prstGeom prst="rect">
+              <a:avLst/>
+            </a:prstGeom>
+            <a:solidFill>
+              <a:srgbClr val="F2F2F2"/>
+            </a:solidFill>
+            <a:ln>
+              <a:noFill/>
+            </a:ln>
+          </p:spPr>
+          <p:style>
+            <a:lnRef idx="2">
+              <a:schemeClr val="accent1">
+                <a:shade val="50000"/>
+              </a:schemeClr>
+            </a:lnRef>
+            <a:fillRef idx="1">
+              <a:schemeClr val="accent1"/>
+            </a:fillRef>
+            <a:effectRef idx="0">
+              <a:schemeClr val="accent1"/>
+            </a:effectRef>
+            <a:fontRef idx="minor">
+              <a:schemeClr val="lt1"/>
+            </a:fontRef>
+          </p:style>
+          <p:txBody>
+            <a:bodyPr rtlCol="0" anchor="ctr"/>
+            <a:lstStyle/>
+            <a:p>
+              <a:pPr algn="ctr"/>
+              <a:endParaRPr lang="en-US"/>
+            </a:p>
+          </p:txBody>
+        </p:sp>
+        <p:sp>
+          <p:nvSpPr>
+            <p:cNvPr id="25" name="Rectangle 24">
+              <a:extLst>
+                <a:ext uri="{FF2B5EF4-FFF2-40B4-BE49-F238E27FC236}">
+                  <a16:creationId xmlns:a16="http://schemas.microsoft.com/office/drawing/2014/main" id="{8BF95874-C3BC-4151-98D6-F37B0E694F31}"/>
+                </a:ext>
+              </a:extLst>
+            </p:cNvPr>
+            <p:cNvSpPr/>
+            <p:nvPr/>
+          </p:nvSpPr>
+          <p:spPr>
+            <a:xfrm>
+              <a:off x="2786741" y="5178491"/>
+              <a:ext cx="6024465" cy="1374494"/>
+            </a:xfrm>
+            <a:prstGeom prst="rect">
+              <a:avLst/>
+            </a:prstGeom>
+            <a:solidFill>
+              <a:srgbClr val="F2F2F2"/>
+            </a:solidFill>
+            <a:ln>
+              <a:noFill/>
+            </a:ln>
+          </p:spPr>
+          <p:style>
+            <a:lnRef idx="2">
+              <a:schemeClr val="accent1">
+                <a:shade val="50000"/>
+              </a:schemeClr>
+            </a:lnRef>
+            <a:fillRef idx="1">
+              <a:schemeClr val="accent1"/>
+            </a:fillRef>
+            <a:effectRef idx="0">
+              <a:schemeClr val="accent1"/>
+            </a:effectRef>
+            <a:fontRef idx="minor">
+              <a:schemeClr val="lt1"/>
+            </a:fontRef>
+          </p:style>
+          <p:txBody>
+            <a:bodyPr rtlCol="0" anchor="ctr"/>
+            <a:lstStyle/>
+            <a:p>
+              <a:pPr algn="ctr"/>
+              <a:endParaRPr lang="en-US"/>
+            </a:p>
+          </p:txBody>
+        </p:sp>
+      </p:grpSp>
+      <p:sp>
+        <p:nvSpPr>
+          <p:cNvPr id="27" name="Rectangle 26">
+            <a:extLst>
+              <a:ext uri="{FF2B5EF4-FFF2-40B4-BE49-F238E27FC236}">
+                <a16:creationId xmlns:a16="http://schemas.microsoft.com/office/drawing/2014/main" id="{AE8DF733-F2AA-46A3-85F6-FA05F02FE289}"/>
+              </a:ext>
+            </a:extLst>
+          </p:cNvPr>
+          <p:cNvSpPr/>
+          <p:nvPr/>
+        </p:nvSpPr>
+        <p:spPr>
+          <a:xfrm>
+            <a:off x="3060440" y="2792920"/>
+            <a:ext cx="790199" cy="388839"/>
+          </a:xfrm>
+          <a:prstGeom prst="rect">
+            <a:avLst/>
+          </a:prstGeom>
+          <a:solidFill>
+            <a:srgbClr val="00B0F0"/>
+          </a:solidFill>
+          <a:ln>
+            <a:solidFill>
+              <a:srgbClr val="B4D0E7"/>
+            </a:solidFill>
+          </a:ln>
+        </p:spPr>
+        <p:style>
+          <a:lnRef idx="3">
+            <a:schemeClr val="lt1"/>
+          </a:lnRef>
+          <a:fillRef idx="1">
+            <a:schemeClr val="accent5"/>
+          </a:fillRef>
+          <a:effectRef idx="1">
+            <a:schemeClr val="accent5"/>
+          </a:effectRef>
+          <a:fontRef idx="minor">
+            <a:schemeClr val="lt1"/>
+          </a:fontRef>
+        </p:style>
+        <p:txBody>
+          <a:bodyPr rtlCol="0" anchor="ctr"/>
+          <a:lstStyle/>
+          <a:p>
+            <a:pPr algn="ctr"/>
+            <a:r>
+              <a:rPr lang="he-IL" sz="700" dirty="0"/>
+              <a:t> חייב לקבוע את הפגישת תקציב הרבעונית</a:t>
+            </a:r>
+            <a:endParaRPr lang="en-US" sz="700" dirty="0"/>
+          </a:p>
+        </p:txBody>
+      </p:sp>
+      <p:sp>
+        <p:nvSpPr>
+          <p:cNvPr id="28" name="Rectangle 27">
+            <a:extLst>
+              <a:ext uri="{FF2B5EF4-FFF2-40B4-BE49-F238E27FC236}">
+                <a16:creationId xmlns:a16="http://schemas.microsoft.com/office/drawing/2014/main" id="{C1EC3C79-CEDB-45AB-9E1F-C5A1E7F9CE7C}"/>
+              </a:ext>
+            </a:extLst>
+          </p:cNvPr>
+          <p:cNvSpPr/>
+          <p:nvPr/>
+        </p:nvSpPr>
+        <p:spPr>
+          <a:xfrm>
+            <a:off x="5163561" y="2723001"/>
+            <a:ext cx="871479" cy="439299"/>
+          </a:xfrm>
+          <a:prstGeom prst="rect">
+            <a:avLst/>
+          </a:prstGeom>
+          <a:solidFill>
+            <a:srgbClr val="00B0F0"/>
+          </a:solidFill>
+          <a:ln>
+            <a:solidFill>
+              <a:srgbClr val="B4D0E7"/>
+            </a:solidFill>
+          </a:ln>
+        </p:spPr>
+        <p:style>
+          <a:lnRef idx="3">
+            <a:schemeClr val="lt1"/>
+          </a:lnRef>
+          <a:fillRef idx="1">
+            <a:schemeClr val="accent5"/>
+          </a:fillRef>
+          <a:effectRef idx="1">
+            <a:schemeClr val="accent5"/>
+          </a:effectRef>
+          <a:fontRef idx="minor">
+            <a:schemeClr val="lt1"/>
+          </a:fontRef>
+        </p:style>
+        <p:txBody>
+          <a:bodyPr rtlCol="0" anchor="ctr"/>
+          <a:lstStyle/>
+          <a:p>
+            <a:pPr algn="ctr"/>
+            <a:r>
+              <a:rPr lang="he-IL" sz="700" dirty="0"/>
+              <a:t>4 אנשים ונציג מהבנק ייקח נצח למצוא תאריך</a:t>
+            </a:r>
+            <a:endParaRPr lang="en-US" sz="700" dirty="0"/>
+          </a:p>
+        </p:txBody>
+      </p:sp>
+      <p:sp>
+        <p:nvSpPr>
+          <p:cNvPr id="29" name="Rectangle 28">
+            <a:extLst>
+              <a:ext uri="{FF2B5EF4-FFF2-40B4-BE49-F238E27FC236}">
+                <a16:creationId xmlns:a16="http://schemas.microsoft.com/office/drawing/2014/main" id="{751621AB-02C8-4580-A04C-63ED99F57E01}"/>
+              </a:ext>
+            </a:extLst>
+          </p:cNvPr>
+          <p:cNvSpPr/>
+          <p:nvPr/>
+        </p:nvSpPr>
+        <p:spPr>
+          <a:xfrm>
+            <a:off x="3060440" y="4002769"/>
+            <a:ext cx="896880" cy="388839"/>
+          </a:xfrm>
+          <a:prstGeom prst="rect">
+            <a:avLst/>
+          </a:prstGeom>
+          <a:solidFill>
+            <a:srgbClr val="FFFF00"/>
+          </a:solidFill>
+          <a:ln>
+            <a:solidFill>
+              <a:srgbClr val="B4D0E7"/>
+            </a:solidFill>
+          </a:ln>
+        </p:spPr>
+        <p:style>
+          <a:lnRef idx="3">
+            <a:schemeClr val="lt1"/>
+          </a:lnRef>
+          <a:fillRef idx="1">
+            <a:schemeClr val="accent5"/>
+          </a:fillRef>
+          <a:effectRef idx="1">
+            <a:schemeClr val="accent5"/>
+          </a:effectRef>
+          <a:fontRef idx="minor">
+            <a:schemeClr val="lt1"/>
+          </a:fontRef>
+        </p:style>
+        <p:txBody>
+          <a:bodyPr rtlCol="0" anchor="ctr"/>
+          <a:lstStyle/>
+          <a:p>
+            <a:pPr algn="ctr"/>
+            <a:r>
+              <a:rPr lang="he-IL" sz="700" dirty="0">
+                <a:solidFill>
+                  <a:sysClr val="windowText" lastClr="000000"/>
+                </a:solidFill>
+              </a:rPr>
+              <a:t>רוצה לקבוע פגישת תקציב רבעוני של החברה</a:t>
+            </a:r>
+            <a:endParaRPr lang="en-US" sz="700" dirty="0">
+              <a:solidFill>
+                <a:sysClr val="windowText" lastClr="000000"/>
+              </a:solidFill>
+            </a:endParaRPr>
+          </a:p>
+        </p:txBody>
+      </p:sp>
+      <p:sp>
+        <p:nvSpPr>
+          <p:cNvPr id="30" name="Rectangle 29">
+            <a:extLst>
+              <a:ext uri="{FF2B5EF4-FFF2-40B4-BE49-F238E27FC236}">
+                <a16:creationId xmlns:a16="http://schemas.microsoft.com/office/drawing/2014/main" id="{8BBF4B69-71D8-471A-BDB5-E60499357DCF}"/>
+              </a:ext>
+            </a:extLst>
+          </p:cNvPr>
+          <p:cNvSpPr/>
+          <p:nvPr/>
+        </p:nvSpPr>
+        <p:spPr>
+          <a:xfrm>
+            <a:off x="3771640" y="4494128"/>
+            <a:ext cx="896880" cy="388839"/>
+          </a:xfrm>
+          <a:prstGeom prst="rect">
+            <a:avLst/>
+          </a:prstGeom>
+          <a:solidFill>
+            <a:srgbClr val="FFFF00"/>
+          </a:solidFill>
+          <a:ln>
+            <a:solidFill>
+              <a:srgbClr val="B4D0E7"/>
+            </a:solidFill>
+          </a:ln>
+        </p:spPr>
+        <p:style>
+          <a:lnRef idx="3">
+            <a:schemeClr val="lt1"/>
+          </a:lnRef>
+          <a:fillRef idx="1">
+            <a:schemeClr val="accent5"/>
+          </a:fillRef>
+          <a:effectRef idx="1">
+            <a:schemeClr val="accent5"/>
+          </a:effectRef>
+          <a:fontRef idx="minor">
+            <a:schemeClr val="lt1"/>
+          </a:fontRef>
+        </p:style>
+        <p:txBody>
+          <a:bodyPr rtlCol="0" anchor="ctr"/>
+          <a:lstStyle/>
+          <a:p>
+            <a:pPr algn="ctr"/>
+            <a:r>
+              <a:rPr lang="he-IL" sz="700" dirty="0">
+                <a:solidFill>
+                  <a:sysClr val="windowText" lastClr="000000"/>
+                </a:solidFill>
+              </a:rPr>
+              <a:t>פותח את המייל ונכנס ללוח השנה שלו</a:t>
+            </a:r>
+            <a:endParaRPr lang="en-US" sz="700" dirty="0">
+              <a:solidFill>
+                <a:sysClr val="windowText" lastClr="000000"/>
+              </a:solidFill>
+            </a:endParaRPr>
+          </a:p>
+        </p:txBody>
+      </p:sp>
+      <p:sp>
+        <p:nvSpPr>
+          <p:cNvPr id="31" name="Rectangle 30">
+            <a:extLst>
+              <a:ext uri="{FF2B5EF4-FFF2-40B4-BE49-F238E27FC236}">
+                <a16:creationId xmlns:a16="http://schemas.microsoft.com/office/drawing/2014/main" id="{01639B06-3E5B-4016-88F3-97F5F2BF30DA}"/>
+              </a:ext>
+            </a:extLst>
+          </p:cNvPr>
+          <p:cNvSpPr/>
+          <p:nvPr/>
+        </p:nvSpPr>
+        <p:spPr>
+          <a:xfrm>
+            <a:off x="4493000" y="3904848"/>
+            <a:ext cx="896880" cy="388839"/>
+          </a:xfrm>
+          <a:prstGeom prst="rect">
+            <a:avLst/>
+          </a:prstGeom>
+          <a:solidFill>
+            <a:srgbClr val="FFFF00"/>
+          </a:solidFill>
+          <a:ln>
+            <a:solidFill>
+              <a:srgbClr val="B4D0E7"/>
+            </a:solidFill>
+          </a:ln>
+        </p:spPr>
+        <p:style>
+          <a:lnRef idx="3">
+            <a:schemeClr val="lt1"/>
+          </a:lnRef>
+          <a:fillRef idx="1">
+            <a:schemeClr val="accent5"/>
+          </a:fillRef>
+          <a:effectRef idx="1">
+            <a:schemeClr val="accent5"/>
+          </a:effectRef>
+          <a:fontRef idx="minor">
+            <a:schemeClr val="lt1"/>
+          </a:fontRef>
+        </p:style>
+        <p:txBody>
+          <a:bodyPr rtlCol="0" anchor="ctr"/>
+          <a:lstStyle/>
+          <a:p>
+            <a:pPr algn="ctr"/>
+            <a:r>
+              <a:rPr lang="he-IL" sz="700" dirty="0">
+                <a:solidFill>
+                  <a:sysClr val="windowText" lastClr="000000"/>
+                </a:solidFill>
+              </a:rPr>
+              <a:t>מוצא ארבעה מועדים בהם הוא פנוי לקבוע את פגישת התקציב</a:t>
+            </a:r>
+            <a:endParaRPr lang="en-US" sz="700" dirty="0">
+              <a:solidFill>
+                <a:sysClr val="windowText" lastClr="000000"/>
+              </a:solidFill>
+            </a:endParaRPr>
+          </a:p>
+        </p:txBody>
+      </p:sp>
+      <p:sp>
+        <p:nvSpPr>
+          <p:cNvPr id="32" name="Rectangle 31">
+            <a:extLst>
+              <a:ext uri="{FF2B5EF4-FFF2-40B4-BE49-F238E27FC236}">
+                <a16:creationId xmlns:a16="http://schemas.microsoft.com/office/drawing/2014/main" id="{1E29E399-2CAA-46D5-BE2F-F462241C79C8}"/>
+              </a:ext>
+            </a:extLst>
+          </p:cNvPr>
+          <p:cNvSpPr/>
+          <p:nvPr/>
+        </p:nvSpPr>
+        <p:spPr>
+          <a:xfrm>
+            <a:off x="5432800" y="4392528"/>
+            <a:ext cx="896880" cy="490560"/>
+          </a:xfrm>
+          <a:prstGeom prst="rect">
+            <a:avLst/>
+          </a:prstGeom>
+          <a:solidFill>
+            <a:srgbClr val="FFFF00"/>
+          </a:solidFill>
+          <a:ln>
+            <a:solidFill>
+              <a:srgbClr val="B4D0E7"/>
+            </a:solidFill>
+          </a:ln>
+        </p:spPr>
+        <p:style>
+          <a:lnRef idx="3">
+            <a:schemeClr val="lt1"/>
+          </a:lnRef>
+          <a:fillRef idx="1">
+            <a:schemeClr val="accent5"/>
+          </a:fillRef>
+          <a:effectRef idx="1">
+            <a:schemeClr val="accent5"/>
+          </a:effectRef>
+          <a:fontRef idx="minor">
+            <a:schemeClr val="lt1"/>
+          </a:fontRef>
+        </p:style>
+        <p:txBody>
+          <a:bodyPr rtlCol="0" anchor="ctr"/>
+          <a:lstStyle/>
+          <a:p>
+            <a:pPr algn="ctr"/>
+            <a:r>
+              <a:rPr lang="he-IL" sz="700" dirty="0">
+                <a:solidFill>
+                  <a:sysClr val="windowText" lastClr="000000"/>
+                </a:solidFill>
+              </a:rPr>
+              <a:t>מתקשר לאנשים שחשוב שיהיו בפגישה בודק מתי הם יכולים</a:t>
+            </a:r>
+            <a:endParaRPr lang="en-US" sz="700" dirty="0">
+              <a:solidFill>
+                <a:sysClr val="windowText" lastClr="000000"/>
+              </a:solidFill>
+            </a:endParaRPr>
+          </a:p>
+        </p:txBody>
+      </p:sp>
+      <p:sp>
+        <p:nvSpPr>
+          <p:cNvPr id="33" name="Rectangle 32">
+            <a:extLst>
+              <a:ext uri="{FF2B5EF4-FFF2-40B4-BE49-F238E27FC236}">
+                <a16:creationId xmlns:a16="http://schemas.microsoft.com/office/drawing/2014/main" id="{E1971537-2867-44F0-9AFD-CAFCE31A53C3}"/>
+              </a:ext>
+            </a:extLst>
+          </p:cNvPr>
+          <p:cNvSpPr/>
+          <p:nvPr/>
+        </p:nvSpPr>
+        <p:spPr>
+          <a:xfrm>
+            <a:off x="5834120" y="3808328"/>
+            <a:ext cx="896880" cy="453570"/>
+          </a:xfrm>
+          <a:prstGeom prst="rect">
+            <a:avLst/>
+          </a:prstGeom>
+          <a:solidFill>
+            <a:srgbClr val="FFFF00"/>
+          </a:solidFill>
+          <a:ln>
+            <a:solidFill>
+              <a:srgbClr val="B4D0E7"/>
+            </a:solidFill>
+          </a:ln>
+        </p:spPr>
+        <p:style>
+          <a:lnRef idx="3">
+            <a:schemeClr val="lt1"/>
+          </a:lnRef>
+          <a:fillRef idx="1">
+            <a:schemeClr val="accent5"/>
+          </a:fillRef>
+          <a:effectRef idx="1">
+            <a:schemeClr val="accent5"/>
+          </a:effectRef>
+          <a:fontRef idx="minor">
+            <a:schemeClr val="lt1"/>
+          </a:fontRef>
+        </p:style>
+        <p:txBody>
+          <a:bodyPr rtlCol="0" anchor="ctr"/>
+          <a:lstStyle/>
+          <a:p>
+            <a:pPr algn="ctr"/>
+            <a:r>
+              <a:rPr lang="he-IL" sz="700" dirty="0">
+                <a:solidFill>
+                  <a:sysClr val="windowText" lastClr="000000"/>
+                </a:solidFill>
+              </a:rPr>
+              <a:t>אין שום תאריך שמתאים לכולם מתחיל לחשוב מי פחות חשוב שיהיה</a:t>
+            </a:r>
+            <a:endParaRPr lang="en-US" sz="700" dirty="0">
+              <a:solidFill>
+                <a:sysClr val="windowText" lastClr="000000"/>
+              </a:solidFill>
+            </a:endParaRPr>
+          </a:p>
+        </p:txBody>
+      </p:sp>
+      <p:sp>
+        <p:nvSpPr>
+          <p:cNvPr id="34" name="Rectangle 33">
+            <a:extLst>
+              <a:ext uri="{FF2B5EF4-FFF2-40B4-BE49-F238E27FC236}">
+                <a16:creationId xmlns:a16="http://schemas.microsoft.com/office/drawing/2014/main" id="{4D92EB4C-F04A-4DFE-AB11-68A38D7095C6}"/>
+              </a:ext>
+            </a:extLst>
+          </p:cNvPr>
+          <p:cNvSpPr/>
+          <p:nvPr/>
+        </p:nvSpPr>
+        <p:spPr>
+          <a:xfrm>
+            <a:off x="6894128" y="3979958"/>
+            <a:ext cx="896880" cy="426941"/>
+          </a:xfrm>
+          <a:prstGeom prst="rect">
+            <a:avLst/>
+          </a:prstGeom>
+          <a:solidFill>
+            <a:srgbClr val="FFFF00"/>
+          </a:solidFill>
+          <a:ln>
+            <a:solidFill>
+              <a:srgbClr val="B4D0E7"/>
+            </a:solidFill>
+          </a:ln>
+        </p:spPr>
+        <p:style>
+          <a:lnRef idx="3">
+            <a:schemeClr val="lt1"/>
+          </a:lnRef>
+          <a:fillRef idx="1">
+            <a:schemeClr val="accent5"/>
+          </a:fillRef>
+          <a:effectRef idx="1">
+            <a:schemeClr val="accent5"/>
+          </a:effectRef>
+          <a:fontRef idx="minor">
+            <a:schemeClr val="lt1"/>
+          </a:fontRef>
+        </p:style>
+        <p:txBody>
+          <a:bodyPr rtlCol="0" anchor="ctr"/>
+          <a:lstStyle/>
+          <a:p>
+            <a:pPr algn="ctr"/>
+            <a:r>
+              <a:rPr lang="he-IL" sz="700" dirty="0">
+                <a:solidFill>
+                  <a:sysClr val="windowText" lastClr="000000"/>
+                </a:solidFill>
+              </a:rPr>
+              <a:t>יוצר פגישה חדשה בתאריך הכי מתאים. </a:t>
+            </a:r>
+            <a:endParaRPr lang="en-US" sz="700" dirty="0">
+              <a:solidFill>
+                <a:sysClr val="windowText" lastClr="000000"/>
+              </a:solidFill>
+            </a:endParaRPr>
+          </a:p>
+        </p:txBody>
+      </p:sp>
+      <p:sp>
+        <p:nvSpPr>
+          <p:cNvPr id="36" name="Rectangle 35">
+            <a:extLst>
+              <a:ext uri="{FF2B5EF4-FFF2-40B4-BE49-F238E27FC236}">
+                <a16:creationId xmlns:a16="http://schemas.microsoft.com/office/drawing/2014/main" id="{B26F40F9-10B5-478A-BC31-865B7DF9EF7B}"/>
+              </a:ext>
+            </a:extLst>
+          </p:cNvPr>
+          <p:cNvSpPr/>
+          <p:nvPr/>
+        </p:nvSpPr>
+        <p:spPr>
+          <a:xfrm>
+            <a:off x="7153208" y="4494128"/>
+            <a:ext cx="918238" cy="599453"/>
+          </a:xfrm>
+          <a:prstGeom prst="rect">
+            <a:avLst/>
+          </a:prstGeom>
+          <a:solidFill>
+            <a:srgbClr val="FFFF00"/>
+          </a:solidFill>
+          <a:ln>
+            <a:solidFill>
+              <a:srgbClr val="B4D0E7"/>
+            </a:solidFill>
+          </a:ln>
+        </p:spPr>
+        <p:style>
+          <a:lnRef idx="3">
+            <a:schemeClr val="lt1"/>
+          </a:lnRef>
+          <a:fillRef idx="1">
+            <a:schemeClr val="accent5"/>
+          </a:fillRef>
+          <a:effectRef idx="1">
+            <a:schemeClr val="accent5"/>
+          </a:effectRef>
+          <a:fontRef idx="minor">
+            <a:schemeClr val="lt1"/>
+          </a:fontRef>
+        </p:style>
+        <p:txBody>
+          <a:bodyPr rtlCol="0" anchor="ctr"/>
+          <a:lstStyle/>
+          <a:p>
+            <a:pPr algn="ctr"/>
+            <a:r>
+              <a:rPr lang="he-IL" sz="700" dirty="0">
+                <a:solidFill>
+                  <a:sysClr val="windowText" lastClr="000000"/>
+                </a:solidFill>
+              </a:rPr>
+              <a:t>מוסיף הודעה שמבקשת לפנות את הלוז למי שזה מתנגש לו עם משהו</a:t>
+            </a:r>
+            <a:endParaRPr lang="en-US" sz="700" dirty="0">
+              <a:solidFill>
+                <a:sysClr val="windowText" lastClr="000000"/>
+              </a:solidFill>
+            </a:endParaRPr>
+          </a:p>
+          <a:p>
+            <a:pPr algn="ctr"/>
+            <a:endParaRPr lang="en-US" sz="700" dirty="0">
+              <a:solidFill>
+                <a:sysClr val="windowText" lastClr="000000"/>
+              </a:solidFill>
+            </a:endParaRPr>
+          </a:p>
+        </p:txBody>
+      </p:sp>
+      <p:sp>
+        <p:nvSpPr>
+          <p:cNvPr id="37" name="Rectangle 36">
+            <a:extLst>
+              <a:ext uri="{FF2B5EF4-FFF2-40B4-BE49-F238E27FC236}">
+                <a16:creationId xmlns:a16="http://schemas.microsoft.com/office/drawing/2014/main" id="{1EDAEB0F-F451-44B9-85C0-BA174D8BECFD}"/>
+              </a:ext>
+            </a:extLst>
+          </p:cNvPr>
+          <p:cNvSpPr/>
+          <p:nvPr/>
+        </p:nvSpPr>
+        <p:spPr>
+          <a:xfrm>
+            <a:off x="4001982" y="3138802"/>
+            <a:ext cx="790199" cy="388839"/>
+          </a:xfrm>
+          <a:prstGeom prst="rect">
+            <a:avLst/>
+          </a:prstGeom>
+          <a:solidFill>
+            <a:srgbClr val="00B0F0"/>
+          </a:solidFill>
+          <a:ln>
+            <a:solidFill>
+              <a:srgbClr val="B4D0E7"/>
+            </a:solidFill>
+          </a:ln>
+        </p:spPr>
+        <p:style>
+          <a:lnRef idx="3">
+            <a:schemeClr val="lt1"/>
+          </a:lnRef>
+          <a:fillRef idx="1">
+            <a:schemeClr val="accent5"/>
+          </a:fillRef>
+          <a:effectRef idx="1">
+            <a:schemeClr val="accent5"/>
+          </a:effectRef>
+          <a:fontRef idx="minor">
+            <a:schemeClr val="lt1"/>
+          </a:fontRef>
+        </p:style>
+        <p:txBody>
+          <a:bodyPr rtlCol="0" anchor="ctr"/>
+          <a:lstStyle/>
+          <a:p>
+            <a:pPr algn="ctr"/>
+            <a:r>
+              <a:rPr lang="he-IL" sz="700" dirty="0"/>
+              <a:t>וואי איזה שבוע עמוס יש לי</a:t>
+            </a:r>
+            <a:endParaRPr lang="en-US" sz="700" dirty="0"/>
+          </a:p>
+        </p:txBody>
+      </p:sp>
+      <p:sp>
+        <p:nvSpPr>
+          <p:cNvPr id="38" name="Rectangle 37">
+            <a:extLst>
+              <a:ext uri="{FF2B5EF4-FFF2-40B4-BE49-F238E27FC236}">
+                <a16:creationId xmlns:a16="http://schemas.microsoft.com/office/drawing/2014/main" id="{FC5B42D9-F2F2-4D96-BB04-61E82BC71354}"/>
+              </a:ext>
+            </a:extLst>
+          </p:cNvPr>
+          <p:cNvSpPr/>
+          <p:nvPr/>
+        </p:nvSpPr>
+        <p:spPr>
+          <a:xfrm>
+            <a:off x="6731000" y="2906312"/>
+            <a:ext cx="871479" cy="439299"/>
+          </a:xfrm>
+          <a:prstGeom prst="rect">
+            <a:avLst/>
+          </a:prstGeom>
+          <a:solidFill>
+            <a:srgbClr val="00B0F0"/>
+          </a:solidFill>
+          <a:ln>
+            <a:solidFill>
+              <a:srgbClr val="B4D0E7"/>
+            </a:solidFill>
+          </a:ln>
+        </p:spPr>
+        <p:style>
+          <a:lnRef idx="3">
+            <a:schemeClr val="lt1"/>
+          </a:lnRef>
+          <a:fillRef idx="1">
+            <a:schemeClr val="accent5"/>
+          </a:fillRef>
+          <a:effectRef idx="1">
+            <a:schemeClr val="accent5"/>
+          </a:effectRef>
+          <a:fontRef idx="minor">
+            <a:schemeClr val="lt1"/>
+          </a:fontRef>
+        </p:style>
+        <p:txBody>
+          <a:bodyPr rtlCol="0" anchor="ctr"/>
+          <a:lstStyle/>
+          <a:p>
+            <a:pPr algn="ctr"/>
+            <a:r>
+              <a:rPr lang="he-IL" sz="700" dirty="0"/>
+              <a:t>טוב נוותר על דורון לא חייב שהוא יהיה</a:t>
+            </a:r>
+            <a:endParaRPr lang="en-US" sz="700" dirty="0"/>
+          </a:p>
+        </p:txBody>
+      </p:sp>
+      <p:sp>
+        <p:nvSpPr>
+          <p:cNvPr id="40" name="Rectangle 39">
+            <a:extLst>
+              <a:ext uri="{FF2B5EF4-FFF2-40B4-BE49-F238E27FC236}">
+                <a16:creationId xmlns:a16="http://schemas.microsoft.com/office/drawing/2014/main" id="{FAB66E3B-EEFB-4A1E-9753-0AEAE973D4E1}"/>
+              </a:ext>
+            </a:extLst>
+          </p:cNvPr>
+          <p:cNvSpPr/>
+          <p:nvPr/>
+        </p:nvSpPr>
+        <p:spPr>
+          <a:xfrm>
+            <a:off x="5628381" y="3264021"/>
+            <a:ext cx="871479" cy="439299"/>
+          </a:xfrm>
+          <a:prstGeom prst="rect">
+            <a:avLst/>
+          </a:prstGeom>
+          <a:solidFill>
+            <a:srgbClr val="00B0F0"/>
+          </a:solidFill>
+          <a:ln>
+            <a:solidFill>
+              <a:srgbClr val="B4D0E7"/>
+            </a:solidFill>
+          </a:ln>
+        </p:spPr>
+        <p:style>
+          <a:lnRef idx="3">
+            <a:schemeClr val="lt1"/>
+          </a:lnRef>
+          <a:fillRef idx="1">
+            <a:schemeClr val="accent5"/>
+          </a:fillRef>
+          <a:effectRef idx="1">
+            <a:schemeClr val="accent5"/>
+          </a:effectRef>
+          <a:fontRef idx="minor">
+            <a:schemeClr val="lt1"/>
+          </a:fontRef>
+        </p:style>
+        <p:txBody>
+          <a:bodyPr rtlCol="0" anchor="ctr"/>
+          <a:lstStyle/>
+          <a:p>
+            <a:pPr algn="ctr"/>
+            <a:r>
+              <a:rPr lang="he-IL" sz="700" dirty="0"/>
+              <a:t>אוף כל כך הרבה טלפונים לעשות</a:t>
+            </a:r>
+            <a:endParaRPr lang="en-US" sz="700" dirty="0"/>
+          </a:p>
+        </p:txBody>
+      </p:sp>
+      <p:sp>
+        <p:nvSpPr>
+          <p:cNvPr id="41" name="Rectangle 40">
+            <a:extLst>
+              <a:ext uri="{FF2B5EF4-FFF2-40B4-BE49-F238E27FC236}">
+                <a16:creationId xmlns:a16="http://schemas.microsoft.com/office/drawing/2014/main" id="{C2E33011-8062-456D-B768-224AF19B9253}"/>
+              </a:ext>
+            </a:extLst>
+          </p:cNvPr>
+          <p:cNvSpPr/>
+          <p:nvPr/>
+        </p:nvSpPr>
+        <p:spPr>
+          <a:xfrm>
+            <a:off x="7211060" y="3279692"/>
+            <a:ext cx="871479" cy="439299"/>
+          </a:xfrm>
+          <a:prstGeom prst="rect">
+            <a:avLst/>
+          </a:prstGeom>
+          <a:solidFill>
+            <a:srgbClr val="00B0F0"/>
+          </a:solidFill>
+          <a:ln>
+            <a:solidFill>
+              <a:srgbClr val="B4D0E7"/>
+            </a:solidFill>
+          </a:ln>
+        </p:spPr>
+        <p:style>
+          <a:lnRef idx="3">
+            <a:schemeClr val="lt1"/>
+          </a:lnRef>
+          <a:fillRef idx="1">
+            <a:schemeClr val="accent5"/>
+          </a:fillRef>
+          <a:effectRef idx="1">
+            <a:schemeClr val="accent5"/>
+          </a:effectRef>
+          <a:fontRef idx="minor">
+            <a:schemeClr val="lt1"/>
+          </a:fontRef>
+        </p:style>
+        <p:txBody>
+          <a:bodyPr rtlCol="0" anchor="ctr"/>
+          <a:lstStyle/>
+          <a:p>
+            <a:pPr algn="ctr"/>
+            <a:r>
+              <a:rPr lang="he-IL" sz="700" dirty="0"/>
+              <a:t>נבקש ממנו להזיז את מה שיש לו</a:t>
+            </a:r>
+            <a:endParaRPr lang="en-US" sz="700" dirty="0"/>
+          </a:p>
+        </p:txBody>
+      </p:sp>
+      <p:sp>
+        <p:nvSpPr>
+          <p:cNvPr id="42" name="Rectangle 41">
+            <a:extLst>
+              <a:ext uri="{FF2B5EF4-FFF2-40B4-BE49-F238E27FC236}">
+                <a16:creationId xmlns:a16="http://schemas.microsoft.com/office/drawing/2014/main" id="{F16B2313-CCCC-45E6-96A4-88F65D799FF4}"/>
+              </a:ext>
+            </a:extLst>
+          </p:cNvPr>
+          <p:cNvSpPr/>
+          <p:nvPr/>
+        </p:nvSpPr>
+        <p:spPr>
+          <a:xfrm>
+            <a:off x="3129020" y="5397229"/>
+            <a:ext cx="896880" cy="388839"/>
+          </a:xfrm>
+          <a:prstGeom prst="rect">
+            <a:avLst/>
+          </a:prstGeom>
+          <a:solidFill>
+            <a:srgbClr val="92D050"/>
+          </a:solidFill>
+          <a:ln>
+            <a:solidFill>
+              <a:srgbClr val="B4D0E7"/>
+            </a:solidFill>
+          </a:ln>
+        </p:spPr>
+        <p:style>
+          <a:lnRef idx="3">
+            <a:schemeClr val="lt1"/>
+          </a:lnRef>
+          <a:fillRef idx="1">
+            <a:schemeClr val="accent5"/>
+          </a:fillRef>
+          <a:effectRef idx="1">
+            <a:schemeClr val="accent5"/>
+          </a:effectRef>
+          <a:fontRef idx="minor">
+            <a:schemeClr val="lt1"/>
+          </a:fontRef>
+        </p:style>
+        <p:txBody>
+          <a:bodyPr rtlCol="0" anchor="ctr"/>
+          <a:lstStyle/>
+          <a:p>
+            <a:pPr algn="ctr"/>
+            <a:r>
+              <a:rPr lang="he-IL" sz="700" dirty="0">
+                <a:solidFill>
+                  <a:sysClr val="windowText" lastClr="000000"/>
+                </a:solidFill>
+              </a:rPr>
+              <a:t>אפליקציית המייל</a:t>
+            </a:r>
+            <a:endParaRPr lang="en-US" sz="700" dirty="0">
+              <a:solidFill>
+                <a:sysClr val="windowText" lastClr="000000"/>
+              </a:solidFill>
+            </a:endParaRPr>
+          </a:p>
+        </p:txBody>
+      </p:sp>
+      <p:sp>
+        <p:nvSpPr>
+          <p:cNvPr id="44" name="Rectangle 43">
+            <a:extLst>
+              <a:ext uri="{FF2B5EF4-FFF2-40B4-BE49-F238E27FC236}">
+                <a16:creationId xmlns:a16="http://schemas.microsoft.com/office/drawing/2014/main" id="{3AB9BE5D-AAB2-438D-BDEE-E2862AD39762}"/>
+              </a:ext>
+            </a:extLst>
+          </p:cNvPr>
+          <p:cNvSpPr/>
+          <p:nvPr/>
+        </p:nvSpPr>
+        <p:spPr>
+          <a:xfrm>
+            <a:off x="4157720" y="5999209"/>
+            <a:ext cx="896880" cy="388839"/>
+          </a:xfrm>
+          <a:prstGeom prst="rect">
+            <a:avLst/>
+          </a:prstGeom>
+          <a:solidFill>
+            <a:srgbClr val="92D050"/>
+          </a:solidFill>
+          <a:ln>
+            <a:solidFill>
+              <a:srgbClr val="B4D0E7"/>
+            </a:solidFill>
+          </a:ln>
+        </p:spPr>
+        <p:style>
+          <a:lnRef idx="3">
+            <a:schemeClr val="lt1"/>
+          </a:lnRef>
+          <a:fillRef idx="1">
+            <a:schemeClr val="accent5"/>
+          </a:fillRef>
+          <a:effectRef idx="1">
+            <a:schemeClr val="accent5"/>
+          </a:effectRef>
+          <a:fontRef idx="minor">
+            <a:schemeClr val="lt1"/>
+          </a:fontRef>
+        </p:style>
+        <p:txBody>
+          <a:bodyPr rtlCol="0" anchor="ctr"/>
+          <a:lstStyle/>
+          <a:p>
+            <a:pPr algn="ctr"/>
+            <a:r>
+              <a:rPr lang="he-IL" sz="700" dirty="0">
+                <a:solidFill>
+                  <a:sysClr val="windowText" lastClr="000000"/>
+                </a:solidFill>
+              </a:rPr>
+              <a:t>עמוד היומן באפליקציית המייל </a:t>
+            </a:r>
+            <a:endParaRPr lang="en-US" sz="700" dirty="0">
+              <a:solidFill>
+                <a:sysClr val="windowText" lastClr="000000"/>
+              </a:solidFill>
+            </a:endParaRPr>
+          </a:p>
+        </p:txBody>
+      </p:sp>
+      <p:sp>
+        <p:nvSpPr>
+          <p:cNvPr id="45" name="Rectangle 44">
+            <a:extLst>
+              <a:ext uri="{FF2B5EF4-FFF2-40B4-BE49-F238E27FC236}">
+                <a16:creationId xmlns:a16="http://schemas.microsoft.com/office/drawing/2014/main" id="{A9399C76-B6E5-4230-A33A-C0E49A78758C}"/>
+              </a:ext>
+            </a:extLst>
+          </p:cNvPr>
+          <p:cNvSpPr/>
+          <p:nvPr/>
+        </p:nvSpPr>
+        <p:spPr>
+          <a:xfrm>
+            <a:off x="4942580" y="5313409"/>
+            <a:ext cx="896880" cy="388839"/>
+          </a:xfrm>
+          <a:prstGeom prst="rect">
+            <a:avLst/>
+          </a:prstGeom>
+          <a:solidFill>
+            <a:srgbClr val="92D050"/>
+          </a:solidFill>
+          <a:ln>
+            <a:solidFill>
+              <a:srgbClr val="B4D0E7"/>
+            </a:solidFill>
+          </a:ln>
+        </p:spPr>
+        <p:style>
+          <a:lnRef idx="3">
+            <a:schemeClr val="lt1"/>
+          </a:lnRef>
+          <a:fillRef idx="1">
+            <a:schemeClr val="accent5"/>
+          </a:fillRef>
+          <a:effectRef idx="1">
+            <a:schemeClr val="accent5"/>
+          </a:effectRef>
+          <a:fontRef idx="minor">
+            <a:schemeClr val="lt1"/>
+          </a:fontRef>
+        </p:style>
+        <p:txBody>
+          <a:bodyPr rtlCol="0" anchor="ctr"/>
+          <a:lstStyle/>
+          <a:p>
+            <a:pPr algn="ctr"/>
+            <a:r>
+              <a:rPr lang="he-IL" sz="700" dirty="0">
+                <a:solidFill>
+                  <a:sysClr val="windowText" lastClr="000000"/>
+                </a:solidFill>
+              </a:rPr>
+              <a:t>שיחת טלפון עם האנשים שצריכים להגיע לפגישה</a:t>
+            </a:r>
+            <a:endParaRPr lang="en-US" sz="700" dirty="0">
+              <a:solidFill>
+                <a:sysClr val="windowText" lastClr="000000"/>
+              </a:solidFill>
+            </a:endParaRPr>
+          </a:p>
+        </p:txBody>
+      </p:sp>
+      <p:sp>
+        <p:nvSpPr>
+          <p:cNvPr id="46" name="Rectangle 45">
+            <a:extLst>
+              <a:ext uri="{FF2B5EF4-FFF2-40B4-BE49-F238E27FC236}">
+                <a16:creationId xmlns:a16="http://schemas.microsoft.com/office/drawing/2014/main" id="{FF18CD94-977D-4005-AC6E-1002E0E97355}"/>
+              </a:ext>
+            </a:extLst>
+          </p:cNvPr>
+          <p:cNvSpPr/>
+          <p:nvPr/>
+        </p:nvSpPr>
+        <p:spPr>
+          <a:xfrm>
+            <a:off x="6596120" y="5610589"/>
+            <a:ext cx="896880" cy="388839"/>
+          </a:xfrm>
+          <a:prstGeom prst="rect">
+            <a:avLst/>
+          </a:prstGeom>
+          <a:solidFill>
+            <a:srgbClr val="92D050"/>
+          </a:solidFill>
+          <a:ln>
+            <a:solidFill>
+              <a:srgbClr val="B4D0E7"/>
+            </a:solidFill>
+          </a:ln>
+        </p:spPr>
+        <p:style>
+          <a:lnRef idx="3">
+            <a:schemeClr val="lt1"/>
+          </a:lnRef>
+          <a:fillRef idx="1">
+            <a:schemeClr val="accent5"/>
+          </a:fillRef>
+          <a:effectRef idx="1">
+            <a:schemeClr val="accent5"/>
+          </a:effectRef>
+          <a:fontRef idx="minor">
+            <a:schemeClr val="lt1"/>
+          </a:fontRef>
+        </p:style>
+        <p:txBody>
+          <a:bodyPr rtlCol="0" anchor="ctr"/>
+          <a:lstStyle/>
+          <a:p>
+            <a:pPr algn="ctr"/>
+            <a:r>
+              <a:rPr lang="he-IL" sz="700" dirty="0">
+                <a:solidFill>
+                  <a:sysClr val="windowText" lastClr="000000"/>
+                </a:solidFill>
+              </a:rPr>
+              <a:t>חלון יצירת פגישה חדשה</a:t>
+            </a:r>
+            <a:endParaRPr lang="en-US" sz="700" dirty="0">
+              <a:solidFill>
+                <a:sysClr val="windowText" lastClr="000000"/>
+              </a:solidFill>
+            </a:endParaRPr>
+          </a:p>
+        </p:txBody>
+      </p:sp>
+      <p:sp>
+        <p:nvSpPr>
+          <p:cNvPr id="35" name="Rectangle 34">
+            <a:extLst>
+              <a:ext uri="{FF2B5EF4-FFF2-40B4-BE49-F238E27FC236}">
+                <a16:creationId xmlns:a16="http://schemas.microsoft.com/office/drawing/2014/main" id="{B7D5FAD9-664B-4FC4-B226-33587D615A55}"/>
+              </a:ext>
+            </a:extLst>
+          </p:cNvPr>
+          <p:cNvSpPr/>
+          <p:nvPr/>
+        </p:nvSpPr>
+        <p:spPr>
+          <a:xfrm>
+            <a:off x="7968548" y="3793088"/>
+            <a:ext cx="811558" cy="494175"/>
+          </a:xfrm>
+          <a:prstGeom prst="rect">
+            <a:avLst/>
+          </a:prstGeom>
+          <a:solidFill>
+            <a:srgbClr val="FFFF00"/>
+          </a:solidFill>
+          <a:ln>
+            <a:solidFill>
+              <a:srgbClr val="B4D0E7"/>
+            </a:solidFill>
+          </a:ln>
+        </p:spPr>
+        <p:style>
+          <a:lnRef idx="3">
+            <a:schemeClr val="lt1"/>
+          </a:lnRef>
+          <a:fillRef idx="1">
+            <a:schemeClr val="accent5"/>
+          </a:fillRef>
+          <a:effectRef idx="1">
+            <a:schemeClr val="accent5"/>
+          </a:effectRef>
+          <a:fontRef idx="minor">
+            <a:schemeClr val="lt1"/>
+          </a:fontRef>
+        </p:style>
+        <p:txBody>
+          <a:bodyPr rtlCol="0" anchor="ctr"/>
+          <a:lstStyle/>
+          <a:p>
+            <a:pPr algn="ctr"/>
+            <a:r>
+              <a:rPr lang="he-IL" sz="700" dirty="0">
+                <a:solidFill>
+                  <a:sysClr val="windowText" lastClr="000000"/>
+                </a:solidFill>
+              </a:rPr>
+              <a:t>טוב נקבע הפגישה וכמעט כולם מגיעים מעולה!</a:t>
+            </a:r>
+            <a:endParaRPr lang="en-US" sz="700" dirty="0">
+              <a:solidFill>
+                <a:sysClr val="windowText" lastClr="000000"/>
+              </a:solidFill>
+            </a:endParaRPr>
+          </a:p>
+          <a:p>
+            <a:pPr algn="ctr"/>
+            <a:endParaRPr lang="en-US" sz="700" dirty="0">
+              <a:solidFill>
+                <a:sysClr val="windowText" lastClr="000000"/>
+              </a:solidFill>
+            </a:endParaRPr>
+          </a:p>
+        </p:txBody>
+      </p:sp>
+      <p:sp>
+        <p:nvSpPr>
+          <p:cNvPr id="43" name="Oval 42">
+            <a:extLst>
+              <a:ext uri="{FF2B5EF4-FFF2-40B4-BE49-F238E27FC236}">
+                <a16:creationId xmlns:a16="http://schemas.microsoft.com/office/drawing/2014/main" id="{0065D548-39D0-43C2-8BD4-E6C2DC4DF745}"/>
+              </a:ext>
+            </a:extLst>
+          </p:cNvPr>
+          <p:cNvSpPr/>
+          <p:nvPr/>
+        </p:nvSpPr>
+        <p:spPr>
+          <a:xfrm>
+            <a:off x="7951704" y="4130471"/>
+            <a:ext cx="196357" cy="182030"/>
+          </a:xfrm>
+          <a:prstGeom prst="ellipse">
+            <a:avLst/>
+          </a:prstGeom>
+        </p:spPr>
+        <p:style>
+          <a:lnRef idx="2">
+            <a:schemeClr val="accent4">
+              <a:shade val="50000"/>
+            </a:schemeClr>
+          </a:lnRef>
+          <a:fillRef idx="1">
+            <a:schemeClr val="accent4"/>
+          </a:fillRef>
+          <a:effectRef idx="0">
+            <a:schemeClr val="accent4"/>
+          </a:effectRef>
+          <a:fontRef idx="minor">
+            <a:schemeClr val="lt1"/>
+          </a:fontRef>
+        </p:style>
+        <p:txBody>
+          <a:bodyPr rtlCol="0" anchor="ctr"/>
+          <a:lstStyle/>
+          <a:p>
+            <a:pPr algn="ctr"/>
+            <a:endParaRPr lang="en-US"/>
+          </a:p>
+        </p:txBody>
+      </p:sp>
+      <p:sp>
+        <p:nvSpPr>
+          <p:cNvPr id="47" name="Oval 46">
+            <a:extLst>
+              <a:ext uri="{FF2B5EF4-FFF2-40B4-BE49-F238E27FC236}">
+                <a16:creationId xmlns:a16="http://schemas.microsoft.com/office/drawing/2014/main" id="{CA98807E-09E0-4B2E-B1D6-366703560F14}"/>
+              </a:ext>
+            </a:extLst>
+          </p:cNvPr>
+          <p:cNvSpPr/>
+          <p:nvPr/>
+        </p:nvSpPr>
+        <p:spPr>
+          <a:xfrm>
+            <a:off x="6188167" y="4385986"/>
+            <a:ext cx="196357" cy="182030"/>
+          </a:xfrm>
+          <a:prstGeom prst="ellipse">
+            <a:avLst/>
+          </a:prstGeom>
+        </p:spPr>
+        <p:style>
+          <a:lnRef idx="2">
+            <a:schemeClr val="accent1">
+              <a:shade val="50000"/>
+            </a:schemeClr>
+          </a:lnRef>
+          <a:fillRef idx="1">
+            <a:schemeClr val="accent1"/>
+          </a:fillRef>
+          <a:effectRef idx="0">
+            <a:schemeClr val="accent1"/>
+          </a:effectRef>
+          <a:fontRef idx="minor">
+            <a:schemeClr val="lt1"/>
+          </a:fontRef>
+        </p:style>
+        <p:txBody>
+          <a:bodyPr rtlCol="0" anchor="ctr"/>
+          <a:lstStyle/>
+          <a:p>
+            <a:pPr algn="ctr"/>
+            <a:endParaRPr lang="en-US"/>
+          </a:p>
+        </p:txBody>
+      </p:sp>
+      <p:sp>
+        <p:nvSpPr>
+          <p:cNvPr id="48" name="Oval 47">
+            <a:extLst>
+              <a:ext uri="{FF2B5EF4-FFF2-40B4-BE49-F238E27FC236}">
+                <a16:creationId xmlns:a16="http://schemas.microsoft.com/office/drawing/2014/main" id="{274B76A2-37FD-47EF-8F47-9C19E7FD9541}"/>
+              </a:ext>
+            </a:extLst>
+          </p:cNvPr>
+          <p:cNvSpPr/>
+          <p:nvPr/>
+        </p:nvSpPr>
+        <p:spPr>
+          <a:xfrm>
+            <a:off x="6351504" y="3193211"/>
+            <a:ext cx="196357" cy="182030"/>
+          </a:xfrm>
+          <a:prstGeom prst="ellipse">
+            <a:avLst/>
+          </a:prstGeom>
+        </p:spPr>
+        <p:style>
+          <a:lnRef idx="2">
+            <a:schemeClr val="accent1">
+              <a:shade val="50000"/>
+            </a:schemeClr>
+          </a:lnRef>
+          <a:fillRef idx="1">
+            <a:schemeClr val="accent1"/>
+          </a:fillRef>
+          <a:effectRef idx="0">
+            <a:schemeClr val="accent1"/>
+          </a:effectRef>
+          <a:fontRef idx="minor">
+            <a:schemeClr val="lt1"/>
+          </a:fontRef>
+        </p:style>
+        <p:txBody>
+          <a:bodyPr rtlCol="0" anchor="ctr"/>
+          <a:lstStyle/>
+          <a:p>
+            <a:pPr algn="ctr"/>
+            <a:endParaRPr lang="en-US"/>
+          </a:p>
+        </p:txBody>
+      </p:sp>
+      <p:sp>
+        <p:nvSpPr>
+          <p:cNvPr id="49" name="Oval 48">
+            <a:extLst>
+              <a:ext uri="{FF2B5EF4-FFF2-40B4-BE49-F238E27FC236}">
+                <a16:creationId xmlns:a16="http://schemas.microsoft.com/office/drawing/2014/main" id="{FDB0FD02-F448-4D63-BDDD-2B6F4905EC0A}"/>
+              </a:ext>
+            </a:extLst>
+          </p:cNvPr>
+          <p:cNvSpPr/>
+          <p:nvPr/>
+        </p:nvSpPr>
+        <p:spPr>
+          <a:xfrm>
+            <a:off x="5848584" y="2705531"/>
+            <a:ext cx="196357" cy="182030"/>
+          </a:xfrm>
+          <a:prstGeom prst="ellipse">
+            <a:avLst/>
+          </a:prstGeom>
+        </p:spPr>
+        <p:style>
+          <a:lnRef idx="2">
+            <a:schemeClr val="accent1">
+              <a:shade val="50000"/>
+            </a:schemeClr>
+          </a:lnRef>
+          <a:fillRef idx="1">
+            <a:schemeClr val="accent1"/>
+          </a:fillRef>
+          <a:effectRef idx="0">
+            <a:schemeClr val="accent1"/>
+          </a:effectRef>
+          <a:fontRef idx="minor">
+            <a:schemeClr val="lt1"/>
+          </a:fontRef>
+        </p:style>
+        <p:txBody>
+          <a:bodyPr rtlCol="0" anchor="ctr"/>
+          <a:lstStyle/>
+          <a:p>
+            <a:pPr algn="ctr"/>
+            <a:endParaRPr lang="en-US"/>
+          </a:p>
+        </p:txBody>
+      </p:sp>
+      <p:sp>
+        <p:nvSpPr>
+          <p:cNvPr id="50" name="Oval 49">
+            <a:extLst>
+              <a:ext uri="{FF2B5EF4-FFF2-40B4-BE49-F238E27FC236}">
+                <a16:creationId xmlns:a16="http://schemas.microsoft.com/office/drawing/2014/main" id="{35CCE8DC-7570-4AE1-B5AF-C7C27E9AE633}"/>
+              </a:ext>
+            </a:extLst>
+          </p:cNvPr>
+          <p:cNvSpPr/>
+          <p:nvPr/>
+        </p:nvSpPr>
+        <p:spPr>
+          <a:xfrm>
+            <a:off x="7441164" y="2873171"/>
+            <a:ext cx="196357" cy="182030"/>
+          </a:xfrm>
+          <a:prstGeom prst="ellipse">
+            <a:avLst/>
+          </a:prstGeom>
+        </p:spPr>
+        <p:style>
+          <a:lnRef idx="2">
+            <a:schemeClr val="accent4">
+              <a:shade val="50000"/>
+            </a:schemeClr>
+          </a:lnRef>
+          <a:fillRef idx="1">
+            <a:schemeClr val="accent4"/>
+          </a:fillRef>
+          <a:effectRef idx="0">
+            <a:schemeClr val="accent4"/>
+          </a:effectRef>
+          <a:fontRef idx="minor">
+            <a:schemeClr val="lt1"/>
+          </a:fontRef>
+        </p:style>
+        <p:txBody>
+          <a:bodyPr rtlCol="0" anchor="ctr"/>
+          <a:lstStyle/>
+          <a:p>
+            <a:pPr algn="ctr"/>
+            <a:endParaRPr lang="en-US"/>
+          </a:p>
+        </p:txBody>
+      </p:sp>
+      <p:sp>
+        <p:nvSpPr>
+          <p:cNvPr id="51" name="Oval 50">
+            <a:extLst>
+              <a:ext uri="{FF2B5EF4-FFF2-40B4-BE49-F238E27FC236}">
+                <a16:creationId xmlns:a16="http://schemas.microsoft.com/office/drawing/2014/main" id="{D90D9788-92FA-4C19-8D04-9FEB250FD694}"/>
+              </a:ext>
+            </a:extLst>
+          </p:cNvPr>
+          <p:cNvSpPr/>
+          <p:nvPr/>
+        </p:nvSpPr>
+        <p:spPr>
+          <a:xfrm>
+            <a:off x="5292324" y="3856151"/>
+            <a:ext cx="196357" cy="182030"/>
+          </a:xfrm>
+          <a:prstGeom prst="ellipse">
+            <a:avLst/>
+          </a:prstGeom>
+        </p:spPr>
+        <p:style>
+          <a:lnRef idx="2">
+            <a:schemeClr val="accent4">
+              <a:shade val="50000"/>
+            </a:schemeClr>
+          </a:lnRef>
+          <a:fillRef idx="1">
+            <a:schemeClr val="accent4"/>
+          </a:fillRef>
+          <a:effectRef idx="0">
+            <a:schemeClr val="accent4"/>
+          </a:effectRef>
+          <a:fontRef idx="minor">
+            <a:schemeClr val="lt1"/>
+          </a:fontRef>
+        </p:style>
+        <p:txBody>
+          <a:bodyPr rtlCol="0" anchor="ctr"/>
+          <a:lstStyle/>
+          <a:p>
+            <a:pPr algn="ctr"/>
+            <a:endParaRPr lang="en-US"/>
+          </a:p>
+        </p:txBody>
+      </p:sp>
+      <p:sp>
+        <p:nvSpPr>
+          <p:cNvPr id="52" name="Oval 51">
+            <a:extLst>
+              <a:ext uri="{FF2B5EF4-FFF2-40B4-BE49-F238E27FC236}">
+                <a16:creationId xmlns:a16="http://schemas.microsoft.com/office/drawing/2014/main" id="{4D05DA02-E1AC-4F5D-B602-6A363786743C}"/>
+              </a:ext>
+            </a:extLst>
+          </p:cNvPr>
+          <p:cNvSpPr/>
+          <p:nvPr/>
+        </p:nvSpPr>
+        <p:spPr>
+          <a:xfrm>
+            <a:off x="6579093" y="3815131"/>
+            <a:ext cx="196357" cy="182030"/>
+          </a:xfrm>
+          <a:prstGeom prst="ellipse">
+            <a:avLst/>
+          </a:prstGeom>
+        </p:spPr>
+        <p:style>
+          <a:lnRef idx="2">
+            <a:schemeClr val="accent1">
+              <a:shade val="50000"/>
+            </a:schemeClr>
+          </a:lnRef>
+          <a:fillRef idx="1">
+            <a:schemeClr val="accent1"/>
+          </a:fillRef>
+          <a:effectRef idx="0">
+            <a:schemeClr val="accent1"/>
+          </a:effectRef>
+          <a:fontRef idx="minor">
+            <a:schemeClr val="lt1"/>
+          </a:fontRef>
+        </p:style>
+        <p:txBody>
+          <a:bodyPr rtlCol="0" anchor="ctr"/>
+          <a:lstStyle/>
+          <a:p>
+            <a:pPr algn="ctr"/>
+            <a:endParaRPr lang="en-US"/>
+          </a:p>
+        </p:txBody>
+      </p:sp>
+    </p:spTree>
+    <p:extLst>
+      <p:ext uri="{BB962C8B-B14F-4D97-AF65-F5344CB8AC3E}">
+        <p14:creationId xmlns:p14="http://schemas.microsoft.com/office/powerpoint/2010/main" val="2581413810"/>
+      </p:ext>
+    </p:extLst>
+  </p:cSld>
+  <p:clrMapOvr>
+    <a:masterClrMapping/>
+  </p:clrMapOvr>
+</p:sld>
+</file>
+
+<file path=ppt/slides/slide55.xml><?xml version="1.0" encoding="utf-8"?>
+<p:sld xmlns:a="http://schemas.openxmlformats.org/drawingml/2006/main" xmlns:r="http://schemas.openxmlformats.org/officeDocument/2006/relationships" xmlns:p="http://schemas.openxmlformats.org/presentationml/2006/main">
+  <p:cSld>
+    <p:spTree>
+      <p:nvGrpSpPr>
+        <p:cNvPr id="1" name=""/>
+        <p:cNvGrpSpPr/>
+        <p:nvPr/>
+      </p:nvGrpSpPr>
+      <p:grpSpPr>
+        <a:xfrm>
+          <a:off x="0" y="0"/>
+          <a:ext cx="0" cy="0"/>
+          <a:chOff x="0" y="0"/>
+          <a:chExt cx="0" cy="0"/>
+        </a:xfrm>
+      </p:grpSpPr>
+      <p:sp>
+        <p:nvSpPr>
+          <p:cNvPr id="2" name="כותרת 1">
+            <a:extLst>
+              <a:ext uri="{FF2B5EF4-FFF2-40B4-BE49-F238E27FC236}">
+                <a16:creationId xmlns:a16="http://schemas.microsoft.com/office/drawing/2014/main" id="{7E2CFF58-DDF3-4D79-8E24-D3415F37CA20}"/>
+              </a:ext>
+            </a:extLst>
+          </p:cNvPr>
+          <p:cNvSpPr>
+            <a:spLocks noGrp="1"/>
+          </p:cNvSpPr>
+          <p:nvPr>
+            <p:ph type="ctrTitle"/>
+          </p:nvPr>
+        </p:nvSpPr>
+        <p:spPr>
+          <a:xfrm>
+            <a:off x="3708747" y="2998289"/>
+            <a:ext cx="4774505" cy="861421"/>
+          </a:xfrm>
+        </p:spPr>
+        <p:txBody>
+          <a:bodyPr/>
+          <a:lstStyle/>
+          <a:p>
+            <a:pPr algn="ctr"/>
+            <a:r>
+              <a:rPr lang="he-IL" dirty="0"/>
+              <a:t>ניתוח משימות ותסריטי שימוש</a:t>
+            </a:r>
+            <a:endParaRPr lang="en-US" dirty="0"/>
+          </a:p>
+        </p:txBody>
+      </p:sp>
+    </p:spTree>
+    <p:extLst>
+      <p:ext uri="{BB962C8B-B14F-4D97-AF65-F5344CB8AC3E}">
+        <p14:creationId xmlns:p14="http://schemas.microsoft.com/office/powerpoint/2010/main" val="89629259"/>
+      </p:ext>
+    </p:extLst>
+  </p:cSld>
+  <p:clrMapOvr>
+    <a:masterClrMapping/>
+  </p:clrMapOvr>
+</p:sld>
+</file>
+
+<file path=ppt/slides/slide56.xml><?xml version="1.0" encoding="utf-8"?>
+<p:sld xmlns:a="http://schemas.openxmlformats.org/drawingml/2006/main" xmlns:r="http://schemas.openxmlformats.org/officeDocument/2006/relationships" xmlns:p="http://schemas.openxmlformats.org/presentationml/2006/main">
+  <p:cSld>
+    <p:spTree>
+      <p:nvGrpSpPr>
+        <p:cNvPr id="1" name=""/>
+        <p:cNvGrpSpPr/>
+        <p:nvPr/>
+      </p:nvGrpSpPr>
+      <p:grpSpPr>
+        <a:xfrm>
+          <a:off x="0" y="0"/>
+          <a:ext cx="0" cy="0"/>
+          <a:chOff x="0" y="0"/>
+          <a:chExt cx="0" cy="0"/>
+        </a:xfrm>
+      </p:grpSpPr>
+      <p:sp>
+        <p:nvSpPr>
+          <p:cNvPr id="2" name="כותרת 1">
+            <a:extLst>
+              <a:ext uri="{FF2B5EF4-FFF2-40B4-BE49-F238E27FC236}">
+                <a16:creationId xmlns:a16="http://schemas.microsoft.com/office/drawing/2014/main" id="{7E2CFF58-DDF3-4D79-8E24-D3415F37CA20}"/>
+              </a:ext>
+            </a:extLst>
+          </p:cNvPr>
+          <p:cNvSpPr>
+            <a:spLocks noGrp="1"/>
+          </p:cNvSpPr>
+          <p:nvPr>
+            <p:ph type="ctrTitle"/>
+          </p:nvPr>
+        </p:nvSpPr>
+        <p:spPr>
+          <a:xfrm>
+            <a:off x="3708747" y="2998289"/>
+            <a:ext cx="4774505" cy="861421"/>
+          </a:xfrm>
+        </p:spPr>
+        <p:txBody>
+          <a:bodyPr/>
+          <a:lstStyle/>
+          <a:p>
+            <a:pPr algn="ctr"/>
+            <a:r>
+              <a:rPr lang="he-IL" dirty="0"/>
+              <a:t>ארכיטקטורת מידע</a:t>
+            </a:r>
+            <a:endParaRPr lang="en-US" dirty="0"/>
+          </a:p>
+        </p:txBody>
+      </p:sp>
+    </p:spTree>
+    <p:extLst>
+      <p:ext uri="{BB962C8B-B14F-4D97-AF65-F5344CB8AC3E}">
+        <p14:creationId xmlns:p14="http://schemas.microsoft.com/office/powerpoint/2010/main" val="1412135787"/>
+      </p:ext>
+    </p:extLst>
+  </p:cSld>
+  <p:clrMapOvr>
+    <a:masterClrMapping/>
+  </p:clrMapOvr>
+</p:sld>
+</file>
+
+<file path=ppt/slides/slide57.xml><?xml version="1.0" encoding="utf-8"?>
+<p:sld xmlns:a="http://schemas.openxmlformats.org/drawingml/2006/main" xmlns:r="http://schemas.openxmlformats.org/officeDocument/2006/relationships" xmlns:p="http://schemas.openxmlformats.org/presentationml/2006/main">
+  <p:cSld>
+    <p:spTree>
+      <p:nvGrpSpPr>
+        <p:cNvPr id="1" name=""/>
+        <p:cNvGrpSpPr/>
+        <p:nvPr/>
+      </p:nvGrpSpPr>
+      <p:grpSpPr>
+        <a:xfrm>
+          <a:off x="0" y="0"/>
+          <a:ext cx="0" cy="0"/>
+          <a:chOff x="0" y="0"/>
+          <a:chExt cx="0" cy="0"/>
+        </a:xfrm>
+      </p:grpSpPr>
+      <p:sp>
+        <p:nvSpPr>
+          <p:cNvPr id="2" name="כותרת 1">
+            <a:extLst>
+              <a:ext uri="{FF2B5EF4-FFF2-40B4-BE49-F238E27FC236}">
+                <a16:creationId xmlns:a16="http://schemas.microsoft.com/office/drawing/2014/main" id="{7E2CFF58-DDF3-4D79-8E24-D3415F37CA20}"/>
+              </a:ext>
+            </a:extLst>
+          </p:cNvPr>
+          <p:cNvSpPr>
+            <a:spLocks noGrp="1"/>
+          </p:cNvSpPr>
+          <p:nvPr>
+            <p:ph type="ctrTitle"/>
+          </p:nvPr>
+        </p:nvSpPr>
+        <p:spPr>
+          <a:xfrm>
+            <a:off x="3708747" y="2998289"/>
+            <a:ext cx="4774505" cy="861421"/>
+          </a:xfrm>
+        </p:spPr>
+        <p:txBody>
+          <a:bodyPr/>
+          <a:lstStyle/>
+          <a:p>
+            <a:pPr algn="ctr"/>
+            <a:r>
+              <a:rPr lang="he-IL" dirty="0"/>
+              <a:t>מודל הניווט</a:t>
+            </a:r>
+            <a:endParaRPr lang="en-US" dirty="0"/>
+          </a:p>
+        </p:txBody>
+      </p:sp>
+    </p:spTree>
+    <p:extLst>
+      <p:ext uri="{BB962C8B-B14F-4D97-AF65-F5344CB8AC3E}">
+        <p14:creationId xmlns:p14="http://schemas.microsoft.com/office/powerpoint/2010/main" val="37824935"/>
       </p:ext>
     </p:extLst>
   </p:cSld>

--- a/ux_course/מצגת סופית להגשה.pptx
+++ b/ux_course/מצגת סופית להגשה.pptx
@@ -5,7 +5,7 @@
     <p:sldMasterId id="2147483828" r:id="rId1"/>
   </p:sldMasterIdLst>
   <p:notesMasterIdLst>
-    <p:notesMasterId r:id="rId59"/>
+    <p:notesMasterId r:id="rId65"/>
   </p:notesMasterIdLst>
   <p:sldIdLst>
     <p:sldId id="262" r:id="rId2"/>
@@ -36,35 +36,41 @@
     <p:sldId id="275" r:id="rId27"/>
     <p:sldId id="276" r:id="rId28"/>
     <p:sldId id="277" r:id="rId29"/>
-    <p:sldId id="278" r:id="rId30"/>
-    <p:sldId id="279" r:id="rId31"/>
-    <p:sldId id="280" r:id="rId32"/>
-    <p:sldId id="282" r:id="rId33"/>
-    <p:sldId id="283" r:id="rId34"/>
-    <p:sldId id="284" r:id="rId35"/>
-    <p:sldId id="285" r:id="rId36"/>
-    <p:sldId id="286" r:id="rId37"/>
-    <p:sldId id="287" r:id="rId38"/>
-    <p:sldId id="288" r:id="rId39"/>
-    <p:sldId id="289" r:id="rId40"/>
-    <p:sldId id="297" r:id="rId41"/>
-    <p:sldId id="299" r:id="rId42"/>
-    <p:sldId id="310" r:id="rId43"/>
-    <p:sldId id="300" r:id="rId44"/>
-    <p:sldId id="301" r:id="rId45"/>
-    <p:sldId id="302" r:id="rId46"/>
-    <p:sldId id="303" r:id="rId47"/>
-    <p:sldId id="305" r:id="rId48"/>
-    <p:sldId id="304" r:id="rId49"/>
-    <p:sldId id="306" r:id="rId50"/>
-    <p:sldId id="296" r:id="rId51"/>
-    <p:sldId id="295" r:id="rId52"/>
-    <p:sldId id="311" r:id="rId53"/>
-    <p:sldId id="313" r:id="rId54"/>
-    <p:sldId id="314" r:id="rId55"/>
-    <p:sldId id="315" r:id="rId56"/>
-    <p:sldId id="316" r:id="rId57"/>
-    <p:sldId id="312" r:id="rId58"/>
+    <p:sldId id="317" r:id="rId30"/>
+    <p:sldId id="318" r:id="rId31"/>
+    <p:sldId id="278" r:id="rId32"/>
+    <p:sldId id="279" r:id="rId33"/>
+    <p:sldId id="280" r:id="rId34"/>
+    <p:sldId id="320" r:id="rId35"/>
+    <p:sldId id="321" r:id="rId36"/>
+    <p:sldId id="322" r:id="rId37"/>
+    <p:sldId id="319" r:id="rId38"/>
+    <p:sldId id="282" r:id="rId39"/>
+    <p:sldId id="283" r:id="rId40"/>
+    <p:sldId id="284" r:id="rId41"/>
+    <p:sldId id="285" r:id="rId42"/>
+    <p:sldId id="286" r:id="rId43"/>
+    <p:sldId id="287" r:id="rId44"/>
+    <p:sldId id="288" r:id="rId45"/>
+    <p:sldId id="289" r:id="rId46"/>
+    <p:sldId id="297" r:id="rId47"/>
+    <p:sldId id="299" r:id="rId48"/>
+    <p:sldId id="310" r:id="rId49"/>
+    <p:sldId id="300" r:id="rId50"/>
+    <p:sldId id="301" r:id="rId51"/>
+    <p:sldId id="302" r:id="rId52"/>
+    <p:sldId id="303" r:id="rId53"/>
+    <p:sldId id="305" r:id="rId54"/>
+    <p:sldId id="304" r:id="rId55"/>
+    <p:sldId id="306" r:id="rId56"/>
+    <p:sldId id="296" r:id="rId57"/>
+    <p:sldId id="295" r:id="rId58"/>
+    <p:sldId id="311" r:id="rId59"/>
+    <p:sldId id="313" r:id="rId60"/>
+    <p:sldId id="314" r:id="rId61"/>
+    <p:sldId id="315" r:id="rId62"/>
+    <p:sldId id="316" r:id="rId63"/>
+    <p:sldId id="312" r:id="rId64"/>
   </p:sldIdLst>
   <p:sldSz cx="12192000" cy="6858000"/>
   <p:notesSz cx="6858000" cy="9144000"/>
@@ -585,7 +591,7 @@
           <a:p>
             <a:fld id="{6E084796-162D-476E-82D2-4B26235D4C2C}" type="slidenum">
               <a:rPr lang="en-US" smtClean="0"/>
-              <a:t>46</a:t>
+              <a:t>52</a:t>
             </a:fld>
             <a:endParaRPr lang="en-US"/>
           </a:p>
@@ -16885,7 +16891,7 @@
           <p:cNvPr id="2" name="כותרת 1">
             <a:extLst>
               <a:ext uri="{FF2B5EF4-FFF2-40B4-BE49-F238E27FC236}">
-                <a16:creationId xmlns:a16="http://schemas.microsoft.com/office/drawing/2014/main" id="{DE777293-170B-4164-A212-000191C56DFE}"/>
+                <a16:creationId xmlns:a16="http://schemas.microsoft.com/office/drawing/2014/main" id="{92A500EE-F6C5-4C79-92F1-D2FDEE8174A4}"/>
               </a:ext>
             </a:extLst>
           </p:cNvPr>
@@ -16896,29 +16902,31 @@
             <p:ph type="title"/>
           </p:nvPr>
         </p:nvSpPr>
-        <p:spPr/>
+        <p:spPr>
+          <a:xfrm>
+            <a:off x="1154954" y="973669"/>
+            <a:ext cx="8825659" cy="706964"/>
+          </a:xfrm>
+        </p:spPr>
         <p:txBody>
           <a:bodyPr/>
           <a:lstStyle/>
           <a:p>
-            <a:pPr algn="ctr" rtl="1"/>
+            <a:pPr algn="ctr"/>
             <a:r>
               <a:rPr lang="he-IL"/>
-              <a:t>מסך </a:t>
-            </a:r>
-            <a:r>
-              <a:rPr lang="he-IL" dirty="0"/>
-              <a:t>הרשמה</a:t>
-            </a:r>
+              <a:t>מסך התחברות</a:t>
+            </a:r>
+            <a:endParaRPr lang="he-IL" dirty="0"/>
           </a:p>
         </p:txBody>
       </p:sp>
       <p:sp>
         <p:nvSpPr>
-          <p:cNvPr id="5" name="תיבת טקסט 4">
+          <p:cNvPr id="17" name="תיבת טקסט 16">
             <a:extLst>
               <a:ext uri="{FF2B5EF4-FFF2-40B4-BE49-F238E27FC236}">
-                <a16:creationId xmlns:a16="http://schemas.microsoft.com/office/drawing/2014/main" id="{49C1F48E-4344-478F-B955-03346A467B7E}"/>
+                <a16:creationId xmlns:a16="http://schemas.microsoft.com/office/drawing/2014/main" id="{2F642565-7D83-416E-A7D1-4FA3B48B83E1}"/>
               </a:ext>
             </a:extLst>
           </p:cNvPr>
@@ -16927,8 +16935,8 @@
         </p:nvSpPr>
         <p:spPr>
           <a:xfrm>
-            <a:off x="7919696" y="2477527"/>
-            <a:ext cx="4121834" cy="3970318"/>
+            <a:off x="7540282" y="2739271"/>
+            <a:ext cx="4487594" cy="646331"/>
           </a:xfrm>
           <a:prstGeom prst="rect">
             <a:avLst/>
@@ -16947,61 +16955,17 @@
             </a:pPr>
             <a:r>
               <a:rPr lang="he-IL" dirty="0"/>
-              <a:t>שינינו את עיצוב השדות כך שיראו יותר מעודכנים.</a:t>
-            </a:r>
-          </a:p>
-          <a:p>
-            <a:pPr marL="285750" indent="-285750" algn="r" rtl="1">
-              <a:buFont typeface="Arial" panose="020B0604020202020204" pitchFamily="34" charset="0"/>
-              <a:buChar char="•"/>
-            </a:pPr>
-            <a:r>
-              <a:rPr lang="he-IL" dirty="0"/>
-              <a:t>הוספנו סמלים מתאימים בצד כל שדה כך שיהיה ברור למשתמש מה עליו להכניס בשדה אותו הוא ממלא – </a:t>
-            </a:r>
-            <a:r>
-              <a:rPr lang="he-IL" b="1" dirty="0"/>
-              <a:t>זיהוי ולא זיכרון.</a:t>
-            </a:r>
-            <a:endParaRPr lang="he-IL" dirty="0"/>
-          </a:p>
-          <a:p>
-            <a:pPr marL="285750" indent="-285750" algn="r" rtl="1">
-              <a:buFont typeface="Arial" panose="020B0604020202020204" pitchFamily="34" charset="0"/>
-              <a:buChar char="•"/>
-            </a:pPr>
-            <a:r>
-              <a:rPr lang="he-IL" dirty="0"/>
-              <a:t>הוספנו תיאור לבחירת המין כדי שיהיה ברור יותר למשתמש מה עליו לבחור, בנוסף סימנו את המין "זכר" כברירת מחדל – </a:t>
-            </a:r>
-            <a:r>
-              <a:rPr lang="he-IL" b="1" dirty="0"/>
-              <a:t>מניעת טעויות.</a:t>
-            </a:r>
-            <a:endParaRPr lang="he-IL" dirty="0"/>
-          </a:p>
-          <a:p>
-            <a:pPr marL="285750" indent="-285750" algn="r" rtl="1">
-              <a:buFont typeface="Arial" panose="020B0604020202020204" pitchFamily="34" charset="0"/>
-              <a:buChar char="•"/>
-            </a:pPr>
-            <a:r>
-              <a:rPr lang="he-IL" dirty="0"/>
-              <a:t>הוספנו את אותה התנהגות של השדות כמו במסך ההתחברות (הדגשת השדה כאשר המשתמש מפוקס עליו + קיצורי מקשים) - </a:t>
-            </a:r>
-            <a:r>
-              <a:rPr lang="he-IL" b="1" dirty="0"/>
-              <a:t>חיווי מצב המערכת + גמישות ויעילות שימוש.</a:t>
+              <a:t>שינינו את צבע כפתור ההתחברות שיהיה מודגש וברור יותר.</a:t>
             </a:r>
           </a:p>
         </p:txBody>
       </p:sp>
       <p:pic>
         <p:nvPicPr>
-          <p:cNvPr id="3" name="תמונה 2">
+          <p:cNvPr id="4" name="תמונה 3">
             <a:extLst>
               <a:ext uri="{FF2B5EF4-FFF2-40B4-BE49-F238E27FC236}">
-                <a16:creationId xmlns:a16="http://schemas.microsoft.com/office/drawing/2014/main" id="{EDBDBFCF-CC0C-44D5-822E-F5193ADFCEC5}"/>
+                <a16:creationId xmlns:a16="http://schemas.microsoft.com/office/drawing/2014/main" id="{475C9141-FB1D-421F-9F8D-0B97A56DA1FB}"/>
               </a:ext>
             </a:extLst>
           </p:cNvPr>
@@ -17018,8 +16982,8 @@
         </p:blipFill>
         <p:spPr>
           <a:xfrm>
-            <a:off x="0" y="2477527"/>
-            <a:ext cx="7795603" cy="4380473"/>
+            <a:off x="0" y="2424386"/>
+            <a:ext cx="7877908" cy="4433613"/>
           </a:xfrm>
           <a:prstGeom prst="rect">
             <a:avLst/>
@@ -17029,7 +16993,7 @@
     </p:spTree>
     <p:extLst>
       <p:ext uri="{BB962C8B-B14F-4D97-AF65-F5344CB8AC3E}">
-        <p14:creationId xmlns:p14="http://schemas.microsoft.com/office/powerpoint/2010/main" val="1933346331"/>
+        <p14:creationId xmlns:p14="http://schemas.microsoft.com/office/powerpoint/2010/main" val="3155172046"/>
       </p:ext>
     </p:extLst>
   </p:cSld>
@@ -17489,7 +17453,7 @@
           <p:cNvPr id="2" name="כותרת 1">
             <a:extLst>
               <a:ext uri="{FF2B5EF4-FFF2-40B4-BE49-F238E27FC236}">
-                <a16:creationId xmlns:a16="http://schemas.microsoft.com/office/drawing/2014/main" id="{DE777293-170B-4164-A212-000191C56DFE}"/>
+                <a16:creationId xmlns:a16="http://schemas.microsoft.com/office/drawing/2014/main" id="{92A500EE-F6C5-4C79-92F1-D2FDEE8174A4}"/>
               </a:ext>
             </a:extLst>
           </p:cNvPr>
@@ -17500,29 +17464,31 @@
             <p:ph type="title"/>
           </p:nvPr>
         </p:nvSpPr>
-        <p:spPr/>
+        <p:spPr>
+          <a:xfrm>
+            <a:off x="1154954" y="973669"/>
+            <a:ext cx="8825659" cy="706964"/>
+          </a:xfrm>
+        </p:spPr>
         <p:txBody>
           <a:bodyPr/>
           <a:lstStyle/>
           <a:p>
-            <a:pPr algn="ctr" rtl="1"/>
+            <a:pPr algn="ctr"/>
             <a:r>
               <a:rPr lang="he-IL"/>
-              <a:t>מסך </a:t>
-            </a:r>
-            <a:r>
-              <a:rPr lang="he-IL" dirty="0"/>
-              <a:t>הרשמה</a:t>
-            </a:r>
+              <a:t>מסך התחברות</a:t>
+            </a:r>
+            <a:endParaRPr lang="he-IL" dirty="0"/>
           </a:p>
         </p:txBody>
       </p:sp>
       <p:sp>
         <p:nvSpPr>
-          <p:cNvPr id="5" name="תיבת טקסט 4">
+          <p:cNvPr id="17" name="תיבת טקסט 16">
             <a:extLst>
               <a:ext uri="{FF2B5EF4-FFF2-40B4-BE49-F238E27FC236}">
-                <a16:creationId xmlns:a16="http://schemas.microsoft.com/office/drawing/2014/main" id="{49C1F48E-4344-478F-B955-03346A467B7E}"/>
+                <a16:creationId xmlns:a16="http://schemas.microsoft.com/office/drawing/2014/main" id="{2F642565-7D83-416E-A7D1-4FA3B48B83E1}"/>
               </a:ext>
             </a:extLst>
           </p:cNvPr>
@@ -17531,8 +17497,8 @@
         </p:nvSpPr>
         <p:spPr>
           <a:xfrm>
-            <a:off x="7919696" y="2477527"/>
-            <a:ext cx="4121834" cy="923330"/>
+            <a:off x="7877908" y="2739271"/>
+            <a:ext cx="4149968" cy="1200329"/>
           </a:xfrm>
           <a:prstGeom prst="rect">
             <a:avLst/>
@@ -17551,7 +17517,15 @@
             </a:pPr>
             <a:r>
               <a:rPr lang="he-IL" dirty="0"/>
-              <a:t>הוספנו הדגשה עבור כל שדה חובה והסבר בתחתית העמוד המסביר מהי ההדגשה – </a:t>
+              <a:t>כאשר המשתמש לא הכניס את פרטיו עדיין, נמנע ממנו ללחוץ על כפתור ההתחברות או לחילופין ללחוץ על כפתור ה</a:t>
+            </a:r>
+            <a:r>
+              <a:rPr lang="en-US" dirty="0"/>
+              <a:t>ENTER</a:t>
+            </a:r>
+            <a:r>
+              <a:rPr lang="he-IL" dirty="0"/>
+              <a:t> – </a:t>
             </a:r>
             <a:r>
               <a:rPr lang="he-IL" b="1" dirty="0"/>
@@ -17563,10 +17537,10 @@
       </p:sp>
       <p:pic>
         <p:nvPicPr>
-          <p:cNvPr id="4" name="תמונה 3">
+          <p:cNvPr id="3" name="תמונה 2">
             <a:extLst>
               <a:ext uri="{FF2B5EF4-FFF2-40B4-BE49-F238E27FC236}">
-                <a16:creationId xmlns:a16="http://schemas.microsoft.com/office/drawing/2014/main" id="{F7A459F8-8EB4-4454-BC2E-F42597AF3D89}"/>
+                <a16:creationId xmlns:a16="http://schemas.microsoft.com/office/drawing/2014/main" id="{E9D24780-DDFD-48A1-AB3A-E9FDE2443D98}"/>
               </a:ext>
             </a:extLst>
           </p:cNvPr>
@@ -17583,8 +17557,8 @@
         </p:blipFill>
         <p:spPr>
           <a:xfrm>
-            <a:off x="1" y="2393328"/>
-            <a:ext cx="7919696" cy="4464671"/>
+            <a:off x="0" y="2349304"/>
+            <a:ext cx="8025851" cy="4508695"/>
           </a:xfrm>
           <a:prstGeom prst="rect">
             <a:avLst/>
@@ -17594,7 +17568,7 @@
     </p:spTree>
     <p:extLst>
       <p:ext uri="{BB962C8B-B14F-4D97-AF65-F5344CB8AC3E}">
-        <p14:creationId xmlns:p14="http://schemas.microsoft.com/office/powerpoint/2010/main" val="567271253"/>
+        <p14:creationId xmlns:p14="http://schemas.microsoft.com/office/powerpoint/2010/main" val="3511654369"/>
       </p:ext>
     </p:extLst>
   </p:cSld>
@@ -17669,6 +17643,319 @@
         <p:spPr>
           <a:xfrm>
             <a:off x="7919696" y="2477527"/>
+            <a:ext cx="4121834" cy="3970318"/>
+          </a:xfrm>
+          <a:prstGeom prst="rect">
+            <a:avLst/>
+          </a:prstGeom>
+          <a:noFill/>
+        </p:spPr>
+        <p:txBody>
+          <a:bodyPr wrap="square" rtlCol="1">
+            <a:spAutoFit/>
+          </a:bodyPr>
+          <a:lstStyle/>
+          <a:p>
+            <a:pPr marL="285750" indent="-285750" algn="r" rtl="1">
+              <a:buFont typeface="Arial" panose="020B0604020202020204" pitchFamily="34" charset="0"/>
+              <a:buChar char="•"/>
+            </a:pPr>
+            <a:r>
+              <a:rPr lang="he-IL" dirty="0"/>
+              <a:t>שינינו את עיצוב השדות כך שיראו יותר מעודכנים.</a:t>
+            </a:r>
+          </a:p>
+          <a:p>
+            <a:pPr marL="285750" indent="-285750" algn="r" rtl="1">
+              <a:buFont typeface="Arial" panose="020B0604020202020204" pitchFamily="34" charset="0"/>
+              <a:buChar char="•"/>
+            </a:pPr>
+            <a:r>
+              <a:rPr lang="he-IL" dirty="0"/>
+              <a:t>הוספנו סמלים מתאימים בצד כל שדה כך שיהיה ברור למשתמש מה עליו להכניס בשדה אותו הוא ממלא – </a:t>
+            </a:r>
+            <a:r>
+              <a:rPr lang="he-IL" b="1" dirty="0"/>
+              <a:t>זיהוי ולא זיכרון.</a:t>
+            </a:r>
+            <a:endParaRPr lang="he-IL" dirty="0"/>
+          </a:p>
+          <a:p>
+            <a:pPr marL="285750" indent="-285750" algn="r" rtl="1">
+              <a:buFont typeface="Arial" panose="020B0604020202020204" pitchFamily="34" charset="0"/>
+              <a:buChar char="•"/>
+            </a:pPr>
+            <a:r>
+              <a:rPr lang="he-IL" dirty="0"/>
+              <a:t>הוספנו תיאור לבחירת המין כדי שיהיה ברור יותר למשתמש מה עליו לבחור, בנוסף סימנו את המין "זכר" כברירת מחדל – </a:t>
+            </a:r>
+            <a:r>
+              <a:rPr lang="he-IL" b="1" dirty="0"/>
+              <a:t>מניעת טעויות.</a:t>
+            </a:r>
+            <a:endParaRPr lang="he-IL" dirty="0"/>
+          </a:p>
+          <a:p>
+            <a:pPr marL="285750" indent="-285750" algn="r" rtl="1">
+              <a:buFont typeface="Arial" panose="020B0604020202020204" pitchFamily="34" charset="0"/>
+              <a:buChar char="•"/>
+            </a:pPr>
+            <a:r>
+              <a:rPr lang="he-IL" dirty="0"/>
+              <a:t>הוספנו את אותה התנהגות של השדות כמו במסך ההתחברות (הדגשת השדה כאשר המשתמש מפוקס עליו + קיצורי מקשים) - </a:t>
+            </a:r>
+            <a:r>
+              <a:rPr lang="he-IL" b="1" dirty="0"/>
+              <a:t>חיווי מצב המערכת + גמישות ויעילות שימוש.</a:t>
+            </a:r>
+          </a:p>
+        </p:txBody>
+      </p:sp>
+      <p:pic>
+        <p:nvPicPr>
+          <p:cNvPr id="3" name="תמונה 2">
+            <a:extLst>
+              <a:ext uri="{FF2B5EF4-FFF2-40B4-BE49-F238E27FC236}">
+                <a16:creationId xmlns:a16="http://schemas.microsoft.com/office/drawing/2014/main" id="{EDBDBFCF-CC0C-44D5-822E-F5193ADFCEC5}"/>
+              </a:ext>
+            </a:extLst>
+          </p:cNvPr>
+          <p:cNvPicPr>
+            <a:picLocks noChangeAspect="1"/>
+          </p:cNvPicPr>
+          <p:nvPr/>
+        </p:nvPicPr>
+        <p:blipFill>
+          <a:blip r:embed="rId2"/>
+          <a:stretch>
+            <a:fillRect/>
+          </a:stretch>
+        </p:blipFill>
+        <p:spPr>
+          <a:xfrm>
+            <a:off x="0" y="2477527"/>
+            <a:ext cx="7795603" cy="4380473"/>
+          </a:xfrm>
+          <a:prstGeom prst="rect">
+            <a:avLst/>
+          </a:prstGeom>
+        </p:spPr>
+      </p:pic>
+    </p:spTree>
+    <p:extLst>
+      <p:ext uri="{BB962C8B-B14F-4D97-AF65-F5344CB8AC3E}">
+        <p14:creationId xmlns:p14="http://schemas.microsoft.com/office/powerpoint/2010/main" val="1933346331"/>
+      </p:ext>
+    </p:extLst>
+  </p:cSld>
+  <p:clrMapOvr>
+    <a:masterClrMapping/>
+  </p:clrMapOvr>
+</p:sld>
+</file>
+
+<file path=ppt/slides/slide32.xml><?xml version="1.0" encoding="utf-8"?>
+<p:sld xmlns:a="http://schemas.openxmlformats.org/drawingml/2006/main" xmlns:r="http://schemas.openxmlformats.org/officeDocument/2006/relationships" xmlns:p="http://schemas.openxmlformats.org/presentationml/2006/main">
+  <p:cSld>
+    <p:spTree>
+      <p:nvGrpSpPr>
+        <p:cNvPr id="1" name=""/>
+        <p:cNvGrpSpPr/>
+        <p:nvPr/>
+      </p:nvGrpSpPr>
+      <p:grpSpPr>
+        <a:xfrm>
+          <a:off x="0" y="0"/>
+          <a:ext cx="0" cy="0"/>
+          <a:chOff x="0" y="0"/>
+          <a:chExt cx="0" cy="0"/>
+        </a:xfrm>
+      </p:grpSpPr>
+      <p:sp>
+        <p:nvSpPr>
+          <p:cNvPr id="2" name="כותרת 1">
+            <a:extLst>
+              <a:ext uri="{FF2B5EF4-FFF2-40B4-BE49-F238E27FC236}">
+                <a16:creationId xmlns:a16="http://schemas.microsoft.com/office/drawing/2014/main" id="{DE777293-170B-4164-A212-000191C56DFE}"/>
+              </a:ext>
+            </a:extLst>
+          </p:cNvPr>
+          <p:cNvSpPr>
+            <a:spLocks noGrp="1"/>
+          </p:cNvSpPr>
+          <p:nvPr>
+            <p:ph type="title"/>
+          </p:nvPr>
+        </p:nvSpPr>
+        <p:spPr/>
+        <p:txBody>
+          <a:bodyPr/>
+          <a:lstStyle/>
+          <a:p>
+            <a:pPr algn="ctr" rtl="1"/>
+            <a:r>
+              <a:rPr lang="he-IL"/>
+              <a:t>מסך </a:t>
+            </a:r>
+            <a:r>
+              <a:rPr lang="he-IL" dirty="0"/>
+              <a:t>הרשמה</a:t>
+            </a:r>
+          </a:p>
+        </p:txBody>
+      </p:sp>
+      <p:sp>
+        <p:nvSpPr>
+          <p:cNvPr id="5" name="תיבת טקסט 4">
+            <a:extLst>
+              <a:ext uri="{FF2B5EF4-FFF2-40B4-BE49-F238E27FC236}">
+                <a16:creationId xmlns:a16="http://schemas.microsoft.com/office/drawing/2014/main" id="{49C1F48E-4344-478F-B955-03346A467B7E}"/>
+              </a:ext>
+            </a:extLst>
+          </p:cNvPr>
+          <p:cNvSpPr txBox="1"/>
+          <p:nvPr/>
+        </p:nvSpPr>
+        <p:spPr>
+          <a:xfrm>
+            <a:off x="7919696" y="2477527"/>
+            <a:ext cx="4121834" cy="923330"/>
+          </a:xfrm>
+          <a:prstGeom prst="rect">
+            <a:avLst/>
+          </a:prstGeom>
+          <a:noFill/>
+        </p:spPr>
+        <p:txBody>
+          <a:bodyPr wrap="square" rtlCol="1">
+            <a:spAutoFit/>
+          </a:bodyPr>
+          <a:lstStyle/>
+          <a:p>
+            <a:pPr marL="285750" indent="-285750" algn="r" rtl="1">
+              <a:buFont typeface="Arial" panose="020B0604020202020204" pitchFamily="34" charset="0"/>
+              <a:buChar char="•"/>
+            </a:pPr>
+            <a:r>
+              <a:rPr lang="he-IL" dirty="0"/>
+              <a:t>הוספנו הדגשה עבור כל שדה חובה והסבר בתחתית העמוד המסביר מהי ההדגשה – </a:t>
+            </a:r>
+            <a:r>
+              <a:rPr lang="he-IL" b="1" dirty="0"/>
+              <a:t>מניעת טעויות.</a:t>
+            </a:r>
+            <a:endParaRPr lang="he-IL" dirty="0"/>
+          </a:p>
+        </p:txBody>
+      </p:sp>
+      <p:pic>
+        <p:nvPicPr>
+          <p:cNvPr id="4" name="תמונה 3">
+            <a:extLst>
+              <a:ext uri="{FF2B5EF4-FFF2-40B4-BE49-F238E27FC236}">
+                <a16:creationId xmlns:a16="http://schemas.microsoft.com/office/drawing/2014/main" id="{F7A459F8-8EB4-4454-BC2E-F42597AF3D89}"/>
+              </a:ext>
+            </a:extLst>
+          </p:cNvPr>
+          <p:cNvPicPr>
+            <a:picLocks noChangeAspect="1"/>
+          </p:cNvPicPr>
+          <p:nvPr/>
+        </p:nvPicPr>
+        <p:blipFill>
+          <a:blip r:embed="rId2"/>
+          <a:stretch>
+            <a:fillRect/>
+          </a:stretch>
+        </p:blipFill>
+        <p:spPr>
+          <a:xfrm>
+            <a:off x="1" y="2393328"/>
+            <a:ext cx="7919696" cy="4464671"/>
+          </a:xfrm>
+          <a:prstGeom prst="rect">
+            <a:avLst/>
+          </a:prstGeom>
+        </p:spPr>
+      </p:pic>
+    </p:spTree>
+    <p:extLst>
+      <p:ext uri="{BB962C8B-B14F-4D97-AF65-F5344CB8AC3E}">
+        <p14:creationId xmlns:p14="http://schemas.microsoft.com/office/powerpoint/2010/main" val="567271253"/>
+      </p:ext>
+    </p:extLst>
+  </p:cSld>
+  <p:clrMapOvr>
+    <a:masterClrMapping/>
+  </p:clrMapOvr>
+</p:sld>
+</file>
+
+<file path=ppt/slides/slide33.xml><?xml version="1.0" encoding="utf-8"?>
+<p:sld xmlns:a="http://schemas.openxmlformats.org/drawingml/2006/main" xmlns:r="http://schemas.openxmlformats.org/officeDocument/2006/relationships" xmlns:p="http://schemas.openxmlformats.org/presentationml/2006/main">
+  <p:cSld>
+    <p:spTree>
+      <p:nvGrpSpPr>
+        <p:cNvPr id="1" name=""/>
+        <p:cNvGrpSpPr/>
+        <p:nvPr/>
+      </p:nvGrpSpPr>
+      <p:grpSpPr>
+        <a:xfrm>
+          <a:off x="0" y="0"/>
+          <a:ext cx="0" cy="0"/>
+          <a:chOff x="0" y="0"/>
+          <a:chExt cx="0" cy="0"/>
+        </a:xfrm>
+      </p:grpSpPr>
+      <p:sp>
+        <p:nvSpPr>
+          <p:cNvPr id="2" name="כותרת 1">
+            <a:extLst>
+              <a:ext uri="{FF2B5EF4-FFF2-40B4-BE49-F238E27FC236}">
+                <a16:creationId xmlns:a16="http://schemas.microsoft.com/office/drawing/2014/main" id="{DE777293-170B-4164-A212-000191C56DFE}"/>
+              </a:ext>
+            </a:extLst>
+          </p:cNvPr>
+          <p:cNvSpPr>
+            <a:spLocks noGrp="1"/>
+          </p:cNvSpPr>
+          <p:nvPr>
+            <p:ph type="title"/>
+          </p:nvPr>
+        </p:nvSpPr>
+        <p:spPr/>
+        <p:txBody>
+          <a:bodyPr/>
+          <a:lstStyle/>
+          <a:p>
+            <a:pPr algn="ctr" rtl="1"/>
+            <a:r>
+              <a:rPr lang="he-IL"/>
+              <a:t>מסך </a:t>
+            </a:r>
+            <a:r>
+              <a:rPr lang="he-IL" dirty="0"/>
+              <a:t>הרשמה</a:t>
+            </a:r>
+          </a:p>
+        </p:txBody>
+      </p:sp>
+      <p:sp>
+        <p:nvSpPr>
+          <p:cNvPr id="5" name="תיבת טקסט 4">
+            <a:extLst>
+              <a:ext uri="{FF2B5EF4-FFF2-40B4-BE49-F238E27FC236}">
+                <a16:creationId xmlns:a16="http://schemas.microsoft.com/office/drawing/2014/main" id="{49C1F48E-4344-478F-B955-03346A467B7E}"/>
+              </a:ext>
+            </a:extLst>
+          </p:cNvPr>
+          <p:cNvSpPr txBox="1"/>
+          <p:nvPr/>
+        </p:nvSpPr>
+        <p:spPr>
+          <a:xfrm>
+            <a:off x="7919696" y="2477527"/>
             <a:ext cx="4121834" cy="1477328"/>
           </a:xfrm>
           <a:prstGeom prst="rect">
@@ -17751,7 +18038,563 @@
 </p:sld>
 </file>
 
-<file path=ppt/slides/slide32.xml><?xml version="1.0" encoding="utf-8"?>
+<file path=ppt/slides/slide34.xml><?xml version="1.0" encoding="utf-8"?>
+<p:sld xmlns:a="http://schemas.openxmlformats.org/drawingml/2006/main" xmlns:r="http://schemas.openxmlformats.org/officeDocument/2006/relationships" xmlns:p="http://schemas.openxmlformats.org/presentationml/2006/main">
+  <p:cSld>
+    <p:spTree>
+      <p:nvGrpSpPr>
+        <p:cNvPr id="1" name=""/>
+        <p:cNvGrpSpPr/>
+        <p:nvPr/>
+      </p:nvGrpSpPr>
+      <p:grpSpPr>
+        <a:xfrm>
+          <a:off x="0" y="0"/>
+          <a:ext cx="0" cy="0"/>
+          <a:chOff x="0" y="0"/>
+          <a:chExt cx="0" cy="0"/>
+        </a:xfrm>
+      </p:grpSpPr>
+      <p:sp>
+        <p:nvSpPr>
+          <p:cNvPr id="2" name="כותרת 1">
+            <a:extLst>
+              <a:ext uri="{FF2B5EF4-FFF2-40B4-BE49-F238E27FC236}">
+                <a16:creationId xmlns:a16="http://schemas.microsoft.com/office/drawing/2014/main" id="{DE777293-170B-4164-A212-000191C56DFE}"/>
+              </a:ext>
+            </a:extLst>
+          </p:cNvPr>
+          <p:cNvSpPr>
+            <a:spLocks noGrp="1"/>
+          </p:cNvSpPr>
+          <p:nvPr>
+            <p:ph type="title"/>
+          </p:nvPr>
+        </p:nvSpPr>
+        <p:spPr/>
+        <p:txBody>
+          <a:bodyPr/>
+          <a:lstStyle/>
+          <a:p>
+            <a:pPr algn="ctr" rtl="1"/>
+            <a:r>
+              <a:rPr lang="he-IL"/>
+              <a:t>מסך </a:t>
+            </a:r>
+            <a:r>
+              <a:rPr lang="he-IL" dirty="0"/>
+              <a:t>הרשמה</a:t>
+            </a:r>
+          </a:p>
+        </p:txBody>
+      </p:sp>
+      <p:sp>
+        <p:nvSpPr>
+          <p:cNvPr id="5" name="תיבת טקסט 4">
+            <a:extLst>
+              <a:ext uri="{FF2B5EF4-FFF2-40B4-BE49-F238E27FC236}">
+                <a16:creationId xmlns:a16="http://schemas.microsoft.com/office/drawing/2014/main" id="{49C1F48E-4344-478F-B955-03346A467B7E}"/>
+              </a:ext>
+            </a:extLst>
+          </p:cNvPr>
+          <p:cNvSpPr txBox="1"/>
+          <p:nvPr/>
+        </p:nvSpPr>
+        <p:spPr>
+          <a:xfrm>
+            <a:off x="7919696" y="2477527"/>
+            <a:ext cx="4121834" cy="1200329"/>
+          </a:xfrm>
+          <a:prstGeom prst="rect">
+            <a:avLst/>
+          </a:prstGeom>
+          <a:noFill/>
+        </p:spPr>
+        <p:txBody>
+          <a:bodyPr wrap="square" rtlCol="1">
+            <a:spAutoFit/>
+          </a:bodyPr>
+          <a:lstStyle/>
+          <a:p>
+            <a:pPr marL="285750" indent="-285750" algn="r" rtl="1">
+              <a:buFont typeface="Arial" panose="020B0604020202020204" pitchFamily="34" charset="0"/>
+              <a:buChar char="•"/>
+            </a:pPr>
+            <a:r>
+              <a:rPr lang="he-IL" dirty="0"/>
+              <a:t>הוספנו שדה "אימות סיסמה" על מנת שהמשתמש לא יזין בטעות סיסמה שלא רצה – </a:t>
+            </a:r>
+            <a:r>
+              <a:rPr lang="he-IL" b="1" dirty="0"/>
+              <a:t>מניעת טעויות.</a:t>
+            </a:r>
+          </a:p>
+          <a:p>
+            <a:pPr marL="285750" indent="-285750" algn="r" rtl="1">
+              <a:buFont typeface="Arial" panose="020B0604020202020204" pitchFamily="34" charset="0"/>
+              <a:buChar char="•"/>
+            </a:pPr>
+            <a:r>
+              <a:rPr lang="he-IL" dirty="0"/>
+              <a:t>נוסיף סמל של "עזרה" ליד השדה סיסמה.</a:t>
+            </a:r>
+          </a:p>
+        </p:txBody>
+      </p:sp>
+      <p:pic>
+        <p:nvPicPr>
+          <p:cNvPr id="4" name="תמונה 3">
+            <a:extLst>
+              <a:ext uri="{FF2B5EF4-FFF2-40B4-BE49-F238E27FC236}">
+                <a16:creationId xmlns:a16="http://schemas.microsoft.com/office/drawing/2014/main" id="{0E31DD51-C1AC-4F56-8FC6-3D97FC3714E2}"/>
+              </a:ext>
+            </a:extLst>
+          </p:cNvPr>
+          <p:cNvPicPr>
+            <a:picLocks noChangeAspect="1"/>
+          </p:cNvPicPr>
+          <p:nvPr/>
+        </p:nvPicPr>
+        <p:blipFill>
+          <a:blip r:embed="rId2"/>
+          <a:stretch>
+            <a:fillRect/>
+          </a:stretch>
+        </p:blipFill>
+        <p:spPr>
+          <a:xfrm>
+            <a:off x="18757" y="2477527"/>
+            <a:ext cx="7781461" cy="4380473"/>
+          </a:xfrm>
+          <a:prstGeom prst="rect">
+            <a:avLst/>
+          </a:prstGeom>
+        </p:spPr>
+      </p:pic>
+    </p:spTree>
+    <p:extLst>
+      <p:ext uri="{BB962C8B-B14F-4D97-AF65-F5344CB8AC3E}">
+        <p14:creationId xmlns:p14="http://schemas.microsoft.com/office/powerpoint/2010/main" val="1077792874"/>
+      </p:ext>
+    </p:extLst>
+  </p:cSld>
+  <p:clrMapOvr>
+    <a:masterClrMapping/>
+  </p:clrMapOvr>
+</p:sld>
+</file>
+
+<file path=ppt/slides/slide35.xml><?xml version="1.0" encoding="utf-8"?>
+<p:sld xmlns:a="http://schemas.openxmlformats.org/drawingml/2006/main" xmlns:r="http://schemas.openxmlformats.org/officeDocument/2006/relationships" xmlns:p="http://schemas.openxmlformats.org/presentationml/2006/main">
+  <p:cSld>
+    <p:spTree>
+      <p:nvGrpSpPr>
+        <p:cNvPr id="1" name=""/>
+        <p:cNvGrpSpPr/>
+        <p:nvPr/>
+      </p:nvGrpSpPr>
+      <p:grpSpPr>
+        <a:xfrm>
+          <a:off x="0" y="0"/>
+          <a:ext cx="0" cy="0"/>
+          <a:chOff x="0" y="0"/>
+          <a:chExt cx="0" cy="0"/>
+        </a:xfrm>
+      </p:grpSpPr>
+      <p:sp>
+        <p:nvSpPr>
+          <p:cNvPr id="2" name="כותרת 1">
+            <a:extLst>
+              <a:ext uri="{FF2B5EF4-FFF2-40B4-BE49-F238E27FC236}">
+                <a16:creationId xmlns:a16="http://schemas.microsoft.com/office/drawing/2014/main" id="{DE777293-170B-4164-A212-000191C56DFE}"/>
+              </a:ext>
+            </a:extLst>
+          </p:cNvPr>
+          <p:cNvSpPr>
+            <a:spLocks noGrp="1"/>
+          </p:cNvSpPr>
+          <p:nvPr>
+            <p:ph type="title"/>
+          </p:nvPr>
+        </p:nvSpPr>
+        <p:spPr/>
+        <p:txBody>
+          <a:bodyPr/>
+          <a:lstStyle/>
+          <a:p>
+            <a:pPr algn="ctr" rtl="1"/>
+            <a:r>
+              <a:rPr lang="he-IL"/>
+              <a:t>מסך </a:t>
+            </a:r>
+            <a:r>
+              <a:rPr lang="he-IL" dirty="0"/>
+              <a:t>הרשמה</a:t>
+            </a:r>
+          </a:p>
+        </p:txBody>
+      </p:sp>
+      <p:sp>
+        <p:nvSpPr>
+          <p:cNvPr id="5" name="תיבת טקסט 4">
+            <a:extLst>
+              <a:ext uri="{FF2B5EF4-FFF2-40B4-BE49-F238E27FC236}">
+                <a16:creationId xmlns:a16="http://schemas.microsoft.com/office/drawing/2014/main" id="{49C1F48E-4344-478F-B955-03346A467B7E}"/>
+              </a:ext>
+            </a:extLst>
+          </p:cNvPr>
+          <p:cNvSpPr txBox="1"/>
+          <p:nvPr/>
+        </p:nvSpPr>
+        <p:spPr>
+          <a:xfrm>
+            <a:off x="7919696" y="2477527"/>
+            <a:ext cx="4121834" cy="923330"/>
+          </a:xfrm>
+          <a:prstGeom prst="rect">
+            <a:avLst/>
+          </a:prstGeom>
+          <a:noFill/>
+        </p:spPr>
+        <p:txBody>
+          <a:bodyPr wrap="square" rtlCol="1">
+            <a:spAutoFit/>
+          </a:bodyPr>
+          <a:lstStyle/>
+          <a:p>
+            <a:pPr marL="285750" indent="-285750" algn="r" rtl="1">
+              <a:buFont typeface="Arial" panose="020B0604020202020204" pitchFamily="34" charset="0"/>
+              <a:buChar char="•"/>
+            </a:pPr>
+            <a:r>
+              <a:rPr lang="he-IL" dirty="0"/>
+              <a:t>כאשר המשתמש יעמוד עם העכבר על סמל העזרה, יפתח פופ-אפ שיסביר לו על דרישות הסיסמה – </a:t>
+            </a:r>
+            <a:r>
+              <a:rPr lang="he-IL" b="1" dirty="0"/>
+              <a:t>עזרה ומסמכים.</a:t>
+            </a:r>
+            <a:endParaRPr lang="he-IL" dirty="0"/>
+          </a:p>
+        </p:txBody>
+      </p:sp>
+      <p:pic>
+        <p:nvPicPr>
+          <p:cNvPr id="3" name="תמונה 2">
+            <a:extLst>
+              <a:ext uri="{FF2B5EF4-FFF2-40B4-BE49-F238E27FC236}">
+                <a16:creationId xmlns:a16="http://schemas.microsoft.com/office/drawing/2014/main" id="{CF7F28FA-F2A3-4BF5-B0BE-9ABE3FAF5129}"/>
+              </a:ext>
+            </a:extLst>
+          </p:cNvPr>
+          <p:cNvPicPr>
+            <a:picLocks noChangeAspect="1"/>
+          </p:cNvPicPr>
+          <p:nvPr/>
+        </p:nvPicPr>
+        <p:blipFill>
+          <a:blip r:embed="rId2"/>
+          <a:stretch>
+            <a:fillRect/>
+          </a:stretch>
+        </p:blipFill>
+        <p:spPr>
+          <a:xfrm>
+            <a:off x="1" y="2477527"/>
+            <a:ext cx="7823508" cy="4391024"/>
+          </a:xfrm>
+          <a:prstGeom prst="rect">
+            <a:avLst/>
+          </a:prstGeom>
+        </p:spPr>
+      </p:pic>
+    </p:spTree>
+    <p:extLst>
+      <p:ext uri="{BB962C8B-B14F-4D97-AF65-F5344CB8AC3E}">
+        <p14:creationId xmlns:p14="http://schemas.microsoft.com/office/powerpoint/2010/main" val="275190794"/>
+      </p:ext>
+    </p:extLst>
+  </p:cSld>
+  <p:clrMapOvr>
+    <a:masterClrMapping/>
+  </p:clrMapOvr>
+</p:sld>
+</file>
+
+<file path=ppt/slides/slide36.xml><?xml version="1.0" encoding="utf-8"?>
+<p:sld xmlns:a="http://schemas.openxmlformats.org/drawingml/2006/main" xmlns:r="http://schemas.openxmlformats.org/officeDocument/2006/relationships" xmlns:p="http://schemas.openxmlformats.org/presentationml/2006/main">
+  <p:cSld>
+    <p:spTree>
+      <p:nvGrpSpPr>
+        <p:cNvPr id="1" name=""/>
+        <p:cNvGrpSpPr/>
+        <p:nvPr/>
+      </p:nvGrpSpPr>
+      <p:grpSpPr>
+        <a:xfrm>
+          <a:off x="0" y="0"/>
+          <a:ext cx="0" cy="0"/>
+          <a:chOff x="0" y="0"/>
+          <a:chExt cx="0" cy="0"/>
+        </a:xfrm>
+      </p:grpSpPr>
+      <p:sp>
+        <p:nvSpPr>
+          <p:cNvPr id="2" name="כותרת 1">
+            <a:extLst>
+              <a:ext uri="{FF2B5EF4-FFF2-40B4-BE49-F238E27FC236}">
+                <a16:creationId xmlns:a16="http://schemas.microsoft.com/office/drawing/2014/main" id="{DE777293-170B-4164-A212-000191C56DFE}"/>
+              </a:ext>
+            </a:extLst>
+          </p:cNvPr>
+          <p:cNvSpPr>
+            <a:spLocks noGrp="1"/>
+          </p:cNvSpPr>
+          <p:nvPr>
+            <p:ph type="title"/>
+          </p:nvPr>
+        </p:nvSpPr>
+        <p:spPr/>
+        <p:txBody>
+          <a:bodyPr/>
+          <a:lstStyle/>
+          <a:p>
+            <a:pPr algn="ctr" rtl="1"/>
+            <a:r>
+              <a:rPr lang="he-IL"/>
+              <a:t>מסך </a:t>
+            </a:r>
+            <a:r>
+              <a:rPr lang="he-IL" dirty="0"/>
+              <a:t>הרשמה</a:t>
+            </a:r>
+          </a:p>
+        </p:txBody>
+      </p:sp>
+      <p:sp>
+        <p:nvSpPr>
+          <p:cNvPr id="5" name="תיבת טקסט 4">
+            <a:extLst>
+              <a:ext uri="{FF2B5EF4-FFF2-40B4-BE49-F238E27FC236}">
+                <a16:creationId xmlns:a16="http://schemas.microsoft.com/office/drawing/2014/main" id="{49C1F48E-4344-478F-B955-03346A467B7E}"/>
+              </a:ext>
+            </a:extLst>
+          </p:cNvPr>
+          <p:cNvSpPr txBox="1"/>
+          <p:nvPr/>
+        </p:nvSpPr>
+        <p:spPr>
+          <a:xfrm>
+            <a:off x="7919696" y="2477527"/>
+            <a:ext cx="4121834" cy="1477328"/>
+          </a:xfrm>
+          <a:prstGeom prst="rect">
+            <a:avLst/>
+          </a:prstGeom>
+          <a:noFill/>
+        </p:spPr>
+        <p:txBody>
+          <a:bodyPr wrap="square" rtlCol="1">
+            <a:spAutoFit/>
+          </a:bodyPr>
+          <a:lstStyle/>
+          <a:p>
+            <a:pPr marL="285750" indent="-285750" algn="r" rtl="1">
+              <a:buFont typeface="Arial" panose="020B0604020202020204" pitchFamily="34" charset="0"/>
+              <a:buChar char="•"/>
+            </a:pPr>
+            <a:r>
+              <a:rPr lang="he-IL" dirty="0"/>
+              <a:t>במידה ואחד הערכים בשדות אינם תקינים, נחזיר הודעת שגיאה מתאימה ואינפורמטיבית עבור כל בעיה בקלט - </a:t>
+            </a:r>
+            <a:r>
+              <a:rPr lang="he-IL" b="1" dirty="0"/>
+              <a:t>עזרה בזיהוי, ניתוח והתאוששות מטעויות.</a:t>
+            </a:r>
+          </a:p>
+        </p:txBody>
+      </p:sp>
+      <p:pic>
+        <p:nvPicPr>
+          <p:cNvPr id="4" name="תמונה 3">
+            <a:extLst>
+              <a:ext uri="{FF2B5EF4-FFF2-40B4-BE49-F238E27FC236}">
+                <a16:creationId xmlns:a16="http://schemas.microsoft.com/office/drawing/2014/main" id="{8F2B87F0-BFF7-443B-B7D8-EE64A307640C}"/>
+              </a:ext>
+            </a:extLst>
+          </p:cNvPr>
+          <p:cNvPicPr>
+            <a:picLocks noChangeAspect="1"/>
+          </p:cNvPicPr>
+          <p:nvPr/>
+        </p:nvPicPr>
+        <p:blipFill>
+          <a:blip r:embed="rId2"/>
+          <a:stretch>
+            <a:fillRect/>
+          </a:stretch>
+        </p:blipFill>
+        <p:spPr>
+          <a:xfrm>
+            <a:off x="1" y="2305582"/>
+            <a:ext cx="8060788" cy="4552417"/>
+          </a:xfrm>
+          <a:prstGeom prst="rect">
+            <a:avLst/>
+          </a:prstGeom>
+        </p:spPr>
+      </p:pic>
+    </p:spTree>
+    <p:extLst>
+      <p:ext uri="{BB962C8B-B14F-4D97-AF65-F5344CB8AC3E}">
+        <p14:creationId xmlns:p14="http://schemas.microsoft.com/office/powerpoint/2010/main" val="2631093111"/>
+      </p:ext>
+    </p:extLst>
+  </p:cSld>
+  <p:clrMapOvr>
+    <a:masterClrMapping/>
+  </p:clrMapOvr>
+</p:sld>
+</file>
+
+<file path=ppt/slides/slide37.xml><?xml version="1.0" encoding="utf-8"?>
+<p:sld xmlns:a="http://schemas.openxmlformats.org/drawingml/2006/main" xmlns:r="http://schemas.openxmlformats.org/officeDocument/2006/relationships" xmlns:p="http://schemas.openxmlformats.org/presentationml/2006/main">
+  <p:cSld>
+    <p:spTree>
+      <p:nvGrpSpPr>
+        <p:cNvPr id="1" name=""/>
+        <p:cNvGrpSpPr/>
+        <p:nvPr/>
+      </p:nvGrpSpPr>
+      <p:grpSpPr>
+        <a:xfrm>
+          <a:off x="0" y="0"/>
+          <a:ext cx="0" cy="0"/>
+          <a:chOff x="0" y="0"/>
+          <a:chExt cx="0" cy="0"/>
+        </a:xfrm>
+      </p:grpSpPr>
+      <p:sp>
+        <p:nvSpPr>
+          <p:cNvPr id="2" name="כותרת 1">
+            <a:extLst>
+              <a:ext uri="{FF2B5EF4-FFF2-40B4-BE49-F238E27FC236}">
+                <a16:creationId xmlns:a16="http://schemas.microsoft.com/office/drawing/2014/main" id="{DE777293-170B-4164-A212-000191C56DFE}"/>
+              </a:ext>
+            </a:extLst>
+          </p:cNvPr>
+          <p:cNvSpPr>
+            <a:spLocks noGrp="1"/>
+          </p:cNvSpPr>
+          <p:nvPr>
+            <p:ph type="title"/>
+          </p:nvPr>
+        </p:nvSpPr>
+        <p:spPr/>
+        <p:txBody>
+          <a:bodyPr/>
+          <a:lstStyle/>
+          <a:p>
+            <a:pPr algn="ctr" rtl="1"/>
+            <a:r>
+              <a:rPr lang="he-IL"/>
+              <a:t>מסך </a:t>
+            </a:r>
+            <a:r>
+              <a:rPr lang="he-IL" dirty="0"/>
+              <a:t>הרשמה</a:t>
+            </a:r>
+          </a:p>
+        </p:txBody>
+      </p:sp>
+      <p:sp>
+        <p:nvSpPr>
+          <p:cNvPr id="5" name="תיבת טקסט 4">
+            <a:extLst>
+              <a:ext uri="{FF2B5EF4-FFF2-40B4-BE49-F238E27FC236}">
+                <a16:creationId xmlns:a16="http://schemas.microsoft.com/office/drawing/2014/main" id="{49C1F48E-4344-478F-B955-03346A467B7E}"/>
+              </a:ext>
+            </a:extLst>
+          </p:cNvPr>
+          <p:cNvSpPr txBox="1"/>
+          <p:nvPr/>
+        </p:nvSpPr>
+        <p:spPr>
+          <a:xfrm>
+            <a:off x="7919696" y="2477527"/>
+            <a:ext cx="4121834" cy="923330"/>
+          </a:xfrm>
+          <a:prstGeom prst="rect">
+            <a:avLst/>
+          </a:prstGeom>
+          <a:noFill/>
+        </p:spPr>
+        <p:txBody>
+          <a:bodyPr wrap="square" rtlCol="1">
+            <a:spAutoFit/>
+          </a:bodyPr>
+          <a:lstStyle/>
+          <a:p>
+            <a:pPr marL="285750" indent="-285750" algn="r" rtl="1">
+              <a:buFont typeface="Arial" panose="020B0604020202020204" pitchFamily="34" charset="0"/>
+              <a:buChar char="•"/>
+            </a:pPr>
+            <a:r>
+              <a:rPr lang="he-IL" dirty="0"/>
+              <a:t>כאשר אחד או יותר מהשדות חובה ריקות לא נאפשר ללחוץ על כפתור ה"הירשם" – </a:t>
+            </a:r>
+            <a:r>
+              <a:rPr lang="he-IL" b="1" dirty="0"/>
+              <a:t>מניעת טעויות.</a:t>
+            </a:r>
+            <a:endParaRPr lang="he-IL" dirty="0"/>
+          </a:p>
+        </p:txBody>
+      </p:sp>
+      <p:pic>
+        <p:nvPicPr>
+          <p:cNvPr id="4" name="תמונה 3">
+            <a:extLst>
+              <a:ext uri="{FF2B5EF4-FFF2-40B4-BE49-F238E27FC236}">
+                <a16:creationId xmlns:a16="http://schemas.microsoft.com/office/drawing/2014/main" id="{407C7C72-7DE0-4C9C-963E-8C4B6AD52CAF}"/>
+              </a:ext>
+            </a:extLst>
+          </p:cNvPr>
+          <p:cNvPicPr>
+            <a:picLocks noChangeAspect="1"/>
+          </p:cNvPicPr>
+          <p:nvPr/>
+        </p:nvPicPr>
+        <p:blipFill>
+          <a:blip r:embed="rId2"/>
+          <a:stretch>
+            <a:fillRect/>
+          </a:stretch>
+        </p:blipFill>
+        <p:spPr>
+          <a:xfrm>
+            <a:off x="0" y="2477527"/>
+            <a:ext cx="7790531" cy="4380473"/>
+          </a:xfrm>
+          <a:prstGeom prst="rect">
+            <a:avLst/>
+          </a:prstGeom>
+        </p:spPr>
+      </p:pic>
+    </p:spTree>
+    <p:extLst>
+      <p:ext uri="{BB962C8B-B14F-4D97-AF65-F5344CB8AC3E}">
+        <p14:creationId xmlns:p14="http://schemas.microsoft.com/office/powerpoint/2010/main" val="2646762809"/>
+      </p:ext>
+    </p:extLst>
+  </p:cSld>
+  <p:clrMapOvr>
+    <a:masterClrMapping/>
+  </p:clrMapOvr>
+</p:sld>
+</file>
+
+<file path=ppt/slides/slide38.xml><?xml version="1.0" encoding="utf-8"?>
 <p:sld xmlns:a="http://schemas.openxmlformats.org/drawingml/2006/main" xmlns:r="http://schemas.openxmlformats.org/officeDocument/2006/relationships" xmlns:p="http://schemas.openxmlformats.org/presentationml/2006/main">
   <p:cSld>
     <p:spTree>
@@ -17891,7 +18734,7 @@
 </p:sld>
 </file>
 
-<file path=ppt/slides/slide33.xml><?xml version="1.0" encoding="utf-8"?>
+<file path=ppt/slides/slide39.xml><?xml version="1.0" encoding="utf-8"?>
 <p:sld xmlns:a="http://schemas.openxmlformats.org/drawingml/2006/main" xmlns:r="http://schemas.openxmlformats.org/officeDocument/2006/relationships" xmlns:p="http://schemas.openxmlformats.org/presentationml/2006/main">
   <p:cSld>
     <p:spTree>
@@ -18015,1050 +18858,6 @@
     <p:extLst>
       <p:ext uri="{BB962C8B-B14F-4D97-AF65-F5344CB8AC3E}">
         <p14:creationId xmlns:p14="http://schemas.microsoft.com/office/powerpoint/2010/main" val="3822788990"/>
-      </p:ext>
-    </p:extLst>
-  </p:cSld>
-  <p:clrMapOvr>
-    <a:masterClrMapping/>
-  </p:clrMapOvr>
-</p:sld>
-</file>
-
-<file path=ppt/slides/slide34.xml><?xml version="1.0" encoding="utf-8"?>
-<p:sld xmlns:a="http://schemas.openxmlformats.org/drawingml/2006/main" xmlns:r="http://schemas.openxmlformats.org/officeDocument/2006/relationships" xmlns:p="http://schemas.openxmlformats.org/presentationml/2006/main">
-  <p:cSld>
-    <p:spTree>
-      <p:nvGrpSpPr>
-        <p:cNvPr id="1" name=""/>
-        <p:cNvGrpSpPr/>
-        <p:nvPr/>
-      </p:nvGrpSpPr>
-      <p:grpSpPr>
-        <a:xfrm>
-          <a:off x="0" y="0"/>
-          <a:ext cx="0" cy="0"/>
-          <a:chOff x="0" y="0"/>
-          <a:chExt cx="0" cy="0"/>
-        </a:xfrm>
-      </p:grpSpPr>
-      <p:sp>
-        <p:nvSpPr>
-          <p:cNvPr id="4" name="כותרת 1">
-            <a:extLst>
-              <a:ext uri="{FF2B5EF4-FFF2-40B4-BE49-F238E27FC236}">
-                <a16:creationId xmlns:a16="http://schemas.microsoft.com/office/drawing/2014/main" id="{77A4D537-50C0-4CD4-8506-D044B5D076BB}"/>
-              </a:ext>
-            </a:extLst>
-          </p:cNvPr>
-          <p:cNvSpPr>
-            <a:spLocks noGrp="1"/>
-          </p:cNvSpPr>
-          <p:nvPr>
-            <p:ph type="title"/>
-          </p:nvPr>
-        </p:nvSpPr>
-        <p:spPr>
-          <a:xfrm>
-            <a:off x="1154954" y="973669"/>
-            <a:ext cx="8825659" cy="706964"/>
-          </a:xfrm>
-        </p:spPr>
-        <p:txBody>
-          <a:bodyPr/>
-          <a:lstStyle/>
-          <a:p>
-            <a:pPr algn="ctr" rtl="1"/>
-            <a:r>
-              <a:rPr lang="he-IL" dirty="0"/>
-              <a:t>אזור אישי</a:t>
-            </a:r>
-          </a:p>
-        </p:txBody>
-      </p:sp>
-      <p:sp>
-        <p:nvSpPr>
-          <p:cNvPr id="5" name="תיבת טקסט 4">
-            <a:extLst>
-              <a:ext uri="{FF2B5EF4-FFF2-40B4-BE49-F238E27FC236}">
-                <a16:creationId xmlns:a16="http://schemas.microsoft.com/office/drawing/2014/main" id="{104EA44E-BC8B-4DD0-B075-E012933F25AE}"/>
-              </a:ext>
-            </a:extLst>
-          </p:cNvPr>
-          <p:cNvSpPr txBox="1"/>
-          <p:nvPr/>
-        </p:nvSpPr>
-        <p:spPr>
-          <a:xfrm>
-            <a:off x="7919696" y="2534088"/>
-            <a:ext cx="4121834" cy="2862322"/>
-          </a:xfrm>
-          <a:prstGeom prst="rect">
-            <a:avLst/>
-          </a:prstGeom>
-          <a:noFill/>
-        </p:spPr>
-        <p:txBody>
-          <a:bodyPr wrap="square" rtlCol="1">
-            <a:spAutoFit/>
-          </a:bodyPr>
-          <a:lstStyle/>
-          <a:p>
-            <a:pPr marL="285750" indent="-285750" algn="r" rtl="1">
-              <a:buFont typeface="Arial" panose="020B0604020202020204" pitchFamily="34" charset="0"/>
-              <a:buChar char="•"/>
-            </a:pPr>
-            <a:r>
-              <a:rPr lang="he-IL" dirty="0"/>
-              <a:t>הבנו שחסר מידע משמעותי למשתמש, המערכת שלנו משבצת פגישות בצורה אוטומטית, כל יום ב12 בלילה.</a:t>
-            </a:r>
-            <a:br>
-              <a:rPr lang="en-US" dirty="0"/>
-            </a:br>
-            <a:r>
-              <a:rPr lang="he-IL" dirty="0"/>
-              <a:t>כל פעם שמשתמש פותח פגישה חדשה, היא עדיין לא משובצת, ולמשתמש אין אינדיקציה שאכן תהליך פתיחת הפגישה הסתיים בהצלחה.</a:t>
-            </a:r>
-            <a:br>
-              <a:rPr lang="en-US" dirty="0"/>
-            </a:br>
-            <a:r>
-              <a:rPr lang="he-IL" dirty="0"/>
-              <a:t>לכן, הוספנו משבצת נוספת בה המשתמש יכול לראות את הפגישות שמחכות לשיבוץ מהמערכת.</a:t>
-            </a:r>
-          </a:p>
-        </p:txBody>
-      </p:sp>
-      <p:pic>
-        <p:nvPicPr>
-          <p:cNvPr id="7" name="תמונה 6">
-            <a:extLst>
-              <a:ext uri="{FF2B5EF4-FFF2-40B4-BE49-F238E27FC236}">
-                <a16:creationId xmlns:a16="http://schemas.microsoft.com/office/drawing/2014/main" id="{CBC310CA-627D-4DF2-A1A9-301985A9CDE5}"/>
-              </a:ext>
-            </a:extLst>
-          </p:cNvPr>
-          <p:cNvPicPr>
-            <a:picLocks noChangeAspect="1"/>
-          </p:cNvPicPr>
-          <p:nvPr/>
-        </p:nvPicPr>
-        <p:blipFill>
-          <a:blip r:embed="rId2"/>
-          <a:stretch>
-            <a:fillRect/>
-          </a:stretch>
-        </p:blipFill>
-        <p:spPr>
-          <a:xfrm>
-            <a:off x="0" y="2696066"/>
-            <a:ext cx="7400235" cy="4158667"/>
-          </a:xfrm>
-          <a:prstGeom prst="rect">
-            <a:avLst/>
-          </a:prstGeom>
-        </p:spPr>
-      </p:pic>
-    </p:spTree>
-    <p:extLst>
-      <p:ext uri="{BB962C8B-B14F-4D97-AF65-F5344CB8AC3E}">
-        <p14:creationId xmlns:p14="http://schemas.microsoft.com/office/powerpoint/2010/main" val="828814305"/>
-      </p:ext>
-    </p:extLst>
-  </p:cSld>
-  <p:clrMapOvr>
-    <a:masterClrMapping/>
-  </p:clrMapOvr>
-</p:sld>
-</file>
-
-<file path=ppt/slides/slide35.xml><?xml version="1.0" encoding="utf-8"?>
-<p:sld xmlns:a="http://schemas.openxmlformats.org/drawingml/2006/main" xmlns:r="http://schemas.openxmlformats.org/officeDocument/2006/relationships" xmlns:p="http://schemas.openxmlformats.org/presentationml/2006/main">
-  <p:cSld>
-    <p:spTree>
-      <p:nvGrpSpPr>
-        <p:cNvPr id="1" name=""/>
-        <p:cNvGrpSpPr/>
-        <p:nvPr/>
-      </p:nvGrpSpPr>
-      <p:grpSpPr>
-        <a:xfrm>
-          <a:off x="0" y="0"/>
-          <a:ext cx="0" cy="0"/>
-          <a:chOff x="0" y="0"/>
-          <a:chExt cx="0" cy="0"/>
-        </a:xfrm>
-      </p:grpSpPr>
-      <p:sp>
-        <p:nvSpPr>
-          <p:cNvPr id="4" name="כותרת 1">
-            <a:extLst>
-              <a:ext uri="{FF2B5EF4-FFF2-40B4-BE49-F238E27FC236}">
-                <a16:creationId xmlns:a16="http://schemas.microsoft.com/office/drawing/2014/main" id="{1CF8AA43-7E97-492E-83E5-3498889D34BE}"/>
-              </a:ext>
-            </a:extLst>
-          </p:cNvPr>
-          <p:cNvSpPr>
-            <a:spLocks noGrp="1"/>
-          </p:cNvSpPr>
-          <p:nvPr>
-            <p:ph type="title"/>
-          </p:nvPr>
-        </p:nvSpPr>
-        <p:spPr>
-          <a:xfrm>
-            <a:off x="1154954" y="973669"/>
-            <a:ext cx="8825659" cy="706964"/>
-          </a:xfrm>
-        </p:spPr>
-        <p:txBody>
-          <a:bodyPr/>
-          <a:lstStyle/>
-          <a:p>
-            <a:pPr algn="ctr" rtl="1"/>
-            <a:r>
-              <a:rPr lang="he-IL" dirty="0"/>
-              <a:t>אזור אישי</a:t>
-            </a:r>
-          </a:p>
-        </p:txBody>
-      </p:sp>
-      <p:sp>
-        <p:nvSpPr>
-          <p:cNvPr id="5" name="תיבת טקסט 4">
-            <a:extLst>
-              <a:ext uri="{FF2B5EF4-FFF2-40B4-BE49-F238E27FC236}">
-                <a16:creationId xmlns:a16="http://schemas.microsoft.com/office/drawing/2014/main" id="{8A00D926-C93A-496C-A149-3AC29F2C6F5C}"/>
-              </a:ext>
-            </a:extLst>
-          </p:cNvPr>
-          <p:cNvSpPr txBox="1"/>
-          <p:nvPr/>
-        </p:nvSpPr>
-        <p:spPr>
-          <a:xfrm>
-            <a:off x="7685975" y="2534088"/>
-            <a:ext cx="4121834" cy="2031325"/>
-          </a:xfrm>
-          <a:prstGeom prst="rect">
-            <a:avLst/>
-          </a:prstGeom>
-          <a:noFill/>
-        </p:spPr>
-        <p:txBody>
-          <a:bodyPr wrap="square" rtlCol="1">
-            <a:spAutoFit/>
-          </a:bodyPr>
-          <a:lstStyle/>
-          <a:p>
-            <a:pPr algn="r" rtl="1"/>
-            <a:r>
-              <a:rPr lang="he-IL" b="1" u="sng" dirty="0"/>
-              <a:t>משבצת </a:t>
-            </a:r>
-            <a:r>
-              <a:rPr lang="en-US" b="1" u="sng" dirty="0"/>
-              <a:t>"</a:t>
-            </a:r>
-            <a:r>
-              <a:rPr lang="he-IL" b="1" u="sng" dirty="0"/>
-              <a:t>הפגישות שלי</a:t>
-            </a:r>
-            <a:r>
-              <a:rPr lang="en-US" b="1" u="sng" dirty="0"/>
-              <a:t>"</a:t>
-            </a:r>
-            <a:endParaRPr lang="he-IL" b="1" u="sng" dirty="0"/>
-          </a:p>
-          <a:p>
-            <a:pPr algn="r" rtl="1"/>
-            <a:endParaRPr lang="he-IL" dirty="0"/>
-          </a:p>
-          <a:p>
-            <a:pPr marL="285750" indent="-285750" algn="r" rtl="1">
-              <a:buFont typeface="Arial" panose="020B0604020202020204" pitchFamily="34" charset="0"/>
-              <a:buChar char="•"/>
-            </a:pPr>
-            <a:r>
-              <a:rPr lang="he-IL" dirty="0"/>
-              <a:t>שינינו את הרווחים בין השורות.</a:t>
-            </a:r>
-          </a:p>
-          <a:p>
-            <a:pPr marL="285750" indent="-285750" algn="r" rtl="1">
-              <a:buFont typeface="Arial" panose="020B0604020202020204" pitchFamily="34" charset="0"/>
-              <a:buChar char="•"/>
-            </a:pPr>
-            <a:endParaRPr lang="he-IL" dirty="0"/>
-          </a:p>
-          <a:p>
-            <a:pPr marL="285750" indent="-285750" algn="r" rtl="1">
-              <a:buFont typeface="Arial" panose="020B0604020202020204" pitchFamily="34" charset="0"/>
-              <a:buChar char="•"/>
-            </a:pPr>
-            <a:r>
-              <a:rPr lang="he-IL" dirty="0"/>
-              <a:t>עימדנו את הפגישות בהתאם לכותרת.</a:t>
-            </a:r>
-          </a:p>
-          <a:p>
-            <a:pPr marL="285750" indent="-285750" algn="r" rtl="1">
-              <a:buFont typeface="Arial" panose="020B0604020202020204" pitchFamily="34" charset="0"/>
-              <a:buChar char="•"/>
-            </a:pPr>
-            <a:endParaRPr lang="he-IL" dirty="0"/>
-          </a:p>
-          <a:p>
-            <a:pPr marL="285750" indent="-285750" algn="r" rtl="1">
-              <a:buFont typeface="Arial" panose="020B0604020202020204" pitchFamily="34" charset="0"/>
-              <a:buChar char="•"/>
-            </a:pPr>
-            <a:r>
-              <a:rPr lang="he-IL" dirty="0"/>
-              <a:t>הוספנו את שעת הפגישה.</a:t>
-            </a:r>
-          </a:p>
-        </p:txBody>
-      </p:sp>
-      <p:pic>
-        <p:nvPicPr>
-          <p:cNvPr id="7" name="תמונה 6">
-            <a:extLst>
-              <a:ext uri="{FF2B5EF4-FFF2-40B4-BE49-F238E27FC236}">
-                <a16:creationId xmlns:a16="http://schemas.microsoft.com/office/drawing/2014/main" id="{BBFFBFD0-75E2-45C7-9B03-55961CF682E3}"/>
-              </a:ext>
-            </a:extLst>
-          </p:cNvPr>
-          <p:cNvPicPr>
-            <a:picLocks noChangeAspect="1"/>
-          </p:cNvPicPr>
-          <p:nvPr/>
-        </p:nvPicPr>
-        <p:blipFill>
-          <a:blip r:embed="rId2"/>
-          <a:stretch>
-            <a:fillRect/>
-          </a:stretch>
-        </p:blipFill>
-        <p:spPr>
-          <a:xfrm>
-            <a:off x="384191" y="2877581"/>
-            <a:ext cx="6238875" cy="3648075"/>
-          </a:xfrm>
-          <a:prstGeom prst="rect">
-            <a:avLst/>
-          </a:prstGeom>
-        </p:spPr>
-      </p:pic>
-    </p:spTree>
-    <p:extLst>
-      <p:ext uri="{BB962C8B-B14F-4D97-AF65-F5344CB8AC3E}">
-        <p14:creationId xmlns:p14="http://schemas.microsoft.com/office/powerpoint/2010/main" val="2166048656"/>
-      </p:ext>
-    </p:extLst>
-  </p:cSld>
-  <p:clrMapOvr>
-    <a:masterClrMapping/>
-  </p:clrMapOvr>
-</p:sld>
-</file>
-
-<file path=ppt/slides/slide36.xml><?xml version="1.0" encoding="utf-8"?>
-<p:sld xmlns:a="http://schemas.openxmlformats.org/drawingml/2006/main" xmlns:r="http://schemas.openxmlformats.org/officeDocument/2006/relationships" xmlns:p="http://schemas.openxmlformats.org/presentationml/2006/main">
-  <p:cSld>
-    <p:spTree>
-      <p:nvGrpSpPr>
-        <p:cNvPr id="1" name=""/>
-        <p:cNvGrpSpPr/>
-        <p:nvPr/>
-      </p:nvGrpSpPr>
-      <p:grpSpPr>
-        <a:xfrm>
-          <a:off x="0" y="0"/>
-          <a:ext cx="0" cy="0"/>
-          <a:chOff x="0" y="0"/>
-          <a:chExt cx="0" cy="0"/>
-        </a:xfrm>
-      </p:grpSpPr>
-      <p:sp>
-        <p:nvSpPr>
-          <p:cNvPr id="4" name="כותרת 1">
-            <a:extLst>
-              <a:ext uri="{FF2B5EF4-FFF2-40B4-BE49-F238E27FC236}">
-                <a16:creationId xmlns:a16="http://schemas.microsoft.com/office/drawing/2014/main" id="{5A5BEC2D-F28F-4D55-96B7-3B9C6271AC58}"/>
-              </a:ext>
-            </a:extLst>
-          </p:cNvPr>
-          <p:cNvSpPr>
-            <a:spLocks noGrp="1"/>
-          </p:cNvSpPr>
-          <p:nvPr>
-            <p:ph type="title"/>
-          </p:nvPr>
-        </p:nvSpPr>
-        <p:spPr>
-          <a:xfrm>
-            <a:off x="1154954" y="973669"/>
-            <a:ext cx="8825659" cy="706964"/>
-          </a:xfrm>
-        </p:spPr>
-        <p:txBody>
-          <a:bodyPr/>
-          <a:lstStyle/>
-          <a:p>
-            <a:pPr algn="ctr" rtl="1"/>
-            <a:r>
-              <a:rPr lang="he-IL" dirty="0"/>
-              <a:t>אזור אישי</a:t>
-            </a:r>
-          </a:p>
-        </p:txBody>
-      </p:sp>
-      <p:sp>
-        <p:nvSpPr>
-          <p:cNvPr id="8" name="תיבת טקסט 7">
-            <a:extLst>
-              <a:ext uri="{FF2B5EF4-FFF2-40B4-BE49-F238E27FC236}">
-                <a16:creationId xmlns:a16="http://schemas.microsoft.com/office/drawing/2014/main" id="{C0192822-6DB4-482C-AEB0-960091DDCA35}"/>
-              </a:ext>
-            </a:extLst>
-          </p:cNvPr>
-          <p:cNvSpPr txBox="1"/>
-          <p:nvPr/>
-        </p:nvSpPr>
-        <p:spPr>
-          <a:xfrm>
-            <a:off x="7685975" y="2534088"/>
-            <a:ext cx="4121834" cy="3693319"/>
-          </a:xfrm>
-          <a:prstGeom prst="rect">
-            <a:avLst/>
-          </a:prstGeom>
-          <a:noFill/>
-        </p:spPr>
-        <p:txBody>
-          <a:bodyPr wrap="square" rtlCol="1">
-            <a:spAutoFit/>
-          </a:bodyPr>
-          <a:lstStyle/>
-          <a:p>
-            <a:pPr algn="r" rtl="1"/>
-            <a:r>
-              <a:rPr lang="he-IL" b="1" u="sng" dirty="0"/>
-              <a:t>משבצת </a:t>
-            </a:r>
-            <a:r>
-              <a:rPr lang="en-US" b="1" u="sng" dirty="0"/>
-              <a:t>"</a:t>
-            </a:r>
-            <a:r>
-              <a:rPr lang="he-IL" b="1" u="sng" dirty="0"/>
-              <a:t>פגישות ממתינות לאישור":</a:t>
-            </a:r>
-          </a:p>
-          <a:p>
-            <a:pPr algn="r" rtl="1"/>
-            <a:endParaRPr lang="he-IL" dirty="0"/>
-          </a:p>
-          <a:p>
-            <a:pPr marL="285750" indent="-285750" algn="r" rtl="1">
-              <a:buFont typeface="Arial" panose="020B0604020202020204" pitchFamily="34" charset="0"/>
-              <a:buChar char="•"/>
-            </a:pPr>
-            <a:r>
-              <a:rPr lang="he-IL" dirty="0"/>
-              <a:t>הזזנו את הביטול והאישור מצד ימין לצד שמאל כך שהם מעומדים יחד עם כפור הצפייה.</a:t>
-            </a:r>
-          </a:p>
-          <a:p>
-            <a:pPr marL="285750" indent="-285750" algn="r" rtl="1">
-              <a:buFont typeface="Arial" panose="020B0604020202020204" pitchFamily="34" charset="0"/>
-              <a:buChar char="•"/>
-            </a:pPr>
-            <a:endParaRPr lang="he-IL" dirty="0"/>
-          </a:p>
-          <a:p>
-            <a:pPr marL="285750" indent="-285750" algn="r" rtl="1">
-              <a:buFont typeface="Arial" panose="020B0604020202020204" pitchFamily="34" charset="0"/>
-              <a:buChar char="•"/>
-            </a:pPr>
-            <a:r>
-              <a:rPr lang="he-IL" dirty="0"/>
-              <a:t>שינינו את הגדלים ואת הצבעים של כפתורי האישור והביטול כך שיתאימו לכפתור הצפייה ולסטנדרט של המערכת.</a:t>
-            </a:r>
-          </a:p>
-          <a:p>
-            <a:pPr marL="285750" indent="-285750" algn="r" rtl="1">
-              <a:buFont typeface="Arial" panose="020B0604020202020204" pitchFamily="34" charset="0"/>
-              <a:buChar char="•"/>
-            </a:pPr>
-            <a:endParaRPr lang="he-IL" dirty="0"/>
-          </a:p>
-          <a:p>
-            <a:pPr marL="285750" indent="-285750" algn="r" rtl="1">
-              <a:buFont typeface="Arial" panose="020B0604020202020204" pitchFamily="34" charset="0"/>
-              <a:buChar char="•"/>
-            </a:pPr>
-            <a:r>
-              <a:rPr lang="he-IL" dirty="0"/>
-              <a:t>שינינו את המרווח בין הפריטים.</a:t>
-            </a:r>
-          </a:p>
-          <a:p>
-            <a:pPr algn="r" rtl="1"/>
-            <a:endParaRPr lang="he-IL" dirty="0"/>
-          </a:p>
-          <a:p>
-            <a:pPr marL="285750" indent="-285750" algn="r" rtl="1">
-              <a:buFont typeface="Arial" panose="020B0604020202020204" pitchFamily="34" charset="0"/>
-              <a:buChar char="•"/>
-            </a:pPr>
-            <a:r>
-              <a:rPr lang="he-IL" dirty="0"/>
-              <a:t>סדר הפגישות ממוין לפי התאריך.</a:t>
-            </a:r>
-          </a:p>
-        </p:txBody>
-      </p:sp>
-      <p:pic>
-        <p:nvPicPr>
-          <p:cNvPr id="9" name="תמונה 8">
-            <a:extLst>
-              <a:ext uri="{FF2B5EF4-FFF2-40B4-BE49-F238E27FC236}">
-                <a16:creationId xmlns:a16="http://schemas.microsoft.com/office/drawing/2014/main" id="{A5CD8385-62A6-4378-A56D-72D9E7E603C4}"/>
-              </a:ext>
-            </a:extLst>
-          </p:cNvPr>
-          <p:cNvPicPr>
-            <a:picLocks noChangeAspect="1"/>
-          </p:cNvPicPr>
-          <p:nvPr/>
-        </p:nvPicPr>
-        <p:blipFill>
-          <a:blip r:embed="rId2"/>
-          <a:stretch>
-            <a:fillRect/>
-          </a:stretch>
-        </p:blipFill>
-        <p:spPr>
-          <a:xfrm>
-            <a:off x="230709" y="3609852"/>
-            <a:ext cx="7642893" cy="3139322"/>
-          </a:xfrm>
-          <a:prstGeom prst="rect">
-            <a:avLst/>
-          </a:prstGeom>
-        </p:spPr>
-      </p:pic>
-    </p:spTree>
-    <p:extLst>
-      <p:ext uri="{BB962C8B-B14F-4D97-AF65-F5344CB8AC3E}">
-        <p14:creationId xmlns:p14="http://schemas.microsoft.com/office/powerpoint/2010/main" val="1793708727"/>
-      </p:ext>
-    </p:extLst>
-  </p:cSld>
-  <p:clrMapOvr>
-    <a:masterClrMapping/>
-  </p:clrMapOvr>
-</p:sld>
-</file>
-
-<file path=ppt/slides/slide37.xml><?xml version="1.0" encoding="utf-8"?>
-<p:sld xmlns:a="http://schemas.openxmlformats.org/drawingml/2006/main" xmlns:r="http://schemas.openxmlformats.org/officeDocument/2006/relationships" xmlns:p="http://schemas.openxmlformats.org/presentationml/2006/main">
-  <p:cSld>
-    <p:spTree>
-      <p:nvGrpSpPr>
-        <p:cNvPr id="1" name=""/>
-        <p:cNvGrpSpPr/>
-        <p:nvPr/>
-      </p:nvGrpSpPr>
-      <p:grpSpPr>
-        <a:xfrm>
-          <a:off x="0" y="0"/>
-          <a:ext cx="0" cy="0"/>
-          <a:chOff x="0" y="0"/>
-          <a:chExt cx="0" cy="0"/>
-        </a:xfrm>
-      </p:grpSpPr>
-      <p:sp>
-        <p:nvSpPr>
-          <p:cNvPr id="4" name="כותרת 1">
-            <a:extLst>
-              <a:ext uri="{FF2B5EF4-FFF2-40B4-BE49-F238E27FC236}">
-                <a16:creationId xmlns:a16="http://schemas.microsoft.com/office/drawing/2014/main" id="{9DC245D2-F8BC-422C-A2B9-39E3C7451A8C}"/>
-              </a:ext>
-            </a:extLst>
-          </p:cNvPr>
-          <p:cNvSpPr>
-            <a:spLocks noGrp="1"/>
-          </p:cNvSpPr>
-          <p:nvPr>
-            <p:ph type="title"/>
-          </p:nvPr>
-        </p:nvSpPr>
-        <p:spPr>
-          <a:xfrm>
-            <a:off x="1154954" y="973669"/>
-            <a:ext cx="8825659" cy="706964"/>
-          </a:xfrm>
-        </p:spPr>
-        <p:txBody>
-          <a:bodyPr/>
-          <a:lstStyle/>
-          <a:p>
-            <a:pPr algn="ctr" rtl="1"/>
-            <a:r>
-              <a:rPr lang="he-IL" dirty="0"/>
-              <a:t>אזור אישי</a:t>
-            </a:r>
-          </a:p>
-        </p:txBody>
-      </p:sp>
-      <p:sp>
-        <p:nvSpPr>
-          <p:cNvPr id="5" name="תיבת טקסט 4">
-            <a:extLst>
-              <a:ext uri="{FF2B5EF4-FFF2-40B4-BE49-F238E27FC236}">
-                <a16:creationId xmlns:a16="http://schemas.microsoft.com/office/drawing/2014/main" id="{DC64E9DF-030D-4F2E-BA9F-4D2CF7B30438}"/>
-              </a:ext>
-            </a:extLst>
-          </p:cNvPr>
-          <p:cNvSpPr txBox="1"/>
-          <p:nvPr/>
-        </p:nvSpPr>
-        <p:spPr>
-          <a:xfrm>
-            <a:off x="7685975" y="2534088"/>
-            <a:ext cx="4121834" cy="2862322"/>
-          </a:xfrm>
-          <a:prstGeom prst="rect">
-            <a:avLst/>
-          </a:prstGeom>
-          <a:noFill/>
-        </p:spPr>
-        <p:txBody>
-          <a:bodyPr wrap="square" rtlCol="1">
-            <a:spAutoFit/>
-          </a:bodyPr>
-          <a:lstStyle/>
-          <a:p>
-            <a:pPr algn="r" rtl="1"/>
-            <a:r>
-              <a:rPr lang="he-IL" b="1" u="sng" dirty="0"/>
-              <a:t>משבצת "המיקומים שלי":</a:t>
-            </a:r>
-          </a:p>
-          <a:p>
-            <a:pPr algn="r" rtl="1"/>
-            <a:endParaRPr lang="he-IL" dirty="0"/>
-          </a:p>
-          <a:p>
-            <a:pPr marL="285750" indent="-285750" algn="r" rtl="1">
-              <a:buFont typeface="Arial" panose="020B0604020202020204" pitchFamily="34" charset="0"/>
-              <a:buChar char="•"/>
-            </a:pPr>
-            <a:r>
-              <a:rPr lang="he-IL" dirty="0"/>
-              <a:t>שינינו את האייקון של המחיקה שיהיה אחיד לאייקונים במערכת.</a:t>
-            </a:r>
-          </a:p>
-          <a:p>
-            <a:pPr marL="285750" indent="-285750" algn="r" rtl="1">
-              <a:buFont typeface="Arial" panose="020B0604020202020204" pitchFamily="34" charset="0"/>
-              <a:buChar char="•"/>
-            </a:pPr>
-            <a:endParaRPr lang="he-IL" dirty="0"/>
-          </a:p>
-          <a:p>
-            <a:pPr marL="285750" indent="-285750" algn="r" rtl="1">
-              <a:buFont typeface="Arial" panose="020B0604020202020204" pitchFamily="34" charset="0"/>
-              <a:buChar char="•"/>
-            </a:pPr>
-            <a:r>
-              <a:rPr lang="he-IL" dirty="0"/>
-              <a:t>שינינו את כפתור הוספת מיקום, כך שיראה יותר יפה ואסתטי והשתמשנו באייקון במקום טקסט.</a:t>
-            </a:r>
-          </a:p>
-          <a:p>
-            <a:pPr marL="285750" indent="-285750" algn="r" rtl="1">
-              <a:buFont typeface="Arial" panose="020B0604020202020204" pitchFamily="34" charset="0"/>
-              <a:buChar char="•"/>
-            </a:pPr>
-            <a:endParaRPr lang="he-IL" dirty="0"/>
-          </a:p>
-          <a:p>
-            <a:pPr marL="285750" indent="-285750" algn="r" rtl="1">
-              <a:buFont typeface="Arial" panose="020B0604020202020204" pitchFamily="34" charset="0"/>
-              <a:buChar char="•"/>
-            </a:pPr>
-            <a:r>
-              <a:rPr lang="he-IL" dirty="0"/>
-              <a:t>שינינו את המרווח בין הפריטים.</a:t>
-            </a:r>
-          </a:p>
-        </p:txBody>
-      </p:sp>
-      <p:pic>
-        <p:nvPicPr>
-          <p:cNvPr id="8" name="תמונה 7">
-            <a:extLst>
-              <a:ext uri="{FF2B5EF4-FFF2-40B4-BE49-F238E27FC236}">
-                <a16:creationId xmlns:a16="http://schemas.microsoft.com/office/drawing/2014/main" id="{57A67FB7-6648-4E51-AF1B-676A350766EC}"/>
-              </a:ext>
-            </a:extLst>
-          </p:cNvPr>
-          <p:cNvPicPr>
-            <a:picLocks noChangeAspect="1"/>
-          </p:cNvPicPr>
-          <p:nvPr/>
-        </p:nvPicPr>
-        <p:blipFill>
-          <a:blip r:embed="rId2"/>
-          <a:stretch>
-            <a:fillRect/>
-          </a:stretch>
-        </p:blipFill>
-        <p:spPr>
-          <a:xfrm>
-            <a:off x="165116" y="3429000"/>
-            <a:ext cx="6315075" cy="3314700"/>
-          </a:xfrm>
-          <a:prstGeom prst="rect">
-            <a:avLst/>
-          </a:prstGeom>
-        </p:spPr>
-      </p:pic>
-    </p:spTree>
-    <p:extLst>
-      <p:ext uri="{BB962C8B-B14F-4D97-AF65-F5344CB8AC3E}">
-        <p14:creationId xmlns:p14="http://schemas.microsoft.com/office/powerpoint/2010/main" val="2706630592"/>
-      </p:ext>
-    </p:extLst>
-  </p:cSld>
-  <p:clrMapOvr>
-    <a:masterClrMapping/>
-  </p:clrMapOvr>
-</p:sld>
-</file>
-
-<file path=ppt/slides/slide38.xml><?xml version="1.0" encoding="utf-8"?>
-<p:sld xmlns:a="http://schemas.openxmlformats.org/drawingml/2006/main" xmlns:r="http://schemas.openxmlformats.org/officeDocument/2006/relationships" xmlns:p="http://schemas.openxmlformats.org/presentationml/2006/main">
-  <p:cSld>
-    <p:spTree>
-      <p:nvGrpSpPr>
-        <p:cNvPr id="1" name=""/>
-        <p:cNvGrpSpPr/>
-        <p:nvPr/>
-      </p:nvGrpSpPr>
-      <p:grpSpPr>
-        <a:xfrm>
-          <a:off x="0" y="0"/>
-          <a:ext cx="0" cy="0"/>
-          <a:chOff x="0" y="0"/>
-          <a:chExt cx="0" cy="0"/>
-        </a:xfrm>
-      </p:grpSpPr>
-      <p:sp>
-        <p:nvSpPr>
-          <p:cNvPr id="4" name="כותרת 1">
-            <a:extLst>
-              <a:ext uri="{FF2B5EF4-FFF2-40B4-BE49-F238E27FC236}">
-                <a16:creationId xmlns:a16="http://schemas.microsoft.com/office/drawing/2014/main" id="{73DBC8F2-C1B3-4457-A23C-DA9A46AE7EF5}"/>
-              </a:ext>
-            </a:extLst>
-          </p:cNvPr>
-          <p:cNvSpPr>
-            <a:spLocks noGrp="1"/>
-          </p:cNvSpPr>
-          <p:nvPr>
-            <p:ph type="title"/>
-          </p:nvPr>
-        </p:nvSpPr>
-        <p:spPr>
-          <a:xfrm>
-            <a:off x="1154954" y="973669"/>
-            <a:ext cx="8825659" cy="706964"/>
-          </a:xfrm>
-        </p:spPr>
-        <p:txBody>
-          <a:bodyPr/>
-          <a:lstStyle/>
-          <a:p>
-            <a:pPr algn="ctr" rtl="1"/>
-            <a:r>
-              <a:rPr lang="he-IL" dirty="0"/>
-              <a:t>אזור אישי</a:t>
-            </a:r>
-          </a:p>
-        </p:txBody>
-      </p:sp>
-      <p:sp>
-        <p:nvSpPr>
-          <p:cNvPr id="5" name="תיבת טקסט 4">
-            <a:extLst>
-              <a:ext uri="{FF2B5EF4-FFF2-40B4-BE49-F238E27FC236}">
-                <a16:creationId xmlns:a16="http://schemas.microsoft.com/office/drawing/2014/main" id="{A0B248C0-6A86-4C32-8EB5-4142E5A65D4E}"/>
-              </a:ext>
-            </a:extLst>
-          </p:cNvPr>
-          <p:cNvSpPr txBox="1"/>
-          <p:nvPr/>
-        </p:nvSpPr>
-        <p:spPr>
-          <a:xfrm>
-            <a:off x="7685975" y="2534088"/>
-            <a:ext cx="4121834" cy="2031325"/>
-          </a:xfrm>
-          <a:prstGeom prst="rect">
-            <a:avLst/>
-          </a:prstGeom>
-          <a:noFill/>
-        </p:spPr>
-        <p:txBody>
-          <a:bodyPr wrap="square" rtlCol="1">
-            <a:spAutoFit/>
-          </a:bodyPr>
-          <a:lstStyle/>
-          <a:p>
-            <a:pPr algn="r" rtl="1"/>
-            <a:r>
-              <a:rPr lang="he-IL" b="1" u="sng" dirty="0"/>
-              <a:t>משבצת "המיקומים שלי":</a:t>
-            </a:r>
-          </a:p>
-          <a:p>
-            <a:pPr algn="r" rtl="1"/>
-            <a:endParaRPr lang="he-IL" dirty="0"/>
-          </a:p>
-          <a:p>
-            <a:pPr marL="285750" indent="-285750" algn="r" rtl="1">
-              <a:buFont typeface="Arial" panose="020B0604020202020204" pitchFamily="34" charset="0"/>
-              <a:buChar char="•"/>
-            </a:pPr>
-            <a:r>
-              <a:rPr lang="he-IL" dirty="0"/>
-              <a:t>שינינו את כפתור ההוספה שוב כדי שיתאים לסטנדרט המערכת.</a:t>
-            </a:r>
-          </a:p>
-          <a:p>
-            <a:pPr algn="r" rtl="1"/>
-            <a:endParaRPr lang="he-IL" dirty="0"/>
-          </a:p>
-          <a:p>
-            <a:pPr marL="285750" indent="-285750" algn="r" rtl="1">
-              <a:buFont typeface="Arial" panose="020B0604020202020204" pitchFamily="34" charset="0"/>
-              <a:buChar char="•"/>
-            </a:pPr>
-            <a:r>
-              <a:rPr lang="he-IL" dirty="0"/>
-              <a:t>הכפתור עוצב על פי שיטת העיצוב </a:t>
-            </a:r>
-            <a:r>
-              <a:rPr lang="en-US" dirty="0"/>
-              <a:t>material design</a:t>
-            </a:r>
-            <a:r>
-              <a:rPr lang="he-IL" dirty="0"/>
-              <a:t> של גוגל.</a:t>
-            </a:r>
-          </a:p>
-        </p:txBody>
-      </p:sp>
-      <p:pic>
-        <p:nvPicPr>
-          <p:cNvPr id="8" name="תמונה 7">
-            <a:extLst>
-              <a:ext uri="{FF2B5EF4-FFF2-40B4-BE49-F238E27FC236}">
-                <a16:creationId xmlns:a16="http://schemas.microsoft.com/office/drawing/2014/main" id="{8D2EB5EF-5A32-43C6-A237-C28CA3A3D4DB}"/>
-              </a:ext>
-            </a:extLst>
-          </p:cNvPr>
-          <p:cNvPicPr>
-            <a:picLocks noChangeAspect="1"/>
-          </p:cNvPicPr>
-          <p:nvPr/>
-        </p:nvPicPr>
-        <p:blipFill>
-          <a:blip r:embed="rId2"/>
-          <a:stretch>
-            <a:fillRect/>
-          </a:stretch>
-        </p:blipFill>
-        <p:spPr>
-          <a:xfrm>
-            <a:off x="384191" y="3549750"/>
-            <a:ext cx="6172200" cy="3190875"/>
-          </a:xfrm>
-          <a:prstGeom prst="rect">
-            <a:avLst/>
-          </a:prstGeom>
-        </p:spPr>
-      </p:pic>
-    </p:spTree>
-    <p:extLst>
-      <p:ext uri="{BB962C8B-B14F-4D97-AF65-F5344CB8AC3E}">
-        <p14:creationId xmlns:p14="http://schemas.microsoft.com/office/powerpoint/2010/main" val="1431834300"/>
-      </p:ext>
-    </p:extLst>
-  </p:cSld>
-  <p:clrMapOvr>
-    <a:masterClrMapping/>
-  </p:clrMapOvr>
-</p:sld>
-</file>
-
-<file path=ppt/slides/slide39.xml><?xml version="1.0" encoding="utf-8"?>
-<p:sld xmlns:a="http://schemas.openxmlformats.org/drawingml/2006/main" xmlns:r="http://schemas.openxmlformats.org/officeDocument/2006/relationships" xmlns:p="http://schemas.openxmlformats.org/presentationml/2006/main">
-  <p:cSld>
-    <p:spTree>
-      <p:nvGrpSpPr>
-        <p:cNvPr id="1" name=""/>
-        <p:cNvGrpSpPr/>
-        <p:nvPr/>
-      </p:nvGrpSpPr>
-      <p:grpSpPr>
-        <a:xfrm>
-          <a:off x="0" y="0"/>
-          <a:ext cx="0" cy="0"/>
-          <a:chOff x="0" y="0"/>
-          <a:chExt cx="0" cy="0"/>
-        </a:xfrm>
-      </p:grpSpPr>
-      <p:sp>
-        <p:nvSpPr>
-          <p:cNvPr id="4" name="כותרת 1">
-            <a:extLst>
-              <a:ext uri="{FF2B5EF4-FFF2-40B4-BE49-F238E27FC236}">
-                <a16:creationId xmlns:a16="http://schemas.microsoft.com/office/drawing/2014/main" id="{BBC3B682-CCD3-40B0-B8FA-BB5FDA754345}"/>
-              </a:ext>
-            </a:extLst>
-          </p:cNvPr>
-          <p:cNvSpPr>
-            <a:spLocks noGrp="1"/>
-          </p:cNvSpPr>
-          <p:nvPr>
-            <p:ph type="title"/>
-          </p:nvPr>
-        </p:nvSpPr>
-        <p:spPr>
-          <a:xfrm>
-            <a:off x="1154954" y="973669"/>
-            <a:ext cx="8825659" cy="706964"/>
-          </a:xfrm>
-        </p:spPr>
-        <p:txBody>
-          <a:bodyPr/>
-          <a:lstStyle/>
-          <a:p>
-            <a:pPr algn="ctr" rtl="1"/>
-            <a:r>
-              <a:rPr lang="he-IL" dirty="0"/>
-              <a:t>אזור אישי</a:t>
-            </a:r>
-          </a:p>
-        </p:txBody>
-      </p:sp>
-      <p:sp>
-        <p:nvSpPr>
-          <p:cNvPr id="5" name="תיבת טקסט 4">
-            <a:extLst>
-              <a:ext uri="{FF2B5EF4-FFF2-40B4-BE49-F238E27FC236}">
-                <a16:creationId xmlns:a16="http://schemas.microsoft.com/office/drawing/2014/main" id="{71FF33C9-F0A1-4BB9-8DE3-BD1199DF4336}"/>
-              </a:ext>
-            </a:extLst>
-          </p:cNvPr>
-          <p:cNvSpPr txBox="1"/>
-          <p:nvPr/>
-        </p:nvSpPr>
-        <p:spPr>
-          <a:xfrm>
-            <a:off x="7685975" y="2534088"/>
-            <a:ext cx="4121834" cy="2308324"/>
-          </a:xfrm>
-          <a:prstGeom prst="rect">
-            <a:avLst/>
-          </a:prstGeom>
-          <a:noFill/>
-        </p:spPr>
-        <p:txBody>
-          <a:bodyPr wrap="square" rtlCol="1">
-            <a:spAutoFit/>
-          </a:bodyPr>
-          <a:lstStyle/>
-          <a:p>
-            <a:pPr algn="r" rtl="1"/>
-            <a:r>
-              <a:rPr lang="he-IL" b="1" u="sng" dirty="0"/>
-              <a:t>משבצת </a:t>
-            </a:r>
-            <a:r>
-              <a:rPr lang="en-US" b="1" u="sng" dirty="0"/>
-              <a:t>"</a:t>
-            </a:r>
-            <a:r>
-              <a:rPr lang="he-IL" b="1" u="sng" dirty="0"/>
-              <a:t>פגישות ממתינות לאישור":</a:t>
-            </a:r>
-          </a:p>
-          <a:p>
-            <a:pPr algn="r" rtl="1"/>
-            <a:endParaRPr lang="he-IL" dirty="0"/>
-          </a:p>
-          <a:p>
-            <a:pPr marL="285750" indent="-285750" algn="r" rtl="1">
-              <a:buFont typeface="Arial" panose="020B0604020202020204" pitchFamily="34" charset="0"/>
-              <a:buChar char="•"/>
-            </a:pPr>
-            <a:r>
-              <a:rPr lang="he-IL" dirty="0"/>
-              <a:t>המשבצת אחידה למשבצות האחרות בדף, (אייקונים, מרווחים).</a:t>
-            </a:r>
-          </a:p>
-          <a:p>
-            <a:pPr marL="285750" indent="-285750" algn="r" rtl="1">
-              <a:buFont typeface="Arial" panose="020B0604020202020204" pitchFamily="34" charset="0"/>
-              <a:buChar char="•"/>
-            </a:pPr>
-            <a:r>
-              <a:rPr lang="he-IL" dirty="0"/>
-              <a:t>הוספנו הודעה במקרה שאין מידע להצגה (כמו כן, במשבצות האחרות בעמוד), כדי שהמשתמש לא יחשוב שיש משהו לא בסדר במערכת.</a:t>
-            </a:r>
-          </a:p>
-        </p:txBody>
-      </p:sp>
-      <p:pic>
-        <p:nvPicPr>
-          <p:cNvPr id="7" name="תמונה 6">
-            <a:extLst>
-              <a:ext uri="{FF2B5EF4-FFF2-40B4-BE49-F238E27FC236}">
-                <a16:creationId xmlns:a16="http://schemas.microsoft.com/office/drawing/2014/main" id="{455F304E-C0D2-4802-A411-BD7F40CD43EB}"/>
-              </a:ext>
-            </a:extLst>
-          </p:cNvPr>
-          <p:cNvPicPr>
-            <a:picLocks noChangeAspect="1"/>
-          </p:cNvPicPr>
-          <p:nvPr/>
-        </p:nvPicPr>
-        <p:blipFill>
-          <a:blip r:embed="rId2"/>
-          <a:stretch>
-            <a:fillRect/>
-          </a:stretch>
-        </p:blipFill>
-        <p:spPr>
-          <a:xfrm>
-            <a:off x="0" y="3926104"/>
-            <a:ext cx="7821038" cy="2741395"/>
-          </a:xfrm>
-          <a:prstGeom prst="rect">
-            <a:avLst/>
-          </a:prstGeom>
-        </p:spPr>
-      </p:pic>
-    </p:spTree>
-    <p:extLst>
-      <p:ext uri="{BB962C8B-B14F-4D97-AF65-F5344CB8AC3E}">
-        <p14:creationId xmlns:p14="http://schemas.microsoft.com/office/powerpoint/2010/main" val="2753159462"/>
       </p:ext>
     </p:extLst>
   </p:cSld>
@@ -19283,6 +19082,1050 @@
 </file>
 
 <file path=ppt/slides/slide40.xml><?xml version="1.0" encoding="utf-8"?>
+<p:sld xmlns:a="http://schemas.openxmlformats.org/drawingml/2006/main" xmlns:r="http://schemas.openxmlformats.org/officeDocument/2006/relationships" xmlns:p="http://schemas.openxmlformats.org/presentationml/2006/main">
+  <p:cSld>
+    <p:spTree>
+      <p:nvGrpSpPr>
+        <p:cNvPr id="1" name=""/>
+        <p:cNvGrpSpPr/>
+        <p:nvPr/>
+      </p:nvGrpSpPr>
+      <p:grpSpPr>
+        <a:xfrm>
+          <a:off x="0" y="0"/>
+          <a:ext cx="0" cy="0"/>
+          <a:chOff x="0" y="0"/>
+          <a:chExt cx="0" cy="0"/>
+        </a:xfrm>
+      </p:grpSpPr>
+      <p:sp>
+        <p:nvSpPr>
+          <p:cNvPr id="4" name="כותרת 1">
+            <a:extLst>
+              <a:ext uri="{FF2B5EF4-FFF2-40B4-BE49-F238E27FC236}">
+                <a16:creationId xmlns:a16="http://schemas.microsoft.com/office/drawing/2014/main" id="{77A4D537-50C0-4CD4-8506-D044B5D076BB}"/>
+              </a:ext>
+            </a:extLst>
+          </p:cNvPr>
+          <p:cNvSpPr>
+            <a:spLocks noGrp="1"/>
+          </p:cNvSpPr>
+          <p:nvPr>
+            <p:ph type="title"/>
+          </p:nvPr>
+        </p:nvSpPr>
+        <p:spPr>
+          <a:xfrm>
+            <a:off x="1154954" y="973669"/>
+            <a:ext cx="8825659" cy="706964"/>
+          </a:xfrm>
+        </p:spPr>
+        <p:txBody>
+          <a:bodyPr/>
+          <a:lstStyle/>
+          <a:p>
+            <a:pPr algn="ctr" rtl="1"/>
+            <a:r>
+              <a:rPr lang="he-IL" dirty="0"/>
+              <a:t>אזור אישי</a:t>
+            </a:r>
+          </a:p>
+        </p:txBody>
+      </p:sp>
+      <p:sp>
+        <p:nvSpPr>
+          <p:cNvPr id="5" name="תיבת טקסט 4">
+            <a:extLst>
+              <a:ext uri="{FF2B5EF4-FFF2-40B4-BE49-F238E27FC236}">
+                <a16:creationId xmlns:a16="http://schemas.microsoft.com/office/drawing/2014/main" id="{104EA44E-BC8B-4DD0-B075-E012933F25AE}"/>
+              </a:ext>
+            </a:extLst>
+          </p:cNvPr>
+          <p:cNvSpPr txBox="1"/>
+          <p:nvPr/>
+        </p:nvSpPr>
+        <p:spPr>
+          <a:xfrm>
+            <a:off x="7919696" y="2534088"/>
+            <a:ext cx="4121834" cy="2862322"/>
+          </a:xfrm>
+          <a:prstGeom prst="rect">
+            <a:avLst/>
+          </a:prstGeom>
+          <a:noFill/>
+        </p:spPr>
+        <p:txBody>
+          <a:bodyPr wrap="square" rtlCol="1">
+            <a:spAutoFit/>
+          </a:bodyPr>
+          <a:lstStyle/>
+          <a:p>
+            <a:pPr marL="285750" indent="-285750" algn="r" rtl="1">
+              <a:buFont typeface="Arial" panose="020B0604020202020204" pitchFamily="34" charset="0"/>
+              <a:buChar char="•"/>
+            </a:pPr>
+            <a:r>
+              <a:rPr lang="he-IL" dirty="0"/>
+              <a:t>הבנו שחסר מידע משמעותי למשתמש, המערכת שלנו משבצת פגישות בצורה אוטומטית, כל יום ב12 בלילה.</a:t>
+            </a:r>
+            <a:br>
+              <a:rPr lang="en-US" dirty="0"/>
+            </a:br>
+            <a:r>
+              <a:rPr lang="he-IL" dirty="0"/>
+              <a:t>כל פעם שמשתמש פותח פגישה חדשה, היא עדיין לא משובצת, ולמשתמש אין אינדיקציה שאכן תהליך פתיחת הפגישה הסתיים בהצלחה.</a:t>
+            </a:r>
+            <a:br>
+              <a:rPr lang="en-US" dirty="0"/>
+            </a:br>
+            <a:r>
+              <a:rPr lang="he-IL" dirty="0"/>
+              <a:t>לכן, הוספנו משבצת נוספת בה המשתמש יכול לראות את הפגישות שמחכות לשיבוץ מהמערכת.</a:t>
+            </a:r>
+          </a:p>
+        </p:txBody>
+      </p:sp>
+      <p:pic>
+        <p:nvPicPr>
+          <p:cNvPr id="7" name="תמונה 6">
+            <a:extLst>
+              <a:ext uri="{FF2B5EF4-FFF2-40B4-BE49-F238E27FC236}">
+                <a16:creationId xmlns:a16="http://schemas.microsoft.com/office/drawing/2014/main" id="{CBC310CA-627D-4DF2-A1A9-301985A9CDE5}"/>
+              </a:ext>
+            </a:extLst>
+          </p:cNvPr>
+          <p:cNvPicPr>
+            <a:picLocks noChangeAspect="1"/>
+          </p:cNvPicPr>
+          <p:nvPr/>
+        </p:nvPicPr>
+        <p:blipFill>
+          <a:blip r:embed="rId2"/>
+          <a:stretch>
+            <a:fillRect/>
+          </a:stretch>
+        </p:blipFill>
+        <p:spPr>
+          <a:xfrm>
+            <a:off x="0" y="2696066"/>
+            <a:ext cx="7400235" cy="4158667"/>
+          </a:xfrm>
+          <a:prstGeom prst="rect">
+            <a:avLst/>
+          </a:prstGeom>
+        </p:spPr>
+      </p:pic>
+    </p:spTree>
+    <p:extLst>
+      <p:ext uri="{BB962C8B-B14F-4D97-AF65-F5344CB8AC3E}">
+        <p14:creationId xmlns:p14="http://schemas.microsoft.com/office/powerpoint/2010/main" val="828814305"/>
+      </p:ext>
+    </p:extLst>
+  </p:cSld>
+  <p:clrMapOvr>
+    <a:masterClrMapping/>
+  </p:clrMapOvr>
+</p:sld>
+</file>
+
+<file path=ppt/slides/slide41.xml><?xml version="1.0" encoding="utf-8"?>
+<p:sld xmlns:a="http://schemas.openxmlformats.org/drawingml/2006/main" xmlns:r="http://schemas.openxmlformats.org/officeDocument/2006/relationships" xmlns:p="http://schemas.openxmlformats.org/presentationml/2006/main">
+  <p:cSld>
+    <p:spTree>
+      <p:nvGrpSpPr>
+        <p:cNvPr id="1" name=""/>
+        <p:cNvGrpSpPr/>
+        <p:nvPr/>
+      </p:nvGrpSpPr>
+      <p:grpSpPr>
+        <a:xfrm>
+          <a:off x="0" y="0"/>
+          <a:ext cx="0" cy="0"/>
+          <a:chOff x="0" y="0"/>
+          <a:chExt cx="0" cy="0"/>
+        </a:xfrm>
+      </p:grpSpPr>
+      <p:sp>
+        <p:nvSpPr>
+          <p:cNvPr id="4" name="כותרת 1">
+            <a:extLst>
+              <a:ext uri="{FF2B5EF4-FFF2-40B4-BE49-F238E27FC236}">
+                <a16:creationId xmlns:a16="http://schemas.microsoft.com/office/drawing/2014/main" id="{1CF8AA43-7E97-492E-83E5-3498889D34BE}"/>
+              </a:ext>
+            </a:extLst>
+          </p:cNvPr>
+          <p:cNvSpPr>
+            <a:spLocks noGrp="1"/>
+          </p:cNvSpPr>
+          <p:nvPr>
+            <p:ph type="title"/>
+          </p:nvPr>
+        </p:nvSpPr>
+        <p:spPr>
+          <a:xfrm>
+            <a:off x="1154954" y="973669"/>
+            <a:ext cx="8825659" cy="706964"/>
+          </a:xfrm>
+        </p:spPr>
+        <p:txBody>
+          <a:bodyPr/>
+          <a:lstStyle/>
+          <a:p>
+            <a:pPr algn="ctr" rtl="1"/>
+            <a:r>
+              <a:rPr lang="he-IL" dirty="0"/>
+              <a:t>אזור אישי</a:t>
+            </a:r>
+          </a:p>
+        </p:txBody>
+      </p:sp>
+      <p:sp>
+        <p:nvSpPr>
+          <p:cNvPr id="5" name="תיבת טקסט 4">
+            <a:extLst>
+              <a:ext uri="{FF2B5EF4-FFF2-40B4-BE49-F238E27FC236}">
+                <a16:creationId xmlns:a16="http://schemas.microsoft.com/office/drawing/2014/main" id="{8A00D926-C93A-496C-A149-3AC29F2C6F5C}"/>
+              </a:ext>
+            </a:extLst>
+          </p:cNvPr>
+          <p:cNvSpPr txBox="1"/>
+          <p:nvPr/>
+        </p:nvSpPr>
+        <p:spPr>
+          <a:xfrm>
+            <a:off x="7685975" y="2534088"/>
+            <a:ext cx="4121834" cy="2031325"/>
+          </a:xfrm>
+          <a:prstGeom prst="rect">
+            <a:avLst/>
+          </a:prstGeom>
+          <a:noFill/>
+        </p:spPr>
+        <p:txBody>
+          <a:bodyPr wrap="square" rtlCol="1">
+            <a:spAutoFit/>
+          </a:bodyPr>
+          <a:lstStyle/>
+          <a:p>
+            <a:pPr algn="r" rtl="1"/>
+            <a:r>
+              <a:rPr lang="he-IL" b="1" u="sng" dirty="0"/>
+              <a:t>משבצת </a:t>
+            </a:r>
+            <a:r>
+              <a:rPr lang="en-US" b="1" u="sng" dirty="0"/>
+              <a:t>"</a:t>
+            </a:r>
+            <a:r>
+              <a:rPr lang="he-IL" b="1" u="sng" dirty="0"/>
+              <a:t>הפגישות שלי</a:t>
+            </a:r>
+            <a:r>
+              <a:rPr lang="en-US" b="1" u="sng" dirty="0"/>
+              <a:t>"</a:t>
+            </a:r>
+            <a:endParaRPr lang="he-IL" b="1" u="sng" dirty="0"/>
+          </a:p>
+          <a:p>
+            <a:pPr algn="r" rtl="1"/>
+            <a:endParaRPr lang="he-IL" dirty="0"/>
+          </a:p>
+          <a:p>
+            <a:pPr marL="285750" indent="-285750" algn="r" rtl="1">
+              <a:buFont typeface="Arial" panose="020B0604020202020204" pitchFamily="34" charset="0"/>
+              <a:buChar char="•"/>
+            </a:pPr>
+            <a:r>
+              <a:rPr lang="he-IL" dirty="0"/>
+              <a:t>שינינו את הרווחים בין השורות.</a:t>
+            </a:r>
+          </a:p>
+          <a:p>
+            <a:pPr marL="285750" indent="-285750" algn="r" rtl="1">
+              <a:buFont typeface="Arial" panose="020B0604020202020204" pitchFamily="34" charset="0"/>
+              <a:buChar char="•"/>
+            </a:pPr>
+            <a:endParaRPr lang="he-IL" dirty="0"/>
+          </a:p>
+          <a:p>
+            <a:pPr marL="285750" indent="-285750" algn="r" rtl="1">
+              <a:buFont typeface="Arial" panose="020B0604020202020204" pitchFamily="34" charset="0"/>
+              <a:buChar char="•"/>
+            </a:pPr>
+            <a:r>
+              <a:rPr lang="he-IL" dirty="0"/>
+              <a:t>עימדנו את הפגישות בהתאם לכותרת.</a:t>
+            </a:r>
+          </a:p>
+          <a:p>
+            <a:pPr marL="285750" indent="-285750" algn="r" rtl="1">
+              <a:buFont typeface="Arial" panose="020B0604020202020204" pitchFamily="34" charset="0"/>
+              <a:buChar char="•"/>
+            </a:pPr>
+            <a:endParaRPr lang="he-IL" dirty="0"/>
+          </a:p>
+          <a:p>
+            <a:pPr marL="285750" indent="-285750" algn="r" rtl="1">
+              <a:buFont typeface="Arial" panose="020B0604020202020204" pitchFamily="34" charset="0"/>
+              <a:buChar char="•"/>
+            </a:pPr>
+            <a:r>
+              <a:rPr lang="he-IL" dirty="0"/>
+              <a:t>הוספנו את שעת הפגישה.</a:t>
+            </a:r>
+          </a:p>
+        </p:txBody>
+      </p:sp>
+      <p:pic>
+        <p:nvPicPr>
+          <p:cNvPr id="7" name="תמונה 6">
+            <a:extLst>
+              <a:ext uri="{FF2B5EF4-FFF2-40B4-BE49-F238E27FC236}">
+                <a16:creationId xmlns:a16="http://schemas.microsoft.com/office/drawing/2014/main" id="{BBFFBFD0-75E2-45C7-9B03-55961CF682E3}"/>
+              </a:ext>
+            </a:extLst>
+          </p:cNvPr>
+          <p:cNvPicPr>
+            <a:picLocks noChangeAspect="1"/>
+          </p:cNvPicPr>
+          <p:nvPr/>
+        </p:nvPicPr>
+        <p:blipFill>
+          <a:blip r:embed="rId2"/>
+          <a:stretch>
+            <a:fillRect/>
+          </a:stretch>
+        </p:blipFill>
+        <p:spPr>
+          <a:xfrm>
+            <a:off x="384191" y="2877581"/>
+            <a:ext cx="6238875" cy="3648075"/>
+          </a:xfrm>
+          <a:prstGeom prst="rect">
+            <a:avLst/>
+          </a:prstGeom>
+        </p:spPr>
+      </p:pic>
+    </p:spTree>
+    <p:extLst>
+      <p:ext uri="{BB962C8B-B14F-4D97-AF65-F5344CB8AC3E}">
+        <p14:creationId xmlns:p14="http://schemas.microsoft.com/office/powerpoint/2010/main" val="2166048656"/>
+      </p:ext>
+    </p:extLst>
+  </p:cSld>
+  <p:clrMapOvr>
+    <a:masterClrMapping/>
+  </p:clrMapOvr>
+</p:sld>
+</file>
+
+<file path=ppt/slides/slide42.xml><?xml version="1.0" encoding="utf-8"?>
+<p:sld xmlns:a="http://schemas.openxmlformats.org/drawingml/2006/main" xmlns:r="http://schemas.openxmlformats.org/officeDocument/2006/relationships" xmlns:p="http://schemas.openxmlformats.org/presentationml/2006/main">
+  <p:cSld>
+    <p:spTree>
+      <p:nvGrpSpPr>
+        <p:cNvPr id="1" name=""/>
+        <p:cNvGrpSpPr/>
+        <p:nvPr/>
+      </p:nvGrpSpPr>
+      <p:grpSpPr>
+        <a:xfrm>
+          <a:off x="0" y="0"/>
+          <a:ext cx="0" cy="0"/>
+          <a:chOff x="0" y="0"/>
+          <a:chExt cx="0" cy="0"/>
+        </a:xfrm>
+      </p:grpSpPr>
+      <p:sp>
+        <p:nvSpPr>
+          <p:cNvPr id="4" name="כותרת 1">
+            <a:extLst>
+              <a:ext uri="{FF2B5EF4-FFF2-40B4-BE49-F238E27FC236}">
+                <a16:creationId xmlns:a16="http://schemas.microsoft.com/office/drawing/2014/main" id="{5A5BEC2D-F28F-4D55-96B7-3B9C6271AC58}"/>
+              </a:ext>
+            </a:extLst>
+          </p:cNvPr>
+          <p:cNvSpPr>
+            <a:spLocks noGrp="1"/>
+          </p:cNvSpPr>
+          <p:nvPr>
+            <p:ph type="title"/>
+          </p:nvPr>
+        </p:nvSpPr>
+        <p:spPr>
+          <a:xfrm>
+            <a:off x="1154954" y="973669"/>
+            <a:ext cx="8825659" cy="706964"/>
+          </a:xfrm>
+        </p:spPr>
+        <p:txBody>
+          <a:bodyPr/>
+          <a:lstStyle/>
+          <a:p>
+            <a:pPr algn="ctr" rtl="1"/>
+            <a:r>
+              <a:rPr lang="he-IL" dirty="0"/>
+              <a:t>אזור אישי</a:t>
+            </a:r>
+          </a:p>
+        </p:txBody>
+      </p:sp>
+      <p:sp>
+        <p:nvSpPr>
+          <p:cNvPr id="8" name="תיבת טקסט 7">
+            <a:extLst>
+              <a:ext uri="{FF2B5EF4-FFF2-40B4-BE49-F238E27FC236}">
+                <a16:creationId xmlns:a16="http://schemas.microsoft.com/office/drawing/2014/main" id="{C0192822-6DB4-482C-AEB0-960091DDCA35}"/>
+              </a:ext>
+            </a:extLst>
+          </p:cNvPr>
+          <p:cNvSpPr txBox="1"/>
+          <p:nvPr/>
+        </p:nvSpPr>
+        <p:spPr>
+          <a:xfrm>
+            <a:off x="7685975" y="2534088"/>
+            <a:ext cx="4121834" cy="3693319"/>
+          </a:xfrm>
+          <a:prstGeom prst="rect">
+            <a:avLst/>
+          </a:prstGeom>
+          <a:noFill/>
+        </p:spPr>
+        <p:txBody>
+          <a:bodyPr wrap="square" rtlCol="1">
+            <a:spAutoFit/>
+          </a:bodyPr>
+          <a:lstStyle/>
+          <a:p>
+            <a:pPr algn="r" rtl="1"/>
+            <a:r>
+              <a:rPr lang="he-IL" b="1" u="sng" dirty="0"/>
+              <a:t>משבצת </a:t>
+            </a:r>
+            <a:r>
+              <a:rPr lang="en-US" b="1" u="sng" dirty="0"/>
+              <a:t>"</a:t>
+            </a:r>
+            <a:r>
+              <a:rPr lang="he-IL" b="1" u="sng" dirty="0"/>
+              <a:t>פגישות ממתינות לאישור":</a:t>
+            </a:r>
+          </a:p>
+          <a:p>
+            <a:pPr algn="r" rtl="1"/>
+            <a:endParaRPr lang="he-IL" dirty="0"/>
+          </a:p>
+          <a:p>
+            <a:pPr marL="285750" indent="-285750" algn="r" rtl="1">
+              <a:buFont typeface="Arial" panose="020B0604020202020204" pitchFamily="34" charset="0"/>
+              <a:buChar char="•"/>
+            </a:pPr>
+            <a:r>
+              <a:rPr lang="he-IL" dirty="0"/>
+              <a:t>הזזנו את הביטול והאישור מצד ימין לצד שמאל כך שהם מעומדים יחד עם כפור הצפייה.</a:t>
+            </a:r>
+          </a:p>
+          <a:p>
+            <a:pPr marL="285750" indent="-285750" algn="r" rtl="1">
+              <a:buFont typeface="Arial" panose="020B0604020202020204" pitchFamily="34" charset="0"/>
+              <a:buChar char="•"/>
+            </a:pPr>
+            <a:endParaRPr lang="he-IL" dirty="0"/>
+          </a:p>
+          <a:p>
+            <a:pPr marL="285750" indent="-285750" algn="r" rtl="1">
+              <a:buFont typeface="Arial" panose="020B0604020202020204" pitchFamily="34" charset="0"/>
+              <a:buChar char="•"/>
+            </a:pPr>
+            <a:r>
+              <a:rPr lang="he-IL" dirty="0"/>
+              <a:t>שינינו את הגדלים ואת הצבעים של כפתורי האישור והביטול כך שיתאימו לכפתור הצפייה ולסטנדרט של המערכת.</a:t>
+            </a:r>
+          </a:p>
+          <a:p>
+            <a:pPr marL="285750" indent="-285750" algn="r" rtl="1">
+              <a:buFont typeface="Arial" panose="020B0604020202020204" pitchFamily="34" charset="0"/>
+              <a:buChar char="•"/>
+            </a:pPr>
+            <a:endParaRPr lang="he-IL" dirty="0"/>
+          </a:p>
+          <a:p>
+            <a:pPr marL="285750" indent="-285750" algn="r" rtl="1">
+              <a:buFont typeface="Arial" panose="020B0604020202020204" pitchFamily="34" charset="0"/>
+              <a:buChar char="•"/>
+            </a:pPr>
+            <a:r>
+              <a:rPr lang="he-IL" dirty="0"/>
+              <a:t>שינינו את המרווח בין הפריטים.</a:t>
+            </a:r>
+          </a:p>
+          <a:p>
+            <a:pPr algn="r" rtl="1"/>
+            <a:endParaRPr lang="he-IL" dirty="0"/>
+          </a:p>
+          <a:p>
+            <a:pPr marL="285750" indent="-285750" algn="r" rtl="1">
+              <a:buFont typeface="Arial" panose="020B0604020202020204" pitchFamily="34" charset="0"/>
+              <a:buChar char="•"/>
+            </a:pPr>
+            <a:r>
+              <a:rPr lang="he-IL" dirty="0"/>
+              <a:t>סדר הפגישות ממוין לפי התאריך.</a:t>
+            </a:r>
+          </a:p>
+        </p:txBody>
+      </p:sp>
+      <p:pic>
+        <p:nvPicPr>
+          <p:cNvPr id="9" name="תמונה 8">
+            <a:extLst>
+              <a:ext uri="{FF2B5EF4-FFF2-40B4-BE49-F238E27FC236}">
+                <a16:creationId xmlns:a16="http://schemas.microsoft.com/office/drawing/2014/main" id="{A5CD8385-62A6-4378-A56D-72D9E7E603C4}"/>
+              </a:ext>
+            </a:extLst>
+          </p:cNvPr>
+          <p:cNvPicPr>
+            <a:picLocks noChangeAspect="1"/>
+          </p:cNvPicPr>
+          <p:nvPr/>
+        </p:nvPicPr>
+        <p:blipFill>
+          <a:blip r:embed="rId2"/>
+          <a:stretch>
+            <a:fillRect/>
+          </a:stretch>
+        </p:blipFill>
+        <p:spPr>
+          <a:xfrm>
+            <a:off x="230709" y="3609852"/>
+            <a:ext cx="7642893" cy="3139322"/>
+          </a:xfrm>
+          <a:prstGeom prst="rect">
+            <a:avLst/>
+          </a:prstGeom>
+        </p:spPr>
+      </p:pic>
+    </p:spTree>
+    <p:extLst>
+      <p:ext uri="{BB962C8B-B14F-4D97-AF65-F5344CB8AC3E}">
+        <p14:creationId xmlns:p14="http://schemas.microsoft.com/office/powerpoint/2010/main" val="1793708727"/>
+      </p:ext>
+    </p:extLst>
+  </p:cSld>
+  <p:clrMapOvr>
+    <a:masterClrMapping/>
+  </p:clrMapOvr>
+</p:sld>
+</file>
+
+<file path=ppt/slides/slide43.xml><?xml version="1.0" encoding="utf-8"?>
+<p:sld xmlns:a="http://schemas.openxmlformats.org/drawingml/2006/main" xmlns:r="http://schemas.openxmlformats.org/officeDocument/2006/relationships" xmlns:p="http://schemas.openxmlformats.org/presentationml/2006/main">
+  <p:cSld>
+    <p:spTree>
+      <p:nvGrpSpPr>
+        <p:cNvPr id="1" name=""/>
+        <p:cNvGrpSpPr/>
+        <p:nvPr/>
+      </p:nvGrpSpPr>
+      <p:grpSpPr>
+        <a:xfrm>
+          <a:off x="0" y="0"/>
+          <a:ext cx="0" cy="0"/>
+          <a:chOff x="0" y="0"/>
+          <a:chExt cx="0" cy="0"/>
+        </a:xfrm>
+      </p:grpSpPr>
+      <p:sp>
+        <p:nvSpPr>
+          <p:cNvPr id="4" name="כותרת 1">
+            <a:extLst>
+              <a:ext uri="{FF2B5EF4-FFF2-40B4-BE49-F238E27FC236}">
+                <a16:creationId xmlns:a16="http://schemas.microsoft.com/office/drawing/2014/main" id="{9DC245D2-F8BC-422C-A2B9-39E3C7451A8C}"/>
+              </a:ext>
+            </a:extLst>
+          </p:cNvPr>
+          <p:cNvSpPr>
+            <a:spLocks noGrp="1"/>
+          </p:cNvSpPr>
+          <p:nvPr>
+            <p:ph type="title"/>
+          </p:nvPr>
+        </p:nvSpPr>
+        <p:spPr>
+          <a:xfrm>
+            <a:off x="1154954" y="973669"/>
+            <a:ext cx="8825659" cy="706964"/>
+          </a:xfrm>
+        </p:spPr>
+        <p:txBody>
+          <a:bodyPr/>
+          <a:lstStyle/>
+          <a:p>
+            <a:pPr algn="ctr" rtl="1"/>
+            <a:r>
+              <a:rPr lang="he-IL" dirty="0"/>
+              <a:t>אזור אישי</a:t>
+            </a:r>
+          </a:p>
+        </p:txBody>
+      </p:sp>
+      <p:sp>
+        <p:nvSpPr>
+          <p:cNvPr id="5" name="תיבת טקסט 4">
+            <a:extLst>
+              <a:ext uri="{FF2B5EF4-FFF2-40B4-BE49-F238E27FC236}">
+                <a16:creationId xmlns:a16="http://schemas.microsoft.com/office/drawing/2014/main" id="{DC64E9DF-030D-4F2E-BA9F-4D2CF7B30438}"/>
+              </a:ext>
+            </a:extLst>
+          </p:cNvPr>
+          <p:cNvSpPr txBox="1"/>
+          <p:nvPr/>
+        </p:nvSpPr>
+        <p:spPr>
+          <a:xfrm>
+            <a:off x="7685975" y="2534088"/>
+            <a:ext cx="4121834" cy="2862322"/>
+          </a:xfrm>
+          <a:prstGeom prst="rect">
+            <a:avLst/>
+          </a:prstGeom>
+          <a:noFill/>
+        </p:spPr>
+        <p:txBody>
+          <a:bodyPr wrap="square" rtlCol="1">
+            <a:spAutoFit/>
+          </a:bodyPr>
+          <a:lstStyle/>
+          <a:p>
+            <a:pPr algn="r" rtl="1"/>
+            <a:r>
+              <a:rPr lang="he-IL" b="1" u="sng" dirty="0"/>
+              <a:t>משבצת "המיקומים שלי":</a:t>
+            </a:r>
+          </a:p>
+          <a:p>
+            <a:pPr algn="r" rtl="1"/>
+            <a:endParaRPr lang="he-IL" dirty="0"/>
+          </a:p>
+          <a:p>
+            <a:pPr marL="285750" indent="-285750" algn="r" rtl="1">
+              <a:buFont typeface="Arial" panose="020B0604020202020204" pitchFamily="34" charset="0"/>
+              <a:buChar char="•"/>
+            </a:pPr>
+            <a:r>
+              <a:rPr lang="he-IL" dirty="0"/>
+              <a:t>שינינו את האייקון של המחיקה שיהיה אחיד לאייקונים במערכת.</a:t>
+            </a:r>
+          </a:p>
+          <a:p>
+            <a:pPr marL="285750" indent="-285750" algn="r" rtl="1">
+              <a:buFont typeface="Arial" panose="020B0604020202020204" pitchFamily="34" charset="0"/>
+              <a:buChar char="•"/>
+            </a:pPr>
+            <a:endParaRPr lang="he-IL" dirty="0"/>
+          </a:p>
+          <a:p>
+            <a:pPr marL="285750" indent="-285750" algn="r" rtl="1">
+              <a:buFont typeface="Arial" panose="020B0604020202020204" pitchFamily="34" charset="0"/>
+              <a:buChar char="•"/>
+            </a:pPr>
+            <a:r>
+              <a:rPr lang="he-IL" dirty="0"/>
+              <a:t>שינינו את כפתור הוספת מיקום, כך שיראה יותר יפה ואסתטי והשתמשנו באייקון במקום טקסט.</a:t>
+            </a:r>
+          </a:p>
+          <a:p>
+            <a:pPr marL="285750" indent="-285750" algn="r" rtl="1">
+              <a:buFont typeface="Arial" panose="020B0604020202020204" pitchFamily="34" charset="0"/>
+              <a:buChar char="•"/>
+            </a:pPr>
+            <a:endParaRPr lang="he-IL" dirty="0"/>
+          </a:p>
+          <a:p>
+            <a:pPr marL="285750" indent="-285750" algn="r" rtl="1">
+              <a:buFont typeface="Arial" panose="020B0604020202020204" pitchFamily="34" charset="0"/>
+              <a:buChar char="•"/>
+            </a:pPr>
+            <a:r>
+              <a:rPr lang="he-IL" dirty="0"/>
+              <a:t>שינינו את המרווח בין הפריטים.</a:t>
+            </a:r>
+          </a:p>
+        </p:txBody>
+      </p:sp>
+      <p:pic>
+        <p:nvPicPr>
+          <p:cNvPr id="8" name="תמונה 7">
+            <a:extLst>
+              <a:ext uri="{FF2B5EF4-FFF2-40B4-BE49-F238E27FC236}">
+                <a16:creationId xmlns:a16="http://schemas.microsoft.com/office/drawing/2014/main" id="{57A67FB7-6648-4E51-AF1B-676A350766EC}"/>
+              </a:ext>
+            </a:extLst>
+          </p:cNvPr>
+          <p:cNvPicPr>
+            <a:picLocks noChangeAspect="1"/>
+          </p:cNvPicPr>
+          <p:nvPr/>
+        </p:nvPicPr>
+        <p:blipFill>
+          <a:blip r:embed="rId2"/>
+          <a:stretch>
+            <a:fillRect/>
+          </a:stretch>
+        </p:blipFill>
+        <p:spPr>
+          <a:xfrm>
+            <a:off x="165116" y="3429000"/>
+            <a:ext cx="6315075" cy="3314700"/>
+          </a:xfrm>
+          <a:prstGeom prst="rect">
+            <a:avLst/>
+          </a:prstGeom>
+        </p:spPr>
+      </p:pic>
+    </p:spTree>
+    <p:extLst>
+      <p:ext uri="{BB962C8B-B14F-4D97-AF65-F5344CB8AC3E}">
+        <p14:creationId xmlns:p14="http://schemas.microsoft.com/office/powerpoint/2010/main" val="2706630592"/>
+      </p:ext>
+    </p:extLst>
+  </p:cSld>
+  <p:clrMapOvr>
+    <a:masterClrMapping/>
+  </p:clrMapOvr>
+</p:sld>
+</file>
+
+<file path=ppt/slides/slide44.xml><?xml version="1.0" encoding="utf-8"?>
+<p:sld xmlns:a="http://schemas.openxmlformats.org/drawingml/2006/main" xmlns:r="http://schemas.openxmlformats.org/officeDocument/2006/relationships" xmlns:p="http://schemas.openxmlformats.org/presentationml/2006/main">
+  <p:cSld>
+    <p:spTree>
+      <p:nvGrpSpPr>
+        <p:cNvPr id="1" name=""/>
+        <p:cNvGrpSpPr/>
+        <p:nvPr/>
+      </p:nvGrpSpPr>
+      <p:grpSpPr>
+        <a:xfrm>
+          <a:off x="0" y="0"/>
+          <a:ext cx="0" cy="0"/>
+          <a:chOff x="0" y="0"/>
+          <a:chExt cx="0" cy="0"/>
+        </a:xfrm>
+      </p:grpSpPr>
+      <p:sp>
+        <p:nvSpPr>
+          <p:cNvPr id="4" name="כותרת 1">
+            <a:extLst>
+              <a:ext uri="{FF2B5EF4-FFF2-40B4-BE49-F238E27FC236}">
+                <a16:creationId xmlns:a16="http://schemas.microsoft.com/office/drawing/2014/main" id="{73DBC8F2-C1B3-4457-A23C-DA9A46AE7EF5}"/>
+              </a:ext>
+            </a:extLst>
+          </p:cNvPr>
+          <p:cNvSpPr>
+            <a:spLocks noGrp="1"/>
+          </p:cNvSpPr>
+          <p:nvPr>
+            <p:ph type="title"/>
+          </p:nvPr>
+        </p:nvSpPr>
+        <p:spPr>
+          <a:xfrm>
+            <a:off x="1154954" y="973669"/>
+            <a:ext cx="8825659" cy="706964"/>
+          </a:xfrm>
+        </p:spPr>
+        <p:txBody>
+          <a:bodyPr/>
+          <a:lstStyle/>
+          <a:p>
+            <a:pPr algn="ctr" rtl="1"/>
+            <a:r>
+              <a:rPr lang="he-IL" dirty="0"/>
+              <a:t>אזור אישי</a:t>
+            </a:r>
+          </a:p>
+        </p:txBody>
+      </p:sp>
+      <p:sp>
+        <p:nvSpPr>
+          <p:cNvPr id="5" name="תיבת טקסט 4">
+            <a:extLst>
+              <a:ext uri="{FF2B5EF4-FFF2-40B4-BE49-F238E27FC236}">
+                <a16:creationId xmlns:a16="http://schemas.microsoft.com/office/drawing/2014/main" id="{A0B248C0-6A86-4C32-8EB5-4142E5A65D4E}"/>
+              </a:ext>
+            </a:extLst>
+          </p:cNvPr>
+          <p:cNvSpPr txBox="1"/>
+          <p:nvPr/>
+        </p:nvSpPr>
+        <p:spPr>
+          <a:xfrm>
+            <a:off x="7685975" y="2534088"/>
+            <a:ext cx="4121834" cy="2031325"/>
+          </a:xfrm>
+          <a:prstGeom prst="rect">
+            <a:avLst/>
+          </a:prstGeom>
+          <a:noFill/>
+        </p:spPr>
+        <p:txBody>
+          <a:bodyPr wrap="square" rtlCol="1">
+            <a:spAutoFit/>
+          </a:bodyPr>
+          <a:lstStyle/>
+          <a:p>
+            <a:pPr algn="r" rtl="1"/>
+            <a:r>
+              <a:rPr lang="he-IL" b="1" u="sng" dirty="0"/>
+              <a:t>משבצת "המיקומים שלי":</a:t>
+            </a:r>
+          </a:p>
+          <a:p>
+            <a:pPr algn="r" rtl="1"/>
+            <a:endParaRPr lang="he-IL" dirty="0"/>
+          </a:p>
+          <a:p>
+            <a:pPr marL="285750" indent="-285750" algn="r" rtl="1">
+              <a:buFont typeface="Arial" panose="020B0604020202020204" pitchFamily="34" charset="0"/>
+              <a:buChar char="•"/>
+            </a:pPr>
+            <a:r>
+              <a:rPr lang="he-IL" dirty="0"/>
+              <a:t>שינינו את כפתור ההוספה שוב כדי שיתאים לסטנדרט המערכת.</a:t>
+            </a:r>
+          </a:p>
+          <a:p>
+            <a:pPr algn="r" rtl="1"/>
+            <a:endParaRPr lang="he-IL" dirty="0"/>
+          </a:p>
+          <a:p>
+            <a:pPr marL="285750" indent="-285750" algn="r" rtl="1">
+              <a:buFont typeface="Arial" panose="020B0604020202020204" pitchFamily="34" charset="0"/>
+              <a:buChar char="•"/>
+            </a:pPr>
+            <a:r>
+              <a:rPr lang="he-IL" dirty="0"/>
+              <a:t>הכפתור עוצב על פי שיטת העיצוב </a:t>
+            </a:r>
+            <a:r>
+              <a:rPr lang="en-US" dirty="0"/>
+              <a:t>material design</a:t>
+            </a:r>
+            <a:r>
+              <a:rPr lang="he-IL" dirty="0"/>
+              <a:t> של גוגל.</a:t>
+            </a:r>
+          </a:p>
+        </p:txBody>
+      </p:sp>
+      <p:pic>
+        <p:nvPicPr>
+          <p:cNvPr id="8" name="תמונה 7">
+            <a:extLst>
+              <a:ext uri="{FF2B5EF4-FFF2-40B4-BE49-F238E27FC236}">
+                <a16:creationId xmlns:a16="http://schemas.microsoft.com/office/drawing/2014/main" id="{8D2EB5EF-5A32-43C6-A237-C28CA3A3D4DB}"/>
+              </a:ext>
+            </a:extLst>
+          </p:cNvPr>
+          <p:cNvPicPr>
+            <a:picLocks noChangeAspect="1"/>
+          </p:cNvPicPr>
+          <p:nvPr/>
+        </p:nvPicPr>
+        <p:blipFill>
+          <a:blip r:embed="rId2"/>
+          <a:stretch>
+            <a:fillRect/>
+          </a:stretch>
+        </p:blipFill>
+        <p:spPr>
+          <a:xfrm>
+            <a:off x="384191" y="3549750"/>
+            <a:ext cx="6172200" cy="3190875"/>
+          </a:xfrm>
+          <a:prstGeom prst="rect">
+            <a:avLst/>
+          </a:prstGeom>
+        </p:spPr>
+      </p:pic>
+    </p:spTree>
+    <p:extLst>
+      <p:ext uri="{BB962C8B-B14F-4D97-AF65-F5344CB8AC3E}">
+        <p14:creationId xmlns:p14="http://schemas.microsoft.com/office/powerpoint/2010/main" val="1431834300"/>
+      </p:ext>
+    </p:extLst>
+  </p:cSld>
+  <p:clrMapOvr>
+    <a:masterClrMapping/>
+  </p:clrMapOvr>
+</p:sld>
+</file>
+
+<file path=ppt/slides/slide45.xml><?xml version="1.0" encoding="utf-8"?>
+<p:sld xmlns:a="http://schemas.openxmlformats.org/drawingml/2006/main" xmlns:r="http://schemas.openxmlformats.org/officeDocument/2006/relationships" xmlns:p="http://schemas.openxmlformats.org/presentationml/2006/main">
+  <p:cSld>
+    <p:spTree>
+      <p:nvGrpSpPr>
+        <p:cNvPr id="1" name=""/>
+        <p:cNvGrpSpPr/>
+        <p:nvPr/>
+      </p:nvGrpSpPr>
+      <p:grpSpPr>
+        <a:xfrm>
+          <a:off x="0" y="0"/>
+          <a:ext cx="0" cy="0"/>
+          <a:chOff x="0" y="0"/>
+          <a:chExt cx="0" cy="0"/>
+        </a:xfrm>
+      </p:grpSpPr>
+      <p:sp>
+        <p:nvSpPr>
+          <p:cNvPr id="4" name="כותרת 1">
+            <a:extLst>
+              <a:ext uri="{FF2B5EF4-FFF2-40B4-BE49-F238E27FC236}">
+                <a16:creationId xmlns:a16="http://schemas.microsoft.com/office/drawing/2014/main" id="{BBC3B682-CCD3-40B0-B8FA-BB5FDA754345}"/>
+              </a:ext>
+            </a:extLst>
+          </p:cNvPr>
+          <p:cNvSpPr>
+            <a:spLocks noGrp="1"/>
+          </p:cNvSpPr>
+          <p:nvPr>
+            <p:ph type="title"/>
+          </p:nvPr>
+        </p:nvSpPr>
+        <p:spPr>
+          <a:xfrm>
+            <a:off x="1154954" y="973669"/>
+            <a:ext cx="8825659" cy="706964"/>
+          </a:xfrm>
+        </p:spPr>
+        <p:txBody>
+          <a:bodyPr/>
+          <a:lstStyle/>
+          <a:p>
+            <a:pPr algn="ctr" rtl="1"/>
+            <a:r>
+              <a:rPr lang="he-IL" dirty="0"/>
+              <a:t>אזור אישי</a:t>
+            </a:r>
+          </a:p>
+        </p:txBody>
+      </p:sp>
+      <p:sp>
+        <p:nvSpPr>
+          <p:cNvPr id="5" name="תיבת טקסט 4">
+            <a:extLst>
+              <a:ext uri="{FF2B5EF4-FFF2-40B4-BE49-F238E27FC236}">
+                <a16:creationId xmlns:a16="http://schemas.microsoft.com/office/drawing/2014/main" id="{71FF33C9-F0A1-4BB9-8DE3-BD1199DF4336}"/>
+              </a:ext>
+            </a:extLst>
+          </p:cNvPr>
+          <p:cNvSpPr txBox="1"/>
+          <p:nvPr/>
+        </p:nvSpPr>
+        <p:spPr>
+          <a:xfrm>
+            <a:off x="7685975" y="2534088"/>
+            <a:ext cx="4121834" cy="2308324"/>
+          </a:xfrm>
+          <a:prstGeom prst="rect">
+            <a:avLst/>
+          </a:prstGeom>
+          <a:noFill/>
+        </p:spPr>
+        <p:txBody>
+          <a:bodyPr wrap="square" rtlCol="1">
+            <a:spAutoFit/>
+          </a:bodyPr>
+          <a:lstStyle/>
+          <a:p>
+            <a:pPr algn="r" rtl="1"/>
+            <a:r>
+              <a:rPr lang="he-IL" b="1" u="sng" dirty="0"/>
+              <a:t>משבצת </a:t>
+            </a:r>
+            <a:r>
+              <a:rPr lang="en-US" b="1" u="sng" dirty="0"/>
+              <a:t>"</a:t>
+            </a:r>
+            <a:r>
+              <a:rPr lang="he-IL" b="1" u="sng" dirty="0"/>
+              <a:t>פגישות ממתינות לאישור":</a:t>
+            </a:r>
+          </a:p>
+          <a:p>
+            <a:pPr algn="r" rtl="1"/>
+            <a:endParaRPr lang="he-IL" dirty="0"/>
+          </a:p>
+          <a:p>
+            <a:pPr marL="285750" indent="-285750" algn="r" rtl="1">
+              <a:buFont typeface="Arial" panose="020B0604020202020204" pitchFamily="34" charset="0"/>
+              <a:buChar char="•"/>
+            </a:pPr>
+            <a:r>
+              <a:rPr lang="he-IL" dirty="0"/>
+              <a:t>המשבצת אחידה למשבצות האחרות בדף, (אייקונים, מרווחים).</a:t>
+            </a:r>
+          </a:p>
+          <a:p>
+            <a:pPr marL="285750" indent="-285750" algn="r" rtl="1">
+              <a:buFont typeface="Arial" panose="020B0604020202020204" pitchFamily="34" charset="0"/>
+              <a:buChar char="•"/>
+            </a:pPr>
+            <a:r>
+              <a:rPr lang="he-IL" dirty="0"/>
+              <a:t>הוספנו הודעה במקרה שאין מידע להצגה (כמו כן, במשבצות האחרות בעמוד), כדי שהמשתמש לא יחשוב שיש משהו לא בסדר במערכת.</a:t>
+            </a:r>
+          </a:p>
+        </p:txBody>
+      </p:sp>
+      <p:pic>
+        <p:nvPicPr>
+          <p:cNvPr id="7" name="תמונה 6">
+            <a:extLst>
+              <a:ext uri="{FF2B5EF4-FFF2-40B4-BE49-F238E27FC236}">
+                <a16:creationId xmlns:a16="http://schemas.microsoft.com/office/drawing/2014/main" id="{455F304E-C0D2-4802-A411-BD7F40CD43EB}"/>
+              </a:ext>
+            </a:extLst>
+          </p:cNvPr>
+          <p:cNvPicPr>
+            <a:picLocks noChangeAspect="1"/>
+          </p:cNvPicPr>
+          <p:nvPr/>
+        </p:nvPicPr>
+        <p:blipFill>
+          <a:blip r:embed="rId2"/>
+          <a:stretch>
+            <a:fillRect/>
+          </a:stretch>
+        </p:blipFill>
+        <p:spPr>
+          <a:xfrm>
+            <a:off x="0" y="3926104"/>
+            <a:ext cx="7821038" cy="2741395"/>
+          </a:xfrm>
+          <a:prstGeom prst="rect">
+            <a:avLst/>
+          </a:prstGeom>
+        </p:spPr>
+      </p:pic>
+    </p:spTree>
+    <p:extLst>
+      <p:ext uri="{BB962C8B-B14F-4D97-AF65-F5344CB8AC3E}">
+        <p14:creationId xmlns:p14="http://schemas.microsoft.com/office/powerpoint/2010/main" val="2753159462"/>
+      </p:ext>
+    </p:extLst>
+  </p:cSld>
+  <p:clrMapOvr>
+    <a:masterClrMapping/>
+  </p:clrMapOvr>
+</p:sld>
+</file>
+
+<file path=ppt/slides/slide46.xml><?xml version="1.0" encoding="utf-8"?>
 <p:sld xmlns:a="http://schemas.openxmlformats.org/drawingml/2006/main" xmlns:r="http://schemas.openxmlformats.org/officeDocument/2006/relationships" xmlns:p="http://schemas.openxmlformats.org/presentationml/2006/main">
   <p:cSld>
     <p:spTree>
@@ -19739,7 +20582,7 @@
 </p:sld>
 </file>
 
-<file path=ppt/slides/slide41.xml><?xml version="1.0" encoding="utf-8"?>
+<file path=ppt/slides/slide47.xml><?xml version="1.0" encoding="utf-8"?>
 <p:sld xmlns:a="http://schemas.openxmlformats.org/drawingml/2006/main" xmlns:r="http://schemas.openxmlformats.org/officeDocument/2006/relationships" xmlns:p="http://schemas.openxmlformats.org/presentationml/2006/main">
   <p:cSld>
     <p:spTree>
@@ -20336,7 +21179,7 @@
 </p:sld>
 </file>
 
-<file path=ppt/slides/slide42.xml><?xml version="1.0" encoding="utf-8"?>
+<file path=ppt/slides/slide48.xml><?xml version="1.0" encoding="utf-8"?>
 <p:sld xmlns:a="http://schemas.openxmlformats.org/drawingml/2006/main" xmlns:r="http://schemas.openxmlformats.org/officeDocument/2006/relationships" xmlns:p="http://schemas.openxmlformats.org/presentationml/2006/main">
   <p:cSld>
     <p:spTree>
@@ -20875,7 +21718,7 @@
 </p:sld>
 </file>
 
-<file path=ppt/slides/slide43.xml><?xml version="1.0" encoding="utf-8"?>
+<file path=ppt/slides/slide49.xml><?xml version="1.0" encoding="utf-8"?>
 <p:sld xmlns:a="http://schemas.openxmlformats.org/drawingml/2006/main" xmlns:r="http://schemas.openxmlformats.org/officeDocument/2006/relationships" xmlns:p="http://schemas.openxmlformats.org/presentationml/2006/main">
   <p:cSld>
     <p:spTree>
@@ -21414,7 +22257,208 @@
 </p:sld>
 </file>
 
-<file path=ppt/slides/slide44.xml><?xml version="1.0" encoding="utf-8"?>
+<file path=ppt/slides/slide5.xml><?xml version="1.0" encoding="utf-8"?>
+<p:sld xmlns:a="http://schemas.openxmlformats.org/drawingml/2006/main" xmlns:r="http://schemas.openxmlformats.org/officeDocument/2006/relationships" xmlns:p="http://schemas.openxmlformats.org/presentationml/2006/main">
+  <p:cSld>
+    <p:spTree>
+      <p:nvGrpSpPr>
+        <p:cNvPr id="1" name=""/>
+        <p:cNvGrpSpPr/>
+        <p:nvPr/>
+      </p:nvGrpSpPr>
+      <p:grpSpPr>
+        <a:xfrm>
+          <a:off x="0" y="0"/>
+          <a:ext cx="0" cy="0"/>
+          <a:chOff x="0" y="0"/>
+          <a:chExt cx="0" cy="0"/>
+        </a:xfrm>
+      </p:grpSpPr>
+      <p:sp>
+        <p:nvSpPr>
+          <p:cNvPr id="2" name="כותרת 1">
+            <a:extLst>
+              <a:ext uri="{FF2B5EF4-FFF2-40B4-BE49-F238E27FC236}">
+                <a16:creationId xmlns:a16="http://schemas.microsoft.com/office/drawing/2014/main" id="{92A500EE-F6C5-4C79-92F1-D2FDEE8174A4}"/>
+              </a:ext>
+            </a:extLst>
+          </p:cNvPr>
+          <p:cNvSpPr>
+            <a:spLocks noGrp="1"/>
+          </p:cNvSpPr>
+          <p:nvPr>
+            <p:ph type="title"/>
+          </p:nvPr>
+        </p:nvSpPr>
+        <p:spPr/>
+        <p:txBody>
+          <a:bodyPr/>
+          <a:lstStyle/>
+          <a:p>
+            <a:pPr algn="ctr"/>
+            <a:r>
+              <a:rPr lang="he-IL" dirty="0"/>
+              <a:t>מסך התחברות</a:t>
+            </a:r>
+          </a:p>
+        </p:txBody>
+      </p:sp>
+      <p:pic>
+        <p:nvPicPr>
+          <p:cNvPr id="16" name="תמונה 15">
+            <a:extLst>
+              <a:ext uri="{FF2B5EF4-FFF2-40B4-BE49-F238E27FC236}">
+                <a16:creationId xmlns:a16="http://schemas.microsoft.com/office/drawing/2014/main" id="{4FD9B8E5-98A3-4C79-8EC6-1523FF6B0199}"/>
+              </a:ext>
+            </a:extLst>
+          </p:cNvPr>
+          <p:cNvPicPr>
+            <a:picLocks noChangeAspect="1"/>
+          </p:cNvPicPr>
+          <p:nvPr/>
+        </p:nvPicPr>
+        <p:blipFill>
+          <a:blip r:embed="rId2"/>
+          <a:stretch>
+            <a:fillRect/>
+          </a:stretch>
+        </p:blipFill>
+        <p:spPr>
+          <a:xfrm>
+            <a:off x="531944" y="2813539"/>
+            <a:ext cx="6851533" cy="3844516"/>
+          </a:xfrm>
+          <a:prstGeom prst="rect">
+            <a:avLst/>
+          </a:prstGeom>
+        </p:spPr>
+      </p:pic>
+      <p:sp>
+        <p:nvSpPr>
+          <p:cNvPr id="17" name="תיבת טקסט 16">
+            <a:extLst>
+              <a:ext uri="{FF2B5EF4-FFF2-40B4-BE49-F238E27FC236}">
+                <a16:creationId xmlns:a16="http://schemas.microsoft.com/office/drawing/2014/main" id="{2F642565-7D83-416E-A7D1-4FA3B48B83E1}"/>
+              </a:ext>
+            </a:extLst>
+          </p:cNvPr>
+          <p:cNvSpPr txBox="1"/>
+          <p:nvPr/>
+        </p:nvSpPr>
+        <p:spPr>
+          <a:xfrm>
+            <a:off x="7540282" y="2610683"/>
+            <a:ext cx="4487594" cy="3693319"/>
+          </a:xfrm>
+          <a:prstGeom prst="rect">
+            <a:avLst/>
+          </a:prstGeom>
+          <a:noFill/>
+        </p:spPr>
+        <p:txBody>
+          <a:bodyPr wrap="square" rtlCol="1">
+            <a:spAutoFit/>
+          </a:bodyPr>
+          <a:lstStyle/>
+          <a:p>
+            <a:pPr marL="285750" indent="-285750" algn="r" rtl="1">
+              <a:buFont typeface="Arial" panose="020B0604020202020204" pitchFamily="34" charset="0"/>
+              <a:buChar char="•"/>
+            </a:pPr>
+            <a:r>
+              <a:rPr lang="he-IL" dirty="0"/>
+              <a:t>כפתור ההתחברות וההרשמה דומים ויכולים לגרום לבלבול בזמן ההתחברות.</a:t>
+            </a:r>
+          </a:p>
+          <a:p>
+            <a:pPr marL="285750" indent="-285750" algn="r" rtl="1">
+              <a:buFont typeface="Arial" panose="020B0604020202020204" pitchFamily="34" charset="0"/>
+              <a:buChar char="•"/>
+            </a:pPr>
+            <a:r>
+              <a:rPr lang="he-IL" dirty="0"/>
+              <a:t>אין אפשרות לשחזור סיסמת המשתמש – </a:t>
+            </a:r>
+            <a:r>
+              <a:rPr lang="he-IL" b="1" dirty="0"/>
+              <a:t>שליטת משתמש וחופש פעולה.</a:t>
+            </a:r>
+            <a:endParaRPr lang="he-IL" dirty="0"/>
+          </a:p>
+          <a:p>
+            <a:pPr marL="285750" indent="-285750" algn="r" rtl="1">
+              <a:buFont typeface="Arial" panose="020B0604020202020204" pitchFamily="34" charset="0"/>
+              <a:buChar char="•"/>
+            </a:pPr>
+            <a:r>
+              <a:rPr lang="he-IL" dirty="0"/>
+              <a:t>אין חיווי המראה למשתמש היכן הוא ממלא את פרטיו – </a:t>
+            </a:r>
+            <a:r>
+              <a:rPr lang="he-IL" b="1" dirty="0"/>
+              <a:t>חיווי מצב המערכת.</a:t>
+            </a:r>
+            <a:endParaRPr lang="he-IL" dirty="0"/>
+          </a:p>
+          <a:p>
+            <a:pPr marL="285750" indent="-285750" algn="r" rtl="1">
+              <a:buFont typeface="Arial" panose="020B0604020202020204" pitchFamily="34" charset="0"/>
+              <a:buChar char="•"/>
+            </a:pPr>
+            <a:r>
+              <a:rPr lang="he-IL" dirty="0"/>
+              <a:t>אין סמלים\אייקונים שמאפיינים את שדות הקלט – </a:t>
+            </a:r>
+            <a:r>
+              <a:rPr lang="he-IL" b="1" dirty="0"/>
+              <a:t>זיהוי ולא זיכרון.</a:t>
+            </a:r>
+          </a:p>
+          <a:p>
+            <a:pPr marL="285750" indent="-285750" algn="r" rtl="1">
+              <a:buFont typeface="Arial" panose="020B0604020202020204" pitchFamily="34" charset="0"/>
+              <a:buChar char="•"/>
+            </a:pPr>
+            <a:r>
+              <a:rPr lang="he-IL" dirty="0"/>
+              <a:t>על המשתמש ללחוץ על כל שדה קלט עם העכבר על מנת להכניס את הפרטים – </a:t>
+            </a:r>
+            <a:r>
+              <a:rPr lang="he-IL" b="1" dirty="0"/>
+              <a:t>גמישות ויעילות שימוש.</a:t>
+            </a:r>
+          </a:p>
+          <a:p>
+            <a:pPr marL="285750" indent="-285750" algn="r" rtl="1">
+              <a:buFont typeface="Arial" panose="020B0604020202020204" pitchFamily="34" charset="0"/>
+              <a:buChar char="•"/>
+            </a:pPr>
+            <a:r>
+              <a:rPr lang="he-IL" dirty="0"/>
+              <a:t>אין אפשרות "זכור אותי" – </a:t>
+            </a:r>
+            <a:r>
+              <a:rPr lang="he-IL" b="1" dirty="0"/>
+              <a:t>גמישות ויעילות שימוש.</a:t>
+            </a:r>
+            <a:endParaRPr lang="he-IL" dirty="0"/>
+          </a:p>
+        </p:txBody>
+      </p:sp>
+    </p:spTree>
+    <p:extLst>
+      <p:ext uri="{BB962C8B-B14F-4D97-AF65-F5344CB8AC3E}">
+        <p14:creationId xmlns:p14="http://schemas.microsoft.com/office/powerpoint/2010/main" val="2576447696"/>
+      </p:ext>
+    </p:extLst>
+  </p:cSld>
+  <p:clrMapOvr>
+    <a:masterClrMapping/>
+  </p:clrMapOvr>
+</p:sld>
+</file>
+
+<file path=ppt/slides/slide50.xml><?xml version="1.0" encoding="utf-8"?>
 <p:sld xmlns:a="http://schemas.openxmlformats.org/drawingml/2006/main" xmlns:r="http://schemas.openxmlformats.org/officeDocument/2006/relationships" xmlns:p="http://schemas.openxmlformats.org/presentationml/2006/main">
   <p:cSld>
     <p:spTree>
@@ -21887,7 +22931,7 @@
 </p:sld>
 </file>
 
-<file path=ppt/slides/slide45.xml><?xml version="1.0" encoding="utf-8"?>
+<file path=ppt/slides/slide51.xml><?xml version="1.0" encoding="utf-8"?>
 <p:sld xmlns:a="http://schemas.openxmlformats.org/drawingml/2006/main" xmlns:r="http://schemas.openxmlformats.org/officeDocument/2006/relationships" xmlns:p="http://schemas.openxmlformats.org/presentationml/2006/main">
   <p:cSld>
     <p:spTree>
@@ -22511,7 +23555,7 @@
 </p:sld>
 </file>
 
-<file path=ppt/slides/slide46.xml><?xml version="1.0" encoding="utf-8"?>
+<file path=ppt/slides/slide52.xml><?xml version="1.0" encoding="utf-8"?>
 <p:sld xmlns:a="http://schemas.openxmlformats.org/drawingml/2006/main" xmlns:r="http://schemas.openxmlformats.org/officeDocument/2006/relationships" xmlns:p="http://schemas.openxmlformats.org/presentationml/2006/main">
   <p:cSld>
     <p:spTree>
@@ -22999,7 +24043,7 @@
 </p:sld>
 </file>
 
-<file path=ppt/slides/slide47.xml><?xml version="1.0" encoding="utf-8"?>
+<file path=ppt/slides/slide53.xml><?xml version="1.0" encoding="utf-8"?>
 <p:sld xmlns:a="http://schemas.openxmlformats.org/drawingml/2006/main" xmlns:r="http://schemas.openxmlformats.org/officeDocument/2006/relationships" xmlns:p="http://schemas.openxmlformats.org/presentationml/2006/main">
   <p:cSld>
     <p:spTree>
@@ -23415,7 +24459,7 @@
 </p:sld>
 </file>
 
-<file path=ppt/slides/slide48.xml><?xml version="1.0" encoding="utf-8"?>
+<file path=ppt/slides/slide54.xml><?xml version="1.0" encoding="utf-8"?>
 <p:sld xmlns:a="http://schemas.openxmlformats.org/drawingml/2006/main" xmlns:r="http://schemas.openxmlformats.org/officeDocument/2006/relationships" xmlns:p="http://schemas.openxmlformats.org/presentationml/2006/main">
   <p:cSld>
     <p:spTree>
@@ -23889,7 +24933,7 @@
 </p:sld>
 </file>
 
-<file path=ppt/slides/slide49.xml><?xml version="1.0" encoding="utf-8"?>
+<file path=ppt/slides/slide55.xml><?xml version="1.0" encoding="utf-8"?>
 <p:sld xmlns:a="http://schemas.openxmlformats.org/drawingml/2006/main" xmlns:r="http://schemas.openxmlformats.org/officeDocument/2006/relationships" xmlns:p="http://schemas.openxmlformats.org/presentationml/2006/main">
   <p:cSld>
     <p:spTree>
@@ -24394,208 +25438,7 @@
 </p:sld>
 </file>
 
-<file path=ppt/slides/slide5.xml><?xml version="1.0" encoding="utf-8"?>
-<p:sld xmlns:a="http://schemas.openxmlformats.org/drawingml/2006/main" xmlns:r="http://schemas.openxmlformats.org/officeDocument/2006/relationships" xmlns:p="http://schemas.openxmlformats.org/presentationml/2006/main">
-  <p:cSld>
-    <p:spTree>
-      <p:nvGrpSpPr>
-        <p:cNvPr id="1" name=""/>
-        <p:cNvGrpSpPr/>
-        <p:nvPr/>
-      </p:nvGrpSpPr>
-      <p:grpSpPr>
-        <a:xfrm>
-          <a:off x="0" y="0"/>
-          <a:ext cx="0" cy="0"/>
-          <a:chOff x="0" y="0"/>
-          <a:chExt cx="0" cy="0"/>
-        </a:xfrm>
-      </p:grpSpPr>
-      <p:sp>
-        <p:nvSpPr>
-          <p:cNvPr id="2" name="כותרת 1">
-            <a:extLst>
-              <a:ext uri="{FF2B5EF4-FFF2-40B4-BE49-F238E27FC236}">
-                <a16:creationId xmlns:a16="http://schemas.microsoft.com/office/drawing/2014/main" id="{92A500EE-F6C5-4C79-92F1-D2FDEE8174A4}"/>
-              </a:ext>
-            </a:extLst>
-          </p:cNvPr>
-          <p:cNvSpPr>
-            <a:spLocks noGrp="1"/>
-          </p:cNvSpPr>
-          <p:nvPr>
-            <p:ph type="title"/>
-          </p:nvPr>
-        </p:nvSpPr>
-        <p:spPr/>
-        <p:txBody>
-          <a:bodyPr/>
-          <a:lstStyle/>
-          <a:p>
-            <a:pPr algn="ctr"/>
-            <a:r>
-              <a:rPr lang="he-IL" dirty="0"/>
-              <a:t>מסך התחברות</a:t>
-            </a:r>
-          </a:p>
-        </p:txBody>
-      </p:sp>
-      <p:pic>
-        <p:nvPicPr>
-          <p:cNvPr id="16" name="תמונה 15">
-            <a:extLst>
-              <a:ext uri="{FF2B5EF4-FFF2-40B4-BE49-F238E27FC236}">
-                <a16:creationId xmlns:a16="http://schemas.microsoft.com/office/drawing/2014/main" id="{4FD9B8E5-98A3-4C79-8EC6-1523FF6B0199}"/>
-              </a:ext>
-            </a:extLst>
-          </p:cNvPr>
-          <p:cNvPicPr>
-            <a:picLocks noChangeAspect="1"/>
-          </p:cNvPicPr>
-          <p:nvPr/>
-        </p:nvPicPr>
-        <p:blipFill>
-          <a:blip r:embed="rId2"/>
-          <a:stretch>
-            <a:fillRect/>
-          </a:stretch>
-        </p:blipFill>
-        <p:spPr>
-          <a:xfrm>
-            <a:off x="531944" y="2813539"/>
-            <a:ext cx="6851533" cy="3844516"/>
-          </a:xfrm>
-          <a:prstGeom prst="rect">
-            <a:avLst/>
-          </a:prstGeom>
-        </p:spPr>
-      </p:pic>
-      <p:sp>
-        <p:nvSpPr>
-          <p:cNvPr id="17" name="תיבת טקסט 16">
-            <a:extLst>
-              <a:ext uri="{FF2B5EF4-FFF2-40B4-BE49-F238E27FC236}">
-                <a16:creationId xmlns:a16="http://schemas.microsoft.com/office/drawing/2014/main" id="{2F642565-7D83-416E-A7D1-4FA3B48B83E1}"/>
-              </a:ext>
-            </a:extLst>
-          </p:cNvPr>
-          <p:cNvSpPr txBox="1"/>
-          <p:nvPr/>
-        </p:nvSpPr>
-        <p:spPr>
-          <a:xfrm>
-            <a:off x="7540282" y="2610683"/>
-            <a:ext cx="4487594" cy="3693319"/>
-          </a:xfrm>
-          <a:prstGeom prst="rect">
-            <a:avLst/>
-          </a:prstGeom>
-          <a:noFill/>
-        </p:spPr>
-        <p:txBody>
-          <a:bodyPr wrap="square" rtlCol="1">
-            <a:spAutoFit/>
-          </a:bodyPr>
-          <a:lstStyle/>
-          <a:p>
-            <a:pPr marL="285750" indent="-285750" algn="r" rtl="1">
-              <a:buFont typeface="Arial" panose="020B0604020202020204" pitchFamily="34" charset="0"/>
-              <a:buChar char="•"/>
-            </a:pPr>
-            <a:r>
-              <a:rPr lang="he-IL" dirty="0"/>
-              <a:t>כפתור ההתחברות וההרשמה דומים ויכולים לגרום לבלבול בזמן ההתחברות.</a:t>
-            </a:r>
-          </a:p>
-          <a:p>
-            <a:pPr marL="285750" indent="-285750" algn="r" rtl="1">
-              <a:buFont typeface="Arial" panose="020B0604020202020204" pitchFamily="34" charset="0"/>
-              <a:buChar char="•"/>
-            </a:pPr>
-            <a:r>
-              <a:rPr lang="he-IL" dirty="0"/>
-              <a:t>אין אפשרות לשחזור סיסמת המשתמש – </a:t>
-            </a:r>
-            <a:r>
-              <a:rPr lang="he-IL" b="1" dirty="0"/>
-              <a:t>שליטת משתמש וחופש פעולה.</a:t>
-            </a:r>
-            <a:endParaRPr lang="he-IL" dirty="0"/>
-          </a:p>
-          <a:p>
-            <a:pPr marL="285750" indent="-285750" algn="r" rtl="1">
-              <a:buFont typeface="Arial" panose="020B0604020202020204" pitchFamily="34" charset="0"/>
-              <a:buChar char="•"/>
-            </a:pPr>
-            <a:r>
-              <a:rPr lang="he-IL" dirty="0"/>
-              <a:t>אין חיווי המראה למשתמש היכן הוא ממלא את פרטיו – </a:t>
-            </a:r>
-            <a:r>
-              <a:rPr lang="he-IL" b="1" dirty="0"/>
-              <a:t>חיווי מצב המערכת.</a:t>
-            </a:r>
-            <a:endParaRPr lang="he-IL" dirty="0"/>
-          </a:p>
-          <a:p>
-            <a:pPr marL="285750" indent="-285750" algn="r" rtl="1">
-              <a:buFont typeface="Arial" panose="020B0604020202020204" pitchFamily="34" charset="0"/>
-              <a:buChar char="•"/>
-            </a:pPr>
-            <a:r>
-              <a:rPr lang="he-IL" dirty="0"/>
-              <a:t>אין סמלים\אייקונים שמאפיינים את שדות הקלט – </a:t>
-            </a:r>
-            <a:r>
-              <a:rPr lang="he-IL" b="1" dirty="0"/>
-              <a:t>זיהוי ולא זיכרון.</a:t>
-            </a:r>
-          </a:p>
-          <a:p>
-            <a:pPr marL="285750" indent="-285750" algn="r" rtl="1">
-              <a:buFont typeface="Arial" panose="020B0604020202020204" pitchFamily="34" charset="0"/>
-              <a:buChar char="•"/>
-            </a:pPr>
-            <a:r>
-              <a:rPr lang="he-IL" dirty="0"/>
-              <a:t>על המשתמש ללחוץ על כל שדה קלט עם העכבר על מנת להכניס את הפרטים – </a:t>
-            </a:r>
-            <a:r>
-              <a:rPr lang="he-IL" b="1" dirty="0"/>
-              <a:t>גמישות ויעילות שימוש.</a:t>
-            </a:r>
-          </a:p>
-          <a:p>
-            <a:pPr marL="285750" indent="-285750" algn="r" rtl="1">
-              <a:buFont typeface="Arial" panose="020B0604020202020204" pitchFamily="34" charset="0"/>
-              <a:buChar char="•"/>
-            </a:pPr>
-            <a:r>
-              <a:rPr lang="he-IL" dirty="0"/>
-              <a:t>אין אפשרות "זכור אותי" – </a:t>
-            </a:r>
-            <a:r>
-              <a:rPr lang="he-IL" b="1" dirty="0"/>
-              <a:t>גמישות ויעילות שימוש.</a:t>
-            </a:r>
-            <a:endParaRPr lang="he-IL" dirty="0"/>
-          </a:p>
-        </p:txBody>
-      </p:sp>
-    </p:spTree>
-    <p:extLst>
-      <p:ext uri="{BB962C8B-B14F-4D97-AF65-F5344CB8AC3E}">
-        <p14:creationId xmlns:p14="http://schemas.microsoft.com/office/powerpoint/2010/main" val="2576447696"/>
-      </p:ext>
-    </p:extLst>
-  </p:cSld>
-  <p:clrMapOvr>
-    <a:masterClrMapping/>
-  </p:clrMapOvr>
-</p:sld>
-</file>
-
-<file path=ppt/slides/slide50.xml><?xml version="1.0" encoding="utf-8"?>
+<file path=ppt/slides/slide56.xml><?xml version="1.0" encoding="utf-8"?>
 <p:sld xmlns:a="http://schemas.openxmlformats.org/drawingml/2006/main" xmlns:r="http://schemas.openxmlformats.org/officeDocument/2006/relationships" xmlns:p="http://schemas.openxmlformats.org/presentationml/2006/main">
   <p:cSld>
     <p:spTree>
@@ -24866,7 +25709,7 @@
 </p:sld>
 </file>
 
-<file path=ppt/slides/slide51.xml><?xml version="1.0" encoding="utf-8"?>
+<file path=ppt/slides/slide57.xml><?xml version="1.0" encoding="utf-8"?>
 <p:sld xmlns:a="http://schemas.openxmlformats.org/drawingml/2006/main" xmlns:r="http://schemas.openxmlformats.org/officeDocument/2006/relationships" xmlns:p="http://schemas.openxmlformats.org/presentationml/2006/main">
   <p:cSld>
     <p:spTree>
@@ -25141,7 +25984,7 @@
 </p:sld>
 </file>
 
-<file path=ppt/slides/slide52.xml><?xml version="1.0" encoding="utf-8"?>
+<file path=ppt/slides/slide58.xml><?xml version="1.0" encoding="utf-8"?>
 <p:sld xmlns:a="http://schemas.openxmlformats.org/drawingml/2006/main" xmlns:r="http://schemas.openxmlformats.org/officeDocument/2006/relationships" xmlns:p="http://schemas.openxmlformats.org/presentationml/2006/main">
   <p:cSld>
     <p:spTree>
@@ -25213,7 +26056,7 @@
 </p:sld>
 </file>
 
-<file path=ppt/slides/slide53.xml><?xml version="1.0" encoding="utf-8"?>
+<file path=ppt/slides/slide59.xml><?xml version="1.0" encoding="utf-8"?>
 <p:sld xmlns:a="http://schemas.openxmlformats.org/drawingml/2006/main" xmlns:r="http://schemas.openxmlformats.org/officeDocument/2006/relationships" xmlns:p="http://schemas.openxmlformats.org/presentationml/2006/main">
   <p:cSld>
     <p:spTree>
@@ -26686,7 +27529,200 @@
 </p:sld>
 </file>
 
-<file path=ppt/slides/slide54.xml><?xml version="1.0" encoding="utf-8"?>
+<file path=ppt/slides/slide6.xml><?xml version="1.0" encoding="utf-8"?>
+<p:sld xmlns:a="http://schemas.openxmlformats.org/drawingml/2006/main" xmlns:r="http://schemas.openxmlformats.org/officeDocument/2006/relationships" xmlns:p="http://schemas.openxmlformats.org/presentationml/2006/main">
+  <p:cSld>
+    <p:spTree>
+      <p:nvGrpSpPr>
+        <p:cNvPr id="1" name=""/>
+        <p:cNvGrpSpPr/>
+        <p:nvPr/>
+      </p:nvGrpSpPr>
+      <p:grpSpPr>
+        <a:xfrm>
+          <a:off x="0" y="0"/>
+          <a:ext cx="0" cy="0"/>
+          <a:chOff x="0" y="0"/>
+          <a:chExt cx="0" cy="0"/>
+        </a:xfrm>
+      </p:grpSpPr>
+      <p:sp>
+        <p:nvSpPr>
+          <p:cNvPr id="2" name="כותרת 1">
+            <a:extLst>
+              <a:ext uri="{FF2B5EF4-FFF2-40B4-BE49-F238E27FC236}">
+                <a16:creationId xmlns:a16="http://schemas.microsoft.com/office/drawing/2014/main" id="{DE777293-170B-4164-A212-000191C56DFE}"/>
+              </a:ext>
+            </a:extLst>
+          </p:cNvPr>
+          <p:cNvSpPr>
+            <a:spLocks noGrp="1"/>
+          </p:cNvSpPr>
+          <p:nvPr>
+            <p:ph type="title"/>
+          </p:nvPr>
+        </p:nvSpPr>
+        <p:spPr/>
+        <p:txBody>
+          <a:bodyPr/>
+          <a:lstStyle/>
+          <a:p>
+            <a:pPr algn="ctr" rtl="1"/>
+            <a:r>
+              <a:rPr lang="he-IL"/>
+              <a:t>מסך </a:t>
+            </a:r>
+            <a:r>
+              <a:rPr lang="he-IL" dirty="0"/>
+              <a:t>הרשמה</a:t>
+            </a:r>
+          </a:p>
+        </p:txBody>
+      </p:sp>
+      <p:pic>
+        <p:nvPicPr>
+          <p:cNvPr id="4" name="תמונה 3">
+            <a:extLst>
+              <a:ext uri="{FF2B5EF4-FFF2-40B4-BE49-F238E27FC236}">
+                <a16:creationId xmlns:a16="http://schemas.microsoft.com/office/drawing/2014/main" id="{2B8550E2-EBB3-4A16-B677-A16EF0998913}"/>
+              </a:ext>
+            </a:extLst>
+          </p:cNvPr>
+          <p:cNvPicPr>
+            <a:picLocks noChangeAspect="1"/>
+          </p:cNvPicPr>
+          <p:nvPr/>
+        </p:nvPicPr>
+        <p:blipFill>
+          <a:blip r:embed="rId2"/>
+          <a:stretch>
+            <a:fillRect/>
+          </a:stretch>
+        </p:blipFill>
+        <p:spPr>
+          <a:xfrm>
+            <a:off x="331177" y="2477527"/>
+            <a:ext cx="7434189" cy="4212128"/>
+          </a:xfrm>
+          <a:prstGeom prst="rect">
+            <a:avLst/>
+          </a:prstGeom>
+        </p:spPr>
+      </p:pic>
+      <p:sp>
+        <p:nvSpPr>
+          <p:cNvPr id="5" name="תיבת טקסט 4">
+            <a:extLst>
+              <a:ext uri="{FF2B5EF4-FFF2-40B4-BE49-F238E27FC236}">
+                <a16:creationId xmlns:a16="http://schemas.microsoft.com/office/drawing/2014/main" id="{49C1F48E-4344-478F-B955-03346A467B7E}"/>
+              </a:ext>
+            </a:extLst>
+          </p:cNvPr>
+          <p:cNvSpPr txBox="1"/>
+          <p:nvPr/>
+        </p:nvSpPr>
+        <p:spPr>
+          <a:xfrm>
+            <a:off x="7919696" y="2477527"/>
+            <a:ext cx="4121834" cy="3139321"/>
+          </a:xfrm>
+          <a:prstGeom prst="rect">
+            <a:avLst/>
+          </a:prstGeom>
+          <a:noFill/>
+        </p:spPr>
+        <p:txBody>
+          <a:bodyPr wrap="square" rtlCol="1">
+            <a:spAutoFit/>
+          </a:bodyPr>
+          <a:lstStyle/>
+          <a:p>
+            <a:pPr marL="285750" indent="-285750" algn="r" rtl="1">
+              <a:buFont typeface="Arial" panose="020B0604020202020204" pitchFamily="34" charset="0"/>
+              <a:buChar char="•"/>
+            </a:pPr>
+            <a:r>
+              <a:rPr lang="he-IL" dirty="0"/>
+              <a:t>אין כפתור חזרה למסך ההתחברות – </a:t>
+            </a:r>
+            <a:r>
+              <a:rPr lang="he-IL" b="1" dirty="0"/>
+              <a:t>שליטת משתמש וחופש פעולה.</a:t>
+            </a:r>
+          </a:p>
+          <a:p>
+            <a:pPr marL="285750" indent="-285750" algn="r" rtl="1">
+              <a:buFont typeface="Arial" panose="020B0604020202020204" pitchFamily="34" charset="0"/>
+              <a:buChar char="•"/>
+            </a:pPr>
+            <a:r>
+              <a:rPr lang="he-IL" dirty="0"/>
+              <a:t>אין שדה לאימות סיסמה בשנית – </a:t>
+            </a:r>
+            <a:r>
+              <a:rPr lang="he-IL" b="1" dirty="0"/>
+              <a:t>מניעת טעויות.</a:t>
+            </a:r>
+          </a:p>
+          <a:p>
+            <a:pPr marL="285750" indent="-285750" algn="r" rtl="1">
+              <a:buFont typeface="Arial" panose="020B0604020202020204" pitchFamily="34" charset="0"/>
+              <a:buChar char="•"/>
+            </a:pPr>
+            <a:r>
+              <a:rPr lang="he-IL" dirty="0"/>
+              <a:t>אין חיווי למשתמש לגביי מה הדרישות לסיסמה תקינה – </a:t>
+            </a:r>
+            <a:r>
+              <a:rPr lang="he-IL" b="1" dirty="0"/>
+              <a:t>עזרה ומסמכים.</a:t>
+            </a:r>
+            <a:endParaRPr lang="he-IL" dirty="0"/>
+          </a:p>
+          <a:p>
+            <a:pPr marL="285750" indent="-285750" algn="r" rtl="1">
+              <a:buFont typeface="Arial" panose="020B0604020202020204" pitchFamily="34" charset="0"/>
+              <a:buChar char="•"/>
+            </a:pPr>
+            <a:r>
+              <a:rPr lang="he-IL" dirty="0"/>
+              <a:t>אין ולידציה בעת מילוי האימייל (לפני לחיצת כפתור "הירשם") או תבנית של אימייל המונעות טעויות – </a:t>
+            </a:r>
+            <a:r>
+              <a:rPr lang="he-IL" b="1" dirty="0"/>
+              <a:t>מניעת טעויות.</a:t>
+            </a:r>
+          </a:p>
+          <a:p>
+            <a:pPr marL="285750" indent="-285750" algn="r" rtl="1">
+              <a:buFont typeface="Arial" panose="020B0604020202020204" pitchFamily="34" charset="0"/>
+              <a:buChar char="•"/>
+            </a:pPr>
+            <a:r>
+              <a:rPr lang="he-IL" dirty="0"/>
+              <a:t>אין סימון ברירת מחדל של מין –</a:t>
+            </a:r>
+            <a:r>
+              <a:rPr lang="he-IL" b="1" dirty="0"/>
+              <a:t> מניעת טעויות.</a:t>
+            </a:r>
+          </a:p>
+        </p:txBody>
+      </p:sp>
+    </p:spTree>
+    <p:extLst>
+      <p:ext uri="{BB962C8B-B14F-4D97-AF65-F5344CB8AC3E}">
+        <p14:creationId xmlns:p14="http://schemas.microsoft.com/office/powerpoint/2010/main" val="2598648921"/>
+      </p:ext>
+    </p:extLst>
+  </p:cSld>
+  <p:clrMapOvr>
+    <a:masterClrMapping/>
+  </p:clrMapOvr>
+</p:sld>
+</file>
+
+<file path=ppt/slides/slide60.xml><?xml version="1.0" encoding="utf-8"?>
 <p:sld xmlns:a="http://schemas.openxmlformats.org/drawingml/2006/main" xmlns:r="http://schemas.openxmlformats.org/officeDocument/2006/relationships" xmlns:p="http://schemas.openxmlformats.org/presentationml/2006/main">
   <p:cSld>
     <p:spTree>
@@ -28553,7 +29589,7 @@
 </p:sld>
 </file>
 
-<file path=ppt/slides/slide55.xml><?xml version="1.0" encoding="utf-8"?>
+<file path=ppt/slides/slide61.xml><?xml version="1.0" encoding="utf-8"?>
 <p:sld xmlns:a="http://schemas.openxmlformats.org/drawingml/2006/main" xmlns:r="http://schemas.openxmlformats.org/officeDocument/2006/relationships" xmlns:p="http://schemas.openxmlformats.org/presentationml/2006/main">
   <p:cSld>
     <p:spTree>
@@ -28618,7 +29654,7 @@
 </p:sld>
 </file>
 
-<file path=ppt/slides/slide56.xml><?xml version="1.0" encoding="utf-8"?>
+<file path=ppt/slides/slide62.xml><?xml version="1.0" encoding="utf-8"?>
 <p:sld xmlns:a="http://schemas.openxmlformats.org/drawingml/2006/main" xmlns:r="http://schemas.openxmlformats.org/officeDocument/2006/relationships" xmlns:p="http://schemas.openxmlformats.org/presentationml/2006/main">
   <p:cSld>
     <p:spTree>
@@ -28683,7 +29719,7 @@
 </p:sld>
 </file>
 
-<file path=ppt/slides/slide57.xml><?xml version="1.0" encoding="utf-8"?>
+<file path=ppt/slides/slide63.xml><?xml version="1.0" encoding="utf-8"?>
 <p:sld xmlns:a="http://schemas.openxmlformats.org/drawingml/2006/main" xmlns:r="http://schemas.openxmlformats.org/officeDocument/2006/relationships" xmlns:p="http://schemas.openxmlformats.org/presentationml/2006/main">
   <p:cSld>
     <p:spTree>
@@ -28739,199 +29775,6 @@
     <p:extLst>
       <p:ext uri="{BB962C8B-B14F-4D97-AF65-F5344CB8AC3E}">
         <p14:creationId xmlns:p14="http://schemas.microsoft.com/office/powerpoint/2010/main" val="37824935"/>
-      </p:ext>
-    </p:extLst>
-  </p:cSld>
-  <p:clrMapOvr>
-    <a:masterClrMapping/>
-  </p:clrMapOvr>
-</p:sld>
-</file>
-
-<file path=ppt/slides/slide6.xml><?xml version="1.0" encoding="utf-8"?>
-<p:sld xmlns:a="http://schemas.openxmlformats.org/drawingml/2006/main" xmlns:r="http://schemas.openxmlformats.org/officeDocument/2006/relationships" xmlns:p="http://schemas.openxmlformats.org/presentationml/2006/main">
-  <p:cSld>
-    <p:spTree>
-      <p:nvGrpSpPr>
-        <p:cNvPr id="1" name=""/>
-        <p:cNvGrpSpPr/>
-        <p:nvPr/>
-      </p:nvGrpSpPr>
-      <p:grpSpPr>
-        <a:xfrm>
-          <a:off x="0" y="0"/>
-          <a:ext cx="0" cy="0"/>
-          <a:chOff x="0" y="0"/>
-          <a:chExt cx="0" cy="0"/>
-        </a:xfrm>
-      </p:grpSpPr>
-      <p:sp>
-        <p:nvSpPr>
-          <p:cNvPr id="2" name="כותרת 1">
-            <a:extLst>
-              <a:ext uri="{FF2B5EF4-FFF2-40B4-BE49-F238E27FC236}">
-                <a16:creationId xmlns:a16="http://schemas.microsoft.com/office/drawing/2014/main" id="{DE777293-170B-4164-A212-000191C56DFE}"/>
-              </a:ext>
-            </a:extLst>
-          </p:cNvPr>
-          <p:cNvSpPr>
-            <a:spLocks noGrp="1"/>
-          </p:cNvSpPr>
-          <p:nvPr>
-            <p:ph type="title"/>
-          </p:nvPr>
-        </p:nvSpPr>
-        <p:spPr/>
-        <p:txBody>
-          <a:bodyPr/>
-          <a:lstStyle/>
-          <a:p>
-            <a:pPr algn="ctr" rtl="1"/>
-            <a:r>
-              <a:rPr lang="he-IL"/>
-              <a:t>מסך </a:t>
-            </a:r>
-            <a:r>
-              <a:rPr lang="he-IL" dirty="0"/>
-              <a:t>הרשמה</a:t>
-            </a:r>
-          </a:p>
-        </p:txBody>
-      </p:sp>
-      <p:pic>
-        <p:nvPicPr>
-          <p:cNvPr id="4" name="תמונה 3">
-            <a:extLst>
-              <a:ext uri="{FF2B5EF4-FFF2-40B4-BE49-F238E27FC236}">
-                <a16:creationId xmlns:a16="http://schemas.microsoft.com/office/drawing/2014/main" id="{2B8550E2-EBB3-4A16-B677-A16EF0998913}"/>
-              </a:ext>
-            </a:extLst>
-          </p:cNvPr>
-          <p:cNvPicPr>
-            <a:picLocks noChangeAspect="1"/>
-          </p:cNvPicPr>
-          <p:nvPr/>
-        </p:nvPicPr>
-        <p:blipFill>
-          <a:blip r:embed="rId2"/>
-          <a:stretch>
-            <a:fillRect/>
-          </a:stretch>
-        </p:blipFill>
-        <p:spPr>
-          <a:xfrm>
-            <a:off x="331177" y="2477527"/>
-            <a:ext cx="7434189" cy="4212128"/>
-          </a:xfrm>
-          <a:prstGeom prst="rect">
-            <a:avLst/>
-          </a:prstGeom>
-        </p:spPr>
-      </p:pic>
-      <p:sp>
-        <p:nvSpPr>
-          <p:cNvPr id="5" name="תיבת טקסט 4">
-            <a:extLst>
-              <a:ext uri="{FF2B5EF4-FFF2-40B4-BE49-F238E27FC236}">
-                <a16:creationId xmlns:a16="http://schemas.microsoft.com/office/drawing/2014/main" id="{49C1F48E-4344-478F-B955-03346A467B7E}"/>
-              </a:ext>
-            </a:extLst>
-          </p:cNvPr>
-          <p:cNvSpPr txBox="1"/>
-          <p:nvPr/>
-        </p:nvSpPr>
-        <p:spPr>
-          <a:xfrm>
-            <a:off x="7919696" y="2477527"/>
-            <a:ext cx="4121834" cy="3139321"/>
-          </a:xfrm>
-          <a:prstGeom prst="rect">
-            <a:avLst/>
-          </a:prstGeom>
-          <a:noFill/>
-        </p:spPr>
-        <p:txBody>
-          <a:bodyPr wrap="square" rtlCol="1">
-            <a:spAutoFit/>
-          </a:bodyPr>
-          <a:lstStyle/>
-          <a:p>
-            <a:pPr marL="285750" indent="-285750" algn="r" rtl="1">
-              <a:buFont typeface="Arial" panose="020B0604020202020204" pitchFamily="34" charset="0"/>
-              <a:buChar char="•"/>
-            </a:pPr>
-            <a:r>
-              <a:rPr lang="he-IL" dirty="0"/>
-              <a:t>אין כפתור חזרה למסך ההתחברות – </a:t>
-            </a:r>
-            <a:r>
-              <a:rPr lang="he-IL" b="1" dirty="0"/>
-              <a:t>שליטת משתמש וחופש פעולה.</a:t>
-            </a:r>
-          </a:p>
-          <a:p>
-            <a:pPr marL="285750" indent="-285750" algn="r" rtl="1">
-              <a:buFont typeface="Arial" panose="020B0604020202020204" pitchFamily="34" charset="0"/>
-              <a:buChar char="•"/>
-            </a:pPr>
-            <a:r>
-              <a:rPr lang="he-IL" dirty="0"/>
-              <a:t>אין שדה לאימות סיסמה בשנית – </a:t>
-            </a:r>
-            <a:r>
-              <a:rPr lang="he-IL" b="1" dirty="0"/>
-              <a:t>מניעת טעויות.</a:t>
-            </a:r>
-          </a:p>
-          <a:p>
-            <a:pPr marL="285750" indent="-285750" algn="r" rtl="1">
-              <a:buFont typeface="Arial" panose="020B0604020202020204" pitchFamily="34" charset="0"/>
-              <a:buChar char="•"/>
-            </a:pPr>
-            <a:r>
-              <a:rPr lang="he-IL" dirty="0"/>
-              <a:t>אין חיווי למשתמש לגביי מה הדרישות לסיסמה תקינה – </a:t>
-            </a:r>
-            <a:r>
-              <a:rPr lang="he-IL" b="1" dirty="0"/>
-              <a:t>עזרה ומסמכים.</a:t>
-            </a:r>
-            <a:endParaRPr lang="he-IL" dirty="0"/>
-          </a:p>
-          <a:p>
-            <a:pPr marL="285750" indent="-285750" algn="r" rtl="1">
-              <a:buFont typeface="Arial" panose="020B0604020202020204" pitchFamily="34" charset="0"/>
-              <a:buChar char="•"/>
-            </a:pPr>
-            <a:r>
-              <a:rPr lang="he-IL" dirty="0"/>
-              <a:t>אין ולידציה בעת מילוי האימייל (לפני לחיצת כפתור "הירשם") או תבנית של אימייל המונעות טעויות – </a:t>
-            </a:r>
-            <a:r>
-              <a:rPr lang="he-IL" b="1" dirty="0"/>
-              <a:t>מניעת טעויות.</a:t>
-            </a:r>
-          </a:p>
-          <a:p>
-            <a:pPr marL="285750" indent="-285750" algn="r" rtl="1">
-              <a:buFont typeface="Arial" panose="020B0604020202020204" pitchFamily="34" charset="0"/>
-              <a:buChar char="•"/>
-            </a:pPr>
-            <a:r>
-              <a:rPr lang="he-IL" dirty="0"/>
-              <a:t>אין סימון ברירת מחדל של מין –</a:t>
-            </a:r>
-            <a:r>
-              <a:rPr lang="he-IL" b="1" dirty="0"/>
-              <a:t> מניעת טעויות.</a:t>
-            </a:r>
-          </a:p>
-        </p:txBody>
-      </p:sp>
-    </p:spTree>
-    <p:extLst>
-      <p:ext uri="{BB962C8B-B14F-4D97-AF65-F5344CB8AC3E}">
-        <p14:creationId xmlns:p14="http://schemas.microsoft.com/office/powerpoint/2010/main" val="2598648921"/>
       </p:ext>
     </p:extLst>
   </p:cSld>

--- a/ux_course/מצגת סופית להגשה.pptx
+++ b/ux_course/מצגת סופית להגשה.pptx
@@ -5,7 +5,7 @@
     <p:sldMasterId id="2147483828" r:id="rId1"/>
   </p:sldMasterIdLst>
   <p:notesMasterIdLst>
-    <p:notesMasterId r:id="rId65"/>
+    <p:notesMasterId r:id="rId67"/>
   </p:notesMasterIdLst>
   <p:sldIdLst>
     <p:sldId id="262" r:id="rId2"/>
@@ -69,8 +69,10 @@
     <p:sldId id="313" r:id="rId60"/>
     <p:sldId id="314" r:id="rId61"/>
     <p:sldId id="315" r:id="rId62"/>
-    <p:sldId id="316" r:id="rId63"/>
-    <p:sldId id="312" r:id="rId64"/>
+    <p:sldId id="323" r:id="rId63"/>
+    <p:sldId id="324" r:id="rId64"/>
+    <p:sldId id="316" r:id="rId65"/>
+    <p:sldId id="312" r:id="rId66"/>
   </p:sldIdLst>
   <p:sldSz cx="12192000" cy="6858000"/>
   <p:notesSz cx="6858000" cy="9144000"/>
@@ -29673,6 +29675,2304 @@
       </p:grpSpPr>
       <p:sp>
         <p:nvSpPr>
+          <p:cNvPr id="2" name="Title 1">
+            <a:extLst>
+              <a:ext uri="{FF2B5EF4-FFF2-40B4-BE49-F238E27FC236}">
+                <a16:creationId xmlns:a16="http://schemas.microsoft.com/office/drawing/2014/main" id="{F2E75ACD-C303-46DD-8FB4-27FC6A409857}"/>
+              </a:ext>
+            </a:extLst>
+          </p:cNvPr>
+          <p:cNvSpPr>
+            <a:spLocks noGrp="1"/>
+          </p:cNvSpPr>
+          <p:nvPr>
+            <p:ph type="title"/>
+          </p:nvPr>
+        </p:nvSpPr>
+        <p:spPr/>
+        <p:txBody>
+          <a:bodyPr/>
+          <a:lstStyle/>
+          <a:p>
+            <a:pPr algn="ctr"/>
+            <a:r>
+              <a:rPr lang="he-IL" sz="4800" dirty="0"/>
+              <a:t>ניתוח משימות - קביעת פגישה</a:t>
+            </a:r>
+            <a:endParaRPr lang="en-US" sz="4800" dirty="0"/>
+          </a:p>
+        </p:txBody>
+      </p:sp>
+      <p:sp>
+        <p:nvSpPr>
+          <p:cNvPr id="3" name="TextBox 2">
+            <a:extLst>
+              <a:ext uri="{FF2B5EF4-FFF2-40B4-BE49-F238E27FC236}">
+                <a16:creationId xmlns:a16="http://schemas.microsoft.com/office/drawing/2014/main" id="{6123026F-0A95-427B-BDFE-31E4D167EC0A}"/>
+              </a:ext>
+            </a:extLst>
+          </p:cNvPr>
+          <p:cNvSpPr txBox="1"/>
+          <p:nvPr/>
+        </p:nvSpPr>
+        <p:spPr>
+          <a:xfrm>
+            <a:off x="9078682" y="2463274"/>
+            <a:ext cx="2416629" cy="3657601"/>
+          </a:xfrm>
+          <a:prstGeom prst="rect">
+            <a:avLst/>
+          </a:prstGeom>
+        </p:spPr>
+        <p:style>
+          <a:lnRef idx="2">
+            <a:schemeClr val="accent4"/>
+          </a:lnRef>
+          <a:fillRef idx="1">
+            <a:schemeClr val="lt1"/>
+          </a:fillRef>
+          <a:effectRef idx="0">
+            <a:schemeClr val="accent4"/>
+          </a:effectRef>
+          <a:fontRef idx="minor">
+            <a:schemeClr val="dk1"/>
+          </a:fontRef>
+        </p:style>
+        <p:txBody>
+          <a:bodyPr wrap="square" rtlCol="0">
+            <a:noAutofit/>
+          </a:bodyPr>
+          <a:lstStyle/>
+          <a:p>
+            <a:pPr algn="r" rtl="1">
+              <a:lnSpc>
+                <a:spcPct val="150000"/>
+              </a:lnSpc>
+            </a:pPr>
+            <a:r>
+              <a:rPr lang="he-IL" b="1" u="sng" dirty="0"/>
+              <a:t>יצירת הפגישה</a:t>
+            </a:r>
+          </a:p>
+          <a:p>
+            <a:pPr algn="r" rtl="1">
+              <a:lnSpc>
+                <a:spcPct val="150000"/>
+              </a:lnSpc>
+            </a:pPr>
+            <a:endParaRPr lang="he-IL" sz="800" dirty="0"/>
+          </a:p>
+          <a:p>
+            <a:pPr algn="r" rtl="1">
+              <a:lnSpc>
+                <a:spcPct val="150000"/>
+              </a:lnSpc>
+            </a:pPr>
+            <a:r>
+              <a:rPr lang="he-IL" sz="1600" dirty="0"/>
+              <a:t>1. לחיצה על הוסף פגישה </a:t>
+            </a:r>
+          </a:p>
+          <a:p>
+            <a:pPr algn="r" rtl="1">
+              <a:lnSpc>
+                <a:spcPct val="150000"/>
+              </a:lnSpc>
+            </a:pPr>
+            <a:r>
+              <a:rPr lang="he-IL" sz="1600" dirty="0"/>
+              <a:t>2. הכנסת שם לפגישה </a:t>
+            </a:r>
+          </a:p>
+          <a:p>
+            <a:pPr algn="r" rtl="1">
+              <a:lnSpc>
+                <a:spcPct val="150000"/>
+              </a:lnSpc>
+            </a:pPr>
+            <a:r>
+              <a:rPr lang="he-IL" sz="1600" dirty="0"/>
+              <a:t>3. הכנסת מיקום לפגישה</a:t>
+            </a:r>
+          </a:p>
+          <a:p>
+            <a:pPr algn="r" rtl="1">
+              <a:lnSpc>
+                <a:spcPct val="150000"/>
+              </a:lnSpc>
+            </a:pPr>
+            <a:r>
+              <a:rPr lang="he-IL" sz="1600" dirty="0"/>
+              <a:t>4. הכנסת תיאור לפגישה</a:t>
+            </a:r>
+          </a:p>
+        </p:txBody>
+      </p:sp>
+      <p:sp>
+        <p:nvSpPr>
+          <p:cNvPr id="12" name="TextBox 11">
+            <a:extLst>
+              <a:ext uri="{FF2B5EF4-FFF2-40B4-BE49-F238E27FC236}">
+                <a16:creationId xmlns:a16="http://schemas.microsoft.com/office/drawing/2014/main" id="{591D1850-4846-4A2C-9902-DB3292076FF2}"/>
+              </a:ext>
+            </a:extLst>
+          </p:cNvPr>
+          <p:cNvSpPr txBox="1"/>
+          <p:nvPr/>
+        </p:nvSpPr>
+        <p:spPr>
+          <a:xfrm>
+            <a:off x="6204853" y="2463274"/>
+            <a:ext cx="2416629" cy="3657601"/>
+          </a:xfrm>
+          <a:prstGeom prst="rect">
+            <a:avLst/>
+          </a:prstGeom>
+        </p:spPr>
+        <p:style>
+          <a:lnRef idx="2">
+            <a:schemeClr val="accent4"/>
+          </a:lnRef>
+          <a:fillRef idx="1">
+            <a:schemeClr val="lt1"/>
+          </a:fillRef>
+          <a:effectRef idx="0">
+            <a:schemeClr val="accent4"/>
+          </a:effectRef>
+          <a:fontRef idx="minor">
+            <a:schemeClr val="dk1"/>
+          </a:fontRef>
+        </p:style>
+        <p:txBody>
+          <a:bodyPr wrap="square" rtlCol="0">
+            <a:noAutofit/>
+          </a:bodyPr>
+          <a:lstStyle/>
+          <a:p>
+            <a:pPr algn="r" rtl="1">
+              <a:lnSpc>
+                <a:spcPct val="150000"/>
+              </a:lnSpc>
+            </a:pPr>
+            <a:r>
+              <a:rPr lang="he-IL" b="1" u="sng" dirty="0"/>
+              <a:t>הוספת נמענים</a:t>
+            </a:r>
+          </a:p>
+          <a:p>
+            <a:pPr algn="r" rtl="1">
+              <a:lnSpc>
+                <a:spcPct val="150000"/>
+              </a:lnSpc>
+            </a:pPr>
+            <a:endParaRPr lang="he-IL" sz="800" dirty="0"/>
+          </a:p>
+          <a:p>
+            <a:pPr algn="r" rtl="1">
+              <a:lnSpc>
+                <a:spcPct val="150000"/>
+              </a:lnSpc>
+            </a:pPr>
+            <a:r>
+              <a:rPr lang="he-IL" sz="1600" dirty="0"/>
+              <a:t>1. הקלדת שן הנמען</a:t>
+            </a:r>
+          </a:p>
+          <a:p>
+            <a:pPr algn="r" rtl="1">
+              <a:lnSpc>
+                <a:spcPct val="150000"/>
+              </a:lnSpc>
+            </a:pPr>
+            <a:r>
+              <a:rPr lang="he-IL" sz="1600" dirty="0"/>
+              <a:t>2. בחירת הנמען מהשלמה אוטומטית (אם שמור)</a:t>
+            </a:r>
+          </a:p>
+          <a:p>
+            <a:pPr algn="r" rtl="1">
+              <a:lnSpc>
+                <a:spcPct val="150000"/>
+              </a:lnSpc>
+            </a:pPr>
+            <a:r>
+              <a:rPr lang="he-IL" sz="1600" dirty="0"/>
+              <a:t>3. הכנסת קבוצת נמענים</a:t>
+            </a:r>
+          </a:p>
+          <a:p>
+            <a:pPr algn="r" rtl="1">
+              <a:lnSpc>
+                <a:spcPct val="150000"/>
+              </a:lnSpc>
+            </a:pPr>
+            <a:r>
+              <a:rPr lang="he-IL" sz="1600" dirty="0"/>
+              <a:t>4. הכנסת נמען\קבוצה נוספת</a:t>
+            </a:r>
+          </a:p>
+        </p:txBody>
+      </p:sp>
+      <p:sp>
+        <p:nvSpPr>
+          <p:cNvPr id="13" name="TextBox 12">
+            <a:extLst>
+              <a:ext uri="{FF2B5EF4-FFF2-40B4-BE49-F238E27FC236}">
+                <a16:creationId xmlns:a16="http://schemas.microsoft.com/office/drawing/2014/main" id="{BF039B42-18DA-44F9-A26B-939EEF18FA1C}"/>
+              </a:ext>
+            </a:extLst>
+          </p:cNvPr>
+          <p:cNvSpPr txBox="1"/>
+          <p:nvPr/>
+        </p:nvSpPr>
+        <p:spPr>
+          <a:xfrm>
+            <a:off x="3331025" y="2463273"/>
+            <a:ext cx="2416629" cy="3657601"/>
+          </a:xfrm>
+          <a:prstGeom prst="rect">
+            <a:avLst/>
+          </a:prstGeom>
+        </p:spPr>
+        <p:style>
+          <a:lnRef idx="2">
+            <a:schemeClr val="accent4"/>
+          </a:lnRef>
+          <a:fillRef idx="1">
+            <a:schemeClr val="lt1"/>
+          </a:fillRef>
+          <a:effectRef idx="0">
+            <a:schemeClr val="accent4"/>
+          </a:effectRef>
+          <a:fontRef idx="minor">
+            <a:schemeClr val="dk1"/>
+          </a:fontRef>
+        </p:style>
+        <p:txBody>
+          <a:bodyPr wrap="square" rtlCol="0">
+            <a:noAutofit/>
+          </a:bodyPr>
+          <a:lstStyle/>
+          <a:p>
+            <a:pPr algn="r" rtl="1">
+              <a:lnSpc>
+                <a:spcPct val="150000"/>
+              </a:lnSpc>
+            </a:pPr>
+            <a:r>
+              <a:rPr lang="he-IL" b="1" u="sng" dirty="0"/>
+              <a:t>בחירת התאריך</a:t>
+            </a:r>
+          </a:p>
+          <a:p>
+            <a:pPr algn="r" rtl="1">
+              <a:lnSpc>
+                <a:spcPct val="150000"/>
+              </a:lnSpc>
+            </a:pPr>
+            <a:endParaRPr lang="he-IL" sz="800" dirty="0"/>
+          </a:p>
+          <a:p>
+            <a:pPr algn="r" rtl="1">
+              <a:lnSpc>
+                <a:spcPct val="150000"/>
+              </a:lnSpc>
+            </a:pPr>
+            <a:r>
+              <a:rPr lang="he-IL" sz="1600" dirty="0"/>
+              <a:t>1. כניסה למסך בחירת תאריך</a:t>
+            </a:r>
+          </a:p>
+          <a:p>
+            <a:pPr algn="r" rtl="1">
+              <a:lnSpc>
+                <a:spcPct val="150000"/>
+              </a:lnSpc>
+            </a:pPr>
+            <a:r>
+              <a:rPr lang="he-IL" sz="1600" dirty="0"/>
+              <a:t>2. מעבר על האילוצים של כולם</a:t>
+            </a:r>
+          </a:p>
+          <a:p>
+            <a:pPr algn="r" rtl="1">
+              <a:lnSpc>
+                <a:spcPct val="150000"/>
+              </a:lnSpc>
+            </a:pPr>
+            <a:r>
+              <a:rPr lang="he-IL" sz="1600" dirty="0"/>
+              <a:t>3. אם אין תאריך שמתאים לכולם לברר האם יש משהו שיכול להזיז פגישה אחרת.</a:t>
+            </a:r>
+          </a:p>
+          <a:p>
+            <a:pPr algn="r" rtl="1">
+              <a:lnSpc>
+                <a:spcPct val="150000"/>
+              </a:lnSpc>
+            </a:pPr>
+            <a:r>
+              <a:rPr lang="he-IL" sz="1600" dirty="0"/>
+              <a:t>4. בחירת התאריך הכי מתאים.</a:t>
+            </a:r>
+          </a:p>
+          <a:p>
+            <a:pPr algn="r" rtl="1">
+              <a:lnSpc>
+                <a:spcPct val="150000"/>
+              </a:lnSpc>
+            </a:pPr>
+            <a:endParaRPr lang="he-IL" sz="1600" dirty="0"/>
+          </a:p>
+        </p:txBody>
+      </p:sp>
+      <p:sp>
+        <p:nvSpPr>
+          <p:cNvPr id="14" name="TextBox 13">
+            <a:extLst>
+              <a:ext uri="{FF2B5EF4-FFF2-40B4-BE49-F238E27FC236}">
+                <a16:creationId xmlns:a16="http://schemas.microsoft.com/office/drawing/2014/main" id="{9B28B6E9-FB22-4871-93E4-D43B857ECD11}"/>
+              </a:ext>
+            </a:extLst>
+          </p:cNvPr>
+          <p:cNvSpPr txBox="1"/>
+          <p:nvPr/>
+        </p:nvSpPr>
+        <p:spPr>
+          <a:xfrm>
+            <a:off x="457197" y="2463274"/>
+            <a:ext cx="2416629" cy="4208114"/>
+          </a:xfrm>
+          <a:prstGeom prst="rect">
+            <a:avLst/>
+          </a:prstGeom>
+        </p:spPr>
+        <p:style>
+          <a:lnRef idx="2">
+            <a:schemeClr val="accent4"/>
+          </a:lnRef>
+          <a:fillRef idx="1">
+            <a:schemeClr val="lt1"/>
+          </a:fillRef>
+          <a:effectRef idx="0">
+            <a:schemeClr val="accent4"/>
+          </a:effectRef>
+          <a:fontRef idx="minor">
+            <a:schemeClr val="dk1"/>
+          </a:fontRef>
+        </p:style>
+        <p:txBody>
+          <a:bodyPr wrap="square" rtlCol="0">
+            <a:noAutofit/>
+          </a:bodyPr>
+          <a:lstStyle/>
+          <a:p>
+            <a:pPr algn="r" rtl="1">
+              <a:lnSpc>
+                <a:spcPct val="150000"/>
+              </a:lnSpc>
+            </a:pPr>
+            <a:r>
+              <a:rPr lang="he-IL" b="1" u="sng" dirty="0"/>
+              <a:t>שליחת הזימון לפגישה</a:t>
+            </a:r>
+          </a:p>
+          <a:p>
+            <a:pPr algn="r" rtl="1">
+              <a:lnSpc>
+                <a:spcPct val="150000"/>
+              </a:lnSpc>
+            </a:pPr>
+            <a:endParaRPr lang="he-IL" sz="900" dirty="0"/>
+          </a:p>
+          <a:p>
+            <a:pPr algn="r" rtl="1">
+              <a:lnSpc>
+                <a:spcPct val="150000"/>
+              </a:lnSpc>
+            </a:pPr>
+            <a:r>
+              <a:rPr lang="he-IL" sz="1600" dirty="0"/>
+              <a:t>1. חזרה למסך יצירת הפגישה.</a:t>
+            </a:r>
+          </a:p>
+          <a:p>
+            <a:pPr algn="r" rtl="1">
+              <a:lnSpc>
+                <a:spcPct val="150000"/>
+              </a:lnSpc>
+            </a:pPr>
+            <a:r>
+              <a:rPr lang="he-IL" sz="1600" dirty="0"/>
+              <a:t>2. לחיצה על כפתור השליחה</a:t>
+            </a:r>
+          </a:p>
+        </p:txBody>
+      </p:sp>
+      <p:sp>
+        <p:nvSpPr>
+          <p:cNvPr id="15" name="TextBox 14">
+            <a:extLst>
+              <a:ext uri="{FF2B5EF4-FFF2-40B4-BE49-F238E27FC236}">
+                <a16:creationId xmlns:a16="http://schemas.microsoft.com/office/drawing/2014/main" id="{5386D645-38A3-4F20-8343-E0E27EE71668}"/>
+              </a:ext>
+            </a:extLst>
+          </p:cNvPr>
+          <p:cNvSpPr txBox="1"/>
+          <p:nvPr/>
+        </p:nvSpPr>
+        <p:spPr>
+          <a:xfrm>
+            <a:off x="9078682" y="2463273"/>
+            <a:ext cx="2416629" cy="4208114"/>
+          </a:xfrm>
+          <a:prstGeom prst="rect">
+            <a:avLst/>
+          </a:prstGeom>
+        </p:spPr>
+        <p:style>
+          <a:lnRef idx="2">
+            <a:schemeClr val="accent4"/>
+          </a:lnRef>
+          <a:fillRef idx="1">
+            <a:schemeClr val="lt1"/>
+          </a:fillRef>
+          <a:effectRef idx="0">
+            <a:schemeClr val="accent4"/>
+          </a:effectRef>
+          <a:fontRef idx="minor">
+            <a:schemeClr val="dk1"/>
+          </a:fontRef>
+        </p:style>
+        <p:txBody>
+          <a:bodyPr wrap="square" rtlCol="0">
+            <a:noAutofit/>
+          </a:bodyPr>
+          <a:lstStyle/>
+          <a:p>
+            <a:pPr algn="r" rtl="1">
+              <a:lnSpc>
+                <a:spcPct val="150000"/>
+              </a:lnSpc>
+            </a:pPr>
+            <a:r>
+              <a:rPr lang="he-IL" b="1" u="sng" dirty="0"/>
+              <a:t>יצירת הפגישה</a:t>
+            </a:r>
+          </a:p>
+          <a:p>
+            <a:pPr algn="r" rtl="1">
+              <a:lnSpc>
+                <a:spcPct val="150000"/>
+              </a:lnSpc>
+            </a:pPr>
+            <a:endParaRPr lang="he-IL" sz="800" dirty="0"/>
+          </a:p>
+          <a:p>
+            <a:pPr algn="r" rtl="1">
+              <a:lnSpc>
+                <a:spcPct val="150000"/>
+              </a:lnSpc>
+            </a:pPr>
+            <a:r>
+              <a:rPr lang="he-IL" sz="1600" dirty="0"/>
+              <a:t>1. לחיצה על הוסף פגישה </a:t>
+            </a:r>
+          </a:p>
+          <a:p>
+            <a:pPr algn="r" rtl="1">
+              <a:lnSpc>
+                <a:spcPct val="150000"/>
+              </a:lnSpc>
+            </a:pPr>
+            <a:r>
+              <a:rPr lang="he-IL" sz="1600" dirty="0"/>
+              <a:t>2. הכנסת שם לפגישה </a:t>
+            </a:r>
+          </a:p>
+          <a:p>
+            <a:pPr algn="r" rtl="1">
+              <a:lnSpc>
+                <a:spcPct val="150000"/>
+              </a:lnSpc>
+            </a:pPr>
+            <a:r>
+              <a:rPr lang="he-IL" sz="1600" dirty="0"/>
+              <a:t>3. הכנסת מיקום לפגישה</a:t>
+            </a:r>
+          </a:p>
+          <a:p>
+            <a:pPr algn="r" rtl="1">
+              <a:lnSpc>
+                <a:spcPct val="150000"/>
+              </a:lnSpc>
+            </a:pPr>
+            <a:r>
+              <a:rPr lang="he-IL" sz="1600" dirty="0"/>
+              <a:t>4. הכנסת תיאור לפגישה</a:t>
+            </a:r>
+          </a:p>
+        </p:txBody>
+      </p:sp>
+      <p:sp>
+        <p:nvSpPr>
+          <p:cNvPr id="16" name="TextBox 15">
+            <a:extLst>
+              <a:ext uri="{FF2B5EF4-FFF2-40B4-BE49-F238E27FC236}">
+                <a16:creationId xmlns:a16="http://schemas.microsoft.com/office/drawing/2014/main" id="{59337C64-4B8B-4114-9607-5A71706BE6F3}"/>
+              </a:ext>
+            </a:extLst>
+          </p:cNvPr>
+          <p:cNvSpPr txBox="1"/>
+          <p:nvPr/>
+        </p:nvSpPr>
+        <p:spPr>
+          <a:xfrm>
+            <a:off x="6204853" y="2463273"/>
+            <a:ext cx="2416629" cy="4208114"/>
+          </a:xfrm>
+          <a:prstGeom prst="rect">
+            <a:avLst/>
+          </a:prstGeom>
+        </p:spPr>
+        <p:style>
+          <a:lnRef idx="2">
+            <a:schemeClr val="accent4"/>
+          </a:lnRef>
+          <a:fillRef idx="1">
+            <a:schemeClr val="lt1"/>
+          </a:fillRef>
+          <a:effectRef idx="0">
+            <a:schemeClr val="accent4"/>
+          </a:effectRef>
+          <a:fontRef idx="minor">
+            <a:schemeClr val="dk1"/>
+          </a:fontRef>
+        </p:style>
+        <p:txBody>
+          <a:bodyPr wrap="square" rtlCol="0">
+            <a:noAutofit/>
+          </a:bodyPr>
+          <a:lstStyle/>
+          <a:p>
+            <a:pPr algn="r" rtl="1">
+              <a:lnSpc>
+                <a:spcPct val="150000"/>
+              </a:lnSpc>
+            </a:pPr>
+            <a:r>
+              <a:rPr lang="he-IL" b="1" u="sng" dirty="0"/>
+              <a:t>הוספת נמענים</a:t>
+            </a:r>
+          </a:p>
+          <a:p>
+            <a:pPr algn="r" rtl="1">
+              <a:lnSpc>
+                <a:spcPct val="150000"/>
+              </a:lnSpc>
+            </a:pPr>
+            <a:endParaRPr lang="he-IL" sz="800" dirty="0"/>
+          </a:p>
+          <a:p>
+            <a:pPr algn="r" rtl="1">
+              <a:lnSpc>
+                <a:spcPct val="150000"/>
+              </a:lnSpc>
+            </a:pPr>
+            <a:r>
+              <a:rPr lang="he-IL" sz="1600" dirty="0"/>
+              <a:t>1. הקלדת שן הנמען</a:t>
+            </a:r>
+          </a:p>
+          <a:p>
+            <a:pPr algn="r" rtl="1">
+              <a:lnSpc>
+                <a:spcPct val="150000"/>
+              </a:lnSpc>
+            </a:pPr>
+            <a:r>
+              <a:rPr lang="he-IL" sz="1600" dirty="0"/>
+              <a:t>2. בחירת הנמען מהשלמה אוטומטית (אם שמור)</a:t>
+            </a:r>
+          </a:p>
+          <a:p>
+            <a:pPr algn="r" rtl="1">
+              <a:lnSpc>
+                <a:spcPct val="150000"/>
+              </a:lnSpc>
+            </a:pPr>
+            <a:r>
+              <a:rPr lang="he-IL" sz="1600" dirty="0"/>
+              <a:t>3. הכנסת קבוצת נמענים</a:t>
+            </a:r>
+          </a:p>
+          <a:p>
+            <a:pPr algn="r" rtl="1">
+              <a:lnSpc>
+                <a:spcPct val="150000"/>
+              </a:lnSpc>
+            </a:pPr>
+            <a:r>
+              <a:rPr lang="he-IL" sz="1600" dirty="0"/>
+              <a:t>4. הכנסת נמען\קבוצה נוספת</a:t>
+            </a:r>
+          </a:p>
+        </p:txBody>
+      </p:sp>
+      <p:sp>
+        <p:nvSpPr>
+          <p:cNvPr id="17" name="TextBox 16">
+            <a:extLst>
+              <a:ext uri="{FF2B5EF4-FFF2-40B4-BE49-F238E27FC236}">
+                <a16:creationId xmlns:a16="http://schemas.microsoft.com/office/drawing/2014/main" id="{99630680-7FD6-423B-AB9F-4D4F619BF5EF}"/>
+              </a:ext>
+            </a:extLst>
+          </p:cNvPr>
+          <p:cNvSpPr txBox="1"/>
+          <p:nvPr/>
+        </p:nvSpPr>
+        <p:spPr>
+          <a:xfrm>
+            <a:off x="3331025" y="2463272"/>
+            <a:ext cx="2416629" cy="4208114"/>
+          </a:xfrm>
+          <a:prstGeom prst="rect">
+            <a:avLst/>
+          </a:prstGeom>
+        </p:spPr>
+        <p:style>
+          <a:lnRef idx="2">
+            <a:schemeClr val="accent4"/>
+          </a:lnRef>
+          <a:fillRef idx="1">
+            <a:schemeClr val="lt1"/>
+          </a:fillRef>
+          <a:effectRef idx="0">
+            <a:schemeClr val="accent4"/>
+          </a:effectRef>
+          <a:fontRef idx="minor">
+            <a:schemeClr val="dk1"/>
+          </a:fontRef>
+        </p:style>
+        <p:txBody>
+          <a:bodyPr wrap="square" rtlCol="0">
+            <a:noAutofit/>
+          </a:bodyPr>
+          <a:lstStyle/>
+          <a:p>
+            <a:pPr algn="r" rtl="1">
+              <a:lnSpc>
+                <a:spcPct val="150000"/>
+              </a:lnSpc>
+            </a:pPr>
+            <a:r>
+              <a:rPr lang="he-IL" b="1" u="sng" dirty="0"/>
+              <a:t>בחירת התאריך</a:t>
+            </a:r>
+          </a:p>
+          <a:p>
+            <a:pPr algn="r" rtl="1">
+              <a:lnSpc>
+                <a:spcPct val="150000"/>
+              </a:lnSpc>
+            </a:pPr>
+            <a:endParaRPr lang="he-IL" sz="800" dirty="0"/>
+          </a:p>
+          <a:p>
+            <a:pPr algn="r" rtl="1">
+              <a:lnSpc>
+                <a:spcPct val="150000"/>
+              </a:lnSpc>
+            </a:pPr>
+            <a:r>
+              <a:rPr lang="he-IL" sz="1600" dirty="0"/>
+              <a:t>1. כניסה למסך בחירת תאריך</a:t>
+            </a:r>
+          </a:p>
+          <a:p>
+            <a:pPr algn="r" rtl="1">
+              <a:lnSpc>
+                <a:spcPct val="150000"/>
+              </a:lnSpc>
+            </a:pPr>
+            <a:r>
+              <a:rPr lang="he-IL" sz="1600" dirty="0"/>
+              <a:t>2. מעבר על האילוצים של כולם</a:t>
+            </a:r>
+          </a:p>
+          <a:p>
+            <a:pPr algn="r" rtl="1">
+              <a:lnSpc>
+                <a:spcPct val="150000"/>
+              </a:lnSpc>
+            </a:pPr>
+            <a:r>
+              <a:rPr lang="he-IL" sz="1600" dirty="0"/>
+              <a:t>3. אם אין תאריך שמתאים לכולם לברר האם יש משהו שיכול להזיז פגישה אחרת.</a:t>
+            </a:r>
+          </a:p>
+          <a:p>
+            <a:pPr algn="r" rtl="1">
+              <a:lnSpc>
+                <a:spcPct val="150000"/>
+              </a:lnSpc>
+            </a:pPr>
+            <a:r>
+              <a:rPr lang="he-IL" sz="1600" dirty="0"/>
+              <a:t>4. בחירת התאריך הכי מתאים.</a:t>
+            </a:r>
+          </a:p>
+          <a:p>
+            <a:pPr algn="r" rtl="1">
+              <a:lnSpc>
+                <a:spcPct val="150000"/>
+              </a:lnSpc>
+            </a:pPr>
+            <a:endParaRPr lang="he-IL" sz="1600" dirty="0"/>
+          </a:p>
+        </p:txBody>
+      </p:sp>
+    </p:spTree>
+    <p:extLst>
+      <p:ext uri="{BB962C8B-B14F-4D97-AF65-F5344CB8AC3E}">
+        <p14:creationId xmlns:p14="http://schemas.microsoft.com/office/powerpoint/2010/main" val="2169778793"/>
+      </p:ext>
+    </p:extLst>
+  </p:cSld>
+  <p:clrMapOvr>
+    <a:masterClrMapping/>
+  </p:clrMapOvr>
+</p:sld>
+</file>
+
+<file path=ppt/slides/slide63.xml><?xml version="1.0" encoding="utf-8"?>
+<p:sld xmlns:a="http://schemas.openxmlformats.org/drawingml/2006/main" xmlns:r="http://schemas.openxmlformats.org/officeDocument/2006/relationships" xmlns:p="http://schemas.openxmlformats.org/presentationml/2006/main">
+  <p:cSld>
+    <p:spTree>
+      <p:nvGrpSpPr>
+        <p:cNvPr id="1" name=""/>
+        <p:cNvGrpSpPr/>
+        <p:nvPr/>
+      </p:nvGrpSpPr>
+      <p:grpSpPr>
+        <a:xfrm>
+          <a:off x="0" y="0"/>
+          <a:ext cx="0" cy="0"/>
+          <a:chOff x="0" y="0"/>
+          <a:chExt cx="0" cy="0"/>
+        </a:xfrm>
+      </p:grpSpPr>
+      <p:sp>
+        <p:nvSpPr>
+          <p:cNvPr id="2" name="Title 1">
+            <a:extLst>
+              <a:ext uri="{FF2B5EF4-FFF2-40B4-BE49-F238E27FC236}">
+                <a16:creationId xmlns:a16="http://schemas.microsoft.com/office/drawing/2014/main" id="{F2E75ACD-C303-46DD-8FB4-27FC6A409857}"/>
+              </a:ext>
+            </a:extLst>
+          </p:cNvPr>
+          <p:cNvSpPr>
+            <a:spLocks noGrp="1"/>
+          </p:cNvSpPr>
+          <p:nvPr>
+            <p:ph type="title"/>
+          </p:nvPr>
+        </p:nvSpPr>
+        <p:spPr/>
+        <p:txBody>
+          <a:bodyPr/>
+          <a:lstStyle/>
+          <a:p>
+            <a:pPr algn="ctr"/>
+            <a:r>
+              <a:rPr lang="he-IL" sz="4800" dirty="0"/>
+              <a:t>תסריט שמושיות - קביעת פגישה</a:t>
+            </a:r>
+            <a:endParaRPr lang="en-US" sz="4800" dirty="0"/>
+          </a:p>
+        </p:txBody>
+      </p:sp>
+      <p:grpSp>
+        <p:nvGrpSpPr>
+          <p:cNvPr id="11" name="Group 10">
+            <a:extLst>
+              <a:ext uri="{FF2B5EF4-FFF2-40B4-BE49-F238E27FC236}">
+                <a16:creationId xmlns:a16="http://schemas.microsoft.com/office/drawing/2014/main" id="{EFEFCB8A-6928-4B67-9A92-AB4F8157EB26}"/>
+              </a:ext>
+            </a:extLst>
+          </p:cNvPr>
+          <p:cNvGrpSpPr/>
+          <p:nvPr/>
+        </p:nvGrpSpPr>
+        <p:grpSpPr>
+          <a:xfrm>
+            <a:off x="9769142" y="2453950"/>
+            <a:ext cx="2034074" cy="998376"/>
+            <a:chOff x="653142" y="2696546"/>
+            <a:chExt cx="2034074" cy="998376"/>
+          </a:xfrm>
+        </p:grpSpPr>
+        <p:sp>
+          <p:nvSpPr>
+            <p:cNvPr id="6" name="Rectangle 5">
+              <a:extLst>
+                <a:ext uri="{FF2B5EF4-FFF2-40B4-BE49-F238E27FC236}">
+                  <a16:creationId xmlns:a16="http://schemas.microsoft.com/office/drawing/2014/main" id="{4D513282-2E45-4126-87EC-C48703BD113D}"/>
+                </a:ext>
+              </a:extLst>
+            </p:cNvPr>
+            <p:cNvSpPr/>
+            <p:nvPr/>
+          </p:nvSpPr>
+          <p:spPr>
+            <a:xfrm>
+              <a:off x="653143" y="2715208"/>
+              <a:ext cx="2034073" cy="979714"/>
+            </a:xfrm>
+            <a:prstGeom prst="rect">
+              <a:avLst/>
+            </a:prstGeom>
+          </p:spPr>
+          <p:style>
+            <a:lnRef idx="2">
+              <a:schemeClr val="accent5">
+                <a:shade val="50000"/>
+              </a:schemeClr>
+            </a:lnRef>
+            <a:fillRef idx="1">
+              <a:schemeClr val="accent5"/>
+            </a:fillRef>
+            <a:effectRef idx="0">
+              <a:schemeClr val="accent5"/>
+            </a:effectRef>
+            <a:fontRef idx="minor">
+              <a:schemeClr val="lt1"/>
+            </a:fontRef>
+          </p:style>
+          <p:txBody>
+            <a:bodyPr rtlCol="0" anchor="ctr"/>
+            <a:lstStyle/>
+            <a:p>
+              <a:pPr algn="ctr"/>
+              <a:r>
+                <a:rPr lang="he-IL" sz="1200" dirty="0"/>
+                <a:t>לחיצה על הוספת פגישה</a:t>
+              </a:r>
+              <a:endParaRPr lang="en-US" sz="1200" dirty="0"/>
+            </a:p>
+          </p:txBody>
+        </p:sp>
+        <p:cxnSp>
+          <p:nvCxnSpPr>
+            <p:cNvPr id="8" name="Straight Connector 7">
+              <a:extLst>
+                <a:ext uri="{FF2B5EF4-FFF2-40B4-BE49-F238E27FC236}">
+                  <a16:creationId xmlns:a16="http://schemas.microsoft.com/office/drawing/2014/main" id="{57E33931-64D2-4499-A0CF-3FB5E87165BF}"/>
+                </a:ext>
+              </a:extLst>
+            </p:cNvPr>
+            <p:cNvCxnSpPr>
+              <a:cxnSpLocks/>
+            </p:cNvCxnSpPr>
+            <p:nvPr/>
+          </p:nvCxnSpPr>
+          <p:spPr>
+            <a:xfrm>
+              <a:off x="793102" y="3041782"/>
+              <a:ext cx="1754155" cy="0"/>
+            </a:xfrm>
+            <a:prstGeom prst="line">
+              <a:avLst/>
+            </a:prstGeom>
+          </p:spPr>
+          <p:style>
+            <a:lnRef idx="1">
+              <a:schemeClr val="dk1"/>
+            </a:lnRef>
+            <a:fillRef idx="0">
+              <a:schemeClr val="dk1"/>
+            </a:fillRef>
+            <a:effectRef idx="0">
+              <a:schemeClr val="dk1"/>
+            </a:effectRef>
+            <a:fontRef idx="minor">
+              <a:schemeClr val="tx1"/>
+            </a:fontRef>
+          </p:style>
+        </p:cxnSp>
+        <p:sp>
+          <p:nvSpPr>
+            <p:cNvPr id="10" name="TextBox 9">
+              <a:extLst>
+                <a:ext uri="{FF2B5EF4-FFF2-40B4-BE49-F238E27FC236}">
+                  <a16:creationId xmlns:a16="http://schemas.microsoft.com/office/drawing/2014/main" id="{D0E4B48E-927B-4174-980C-01ED831A18CC}"/>
+                </a:ext>
+              </a:extLst>
+            </p:cNvPr>
+            <p:cNvSpPr txBox="1"/>
+            <p:nvPr/>
+          </p:nvSpPr>
+          <p:spPr>
+            <a:xfrm>
+              <a:off x="653142" y="2696546"/>
+              <a:ext cx="2034073" cy="369332"/>
+            </a:xfrm>
+            <a:prstGeom prst="rect">
+              <a:avLst/>
+            </a:prstGeom>
+            <a:noFill/>
+          </p:spPr>
+          <p:txBody>
+            <a:bodyPr wrap="square" rtlCol="0">
+              <a:spAutoFit/>
+            </a:bodyPr>
+            <a:lstStyle/>
+            <a:p>
+              <a:pPr algn="ctr" rtl="1"/>
+              <a:r>
+                <a:rPr lang="he-IL" dirty="0">
+                  <a:solidFill>
+                    <a:schemeClr val="bg1"/>
+                  </a:solidFill>
+                </a:rPr>
+                <a:t>מסך ראשי</a:t>
+              </a:r>
+              <a:endParaRPr lang="en-US" dirty="0">
+                <a:solidFill>
+                  <a:schemeClr val="bg1"/>
+                </a:solidFill>
+              </a:endParaRPr>
+            </a:p>
+          </p:txBody>
+        </p:sp>
+      </p:grpSp>
+      <p:grpSp>
+        <p:nvGrpSpPr>
+          <p:cNvPr id="31" name="Group 30">
+            <a:extLst>
+              <a:ext uri="{FF2B5EF4-FFF2-40B4-BE49-F238E27FC236}">
+                <a16:creationId xmlns:a16="http://schemas.microsoft.com/office/drawing/2014/main" id="{3857F54E-812F-455F-B664-AC580ACFD144}"/>
+              </a:ext>
+            </a:extLst>
+          </p:cNvPr>
+          <p:cNvGrpSpPr/>
+          <p:nvPr/>
+        </p:nvGrpSpPr>
+        <p:grpSpPr>
+          <a:xfrm>
+            <a:off x="7206331" y="2457059"/>
+            <a:ext cx="2034074" cy="998376"/>
+            <a:chOff x="653142" y="2696546"/>
+            <a:chExt cx="2034074" cy="998376"/>
+          </a:xfrm>
+        </p:grpSpPr>
+        <p:sp>
+          <p:nvSpPr>
+            <p:cNvPr id="32" name="Rectangle 31">
+              <a:extLst>
+                <a:ext uri="{FF2B5EF4-FFF2-40B4-BE49-F238E27FC236}">
+                  <a16:creationId xmlns:a16="http://schemas.microsoft.com/office/drawing/2014/main" id="{9A2A58FF-183D-48BF-BA84-BA291804F680}"/>
+                </a:ext>
+              </a:extLst>
+            </p:cNvPr>
+            <p:cNvSpPr/>
+            <p:nvPr/>
+          </p:nvSpPr>
+          <p:spPr>
+            <a:xfrm>
+              <a:off x="653143" y="2715208"/>
+              <a:ext cx="2034073" cy="979714"/>
+            </a:xfrm>
+            <a:prstGeom prst="rect">
+              <a:avLst/>
+            </a:prstGeom>
+          </p:spPr>
+          <p:style>
+            <a:lnRef idx="2">
+              <a:schemeClr val="accent5">
+                <a:shade val="50000"/>
+              </a:schemeClr>
+            </a:lnRef>
+            <a:fillRef idx="1">
+              <a:schemeClr val="accent5"/>
+            </a:fillRef>
+            <a:effectRef idx="0">
+              <a:schemeClr val="accent5"/>
+            </a:effectRef>
+            <a:fontRef idx="minor">
+              <a:schemeClr val="lt1"/>
+            </a:fontRef>
+          </p:style>
+          <p:txBody>
+            <a:bodyPr rtlCol="0" anchor="ctr"/>
+            <a:lstStyle/>
+            <a:p>
+              <a:pPr algn="ctr"/>
+              <a:endParaRPr lang="he-IL" sz="1200" dirty="0"/>
+            </a:p>
+            <a:p>
+              <a:pPr algn="ctr"/>
+              <a:r>
+                <a:rPr lang="he-IL" sz="1200" dirty="0"/>
+                <a:t>הוספת פרטי הפגישה.</a:t>
+              </a:r>
+            </a:p>
+            <a:p>
+              <a:pPr algn="ctr"/>
+              <a:r>
+                <a:rPr lang="he-IL" sz="1200" dirty="0"/>
+                <a:t>מיקום, נושא, תיאור</a:t>
+              </a:r>
+              <a:endParaRPr lang="en-US" sz="1200" dirty="0"/>
+            </a:p>
+          </p:txBody>
+        </p:sp>
+        <p:cxnSp>
+          <p:nvCxnSpPr>
+            <p:cNvPr id="33" name="Straight Connector 32">
+              <a:extLst>
+                <a:ext uri="{FF2B5EF4-FFF2-40B4-BE49-F238E27FC236}">
+                  <a16:creationId xmlns:a16="http://schemas.microsoft.com/office/drawing/2014/main" id="{D29D9F79-7343-4EF6-9CC0-E91B31692E11}"/>
+                </a:ext>
+              </a:extLst>
+            </p:cNvPr>
+            <p:cNvCxnSpPr>
+              <a:cxnSpLocks/>
+            </p:cNvCxnSpPr>
+            <p:nvPr/>
+          </p:nvCxnSpPr>
+          <p:spPr>
+            <a:xfrm>
+              <a:off x="793102" y="3041782"/>
+              <a:ext cx="1754155" cy="0"/>
+            </a:xfrm>
+            <a:prstGeom prst="line">
+              <a:avLst/>
+            </a:prstGeom>
+          </p:spPr>
+          <p:style>
+            <a:lnRef idx="1">
+              <a:schemeClr val="dk1"/>
+            </a:lnRef>
+            <a:fillRef idx="0">
+              <a:schemeClr val="dk1"/>
+            </a:fillRef>
+            <a:effectRef idx="0">
+              <a:schemeClr val="dk1"/>
+            </a:effectRef>
+            <a:fontRef idx="minor">
+              <a:schemeClr val="tx1"/>
+            </a:fontRef>
+          </p:style>
+        </p:cxnSp>
+        <p:sp>
+          <p:nvSpPr>
+            <p:cNvPr id="34" name="TextBox 33">
+              <a:extLst>
+                <a:ext uri="{FF2B5EF4-FFF2-40B4-BE49-F238E27FC236}">
+                  <a16:creationId xmlns:a16="http://schemas.microsoft.com/office/drawing/2014/main" id="{74C4094C-1968-4C38-A23D-F2A1D1066AEF}"/>
+                </a:ext>
+              </a:extLst>
+            </p:cNvPr>
+            <p:cNvSpPr txBox="1"/>
+            <p:nvPr/>
+          </p:nvSpPr>
+          <p:spPr>
+            <a:xfrm>
+              <a:off x="653142" y="2696546"/>
+              <a:ext cx="2034073" cy="369332"/>
+            </a:xfrm>
+            <a:prstGeom prst="rect">
+              <a:avLst/>
+            </a:prstGeom>
+            <a:noFill/>
+          </p:spPr>
+          <p:txBody>
+            <a:bodyPr wrap="square" rtlCol="0">
+              <a:spAutoFit/>
+            </a:bodyPr>
+            <a:lstStyle/>
+            <a:p>
+              <a:pPr algn="ctr" rtl="1"/>
+              <a:r>
+                <a:rPr lang="he-IL" dirty="0">
+                  <a:solidFill>
+                    <a:schemeClr val="bg1"/>
+                  </a:solidFill>
+                </a:rPr>
+                <a:t>מסך הוספת פגישה</a:t>
+              </a:r>
+              <a:endParaRPr lang="en-US" dirty="0">
+                <a:solidFill>
+                  <a:schemeClr val="bg1"/>
+                </a:solidFill>
+              </a:endParaRPr>
+            </a:p>
+          </p:txBody>
+        </p:sp>
+      </p:grpSp>
+      <p:grpSp>
+        <p:nvGrpSpPr>
+          <p:cNvPr id="35" name="Group 34">
+            <a:extLst>
+              <a:ext uri="{FF2B5EF4-FFF2-40B4-BE49-F238E27FC236}">
+                <a16:creationId xmlns:a16="http://schemas.microsoft.com/office/drawing/2014/main" id="{D9533D1D-4314-4A79-B276-7763967CB9F9}"/>
+              </a:ext>
+            </a:extLst>
+          </p:cNvPr>
+          <p:cNvGrpSpPr/>
+          <p:nvPr/>
+        </p:nvGrpSpPr>
+        <p:grpSpPr>
+          <a:xfrm>
+            <a:off x="4654391" y="2997846"/>
+            <a:ext cx="2034074" cy="998376"/>
+            <a:chOff x="653142" y="2696546"/>
+            <a:chExt cx="2034074" cy="998376"/>
+          </a:xfrm>
+        </p:grpSpPr>
+        <p:sp>
+          <p:nvSpPr>
+            <p:cNvPr id="36" name="Rectangle 35">
+              <a:extLst>
+                <a:ext uri="{FF2B5EF4-FFF2-40B4-BE49-F238E27FC236}">
+                  <a16:creationId xmlns:a16="http://schemas.microsoft.com/office/drawing/2014/main" id="{17B57A99-D1C0-4031-AFC4-B96CBD4749BF}"/>
+                </a:ext>
+              </a:extLst>
+            </p:cNvPr>
+            <p:cNvSpPr/>
+            <p:nvPr/>
+          </p:nvSpPr>
+          <p:spPr>
+            <a:xfrm>
+              <a:off x="653143" y="2715208"/>
+              <a:ext cx="2034073" cy="979714"/>
+            </a:xfrm>
+            <a:prstGeom prst="rect">
+              <a:avLst/>
+            </a:prstGeom>
+          </p:spPr>
+          <p:style>
+            <a:lnRef idx="2">
+              <a:schemeClr val="accent5">
+                <a:shade val="50000"/>
+              </a:schemeClr>
+            </a:lnRef>
+            <a:fillRef idx="1">
+              <a:schemeClr val="accent5"/>
+            </a:fillRef>
+            <a:effectRef idx="0">
+              <a:schemeClr val="accent5"/>
+            </a:effectRef>
+            <a:fontRef idx="minor">
+              <a:schemeClr val="lt1"/>
+            </a:fontRef>
+          </p:style>
+          <p:txBody>
+            <a:bodyPr rtlCol="0" anchor="ctr"/>
+            <a:lstStyle/>
+            <a:p>
+              <a:pPr algn="ctr"/>
+              <a:endParaRPr lang="he-IL" sz="1200" dirty="0"/>
+            </a:p>
+            <a:p>
+              <a:pPr algn="ctr"/>
+              <a:r>
+                <a:rPr lang="he-IL" sz="1200" dirty="0"/>
+                <a:t>לחיצה על שדה נמענים</a:t>
+              </a:r>
+              <a:endParaRPr lang="en-US" sz="1200" dirty="0"/>
+            </a:p>
+          </p:txBody>
+        </p:sp>
+        <p:cxnSp>
+          <p:nvCxnSpPr>
+            <p:cNvPr id="37" name="Straight Connector 36">
+              <a:extLst>
+                <a:ext uri="{FF2B5EF4-FFF2-40B4-BE49-F238E27FC236}">
+                  <a16:creationId xmlns:a16="http://schemas.microsoft.com/office/drawing/2014/main" id="{20DED5BC-0E2E-444E-BCF7-EEF8D5F3A354}"/>
+                </a:ext>
+              </a:extLst>
+            </p:cNvPr>
+            <p:cNvCxnSpPr>
+              <a:cxnSpLocks/>
+            </p:cNvCxnSpPr>
+            <p:nvPr/>
+          </p:nvCxnSpPr>
+          <p:spPr>
+            <a:xfrm>
+              <a:off x="793102" y="3041782"/>
+              <a:ext cx="1754155" cy="0"/>
+            </a:xfrm>
+            <a:prstGeom prst="line">
+              <a:avLst/>
+            </a:prstGeom>
+          </p:spPr>
+          <p:style>
+            <a:lnRef idx="1">
+              <a:schemeClr val="dk1"/>
+            </a:lnRef>
+            <a:fillRef idx="0">
+              <a:schemeClr val="dk1"/>
+            </a:fillRef>
+            <a:effectRef idx="0">
+              <a:schemeClr val="dk1"/>
+            </a:effectRef>
+            <a:fontRef idx="minor">
+              <a:schemeClr val="tx1"/>
+            </a:fontRef>
+          </p:style>
+        </p:cxnSp>
+        <p:sp>
+          <p:nvSpPr>
+            <p:cNvPr id="38" name="TextBox 37">
+              <a:extLst>
+                <a:ext uri="{FF2B5EF4-FFF2-40B4-BE49-F238E27FC236}">
+                  <a16:creationId xmlns:a16="http://schemas.microsoft.com/office/drawing/2014/main" id="{2CEC05B7-8E4B-4F77-8775-F187B3225C09}"/>
+                </a:ext>
+              </a:extLst>
+            </p:cNvPr>
+            <p:cNvSpPr txBox="1"/>
+            <p:nvPr/>
+          </p:nvSpPr>
+          <p:spPr>
+            <a:xfrm>
+              <a:off x="653142" y="2696546"/>
+              <a:ext cx="2034073" cy="369332"/>
+            </a:xfrm>
+            <a:prstGeom prst="rect">
+              <a:avLst/>
+            </a:prstGeom>
+            <a:noFill/>
+          </p:spPr>
+          <p:txBody>
+            <a:bodyPr wrap="square" rtlCol="0">
+              <a:spAutoFit/>
+            </a:bodyPr>
+            <a:lstStyle/>
+            <a:p>
+              <a:pPr algn="ctr" rtl="1"/>
+              <a:r>
+                <a:rPr lang="he-IL" dirty="0">
+                  <a:solidFill>
+                    <a:schemeClr val="bg1"/>
+                  </a:solidFill>
+                </a:rPr>
+                <a:t>מסך הוספת פגישה</a:t>
+              </a:r>
+              <a:endParaRPr lang="en-US" dirty="0">
+                <a:solidFill>
+                  <a:schemeClr val="bg1"/>
+                </a:solidFill>
+              </a:endParaRPr>
+            </a:p>
+          </p:txBody>
+        </p:sp>
+      </p:grpSp>
+      <p:grpSp>
+        <p:nvGrpSpPr>
+          <p:cNvPr id="39" name="Group 38">
+            <a:extLst>
+              <a:ext uri="{FF2B5EF4-FFF2-40B4-BE49-F238E27FC236}">
+                <a16:creationId xmlns:a16="http://schemas.microsoft.com/office/drawing/2014/main" id="{43E0B6DC-7710-4791-80C3-7E8F24460827}"/>
+              </a:ext>
+            </a:extLst>
+          </p:cNvPr>
+          <p:cNvGrpSpPr/>
+          <p:nvPr/>
+        </p:nvGrpSpPr>
+        <p:grpSpPr>
+          <a:xfrm>
+            <a:off x="2183302" y="2997846"/>
+            <a:ext cx="2034074" cy="998376"/>
+            <a:chOff x="653142" y="2696546"/>
+            <a:chExt cx="2034074" cy="998376"/>
+          </a:xfrm>
+        </p:grpSpPr>
+        <p:sp>
+          <p:nvSpPr>
+            <p:cNvPr id="40" name="Rectangle 39">
+              <a:extLst>
+                <a:ext uri="{FF2B5EF4-FFF2-40B4-BE49-F238E27FC236}">
+                  <a16:creationId xmlns:a16="http://schemas.microsoft.com/office/drawing/2014/main" id="{41C3A5FD-1FAB-424F-8896-CC1FA5C455AF}"/>
+                </a:ext>
+              </a:extLst>
+            </p:cNvPr>
+            <p:cNvSpPr/>
+            <p:nvPr/>
+          </p:nvSpPr>
+          <p:spPr>
+            <a:xfrm>
+              <a:off x="653143" y="2715208"/>
+              <a:ext cx="2034073" cy="979714"/>
+            </a:xfrm>
+            <a:prstGeom prst="rect">
+              <a:avLst/>
+            </a:prstGeom>
+          </p:spPr>
+          <p:style>
+            <a:lnRef idx="2">
+              <a:schemeClr val="accent5">
+                <a:shade val="50000"/>
+              </a:schemeClr>
+            </a:lnRef>
+            <a:fillRef idx="1">
+              <a:schemeClr val="accent5"/>
+            </a:fillRef>
+            <a:effectRef idx="0">
+              <a:schemeClr val="accent5"/>
+            </a:effectRef>
+            <a:fontRef idx="minor">
+              <a:schemeClr val="lt1"/>
+            </a:fontRef>
+          </p:style>
+          <p:txBody>
+            <a:bodyPr rtlCol="0" anchor="ctr"/>
+            <a:lstStyle/>
+            <a:p>
+              <a:pPr algn="ctr"/>
+              <a:endParaRPr lang="he-IL" sz="1200" dirty="0"/>
+            </a:p>
+            <a:p>
+              <a:pPr algn="ctr"/>
+              <a:r>
+                <a:rPr lang="he-IL" sz="1200" dirty="0"/>
+                <a:t>הקלדה שם נמען ובחירה מהשלמה אוטומטית (אם קיים)</a:t>
+              </a:r>
+              <a:endParaRPr lang="en-US" sz="1200" dirty="0"/>
+            </a:p>
+          </p:txBody>
+        </p:sp>
+        <p:cxnSp>
+          <p:nvCxnSpPr>
+            <p:cNvPr id="41" name="Straight Connector 40">
+              <a:extLst>
+                <a:ext uri="{FF2B5EF4-FFF2-40B4-BE49-F238E27FC236}">
+                  <a16:creationId xmlns:a16="http://schemas.microsoft.com/office/drawing/2014/main" id="{D115F236-1744-488E-B1DA-7F1E63AF19C8}"/>
+                </a:ext>
+              </a:extLst>
+            </p:cNvPr>
+            <p:cNvCxnSpPr>
+              <a:cxnSpLocks/>
+            </p:cNvCxnSpPr>
+            <p:nvPr/>
+          </p:nvCxnSpPr>
+          <p:spPr>
+            <a:xfrm>
+              <a:off x="793102" y="3041782"/>
+              <a:ext cx="1754155" cy="0"/>
+            </a:xfrm>
+            <a:prstGeom prst="line">
+              <a:avLst/>
+            </a:prstGeom>
+          </p:spPr>
+          <p:style>
+            <a:lnRef idx="1">
+              <a:schemeClr val="dk1"/>
+            </a:lnRef>
+            <a:fillRef idx="0">
+              <a:schemeClr val="dk1"/>
+            </a:fillRef>
+            <a:effectRef idx="0">
+              <a:schemeClr val="dk1"/>
+            </a:effectRef>
+            <a:fontRef idx="minor">
+              <a:schemeClr val="tx1"/>
+            </a:fontRef>
+          </p:style>
+        </p:cxnSp>
+        <p:sp>
+          <p:nvSpPr>
+            <p:cNvPr id="42" name="TextBox 41">
+              <a:extLst>
+                <a:ext uri="{FF2B5EF4-FFF2-40B4-BE49-F238E27FC236}">
+                  <a16:creationId xmlns:a16="http://schemas.microsoft.com/office/drawing/2014/main" id="{1D127530-3F09-4146-B318-3EC8B787782B}"/>
+                </a:ext>
+              </a:extLst>
+            </p:cNvPr>
+            <p:cNvSpPr txBox="1"/>
+            <p:nvPr/>
+          </p:nvSpPr>
+          <p:spPr>
+            <a:xfrm>
+              <a:off x="653142" y="2696546"/>
+              <a:ext cx="2034073" cy="369332"/>
+            </a:xfrm>
+            <a:prstGeom prst="rect">
+              <a:avLst/>
+            </a:prstGeom>
+            <a:noFill/>
+          </p:spPr>
+          <p:txBody>
+            <a:bodyPr wrap="square" rtlCol="0">
+              <a:spAutoFit/>
+            </a:bodyPr>
+            <a:lstStyle/>
+            <a:p>
+              <a:pPr algn="ctr" rtl="1"/>
+              <a:r>
+                <a:rPr lang="he-IL" dirty="0">
+                  <a:solidFill>
+                    <a:schemeClr val="bg1"/>
+                  </a:solidFill>
+                </a:rPr>
+                <a:t>מסך הוספת פגישה</a:t>
+              </a:r>
+              <a:endParaRPr lang="en-US" dirty="0">
+                <a:solidFill>
+                  <a:schemeClr val="bg1"/>
+                </a:solidFill>
+              </a:endParaRPr>
+            </a:p>
+          </p:txBody>
+        </p:sp>
+      </p:grpSp>
+      <p:grpSp>
+        <p:nvGrpSpPr>
+          <p:cNvPr id="43" name="Group 42">
+            <a:extLst>
+              <a:ext uri="{FF2B5EF4-FFF2-40B4-BE49-F238E27FC236}">
+                <a16:creationId xmlns:a16="http://schemas.microsoft.com/office/drawing/2014/main" id="{5063C5A3-26D9-4CB4-A32B-4ABD4CE10A38}"/>
+              </a:ext>
+            </a:extLst>
+          </p:cNvPr>
+          <p:cNvGrpSpPr/>
+          <p:nvPr/>
+        </p:nvGrpSpPr>
+        <p:grpSpPr>
+          <a:xfrm>
+            <a:off x="2183301" y="4341002"/>
+            <a:ext cx="2034074" cy="998376"/>
+            <a:chOff x="653142" y="2696546"/>
+            <a:chExt cx="2034074" cy="998376"/>
+          </a:xfrm>
+        </p:grpSpPr>
+        <p:sp>
+          <p:nvSpPr>
+            <p:cNvPr id="44" name="Rectangle 43">
+              <a:extLst>
+                <a:ext uri="{FF2B5EF4-FFF2-40B4-BE49-F238E27FC236}">
+                  <a16:creationId xmlns:a16="http://schemas.microsoft.com/office/drawing/2014/main" id="{E7CD4D1F-2B82-4334-A0EE-0FD7DD097D7C}"/>
+                </a:ext>
+              </a:extLst>
+            </p:cNvPr>
+            <p:cNvSpPr/>
+            <p:nvPr/>
+          </p:nvSpPr>
+          <p:spPr>
+            <a:xfrm>
+              <a:off x="653143" y="2715208"/>
+              <a:ext cx="2034073" cy="979714"/>
+            </a:xfrm>
+            <a:prstGeom prst="rect">
+              <a:avLst/>
+            </a:prstGeom>
+          </p:spPr>
+          <p:style>
+            <a:lnRef idx="2">
+              <a:schemeClr val="accent5">
+                <a:shade val="50000"/>
+              </a:schemeClr>
+            </a:lnRef>
+            <a:fillRef idx="1">
+              <a:schemeClr val="accent5"/>
+            </a:fillRef>
+            <a:effectRef idx="0">
+              <a:schemeClr val="accent5"/>
+            </a:effectRef>
+            <a:fontRef idx="minor">
+              <a:schemeClr val="lt1"/>
+            </a:fontRef>
+          </p:style>
+          <p:txBody>
+            <a:bodyPr rtlCol="0" anchor="ctr"/>
+            <a:lstStyle/>
+            <a:p>
+              <a:pPr algn="ctr"/>
+              <a:endParaRPr lang="he-IL" sz="1200" dirty="0"/>
+            </a:p>
+            <a:p>
+              <a:pPr algn="ctr"/>
+              <a:r>
+                <a:rPr lang="he-IL" sz="1200" dirty="0"/>
+                <a:t>הוספת נמען או קבוצה </a:t>
+              </a:r>
+            </a:p>
+            <a:p>
+              <a:pPr algn="ctr"/>
+              <a:r>
+                <a:rPr lang="he-IL" sz="1200" dirty="0"/>
+                <a:t>מאנשי קשר</a:t>
+              </a:r>
+              <a:endParaRPr lang="en-US" sz="1200" dirty="0"/>
+            </a:p>
+          </p:txBody>
+        </p:sp>
+        <p:cxnSp>
+          <p:nvCxnSpPr>
+            <p:cNvPr id="45" name="Straight Connector 44">
+              <a:extLst>
+                <a:ext uri="{FF2B5EF4-FFF2-40B4-BE49-F238E27FC236}">
+                  <a16:creationId xmlns:a16="http://schemas.microsoft.com/office/drawing/2014/main" id="{3508D938-9018-4D39-B059-4394A412658E}"/>
+                </a:ext>
+              </a:extLst>
+            </p:cNvPr>
+            <p:cNvCxnSpPr>
+              <a:cxnSpLocks/>
+            </p:cNvCxnSpPr>
+            <p:nvPr/>
+          </p:nvCxnSpPr>
+          <p:spPr>
+            <a:xfrm>
+              <a:off x="793102" y="3041782"/>
+              <a:ext cx="1754155" cy="0"/>
+            </a:xfrm>
+            <a:prstGeom prst="line">
+              <a:avLst/>
+            </a:prstGeom>
+          </p:spPr>
+          <p:style>
+            <a:lnRef idx="1">
+              <a:schemeClr val="dk1"/>
+            </a:lnRef>
+            <a:fillRef idx="0">
+              <a:schemeClr val="dk1"/>
+            </a:fillRef>
+            <a:effectRef idx="0">
+              <a:schemeClr val="dk1"/>
+            </a:effectRef>
+            <a:fontRef idx="minor">
+              <a:schemeClr val="tx1"/>
+            </a:fontRef>
+          </p:style>
+        </p:cxnSp>
+        <p:sp>
+          <p:nvSpPr>
+            <p:cNvPr id="46" name="TextBox 45">
+              <a:extLst>
+                <a:ext uri="{FF2B5EF4-FFF2-40B4-BE49-F238E27FC236}">
+                  <a16:creationId xmlns:a16="http://schemas.microsoft.com/office/drawing/2014/main" id="{F4BC6CEF-0800-4030-992E-5AC1E2575EF5}"/>
+                </a:ext>
+              </a:extLst>
+            </p:cNvPr>
+            <p:cNvSpPr txBox="1"/>
+            <p:nvPr/>
+          </p:nvSpPr>
+          <p:spPr>
+            <a:xfrm>
+              <a:off x="653142" y="2696546"/>
+              <a:ext cx="2034073" cy="369332"/>
+            </a:xfrm>
+            <a:prstGeom prst="rect">
+              <a:avLst/>
+            </a:prstGeom>
+            <a:noFill/>
+          </p:spPr>
+          <p:txBody>
+            <a:bodyPr wrap="square" rtlCol="0">
+              <a:spAutoFit/>
+            </a:bodyPr>
+            <a:lstStyle/>
+            <a:p>
+              <a:pPr algn="ctr" rtl="1"/>
+              <a:r>
+                <a:rPr lang="he-IL" dirty="0">
+                  <a:solidFill>
+                    <a:schemeClr val="bg1"/>
+                  </a:solidFill>
+                </a:rPr>
+                <a:t>מסך הוספת פגישה</a:t>
+              </a:r>
+              <a:endParaRPr lang="en-US" dirty="0">
+                <a:solidFill>
+                  <a:schemeClr val="bg1"/>
+                </a:solidFill>
+              </a:endParaRPr>
+            </a:p>
+          </p:txBody>
+        </p:sp>
+      </p:grpSp>
+      <p:cxnSp>
+        <p:nvCxnSpPr>
+          <p:cNvPr id="48" name="Straight Arrow Connector 47">
+            <a:extLst>
+              <a:ext uri="{FF2B5EF4-FFF2-40B4-BE49-F238E27FC236}">
+                <a16:creationId xmlns:a16="http://schemas.microsoft.com/office/drawing/2014/main" id="{D20A44E5-47DB-447C-B114-344D9FF737CB}"/>
+              </a:ext>
+            </a:extLst>
+          </p:cNvPr>
+          <p:cNvCxnSpPr>
+            <a:stCxn id="36" idx="1"/>
+            <a:endCxn id="40" idx="3"/>
+          </p:cNvCxnSpPr>
+          <p:nvPr/>
+        </p:nvCxnSpPr>
+        <p:spPr>
+          <a:xfrm flipH="1">
+            <a:off x="4217376" y="3506365"/>
+            <a:ext cx="437016" cy="0"/>
+          </a:xfrm>
+          <a:prstGeom prst="straightConnector1">
+            <a:avLst/>
+          </a:prstGeom>
+          <a:ln>
+            <a:tailEnd type="triangle"/>
+          </a:ln>
+        </p:spPr>
+        <p:style>
+          <a:lnRef idx="1">
+            <a:schemeClr val="dk1"/>
+          </a:lnRef>
+          <a:fillRef idx="0">
+            <a:schemeClr val="dk1"/>
+          </a:fillRef>
+          <a:effectRef idx="0">
+            <a:schemeClr val="dk1"/>
+          </a:effectRef>
+          <a:fontRef idx="minor">
+            <a:schemeClr val="tx1"/>
+          </a:fontRef>
+        </p:style>
+      </p:cxnSp>
+      <p:cxnSp>
+        <p:nvCxnSpPr>
+          <p:cNvPr id="49" name="Straight Arrow Connector 48">
+            <a:extLst>
+              <a:ext uri="{FF2B5EF4-FFF2-40B4-BE49-F238E27FC236}">
+                <a16:creationId xmlns:a16="http://schemas.microsoft.com/office/drawing/2014/main" id="{8AAFA0A1-5A29-450D-9D12-0F1EAFF65748}"/>
+              </a:ext>
+            </a:extLst>
+          </p:cNvPr>
+          <p:cNvCxnSpPr>
+            <a:cxnSpLocks/>
+            <a:endCxn id="44" idx="3"/>
+          </p:cNvCxnSpPr>
+          <p:nvPr/>
+        </p:nvCxnSpPr>
+        <p:spPr>
+          <a:xfrm flipH="1">
+            <a:off x="4217375" y="3996222"/>
+            <a:ext cx="437016" cy="853299"/>
+          </a:xfrm>
+          <a:prstGeom prst="straightConnector1">
+            <a:avLst/>
+          </a:prstGeom>
+          <a:ln>
+            <a:tailEnd type="triangle"/>
+          </a:ln>
+        </p:spPr>
+        <p:style>
+          <a:lnRef idx="1">
+            <a:schemeClr val="dk1"/>
+          </a:lnRef>
+          <a:fillRef idx="0">
+            <a:schemeClr val="dk1"/>
+          </a:fillRef>
+          <a:effectRef idx="0">
+            <a:schemeClr val="dk1"/>
+          </a:effectRef>
+          <a:fontRef idx="minor">
+            <a:schemeClr val="tx1"/>
+          </a:fontRef>
+        </p:style>
+      </p:cxnSp>
+      <p:cxnSp>
+        <p:nvCxnSpPr>
+          <p:cNvPr id="51" name="Straight Arrow Connector 50">
+            <a:extLst>
+              <a:ext uri="{FF2B5EF4-FFF2-40B4-BE49-F238E27FC236}">
+                <a16:creationId xmlns:a16="http://schemas.microsoft.com/office/drawing/2014/main" id="{FD9E13BB-05DF-44FB-90E3-6C7C6DD993B2}"/>
+              </a:ext>
+            </a:extLst>
+          </p:cNvPr>
+          <p:cNvCxnSpPr>
+            <a:cxnSpLocks/>
+          </p:cNvCxnSpPr>
+          <p:nvPr/>
+        </p:nvCxnSpPr>
+        <p:spPr>
+          <a:xfrm>
+            <a:off x="4217374" y="3686756"/>
+            <a:ext cx="452566" cy="0"/>
+          </a:xfrm>
+          <a:prstGeom prst="straightConnector1">
+            <a:avLst/>
+          </a:prstGeom>
+          <a:ln>
+            <a:tailEnd type="triangle"/>
+          </a:ln>
+        </p:spPr>
+        <p:style>
+          <a:lnRef idx="1">
+            <a:schemeClr val="dk1"/>
+          </a:lnRef>
+          <a:fillRef idx="0">
+            <a:schemeClr val="dk1"/>
+          </a:fillRef>
+          <a:effectRef idx="0">
+            <a:schemeClr val="dk1"/>
+          </a:effectRef>
+          <a:fontRef idx="minor">
+            <a:schemeClr val="tx1"/>
+          </a:fontRef>
+        </p:style>
+      </p:cxnSp>
+      <p:cxnSp>
+        <p:nvCxnSpPr>
+          <p:cNvPr id="54" name="Straight Arrow Connector 53">
+            <a:extLst>
+              <a:ext uri="{FF2B5EF4-FFF2-40B4-BE49-F238E27FC236}">
+                <a16:creationId xmlns:a16="http://schemas.microsoft.com/office/drawing/2014/main" id="{ABD36C06-B884-4690-8751-260DAE7E39BF}"/>
+              </a:ext>
+            </a:extLst>
+          </p:cNvPr>
+          <p:cNvCxnSpPr>
+            <a:cxnSpLocks/>
+          </p:cNvCxnSpPr>
+          <p:nvPr/>
+        </p:nvCxnSpPr>
+        <p:spPr>
+          <a:xfrm flipV="1">
+            <a:off x="4217374" y="3996222"/>
+            <a:ext cx="576977" cy="1080735"/>
+          </a:xfrm>
+          <a:prstGeom prst="straightConnector1">
+            <a:avLst/>
+          </a:prstGeom>
+          <a:ln>
+            <a:tailEnd type="triangle"/>
+          </a:ln>
+        </p:spPr>
+        <p:style>
+          <a:lnRef idx="1">
+            <a:schemeClr val="dk1"/>
+          </a:lnRef>
+          <a:fillRef idx="0">
+            <a:schemeClr val="dk1"/>
+          </a:fillRef>
+          <a:effectRef idx="0">
+            <a:schemeClr val="dk1"/>
+          </a:effectRef>
+          <a:fontRef idx="minor">
+            <a:schemeClr val="tx1"/>
+          </a:fontRef>
+        </p:style>
+      </p:cxnSp>
+      <p:cxnSp>
+        <p:nvCxnSpPr>
+          <p:cNvPr id="58" name="Straight Arrow Connector 57">
+            <a:extLst>
+              <a:ext uri="{FF2B5EF4-FFF2-40B4-BE49-F238E27FC236}">
+                <a16:creationId xmlns:a16="http://schemas.microsoft.com/office/drawing/2014/main" id="{73E9FDED-BCA9-4C2D-9753-E2686BFC977D}"/>
+              </a:ext>
+            </a:extLst>
+          </p:cNvPr>
+          <p:cNvCxnSpPr>
+            <a:cxnSpLocks/>
+            <a:endCxn id="38" idx="3"/>
+          </p:cNvCxnSpPr>
+          <p:nvPr/>
+        </p:nvCxnSpPr>
+        <p:spPr>
+          <a:xfrm flipH="1">
+            <a:off x="6688464" y="3165016"/>
+            <a:ext cx="517868" cy="17496"/>
+          </a:xfrm>
+          <a:prstGeom prst="straightConnector1">
+            <a:avLst/>
+          </a:prstGeom>
+          <a:ln>
+            <a:tailEnd type="triangle"/>
+          </a:ln>
+        </p:spPr>
+        <p:style>
+          <a:lnRef idx="1">
+            <a:schemeClr val="dk1"/>
+          </a:lnRef>
+          <a:fillRef idx="0">
+            <a:schemeClr val="dk1"/>
+          </a:fillRef>
+          <a:effectRef idx="0">
+            <a:schemeClr val="dk1"/>
+          </a:effectRef>
+          <a:fontRef idx="minor">
+            <a:schemeClr val="tx1"/>
+          </a:fontRef>
+        </p:style>
+      </p:cxnSp>
+      <p:cxnSp>
+        <p:nvCxnSpPr>
+          <p:cNvPr id="65" name="Straight Arrow Connector 64">
+            <a:extLst>
+              <a:ext uri="{FF2B5EF4-FFF2-40B4-BE49-F238E27FC236}">
+                <a16:creationId xmlns:a16="http://schemas.microsoft.com/office/drawing/2014/main" id="{6D93901B-5F95-4F75-843A-A2AF0EF05526}"/>
+              </a:ext>
+            </a:extLst>
+          </p:cNvPr>
+          <p:cNvCxnSpPr>
+            <a:cxnSpLocks/>
+          </p:cNvCxnSpPr>
+          <p:nvPr/>
+        </p:nvCxnSpPr>
+        <p:spPr>
+          <a:xfrm flipH="1">
+            <a:off x="9240404" y="2944973"/>
+            <a:ext cx="517868" cy="17496"/>
+          </a:xfrm>
+          <a:prstGeom prst="straightConnector1">
+            <a:avLst/>
+          </a:prstGeom>
+          <a:ln>
+            <a:tailEnd type="triangle"/>
+          </a:ln>
+        </p:spPr>
+        <p:style>
+          <a:lnRef idx="1">
+            <a:schemeClr val="dk1"/>
+          </a:lnRef>
+          <a:fillRef idx="0">
+            <a:schemeClr val="dk1"/>
+          </a:fillRef>
+          <a:effectRef idx="0">
+            <a:schemeClr val="dk1"/>
+          </a:effectRef>
+          <a:fontRef idx="minor">
+            <a:schemeClr val="tx1"/>
+          </a:fontRef>
+        </p:style>
+      </p:cxnSp>
+      <p:grpSp>
+        <p:nvGrpSpPr>
+          <p:cNvPr id="71" name="Group 70">
+            <a:extLst>
+              <a:ext uri="{FF2B5EF4-FFF2-40B4-BE49-F238E27FC236}">
+                <a16:creationId xmlns:a16="http://schemas.microsoft.com/office/drawing/2014/main" id="{033645C2-3041-4384-8B7F-F8A6EF7F9737}"/>
+              </a:ext>
+            </a:extLst>
+          </p:cNvPr>
+          <p:cNvGrpSpPr/>
+          <p:nvPr/>
+        </p:nvGrpSpPr>
+        <p:grpSpPr>
+          <a:xfrm>
+            <a:off x="5312217" y="4779929"/>
+            <a:ext cx="2034074" cy="998376"/>
+            <a:chOff x="653142" y="2696546"/>
+            <a:chExt cx="2034074" cy="998376"/>
+          </a:xfrm>
+        </p:grpSpPr>
+        <p:sp>
+          <p:nvSpPr>
+            <p:cNvPr id="72" name="Rectangle 71">
+              <a:extLst>
+                <a:ext uri="{FF2B5EF4-FFF2-40B4-BE49-F238E27FC236}">
+                  <a16:creationId xmlns:a16="http://schemas.microsoft.com/office/drawing/2014/main" id="{C85F374C-ED39-48D2-8955-A0C4EA028706}"/>
+                </a:ext>
+              </a:extLst>
+            </p:cNvPr>
+            <p:cNvSpPr/>
+            <p:nvPr/>
+          </p:nvSpPr>
+          <p:spPr>
+            <a:xfrm>
+              <a:off x="653143" y="2715208"/>
+              <a:ext cx="2034073" cy="979714"/>
+            </a:xfrm>
+            <a:prstGeom prst="rect">
+              <a:avLst/>
+            </a:prstGeom>
+          </p:spPr>
+          <p:style>
+            <a:lnRef idx="2">
+              <a:schemeClr val="accent5">
+                <a:shade val="50000"/>
+              </a:schemeClr>
+            </a:lnRef>
+            <a:fillRef idx="1">
+              <a:schemeClr val="accent5"/>
+            </a:fillRef>
+            <a:effectRef idx="0">
+              <a:schemeClr val="accent5"/>
+            </a:effectRef>
+            <a:fontRef idx="minor">
+              <a:schemeClr val="lt1"/>
+            </a:fontRef>
+          </p:style>
+          <p:txBody>
+            <a:bodyPr rtlCol="0" anchor="ctr"/>
+            <a:lstStyle/>
+            <a:p>
+              <a:pPr algn="ctr"/>
+              <a:endParaRPr lang="he-IL" sz="1200" dirty="0"/>
+            </a:p>
+            <a:p>
+              <a:pPr algn="ctr"/>
+              <a:r>
+                <a:rPr lang="he-IL" sz="1200" dirty="0"/>
+                <a:t>מעבר למסך בחירת תאריך עם המלצןת המערכת והאילוצים של כל הנמענים</a:t>
+              </a:r>
+              <a:endParaRPr lang="en-US" sz="1200" dirty="0"/>
+            </a:p>
+          </p:txBody>
+        </p:sp>
+        <p:cxnSp>
+          <p:nvCxnSpPr>
+            <p:cNvPr id="73" name="Straight Connector 72">
+              <a:extLst>
+                <a:ext uri="{FF2B5EF4-FFF2-40B4-BE49-F238E27FC236}">
+                  <a16:creationId xmlns:a16="http://schemas.microsoft.com/office/drawing/2014/main" id="{8A8FA3AC-C629-4EA8-B8BE-3238AA1ED113}"/>
+                </a:ext>
+              </a:extLst>
+            </p:cNvPr>
+            <p:cNvCxnSpPr>
+              <a:cxnSpLocks/>
+            </p:cNvCxnSpPr>
+            <p:nvPr/>
+          </p:nvCxnSpPr>
+          <p:spPr>
+            <a:xfrm>
+              <a:off x="793102" y="3041782"/>
+              <a:ext cx="1754155" cy="0"/>
+            </a:xfrm>
+            <a:prstGeom prst="line">
+              <a:avLst/>
+            </a:prstGeom>
+          </p:spPr>
+          <p:style>
+            <a:lnRef idx="1">
+              <a:schemeClr val="dk1"/>
+            </a:lnRef>
+            <a:fillRef idx="0">
+              <a:schemeClr val="dk1"/>
+            </a:fillRef>
+            <a:effectRef idx="0">
+              <a:schemeClr val="dk1"/>
+            </a:effectRef>
+            <a:fontRef idx="minor">
+              <a:schemeClr val="tx1"/>
+            </a:fontRef>
+          </p:style>
+        </p:cxnSp>
+        <p:sp>
+          <p:nvSpPr>
+            <p:cNvPr id="74" name="TextBox 73">
+              <a:extLst>
+                <a:ext uri="{FF2B5EF4-FFF2-40B4-BE49-F238E27FC236}">
+                  <a16:creationId xmlns:a16="http://schemas.microsoft.com/office/drawing/2014/main" id="{0BFDB4D6-6466-461F-8D8F-EAD7EF0E69B8}"/>
+                </a:ext>
+              </a:extLst>
+            </p:cNvPr>
+            <p:cNvSpPr txBox="1"/>
+            <p:nvPr/>
+          </p:nvSpPr>
+          <p:spPr>
+            <a:xfrm>
+              <a:off x="653142" y="2696546"/>
+              <a:ext cx="2034073" cy="369332"/>
+            </a:xfrm>
+            <a:prstGeom prst="rect">
+              <a:avLst/>
+            </a:prstGeom>
+            <a:noFill/>
+          </p:spPr>
+          <p:txBody>
+            <a:bodyPr wrap="square" rtlCol="0">
+              <a:spAutoFit/>
+            </a:bodyPr>
+            <a:lstStyle/>
+            <a:p>
+              <a:pPr algn="ctr" rtl="1"/>
+              <a:r>
+                <a:rPr lang="he-IL" dirty="0">
+                  <a:solidFill>
+                    <a:schemeClr val="bg1"/>
+                  </a:solidFill>
+                </a:rPr>
+                <a:t>מסך בחירת תאריך</a:t>
+              </a:r>
+              <a:endParaRPr lang="en-US" dirty="0">
+                <a:solidFill>
+                  <a:schemeClr val="bg1"/>
+                </a:solidFill>
+              </a:endParaRPr>
+            </a:p>
+          </p:txBody>
+        </p:sp>
+      </p:grpSp>
+      <p:cxnSp>
+        <p:nvCxnSpPr>
+          <p:cNvPr id="75" name="Straight Arrow Connector 74">
+            <a:extLst>
+              <a:ext uri="{FF2B5EF4-FFF2-40B4-BE49-F238E27FC236}">
+                <a16:creationId xmlns:a16="http://schemas.microsoft.com/office/drawing/2014/main" id="{74B078C5-8ED0-4805-84D3-A7297B141EA6}"/>
+              </a:ext>
+            </a:extLst>
+          </p:cNvPr>
+          <p:cNvCxnSpPr>
+            <a:cxnSpLocks/>
+            <a:stCxn id="36" idx="2"/>
+            <a:endCxn id="74" idx="0"/>
+          </p:cNvCxnSpPr>
+          <p:nvPr/>
+        </p:nvCxnSpPr>
+        <p:spPr>
+          <a:xfrm>
+            <a:off x="5671429" y="3996222"/>
+            <a:ext cx="657825" cy="783707"/>
+          </a:xfrm>
+          <a:prstGeom prst="straightConnector1">
+            <a:avLst/>
+          </a:prstGeom>
+          <a:ln>
+            <a:tailEnd type="triangle"/>
+          </a:ln>
+        </p:spPr>
+        <p:style>
+          <a:lnRef idx="1">
+            <a:schemeClr val="dk1"/>
+          </a:lnRef>
+          <a:fillRef idx="0">
+            <a:schemeClr val="dk1"/>
+          </a:fillRef>
+          <a:effectRef idx="0">
+            <a:schemeClr val="dk1"/>
+          </a:effectRef>
+          <a:fontRef idx="minor">
+            <a:schemeClr val="tx1"/>
+          </a:fontRef>
+        </p:style>
+      </p:cxnSp>
+      <p:grpSp>
+        <p:nvGrpSpPr>
+          <p:cNvPr id="80" name="Group 79">
+            <a:extLst>
+              <a:ext uri="{FF2B5EF4-FFF2-40B4-BE49-F238E27FC236}">
+                <a16:creationId xmlns:a16="http://schemas.microsoft.com/office/drawing/2014/main" id="{CC5A1E11-E969-4E60-9C60-26784D38D334}"/>
+              </a:ext>
+            </a:extLst>
+          </p:cNvPr>
+          <p:cNvGrpSpPr/>
+          <p:nvPr/>
+        </p:nvGrpSpPr>
+        <p:grpSpPr>
+          <a:xfrm>
+            <a:off x="7783251" y="4779929"/>
+            <a:ext cx="2034074" cy="998376"/>
+            <a:chOff x="653142" y="2696546"/>
+            <a:chExt cx="2034074" cy="998376"/>
+          </a:xfrm>
+        </p:grpSpPr>
+        <p:sp>
+          <p:nvSpPr>
+            <p:cNvPr id="81" name="Rectangle 80">
+              <a:extLst>
+                <a:ext uri="{FF2B5EF4-FFF2-40B4-BE49-F238E27FC236}">
+                  <a16:creationId xmlns:a16="http://schemas.microsoft.com/office/drawing/2014/main" id="{09C08D7C-BB22-4125-8665-E9991DEC1750}"/>
+                </a:ext>
+              </a:extLst>
+            </p:cNvPr>
+            <p:cNvSpPr/>
+            <p:nvPr/>
+          </p:nvSpPr>
+          <p:spPr>
+            <a:xfrm>
+              <a:off x="653143" y="2715208"/>
+              <a:ext cx="2034073" cy="979714"/>
+            </a:xfrm>
+            <a:prstGeom prst="rect">
+              <a:avLst/>
+            </a:prstGeom>
+          </p:spPr>
+          <p:style>
+            <a:lnRef idx="2">
+              <a:schemeClr val="accent5">
+                <a:shade val="50000"/>
+              </a:schemeClr>
+            </a:lnRef>
+            <a:fillRef idx="1">
+              <a:schemeClr val="accent5"/>
+            </a:fillRef>
+            <a:effectRef idx="0">
+              <a:schemeClr val="accent5"/>
+            </a:effectRef>
+            <a:fontRef idx="minor">
+              <a:schemeClr val="lt1"/>
+            </a:fontRef>
+          </p:style>
+          <p:txBody>
+            <a:bodyPr rtlCol="0" anchor="ctr"/>
+            <a:lstStyle/>
+            <a:p>
+              <a:pPr algn="ctr"/>
+              <a:endParaRPr lang="he-IL" sz="1200" dirty="0"/>
+            </a:p>
+            <a:p>
+              <a:pPr algn="ctr"/>
+              <a:r>
+                <a:rPr lang="he-IL" sz="1200" dirty="0"/>
+                <a:t>שליחת הזימון לפגישה</a:t>
+              </a:r>
+              <a:endParaRPr lang="en-US" sz="1200" dirty="0"/>
+            </a:p>
+          </p:txBody>
+        </p:sp>
+        <p:cxnSp>
+          <p:nvCxnSpPr>
+            <p:cNvPr id="82" name="Straight Connector 81">
+              <a:extLst>
+                <a:ext uri="{FF2B5EF4-FFF2-40B4-BE49-F238E27FC236}">
+                  <a16:creationId xmlns:a16="http://schemas.microsoft.com/office/drawing/2014/main" id="{375EE725-56BA-4B28-AE41-41047CC72B6F}"/>
+                </a:ext>
+              </a:extLst>
+            </p:cNvPr>
+            <p:cNvCxnSpPr>
+              <a:cxnSpLocks/>
+            </p:cNvCxnSpPr>
+            <p:nvPr/>
+          </p:nvCxnSpPr>
+          <p:spPr>
+            <a:xfrm>
+              <a:off x="793102" y="3041782"/>
+              <a:ext cx="1754155" cy="0"/>
+            </a:xfrm>
+            <a:prstGeom prst="line">
+              <a:avLst/>
+            </a:prstGeom>
+          </p:spPr>
+          <p:style>
+            <a:lnRef idx="1">
+              <a:schemeClr val="dk1"/>
+            </a:lnRef>
+            <a:fillRef idx="0">
+              <a:schemeClr val="dk1"/>
+            </a:fillRef>
+            <a:effectRef idx="0">
+              <a:schemeClr val="dk1"/>
+            </a:effectRef>
+            <a:fontRef idx="minor">
+              <a:schemeClr val="tx1"/>
+            </a:fontRef>
+          </p:style>
+        </p:cxnSp>
+        <p:sp>
+          <p:nvSpPr>
+            <p:cNvPr id="83" name="TextBox 82">
+              <a:extLst>
+                <a:ext uri="{FF2B5EF4-FFF2-40B4-BE49-F238E27FC236}">
+                  <a16:creationId xmlns:a16="http://schemas.microsoft.com/office/drawing/2014/main" id="{34CD74CB-36AA-4F68-8758-D980FFDDD33A}"/>
+                </a:ext>
+              </a:extLst>
+            </p:cNvPr>
+            <p:cNvSpPr txBox="1"/>
+            <p:nvPr/>
+          </p:nvSpPr>
+          <p:spPr>
+            <a:xfrm>
+              <a:off x="653142" y="2696546"/>
+              <a:ext cx="2034073" cy="369332"/>
+            </a:xfrm>
+            <a:prstGeom prst="rect">
+              <a:avLst/>
+            </a:prstGeom>
+            <a:noFill/>
+          </p:spPr>
+          <p:txBody>
+            <a:bodyPr wrap="square" rtlCol="0">
+              <a:spAutoFit/>
+            </a:bodyPr>
+            <a:lstStyle/>
+            <a:p>
+              <a:pPr algn="ctr" rtl="1"/>
+              <a:r>
+                <a:rPr lang="he-IL" dirty="0">
+                  <a:solidFill>
+                    <a:schemeClr val="bg1"/>
+                  </a:solidFill>
+                </a:rPr>
+                <a:t>מסך הוספת פגישה</a:t>
+              </a:r>
+              <a:endParaRPr lang="en-US" dirty="0">
+                <a:solidFill>
+                  <a:schemeClr val="bg1"/>
+                </a:solidFill>
+              </a:endParaRPr>
+            </a:p>
+          </p:txBody>
+        </p:sp>
+      </p:grpSp>
+      <p:cxnSp>
+        <p:nvCxnSpPr>
+          <p:cNvPr id="84" name="Straight Arrow Connector 83">
+            <a:extLst>
+              <a:ext uri="{FF2B5EF4-FFF2-40B4-BE49-F238E27FC236}">
+                <a16:creationId xmlns:a16="http://schemas.microsoft.com/office/drawing/2014/main" id="{D8467879-573C-4E6F-B7DC-8C1786558478}"/>
+              </a:ext>
+            </a:extLst>
+          </p:cNvPr>
+          <p:cNvCxnSpPr>
+            <a:cxnSpLocks/>
+          </p:cNvCxnSpPr>
+          <p:nvPr/>
+        </p:nvCxnSpPr>
+        <p:spPr>
+          <a:xfrm>
+            <a:off x="7346290" y="5315661"/>
+            <a:ext cx="452566" cy="0"/>
+          </a:xfrm>
+          <a:prstGeom prst="straightConnector1">
+            <a:avLst/>
+          </a:prstGeom>
+          <a:ln>
+            <a:tailEnd type="triangle"/>
+          </a:ln>
+        </p:spPr>
+        <p:style>
+          <a:lnRef idx="1">
+            <a:schemeClr val="dk1"/>
+          </a:lnRef>
+          <a:fillRef idx="0">
+            <a:schemeClr val="dk1"/>
+          </a:fillRef>
+          <a:effectRef idx="0">
+            <a:schemeClr val="dk1"/>
+          </a:effectRef>
+          <a:fontRef idx="minor">
+            <a:schemeClr val="tx1"/>
+          </a:fontRef>
+        </p:style>
+      </p:cxnSp>
+    </p:spTree>
+    <p:extLst>
+      <p:ext uri="{BB962C8B-B14F-4D97-AF65-F5344CB8AC3E}">
+        <p14:creationId xmlns:p14="http://schemas.microsoft.com/office/powerpoint/2010/main" val="3292089220"/>
+      </p:ext>
+    </p:extLst>
+  </p:cSld>
+  <p:clrMapOvr>
+    <a:masterClrMapping/>
+  </p:clrMapOvr>
+</p:sld>
+</file>
+
+<file path=ppt/slides/slide64.xml><?xml version="1.0" encoding="utf-8"?>
+<p:sld xmlns:a="http://schemas.openxmlformats.org/drawingml/2006/main" xmlns:r="http://schemas.openxmlformats.org/officeDocument/2006/relationships" xmlns:p="http://schemas.openxmlformats.org/presentationml/2006/main">
+  <p:cSld>
+    <p:spTree>
+      <p:nvGrpSpPr>
+        <p:cNvPr id="1" name=""/>
+        <p:cNvGrpSpPr/>
+        <p:nvPr/>
+      </p:nvGrpSpPr>
+      <p:grpSpPr>
+        <a:xfrm>
+          <a:off x="0" y="0"/>
+          <a:ext cx="0" cy="0"/>
+          <a:chOff x="0" y="0"/>
+          <a:chExt cx="0" cy="0"/>
+        </a:xfrm>
+      </p:grpSpPr>
+      <p:sp>
+        <p:nvSpPr>
           <p:cNvPr id="2" name="כותרת 1">
             <a:extLst>
               <a:ext uri="{FF2B5EF4-FFF2-40B4-BE49-F238E27FC236}">
@@ -29719,7 +32019,7 @@
 </p:sld>
 </file>
 
-<file path=ppt/slides/slide63.xml><?xml version="1.0" encoding="utf-8"?>
+<file path=ppt/slides/slide65.xml><?xml version="1.0" encoding="utf-8"?>
 <p:sld xmlns:a="http://schemas.openxmlformats.org/drawingml/2006/main" xmlns:r="http://schemas.openxmlformats.org/officeDocument/2006/relationships" xmlns:p="http://schemas.openxmlformats.org/presentationml/2006/main">
   <p:cSld>
     <p:spTree>

--- a/ux_course/מצגת סופית להגשה.pptx
+++ b/ux_course/מצגת סופית להגשה.pptx
@@ -5,7 +5,7 @@
     <p:sldMasterId id="2147483828" r:id="rId1"/>
   </p:sldMasterIdLst>
   <p:notesMasterIdLst>
-    <p:notesMasterId r:id="rId67"/>
+    <p:notesMasterId r:id="rId66"/>
   </p:notesMasterIdLst>
   <p:sldIdLst>
     <p:sldId id="262" r:id="rId2"/>
@@ -72,7 +72,6 @@
     <p:sldId id="323" r:id="rId63"/>
     <p:sldId id="324" r:id="rId64"/>
     <p:sldId id="316" r:id="rId65"/>
-    <p:sldId id="312" r:id="rId66"/>
   </p:sldIdLst>
   <p:sldSz cx="12192000" cy="6858000"/>
   <p:notesSz cx="6858000" cy="9144000"/>
@@ -32002,6 +32001,13 @@
               <a:rPr lang="he-IL" dirty="0"/>
               <a:t>ארכיטקטורת מידע</a:t>
             </a:r>
+            <a:br>
+              <a:rPr lang="he-IL" dirty="0"/>
+            </a:br>
+            <a:r>
+              <a:rPr lang="he-IL" dirty="0"/>
+              <a:t>ומודל הניווט</a:t>
+            </a:r>
             <a:endParaRPr lang="en-US" dirty="0"/>
           </a:p>
         </p:txBody>
@@ -32010,71 +32016,6 @@
     <p:extLst>
       <p:ext uri="{BB962C8B-B14F-4D97-AF65-F5344CB8AC3E}">
         <p14:creationId xmlns:p14="http://schemas.microsoft.com/office/powerpoint/2010/main" val="1412135787"/>
-      </p:ext>
-    </p:extLst>
-  </p:cSld>
-  <p:clrMapOvr>
-    <a:masterClrMapping/>
-  </p:clrMapOvr>
-</p:sld>
-</file>
-
-<file path=ppt/slides/slide65.xml><?xml version="1.0" encoding="utf-8"?>
-<p:sld xmlns:a="http://schemas.openxmlformats.org/drawingml/2006/main" xmlns:r="http://schemas.openxmlformats.org/officeDocument/2006/relationships" xmlns:p="http://schemas.openxmlformats.org/presentationml/2006/main">
-  <p:cSld>
-    <p:spTree>
-      <p:nvGrpSpPr>
-        <p:cNvPr id="1" name=""/>
-        <p:cNvGrpSpPr/>
-        <p:nvPr/>
-      </p:nvGrpSpPr>
-      <p:grpSpPr>
-        <a:xfrm>
-          <a:off x="0" y="0"/>
-          <a:ext cx="0" cy="0"/>
-          <a:chOff x="0" y="0"/>
-          <a:chExt cx="0" cy="0"/>
-        </a:xfrm>
-      </p:grpSpPr>
-      <p:sp>
-        <p:nvSpPr>
-          <p:cNvPr id="2" name="כותרת 1">
-            <a:extLst>
-              <a:ext uri="{FF2B5EF4-FFF2-40B4-BE49-F238E27FC236}">
-                <a16:creationId xmlns:a16="http://schemas.microsoft.com/office/drawing/2014/main" id="{7E2CFF58-DDF3-4D79-8E24-D3415F37CA20}"/>
-              </a:ext>
-            </a:extLst>
-          </p:cNvPr>
-          <p:cNvSpPr>
-            <a:spLocks noGrp="1"/>
-          </p:cNvSpPr>
-          <p:nvPr>
-            <p:ph type="ctrTitle"/>
-          </p:nvPr>
-        </p:nvSpPr>
-        <p:spPr>
-          <a:xfrm>
-            <a:off x="3708747" y="2998289"/>
-            <a:ext cx="4774505" cy="861421"/>
-          </a:xfrm>
-        </p:spPr>
-        <p:txBody>
-          <a:bodyPr/>
-          <a:lstStyle/>
-          <a:p>
-            <a:pPr algn="ctr"/>
-            <a:r>
-              <a:rPr lang="he-IL" dirty="0"/>
-              <a:t>מודל הניווט</a:t>
-            </a:r>
-            <a:endParaRPr lang="en-US" dirty="0"/>
-          </a:p>
-        </p:txBody>
-      </p:sp>
-    </p:spTree>
-    <p:extLst>
-      <p:ext uri="{BB962C8B-B14F-4D97-AF65-F5344CB8AC3E}">
-        <p14:creationId xmlns:p14="http://schemas.microsoft.com/office/powerpoint/2010/main" val="37824935"/>
       </p:ext>
     </p:extLst>
   </p:cSld>

--- a/ux_course/מצגת סופית להגשה.pptx
+++ b/ux_course/מצגת סופית להגשה.pptx
@@ -5,7 +5,7 @@
     <p:sldMasterId id="2147483828" r:id="rId1"/>
   </p:sldMasterIdLst>
   <p:notesMasterIdLst>
-    <p:notesMasterId r:id="rId66"/>
+    <p:notesMasterId r:id="rId70"/>
   </p:notesMasterIdLst>
   <p:sldIdLst>
     <p:sldId id="262" r:id="rId2"/>
@@ -72,6 +72,10 @@
     <p:sldId id="323" r:id="rId63"/>
     <p:sldId id="324" r:id="rId64"/>
     <p:sldId id="316" r:id="rId65"/>
+    <p:sldId id="325" r:id="rId66"/>
+    <p:sldId id="326" r:id="rId67"/>
+    <p:sldId id="327" r:id="rId68"/>
+    <p:sldId id="328" r:id="rId69"/>
   </p:sldIdLst>
   <p:sldSz cx="12192000" cy="6858000"/>
   <p:notesSz cx="6858000" cy="9144000"/>
@@ -32016,6 +32020,1663 @@
     <p:extLst>
       <p:ext uri="{BB962C8B-B14F-4D97-AF65-F5344CB8AC3E}">
         <p14:creationId xmlns:p14="http://schemas.microsoft.com/office/powerpoint/2010/main" val="1412135787"/>
+      </p:ext>
+    </p:extLst>
+  </p:cSld>
+  <p:clrMapOvr>
+    <a:masterClrMapping/>
+  </p:clrMapOvr>
+</p:sld>
+</file>
+
+<file path=ppt/slides/slide65.xml><?xml version="1.0" encoding="utf-8"?>
+<p:sld xmlns:a="http://schemas.openxmlformats.org/drawingml/2006/main" xmlns:r="http://schemas.openxmlformats.org/officeDocument/2006/relationships" xmlns:p="http://schemas.openxmlformats.org/presentationml/2006/main">
+  <p:cSld>
+    <p:spTree>
+      <p:nvGrpSpPr>
+        <p:cNvPr id="1" name=""/>
+        <p:cNvGrpSpPr/>
+        <p:nvPr/>
+      </p:nvGrpSpPr>
+      <p:grpSpPr>
+        <a:xfrm>
+          <a:off x="0" y="0"/>
+          <a:ext cx="0" cy="0"/>
+          <a:chOff x="0" y="0"/>
+          <a:chExt cx="0" cy="0"/>
+        </a:xfrm>
+      </p:grpSpPr>
+      <p:sp>
+        <p:nvSpPr>
+          <p:cNvPr id="2" name="Title 1">
+            <a:extLst>
+              <a:ext uri="{FF2B5EF4-FFF2-40B4-BE49-F238E27FC236}">
+                <a16:creationId xmlns:a16="http://schemas.microsoft.com/office/drawing/2014/main" id="{F2E75ACD-C303-46DD-8FB4-27FC6A409857}"/>
+              </a:ext>
+            </a:extLst>
+          </p:cNvPr>
+          <p:cNvSpPr>
+            <a:spLocks noGrp="1"/>
+          </p:cNvSpPr>
+          <p:nvPr>
+            <p:ph type="title"/>
+          </p:nvPr>
+        </p:nvSpPr>
+        <p:spPr/>
+        <p:txBody>
+          <a:bodyPr/>
+          <a:lstStyle/>
+          <a:p>
+            <a:pPr algn="ctr"/>
+            <a:r>
+              <a:rPr lang="he-IL" sz="4800" dirty="0"/>
+              <a:t>ארכיטקטורת מידע</a:t>
+            </a:r>
+            <a:endParaRPr lang="en-US" sz="4800" dirty="0"/>
+          </a:p>
+        </p:txBody>
+      </p:sp>
+      <p:sp>
+        <p:nvSpPr>
+          <p:cNvPr id="18" name="תיבת טקסט 17">
+            <a:extLst>
+              <a:ext uri="{FF2B5EF4-FFF2-40B4-BE49-F238E27FC236}">
+                <a16:creationId xmlns:a16="http://schemas.microsoft.com/office/drawing/2014/main" id="{8D31B842-4145-4258-9806-37E51F29916E}"/>
+              </a:ext>
+            </a:extLst>
+          </p:cNvPr>
+          <p:cNvSpPr txBox="1"/>
+          <p:nvPr/>
+        </p:nvSpPr>
+        <p:spPr>
+          <a:xfrm>
+            <a:off x="7919696" y="2534088"/>
+            <a:ext cx="4121834" cy="1754326"/>
+          </a:xfrm>
+          <a:prstGeom prst="rect">
+            <a:avLst/>
+          </a:prstGeom>
+          <a:noFill/>
+        </p:spPr>
+        <p:txBody>
+          <a:bodyPr wrap="square" rtlCol="1">
+            <a:spAutoFit/>
+          </a:bodyPr>
+          <a:lstStyle/>
+          <a:p>
+            <a:pPr marL="285750" indent="-285750" algn="r" rtl="1">
+              <a:buFont typeface="Arial" panose="020B0604020202020204" pitchFamily="34" charset="0"/>
+              <a:buChar char="•"/>
+            </a:pPr>
+            <a:r>
+              <a:rPr lang="he-IL" dirty="0"/>
+              <a:t>המערכת שלנו משתמשת בעיקר בארגון מידע כרונולוגי, מכיוון שהמערכת מתעסקת בפגישות, חשוב למשתמש לראות את הפגישות והאילוצים שלו לפי ציר זמן מסוים אשר מאפשר לו ניהול קל של פגישותיו.</a:t>
+            </a:r>
+          </a:p>
+        </p:txBody>
+      </p:sp>
+      <p:pic>
+        <p:nvPicPr>
+          <p:cNvPr id="19" name="תמונה 18">
+            <a:extLst>
+              <a:ext uri="{FF2B5EF4-FFF2-40B4-BE49-F238E27FC236}">
+                <a16:creationId xmlns:a16="http://schemas.microsoft.com/office/drawing/2014/main" id="{87AAD36D-EE7B-4176-9B99-0EEC6B084F75}"/>
+              </a:ext>
+            </a:extLst>
+          </p:cNvPr>
+          <p:cNvPicPr>
+            <a:picLocks noChangeAspect="1"/>
+          </p:cNvPicPr>
+          <p:nvPr/>
+        </p:nvPicPr>
+        <p:blipFill>
+          <a:blip r:embed="rId2"/>
+          <a:stretch>
+            <a:fillRect/>
+          </a:stretch>
+        </p:blipFill>
+        <p:spPr>
+          <a:xfrm>
+            <a:off x="150470" y="2400030"/>
+            <a:ext cx="7642893" cy="3139322"/>
+          </a:xfrm>
+          <a:prstGeom prst="rect">
+            <a:avLst/>
+          </a:prstGeom>
+        </p:spPr>
+      </p:pic>
+      <p:cxnSp>
+        <p:nvCxnSpPr>
+          <p:cNvPr id="6" name="מחבר חץ ישר 5">
+            <a:extLst>
+              <a:ext uri="{FF2B5EF4-FFF2-40B4-BE49-F238E27FC236}">
+                <a16:creationId xmlns:a16="http://schemas.microsoft.com/office/drawing/2014/main" id="{217F64C3-70A6-4928-B05A-2BDDDF39AEB0}"/>
+              </a:ext>
+            </a:extLst>
+          </p:cNvPr>
+          <p:cNvCxnSpPr/>
+          <p:nvPr/>
+        </p:nvCxnSpPr>
+        <p:spPr>
+          <a:xfrm>
+            <a:off x="3910818" y="3429000"/>
+            <a:ext cx="0" cy="1793795"/>
+          </a:xfrm>
+          <a:prstGeom prst="straightConnector1">
+            <a:avLst/>
+          </a:prstGeom>
+          <a:ln>
+            <a:tailEnd type="triangle"/>
+          </a:ln>
+        </p:spPr>
+        <p:style>
+          <a:lnRef idx="1">
+            <a:schemeClr val="accent1"/>
+          </a:lnRef>
+          <a:fillRef idx="0">
+            <a:schemeClr val="accent1"/>
+          </a:fillRef>
+          <a:effectRef idx="0">
+            <a:schemeClr val="accent1"/>
+          </a:effectRef>
+          <a:fontRef idx="minor">
+            <a:schemeClr val="tx1"/>
+          </a:fontRef>
+        </p:style>
+      </p:cxnSp>
+      <p:sp>
+        <p:nvSpPr>
+          <p:cNvPr id="7" name="תיבת טקסט 6">
+            <a:extLst>
+              <a:ext uri="{FF2B5EF4-FFF2-40B4-BE49-F238E27FC236}">
+                <a16:creationId xmlns:a16="http://schemas.microsoft.com/office/drawing/2014/main" id="{2F2F805E-428B-48F0-BB48-EFDFA9157D27}"/>
+              </a:ext>
+            </a:extLst>
+          </p:cNvPr>
+          <p:cNvSpPr txBox="1"/>
+          <p:nvPr/>
+        </p:nvSpPr>
+        <p:spPr>
+          <a:xfrm>
+            <a:off x="1856942" y="3334044"/>
+            <a:ext cx="1927544" cy="1200329"/>
+          </a:xfrm>
+          <a:prstGeom prst="rect">
+            <a:avLst/>
+          </a:prstGeom>
+          <a:noFill/>
+        </p:spPr>
+        <p:txBody>
+          <a:bodyPr wrap="square" rtlCol="1">
+            <a:spAutoFit/>
+          </a:bodyPr>
+          <a:lstStyle/>
+          <a:p>
+            <a:pPr algn="r"/>
+            <a:r>
+              <a:rPr lang="he-IL" dirty="0"/>
+              <a:t>הפגישות ממוינות מהפגישה הקרובה ביותר לרחוקה ביותר</a:t>
+            </a:r>
+          </a:p>
+        </p:txBody>
+      </p:sp>
+    </p:spTree>
+    <p:extLst>
+      <p:ext uri="{BB962C8B-B14F-4D97-AF65-F5344CB8AC3E}">
+        <p14:creationId xmlns:p14="http://schemas.microsoft.com/office/powerpoint/2010/main" val="971213103"/>
+      </p:ext>
+    </p:extLst>
+  </p:cSld>
+  <p:clrMapOvr>
+    <a:masterClrMapping/>
+  </p:clrMapOvr>
+</p:sld>
+</file>
+
+<file path=ppt/slides/slide66.xml><?xml version="1.0" encoding="utf-8"?>
+<p:sld xmlns:a="http://schemas.openxmlformats.org/drawingml/2006/main" xmlns:r="http://schemas.openxmlformats.org/officeDocument/2006/relationships" xmlns:p="http://schemas.openxmlformats.org/presentationml/2006/main">
+  <p:cSld>
+    <p:spTree>
+      <p:nvGrpSpPr>
+        <p:cNvPr id="1" name=""/>
+        <p:cNvGrpSpPr/>
+        <p:nvPr/>
+      </p:nvGrpSpPr>
+      <p:grpSpPr>
+        <a:xfrm>
+          <a:off x="0" y="0"/>
+          <a:ext cx="0" cy="0"/>
+          <a:chOff x="0" y="0"/>
+          <a:chExt cx="0" cy="0"/>
+        </a:xfrm>
+      </p:grpSpPr>
+      <p:sp>
+        <p:nvSpPr>
+          <p:cNvPr id="2" name="Title 1">
+            <a:extLst>
+              <a:ext uri="{FF2B5EF4-FFF2-40B4-BE49-F238E27FC236}">
+                <a16:creationId xmlns:a16="http://schemas.microsoft.com/office/drawing/2014/main" id="{F2E75ACD-C303-46DD-8FB4-27FC6A409857}"/>
+              </a:ext>
+            </a:extLst>
+          </p:cNvPr>
+          <p:cNvSpPr>
+            <a:spLocks noGrp="1"/>
+          </p:cNvSpPr>
+          <p:nvPr>
+            <p:ph type="title"/>
+          </p:nvPr>
+        </p:nvSpPr>
+        <p:spPr/>
+        <p:txBody>
+          <a:bodyPr/>
+          <a:lstStyle/>
+          <a:p>
+            <a:pPr algn="ctr"/>
+            <a:r>
+              <a:rPr lang="he-IL" sz="4800" dirty="0"/>
+              <a:t>ארכיטקטורת מידע</a:t>
+            </a:r>
+            <a:endParaRPr lang="en-US" sz="4800" dirty="0"/>
+          </a:p>
+        </p:txBody>
+      </p:sp>
+      <p:pic>
+        <p:nvPicPr>
+          <p:cNvPr id="3" name="תמונה 2">
+            <a:extLst>
+              <a:ext uri="{FF2B5EF4-FFF2-40B4-BE49-F238E27FC236}">
+                <a16:creationId xmlns:a16="http://schemas.microsoft.com/office/drawing/2014/main" id="{A55282CC-442F-4983-9221-06D6A8EDAF5D}"/>
+              </a:ext>
+            </a:extLst>
+          </p:cNvPr>
+          <p:cNvPicPr>
+            <a:picLocks noChangeAspect="1"/>
+          </p:cNvPicPr>
+          <p:nvPr/>
+        </p:nvPicPr>
+        <p:blipFill>
+          <a:blip r:embed="rId2"/>
+          <a:stretch>
+            <a:fillRect/>
+          </a:stretch>
+        </p:blipFill>
+        <p:spPr>
+          <a:xfrm>
+            <a:off x="0" y="2257425"/>
+            <a:ext cx="8210550" cy="4600575"/>
+          </a:xfrm>
+          <a:prstGeom prst="rect">
+            <a:avLst/>
+          </a:prstGeom>
+        </p:spPr>
+      </p:pic>
+      <p:sp>
+        <p:nvSpPr>
+          <p:cNvPr id="12" name="תיבת טקסט 11">
+            <a:extLst>
+              <a:ext uri="{FF2B5EF4-FFF2-40B4-BE49-F238E27FC236}">
+                <a16:creationId xmlns:a16="http://schemas.microsoft.com/office/drawing/2014/main" id="{77AF2D51-D00C-40F2-9B31-0894F6F09F0E}"/>
+              </a:ext>
+            </a:extLst>
+          </p:cNvPr>
+          <p:cNvSpPr txBox="1"/>
+          <p:nvPr/>
+        </p:nvSpPr>
+        <p:spPr>
+          <a:xfrm>
+            <a:off x="8361020" y="2257425"/>
+            <a:ext cx="3830980" cy="923330"/>
+          </a:xfrm>
+          <a:prstGeom prst="rect">
+            <a:avLst/>
+          </a:prstGeom>
+          <a:noFill/>
+        </p:spPr>
+        <p:txBody>
+          <a:bodyPr wrap="square" rtlCol="1">
+            <a:spAutoFit/>
+          </a:bodyPr>
+          <a:lstStyle/>
+          <a:p>
+            <a:pPr marL="285750" indent="-285750" algn="r" rtl="1">
+              <a:buFont typeface="Arial" panose="020B0604020202020204" pitchFamily="34" charset="0"/>
+              <a:buChar char="•"/>
+            </a:pPr>
+            <a:r>
+              <a:rPr lang="he-IL" dirty="0"/>
+              <a:t>לוח השנה בנוי כך שהמעבר של הזמן והפגישות ממוקמות מצד ימין לשמאל (לפי סדר הכתיבה בעברית).</a:t>
+            </a:r>
+          </a:p>
+        </p:txBody>
+      </p:sp>
+      <p:cxnSp>
+        <p:nvCxnSpPr>
+          <p:cNvPr id="5" name="מחבר חץ ישר 4">
+            <a:extLst>
+              <a:ext uri="{FF2B5EF4-FFF2-40B4-BE49-F238E27FC236}">
+                <a16:creationId xmlns:a16="http://schemas.microsoft.com/office/drawing/2014/main" id="{3133421B-8C58-408C-8386-659EE009EF4D}"/>
+              </a:ext>
+            </a:extLst>
+          </p:cNvPr>
+          <p:cNvCxnSpPr/>
+          <p:nvPr/>
+        </p:nvCxnSpPr>
+        <p:spPr>
+          <a:xfrm flipH="1">
+            <a:off x="1152144" y="4712678"/>
+            <a:ext cx="5980176" cy="0"/>
+          </a:xfrm>
+          <a:prstGeom prst="straightConnector1">
+            <a:avLst/>
+          </a:prstGeom>
+          <a:ln>
+            <a:headEnd type="triangle"/>
+            <a:tailEnd type="triangle"/>
+          </a:ln>
+        </p:spPr>
+        <p:style>
+          <a:lnRef idx="1">
+            <a:schemeClr val="accent1"/>
+          </a:lnRef>
+          <a:fillRef idx="0">
+            <a:schemeClr val="accent1"/>
+          </a:fillRef>
+          <a:effectRef idx="0">
+            <a:schemeClr val="accent1"/>
+          </a:effectRef>
+          <a:fontRef idx="minor">
+            <a:schemeClr val="tx1"/>
+          </a:fontRef>
+        </p:style>
+      </p:cxnSp>
+      <p:sp>
+        <p:nvSpPr>
+          <p:cNvPr id="13" name="תיבת טקסט 12">
+            <a:extLst>
+              <a:ext uri="{FF2B5EF4-FFF2-40B4-BE49-F238E27FC236}">
+                <a16:creationId xmlns:a16="http://schemas.microsoft.com/office/drawing/2014/main" id="{E18D7AFE-6819-46E8-91E9-7633BA2436D1}"/>
+              </a:ext>
+            </a:extLst>
+          </p:cNvPr>
+          <p:cNvSpPr txBox="1"/>
+          <p:nvPr/>
+        </p:nvSpPr>
+        <p:spPr>
+          <a:xfrm>
+            <a:off x="6344530" y="4343346"/>
+            <a:ext cx="787790" cy="369332"/>
+          </a:xfrm>
+          <a:prstGeom prst="rect">
+            <a:avLst/>
+          </a:prstGeom>
+          <a:noFill/>
+        </p:spPr>
+        <p:txBody>
+          <a:bodyPr wrap="square" rtlCol="1">
+            <a:spAutoFit/>
+          </a:bodyPr>
+          <a:lstStyle/>
+          <a:p>
+            <a:pPr algn="r"/>
+            <a:r>
+              <a:rPr lang="he-IL" dirty="0">
+                <a:solidFill>
+                  <a:srgbClr val="C00000"/>
+                </a:solidFill>
+              </a:rPr>
+              <a:t>עבר</a:t>
+            </a:r>
+          </a:p>
+        </p:txBody>
+      </p:sp>
+      <p:cxnSp>
+        <p:nvCxnSpPr>
+          <p:cNvPr id="15" name="מחבר ישר 14">
+            <a:extLst>
+              <a:ext uri="{FF2B5EF4-FFF2-40B4-BE49-F238E27FC236}">
+                <a16:creationId xmlns:a16="http://schemas.microsoft.com/office/drawing/2014/main" id="{C679A093-27E5-4BE4-A986-E68C743F804F}"/>
+              </a:ext>
+            </a:extLst>
+          </p:cNvPr>
+          <p:cNvCxnSpPr/>
+          <p:nvPr/>
+        </p:nvCxnSpPr>
+        <p:spPr>
+          <a:xfrm>
+            <a:off x="4142232" y="4712678"/>
+            <a:ext cx="0" cy="0"/>
+          </a:xfrm>
+          <a:prstGeom prst="line">
+            <a:avLst/>
+          </a:prstGeom>
+        </p:spPr>
+        <p:style>
+          <a:lnRef idx="1">
+            <a:schemeClr val="accent1"/>
+          </a:lnRef>
+          <a:fillRef idx="0">
+            <a:schemeClr val="accent1"/>
+          </a:fillRef>
+          <a:effectRef idx="0">
+            <a:schemeClr val="accent1"/>
+          </a:effectRef>
+          <a:fontRef idx="minor">
+            <a:schemeClr val="tx1"/>
+          </a:fontRef>
+        </p:style>
+      </p:cxnSp>
+      <p:cxnSp>
+        <p:nvCxnSpPr>
+          <p:cNvPr id="17" name="מחבר ישר 16">
+            <a:extLst>
+              <a:ext uri="{FF2B5EF4-FFF2-40B4-BE49-F238E27FC236}">
+                <a16:creationId xmlns:a16="http://schemas.microsoft.com/office/drawing/2014/main" id="{1079B52E-1461-48B2-9F6E-C88EBEBDC8D8}"/>
+              </a:ext>
+            </a:extLst>
+          </p:cNvPr>
+          <p:cNvCxnSpPr>
+            <a:cxnSpLocks/>
+          </p:cNvCxnSpPr>
+          <p:nvPr/>
+        </p:nvCxnSpPr>
+        <p:spPr>
+          <a:xfrm>
+            <a:off x="4105275" y="4557712"/>
+            <a:ext cx="0" cy="154966"/>
+          </a:xfrm>
+          <a:prstGeom prst="line">
+            <a:avLst/>
+          </a:prstGeom>
+        </p:spPr>
+        <p:style>
+          <a:lnRef idx="1">
+            <a:schemeClr val="accent1"/>
+          </a:lnRef>
+          <a:fillRef idx="0">
+            <a:schemeClr val="accent1"/>
+          </a:fillRef>
+          <a:effectRef idx="0">
+            <a:schemeClr val="accent1"/>
+          </a:effectRef>
+          <a:fontRef idx="minor">
+            <a:schemeClr val="tx1"/>
+          </a:fontRef>
+        </p:style>
+      </p:cxnSp>
+      <p:sp>
+        <p:nvSpPr>
+          <p:cNvPr id="21" name="תיבת טקסט 20">
+            <a:extLst>
+              <a:ext uri="{FF2B5EF4-FFF2-40B4-BE49-F238E27FC236}">
+                <a16:creationId xmlns:a16="http://schemas.microsoft.com/office/drawing/2014/main" id="{4EC281CE-1594-427B-9064-3DC2F005CB96}"/>
+              </a:ext>
+            </a:extLst>
+          </p:cNvPr>
+          <p:cNvSpPr txBox="1"/>
+          <p:nvPr/>
+        </p:nvSpPr>
+        <p:spPr>
+          <a:xfrm>
+            <a:off x="3584917" y="4158680"/>
+            <a:ext cx="787790" cy="369332"/>
+          </a:xfrm>
+          <a:prstGeom prst="rect">
+            <a:avLst/>
+          </a:prstGeom>
+          <a:noFill/>
+        </p:spPr>
+        <p:txBody>
+          <a:bodyPr wrap="square" rtlCol="1">
+            <a:spAutoFit/>
+          </a:bodyPr>
+          <a:lstStyle/>
+          <a:p>
+            <a:pPr algn="r"/>
+            <a:r>
+              <a:rPr lang="he-IL" dirty="0">
+                <a:solidFill>
+                  <a:srgbClr val="C00000"/>
+                </a:solidFill>
+              </a:rPr>
+              <a:t>הווה</a:t>
+            </a:r>
+          </a:p>
+        </p:txBody>
+      </p:sp>
+      <p:sp>
+        <p:nvSpPr>
+          <p:cNvPr id="22" name="תיבת טקסט 21">
+            <a:extLst>
+              <a:ext uri="{FF2B5EF4-FFF2-40B4-BE49-F238E27FC236}">
+                <a16:creationId xmlns:a16="http://schemas.microsoft.com/office/drawing/2014/main" id="{B260147D-5FCC-4F73-AAE8-C6EA39016CB7}"/>
+              </a:ext>
+            </a:extLst>
+          </p:cNvPr>
+          <p:cNvSpPr txBox="1"/>
+          <p:nvPr/>
+        </p:nvSpPr>
+        <p:spPr>
+          <a:xfrm>
+            <a:off x="1004669" y="4290462"/>
+            <a:ext cx="787790" cy="369332"/>
+          </a:xfrm>
+          <a:prstGeom prst="rect">
+            <a:avLst/>
+          </a:prstGeom>
+          <a:noFill/>
+        </p:spPr>
+        <p:txBody>
+          <a:bodyPr wrap="square" rtlCol="1">
+            <a:spAutoFit/>
+          </a:bodyPr>
+          <a:lstStyle/>
+          <a:p>
+            <a:pPr algn="r"/>
+            <a:r>
+              <a:rPr lang="he-IL" dirty="0">
+                <a:solidFill>
+                  <a:srgbClr val="C00000"/>
+                </a:solidFill>
+              </a:rPr>
+              <a:t>עתיד</a:t>
+            </a:r>
+          </a:p>
+        </p:txBody>
+      </p:sp>
+    </p:spTree>
+    <p:extLst>
+      <p:ext uri="{BB962C8B-B14F-4D97-AF65-F5344CB8AC3E}">
+        <p14:creationId xmlns:p14="http://schemas.microsoft.com/office/powerpoint/2010/main" val="1816347366"/>
+      </p:ext>
+    </p:extLst>
+  </p:cSld>
+  <p:clrMapOvr>
+    <a:masterClrMapping/>
+  </p:clrMapOvr>
+</p:sld>
+</file>
+
+<file path=ppt/slides/slide67.xml><?xml version="1.0" encoding="utf-8"?>
+<p:sld xmlns:a="http://schemas.openxmlformats.org/drawingml/2006/main" xmlns:r="http://schemas.openxmlformats.org/officeDocument/2006/relationships" xmlns:p="http://schemas.openxmlformats.org/presentationml/2006/main">
+  <p:cSld>
+    <p:spTree>
+      <p:nvGrpSpPr>
+        <p:cNvPr id="1" name=""/>
+        <p:cNvGrpSpPr/>
+        <p:nvPr/>
+      </p:nvGrpSpPr>
+      <p:grpSpPr>
+        <a:xfrm>
+          <a:off x="0" y="0"/>
+          <a:ext cx="0" cy="0"/>
+          <a:chOff x="0" y="0"/>
+          <a:chExt cx="0" cy="0"/>
+        </a:xfrm>
+      </p:grpSpPr>
+      <p:sp>
+        <p:nvSpPr>
+          <p:cNvPr id="2" name="Title 1">
+            <a:extLst>
+              <a:ext uri="{FF2B5EF4-FFF2-40B4-BE49-F238E27FC236}">
+                <a16:creationId xmlns:a16="http://schemas.microsoft.com/office/drawing/2014/main" id="{F2E75ACD-C303-46DD-8FB4-27FC6A409857}"/>
+              </a:ext>
+            </a:extLst>
+          </p:cNvPr>
+          <p:cNvSpPr>
+            <a:spLocks noGrp="1"/>
+          </p:cNvSpPr>
+          <p:nvPr>
+            <p:ph type="title"/>
+          </p:nvPr>
+        </p:nvSpPr>
+        <p:spPr/>
+        <p:txBody>
+          <a:bodyPr/>
+          <a:lstStyle/>
+          <a:p>
+            <a:pPr algn="ctr"/>
+            <a:r>
+              <a:rPr lang="he-IL" sz="4800" dirty="0"/>
+              <a:t>ארכיטקטורת מידע</a:t>
+            </a:r>
+            <a:endParaRPr lang="en-US" sz="4800" dirty="0"/>
+          </a:p>
+        </p:txBody>
+      </p:sp>
+      <p:sp>
+        <p:nvSpPr>
+          <p:cNvPr id="12" name="תיבת טקסט 11">
+            <a:extLst>
+              <a:ext uri="{FF2B5EF4-FFF2-40B4-BE49-F238E27FC236}">
+                <a16:creationId xmlns:a16="http://schemas.microsoft.com/office/drawing/2014/main" id="{77AF2D51-D00C-40F2-9B31-0894F6F09F0E}"/>
+              </a:ext>
+            </a:extLst>
+          </p:cNvPr>
+          <p:cNvSpPr txBox="1"/>
+          <p:nvPr/>
+        </p:nvSpPr>
+        <p:spPr>
+          <a:xfrm>
+            <a:off x="8361020" y="2257425"/>
+            <a:ext cx="3830980" cy="1200329"/>
+          </a:xfrm>
+          <a:prstGeom prst="rect">
+            <a:avLst/>
+          </a:prstGeom>
+          <a:noFill/>
+        </p:spPr>
+        <p:txBody>
+          <a:bodyPr wrap="square" rtlCol="1">
+            <a:spAutoFit/>
+          </a:bodyPr>
+          <a:lstStyle/>
+          <a:p>
+            <a:pPr marL="285750" indent="-285750" algn="r" rtl="1">
+              <a:buFont typeface="Arial" panose="020B0604020202020204" pitchFamily="34" charset="0"/>
+              <a:buChar char="•"/>
+            </a:pPr>
+            <a:r>
+              <a:rPr lang="he-IL" dirty="0"/>
+              <a:t>בנוסף חלק מהמערכת בנויה לפי נושאים, זאת כדי לאפשר למשתמש להתמצא בקלות בין כל הפגישות או המיקומים ומצבי הפגישות. </a:t>
+            </a:r>
+          </a:p>
+        </p:txBody>
+      </p:sp>
+      <p:cxnSp>
+        <p:nvCxnSpPr>
+          <p:cNvPr id="15" name="מחבר ישר 14">
+            <a:extLst>
+              <a:ext uri="{FF2B5EF4-FFF2-40B4-BE49-F238E27FC236}">
+                <a16:creationId xmlns:a16="http://schemas.microsoft.com/office/drawing/2014/main" id="{C679A093-27E5-4BE4-A986-E68C743F804F}"/>
+              </a:ext>
+            </a:extLst>
+          </p:cNvPr>
+          <p:cNvCxnSpPr/>
+          <p:nvPr/>
+        </p:nvCxnSpPr>
+        <p:spPr>
+          <a:xfrm>
+            <a:off x="4142232" y="4712678"/>
+            <a:ext cx="0" cy="0"/>
+          </a:xfrm>
+          <a:prstGeom prst="line">
+            <a:avLst/>
+          </a:prstGeom>
+        </p:spPr>
+        <p:style>
+          <a:lnRef idx="1">
+            <a:schemeClr val="accent1"/>
+          </a:lnRef>
+          <a:fillRef idx="0">
+            <a:schemeClr val="accent1"/>
+          </a:fillRef>
+          <a:effectRef idx="0">
+            <a:schemeClr val="accent1"/>
+          </a:effectRef>
+          <a:fontRef idx="minor">
+            <a:schemeClr val="tx1"/>
+          </a:fontRef>
+        </p:style>
+      </p:cxnSp>
+      <p:pic>
+        <p:nvPicPr>
+          <p:cNvPr id="11" name="תמונה 10">
+            <a:extLst>
+              <a:ext uri="{FF2B5EF4-FFF2-40B4-BE49-F238E27FC236}">
+                <a16:creationId xmlns:a16="http://schemas.microsoft.com/office/drawing/2014/main" id="{29878191-761A-4093-8102-7EE9E370FBC4}"/>
+              </a:ext>
+            </a:extLst>
+          </p:cNvPr>
+          <p:cNvPicPr>
+            <a:picLocks noChangeAspect="1"/>
+          </p:cNvPicPr>
+          <p:nvPr/>
+        </p:nvPicPr>
+        <p:blipFill>
+          <a:blip r:embed="rId2"/>
+          <a:stretch>
+            <a:fillRect/>
+          </a:stretch>
+        </p:blipFill>
+        <p:spPr>
+          <a:xfrm>
+            <a:off x="0" y="2328127"/>
+            <a:ext cx="8060788" cy="4529874"/>
+          </a:xfrm>
+          <a:prstGeom prst="rect">
+            <a:avLst/>
+          </a:prstGeom>
+        </p:spPr>
+      </p:pic>
+      <p:cxnSp>
+        <p:nvCxnSpPr>
+          <p:cNvPr id="6" name="מחבר ישר 5">
+            <a:extLst>
+              <a:ext uri="{FF2B5EF4-FFF2-40B4-BE49-F238E27FC236}">
+                <a16:creationId xmlns:a16="http://schemas.microsoft.com/office/drawing/2014/main" id="{C97B8B9E-511F-437D-A6A1-0CDA55A9C098}"/>
+              </a:ext>
+            </a:extLst>
+          </p:cNvPr>
+          <p:cNvCxnSpPr>
+            <a:endCxn id="11" idx="2"/>
+          </p:cNvCxnSpPr>
+          <p:nvPr/>
+        </p:nvCxnSpPr>
+        <p:spPr>
+          <a:xfrm>
+            <a:off x="4009292" y="2869809"/>
+            <a:ext cx="21102" cy="3988192"/>
+          </a:xfrm>
+          <a:prstGeom prst="line">
+            <a:avLst/>
+          </a:prstGeom>
+        </p:spPr>
+        <p:style>
+          <a:lnRef idx="1">
+            <a:schemeClr val="accent1"/>
+          </a:lnRef>
+          <a:fillRef idx="0">
+            <a:schemeClr val="accent1"/>
+          </a:fillRef>
+          <a:effectRef idx="0">
+            <a:schemeClr val="accent1"/>
+          </a:effectRef>
+          <a:fontRef idx="minor">
+            <a:schemeClr val="tx1"/>
+          </a:fontRef>
+        </p:style>
+      </p:cxnSp>
+      <p:cxnSp>
+        <p:nvCxnSpPr>
+          <p:cNvPr id="8" name="מחבר ישר 7">
+            <a:extLst>
+              <a:ext uri="{FF2B5EF4-FFF2-40B4-BE49-F238E27FC236}">
+                <a16:creationId xmlns:a16="http://schemas.microsoft.com/office/drawing/2014/main" id="{27BBCB68-329B-4B19-A8F6-B4E111045CC0}"/>
+              </a:ext>
+            </a:extLst>
+          </p:cNvPr>
+          <p:cNvCxnSpPr/>
+          <p:nvPr/>
+        </p:nvCxnSpPr>
+        <p:spPr>
+          <a:xfrm>
+            <a:off x="0" y="4895557"/>
+            <a:ext cx="8060788" cy="0"/>
+          </a:xfrm>
+          <a:prstGeom prst="line">
+            <a:avLst/>
+          </a:prstGeom>
+        </p:spPr>
+        <p:style>
+          <a:lnRef idx="1">
+            <a:schemeClr val="accent1"/>
+          </a:lnRef>
+          <a:fillRef idx="0">
+            <a:schemeClr val="accent1"/>
+          </a:fillRef>
+          <a:effectRef idx="0">
+            <a:schemeClr val="accent1"/>
+          </a:effectRef>
+          <a:fontRef idx="minor">
+            <a:schemeClr val="tx1"/>
+          </a:fontRef>
+        </p:style>
+      </p:cxnSp>
+    </p:spTree>
+    <p:extLst>
+      <p:ext uri="{BB962C8B-B14F-4D97-AF65-F5344CB8AC3E}">
+        <p14:creationId xmlns:p14="http://schemas.microsoft.com/office/powerpoint/2010/main" val="2281359754"/>
+      </p:ext>
+    </p:extLst>
+  </p:cSld>
+  <p:clrMapOvr>
+    <a:masterClrMapping/>
+  </p:clrMapOvr>
+</p:sld>
+</file>
+
+<file path=ppt/slides/slide68.xml><?xml version="1.0" encoding="utf-8"?>
+<p:sld xmlns:a="http://schemas.openxmlformats.org/drawingml/2006/main" xmlns:r="http://schemas.openxmlformats.org/officeDocument/2006/relationships" xmlns:p="http://schemas.openxmlformats.org/presentationml/2006/main">
+  <p:cSld>
+    <p:spTree>
+      <p:nvGrpSpPr>
+        <p:cNvPr id="1" name=""/>
+        <p:cNvGrpSpPr/>
+        <p:nvPr/>
+      </p:nvGrpSpPr>
+      <p:grpSpPr>
+        <a:xfrm>
+          <a:off x="0" y="0"/>
+          <a:ext cx="0" cy="0"/>
+          <a:chOff x="0" y="0"/>
+          <a:chExt cx="0" cy="0"/>
+        </a:xfrm>
+      </p:grpSpPr>
+      <p:sp>
+        <p:nvSpPr>
+          <p:cNvPr id="2" name="Title 1">
+            <a:extLst>
+              <a:ext uri="{FF2B5EF4-FFF2-40B4-BE49-F238E27FC236}">
+                <a16:creationId xmlns:a16="http://schemas.microsoft.com/office/drawing/2014/main" id="{F2E75ACD-C303-46DD-8FB4-27FC6A409857}"/>
+              </a:ext>
+            </a:extLst>
+          </p:cNvPr>
+          <p:cNvSpPr>
+            <a:spLocks noGrp="1"/>
+          </p:cNvSpPr>
+          <p:nvPr>
+            <p:ph type="title"/>
+          </p:nvPr>
+        </p:nvSpPr>
+        <p:spPr/>
+        <p:txBody>
+          <a:bodyPr/>
+          <a:lstStyle/>
+          <a:p>
+            <a:pPr algn="ctr"/>
+            <a:r>
+              <a:rPr lang="he-IL" sz="4800" dirty="0"/>
+              <a:t>מודל הניווט</a:t>
+            </a:r>
+            <a:endParaRPr lang="en-US" sz="4800" dirty="0"/>
+          </a:p>
+        </p:txBody>
+      </p:sp>
+      <p:sp>
+        <p:nvSpPr>
+          <p:cNvPr id="12" name="תיבת טקסט 11">
+            <a:extLst>
+              <a:ext uri="{FF2B5EF4-FFF2-40B4-BE49-F238E27FC236}">
+                <a16:creationId xmlns:a16="http://schemas.microsoft.com/office/drawing/2014/main" id="{77AF2D51-D00C-40F2-9B31-0894F6F09F0E}"/>
+              </a:ext>
+            </a:extLst>
+          </p:cNvPr>
+          <p:cNvSpPr txBox="1"/>
+          <p:nvPr/>
+        </p:nvSpPr>
+        <p:spPr>
+          <a:xfrm>
+            <a:off x="1561514" y="2257425"/>
+            <a:ext cx="10630486" cy="369332"/>
+          </a:xfrm>
+          <a:prstGeom prst="rect">
+            <a:avLst/>
+          </a:prstGeom>
+          <a:noFill/>
+        </p:spPr>
+        <p:txBody>
+          <a:bodyPr wrap="square" rtlCol="1">
+            <a:spAutoFit/>
+          </a:bodyPr>
+          <a:lstStyle/>
+          <a:p>
+            <a:pPr marL="285750" indent="-285750" algn="r" rtl="1">
+              <a:buFont typeface="Arial" panose="020B0604020202020204" pitchFamily="34" charset="0"/>
+              <a:buChar char="•"/>
+            </a:pPr>
+            <a:r>
+              <a:rPr lang="he-IL" dirty="0"/>
+              <a:t>מודל הניווט של המערכת הינה ניווט </a:t>
+            </a:r>
+            <a:r>
+              <a:rPr lang="he-IL" dirty="0" err="1"/>
+              <a:t>מטריציוני</a:t>
+            </a:r>
+            <a:r>
+              <a:rPr lang="he-IL" dirty="0"/>
+              <a:t>, זאת על מנת לאפשר למשתמש גישה נוחה לכל המסכים מכל מקום.</a:t>
+            </a:r>
+          </a:p>
+        </p:txBody>
+      </p:sp>
+      <p:cxnSp>
+        <p:nvCxnSpPr>
+          <p:cNvPr id="15" name="מחבר ישר 14">
+            <a:extLst>
+              <a:ext uri="{FF2B5EF4-FFF2-40B4-BE49-F238E27FC236}">
+                <a16:creationId xmlns:a16="http://schemas.microsoft.com/office/drawing/2014/main" id="{C679A093-27E5-4BE4-A986-E68C743F804F}"/>
+              </a:ext>
+            </a:extLst>
+          </p:cNvPr>
+          <p:cNvCxnSpPr/>
+          <p:nvPr/>
+        </p:nvCxnSpPr>
+        <p:spPr>
+          <a:xfrm>
+            <a:off x="4142232" y="4712678"/>
+            <a:ext cx="0" cy="0"/>
+          </a:xfrm>
+          <a:prstGeom prst="line">
+            <a:avLst/>
+          </a:prstGeom>
+        </p:spPr>
+        <p:style>
+          <a:lnRef idx="1">
+            <a:schemeClr val="accent1"/>
+          </a:lnRef>
+          <a:fillRef idx="0">
+            <a:schemeClr val="accent1"/>
+          </a:fillRef>
+          <a:effectRef idx="0">
+            <a:schemeClr val="accent1"/>
+          </a:effectRef>
+          <a:fontRef idx="minor">
+            <a:schemeClr val="tx1"/>
+          </a:fontRef>
+        </p:style>
+      </p:cxnSp>
+      <p:sp>
+        <p:nvSpPr>
+          <p:cNvPr id="5" name="מלבן 4">
+            <a:extLst>
+              <a:ext uri="{FF2B5EF4-FFF2-40B4-BE49-F238E27FC236}">
+                <a16:creationId xmlns:a16="http://schemas.microsoft.com/office/drawing/2014/main" id="{4C73EFEC-90BB-40F0-A252-B466176492A4}"/>
+              </a:ext>
+            </a:extLst>
+          </p:cNvPr>
+          <p:cNvSpPr/>
+          <p:nvPr/>
+        </p:nvSpPr>
+        <p:spPr>
+          <a:xfrm>
+            <a:off x="1152144" y="3692769"/>
+            <a:ext cx="1069144" cy="829994"/>
+          </a:xfrm>
+          <a:prstGeom prst="rect">
+            <a:avLst/>
+          </a:prstGeom>
+          <a:solidFill>
+            <a:srgbClr val="B4D0E7"/>
+          </a:solidFill>
+          <a:ln>
+            <a:solidFill>
+              <a:srgbClr val="B4D0E7"/>
+            </a:solidFill>
+          </a:ln>
+        </p:spPr>
+        <p:style>
+          <a:lnRef idx="2">
+            <a:schemeClr val="accent1">
+              <a:shade val="50000"/>
+            </a:schemeClr>
+          </a:lnRef>
+          <a:fillRef idx="1">
+            <a:schemeClr val="accent1"/>
+          </a:fillRef>
+          <a:effectRef idx="0">
+            <a:schemeClr val="accent1"/>
+          </a:effectRef>
+          <a:fontRef idx="minor">
+            <a:schemeClr val="lt1"/>
+          </a:fontRef>
+        </p:style>
+        <p:txBody>
+          <a:bodyPr rtlCol="1" anchor="ctr"/>
+          <a:lstStyle/>
+          <a:p>
+            <a:pPr algn="ctr"/>
+            <a:r>
+              <a:rPr lang="he-IL" dirty="0"/>
+              <a:t>התחברות\הרשמה</a:t>
+            </a:r>
+          </a:p>
+        </p:txBody>
+      </p:sp>
+      <p:sp>
+        <p:nvSpPr>
+          <p:cNvPr id="14" name="מלבן 13">
+            <a:extLst>
+              <a:ext uri="{FF2B5EF4-FFF2-40B4-BE49-F238E27FC236}">
+                <a16:creationId xmlns:a16="http://schemas.microsoft.com/office/drawing/2014/main" id="{68D58D64-E668-452C-9ED8-016BEFFCCF82}"/>
+              </a:ext>
+            </a:extLst>
+          </p:cNvPr>
+          <p:cNvSpPr/>
+          <p:nvPr/>
+        </p:nvSpPr>
+        <p:spPr>
+          <a:xfrm>
+            <a:off x="3479878" y="3692769"/>
+            <a:ext cx="1069144" cy="829994"/>
+          </a:xfrm>
+          <a:prstGeom prst="rect">
+            <a:avLst/>
+          </a:prstGeom>
+          <a:solidFill>
+            <a:srgbClr val="B4D0E7"/>
+          </a:solidFill>
+          <a:ln>
+            <a:solidFill>
+              <a:srgbClr val="B4D0E7"/>
+            </a:solidFill>
+          </a:ln>
+        </p:spPr>
+        <p:style>
+          <a:lnRef idx="2">
+            <a:schemeClr val="accent1">
+              <a:shade val="50000"/>
+            </a:schemeClr>
+          </a:lnRef>
+          <a:fillRef idx="1">
+            <a:schemeClr val="accent1"/>
+          </a:fillRef>
+          <a:effectRef idx="0">
+            <a:schemeClr val="accent1"/>
+          </a:effectRef>
+          <a:fontRef idx="minor">
+            <a:schemeClr val="lt1"/>
+          </a:fontRef>
+        </p:style>
+        <p:txBody>
+          <a:bodyPr rtlCol="1" anchor="ctr"/>
+          <a:lstStyle/>
+          <a:p>
+            <a:pPr algn="ctr"/>
+            <a:r>
+              <a:rPr lang="he-IL" dirty="0"/>
+              <a:t>לוח שנה</a:t>
+            </a:r>
+          </a:p>
+        </p:txBody>
+      </p:sp>
+      <p:sp>
+        <p:nvSpPr>
+          <p:cNvPr id="16" name="מלבן 15">
+            <a:extLst>
+              <a:ext uri="{FF2B5EF4-FFF2-40B4-BE49-F238E27FC236}">
+                <a16:creationId xmlns:a16="http://schemas.microsoft.com/office/drawing/2014/main" id="{FE00933F-4AAF-4B27-A1EA-5441F5FD5DF2}"/>
+              </a:ext>
+            </a:extLst>
+          </p:cNvPr>
+          <p:cNvSpPr/>
+          <p:nvPr/>
+        </p:nvSpPr>
+        <p:spPr>
+          <a:xfrm>
+            <a:off x="3479878" y="5293288"/>
+            <a:ext cx="1069144" cy="829994"/>
+          </a:xfrm>
+          <a:prstGeom prst="rect">
+            <a:avLst/>
+          </a:prstGeom>
+          <a:solidFill>
+            <a:srgbClr val="B4D0E7"/>
+          </a:solidFill>
+          <a:ln>
+            <a:solidFill>
+              <a:srgbClr val="B4D0E7"/>
+            </a:solidFill>
+          </a:ln>
+        </p:spPr>
+        <p:style>
+          <a:lnRef idx="2">
+            <a:schemeClr val="accent1">
+              <a:shade val="50000"/>
+            </a:schemeClr>
+          </a:lnRef>
+          <a:fillRef idx="1">
+            <a:schemeClr val="accent1"/>
+          </a:fillRef>
+          <a:effectRef idx="0">
+            <a:schemeClr val="accent1"/>
+          </a:effectRef>
+          <a:fontRef idx="minor">
+            <a:schemeClr val="lt1"/>
+          </a:fontRef>
+        </p:style>
+        <p:txBody>
+          <a:bodyPr rtlCol="1" anchor="ctr"/>
+          <a:lstStyle/>
+          <a:p>
+            <a:pPr algn="ctr"/>
+            <a:r>
+              <a:rPr lang="he-IL" dirty="0"/>
+              <a:t>אזור אישי</a:t>
+            </a:r>
+          </a:p>
+        </p:txBody>
+      </p:sp>
+      <p:cxnSp>
+        <p:nvCxnSpPr>
+          <p:cNvPr id="17" name="מחבר חץ ישר 16">
+            <a:extLst>
+              <a:ext uri="{FF2B5EF4-FFF2-40B4-BE49-F238E27FC236}">
+                <a16:creationId xmlns:a16="http://schemas.microsoft.com/office/drawing/2014/main" id="{2CA02720-FE38-4745-BF27-DB559CBE6472}"/>
+              </a:ext>
+            </a:extLst>
+          </p:cNvPr>
+          <p:cNvCxnSpPr>
+            <a:stCxn id="5" idx="3"/>
+            <a:endCxn id="14" idx="1"/>
+          </p:cNvCxnSpPr>
+          <p:nvPr/>
+        </p:nvCxnSpPr>
+        <p:spPr>
+          <a:xfrm>
+            <a:off x="2221288" y="4107766"/>
+            <a:ext cx="1258590" cy="0"/>
+          </a:xfrm>
+          <a:prstGeom prst="straightConnector1">
+            <a:avLst/>
+          </a:prstGeom>
+          <a:ln>
+            <a:solidFill>
+              <a:schemeClr val="tx1"/>
+            </a:solidFill>
+            <a:tailEnd type="triangle"/>
+          </a:ln>
+        </p:spPr>
+        <p:style>
+          <a:lnRef idx="1">
+            <a:schemeClr val="accent1"/>
+          </a:lnRef>
+          <a:fillRef idx="0">
+            <a:schemeClr val="accent1"/>
+          </a:fillRef>
+          <a:effectRef idx="0">
+            <a:schemeClr val="accent1"/>
+          </a:effectRef>
+          <a:fontRef idx="minor">
+            <a:schemeClr val="tx1"/>
+          </a:fontRef>
+        </p:style>
+      </p:cxnSp>
+      <p:cxnSp>
+        <p:nvCxnSpPr>
+          <p:cNvPr id="19" name="מחבר חץ ישר 18">
+            <a:extLst>
+              <a:ext uri="{FF2B5EF4-FFF2-40B4-BE49-F238E27FC236}">
+                <a16:creationId xmlns:a16="http://schemas.microsoft.com/office/drawing/2014/main" id="{A28AAAA7-474F-455E-9FFE-2E92353FF025}"/>
+              </a:ext>
+            </a:extLst>
+          </p:cNvPr>
+          <p:cNvCxnSpPr>
+            <a:stCxn id="14" idx="2"/>
+            <a:endCxn id="16" idx="0"/>
+          </p:cNvCxnSpPr>
+          <p:nvPr/>
+        </p:nvCxnSpPr>
+        <p:spPr>
+          <a:xfrm>
+            <a:off x="4014450" y="4522763"/>
+            <a:ext cx="0" cy="770525"/>
+          </a:xfrm>
+          <a:prstGeom prst="straightConnector1">
+            <a:avLst/>
+          </a:prstGeom>
+          <a:ln>
+            <a:solidFill>
+              <a:schemeClr val="tx1"/>
+            </a:solidFill>
+            <a:headEnd type="triangle"/>
+            <a:tailEnd type="triangle"/>
+          </a:ln>
+        </p:spPr>
+        <p:style>
+          <a:lnRef idx="1">
+            <a:schemeClr val="accent1"/>
+          </a:lnRef>
+          <a:fillRef idx="0">
+            <a:schemeClr val="accent1"/>
+          </a:fillRef>
+          <a:effectRef idx="0">
+            <a:schemeClr val="accent1"/>
+          </a:effectRef>
+          <a:fontRef idx="minor">
+            <a:schemeClr val="tx1"/>
+          </a:fontRef>
+        </p:style>
+      </p:cxnSp>
+      <p:sp>
+        <p:nvSpPr>
+          <p:cNvPr id="21" name="מלבן 20">
+            <a:extLst>
+              <a:ext uri="{FF2B5EF4-FFF2-40B4-BE49-F238E27FC236}">
+                <a16:creationId xmlns:a16="http://schemas.microsoft.com/office/drawing/2014/main" id="{5EC87226-741E-4C41-832B-50FC792F64A6}"/>
+              </a:ext>
+            </a:extLst>
+          </p:cNvPr>
+          <p:cNvSpPr/>
+          <p:nvPr/>
+        </p:nvSpPr>
+        <p:spPr>
+          <a:xfrm>
+            <a:off x="6989299" y="3037769"/>
+            <a:ext cx="1069144" cy="829994"/>
+          </a:xfrm>
+          <a:prstGeom prst="rect">
+            <a:avLst/>
+          </a:prstGeom>
+          <a:solidFill>
+            <a:srgbClr val="B4D0E7"/>
+          </a:solidFill>
+          <a:ln>
+            <a:solidFill>
+              <a:srgbClr val="B4D0E7"/>
+            </a:solidFill>
+          </a:ln>
+        </p:spPr>
+        <p:style>
+          <a:lnRef idx="2">
+            <a:schemeClr val="accent1">
+              <a:shade val="50000"/>
+            </a:schemeClr>
+          </a:lnRef>
+          <a:fillRef idx="1">
+            <a:schemeClr val="accent1"/>
+          </a:fillRef>
+          <a:effectRef idx="0">
+            <a:schemeClr val="accent1"/>
+          </a:effectRef>
+          <a:fontRef idx="minor">
+            <a:schemeClr val="lt1"/>
+          </a:fontRef>
+        </p:style>
+        <p:txBody>
+          <a:bodyPr rtlCol="1" anchor="ctr"/>
+          <a:lstStyle/>
+          <a:p>
+            <a:pPr algn="ctr"/>
+            <a:r>
+              <a:rPr lang="he-IL" dirty="0"/>
+              <a:t>יצירת פגישה</a:t>
+            </a:r>
+          </a:p>
+        </p:txBody>
+      </p:sp>
+      <p:sp>
+        <p:nvSpPr>
+          <p:cNvPr id="22" name="מלבן 21">
+            <a:extLst>
+              <a:ext uri="{FF2B5EF4-FFF2-40B4-BE49-F238E27FC236}">
+                <a16:creationId xmlns:a16="http://schemas.microsoft.com/office/drawing/2014/main" id="{8FE29AE8-B766-4490-AC03-308875E417BD}"/>
+              </a:ext>
+            </a:extLst>
+          </p:cNvPr>
+          <p:cNvSpPr/>
+          <p:nvPr/>
+        </p:nvSpPr>
+        <p:spPr>
+          <a:xfrm>
+            <a:off x="6989299" y="4231244"/>
+            <a:ext cx="1069144" cy="829994"/>
+          </a:xfrm>
+          <a:prstGeom prst="rect">
+            <a:avLst/>
+          </a:prstGeom>
+          <a:solidFill>
+            <a:srgbClr val="B4D0E7"/>
+          </a:solidFill>
+          <a:ln>
+            <a:solidFill>
+              <a:srgbClr val="B4D0E7"/>
+            </a:solidFill>
+          </a:ln>
+        </p:spPr>
+        <p:style>
+          <a:lnRef idx="2">
+            <a:schemeClr val="accent1">
+              <a:shade val="50000"/>
+            </a:schemeClr>
+          </a:lnRef>
+          <a:fillRef idx="1">
+            <a:schemeClr val="accent1"/>
+          </a:fillRef>
+          <a:effectRef idx="0">
+            <a:schemeClr val="accent1"/>
+          </a:effectRef>
+          <a:fontRef idx="minor">
+            <a:schemeClr val="lt1"/>
+          </a:fontRef>
+        </p:style>
+        <p:txBody>
+          <a:bodyPr rtlCol="1" anchor="ctr"/>
+          <a:lstStyle/>
+          <a:p>
+            <a:pPr algn="ctr"/>
+            <a:r>
+              <a:rPr lang="he-IL" dirty="0"/>
+              <a:t>יצירת אילוץ</a:t>
+            </a:r>
+          </a:p>
+        </p:txBody>
+      </p:sp>
+      <p:sp>
+        <p:nvSpPr>
+          <p:cNvPr id="23" name="מלבן 22">
+            <a:extLst>
+              <a:ext uri="{FF2B5EF4-FFF2-40B4-BE49-F238E27FC236}">
+                <a16:creationId xmlns:a16="http://schemas.microsoft.com/office/drawing/2014/main" id="{91E5B70A-D921-4664-80F0-C84C5ADA2917}"/>
+              </a:ext>
+            </a:extLst>
+          </p:cNvPr>
+          <p:cNvSpPr/>
+          <p:nvPr/>
+        </p:nvSpPr>
+        <p:spPr>
+          <a:xfrm>
+            <a:off x="6989299" y="5521270"/>
+            <a:ext cx="1069144" cy="829994"/>
+          </a:xfrm>
+          <a:prstGeom prst="rect">
+            <a:avLst/>
+          </a:prstGeom>
+          <a:solidFill>
+            <a:srgbClr val="B4D0E7"/>
+          </a:solidFill>
+          <a:ln>
+            <a:solidFill>
+              <a:srgbClr val="B4D0E7"/>
+            </a:solidFill>
+          </a:ln>
+        </p:spPr>
+        <p:style>
+          <a:lnRef idx="2">
+            <a:schemeClr val="accent1">
+              <a:shade val="50000"/>
+            </a:schemeClr>
+          </a:lnRef>
+          <a:fillRef idx="1">
+            <a:schemeClr val="accent1"/>
+          </a:fillRef>
+          <a:effectRef idx="0">
+            <a:schemeClr val="accent1"/>
+          </a:effectRef>
+          <a:fontRef idx="minor">
+            <a:schemeClr val="lt1"/>
+          </a:fontRef>
+        </p:style>
+        <p:txBody>
+          <a:bodyPr rtlCol="1" anchor="ctr"/>
+          <a:lstStyle/>
+          <a:p>
+            <a:pPr algn="ctr"/>
+            <a:r>
+              <a:rPr lang="he-IL" dirty="0"/>
+              <a:t>יצירת מקום</a:t>
+            </a:r>
+          </a:p>
+        </p:txBody>
+      </p:sp>
+      <p:cxnSp>
+        <p:nvCxnSpPr>
+          <p:cNvPr id="25" name="מחבר חץ ישר 24">
+            <a:extLst>
+              <a:ext uri="{FF2B5EF4-FFF2-40B4-BE49-F238E27FC236}">
+                <a16:creationId xmlns:a16="http://schemas.microsoft.com/office/drawing/2014/main" id="{FF17E7FF-B123-4821-954B-3F8431F71456}"/>
+              </a:ext>
+            </a:extLst>
+          </p:cNvPr>
+          <p:cNvCxnSpPr>
+            <a:stCxn id="14" idx="3"/>
+            <a:endCxn id="21" idx="1"/>
+          </p:cNvCxnSpPr>
+          <p:nvPr/>
+        </p:nvCxnSpPr>
+        <p:spPr>
+          <a:xfrm flipV="1">
+            <a:off x="4549022" y="3452766"/>
+            <a:ext cx="2440277" cy="655000"/>
+          </a:xfrm>
+          <a:prstGeom prst="straightConnector1">
+            <a:avLst/>
+          </a:prstGeom>
+          <a:ln>
+            <a:solidFill>
+              <a:schemeClr val="tx1"/>
+            </a:solidFill>
+            <a:tailEnd type="triangle"/>
+          </a:ln>
+        </p:spPr>
+        <p:style>
+          <a:lnRef idx="1">
+            <a:schemeClr val="accent1"/>
+          </a:lnRef>
+          <a:fillRef idx="0">
+            <a:schemeClr val="accent1"/>
+          </a:fillRef>
+          <a:effectRef idx="0">
+            <a:schemeClr val="accent1"/>
+          </a:effectRef>
+          <a:fontRef idx="minor">
+            <a:schemeClr val="tx1"/>
+          </a:fontRef>
+        </p:style>
+      </p:cxnSp>
+      <p:cxnSp>
+        <p:nvCxnSpPr>
+          <p:cNvPr id="26" name="מחבר חץ ישר 25">
+            <a:extLst>
+              <a:ext uri="{FF2B5EF4-FFF2-40B4-BE49-F238E27FC236}">
+                <a16:creationId xmlns:a16="http://schemas.microsoft.com/office/drawing/2014/main" id="{A62B8856-7061-41B1-A07E-9F1BC4122F50}"/>
+              </a:ext>
+            </a:extLst>
+          </p:cNvPr>
+          <p:cNvCxnSpPr>
+            <a:cxnSpLocks/>
+            <a:stCxn id="14" idx="3"/>
+            <a:endCxn id="22" idx="1"/>
+          </p:cNvCxnSpPr>
+          <p:nvPr/>
+        </p:nvCxnSpPr>
+        <p:spPr>
+          <a:xfrm>
+            <a:off x="4549022" y="4107766"/>
+            <a:ext cx="2440277" cy="538475"/>
+          </a:xfrm>
+          <a:prstGeom prst="straightConnector1">
+            <a:avLst/>
+          </a:prstGeom>
+          <a:ln>
+            <a:solidFill>
+              <a:schemeClr val="tx1"/>
+            </a:solidFill>
+            <a:tailEnd type="triangle"/>
+          </a:ln>
+        </p:spPr>
+        <p:style>
+          <a:lnRef idx="1">
+            <a:schemeClr val="accent1"/>
+          </a:lnRef>
+          <a:fillRef idx="0">
+            <a:schemeClr val="accent1"/>
+          </a:fillRef>
+          <a:effectRef idx="0">
+            <a:schemeClr val="accent1"/>
+          </a:effectRef>
+          <a:fontRef idx="minor">
+            <a:schemeClr val="tx1"/>
+          </a:fontRef>
+        </p:style>
+      </p:cxnSp>
+      <p:cxnSp>
+        <p:nvCxnSpPr>
+          <p:cNvPr id="29" name="מחבר חץ ישר 28">
+            <a:extLst>
+              <a:ext uri="{FF2B5EF4-FFF2-40B4-BE49-F238E27FC236}">
+                <a16:creationId xmlns:a16="http://schemas.microsoft.com/office/drawing/2014/main" id="{A9F2B92A-E577-49E2-9F1B-D28695092BC8}"/>
+              </a:ext>
+            </a:extLst>
+          </p:cNvPr>
+          <p:cNvCxnSpPr>
+            <a:cxnSpLocks/>
+            <a:stCxn id="14" idx="3"/>
+            <a:endCxn id="23" idx="1"/>
+          </p:cNvCxnSpPr>
+          <p:nvPr/>
+        </p:nvCxnSpPr>
+        <p:spPr>
+          <a:xfrm>
+            <a:off x="4549022" y="4107766"/>
+            <a:ext cx="2440277" cy="1828501"/>
+          </a:xfrm>
+          <a:prstGeom prst="straightConnector1">
+            <a:avLst/>
+          </a:prstGeom>
+          <a:ln>
+            <a:solidFill>
+              <a:schemeClr val="tx1"/>
+            </a:solidFill>
+            <a:tailEnd type="triangle"/>
+          </a:ln>
+        </p:spPr>
+        <p:style>
+          <a:lnRef idx="1">
+            <a:schemeClr val="accent1"/>
+          </a:lnRef>
+          <a:fillRef idx="0">
+            <a:schemeClr val="accent1"/>
+          </a:fillRef>
+          <a:effectRef idx="0">
+            <a:schemeClr val="accent1"/>
+          </a:effectRef>
+          <a:fontRef idx="minor">
+            <a:schemeClr val="tx1"/>
+          </a:fontRef>
+        </p:style>
+      </p:cxnSp>
+      <p:cxnSp>
+        <p:nvCxnSpPr>
+          <p:cNvPr id="32" name="מחבר חץ ישר 31">
+            <a:extLst>
+              <a:ext uri="{FF2B5EF4-FFF2-40B4-BE49-F238E27FC236}">
+                <a16:creationId xmlns:a16="http://schemas.microsoft.com/office/drawing/2014/main" id="{21C1BA36-1D0E-4469-AB1C-5BF33725CA56}"/>
+              </a:ext>
+            </a:extLst>
+          </p:cNvPr>
+          <p:cNvCxnSpPr>
+            <a:cxnSpLocks/>
+            <a:stCxn id="16" idx="3"/>
+            <a:endCxn id="21" idx="1"/>
+          </p:cNvCxnSpPr>
+          <p:nvPr/>
+        </p:nvCxnSpPr>
+        <p:spPr>
+          <a:xfrm flipV="1">
+            <a:off x="4549022" y="3452766"/>
+            <a:ext cx="2440277" cy="2255519"/>
+          </a:xfrm>
+          <a:prstGeom prst="straightConnector1">
+            <a:avLst/>
+          </a:prstGeom>
+          <a:ln>
+            <a:solidFill>
+              <a:schemeClr val="tx1"/>
+            </a:solidFill>
+            <a:tailEnd type="triangle"/>
+          </a:ln>
+        </p:spPr>
+        <p:style>
+          <a:lnRef idx="1">
+            <a:schemeClr val="accent1"/>
+          </a:lnRef>
+          <a:fillRef idx="0">
+            <a:schemeClr val="accent1"/>
+          </a:fillRef>
+          <a:effectRef idx="0">
+            <a:schemeClr val="accent1"/>
+          </a:effectRef>
+          <a:fontRef idx="minor">
+            <a:schemeClr val="tx1"/>
+          </a:fontRef>
+        </p:style>
+      </p:cxnSp>
+      <p:cxnSp>
+        <p:nvCxnSpPr>
+          <p:cNvPr id="35" name="מחבר חץ ישר 34">
+            <a:extLst>
+              <a:ext uri="{FF2B5EF4-FFF2-40B4-BE49-F238E27FC236}">
+                <a16:creationId xmlns:a16="http://schemas.microsoft.com/office/drawing/2014/main" id="{F8DE0F0A-007D-475F-952B-773D0A440844}"/>
+              </a:ext>
+            </a:extLst>
+          </p:cNvPr>
+          <p:cNvCxnSpPr>
+            <a:cxnSpLocks/>
+            <a:stCxn id="16" idx="3"/>
+            <a:endCxn id="22" idx="1"/>
+          </p:cNvCxnSpPr>
+          <p:nvPr/>
+        </p:nvCxnSpPr>
+        <p:spPr>
+          <a:xfrm flipV="1">
+            <a:off x="4549022" y="4646241"/>
+            <a:ext cx="2440277" cy="1062044"/>
+          </a:xfrm>
+          <a:prstGeom prst="straightConnector1">
+            <a:avLst/>
+          </a:prstGeom>
+          <a:ln>
+            <a:solidFill>
+              <a:schemeClr val="tx1"/>
+            </a:solidFill>
+            <a:tailEnd type="triangle"/>
+          </a:ln>
+        </p:spPr>
+        <p:style>
+          <a:lnRef idx="1">
+            <a:schemeClr val="accent1"/>
+          </a:lnRef>
+          <a:fillRef idx="0">
+            <a:schemeClr val="accent1"/>
+          </a:fillRef>
+          <a:effectRef idx="0">
+            <a:schemeClr val="accent1"/>
+          </a:effectRef>
+          <a:fontRef idx="minor">
+            <a:schemeClr val="tx1"/>
+          </a:fontRef>
+        </p:style>
+      </p:cxnSp>
+      <p:cxnSp>
+        <p:nvCxnSpPr>
+          <p:cNvPr id="38" name="מחבר חץ ישר 37">
+            <a:extLst>
+              <a:ext uri="{FF2B5EF4-FFF2-40B4-BE49-F238E27FC236}">
+                <a16:creationId xmlns:a16="http://schemas.microsoft.com/office/drawing/2014/main" id="{07A16A20-BDAD-46A3-9CA5-CF870C045834}"/>
+              </a:ext>
+            </a:extLst>
+          </p:cNvPr>
+          <p:cNvCxnSpPr>
+            <a:cxnSpLocks/>
+            <a:stCxn id="16" idx="3"/>
+            <a:endCxn id="23" idx="1"/>
+          </p:cNvCxnSpPr>
+          <p:nvPr/>
+        </p:nvCxnSpPr>
+        <p:spPr>
+          <a:xfrm>
+            <a:off x="4549022" y="5708285"/>
+            <a:ext cx="2440277" cy="227982"/>
+          </a:xfrm>
+          <a:prstGeom prst="straightConnector1">
+            <a:avLst/>
+          </a:prstGeom>
+          <a:ln>
+            <a:solidFill>
+              <a:schemeClr val="tx1"/>
+            </a:solidFill>
+            <a:tailEnd type="triangle"/>
+          </a:ln>
+        </p:spPr>
+        <p:style>
+          <a:lnRef idx="1">
+            <a:schemeClr val="accent1"/>
+          </a:lnRef>
+          <a:fillRef idx="0">
+            <a:schemeClr val="accent1"/>
+          </a:fillRef>
+          <a:effectRef idx="0">
+            <a:schemeClr val="accent1"/>
+          </a:effectRef>
+          <a:fontRef idx="minor">
+            <a:schemeClr val="tx1"/>
+          </a:fontRef>
+        </p:style>
+      </p:cxnSp>
+    </p:spTree>
+    <p:extLst>
+      <p:ext uri="{BB962C8B-B14F-4D97-AF65-F5344CB8AC3E}">
+        <p14:creationId xmlns:p14="http://schemas.microsoft.com/office/powerpoint/2010/main" val="2063610563"/>
       </p:ext>
     </p:extLst>
   </p:cSld>

--- a/ux_course/מצגת סופית להגשה.pptx
+++ b/ux_course/מצגת סופית להגשה.pptx
@@ -25,8 +25,8 @@
     <p:sldId id="268" r:id="rId16"/>
     <p:sldId id="293" r:id="rId17"/>
     <p:sldId id="292" r:id="rId18"/>
-    <p:sldId id="291" r:id="rId19"/>
-    <p:sldId id="290" r:id="rId20"/>
+    <p:sldId id="290" r:id="rId19"/>
+    <p:sldId id="291" r:id="rId20"/>
     <p:sldId id="269" r:id="rId21"/>
     <p:sldId id="270" r:id="rId22"/>
     <p:sldId id="271" r:id="rId23"/>
@@ -264,7 +264,7 @@
           <a:p>
             <a:fld id="{EECBF3D3-3F3C-4185-B7B9-1B22B8E19755}" type="datetimeFigureOut">
               <a:rPr lang="en-US" smtClean="0"/>
-              <a:t>8/24/2019</a:t>
+              <a:t>8/28/2019</a:t>
             </a:fld>
             <a:endParaRPr lang="en-US"/>
           </a:p>
@@ -532,6 +532,90 @@
 </file>
 
 <file path=ppt/notesSlides/notesSlide1.xml><?xml version="1.0" encoding="utf-8"?>
+<p:notes xmlns:a="http://schemas.openxmlformats.org/drawingml/2006/main" xmlns:r="http://schemas.openxmlformats.org/officeDocument/2006/relationships" xmlns:p="http://schemas.openxmlformats.org/presentationml/2006/main">
+  <p:cSld>
+    <p:spTree>
+      <p:nvGrpSpPr>
+        <p:cNvPr id="1" name=""/>
+        <p:cNvGrpSpPr/>
+        <p:nvPr/>
+      </p:nvGrpSpPr>
+      <p:grpSpPr>
+        <a:xfrm>
+          <a:off x="0" y="0"/>
+          <a:ext cx="0" cy="0"/>
+          <a:chOff x="0" y="0"/>
+          <a:chExt cx="0" cy="0"/>
+        </a:xfrm>
+      </p:grpSpPr>
+      <p:sp>
+        <p:nvSpPr>
+          <p:cNvPr id="2" name="Slide Image Placeholder 1"/>
+          <p:cNvSpPr>
+            <a:spLocks noGrp="1" noRot="1" noChangeAspect="1"/>
+          </p:cNvSpPr>
+          <p:nvPr>
+            <p:ph type="sldImg"/>
+          </p:nvPr>
+        </p:nvSpPr>
+        <p:spPr/>
+      </p:sp>
+      <p:sp>
+        <p:nvSpPr>
+          <p:cNvPr id="3" name="Notes Placeholder 2"/>
+          <p:cNvSpPr>
+            <a:spLocks noGrp="1"/>
+          </p:cNvSpPr>
+          <p:nvPr>
+            <p:ph type="body" idx="1"/>
+          </p:nvPr>
+        </p:nvSpPr>
+        <p:spPr/>
+        <p:txBody>
+          <a:bodyPr/>
+          <a:lstStyle/>
+          <a:p>
+            <a:endParaRPr lang="en-US" dirty="0"/>
+          </a:p>
+        </p:txBody>
+      </p:sp>
+      <p:sp>
+        <p:nvSpPr>
+          <p:cNvPr id="4" name="Slide Number Placeholder 3"/>
+          <p:cNvSpPr>
+            <a:spLocks noGrp="1"/>
+          </p:cNvSpPr>
+          <p:nvPr>
+            <p:ph type="sldNum" sz="quarter" idx="5"/>
+          </p:nvPr>
+        </p:nvSpPr>
+        <p:spPr/>
+        <p:txBody>
+          <a:bodyPr/>
+          <a:lstStyle/>
+          <a:p>
+            <a:fld id="{6E084796-162D-476E-82D2-4B26235D4C2C}" type="slidenum">
+              <a:rPr lang="en-US" smtClean="0"/>
+              <a:t>11</a:t>
+            </a:fld>
+            <a:endParaRPr lang="en-US"/>
+          </a:p>
+        </p:txBody>
+      </p:sp>
+    </p:spTree>
+    <p:extLst>
+      <p:ext uri="{BB962C8B-B14F-4D97-AF65-F5344CB8AC3E}">
+        <p14:creationId xmlns:p14="http://schemas.microsoft.com/office/powerpoint/2010/main" val="2723847784"/>
+      </p:ext>
+    </p:extLst>
+  </p:cSld>
+  <p:clrMapOvr>
+    <a:masterClrMapping/>
+  </p:clrMapOvr>
+</p:notes>
+</file>
+
+<file path=ppt/notesSlides/notesSlide2.xml><?xml version="1.0" encoding="utf-8"?>
 <p:notes xmlns:a="http://schemas.openxmlformats.org/drawingml/2006/main" xmlns:r="http://schemas.openxmlformats.org/officeDocument/2006/relationships" xmlns:p="http://schemas.openxmlformats.org/presentationml/2006/main">
   <p:cSld>
     <p:spTree>
@@ -1123,7 +1207,7 @@
           <a:p>
             <a:fld id="{C4112ACB-F900-457F-BFCF-7AFE3E0F446C}" type="datetimeFigureOut">
               <a:rPr lang="en-US" smtClean="0"/>
-              <a:t>8/24/2019</a:t>
+              <a:t>8/28/2019</a:t>
             </a:fld>
             <a:endParaRPr lang="en-US"/>
           </a:p>
@@ -2105,7 +2189,7 @@
           <a:p>
             <a:fld id="{C4112ACB-F900-457F-BFCF-7AFE3E0F446C}" type="datetimeFigureOut">
               <a:rPr lang="en-US" smtClean="0"/>
-              <a:t>8/24/2019</a:t>
+              <a:t>8/28/2019</a:t>
             </a:fld>
             <a:endParaRPr lang="en-US"/>
           </a:p>
@@ -2975,7 +3059,7 @@
           <a:p>
             <a:fld id="{C4112ACB-F900-457F-BFCF-7AFE3E0F446C}" type="datetimeFigureOut">
               <a:rPr lang="en-US" smtClean="0"/>
-              <a:t>8/24/2019</a:t>
+              <a:t>8/28/2019</a:t>
             </a:fld>
             <a:endParaRPr lang="en-US"/>
           </a:p>
@@ -3996,7 +4080,7 @@
           <a:p>
             <a:fld id="{C4112ACB-F900-457F-BFCF-7AFE3E0F446C}" type="datetimeFigureOut">
               <a:rPr lang="en-US" smtClean="0"/>
-              <a:t>8/24/2019</a:t>
+              <a:t>8/28/2019</a:t>
             </a:fld>
             <a:endParaRPr lang="en-US"/>
           </a:p>
@@ -4916,7 +5000,7 @@
           <a:p>
             <a:fld id="{C4112ACB-F900-457F-BFCF-7AFE3E0F446C}" type="datetimeFigureOut">
               <a:rPr lang="en-US" smtClean="0"/>
-              <a:t>8/24/2019</a:t>
+              <a:t>8/28/2019</a:t>
             </a:fld>
             <a:endParaRPr lang="en-US"/>
           </a:p>
@@ -5572,7 +5656,7 @@
           <a:p>
             <a:fld id="{C4112ACB-F900-457F-BFCF-7AFE3E0F446C}" type="datetimeFigureOut">
               <a:rPr lang="en-US" smtClean="0"/>
-              <a:t>8/24/2019</a:t>
+              <a:t>8/28/2019</a:t>
             </a:fld>
             <a:endParaRPr lang="en-US"/>
           </a:p>
@@ -6429,7 +6513,7 @@
           <a:p>
             <a:fld id="{C4112ACB-F900-457F-BFCF-7AFE3E0F446C}" type="datetimeFigureOut">
               <a:rPr lang="en-US" smtClean="0"/>
-              <a:t>8/24/2019</a:t>
+              <a:t>8/28/2019</a:t>
             </a:fld>
             <a:endParaRPr lang="en-US"/>
           </a:p>
@@ -6612,7 +6696,7 @@
           <a:p>
             <a:fld id="{C4112ACB-F900-457F-BFCF-7AFE3E0F446C}" type="datetimeFigureOut">
               <a:rPr lang="en-US" smtClean="0"/>
-              <a:t>8/24/2019</a:t>
+              <a:t>8/28/2019</a:t>
             </a:fld>
             <a:endParaRPr lang="en-US"/>
           </a:p>
@@ -7469,7 +7553,7 @@
           <a:p>
             <a:fld id="{C4112ACB-F900-457F-BFCF-7AFE3E0F446C}" type="datetimeFigureOut">
               <a:rPr lang="en-US" smtClean="0"/>
-              <a:t>8/24/2019</a:t>
+              <a:t>8/28/2019</a:t>
             </a:fld>
             <a:endParaRPr lang="en-US"/>
           </a:p>
@@ -7688,7 +7772,7 @@
           <a:p>
             <a:fld id="{C4112ACB-F900-457F-BFCF-7AFE3E0F446C}" type="datetimeFigureOut">
               <a:rPr lang="en-US" smtClean="0"/>
-              <a:t>8/24/2019</a:t>
+              <a:t>8/28/2019</a:t>
             </a:fld>
             <a:endParaRPr lang="en-US"/>
           </a:p>
@@ -8613,7 +8697,7 @@
           <a:p>
             <a:fld id="{C4112ACB-F900-457F-BFCF-7AFE3E0F446C}" type="datetimeFigureOut">
               <a:rPr lang="en-US" smtClean="0"/>
-              <a:t>8/24/2019</a:t>
+              <a:t>8/28/2019</a:t>
             </a:fld>
             <a:endParaRPr lang="en-US"/>
           </a:p>
@@ -8897,7 +8981,7 @@
           <a:p>
             <a:fld id="{C4112ACB-F900-457F-BFCF-7AFE3E0F446C}" type="datetimeFigureOut">
               <a:rPr lang="en-US" smtClean="0"/>
-              <a:t>8/24/2019</a:t>
+              <a:t>8/28/2019</a:t>
             </a:fld>
             <a:endParaRPr lang="en-US"/>
           </a:p>
@@ -9287,7 +9371,7 @@
           <a:p>
             <a:fld id="{C4112ACB-F900-457F-BFCF-7AFE3E0F446C}" type="datetimeFigureOut">
               <a:rPr lang="en-US" smtClean="0"/>
-              <a:t>8/24/2019</a:t>
+              <a:t>8/28/2019</a:t>
             </a:fld>
             <a:endParaRPr lang="en-US"/>
           </a:p>
@@ -9413,7 +9497,7 @@
           <a:p>
             <a:fld id="{C4112ACB-F900-457F-BFCF-7AFE3E0F446C}" type="datetimeFigureOut">
               <a:rPr lang="en-US" smtClean="0"/>
-              <a:t>8/24/2019</a:t>
+              <a:t>8/28/2019</a:t>
             </a:fld>
             <a:endParaRPr lang="en-US"/>
           </a:p>
@@ -9508,7 +9592,7 @@
           <a:p>
             <a:fld id="{C4112ACB-F900-457F-BFCF-7AFE3E0F446C}" type="datetimeFigureOut">
               <a:rPr lang="en-US" smtClean="0"/>
-              <a:t>8/24/2019</a:t>
+              <a:t>8/28/2019</a:t>
             </a:fld>
             <a:endParaRPr lang="en-US"/>
           </a:p>
@@ -10479,7 +10563,7 @@
           <a:p>
             <a:fld id="{C4112ACB-F900-457F-BFCF-7AFE3E0F446C}" type="datetimeFigureOut">
               <a:rPr lang="en-US" smtClean="0"/>
-              <a:t>8/24/2019</a:t>
+              <a:t>8/28/2019</a:t>
             </a:fld>
             <a:endParaRPr lang="en-US"/>
           </a:p>
@@ -11474,7 +11558,7 @@
           <a:p>
             <a:fld id="{C4112ACB-F900-457F-BFCF-7AFE3E0F446C}" type="datetimeFigureOut">
               <a:rPr lang="en-US" smtClean="0"/>
-              <a:t>8/24/2019</a:t>
+              <a:t>8/28/2019</a:t>
             </a:fld>
             <a:endParaRPr lang="en-US"/>
           </a:p>
@@ -12358,7 +12442,7 @@
           <a:p>
             <a:fld id="{C4112ACB-F900-457F-BFCF-7AFE3E0F446C}" type="datetimeFigureOut">
               <a:rPr lang="en-US" smtClean="0"/>
-              <a:t>8/24/2019</a:t>
+              <a:t>8/28/2019</a:t>
             </a:fld>
             <a:endParaRPr lang="en-US"/>
           </a:p>
@@ -13182,7 +13266,7 @@
             </a:pPr>
             <a:r>
               <a:rPr lang="he-IL" sz="1600" dirty="0"/>
-              <a:t>כפתורים – כפתור ביטול ואישור מצד ימין לטקסט לעומת כתפור צפייה שמצד שמאל – אין אחידות - </a:t>
+              <a:t>כפתורים – כפתור ביטול ואישור מצד ימין לטקסט לעומת כפתור צפייה שמצד שמאל – אין אחידות - </a:t>
             </a:r>
             <a:r>
               <a:rPr lang="he-IL" sz="1600" b="1" dirty="0"/>
@@ -13314,7 +13398,7 @@
           <p:nvPr/>
         </p:nvPicPr>
         <p:blipFill>
-          <a:blip r:embed="rId2"/>
+          <a:blip r:embed="rId3"/>
           <a:stretch>
             <a:fillRect/>
           </a:stretch>
@@ -13848,7 +13932,7 @@
             <a:pPr algn="r" rtl="1"/>
             <a:r>
               <a:rPr lang="he-IL" sz="1000" dirty="0"/>
-              <a:t>רמה מקצועית בתחום המוצר – מכיר מוצרים דומים למוצר עובד המון עם אקסל מנהל את הפגישות שלו שם.</a:t>
+              <a:t>רמה מקצועית בתחום המוצר – מכיר מוצרים דומים למוצר עובד המון עם אוטלוק מנהל את הפגישות שלו שם.</a:t>
             </a:r>
           </a:p>
           <a:p>
@@ -14029,7 +14113,7 @@
             <a:pPr algn="r" rtl="1"/>
             <a:r>
               <a:rPr lang="he-IL" sz="1000" dirty="0"/>
-              <a:t>איפה – במחשב במשרד שלו, לעיתים גם בפלאפון כשהוא רוצה לראות מה הלוז שלו ליום המחרת.</a:t>
+              <a:t>איפה – במחשב במשרד שלו, לעיתים גם בלפטופ בבית כשהוא רוצה לראות מה הלוז שלו ליום המחרת.</a:t>
             </a:r>
           </a:p>
           <a:p>
@@ -14336,15 +14420,7 @@
             <a:pPr algn="r" rtl="1"/>
             <a:r>
               <a:rPr lang="he-IL" sz="1000" dirty="0"/>
-              <a:t>רמת יכולת טכנולוגית – רמה גבוהה, משתמש </a:t>
-            </a:r>
-            <a:r>
-              <a:rPr lang="he-IL" sz="1000" dirty="0" err="1"/>
-              <a:t>בסמארטפון</a:t>
-            </a:r>
-            <a:r>
-              <a:rPr lang="he-IL" sz="1000" dirty="0"/>
-              <a:t> ולפטופ על מנת לקבוע פגישות.</a:t>
+              <a:t>רמת יכולת טכנולוגית – רמה גבוהה, משתמשת בסמארטפון ולפטופ על מנת לקבוע פגישות.</a:t>
             </a:r>
           </a:p>
           <a:p>
@@ -14544,15 +14620,7 @@
             <a:pPr algn="r" rtl="1"/>
             <a:r>
               <a:rPr lang="he-IL" sz="1000" dirty="0"/>
-              <a:t>איפה – </a:t>
-            </a:r>
-            <a:r>
-              <a:rPr lang="he-IL" sz="1000" dirty="0" err="1"/>
-              <a:t>בפאלפון</a:t>
-            </a:r>
-            <a:r>
-              <a:rPr lang="he-IL" sz="1000" dirty="0"/>
-              <a:t> הנייד, בלפטופ האישי שלה בביתה.</a:t>
+              <a:t>איפה – בלפטופ האישי שלה בביתה.</a:t>
             </a:r>
           </a:p>
           <a:p>
@@ -15201,169 +15269,6 @@
       </p:grpSpPr>
       <p:sp>
         <p:nvSpPr>
-          <p:cNvPr id="4" name="כותרת 1">
-            <a:extLst>
-              <a:ext uri="{FF2B5EF4-FFF2-40B4-BE49-F238E27FC236}">
-                <a16:creationId xmlns:a16="http://schemas.microsoft.com/office/drawing/2014/main" id="{F1B43665-3015-4230-B018-E886844CCA11}"/>
-              </a:ext>
-            </a:extLst>
-          </p:cNvPr>
-          <p:cNvSpPr>
-            <a:spLocks noGrp="1"/>
-          </p:cNvSpPr>
-          <p:nvPr>
-            <p:ph type="title"/>
-          </p:nvPr>
-        </p:nvSpPr>
-        <p:spPr>
-          <a:xfrm>
-            <a:off x="1154954" y="973669"/>
-            <a:ext cx="8825659" cy="706964"/>
-          </a:xfrm>
-        </p:spPr>
-        <p:txBody>
-          <a:bodyPr/>
-          <a:lstStyle/>
-          <a:p>
-            <a:pPr algn="ctr"/>
-            <a:r>
-              <a:rPr lang="he-IL" dirty="0"/>
-              <a:t>דברים כלליים במערכת</a:t>
-            </a:r>
-            <a:endParaRPr lang="en-US" dirty="0"/>
-          </a:p>
-        </p:txBody>
-      </p:sp>
-      <p:sp>
-        <p:nvSpPr>
-          <p:cNvPr id="5" name="תיבת טקסט 4">
-            <a:extLst>
-              <a:ext uri="{FF2B5EF4-FFF2-40B4-BE49-F238E27FC236}">
-                <a16:creationId xmlns:a16="http://schemas.microsoft.com/office/drawing/2014/main" id="{FFF52523-5F99-4BE9-AB01-3D65E85B6A75}"/>
-              </a:ext>
-            </a:extLst>
-          </p:cNvPr>
-          <p:cNvSpPr txBox="1"/>
-          <p:nvPr/>
-        </p:nvSpPr>
-        <p:spPr>
-          <a:xfrm>
-            <a:off x="7540282" y="2610683"/>
-            <a:ext cx="4487594" cy="2308324"/>
-          </a:xfrm>
-          <a:prstGeom prst="rect">
-            <a:avLst/>
-          </a:prstGeom>
-          <a:noFill/>
-        </p:spPr>
-        <p:txBody>
-          <a:bodyPr wrap="square" rtlCol="1">
-            <a:spAutoFit/>
-          </a:bodyPr>
-          <a:lstStyle/>
-          <a:p>
-            <a:pPr marL="285750" indent="-285750" algn="r" rtl="1">
-              <a:buFont typeface="Arial" panose="020B0604020202020204" pitchFamily="34" charset="0"/>
-              <a:buChar char="•"/>
-            </a:pPr>
-            <a:r>
-              <a:rPr lang="he-IL" dirty="0"/>
-              <a:t>הוספנו פופ-אפ אישור על כל פעולה "מסוכנת" - </a:t>
-            </a:r>
-            <a:r>
-              <a:rPr lang="he-IL" b="1" dirty="0"/>
-              <a:t>מניעת טעויות.</a:t>
-            </a:r>
-            <a:br>
-              <a:rPr lang="en-US" b="1" dirty="0"/>
-            </a:br>
-            <a:r>
-              <a:rPr lang="he-IL" dirty="0"/>
-              <a:t>לדוגמא: המשתמש דוחה פגישה שהזמינו אותו אליה ומוקפץ לו פופ אם שמסביר את השלכות הדחייה עם אופציה לאשר את הפעולה או לבטל אותה.</a:t>
-            </a:r>
-          </a:p>
-          <a:p>
-            <a:pPr marL="285750" indent="-285750" algn="r" rtl="1">
-              <a:buFont typeface="Arial" panose="020B0604020202020204" pitchFamily="34" charset="0"/>
-              <a:buChar char="•"/>
-            </a:pPr>
-            <a:r>
-              <a:rPr lang="he-IL" dirty="0"/>
-              <a:t>במידה ויאשר ועדיין ירצה לבטל אותה, יקפוץ ה</a:t>
-            </a:r>
-            <a:r>
-              <a:rPr lang="en-US" dirty="0"/>
-              <a:t>snack bar</a:t>
-            </a:r>
-            <a:r>
-              <a:rPr lang="he-IL" dirty="0"/>
-              <a:t> שמאפשר את היפוך הפעולה.</a:t>
-            </a:r>
-          </a:p>
-        </p:txBody>
-      </p:sp>
-      <p:pic>
-        <p:nvPicPr>
-          <p:cNvPr id="8" name="תמונה 7">
-            <a:extLst>
-              <a:ext uri="{FF2B5EF4-FFF2-40B4-BE49-F238E27FC236}">
-                <a16:creationId xmlns:a16="http://schemas.microsoft.com/office/drawing/2014/main" id="{21F40EF4-906D-42FA-8C0D-9BE154FA4FFB}"/>
-              </a:ext>
-            </a:extLst>
-          </p:cNvPr>
-          <p:cNvPicPr>
-            <a:picLocks noChangeAspect="1"/>
-          </p:cNvPicPr>
-          <p:nvPr/>
-        </p:nvPicPr>
-        <p:blipFill>
-          <a:blip r:embed="rId2"/>
-          <a:stretch>
-            <a:fillRect/>
-          </a:stretch>
-        </p:blipFill>
-        <p:spPr>
-          <a:xfrm>
-            <a:off x="285242" y="3540057"/>
-            <a:ext cx="5629275" cy="3124200"/>
-          </a:xfrm>
-          <a:prstGeom prst="rect">
-            <a:avLst/>
-          </a:prstGeom>
-        </p:spPr>
-      </p:pic>
-    </p:spTree>
-    <p:extLst>
-      <p:ext uri="{BB962C8B-B14F-4D97-AF65-F5344CB8AC3E}">
-        <p14:creationId xmlns:p14="http://schemas.microsoft.com/office/powerpoint/2010/main" val="1472041432"/>
-      </p:ext>
-    </p:extLst>
-  </p:cSld>
-  <p:clrMapOvr>
-    <a:masterClrMapping/>
-  </p:clrMapOvr>
-</p:sld>
-</file>
-
-<file path=ppt/slides/slide19.xml><?xml version="1.0" encoding="utf-8"?>
-<p:sld xmlns:a="http://schemas.openxmlformats.org/drawingml/2006/main" xmlns:r="http://schemas.openxmlformats.org/officeDocument/2006/relationships" xmlns:p="http://schemas.openxmlformats.org/presentationml/2006/main">
-  <p:cSld>
-    <p:spTree>
-      <p:nvGrpSpPr>
-        <p:cNvPr id="1" name=""/>
-        <p:cNvGrpSpPr/>
-        <p:nvPr/>
-      </p:nvGrpSpPr>
-      <p:grpSpPr>
-        <a:xfrm>
-          <a:off x="0" y="0"/>
-          <a:ext cx="0" cy="0"/>
-          <a:chOff x="0" y="0"/>
-          <a:chExt cx="0" cy="0"/>
-        </a:xfrm>
-      </p:grpSpPr>
-      <p:sp>
-        <p:nvSpPr>
           <p:cNvPr id="2" name="כותרת 1">
             <a:extLst>
               <a:ext uri="{FF2B5EF4-FFF2-40B4-BE49-F238E27FC236}">
@@ -15514,6 +15419,169 @@
     <p:extLst>
       <p:ext uri="{BB962C8B-B14F-4D97-AF65-F5344CB8AC3E}">
         <p14:creationId xmlns:p14="http://schemas.microsoft.com/office/powerpoint/2010/main" val="3760907985"/>
+      </p:ext>
+    </p:extLst>
+  </p:cSld>
+  <p:clrMapOvr>
+    <a:masterClrMapping/>
+  </p:clrMapOvr>
+</p:sld>
+</file>
+
+<file path=ppt/slides/slide19.xml><?xml version="1.0" encoding="utf-8"?>
+<p:sld xmlns:a="http://schemas.openxmlformats.org/drawingml/2006/main" xmlns:r="http://schemas.openxmlformats.org/officeDocument/2006/relationships" xmlns:p="http://schemas.openxmlformats.org/presentationml/2006/main">
+  <p:cSld>
+    <p:spTree>
+      <p:nvGrpSpPr>
+        <p:cNvPr id="1" name=""/>
+        <p:cNvGrpSpPr/>
+        <p:nvPr/>
+      </p:nvGrpSpPr>
+      <p:grpSpPr>
+        <a:xfrm>
+          <a:off x="0" y="0"/>
+          <a:ext cx="0" cy="0"/>
+          <a:chOff x="0" y="0"/>
+          <a:chExt cx="0" cy="0"/>
+        </a:xfrm>
+      </p:grpSpPr>
+      <p:sp>
+        <p:nvSpPr>
+          <p:cNvPr id="4" name="כותרת 1">
+            <a:extLst>
+              <a:ext uri="{FF2B5EF4-FFF2-40B4-BE49-F238E27FC236}">
+                <a16:creationId xmlns:a16="http://schemas.microsoft.com/office/drawing/2014/main" id="{F1B43665-3015-4230-B018-E886844CCA11}"/>
+              </a:ext>
+            </a:extLst>
+          </p:cNvPr>
+          <p:cNvSpPr>
+            <a:spLocks noGrp="1"/>
+          </p:cNvSpPr>
+          <p:nvPr>
+            <p:ph type="title"/>
+          </p:nvPr>
+        </p:nvSpPr>
+        <p:spPr>
+          <a:xfrm>
+            <a:off x="1154954" y="973669"/>
+            <a:ext cx="8825659" cy="706964"/>
+          </a:xfrm>
+        </p:spPr>
+        <p:txBody>
+          <a:bodyPr/>
+          <a:lstStyle/>
+          <a:p>
+            <a:pPr algn="ctr"/>
+            <a:r>
+              <a:rPr lang="he-IL" dirty="0"/>
+              <a:t>דברים כלליים במערכת</a:t>
+            </a:r>
+            <a:endParaRPr lang="en-US" dirty="0"/>
+          </a:p>
+        </p:txBody>
+      </p:sp>
+      <p:sp>
+        <p:nvSpPr>
+          <p:cNvPr id="5" name="תיבת טקסט 4">
+            <a:extLst>
+              <a:ext uri="{FF2B5EF4-FFF2-40B4-BE49-F238E27FC236}">
+                <a16:creationId xmlns:a16="http://schemas.microsoft.com/office/drawing/2014/main" id="{FFF52523-5F99-4BE9-AB01-3D65E85B6A75}"/>
+              </a:ext>
+            </a:extLst>
+          </p:cNvPr>
+          <p:cNvSpPr txBox="1"/>
+          <p:nvPr/>
+        </p:nvSpPr>
+        <p:spPr>
+          <a:xfrm>
+            <a:off x="7540282" y="2610683"/>
+            <a:ext cx="4487594" cy="2308324"/>
+          </a:xfrm>
+          <a:prstGeom prst="rect">
+            <a:avLst/>
+          </a:prstGeom>
+          <a:noFill/>
+        </p:spPr>
+        <p:txBody>
+          <a:bodyPr wrap="square" rtlCol="1">
+            <a:spAutoFit/>
+          </a:bodyPr>
+          <a:lstStyle/>
+          <a:p>
+            <a:pPr marL="285750" indent="-285750" algn="r" rtl="1">
+              <a:buFont typeface="Arial" panose="020B0604020202020204" pitchFamily="34" charset="0"/>
+              <a:buChar char="•"/>
+            </a:pPr>
+            <a:r>
+              <a:rPr lang="he-IL" dirty="0"/>
+              <a:t>הוספנו פופ-אפ אישור על כל פעולה "מסוכנת" - </a:t>
+            </a:r>
+            <a:r>
+              <a:rPr lang="he-IL" b="1" dirty="0"/>
+              <a:t>מניעת טעויות.</a:t>
+            </a:r>
+            <a:br>
+              <a:rPr lang="en-US" b="1" dirty="0"/>
+            </a:br>
+            <a:r>
+              <a:rPr lang="he-IL" dirty="0"/>
+              <a:t>לדוגמא: המשתמש דוחה פגישה שהזמינו אותו אליה ומוקפץ לו פופ אפ שמסביר את השלכות הדחייה עם אופציה לאשר את הפעולה או לבטל אותה.</a:t>
+            </a:r>
+          </a:p>
+          <a:p>
+            <a:pPr marL="285750" indent="-285750" algn="r" rtl="1">
+              <a:buFont typeface="Arial" panose="020B0604020202020204" pitchFamily="34" charset="0"/>
+              <a:buChar char="•"/>
+            </a:pPr>
+            <a:r>
+              <a:rPr lang="he-IL" dirty="0"/>
+              <a:t>במידה ויאשר ועדיין ירצה לבטל אותה, יקפוץ ה</a:t>
+            </a:r>
+            <a:r>
+              <a:rPr lang="en-US" dirty="0"/>
+              <a:t>snack bar</a:t>
+            </a:r>
+            <a:r>
+              <a:rPr lang="he-IL" dirty="0"/>
+              <a:t> שמאפשר את היפוך הפעולה.</a:t>
+            </a:r>
+          </a:p>
+        </p:txBody>
+      </p:sp>
+      <p:pic>
+        <p:nvPicPr>
+          <p:cNvPr id="8" name="תמונה 7">
+            <a:extLst>
+              <a:ext uri="{FF2B5EF4-FFF2-40B4-BE49-F238E27FC236}">
+                <a16:creationId xmlns:a16="http://schemas.microsoft.com/office/drawing/2014/main" id="{21F40EF4-906D-42FA-8C0D-9BE154FA4FFB}"/>
+              </a:ext>
+            </a:extLst>
+          </p:cNvPr>
+          <p:cNvPicPr>
+            <a:picLocks noChangeAspect="1"/>
+          </p:cNvPicPr>
+          <p:nvPr/>
+        </p:nvPicPr>
+        <p:blipFill>
+          <a:blip r:embed="rId2"/>
+          <a:stretch>
+            <a:fillRect/>
+          </a:stretch>
+        </p:blipFill>
+        <p:spPr>
+          <a:xfrm>
+            <a:off x="285242" y="3540057"/>
+            <a:ext cx="5629275" cy="3124200"/>
+          </a:xfrm>
+          <a:prstGeom prst="rect">
+            <a:avLst/>
+          </a:prstGeom>
+        </p:spPr>
+      </p:pic>
+    </p:spTree>
+    <p:extLst>
+      <p:ext uri="{BB962C8B-B14F-4D97-AF65-F5344CB8AC3E}">
+        <p14:creationId xmlns:p14="http://schemas.microsoft.com/office/powerpoint/2010/main" val="1472041432"/>
       </p:ext>
     </p:extLst>
   </p:cSld>
@@ -18934,7 +19002,7 @@
         <p:spPr>
           <a:xfrm>
             <a:off x="3714161" y="2325950"/>
-            <a:ext cx="8022119" cy="3739998"/>
+            <a:ext cx="8022119" cy="3370666"/>
           </a:xfrm>
           <a:prstGeom prst="rect">
             <a:avLst/>
@@ -18989,21 +19057,9 @@
             </a:r>
             <a:r>
               <a:rPr lang="he-IL" sz="1600" b="1" dirty="0"/>
-              <a:t>עקיבות וסטנדרטים.</a:t>
-            </a:r>
-          </a:p>
-          <a:p>
-            <a:pPr marL="285750" indent="-285750" algn="r" rtl="1">
-              <a:lnSpc>
-                <a:spcPct val="150000"/>
-              </a:lnSpc>
-              <a:buFont typeface="Arial" panose="020B0604020202020204" pitchFamily="34" charset="0"/>
-              <a:buChar char="•"/>
-            </a:pPr>
-            <a:r>
-              <a:rPr lang="he-IL" sz="1600" dirty="0"/>
-              <a:t>חוסר ניצול של המסך – יש הרבה רווחים מיותרים.</a:t>
-            </a:r>
+              <a:t>עקיבות וסטנדרטים. </a:t>
+            </a:r>
+            <a:endParaRPr lang="en-US" sz="1600" b="1" dirty="0"/>
           </a:p>
           <a:p>
             <a:pPr marL="285750" indent="-285750" algn="r" rtl="1">
@@ -19171,7 +19227,7 @@
             </a:pPr>
             <a:r>
               <a:rPr lang="he-IL" dirty="0"/>
-              <a:t>הבנו שחסר מידע משמעותי למשתמש, המערכת שלנו משבצת פגישות בצורה אוטומטית, כל יום ב12 בלילה.</a:t>
+              <a:t>הבנו שחסר מידע משמעותי למשתמש. המערכת שלנו משבצת פגישות בצורה אוטומטית, כל יום ב12 בלילה.</a:t>
             </a:r>
             <a:br>
               <a:rPr lang="en-US" dirty="0"/>
@@ -19925,12 +19981,66 @@
           </a:p>
         </p:txBody>
       </p:sp>
+      <p:sp>
+        <p:nvSpPr>
+          <p:cNvPr id="2" name="Rectangle 1">
+            <a:extLst>
+              <a:ext uri="{FF2B5EF4-FFF2-40B4-BE49-F238E27FC236}">
+                <a16:creationId xmlns:a16="http://schemas.microsoft.com/office/drawing/2014/main" id="{348E9B25-F603-4D7F-BAC1-078D0FBBE8EC}"/>
+              </a:ext>
+            </a:extLst>
+          </p:cNvPr>
+          <p:cNvSpPr/>
+          <p:nvPr/>
+        </p:nvSpPr>
+        <p:spPr>
+          <a:xfrm>
+            <a:off x="503853" y="4441370"/>
+            <a:ext cx="270588" cy="1418253"/>
+          </a:xfrm>
+          <a:prstGeom prst="rect">
+            <a:avLst/>
+          </a:prstGeom>
+          <a:solidFill>
+            <a:schemeClr val="bg1"/>
+          </a:solidFill>
+          <a:ln>
+            <a:solidFill>
+              <a:schemeClr val="bg1"/>
+            </a:solidFill>
+          </a:ln>
+        </p:spPr>
+        <p:style>
+          <a:lnRef idx="2">
+            <a:schemeClr val="accent1">
+              <a:shade val="50000"/>
+            </a:schemeClr>
+          </a:lnRef>
+          <a:fillRef idx="1">
+            <a:schemeClr val="accent1"/>
+          </a:fillRef>
+          <a:effectRef idx="0">
+            <a:schemeClr val="accent1"/>
+          </a:effectRef>
+          <a:fontRef idx="minor">
+            <a:schemeClr val="lt1"/>
+          </a:fontRef>
+        </p:style>
+        <p:txBody>
+          <a:bodyPr rtlCol="0" anchor="ctr"/>
+          <a:lstStyle/>
+          <a:p>
+            <a:pPr algn="ctr"/>
+            <a:endParaRPr lang="en-US"/>
+          </a:p>
+        </p:txBody>
+      </p:sp>
       <p:pic>
         <p:nvPicPr>
-          <p:cNvPr id="8" name="תמונה 7">
+          <p:cNvPr id="3" name="Picture 2">
             <a:extLst>
               <a:ext uri="{FF2B5EF4-FFF2-40B4-BE49-F238E27FC236}">
-                <a16:creationId xmlns:a16="http://schemas.microsoft.com/office/drawing/2014/main" id="{8D2EB5EF-5A32-43C6-A237-C28CA3A3D4DB}"/>
+                <a16:creationId xmlns:a16="http://schemas.microsoft.com/office/drawing/2014/main" id="{C088609D-72D1-4448-BBD7-9CAA8538E364}"/>
               </a:ext>
             </a:extLst>
           </p:cNvPr>
@@ -19947,8 +20057,8 @@
         </p:blipFill>
         <p:spPr>
           <a:xfrm>
-            <a:off x="384191" y="3549750"/>
-            <a:ext cx="6172200" cy="3190875"/>
+            <a:off x="143361" y="3429000"/>
+            <a:ext cx="6829425" cy="3181350"/>
           </a:xfrm>
           <a:prstGeom prst="rect">
             <a:avLst/>
@@ -23924,7 +24034,7 @@
             </a:pPr>
             <a:r>
               <a:rPr lang="he-IL" sz="1600" dirty="0"/>
-              <a:t>לכן החלטנו למזער את הכפתורים לכפתור + שהיה מלחתחילה אבל כעת בלחיצה עליו ייפתח חלון קטן אם שתי האופציות של ההוספה והמשתמש יוכל לבחור להוסיף אילוץ או פגישה</a:t>
+              <a:t>לכן החלטנו למזער את הכפתורים לכפתור + שהיה מלחתחילה אבל כעת במעבר ע עליו ייפתח חלון קטן אם שתי האופציות של ההוספה והמשתמש יוכל לבחור להוסיף אילוץ או פגישה</a:t>
             </a:r>
           </a:p>
         </p:txBody>
@@ -32897,7 +33007,7 @@
         <p:spPr>
           <a:xfrm>
             <a:off x="1561514" y="2257425"/>
-            <a:ext cx="10630486" cy="369332"/>
+            <a:ext cx="10630486" cy="646331"/>
           </a:xfrm>
           <a:prstGeom prst="rect">
             <a:avLst/>
@@ -32916,15 +33026,7 @@
             </a:pPr>
             <a:r>
               <a:rPr lang="he-IL" dirty="0"/>
-              <a:t>מודל הניווט של המערכת הינה ניווט </a:t>
-            </a:r>
-            <a:r>
-              <a:rPr lang="he-IL" dirty="0" err="1"/>
-              <a:t>מטריציוני</a:t>
-            </a:r>
-            <a:r>
-              <a:rPr lang="he-IL" dirty="0"/>
-              <a:t>, זאת על מנת לאפשר למשתמש גישה נוחה לכל המסכים מכל מקום.</a:t>
+              <a:t>מודל הניווט של המערכת הינה ניווט סיקוונסיאלי, זאת מכיוון שהפעולות במערכת תלויות האחת בשנייה צריך להתחבר בכדי להגיע ללוח השנה\האיזור האישי שלך צריך לבחור טווח בלוח שנה כדי לקבוע פגישה וכו'</a:t>
             </a:r>
           </a:p>
         </p:txBody>
@@ -33463,144 +33565,6 @@
           <a:xfrm>
             <a:off x="4549022" y="4107766"/>
             <a:ext cx="2440277" cy="538475"/>
-          </a:xfrm>
-          <a:prstGeom prst="straightConnector1">
-            <a:avLst/>
-          </a:prstGeom>
-          <a:ln>
-            <a:solidFill>
-              <a:schemeClr val="tx1"/>
-            </a:solidFill>
-            <a:tailEnd type="triangle"/>
-          </a:ln>
-        </p:spPr>
-        <p:style>
-          <a:lnRef idx="1">
-            <a:schemeClr val="accent1"/>
-          </a:lnRef>
-          <a:fillRef idx="0">
-            <a:schemeClr val="accent1"/>
-          </a:fillRef>
-          <a:effectRef idx="0">
-            <a:schemeClr val="accent1"/>
-          </a:effectRef>
-          <a:fontRef idx="minor">
-            <a:schemeClr val="tx1"/>
-          </a:fontRef>
-        </p:style>
-      </p:cxnSp>
-      <p:cxnSp>
-        <p:nvCxnSpPr>
-          <p:cNvPr id="29" name="מחבר חץ ישר 28">
-            <a:extLst>
-              <a:ext uri="{FF2B5EF4-FFF2-40B4-BE49-F238E27FC236}">
-                <a16:creationId xmlns:a16="http://schemas.microsoft.com/office/drawing/2014/main" id="{A9F2B92A-E577-49E2-9F1B-D28695092BC8}"/>
-              </a:ext>
-            </a:extLst>
-          </p:cNvPr>
-          <p:cNvCxnSpPr>
-            <a:cxnSpLocks/>
-            <a:stCxn id="14" idx="3"/>
-            <a:endCxn id="23" idx="1"/>
-          </p:cNvCxnSpPr>
-          <p:nvPr/>
-        </p:nvCxnSpPr>
-        <p:spPr>
-          <a:xfrm>
-            <a:off x="4549022" y="4107766"/>
-            <a:ext cx="2440277" cy="1828501"/>
-          </a:xfrm>
-          <a:prstGeom prst="straightConnector1">
-            <a:avLst/>
-          </a:prstGeom>
-          <a:ln>
-            <a:solidFill>
-              <a:schemeClr val="tx1"/>
-            </a:solidFill>
-            <a:tailEnd type="triangle"/>
-          </a:ln>
-        </p:spPr>
-        <p:style>
-          <a:lnRef idx="1">
-            <a:schemeClr val="accent1"/>
-          </a:lnRef>
-          <a:fillRef idx="0">
-            <a:schemeClr val="accent1"/>
-          </a:fillRef>
-          <a:effectRef idx="0">
-            <a:schemeClr val="accent1"/>
-          </a:effectRef>
-          <a:fontRef idx="minor">
-            <a:schemeClr val="tx1"/>
-          </a:fontRef>
-        </p:style>
-      </p:cxnSp>
-      <p:cxnSp>
-        <p:nvCxnSpPr>
-          <p:cNvPr id="32" name="מחבר חץ ישר 31">
-            <a:extLst>
-              <a:ext uri="{FF2B5EF4-FFF2-40B4-BE49-F238E27FC236}">
-                <a16:creationId xmlns:a16="http://schemas.microsoft.com/office/drawing/2014/main" id="{21C1BA36-1D0E-4469-AB1C-5BF33725CA56}"/>
-              </a:ext>
-            </a:extLst>
-          </p:cNvPr>
-          <p:cNvCxnSpPr>
-            <a:cxnSpLocks/>
-            <a:stCxn id="16" idx="3"/>
-            <a:endCxn id="21" idx="1"/>
-          </p:cNvCxnSpPr>
-          <p:nvPr/>
-        </p:nvCxnSpPr>
-        <p:spPr>
-          <a:xfrm flipV="1">
-            <a:off x="4549022" y="3452766"/>
-            <a:ext cx="2440277" cy="2255519"/>
-          </a:xfrm>
-          <a:prstGeom prst="straightConnector1">
-            <a:avLst/>
-          </a:prstGeom>
-          <a:ln>
-            <a:solidFill>
-              <a:schemeClr val="tx1"/>
-            </a:solidFill>
-            <a:tailEnd type="triangle"/>
-          </a:ln>
-        </p:spPr>
-        <p:style>
-          <a:lnRef idx="1">
-            <a:schemeClr val="accent1"/>
-          </a:lnRef>
-          <a:fillRef idx="0">
-            <a:schemeClr val="accent1"/>
-          </a:fillRef>
-          <a:effectRef idx="0">
-            <a:schemeClr val="accent1"/>
-          </a:effectRef>
-          <a:fontRef idx="minor">
-            <a:schemeClr val="tx1"/>
-          </a:fontRef>
-        </p:style>
-      </p:cxnSp>
-      <p:cxnSp>
-        <p:nvCxnSpPr>
-          <p:cNvPr id="35" name="מחבר חץ ישר 34">
-            <a:extLst>
-              <a:ext uri="{FF2B5EF4-FFF2-40B4-BE49-F238E27FC236}">
-                <a16:creationId xmlns:a16="http://schemas.microsoft.com/office/drawing/2014/main" id="{F8DE0F0A-007D-475F-952B-773D0A440844}"/>
-              </a:ext>
-            </a:extLst>
-          </p:cNvPr>
-          <p:cNvCxnSpPr>
-            <a:cxnSpLocks/>
-            <a:stCxn id="16" idx="3"/>
-            <a:endCxn id="22" idx="1"/>
-          </p:cNvCxnSpPr>
-          <p:nvPr/>
-        </p:nvCxnSpPr>
-        <p:spPr>
-          <a:xfrm flipV="1">
-            <a:off x="4549022" y="4646241"/>
-            <a:ext cx="2440277" cy="1062044"/>
           </a:xfrm>
           <a:prstGeom prst="straightConnector1">
             <a:avLst/>
@@ -34086,7 +34050,7 @@
         <p:spPr>
           <a:xfrm>
             <a:off x="6704846" y="2664995"/>
-            <a:ext cx="5193437" cy="3228897"/>
+            <a:ext cx="5193437" cy="3410934"/>
           </a:xfrm>
           <a:prstGeom prst="rect">
             <a:avLst/>
@@ -34116,19 +34080,17 @@
             </a:r>
             <a:r>
               <a:rPr lang="he-IL" sz="1600" dirty="0"/>
-              <a:t>(נרצה לבטל בלחיצת כפתור). </a:t>
-            </a:r>
-          </a:p>
-          <a:p>
-            <a:pPr algn="r" rtl="1">
-              <a:lnSpc>
-                <a:spcPct val="150000"/>
-              </a:lnSpc>
-            </a:pPr>
-            <a:r>
-              <a:rPr lang="he-IL" sz="900" dirty="0"/>
-              <a:t>	(שליטה וחופש של המשתמש)</a:t>
-            </a:r>
+              <a:t>(נרצה לבטל בלחיצת כפתור).</a:t>
+            </a:r>
+            <a:r>
+              <a:rPr lang="en-US" sz="1600" dirty="0"/>
+              <a:t> </a:t>
+            </a:r>
+            <a:r>
+              <a:rPr lang="he-IL" sz="1600" b="1" dirty="0"/>
+              <a:t>שליטה וחופש של המשתמש</a:t>
+            </a:r>
+            <a:endParaRPr lang="he-IL" sz="900" b="1" dirty="0"/>
           </a:p>
           <a:p>
             <a:pPr marL="285750" indent="-285750" algn="r" rtl="1">
@@ -34151,13 +34113,14 @@
               </a:lnSpc>
             </a:pPr>
             <a:r>
-              <a:rPr lang="en-US" sz="900" dirty="0"/>
-              <a:t>	 </a:t>
-            </a:r>
-            <a:r>
-              <a:rPr lang="he-IL" sz="900" dirty="0"/>
-              <a:t>(נראות מצב המערכת)</a:t>
-            </a:r>
+              <a:rPr lang="en-US" sz="1600" dirty="0"/>
+              <a:t>	</a:t>
+            </a:r>
+            <a:r>
+              <a:rPr lang="he-IL" sz="1600" b="1" dirty="0"/>
+              <a:t>נראות מצב המערכת</a:t>
+            </a:r>
+            <a:endParaRPr lang="he-IL" sz="900" b="1" dirty="0"/>
           </a:p>
           <a:p>
             <a:pPr marL="285750" indent="-285750" algn="r" rtl="1">
@@ -34183,9 +34146,10 @@
               <a:t>	</a:t>
             </a:r>
             <a:r>
-              <a:rPr lang="he-IL" sz="900" dirty="0"/>
-              <a:t>(זיהוי במקום היזכרות)</a:t>
-            </a:r>
+              <a:rPr lang="he-IL" sz="1600" b="1" dirty="0"/>
+              <a:t>זיהוי במקום היזכרות</a:t>
+            </a:r>
+            <a:endParaRPr lang="he-IL" sz="900" b="1" dirty="0"/>
           </a:p>
           <a:p>
             <a:pPr marL="285750" indent="-285750" algn="r" rtl="1">
@@ -34212,10 +34176,10 @@
               </a:lnSpc>
             </a:pPr>
             <a:r>
-              <a:rPr lang="he-IL" sz="900" dirty="0"/>
-              <a:t>(עקביות וסטנדרטים)</a:t>
-            </a:r>
-            <a:endParaRPr lang="en-US" sz="1400" dirty="0"/>
+              <a:rPr lang="he-IL" sz="1600" b="1" dirty="0"/>
+              <a:t>עקביות וסטנדרטים</a:t>
+            </a:r>
+            <a:endParaRPr lang="en-US" sz="3600" b="1" dirty="0"/>
           </a:p>
         </p:txBody>
       </p:sp>
@@ -34632,7 +34596,7 @@
         <p:spPr>
           <a:xfrm>
             <a:off x="6600927" y="2423605"/>
-            <a:ext cx="5252499" cy="4109330"/>
+            <a:ext cx="5252499" cy="3786165"/>
           </a:xfrm>
           <a:prstGeom prst="rect">
             <a:avLst/>
@@ -34656,21 +34620,11 @@
               <a:rPr lang="he-IL" sz="1600" dirty="0"/>
               <a:t>לא כתוב בבירור במסך באיזה חודש אנחנו נמצאים (רק ב -1 לכל חודש רשום) </a:t>
             </a:r>
-          </a:p>
-          <a:p>
-            <a:pPr algn="r" rtl="1">
-              <a:lnSpc>
-                <a:spcPct val="150000"/>
-              </a:lnSpc>
-            </a:pPr>
-            <a:r>
-              <a:rPr lang="he-IL" sz="1600" dirty="0"/>
-              <a:t>	</a:t>
-            </a:r>
-            <a:r>
-              <a:rPr lang="he-IL" sz="900" dirty="0"/>
-              <a:t>(מניעת טעויות)</a:t>
-            </a:r>
+            <a:r>
+              <a:rPr lang="he-IL" sz="1600" b="1" dirty="0"/>
+              <a:t>מניעת טעויות</a:t>
+            </a:r>
+            <a:endParaRPr lang="he-IL" sz="900" b="1" dirty="0"/>
           </a:p>
           <a:p>
             <a:pPr marL="285750" indent="-285750" algn="r" rtl="1">
@@ -34696,9 +34650,10 @@
               <a:t>	</a:t>
             </a:r>
             <a:r>
-              <a:rPr lang="he-IL" sz="900" dirty="0"/>
-              <a:t>(עיקביות וסטנדרטים)</a:t>
-            </a:r>
+              <a:rPr lang="he-IL" sz="1600" b="1" dirty="0"/>
+              <a:t>עיקביות וסטנדרטים</a:t>
+            </a:r>
+            <a:endParaRPr lang="he-IL" sz="900" b="1" dirty="0"/>
           </a:p>
           <a:p>
             <a:pPr marL="285750" indent="-285750" algn="r" rtl="1">
@@ -34724,9 +34679,10 @@
               <a:t>	</a:t>
             </a:r>
             <a:r>
-              <a:rPr lang="he-IL" sz="900" dirty="0"/>
-              <a:t>(אסטטיקה ומינימליסטיות)</a:t>
-            </a:r>
+              <a:rPr lang="he-IL" sz="1600" b="1" dirty="0"/>
+              <a:t>אסטטיקה ומינימליסטיות</a:t>
+            </a:r>
+            <a:endParaRPr lang="he-IL" sz="900" b="1" dirty="0"/>
           </a:p>
           <a:p>
             <a:pPr marL="285750" indent="-285750" algn="r" rtl="1">
@@ -34752,10 +34708,10 @@
               <a:t>	</a:t>
             </a:r>
             <a:r>
-              <a:rPr lang="he-IL" sz="900" dirty="0"/>
-              <a:t>(עיקביות וסטנדרטים)</a:t>
-            </a:r>
-            <a:endParaRPr lang="en-US" sz="1400" dirty="0"/>
+              <a:rPr lang="he-IL" sz="1600" b="1" dirty="0"/>
+              <a:t>עיקביות וסטנדרטים</a:t>
+            </a:r>
+            <a:endParaRPr lang="en-US" sz="1400" b="1" dirty="0"/>
           </a:p>
         </p:txBody>
       </p:sp>
@@ -34863,8 +34819,8 @@
         </p:nvSpPr>
         <p:spPr>
           <a:xfrm>
-            <a:off x="6552269" y="1948878"/>
-            <a:ext cx="5193437" cy="4109330"/>
+            <a:off x="6546587" y="2760641"/>
+            <a:ext cx="5193437" cy="3370666"/>
           </a:xfrm>
           <a:prstGeom prst="rect">
             <a:avLst/>
@@ -34927,32 +34883,11 @@
               <a:rPr lang="he-IL" sz="1600" dirty="0"/>
               <a:t>גדולה משאר המשבצות, למרות שהמשבצת של "הפגישות שלי" מכילה מידע חשוב ומרכזי לא פחות.</a:t>
             </a:r>
-          </a:p>
-          <a:p>
-            <a:pPr marL="742950" lvl="1" indent="-285750" algn="r" rtl="1">
-              <a:lnSpc>
-                <a:spcPct val="150000"/>
-              </a:lnSpc>
-              <a:buFont typeface="Arial" panose="020B0604020202020204" pitchFamily="34" charset="0"/>
-              <a:buChar char="•"/>
-            </a:pPr>
-            <a:r>
-              <a:rPr lang="he-IL" sz="1600" dirty="0"/>
-              <a:t>מיקום המשבצות</a:t>
-            </a:r>
             <a:r>
               <a:rPr lang="en-US" sz="1600" dirty="0"/>
-              <a:t>/</a:t>
-            </a:r>
-            <a:r>
-              <a:rPr lang="he-IL" sz="1600" dirty="0"/>
-              <a:t>אופן הצגתן – יש הרבה שטח מת - </a:t>
-            </a:r>
-            <a:r>
-              <a:rPr lang="he-IL" sz="1600" b="1" dirty="0"/>
-              <a:t>אסתטיקה ועיצוב מינימליסטי.</a:t>
-            </a:r>
-            <a:endParaRPr lang="en-US" sz="1600" b="1" dirty="0"/>
+              <a:t> </a:t>
+            </a:r>
+            <a:endParaRPr lang="he-IL" sz="1600" dirty="0"/>
           </a:p>
           <a:p>
             <a:pPr marL="742950" lvl="1" indent="-285750" algn="r" rtl="1">

--- a/ux_course/מצגת סופית להגשה.pptx
+++ b/ux_course/מצגת סופית להגשה.pptx
@@ -5,7 +5,7 @@
     <p:sldMasterId id="2147483828" r:id="rId1"/>
   </p:sldMasterIdLst>
   <p:notesMasterIdLst>
-    <p:notesMasterId r:id="rId70"/>
+    <p:notesMasterId r:id="rId73"/>
   </p:notesMasterIdLst>
   <p:sldIdLst>
     <p:sldId id="262" r:id="rId2"/>
@@ -45,37 +45,40 @@
     <p:sldId id="321" r:id="rId36"/>
     <p:sldId id="322" r:id="rId37"/>
     <p:sldId id="319" r:id="rId38"/>
-    <p:sldId id="282" r:id="rId39"/>
-    <p:sldId id="283" r:id="rId40"/>
-    <p:sldId id="284" r:id="rId41"/>
-    <p:sldId id="285" r:id="rId42"/>
-    <p:sldId id="286" r:id="rId43"/>
-    <p:sldId id="287" r:id="rId44"/>
-    <p:sldId id="288" r:id="rId45"/>
-    <p:sldId id="289" r:id="rId46"/>
-    <p:sldId id="297" r:id="rId47"/>
-    <p:sldId id="299" r:id="rId48"/>
-    <p:sldId id="310" r:id="rId49"/>
-    <p:sldId id="300" r:id="rId50"/>
-    <p:sldId id="301" r:id="rId51"/>
-    <p:sldId id="302" r:id="rId52"/>
-    <p:sldId id="303" r:id="rId53"/>
-    <p:sldId id="305" r:id="rId54"/>
-    <p:sldId id="304" r:id="rId55"/>
-    <p:sldId id="306" r:id="rId56"/>
-    <p:sldId id="296" r:id="rId57"/>
-    <p:sldId id="295" r:id="rId58"/>
-    <p:sldId id="311" r:id="rId59"/>
-    <p:sldId id="313" r:id="rId60"/>
-    <p:sldId id="314" r:id="rId61"/>
-    <p:sldId id="315" r:id="rId62"/>
-    <p:sldId id="323" r:id="rId63"/>
-    <p:sldId id="324" r:id="rId64"/>
-    <p:sldId id="316" r:id="rId65"/>
-    <p:sldId id="325" r:id="rId66"/>
-    <p:sldId id="326" r:id="rId67"/>
-    <p:sldId id="327" r:id="rId68"/>
-    <p:sldId id="328" r:id="rId69"/>
+    <p:sldId id="329" r:id="rId39"/>
+    <p:sldId id="331" r:id="rId40"/>
+    <p:sldId id="330" r:id="rId41"/>
+    <p:sldId id="282" r:id="rId42"/>
+    <p:sldId id="283" r:id="rId43"/>
+    <p:sldId id="284" r:id="rId44"/>
+    <p:sldId id="285" r:id="rId45"/>
+    <p:sldId id="286" r:id="rId46"/>
+    <p:sldId id="287" r:id="rId47"/>
+    <p:sldId id="288" r:id="rId48"/>
+    <p:sldId id="289" r:id="rId49"/>
+    <p:sldId id="297" r:id="rId50"/>
+    <p:sldId id="299" r:id="rId51"/>
+    <p:sldId id="310" r:id="rId52"/>
+    <p:sldId id="300" r:id="rId53"/>
+    <p:sldId id="301" r:id="rId54"/>
+    <p:sldId id="302" r:id="rId55"/>
+    <p:sldId id="303" r:id="rId56"/>
+    <p:sldId id="305" r:id="rId57"/>
+    <p:sldId id="304" r:id="rId58"/>
+    <p:sldId id="306" r:id="rId59"/>
+    <p:sldId id="296" r:id="rId60"/>
+    <p:sldId id="295" r:id="rId61"/>
+    <p:sldId id="311" r:id="rId62"/>
+    <p:sldId id="313" r:id="rId63"/>
+    <p:sldId id="314" r:id="rId64"/>
+    <p:sldId id="315" r:id="rId65"/>
+    <p:sldId id="323" r:id="rId66"/>
+    <p:sldId id="324" r:id="rId67"/>
+    <p:sldId id="316" r:id="rId68"/>
+    <p:sldId id="325" r:id="rId69"/>
+    <p:sldId id="326" r:id="rId70"/>
+    <p:sldId id="327" r:id="rId71"/>
+    <p:sldId id="328" r:id="rId72"/>
   </p:sldIdLst>
   <p:sldSz cx="12192000" cy="6858000"/>
   <p:notesSz cx="6858000" cy="9144000"/>
@@ -264,7 +267,7 @@
           <a:p>
             <a:fld id="{EECBF3D3-3F3C-4185-B7B9-1B22B8E19755}" type="datetimeFigureOut">
               <a:rPr lang="en-US" smtClean="0"/>
-              <a:t>8/28/2019</a:t>
+              <a:t>8/29/2019</a:t>
             </a:fld>
             <a:endParaRPr lang="en-US"/>
           </a:p>
@@ -680,7 +683,7 @@
           <a:p>
             <a:fld id="{6E084796-162D-476E-82D2-4B26235D4C2C}" type="slidenum">
               <a:rPr lang="en-US" smtClean="0"/>
-              <a:t>52</a:t>
+              <a:t>55</a:t>
             </a:fld>
             <a:endParaRPr lang="en-US"/>
           </a:p>
@@ -1207,7 +1210,7 @@
           <a:p>
             <a:fld id="{C4112ACB-F900-457F-BFCF-7AFE3E0F446C}" type="datetimeFigureOut">
               <a:rPr lang="en-US" smtClean="0"/>
-              <a:t>8/28/2019</a:t>
+              <a:t>8/29/2019</a:t>
             </a:fld>
             <a:endParaRPr lang="en-US"/>
           </a:p>
@@ -2189,7 +2192,7 @@
           <a:p>
             <a:fld id="{C4112ACB-F900-457F-BFCF-7AFE3E0F446C}" type="datetimeFigureOut">
               <a:rPr lang="en-US" smtClean="0"/>
-              <a:t>8/28/2019</a:t>
+              <a:t>8/29/2019</a:t>
             </a:fld>
             <a:endParaRPr lang="en-US"/>
           </a:p>
@@ -3059,7 +3062,7 @@
           <a:p>
             <a:fld id="{C4112ACB-F900-457F-BFCF-7AFE3E0F446C}" type="datetimeFigureOut">
               <a:rPr lang="en-US" smtClean="0"/>
-              <a:t>8/28/2019</a:t>
+              <a:t>8/29/2019</a:t>
             </a:fld>
             <a:endParaRPr lang="en-US"/>
           </a:p>
@@ -4080,7 +4083,7 @@
           <a:p>
             <a:fld id="{C4112ACB-F900-457F-BFCF-7AFE3E0F446C}" type="datetimeFigureOut">
               <a:rPr lang="en-US" smtClean="0"/>
-              <a:t>8/28/2019</a:t>
+              <a:t>8/29/2019</a:t>
             </a:fld>
             <a:endParaRPr lang="en-US"/>
           </a:p>
@@ -5000,7 +5003,7 @@
           <a:p>
             <a:fld id="{C4112ACB-F900-457F-BFCF-7AFE3E0F446C}" type="datetimeFigureOut">
               <a:rPr lang="en-US" smtClean="0"/>
-              <a:t>8/28/2019</a:t>
+              <a:t>8/29/2019</a:t>
             </a:fld>
             <a:endParaRPr lang="en-US"/>
           </a:p>
@@ -5656,7 +5659,7 @@
           <a:p>
             <a:fld id="{C4112ACB-F900-457F-BFCF-7AFE3E0F446C}" type="datetimeFigureOut">
               <a:rPr lang="en-US" smtClean="0"/>
-              <a:t>8/28/2019</a:t>
+              <a:t>8/29/2019</a:t>
             </a:fld>
             <a:endParaRPr lang="en-US"/>
           </a:p>
@@ -6513,7 +6516,7 @@
           <a:p>
             <a:fld id="{C4112ACB-F900-457F-BFCF-7AFE3E0F446C}" type="datetimeFigureOut">
               <a:rPr lang="en-US" smtClean="0"/>
-              <a:t>8/28/2019</a:t>
+              <a:t>8/29/2019</a:t>
             </a:fld>
             <a:endParaRPr lang="en-US"/>
           </a:p>
@@ -6696,7 +6699,7 @@
           <a:p>
             <a:fld id="{C4112ACB-F900-457F-BFCF-7AFE3E0F446C}" type="datetimeFigureOut">
               <a:rPr lang="en-US" smtClean="0"/>
-              <a:t>8/28/2019</a:t>
+              <a:t>8/29/2019</a:t>
             </a:fld>
             <a:endParaRPr lang="en-US"/>
           </a:p>
@@ -7553,7 +7556,7 @@
           <a:p>
             <a:fld id="{C4112ACB-F900-457F-BFCF-7AFE3E0F446C}" type="datetimeFigureOut">
               <a:rPr lang="en-US" smtClean="0"/>
-              <a:t>8/28/2019</a:t>
+              <a:t>8/29/2019</a:t>
             </a:fld>
             <a:endParaRPr lang="en-US"/>
           </a:p>
@@ -7772,7 +7775,7 @@
           <a:p>
             <a:fld id="{C4112ACB-F900-457F-BFCF-7AFE3E0F446C}" type="datetimeFigureOut">
               <a:rPr lang="en-US" smtClean="0"/>
-              <a:t>8/28/2019</a:t>
+              <a:t>8/29/2019</a:t>
             </a:fld>
             <a:endParaRPr lang="en-US"/>
           </a:p>
@@ -8697,7 +8700,7 @@
           <a:p>
             <a:fld id="{C4112ACB-F900-457F-BFCF-7AFE3E0F446C}" type="datetimeFigureOut">
               <a:rPr lang="en-US" smtClean="0"/>
-              <a:t>8/28/2019</a:t>
+              <a:t>8/29/2019</a:t>
             </a:fld>
             <a:endParaRPr lang="en-US"/>
           </a:p>
@@ -8981,7 +8984,7 @@
           <a:p>
             <a:fld id="{C4112ACB-F900-457F-BFCF-7AFE3E0F446C}" type="datetimeFigureOut">
               <a:rPr lang="en-US" smtClean="0"/>
-              <a:t>8/28/2019</a:t>
+              <a:t>8/29/2019</a:t>
             </a:fld>
             <a:endParaRPr lang="en-US"/>
           </a:p>
@@ -9371,7 +9374,7 @@
           <a:p>
             <a:fld id="{C4112ACB-F900-457F-BFCF-7AFE3E0F446C}" type="datetimeFigureOut">
               <a:rPr lang="en-US" smtClean="0"/>
-              <a:t>8/28/2019</a:t>
+              <a:t>8/29/2019</a:t>
             </a:fld>
             <a:endParaRPr lang="en-US"/>
           </a:p>
@@ -9497,7 +9500,7 @@
           <a:p>
             <a:fld id="{C4112ACB-F900-457F-BFCF-7AFE3E0F446C}" type="datetimeFigureOut">
               <a:rPr lang="en-US" smtClean="0"/>
-              <a:t>8/28/2019</a:t>
+              <a:t>8/29/2019</a:t>
             </a:fld>
             <a:endParaRPr lang="en-US"/>
           </a:p>
@@ -9592,7 +9595,7 @@
           <a:p>
             <a:fld id="{C4112ACB-F900-457F-BFCF-7AFE3E0F446C}" type="datetimeFigureOut">
               <a:rPr lang="en-US" smtClean="0"/>
-              <a:t>8/28/2019</a:t>
+              <a:t>8/29/2019</a:t>
             </a:fld>
             <a:endParaRPr lang="en-US"/>
           </a:p>
@@ -10563,7 +10566,7 @@
           <a:p>
             <a:fld id="{C4112ACB-F900-457F-BFCF-7AFE3E0F446C}" type="datetimeFigureOut">
               <a:rPr lang="en-US" smtClean="0"/>
-              <a:t>8/28/2019</a:t>
+              <a:t>8/29/2019</a:t>
             </a:fld>
             <a:endParaRPr lang="en-US"/>
           </a:p>
@@ -11558,7 +11561,7 @@
           <a:p>
             <a:fld id="{C4112ACB-F900-457F-BFCF-7AFE3E0F446C}" type="datetimeFigureOut">
               <a:rPr lang="en-US" smtClean="0"/>
-              <a:t>8/28/2019</a:t>
+              <a:t>8/29/2019</a:t>
             </a:fld>
             <a:endParaRPr lang="en-US"/>
           </a:p>
@@ -12442,7 +12445,7 @@
           <a:p>
             <a:fld id="{C4112ACB-F900-457F-BFCF-7AFE3E0F446C}" type="datetimeFigureOut">
               <a:rPr lang="en-US" smtClean="0"/>
-              <a:t>8/28/2019</a:t>
+              <a:t>8/29/2019</a:t>
             </a:fld>
             <a:endParaRPr lang="en-US"/>
           </a:p>
@@ -18686,10 +18689,10 @@
       </p:grpSpPr>
       <p:sp>
         <p:nvSpPr>
-          <p:cNvPr id="4" name="כותרת 1">
+          <p:cNvPr id="2" name="כותרת 1">
             <a:extLst>
               <a:ext uri="{FF2B5EF4-FFF2-40B4-BE49-F238E27FC236}">
-                <a16:creationId xmlns:a16="http://schemas.microsoft.com/office/drawing/2014/main" id="{9CE63F66-44FD-481E-9FC0-03A70DA8B208}"/>
+                <a16:creationId xmlns:a16="http://schemas.microsoft.com/office/drawing/2014/main" id="{DE777293-170B-4164-A212-000191C56DFE}"/>
               </a:ext>
             </a:extLst>
           </p:cNvPr>
@@ -18700,12 +18703,7 @@
             <p:ph type="title"/>
           </p:nvPr>
         </p:nvSpPr>
-        <p:spPr>
-          <a:xfrm>
-            <a:off x="1154954" y="973669"/>
-            <a:ext cx="8825659" cy="706964"/>
-          </a:xfrm>
-        </p:spPr>
+        <p:spPr/>
         <p:txBody>
           <a:bodyPr/>
           <a:lstStyle/>
@@ -18713,7 +18711,7 @@
             <a:pPr algn="ctr" rtl="1"/>
             <a:r>
               <a:rPr lang="he-IL" dirty="0"/>
-              <a:t>אזור אישי</a:t>
+              <a:t>מסך הוספת פגישה והוספת אילוץ</a:t>
             </a:r>
           </a:p>
         </p:txBody>
@@ -18723,7 +18721,7 @@
           <p:cNvPr id="5" name="תיבת טקסט 4">
             <a:extLst>
               <a:ext uri="{FF2B5EF4-FFF2-40B4-BE49-F238E27FC236}">
-                <a16:creationId xmlns:a16="http://schemas.microsoft.com/office/drawing/2014/main" id="{D36CFA63-7BB9-43CF-8ED1-B5D1EE2F78F6}"/>
+                <a16:creationId xmlns:a16="http://schemas.microsoft.com/office/drawing/2014/main" id="{49C1F48E-4344-478F-B955-03346A467B7E}"/>
               </a:ext>
             </a:extLst>
           </p:cNvPr>
@@ -18732,8 +18730,8 @@
         </p:nvSpPr>
         <p:spPr>
           <a:xfrm>
-            <a:off x="7919696" y="2534088"/>
-            <a:ext cx="4121834" cy="1754326"/>
+            <a:off x="1462310" y="2477527"/>
+            <a:ext cx="9267379" cy="369332"/>
           </a:xfrm>
           <a:prstGeom prst="rect">
             <a:avLst/>
@@ -18746,30 +18744,20 @@
           </a:bodyPr>
           <a:lstStyle/>
           <a:p>
-            <a:pPr marL="285750" indent="-285750" algn="r" rtl="1">
-              <a:buFont typeface="Arial" panose="020B0604020202020204" pitchFamily="34" charset="0"/>
-              <a:buChar char="•"/>
-            </a:pPr>
+            <a:pPr algn="r" rtl="1"/>
             <a:r>
               <a:rPr lang="he-IL" dirty="0"/>
-              <a:t>תחילה, רצינו לשנות את אופן הפריסה של המשבצות במסך כך שהן יעבירו את האינפורמציה הרצויה למשתמש בצורה הטובה ביותר.</a:t>
-            </a:r>
-            <a:br>
-              <a:rPr lang="en-US" dirty="0"/>
-            </a:br>
-            <a:r>
-              <a:rPr lang="he-IL" dirty="0"/>
-              <a:t>הניסיון הראשון היה להעביר אותן לרשימה אחת אחרי השנייה.</a:t>
+              <a:t>את אותם שינויים שעשינו במסך ההתחברות ובמסך ההרשמה הוספנו למסך הוספת פגישה והוספת אילוץ</a:t>
             </a:r>
           </a:p>
         </p:txBody>
       </p:sp>
       <p:pic>
         <p:nvPicPr>
-          <p:cNvPr id="7" name="תמונה 6">
+          <p:cNvPr id="3" name="תמונה 2">
             <a:extLst>
               <a:ext uri="{FF2B5EF4-FFF2-40B4-BE49-F238E27FC236}">
-                <a16:creationId xmlns:a16="http://schemas.microsoft.com/office/drawing/2014/main" id="{CFDF37F6-ABAD-4A8F-9414-5C0E624ADA4B}"/>
+                <a16:creationId xmlns:a16="http://schemas.microsoft.com/office/drawing/2014/main" id="{F74805F7-6C4A-4A1C-A406-9BDF74A7EE20}"/>
               </a:ext>
             </a:extLst>
           </p:cNvPr>
@@ -18786,8 +18774,8 @@
         </p:blipFill>
         <p:spPr>
           <a:xfrm>
-            <a:off x="2638" y="2639504"/>
-            <a:ext cx="7496301" cy="4218495"/>
+            <a:off x="3346188" y="2846858"/>
+            <a:ext cx="4778254" cy="4023793"/>
           </a:xfrm>
           <a:prstGeom prst="rect">
             <a:avLst/>
@@ -18797,7 +18785,7 @@
     </p:spTree>
     <p:extLst>
       <p:ext uri="{BB962C8B-B14F-4D97-AF65-F5344CB8AC3E}">
-        <p14:creationId xmlns:p14="http://schemas.microsoft.com/office/powerpoint/2010/main" val="326088053"/>
+        <p14:creationId xmlns:p14="http://schemas.microsoft.com/office/powerpoint/2010/main" val="2560866086"/>
       </p:ext>
     </p:extLst>
   </p:cSld>
@@ -18826,10 +18814,10 @@
       </p:grpSpPr>
       <p:sp>
         <p:nvSpPr>
-          <p:cNvPr id="7" name="כותרת 1">
+          <p:cNvPr id="2" name="כותרת 1">
             <a:extLst>
               <a:ext uri="{FF2B5EF4-FFF2-40B4-BE49-F238E27FC236}">
-                <a16:creationId xmlns:a16="http://schemas.microsoft.com/office/drawing/2014/main" id="{6662C6A5-8295-439A-895D-B86DC7C49A08}"/>
+                <a16:creationId xmlns:a16="http://schemas.microsoft.com/office/drawing/2014/main" id="{DE777293-170B-4164-A212-000191C56DFE}"/>
               </a:ext>
             </a:extLst>
           </p:cNvPr>
@@ -18840,12 +18828,7 @@
             <p:ph type="title"/>
           </p:nvPr>
         </p:nvSpPr>
-        <p:spPr>
-          <a:xfrm>
-            <a:off x="1154954" y="973669"/>
-            <a:ext cx="8825659" cy="706964"/>
-          </a:xfrm>
-        </p:spPr>
+        <p:spPr/>
         <p:txBody>
           <a:bodyPr/>
           <a:lstStyle/>
@@ -18853,17 +18836,17 @@
             <a:pPr algn="ctr" rtl="1"/>
             <a:r>
               <a:rPr lang="he-IL" dirty="0"/>
-              <a:t>אזור אישי</a:t>
+              <a:t>מסך הוספת פגישה והוספת אילוץ</a:t>
             </a:r>
           </a:p>
         </p:txBody>
       </p:sp>
       <p:sp>
         <p:nvSpPr>
-          <p:cNvPr id="8" name="תיבת טקסט 7">
+          <p:cNvPr id="5" name="תיבת טקסט 4">
             <a:extLst>
               <a:ext uri="{FF2B5EF4-FFF2-40B4-BE49-F238E27FC236}">
-                <a16:creationId xmlns:a16="http://schemas.microsoft.com/office/drawing/2014/main" id="{574778D9-918E-4D7E-9B1A-A7F55F23F17F}"/>
+                <a16:creationId xmlns:a16="http://schemas.microsoft.com/office/drawing/2014/main" id="{49C1F48E-4344-478F-B955-03346A467B7E}"/>
               </a:ext>
             </a:extLst>
           </p:cNvPr>
@@ -18872,8 +18855,8 @@
         </p:nvSpPr>
         <p:spPr>
           <a:xfrm>
-            <a:off x="7919696" y="2534088"/>
-            <a:ext cx="4121834" cy="2031325"/>
+            <a:off x="450166" y="2477527"/>
+            <a:ext cx="11591364" cy="369332"/>
           </a:xfrm>
           <a:prstGeom prst="rect">
             <a:avLst/>
@@ -18886,23 +18869,20 @@
           </a:bodyPr>
           <a:lstStyle/>
           <a:p>
-            <a:pPr marL="285750" indent="-285750" algn="r" rtl="1">
-              <a:buFont typeface="Arial" panose="020B0604020202020204" pitchFamily="34" charset="0"/>
-              <a:buChar char="•"/>
-            </a:pPr>
+            <a:pPr algn="r" rtl="1"/>
             <a:r>
               <a:rPr lang="he-IL" dirty="0"/>
-              <a:t>בניסיון השני, הגדלנו את משבצת הפגישות שלי, המטרה היא לתת לה משקל גדול יותר מהמשבצות האחרות מכיוון שזהו מידע שיכול להיות יותר רלוונטי למשתמש מאשר משבצת המיקומים שלו שבדרך כלל מכילה את אותו המידע כל הזמן.</a:t>
+              <a:t>את אותם שינויים שעשינו במסך ההתחברות ובמסך ההרשמה הוספנו למסך הוספת פגישה והוספת אילוץ</a:t>
             </a:r>
           </a:p>
         </p:txBody>
       </p:sp>
       <p:pic>
         <p:nvPicPr>
-          <p:cNvPr id="2" name="תמונה 1">
+          <p:cNvPr id="3" name="תמונה 2">
             <a:extLst>
               <a:ext uri="{FF2B5EF4-FFF2-40B4-BE49-F238E27FC236}">
-                <a16:creationId xmlns:a16="http://schemas.microsoft.com/office/drawing/2014/main" id="{1D0A558C-F366-4223-9BC4-B052EF278C55}"/>
+                <a16:creationId xmlns:a16="http://schemas.microsoft.com/office/drawing/2014/main" id="{9C4C959D-044E-406B-A4A7-F12197FD45EA}"/>
               </a:ext>
             </a:extLst>
           </p:cNvPr>
@@ -18919,8 +18899,8 @@
         </p:blipFill>
         <p:spPr>
           <a:xfrm>
-            <a:off x="34780" y="2771480"/>
-            <a:ext cx="7223475" cy="4086520"/>
+            <a:off x="3924888" y="2846859"/>
+            <a:ext cx="4038672" cy="3988314"/>
           </a:xfrm>
           <a:prstGeom prst="rect">
             <a:avLst/>
@@ -18930,7 +18910,7 @@
     </p:spTree>
     <p:extLst>
       <p:ext uri="{BB962C8B-B14F-4D97-AF65-F5344CB8AC3E}">
-        <p14:creationId xmlns:p14="http://schemas.microsoft.com/office/powerpoint/2010/main" val="3822788990"/>
+        <p14:creationId xmlns:p14="http://schemas.microsoft.com/office/powerpoint/2010/main" val="3541591789"/>
       </p:ext>
     </p:extLst>
   </p:cSld>
@@ -19161,6 +19141,416 @@
       </p:grpSpPr>
       <p:sp>
         <p:nvSpPr>
+          <p:cNvPr id="2" name="כותרת 1">
+            <a:extLst>
+              <a:ext uri="{FF2B5EF4-FFF2-40B4-BE49-F238E27FC236}">
+                <a16:creationId xmlns:a16="http://schemas.microsoft.com/office/drawing/2014/main" id="{DE777293-170B-4164-A212-000191C56DFE}"/>
+              </a:ext>
+            </a:extLst>
+          </p:cNvPr>
+          <p:cNvSpPr>
+            <a:spLocks noGrp="1"/>
+          </p:cNvSpPr>
+          <p:nvPr>
+            <p:ph type="title"/>
+          </p:nvPr>
+        </p:nvSpPr>
+        <p:spPr/>
+        <p:txBody>
+          <a:bodyPr/>
+          <a:lstStyle/>
+          <a:p>
+            <a:pPr algn="ctr" rtl="1"/>
+            <a:r>
+              <a:rPr lang="he-IL"/>
+              <a:t>מסך </a:t>
+            </a:r>
+            <a:r>
+              <a:rPr lang="he-IL" dirty="0"/>
+              <a:t>הרשמה</a:t>
+            </a:r>
+          </a:p>
+        </p:txBody>
+      </p:sp>
+      <p:sp>
+        <p:nvSpPr>
+          <p:cNvPr id="5" name="תיבת טקסט 4">
+            <a:extLst>
+              <a:ext uri="{FF2B5EF4-FFF2-40B4-BE49-F238E27FC236}">
+                <a16:creationId xmlns:a16="http://schemas.microsoft.com/office/drawing/2014/main" id="{49C1F48E-4344-478F-B955-03346A467B7E}"/>
+              </a:ext>
+            </a:extLst>
+          </p:cNvPr>
+          <p:cNvSpPr txBox="1"/>
+          <p:nvPr/>
+        </p:nvSpPr>
+        <p:spPr>
+          <a:xfrm>
+            <a:off x="7919696" y="2477527"/>
+            <a:ext cx="4121834" cy="923330"/>
+          </a:xfrm>
+          <a:prstGeom prst="rect">
+            <a:avLst/>
+          </a:prstGeom>
+          <a:noFill/>
+        </p:spPr>
+        <p:txBody>
+          <a:bodyPr wrap="square" rtlCol="1">
+            <a:spAutoFit/>
+          </a:bodyPr>
+          <a:lstStyle/>
+          <a:p>
+            <a:pPr marL="285750" indent="-285750" algn="r" rtl="1">
+              <a:buFont typeface="Arial" panose="020B0604020202020204" pitchFamily="34" charset="0"/>
+              <a:buChar char="•"/>
+            </a:pPr>
+            <a:r>
+              <a:rPr lang="he-IL" dirty="0"/>
+              <a:t>כאשר אחד או יותר מהשדות חובה ריקות לא נאפשר ללחוץ על כפתור ה"הירשם" – </a:t>
+            </a:r>
+            <a:r>
+              <a:rPr lang="he-IL" b="1" dirty="0"/>
+              <a:t>מניעת טעויות.</a:t>
+            </a:r>
+            <a:endParaRPr lang="he-IL" dirty="0"/>
+          </a:p>
+        </p:txBody>
+      </p:sp>
+      <p:pic>
+        <p:nvPicPr>
+          <p:cNvPr id="4" name="תמונה 3">
+            <a:extLst>
+              <a:ext uri="{FF2B5EF4-FFF2-40B4-BE49-F238E27FC236}">
+                <a16:creationId xmlns:a16="http://schemas.microsoft.com/office/drawing/2014/main" id="{407C7C72-7DE0-4C9C-963E-8C4B6AD52CAF}"/>
+              </a:ext>
+            </a:extLst>
+          </p:cNvPr>
+          <p:cNvPicPr>
+            <a:picLocks noChangeAspect="1"/>
+          </p:cNvPicPr>
+          <p:nvPr/>
+        </p:nvPicPr>
+        <p:blipFill>
+          <a:blip r:embed="rId2"/>
+          <a:stretch>
+            <a:fillRect/>
+          </a:stretch>
+        </p:blipFill>
+        <p:spPr>
+          <a:xfrm>
+            <a:off x="0" y="2477527"/>
+            <a:ext cx="7790531" cy="4380473"/>
+          </a:xfrm>
+          <a:prstGeom prst="rect">
+            <a:avLst/>
+          </a:prstGeom>
+        </p:spPr>
+      </p:pic>
+    </p:spTree>
+    <p:extLst>
+      <p:ext uri="{BB962C8B-B14F-4D97-AF65-F5344CB8AC3E}">
+        <p14:creationId xmlns:p14="http://schemas.microsoft.com/office/powerpoint/2010/main" val="1150286925"/>
+      </p:ext>
+    </p:extLst>
+  </p:cSld>
+  <p:clrMapOvr>
+    <a:masterClrMapping/>
+  </p:clrMapOvr>
+</p:sld>
+</file>
+
+<file path=ppt/slides/slide41.xml><?xml version="1.0" encoding="utf-8"?>
+<p:sld xmlns:a="http://schemas.openxmlformats.org/drawingml/2006/main" xmlns:r="http://schemas.openxmlformats.org/officeDocument/2006/relationships" xmlns:p="http://schemas.openxmlformats.org/presentationml/2006/main">
+  <p:cSld>
+    <p:spTree>
+      <p:nvGrpSpPr>
+        <p:cNvPr id="1" name=""/>
+        <p:cNvGrpSpPr/>
+        <p:nvPr/>
+      </p:nvGrpSpPr>
+      <p:grpSpPr>
+        <a:xfrm>
+          <a:off x="0" y="0"/>
+          <a:ext cx="0" cy="0"/>
+          <a:chOff x="0" y="0"/>
+          <a:chExt cx="0" cy="0"/>
+        </a:xfrm>
+      </p:grpSpPr>
+      <p:sp>
+        <p:nvSpPr>
+          <p:cNvPr id="4" name="כותרת 1">
+            <a:extLst>
+              <a:ext uri="{FF2B5EF4-FFF2-40B4-BE49-F238E27FC236}">
+                <a16:creationId xmlns:a16="http://schemas.microsoft.com/office/drawing/2014/main" id="{9CE63F66-44FD-481E-9FC0-03A70DA8B208}"/>
+              </a:ext>
+            </a:extLst>
+          </p:cNvPr>
+          <p:cNvSpPr>
+            <a:spLocks noGrp="1"/>
+          </p:cNvSpPr>
+          <p:nvPr>
+            <p:ph type="title"/>
+          </p:nvPr>
+        </p:nvSpPr>
+        <p:spPr>
+          <a:xfrm>
+            <a:off x="1154954" y="973669"/>
+            <a:ext cx="8825659" cy="706964"/>
+          </a:xfrm>
+        </p:spPr>
+        <p:txBody>
+          <a:bodyPr/>
+          <a:lstStyle/>
+          <a:p>
+            <a:pPr algn="ctr" rtl="1"/>
+            <a:r>
+              <a:rPr lang="he-IL" dirty="0"/>
+              <a:t>אזור אישי</a:t>
+            </a:r>
+          </a:p>
+        </p:txBody>
+      </p:sp>
+      <p:sp>
+        <p:nvSpPr>
+          <p:cNvPr id="5" name="תיבת טקסט 4">
+            <a:extLst>
+              <a:ext uri="{FF2B5EF4-FFF2-40B4-BE49-F238E27FC236}">
+                <a16:creationId xmlns:a16="http://schemas.microsoft.com/office/drawing/2014/main" id="{D36CFA63-7BB9-43CF-8ED1-B5D1EE2F78F6}"/>
+              </a:ext>
+            </a:extLst>
+          </p:cNvPr>
+          <p:cNvSpPr txBox="1"/>
+          <p:nvPr/>
+        </p:nvSpPr>
+        <p:spPr>
+          <a:xfrm>
+            <a:off x="7919696" y="2534088"/>
+            <a:ext cx="4121834" cy="1754326"/>
+          </a:xfrm>
+          <a:prstGeom prst="rect">
+            <a:avLst/>
+          </a:prstGeom>
+          <a:noFill/>
+        </p:spPr>
+        <p:txBody>
+          <a:bodyPr wrap="square" rtlCol="1">
+            <a:spAutoFit/>
+          </a:bodyPr>
+          <a:lstStyle/>
+          <a:p>
+            <a:pPr marL="285750" indent="-285750" algn="r" rtl="1">
+              <a:buFont typeface="Arial" panose="020B0604020202020204" pitchFamily="34" charset="0"/>
+              <a:buChar char="•"/>
+            </a:pPr>
+            <a:r>
+              <a:rPr lang="he-IL" dirty="0"/>
+              <a:t>תחילה, רצינו לשנות את אופן הפריסה של המשבצות במסך כך שהן יעבירו את האינפורמציה הרצויה למשתמש בצורה הטובה ביותר.</a:t>
+            </a:r>
+            <a:br>
+              <a:rPr lang="en-US" dirty="0"/>
+            </a:br>
+            <a:r>
+              <a:rPr lang="he-IL" dirty="0"/>
+              <a:t>הניסיון הראשון היה להעביר אותן לרשימה אחת אחרי השנייה.</a:t>
+            </a:r>
+          </a:p>
+        </p:txBody>
+      </p:sp>
+      <p:pic>
+        <p:nvPicPr>
+          <p:cNvPr id="7" name="תמונה 6">
+            <a:extLst>
+              <a:ext uri="{FF2B5EF4-FFF2-40B4-BE49-F238E27FC236}">
+                <a16:creationId xmlns:a16="http://schemas.microsoft.com/office/drawing/2014/main" id="{CFDF37F6-ABAD-4A8F-9414-5C0E624ADA4B}"/>
+              </a:ext>
+            </a:extLst>
+          </p:cNvPr>
+          <p:cNvPicPr>
+            <a:picLocks noChangeAspect="1"/>
+          </p:cNvPicPr>
+          <p:nvPr/>
+        </p:nvPicPr>
+        <p:blipFill>
+          <a:blip r:embed="rId2"/>
+          <a:stretch>
+            <a:fillRect/>
+          </a:stretch>
+        </p:blipFill>
+        <p:spPr>
+          <a:xfrm>
+            <a:off x="2638" y="2639504"/>
+            <a:ext cx="7496301" cy="4218495"/>
+          </a:xfrm>
+          <a:prstGeom prst="rect">
+            <a:avLst/>
+          </a:prstGeom>
+        </p:spPr>
+      </p:pic>
+    </p:spTree>
+    <p:extLst>
+      <p:ext uri="{BB962C8B-B14F-4D97-AF65-F5344CB8AC3E}">
+        <p14:creationId xmlns:p14="http://schemas.microsoft.com/office/powerpoint/2010/main" val="326088053"/>
+      </p:ext>
+    </p:extLst>
+  </p:cSld>
+  <p:clrMapOvr>
+    <a:masterClrMapping/>
+  </p:clrMapOvr>
+</p:sld>
+</file>
+
+<file path=ppt/slides/slide42.xml><?xml version="1.0" encoding="utf-8"?>
+<p:sld xmlns:a="http://schemas.openxmlformats.org/drawingml/2006/main" xmlns:r="http://schemas.openxmlformats.org/officeDocument/2006/relationships" xmlns:p="http://schemas.openxmlformats.org/presentationml/2006/main">
+  <p:cSld>
+    <p:spTree>
+      <p:nvGrpSpPr>
+        <p:cNvPr id="1" name=""/>
+        <p:cNvGrpSpPr/>
+        <p:nvPr/>
+      </p:nvGrpSpPr>
+      <p:grpSpPr>
+        <a:xfrm>
+          <a:off x="0" y="0"/>
+          <a:ext cx="0" cy="0"/>
+          <a:chOff x="0" y="0"/>
+          <a:chExt cx="0" cy="0"/>
+        </a:xfrm>
+      </p:grpSpPr>
+      <p:sp>
+        <p:nvSpPr>
+          <p:cNvPr id="7" name="כותרת 1">
+            <a:extLst>
+              <a:ext uri="{FF2B5EF4-FFF2-40B4-BE49-F238E27FC236}">
+                <a16:creationId xmlns:a16="http://schemas.microsoft.com/office/drawing/2014/main" id="{6662C6A5-8295-439A-895D-B86DC7C49A08}"/>
+              </a:ext>
+            </a:extLst>
+          </p:cNvPr>
+          <p:cNvSpPr>
+            <a:spLocks noGrp="1"/>
+          </p:cNvSpPr>
+          <p:nvPr>
+            <p:ph type="title"/>
+          </p:nvPr>
+        </p:nvSpPr>
+        <p:spPr>
+          <a:xfrm>
+            <a:off x="1154954" y="973669"/>
+            <a:ext cx="8825659" cy="706964"/>
+          </a:xfrm>
+        </p:spPr>
+        <p:txBody>
+          <a:bodyPr/>
+          <a:lstStyle/>
+          <a:p>
+            <a:pPr algn="ctr" rtl="1"/>
+            <a:r>
+              <a:rPr lang="he-IL" dirty="0"/>
+              <a:t>אזור אישי</a:t>
+            </a:r>
+          </a:p>
+        </p:txBody>
+      </p:sp>
+      <p:sp>
+        <p:nvSpPr>
+          <p:cNvPr id="8" name="תיבת טקסט 7">
+            <a:extLst>
+              <a:ext uri="{FF2B5EF4-FFF2-40B4-BE49-F238E27FC236}">
+                <a16:creationId xmlns:a16="http://schemas.microsoft.com/office/drawing/2014/main" id="{574778D9-918E-4D7E-9B1A-A7F55F23F17F}"/>
+              </a:ext>
+            </a:extLst>
+          </p:cNvPr>
+          <p:cNvSpPr txBox="1"/>
+          <p:nvPr/>
+        </p:nvSpPr>
+        <p:spPr>
+          <a:xfrm>
+            <a:off x="7919696" y="2534088"/>
+            <a:ext cx="4121834" cy="2031325"/>
+          </a:xfrm>
+          <a:prstGeom prst="rect">
+            <a:avLst/>
+          </a:prstGeom>
+          <a:noFill/>
+        </p:spPr>
+        <p:txBody>
+          <a:bodyPr wrap="square" rtlCol="1">
+            <a:spAutoFit/>
+          </a:bodyPr>
+          <a:lstStyle/>
+          <a:p>
+            <a:pPr marL="285750" indent="-285750" algn="r" rtl="1">
+              <a:buFont typeface="Arial" panose="020B0604020202020204" pitchFamily="34" charset="0"/>
+              <a:buChar char="•"/>
+            </a:pPr>
+            <a:r>
+              <a:rPr lang="he-IL" dirty="0"/>
+              <a:t>בניסיון השני, הגדלנו את משבצת הפגישות שלי, המטרה היא לתת לה משקל גדול יותר מהמשבצות האחרות מכיוון שזהו מידע שיכול להיות יותר רלוונטי למשתמש מאשר משבצת המיקומים שלו שבדרך כלל מכילה את אותו המידע כל הזמן.</a:t>
+            </a:r>
+          </a:p>
+        </p:txBody>
+      </p:sp>
+      <p:pic>
+        <p:nvPicPr>
+          <p:cNvPr id="2" name="תמונה 1">
+            <a:extLst>
+              <a:ext uri="{FF2B5EF4-FFF2-40B4-BE49-F238E27FC236}">
+                <a16:creationId xmlns:a16="http://schemas.microsoft.com/office/drawing/2014/main" id="{1D0A558C-F366-4223-9BC4-B052EF278C55}"/>
+              </a:ext>
+            </a:extLst>
+          </p:cNvPr>
+          <p:cNvPicPr>
+            <a:picLocks noChangeAspect="1"/>
+          </p:cNvPicPr>
+          <p:nvPr/>
+        </p:nvPicPr>
+        <p:blipFill>
+          <a:blip r:embed="rId2"/>
+          <a:stretch>
+            <a:fillRect/>
+          </a:stretch>
+        </p:blipFill>
+        <p:spPr>
+          <a:xfrm>
+            <a:off x="34780" y="2771480"/>
+            <a:ext cx="7223475" cy="4086520"/>
+          </a:xfrm>
+          <a:prstGeom prst="rect">
+            <a:avLst/>
+          </a:prstGeom>
+        </p:spPr>
+      </p:pic>
+    </p:spTree>
+    <p:extLst>
+      <p:ext uri="{BB962C8B-B14F-4D97-AF65-F5344CB8AC3E}">
+        <p14:creationId xmlns:p14="http://schemas.microsoft.com/office/powerpoint/2010/main" val="3822788990"/>
+      </p:ext>
+    </p:extLst>
+  </p:cSld>
+  <p:clrMapOvr>
+    <a:masterClrMapping/>
+  </p:clrMapOvr>
+</p:sld>
+</file>
+
+<file path=ppt/slides/slide43.xml><?xml version="1.0" encoding="utf-8"?>
+<p:sld xmlns:a="http://schemas.openxmlformats.org/drawingml/2006/main" xmlns:r="http://schemas.openxmlformats.org/officeDocument/2006/relationships" xmlns:p="http://schemas.openxmlformats.org/presentationml/2006/main">
+  <p:cSld>
+    <p:spTree>
+      <p:nvGrpSpPr>
+        <p:cNvPr id="1" name=""/>
+        <p:cNvGrpSpPr/>
+        <p:nvPr/>
+      </p:nvGrpSpPr>
+      <p:grpSpPr>
+        <a:xfrm>
+          <a:off x="0" y="0"/>
+          <a:ext cx="0" cy="0"/>
+          <a:chOff x="0" y="0"/>
+          <a:chExt cx="0" cy="0"/>
+        </a:xfrm>
+      </p:grpSpPr>
+      <p:sp>
+        <p:nvSpPr>
           <p:cNvPr id="4" name="כותרת 1">
             <a:extLst>
               <a:ext uri="{FF2B5EF4-FFF2-40B4-BE49-F238E27FC236}">
@@ -19289,7 +19679,7 @@
 </p:sld>
 </file>
 
-<file path=ppt/slides/slide41.xml><?xml version="1.0" encoding="utf-8"?>
+<file path=ppt/slides/slide44.xml><?xml version="1.0" encoding="utf-8"?>
 <p:sld xmlns:a="http://schemas.openxmlformats.org/drawingml/2006/main" xmlns:r="http://schemas.openxmlformats.org/officeDocument/2006/relationships" xmlns:p="http://schemas.openxmlformats.org/presentationml/2006/main">
   <p:cSld>
     <p:spTree>
@@ -19480,7 +19870,7 @@
 </p:sld>
 </file>
 
-<file path=ppt/slides/slide42.xml><?xml version="1.0" encoding="utf-8"?>
+<file path=ppt/slides/slide45.xml><?xml version="1.0" encoding="utf-8"?>
 <p:sld xmlns:a="http://schemas.openxmlformats.org/drawingml/2006/main" xmlns:r="http://schemas.openxmlformats.org/officeDocument/2006/relationships" xmlns:p="http://schemas.openxmlformats.org/presentationml/2006/main">
   <p:cSld>
     <p:spTree>
@@ -19680,7 +20070,7 @@
 </p:sld>
 </file>
 
-<file path=ppt/slides/slide43.xml><?xml version="1.0" encoding="utf-8"?>
+<file path=ppt/slides/slide46.xml><?xml version="1.0" encoding="utf-8"?>
 <p:sld xmlns:a="http://schemas.openxmlformats.org/drawingml/2006/main" xmlns:r="http://schemas.openxmlformats.org/officeDocument/2006/relationships" xmlns:p="http://schemas.openxmlformats.org/presentationml/2006/main">
   <p:cSld>
     <p:spTree>
@@ -19858,7 +20248,7 @@
 </p:sld>
 </file>
 
-<file path=ppt/slides/slide44.xml><?xml version="1.0" encoding="utf-8"?>
+<file path=ppt/slides/slide47.xml><?xml version="1.0" encoding="utf-8"?>
 <p:sld xmlns:a="http://schemas.openxmlformats.org/drawingml/2006/main" xmlns:r="http://schemas.openxmlformats.org/officeDocument/2006/relationships" xmlns:p="http://schemas.openxmlformats.org/presentationml/2006/main">
   <p:cSld>
     <p:spTree>
@@ -20078,7 +20468,7 @@
 </p:sld>
 </file>
 
-<file path=ppt/slides/slide45.xml><?xml version="1.0" encoding="utf-8"?>
+<file path=ppt/slides/slide48.xml><?xml version="1.0" encoding="utf-8"?>
 <p:sld xmlns:a="http://schemas.openxmlformats.org/drawingml/2006/main" xmlns:r="http://schemas.openxmlformats.org/officeDocument/2006/relationships" xmlns:p="http://schemas.openxmlformats.org/presentationml/2006/main">
   <p:cSld>
     <p:spTree>
@@ -20240,7 +20630,7 @@
 </p:sld>
 </file>
 
-<file path=ppt/slides/slide46.xml><?xml version="1.0" encoding="utf-8"?>
+<file path=ppt/slides/slide49.xml><?xml version="1.0" encoding="utf-8"?>
 <p:sld xmlns:a="http://schemas.openxmlformats.org/drawingml/2006/main" xmlns:r="http://schemas.openxmlformats.org/officeDocument/2006/relationships" xmlns:p="http://schemas.openxmlformats.org/presentationml/2006/main">
   <p:cSld>
     <p:spTree>
@@ -20697,7 +21087,208 @@
 </p:sld>
 </file>
 
-<file path=ppt/slides/slide47.xml><?xml version="1.0" encoding="utf-8"?>
+<file path=ppt/slides/slide5.xml><?xml version="1.0" encoding="utf-8"?>
+<p:sld xmlns:a="http://schemas.openxmlformats.org/drawingml/2006/main" xmlns:r="http://schemas.openxmlformats.org/officeDocument/2006/relationships" xmlns:p="http://schemas.openxmlformats.org/presentationml/2006/main">
+  <p:cSld>
+    <p:spTree>
+      <p:nvGrpSpPr>
+        <p:cNvPr id="1" name=""/>
+        <p:cNvGrpSpPr/>
+        <p:nvPr/>
+      </p:nvGrpSpPr>
+      <p:grpSpPr>
+        <a:xfrm>
+          <a:off x="0" y="0"/>
+          <a:ext cx="0" cy="0"/>
+          <a:chOff x="0" y="0"/>
+          <a:chExt cx="0" cy="0"/>
+        </a:xfrm>
+      </p:grpSpPr>
+      <p:sp>
+        <p:nvSpPr>
+          <p:cNvPr id="2" name="כותרת 1">
+            <a:extLst>
+              <a:ext uri="{FF2B5EF4-FFF2-40B4-BE49-F238E27FC236}">
+                <a16:creationId xmlns:a16="http://schemas.microsoft.com/office/drawing/2014/main" id="{92A500EE-F6C5-4C79-92F1-D2FDEE8174A4}"/>
+              </a:ext>
+            </a:extLst>
+          </p:cNvPr>
+          <p:cNvSpPr>
+            <a:spLocks noGrp="1"/>
+          </p:cNvSpPr>
+          <p:nvPr>
+            <p:ph type="title"/>
+          </p:nvPr>
+        </p:nvSpPr>
+        <p:spPr/>
+        <p:txBody>
+          <a:bodyPr/>
+          <a:lstStyle/>
+          <a:p>
+            <a:pPr algn="ctr"/>
+            <a:r>
+              <a:rPr lang="he-IL" dirty="0"/>
+              <a:t>מסך התחברות</a:t>
+            </a:r>
+          </a:p>
+        </p:txBody>
+      </p:sp>
+      <p:pic>
+        <p:nvPicPr>
+          <p:cNvPr id="16" name="תמונה 15">
+            <a:extLst>
+              <a:ext uri="{FF2B5EF4-FFF2-40B4-BE49-F238E27FC236}">
+                <a16:creationId xmlns:a16="http://schemas.microsoft.com/office/drawing/2014/main" id="{4FD9B8E5-98A3-4C79-8EC6-1523FF6B0199}"/>
+              </a:ext>
+            </a:extLst>
+          </p:cNvPr>
+          <p:cNvPicPr>
+            <a:picLocks noChangeAspect="1"/>
+          </p:cNvPicPr>
+          <p:nvPr/>
+        </p:nvPicPr>
+        <p:blipFill>
+          <a:blip r:embed="rId2"/>
+          <a:stretch>
+            <a:fillRect/>
+          </a:stretch>
+        </p:blipFill>
+        <p:spPr>
+          <a:xfrm>
+            <a:off x="531944" y="2813539"/>
+            <a:ext cx="6851533" cy="3844516"/>
+          </a:xfrm>
+          <a:prstGeom prst="rect">
+            <a:avLst/>
+          </a:prstGeom>
+        </p:spPr>
+      </p:pic>
+      <p:sp>
+        <p:nvSpPr>
+          <p:cNvPr id="17" name="תיבת טקסט 16">
+            <a:extLst>
+              <a:ext uri="{FF2B5EF4-FFF2-40B4-BE49-F238E27FC236}">
+                <a16:creationId xmlns:a16="http://schemas.microsoft.com/office/drawing/2014/main" id="{2F642565-7D83-416E-A7D1-4FA3B48B83E1}"/>
+              </a:ext>
+            </a:extLst>
+          </p:cNvPr>
+          <p:cNvSpPr txBox="1"/>
+          <p:nvPr/>
+        </p:nvSpPr>
+        <p:spPr>
+          <a:xfrm>
+            <a:off x="7540282" y="2610683"/>
+            <a:ext cx="4487594" cy="3693319"/>
+          </a:xfrm>
+          <a:prstGeom prst="rect">
+            <a:avLst/>
+          </a:prstGeom>
+          <a:noFill/>
+        </p:spPr>
+        <p:txBody>
+          <a:bodyPr wrap="square" rtlCol="1">
+            <a:spAutoFit/>
+          </a:bodyPr>
+          <a:lstStyle/>
+          <a:p>
+            <a:pPr marL="285750" indent="-285750" algn="r" rtl="1">
+              <a:buFont typeface="Arial" panose="020B0604020202020204" pitchFamily="34" charset="0"/>
+              <a:buChar char="•"/>
+            </a:pPr>
+            <a:r>
+              <a:rPr lang="he-IL" dirty="0"/>
+              <a:t>כפתור ההתחברות וההרשמה דומים ויכולים לגרום לבלבול בזמן ההתחברות.</a:t>
+            </a:r>
+          </a:p>
+          <a:p>
+            <a:pPr marL="285750" indent="-285750" algn="r" rtl="1">
+              <a:buFont typeface="Arial" panose="020B0604020202020204" pitchFamily="34" charset="0"/>
+              <a:buChar char="•"/>
+            </a:pPr>
+            <a:r>
+              <a:rPr lang="he-IL" dirty="0"/>
+              <a:t>אין אפשרות לשחזור סיסמת המשתמש – </a:t>
+            </a:r>
+            <a:r>
+              <a:rPr lang="he-IL" b="1" dirty="0"/>
+              <a:t>שליטת משתמש וחופש פעולה.</a:t>
+            </a:r>
+            <a:endParaRPr lang="he-IL" dirty="0"/>
+          </a:p>
+          <a:p>
+            <a:pPr marL="285750" indent="-285750" algn="r" rtl="1">
+              <a:buFont typeface="Arial" panose="020B0604020202020204" pitchFamily="34" charset="0"/>
+              <a:buChar char="•"/>
+            </a:pPr>
+            <a:r>
+              <a:rPr lang="he-IL" dirty="0"/>
+              <a:t>אין חיווי המראה למשתמש היכן הוא ממלא את פרטיו – </a:t>
+            </a:r>
+            <a:r>
+              <a:rPr lang="he-IL" b="1" dirty="0"/>
+              <a:t>חיווי מצב המערכת.</a:t>
+            </a:r>
+            <a:endParaRPr lang="he-IL" dirty="0"/>
+          </a:p>
+          <a:p>
+            <a:pPr marL="285750" indent="-285750" algn="r" rtl="1">
+              <a:buFont typeface="Arial" panose="020B0604020202020204" pitchFamily="34" charset="0"/>
+              <a:buChar char="•"/>
+            </a:pPr>
+            <a:r>
+              <a:rPr lang="he-IL" dirty="0"/>
+              <a:t>אין סמלים\אייקונים שמאפיינים את שדות הקלט – </a:t>
+            </a:r>
+            <a:r>
+              <a:rPr lang="he-IL" b="1" dirty="0"/>
+              <a:t>זיהוי ולא זיכרון.</a:t>
+            </a:r>
+          </a:p>
+          <a:p>
+            <a:pPr marL="285750" indent="-285750" algn="r" rtl="1">
+              <a:buFont typeface="Arial" panose="020B0604020202020204" pitchFamily="34" charset="0"/>
+              <a:buChar char="•"/>
+            </a:pPr>
+            <a:r>
+              <a:rPr lang="he-IL" dirty="0"/>
+              <a:t>על המשתמש ללחוץ על כל שדה קלט עם העכבר על מנת להכניס את הפרטים – </a:t>
+            </a:r>
+            <a:r>
+              <a:rPr lang="he-IL" b="1" dirty="0"/>
+              <a:t>גמישות ויעילות שימוש.</a:t>
+            </a:r>
+          </a:p>
+          <a:p>
+            <a:pPr marL="285750" indent="-285750" algn="r" rtl="1">
+              <a:buFont typeface="Arial" panose="020B0604020202020204" pitchFamily="34" charset="0"/>
+              <a:buChar char="•"/>
+            </a:pPr>
+            <a:r>
+              <a:rPr lang="he-IL" dirty="0"/>
+              <a:t>אין אפשרות "זכור אותי" – </a:t>
+            </a:r>
+            <a:r>
+              <a:rPr lang="he-IL" b="1" dirty="0"/>
+              <a:t>גמישות ויעילות שימוש.</a:t>
+            </a:r>
+            <a:endParaRPr lang="he-IL" dirty="0"/>
+          </a:p>
+        </p:txBody>
+      </p:sp>
+    </p:spTree>
+    <p:extLst>
+      <p:ext uri="{BB962C8B-B14F-4D97-AF65-F5344CB8AC3E}">
+        <p14:creationId xmlns:p14="http://schemas.microsoft.com/office/powerpoint/2010/main" val="2576447696"/>
+      </p:ext>
+    </p:extLst>
+  </p:cSld>
+  <p:clrMapOvr>
+    <a:masterClrMapping/>
+  </p:clrMapOvr>
+</p:sld>
+</file>
+
+<file path=ppt/slides/slide50.xml><?xml version="1.0" encoding="utf-8"?>
 <p:sld xmlns:a="http://schemas.openxmlformats.org/drawingml/2006/main" xmlns:r="http://schemas.openxmlformats.org/officeDocument/2006/relationships" xmlns:p="http://schemas.openxmlformats.org/presentationml/2006/main">
   <p:cSld>
     <p:spTree>
@@ -21294,7 +21885,7 @@
 </p:sld>
 </file>
 
-<file path=ppt/slides/slide48.xml><?xml version="1.0" encoding="utf-8"?>
+<file path=ppt/slides/slide51.xml><?xml version="1.0" encoding="utf-8"?>
 <p:sld xmlns:a="http://schemas.openxmlformats.org/drawingml/2006/main" xmlns:r="http://schemas.openxmlformats.org/officeDocument/2006/relationships" xmlns:p="http://schemas.openxmlformats.org/presentationml/2006/main">
   <p:cSld>
     <p:spTree>
@@ -21833,7 +22424,7 @@
 </p:sld>
 </file>
 
-<file path=ppt/slides/slide49.xml><?xml version="1.0" encoding="utf-8"?>
+<file path=ppt/slides/slide52.xml><?xml version="1.0" encoding="utf-8"?>
 <p:sld xmlns:a="http://schemas.openxmlformats.org/drawingml/2006/main" xmlns:r="http://schemas.openxmlformats.org/officeDocument/2006/relationships" xmlns:p="http://schemas.openxmlformats.org/presentationml/2006/main">
   <p:cSld>
     <p:spTree>
@@ -22372,208 +22963,7 @@
 </p:sld>
 </file>
 
-<file path=ppt/slides/slide5.xml><?xml version="1.0" encoding="utf-8"?>
-<p:sld xmlns:a="http://schemas.openxmlformats.org/drawingml/2006/main" xmlns:r="http://schemas.openxmlformats.org/officeDocument/2006/relationships" xmlns:p="http://schemas.openxmlformats.org/presentationml/2006/main">
-  <p:cSld>
-    <p:spTree>
-      <p:nvGrpSpPr>
-        <p:cNvPr id="1" name=""/>
-        <p:cNvGrpSpPr/>
-        <p:nvPr/>
-      </p:nvGrpSpPr>
-      <p:grpSpPr>
-        <a:xfrm>
-          <a:off x="0" y="0"/>
-          <a:ext cx="0" cy="0"/>
-          <a:chOff x="0" y="0"/>
-          <a:chExt cx="0" cy="0"/>
-        </a:xfrm>
-      </p:grpSpPr>
-      <p:sp>
-        <p:nvSpPr>
-          <p:cNvPr id="2" name="כותרת 1">
-            <a:extLst>
-              <a:ext uri="{FF2B5EF4-FFF2-40B4-BE49-F238E27FC236}">
-                <a16:creationId xmlns:a16="http://schemas.microsoft.com/office/drawing/2014/main" id="{92A500EE-F6C5-4C79-92F1-D2FDEE8174A4}"/>
-              </a:ext>
-            </a:extLst>
-          </p:cNvPr>
-          <p:cNvSpPr>
-            <a:spLocks noGrp="1"/>
-          </p:cNvSpPr>
-          <p:nvPr>
-            <p:ph type="title"/>
-          </p:nvPr>
-        </p:nvSpPr>
-        <p:spPr/>
-        <p:txBody>
-          <a:bodyPr/>
-          <a:lstStyle/>
-          <a:p>
-            <a:pPr algn="ctr"/>
-            <a:r>
-              <a:rPr lang="he-IL" dirty="0"/>
-              <a:t>מסך התחברות</a:t>
-            </a:r>
-          </a:p>
-        </p:txBody>
-      </p:sp>
-      <p:pic>
-        <p:nvPicPr>
-          <p:cNvPr id="16" name="תמונה 15">
-            <a:extLst>
-              <a:ext uri="{FF2B5EF4-FFF2-40B4-BE49-F238E27FC236}">
-                <a16:creationId xmlns:a16="http://schemas.microsoft.com/office/drawing/2014/main" id="{4FD9B8E5-98A3-4C79-8EC6-1523FF6B0199}"/>
-              </a:ext>
-            </a:extLst>
-          </p:cNvPr>
-          <p:cNvPicPr>
-            <a:picLocks noChangeAspect="1"/>
-          </p:cNvPicPr>
-          <p:nvPr/>
-        </p:nvPicPr>
-        <p:blipFill>
-          <a:blip r:embed="rId2"/>
-          <a:stretch>
-            <a:fillRect/>
-          </a:stretch>
-        </p:blipFill>
-        <p:spPr>
-          <a:xfrm>
-            <a:off x="531944" y="2813539"/>
-            <a:ext cx="6851533" cy="3844516"/>
-          </a:xfrm>
-          <a:prstGeom prst="rect">
-            <a:avLst/>
-          </a:prstGeom>
-        </p:spPr>
-      </p:pic>
-      <p:sp>
-        <p:nvSpPr>
-          <p:cNvPr id="17" name="תיבת טקסט 16">
-            <a:extLst>
-              <a:ext uri="{FF2B5EF4-FFF2-40B4-BE49-F238E27FC236}">
-                <a16:creationId xmlns:a16="http://schemas.microsoft.com/office/drawing/2014/main" id="{2F642565-7D83-416E-A7D1-4FA3B48B83E1}"/>
-              </a:ext>
-            </a:extLst>
-          </p:cNvPr>
-          <p:cNvSpPr txBox="1"/>
-          <p:nvPr/>
-        </p:nvSpPr>
-        <p:spPr>
-          <a:xfrm>
-            <a:off x="7540282" y="2610683"/>
-            <a:ext cx="4487594" cy="3693319"/>
-          </a:xfrm>
-          <a:prstGeom prst="rect">
-            <a:avLst/>
-          </a:prstGeom>
-          <a:noFill/>
-        </p:spPr>
-        <p:txBody>
-          <a:bodyPr wrap="square" rtlCol="1">
-            <a:spAutoFit/>
-          </a:bodyPr>
-          <a:lstStyle/>
-          <a:p>
-            <a:pPr marL="285750" indent="-285750" algn="r" rtl="1">
-              <a:buFont typeface="Arial" panose="020B0604020202020204" pitchFamily="34" charset="0"/>
-              <a:buChar char="•"/>
-            </a:pPr>
-            <a:r>
-              <a:rPr lang="he-IL" dirty="0"/>
-              <a:t>כפתור ההתחברות וההרשמה דומים ויכולים לגרום לבלבול בזמן ההתחברות.</a:t>
-            </a:r>
-          </a:p>
-          <a:p>
-            <a:pPr marL="285750" indent="-285750" algn="r" rtl="1">
-              <a:buFont typeface="Arial" panose="020B0604020202020204" pitchFamily="34" charset="0"/>
-              <a:buChar char="•"/>
-            </a:pPr>
-            <a:r>
-              <a:rPr lang="he-IL" dirty="0"/>
-              <a:t>אין אפשרות לשחזור סיסמת המשתמש – </a:t>
-            </a:r>
-            <a:r>
-              <a:rPr lang="he-IL" b="1" dirty="0"/>
-              <a:t>שליטת משתמש וחופש פעולה.</a:t>
-            </a:r>
-            <a:endParaRPr lang="he-IL" dirty="0"/>
-          </a:p>
-          <a:p>
-            <a:pPr marL="285750" indent="-285750" algn="r" rtl="1">
-              <a:buFont typeface="Arial" panose="020B0604020202020204" pitchFamily="34" charset="0"/>
-              <a:buChar char="•"/>
-            </a:pPr>
-            <a:r>
-              <a:rPr lang="he-IL" dirty="0"/>
-              <a:t>אין חיווי המראה למשתמש היכן הוא ממלא את פרטיו – </a:t>
-            </a:r>
-            <a:r>
-              <a:rPr lang="he-IL" b="1" dirty="0"/>
-              <a:t>חיווי מצב המערכת.</a:t>
-            </a:r>
-            <a:endParaRPr lang="he-IL" dirty="0"/>
-          </a:p>
-          <a:p>
-            <a:pPr marL="285750" indent="-285750" algn="r" rtl="1">
-              <a:buFont typeface="Arial" panose="020B0604020202020204" pitchFamily="34" charset="0"/>
-              <a:buChar char="•"/>
-            </a:pPr>
-            <a:r>
-              <a:rPr lang="he-IL" dirty="0"/>
-              <a:t>אין סמלים\אייקונים שמאפיינים את שדות הקלט – </a:t>
-            </a:r>
-            <a:r>
-              <a:rPr lang="he-IL" b="1" dirty="0"/>
-              <a:t>זיהוי ולא זיכרון.</a:t>
-            </a:r>
-          </a:p>
-          <a:p>
-            <a:pPr marL="285750" indent="-285750" algn="r" rtl="1">
-              <a:buFont typeface="Arial" panose="020B0604020202020204" pitchFamily="34" charset="0"/>
-              <a:buChar char="•"/>
-            </a:pPr>
-            <a:r>
-              <a:rPr lang="he-IL" dirty="0"/>
-              <a:t>על המשתמש ללחוץ על כל שדה קלט עם העכבר על מנת להכניס את הפרטים – </a:t>
-            </a:r>
-            <a:r>
-              <a:rPr lang="he-IL" b="1" dirty="0"/>
-              <a:t>גמישות ויעילות שימוש.</a:t>
-            </a:r>
-          </a:p>
-          <a:p>
-            <a:pPr marL="285750" indent="-285750" algn="r" rtl="1">
-              <a:buFont typeface="Arial" panose="020B0604020202020204" pitchFamily="34" charset="0"/>
-              <a:buChar char="•"/>
-            </a:pPr>
-            <a:r>
-              <a:rPr lang="he-IL" dirty="0"/>
-              <a:t>אין אפשרות "זכור אותי" – </a:t>
-            </a:r>
-            <a:r>
-              <a:rPr lang="he-IL" b="1" dirty="0"/>
-              <a:t>גמישות ויעילות שימוש.</a:t>
-            </a:r>
-            <a:endParaRPr lang="he-IL" dirty="0"/>
-          </a:p>
-        </p:txBody>
-      </p:sp>
-    </p:spTree>
-    <p:extLst>
-      <p:ext uri="{BB962C8B-B14F-4D97-AF65-F5344CB8AC3E}">
-        <p14:creationId xmlns:p14="http://schemas.microsoft.com/office/powerpoint/2010/main" val="2576447696"/>
-      </p:ext>
-    </p:extLst>
-  </p:cSld>
-  <p:clrMapOvr>
-    <a:masterClrMapping/>
-  </p:clrMapOvr>
-</p:sld>
-</file>
-
-<file path=ppt/slides/slide50.xml><?xml version="1.0" encoding="utf-8"?>
+<file path=ppt/slides/slide53.xml><?xml version="1.0" encoding="utf-8"?>
 <p:sld xmlns:a="http://schemas.openxmlformats.org/drawingml/2006/main" xmlns:r="http://schemas.openxmlformats.org/officeDocument/2006/relationships" xmlns:p="http://schemas.openxmlformats.org/presentationml/2006/main">
   <p:cSld>
     <p:spTree>
@@ -23046,7 +23436,7 @@
 </p:sld>
 </file>
 
-<file path=ppt/slides/slide51.xml><?xml version="1.0" encoding="utf-8"?>
+<file path=ppt/slides/slide54.xml><?xml version="1.0" encoding="utf-8"?>
 <p:sld xmlns:a="http://schemas.openxmlformats.org/drawingml/2006/main" xmlns:r="http://schemas.openxmlformats.org/officeDocument/2006/relationships" xmlns:p="http://schemas.openxmlformats.org/presentationml/2006/main">
   <p:cSld>
     <p:spTree>
@@ -23670,7 +24060,7 @@
 </p:sld>
 </file>
 
-<file path=ppt/slides/slide52.xml><?xml version="1.0" encoding="utf-8"?>
+<file path=ppt/slides/slide55.xml><?xml version="1.0" encoding="utf-8"?>
 <p:sld xmlns:a="http://schemas.openxmlformats.org/drawingml/2006/main" xmlns:r="http://schemas.openxmlformats.org/officeDocument/2006/relationships" xmlns:p="http://schemas.openxmlformats.org/presentationml/2006/main">
   <p:cSld>
     <p:spTree>
@@ -24158,7 +24548,7 @@
 </p:sld>
 </file>
 
-<file path=ppt/slides/slide53.xml><?xml version="1.0" encoding="utf-8"?>
+<file path=ppt/slides/slide56.xml><?xml version="1.0" encoding="utf-8"?>
 <p:sld xmlns:a="http://schemas.openxmlformats.org/drawingml/2006/main" xmlns:r="http://schemas.openxmlformats.org/officeDocument/2006/relationships" xmlns:p="http://schemas.openxmlformats.org/presentationml/2006/main">
   <p:cSld>
     <p:spTree>
@@ -24574,7 +24964,7 @@
 </p:sld>
 </file>
 
-<file path=ppt/slides/slide54.xml><?xml version="1.0" encoding="utf-8"?>
+<file path=ppt/slides/slide57.xml><?xml version="1.0" encoding="utf-8"?>
 <p:sld xmlns:a="http://schemas.openxmlformats.org/drawingml/2006/main" xmlns:r="http://schemas.openxmlformats.org/officeDocument/2006/relationships" xmlns:p="http://schemas.openxmlformats.org/presentationml/2006/main">
   <p:cSld>
     <p:spTree>
@@ -25048,7 +25438,7 @@
 </p:sld>
 </file>
 
-<file path=ppt/slides/slide55.xml><?xml version="1.0" encoding="utf-8"?>
+<file path=ppt/slides/slide58.xml><?xml version="1.0" encoding="utf-8"?>
 <p:sld xmlns:a="http://schemas.openxmlformats.org/drawingml/2006/main" xmlns:r="http://schemas.openxmlformats.org/officeDocument/2006/relationships" xmlns:p="http://schemas.openxmlformats.org/presentationml/2006/main">
   <p:cSld>
     <p:spTree>
@@ -25553,7 +25943,7 @@
 </p:sld>
 </file>
 
-<file path=ppt/slides/slide56.xml><?xml version="1.0" encoding="utf-8"?>
+<file path=ppt/slides/slide59.xml><?xml version="1.0" encoding="utf-8"?>
 <p:sld xmlns:a="http://schemas.openxmlformats.org/drawingml/2006/main" xmlns:r="http://schemas.openxmlformats.org/officeDocument/2006/relationships" xmlns:p="http://schemas.openxmlformats.org/presentationml/2006/main">
   <p:cSld>
     <p:spTree>
@@ -25824,7 +26214,200 @@
 </p:sld>
 </file>
 
-<file path=ppt/slides/slide57.xml><?xml version="1.0" encoding="utf-8"?>
+<file path=ppt/slides/slide6.xml><?xml version="1.0" encoding="utf-8"?>
+<p:sld xmlns:a="http://schemas.openxmlformats.org/drawingml/2006/main" xmlns:r="http://schemas.openxmlformats.org/officeDocument/2006/relationships" xmlns:p="http://schemas.openxmlformats.org/presentationml/2006/main">
+  <p:cSld>
+    <p:spTree>
+      <p:nvGrpSpPr>
+        <p:cNvPr id="1" name=""/>
+        <p:cNvGrpSpPr/>
+        <p:nvPr/>
+      </p:nvGrpSpPr>
+      <p:grpSpPr>
+        <a:xfrm>
+          <a:off x="0" y="0"/>
+          <a:ext cx="0" cy="0"/>
+          <a:chOff x="0" y="0"/>
+          <a:chExt cx="0" cy="0"/>
+        </a:xfrm>
+      </p:grpSpPr>
+      <p:sp>
+        <p:nvSpPr>
+          <p:cNvPr id="2" name="כותרת 1">
+            <a:extLst>
+              <a:ext uri="{FF2B5EF4-FFF2-40B4-BE49-F238E27FC236}">
+                <a16:creationId xmlns:a16="http://schemas.microsoft.com/office/drawing/2014/main" id="{DE777293-170B-4164-A212-000191C56DFE}"/>
+              </a:ext>
+            </a:extLst>
+          </p:cNvPr>
+          <p:cNvSpPr>
+            <a:spLocks noGrp="1"/>
+          </p:cNvSpPr>
+          <p:nvPr>
+            <p:ph type="title"/>
+          </p:nvPr>
+        </p:nvSpPr>
+        <p:spPr/>
+        <p:txBody>
+          <a:bodyPr/>
+          <a:lstStyle/>
+          <a:p>
+            <a:pPr algn="ctr" rtl="1"/>
+            <a:r>
+              <a:rPr lang="he-IL"/>
+              <a:t>מסך </a:t>
+            </a:r>
+            <a:r>
+              <a:rPr lang="he-IL" dirty="0"/>
+              <a:t>הרשמה</a:t>
+            </a:r>
+          </a:p>
+        </p:txBody>
+      </p:sp>
+      <p:pic>
+        <p:nvPicPr>
+          <p:cNvPr id="4" name="תמונה 3">
+            <a:extLst>
+              <a:ext uri="{FF2B5EF4-FFF2-40B4-BE49-F238E27FC236}">
+                <a16:creationId xmlns:a16="http://schemas.microsoft.com/office/drawing/2014/main" id="{2B8550E2-EBB3-4A16-B677-A16EF0998913}"/>
+              </a:ext>
+            </a:extLst>
+          </p:cNvPr>
+          <p:cNvPicPr>
+            <a:picLocks noChangeAspect="1"/>
+          </p:cNvPicPr>
+          <p:nvPr/>
+        </p:nvPicPr>
+        <p:blipFill>
+          <a:blip r:embed="rId2"/>
+          <a:stretch>
+            <a:fillRect/>
+          </a:stretch>
+        </p:blipFill>
+        <p:spPr>
+          <a:xfrm>
+            <a:off x="331177" y="2477527"/>
+            <a:ext cx="7434189" cy="4212128"/>
+          </a:xfrm>
+          <a:prstGeom prst="rect">
+            <a:avLst/>
+          </a:prstGeom>
+        </p:spPr>
+      </p:pic>
+      <p:sp>
+        <p:nvSpPr>
+          <p:cNvPr id="5" name="תיבת טקסט 4">
+            <a:extLst>
+              <a:ext uri="{FF2B5EF4-FFF2-40B4-BE49-F238E27FC236}">
+                <a16:creationId xmlns:a16="http://schemas.microsoft.com/office/drawing/2014/main" id="{49C1F48E-4344-478F-B955-03346A467B7E}"/>
+              </a:ext>
+            </a:extLst>
+          </p:cNvPr>
+          <p:cNvSpPr txBox="1"/>
+          <p:nvPr/>
+        </p:nvSpPr>
+        <p:spPr>
+          <a:xfrm>
+            <a:off x="7919696" y="2477527"/>
+            <a:ext cx="4121834" cy="3139321"/>
+          </a:xfrm>
+          <a:prstGeom prst="rect">
+            <a:avLst/>
+          </a:prstGeom>
+          <a:noFill/>
+        </p:spPr>
+        <p:txBody>
+          <a:bodyPr wrap="square" rtlCol="1">
+            <a:spAutoFit/>
+          </a:bodyPr>
+          <a:lstStyle/>
+          <a:p>
+            <a:pPr marL="285750" indent="-285750" algn="r" rtl="1">
+              <a:buFont typeface="Arial" panose="020B0604020202020204" pitchFamily="34" charset="0"/>
+              <a:buChar char="•"/>
+            </a:pPr>
+            <a:r>
+              <a:rPr lang="he-IL" dirty="0"/>
+              <a:t>אין כפתור חזרה למסך ההתחברות – </a:t>
+            </a:r>
+            <a:r>
+              <a:rPr lang="he-IL" b="1" dirty="0"/>
+              <a:t>שליטת משתמש וחופש פעולה.</a:t>
+            </a:r>
+          </a:p>
+          <a:p>
+            <a:pPr marL="285750" indent="-285750" algn="r" rtl="1">
+              <a:buFont typeface="Arial" panose="020B0604020202020204" pitchFamily="34" charset="0"/>
+              <a:buChar char="•"/>
+            </a:pPr>
+            <a:r>
+              <a:rPr lang="he-IL" dirty="0"/>
+              <a:t>אין שדה לאימות סיסמה בשנית – </a:t>
+            </a:r>
+            <a:r>
+              <a:rPr lang="he-IL" b="1" dirty="0"/>
+              <a:t>מניעת טעויות.</a:t>
+            </a:r>
+          </a:p>
+          <a:p>
+            <a:pPr marL="285750" indent="-285750" algn="r" rtl="1">
+              <a:buFont typeface="Arial" panose="020B0604020202020204" pitchFamily="34" charset="0"/>
+              <a:buChar char="•"/>
+            </a:pPr>
+            <a:r>
+              <a:rPr lang="he-IL" dirty="0"/>
+              <a:t>אין חיווי למשתמש לגביי מה הדרישות לסיסמה תקינה – </a:t>
+            </a:r>
+            <a:r>
+              <a:rPr lang="he-IL" b="1" dirty="0"/>
+              <a:t>עזרה ומסמכים.</a:t>
+            </a:r>
+            <a:endParaRPr lang="he-IL" dirty="0"/>
+          </a:p>
+          <a:p>
+            <a:pPr marL="285750" indent="-285750" algn="r" rtl="1">
+              <a:buFont typeface="Arial" panose="020B0604020202020204" pitchFamily="34" charset="0"/>
+              <a:buChar char="•"/>
+            </a:pPr>
+            <a:r>
+              <a:rPr lang="he-IL" dirty="0"/>
+              <a:t>אין ולידציה בעת מילוי האימייל (לפני לחיצת כפתור "הירשם") או תבנית של אימייל המונעות טעויות – </a:t>
+            </a:r>
+            <a:r>
+              <a:rPr lang="he-IL" b="1" dirty="0"/>
+              <a:t>מניעת טעויות.</a:t>
+            </a:r>
+          </a:p>
+          <a:p>
+            <a:pPr marL="285750" indent="-285750" algn="r" rtl="1">
+              <a:buFont typeface="Arial" panose="020B0604020202020204" pitchFamily="34" charset="0"/>
+              <a:buChar char="•"/>
+            </a:pPr>
+            <a:r>
+              <a:rPr lang="he-IL" dirty="0"/>
+              <a:t>אין סימון ברירת מחדל של מין –</a:t>
+            </a:r>
+            <a:r>
+              <a:rPr lang="he-IL" b="1" dirty="0"/>
+              <a:t> מניעת טעויות.</a:t>
+            </a:r>
+          </a:p>
+        </p:txBody>
+      </p:sp>
+    </p:spTree>
+    <p:extLst>
+      <p:ext uri="{BB962C8B-B14F-4D97-AF65-F5344CB8AC3E}">
+        <p14:creationId xmlns:p14="http://schemas.microsoft.com/office/powerpoint/2010/main" val="2598648921"/>
+      </p:ext>
+    </p:extLst>
+  </p:cSld>
+  <p:clrMapOvr>
+    <a:masterClrMapping/>
+  </p:clrMapOvr>
+</p:sld>
+</file>
+
+<file path=ppt/slides/slide60.xml><?xml version="1.0" encoding="utf-8"?>
 <p:sld xmlns:a="http://schemas.openxmlformats.org/drawingml/2006/main" xmlns:r="http://schemas.openxmlformats.org/officeDocument/2006/relationships" xmlns:p="http://schemas.openxmlformats.org/presentationml/2006/main">
   <p:cSld>
     <p:spTree>
@@ -26099,7 +26682,7 @@
 </p:sld>
 </file>
 
-<file path=ppt/slides/slide58.xml><?xml version="1.0" encoding="utf-8"?>
+<file path=ppt/slides/slide61.xml><?xml version="1.0" encoding="utf-8"?>
 <p:sld xmlns:a="http://schemas.openxmlformats.org/drawingml/2006/main" xmlns:r="http://schemas.openxmlformats.org/officeDocument/2006/relationships" xmlns:p="http://schemas.openxmlformats.org/presentationml/2006/main">
   <p:cSld>
     <p:spTree>
@@ -26171,7 +26754,7 @@
 </p:sld>
 </file>
 
-<file path=ppt/slides/slide59.xml><?xml version="1.0" encoding="utf-8"?>
+<file path=ppt/slides/slide62.xml><?xml version="1.0" encoding="utf-8"?>
 <p:sld xmlns:a="http://schemas.openxmlformats.org/drawingml/2006/main" xmlns:r="http://schemas.openxmlformats.org/officeDocument/2006/relationships" xmlns:p="http://schemas.openxmlformats.org/presentationml/2006/main">
   <p:cSld>
     <p:spTree>
@@ -27644,200 +28227,7 @@
 </p:sld>
 </file>
 
-<file path=ppt/slides/slide6.xml><?xml version="1.0" encoding="utf-8"?>
-<p:sld xmlns:a="http://schemas.openxmlformats.org/drawingml/2006/main" xmlns:r="http://schemas.openxmlformats.org/officeDocument/2006/relationships" xmlns:p="http://schemas.openxmlformats.org/presentationml/2006/main">
-  <p:cSld>
-    <p:spTree>
-      <p:nvGrpSpPr>
-        <p:cNvPr id="1" name=""/>
-        <p:cNvGrpSpPr/>
-        <p:nvPr/>
-      </p:nvGrpSpPr>
-      <p:grpSpPr>
-        <a:xfrm>
-          <a:off x="0" y="0"/>
-          <a:ext cx="0" cy="0"/>
-          <a:chOff x="0" y="0"/>
-          <a:chExt cx="0" cy="0"/>
-        </a:xfrm>
-      </p:grpSpPr>
-      <p:sp>
-        <p:nvSpPr>
-          <p:cNvPr id="2" name="כותרת 1">
-            <a:extLst>
-              <a:ext uri="{FF2B5EF4-FFF2-40B4-BE49-F238E27FC236}">
-                <a16:creationId xmlns:a16="http://schemas.microsoft.com/office/drawing/2014/main" id="{DE777293-170B-4164-A212-000191C56DFE}"/>
-              </a:ext>
-            </a:extLst>
-          </p:cNvPr>
-          <p:cNvSpPr>
-            <a:spLocks noGrp="1"/>
-          </p:cNvSpPr>
-          <p:nvPr>
-            <p:ph type="title"/>
-          </p:nvPr>
-        </p:nvSpPr>
-        <p:spPr/>
-        <p:txBody>
-          <a:bodyPr/>
-          <a:lstStyle/>
-          <a:p>
-            <a:pPr algn="ctr" rtl="1"/>
-            <a:r>
-              <a:rPr lang="he-IL"/>
-              <a:t>מסך </a:t>
-            </a:r>
-            <a:r>
-              <a:rPr lang="he-IL" dirty="0"/>
-              <a:t>הרשמה</a:t>
-            </a:r>
-          </a:p>
-        </p:txBody>
-      </p:sp>
-      <p:pic>
-        <p:nvPicPr>
-          <p:cNvPr id="4" name="תמונה 3">
-            <a:extLst>
-              <a:ext uri="{FF2B5EF4-FFF2-40B4-BE49-F238E27FC236}">
-                <a16:creationId xmlns:a16="http://schemas.microsoft.com/office/drawing/2014/main" id="{2B8550E2-EBB3-4A16-B677-A16EF0998913}"/>
-              </a:ext>
-            </a:extLst>
-          </p:cNvPr>
-          <p:cNvPicPr>
-            <a:picLocks noChangeAspect="1"/>
-          </p:cNvPicPr>
-          <p:nvPr/>
-        </p:nvPicPr>
-        <p:blipFill>
-          <a:blip r:embed="rId2"/>
-          <a:stretch>
-            <a:fillRect/>
-          </a:stretch>
-        </p:blipFill>
-        <p:spPr>
-          <a:xfrm>
-            <a:off x="331177" y="2477527"/>
-            <a:ext cx="7434189" cy="4212128"/>
-          </a:xfrm>
-          <a:prstGeom prst="rect">
-            <a:avLst/>
-          </a:prstGeom>
-        </p:spPr>
-      </p:pic>
-      <p:sp>
-        <p:nvSpPr>
-          <p:cNvPr id="5" name="תיבת טקסט 4">
-            <a:extLst>
-              <a:ext uri="{FF2B5EF4-FFF2-40B4-BE49-F238E27FC236}">
-                <a16:creationId xmlns:a16="http://schemas.microsoft.com/office/drawing/2014/main" id="{49C1F48E-4344-478F-B955-03346A467B7E}"/>
-              </a:ext>
-            </a:extLst>
-          </p:cNvPr>
-          <p:cNvSpPr txBox="1"/>
-          <p:nvPr/>
-        </p:nvSpPr>
-        <p:spPr>
-          <a:xfrm>
-            <a:off x="7919696" y="2477527"/>
-            <a:ext cx="4121834" cy="3139321"/>
-          </a:xfrm>
-          <a:prstGeom prst="rect">
-            <a:avLst/>
-          </a:prstGeom>
-          <a:noFill/>
-        </p:spPr>
-        <p:txBody>
-          <a:bodyPr wrap="square" rtlCol="1">
-            <a:spAutoFit/>
-          </a:bodyPr>
-          <a:lstStyle/>
-          <a:p>
-            <a:pPr marL="285750" indent="-285750" algn="r" rtl="1">
-              <a:buFont typeface="Arial" panose="020B0604020202020204" pitchFamily="34" charset="0"/>
-              <a:buChar char="•"/>
-            </a:pPr>
-            <a:r>
-              <a:rPr lang="he-IL" dirty="0"/>
-              <a:t>אין כפתור חזרה למסך ההתחברות – </a:t>
-            </a:r>
-            <a:r>
-              <a:rPr lang="he-IL" b="1" dirty="0"/>
-              <a:t>שליטת משתמש וחופש פעולה.</a:t>
-            </a:r>
-          </a:p>
-          <a:p>
-            <a:pPr marL="285750" indent="-285750" algn="r" rtl="1">
-              <a:buFont typeface="Arial" panose="020B0604020202020204" pitchFamily="34" charset="0"/>
-              <a:buChar char="•"/>
-            </a:pPr>
-            <a:r>
-              <a:rPr lang="he-IL" dirty="0"/>
-              <a:t>אין שדה לאימות סיסמה בשנית – </a:t>
-            </a:r>
-            <a:r>
-              <a:rPr lang="he-IL" b="1" dirty="0"/>
-              <a:t>מניעת טעויות.</a:t>
-            </a:r>
-          </a:p>
-          <a:p>
-            <a:pPr marL="285750" indent="-285750" algn="r" rtl="1">
-              <a:buFont typeface="Arial" panose="020B0604020202020204" pitchFamily="34" charset="0"/>
-              <a:buChar char="•"/>
-            </a:pPr>
-            <a:r>
-              <a:rPr lang="he-IL" dirty="0"/>
-              <a:t>אין חיווי למשתמש לגביי מה הדרישות לסיסמה תקינה – </a:t>
-            </a:r>
-            <a:r>
-              <a:rPr lang="he-IL" b="1" dirty="0"/>
-              <a:t>עזרה ומסמכים.</a:t>
-            </a:r>
-            <a:endParaRPr lang="he-IL" dirty="0"/>
-          </a:p>
-          <a:p>
-            <a:pPr marL="285750" indent="-285750" algn="r" rtl="1">
-              <a:buFont typeface="Arial" panose="020B0604020202020204" pitchFamily="34" charset="0"/>
-              <a:buChar char="•"/>
-            </a:pPr>
-            <a:r>
-              <a:rPr lang="he-IL" dirty="0"/>
-              <a:t>אין ולידציה בעת מילוי האימייל (לפני לחיצת כפתור "הירשם") או תבנית של אימייל המונעות טעויות – </a:t>
-            </a:r>
-            <a:r>
-              <a:rPr lang="he-IL" b="1" dirty="0"/>
-              <a:t>מניעת טעויות.</a:t>
-            </a:r>
-          </a:p>
-          <a:p>
-            <a:pPr marL="285750" indent="-285750" algn="r" rtl="1">
-              <a:buFont typeface="Arial" panose="020B0604020202020204" pitchFamily="34" charset="0"/>
-              <a:buChar char="•"/>
-            </a:pPr>
-            <a:r>
-              <a:rPr lang="he-IL" dirty="0"/>
-              <a:t>אין סימון ברירת מחדל של מין –</a:t>
-            </a:r>
-            <a:r>
-              <a:rPr lang="he-IL" b="1" dirty="0"/>
-              <a:t> מניעת טעויות.</a:t>
-            </a:r>
-          </a:p>
-        </p:txBody>
-      </p:sp>
-    </p:spTree>
-    <p:extLst>
-      <p:ext uri="{BB962C8B-B14F-4D97-AF65-F5344CB8AC3E}">
-        <p14:creationId xmlns:p14="http://schemas.microsoft.com/office/powerpoint/2010/main" val="2598648921"/>
-      </p:ext>
-    </p:extLst>
-  </p:cSld>
-  <p:clrMapOvr>
-    <a:masterClrMapping/>
-  </p:clrMapOvr>
-</p:sld>
-</file>
-
-<file path=ppt/slides/slide60.xml><?xml version="1.0" encoding="utf-8"?>
+<file path=ppt/slides/slide63.xml><?xml version="1.0" encoding="utf-8"?>
 <p:sld xmlns:a="http://schemas.openxmlformats.org/drawingml/2006/main" xmlns:r="http://schemas.openxmlformats.org/officeDocument/2006/relationships" xmlns:p="http://schemas.openxmlformats.org/presentationml/2006/main">
   <p:cSld>
     <p:spTree>
@@ -29704,7 +30094,7 @@
 </p:sld>
 </file>
 
-<file path=ppt/slides/slide61.xml><?xml version="1.0" encoding="utf-8"?>
+<file path=ppt/slides/slide64.xml><?xml version="1.0" encoding="utf-8"?>
 <p:sld xmlns:a="http://schemas.openxmlformats.org/drawingml/2006/main" xmlns:r="http://schemas.openxmlformats.org/officeDocument/2006/relationships" xmlns:p="http://schemas.openxmlformats.org/presentationml/2006/main">
   <p:cSld>
     <p:spTree>
@@ -29769,7 +30159,7 @@
 </p:sld>
 </file>
 
-<file path=ppt/slides/slide62.xml><?xml version="1.0" encoding="utf-8"?>
+<file path=ppt/slides/slide65.xml><?xml version="1.0" encoding="utf-8"?>
 <p:sld xmlns:a="http://schemas.openxmlformats.org/drawingml/2006/main" xmlns:r="http://schemas.openxmlformats.org/officeDocument/2006/relationships" xmlns:p="http://schemas.openxmlformats.org/presentationml/2006/main">
   <p:cSld>
     <p:spTree>
@@ -30558,7 +30948,7 @@
 </p:sld>
 </file>
 
-<file path=ppt/slides/slide63.xml><?xml version="1.0" encoding="utf-8"?>
+<file path=ppt/slides/slide66.xml><?xml version="1.0" encoding="utf-8"?>
 <p:sld xmlns:a="http://schemas.openxmlformats.org/drawingml/2006/main" xmlns:r="http://schemas.openxmlformats.org/officeDocument/2006/relationships" xmlns:p="http://schemas.openxmlformats.org/presentationml/2006/main">
   <p:cSld>
     <p:spTree>
@@ -32067,7 +32457,7 @@
 </p:sld>
 </file>
 
-<file path=ppt/slides/slide64.xml><?xml version="1.0" encoding="utf-8"?>
+<file path=ppt/slides/slide67.xml><?xml version="1.0" encoding="utf-8"?>
 <p:sld xmlns:a="http://schemas.openxmlformats.org/drawingml/2006/main" xmlns:r="http://schemas.openxmlformats.org/officeDocument/2006/relationships" xmlns:p="http://schemas.openxmlformats.org/presentationml/2006/main">
   <p:cSld>
     <p:spTree>
@@ -32130,812 +32520,6 @@
     <p:extLst>
       <p:ext uri="{BB962C8B-B14F-4D97-AF65-F5344CB8AC3E}">
         <p14:creationId xmlns:p14="http://schemas.microsoft.com/office/powerpoint/2010/main" val="1412135787"/>
-      </p:ext>
-    </p:extLst>
-  </p:cSld>
-  <p:clrMapOvr>
-    <a:masterClrMapping/>
-  </p:clrMapOvr>
-</p:sld>
-</file>
-
-<file path=ppt/slides/slide65.xml><?xml version="1.0" encoding="utf-8"?>
-<p:sld xmlns:a="http://schemas.openxmlformats.org/drawingml/2006/main" xmlns:r="http://schemas.openxmlformats.org/officeDocument/2006/relationships" xmlns:p="http://schemas.openxmlformats.org/presentationml/2006/main">
-  <p:cSld>
-    <p:spTree>
-      <p:nvGrpSpPr>
-        <p:cNvPr id="1" name=""/>
-        <p:cNvGrpSpPr/>
-        <p:nvPr/>
-      </p:nvGrpSpPr>
-      <p:grpSpPr>
-        <a:xfrm>
-          <a:off x="0" y="0"/>
-          <a:ext cx="0" cy="0"/>
-          <a:chOff x="0" y="0"/>
-          <a:chExt cx="0" cy="0"/>
-        </a:xfrm>
-      </p:grpSpPr>
-      <p:sp>
-        <p:nvSpPr>
-          <p:cNvPr id="2" name="Title 1">
-            <a:extLst>
-              <a:ext uri="{FF2B5EF4-FFF2-40B4-BE49-F238E27FC236}">
-                <a16:creationId xmlns:a16="http://schemas.microsoft.com/office/drawing/2014/main" id="{F2E75ACD-C303-46DD-8FB4-27FC6A409857}"/>
-              </a:ext>
-            </a:extLst>
-          </p:cNvPr>
-          <p:cNvSpPr>
-            <a:spLocks noGrp="1"/>
-          </p:cNvSpPr>
-          <p:nvPr>
-            <p:ph type="title"/>
-          </p:nvPr>
-        </p:nvSpPr>
-        <p:spPr/>
-        <p:txBody>
-          <a:bodyPr/>
-          <a:lstStyle/>
-          <a:p>
-            <a:pPr algn="ctr"/>
-            <a:r>
-              <a:rPr lang="he-IL" sz="4800" dirty="0"/>
-              <a:t>ארכיטקטורת מידע</a:t>
-            </a:r>
-            <a:endParaRPr lang="en-US" sz="4800" dirty="0"/>
-          </a:p>
-        </p:txBody>
-      </p:sp>
-      <p:sp>
-        <p:nvSpPr>
-          <p:cNvPr id="18" name="תיבת טקסט 17">
-            <a:extLst>
-              <a:ext uri="{FF2B5EF4-FFF2-40B4-BE49-F238E27FC236}">
-                <a16:creationId xmlns:a16="http://schemas.microsoft.com/office/drawing/2014/main" id="{8D31B842-4145-4258-9806-37E51F29916E}"/>
-              </a:ext>
-            </a:extLst>
-          </p:cNvPr>
-          <p:cNvSpPr txBox="1"/>
-          <p:nvPr/>
-        </p:nvSpPr>
-        <p:spPr>
-          <a:xfrm>
-            <a:off x="7919696" y="2534088"/>
-            <a:ext cx="4121834" cy="1754326"/>
-          </a:xfrm>
-          <a:prstGeom prst="rect">
-            <a:avLst/>
-          </a:prstGeom>
-          <a:noFill/>
-        </p:spPr>
-        <p:txBody>
-          <a:bodyPr wrap="square" rtlCol="1">
-            <a:spAutoFit/>
-          </a:bodyPr>
-          <a:lstStyle/>
-          <a:p>
-            <a:pPr marL="285750" indent="-285750" algn="r" rtl="1">
-              <a:buFont typeface="Arial" panose="020B0604020202020204" pitchFamily="34" charset="0"/>
-              <a:buChar char="•"/>
-            </a:pPr>
-            <a:r>
-              <a:rPr lang="he-IL" dirty="0"/>
-              <a:t>המערכת שלנו משתמשת בעיקר בארגון מידע כרונולוגי, מכיוון שהמערכת מתעסקת בפגישות, חשוב למשתמש לראות את הפגישות והאילוצים שלו לפי ציר זמן מסוים אשר מאפשר לו ניהול קל של פגישותיו.</a:t>
-            </a:r>
-          </a:p>
-        </p:txBody>
-      </p:sp>
-      <p:pic>
-        <p:nvPicPr>
-          <p:cNvPr id="19" name="תמונה 18">
-            <a:extLst>
-              <a:ext uri="{FF2B5EF4-FFF2-40B4-BE49-F238E27FC236}">
-                <a16:creationId xmlns:a16="http://schemas.microsoft.com/office/drawing/2014/main" id="{87AAD36D-EE7B-4176-9B99-0EEC6B084F75}"/>
-              </a:ext>
-            </a:extLst>
-          </p:cNvPr>
-          <p:cNvPicPr>
-            <a:picLocks noChangeAspect="1"/>
-          </p:cNvPicPr>
-          <p:nvPr/>
-        </p:nvPicPr>
-        <p:blipFill>
-          <a:blip r:embed="rId2"/>
-          <a:stretch>
-            <a:fillRect/>
-          </a:stretch>
-        </p:blipFill>
-        <p:spPr>
-          <a:xfrm>
-            <a:off x="150470" y="2400030"/>
-            <a:ext cx="7642893" cy="3139322"/>
-          </a:xfrm>
-          <a:prstGeom prst="rect">
-            <a:avLst/>
-          </a:prstGeom>
-        </p:spPr>
-      </p:pic>
-      <p:cxnSp>
-        <p:nvCxnSpPr>
-          <p:cNvPr id="6" name="מחבר חץ ישר 5">
-            <a:extLst>
-              <a:ext uri="{FF2B5EF4-FFF2-40B4-BE49-F238E27FC236}">
-                <a16:creationId xmlns:a16="http://schemas.microsoft.com/office/drawing/2014/main" id="{217F64C3-70A6-4928-B05A-2BDDDF39AEB0}"/>
-              </a:ext>
-            </a:extLst>
-          </p:cNvPr>
-          <p:cNvCxnSpPr/>
-          <p:nvPr/>
-        </p:nvCxnSpPr>
-        <p:spPr>
-          <a:xfrm>
-            <a:off x="3910818" y="3429000"/>
-            <a:ext cx="0" cy="1793795"/>
-          </a:xfrm>
-          <a:prstGeom prst="straightConnector1">
-            <a:avLst/>
-          </a:prstGeom>
-          <a:ln>
-            <a:tailEnd type="triangle"/>
-          </a:ln>
-        </p:spPr>
-        <p:style>
-          <a:lnRef idx="1">
-            <a:schemeClr val="accent1"/>
-          </a:lnRef>
-          <a:fillRef idx="0">
-            <a:schemeClr val="accent1"/>
-          </a:fillRef>
-          <a:effectRef idx="0">
-            <a:schemeClr val="accent1"/>
-          </a:effectRef>
-          <a:fontRef idx="minor">
-            <a:schemeClr val="tx1"/>
-          </a:fontRef>
-        </p:style>
-      </p:cxnSp>
-      <p:sp>
-        <p:nvSpPr>
-          <p:cNvPr id="7" name="תיבת טקסט 6">
-            <a:extLst>
-              <a:ext uri="{FF2B5EF4-FFF2-40B4-BE49-F238E27FC236}">
-                <a16:creationId xmlns:a16="http://schemas.microsoft.com/office/drawing/2014/main" id="{2F2F805E-428B-48F0-BB48-EFDFA9157D27}"/>
-              </a:ext>
-            </a:extLst>
-          </p:cNvPr>
-          <p:cNvSpPr txBox="1"/>
-          <p:nvPr/>
-        </p:nvSpPr>
-        <p:spPr>
-          <a:xfrm>
-            <a:off x="1856942" y="3334044"/>
-            <a:ext cx="1927544" cy="1200329"/>
-          </a:xfrm>
-          <a:prstGeom prst="rect">
-            <a:avLst/>
-          </a:prstGeom>
-          <a:noFill/>
-        </p:spPr>
-        <p:txBody>
-          <a:bodyPr wrap="square" rtlCol="1">
-            <a:spAutoFit/>
-          </a:bodyPr>
-          <a:lstStyle/>
-          <a:p>
-            <a:pPr algn="r"/>
-            <a:r>
-              <a:rPr lang="he-IL" dirty="0"/>
-              <a:t>הפגישות ממוינות מהפגישה הקרובה ביותר לרחוקה ביותר</a:t>
-            </a:r>
-          </a:p>
-        </p:txBody>
-      </p:sp>
-    </p:spTree>
-    <p:extLst>
-      <p:ext uri="{BB962C8B-B14F-4D97-AF65-F5344CB8AC3E}">
-        <p14:creationId xmlns:p14="http://schemas.microsoft.com/office/powerpoint/2010/main" val="971213103"/>
-      </p:ext>
-    </p:extLst>
-  </p:cSld>
-  <p:clrMapOvr>
-    <a:masterClrMapping/>
-  </p:clrMapOvr>
-</p:sld>
-</file>
-
-<file path=ppt/slides/slide66.xml><?xml version="1.0" encoding="utf-8"?>
-<p:sld xmlns:a="http://schemas.openxmlformats.org/drawingml/2006/main" xmlns:r="http://schemas.openxmlformats.org/officeDocument/2006/relationships" xmlns:p="http://schemas.openxmlformats.org/presentationml/2006/main">
-  <p:cSld>
-    <p:spTree>
-      <p:nvGrpSpPr>
-        <p:cNvPr id="1" name=""/>
-        <p:cNvGrpSpPr/>
-        <p:nvPr/>
-      </p:nvGrpSpPr>
-      <p:grpSpPr>
-        <a:xfrm>
-          <a:off x="0" y="0"/>
-          <a:ext cx="0" cy="0"/>
-          <a:chOff x="0" y="0"/>
-          <a:chExt cx="0" cy="0"/>
-        </a:xfrm>
-      </p:grpSpPr>
-      <p:sp>
-        <p:nvSpPr>
-          <p:cNvPr id="2" name="Title 1">
-            <a:extLst>
-              <a:ext uri="{FF2B5EF4-FFF2-40B4-BE49-F238E27FC236}">
-                <a16:creationId xmlns:a16="http://schemas.microsoft.com/office/drawing/2014/main" id="{F2E75ACD-C303-46DD-8FB4-27FC6A409857}"/>
-              </a:ext>
-            </a:extLst>
-          </p:cNvPr>
-          <p:cNvSpPr>
-            <a:spLocks noGrp="1"/>
-          </p:cNvSpPr>
-          <p:nvPr>
-            <p:ph type="title"/>
-          </p:nvPr>
-        </p:nvSpPr>
-        <p:spPr/>
-        <p:txBody>
-          <a:bodyPr/>
-          <a:lstStyle/>
-          <a:p>
-            <a:pPr algn="ctr"/>
-            <a:r>
-              <a:rPr lang="he-IL" sz="4800" dirty="0"/>
-              <a:t>ארכיטקטורת מידע</a:t>
-            </a:r>
-            <a:endParaRPr lang="en-US" sz="4800" dirty="0"/>
-          </a:p>
-        </p:txBody>
-      </p:sp>
-      <p:pic>
-        <p:nvPicPr>
-          <p:cNvPr id="3" name="תמונה 2">
-            <a:extLst>
-              <a:ext uri="{FF2B5EF4-FFF2-40B4-BE49-F238E27FC236}">
-                <a16:creationId xmlns:a16="http://schemas.microsoft.com/office/drawing/2014/main" id="{A55282CC-442F-4983-9221-06D6A8EDAF5D}"/>
-              </a:ext>
-            </a:extLst>
-          </p:cNvPr>
-          <p:cNvPicPr>
-            <a:picLocks noChangeAspect="1"/>
-          </p:cNvPicPr>
-          <p:nvPr/>
-        </p:nvPicPr>
-        <p:blipFill>
-          <a:blip r:embed="rId2"/>
-          <a:stretch>
-            <a:fillRect/>
-          </a:stretch>
-        </p:blipFill>
-        <p:spPr>
-          <a:xfrm>
-            <a:off x="0" y="2257425"/>
-            <a:ext cx="8210550" cy="4600575"/>
-          </a:xfrm>
-          <a:prstGeom prst="rect">
-            <a:avLst/>
-          </a:prstGeom>
-        </p:spPr>
-      </p:pic>
-      <p:sp>
-        <p:nvSpPr>
-          <p:cNvPr id="12" name="תיבת טקסט 11">
-            <a:extLst>
-              <a:ext uri="{FF2B5EF4-FFF2-40B4-BE49-F238E27FC236}">
-                <a16:creationId xmlns:a16="http://schemas.microsoft.com/office/drawing/2014/main" id="{77AF2D51-D00C-40F2-9B31-0894F6F09F0E}"/>
-              </a:ext>
-            </a:extLst>
-          </p:cNvPr>
-          <p:cNvSpPr txBox="1"/>
-          <p:nvPr/>
-        </p:nvSpPr>
-        <p:spPr>
-          <a:xfrm>
-            <a:off x="8361020" y="2257425"/>
-            <a:ext cx="3830980" cy="923330"/>
-          </a:xfrm>
-          <a:prstGeom prst="rect">
-            <a:avLst/>
-          </a:prstGeom>
-          <a:noFill/>
-        </p:spPr>
-        <p:txBody>
-          <a:bodyPr wrap="square" rtlCol="1">
-            <a:spAutoFit/>
-          </a:bodyPr>
-          <a:lstStyle/>
-          <a:p>
-            <a:pPr marL="285750" indent="-285750" algn="r" rtl="1">
-              <a:buFont typeface="Arial" panose="020B0604020202020204" pitchFamily="34" charset="0"/>
-              <a:buChar char="•"/>
-            </a:pPr>
-            <a:r>
-              <a:rPr lang="he-IL" dirty="0"/>
-              <a:t>לוח השנה בנוי כך שהמעבר של הזמן והפגישות ממוקמות מצד ימין לשמאל (לפי סדר הכתיבה בעברית).</a:t>
-            </a:r>
-          </a:p>
-        </p:txBody>
-      </p:sp>
-      <p:cxnSp>
-        <p:nvCxnSpPr>
-          <p:cNvPr id="5" name="מחבר חץ ישר 4">
-            <a:extLst>
-              <a:ext uri="{FF2B5EF4-FFF2-40B4-BE49-F238E27FC236}">
-                <a16:creationId xmlns:a16="http://schemas.microsoft.com/office/drawing/2014/main" id="{3133421B-8C58-408C-8386-659EE009EF4D}"/>
-              </a:ext>
-            </a:extLst>
-          </p:cNvPr>
-          <p:cNvCxnSpPr/>
-          <p:nvPr/>
-        </p:nvCxnSpPr>
-        <p:spPr>
-          <a:xfrm flipH="1">
-            <a:off x="1152144" y="4712678"/>
-            <a:ext cx="5980176" cy="0"/>
-          </a:xfrm>
-          <a:prstGeom prst="straightConnector1">
-            <a:avLst/>
-          </a:prstGeom>
-          <a:ln>
-            <a:headEnd type="triangle"/>
-            <a:tailEnd type="triangle"/>
-          </a:ln>
-        </p:spPr>
-        <p:style>
-          <a:lnRef idx="1">
-            <a:schemeClr val="accent1"/>
-          </a:lnRef>
-          <a:fillRef idx="0">
-            <a:schemeClr val="accent1"/>
-          </a:fillRef>
-          <a:effectRef idx="0">
-            <a:schemeClr val="accent1"/>
-          </a:effectRef>
-          <a:fontRef idx="minor">
-            <a:schemeClr val="tx1"/>
-          </a:fontRef>
-        </p:style>
-      </p:cxnSp>
-      <p:sp>
-        <p:nvSpPr>
-          <p:cNvPr id="13" name="תיבת טקסט 12">
-            <a:extLst>
-              <a:ext uri="{FF2B5EF4-FFF2-40B4-BE49-F238E27FC236}">
-                <a16:creationId xmlns:a16="http://schemas.microsoft.com/office/drawing/2014/main" id="{E18D7AFE-6819-46E8-91E9-7633BA2436D1}"/>
-              </a:ext>
-            </a:extLst>
-          </p:cNvPr>
-          <p:cNvSpPr txBox="1"/>
-          <p:nvPr/>
-        </p:nvSpPr>
-        <p:spPr>
-          <a:xfrm>
-            <a:off x="6344530" y="4343346"/>
-            <a:ext cx="787790" cy="369332"/>
-          </a:xfrm>
-          <a:prstGeom prst="rect">
-            <a:avLst/>
-          </a:prstGeom>
-          <a:noFill/>
-        </p:spPr>
-        <p:txBody>
-          <a:bodyPr wrap="square" rtlCol="1">
-            <a:spAutoFit/>
-          </a:bodyPr>
-          <a:lstStyle/>
-          <a:p>
-            <a:pPr algn="r"/>
-            <a:r>
-              <a:rPr lang="he-IL" dirty="0">
-                <a:solidFill>
-                  <a:srgbClr val="C00000"/>
-                </a:solidFill>
-              </a:rPr>
-              <a:t>עבר</a:t>
-            </a:r>
-          </a:p>
-        </p:txBody>
-      </p:sp>
-      <p:cxnSp>
-        <p:nvCxnSpPr>
-          <p:cNvPr id="15" name="מחבר ישר 14">
-            <a:extLst>
-              <a:ext uri="{FF2B5EF4-FFF2-40B4-BE49-F238E27FC236}">
-                <a16:creationId xmlns:a16="http://schemas.microsoft.com/office/drawing/2014/main" id="{C679A093-27E5-4BE4-A986-E68C743F804F}"/>
-              </a:ext>
-            </a:extLst>
-          </p:cNvPr>
-          <p:cNvCxnSpPr/>
-          <p:nvPr/>
-        </p:nvCxnSpPr>
-        <p:spPr>
-          <a:xfrm>
-            <a:off x="4142232" y="4712678"/>
-            <a:ext cx="0" cy="0"/>
-          </a:xfrm>
-          <a:prstGeom prst="line">
-            <a:avLst/>
-          </a:prstGeom>
-        </p:spPr>
-        <p:style>
-          <a:lnRef idx="1">
-            <a:schemeClr val="accent1"/>
-          </a:lnRef>
-          <a:fillRef idx="0">
-            <a:schemeClr val="accent1"/>
-          </a:fillRef>
-          <a:effectRef idx="0">
-            <a:schemeClr val="accent1"/>
-          </a:effectRef>
-          <a:fontRef idx="minor">
-            <a:schemeClr val="tx1"/>
-          </a:fontRef>
-        </p:style>
-      </p:cxnSp>
-      <p:cxnSp>
-        <p:nvCxnSpPr>
-          <p:cNvPr id="17" name="מחבר ישר 16">
-            <a:extLst>
-              <a:ext uri="{FF2B5EF4-FFF2-40B4-BE49-F238E27FC236}">
-                <a16:creationId xmlns:a16="http://schemas.microsoft.com/office/drawing/2014/main" id="{1079B52E-1461-48B2-9F6E-C88EBEBDC8D8}"/>
-              </a:ext>
-            </a:extLst>
-          </p:cNvPr>
-          <p:cNvCxnSpPr>
-            <a:cxnSpLocks/>
-          </p:cNvCxnSpPr>
-          <p:nvPr/>
-        </p:nvCxnSpPr>
-        <p:spPr>
-          <a:xfrm>
-            <a:off x="4105275" y="4557712"/>
-            <a:ext cx="0" cy="154966"/>
-          </a:xfrm>
-          <a:prstGeom prst="line">
-            <a:avLst/>
-          </a:prstGeom>
-        </p:spPr>
-        <p:style>
-          <a:lnRef idx="1">
-            <a:schemeClr val="accent1"/>
-          </a:lnRef>
-          <a:fillRef idx="0">
-            <a:schemeClr val="accent1"/>
-          </a:fillRef>
-          <a:effectRef idx="0">
-            <a:schemeClr val="accent1"/>
-          </a:effectRef>
-          <a:fontRef idx="minor">
-            <a:schemeClr val="tx1"/>
-          </a:fontRef>
-        </p:style>
-      </p:cxnSp>
-      <p:sp>
-        <p:nvSpPr>
-          <p:cNvPr id="21" name="תיבת טקסט 20">
-            <a:extLst>
-              <a:ext uri="{FF2B5EF4-FFF2-40B4-BE49-F238E27FC236}">
-                <a16:creationId xmlns:a16="http://schemas.microsoft.com/office/drawing/2014/main" id="{4EC281CE-1594-427B-9064-3DC2F005CB96}"/>
-              </a:ext>
-            </a:extLst>
-          </p:cNvPr>
-          <p:cNvSpPr txBox="1"/>
-          <p:nvPr/>
-        </p:nvSpPr>
-        <p:spPr>
-          <a:xfrm>
-            <a:off x="3584917" y="4158680"/>
-            <a:ext cx="787790" cy="369332"/>
-          </a:xfrm>
-          <a:prstGeom prst="rect">
-            <a:avLst/>
-          </a:prstGeom>
-          <a:noFill/>
-        </p:spPr>
-        <p:txBody>
-          <a:bodyPr wrap="square" rtlCol="1">
-            <a:spAutoFit/>
-          </a:bodyPr>
-          <a:lstStyle/>
-          <a:p>
-            <a:pPr algn="r"/>
-            <a:r>
-              <a:rPr lang="he-IL" dirty="0">
-                <a:solidFill>
-                  <a:srgbClr val="C00000"/>
-                </a:solidFill>
-              </a:rPr>
-              <a:t>הווה</a:t>
-            </a:r>
-          </a:p>
-        </p:txBody>
-      </p:sp>
-      <p:sp>
-        <p:nvSpPr>
-          <p:cNvPr id="22" name="תיבת טקסט 21">
-            <a:extLst>
-              <a:ext uri="{FF2B5EF4-FFF2-40B4-BE49-F238E27FC236}">
-                <a16:creationId xmlns:a16="http://schemas.microsoft.com/office/drawing/2014/main" id="{B260147D-5FCC-4F73-AAE8-C6EA39016CB7}"/>
-              </a:ext>
-            </a:extLst>
-          </p:cNvPr>
-          <p:cNvSpPr txBox="1"/>
-          <p:nvPr/>
-        </p:nvSpPr>
-        <p:spPr>
-          <a:xfrm>
-            <a:off x="1004669" y="4290462"/>
-            <a:ext cx="787790" cy="369332"/>
-          </a:xfrm>
-          <a:prstGeom prst="rect">
-            <a:avLst/>
-          </a:prstGeom>
-          <a:noFill/>
-        </p:spPr>
-        <p:txBody>
-          <a:bodyPr wrap="square" rtlCol="1">
-            <a:spAutoFit/>
-          </a:bodyPr>
-          <a:lstStyle/>
-          <a:p>
-            <a:pPr algn="r"/>
-            <a:r>
-              <a:rPr lang="he-IL" dirty="0">
-                <a:solidFill>
-                  <a:srgbClr val="C00000"/>
-                </a:solidFill>
-              </a:rPr>
-              <a:t>עתיד</a:t>
-            </a:r>
-          </a:p>
-        </p:txBody>
-      </p:sp>
-    </p:spTree>
-    <p:extLst>
-      <p:ext uri="{BB962C8B-B14F-4D97-AF65-F5344CB8AC3E}">
-        <p14:creationId xmlns:p14="http://schemas.microsoft.com/office/powerpoint/2010/main" val="1816347366"/>
-      </p:ext>
-    </p:extLst>
-  </p:cSld>
-  <p:clrMapOvr>
-    <a:masterClrMapping/>
-  </p:clrMapOvr>
-</p:sld>
-</file>
-
-<file path=ppt/slides/slide67.xml><?xml version="1.0" encoding="utf-8"?>
-<p:sld xmlns:a="http://schemas.openxmlformats.org/drawingml/2006/main" xmlns:r="http://schemas.openxmlformats.org/officeDocument/2006/relationships" xmlns:p="http://schemas.openxmlformats.org/presentationml/2006/main">
-  <p:cSld>
-    <p:spTree>
-      <p:nvGrpSpPr>
-        <p:cNvPr id="1" name=""/>
-        <p:cNvGrpSpPr/>
-        <p:nvPr/>
-      </p:nvGrpSpPr>
-      <p:grpSpPr>
-        <a:xfrm>
-          <a:off x="0" y="0"/>
-          <a:ext cx="0" cy="0"/>
-          <a:chOff x="0" y="0"/>
-          <a:chExt cx="0" cy="0"/>
-        </a:xfrm>
-      </p:grpSpPr>
-      <p:sp>
-        <p:nvSpPr>
-          <p:cNvPr id="2" name="Title 1">
-            <a:extLst>
-              <a:ext uri="{FF2B5EF4-FFF2-40B4-BE49-F238E27FC236}">
-                <a16:creationId xmlns:a16="http://schemas.microsoft.com/office/drawing/2014/main" id="{F2E75ACD-C303-46DD-8FB4-27FC6A409857}"/>
-              </a:ext>
-            </a:extLst>
-          </p:cNvPr>
-          <p:cNvSpPr>
-            <a:spLocks noGrp="1"/>
-          </p:cNvSpPr>
-          <p:nvPr>
-            <p:ph type="title"/>
-          </p:nvPr>
-        </p:nvSpPr>
-        <p:spPr/>
-        <p:txBody>
-          <a:bodyPr/>
-          <a:lstStyle/>
-          <a:p>
-            <a:pPr algn="ctr"/>
-            <a:r>
-              <a:rPr lang="he-IL" sz="4800" dirty="0"/>
-              <a:t>ארכיטקטורת מידע</a:t>
-            </a:r>
-            <a:endParaRPr lang="en-US" sz="4800" dirty="0"/>
-          </a:p>
-        </p:txBody>
-      </p:sp>
-      <p:sp>
-        <p:nvSpPr>
-          <p:cNvPr id="12" name="תיבת טקסט 11">
-            <a:extLst>
-              <a:ext uri="{FF2B5EF4-FFF2-40B4-BE49-F238E27FC236}">
-                <a16:creationId xmlns:a16="http://schemas.microsoft.com/office/drawing/2014/main" id="{77AF2D51-D00C-40F2-9B31-0894F6F09F0E}"/>
-              </a:ext>
-            </a:extLst>
-          </p:cNvPr>
-          <p:cNvSpPr txBox="1"/>
-          <p:nvPr/>
-        </p:nvSpPr>
-        <p:spPr>
-          <a:xfrm>
-            <a:off x="8361020" y="2257425"/>
-            <a:ext cx="3830980" cy="1200329"/>
-          </a:xfrm>
-          <a:prstGeom prst="rect">
-            <a:avLst/>
-          </a:prstGeom>
-          <a:noFill/>
-        </p:spPr>
-        <p:txBody>
-          <a:bodyPr wrap="square" rtlCol="1">
-            <a:spAutoFit/>
-          </a:bodyPr>
-          <a:lstStyle/>
-          <a:p>
-            <a:pPr marL="285750" indent="-285750" algn="r" rtl="1">
-              <a:buFont typeface="Arial" panose="020B0604020202020204" pitchFamily="34" charset="0"/>
-              <a:buChar char="•"/>
-            </a:pPr>
-            <a:r>
-              <a:rPr lang="he-IL" dirty="0"/>
-              <a:t>בנוסף חלק מהמערכת בנויה לפי נושאים, זאת כדי לאפשר למשתמש להתמצא בקלות בין כל הפגישות או המיקומים ומצבי הפגישות. </a:t>
-            </a:r>
-          </a:p>
-        </p:txBody>
-      </p:sp>
-      <p:cxnSp>
-        <p:nvCxnSpPr>
-          <p:cNvPr id="15" name="מחבר ישר 14">
-            <a:extLst>
-              <a:ext uri="{FF2B5EF4-FFF2-40B4-BE49-F238E27FC236}">
-                <a16:creationId xmlns:a16="http://schemas.microsoft.com/office/drawing/2014/main" id="{C679A093-27E5-4BE4-A986-E68C743F804F}"/>
-              </a:ext>
-            </a:extLst>
-          </p:cNvPr>
-          <p:cNvCxnSpPr/>
-          <p:nvPr/>
-        </p:nvCxnSpPr>
-        <p:spPr>
-          <a:xfrm>
-            <a:off x="4142232" y="4712678"/>
-            <a:ext cx="0" cy="0"/>
-          </a:xfrm>
-          <a:prstGeom prst="line">
-            <a:avLst/>
-          </a:prstGeom>
-        </p:spPr>
-        <p:style>
-          <a:lnRef idx="1">
-            <a:schemeClr val="accent1"/>
-          </a:lnRef>
-          <a:fillRef idx="0">
-            <a:schemeClr val="accent1"/>
-          </a:fillRef>
-          <a:effectRef idx="0">
-            <a:schemeClr val="accent1"/>
-          </a:effectRef>
-          <a:fontRef idx="minor">
-            <a:schemeClr val="tx1"/>
-          </a:fontRef>
-        </p:style>
-      </p:cxnSp>
-      <p:pic>
-        <p:nvPicPr>
-          <p:cNvPr id="11" name="תמונה 10">
-            <a:extLst>
-              <a:ext uri="{FF2B5EF4-FFF2-40B4-BE49-F238E27FC236}">
-                <a16:creationId xmlns:a16="http://schemas.microsoft.com/office/drawing/2014/main" id="{29878191-761A-4093-8102-7EE9E370FBC4}"/>
-              </a:ext>
-            </a:extLst>
-          </p:cNvPr>
-          <p:cNvPicPr>
-            <a:picLocks noChangeAspect="1"/>
-          </p:cNvPicPr>
-          <p:nvPr/>
-        </p:nvPicPr>
-        <p:blipFill>
-          <a:blip r:embed="rId2"/>
-          <a:stretch>
-            <a:fillRect/>
-          </a:stretch>
-        </p:blipFill>
-        <p:spPr>
-          <a:xfrm>
-            <a:off x="0" y="2328127"/>
-            <a:ext cx="8060788" cy="4529874"/>
-          </a:xfrm>
-          <a:prstGeom prst="rect">
-            <a:avLst/>
-          </a:prstGeom>
-        </p:spPr>
-      </p:pic>
-      <p:cxnSp>
-        <p:nvCxnSpPr>
-          <p:cNvPr id="6" name="מחבר ישר 5">
-            <a:extLst>
-              <a:ext uri="{FF2B5EF4-FFF2-40B4-BE49-F238E27FC236}">
-                <a16:creationId xmlns:a16="http://schemas.microsoft.com/office/drawing/2014/main" id="{C97B8B9E-511F-437D-A6A1-0CDA55A9C098}"/>
-              </a:ext>
-            </a:extLst>
-          </p:cNvPr>
-          <p:cNvCxnSpPr>
-            <a:endCxn id="11" idx="2"/>
-          </p:cNvCxnSpPr>
-          <p:nvPr/>
-        </p:nvCxnSpPr>
-        <p:spPr>
-          <a:xfrm>
-            <a:off x="4009292" y="2869809"/>
-            <a:ext cx="21102" cy="3988192"/>
-          </a:xfrm>
-          <a:prstGeom prst="line">
-            <a:avLst/>
-          </a:prstGeom>
-        </p:spPr>
-        <p:style>
-          <a:lnRef idx="1">
-            <a:schemeClr val="accent1"/>
-          </a:lnRef>
-          <a:fillRef idx="0">
-            <a:schemeClr val="accent1"/>
-          </a:fillRef>
-          <a:effectRef idx="0">
-            <a:schemeClr val="accent1"/>
-          </a:effectRef>
-          <a:fontRef idx="minor">
-            <a:schemeClr val="tx1"/>
-          </a:fontRef>
-        </p:style>
-      </p:cxnSp>
-      <p:cxnSp>
-        <p:nvCxnSpPr>
-          <p:cNvPr id="8" name="מחבר ישר 7">
-            <a:extLst>
-              <a:ext uri="{FF2B5EF4-FFF2-40B4-BE49-F238E27FC236}">
-                <a16:creationId xmlns:a16="http://schemas.microsoft.com/office/drawing/2014/main" id="{27BBCB68-329B-4B19-A8F6-B4E111045CC0}"/>
-              </a:ext>
-            </a:extLst>
-          </p:cNvPr>
-          <p:cNvCxnSpPr/>
-          <p:nvPr/>
-        </p:nvCxnSpPr>
-        <p:spPr>
-          <a:xfrm>
-            <a:off x="0" y="4895557"/>
-            <a:ext cx="8060788" cy="0"/>
-          </a:xfrm>
-          <a:prstGeom prst="line">
-            <a:avLst/>
-          </a:prstGeom>
-        </p:spPr>
-        <p:style>
-          <a:lnRef idx="1">
-            <a:schemeClr val="accent1"/>
-          </a:lnRef>
-          <a:fillRef idx="0">
-            <a:schemeClr val="accent1"/>
-          </a:fillRef>
-          <a:effectRef idx="0">
-            <a:schemeClr val="accent1"/>
-          </a:effectRef>
-          <a:fontRef idx="minor">
-            <a:schemeClr val="tx1"/>
-          </a:fontRef>
-        </p:style>
-      </p:cxnSp>
-    </p:spTree>
-    <p:extLst>
-      <p:ext uri="{BB962C8B-B14F-4D97-AF65-F5344CB8AC3E}">
-        <p14:creationId xmlns:p14="http://schemas.microsoft.com/office/powerpoint/2010/main" val="2281359754"/>
       </p:ext>
     </p:extLst>
   </p:cSld>
@@ -32986,12 +32570,246 @@
             <a:pPr algn="ctr"/>
             <a:r>
               <a:rPr lang="he-IL" sz="4800" dirty="0"/>
-              <a:t>מודל הניווט</a:t>
+              <a:t>ארכיטקטורת מידע</a:t>
             </a:r>
             <a:endParaRPr lang="en-US" sz="4800" dirty="0"/>
           </a:p>
         </p:txBody>
       </p:sp>
+      <p:sp>
+        <p:nvSpPr>
+          <p:cNvPr id="18" name="תיבת טקסט 17">
+            <a:extLst>
+              <a:ext uri="{FF2B5EF4-FFF2-40B4-BE49-F238E27FC236}">
+                <a16:creationId xmlns:a16="http://schemas.microsoft.com/office/drawing/2014/main" id="{8D31B842-4145-4258-9806-37E51F29916E}"/>
+              </a:ext>
+            </a:extLst>
+          </p:cNvPr>
+          <p:cNvSpPr txBox="1"/>
+          <p:nvPr/>
+        </p:nvSpPr>
+        <p:spPr>
+          <a:xfrm>
+            <a:off x="7919696" y="2534088"/>
+            <a:ext cx="4121834" cy="1754326"/>
+          </a:xfrm>
+          <a:prstGeom prst="rect">
+            <a:avLst/>
+          </a:prstGeom>
+          <a:noFill/>
+        </p:spPr>
+        <p:txBody>
+          <a:bodyPr wrap="square" rtlCol="1">
+            <a:spAutoFit/>
+          </a:bodyPr>
+          <a:lstStyle/>
+          <a:p>
+            <a:pPr marL="285750" indent="-285750" algn="r" rtl="1">
+              <a:buFont typeface="Arial" panose="020B0604020202020204" pitchFamily="34" charset="0"/>
+              <a:buChar char="•"/>
+            </a:pPr>
+            <a:r>
+              <a:rPr lang="he-IL" dirty="0"/>
+              <a:t>המערכת שלנו משתמשת בעיקר בארגון מידע כרונולוגי, מכיוון שהמערכת מתעסקת בפגישות, חשוב למשתמש לראות את הפגישות והאילוצים שלו לפי ציר זמן מסוים אשר מאפשר לו ניהול קל של פגישותיו.</a:t>
+            </a:r>
+          </a:p>
+        </p:txBody>
+      </p:sp>
+      <p:pic>
+        <p:nvPicPr>
+          <p:cNvPr id="19" name="תמונה 18">
+            <a:extLst>
+              <a:ext uri="{FF2B5EF4-FFF2-40B4-BE49-F238E27FC236}">
+                <a16:creationId xmlns:a16="http://schemas.microsoft.com/office/drawing/2014/main" id="{87AAD36D-EE7B-4176-9B99-0EEC6B084F75}"/>
+              </a:ext>
+            </a:extLst>
+          </p:cNvPr>
+          <p:cNvPicPr>
+            <a:picLocks noChangeAspect="1"/>
+          </p:cNvPicPr>
+          <p:nvPr/>
+        </p:nvPicPr>
+        <p:blipFill>
+          <a:blip r:embed="rId2"/>
+          <a:stretch>
+            <a:fillRect/>
+          </a:stretch>
+        </p:blipFill>
+        <p:spPr>
+          <a:xfrm>
+            <a:off x="150470" y="2400030"/>
+            <a:ext cx="7642893" cy="3139322"/>
+          </a:xfrm>
+          <a:prstGeom prst="rect">
+            <a:avLst/>
+          </a:prstGeom>
+        </p:spPr>
+      </p:pic>
+      <p:cxnSp>
+        <p:nvCxnSpPr>
+          <p:cNvPr id="6" name="מחבר חץ ישר 5">
+            <a:extLst>
+              <a:ext uri="{FF2B5EF4-FFF2-40B4-BE49-F238E27FC236}">
+                <a16:creationId xmlns:a16="http://schemas.microsoft.com/office/drawing/2014/main" id="{217F64C3-70A6-4928-B05A-2BDDDF39AEB0}"/>
+              </a:ext>
+            </a:extLst>
+          </p:cNvPr>
+          <p:cNvCxnSpPr/>
+          <p:nvPr/>
+        </p:nvCxnSpPr>
+        <p:spPr>
+          <a:xfrm>
+            <a:off x="3910818" y="3429000"/>
+            <a:ext cx="0" cy="1793795"/>
+          </a:xfrm>
+          <a:prstGeom prst="straightConnector1">
+            <a:avLst/>
+          </a:prstGeom>
+          <a:ln>
+            <a:tailEnd type="triangle"/>
+          </a:ln>
+        </p:spPr>
+        <p:style>
+          <a:lnRef idx="1">
+            <a:schemeClr val="accent1"/>
+          </a:lnRef>
+          <a:fillRef idx="0">
+            <a:schemeClr val="accent1"/>
+          </a:fillRef>
+          <a:effectRef idx="0">
+            <a:schemeClr val="accent1"/>
+          </a:effectRef>
+          <a:fontRef idx="minor">
+            <a:schemeClr val="tx1"/>
+          </a:fontRef>
+        </p:style>
+      </p:cxnSp>
+      <p:sp>
+        <p:nvSpPr>
+          <p:cNvPr id="7" name="תיבת טקסט 6">
+            <a:extLst>
+              <a:ext uri="{FF2B5EF4-FFF2-40B4-BE49-F238E27FC236}">
+                <a16:creationId xmlns:a16="http://schemas.microsoft.com/office/drawing/2014/main" id="{2F2F805E-428B-48F0-BB48-EFDFA9157D27}"/>
+              </a:ext>
+            </a:extLst>
+          </p:cNvPr>
+          <p:cNvSpPr txBox="1"/>
+          <p:nvPr/>
+        </p:nvSpPr>
+        <p:spPr>
+          <a:xfrm>
+            <a:off x="1856942" y="3334044"/>
+            <a:ext cx="1927544" cy="1200329"/>
+          </a:xfrm>
+          <a:prstGeom prst="rect">
+            <a:avLst/>
+          </a:prstGeom>
+          <a:noFill/>
+        </p:spPr>
+        <p:txBody>
+          <a:bodyPr wrap="square" rtlCol="1">
+            <a:spAutoFit/>
+          </a:bodyPr>
+          <a:lstStyle/>
+          <a:p>
+            <a:pPr algn="r"/>
+            <a:r>
+              <a:rPr lang="he-IL" dirty="0"/>
+              <a:t>הפגישות ממוינות מהפגישה הקרובה ביותר לרחוקה ביותר</a:t>
+            </a:r>
+          </a:p>
+        </p:txBody>
+      </p:sp>
+    </p:spTree>
+    <p:extLst>
+      <p:ext uri="{BB962C8B-B14F-4D97-AF65-F5344CB8AC3E}">
+        <p14:creationId xmlns:p14="http://schemas.microsoft.com/office/powerpoint/2010/main" val="971213103"/>
+      </p:ext>
+    </p:extLst>
+  </p:cSld>
+  <p:clrMapOvr>
+    <a:masterClrMapping/>
+  </p:clrMapOvr>
+</p:sld>
+</file>
+
+<file path=ppt/slides/slide69.xml><?xml version="1.0" encoding="utf-8"?>
+<p:sld xmlns:a="http://schemas.openxmlformats.org/drawingml/2006/main" xmlns:r="http://schemas.openxmlformats.org/officeDocument/2006/relationships" xmlns:p="http://schemas.openxmlformats.org/presentationml/2006/main">
+  <p:cSld>
+    <p:spTree>
+      <p:nvGrpSpPr>
+        <p:cNvPr id="1" name=""/>
+        <p:cNvGrpSpPr/>
+        <p:nvPr/>
+      </p:nvGrpSpPr>
+      <p:grpSpPr>
+        <a:xfrm>
+          <a:off x="0" y="0"/>
+          <a:ext cx="0" cy="0"/>
+          <a:chOff x="0" y="0"/>
+          <a:chExt cx="0" cy="0"/>
+        </a:xfrm>
+      </p:grpSpPr>
+      <p:sp>
+        <p:nvSpPr>
+          <p:cNvPr id="2" name="Title 1">
+            <a:extLst>
+              <a:ext uri="{FF2B5EF4-FFF2-40B4-BE49-F238E27FC236}">
+                <a16:creationId xmlns:a16="http://schemas.microsoft.com/office/drawing/2014/main" id="{F2E75ACD-C303-46DD-8FB4-27FC6A409857}"/>
+              </a:ext>
+            </a:extLst>
+          </p:cNvPr>
+          <p:cNvSpPr>
+            <a:spLocks noGrp="1"/>
+          </p:cNvSpPr>
+          <p:nvPr>
+            <p:ph type="title"/>
+          </p:nvPr>
+        </p:nvSpPr>
+        <p:spPr/>
+        <p:txBody>
+          <a:bodyPr/>
+          <a:lstStyle/>
+          <a:p>
+            <a:pPr algn="ctr"/>
+            <a:r>
+              <a:rPr lang="he-IL" sz="4800" dirty="0"/>
+              <a:t>ארכיטקטורת מידע</a:t>
+            </a:r>
+            <a:endParaRPr lang="en-US" sz="4800" dirty="0"/>
+          </a:p>
+        </p:txBody>
+      </p:sp>
+      <p:pic>
+        <p:nvPicPr>
+          <p:cNvPr id="3" name="תמונה 2">
+            <a:extLst>
+              <a:ext uri="{FF2B5EF4-FFF2-40B4-BE49-F238E27FC236}">
+                <a16:creationId xmlns:a16="http://schemas.microsoft.com/office/drawing/2014/main" id="{A55282CC-442F-4983-9221-06D6A8EDAF5D}"/>
+              </a:ext>
+            </a:extLst>
+          </p:cNvPr>
+          <p:cNvPicPr>
+            <a:picLocks noChangeAspect="1"/>
+          </p:cNvPicPr>
+          <p:nvPr/>
+        </p:nvPicPr>
+        <p:blipFill>
+          <a:blip r:embed="rId2"/>
+          <a:stretch>
+            <a:fillRect/>
+          </a:stretch>
+        </p:blipFill>
+        <p:spPr>
+          <a:xfrm>
+            <a:off x="0" y="2257425"/>
+            <a:ext cx="8210550" cy="4600575"/>
+          </a:xfrm>
+          <a:prstGeom prst="rect">
+            <a:avLst/>
+          </a:prstGeom>
+        </p:spPr>
+      </p:pic>
       <p:sp>
         <p:nvSpPr>
           <p:cNvPr id="12" name="תיבת טקסט 11">
@@ -33006,8 +32824,8 @@
         </p:nvSpPr>
         <p:spPr>
           <a:xfrm>
-            <a:off x="1561514" y="2257425"/>
-            <a:ext cx="10630486" cy="646331"/>
+            <a:off x="8361020" y="2257425"/>
+            <a:ext cx="3830980" cy="923330"/>
           </a:xfrm>
           <a:prstGeom prst="rect">
             <a:avLst/>
@@ -33026,7 +32844,87 @@
             </a:pPr>
             <a:r>
               <a:rPr lang="he-IL" dirty="0"/>
-              <a:t>מודל הניווט של המערכת הינה ניווט סיקוונסיאלי, זאת מכיוון שהפעולות במערכת תלויות האחת בשנייה צריך להתחבר בכדי להגיע ללוח השנה\האיזור האישי שלך צריך לבחור טווח בלוח שנה כדי לקבוע פגישה וכו'</a:t>
+              <a:t>לוח השנה בנוי כך שהמעבר של הזמן והפגישות ממוקמות מצד ימין לשמאל (לפי סדר הכתיבה בעברית).</a:t>
+            </a:r>
+          </a:p>
+        </p:txBody>
+      </p:sp>
+      <p:cxnSp>
+        <p:nvCxnSpPr>
+          <p:cNvPr id="5" name="מחבר חץ ישר 4">
+            <a:extLst>
+              <a:ext uri="{FF2B5EF4-FFF2-40B4-BE49-F238E27FC236}">
+                <a16:creationId xmlns:a16="http://schemas.microsoft.com/office/drawing/2014/main" id="{3133421B-8C58-408C-8386-659EE009EF4D}"/>
+              </a:ext>
+            </a:extLst>
+          </p:cNvPr>
+          <p:cNvCxnSpPr/>
+          <p:nvPr/>
+        </p:nvCxnSpPr>
+        <p:spPr>
+          <a:xfrm flipH="1">
+            <a:off x="1152144" y="4712678"/>
+            <a:ext cx="5980176" cy="0"/>
+          </a:xfrm>
+          <a:prstGeom prst="straightConnector1">
+            <a:avLst/>
+          </a:prstGeom>
+          <a:ln>
+            <a:headEnd type="triangle"/>
+            <a:tailEnd type="triangle"/>
+          </a:ln>
+        </p:spPr>
+        <p:style>
+          <a:lnRef idx="1">
+            <a:schemeClr val="accent1"/>
+          </a:lnRef>
+          <a:fillRef idx="0">
+            <a:schemeClr val="accent1"/>
+          </a:fillRef>
+          <a:effectRef idx="0">
+            <a:schemeClr val="accent1"/>
+          </a:effectRef>
+          <a:fontRef idx="minor">
+            <a:schemeClr val="tx1"/>
+          </a:fontRef>
+        </p:style>
+      </p:cxnSp>
+      <p:sp>
+        <p:nvSpPr>
+          <p:cNvPr id="13" name="תיבת טקסט 12">
+            <a:extLst>
+              <a:ext uri="{FF2B5EF4-FFF2-40B4-BE49-F238E27FC236}">
+                <a16:creationId xmlns:a16="http://schemas.microsoft.com/office/drawing/2014/main" id="{E18D7AFE-6819-46E8-91E9-7633BA2436D1}"/>
+              </a:ext>
+            </a:extLst>
+          </p:cNvPr>
+          <p:cNvSpPr txBox="1"/>
+          <p:nvPr/>
+        </p:nvSpPr>
+        <p:spPr>
+          <a:xfrm>
+            <a:off x="6344530" y="4343346"/>
+            <a:ext cx="787790" cy="369332"/>
+          </a:xfrm>
+          <a:prstGeom prst="rect">
+            <a:avLst/>
+          </a:prstGeom>
+          <a:noFill/>
+        </p:spPr>
+        <p:txBody>
+          <a:bodyPr wrap="square" rtlCol="1">
+            <a:spAutoFit/>
+          </a:bodyPr>
+          <a:lstStyle/>
+          <a:p>
+            <a:pPr algn="r"/>
+            <a:r>
+              <a:rPr lang="he-IL" dirty="0">
+                <a:solidFill>
+                  <a:srgbClr val="C00000"/>
+                </a:solidFill>
+              </a:rPr>
+              <a:t>עבר</a:t>
             </a:r>
           </a:p>
         </p:txBody>
@@ -33047,6 +32945,44 @@
           <a:xfrm>
             <a:off x="4142232" y="4712678"/>
             <a:ext cx="0" cy="0"/>
+          </a:xfrm>
+          <a:prstGeom prst="line">
+            <a:avLst/>
+          </a:prstGeom>
+        </p:spPr>
+        <p:style>
+          <a:lnRef idx="1">
+            <a:schemeClr val="accent1"/>
+          </a:lnRef>
+          <a:fillRef idx="0">
+            <a:schemeClr val="accent1"/>
+          </a:fillRef>
+          <a:effectRef idx="0">
+            <a:schemeClr val="accent1"/>
+          </a:effectRef>
+          <a:fontRef idx="minor">
+            <a:schemeClr val="tx1"/>
+          </a:fontRef>
+        </p:style>
+      </p:cxnSp>
+      <p:cxnSp>
+        <p:nvCxnSpPr>
+          <p:cNvPr id="17" name="מחבר ישר 16">
+            <a:extLst>
+              <a:ext uri="{FF2B5EF4-FFF2-40B4-BE49-F238E27FC236}">
+                <a16:creationId xmlns:a16="http://schemas.microsoft.com/office/drawing/2014/main" id="{1079B52E-1461-48B2-9F6E-C88EBEBDC8D8}"/>
+              </a:ext>
+            </a:extLst>
+          </p:cNvPr>
+          <p:cNvCxnSpPr>
+            <a:cxnSpLocks/>
+          </p:cNvCxnSpPr>
+          <p:nvPr/>
+        </p:nvCxnSpPr>
+        <p:spPr>
+          <a:xfrm>
+            <a:off x="4105275" y="4557712"/>
+            <a:ext cx="0" cy="154966"/>
           </a:xfrm>
           <a:prstGeom prst="line">
             <a:avLst/>
@@ -33069,578 +33005,88 @@
       </p:cxnSp>
       <p:sp>
         <p:nvSpPr>
-          <p:cNvPr id="5" name="מלבן 4">
+          <p:cNvPr id="21" name="תיבת טקסט 20">
             <a:extLst>
               <a:ext uri="{FF2B5EF4-FFF2-40B4-BE49-F238E27FC236}">
-                <a16:creationId xmlns:a16="http://schemas.microsoft.com/office/drawing/2014/main" id="{4C73EFEC-90BB-40F0-A252-B466176492A4}"/>
+                <a16:creationId xmlns:a16="http://schemas.microsoft.com/office/drawing/2014/main" id="{4EC281CE-1594-427B-9064-3DC2F005CB96}"/>
               </a:ext>
             </a:extLst>
           </p:cNvPr>
-          <p:cNvSpPr/>
+          <p:cNvSpPr txBox="1"/>
           <p:nvPr/>
         </p:nvSpPr>
         <p:spPr>
           <a:xfrm>
-            <a:off x="1152144" y="3692769"/>
-            <a:ext cx="1069144" cy="829994"/>
+            <a:off x="3584917" y="4158680"/>
+            <a:ext cx="787790" cy="369332"/>
           </a:xfrm>
           <a:prstGeom prst="rect">
             <a:avLst/>
           </a:prstGeom>
-          <a:solidFill>
-            <a:srgbClr val="B4D0E7"/>
-          </a:solidFill>
-          <a:ln>
-            <a:solidFill>
-              <a:srgbClr val="B4D0E7"/>
-            </a:solidFill>
-          </a:ln>
+          <a:noFill/>
         </p:spPr>
-        <p:style>
-          <a:lnRef idx="2">
-            <a:schemeClr val="accent1">
-              <a:shade val="50000"/>
-            </a:schemeClr>
-          </a:lnRef>
-          <a:fillRef idx="1">
-            <a:schemeClr val="accent1"/>
-          </a:fillRef>
-          <a:effectRef idx="0">
-            <a:schemeClr val="accent1"/>
-          </a:effectRef>
-          <a:fontRef idx="minor">
-            <a:schemeClr val="lt1"/>
-          </a:fontRef>
-        </p:style>
         <p:txBody>
-          <a:bodyPr rtlCol="1" anchor="ctr"/>
+          <a:bodyPr wrap="square" rtlCol="1">
+            <a:spAutoFit/>
+          </a:bodyPr>
           <a:lstStyle/>
           <a:p>
-            <a:pPr algn="ctr"/>
-            <a:r>
-              <a:rPr lang="he-IL" dirty="0"/>
-              <a:t>התחברות\הרשמה</a:t>
+            <a:pPr algn="r"/>
+            <a:r>
+              <a:rPr lang="he-IL" dirty="0">
+                <a:solidFill>
+                  <a:srgbClr val="C00000"/>
+                </a:solidFill>
+              </a:rPr>
+              <a:t>הווה</a:t>
             </a:r>
           </a:p>
         </p:txBody>
       </p:sp>
       <p:sp>
         <p:nvSpPr>
-          <p:cNvPr id="14" name="מלבן 13">
+          <p:cNvPr id="22" name="תיבת טקסט 21">
             <a:extLst>
               <a:ext uri="{FF2B5EF4-FFF2-40B4-BE49-F238E27FC236}">
-                <a16:creationId xmlns:a16="http://schemas.microsoft.com/office/drawing/2014/main" id="{68D58D64-E668-452C-9ED8-016BEFFCCF82}"/>
+                <a16:creationId xmlns:a16="http://schemas.microsoft.com/office/drawing/2014/main" id="{B260147D-5FCC-4F73-AAE8-C6EA39016CB7}"/>
               </a:ext>
             </a:extLst>
           </p:cNvPr>
-          <p:cNvSpPr/>
+          <p:cNvSpPr txBox="1"/>
           <p:nvPr/>
         </p:nvSpPr>
         <p:spPr>
           <a:xfrm>
-            <a:off x="3479878" y="3692769"/>
-            <a:ext cx="1069144" cy="829994"/>
+            <a:off x="1004669" y="4290462"/>
+            <a:ext cx="787790" cy="369332"/>
           </a:xfrm>
           <a:prstGeom prst="rect">
             <a:avLst/>
           </a:prstGeom>
-          <a:solidFill>
-            <a:srgbClr val="B4D0E7"/>
-          </a:solidFill>
-          <a:ln>
-            <a:solidFill>
-              <a:srgbClr val="B4D0E7"/>
-            </a:solidFill>
-          </a:ln>
+          <a:noFill/>
         </p:spPr>
-        <p:style>
-          <a:lnRef idx="2">
-            <a:schemeClr val="accent1">
-              <a:shade val="50000"/>
-            </a:schemeClr>
-          </a:lnRef>
-          <a:fillRef idx="1">
-            <a:schemeClr val="accent1"/>
-          </a:fillRef>
-          <a:effectRef idx="0">
-            <a:schemeClr val="accent1"/>
-          </a:effectRef>
-          <a:fontRef idx="minor">
-            <a:schemeClr val="lt1"/>
-          </a:fontRef>
-        </p:style>
         <p:txBody>
-          <a:bodyPr rtlCol="1" anchor="ctr"/>
+          <a:bodyPr wrap="square" rtlCol="1">
+            <a:spAutoFit/>
+          </a:bodyPr>
           <a:lstStyle/>
           <a:p>
-            <a:pPr algn="ctr"/>
-            <a:r>
-              <a:rPr lang="he-IL" dirty="0"/>
-              <a:t>לוח שנה</a:t>
+            <a:pPr algn="r"/>
+            <a:r>
+              <a:rPr lang="he-IL" dirty="0">
+                <a:solidFill>
+                  <a:srgbClr val="C00000"/>
+                </a:solidFill>
+              </a:rPr>
+              <a:t>עתיד</a:t>
             </a:r>
           </a:p>
         </p:txBody>
       </p:sp>
-      <p:sp>
-        <p:nvSpPr>
-          <p:cNvPr id="16" name="מלבן 15">
-            <a:extLst>
-              <a:ext uri="{FF2B5EF4-FFF2-40B4-BE49-F238E27FC236}">
-                <a16:creationId xmlns:a16="http://schemas.microsoft.com/office/drawing/2014/main" id="{FE00933F-4AAF-4B27-A1EA-5441F5FD5DF2}"/>
-              </a:ext>
-            </a:extLst>
-          </p:cNvPr>
-          <p:cNvSpPr/>
-          <p:nvPr/>
-        </p:nvSpPr>
-        <p:spPr>
-          <a:xfrm>
-            <a:off x="3479878" y="5293288"/>
-            <a:ext cx="1069144" cy="829994"/>
-          </a:xfrm>
-          <a:prstGeom prst="rect">
-            <a:avLst/>
-          </a:prstGeom>
-          <a:solidFill>
-            <a:srgbClr val="B4D0E7"/>
-          </a:solidFill>
-          <a:ln>
-            <a:solidFill>
-              <a:srgbClr val="B4D0E7"/>
-            </a:solidFill>
-          </a:ln>
-        </p:spPr>
-        <p:style>
-          <a:lnRef idx="2">
-            <a:schemeClr val="accent1">
-              <a:shade val="50000"/>
-            </a:schemeClr>
-          </a:lnRef>
-          <a:fillRef idx="1">
-            <a:schemeClr val="accent1"/>
-          </a:fillRef>
-          <a:effectRef idx="0">
-            <a:schemeClr val="accent1"/>
-          </a:effectRef>
-          <a:fontRef idx="minor">
-            <a:schemeClr val="lt1"/>
-          </a:fontRef>
-        </p:style>
-        <p:txBody>
-          <a:bodyPr rtlCol="1" anchor="ctr"/>
-          <a:lstStyle/>
-          <a:p>
-            <a:pPr algn="ctr"/>
-            <a:r>
-              <a:rPr lang="he-IL" dirty="0"/>
-              <a:t>אזור אישי</a:t>
-            </a:r>
-          </a:p>
-        </p:txBody>
-      </p:sp>
-      <p:cxnSp>
-        <p:nvCxnSpPr>
-          <p:cNvPr id="17" name="מחבר חץ ישר 16">
-            <a:extLst>
-              <a:ext uri="{FF2B5EF4-FFF2-40B4-BE49-F238E27FC236}">
-                <a16:creationId xmlns:a16="http://schemas.microsoft.com/office/drawing/2014/main" id="{2CA02720-FE38-4745-BF27-DB559CBE6472}"/>
-              </a:ext>
-            </a:extLst>
-          </p:cNvPr>
-          <p:cNvCxnSpPr>
-            <a:stCxn id="5" idx="3"/>
-            <a:endCxn id="14" idx="1"/>
-          </p:cNvCxnSpPr>
-          <p:nvPr/>
-        </p:nvCxnSpPr>
-        <p:spPr>
-          <a:xfrm>
-            <a:off x="2221288" y="4107766"/>
-            <a:ext cx="1258590" cy="0"/>
-          </a:xfrm>
-          <a:prstGeom prst="straightConnector1">
-            <a:avLst/>
-          </a:prstGeom>
-          <a:ln>
-            <a:solidFill>
-              <a:schemeClr val="tx1"/>
-            </a:solidFill>
-            <a:tailEnd type="triangle"/>
-          </a:ln>
-        </p:spPr>
-        <p:style>
-          <a:lnRef idx="1">
-            <a:schemeClr val="accent1"/>
-          </a:lnRef>
-          <a:fillRef idx="0">
-            <a:schemeClr val="accent1"/>
-          </a:fillRef>
-          <a:effectRef idx="0">
-            <a:schemeClr val="accent1"/>
-          </a:effectRef>
-          <a:fontRef idx="minor">
-            <a:schemeClr val="tx1"/>
-          </a:fontRef>
-        </p:style>
-      </p:cxnSp>
-      <p:cxnSp>
-        <p:nvCxnSpPr>
-          <p:cNvPr id="19" name="מחבר חץ ישר 18">
-            <a:extLst>
-              <a:ext uri="{FF2B5EF4-FFF2-40B4-BE49-F238E27FC236}">
-                <a16:creationId xmlns:a16="http://schemas.microsoft.com/office/drawing/2014/main" id="{A28AAAA7-474F-455E-9FFE-2E92353FF025}"/>
-              </a:ext>
-            </a:extLst>
-          </p:cNvPr>
-          <p:cNvCxnSpPr>
-            <a:stCxn id="14" idx="2"/>
-            <a:endCxn id="16" idx="0"/>
-          </p:cNvCxnSpPr>
-          <p:nvPr/>
-        </p:nvCxnSpPr>
-        <p:spPr>
-          <a:xfrm>
-            <a:off x="4014450" y="4522763"/>
-            <a:ext cx="0" cy="770525"/>
-          </a:xfrm>
-          <a:prstGeom prst="straightConnector1">
-            <a:avLst/>
-          </a:prstGeom>
-          <a:ln>
-            <a:solidFill>
-              <a:schemeClr val="tx1"/>
-            </a:solidFill>
-            <a:headEnd type="triangle"/>
-            <a:tailEnd type="triangle"/>
-          </a:ln>
-        </p:spPr>
-        <p:style>
-          <a:lnRef idx="1">
-            <a:schemeClr val="accent1"/>
-          </a:lnRef>
-          <a:fillRef idx="0">
-            <a:schemeClr val="accent1"/>
-          </a:fillRef>
-          <a:effectRef idx="0">
-            <a:schemeClr val="accent1"/>
-          </a:effectRef>
-          <a:fontRef idx="minor">
-            <a:schemeClr val="tx1"/>
-          </a:fontRef>
-        </p:style>
-      </p:cxnSp>
-      <p:sp>
-        <p:nvSpPr>
-          <p:cNvPr id="21" name="מלבן 20">
-            <a:extLst>
-              <a:ext uri="{FF2B5EF4-FFF2-40B4-BE49-F238E27FC236}">
-                <a16:creationId xmlns:a16="http://schemas.microsoft.com/office/drawing/2014/main" id="{5EC87226-741E-4C41-832B-50FC792F64A6}"/>
-              </a:ext>
-            </a:extLst>
-          </p:cNvPr>
-          <p:cNvSpPr/>
-          <p:nvPr/>
-        </p:nvSpPr>
-        <p:spPr>
-          <a:xfrm>
-            <a:off x="6989299" y="3037769"/>
-            <a:ext cx="1069144" cy="829994"/>
-          </a:xfrm>
-          <a:prstGeom prst="rect">
-            <a:avLst/>
-          </a:prstGeom>
-          <a:solidFill>
-            <a:srgbClr val="B4D0E7"/>
-          </a:solidFill>
-          <a:ln>
-            <a:solidFill>
-              <a:srgbClr val="B4D0E7"/>
-            </a:solidFill>
-          </a:ln>
-        </p:spPr>
-        <p:style>
-          <a:lnRef idx="2">
-            <a:schemeClr val="accent1">
-              <a:shade val="50000"/>
-            </a:schemeClr>
-          </a:lnRef>
-          <a:fillRef idx="1">
-            <a:schemeClr val="accent1"/>
-          </a:fillRef>
-          <a:effectRef idx="0">
-            <a:schemeClr val="accent1"/>
-          </a:effectRef>
-          <a:fontRef idx="minor">
-            <a:schemeClr val="lt1"/>
-          </a:fontRef>
-        </p:style>
-        <p:txBody>
-          <a:bodyPr rtlCol="1" anchor="ctr"/>
-          <a:lstStyle/>
-          <a:p>
-            <a:pPr algn="ctr"/>
-            <a:r>
-              <a:rPr lang="he-IL" dirty="0"/>
-              <a:t>יצירת פגישה</a:t>
-            </a:r>
-          </a:p>
-        </p:txBody>
-      </p:sp>
-      <p:sp>
-        <p:nvSpPr>
-          <p:cNvPr id="22" name="מלבן 21">
-            <a:extLst>
-              <a:ext uri="{FF2B5EF4-FFF2-40B4-BE49-F238E27FC236}">
-                <a16:creationId xmlns:a16="http://schemas.microsoft.com/office/drawing/2014/main" id="{8FE29AE8-B766-4490-AC03-308875E417BD}"/>
-              </a:ext>
-            </a:extLst>
-          </p:cNvPr>
-          <p:cNvSpPr/>
-          <p:nvPr/>
-        </p:nvSpPr>
-        <p:spPr>
-          <a:xfrm>
-            <a:off x="6989299" y="4231244"/>
-            <a:ext cx="1069144" cy="829994"/>
-          </a:xfrm>
-          <a:prstGeom prst="rect">
-            <a:avLst/>
-          </a:prstGeom>
-          <a:solidFill>
-            <a:srgbClr val="B4D0E7"/>
-          </a:solidFill>
-          <a:ln>
-            <a:solidFill>
-              <a:srgbClr val="B4D0E7"/>
-            </a:solidFill>
-          </a:ln>
-        </p:spPr>
-        <p:style>
-          <a:lnRef idx="2">
-            <a:schemeClr val="accent1">
-              <a:shade val="50000"/>
-            </a:schemeClr>
-          </a:lnRef>
-          <a:fillRef idx="1">
-            <a:schemeClr val="accent1"/>
-          </a:fillRef>
-          <a:effectRef idx="0">
-            <a:schemeClr val="accent1"/>
-          </a:effectRef>
-          <a:fontRef idx="minor">
-            <a:schemeClr val="lt1"/>
-          </a:fontRef>
-        </p:style>
-        <p:txBody>
-          <a:bodyPr rtlCol="1" anchor="ctr"/>
-          <a:lstStyle/>
-          <a:p>
-            <a:pPr algn="ctr"/>
-            <a:r>
-              <a:rPr lang="he-IL" dirty="0"/>
-              <a:t>יצירת אילוץ</a:t>
-            </a:r>
-          </a:p>
-        </p:txBody>
-      </p:sp>
-      <p:sp>
-        <p:nvSpPr>
-          <p:cNvPr id="23" name="מלבן 22">
-            <a:extLst>
-              <a:ext uri="{FF2B5EF4-FFF2-40B4-BE49-F238E27FC236}">
-                <a16:creationId xmlns:a16="http://schemas.microsoft.com/office/drawing/2014/main" id="{91E5B70A-D921-4664-80F0-C84C5ADA2917}"/>
-              </a:ext>
-            </a:extLst>
-          </p:cNvPr>
-          <p:cNvSpPr/>
-          <p:nvPr/>
-        </p:nvSpPr>
-        <p:spPr>
-          <a:xfrm>
-            <a:off x="6989299" y="5521270"/>
-            <a:ext cx="1069144" cy="829994"/>
-          </a:xfrm>
-          <a:prstGeom prst="rect">
-            <a:avLst/>
-          </a:prstGeom>
-          <a:solidFill>
-            <a:srgbClr val="B4D0E7"/>
-          </a:solidFill>
-          <a:ln>
-            <a:solidFill>
-              <a:srgbClr val="B4D0E7"/>
-            </a:solidFill>
-          </a:ln>
-        </p:spPr>
-        <p:style>
-          <a:lnRef idx="2">
-            <a:schemeClr val="accent1">
-              <a:shade val="50000"/>
-            </a:schemeClr>
-          </a:lnRef>
-          <a:fillRef idx="1">
-            <a:schemeClr val="accent1"/>
-          </a:fillRef>
-          <a:effectRef idx="0">
-            <a:schemeClr val="accent1"/>
-          </a:effectRef>
-          <a:fontRef idx="minor">
-            <a:schemeClr val="lt1"/>
-          </a:fontRef>
-        </p:style>
-        <p:txBody>
-          <a:bodyPr rtlCol="1" anchor="ctr"/>
-          <a:lstStyle/>
-          <a:p>
-            <a:pPr algn="ctr"/>
-            <a:r>
-              <a:rPr lang="he-IL" dirty="0"/>
-              <a:t>יצירת מקום</a:t>
-            </a:r>
-          </a:p>
-        </p:txBody>
-      </p:sp>
-      <p:cxnSp>
-        <p:nvCxnSpPr>
-          <p:cNvPr id="25" name="מחבר חץ ישר 24">
-            <a:extLst>
-              <a:ext uri="{FF2B5EF4-FFF2-40B4-BE49-F238E27FC236}">
-                <a16:creationId xmlns:a16="http://schemas.microsoft.com/office/drawing/2014/main" id="{FF17E7FF-B123-4821-954B-3F8431F71456}"/>
-              </a:ext>
-            </a:extLst>
-          </p:cNvPr>
-          <p:cNvCxnSpPr>
-            <a:stCxn id="14" idx="3"/>
-            <a:endCxn id="21" idx="1"/>
-          </p:cNvCxnSpPr>
-          <p:nvPr/>
-        </p:nvCxnSpPr>
-        <p:spPr>
-          <a:xfrm flipV="1">
-            <a:off x="4549022" y="3452766"/>
-            <a:ext cx="2440277" cy="655000"/>
-          </a:xfrm>
-          <a:prstGeom prst="straightConnector1">
-            <a:avLst/>
-          </a:prstGeom>
-          <a:ln>
-            <a:solidFill>
-              <a:schemeClr val="tx1"/>
-            </a:solidFill>
-            <a:tailEnd type="triangle"/>
-          </a:ln>
-        </p:spPr>
-        <p:style>
-          <a:lnRef idx="1">
-            <a:schemeClr val="accent1"/>
-          </a:lnRef>
-          <a:fillRef idx="0">
-            <a:schemeClr val="accent1"/>
-          </a:fillRef>
-          <a:effectRef idx="0">
-            <a:schemeClr val="accent1"/>
-          </a:effectRef>
-          <a:fontRef idx="minor">
-            <a:schemeClr val="tx1"/>
-          </a:fontRef>
-        </p:style>
-      </p:cxnSp>
-      <p:cxnSp>
-        <p:nvCxnSpPr>
-          <p:cNvPr id="26" name="מחבר חץ ישר 25">
-            <a:extLst>
-              <a:ext uri="{FF2B5EF4-FFF2-40B4-BE49-F238E27FC236}">
-                <a16:creationId xmlns:a16="http://schemas.microsoft.com/office/drawing/2014/main" id="{A62B8856-7061-41B1-A07E-9F1BC4122F50}"/>
-              </a:ext>
-            </a:extLst>
-          </p:cNvPr>
-          <p:cNvCxnSpPr>
-            <a:cxnSpLocks/>
-            <a:stCxn id="14" idx="3"/>
-            <a:endCxn id="22" idx="1"/>
-          </p:cNvCxnSpPr>
-          <p:nvPr/>
-        </p:nvCxnSpPr>
-        <p:spPr>
-          <a:xfrm>
-            <a:off x="4549022" y="4107766"/>
-            <a:ext cx="2440277" cy="538475"/>
-          </a:xfrm>
-          <a:prstGeom prst="straightConnector1">
-            <a:avLst/>
-          </a:prstGeom>
-          <a:ln>
-            <a:solidFill>
-              <a:schemeClr val="tx1"/>
-            </a:solidFill>
-            <a:tailEnd type="triangle"/>
-          </a:ln>
-        </p:spPr>
-        <p:style>
-          <a:lnRef idx="1">
-            <a:schemeClr val="accent1"/>
-          </a:lnRef>
-          <a:fillRef idx="0">
-            <a:schemeClr val="accent1"/>
-          </a:fillRef>
-          <a:effectRef idx="0">
-            <a:schemeClr val="accent1"/>
-          </a:effectRef>
-          <a:fontRef idx="minor">
-            <a:schemeClr val="tx1"/>
-          </a:fontRef>
-        </p:style>
-      </p:cxnSp>
-      <p:cxnSp>
-        <p:nvCxnSpPr>
-          <p:cNvPr id="38" name="מחבר חץ ישר 37">
-            <a:extLst>
-              <a:ext uri="{FF2B5EF4-FFF2-40B4-BE49-F238E27FC236}">
-                <a16:creationId xmlns:a16="http://schemas.microsoft.com/office/drawing/2014/main" id="{07A16A20-BDAD-46A3-9CA5-CF870C045834}"/>
-              </a:ext>
-            </a:extLst>
-          </p:cNvPr>
-          <p:cNvCxnSpPr>
-            <a:cxnSpLocks/>
-            <a:stCxn id="16" idx="3"/>
-            <a:endCxn id="23" idx="1"/>
-          </p:cNvCxnSpPr>
-          <p:nvPr/>
-        </p:nvCxnSpPr>
-        <p:spPr>
-          <a:xfrm>
-            <a:off x="4549022" y="5708285"/>
-            <a:ext cx="2440277" cy="227982"/>
-          </a:xfrm>
-          <a:prstGeom prst="straightConnector1">
-            <a:avLst/>
-          </a:prstGeom>
-          <a:ln>
-            <a:solidFill>
-              <a:schemeClr val="tx1"/>
-            </a:solidFill>
-            <a:tailEnd type="triangle"/>
-          </a:ln>
-        </p:spPr>
-        <p:style>
-          <a:lnRef idx="1">
-            <a:schemeClr val="accent1"/>
-          </a:lnRef>
-          <a:fillRef idx="0">
-            <a:schemeClr val="accent1"/>
-          </a:fillRef>
-          <a:effectRef idx="0">
-            <a:schemeClr val="accent1"/>
-          </a:effectRef>
-          <a:fontRef idx="minor">
-            <a:schemeClr val="tx1"/>
-          </a:fontRef>
-        </p:style>
-      </p:cxnSp>
     </p:spTree>
     <p:extLst>
       <p:ext uri="{BB962C8B-B14F-4D97-AF65-F5344CB8AC3E}">
-        <p14:creationId xmlns:p14="http://schemas.microsoft.com/office/powerpoint/2010/main" val="2063610563"/>
+        <p14:creationId xmlns:p14="http://schemas.microsoft.com/office/powerpoint/2010/main" val="1816347366"/>
       </p:ext>
     </p:extLst>
   </p:cSld>
@@ -34187,6 +33633,950 @@
     <p:extLst>
       <p:ext uri="{BB962C8B-B14F-4D97-AF65-F5344CB8AC3E}">
         <p14:creationId xmlns:p14="http://schemas.microsoft.com/office/powerpoint/2010/main" val="1675124401"/>
+      </p:ext>
+    </p:extLst>
+  </p:cSld>
+  <p:clrMapOvr>
+    <a:masterClrMapping/>
+  </p:clrMapOvr>
+</p:sld>
+</file>
+
+<file path=ppt/slides/slide70.xml><?xml version="1.0" encoding="utf-8"?>
+<p:sld xmlns:a="http://schemas.openxmlformats.org/drawingml/2006/main" xmlns:r="http://schemas.openxmlformats.org/officeDocument/2006/relationships" xmlns:p="http://schemas.openxmlformats.org/presentationml/2006/main">
+  <p:cSld>
+    <p:spTree>
+      <p:nvGrpSpPr>
+        <p:cNvPr id="1" name=""/>
+        <p:cNvGrpSpPr/>
+        <p:nvPr/>
+      </p:nvGrpSpPr>
+      <p:grpSpPr>
+        <a:xfrm>
+          <a:off x="0" y="0"/>
+          <a:ext cx="0" cy="0"/>
+          <a:chOff x="0" y="0"/>
+          <a:chExt cx="0" cy="0"/>
+        </a:xfrm>
+      </p:grpSpPr>
+      <p:sp>
+        <p:nvSpPr>
+          <p:cNvPr id="2" name="Title 1">
+            <a:extLst>
+              <a:ext uri="{FF2B5EF4-FFF2-40B4-BE49-F238E27FC236}">
+                <a16:creationId xmlns:a16="http://schemas.microsoft.com/office/drawing/2014/main" id="{F2E75ACD-C303-46DD-8FB4-27FC6A409857}"/>
+              </a:ext>
+            </a:extLst>
+          </p:cNvPr>
+          <p:cNvSpPr>
+            <a:spLocks noGrp="1"/>
+          </p:cNvSpPr>
+          <p:nvPr>
+            <p:ph type="title"/>
+          </p:nvPr>
+        </p:nvSpPr>
+        <p:spPr/>
+        <p:txBody>
+          <a:bodyPr/>
+          <a:lstStyle/>
+          <a:p>
+            <a:pPr algn="ctr"/>
+            <a:r>
+              <a:rPr lang="he-IL" sz="4800" dirty="0"/>
+              <a:t>ארכיטקטורת מידע</a:t>
+            </a:r>
+            <a:endParaRPr lang="en-US" sz="4800" dirty="0"/>
+          </a:p>
+        </p:txBody>
+      </p:sp>
+      <p:sp>
+        <p:nvSpPr>
+          <p:cNvPr id="12" name="תיבת טקסט 11">
+            <a:extLst>
+              <a:ext uri="{FF2B5EF4-FFF2-40B4-BE49-F238E27FC236}">
+                <a16:creationId xmlns:a16="http://schemas.microsoft.com/office/drawing/2014/main" id="{77AF2D51-D00C-40F2-9B31-0894F6F09F0E}"/>
+              </a:ext>
+            </a:extLst>
+          </p:cNvPr>
+          <p:cNvSpPr txBox="1"/>
+          <p:nvPr/>
+        </p:nvSpPr>
+        <p:spPr>
+          <a:xfrm>
+            <a:off x="8361020" y="2257425"/>
+            <a:ext cx="3830980" cy="1200329"/>
+          </a:xfrm>
+          <a:prstGeom prst="rect">
+            <a:avLst/>
+          </a:prstGeom>
+          <a:noFill/>
+        </p:spPr>
+        <p:txBody>
+          <a:bodyPr wrap="square" rtlCol="1">
+            <a:spAutoFit/>
+          </a:bodyPr>
+          <a:lstStyle/>
+          <a:p>
+            <a:pPr marL="285750" indent="-285750" algn="r" rtl="1">
+              <a:buFont typeface="Arial" panose="020B0604020202020204" pitchFamily="34" charset="0"/>
+              <a:buChar char="•"/>
+            </a:pPr>
+            <a:r>
+              <a:rPr lang="he-IL" dirty="0"/>
+              <a:t>בנוסף חלק מהמערכת בנויה לפי נושאים, זאת כדי לאפשר למשתמש להתמצא בקלות בין כל הפגישות או המיקומים ומצבי הפגישות. </a:t>
+            </a:r>
+          </a:p>
+        </p:txBody>
+      </p:sp>
+      <p:cxnSp>
+        <p:nvCxnSpPr>
+          <p:cNvPr id="15" name="מחבר ישר 14">
+            <a:extLst>
+              <a:ext uri="{FF2B5EF4-FFF2-40B4-BE49-F238E27FC236}">
+                <a16:creationId xmlns:a16="http://schemas.microsoft.com/office/drawing/2014/main" id="{C679A093-27E5-4BE4-A986-E68C743F804F}"/>
+              </a:ext>
+            </a:extLst>
+          </p:cNvPr>
+          <p:cNvCxnSpPr/>
+          <p:nvPr/>
+        </p:nvCxnSpPr>
+        <p:spPr>
+          <a:xfrm>
+            <a:off x="4142232" y="4712678"/>
+            <a:ext cx="0" cy="0"/>
+          </a:xfrm>
+          <a:prstGeom prst="line">
+            <a:avLst/>
+          </a:prstGeom>
+        </p:spPr>
+        <p:style>
+          <a:lnRef idx="1">
+            <a:schemeClr val="accent1"/>
+          </a:lnRef>
+          <a:fillRef idx="0">
+            <a:schemeClr val="accent1"/>
+          </a:fillRef>
+          <a:effectRef idx="0">
+            <a:schemeClr val="accent1"/>
+          </a:effectRef>
+          <a:fontRef idx="minor">
+            <a:schemeClr val="tx1"/>
+          </a:fontRef>
+        </p:style>
+      </p:cxnSp>
+      <p:pic>
+        <p:nvPicPr>
+          <p:cNvPr id="11" name="תמונה 10">
+            <a:extLst>
+              <a:ext uri="{FF2B5EF4-FFF2-40B4-BE49-F238E27FC236}">
+                <a16:creationId xmlns:a16="http://schemas.microsoft.com/office/drawing/2014/main" id="{29878191-761A-4093-8102-7EE9E370FBC4}"/>
+              </a:ext>
+            </a:extLst>
+          </p:cNvPr>
+          <p:cNvPicPr>
+            <a:picLocks noChangeAspect="1"/>
+          </p:cNvPicPr>
+          <p:nvPr/>
+        </p:nvPicPr>
+        <p:blipFill>
+          <a:blip r:embed="rId2"/>
+          <a:stretch>
+            <a:fillRect/>
+          </a:stretch>
+        </p:blipFill>
+        <p:spPr>
+          <a:xfrm>
+            <a:off x="0" y="2328127"/>
+            <a:ext cx="8060788" cy="4529874"/>
+          </a:xfrm>
+          <a:prstGeom prst="rect">
+            <a:avLst/>
+          </a:prstGeom>
+        </p:spPr>
+      </p:pic>
+      <p:cxnSp>
+        <p:nvCxnSpPr>
+          <p:cNvPr id="6" name="מחבר ישר 5">
+            <a:extLst>
+              <a:ext uri="{FF2B5EF4-FFF2-40B4-BE49-F238E27FC236}">
+                <a16:creationId xmlns:a16="http://schemas.microsoft.com/office/drawing/2014/main" id="{C97B8B9E-511F-437D-A6A1-0CDA55A9C098}"/>
+              </a:ext>
+            </a:extLst>
+          </p:cNvPr>
+          <p:cNvCxnSpPr>
+            <a:endCxn id="11" idx="2"/>
+          </p:cNvCxnSpPr>
+          <p:nvPr/>
+        </p:nvCxnSpPr>
+        <p:spPr>
+          <a:xfrm>
+            <a:off x="4009292" y="2869809"/>
+            <a:ext cx="21102" cy="3988192"/>
+          </a:xfrm>
+          <a:prstGeom prst="line">
+            <a:avLst/>
+          </a:prstGeom>
+        </p:spPr>
+        <p:style>
+          <a:lnRef idx="1">
+            <a:schemeClr val="accent1"/>
+          </a:lnRef>
+          <a:fillRef idx="0">
+            <a:schemeClr val="accent1"/>
+          </a:fillRef>
+          <a:effectRef idx="0">
+            <a:schemeClr val="accent1"/>
+          </a:effectRef>
+          <a:fontRef idx="minor">
+            <a:schemeClr val="tx1"/>
+          </a:fontRef>
+        </p:style>
+      </p:cxnSp>
+      <p:cxnSp>
+        <p:nvCxnSpPr>
+          <p:cNvPr id="8" name="מחבר ישר 7">
+            <a:extLst>
+              <a:ext uri="{FF2B5EF4-FFF2-40B4-BE49-F238E27FC236}">
+                <a16:creationId xmlns:a16="http://schemas.microsoft.com/office/drawing/2014/main" id="{27BBCB68-329B-4B19-A8F6-B4E111045CC0}"/>
+              </a:ext>
+            </a:extLst>
+          </p:cNvPr>
+          <p:cNvCxnSpPr/>
+          <p:nvPr/>
+        </p:nvCxnSpPr>
+        <p:spPr>
+          <a:xfrm>
+            <a:off x="0" y="4895557"/>
+            <a:ext cx="8060788" cy="0"/>
+          </a:xfrm>
+          <a:prstGeom prst="line">
+            <a:avLst/>
+          </a:prstGeom>
+        </p:spPr>
+        <p:style>
+          <a:lnRef idx="1">
+            <a:schemeClr val="accent1"/>
+          </a:lnRef>
+          <a:fillRef idx="0">
+            <a:schemeClr val="accent1"/>
+          </a:fillRef>
+          <a:effectRef idx="0">
+            <a:schemeClr val="accent1"/>
+          </a:effectRef>
+          <a:fontRef idx="minor">
+            <a:schemeClr val="tx1"/>
+          </a:fontRef>
+        </p:style>
+      </p:cxnSp>
+    </p:spTree>
+    <p:extLst>
+      <p:ext uri="{BB962C8B-B14F-4D97-AF65-F5344CB8AC3E}">
+        <p14:creationId xmlns:p14="http://schemas.microsoft.com/office/powerpoint/2010/main" val="2281359754"/>
+      </p:ext>
+    </p:extLst>
+  </p:cSld>
+  <p:clrMapOvr>
+    <a:masterClrMapping/>
+  </p:clrMapOvr>
+</p:sld>
+</file>
+
+<file path=ppt/slides/slide71.xml><?xml version="1.0" encoding="utf-8"?>
+<p:sld xmlns:a="http://schemas.openxmlformats.org/drawingml/2006/main" xmlns:r="http://schemas.openxmlformats.org/officeDocument/2006/relationships" xmlns:p="http://schemas.openxmlformats.org/presentationml/2006/main">
+  <p:cSld>
+    <p:spTree>
+      <p:nvGrpSpPr>
+        <p:cNvPr id="1" name=""/>
+        <p:cNvGrpSpPr/>
+        <p:nvPr/>
+      </p:nvGrpSpPr>
+      <p:grpSpPr>
+        <a:xfrm>
+          <a:off x="0" y="0"/>
+          <a:ext cx="0" cy="0"/>
+          <a:chOff x="0" y="0"/>
+          <a:chExt cx="0" cy="0"/>
+        </a:xfrm>
+      </p:grpSpPr>
+      <p:sp>
+        <p:nvSpPr>
+          <p:cNvPr id="2" name="Title 1">
+            <a:extLst>
+              <a:ext uri="{FF2B5EF4-FFF2-40B4-BE49-F238E27FC236}">
+                <a16:creationId xmlns:a16="http://schemas.microsoft.com/office/drawing/2014/main" id="{F2E75ACD-C303-46DD-8FB4-27FC6A409857}"/>
+              </a:ext>
+            </a:extLst>
+          </p:cNvPr>
+          <p:cNvSpPr>
+            <a:spLocks noGrp="1"/>
+          </p:cNvSpPr>
+          <p:nvPr>
+            <p:ph type="title"/>
+          </p:nvPr>
+        </p:nvSpPr>
+        <p:spPr/>
+        <p:txBody>
+          <a:bodyPr/>
+          <a:lstStyle/>
+          <a:p>
+            <a:pPr algn="ctr"/>
+            <a:r>
+              <a:rPr lang="he-IL" sz="4800" dirty="0"/>
+              <a:t>מודל הניווט</a:t>
+            </a:r>
+            <a:endParaRPr lang="en-US" sz="4800" dirty="0"/>
+          </a:p>
+        </p:txBody>
+      </p:sp>
+      <p:sp>
+        <p:nvSpPr>
+          <p:cNvPr id="12" name="תיבת טקסט 11">
+            <a:extLst>
+              <a:ext uri="{FF2B5EF4-FFF2-40B4-BE49-F238E27FC236}">
+                <a16:creationId xmlns:a16="http://schemas.microsoft.com/office/drawing/2014/main" id="{77AF2D51-D00C-40F2-9B31-0894F6F09F0E}"/>
+              </a:ext>
+            </a:extLst>
+          </p:cNvPr>
+          <p:cNvSpPr txBox="1"/>
+          <p:nvPr/>
+        </p:nvSpPr>
+        <p:spPr>
+          <a:xfrm>
+            <a:off x="1561514" y="2257425"/>
+            <a:ext cx="10630486" cy="646331"/>
+          </a:xfrm>
+          <a:prstGeom prst="rect">
+            <a:avLst/>
+          </a:prstGeom>
+          <a:noFill/>
+        </p:spPr>
+        <p:txBody>
+          <a:bodyPr wrap="square" rtlCol="1">
+            <a:spAutoFit/>
+          </a:bodyPr>
+          <a:lstStyle/>
+          <a:p>
+            <a:pPr marL="285750" indent="-285750" algn="r" rtl="1">
+              <a:buFont typeface="Arial" panose="020B0604020202020204" pitchFamily="34" charset="0"/>
+              <a:buChar char="•"/>
+            </a:pPr>
+            <a:r>
+              <a:rPr lang="he-IL" dirty="0"/>
+              <a:t>מודל הניווט של המערכת הינה ניווט סיקוונסיאלי, זאת מכיוון שהפעולות במערכת תלויות האחת בשנייה צריך להתחבר בכדי להגיע ללוח השנה\האיזור האישי שלך צריך לבחור טווח בלוח שנה כדי לקבוע פגישה וכו'</a:t>
+            </a:r>
+          </a:p>
+        </p:txBody>
+      </p:sp>
+      <p:cxnSp>
+        <p:nvCxnSpPr>
+          <p:cNvPr id="15" name="מחבר ישר 14">
+            <a:extLst>
+              <a:ext uri="{FF2B5EF4-FFF2-40B4-BE49-F238E27FC236}">
+                <a16:creationId xmlns:a16="http://schemas.microsoft.com/office/drawing/2014/main" id="{C679A093-27E5-4BE4-A986-E68C743F804F}"/>
+              </a:ext>
+            </a:extLst>
+          </p:cNvPr>
+          <p:cNvCxnSpPr/>
+          <p:nvPr/>
+        </p:nvCxnSpPr>
+        <p:spPr>
+          <a:xfrm>
+            <a:off x="4142232" y="4712678"/>
+            <a:ext cx="0" cy="0"/>
+          </a:xfrm>
+          <a:prstGeom prst="line">
+            <a:avLst/>
+          </a:prstGeom>
+        </p:spPr>
+        <p:style>
+          <a:lnRef idx="1">
+            <a:schemeClr val="accent1"/>
+          </a:lnRef>
+          <a:fillRef idx="0">
+            <a:schemeClr val="accent1"/>
+          </a:fillRef>
+          <a:effectRef idx="0">
+            <a:schemeClr val="accent1"/>
+          </a:effectRef>
+          <a:fontRef idx="minor">
+            <a:schemeClr val="tx1"/>
+          </a:fontRef>
+        </p:style>
+      </p:cxnSp>
+      <p:sp>
+        <p:nvSpPr>
+          <p:cNvPr id="5" name="מלבן 4">
+            <a:extLst>
+              <a:ext uri="{FF2B5EF4-FFF2-40B4-BE49-F238E27FC236}">
+                <a16:creationId xmlns:a16="http://schemas.microsoft.com/office/drawing/2014/main" id="{4C73EFEC-90BB-40F0-A252-B466176492A4}"/>
+              </a:ext>
+            </a:extLst>
+          </p:cNvPr>
+          <p:cNvSpPr/>
+          <p:nvPr/>
+        </p:nvSpPr>
+        <p:spPr>
+          <a:xfrm>
+            <a:off x="1152144" y="3692769"/>
+            <a:ext cx="1069144" cy="829994"/>
+          </a:xfrm>
+          <a:prstGeom prst="rect">
+            <a:avLst/>
+          </a:prstGeom>
+          <a:solidFill>
+            <a:srgbClr val="B4D0E7"/>
+          </a:solidFill>
+          <a:ln>
+            <a:solidFill>
+              <a:srgbClr val="B4D0E7"/>
+            </a:solidFill>
+          </a:ln>
+        </p:spPr>
+        <p:style>
+          <a:lnRef idx="2">
+            <a:schemeClr val="accent1">
+              <a:shade val="50000"/>
+            </a:schemeClr>
+          </a:lnRef>
+          <a:fillRef idx="1">
+            <a:schemeClr val="accent1"/>
+          </a:fillRef>
+          <a:effectRef idx="0">
+            <a:schemeClr val="accent1"/>
+          </a:effectRef>
+          <a:fontRef idx="minor">
+            <a:schemeClr val="lt1"/>
+          </a:fontRef>
+        </p:style>
+        <p:txBody>
+          <a:bodyPr rtlCol="1" anchor="ctr"/>
+          <a:lstStyle/>
+          <a:p>
+            <a:pPr algn="ctr"/>
+            <a:r>
+              <a:rPr lang="he-IL" dirty="0"/>
+              <a:t>התחברות\הרשמה</a:t>
+            </a:r>
+          </a:p>
+        </p:txBody>
+      </p:sp>
+      <p:sp>
+        <p:nvSpPr>
+          <p:cNvPr id="14" name="מלבן 13">
+            <a:extLst>
+              <a:ext uri="{FF2B5EF4-FFF2-40B4-BE49-F238E27FC236}">
+                <a16:creationId xmlns:a16="http://schemas.microsoft.com/office/drawing/2014/main" id="{68D58D64-E668-452C-9ED8-016BEFFCCF82}"/>
+              </a:ext>
+            </a:extLst>
+          </p:cNvPr>
+          <p:cNvSpPr/>
+          <p:nvPr/>
+        </p:nvSpPr>
+        <p:spPr>
+          <a:xfrm>
+            <a:off x="3479878" y="3692769"/>
+            <a:ext cx="1069144" cy="829994"/>
+          </a:xfrm>
+          <a:prstGeom prst="rect">
+            <a:avLst/>
+          </a:prstGeom>
+          <a:solidFill>
+            <a:srgbClr val="B4D0E7"/>
+          </a:solidFill>
+          <a:ln>
+            <a:solidFill>
+              <a:srgbClr val="B4D0E7"/>
+            </a:solidFill>
+          </a:ln>
+        </p:spPr>
+        <p:style>
+          <a:lnRef idx="2">
+            <a:schemeClr val="accent1">
+              <a:shade val="50000"/>
+            </a:schemeClr>
+          </a:lnRef>
+          <a:fillRef idx="1">
+            <a:schemeClr val="accent1"/>
+          </a:fillRef>
+          <a:effectRef idx="0">
+            <a:schemeClr val="accent1"/>
+          </a:effectRef>
+          <a:fontRef idx="minor">
+            <a:schemeClr val="lt1"/>
+          </a:fontRef>
+        </p:style>
+        <p:txBody>
+          <a:bodyPr rtlCol="1" anchor="ctr"/>
+          <a:lstStyle/>
+          <a:p>
+            <a:pPr algn="ctr"/>
+            <a:r>
+              <a:rPr lang="he-IL" dirty="0"/>
+              <a:t>לוח שנה</a:t>
+            </a:r>
+          </a:p>
+        </p:txBody>
+      </p:sp>
+      <p:sp>
+        <p:nvSpPr>
+          <p:cNvPr id="16" name="מלבן 15">
+            <a:extLst>
+              <a:ext uri="{FF2B5EF4-FFF2-40B4-BE49-F238E27FC236}">
+                <a16:creationId xmlns:a16="http://schemas.microsoft.com/office/drawing/2014/main" id="{FE00933F-4AAF-4B27-A1EA-5441F5FD5DF2}"/>
+              </a:ext>
+            </a:extLst>
+          </p:cNvPr>
+          <p:cNvSpPr/>
+          <p:nvPr/>
+        </p:nvSpPr>
+        <p:spPr>
+          <a:xfrm>
+            <a:off x="3479878" y="5293288"/>
+            <a:ext cx="1069144" cy="829994"/>
+          </a:xfrm>
+          <a:prstGeom prst="rect">
+            <a:avLst/>
+          </a:prstGeom>
+          <a:solidFill>
+            <a:srgbClr val="B4D0E7"/>
+          </a:solidFill>
+          <a:ln>
+            <a:solidFill>
+              <a:srgbClr val="B4D0E7"/>
+            </a:solidFill>
+          </a:ln>
+        </p:spPr>
+        <p:style>
+          <a:lnRef idx="2">
+            <a:schemeClr val="accent1">
+              <a:shade val="50000"/>
+            </a:schemeClr>
+          </a:lnRef>
+          <a:fillRef idx="1">
+            <a:schemeClr val="accent1"/>
+          </a:fillRef>
+          <a:effectRef idx="0">
+            <a:schemeClr val="accent1"/>
+          </a:effectRef>
+          <a:fontRef idx="minor">
+            <a:schemeClr val="lt1"/>
+          </a:fontRef>
+        </p:style>
+        <p:txBody>
+          <a:bodyPr rtlCol="1" anchor="ctr"/>
+          <a:lstStyle/>
+          <a:p>
+            <a:pPr algn="ctr"/>
+            <a:r>
+              <a:rPr lang="he-IL" dirty="0"/>
+              <a:t>אזור אישי</a:t>
+            </a:r>
+          </a:p>
+        </p:txBody>
+      </p:sp>
+      <p:cxnSp>
+        <p:nvCxnSpPr>
+          <p:cNvPr id="17" name="מחבר חץ ישר 16">
+            <a:extLst>
+              <a:ext uri="{FF2B5EF4-FFF2-40B4-BE49-F238E27FC236}">
+                <a16:creationId xmlns:a16="http://schemas.microsoft.com/office/drawing/2014/main" id="{2CA02720-FE38-4745-BF27-DB559CBE6472}"/>
+              </a:ext>
+            </a:extLst>
+          </p:cNvPr>
+          <p:cNvCxnSpPr>
+            <a:stCxn id="5" idx="3"/>
+            <a:endCxn id="14" idx="1"/>
+          </p:cNvCxnSpPr>
+          <p:nvPr/>
+        </p:nvCxnSpPr>
+        <p:spPr>
+          <a:xfrm>
+            <a:off x="2221288" y="4107766"/>
+            <a:ext cx="1258590" cy="0"/>
+          </a:xfrm>
+          <a:prstGeom prst="straightConnector1">
+            <a:avLst/>
+          </a:prstGeom>
+          <a:ln>
+            <a:solidFill>
+              <a:schemeClr val="tx1"/>
+            </a:solidFill>
+            <a:tailEnd type="triangle"/>
+          </a:ln>
+        </p:spPr>
+        <p:style>
+          <a:lnRef idx="1">
+            <a:schemeClr val="accent1"/>
+          </a:lnRef>
+          <a:fillRef idx="0">
+            <a:schemeClr val="accent1"/>
+          </a:fillRef>
+          <a:effectRef idx="0">
+            <a:schemeClr val="accent1"/>
+          </a:effectRef>
+          <a:fontRef idx="minor">
+            <a:schemeClr val="tx1"/>
+          </a:fontRef>
+        </p:style>
+      </p:cxnSp>
+      <p:cxnSp>
+        <p:nvCxnSpPr>
+          <p:cNvPr id="19" name="מחבר חץ ישר 18">
+            <a:extLst>
+              <a:ext uri="{FF2B5EF4-FFF2-40B4-BE49-F238E27FC236}">
+                <a16:creationId xmlns:a16="http://schemas.microsoft.com/office/drawing/2014/main" id="{A28AAAA7-474F-455E-9FFE-2E92353FF025}"/>
+              </a:ext>
+            </a:extLst>
+          </p:cNvPr>
+          <p:cNvCxnSpPr>
+            <a:stCxn id="14" idx="2"/>
+            <a:endCxn id="16" idx="0"/>
+          </p:cNvCxnSpPr>
+          <p:nvPr/>
+        </p:nvCxnSpPr>
+        <p:spPr>
+          <a:xfrm>
+            <a:off x="4014450" y="4522763"/>
+            <a:ext cx="0" cy="770525"/>
+          </a:xfrm>
+          <a:prstGeom prst="straightConnector1">
+            <a:avLst/>
+          </a:prstGeom>
+          <a:ln>
+            <a:solidFill>
+              <a:schemeClr val="tx1"/>
+            </a:solidFill>
+            <a:headEnd type="triangle"/>
+            <a:tailEnd type="triangle"/>
+          </a:ln>
+        </p:spPr>
+        <p:style>
+          <a:lnRef idx="1">
+            <a:schemeClr val="accent1"/>
+          </a:lnRef>
+          <a:fillRef idx="0">
+            <a:schemeClr val="accent1"/>
+          </a:fillRef>
+          <a:effectRef idx="0">
+            <a:schemeClr val="accent1"/>
+          </a:effectRef>
+          <a:fontRef idx="minor">
+            <a:schemeClr val="tx1"/>
+          </a:fontRef>
+        </p:style>
+      </p:cxnSp>
+      <p:sp>
+        <p:nvSpPr>
+          <p:cNvPr id="21" name="מלבן 20">
+            <a:extLst>
+              <a:ext uri="{FF2B5EF4-FFF2-40B4-BE49-F238E27FC236}">
+                <a16:creationId xmlns:a16="http://schemas.microsoft.com/office/drawing/2014/main" id="{5EC87226-741E-4C41-832B-50FC792F64A6}"/>
+              </a:ext>
+            </a:extLst>
+          </p:cNvPr>
+          <p:cNvSpPr/>
+          <p:nvPr/>
+        </p:nvSpPr>
+        <p:spPr>
+          <a:xfrm>
+            <a:off x="6989299" y="3037769"/>
+            <a:ext cx="1069144" cy="829994"/>
+          </a:xfrm>
+          <a:prstGeom prst="rect">
+            <a:avLst/>
+          </a:prstGeom>
+          <a:solidFill>
+            <a:srgbClr val="B4D0E7"/>
+          </a:solidFill>
+          <a:ln>
+            <a:solidFill>
+              <a:srgbClr val="B4D0E7"/>
+            </a:solidFill>
+          </a:ln>
+        </p:spPr>
+        <p:style>
+          <a:lnRef idx="2">
+            <a:schemeClr val="accent1">
+              <a:shade val="50000"/>
+            </a:schemeClr>
+          </a:lnRef>
+          <a:fillRef idx="1">
+            <a:schemeClr val="accent1"/>
+          </a:fillRef>
+          <a:effectRef idx="0">
+            <a:schemeClr val="accent1"/>
+          </a:effectRef>
+          <a:fontRef idx="minor">
+            <a:schemeClr val="lt1"/>
+          </a:fontRef>
+        </p:style>
+        <p:txBody>
+          <a:bodyPr rtlCol="1" anchor="ctr"/>
+          <a:lstStyle/>
+          <a:p>
+            <a:pPr algn="ctr"/>
+            <a:r>
+              <a:rPr lang="he-IL" dirty="0"/>
+              <a:t>יצירת פגישה</a:t>
+            </a:r>
+          </a:p>
+        </p:txBody>
+      </p:sp>
+      <p:sp>
+        <p:nvSpPr>
+          <p:cNvPr id="22" name="מלבן 21">
+            <a:extLst>
+              <a:ext uri="{FF2B5EF4-FFF2-40B4-BE49-F238E27FC236}">
+                <a16:creationId xmlns:a16="http://schemas.microsoft.com/office/drawing/2014/main" id="{8FE29AE8-B766-4490-AC03-308875E417BD}"/>
+              </a:ext>
+            </a:extLst>
+          </p:cNvPr>
+          <p:cNvSpPr/>
+          <p:nvPr/>
+        </p:nvSpPr>
+        <p:spPr>
+          <a:xfrm>
+            <a:off x="6989299" y="4231244"/>
+            <a:ext cx="1069144" cy="829994"/>
+          </a:xfrm>
+          <a:prstGeom prst="rect">
+            <a:avLst/>
+          </a:prstGeom>
+          <a:solidFill>
+            <a:srgbClr val="B4D0E7"/>
+          </a:solidFill>
+          <a:ln>
+            <a:solidFill>
+              <a:srgbClr val="B4D0E7"/>
+            </a:solidFill>
+          </a:ln>
+        </p:spPr>
+        <p:style>
+          <a:lnRef idx="2">
+            <a:schemeClr val="accent1">
+              <a:shade val="50000"/>
+            </a:schemeClr>
+          </a:lnRef>
+          <a:fillRef idx="1">
+            <a:schemeClr val="accent1"/>
+          </a:fillRef>
+          <a:effectRef idx="0">
+            <a:schemeClr val="accent1"/>
+          </a:effectRef>
+          <a:fontRef idx="minor">
+            <a:schemeClr val="lt1"/>
+          </a:fontRef>
+        </p:style>
+        <p:txBody>
+          <a:bodyPr rtlCol="1" anchor="ctr"/>
+          <a:lstStyle/>
+          <a:p>
+            <a:pPr algn="ctr"/>
+            <a:r>
+              <a:rPr lang="he-IL" dirty="0"/>
+              <a:t>יצירת אילוץ</a:t>
+            </a:r>
+          </a:p>
+        </p:txBody>
+      </p:sp>
+      <p:sp>
+        <p:nvSpPr>
+          <p:cNvPr id="23" name="מלבן 22">
+            <a:extLst>
+              <a:ext uri="{FF2B5EF4-FFF2-40B4-BE49-F238E27FC236}">
+                <a16:creationId xmlns:a16="http://schemas.microsoft.com/office/drawing/2014/main" id="{91E5B70A-D921-4664-80F0-C84C5ADA2917}"/>
+              </a:ext>
+            </a:extLst>
+          </p:cNvPr>
+          <p:cNvSpPr/>
+          <p:nvPr/>
+        </p:nvSpPr>
+        <p:spPr>
+          <a:xfrm>
+            <a:off x="6989299" y="5521270"/>
+            <a:ext cx="1069144" cy="829994"/>
+          </a:xfrm>
+          <a:prstGeom prst="rect">
+            <a:avLst/>
+          </a:prstGeom>
+          <a:solidFill>
+            <a:srgbClr val="B4D0E7"/>
+          </a:solidFill>
+          <a:ln>
+            <a:solidFill>
+              <a:srgbClr val="B4D0E7"/>
+            </a:solidFill>
+          </a:ln>
+        </p:spPr>
+        <p:style>
+          <a:lnRef idx="2">
+            <a:schemeClr val="accent1">
+              <a:shade val="50000"/>
+            </a:schemeClr>
+          </a:lnRef>
+          <a:fillRef idx="1">
+            <a:schemeClr val="accent1"/>
+          </a:fillRef>
+          <a:effectRef idx="0">
+            <a:schemeClr val="accent1"/>
+          </a:effectRef>
+          <a:fontRef idx="minor">
+            <a:schemeClr val="lt1"/>
+          </a:fontRef>
+        </p:style>
+        <p:txBody>
+          <a:bodyPr rtlCol="1" anchor="ctr"/>
+          <a:lstStyle/>
+          <a:p>
+            <a:pPr algn="ctr"/>
+            <a:r>
+              <a:rPr lang="he-IL" dirty="0"/>
+              <a:t>יצירת מקום</a:t>
+            </a:r>
+          </a:p>
+        </p:txBody>
+      </p:sp>
+      <p:cxnSp>
+        <p:nvCxnSpPr>
+          <p:cNvPr id="25" name="מחבר חץ ישר 24">
+            <a:extLst>
+              <a:ext uri="{FF2B5EF4-FFF2-40B4-BE49-F238E27FC236}">
+                <a16:creationId xmlns:a16="http://schemas.microsoft.com/office/drawing/2014/main" id="{FF17E7FF-B123-4821-954B-3F8431F71456}"/>
+              </a:ext>
+            </a:extLst>
+          </p:cNvPr>
+          <p:cNvCxnSpPr>
+            <a:stCxn id="14" idx="3"/>
+            <a:endCxn id="21" idx="1"/>
+          </p:cNvCxnSpPr>
+          <p:nvPr/>
+        </p:nvCxnSpPr>
+        <p:spPr>
+          <a:xfrm flipV="1">
+            <a:off x="4549022" y="3452766"/>
+            <a:ext cx="2440277" cy="655000"/>
+          </a:xfrm>
+          <a:prstGeom prst="straightConnector1">
+            <a:avLst/>
+          </a:prstGeom>
+          <a:ln>
+            <a:solidFill>
+              <a:schemeClr val="tx1"/>
+            </a:solidFill>
+            <a:tailEnd type="triangle"/>
+          </a:ln>
+        </p:spPr>
+        <p:style>
+          <a:lnRef idx="1">
+            <a:schemeClr val="accent1"/>
+          </a:lnRef>
+          <a:fillRef idx="0">
+            <a:schemeClr val="accent1"/>
+          </a:fillRef>
+          <a:effectRef idx="0">
+            <a:schemeClr val="accent1"/>
+          </a:effectRef>
+          <a:fontRef idx="minor">
+            <a:schemeClr val="tx1"/>
+          </a:fontRef>
+        </p:style>
+      </p:cxnSp>
+      <p:cxnSp>
+        <p:nvCxnSpPr>
+          <p:cNvPr id="26" name="מחבר חץ ישר 25">
+            <a:extLst>
+              <a:ext uri="{FF2B5EF4-FFF2-40B4-BE49-F238E27FC236}">
+                <a16:creationId xmlns:a16="http://schemas.microsoft.com/office/drawing/2014/main" id="{A62B8856-7061-41B1-A07E-9F1BC4122F50}"/>
+              </a:ext>
+            </a:extLst>
+          </p:cNvPr>
+          <p:cNvCxnSpPr>
+            <a:cxnSpLocks/>
+            <a:stCxn id="14" idx="3"/>
+            <a:endCxn id="22" idx="1"/>
+          </p:cNvCxnSpPr>
+          <p:nvPr/>
+        </p:nvCxnSpPr>
+        <p:spPr>
+          <a:xfrm>
+            <a:off x="4549022" y="4107766"/>
+            <a:ext cx="2440277" cy="538475"/>
+          </a:xfrm>
+          <a:prstGeom prst="straightConnector1">
+            <a:avLst/>
+          </a:prstGeom>
+          <a:ln>
+            <a:solidFill>
+              <a:schemeClr val="tx1"/>
+            </a:solidFill>
+            <a:tailEnd type="triangle"/>
+          </a:ln>
+        </p:spPr>
+        <p:style>
+          <a:lnRef idx="1">
+            <a:schemeClr val="accent1"/>
+          </a:lnRef>
+          <a:fillRef idx="0">
+            <a:schemeClr val="accent1"/>
+          </a:fillRef>
+          <a:effectRef idx="0">
+            <a:schemeClr val="accent1"/>
+          </a:effectRef>
+          <a:fontRef idx="minor">
+            <a:schemeClr val="tx1"/>
+          </a:fontRef>
+        </p:style>
+      </p:cxnSp>
+      <p:cxnSp>
+        <p:nvCxnSpPr>
+          <p:cNvPr id="38" name="מחבר חץ ישר 37">
+            <a:extLst>
+              <a:ext uri="{FF2B5EF4-FFF2-40B4-BE49-F238E27FC236}">
+                <a16:creationId xmlns:a16="http://schemas.microsoft.com/office/drawing/2014/main" id="{07A16A20-BDAD-46A3-9CA5-CF870C045834}"/>
+              </a:ext>
+            </a:extLst>
+          </p:cNvPr>
+          <p:cNvCxnSpPr>
+            <a:cxnSpLocks/>
+            <a:stCxn id="16" idx="3"/>
+            <a:endCxn id="23" idx="1"/>
+          </p:cNvCxnSpPr>
+          <p:nvPr/>
+        </p:nvCxnSpPr>
+        <p:spPr>
+          <a:xfrm>
+            <a:off x="4549022" y="5708285"/>
+            <a:ext cx="2440277" cy="227982"/>
+          </a:xfrm>
+          <a:prstGeom prst="straightConnector1">
+            <a:avLst/>
+          </a:prstGeom>
+          <a:ln>
+            <a:solidFill>
+              <a:schemeClr val="tx1"/>
+            </a:solidFill>
+            <a:tailEnd type="triangle"/>
+          </a:ln>
+        </p:spPr>
+        <p:style>
+          <a:lnRef idx="1">
+            <a:schemeClr val="accent1"/>
+          </a:lnRef>
+          <a:fillRef idx="0">
+            <a:schemeClr val="accent1"/>
+          </a:fillRef>
+          <a:effectRef idx="0">
+            <a:schemeClr val="accent1"/>
+          </a:effectRef>
+          <a:fontRef idx="minor">
+            <a:schemeClr val="tx1"/>
+          </a:fontRef>
+        </p:style>
+      </p:cxnSp>
+    </p:spTree>
+    <p:extLst>
+      <p:ext uri="{BB962C8B-B14F-4D97-AF65-F5344CB8AC3E}">
+        <p14:creationId xmlns:p14="http://schemas.microsoft.com/office/powerpoint/2010/main" val="2063610563"/>
       </p:ext>
     </p:extLst>
   </p:cSld>

--- a/ux_course/מצגת סופית להגשה.pptx
+++ b/ux_course/מצגת סופית להגשה.pptx
@@ -5,7 +5,7 @@
     <p:sldMasterId id="2147483828" r:id="rId1"/>
   </p:sldMasterIdLst>
   <p:notesMasterIdLst>
-    <p:notesMasterId r:id="rId73"/>
+    <p:notesMasterId r:id="rId76"/>
   </p:notesMasterIdLst>
   <p:sldIdLst>
     <p:sldId id="262" r:id="rId2"/>
@@ -27,58 +27,61 @@
     <p:sldId id="292" r:id="rId18"/>
     <p:sldId id="290" r:id="rId19"/>
     <p:sldId id="291" r:id="rId20"/>
-    <p:sldId id="269" r:id="rId21"/>
-    <p:sldId id="270" r:id="rId22"/>
-    <p:sldId id="271" r:id="rId23"/>
-    <p:sldId id="272" r:id="rId24"/>
-    <p:sldId id="273" r:id="rId25"/>
-    <p:sldId id="274" r:id="rId26"/>
-    <p:sldId id="275" r:id="rId27"/>
-    <p:sldId id="276" r:id="rId28"/>
-    <p:sldId id="277" r:id="rId29"/>
-    <p:sldId id="317" r:id="rId30"/>
-    <p:sldId id="318" r:id="rId31"/>
-    <p:sldId id="278" r:id="rId32"/>
-    <p:sldId id="279" r:id="rId33"/>
-    <p:sldId id="280" r:id="rId34"/>
-    <p:sldId id="320" r:id="rId35"/>
-    <p:sldId id="321" r:id="rId36"/>
-    <p:sldId id="322" r:id="rId37"/>
-    <p:sldId id="319" r:id="rId38"/>
-    <p:sldId id="329" r:id="rId39"/>
-    <p:sldId id="331" r:id="rId40"/>
-    <p:sldId id="330" r:id="rId41"/>
-    <p:sldId id="282" r:id="rId42"/>
-    <p:sldId id="283" r:id="rId43"/>
-    <p:sldId id="284" r:id="rId44"/>
-    <p:sldId id="285" r:id="rId45"/>
-    <p:sldId id="286" r:id="rId46"/>
-    <p:sldId id="287" r:id="rId47"/>
-    <p:sldId id="288" r:id="rId48"/>
-    <p:sldId id="289" r:id="rId49"/>
-    <p:sldId id="297" r:id="rId50"/>
-    <p:sldId id="299" r:id="rId51"/>
-    <p:sldId id="310" r:id="rId52"/>
-    <p:sldId id="300" r:id="rId53"/>
-    <p:sldId id="301" r:id="rId54"/>
-    <p:sldId id="302" r:id="rId55"/>
-    <p:sldId id="303" r:id="rId56"/>
-    <p:sldId id="305" r:id="rId57"/>
-    <p:sldId id="304" r:id="rId58"/>
-    <p:sldId id="306" r:id="rId59"/>
-    <p:sldId id="296" r:id="rId60"/>
-    <p:sldId id="295" r:id="rId61"/>
-    <p:sldId id="311" r:id="rId62"/>
-    <p:sldId id="313" r:id="rId63"/>
-    <p:sldId id="314" r:id="rId64"/>
-    <p:sldId id="315" r:id="rId65"/>
-    <p:sldId id="323" r:id="rId66"/>
-    <p:sldId id="324" r:id="rId67"/>
-    <p:sldId id="316" r:id="rId68"/>
-    <p:sldId id="325" r:id="rId69"/>
-    <p:sldId id="326" r:id="rId70"/>
-    <p:sldId id="327" r:id="rId71"/>
-    <p:sldId id="328" r:id="rId72"/>
+    <p:sldId id="332" r:id="rId21"/>
+    <p:sldId id="333" r:id="rId22"/>
+    <p:sldId id="269" r:id="rId23"/>
+    <p:sldId id="270" r:id="rId24"/>
+    <p:sldId id="271" r:id="rId25"/>
+    <p:sldId id="272" r:id="rId26"/>
+    <p:sldId id="273" r:id="rId27"/>
+    <p:sldId id="274" r:id="rId28"/>
+    <p:sldId id="275" r:id="rId29"/>
+    <p:sldId id="276" r:id="rId30"/>
+    <p:sldId id="277" r:id="rId31"/>
+    <p:sldId id="317" r:id="rId32"/>
+    <p:sldId id="318" r:id="rId33"/>
+    <p:sldId id="278" r:id="rId34"/>
+    <p:sldId id="279" r:id="rId35"/>
+    <p:sldId id="280" r:id="rId36"/>
+    <p:sldId id="320" r:id="rId37"/>
+    <p:sldId id="321" r:id="rId38"/>
+    <p:sldId id="322" r:id="rId39"/>
+    <p:sldId id="319" r:id="rId40"/>
+    <p:sldId id="329" r:id="rId41"/>
+    <p:sldId id="331" r:id="rId42"/>
+    <p:sldId id="330" r:id="rId43"/>
+    <p:sldId id="282" r:id="rId44"/>
+    <p:sldId id="283" r:id="rId45"/>
+    <p:sldId id="284" r:id="rId46"/>
+    <p:sldId id="285" r:id="rId47"/>
+    <p:sldId id="286" r:id="rId48"/>
+    <p:sldId id="287" r:id="rId49"/>
+    <p:sldId id="288" r:id="rId50"/>
+    <p:sldId id="289" r:id="rId51"/>
+    <p:sldId id="334" r:id="rId52"/>
+    <p:sldId id="297" r:id="rId53"/>
+    <p:sldId id="299" r:id="rId54"/>
+    <p:sldId id="310" r:id="rId55"/>
+    <p:sldId id="300" r:id="rId56"/>
+    <p:sldId id="301" r:id="rId57"/>
+    <p:sldId id="302" r:id="rId58"/>
+    <p:sldId id="303" r:id="rId59"/>
+    <p:sldId id="305" r:id="rId60"/>
+    <p:sldId id="304" r:id="rId61"/>
+    <p:sldId id="306" r:id="rId62"/>
+    <p:sldId id="296" r:id="rId63"/>
+    <p:sldId id="295" r:id="rId64"/>
+    <p:sldId id="311" r:id="rId65"/>
+    <p:sldId id="313" r:id="rId66"/>
+    <p:sldId id="314" r:id="rId67"/>
+    <p:sldId id="315" r:id="rId68"/>
+    <p:sldId id="323" r:id="rId69"/>
+    <p:sldId id="324" r:id="rId70"/>
+    <p:sldId id="316" r:id="rId71"/>
+    <p:sldId id="325" r:id="rId72"/>
+    <p:sldId id="326" r:id="rId73"/>
+    <p:sldId id="327" r:id="rId74"/>
+    <p:sldId id="328" r:id="rId75"/>
   </p:sldIdLst>
   <p:sldSz cx="12192000" cy="6858000"/>
   <p:notesSz cx="6858000" cy="9144000"/>
@@ -683,7 +686,7 @@
           <a:p>
             <a:fld id="{6E084796-162D-476E-82D2-4B26235D4C2C}" type="slidenum">
               <a:rPr lang="en-US" smtClean="0"/>
-              <a:t>55</a:t>
+              <a:t>58</a:t>
             </a:fld>
             <a:endParaRPr lang="en-US"/>
           </a:p>
@@ -14965,7 +14968,7 @@
             </a:r>
             <a:r>
               <a:rPr lang="he-IL" dirty="0"/>
-              <a:t>כפתורי צפייה, עריכה, ביטול והוספה זהים בכל המערכת, והצבעים אחידים.</a:t>
+              <a:t>כפתורי צפייה, עריכה, ביטול, מחיקה והוספה זהים בכל המערכת, והצבעים אחידים.</a:t>
             </a:r>
             <a:endParaRPr lang="he-IL" b="1" dirty="0"/>
           </a:p>
@@ -14979,36 +14982,6 @@
           </a:p>
         </p:txBody>
       </p:sp>
-      <p:pic>
-        <p:nvPicPr>
-          <p:cNvPr id="7" name="תמונה 6">
-            <a:extLst>
-              <a:ext uri="{FF2B5EF4-FFF2-40B4-BE49-F238E27FC236}">
-                <a16:creationId xmlns:a16="http://schemas.microsoft.com/office/drawing/2014/main" id="{83BCCF4E-DD0A-4DEE-859B-42EDD9FCFE78}"/>
-              </a:ext>
-            </a:extLst>
-          </p:cNvPr>
-          <p:cNvPicPr>
-            <a:picLocks noChangeAspect="1"/>
-          </p:cNvPicPr>
-          <p:nvPr/>
-        </p:nvPicPr>
-        <p:blipFill>
-          <a:blip r:embed="rId2"/>
-          <a:stretch>
-            <a:fillRect/>
-          </a:stretch>
-        </p:blipFill>
-        <p:spPr>
-          <a:xfrm>
-            <a:off x="164124" y="2347274"/>
-            <a:ext cx="3173699" cy="1640724"/>
-          </a:xfrm>
-          <a:prstGeom prst="rect">
-            <a:avLst/>
-          </a:prstGeom>
-        </p:spPr>
-      </p:pic>
       <p:pic>
         <p:nvPicPr>
           <p:cNvPr id="8" name="תמונה 7">
@@ -15024,7 +14997,7 @@
           <p:nvPr/>
         </p:nvPicPr>
         <p:blipFill>
-          <a:blip r:embed="rId3"/>
+          <a:blip r:embed="rId2"/>
           <a:stretch>
             <a:fillRect/>
           </a:stretch>
@@ -15054,7 +15027,7 @@
           <p:nvPr/>
         </p:nvPicPr>
         <p:blipFill>
-          <a:blip r:embed="rId4"/>
+          <a:blip r:embed="rId3"/>
           <a:stretch>
             <a:fillRect/>
           </a:stretch>
@@ -15084,6 +15057,36 @@
           <p:nvPr/>
         </p:nvPicPr>
         <p:blipFill>
+          <a:blip r:embed="rId4"/>
+          <a:stretch>
+            <a:fillRect/>
+          </a:stretch>
+        </p:blipFill>
+        <p:spPr>
+          <a:xfrm>
+            <a:off x="0" y="4654639"/>
+            <a:ext cx="5328638" cy="2168165"/>
+          </a:xfrm>
+          <a:prstGeom prst="rect">
+            <a:avLst/>
+          </a:prstGeom>
+        </p:spPr>
+      </p:pic>
+      <p:pic>
+        <p:nvPicPr>
+          <p:cNvPr id="2" name="תמונה 1">
+            <a:extLst>
+              <a:ext uri="{FF2B5EF4-FFF2-40B4-BE49-F238E27FC236}">
+                <a16:creationId xmlns:a16="http://schemas.microsoft.com/office/drawing/2014/main" id="{D395FE74-DCC1-4592-97DF-16363074D5E3}"/>
+              </a:ext>
+            </a:extLst>
+          </p:cNvPr>
+          <p:cNvPicPr>
+            <a:picLocks noChangeAspect="1"/>
+          </p:cNvPicPr>
+          <p:nvPr/>
+        </p:nvPicPr>
+        <p:blipFill>
           <a:blip r:embed="rId5"/>
           <a:stretch>
             <a:fillRect/>
@@ -15091,8 +15094,8 @@
         </p:blipFill>
         <p:spPr>
           <a:xfrm>
-            <a:off x="0" y="4654639"/>
-            <a:ext cx="5328638" cy="2168165"/>
+            <a:off x="223537" y="2378836"/>
+            <a:ext cx="3311516" cy="1681231"/>
           </a:xfrm>
           <a:prstGeom prst="rect">
             <a:avLst/>
@@ -15678,10 +15681,70 @@
       </p:grpSpPr>
       <p:sp>
         <p:nvSpPr>
-          <p:cNvPr id="2" name="כותרת 1">
+          <p:cNvPr id="4" name="מלבן 3">
             <a:extLst>
               <a:ext uri="{FF2B5EF4-FFF2-40B4-BE49-F238E27FC236}">
-                <a16:creationId xmlns:a16="http://schemas.microsoft.com/office/drawing/2014/main" id="{92A500EE-F6C5-4C79-92F1-D2FDEE8174A4}"/>
+                <a16:creationId xmlns:a16="http://schemas.microsoft.com/office/drawing/2014/main" id="{FB5F6C58-9344-4D75-9670-BF7DB564D4CB}"/>
+              </a:ext>
+            </a:extLst>
+          </p:cNvPr>
+          <p:cNvSpPr/>
+          <p:nvPr/>
+        </p:nvSpPr>
+        <p:spPr>
+          <a:xfrm>
+            <a:off x="5725212" y="2454218"/>
+            <a:ext cx="6096000" cy="2118529"/>
+          </a:xfrm>
+          <a:prstGeom prst="rect">
+            <a:avLst/>
+          </a:prstGeom>
+        </p:spPr>
+        <p:txBody>
+          <a:bodyPr>
+            <a:spAutoFit/>
+          </a:bodyPr>
+          <a:lstStyle/>
+          <a:p>
+            <a:pPr marL="285750" indent="-285750" algn="r" rtl="1">
+              <a:lnSpc>
+                <a:spcPct val="150000"/>
+              </a:lnSpc>
+              <a:buFont typeface="Arial" panose="020B0604020202020204" pitchFamily="34" charset="0"/>
+              <a:buChar char="•"/>
+            </a:pPr>
+            <a:r>
+              <a:rPr lang="he-IL" dirty="0"/>
+              <a:t>שינינו את צבעי המערכת מצבע דומיננטי של אפור לכחול.</a:t>
+            </a:r>
+          </a:p>
+          <a:p>
+            <a:pPr algn="r" rtl="1">
+              <a:lnSpc>
+                <a:spcPct val="150000"/>
+              </a:lnSpc>
+            </a:pPr>
+            <a:r>
+              <a:rPr lang="he-IL" dirty="0"/>
+              <a:t>קיבלנו את ההחלטה הזו מכיוון שכחול הוא צבע אשר מרגיע את המשתמש, וזה חשוב מכיוון שלפעמים לקבוע פגישות יכול להלחיץ את המשתמש. בנוסף זה מזכיר למשתמש פלטפורמות דומות כמו </a:t>
+            </a:r>
+            <a:r>
+              <a:rPr lang="en-US" dirty="0"/>
+              <a:t>outlook </a:t>
+            </a:r>
+            <a:r>
+              <a:rPr lang="he-IL" dirty="0"/>
+              <a:t> והיומן של גוגל.</a:t>
+            </a:r>
+          </a:p>
+        </p:txBody>
+      </p:sp>
+      <p:sp>
+        <p:nvSpPr>
+          <p:cNvPr id="5" name="כותרת 1">
+            <a:extLst>
+              <a:ext uri="{FF2B5EF4-FFF2-40B4-BE49-F238E27FC236}">
+                <a16:creationId xmlns:a16="http://schemas.microsoft.com/office/drawing/2014/main" id="{84E2F176-4985-4E0B-84E9-BC7CE79F6FA4}"/>
               </a:ext>
             </a:extLst>
           </p:cNvPr>
@@ -15704,73 +15767,19 @@
           <a:p>
             <a:pPr algn="ctr"/>
             <a:r>
-              <a:rPr lang="he-IL"/>
-              <a:t>מסך התחברות</a:t>
-            </a:r>
-            <a:endParaRPr lang="he-IL" dirty="0"/>
-          </a:p>
-        </p:txBody>
-      </p:sp>
-      <p:sp>
-        <p:nvSpPr>
-          <p:cNvPr id="17" name="תיבת טקסט 16">
-            <a:extLst>
-              <a:ext uri="{FF2B5EF4-FFF2-40B4-BE49-F238E27FC236}">
-                <a16:creationId xmlns:a16="http://schemas.microsoft.com/office/drawing/2014/main" id="{2F642565-7D83-416E-A7D1-4FA3B48B83E1}"/>
-              </a:ext>
-            </a:extLst>
-          </p:cNvPr>
-          <p:cNvSpPr txBox="1"/>
-          <p:nvPr/>
-        </p:nvSpPr>
-        <p:spPr>
-          <a:xfrm>
-            <a:off x="7540282" y="2610683"/>
-            <a:ext cx="4487594" cy="1477328"/>
-          </a:xfrm>
-          <a:prstGeom prst="rect">
-            <a:avLst/>
-          </a:prstGeom>
-          <a:noFill/>
-        </p:spPr>
-        <p:txBody>
-          <a:bodyPr wrap="square" rtlCol="1">
-            <a:spAutoFit/>
-          </a:bodyPr>
-          <a:lstStyle/>
-          <a:p>
-            <a:pPr marL="285750" indent="-285750" algn="r" rtl="1">
-              <a:buFont typeface="Arial" panose="020B0604020202020204" pitchFamily="34" charset="0"/>
-              <a:buChar char="•"/>
-            </a:pPr>
-            <a:r>
               <a:rPr lang="he-IL" dirty="0"/>
-              <a:t>שינינו את שדה "שם משתמש" ושדה "סיסמה" כך שיהיו מעוצבים יותר.</a:t>
-            </a:r>
-          </a:p>
-          <a:p>
-            <a:pPr marL="285750" indent="-285750" algn="r" rtl="1">
-              <a:buFont typeface="Arial" panose="020B0604020202020204" pitchFamily="34" charset="0"/>
-              <a:buChar char="•"/>
-            </a:pPr>
-            <a:r>
-              <a:rPr lang="he-IL" dirty="0"/>
-              <a:t>הוספנו סמלים מתאימים בצד כל שדה כך שיהיה ברור למשתמש מה עליו להכניס בשדה אותו הוא ממלא – </a:t>
-            </a:r>
-            <a:r>
-              <a:rPr lang="he-IL" b="1" dirty="0"/>
-              <a:t>זיהוי ולא זיכרון.</a:t>
-            </a:r>
-            <a:endParaRPr lang="he-IL" dirty="0"/>
+              <a:t>דברים כלליים במערכת</a:t>
+            </a:r>
+            <a:endParaRPr lang="en-US" dirty="0"/>
           </a:p>
         </p:txBody>
       </p:sp>
       <p:pic>
         <p:nvPicPr>
-          <p:cNvPr id="3" name="תמונה 2">
+          <p:cNvPr id="11" name="תמונה 10">
             <a:extLst>
               <a:ext uri="{FF2B5EF4-FFF2-40B4-BE49-F238E27FC236}">
-                <a16:creationId xmlns:a16="http://schemas.microsoft.com/office/drawing/2014/main" id="{1C6E892A-A569-467D-8D80-26AAEC4C107C}"/>
+                <a16:creationId xmlns:a16="http://schemas.microsoft.com/office/drawing/2014/main" id="{5E471A97-719D-4C3E-93ED-C98C2062C186}"/>
               </a:ext>
             </a:extLst>
           </p:cNvPr>
@@ -15787,8 +15796,38 @@
         </p:blipFill>
         <p:spPr>
           <a:xfrm>
-            <a:off x="0" y="2610683"/>
-            <a:ext cx="7540282" cy="4247317"/>
+            <a:off x="264147" y="5772248"/>
+            <a:ext cx="6667500" cy="781050"/>
+          </a:xfrm>
+          <a:prstGeom prst="rect">
+            <a:avLst/>
+          </a:prstGeom>
+        </p:spPr>
+      </p:pic>
+      <p:pic>
+        <p:nvPicPr>
+          <p:cNvPr id="12" name="תמונה 11">
+            <a:extLst>
+              <a:ext uri="{FF2B5EF4-FFF2-40B4-BE49-F238E27FC236}">
+                <a16:creationId xmlns:a16="http://schemas.microsoft.com/office/drawing/2014/main" id="{F729D991-D7F4-428F-A7B2-45AED9E92164}"/>
+              </a:ext>
+            </a:extLst>
+          </p:cNvPr>
+          <p:cNvPicPr>
+            <a:picLocks noChangeAspect="1"/>
+          </p:cNvPicPr>
+          <p:nvPr/>
+        </p:nvPicPr>
+        <p:blipFill>
+          <a:blip r:embed="rId3"/>
+          <a:stretch>
+            <a:fillRect/>
+          </a:stretch>
+        </p:blipFill>
+        <p:spPr>
+          <a:xfrm>
+            <a:off x="264147" y="3421192"/>
+            <a:ext cx="3921747" cy="2281634"/>
           </a:xfrm>
           <a:prstGeom prst="rect">
             <a:avLst/>
@@ -15798,7 +15837,7 @@
     </p:spTree>
     <p:extLst>
       <p:ext uri="{BB962C8B-B14F-4D97-AF65-F5344CB8AC3E}">
-        <p14:creationId xmlns:p14="http://schemas.microsoft.com/office/powerpoint/2010/main" val="3349785906"/>
+        <p14:creationId xmlns:p14="http://schemas.microsoft.com/office/powerpoint/2010/main" val="2273388231"/>
       </p:ext>
     </p:extLst>
   </p:cSld>
@@ -15827,10 +15866,10 @@
       </p:grpSpPr>
       <p:sp>
         <p:nvSpPr>
-          <p:cNvPr id="2" name="כותרת 1">
+          <p:cNvPr id="5" name="כותרת 1">
             <a:extLst>
               <a:ext uri="{FF2B5EF4-FFF2-40B4-BE49-F238E27FC236}">
-                <a16:creationId xmlns:a16="http://schemas.microsoft.com/office/drawing/2014/main" id="{92A500EE-F6C5-4C79-92F1-D2FDEE8174A4}"/>
+                <a16:creationId xmlns:a16="http://schemas.microsoft.com/office/drawing/2014/main" id="{9D1A5C0F-BE43-40E5-A2D7-2B4D88AB665D}"/>
               </a:ext>
             </a:extLst>
           </p:cNvPr>
@@ -15853,19 +15892,19 @@
           <a:p>
             <a:pPr algn="ctr"/>
             <a:r>
-              <a:rPr lang="he-IL"/>
-              <a:t>מסך התחברות</a:t>
-            </a:r>
-            <a:endParaRPr lang="he-IL" dirty="0"/>
+              <a:rPr lang="he-IL" dirty="0"/>
+              <a:t>דברים כלליים במערכת</a:t>
+            </a:r>
+            <a:endParaRPr lang="en-US" dirty="0"/>
           </a:p>
         </p:txBody>
       </p:sp>
       <p:sp>
         <p:nvSpPr>
-          <p:cNvPr id="17" name="תיבת טקסט 16">
+          <p:cNvPr id="9" name="TextBox 26">
             <a:extLst>
               <a:ext uri="{FF2B5EF4-FFF2-40B4-BE49-F238E27FC236}">
-                <a16:creationId xmlns:a16="http://schemas.microsoft.com/office/drawing/2014/main" id="{2F642565-7D83-416E-A7D1-4FA3B48B83E1}"/>
+                <a16:creationId xmlns:a16="http://schemas.microsoft.com/office/drawing/2014/main" id="{BD70A18D-49D8-4AA8-91A4-50A07EEC273C}"/>
               </a:ext>
             </a:extLst>
           </p:cNvPr>
@@ -15874,8 +15913,8 @@
         </p:nvSpPr>
         <p:spPr>
           <a:xfrm>
-            <a:off x="7982504" y="2610683"/>
-            <a:ext cx="4045371" cy="2585323"/>
+            <a:off x="6096000" y="2514490"/>
+            <a:ext cx="5640280" cy="1154675"/>
           </a:xfrm>
           <a:prstGeom prst="rect">
             <a:avLst/>
@@ -15883,63 +15922,31 @@
           <a:noFill/>
         </p:spPr>
         <p:txBody>
-          <a:bodyPr wrap="square" rtlCol="1">
+          <a:bodyPr wrap="square" rtlCol="0">
             <a:spAutoFit/>
           </a:bodyPr>
           <a:lstStyle/>
           <a:p>
             <a:pPr marL="285750" indent="-285750" algn="r" rtl="1">
+              <a:lnSpc>
+                <a:spcPct val="150000"/>
+              </a:lnSpc>
               <a:buFont typeface="Arial" panose="020B0604020202020204" pitchFamily="34" charset="0"/>
               <a:buChar char="•"/>
             </a:pPr>
             <a:r>
-              <a:rPr lang="he-IL" dirty="0"/>
-              <a:t>בעת לחיצת המשתמש על אחת השדות, יהיה חיווי של השדה שיראה למשתמש כי הוא ממלא את השדה – </a:t>
-            </a:r>
-            <a:r>
-              <a:rPr lang="he-IL" b="1" dirty="0"/>
-              <a:t>חיווי מצב המערכת.</a:t>
-            </a:r>
-          </a:p>
-          <a:p>
-            <a:pPr marL="285750" indent="-285750" algn="r" rtl="1">
-              <a:buFont typeface="Arial" panose="020B0604020202020204" pitchFamily="34" charset="0"/>
-              <a:buChar char="•"/>
-            </a:pPr>
-            <a:r>
-              <a:rPr lang="he-IL" dirty="0"/>
-              <a:t>נאפשר למשתמש בעת לחיצת הכפתור "</a:t>
-            </a:r>
-            <a:r>
-              <a:rPr lang="en-US" dirty="0"/>
-              <a:t>TAB</a:t>
-            </a:r>
-            <a:r>
-              <a:rPr lang="he-IL" dirty="0"/>
-              <a:t>" לעבור לשדה הבא אוטומטית, ובעת לחיצת הכפתור "</a:t>
-            </a:r>
-            <a:r>
-              <a:rPr lang="en-US" dirty="0"/>
-              <a:t>ENTER</a:t>
-            </a:r>
-            <a:r>
-              <a:rPr lang="he-IL" dirty="0"/>
-              <a:t>" לבצע התחברות מבלי ללחוץ על כפתור ההתחברות – </a:t>
-            </a:r>
-            <a:r>
-              <a:rPr lang="he-IL" b="1" dirty="0"/>
-              <a:t>גמישות ויעילות שימוש.</a:t>
-            </a:r>
-            <a:endParaRPr lang="he-IL" dirty="0"/>
+              <a:rPr lang="he-IL" sz="1600" dirty="0"/>
+              <a:t>הורדנו מתפריט הניווט את האופציה להוסיף פגישה חדשה ושינינו את צבע הטקסט על התפריט של המסך שכרגע המשתמש נמצא בו כדי לתת חיווי למשתמש.</a:t>
+            </a:r>
           </a:p>
         </p:txBody>
       </p:sp>
       <p:pic>
         <p:nvPicPr>
-          <p:cNvPr id="4" name="תמונה 3">
+          <p:cNvPr id="10" name="תמונה 9">
             <a:extLst>
               <a:ext uri="{FF2B5EF4-FFF2-40B4-BE49-F238E27FC236}">
-                <a16:creationId xmlns:a16="http://schemas.microsoft.com/office/drawing/2014/main" id="{8C804448-1091-444C-BE73-7D69E8980E8C}"/>
+                <a16:creationId xmlns:a16="http://schemas.microsoft.com/office/drawing/2014/main" id="{1478AC29-C10C-47BF-8E4D-905B5F736AAC}"/>
               </a:ext>
             </a:extLst>
           </p:cNvPr>
@@ -15956,8 +15963,8 @@
         </p:blipFill>
         <p:spPr>
           <a:xfrm>
-            <a:off x="0" y="2610000"/>
-            <a:ext cx="7981200" cy="4247306"/>
+            <a:off x="490292" y="4023526"/>
+            <a:ext cx="6686550" cy="790575"/>
           </a:xfrm>
           <a:prstGeom prst="rect">
             <a:avLst/>
@@ -15967,7 +15974,7 @@
     </p:spTree>
     <p:extLst>
       <p:ext uri="{BB962C8B-B14F-4D97-AF65-F5344CB8AC3E}">
-        <p14:creationId xmlns:p14="http://schemas.microsoft.com/office/powerpoint/2010/main" val="3877762486"/>
+        <p14:creationId xmlns:p14="http://schemas.microsoft.com/office/powerpoint/2010/main" val="2433798476"/>
       </p:ext>
     </p:extLst>
   </p:cSld>
@@ -16043,8 +16050,8 @@
         </p:nvSpPr>
         <p:spPr>
           <a:xfrm>
-            <a:off x="7540282" y="2739271"/>
-            <a:ext cx="4487594" cy="923330"/>
+            <a:off x="7540282" y="2610683"/>
+            <a:ext cx="4487594" cy="1477328"/>
           </a:xfrm>
           <a:prstGeom prst="rect">
             <a:avLst/>
@@ -16063,11 +16070,21 @@
             </a:pPr>
             <a:r>
               <a:rPr lang="he-IL" dirty="0"/>
-              <a:t>הוספנו כפתור למשתמש לצד שדה ה"סיסמה" המאפשר לו לראות את הסיסמה שהזין – </a:t>
+              <a:t>שינינו את שדה "שם משתמש" ושדה "סיסמה" כך שיהיו מעוצבים יותר.</a:t>
+            </a:r>
+          </a:p>
+          <a:p>
+            <a:pPr marL="285750" indent="-285750" algn="r" rtl="1">
+              <a:buFont typeface="Arial" panose="020B0604020202020204" pitchFamily="34" charset="0"/>
+              <a:buChar char="•"/>
+            </a:pPr>
+            <a:r>
+              <a:rPr lang="he-IL" dirty="0"/>
+              <a:t>הוספנו סמלים מתאימים בצד כל שדה כך שיהיה ברור למשתמש מה עליו להכניס בשדה אותו הוא ממלא – </a:t>
             </a:r>
             <a:r>
               <a:rPr lang="he-IL" b="1" dirty="0"/>
-              <a:t>מניעת טעויות.</a:t>
+              <a:t>זיהוי ולא זיכרון.</a:t>
             </a:r>
             <a:endParaRPr lang="he-IL" dirty="0"/>
           </a:p>
@@ -16078,7 +16095,7 @@
           <p:cNvPr id="3" name="תמונה 2">
             <a:extLst>
               <a:ext uri="{FF2B5EF4-FFF2-40B4-BE49-F238E27FC236}">
-                <a16:creationId xmlns:a16="http://schemas.microsoft.com/office/drawing/2014/main" id="{44DD3646-170F-4B07-8F52-2001FE2F6DA1}"/>
+                <a16:creationId xmlns:a16="http://schemas.microsoft.com/office/drawing/2014/main" id="{1C6E892A-A569-467D-8D80-26AAEC4C107C}"/>
               </a:ext>
             </a:extLst>
           </p:cNvPr>
@@ -16095,8 +16112,8 @@
         </p:blipFill>
         <p:spPr>
           <a:xfrm>
-            <a:off x="0" y="2661899"/>
-            <a:ext cx="7489909" cy="4196101"/>
+            <a:off x="0" y="2610683"/>
+            <a:ext cx="7540282" cy="4247317"/>
           </a:xfrm>
           <a:prstGeom prst="rect">
             <a:avLst/>
@@ -16106,7 +16123,7 @@
     </p:spTree>
     <p:extLst>
       <p:ext uri="{BB962C8B-B14F-4D97-AF65-F5344CB8AC3E}">
-        <p14:creationId xmlns:p14="http://schemas.microsoft.com/office/powerpoint/2010/main" val="1977331281"/>
+        <p14:creationId xmlns:p14="http://schemas.microsoft.com/office/powerpoint/2010/main" val="3349785906"/>
       </p:ext>
     </p:extLst>
   </p:cSld>
@@ -16182,8 +16199,8 @@
         </p:nvSpPr>
         <p:spPr>
           <a:xfrm>
-            <a:off x="7540282" y="2739271"/>
-            <a:ext cx="4487594" cy="923330"/>
+            <a:off x="7982504" y="2610683"/>
+            <a:ext cx="4045371" cy="2585323"/>
           </a:xfrm>
           <a:prstGeom prst="rect">
             <a:avLst/>
@@ -16202,11 +16219,41 @@
             </a:pPr>
             <a:r>
               <a:rPr lang="he-IL" dirty="0"/>
-              <a:t>הוספנו כפתור למשתמש לצד שדה ה"סיסמה" המאפשר לו לראות את הסיסמה שהזין – </a:t>
+              <a:t>בעת לחיצת המשתמש על אחת השדות, יהיה חיווי של השדה שיראה למשתמש כי הוא ממלא את השדה – </a:t>
             </a:r>
             <a:r>
               <a:rPr lang="he-IL" b="1" dirty="0"/>
-              <a:t>מניעת טעויות.</a:t>
+              <a:t>חיווי מצב המערכת.</a:t>
+            </a:r>
+          </a:p>
+          <a:p>
+            <a:pPr marL="285750" indent="-285750" algn="r" rtl="1">
+              <a:buFont typeface="Arial" panose="020B0604020202020204" pitchFamily="34" charset="0"/>
+              <a:buChar char="•"/>
+            </a:pPr>
+            <a:r>
+              <a:rPr lang="he-IL" dirty="0"/>
+              <a:t>נאפשר למשתמש בעת לחיצת הכפתור "</a:t>
+            </a:r>
+            <a:r>
+              <a:rPr lang="en-US" dirty="0"/>
+              <a:t>TAB</a:t>
+            </a:r>
+            <a:r>
+              <a:rPr lang="he-IL" dirty="0"/>
+              <a:t>" לעבור לשדה הבא אוטומטית, ובעת לחיצת הכפתור "</a:t>
+            </a:r>
+            <a:r>
+              <a:rPr lang="en-US" dirty="0"/>
+              <a:t>ENTER</a:t>
+            </a:r>
+            <a:r>
+              <a:rPr lang="he-IL" dirty="0"/>
+              <a:t>" לבצע התחברות מבלי ללחוץ על כפתור ההתחברות – </a:t>
+            </a:r>
+            <a:r>
+              <a:rPr lang="he-IL" b="1" dirty="0"/>
+              <a:t>גמישות ויעילות שימוש.</a:t>
             </a:r>
             <a:endParaRPr lang="he-IL" dirty="0"/>
           </a:p>
@@ -16217,7 +16264,7 @@
           <p:cNvPr id="4" name="תמונה 3">
             <a:extLst>
               <a:ext uri="{FF2B5EF4-FFF2-40B4-BE49-F238E27FC236}">
-                <a16:creationId xmlns:a16="http://schemas.microsoft.com/office/drawing/2014/main" id="{94326547-AECF-4F4E-AC85-6BD44FEF36E6}"/>
+                <a16:creationId xmlns:a16="http://schemas.microsoft.com/office/drawing/2014/main" id="{8C804448-1091-444C-BE73-7D69E8980E8C}"/>
               </a:ext>
             </a:extLst>
           </p:cNvPr>
@@ -16234,8 +16281,8 @@
         </p:blipFill>
         <p:spPr>
           <a:xfrm>
-            <a:off x="0" y="2703995"/>
-            <a:ext cx="7491600" cy="4154005"/>
+            <a:off x="0" y="2610000"/>
+            <a:ext cx="7981200" cy="4247306"/>
           </a:xfrm>
           <a:prstGeom prst="rect">
             <a:avLst/>
@@ -16245,7 +16292,7 @@
     </p:spTree>
     <p:extLst>
       <p:ext uri="{BB962C8B-B14F-4D97-AF65-F5344CB8AC3E}">
-        <p14:creationId xmlns:p14="http://schemas.microsoft.com/office/powerpoint/2010/main" val="2786482054"/>
+        <p14:creationId xmlns:p14="http://schemas.microsoft.com/office/powerpoint/2010/main" val="3877762486"/>
       </p:ext>
     </p:extLst>
   </p:cSld>
@@ -16322,7 +16369,7 @@
         <p:spPr>
           <a:xfrm>
             <a:off x="7540282" y="2739271"/>
-            <a:ext cx="4487594" cy="1477328"/>
+            <a:ext cx="4487594" cy="923330"/>
           </a:xfrm>
           <a:prstGeom prst="rect">
             <a:avLst/>
@@ -16341,21 +16388,11 @@
             </a:pPr>
             <a:r>
               <a:rPr lang="he-IL" dirty="0"/>
-              <a:t>הזזנו את כפתור ההתחברות לצד שמאל.</a:t>
-            </a:r>
-          </a:p>
-          <a:p>
-            <a:pPr marL="285750" indent="-285750" algn="r" rtl="1">
-              <a:buFont typeface="Arial" panose="020B0604020202020204" pitchFamily="34" charset="0"/>
-              <a:buChar char="•"/>
-            </a:pPr>
-            <a:r>
-              <a:rPr lang="he-IL" dirty="0"/>
-              <a:t>שינינו את כפתור ההרשמה כך שיראה כמו קישור למסך הרשמה. – </a:t>
+              <a:t>הוספנו כפתור למשתמש לצד שדה ה"סיסמה" המאפשר לו לראות את הסיסמה שהזין – </a:t>
             </a:r>
             <a:r>
               <a:rPr lang="he-IL" b="1" dirty="0"/>
-              <a:t>התאמה בין המערכת לעולם האמיתי (שימוש בשפה אנושית + מזמינות).</a:t>
+              <a:t>מניעת טעויות.</a:t>
             </a:r>
             <a:endParaRPr lang="he-IL" dirty="0"/>
           </a:p>
@@ -16366,7 +16403,7 @@
           <p:cNvPr id="3" name="תמונה 2">
             <a:extLst>
               <a:ext uri="{FF2B5EF4-FFF2-40B4-BE49-F238E27FC236}">
-                <a16:creationId xmlns:a16="http://schemas.microsoft.com/office/drawing/2014/main" id="{AFF2BC89-6CFF-4440-A217-BA3D6ED40099}"/>
+                <a16:creationId xmlns:a16="http://schemas.microsoft.com/office/drawing/2014/main" id="{44DD3646-170F-4B07-8F52-2001FE2F6DA1}"/>
               </a:ext>
             </a:extLst>
           </p:cNvPr>
@@ -16383,8 +16420,8 @@
         </p:blipFill>
         <p:spPr>
           <a:xfrm>
-            <a:off x="0" y="2724585"/>
-            <a:ext cx="7376157" cy="4133415"/>
+            <a:off x="0" y="2661899"/>
+            <a:ext cx="7489909" cy="4196101"/>
           </a:xfrm>
           <a:prstGeom prst="rect">
             <a:avLst/>
@@ -16394,7 +16431,7 @@
     </p:spTree>
     <p:extLst>
       <p:ext uri="{BB962C8B-B14F-4D97-AF65-F5344CB8AC3E}">
-        <p14:creationId xmlns:p14="http://schemas.microsoft.com/office/powerpoint/2010/main" val="438078503"/>
+        <p14:creationId xmlns:p14="http://schemas.microsoft.com/office/powerpoint/2010/main" val="1977331281"/>
       </p:ext>
     </p:extLst>
   </p:cSld>
@@ -16471,7 +16508,7 @@
         <p:spPr>
           <a:xfrm>
             <a:off x="7540282" y="2739271"/>
-            <a:ext cx="4487594" cy="646331"/>
+            <a:ext cx="4487594" cy="923330"/>
           </a:xfrm>
           <a:prstGeom prst="rect">
             <a:avLst/>
@@ -16490,8 +16527,13 @@
             </a:pPr>
             <a:r>
               <a:rPr lang="he-IL" dirty="0"/>
-              <a:t>הוספנו אפשרות לזכור את המשתמש לפעמים הבאות</a:t>
-            </a:r>
+              <a:t>הוספנו כפתור למשתמש לצד שדה ה"סיסמה" המאפשר לו לראות את הסיסמה שהזין – </a:t>
+            </a:r>
+            <a:r>
+              <a:rPr lang="he-IL" b="1" dirty="0"/>
+              <a:t>מניעת טעויות.</a:t>
+            </a:r>
+            <a:endParaRPr lang="he-IL" dirty="0"/>
           </a:p>
         </p:txBody>
       </p:sp>
@@ -16500,7 +16542,7 @@
           <p:cNvPr id="4" name="תמונה 3">
             <a:extLst>
               <a:ext uri="{FF2B5EF4-FFF2-40B4-BE49-F238E27FC236}">
-                <a16:creationId xmlns:a16="http://schemas.microsoft.com/office/drawing/2014/main" id="{C4AC84E8-C33D-4B9A-9010-89F637AB80A1}"/>
+                <a16:creationId xmlns:a16="http://schemas.microsoft.com/office/drawing/2014/main" id="{94326547-AECF-4F4E-AC85-6BD44FEF36E6}"/>
               </a:ext>
             </a:extLst>
           </p:cNvPr>
@@ -16517,8 +16559,8 @@
         </p:blipFill>
         <p:spPr>
           <a:xfrm>
-            <a:off x="0" y="2739271"/>
-            <a:ext cx="7403394" cy="4118729"/>
+            <a:off x="0" y="2703995"/>
+            <a:ext cx="7491600" cy="4154005"/>
           </a:xfrm>
           <a:prstGeom prst="rect">
             <a:avLst/>
@@ -16528,7 +16570,7 @@
     </p:spTree>
     <p:extLst>
       <p:ext uri="{BB962C8B-B14F-4D97-AF65-F5344CB8AC3E}">
-        <p14:creationId xmlns:p14="http://schemas.microsoft.com/office/powerpoint/2010/main" val="2099280823"/>
+        <p14:creationId xmlns:p14="http://schemas.microsoft.com/office/powerpoint/2010/main" val="2786482054"/>
       </p:ext>
     </p:extLst>
   </p:cSld>
@@ -16605,7 +16647,7 @@
         <p:spPr>
           <a:xfrm>
             <a:off x="7540282" y="2739271"/>
-            <a:ext cx="4487594" cy="646331"/>
+            <a:ext cx="4487594" cy="1477328"/>
           </a:xfrm>
           <a:prstGeom prst="rect">
             <a:avLst/>
@@ -16624,8 +16666,23 @@
             </a:pPr>
             <a:r>
               <a:rPr lang="he-IL" dirty="0"/>
-              <a:t>הוספנו אפשרות לזכור את המשתמש לפעמים הבאות</a:t>
-            </a:r>
+              <a:t>הזזנו את כפתור ההתחברות לצד שמאל.</a:t>
+            </a:r>
+          </a:p>
+          <a:p>
+            <a:pPr marL="285750" indent="-285750" algn="r" rtl="1">
+              <a:buFont typeface="Arial" panose="020B0604020202020204" pitchFamily="34" charset="0"/>
+              <a:buChar char="•"/>
+            </a:pPr>
+            <a:r>
+              <a:rPr lang="he-IL" dirty="0"/>
+              <a:t>שינינו את כפתור ההרשמה כך שיראה כמו קישור למסך הרשמה. – </a:t>
+            </a:r>
+            <a:r>
+              <a:rPr lang="he-IL" b="1" dirty="0"/>
+              <a:t>התאמה בין המערכת לעולם האמיתי (שימוש בשפה אנושית + מזמינות).</a:t>
+            </a:r>
+            <a:endParaRPr lang="he-IL" dirty="0"/>
           </a:p>
         </p:txBody>
       </p:sp>
@@ -16634,7 +16691,7 @@
           <p:cNvPr id="3" name="תמונה 2">
             <a:extLst>
               <a:ext uri="{FF2B5EF4-FFF2-40B4-BE49-F238E27FC236}">
-                <a16:creationId xmlns:a16="http://schemas.microsoft.com/office/drawing/2014/main" id="{713B69A8-3AD9-4073-B2B7-E8BD26F62F61}"/>
+                <a16:creationId xmlns:a16="http://schemas.microsoft.com/office/drawing/2014/main" id="{AFF2BC89-6CFF-4440-A217-BA3D6ED40099}"/>
               </a:ext>
             </a:extLst>
           </p:cNvPr>
@@ -16651,8 +16708,8 @@
         </p:blipFill>
         <p:spPr>
           <a:xfrm>
-            <a:off x="0" y="2739271"/>
-            <a:ext cx="7399606" cy="4118729"/>
+            <a:off x="0" y="2724585"/>
+            <a:ext cx="7376157" cy="4133415"/>
           </a:xfrm>
           <a:prstGeom prst="rect">
             <a:avLst/>
@@ -16662,7 +16719,7 @@
     </p:spTree>
     <p:extLst>
       <p:ext uri="{BB962C8B-B14F-4D97-AF65-F5344CB8AC3E}">
-        <p14:creationId xmlns:p14="http://schemas.microsoft.com/office/powerpoint/2010/main" val="2827644645"/>
+        <p14:creationId xmlns:p14="http://schemas.microsoft.com/office/powerpoint/2010/main" val="438078503"/>
       </p:ext>
     </p:extLst>
   </p:cSld>
@@ -16739,7 +16796,7 @@
         <p:spPr>
           <a:xfrm>
             <a:off x="7540282" y="2739271"/>
-            <a:ext cx="4487594" cy="1200329"/>
+            <a:ext cx="4487594" cy="646331"/>
           </a:xfrm>
           <a:prstGeom prst="rect">
             <a:avLst/>
@@ -16758,13 +16815,8 @@
             </a:pPr>
             <a:r>
               <a:rPr lang="he-IL" dirty="0"/>
-              <a:t>בעת הכנסת אחד מהשדות ערך שגוי ולחיצה על התחברות, נוסיף שגיאה מתאימה למשתמש המסבירה מה קרה – </a:t>
-            </a:r>
-            <a:r>
-              <a:rPr lang="he-IL" b="1" dirty="0"/>
-              <a:t>התאוששות משגיאות.</a:t>
-            </a:r>
-            <a:endParaRPr lang="he-IL" dirty="0"/>
+              <a:t>הוספנו אפשרות לזכור את המשתמש לפעמים הבאות</a:t>
+            </a:r>
           </a:p>
         </p:txBody>
       </p:sp>
@@ -16773,7 +16825,7 @@
           <p:cNvPr id="4" name="תמונה 3">
             <a:extLst>
               <a:ext uri="{FF2B5EF4-FFF2-40B4-BE49-F238E27FC236}">
-                <a16:creationId xmlns:a16="http://schemas.microsoft.com/office/drawing/2014/main" id="{FFFAB130-62FE-4E0C-9148-B93FEA07DEF3}"/>
+                <a16:creationId xmlns:a16="http://schemas.microsoft.com/office/drawing/2014/main" id="{C4AC84E8-C33D-4B9A-9010-89F637AB80A1}"/>
               </a:ext>
             </a:extLst>
           </p:cNvPr>
@@ -16790,8 +16842,8 @@
         </p:blipFill>
         <p:spPr>
           <a:xfrm>
-            <a:off x="1" y="2609458"/>
-            <a:ext cx="7540282" cy="4248541"/>
+            <a:off x="0" y="2739271"/>
+            <a:ext cx="7403394" cy="4118729"/>
           </a:xfrm>
           <a:prstGeom prst="rect">
             <a:avLst/>
@@ -16801,7 +16853,7 @@
     </p:spTree>
     <p:extLst>
       <p:ext uri="{BB962C8B-B14F-4D97-AF65-F5344CB8AC3E}">
-        <p14:creationId xmlns:p14="http://schemas.microsoft.com/office/powerpoint/2010/main" val="1321157970"/>
+        <p14:creationId xmlns:p14="http://schemas.microsoft.com/office/powerpoint/2010/main" val="2099280823"/>
       </p:ext>
     </p:extLst>
   </p:cSld>
@@ -16897,7 +16949,7 @@
             </a:pPr>
             <a:r>
               <a:rPr lang="he-IL" dirty="0"/>
-              <a:t>הוספנו אפשרות של "שכחתי סיסמה" על מנת לאפשר למשתמש לשחזר סיסמה.</a:t>
+              <a:t>הוספנו אפשרות לזכור את המשתמש לפעמים הבאות</a:t>
             </a:r>
           </a:p>
         </p:txBody>
@@ -16907,7 +16959,7 @@
           <p:cNvPr id="3" name="תמונה 2">
             <a:extLst>
               <a:ext uri="{FF2B5EF4-FFF2-40B4-BE49-F238E27FC236}">
-                <a16:creationId xmlns:a16="http://schemas.microsoft.com/office/drawing/2014/main" id="{D9F8231E-B136-4E40-8A95-5E995A9C40F7}"/>
+                <a16:creationId xmlns:a16="http://schemas.microsoft.com/office/drawing/2014/main" id="{713B69A8-3AD9-4073-B2B7-E8BD26F62F61}"/>
               </a:ext>
             </a:extLst>
           </p:cNvPr>
@@ -16924,8 +16976,8 @@
         </p:blipFill>
         <p:spPr>
           <a:xfrm>
-            <a:off x="0" y="2606431"/>
-            <a:ext cx="7652825" cy="4251569"/>
+            <a:off x="0" y="2739271"/>
+            <a:ext cx="7399606" cy="4118729"/>
           </a:xfrm>
           <a:prstGeom prst="rect">
             <a:avLst/>
@@ -16935,7 +16987,7 @@
     </p:spTree>
     <p:extLst>
       <p:ext uri="{BB962C8B-B14F-4D97-AF65-F5344CB8AC3E}">
-        <p14:creationId xmlns:p14="http://schemas.microsoft.com/office/powerpoint/2010/main" val="2957022314"/>
+        <p14:creationId xmlns:p14="http://schemas.microsoft.com/office/powerpoint/2010/main" val="2827644645"/>
       </p:ext>
     </p:extLst>
   </p:cSld>
@@ -17012,7 +17064,7 @@
         <p:spPr>
           <a:xfrm>
             <a:off x="7540282" y="2739271"/>
-            <a:ext cx="4487594" cy="646331"/>
+            <a:ext cx="4487594" cy="1200329"/>
           </a:xfrm>
           <a:prstGeom prst="rect">
             <a:avLst/>
@@ -17031,8 +17083,13 @@
             </a:pPr>
             <a:r>
               <a:rPr lang="he-IL" dirty="0"/>
-              <a:t>שינינו את צבע כפתור ההתחברות שיהיה מודגש וברור יותר.</a:t>
-            </a:r>
+              <a:t>בעת הכנסת אחד מהשדות ערך שגוי ולחיצה על התחברות, נוסיף שגיאה מתאימה למשתמש המסבירה מה קרה – </a:t>
+            </a:r>
+            <a:r>
+              <a:rPr lang="he-IL" b="1" dirty="0"/>
+              <a:t>התאוששות משגיאות.</a:t>
+            </a:r>
+            <a:endParaRPr lang="he-IL" dirty="0"/>
           </a:p>
         </p:txBody>
       </p:sp>
@@ -17041,7 +17098,7 @@
           <p:cNvPr id="4" name="תמונה 3">
             <a:extLst>
               <a:ext uri="{FF2B5EF4-FFF2-40B4-BE49-F238E27FC236}">
-                <a16:creationId xmlns:a16="http://schemas.microsoft.com/office/drawing/2014/main" id="{475C9141-FB1D-421F-9F8D-0B97A56DA1FB}"/>
+                <a16:creationId xmlns:a16="http://schemas.microsoft.com/office/drawing/2014/main" id="{FFFAB130-62FE-4E0C-9148-B93FEA07DEF3}"/>
               </a:ext>
             </a:extLst>
           </p:cNvPr>
@@ -17058,8 +17115,8 @@
         </p:blipFill>
         <p:spPr>
           <a:xfrm>
-            <a:off x="0" y="2424386"/>
-            <a:ext cx="7877908" cy="4433613"/>
+            <a:off x="1" y="2609458"/>
+            <a:ext cx="7540282" cy="4248541"/>
           </a:xfrm>
           <a:prstGeom prst="rect">
             <a:avLst/>
@@ -17069,7 +17126,7 @@
     </p:spTree>
     <p:extLst>
       <p:ext uri="{BB962C8B-B14F-4D97-AF65-F5344CB8AC3E}">
-        <p14:creationId xmlns:p14="http://schemas.microsoft.com/office/powerpoint/2010/main" val="3155172046"/>
+        <p14:creationId xmlns:p14="http://schemas.microsoft.com/office/powerpoint/2010/main" val="1321157970"/>
       </p:ext>
     </p:extLst>
   </p:cSld>
@@ -17464,36 +17521,99 @@
           </p:spPr>
         </p:pic>
       </p:grpSp>
-      <p:pic>
-        <p:nvPicPr>
-          <p:cNvPr id="18" name="תמונה 17">
+      <p:sp>
+        <p:nvSpPr>
+          <p:cNvPr id="19" name="TextBox 26">
             <a:extLst>
               <a:ext uri="{FF2B5EF4-FFF2-40B4-BE49-F238E27FC236}">
-                <a16:creationId xmlns:a16="http://schemas.microsoft.com/office/drawing/2014/main" id="{05C7FC45-B70C-4A30-A487-E15C7CD306A2}"/>
+                <a16:creationId xmlns:a16="http://schemas.microsoft.com/office/drawing/2014/main" id="{1A6390B9-519A-4FF1-86C8-43E135109FBF}"/>
               </a:ext>
             </a:extLst>
           </p:cNvPr>
-          <p:cNvPicPr>
-            <a:picLocks noChangeAspect="1"/>
-          </p:cNvPicPr>
+          <p:cNvSpPr txBox="1"/>
           <p:nvPr/>
-        </p:nvPicPr>
-        <p:blipFill>
-          <a:blip r:embed="rId3"/>
-          <a:stretch>
-            <a:fillRect/>
-          </a:stretch>
-        </p:blipFill>
+        </p:nvSpPr>
         <p:spPr>
           <a:xfrm>
-            <a:off x="6184702" y="2761447"/>
-            <a:ext cx="5906023" cy="3337181"/>
+            <a:off x="6096000" y="2514490"/>
+            <a:ext cx="5640280" cy="2262671"/>
           </a:xfrm>
           <a:prstGeom prst="rect">
             <a:avLst/>
           </a:prstGeom>
+          <a:noFill/>
         </p:spPr>
-      </p:pic>
+        <p:txBody>
+          <a:bodyPr wrap="square" rtlCol="0">
+            <a:spAutoFit/>
+          </a:bodyPr>
+          <a:lstStyle/>
+          <a:p>
+            <a:pPr marL="285750" indent="-285750" algn="r" rtl="1">
+              <a:lnSpc>
+                <a:spcPct val="150000"/>
+              </a:lnSpc>
+              <a:buFont typeface="Arial" panose="020B0604020202020204" pitchFamily="34" charset="0"/>
+              <a:buChar char="•"/>
+            </a:pPr>
+            <a:r>
+              <a:rPr lang="he-IL" sz="1600" dirty="0"/>
+              <a:t>תפריט ניווט לא ברור – מערב ניווט לדפים וכמו כן מערב פעולה של הוספת פגישה שלא אמורה להיות חלק מהתפריט .</a:t>
+            </a:r>
+          </a:p>
+          <a:p>
+            <a:pPr marL="285750" indent="-285750" algn="r" rtl="1">
+              <a:lnSpc>
+                <a:spcPct val="150000"/>
+              </a:lnSpc>
+              <a:buFont typeface="Arial" panose="020B0604020202020204" pitchFamily="34" charset="0"/>
+              <a:buChar char="•"/>
+            </a:pPr>
+            <a:r>
+              <a:rPr lang="he-IL" sz="1600" dirty="0"/>
+              <a:t>אין אחידות בין המסכים, לדוגמא:</a:t>
+            </a:r>
+            <a:r>
+              <a:rPr lang="en-US" sz="1600" dirty="0"/>
+              <a:t> </a:t>
+            </a:r>
+            <a:r>
+              <a:rPr lang="he-IL" sz="1600" dirty="0"/>
+              <a:t>כפתורי הוספה</a:t>
+            </a:r>
+            <a:r>
+              <a:rPr lang="en-US" sz="1600" dirty="0"/>
+              <a:t>/</a:t>
+            </a:r>
+            <a:r>
+              <a:rPr lang="he-IL" sz="1600" dirty="0"/>
+              <a:t>ביטול שונים בכמה מסכים - </a:t>
+            </a:r>
+            <a:r>
+              <a:rPr lang="he-IL" sz="1600" b="1" dirty="0"/>
+              <a:t>עקיבות וסטנדרטים. </a:t>
+            </a:r>
+            <a:endParaRPr lang="en-US" sz="1600" b="1" dirty="0"/>
+          </a:p>
+          <a:p>
+            <a:pPr marL="285750" indent="-285750" algn="r" rtl="1">
+              <a:lnSpc>
+                <a:spcPct val="150000"/>
+              </a:lnSpc>
+              <a:buFont typeface="Arial" panose="020B0604020202020204" pitchFamily="34" charset="0"/>
+              <a:buChar char="•"/>
+            </a:pPr>
+            <a:r>
+              <a:rPr lang="he-IL" sz="1600" dirty="0"/>
+              <a:t>אין חיווי למשתמש באיזה דף הוא נמצא בכל רגע - </a:t>
+            </a:r>
+            <a:r>
+              <a:rPr lang="he-IL" sz="1600" b="1" dirty="0"/>
+              <a:t>נראות מצב המערכת.</a:t>
+            </a:r>
+          </a:p>
+        </p:txBody>
+      </p:sp>
     </p:spTree>
     <p:extLst>
       <p:ext uri="{BB962C8B-B14F-4D97-AF65-F5344CB8AC3E}">
@@ -17573,8 +17693,8 @@
         </p:nvSpPr>
         <p:spPr>
           <a:xfrm>
-            <a:off x="7877908" y="2739271"/>
-            <a:ext cx="4149968" cy="1200329"/>
+            <a:off x="7540282" y="2739271"/>
+            <a:ext cx="4487594" cy="646331"/>
           </a:xfrm>
           <a:prstGeom prst="rect">
             <a:avLst/>
@@ -17593,21 +17713,8 @@
             </a:pPr>
             <a:r>
               <a:rPr lang="he-IL" dirty="0"/>
-              <a:t>כאשר המשתמש לא הכניס את פרטיו עדיין, נמנע ממנו ללחוץ על כפתור ההתחברות או לחילופין ללחוץ על כפתור ה</a:t>
-            </a:r>
-            <a:r>
-              <a:rPr lang="en-US" dirty="0"/>
-              <a:t>ENTER</a:t>
-            </a:r>
-            <a:r>
-              <a:rPr lang="he-IL" dirty="0"/>
-              <a:t> – </a:t>
-            </a:r>
-            <a:r>
-              <a:rPr lang="he-IL" b="1" dirty="0"/>
-              <a:t>מניעת טעויות.</a:t>
-            </a:r>
-            <a:endParaRPr lang="he-IL" dirty="0"/>
+              <a:t>הוספנו אפשרות של "שכחתי סיסמה" על מנת לאפשר למשתמש לשחזר סיסמה.</a:t>
+            </a:r>
           </a:p>
         </p:txBody>
       </p:sp>
@@ -17616,7 +17723,7 @@
           <p:cNvPr id="3" name="תמונה 2">
             <a:extLst>
               <a:ext uri="{FF2B5EF4-FFF2-40B4-BE49-F238E27FC236}">
-                <a16:creationId xmlns:a16="http://schemas.microsoft.com/office/drawing/2014/main" id="{E9D24780-DDFD-48A1-AB3A-E9FDE2443D98}"/>
+                <a16:creationId xmlns:a16="http://schemas.microsoft.com/office/drawing/2014/main" id="{D9F8231E-B136-4E40-8A95-5E995A9C40F7}"/>
               </a:ext>
             </a:extLst>
           </p:cNvPr>
@@ -17633,8 +17740,8 @@
         </p:blipFill>
         <p:spPr>
           <a:xfrm>
-            <a:off x="0" y="2349304"/>
-            <a:ext cx="8025851" cy="4508695"/>
+            <a:off x="0" y="2606431"/>
+            <a:ext cx="7652825" cy="4251569"/>
           </a:xfrm>
           <a:prstGeom prst="rect">
             <a:avLst/>
@@ -17644,7 +17751,7 @@
     </p:spTree>
     <p:extLst>
       <p:ext uri="{BB962C8B-B14F-4D97-AF65-F5344CB8AC3E}">
-        <p14:creationId xmlns:p14="http://schemas.microsoft.com/office/powerpoint/2010/main" val="3511654369"/>
+        <p14:creationId xmlns:p14="http://schemas.microsoft.com/office/powerpoint/2010/main" val="2957022314"/>
       </p:ext>
     </p:extLst>
   </p:cSld>
@@ -17676,7 +17783,7 @@
           <p:cNvPr id="2" name="כותרת 1">
             <a:extLst>
               <a:ext uri="{FF2B5EF4-FFF2-40B4-BE49-F238E27FC236}">
-                <a16:creationId xmlns:a16="http://schemas.microsoft.com/office/drawing/2014/main" id="{DE777293-170B-4164-A212-000191C56DFE}"/>
+                <a16:creationId xmlns:a16="http://schemas.microsoft.com/office/drawing/2014/main" id="{92A500EE-F6C5-4C79-92F1-D2FDEE8174A4}"/>
               </a:ext>
             </a:extLst>
           </p:cNvPr>
@@ -17687,29 +17794,31 @@
             <p:ph type="title"/>
           </p:nvPr>
         </p:nvSpPr>
-        <p:spPr/>
+        <p:spPr>
+          <a:xfrm>
+            <a:off x="1154954" y="973669"/>
+            <a:ext cx="8825659" cy="706964"/>
+          </a:xfrm>
+        </p:spPr>
         <p:txBody>
           <a:bodyPr/>
           <a:lstStyle/>
           <a:p>
-            <a:pPr algn="ctr" rtl="1"/>
+            <a:pPr algn="ctr"/>
             <a:r>
               <a:rPr lang="he-IL"/>
-              <a:t>מסך </a:t>
-            </a:r>
-            <a:r>
-              <a:rPr lang="he-IL" dirty="0"/>
-              <a:t>הרשמה</a:t>
-            </a:r>
+              <a:t>מסך התחברות</a:t>
+            </a:r>
+            <a:endParaRPr lang="he-IL" dirty="0"/>
           </a:p>
         </p:txBody>
       </p:sp>
       <p:sp>
         <p:nvSpPr>
-          <p:cNvPr id="5" name="תיבת טקסט 4">
+          <p:cNvPr id="17" name="תיבת טקסט 16">
             <a:extLst>
               <a:ext uri="{FF2B5EF4-FFF2-40B4-BE49-F238E27FC236}">
-                <a16:creationId xmlns:a16="http://schemas.microsoft.com/office/drawing/2014/main" id="{49C1F48E-4344-478F-B955-03346A467B7E}"/>
+                <a16:creationId xmlns:a16="http://schemas.microsoft.com/office/drawing/2014/main" id="{2F642565-7D83-416E-A7D1-4FA3B48B83E1}"/>
               </a:ext>
             </a:extLst>
           </p:cNvPr>
@@ -17718,8 +17827,8 @@
         </p:nvSpPr>
         <p:spPr>
           <a:xfrm>
-            <a:off x="7919696" y="2477527"/>
-            <a:ext cx="4121834" cy="3970318"/>
+            <a:off x="7540282" y="2739271"/>
+            <a:ext cx="4487594" cy="646331"/>
           </a:xfrm>
           <a:prstGeom prst="rect">
             <a:avLst/>
@@ -17738,51 +17847,7 @@
             </a:pPr>
             <a:r>
               <a:rPr lang="he-IL" dirty="0"/>
-              <a:t>שינינו את עיצוב השדות כך שיראו יותר מעודכנים.</a:t>
-            </a:r>
-          </a:p>
-          <a:p>
-            <a:pPr marL="285750" indent="-285750" algn="r" rtl="1">
-              <a:buFont typeface="Arial" panose="020B0604020202020204" pitchFamily="34" charset="0"/>
-              <a:buChar char="•"/>
-            </a:pPr>
-            <a:r>
-              <a:rPr lang="he-IL" dirty="0"/>
-              <a:t>הוספנו סמלים מתאימים בצד כל שדה כך שיהיה ברור למשתמש מה עליו להכניס בשדה אותו הוא ממלא – </a:t>
-            </a:r>
-            <a:r>
-              <a:rPr lang="he-IL" b="1" dirty="0"/>
-              <a:t>זיהוי ולא זיכרון.</a:t>
-            </a:r>
-            <a:endParaRPr lang="he-IL" dirty="0"/>
-          </a:p>
-          <a:p>
-            <a:pPr marL="285750" indent="-285750" algn="r" rtl="1">
-              <a:buFont typeface="Arial" panose="020B0604020202020204" pitchFamily="34" charset="0"/>
-              <a:buChar char="•"/>
-            </a:pPr>
-            <a:r>
-              <a:rPr lang="he-IL" dirty="0"/>
-              <a:t>הוספנו תיאור לבחירת המין כדי שיהיה ברור יותר למשתמש מה עליו לבחור, בנוסף סימנו את המין "זכר" כברירת מחדל – </a:t>
-            </a:r>
-            <a:r>
-              <a:rPr lang="he-IL" b="1" dirty="0"/>
-              <a:t>מניעת טעויות.</a:t>
-            </a:r>
-            <a:endParaRPr lang="he-IL" dirty="0"/>
-          </a:p>
-          <a:p>
-            <a:pPr marL="285750" indent="-285750" algn="r" rtl="1">
-              <a:buFont typeface="Arial" panose="020B0604020202020204" pitchFamily="34" charset="0"/>
-              <a:buChar char="•"/>
-            </a:pPr>
-            <a:r>
-              <a:rPr lang="he-IL" dirty="0"/>
-              <a:t>הוספנו את אותה התנהגות של השדות כמו במסך ההתחברות (הדגשת השדה כאשר המשתמש מפוקס עליו + קיצורי מקשים) - </a:t>
-            </a:r>
-            <a:r>
-              <a:rPr lang="he-IL" b="1" dirty="0"/>
-              <a:t>חיווי מצב המערכת + גמישות ויעילות שימוש.</a:t>
+              <a:t>שינינו את צבע כפתור ההתחברות שיהיה מודגש וברור יותר.</a:t>
             </a:r>
           </a:p>
         </p:txBody>
@@ -17792,7 +17857,7 @@
           <p:cNvPr id="3" name="תמונה 2">
             <a:extLst>
               <a:ext uri="{FF2B5EF4-FFF2-40B4-BE49-F238E27FC236}">
-                <a16:creationId xmlns:a16="http://schemas.microsoft.com/office/drawing/2014/main" id="{EDBDBFCF-CC0C-44D5-822E-F5193ADFCEC5}"/>
+                <a16:creationId xmlns:a16="http://schemas.microsoft.com/office/drawing/2014/main" id="{95B648AD-613D-490F-9F20-CD73D874D9C9}"/>
               </a:ext>
             </a:extLst>
           </p:cNvPr>
@@ -17809,8 +17874,8 @@
         </p:blipFill>
         <p:spPr>
           <a:xfrm>
-            <a:off x="0" y="2477527"/>
-            <a:ext cx="7795603" cy="4380473"/>
+            <a:off x="47625" y="2947481"/>
+            <a:ext cx="6900087" cy="3900994"/>
           </a:xfrm>
           <a:prstGeom prst="rect">
             <a:avLst/>
@@ -17820,7 +17885,7 @@
     </p:spTree>
     <p:extLst>
       <p:ext uri="{BB962C8B-B14F-4D97-AF65-F5344CB8AC3E}">
-        <p14:creationId xmlns:p14="http://schemas.microsoft.com/office/powerpoint/2010/main" val="1933346331"/>
+        <p14:creationId xmlns:p14="http://schemas.microsoft.com/office/powerpoint/2010/main" val="3155172046"/>
       </p:ext>
     </p:extLst>
   </p:cSld>
@@ -17852,7 +17917,7 @@
           <p:cNvPr id="2" name="כותרת 1">
             <a:extLst>
               <a:ext uri="{FF2B5EF4-FFF2-40B4-BE49-F238E27FC236}">
-                <a16:creationId xmlns:a16="http://schemas.microsoft.com/office/drawing/2014/main" id="{DE777293-170B-4164-A212-000191C56DFE}"/>
+                <a16:creationId xmlns:a16="http://schemas.microsoft.com/office/drawing/2014/main" id="{92A500EE-F6C5-4C79-92F1-D2FDEE8174A4}"/>
               </a:ext>
             </a:extLst>
           </p:cNvPr>
@@ -17863,29 +17928,31 @@
             <p:ph type="title"/>
           </p:nvPr>
         </p:nvSpPr>
-        <p:spPr/>
+        <p:spPr>
+          <a:xfrm>
+            <a:off x="1154954" y="973669"/>
+            <a:ext cx="8825659" cy="706964"/>
+          </a:xfrm>
+        </p:spPr>
         <p:txBody>
           <a:bodyPr/>
           <a:lstStyle/>
           <a:p>
-            <a:pPr algn="ctr" rtl="1"/>
+            <a:pPr algn="ctr"/>
             <a:r>
               <a:rPr lang="he-IL"/>
-              <a:t>מסך </a:t>
-            </a:r>
-            <a:r>
-              <a:rPr lang="he-IL" dirty="0"/>
-              <a:t>הרשמה</a:t>
-            </a:r>
+              <a:t>מסך התחברות</a:t>
+            </a:r>
+            <a:endParaRPr lang="he-IL" dirty="0"/>
           </a:p>
         </p:txBody>
       </p:sp>
       <p:sp>
         <p:nvSpPr>
-          <p:cNvPr id="5" name="תיבת טקסט 4">
+          <p:cNvPr id="17" name="תיבת טקסט 16">
             <a:extLst>
               <a:ext uri="{FF2B5EF4-FFF2-40B4-BE49-F238E27FC236}">
-                <a16:creationId xmlns:a16="http://schemas.microsoft.com/office/drawing/2014/main" id="{49C1F48E-4344-478F-B955-03346A467B7E}"/>
+                <a16:creationId xmlns:a16="http://schemas.microsoft.com/office/drawing/2014/main" id="{2F642565-7D83-416E-A7D1-4FA3B48B83E1}"/>
               </a:ext>
             </a:extLst>
           </p:cNvPr>
@@ -17894,8 +17961,8 @@
         </p:nvSpPr>
         <p:spPr>
           <a:xfrm>
-            <a:off x="7919696" y="2477527"/>
-            <a:ext cx="4121834" cy="923330"/>
+            <a:off x="7877908" y="2739271"/>
+            <a:ext cx="4149968" cy="1200329"/>
           </a:xfrm>
           <a:prstGeom prst="rect">
             <a:avLst/>
@@ -17914,7 +17981,15 @@
             </a:pPr>
             <a:r>
               <a:rPr lang="he-IL" dirty="0"/>
-              <a:t>הוספנו הדגשה עבור כל שדה חובה והסבר בתחתית העמוד המסביר מהי ההדגשה – </a:t>
+              <a:t>כאשר המשתמש לא הכניס את פרטיו עדיין, נמנע ממנו ללחוץ על כפתור ההתחברות או לחילופין ללחוץ על כפתור ה</a:t>
+            </a:r>
+            <a:r>
+              <a:rPr lang="en-US" dirty="0"/>
+              <a:t>ENTER</a:t>
+            </a:r>
+            <a:r>
+              <a:rPr lang="he-IL" dirty="0"/>
+              <a:t> – </a:t>
             </a:r>
             <a:r>
               <a:rPr lang="he-IL" b="1" dirty="0"/>
@@ -17926,10 +18001,10 @@
       </p:sp>
       <p:pic>
         <p:nvPicPr>
-          <p:cNvPr id="4" name="תמונה 3">
+          <p:cNvPr id="3" name="תמונה 2">
             <a:extLst>
               <a:ext uri="{FF2B5EF4-FFF2-40B4-BE49-F238E27FC236}">
-                <a16:creationId xmlns:a16="http://schemas.microsoft.com/office/drawing/2014/main" id="{F7A459F8-8EB4-4454-BC2E-F42597AF3D89}"/>
+                <a16:creationId xmlns:a16="http://schemas.microsoft.com/office/drawing/2014/main" id="{E9D24780-DDFD-48A1-AB3A-E9FDE2443D98}"/>
               </a:ext>
             </a:extLst>
           </p:cNvPr>
@@ -17946,8 +18021,8 @@
         </p:blipFill>
         <p:spPr>
           <a:xfrm>
-            <a:off x="1" y="2393328"/>
-            <a:ext cx="7919696" cy="4464671"/>
+            <a:off x="0" y="2349304"/>
+            <a:ext cx="8025851" cy="4508695"/>
           </a:xfrm>
           <a:prstGeom prst="rect">
             <a:avLst/>
@@ -17957,7 +18032,7 @@
     </p:spTree>
     <p:extLst>
       <p:ext uri="{BB962C8B-B14F-4D97-AF65-F5344CB8AC3E}">
-        <p14:creationId xmlns:p14="http://schemas.microsoft.com/office/powerpoint/2010/main" val="567271253"/>
+        <p14:creationId xmlns:p14="http://schemas.microsoft.com/office/powerpoint/2010/main" val="3511654369"/>
       </p:ext>
     </p:extLst>
   </p:cSld>
@@ -18032,7 +18107,7 @@
         <p:spPr>
           <a:xfrm>
             <a:off x="7919696" y="2477527"/>
-            <a:ext cx="4121834" cy="1477328"/>
+            <a:ext cx="4121834" cy="3970318"/>
           </a:xfrm>
           <a:prstGeom prst="rect">
             <a:avLst/>
@@ -18051,7 +18126,7 @@
             </a:pPr>
             <a:r>
               <a:rPr lang="he-IL" dirty="0"/>
-              <a:t>שינינו את מיקום כפתור "הירשם", וגם שינינו את עיצובו.</a:t>
+              <a:t>שינינו את עיצוב השדות כך שיראו יותר מעודכנים.</a:t>
             </a:r>
           </a:p>
           <a:p>
@@ -18061,13 +18136,42 @@
             </a:pPr>
             <a:r>
               <a:rPr lang="he-IL" dirty="0"/>
-              <a:t>הוספנו כפתור "חזור" לחזרה למסך ההתחברות – </a:t>
+              <a:t>הוספנו סמלים מתאימים בצד כל שדה כך שיהיה ברור למשתמש מה עליו להכניס בשדה אותו הוא ממלא – </a:t>
             </a:r>
             <a:r>
               <a:rPr lang="he-IL" b="1" dirty="0"/>
-              <a:t>שליטה וחופש של המשתמש.</a:t>
+              <a:t>זיהוי ולא זיכרון.</a:t>
             </a:r>
             <a:endParaRPr lang="he-IL" dirty="0"/>
+          </a:p>
+          <a:p>
+            <a:pPr marL="285750" indent="-285750" algn="r" rtl="1">
+              <a:buFont typeface="Arial" panose="020B0604020202020204" pitchFamily="34" charset="0"/>
+              <a:buChar char="•"/>
+            </a:pPr>
+            <a:r>
+              <a:rPr lang="he-IL" dirty="0"/>
+              <a:t>הוספנו תיאור לבחירת המין כדי שיהיה ברור יותר למשתמש מה עליו לבחור, בנוסף סימנו את המין "זכר" כברירת מחדל – </a:t>
+            </a:r>
+            <a:r>
+              <a:rPr lang="he-IL" b="1" dirty="0"/>
+              <a:t>מניעת טעויות.</a:t>
+            </a:r>
+            <a:endParaRPr lang="he-IL" dirty="0"/>
+          </a:p>
+          <a:p>
+            <a:pPr marL="285750" indent="-285750" algn="r" rtl="1">
+              <a:buFont typeface="Arial" panose="020B0604020202020204" pitchFamily="34" charset="0"/>
+              <a:buChar char="•"/>
+            </a:pPr>
+            <a:r>
+              <a:rPr lang="he-IL" dirty="0"/>
+              <a:t>הוספנו את אותה התנהגות של השדות כמו במסך ההתחברות (הדגשת השדה כאשר המשתמש מפוקס עליו + קיצורי מקשים) - </a:t>
+            </a:r>
+            <a:r>
+              <a:rPr lang="he-IL" b="1" dirty="0"/>
+              <a:t>חיווי מצב המערכת + גמישות ויעילות שימוש.</a:t>
+            </a:r>
           </a:p>
         </p:txBody>
       </p:sp>
@@ -18076,7 +18180,7 @@
           <p:cNvPr id="3" name="תמונה 2">
             <a:extLst>
               <a:ext uri="{FF2B5EF4-FFF2-40B4-BE49-F238E27FC236}">
-                <a16:creationId xmlns:a16="http://schemas.microsoft.com/office/drawing/2014/main" id="{38430044-946A-4A50-94AE-6A5D66B2DBD5}"/>
+                <a16:creationId xmlns:a16="http://schemas.microsoft.com/office/drawing/2014/main" id="{EDBDBFCF-CC0C-44D5-822E-F5193ADFCEC5}"/>
               </a:ext>
             </a:extLst>
           </p:cNvPr>
@@ -18093,8 +18197,8 @@
         </p:blipFill>
         <p:spPr>
           <a:xfrm>
-            <a:off x="0" y="2477528"/>
-            <a:ext cx="7820968" cy="4380472"/>
+            <a:off x="0" y="2477527"/>
+            <a:ext cx="7795603" cy="4380473"/>
           </a:xfrm>
           <a:prstGeom prst="rect">
             <a:avLst/>
@@ -18104,7 +18208,7 @@
     </p:spTree>
     <p:extLst>
       <p:ext uri="{BB962C8B-B14F-4D97-AF65-F5344CB8AC3E}">
-        <p14:creationId xmlns:p14="http://schemas.microsoft.com/office/powerpoint/2010/main" val="3086947910"/>
+        <p14:creationId xmlns:p14="http://schemas.microsoft.com/office/powerpoint/2010/main" val="1933346331"/>
       </p:ext>
     </p:extLst>
   </p:cSld>
@@ -18179,7 +18283,7 @@
         <p:spPr>
           <a:xfrm>
             <a:off x="7919696" y="2477527"/>
-            <a:ext cx="4121834" cy="1200329"/>
+            <a:ext cx="4121834" cy="923330"/>
           </a:xfrm>
           <a:prstGeom prst="rect">
             <a:avLst/>
@@ -18198,22 +18302,13 @@
             </a:pPr>
             <a:r>
               <a:rPr lang="he-IL" dirty="0"/>
-              <a:t>הוספנו שדה "אימות סיסמה" על מנת שהמשתמש לא יזין בטעות סיסמה שלא רצה – </a:t>
+              <a:t>הוספנו הדגשה עבור כל שדה חובה והסבר בתחתית העמוד המסביר מהי ההדגשה – </a:t>
             </a:r>
             <a:r>
               <a:rPr lang="he-IL" b="1" dirty="0"/>
               <a:t>מניעת טעויות.</a:t>
             </a:r>
-          </a:p>
-          <a:p>
-            <a:pPr marL="285750" indent="-285750" algn="r" rtl="1">
-              <a:buFont typeface="Arial" panose="020B0604020202020204" pitchFamily="34" charset="0"/>
-              <a:buChar char="•"/>
-            </a:pPr>
-            <a:r>
-              <a:rPr lang="he-IL" dirty="0"/>
-              <a:t>נוסיף סמל של "עזרה" ליד השדה סיסמה.</a:t>
-            </a:r>
+            <a:endParaRPr lang="he-IL" dirty="0"/>
           </a:p>
         </p:txBody>
       </p:sp>
@@ -18222,7 +18317,7 @@
           <p:cNvPr id="4" name="תמונה 3">
             <a:extLst>
               <a:ext uri="{FF2B5EF4-FFF2-40B4-BE49-F238E27FC236}">
-                <a16:creationId xmlns:a16="http://schemas.microsoft.com/office/drawing/2014/main" id="{0E31DD51-C1AC-4F56-8FC6-3D97FC3714E2}"/>
+                <a16:creationId xmlns:a16="http://schemas.microsoft.com/office/drawing/2014/main" id="{F7A459F8-8EB4-4454-BC2E-F42597AF3D89}"/>
               </a:ext>
             </a:extLst>
           </p:cNvPr>
@@ -18239,8 +18334,8 @@
         </p:blipFill>
         <p:spPr>
           <a:xfrm>
-            <a:off x="18757" y="2477527"/>
-            <a:ext cx="7781461" cy="4380473"/>
+            <a:off x="1" y="2393328"/>
+            <a:ext cx="7919696" cy="4464671"/>
           </a:xfrm>
           <a:prstGeom prst="rect">
             <a:avLst/>
@@ -18250,7 +18345,7 @@
     </p:spTree>
     <p:extLst>
       <p:ext uri="{BB962C8B-B14F-4D97-AF65-F5344CB8AC3E}">
-        <p14:creationId xmlns:p14="http://schemas.microsoft.com/office/powerpoint/2010/main" val="1077792874"/>
+        <p14:creationId xmlns:p14="http://schemas.microsoft.com/office/powerpoint/2010/main" val="567271253"/>
       </p:ext>
     </p:extLst>
   </p:cSld>
@@ -18325,7 +18420,7 @@
         <p:spPr>
           <a:xfrm>
             <a:off x="7919696" y="2477527"/>
-            <a:ext cx="4121834" cy="923330"/>
+            <a:ext cx="4121834" cy="1477328"/>
           </a:xfrm>
           <a:prstGeom prst="rect">
             <a:avLst/>
@@ -18344,11 +18439,21 @@
             </a:pPr>
             <a:r>
               <a:rPr lang="he-IL" dirty="0"/>
-              <a:t>כאשר המשתמש יעמוד עם העכבר על סמל העזרה, יפתח פופ-אפ שיסביר לו על דרישות הסיסמה – </a:t>
+              <a:t>שינינו את מיקום כפתור "הירשם", וגם שינינו את עיצובו.</a:t>
+            </a:r>
+          </a:p>
+          <a:p>
+            <a:pPr marL="285750" indent="-285750" algn="r" rtl="1">
+              <a:buFont typeface="Arial" panose="020B0604020202020204" pitchFamily="34" charset="0"/>
+              <a:buChar char="•"/>
+            </a:pPr>
+            <a:r>
+              <a:rPr lang="he-IL" dirty="0"/>
+              <a:t>הוספנו כפתור "חזור" לחזרה למסך ההתחברות – </a:t>
             </a:r>
             <a:r>
               <a:rPr lang="he-IL" b="1" dirty="0"/>
-              <a:t>עזרה ומסמכים.</a:t>
+              <a:t>שליטה וחופש של המשתמש.</a:t>
             </a:r>
             <a:endParaRPr lang="he-IL" dirty="0"/>
           </a:p>
@@ -18359,7 +18464,7 @@
           <p:cNvPr id="3" name="תמונה 2">
             <a:extLst>
               <a:ext uri="{FF2B5EF4-FFF2-40B4-BE49-F238E27FC236}">
-                <a16:creationId xmlns:a16="http://schemas.microsoft.com/office/drawing/2014/main" id="{CF7F28FA-F2A3-4BF5-B0BE-9ABE3FAF5129}"/>
+                <a16:creationId xmlns:a16="http://schemas.microsoft.com/office/drawing/2014/main" id="{38430044-946A-4A50-94AE-6A5D66B2DBD5}"/>
               </a:ext>
             </a:extLst>
           </p:cNvPr>
@@ -18376,8 +18481,8 @@
         </p:blipFill>
         <p:spPr>
           <a:xfrm>
-            <a:off x="1" y="2477527"/>
-            <a:ext cx="7823508" cy="4391024"/>
+            <a:off x="0" y="2477528"/>
+            <a:ext cx="7820968" cy="4380472"/>
           </a:xfrm>
           <a:prstGeom prst="rect">
             <a:avLst/>
@@ -18387,7 +18492,7 @@
     </p:spTree>
     <p:extLst>
       <p:ext uri="{BB962C8B-B14F-4D97-AF65-F5344CB8AC3E}">
-        <p14:creationId xmlns:p14="http://schemas.microsoft.com/office/powerpoint/2010/main" val="275190794"/>
+        <p14:creationId xmlns:p14="http://schemas.microsoft.com/office/powerpoint/2010/main" val="3086947910"/>
       </p:ext>
     </p:extLst>
   </p:cSld>
@@ -18462,7 +18567,7 @@
         <p:spPr>
           <a:xfrm>
             <a:off x="7919696" y="2477527"/>
-            <a:ext cx="4121834" cy="1477328"/>
+            <a:ext cx="4121834" cy="1200329"/>
           </a:xfrm>
           <a:prstGeom prst="rect">
             <a:avLst/>
@@ -18481,11 +18586,21 @@
             </a:pPr>
             <a:r>
               <a:rPr lang="he-IL" dirty="0"/>
-              <a:t>במידה ואחד הערכים בשדות אינם תקינים, נחזיר הודעת שגיאה מתאימה ואינפורמטיבית עבור כל בעיה בקלט - </a:t>
+              <a:t>הוספנו שדה "אימות סיסמה" על מנת שהמשתמש לא יזין בטעות סיסמה שלא רצה – </a:t>
             </a:r>
             <a:r>
               <a:rPr lang="he-IL" b="1" dirty="0"/>
-              <a:t>עזרה בזיהוי, ניתוח והתאוששות מטעויות.</a:t>
+              <a:t>מניעת טעויות.</a:t>
+            </a:r>
+          </a:p>
+          <a:p>
+            <a:pPr marL="285750" indent="-285750" algn="r" rtl="1">
+              <a:buFont typeface="Arial" panose="020B0604020202020204" pitchFamily="34" charset="0"/>
+              <a:buChar char="•"/>
+            </a:pPr>
+            <a:r>
+              <a:rPr lang="he-IL" dirty="0"/>
+              <a:t>נוסיף סמל של "עזרה" ליד השדה סיסמה.</a:t>
             </a:r>
           </a:p>
         </p:txBody>
@@ -18495,7 +18610,7 @@
           <p:cNvPr id="4" name="תמונה 3">
             <a:extLst>
               <a:ext uri="{FF2B5EF4-FFF2-40B4-BE49-F238E27FC236}">
-                <a16:creationId xmlns:a16="http://schemas.microsoft.com/office/drawing/2014/main" id="{8F2B87F0-BFF7-443B-B7D8-EE64A307640C}"/>
+                <a16:creationId xmlns:a16="http://schemas.microsoft.com/office/drawing/2014/main" id="{0E31DD51-C1AC-4F56-8FC6-3D97FC3714E2}"/>
               </a:ext>
             </a:extLst>
           </p:cNvPr>
@@ -18512,8 +18627,8 @@
         </p:blipFill>
         <p:spPr>
           <a:xfrm>
-            <a:off x="1" y="2305582"/>
-            <a:ext cx="8060788" cy="4552417"/>
+            <a:off x="18757" y="2477527"/>
+            <a:ext cx="7781461" cy="4380473"/>
           </a:xfrm>
           <a:prstGeom prst="rect">
             <a:avLst/>
@@ -18523,7 +18638,7 @@
     </p:spTree>
     <p:extLst>
       <p:ext uri="{BB962C8B-B14F-4D97-AF65-F5344CB8AC3E}">
-        <p14:creationId xmlns:p14="http://schemas.microsoft.com/office/powerpoint/2010/main" val="2631093111"/>
+        <p14:creationId xmlns:p14="http://schemas.microsoft.com/office/powerpoint/2010/main" val="1077792874"/>
       </p:ext>
     </p:extLst>
   </p:cSld>
@@ -18617,11 +18732,11 @@
             </a:pPr>
             <a:r>
               <a:rPr lang="he-IL" dirty="0"/>
-              <a:t>כאשר אחד או יותר מהשדות חובה ריקות לא נאפשר ללחוץ על כפתור ה"הירשם" – </a:t>
+              <a:t>כאשר המשתמש יעמוד עם העכבר על סמל העזרה, יפתח פופ-אפ שיסביר לו על דרישות הסיסמה – </a:t>
             </a:r>
             <a:r>
               <a:rPr lang="he-IL" b="1" dirty="0"/>
-              <a:t>מניעת טעויות.</a:t>
+              <a:t>עזרה ומסמכים.</a:t>
             </a:r>
             <a:endParaRPr lang="he-IL" dirty="0"/>
           </a:p>
@@ -18629,10 +18744,10 @@
       </p:sp>
       <p:pic>
         <p:nvPicPr>
-          <p:cNvPr id="4" name="תמונה 3">
+          <p:cNvPr id="3" name="תמונה 2">
             <a:extLst>
               <a:ext uri="{FF2B5EF4-FFF2-40B4-BE49-F238E27FC236}">
-                <a16:creationId xmlns:a16="http://schemas.microsoft.com/office/drawing/2014/main" id="{407C7C72-7DE0-4C9C-963E-8C4B6AD52CAF}"/>
+                <a16:creationId xmlns:a16="http://schemas.microsoft.com/office/drawing/2014/main" id="{CF7F28FA-F2A3-4BF5-B0BE-9ABE3FAF5129}"/>
               </a:ext>
             </a:extLst>
           </p:cNvPr>
@@ -18649,8 +18764,8 @@
         </p:blipFill>
         <p:spPr>
           <a:xfrm>
-            <a:off x="0" y="2477527"/>
-            <a:ext cx="7790531" cy="4380473"/>
+            <a:off x="1" y="2477527"/>
+            <a:ext cx="7823508" cy="4391024"/>
           </a:xfrm>
           <a:prstGeom prst="rect">
             <a:avLst/>
@@ -18660,7 +18775,7 @@
     </p:spTree>
     <p:extLst>
       <p:ext uri="{BB962C8B-B14F-4D97-AF65-F5344CB8AC3E}">
-        <p14:creationId xmlns:p14="http://schemas.microsoft.com/office/powerpoint/2010/main" val="2646762809"/>
+        <p14:creationId xmlns:p14="http://schemas.microsoft.com/office/powerpoint/2010/main" val="275190794"/>
       </p:ext>
     </p:extLst>
   </p:cSld>
@@ -18710,8 +18825,12 @@
           <a:p>
             <a:pPr algn="ctr" rtl="1"/>
             <a:r>
+              <a:rPr lang="he-IL"/>
+              <a:t>מסך </a:t>
+            </a:r>
+            <a:r>
               <a:rPr lang="he-IL" dirty="0"/>
-              <a:t>מסך הוספת פגישה והוספת אילוץ</a:t>
+              <a:t>הרשמה</a:t>
             </a:r>
           </a:p>
         </p:txBody>
@@ -18730,8 +18849,8 @@
         </p:nvSpPr>
         <p:spPr>
           <a:xfrm>
-            <a:off x="1462310" y="2477527"/>
-            <a:ext cx="9267379" cy="369332"/>
+            <a:off x="7919696" y="2477527"/>
+            <a:ext cx="4121834" cy="1477328"/>
           </a:xfrm>
           <a:prstGeom prst="rect">
             <a:avLst/>
@@ -18744,20 +18863,27 @@
           </a:bodyPr>
           <a:lstStyle/>
           <a:p>
-            <a:pPr algn="r" rtl="1"/>
+            <a:pPr marL="285750" indent="-285750" algn="r" rtl="1">
+              <a:buFont typeface="Arial" panose="020B0604020202020204" pitchFamily="34" charset="0"/>
+              <a:buChar char="•"/>
+            </a:pPr>
             <a:r>
               <a:rPr lang="he-IL" dirty="0"/>
-              <a:t>את אותם שינויים שעשינו במסך ההתחברות ובמסך ההרשמה הוספנו למסך הוספת פגישה והוספת אילוץ</a:t>
+              <a:t>במידה ואחד הערכים בשדות אינם תקינים, נחזיר הודעת שגיאה מתאימה ואינפורמטיבית עבור כל בעיה בקלט - </a:t>
+            </a:r>
+            <a:r>
+              <a:rPr lang="he-IL" b="1" dirty="0"/>
+              <a:t>עזרה בזיהוי, ניתוח והתאוששות מטעויות.</a:t>
             </a:r>
           </a:p>
         </p:txBody>
       </p:sp>
       <p:pic>
         <p:nvPicPr>
-          <p:cNvPr id="3" name="תמונה 2">
+          <p:cNvPr id="4" name="תמונה 3">
             <a:extLst>
               <a:ext uri="{FF2B5EF4-FFF2-40B4-BE49-F238E27FC236}">
-                <a16:creationId xmlns:a16="http://schemas.microsoft.com/office/drawing/2014/main" id="{F74805F7-6C4A-4A1C-A406-9BDF74A7EE20}"/>
+                <a16:creationId xmlns:a16="http://schemas.microsoft.com/office/drawing/2014/main" id="{8F2B87F0-BFF7-443B-B7D8-EE64A307640C}"/>
               </a:ext>
             </a:extLst>
           </p:cNvPr>
@@ -18774,8 +18900,8 @@
         </p:blipFill>
         <p:spPr>
           <a:xfrm>
-            <a:off x="3346188" y="2846858"/>
-            <a:ext cx="4778254" cy="4023793"/>
+            <a:off x="1" y="2305582"/>
+            <a:ext cx="8060788" cy="4552417"/>
           </a:xfrm>
           <a:prstGeom prst="rect">
             <a:avLst/>
@@ -18785,7 +18911,7 @@
     </p:spTree>
     <p:extLst>
       <p:ext uri="{BB962C8B-B14F-4D97-AF65-F5344CB8AC3E}">
-        <p14:creationId xmlns:p14="http://schemas.microsoft.com/office/powerpoint/2010/main" val="2560866086"/>
+        <p14:creationId xmlns:p14="http://schemas.microsoft.com/office/powerpoint/2010/main" val="2631093111"/>
       </p:ext>
     </p:extLst>
   </p:cSld>
@@ -18835,8 +18961,12 @@
           <a:p>
             <a:pPr algn="ctr" rtl="1"/>
             <a:r>
+              <a:rPr lang="he-IL"/>
+              <a:t>מסך </a:t>
+            </a:r>
+            <a:r>
               <a:rPr lang="he-IL" dirty="0"/>
-              <a:t>מסך הוספת פגישה והוספת אילוץ</a:t>
+              <a:t>הרשמה</a:t>
             </a:r>
           </a:p>
         </p:txBody>
@@ -18855,8 +18985,8 @@
         </p:nvSpPr>
         <p:spPr>
           <a:xfrm>
-            <a:off x="450166" y="2477527"/>
-            <a:ext cx="11591364" cy="369332"/>
+            <a:off x="7919696" y="2477527"/>
+            <a:ext cx="4121834" cy="923330"/>
           </a:xfrm>
           <a:prstGeom prst="rect">
             <a:avLst/>
@@ -18869,20 +18999,28 @@
           </a:bodyPr>
           <a:lstStyle/>
           <a:p>
-            <a:pPr algn="r" rtl="1"/>
+            <a:pPr marL="285750" indent="-285750" algn="r" rtl="1">
+              <a:buFont typeface="Arial" panose="020B0604020202020204" pitchFamily="34" charset="0"/>
+              <a:buChar char="•"/>
+            </a:pPr>
             <a:r>
               <a:rPr lang="he-IL" dirty="0"/>
-              <a:t>את אותם שינויים שעשינו במסך ההתחברות ובמסך ההרשמה הוספנו למסך הוספת פגישה והוספת אילוץ</a:t>
-            </a:r>
+              <a:t>כאשר אחד או יותר מהשדות חובה ריקות לא נאפשר ללחוץ על כפתור ה"הירשם" – </a:t>
+            </a:r>
+            <a:r>
+              <a:rPr lang="he-IL" b="1" dirty="0"/>
+              <a:t>מניעת טעויות.</a:t>
+            </a:r>
+            <a:endParaRPr lang="he-IL" dirty="0"/>
           </a:p>
         </p:txBody>
       </p:sp>
       <p:pic>
         <p:nvPicPr>
-          <p:cNvPr id="3" name="תמונה 2">
+          <p:cNvPr id="4" name="תמונה 3">
             <a:extLst>
               <a:ext uri="{FF2B5EF4-FFF2-40B4-BE49-F238E27FC236}">
-                <a16:creationId xmlns:a16="http://schemas.microsoft.com/office/drawing/2014/main" id="{9C4C959D-044E-406B-A4A7-F12197FD45EA}"/>
+                <a16:creationId xmlns:a16="http://schemas.microsoft.com/office/drawing/2014/main" id="{407C7C72-7DE0-4C9C-963E-8C4B6AD52CAF}"/>
               </a:ext>
             </a:extLst>
           </p:cNvPr>
@@ -18899,8 +19037,8 @@
         </p:blipFill>
         <p:spPr>
           <a:xfrm>
-            <a:off x="3924888" y="2846859"/>
-            <a:ext cx="4038672" cy="3988314"/>
+            <a:off x="0" y="2477527"/>
+            <a:ext cx="7790531" cy="4380473"/>
           </a:xfrm>
           <a:prstGeom prst="rect">
             <a:avLst/>
@@ -18910,7 +19048,7 @@
     </p:spTree>
     <p:extLst>
       <p:ext uri="{BB962C8B-B14F-4D97-AF65-F5344CB8AC3E}">
-        <p14:creationId xmlns:p14="http://schemas.microsoft.com/office/powerpoint/2010/main" val="3541591789"/>
+        <p14:creationId xmlns:p14="http://schemas.microsoft.com/office/powerpoint/2010/main" val="2646762809"/>
       </p:ext>
     </p:extLst>
   </p:cSld>
@@ -18967,12 +19105,42 @@
           </a:p>
         </p:txBody>
       </p:sp>
+      <p:pic>
+        <p:nvPicPr>
+          <p:cNvPr id="6" name="תמונה 5">
+            <a:extLst>
+              <a:ext uri="{FF2B5EF4-FFF2-40B4-BE49-F238E27FC236}">
+                <a16:creationId xmlns:a16="http://schemas.microsoft.com/office/drawing/2014/main" id="{09B17D26-A9D9-4990-960D-D89405674265}"/>
+              </a:ext>
+            </a:extLst>
+          </p:cNvPr>
+          <p:cNvPicPr>
+            <a:picLocks noChangeAspect="1"/>
+          </p:cNvPicPr>
+          <p:nvPr/>
+        </p:nvPicPr>
+        <p:blipFill>
+          <a:blip r:embed="rId2"/>
+          <a:stretch>
+            <a:fillRect/>
+          </a:stretch>
+        </p:blipFill>
+        <p:spPr>
+          <a:xfrm>
+            <a:off x="455720" y="3270494"/>
+            <a:ext cx="5906023" cy="3337181"/>
+          </a:xfrm>
+          <a:prstGeom prst="rect">
+            <a:avLst/>
+          </a:prstGeom>
+        </p:spPr>
+      </p:pic>
       <p:sp>
         <p:nvSpPr>
-          <p:cNvPr id="4" name="TextBox 26">
+          <p:cNvPr id="7" name="TextBox 26">
             <a:extLst>
               <a:ext uri="{FF2B5EF4-FFF2-40B4-BE49-F238E27FC236}">
-                <a16:creationId xmlns:a16="http://schemas.microsoft.com/office/drawing/2014/main" id="{BE063305-7885-45A4-8B6E-A96B39D54367}"/>
+                <a16:creationId xmlns:a16="http://schemas.microsoft.com/office/drawing/2014/main" id="{AB941E00-B366-448E-B193-25791E09E9FB}"/>
               </a:ext>
             </a:extLst>
           </p:cNvPr>
@@ -18981,8 +19149,8 @@
         </p:nvSpPr>
         <p:spPr>
           <a:xfrm>
-            <a:off x="3714161" y="2325950"/>
-            <a:ext cx="8022119" cy="3370666"/>
+            <a:off x="6938128" y="2325950"/>
+            <a:ext cx="4798152" cy="2262671"/>
           </a:xfrm>
           <a:prstGeom prst="rect">
             <a:avLst/>
@@ -18994,70 +19162,6 @@
             <a:spAutoFit/>
           </a:bodyPr>
           <a:lstStyle/>
-          <a:p>
-            <a:pPr marL="285750" indent="-285750" algn="r" rtl="1">
-              <a:lnSpc>
-                <a:spcPct val="150000"/>
-              </a:lnSpc>
-              <a:buFont typeface="Arial" panose="020B0604020202020204" pitchFamily="34" charset="0"/>
-              <a:buChar char="•"/>
-            </a:pPr>
-            <a:r>
-              <a:rPr lang="he-IL" sz="1600" dirty="0"/>
-              <a:t>תפריט ניווט לא ברור – מערב ניווט לדפים וכמו כן מערב פעולה של הוספת פגישה שלא אמורה להיות חלק מהתפריט .</a:t>
-            </a:r>
-          </a:p>
-          <a:p>
-            <a:pPr marL="285750" indent="-285750" algn="r" rtl="1">
-              <a:lnSpc>
-                <a:spcPct val="150000"/>
-              </a:lnSpc>
-              <a:buFont typeface="Arial" panose="020B0604020202020204" pitchFamily="34" charset="0"/>
-              <a:buChar char="•"/>
-            </a:pPr>
-            <a:r>
-              <a:rPr lang="he-IL" sz="1600" dirty="0"/>
-              <a:t>אין אחידות בין המסכים, לדוגמא:</a:t>
-            </a:r>
-            <a:r>
-              <a:rPr lang="en-US" sz="1600" dirty="0"/>
-              <a:t> </a:t>
-            </a:r>
-            <a:r>
-              <a:rPr lang="he-IL" sz="1600" dirty="0"/>
-              <a:t>כפתורי הוספה</a:t>
-            </a:r>
-            <a:r>
-              <a:rPr lang="en-US" sz="1600" dirty="0"/>
-              <a:t>/</a:t>
-            </a:r>
-            <a:r>
-              <a:rPr lang="he-IL" sz="1600" dirty="0"/>
-              <a:t>ביטול שונים בכמה מסכים - </a:t>
-            </a:r>
-            <a:r>
-              <a:rPr lang="he-IL" sz="1600" b="1" dirty="0"/>
-              <a:t>עקיבות וסטנדרטים. </a:t>
-            </a:r>
-            <a:endParaRPr lang="en-US" sz="1600" b="1" dirty="0"/>
-          </a:p>
-          <a:p>
-            <a:pPr marL="285750" indent="-285750" algn="r" rtl="1">
-              <a:lnSpc>
-                <a:spcPct val="150000"/>
-              </a:lnSpc>
-              <a:buFont typeface="Arial" panose="020B0604020202020204" pitchFamily="34" charset="0"/>
-              <a:buChar char="•"/>
-            </a:pPr>
-            <a:r>
-              <a:rPr lang="he-IL" sz="1600" dirty="0"/>
-              <a:t>אין חיווי למשתמש באיזה דף הוא נמצא בכל רגע - </a:t>
-            </a:r>
-            <a:r>
-              <a:rPr lang="he-IL" sz="1600" b="1" dirty="0"/>
-              <a:t>נראות מצב המערכת.</a:t>
-            </a:r>
-          </a:p>
           <a:p>
             <a:pPr marL="285750" indent="-285750" algn="r" rtl="1">
               <a:lnSpc>
@@ -19162,6 +19266,256 @@
           <a:p>
             <a:pPr algn="ctr" rtl="1"/>
             <a:r>
+              <a:rPr lang="he-IL" dirty="0"/>
+              <a:t>מסך הוספת פגישה והוספת אילוץ</a:t>
+            </a:r>
+          </a:p>
+        </p:txBody>
+      </p:sp>
+      <p:sp>
+        <p:nvSpPr>
+          <p:cNvPr id="5" name="תיבת טקסט 4">
+            <a:extLst>
+              <a:ext uri="{FF2B5EF4-FFF2-40B4-BE49-F238E27FC236}">
+                <a16:creationId xmlns:a16="http://schemas.microsoft.com/office/drawing/2014/main" id="{49C1F48E-4344-478F-B955-03346A467B7E}"/>
+              </a:ext>
+            </a:extLst>
+          </p:cNvPr>
+          <p:cNvSpPr txBox="1"/>
+          <p:nvPr/>
+        </p:nvSpPr>
+        <p:spPr>
+          <a:xfrm>
+            <a:off x="1462310" y="2477527"/>
+            <a:ext cx="9267379" cy="369332"/>
+          </a:xfrm>
+          <a:prstGeom prst="rect">
+            <a:avLst/>
+          </a:prstGeom>
+          <a:noFill/>
+        </p:spPr>
+        <p:txBody>
+          <a:bodyPr wrap="square" rtlCol="1">
+            <a:spAutoFit/>
+          </a:bodyPr>
+          <a:lstStyle/>
+          <a:p>
+            <a:pPr algn="r" rtl="1"/>
+            <a:r>
+              <a:rPr lang="he-IL" dirty="0"/>
+              <a:t>את אותם שינויים שעשינו במסך ההתחברות ובמסך ההרשמה הוספנו למסך הוספת פגישה והוספת אילוץ</a:t>
+            </a:r>
+          </a:p>
+        </p:txBody>
+      </p:sp>
+      <p:pic>
+        <p:nvPicPr>
+          <p:cNvPr id="3" name="תמונה 2">
+            <a:extLst>
+              <a:ext uri="{FF2B5EF4-FFF2-40B4-BE49-F238E27FC236}">
+                <a16:creationId xmlns:a16="http://schemas.microsoft.com/office/drawing/2014/main" id="{F74805F7-6C4A-4A1C-A406-9BDF74A7EE20}"/>
+              </a:ext>
+            </a:extLst>
+          </p:cNvPr>
+          <p:cNvPicPr>
+            <a:picLocks noChangeAspect="1"/>
+          </p:cNvPicPr>
+          <p:nvPr/>
+        </p:nvPicPr>
+        <p:blipFill>
+          <a:blip r:embed="rId2"/>
+          <a:stretch>
+            <a:fillRect/>
+          </a:stretch>
+        </p:blipFill>
+        <p:spPr>
+          <a:xfrm>
+            <a:off x="3346188" y="2846858"/>
+            <a:ext cx="4778254" cy="4023793"/>
+          </a:xfrm>
+          <a:prstGeom prst="rect">
+            <a:avLst/>
+          </a:prstGeom>
+        </p:spPr>
+      </p:pic>
+    </p:spTree>
+    <p:extLst>
+      <p:ext uri="{BB962C8B-B14F-4D97-AF65-F5344CB8AC3E}">
+        <p14:creationId xmlns:p14="http://schemas.microsoft.com/office/powerpoint/2010/main" val="2560866086"/>
+      </p:ext>
+    </p:extLst>
+  </p:cSld>
+  <p:clrMapOvr>
+    <a:masterClrMapping/>
+  </p:clrMapOvr>
+</p:sld>
+</file>
+
+<file path=ppt/slides/slide41.xml><?xml version="1.0" encoding="utf-8"?>
+<p:sld xmlns:a="http://schemas.openxmlformats.org/drawingml/2006/main" xmlns:r="http://schemas.openxmlformats.org/officeDocument/2006/relationships" xmlns:p="http://schemas.openxmlformats.org/presentationml/2006/main">
+  <p:cSld>
+    <p:spTree>
+      <p:nvGrpSpPr>
+        <p:cNvPr id="1" name=""/>
+        <p:cNvGrpSpPr/>
+        <p:nvPr/>
+      </p:nvGrpSpPr>
+      <p:grpSpPr>
+        <a:xfrm>
+          <a:off x="0" y="0"/>
+          <a:ext cx="0" cy="0"/>
+          <a:chOff x="0" y="0"/>
+          <a:chExt cx="0" cy="0"/>
+        </a:xfrm>
+      </p:grpSpPr>
+      <p:sp>
+        <p:nvSpPr>
+          <p:cNvPr id="2" name="כותרת 1">
+            <a:extLst>
+              <a:ext uri="{FF2B5EF4-FFF2-40B4-BE49-F238E27FC236}">
+                <a16:creationId xmlns:a16="http://schemas.microsoft.com/office/drawing/2014/main" id="{DE777293-170B-4164-A212-000191C56DFE}"/>
+              </a:ext>
+            </a:extLst>
+          </p:cNvPr>
+          <p:cNvSpPr>
+            <a:spLocks noGrp="1"/>
+          </p:cNvSpPr>
+          <p:nvPr>
+            <p:ph type="title"/>
+          </p:nvPr>
+        </p:nvSpPr>
+        <p:spPr/>
+        <p:txBody>
+          <a:bodyPr/>
+          <a:lstStyle/>
+          <a:p>
+            <a:pPr algn="ctr" rtl="1"/>
+            <a:r>
+              <a:rPr lang="he-IL" dirty="0"/>
+              <a:t>מסך הוספת פגישה והוספת אילוץ</a:t>
+            </a:r>
+          </a:p>
+        </p:txBody>
+      </p:sp>
+      <p:sp>
+        <p:nvSpPr>
+          <p:cNvPr id="5" name="תיבת טקסט 4">
+            <a:extLst>
+              <a:ext uri="{FF2B5EF4-FFF2-40B4-BE49-F238E27FC236}">
+                <a16:creationId xmlns:a16="http://schemas.microsoft.com/office/drawing/2014/main" id="{49C1F48E-4344-478F-B955-03346A467B7E}"/>
+              </a:ext>
+            </a:extLst>
+          </p:cNvPr>
+          <p:cNvSpPr txBox="1"/>
+          <p:nvPr/>
+        </p:nvSpPr>
+        <p:spPr>
+          <a:xfrm>
+            <a:off x="450166" y="2477527"/>
+            <a:ext cx="11591364" cy="369332"/>
+          </a:xfrm>
+          <a:prstGeom prst="rect">
+            <a:avLst/>
+          </a:prstGeom>
+          <a:noFill/>
+        </p:spPr>
+        <p:txBody>
+          <a:bodyPr wrap="square" rtlCol="1">
+            <a:spAutoFit/>
+          </a:bodyPr>
+          <a:lstStyle/>
+          <a:p>
+            <a:pPr algn="r" rtl="1"/>
+            <a:r>
+              <a:rPr lang="he-IL" dirty="0"/>
+              <a:t>את אותם שינויים שעשינו במסך ההתחברות ובמסך ההרשמה הוספנו למסך הוספת פגישה והוספת אילוץ</a:t>
+            </a:r>
+          </a:p>
+        </p:txBody>
+      </p:sp>
+      <p:pic>
+        <p:nvPicPr>
+          <p:cNvPr id="3" name="תמונה 2">
+            <a:extLst>
+              <a:ext uri="{FF2B5EF4-FFF2-40B4-BE49-F238E27FC236}">
+                <a16:creationId xmlns:a16="http://schemas.microsoft.com/office/drawing/2014/main" id="{9C4C959D-044E-406B-A4A7-F12197FD45EA}"/>
+              </a:ext>
+            </a:extLst>
+          </p:cNvPr>
+          <p:cNvPicPr>
+            <a:picLocks noChangeAspect="1"/>
+          </p:cNvPicPr>
+          <p:nvPr/>
+        </p:nvPicPr>
+        <p:blipFill>
+          <a:blip r:embed="rId2"/>
+          <a:stretch>
+            <a:fillRect/>
+          </a:stretch>
+        </p:blipFill>
+        <p:spPr>
+          <a:xfrm>
+            <a:off x="3924888" y="2846859"/>
+            <a:ext cx="4038672" cy="3988314"/>
+          </a:xfrm>
+          <a:prstGeom prst="rect">
+            <a:avLst/>
+          </a:prstGeom>
+        </p:spPr>
+      </p:pic>
+    </p:spTree>
+    <p:extLst>
+      <p:ext uri="{BB962C8B-B14F-4D97-AF65-F5344CB8AC3E}">
+        <p14:creationId xmlns:p14="http://schemas.microsoft.com/office/powerpoint/2010/main" val="3541591789"/>
+      </p:ext>
+    </p:extLst>
+  </p:cSld>
+  <p:clrMapOvr>
+    <a:masterClrMapping/>
+  </p:clrMapOvr>
+</p:sld>
+</file>
+
+<file path=ppt/slides/slide42.xml><?xml version="1.0" encoding="utf-8"?>
+<p:sld xmlns:a="http://schemas.openxmlformats.org/drawingml/2006/main" xmlns:r="http://schemas.openxmlformats.org/officeDocument/2006/relationships" xmlns:p="http://schemas.openxmlformats.org/presentationml/2006/main">
+  <p:cSld>
+    <p:spTree>
+      <p:nvGrpSpPr>
+        <p:cNvPr id="1" name=""/>
+        <p:cNvGrpSpPr/>
+        <p:nvPr/>
+      </p:nvGrpSpPr>
+      <p:grpSpPr>
+        <a:xfrm>
+          <a:off x="0" y="0"/>
+          <a:ext cx="0" cy="0"/>
+          <a:chOff x="0" y="0"/>
+          <a:chExt cx="0" cy="0"/>
+        </a:xfrm>
+      </p:grpSpPr>
+      <p:sp>
+        <p:nvSpPr>
+          <p:cNvPr id="2" name="כותרת 1">
+            <a:extLst>
+              <a:ext uri="{FF2B5EF4-FFF2-40B4-BE49-F238E27FC236}">
+                <a16:creationId xmlns:a16="http://schemas.microsoft.com/office/drawing/2014/main" id="{DE777293-170B-4164-A212-000191C56DFE}"/>
+              </a:ext>
+            </a:extLst>
+          </p:cNvPr>
+          <p:cNvSpPr>
+            <a:spLocks noGrp="1"/>
+          </p:cNvSpPr>
+          <p:nvPr>
+            <p:ph type="title"/>
+          </p:nvPr>
+        </p:nvSpPr>
+        <p:spPr/>
+        <p:txBody>
+          <a:bodyPr/>
+          <a:lstStyle/>
+          <a:p>
+            <a:pPr algn="ctr" rtl="1"/>
+            <a:r>
               <a:rPr lang="he-IL"/>
               <a:t>מסך </a:t>
             </a:r>
@@ -19259,7 +19613,7 @@
 </p:sld>
 </file>
 
-<file path=ppt/slides/slide41.xml><?xml version="1.0" encoding="utf-8"?>
+<file path=ppt/slides/slide43.xml><?xml version="1.0" encoding="utf-8"?>
 <p:sld xmlns:a="http://schemas.openxmlformats.org/drawingml/2006/main" xmlns:r="http://schemas.openxmlformats.org/officeDocument/2006/relationships" xmlns:p="http://schemas.openxmlformats.org/presentationml/2006/main">
   <p:cSld>
     <p:spTree>
@@ -19399,7 +19753,7 @@
 </p:sld>
 </file>
 
-<file path=ppt/slides/slide42.xml><?xml version="1.0" encoding="utf-8"?>
+<file path=ppt/slides/slide44.xml><?xml version="1.0" encoding="utf-8"?>
 <p:sld xmlns:a="http://schemas.openxmlformats.org/drawingml/2006/main" xmlns:r="http://schemas.openxmlformats.org/officeDocument/2006/relationships" xmlns:p="http://schemas.openxmlformats.org/presentationml/2006/main">
   <p:cSld>
     <p:spTree>
@@ -19532,7 +19886,7 @@
 </p:sld>
 </file>
 
-<file path=ppt/slides/slide43.xml><?xml version="1.0" encoding="utf-8"?>
+<file path=ppt/slides/slide45.xml><?xml version="1.0" encoding="utf-8"?>
 <p:sld xmlns:a="http://schemas.openxmlformats.org/drawingml/2006/main" xmlns:r="http://schemas.openxmlformats.org/officeDocument/2006/relationships" xmlns:p="http://schemas.openxmlformats.org/presentationml/2006/main">
   <p:cSld>
     <p:spTree>
@@ -19679,7 +20033,7 @@
 </p:sld>
 </file>
 
-<file path=ppt/slides/slide44.xml><?xml version="1.0" encoding="utf-8"?>
+<file path=ppt/slides/slide46.xml><?xml version="1.0" encoding="utf-8"?>
 <p:sld xmlns:a="http://schemas.openxmlformats.org/drawingml/2006/main" xmlns:r="http://schemas.openxmlformats.org/officeDocument/2006/relationships" xmlns:p="http://schemas.openxmlformats.org/presentationml/2006/main">
   <p:cSld>
     <p:spTree>
@@ -19870,7 +20224,7 @@
 </p:sld>
 </file>
 
-<file path=ppt/slides/slide45.xml><?xml version="1.0" encoding="utf-8"?>
+<file path=ppt/slides/slide47.xml><?xml version="1.0" encoding="utf-8"?>
 <p:sld xmlns:a="http://schemas.openxmlformats.org/drawingml/2006/main" xmlns:r="http://schemas.openxmlformats.org/officeDocument/2006/relationships" xmlns:p="http://schemas.openxmlformats.org/presentationml/2006/main">
   <p:cSld>
     <p:spTree>
@@ -20070,7 +20424,7 @@
 </p:sld>
 </file>
 
-<file path=ppt/slides/slide46.xml><?xml version="1.0" encoding="utf-8"?>
+<file path=ppt/slides/slide48.xml><?xml version="1.0" encoding="utf-8"?>
 <p:sld xmlns:a="http://schemas.openxmlformats.org/drawingml/2006/main" xmlns:r="http://schemas.openxmlformats.org/officeDocument/2006/relationships" xmlns:p="http://schemas.openxmlformats.org/presentationml/2006/main">
   <p:cSld>
     <p:spTree>
@@ -20136,7 +20490,7 @@
         <p:spPr>
           <a:xfrm>
             <a:off x="7685975" y="2534088"/>
-            <a:ext cx="4121834" cy="2862322"/>
+            <a:ext cx="4121834" cy="2031325"/>
           </a:xfrm>
           <a:prstGeom prst="rect">
             <a:avLst/>
@@ -20157,23 +20511,6 @@
           </a:p>
           <a:p>
             <a:pPr algn="r" rtl="1"/>
-            <a:endParaRPr lang="he-IL" dirty="0"/>
-          </a:p>
-          <a:p>
-            <a:pPr marL="285750" indent="-285750" algn="r" rtl="1">
-              <a:buFont typeface="Arial" panose="020B0604020202020204" pitchFamily="34" charset="0"/>
-              <a:buChar char="•"/>
-            </a:pPr>
-            <a:r>
-              <a:rPr lang="he-IL" dirty="0"/>
-              <a:t>שינינו את האייקון של המחיקה שיהיה אחיד לאייקונים במערכת.</a:t>
-            </a:r>
-          </a:p>
-          <a:p>
-            <a:pPr marL="285750" indent="-285750" algn="r" rtl="1">
-              <a:buFont typeface="Arial" panose="020B0604020202020204" pitchFamily="34" charset="0"/>
-              <a:buChar char="•"/>
-            </a:pPr>
             <a:endParaRPr lang="he-IL" dirty="0"/>
           </a:p>
           <a:p>
@@ -20248,7 +20585,7 @@
 </p:sld>
 </file>
 
-<file path=ppt/slides/slide47.xml><?xml version="1.0" encoding="utf-8"?>
+<file path=ppt/slides/slide49.xml><?xml version="1.0" encoding="utf-8"?>
 <p:sld xmlns:a="http://schemas.openxmlformats.org/drawingml/2006/main" xmlns:r="http://schemas.openxmlformats.org/officeDocument/2006/relationships" xmlns:p="http://schemas.openxmlformats.org/presentationml/2006/main">
   <p:cSld>
     <p:spTree>
@@ -20314,7 +20651,7 @@
         <p:spPr>
           <a:xfrm>
             <a:off x="7685975" y="2534088"/>
-            <a:ext cx="4121834" cy="2031325"/>
+            <a:ext cx="4121834" cy="2862322"/>
           </a:xfrm>
           <a:prstGeom prst="rect">
             <a:avLst/>
@@ -20336,6 +20673,23 @@
           <a:p>
             <a:pPr algn="r" rtl="1"/>
             <a:endParaRPr lang="he-IL" dirty="0"/>
+          </a:p>
+          <a:p>
+            <a:pPr marL="285750" indent="-285750" algn="r" rtl="1">
+              <a:buFont typeface="Arial" panose="020B0604020202020204" pitchFamily="34" charset="0"/>
+              <a:buChar char="•"/>
+            </a:pPr>
+            <a:r>
+              <a:rPr lang="he-IL" dirty="0"/>
+              <a:t>שינינו את האייקון של המחיקה שיהיה אחיד לאייקונים במערכת.</a:t>
+            </a:r>
+          </a:p>
+          <a:p>
+            <a:pPr marL="285750" indent="-285750" algn="r" rtl="1">
+              <a:buFont typeface="Arial" panose="020B0604020202020204" pitchFamily="34" charset="0"/>
+              <a:buChar char="•"/>
+            </a:pPr>
+            <a:endParaRPr lang="en-US" dirty="0"/>
           </a:p>
           <a:p>
             <a:pPr marL="285750" indent="-285750" algn="r" rtl="1">
@@ -20427,10 +20781,10 @@
       </p:sp>
       <p:pic>
         <p:nvPicPr>
-          <p:cNvPr id="3" name="Picture 2">
+          <p:cNvPr id="6" name="תמונה 5">
             <a:extLst>
               <a:ext uri="{FF2B5EF4-FFF2-40B4-BE49-F238E27FC236}">
-                <a16:creationId xmlns:a16="http://schemas.microsoft.com/office/drawing/2014/main" id="{C088609D-72D1-4448-BBD7-9CAA8538E364}"/>
+                <a16:creationId xmlns:a16="http://schemas.microsoft.com/office/drawing/2014/main" id="{C73E8048-669C-448B-B0D6-FAEFEBB4573C}"/>
               </a:ext>
             </a:extLst>
           </p:cNvPr>
@@ -20447,8 +20801,8 @@
         </p:blipFill>
         <p:spPr>
           <a:xfrm>
-            <a:off x="143361" y="3429000"/>
-            <a:ext cx="6829425" cy="3181350"/>
+            <a:off x="238322" y="3578871"/>
+            <a:ext cx="6191250" cy="3143250"/>
           </a:xfrm>
           <a:prstGeom prst="rect">
             <a:avLst/>
@@ -20468,7 +20822,208 @@
 </p:sld>
 </file>
 
-<file path=ppt/slides/slide48.xml><?xml version="1.0" encoding="utf-8"?>
+<file path=ppt/slides/slide5.xml><?xml version="1.0" encoding="utf-8"?>
+<p:sld xmlns:a="http://schemas.openxmlformats.org/drawingml/2006/main" xmlns:r="http://schemas.openxmlformats.org/officeDocument/2006/relationships" xmlns:p="http://schemas.openxmlformats.org/presentationml/2006/main">
+  <p:cSld>
+    <p:spTree>
+      <p:nvGrpSpPr>
+        <p:cNvPr id="1" name=""/>
+        <p:cNvGrpSpPr/>
+        <p:nvPr/>
+      </p:nvGrpSpPr>
+      <p:grpSpPr>
+        <a:xfrm>
+          <a:off x="0" y="0"/>
+          <a:ext cx="0" cy="0"/>
+          <a:chOff x="0" y="0"/>
+          <a:chExt cx="0" cy="0"/>
+        </a:xfrm>
+      </p:grpSpPr>
+      <p:sp>
+        <p:nvSpPr>
+          <p:cNvPr id="2" name="כותרת 1">
+            <a:extLst>
+              <a:ext uri="{FF2B5EF4-FFF2-40B4-BE49-F238E27FC236}">
+                <a16:creationId xmlns:a16="http://schemas.microsoft.com/office/drawing/2014/main" id="{92A500EE-F6C5-4C79-92F1-D2FDEE8174A4}"/>
+              </a:ext>
+            </a:extLst>
+          </p:cNvPr>
+          <p:cNvSpPr>
+            <a:spLocks noGrp="1"/>
+          </p:cNvSpPr>
+          <p:nvPr>
+            <p:ph type="title"/>
+          </p:nvPr>
+        </p:nvSpPr>
+        <p:spPr/>
+        <p:txBody>
+          <a:bodyPr/>
+          <a:lstStyle/>
+          <a:p>
+            <a:pPr algn="ctr"/>
+            <a:r>
+              <a:rPr lang="he-IL" dirty="0"/>
+              <a:t>מסך התחברות</a:t>
+            </a:r>
+          </a:p>
+        </p:txBody>
+      </p:sp>
+      <p:pic>
+        <p:nvPicPr>
+          <p:cNvPr id="16" name="תמונה 15">
+            <a:extLst>
+              <a:ext uri="{FF2B5EF4-FFF2-40B4-BE49-F238E27FC236}">
+                <a16:creationId xmlns:a16="http://schemas.microsoft.com/office/drawing/2014/main" id="{4FD9B8E5-98A3-4C79-8EC6-1523FF6B0199}"/>
+              </a:ext>
+            </a:extLst>
+          </p:cNvPr>
+          <p:cNvPicPr>
+            <a:picLocks noChangeAspect="1"/>
+          </p:cNvPicPr>
+          <p:nvPr/>
+        </p:nvPicPr>
+        <p:blipFill>
+          <a:blip r:embed="rId2"/>
+          <a:stretch>
+            <a:fillRect/>
+          </a:stretch>
+        </p:blipFill>
+        <p:spPr>
+          <a:xfrm>
+            <a:off x="531944" y="2813539"/>
+            <a:ext cx="6851533" cy="3844516"/>
+          </a:xfrm>
+          <a:prstGeom prst="rect">
+            <a:avLst/>
+          </a:prstGeom>
+        </p:spPr>
+      </p:pic>
+      <p:sp>
+        <p:nvSpPr>
+          <p:cNvPr id="17" name="תיבת טקסט 16">
+            <a:extLst>
+              <a:ext uri="{FF2B5EF4-FFF2-40B4-BE49-F238E27FC236}">
+                <a16:creationId xmlns:a16="http://schemas.microsoft.com/office/drawing/2014/main" id="{2F642565-7D83-416E-A7D1-4FA3B48B83E1}"/>
+              </a:ext>
+            </a:extLst>
+          </p:cNvPr>
+          <p:cNvSpPr txBox="1"/>
+          <p:nvPr/>
+        </p:nvSpPr>
+        <p:spPr>
+          <a:xfrm>
+            <a:off x="7540282" y="2610683"/>
+            <a:ext cx="4487594" cy="3693319"/>
+          </a:xfrm>
+          <a:prstGeom prst="rect">
+            <a:avLst/>
+          </a:prstGeom>
+          <a:noFill/>
+        </p:spPr>
+        <p:txBody>
+          <a:bodyPr wrap="square" rtlCol="1">
+            <a:spAutoFit/>
+          </a:bodyPr>
+          <a:lstStyle/>
+          <a:p>
+            <a:pPr marL="285750" indent="-285750" algn="r" rtl="1">
+              <a:buFont typeface="Arial" panose="020B0604020202020204" pitchFamily="34" charset="0"/>
+              <a:buChar char="•"/>
+            </a:pPr>
+            <a:r>
+              <a:rPr lang="he-IL" dirty="0"/>
+              <a:t>כפתור ההתחברות וההרשמה דומים ויכולים לגרום לבלבול בזמן ההתחברות.</a:t>
+            </a:r>
+          </a:p>
+          <a:p>
+            <a:pPr marL="285750" indent="-285750" algn="r" rtl="1">
+              <a:buFont typeface="Arial" panose="020B0604020202020204" pitchFamily="34" charset="0"/>
+              <a:buChar char="•"/>
+            </a:pPr>
+            <a:r>
+              <a:rPr lang="he-IL" dirty="0"/>
+              <a:t>אין אפשרות לשחזור סיסמת המשתמש – </a:t>
+            </a:r>
+            <a:r>
+              <a:rPr lang="he-IL" b="1" dirty="0"/>
+              <a:t>שליטת משתמש וחופש פעולה.</a:t>
+            </a:r>
+            <a:endParaRPr lang="he-IL" dirty="0"/>
+          </a:p>
+          <a:p>
+            <a:pPr marL="285750" indent="-285750" algn="r" rtl="1">
+              <a:buFont typeface="Arial" panose="020B0604020202020204" pitchFamily="34" charset="0"/>
+              <a:buChar char="•"/>
+            </a:pPr>
+            <a:r>
+              <a:rPr lang="he-IL" dirty="0"/>
+              <a:t>אין חיווי המראה למשתמש היכן הוא ממלא את פרטיו – </a:t>
+            </a:r>
+            <a:r>
+              <a:rPr lang="he-IL" b="1" dirty="0"/>
+              <a:t>חיווי מצב המערכת.</a:t>
+            </a:r>
+            <a:endParaRPr lang="he-IL" dirty="0"/>
+          </a:p>
+          <a:p>
+            <a:pPr marL="285750" indent="-285750" algn="r" rtl="1">
+              <a:buFont typeface="Arial" panose="020B0604020202020204" pitchFamily="34" charset="0"/>
+              <a:buChar char="•"/>
+            </a:pPr>
+            <a:r>
+              <a:rPr lang="he-IL" dirty="0"/>
+              <a:t>אין סמלים\אייקונים שמאפיינים את שדות הקלט – </a:t>
+            </a:r>
+            <a:r>
+              <a:rPr lang="he-IL" b="1" dirty="0"/>
+              <a:t>זיהוי ולא זיכרון.</a:t>
+            </a:r>
+          </a:p>
+          <a:p>
+            <a:pPr marL="285750" indent="-285750" algn="r" rtl="1">
+              <a:buFont typeface="Arial" panose="020B0604020202020204" pitchFamily="34" charset="0"/>
+              <a:buChar char="•"/>
+            </a:pPr>
+            <a:r>
+              <a:rPr lang="he-IL" dirty="0"/>
+              <a:t>על המשתמש ללחוץ על כל שדה קלט עם העכבר על מנת להכניס את הפרטים – </a:t>
+            </a:r>
+            <a:r>
+              <a:rPr lang="he-IL" b="1" dirty="0"/>
+              <a:t>גמישות ויעילות שימוש.</a:t>
+            </a:r>
+          </a:p>
+          <a:p>
+            <a:pPr marL="285750" indent="-285750" algn="r" rtl="1">
+              <a:buFont typeface="Arial" panose="020B0604020202020204" pitchFamily="34" charset="0"/>
+              <a:buChar char="•"/>
+            </a:pPr>
+            <a:r>
+              <a:rPr lang="he-IL" dirty="0"/>
+              <a:t>אין אפשרות "זכור אותי" – </a:t>
+            </a:r>
+            <a:r>
+              <a:rPr lang="he-IL" b="1" dirty="0"/>
+              <a:t>גמישות ויעילות שימוש.</a:t>
+            </a:r>
+            <a:endParaRPr lang="he-IL" dirty="0"/>
+          </a:p>
+        </p:txBody>
+      </p:sp>
+    </p:spTree>
+    <p:extLst>
+      <p:ext uri="{BB962C8B-B14F-4D97-AF65-F5344CB8AC3E}">
+        <p14:creationId xmlns:p14="http://schemas.microsoft.com/office/powerpoint/2010/main" val="2576447696"/>
+      </p:ext>
+    </p:extLst>
+  </p:cSld>
+  <p:clrMapOvr>
+    <a:masterClrMapping/>
+  </p:clrMapOvr>
+</p:sld>
+</file>
+
+<file path=ppt/slides/slide50.xml><?xml version="1.0" encoding="utf-8"?>
 <p:sld xmlns:a="http://schemas.openxmlformats.org/drawingml/2006/main" xmlns:r="http://schemas.openxmlformats.org/officeDocument/2006/relationships" xmlns:p="http://schemas.openxmlformats.org/presentationml/2006/main">
   <p:cSld>
     <p:spTree>
@@ -20630,7 +21185,161 @@
 </p:sld>
 </file>
 
-<file path=ppt/slides/slide49.xml><?xml version="1.0" encoding="utf-8"?>
+<file path=ppt/slides/slide51.xml><?xml version="1.0" encoding="utf-8"?>
+<p:sld xmlns:a="http://schemas.openxmlformats.org/drawingml/2006/main" xmlns:r="http://schemas.openxmlformats.org/officeDocument/2006/relationships" xmlns:p="http://schemas.openxmlformats.org/presentationml/2006/main">
+  <p:cSld>
+    <p:spTree>
+      <p:nvGrpSpPr>
+        <p:cNvPr id="1" name=""/>
+        <p:cNvGrpSpPr/>
+        <p:nvPr/>
+      </p:nvGrpSpPr>
+      <p:grpSpPr>
+        <a:xfrm>
+          <a:off x="0" y="0"/>
+          <a:ext cx="0" cy="0"/>
+          <a:chOff x="0" y="0"/>
+          <a:chExt cx="0" cy="0"/>
+        </a:xfrm>
+      </p:grpSpPr>
+      <p:sp>
+        <p:nvSpPr>
+          <p:cNvPr id="4" name="כותרת 1">
+            <a:extLst>
+              <a:ext uri="{FF2B5EF4-FFF2-40B4-BE49-F238E27FC236}">
+                <a16:creationId xmlns:a16="http://schemas.microsoft.com/office/drawing/2014/main" id="{E0425CB4-62F3-4379-A347-F747295A845C}"/>
+              </a:ext>
+            </a:extLst>
+          </p:cNvPr>
+          <p:cNvSpPr>
+            <a:spLocks noGrp="1"/>
+          </p:cNvSpPr>
+          <p:nvPr>
+            <p:ph type="title"/>
+          </p:nvPr>
+        </p:nvSpPr>
+        <p:spPr>
+          <a:xfrm>
+            <a:off x="1154954" y="973669"/>
+            <a:ext cx="8825659" cy="706964"/>
+          </a:xfrm>
+        </p:spPr>
+        <p:txBody>
+          <a:bodyPr/>
+          <a:lstStyle/>
+          <a:p>
+            <a:pPr algn="ctr" rtl="1"/>
+            <a:r>
+              <a:rPr lang="he-IL" dirty="0"/>
+              <a:t>אזור אישי</a:t>
+            </a:r>
+          </a:p>
+        </p:txBody>
+      </p:sp>
+      <p:sp>
+        <p:nvSpPr>
+          <p:cNvPr id="5" name="תיבת טקסט 4">
+            <a:extLst>
+              <a:ext uri="{FF2B5EF4-FFF2-40B4-BE49-F238E27FC236}">
+                <a16:creationId xmlns:a16="http://schemas.microsoft.com/office/drawing/2014/main" id="{62AC7325-30E3-45F8-A724-82A5017CF5D0}"/>
+              </a:ext>
+            </a:extLst>
+          </p:cNvPr>
+          <p:cNvSpPr txBox="1"/>
+          <p:nvPr/>
+        </p:nvSpPr>
+        <p:spPr>
+          <a:xfrm>
+            <a:off x="7685975" y="2534088"/>
+            <a:ext cx="4121834" cy="2862322"/>
+          </a:xfrm>
+          <a:prstGeom prst="rect">
+            <a:avLst/>
+          </a:prstGeom>
+          <a:noFill/>
+        </p:spPr>
+        <p:txBody>
+          <a:bodyPr wrap="square" rtlCol="1">
+            <a:spAutoFit/>
+          </a:bodyPr>
+          <a:lstStyle/>
+          <a:p>
+            <a:pPr algn="r" rtl="1"/>
+            <a:endParaRPr lang="he-IL" dirty="0"/>
+          </a:p>
+          <a:p>
+            <a:pPr marL="285750" indent="-285750" algn="r" rtl="1">
+              <a:buFont typeface="Arial" panose="020B0604020202020204" pitchFamily="34" charset="0"/>
+              <a:buChar char="•"/>
+            </a:pPr>
+            <a:r>
+              <a:rPr lang="he-IL" dirty="0"/>
+              <a:t>בסופו של דבר, התאמנו את המסך לצבעים החדשים של המערכת ונתנו משקל שונה לכל משבצת לפי חשיבות המידע בה.</a:t>
+            </a:r>
+            <a:br>
+              <a:rPr lang="en-US" dirty="0"/>
+            </a:br>
+            <a:r>
+              <a:rPr lang="he-IL" dirty="0"/>
+              <a:t>הדגשנו את הכותרות והוספנו אינדיקציה למספר הפריטים שיש בכל משבצת על פי סדר המשבצות.</a:t>
+            </a:r>
+          </a:p>
+          <a:p>
+            <a:pPr marL="285750" indent="-285750" algn="r" rtl="1">
+              <a:buFont typeface="Arial" panose="020B0604020202020204" pitchFamily="34" charset="0"/>
+              <a:buChar char="•"/>
+            </a:pPr>
+            <a:r>
+              <a:rPr lang="he-IL" dirty="0"/>
+              <a:t>הוספנו כותרת המבכרת את משתמש המערכת.</a:t>
+            </a:r>
+          </a:p>
+        </p:txBody>
+      </p:sp>
+      <p:pic>
+        <p:nvPicPr>
+          <p:cNvPr id="8" name="תמונה 7">
+            <a:extLst>
+              <a:ext uri="{FF2B5EF4-FFF2-40B4-BE49-F238E27FC236}">
+                <a16:creationId xmlns:a16="http://schemas.microsoft.com/office/drawing/2014/main" id="{22C6623D-BB34-44B9-96A5-FE4616E16E6C}"/>
+              </a:ext>
+            </a:extLst>
+          </p:cNvPr>
+          <p:cNvPicPr>
+            <a:picLocks noChangeAspect="1"/>
+          </p:cNvPicPr>
+          <p:nvPr/>
+        </p:nvPicPr>
+        <p:blipFill>
+          <a:blip r:embed="rId2"/>
+          <a:stretch>
+            <a:fillRect/>
+          </a:stretch>
+        </p:blipFill>
+        <p:spPr>
+          <a:xfrm>
+            <a:off x="0" y="3132306"/>
+            <a:ext cx="6623456" cy="3725694"/>
+          </a:xfrm>
+          <a:prstGeom prst="rect">
+            <a:avLst/>
+          </a:prstGeom>
+        </p:spPr>
+      </p:pic>
+    </p:spTree>
+    <p:extLst>
+      <p:ext uri="{BB962C8B-B14F-4D97-AF65-F5344CB8AC3E}">
+        <p14:creationId xmlns:p14="http://schemas.microsoft.com/office/powerpoint/2010/main" val="4202410447"/>
+      </p:ext>
+    </p:extLst>
+  </p:cSld>
+  <p:clrMapOvr>
+    <a:masterClrMapping/>
+  </p:clrMapOvr>
+</p:sld>
+</file>
+
+<file path=ppt/slides/slide52.xml><?xml version="1.0" encoding="utf-8"?>
 <p:sld xmlns:a="http://schemas.openxmlformats.org/drawingml/2006/main" xmlns:r="http://schemas.openxmlformats.org/officeDocument/2006/relationships" xmlns:p="http://schemas.openxmlformats.org/presentationml/2006/main">
   <p:cSld>
     <p:spTree>
@@ -21087,208 +21796,7 @@
 </p:sld>
 </file>
 
-<file path=ppt/slides/slide5.xml><?xml version="1.0" encoding="utf-8"?>
-<p:sld xmlns:a="http://schemas.openxmlformats.org/drawingml/2006/main" xmlns:r="http://schemas.openxmlformats.org/officeDocument/2006/relationships" xmlns:p="http://schemas.openxmlformats.org/presentationml/2006/main">
-  <p:cSld>
-    <p:spTree>
-      <p:nvGrpSpPr>
-        <p:cNvPr id="1" name=""/>
-        <p:cNvGrpSpPr/>
-        <p:nvPr/>
-      </p:nvGrpSpPr>
-      <p:grpSpPr>
-        <a:xfrm>
-          <a:off x="0" y="0"/>
-          <a:ext cx="0" cy="0"/>
-          <a:chOff x="0" y="0"/>
-          <a:chExt cx="0" cy="0"/>
-        </a:xfrm>
-      </p:grpSpPr>
-      <p:sp>
-        <p:nvSpPr>
-          <p:cNvPr id="2" name="כותרת 1">
-            <a:extLst>
-              <a:ext uri="{FF2B5EF4-FFF2-40B4-BE49-F238E27FC236}">
-                <a16:creationId xmlns:a16="http://schemas.microsoft.com/office/drawing/2014/main" id="{92A500EE-F6C5-4C79-92F1-D2FDEE8174A4}"/>
-              </a:ext>
-            </a:extLst>
-          </p:cNvPr>
-          <p:cNvSpPr>
-            <a:spLocks noGrp="1"/>
-          </p:cNvSpPr>
-          <p:nvPr>
-            <p:ph type="title"/>
-          </p:nvPr>
-        </p:nvSpPr>
-        <p:spPr/>
-        <p:txBody>
-          <a:bodyPr/>
-          <a:lstStyle/>
-          <a:p>
-            <a:pPr algn="ctr"/>
-            <a:r>
-              <a:rPr lang="he-IL" dirty="0"/>
-              <a:t>מסך התחברות</a:t>
-            </a:r>
-          </a:p>
-        </p:txBody>
-      </p:sp>
-      <p:pic>
-        <p:nvPicPr>
-          <p:cNvPr id="16" name="תמונה 15">
-            <a:extLst>
-              <a:ext uri="{FF2B5EF4-FFF2-40B4-BE49-F238E27FC236}">
-                <a16:creationId xmlns:a16="http://schemas.microsoft.com/office/drawing/2014/main" id="{4FD9B8E5-98A3-4C79-8EC6-1523FF6B0199}"/>
-              </a:ext>
-            </a:extLst>
-          </p:cNvPr>
-          <p:cNvPicPr>
-            <a:picLocks noChangeAspect="1"/>
-          </p:cNvPicPr>
-          <p:nvPr/>
-        </p:nvPicPr>
-        <p:blipFill>
-          <a:blip r:embed="rId2"/>
-          <a:stretch>
-            <a:fillRect/>
-          </a:stretch>
-        </p:blipFill>
-        <p:spPr>
-          <a:xfrm>
-            <a:off x="531944" y="2813539"/>
-            <a:ext cx="6851533" cy="3844516"/>
-          </a:xfrm>
-          <a:prstGeom prst="rect">
-            <a:avLst/>
-          </a:prstGeom>
-        </p:spPr>
-      </p:pic>
-      <p:sp>
-        <p:nvSpPr>
-          <p:cNvPr id="17" name="תיבת טקסט 16">
-            <a:extLst>
-              <a:ext uri="{FF2B5EF4-FFF2-40B4-BE49-F238E27FC236}">
-                <a16:creationId xmlns:a16="http://schemas.microsoft.com/office/drawing/2014/main" id="{2F642565-7D83-416E-A7D1-4FA3B48B83E1}"/>
-              </a:ext>
-            </a:extLst>
-          </p:cNvPr>
-          <p:cNvSpPr txBox="1"/>
-          <p:nvPr/>
-        </p:nvSpPr>
-        <p:spPr>
-          <a:xfrm>
-            <a:off x="7540282" y="2610683"/>
-            <a:ext cx="4487594" cy="3693319"/>
-          </a:xfrm>
-          <a:prstGeom prst="rect">
-            <a:avLst/>
-          </a:prstGeom>
-          <a:noFill/>
-        </p:spPr>
-        <p:txBody>
-          <a:bodyPr wrap="square" rtlCol="1">
-            <a:spAutoFit/>
-          </a:bodyPr>
-          <a:lstStyle/>
-          <a:p>
-            <a:pPr marL="285750" indent="-285750" algn="r" rtl="1">
-              <a:buFont typeface="Arial" panose="020B0604020202020204" pitchFamily="34" charset="0"/>
-              <a:buChar char="•"/>
-            </a:pPr>
-            <a:r>
-              <a:rPr lang="he-IL" dirty="0"/>
-              <a:t>כפתור ההתחברות וההרשמה דומים ויכולים לגרום לבלבול בזמן ההתחברות.</a:t>
-            </a:r>
-          </a:p>
-          <a:p>
-            <a:pPr marL="285750" indent="-285750" algn="r" rtl="1">
-              <a:buFont typeface="Arial" panose="020B0604020202020204" pitchFamily="34" charset="0"/>
-              <a:buChar char="•"/>
-            </a:pPr>
-            <a:r>
-              <a:rPr lang="he-IL" dirty="0"/>
-              <a:t>אין אפשרות לשחזור סיסמת המשתמש – </a:t>
-            </a:r>
-            <a:r>
-              <a:rPr lang="he-IL" b="1" dirty="0"/>
-              <a:t>שליטת משתמש וחופש פעולה.</a:t>
-            </a:r>
-            <a:endParaRPr lang="he-IL" dirty="0"/>
-          </a:p>
-          <a:p>
-            <a:pPr marL="285750" indent="-285750" algn="r" rtl="1">
-              <a:buFont typeface="Arial" panose="020B0604020202020204" pitchFamily="34" charset="0"/>
-              <a:buChar char="•"/>
-            </a:pPr>
-            <a:r>
-              <a:rPr lang="he-IL" dirty="0"/>
-              <a:t>אין חיווי המראה למשתמש היכן הוא ממלא את פרטיו – </a:t>
-            </a:r>
-            <a:r>
-              <a:rPr lang="he-IL" b="1" dirty="0"/>
-              <a:t>חיווי מצב המערכת.</a:t>
-            </a:r>
-            <a:endParaRPr lang="he-IL" dirty="0"/>
-          </a:p>
-          <a:p>
-            <a:pPr marL="285750" indent="-285750" algn="r" rtl="1">
-              <a:buFont typeface="Arial" panose="020B0604020202020204" pitchFamily="34" charset="0"/>
-              <a:buChar char="•"/>
-            </a:pPr>
-            <a:r>
-              <a:rPr lang="he-IL" dirty="0"/>
-              <a:t>אין סמלים\אייקונים שמאפיינים את שדות הקלט – </a:t>
-            </a:r>
-            <a:r>
-              <a:rPr lang="he-IL" b="1" dirty="0"/>
-              <a:t>זיהוי ולא זיכרון.</a:t>
-            </a:r>
-          </a:p>
-          <a:p>
-            <a:pPr marL="285750" indent="-285750" algn="r" rtl="1">
-              <a:buFont typeface="Arial" panose="020B0604020202020204" pitchFamily="34" charset="0"/>
-              <a:buChar char="•"/>
-            </a:pPr>
-            <a:r>
-              <a:rPr lang="he-IL" dirty="0"/>
-              <a:t>על המשתמש ללחוץ על כל שדה קלט עם העכבר על מנת להכניס את הפרטים – </a:t>
-            </a:r>
-            <a:r>
-              <a:rPr lang="he-IL" b="1" dirty="0"/>
-              <a:t>גמישות ויעילות שימוש.</a:t>
-            </a:r>
-          </a:p>
-          <a:p>
-            <a:pPr marL="285750" indent="-285750" algn="r" rtl="1">
-              <a:buFont typeface="Arial" panose="020B0604020202020204" pitchFamily="34" charset="0"/>
-              <a:buChar char="•"/>
-            </a:pPr>
-            <a:r>
-              <a:rPr lang="he-IL" dirty="0"/>
-              <a:t>אין אפשרות "זכור אותי" – </a:t>
-            </a:r>
-            <a:r>
-              <a:rPr lang="he-IL" b="1" dirty="0"/>
-              <a:t>גמישות ויעילות שימוש.</a:t>
-            </a:r>
-            <a:endParaRPr lang="he-IL" dirty="0"/>
-          </a:p>
-        </p:txBody>
-      </p:sp>
-    </p:spTree>
-    <p:extLst>
-      <p:ext uri="{BB962C8B-B14F-4D97-AF65-F5344CB8AC3E}">
-        <p14:creationId xmlns:p14="http://schemas.microsoft.com/office/powerpoint/2010/main" val="2576447696"/>
-      </p:ext>
-    </p:extLst>
-  </p:cSld>
-  <p:clrMapOvr>
-    <a:masterClrMapping/>
-  </p:clrMapOvr>
-</p:sld>
-</file>
-
-<file path=ppt/slides/slide50.xml><?xml version="1.0" encoding="utf-8"?>
+<file path=ppt/slides/slide53.xml><?xml version="1.0" encoding="utf-8"?>
 <p:sld xmlns:a="http://schemas.openxmlformats.org/drawingml/2006/main" xmlns:r="http://schemas.openxmlformats.org/officeDocument/2006/relationships" xmlns:p="http://schemas.openxmlformats.org/presentationml/2006/main">
   <p:cSld>
     <p:spTree>
@@ -21885,7 +22393,7 @@
 </p:sld>
 </file>
 
-<file path=ppt/slides/slide51.xml><?xml version="1.0" encoding="utf-8"?>
+<file path=ppt/slides/slide54.xml><?xml version="1.0" encoding="utf-8"?>
 <p:sld xmlns:a="http://schemas.openxmlformats.org/drawingml/2006/main" xmlns:r="http://schemas.openxmlformats.org/officeDocument/2006/relationships" xmlns:p="http://schemas.openxmlformats.org/presentationml/2006/main">
   <p:cSld>
     <p:spTree>
@@ -22424,7 +22932,7 @@
 </p:sld>
 </file>
 
-<file path=ppt/slides/slide52.xml><?xml version="1.0" encoding="utf-8"?>
+<file path=ppt/slides/slide55.xml><?xml version="1.0" encoding="utf-8"?>
 <p:sld xmlns:a="http://schemas.openxmlformats.org/drawingml/2006/main" xmlns:r="http://schemas.openxmlformats.org/officeDocument/2006/relationships" xmlns:p="http://schemas.openxmlformats.org/presentationml/2006/main">
   <p:cSld>
     <p:spTree>
@@ -22963,7 +23471,7 @@
 </p:sld>
 </file>
 
-<file path=ppt/slides/slide53.xml><?xml version="1.0" encoding="utf-8"?>
+<file path=ppt/slides/slide56.xml><?xml version="1.0" encoding="utf-8"?>
 <p:sld xmlns:a="http://schemas.openxmlformats.org/drawingml/2006/main" xmlns:r="http://schemas.openxmlformats.org/officeDocument/2006/relationships" xmlns:p="http://schemas.openxmlformats.org/presentationml/2006/main">
   <p:cSld>
     <p:spTree>
@@ -23436,7 +23944,7 @@
 </p:sld>
 </file>
 
-<file path=ppt/slides/slide54.xml><?xml version="1.0" encoding="utf-8"?>
+<file path=ppt/slides/slide57.xml><?xml version="1.0" encoding="utf-8"?>
 <p:sld xmlns:a="http://schemas.openxmlformats.org/drawingml/2006/main" xmlns:r="http://schemas.openxmlformats.org/officeDocument/2006/relationships" xmlns:p="http://schemas.openxmlformats.org/presentationml/2006/main">
   <p:cSld>
     <p:spTree>
@@ -24060,7 +24568,7 @@
 </p:sld>
 </file>
 
-<file path=ppt/slides/slide55.xml><?xml version="1.0" encoding="utf-8"?>
+<file path=ppt/slides/slide58.xml><?xml version="1.0" encoding="utf-8"?>
 <p:sld xmlns:a="http://schemas.openxmlformats.org/drawingml/2006/main" xmlns:r="http://schemas.openxmlformats.org/officeDocument/2006/relationships" xmlns:p="http://schemas.openxmlformats.org/presentationml/2006/main">
   <p:cSld>
     <p:spTree>
@@ -24548,7 +25056,7 @@
 </p:sld>
 </file>
 
-<file path=ppt/slides/slide56.xml><?xml version="1.0" encoding="utf-8"?>
+<file path=ppt/slides/slide59.xml><?xml version="1.0" encoding="utf-8"?>
 <p:sld xmlns:a="http://schemas.openxmlformats.org/drawingml/2006/main" xmlns:r="http://schemas.openxmlformats.org/officeDocument/2006/relationships" xmlns:p="http://schemas.openxmlformats.org/presentationml/2006/main">
   <p:cSld>
     <p:spTree>
@@ -24964,7 +25472,200 @@
 </p:sld>
 </file>
 
-<file path=ppt/slides/slide57.xml><?xml version="1.0" encoding="utf-8"?>
+<file path=ppt/slides/slide6.xml><?xml version="1.0" encoding="utf-8"?>
+<p:sld xmlns:a="http://schemas.openxmlformats.org/drawingml/2006/main" xmlns:r="http://schemas.openxmlformats.org/officeDocument/2006/relationships" xmlns:p="http://schemas.openxmlformats.org/presentationml/2006/main">
+  <p:cSld>
+    <p:spTree>
+      <p:nvGrpSpPr>
+        <p:cNvPr id="1" name=""/>
+        <p:cNvGrpSpPr/>
+        <p:nvPr/>
+      </p:nvGrpSpPr>
+      <p:grpSpPr>
+        <a:xfrm>
+          <a:off x="0" y="0"/>
+          <a:ext cx="0" cy="0"/>
+          <a:chOff x="0" y="0"/>
+          <a:chExt cx="0" cy="0"/>
+        </a:xfrm>
+      </p:grpSpPr>
+      <p:sp>
+        <p:nvSpPr>
+          <p:cNvPr id="2" name="כותרת 1">
+            <a:extLst>
+              <a:ext uri="{FF2B5EF4-FFF2-40B4-BE49-F238E27FC236}">
+                <a16:creationId xmlns:a16="http://schemas.microsoft.com/office/drawing/2014/main" id="{DE777293-170B-4164-A212-000191C56DFE}"/>
+              </a:ext>
+            </a:extLst>
+          </p:cNvPr>
+          <p:cNvSpPr>
+            <a:spLocks noGrp="1"/>
+          </p:cNvSpPr>
+          <p:nvPr>
+            <p:ph type="title"/>
+          </p:nvPr>
+        </p:nvSpPr>
+        <p:spPr/>
+        <p:txBody>
+          <a:bodyPr/>
+          <a:lstStyle/>
+          <a:p>
+            <a:pPr algn="ctr" rtl="1"/>
+            <a:r>
+              <a:rPr lang="he-IL"/>
+              <a:t>מסך </a:t>
+            </a:r>
+            <a:r>
+              <a:rPr lang="he-IL" dirty="0"/>
+              <a:t>הרשמה</a:t>
+            </a:r>
+          </a:p>
+        </p:txBody>
+      </p:sp>
+      <p:pic>
+        <p:nvPicPr>
+          <p:cNvPr id="4" name="תמונה 3">
+            <a:extLst>
+              <a:ext uri="{FF2B5EF4-FFF2-40B4-BE49-F238E27FC236}">
+                <a16:creationId xmlns:a16="http://schemas.microsoft.com/office/drawing/2014/main" id="{2B8550E2-EBB3-4A16-B677-A16EF0998913}"/>
+              </a:ext>
+            </a:extLst>
+          </p:cNvPr>
+          <p:cNvPicPr>
+            <a:picLocks noChangeAspect="1"/>
+          </p:cNvPicPr>
+          <p:nvPr/>
+        </p:nvPicPr>
+        <p:blipFill>
+          <a:blip r:embed="rId2"/>
+          <a:stretch>
+            <a:fillRect/>
+          </a:stretch>
+        </p:blipFill>
+        <p:spPr>
+          <a:xfrm>
+            <a:off x="331177" y="2477527"/>
+            <a:ext cx="7434189" cy="4212128"/>
+          </a:xfrm>
+          <a:prstGeom prst="rect">
+            <a:avLst/>
+          </a:prstGeom>
+        </p:spPr>
+      </p:pic>
+      <p:sp>
+        <p:nvSpPr>
+          <p:cNvPr id="5" name="תיבת טקסט 4">
+            <a:extLst>
+              <a:ext uri="{FF2B5EF4-FFF2-40B4-BE49-F238E27FC236}">
+                <a16:creationId xmlns:a16="http://schemas.microsoft.com/office/drawing/2014/main" id="{49C1F48E-4344-478F-B955-03346A467B7E}"/>
+              </a:ext>
+            </a:extLst>
+          </p:cNvPr>
+          <p:cNvSpPr txBox="1"/>
+          <p:nvPr/>
+        </p:nvSpPr>
+        <p:spPr>
+          <a:xfrm>
+            <a:off x="7919696" y="2477527"/>
+            <a:ext cx="4121834" cy="3139321"/>
+          </a:xfrm>
+          <a:prstGeom prst="rect">
+            <a:avLst/>
+          </a:prstGeom>
+          <a:noFill/>
+        </p:spPr>
+        <p:txBody>
+          <a:bodyPr wrap="square" rtlCol="1">
+            <a:spAutoFit/>
+          </a:bodyPr>
+          <a:lstStyle/>
+          <a:p>
+            <a:pPr marL="285750" indent="-285750" algn="r" rtl="1">
+              <a:buFont typeface="Arial" panose="020B0604020202020204" pitchFamily="34" charset="0"/>
+              <a:buChar char="•"/>
+            </a:pPr>
+            <a:r>
+              <a:rPr lang="he-IL" dirty="0"/>
+              <a:t>אין כפתור חזרה למסך ההתחברות – </a:t>
+            </a:r>
+            <a:r>
+              <a:rPr lang="he-IL" b="1" dirty="0"/>
+              <a:t>שליטת משתמש וחופש פעולה.</a:t>
+            </a:r>
+          </a:p>
+          <a:p>
+            <a:pPr marL="285750" indent="-285750" algn="r" rtl="1">
+              <a:buFont typeface="Arial" panose="020B0604020202020204" pitchFamily="34" charset="0"/>
+              <a:buChar char="•"/>
+            </a:pPr>
+            <a:r>
+              <a:rPr lang="he-IL" dirty="0"/>
+              <a:t>אין שדה לאימות סיסמה בשנית – </a:t>
+            </a:r>
+            <a:r>
+              <a:rPr lang="he-IL" b="1" dirty="0"/>
+              <a:t>מניעת טעויות.</a:t>
+            </a:r>
+          </a:p>
+          <a:p>
+            <a:pPr marL="285750" indent="-285750" algn="r" rtl="1">
+              <a:buFont typeface="Arial" panose="020B0604020202020204" pitchFamily="34" charset="0"/>
+              <a:buChar char="•"/>
+            </a:pPr>
+            <a:r>
+              <a:rPr lang="he-IL" dirty="0"/>
+              <a:t>אין חיווי למשתמש לגביי מה הדרישות לסיסמה תקינה – </a:t>
+            </a:r>
+            <a:r>
+              <a:rPr lang="he-IL" b="1" dirty="0"/>
+              <a:t>עזרה ומסמכים.</a:t>
+            </a:r>
+            <a:endParaRPr lang="he-IL" dirty="0"/>
+          </a:p>
+          <a:p>
+            <a:pPr marL="285750" indent="-285750" algn="r" rtl="1">
+              <a:buFont typeface="Arial" panose="020B0604020202020204" pitchFamily="34" charset="0"/>
+              <a:buChar char="•"/>
+            </a:pPr>
+            <a:r>
+              <a:rPr lang="he-IL" dirty="0"/>
+              <a:t>אין ולידציה בעת מילוי האימייל (לפני לחיצת כפתור "הירשם") או תבנית של אימייל המונעות טעויות – </a:t>
+            </a:r>
+            <a:r>
+              <a:rPr lang="he-IL" b="1" dirty="0"/>
+              <a:t>מניעת טעויות.</a:t>
+            </a:r>
+          </a:p>
+          <a:p>
+            <a:pPr marL="285750" indent="-285750" algn="r" rtl="1">
+              <a:buFont typeface="Arial" panose="020B0604020202020204" pitchFamily="34" charset="0"/>
+              <a:buChar char="•"/>
+            </a:pPr>
+            <a:r>
+              <a:rPr lang="he-IL" dirty="0"/>
+              <a:t>אין סימון ברירת מחדל של מין –</a:t>
+            </a:r>
+            <a:r>
+              <a:rPr lang="he-IL" b="1" dirty="0"/>
+              <a:t> מניעת טעויות.</a:t>
+            </a:r>
+          </a:p>
+        </p:txBody>
+      </p:sp>
+    </p:spTree>
+    <p:extLst>
+      <p:ext uri="{BB962C8B-B14F-4D97-AF65-F5344CB8AC3E}">
+        <p14:creationId xmlns:p14="http://schemas.microsoft.com/office/powerpoint/2010/main" val="2598648921"/>
+      </p:ext>
+    </p:extLst>
+  </p:cSld>
+  <p:clrMapOvr>
+    <a:masterClrMapping/>
+  </p:clrMapOvr>
+</p:sld>
+</file>
+
+<file path=ppt/slides/slide60.xml><?xml version="1.0" encoding="utf-8"?>
 <p:sld xmlns:a="http://schemas.openxmlformats.org/drawingml/2006/main" xmlns:r="http://schemas.openxmlformats.org/officeDocument/2006/relationships" xmlns:p="http://schemas.openxmlformats.org/presentationml/2006/main">
   <p:cSld>
     <p:spTree>
@@ -25438,7 +26139,7 @@
 </p:sld>
 </file>
 
-<file path=ppt/slides/slide58.xml><?xml version="1.0" encoding="utf-8"?>
+<file path=ppt/slides/slide61.xml><?xml version="1.0" encoding="utf-8"?>
 <p:sld xmlns:a="http://schemas.openxmlformats.org/drawingml/2006/main" xmlns:r="http://schemas.openxmlformats.org/officeDocument/2006/relationships" xmlns:p="http://schemas.openxmlformats.org/presentationml/2006/main">
   <p:cSld>
     <p:spTree>
@@ -25943,7 +26644,7 @@
 </p:sld>
 </file>
 
-<file path=ppt/slides/slide59.xml><?xml version="1.0" encoding="utf-8"?>
+<file path=ppt/slides/slide62.xml><?xml version="1.0" encoding="utf-8"?>
 <p:sld xmlns:a="http://schemas.openxmlformats.org/drawingml/2006/main" xmlns:r="http://schemas.openxmlformats.org/officeDocument/2006/relationships" xmlns:p="http://schemas.openxmlformats.org/presentationml/2006/main">
   <p:cSld>
     <p:spTree>
@@ -26214,200 +26915,7 @@
 </p:sld>
 </file>
 
-<file path=ppt/slides/slide6.xml><?xml version="1.0" encoding="utf-8"?>
-<p:sld xmlns:a="http://schemas.openxmlformats.org/drawingml/2006/main" xmlns:r="http://schemas.openxmlformats.org/officeDocument/2006/relationships" xmlns:p="http://schemas.openxmlformats.org/presentationml/2006/main">
-  <p:cSld>
-    <p:spTree>
-      <p:nvGrpSpPr>
-        <p:cNvPr id="1" name=""/>
-        <p:cNvGrpSpPr/>
-        <p:nvPr/>
-      </p:nvGrpSpPr>
-      <p:grpSpPr>
-        <a:xfrm>
-          <a:off x="0" y="0"/>
-          <a:ext cx="0" cy="0"/>
-          <a:chOff x="0" y="0"/>
-          <a:chExt cx="0" cy="0"/>
-        </a:xfrm>
-      </p:grpSpPr>
-      <p:sp>
-        <p:nvSpPr>
-          <p:cNvPr id="2" name="כותרת 1">
-            <a:extLst>
-              <a:ext uri="{FF2B5EF4-FFF2-40B4-BE49-F238E27FC236}">
-                <a16:creationId xmlns:a16="http://schemas.microsoft.com/office/drawing/2014/main" id="{DE777293-170B-4164-A212-000191C56DFE}"/>
-              </a:ext>
-            </a:extLst>
-          </p:cNvPr>
-          <p:cNvSpPr>
-            <a:spLocks noGrp="1"/>
-          </p:cNvSpPr>
-          <p:nvPr>
-            <p:ph type="title"/>
-          </p:nvPr>
-        </p:nvSpPr>
-        <p:spPr/>
-        <p:txBody>
-          <a:bodyPr/>
-          <a:lstStyle/>
-          <a:p>
-            <a:pPr algn="ctr" rtl="1"/>
-            <a:r>
-              <a:rPr lang="he-IL"/>
-              <a:t>מסך </a:t>
-            </a:r>
-            <a:r>
-              <a:rPr lang="he-IL" dirty="0"/>
-              <a:t>הרשמה</a:t>
-            </a:r>
-          </a:p>
-        </p:txBody>
-      </p:sp>
-      <p:pic>
-        <p:nvPicPr>
-          <p:cNvPr id="4" name="תמונה 3">
-            <a:extLst>
-              <a:ext uri="{FF2B5EF4-FFF2-40B4-BE49-F238E27FC236}">
-                <a16:creationId xmlns:a16="http://schemas.microsoft.com/office/drawing/2014/main" id="{2B8550E2-EBB3-4A16-B677-A16EF0998913}"/>
-              </a:ext>
-            </a:extLst>
-          </p:cNvPr>
-          <p:cNvPicPr>
-            <a:picLocks noChangeAspect="1"/>
-          </p:cNvPicPr>
-          <p:nvPr/>
-        </p:nvPicPr>
-        <p:blipFill>
-          <a:blip r:embed="rId2"/>
-          <a:stretch>
-            <a:fillRect/>
-          </a:stretch>
-        </p:blipFill>
-        <p:spPr>
-          <a:xfrm>
-            <a:off x="331177" y="2477527"/>
-            <a:ext cx="7434189" cy="4212128"/>
-          </a:xfrm>
-          <a:prstGeom prst="rect">
-            <a:avLst/>
-          </a:prstGeom>
-        </p:spPr>
-      </p:pic>
-      <p:sp>
-        <p:nvSpPr>
-          <p:cNvPr id="5" name="תיבת טקסט 4">
-            <a:extLst>
-              <a:ext uri="{FF2B5EF4-FFF2-40B4-BE49-F238E27FC236}">
-                <a16:creationId xmlns:a16="http://schemas.microsoft.com/office/drawing/2014/main" id="{49C1F48E-4344-478F-B955-03346A467B7E}"/>
-              </a:ext>
-            </a:extLst>
-          </p:cNvPr>
-          <p:cNvSpPr txBox="1"/>
-          <p:nvPr/>
-        </p:nvSpPr>
-        <p:spPr>
-          <a:xfrm>
-            <a:off x="7919696" y="2477527"/>
-            <a:ext cx="4121834" cy="3139321"/>
-          </a:xfrm>
-          <a:prstGeom prst="rect">
-            <a:avLst/>
-          </a:prstGeom>
-          <a:noFill/>
-        </p:spPr>
-        <p:txBody>
-          <a:bodyPr wrap="square" rtlCol="1">
-            <a:spAutoFit/>
-          </a:bodyPr>
-          <a:lstStyle/>
-          <a:p>
-            <a:pPr marL="285750" indent="-285750" algn="r" rtl="1">
-              <a:buFont typeface="Arial" panose="020B0604020202020204" pitchFamily="34" charset="0"/>
-              <a:buChar char="•"/>
-            </a:pPr>
-            <a:r>
-              <a:rPr lang="he-IL" dirty="0"/>
-              <a:t>אין כפתור חזרה למסך ההתחברות – </a:t>
-            </a:r>
-            <a:r>
-              <a:rPr lang="he-IL" b="1" dirty="0"/>
-              <a:t>שליטת משתמש וחופש פעולה.</a:t>
-            </a:r>
-          </a:p>
-          <a:p>
-            <a:pPr marL="285750" indent="-285750" algn="r" rtl="1">
-              <a:buFont typeface="Arial" panose="020B0604020202020204" pitchFamily="34" charset="0"/>
-              <a:buChar char="•"/>
-            </a:pPr>
-            <a:r>
-              <a:rPr lang="he-IL" dirty="0"/>
-              <a:t>אין שדה לאימות סיסמה בשנית – </a:t>
-            </a:r>
-            <a:r>
-              <a:rPr lang="he-IL" b="1" dirty="0"/>
-              <a:t>מניעת טעויות.</a:t>
-            </a:r>
-          </a:p>
-          <a:p>
-            <a:pPr marL="285750" indent="-285750" algn="r" rtl="1">
-              <a:buFont typeface="Arial" panose="020B0604020202020204" pitchFamily="34" charset="0"/>
-              <a:buChar char="•"/>
-            </a:pPr>
-            <a:r>
-              <a:rPr lang="he-IL" dirty="0"/>
-              <a:t>אין חיווי למשתמש לגביי מה הדרישות לסיסמה תקינה – </a:t>
-            </a:r>
-            <a:r>
-              <a:rPr lang="he-IL" b="1" dirty="0"/>
-              <a:t>עזרה ומסמכים.</a:t>
-            </a:r>
-            <a:endParaRPr lang="he-IL" dirty="0"/>
-          </a:p>
-          <a:p>
-            <a:pPr marL="285750" indent="-285750" algn="r" rtl="1">
-              <a:buFont typeface="Arial" panose="020B0604020202020204" pitchFamily="34" charset="0"/>
-              <a:buChar char="•"/>
-            </a:pPr>
-            <a:r>
-              <a:rPr lang="he-IL" dirty="0"/>
-              <a:t>אין ולידציה בעת מילוי האימייל (לפני לחיצת כפתור "הירשם") או תבנית של אימייל המונעות טעויות – </a:t>
-            </a:r>
-            <a:r>
-              <a:rPr lang="he-IL" b="1" dirty="0"/>
-              <a:t>מניעת טעויות.</a:t>
-            </a:r>
-          </a:p>
-          <a:p>
-            <a:pPr marL="285750" indent="-285750" algn="r" rtl="1">
-              <a:buFont typeface="Arial" panose="020B0604020202020204" pitchFamily="34" charset="0"/>
-              <a:buChar char="•"/>
-            </a:pPr>
-            <a:r>
-              <a:rPr lang="he-IL" dirty="0"/>
-              <a:t>אין סימון ברירת מחדל של מין –</a:t>
-            </a:r>
-            <a:r>
-              <a:rPr lang="he-IL" b="1" dirty="0"/>
-              <a:t> מניעת טעויות.</a:t>
-            </a:r>
-          </a:p>
-        </p:txBody>
-      </p:sp>
-    </p:spTree>
-    <p:extLst>
-      <p:ext uri="{BB962C8B-B14F-4D97-AF65-F5344CB8AC3E}">
-        <p14:creationId xmlns:p14="http://schemas.microsoft.com/office/powerpoint/2010/main" val="2598648921"/>
-      </p:ext>
-    </p:extLst>
-  </p:cSld>
-  <p:clrMapOvr>
-    <a:masterClrMapping/>
-  </p:clrMapOvr>
-</p:sld>
-</file>
-
-<file path=ppt/slides/slide60.xml><?xml version="1.0" encoding="utf-8"?>
+<file path=ppt/slides/slide63.xml><?xml version="1.0" encoding="utf-8"?>
 <p:sld xmlns:a="http://schemas.openxmlformats.org/drawingml/2006/main" xmlns:r="http://schemas.openxmlformats.org/officeDocument/2006/relationships" xmlns:p="http://schemas.openxmlformats.org/presentationml/2006/main">
   <p:cSld>
     <p:spTree>
@@ -26682,7 +27190,7 @@
 </p:sld>
 </file>
 
-<file path=ppt/slides/slide61.xml><?xml version="1.0" encoding="utf-8"?>
+<file path=ppt/slides/slide64.xml><?xml version="1.0" encoding="utf-8"?>
 <p:sld xmlns:a="http://schemas.openxmlformats.org/drawingml/2006/main" xmlns:r="http://schemas.openxmlformats.org/officeDocument/2006/relationships" xmlns:p="http://schemas.openxmlformats.org/presentationml/2006/main">
   <p:cSld>
     <p:spTree>
@@ -26754,7 +27262,7 @@
 </p:sld>
 </file>
 
-<file path=ppt/slides/slide62.xml><?xml version="1.0" encoding="utf-8"?>
+<file path=ppt/slides/slide65.xml><?xml version="1.0" encoding="utf-8"?>
 <p:sld xmlns:a="http://schemas.openxmlformats.org/drawingml/2006/main" xmlns:r="http://schemas.openxmlformats.org/officeDocument/2006/relationships" xmlns:p="http://schemas.openxmlformats.org/presentationml/2006/main">
   <p:cSld>
     <p:spTree>
@@ -28227,7 +28735,7 @@
 </p:sld>
 </file>
 
-<file path=ppt/slides/slide63.xml><?xml version="1.0" encoding="utf-8"?>
+<file path=ppt/slides/slide66.xml><?xml version="1.0" encoding="utf-8"?>
 <p:sld xmlns:a="http://schemas.openxmlformats.org/drawingml/2006/main" xmlns:r="http://schemas.openxmlformats.org/officeDocument/2006/relationships" xmlns:p="http://schemas.openxmlformats.org/presentationml/2006/main">
   <p:cSld>
     <p:spTree>
@@ -30094,7 +30602,7 @@
 </p:sld>
 </file>
 
-<file path=ppt/slides/slide64.xml><?xml version="1.0" encoding="utf-8"?>
+<file path=ppt/slides/slide67.xml><?xml version="1.0" encoding="utf-8"?>
 <p:sld xmlns:a="http://schemas.openxmlformats.org/drawingml/2006/main" xmlns:r="http://schemas.openxmlformats.org/officeDocument/2006/relationships" xmlns:p="http://schemas.openxmlformats.org/presentationml/2006/main">
   <p:cSld>
     <p:spTree>
@@ -30159,7 +30667,7 @@
 </p:sld>
 </file>
 
-<file path=ppt/slides/slide65.xml><?xml version="1.0" encoding="utf-8"?>
+<file path=ppt/slides/slide68.xml><?xml version="1.0" encoding="utf-8"?>
 <p:sld xmlns:a="http://schemas.openxmlformats.org/drawingml/2006/main" xmlns:r="http://schemas.openxmlformats.org/officeDocument/2006/relationships" xmlns:p="http://schemas.openxmlformats.org/presentationml/2006/main">
   <p:cSld>
     <p:spTree>
@@ -30577,7 +31085,7 @@
             </a:pPr>
             <a:r>
               <a:rPr lang="he-IL" b="1" u="sng" dirty="0"/>
-              <a:t>שליחת הזימון לפגישה</a:t>
+              <a:t>קביעת פגישה על ידי המערכת</a:t>
             </a:r>
           </a:p>
           <a:p>
@@ -30596,18 +31104,7 @@
             </a:pPr>
             <a:r>
               <a:rPr lang="he-IL" sz="1600" dirty="0"/>
-              <a:t>1. חזרה למסך יצירת הפגישה.</a:t>
-            </a:r>
-          </a:p>
-          <a:p>
-            <a:pPr algn="r" rtl="1">
-              <a:lnSpc>
-                <a:spcPct val="150000"/>
-              </a:lnSpc>
-            </a:pPr>
-            <a:r>
-              <a:rPr lang="he-IL" sz="1600" dirty="0"/>
-              <a:t>2. לחיצה על כפתור השליחה</a:t>
+              <a:t>1. המערכת קובעת את הפגישה על בסיס אילוצי הנמענים ומזמנת אותם.</a:t>
             </a:r>
           </a:p>
         </p:txBody>
@@ -30679,7 +31176,7 @@
             </a:pPr>
             <a:r>
               <a:rPr lang="he-IL" sz="1600" dirty="0"/>
-              <a:t>1. לחיצה על הוסף פגישה </a:t>
+              <a:t>1. לחיצה על הוסף פגישה. </a:t>
             </a:r>
           </a:p>
           <a:p>
@@ -30690,7 +31187,7 @@
             </a:pPr>
             <a:r>
               <a:rPr lang="he-IL" sz="1600" dirty="0"/>
-              <a:t>2. הכנסת שם לפגישה </a:t>
+              <a:t>2. הכנסת שם לפגישה. </a:t>
             </a:r>
           </a:p>
           <a:p>
@@ -30701,7 +31198,7 @@
             </a:pPr>
             <a:r>
               <a:rPr lang="he-IL" sz="1600" dirty="0"/>
-              <a:t>3. הכנסת מיקום לפגישה</a:t>
+              <a:t>3. הכנסת מיקום לפגישה.</a:t>
             </a:r>
           </a:p>
           <a:p>
@@ -30712,7 +31209,7 @@
             </a:pPr>
             <a:r>
               <a:rPr lang="he-IL" sz="1600" dirty="0"/>
-              <a:t>4. הכנסת תיאור לפגישה</a:t>
+              <a:t>4. הכנסת תיאור לפגישה.</a:t>
             </a:r>
           </a:p>
         </p:txBody>
@@ -30784,7 +31281,7 @@
             </a:pPr>
             <a:r>
               <a:rPr lang="he-IL" sz="1600" dirty="0"/>
-              <a:t>1. הקלדת שן הנמען</a:t>
+              <a:t>1. הקלדת שם הנמען.</a:t>
             </a:r>
           </a:p>
           <a:p>
@@ -30795,7 +31292,7 @@
             </a:pPr>
             <a:r>
               <a:rPr lang="he-IL" sz="1600" dirty="0"/>
-              <a:t>2. בחירת הנמען מהשלמה אוטומטית (אם שמור)</a:t>
+              <a:t>2. בחירת הנמען מהשלמה אוטומטית (אם שמור).</a:t>
             </a:r>
           </a:p>
           <a:p>
@@ -30806,7 +31303,7 @@
             </a:pPr>
             <a:r>
               <a:rPr lang="he-IL" sz="1600" dirty="0"/>
-              <a:t>3. הכנסת קבוצת נמענים</a:t>
+              <a:t>3. הכנסת קבוצת נמענים.</a:t>
             </a:r>
           </a:p>
           <a:p>
@@ -30817,7 +31314,7 @@
             </a:pPr>
             <a:r>
               <a:rPr lang="he-IL" sz="1600" dirty="0"/>
-              <a:t>4. הכנסת נמען\קבוצה נוספת</a:t>
+              <a:t>4. הכנסת נמען\קבוצה נוספת.</a:t>
             </a:r>
           </a:p>
         </p:txBody>
@@ -30870,7 +31367,7 @@
             </a:pPr>
             <a:r>
               <a:rPr lang="he-IL" b="1" u="sng" dirty="0"/>
-              <a:t>בחירת התאריך</a:t>
+              <a:t>בחירת טווח תאריכים</a:t>
             </a:r>
           </a:p>
           <a:p>
@@ -30889,49 +31386,8 @@
             </a:pPr>
             <a:r>
               <a:rPr lang="he-IL" sz="1600" dirty="0"/>
-              <a:t>1. כניסה למסך בחירת תאריך</a:t>
-            </a:r>
-          </a:p>
-          <a:p>
-            <a:pPr algn="r" rtl="1">
-              <a:lnSpc>
-                <a:spcPct val="150000"/>
-              </a:lnSpc>
-            </a:pPr>
-            <a:r>
-              <a:rPr lang="he-IL" sz="1600" dirty="0"/>
-              <a:t>2. מעבר על האילוצים של כולם</a:t>
-            </a:r>
-          </a:p>
-          <a:p>
-            <a:pPr algn="r" rtl="1">
-              <a:lnSpc>
-                <a:spcPct val="150000"/>
-              </a:lnSpc>
-            </a:pPr>
-            <a:r>
-              <a:rPr lang="he-IL" sz="1600" dirty="0"/>
-              <a:t>3. אם אין תאריך שמתאים לכולם לברר האם יש משהו שיכול להזיז פגישה אחרת.</a:t>
-            </a:r>
-          </a:p>
-          <a:p>
-            <a:pPr algn="r" rtl="1">
-              <a:lnSpc>
-                <a:spcPct val="150000"/>
-              </a:lnSpc>
-            </a:pPr>
-            <a:r>
-              <a:rPr lang="he-IL" sz="1600" dirty="0"/>
-              <a:t>4. בחירת התאריך הכי מתאים.</a:t>
-            </a:r>
-          </a:p>
-          <a:p>
-            <a:pPr algn="r" rtl="1">
-              <a:lnSpc>
-                <a:spcPct val="150000"/>
-              </a:lnSpc>
-            </a:pPr>
-            <a:endParaRPr lang="he-IL" sz="1600" dirty="0"/>
+              <a:t>1. בחירת טווח תאריכים שבהם המשתמש מעוניין שתתקיים הפגישה.</a:t>
+            </a:r>
           </a:p>
         </p:txBody>
       </p:sp>
@@ -30948,7 +31404,7 @@
 </p:sld>
 </file>
 
-<file path=ppt/slides/slide66.xml><?xml version="1.0" encoding="utf-8"?>
+<file path=ppt/slides/slide69.xml><?xml version="1.0" encoding="utf-8"?>
 <p:sld xmlns:a="http://schemas.openxmlformats.org/drawingml/2006/main" xmlns:r="http://schemas.openxmlformats.org/officeDocument/2006/relationships" xmlns:p="http://schemas.openxmlformats.org/presentationml/2006/main">
   <p:cSld>
     <p:spTree>
@@ -32112,7 +32568,7 @@
               <a:pPr algn="ctr"/>
               <a:r>
                 <a:rPr lang="he-IL" sz="1200" dirty="0"/>
-                <a:t>מעבר למסך בחירת תאריך עם המלצןת המערכת והאילוצים של כל הנמענים</a:t>
+                <a:t>בחירת טווח התאריכים בהם המשתמש מעוניין שהפגישה תתקיים.</a:t>
               </a:r>
               <a:endParaRPr lang="en-US" sz="1200" dirty="0"/>
             </a:p>
@@ -32191,7 +32647,7 @@
                     <a:schemeClr val="bg1"/>
                   </a:solidFill>
                 </a:rPr>
-                <a:t>מסך בחירת תאריך</a:t>
+                <a:t>מסך הוספת פגישה</a:t>
               </a:r>
               <a:endParaRPr lang="en-US" dirty="0">
                 <a:solidFill>
@@ -32313,7 +32769,7 @@
               <a:pPr algn="ctr"/>
               <a:r>
                 <a:rPr lang="he-IL" sz="1200" dirty="0"/>
-                <a:t>שליחת הזימון לפגישה</a:t>
+                <a:t>סיום התהליך, עד לקביעת הפגישה על ידי המערכת.</a:t>
               </a:r>
               <a:endParaRPr lang="en-US" sz="1200" dirty="0"/>
             </a:p>
@@ -32448,645 +32904,6 @@
     <p:extLst>
       <p:ext uri="{BB962C8B-B14F-4D97-AF65-F5344CB8AC3E}">
         <p14:creationId xmlns:p14="http://schemas.microsoft.com/office/powerpoint/2010/main" val="3292089220"/>
-      </p:ext>
-    </p:extLst>
-  </p:cSld>
-  <p:clrMapOvr>
-    <a:masterClrMapping/>
-  </p:clrMapOvr>
-</p:sld>
-</file>
-
-<file path=ppt/slides/slide67.xml><?xml version="1.0" encoding="utf-8"?>
-<p:sld xmlns:a="http://schemas.openxmlformats.org/drawingml/2006/main" xmlns:r="http://schemas.openxmlformats.org/officeDocument/2006/relationships" xmlns:p="http://schemas.openxmlformats.org/presentationml/2006/main">
-  <p:cSld>
-    <p:spTree>
-      <p:nvGrpSpPr>
-        <p:cNvPr id="1" name=""/>
-        <p:cNvGrpSpPr/>
-        <p:nvPr/>
-      </p:nvGrpSpPr>
-      <p:grpSpPr>
-        <a:xfrm>
-          <a:off x="0" y="0"/>
-          <a:ext cx="0" cy="0"/>
-          <a:chOff x="0" y="0"/>
-          <a:chExt cx="0" cy="0"/>
-        </a:xfrm>
-      </p:grpSpPr>
-      <p:sp>
-        <p:nvSpPr>
-          <p:cNvPr id="2" name="כותרת 1">
-            <a:extLst>
-              <a:ext uri="{FF2B5EF4-FFF2-40B4-BE49-F238E27FC236}">
-                <a16:creationId xmlns:a16="http://schemas.microsoft.com/office/drawing/2014/main" id="{7E2CFF58-DDF3-4D79-8E24-D3415F37CA20}"/>
-              </a:ext>
-            </a:extLst>
-          </p:cNvPr>
-          <p:cNvSpPr>
-            <a:spLocks noGrp="1"/>
-          </p:cNvSpPr>
-          <p:nvPr>
-            <p:ph type="ctrTitle"/>
-          </p:nvPr>
-        </p:nvSpPr>
-        <p:spPr>
-          <a:xfrm>
-            <a:off x="3708747" y="2998289"/>
-            <a:ext cx="4774505" cy="861421"/>
-          </a:xfrm>
-        </p:spPr>
-        <p:txBody>
-          <a:bodyPr/>
-          <a:lstStyle/>
-          <a:p>
-            <a:pPr algn="ctr"/>
-            <a:r>
-              <a:rPr lang="he-IL" dirty="0"/>
-              <a:t>ארכיטקטורת מידע</a:t>
-            </a:r>
-            <a:br>
-              <a:rPr lang="he-IL" dirty="0"/>
-            </a:br>
-            <a:r>
-              <a:rPr lang="he-IL" dirty="0"/>
-              <a:t>ומודל הניווט</a:t>
-            </a:r>
-            <a:endParaRPr lang="en-US" dirty="0"/>
-          </a:p>
-        </p:txBody>
-      </p:sp>
-    </p:spTree>
-    <p:extLst>
-      <p:ext uri="{BB962C8B-B14F-4D97-AF65-F5344CB8AC3E}">
-        <p14:creationId xmlns:p14="http://schemas.microsoft.com/office/powerpoint/2010/main" val="1412135787"/>
-      </p:ext>
-    </p:extLst>
-  </p:cSld>
-  <p:clrMapOvr>
-    <a:masterClrMapping/>
-  </p:clrMapOvr>
-</p:sld>
-</file>
-
-<file path=ppt/slides/slide68.xml><?xml version="1.0" encoding="utf-8"?>
-<p:sld xmlns:a="http://schemas.openxmlformats.org/drawingml/2006/main" xmlns:r="http://schemas.openxmlformats.org/officeDocument/2006/relationships" xmlns:p="http://schemas.openxmlformats.org/presentationml/2006/main">
-  <p:cSld>
-    <p:spTree>
-      <p:nvGrpSpPr>
-        <p:cNvPr id="1" name=""/>
-        <p:cNvGrpSpPr/>
-        <p:nvPr/>
-      </p:nvGrpSpPr>
-      <p:grpSpPr>
-        <a:xfrm>
-          <a:off x="0" y="0"/>
-          <a:ext cx="0" cy="0"/>
-          <a:chOff x="0" y="0"/>
-          <a:chExt cx="0" cy="0"/>
-        </a:xfrm>
-      </p:grpSpPr>
-      <p:sp>
-        <p:nvSpPr>
-          <p:cNvPr id="2" name="Title 1">
-            <a:extLst>
-              <a:ext uri="{FF2B5EF4-FFF2-40B4-BE49-F238E27FC236}">
-                <a16:creationId xmlns:a16="http://schemas.microsoft.com/office/drawing/2014/main" id="{F2E75ACD-C303-46DD-8FB4-27FC6A409857}"/>
-              </a:ext>
-            </a:extLst>
-          </p:cNvPr>
-          <p:cNvSpPr>
-            <a:spLocks noGrp="1"/>
-          </p:cNvSpPr>
-          <p:nvPr>
-            <p:ph type="title"/>
-          </p:nvPr>
-        </p:nvSpPr>
-        <p:spPr/>
-        <p:txBody>
-          <a:bodyPr/>
-          <a:lstStyle/>
-          <a:p>
-            <a:pPr algn="ctr"/>
-            <a:r>
-              <a:rPr lang="he-IL" sz="4800" dirty="0"/>
-              <a:t>ארכיטקטורת מידע</a:t>
-            </a:r>
-            <a:endParaRPr lang="en-US" sz="4800" dirty="0"/>
-          </a:p>
-        </p:txBody>
-      </p:sp>
-      <p:sp>
-        <p:nvSpPr>
-          <p:cNvPr id="18" name="תיבת טקסט 17">
-            <a:extLst>
-              <a:ext uri="{FF2B5EF4-FFF2-40B4-BE49-F238E27FC236}">
-                <a16:creationId xmlns:a16="http://schemas.microsoft.com/office/drawing/2014/main" id="{8D31B842-4145-4258-9806-37E51F29916E}"/>
-              </a:ext>
-            </a:extLst>
-          </p:cNvPr>
-          <p:cNvSpPr txBox="1"/>
-          <p:nvPr/>
-        </p:nvSpPr>
-        <p:spPr>
-          <a:xfrm>
-            <a:off x="7919696" y="2534088"/>
-            <a:ext cx="4121834" cy="1754326"/>
-          </a:xfrm>
-          <a:prstGeom prst="rect">
-            <a:avLst/>
-          </a:prstGeom>
-          <a:noFill/>
-        </p:spPr>
-        <p:txBody>
-          <a:bodyPr wrap="square" rtlCol="1">
-            <a:spAutoFit/>
-          </a:bodyPr>
-          <a:lstStyle/>
-          <a:p>
-            <a:pPr marL="285750" indent="-285750" algn="r" rtl="1">
-              <a:buFont typeface="Arial" panose="020B0604020202020204" pitchFamily="34" charset="0"/>
-              <a:buChar char="•"/>
-            </a:pPr>
-            <a:r>
-              <a:rPr lang="he-IL" dirty="0"/>
-              <a:t>המערכת שלנו משתמשת בעיקר בארגון מידע כרונולוגי, מכיוון שהמערכת מתעסקת בפגישות, חשוב למשתמש לראות את הפגישות והאילוצים שלו לפי ציר זמן מסוים אשר מאפשר לו ניהול קל של פגישותיו.</a:t>
-            </a:r>
-          </a:p>
-        </p:txBody>
-      </p:sp>
-      <p:pic>
-        <p:nvPicPr>
-          <p:cNvPr id="19" name="תמונה 18">
-            <a:extLst>
-              <a:ext uri="{FF2B5EF4-FFF2-40B4-BE49-F238E27FC236}">
-                <a16:creationId xmlns:a16="http://schemas.microsoft.com/office/drawing/2014/main" id="{87AAD36D-EE7B-4176-9B99-0EEC6B084F75}"/>
-              </a:ext>
-            </a:extLst>
-          </p:cNvPr>
-          <p:cNvPicPr>
-            <a:picLocks noChangeAspect="1"/>
-          </p:cNvPicPr>
-          <p:nvPr/>
-        </p:nvPicPr>
-        <p:blipFill>
-          <a:blip r:embed="rId2"/>
-          <a:stretch>
-            <a:fillRect/>
-          </a:stretch>
-        </p:blipFill>
-        <p:spPr>
-          <a:xfrm>
-            <a:off x="150470" y="2400030"/>
-            <a:ext cx="7642893" cy="3139322"/>
-          </a:xfrm>
-          <a:prstGeom prst="rect">
-            <a:avLst/>
-          </a:prstGeom>
-        </p:spPr>
-      </p:pic>
-      <p:cxnSp>
-        <p:nvCxnSpPr>
-          <p:cNvPr id="6" name="מחבר חץ ישר 5">
-            <a:extLst>
-              <a:ext uri="{FF2B5EF4-FFF2-40B4-BE49-F238E27FC236}">
-                <a16:creationId xmlns:a16="http://schemas.microsoft.com/office/drawing/2014/main" id="{217F64C3-70A6-4928-B05A-2BDDDF39AEB0}"/>
-              </a:ext>
-            </a:extLst>
-          </p:cNvPr>
-          <p:cNvCxnSpPr/>
-          <p:nvPr/>
-        </p:nvCxnSpPr>
-        <p:spPr>
-          <a:xfrm>
-            <a:off x="3910818" y="3429000"/>
-            <a:ext cx="0" cy="1793795"/>
-          </a:xfrm>
-          <a:prstGeom prst="straightConnector1">
-            <a:avLst/>
-          </a:prstGeom>
-          <a:ln>
-            <a:tailEnd type="triangle"/>
-          </a:ln>
-        </p:spPr>
-        <p:style>
-          <a:lnRef idx="1">
-            <a:schemeClr val="accent1"/>
-          </a:lnRef>
-          <a:fillRef idx="0">
-            <a:schemeClr val="accent1"/>
-          </a:fillRef>
-          <a:effectRef idx="0">
-            <a:schemeClr val="accent1"/>
-          </a:effectRef>
-          <a:fontRef idx="minor">
-            <a:schemeClr val="tx1"/>
-          </a:fontRef>
-        </p:style>
-      </p:cxnSp>
-      <p:sp>
-        <p:nvSpPr>
-          <p:cNvPr id="7" name="תיבת טקסט 6">
-            <a:extLst>
-              <a:ext uri="{FF2B5EF4-FFF2-40B4-BE49-F238E27FC236}">
-                <a16:creationId xmlns:a16="http://schemas.microsoft.com/office/drawing/2014/main" id="{2F2F805E-428B-48F0-BB48-EFDFA9157D27}"/>
-              </a:ext>
-            </a:extLst>
-          </p:cNvPr>
-          <p:cNvSpPr txBox="1"/>
-          <p:nvPr/>
-        </p:nvSpPr>
-        <p:spPr>
-          <a:xfrm>
-            <a:off x="1856942" y="3334044"/>
-            <a:ext cx="1927544" cy="1200329"/>
-          </a:xfrm>
-          <a:prstGeom prst="rect">
-            <a:avLst/>
-          </a:prstGeom>
-          <a:noFill/>
-        </p:spPr>
-        <p:txBody>
-          <a:bodyPr wrap="square" rtlCol="1">
-            <a:spAutoFit/>
-          </a:bodyPr>
-          <a:lstStyle/>
-          <a:p>
-            <a:pPr algn="r"/>
-            <a:r>
-              <a:rPr lang="he-IL" dirty="0"/>
-              <a:t>הפגישות ממוינות מהפגישה הקרובה ביותר לרחוקה ביותר</a:t>
-            </a:r>
-          </a:p>
-        </p:txBody>
-      </p:sp>
-    </p:spTree>
-    <p:extLst>
-      <p:ext uri="{BB962C8B-B14F-4D97-AF65-F5344CB8AC3E}">
-        <p14:creationId xmlns:p14="http://schemas.microsoft.com/office/powerpoint/2010/main" val="971213103"/>
-      </p:ext>
-    </p:extLst>
-  </p:cSld>
-  <p:clrMapOvr>
-    <a:masterClrMapping/>
-  </p:clrMapOvr>
-</p:sld>
-</file>
-
-<file path=ppt/slides/slide69.xml><?xml version="1.0" encoding="utf-8"?>
-<p:sld xmlns:a="http://schemas.openxmlformats.org/drawingml/2006/main" xmlns:r="http://schemas.openxmlformats.org/officeDocument/2006/relationships" xmlns:p="http://schemas.openxmlformats.org/presentationml/2006/main">
-  <p:cSld>
-    <p:spTree>
-      <p:nvGrpSpPr>
-        <p:cNvPr id="1" name=""/>
-        <p:cNvGrpSpPr/>
-        <p:nvPr/>
-      </p:nvGrpSpPr>
-      <p:grpSpPr>
-        <a:xfrm>
-          <a:off x="0" y="0"/>
-          <a:ext cx="0" cy="0"/>
-          <a:chOff x="0" y="0"/>
-          <a:chExt cx="0" cy="0"/>
-        </a:xfrm>
-      </p:grpSpPr>
-      <p:sp>
-        <p:nvSpPr>
-          <p:cNvPr id="2" name="Title 1">
-            <a:extLst>
-              <a:ext uri="{FF2B5EF4-FFF2-40B4-BE49-F238E27FC236}">
-                <a16:creationId xmlns:a16="http://schemas.microsoft.com/office/drawing/2014/main" id="{F2E75ACD-C303-46DD-8FB4-27FC6A409857}"/>
-              </a:ext>
-            </a:extLst>
-          </p:cNvPr>
-          <p:cNvSpPr>
-            <a:spLocks noGrp="1"/>
-          </p:cNvSpPr>
-          <p:nvPr>
-            <p:ph type="title"/>
-          </p:nvPr>
-        </p:nvSpPr>
-        <p:spPr/>
-        <p:txBody>
-          <a:bodyPr/>
-          <a:lstStyle/>
-          <a:p>
-            <a:pPr algn="ctr"/>
-            <a:r>
-              <a:rPr lang="he-IL" sz="4800" dirty="0"/>
-              <a:t>ארכיטקטורת מידע</a:t>
-            </a:r>
-            <a:endParaRPr lang="en-US" sz="4800" dirty="0"/>
-          </a:p>
-        </p:txBody>
-      </p:sp>
-      <p:pic>
-        <p:nvPicPr>
-          <p:cNvPr id="3" name="תמונה 2">
-            <a:extLst>
-              <a:ext uri="{FF2B5EF4-FFF2-40B4-BE49-F238E27FC236}">
-                <a16:creationId xmlns:a16="http://schemas.microsoft.com/office/drawing/2014/main" id="{A55282CC-442F-4983-9221-06D6A8EDAF5D}"/>
-              </a:ext>
-            </a:extLst>
-          </p:cNvPr>
-          <p:cNvPicPr>
-            <a:picLocks noChangeAspect="1"/>
-          </p:cNvPicPr>
-          <p:nvPr/>
-        </p:nvPicPr>
-        <p:blipFill>
-          <a:blip r:embed="rId2"/>
-          <a:stretch>
-            <a:fillRect/>
-          </a:stretch>
-        </p:blipFill>
-        <p:spPr>
-          <a:xfrm>
-            <a:off x="0" y="2257425"/>
-            <a:ext cx="8210550" cy="4600575"/>
-          </a:xfrm>
-          <a:prstGeom prst="rect">
-            <a:avLst/>
-          </a:prstGeom>
-        </p:spPr>
-      </p:pic>
-      <p:sp>
-        <p:nvSpPr>
-          <p:cNvPr id="12" name="תיבת טקסט 11">
-            <a:extLst>
-              <a:ext uri="{FF2B5EF4-FFF2-40B4-BE49-F238E27FC236}">
-                <a16:creationId xmlns:a16="http://schemas.microsoft.com/office/drawing/2014/main" id="{77AF2D51-D00C-40F2-9B31-0894F6F09F0E}"/>
-              </a:ext>
-            </a:extLst>
-          </p:cNvPr>
-          <p:cNvSpPr txBox="1"/>
-          <p:nvPr/>
-        </p:nvSpPr>
-        <p:spPr>
-          <a:xfrm>
-            <a:off x="8361020" y="2257425"/>
-            <a:ext cx="3830980" cy="923330"/>
-          </a:xfrm>
-          <a:prstGeom prst="rect">
-            <a:avLst/>
-          </a:prstGeom>
-          <a:noFill/>
-        </p:spPr>
-        <p:txBody>
-          <a:bodyPr wrap="square" rtlCol="1">
-            <a:spAutoFit/>
-          </a:bodyPr>
-          <a:lstStyle/>
-          <a:p>
-            <a:pPr marL="285750" indent="-285750" algn="r" rtl="1">
-              <a:buFont typeface="Arial" panose="020B0604020202020204" pitchFamily="34" charset="0"/>
-              <a:buChar char="•"/>
-            </a:pPr>
-            <a:r>
-              <a:rPr lang="he-IL" dirty="0"/>
-              <a:t>לוח השנה בנוי כך שהמעבר של הזמן והפגישות ממוקמות מצד ימין לשמאל (לפי סדר הכתיבה בעברית).</a:t>
-            </a:r>
-          </a:p>
-        </p:txBody>
-      </p:sp>
-      <p:cxnSp>
-        <p:nvCxnSpPr>
-          <p:cNvPr id="5" name="מחבר חץ ישר 4">
-            <a:extLst>
-              <a:ext uri="{FF2B5EF4-FFF2-40B4-BE49-F238E27FC236}">
-                <a16:creationId xmlns:a16="http://schemas.microsoft.com/office/drawing/2014/main" id="{3133421B-8C58-408C-8386-659EE009EF4D}"/>
-              </a:ext>
-            </a:extLst>
-          </p:cNvPr>
-          <p:cNvCxnSpPr/>
-          <p:nvPr/>
-        </p:nvCxnSpPr>
-        <p:spPr>
-          <a:xfrm flipH="1">
-            <a:off x="1152144" y="4712678"/>
-            <a:ext cx="5980176" cy="0"/>
-          </a:xfrm>
-          <a:prstGeom prst="straightConnector1">
-            <a:avLst/>
-          </a:prstGeom>
-          <a:ln>
-            <a:headEnd type="triangle"/>
-            <a:tailEnd type="triangle"/>
-          </a:ln>
-        </p:spPr>
-        <p:style>
-          <a:lnRef idx="1">
-            <a:schemeClr val="accent1"/>
-          </a:lnRef>
-          <a:fillRef idx="0">
-            <a:schemeClr val="accent1"/>
-          </a:fillRef>
-          <a:effectRef idx="0">
-            <a:schemeClr val="accent1"/>
-          </a:effectRef>
-          <a:fontRef idx="minor">
-            <a:schemeClr val="tx1"/>
-          </a:fontRef>
-        </p:style>
-      </p:cxnSp>
-      <p:sp>
-        <p:nvSpPr>
-          <p:cNvPr id="13" name="תיבת טקסט 12">
-            <a:extLst>
-              <a:ext uri="{FF2B5EF4-FFF2-40B4-BE49-F238E27FC236}">
-                <a16:creationId xmlns:a16="http://schemas.microsoft.com/office/drawing/2014/main" id="{E18D7AFE-6819-46E8-91E9-7633BA2436D1}"/>
-              </a:ext>
-            </a:extLst>
-          </p:cNvPr>
-          <p:cNvSpPr txBox="1"/>
-          <p:nvPr/>
-        </p:nvSpPr>
-        <p:spPr>
-          <a:xfrm>
-            <a:off x="6344530" y="4343346"/>
-            <a:ext cx="787790" cy="369332"/>
-          </a:xfrm>
-          <a:prstGeom prst="rect">
-            <a:avLst/>
-          </a:prstGeom>
-          <a:noFill/>
-        </p:spPr>
-        <p:txBody>
-          <a:bodyPr wrap="square" rtlCol="1">
-            <a:spAutoFit/>
-          </a:bodyPr>
-          <a:lstStyle/>
-          <a:p>
-            <a:pPr algn="r"/>
-            <a:r>
-              <a:rPr lang="he-IL" dirty="0">
-                <a:solidFill>
-                  <a:srgbClr val="C00000"/>
-                </a:solidFill>
-              </a:rPr>
-              <a:t>עבר</a:t>
-            </a:r>
-          </a:p>
-        </p:txBody>
-      </p:sp>
-      <p:cxnSp>
-        <p:nvCxnSpPr>
-          <p:cNvPr id="15" name="מחבר ישר 14">
-            <a:extLst>
-              <a:ext uri="{FF2B5EF4-FFF2-40B4-BE49-F238E27FC236}">
-                <a16:creationId xmlns:a16="http://schemas.microsoft.com/office/drawing/2014/main" id="{C679A093-27E5-4BE4-A986-E68C743F804F}"/>
-              </a:ext>
-            </a:extLst>
-          </p:cNvPr>
-          <p:cNvCxnSpPr/>
-          <p:nvPr/>
-        </p:nvCxnSpPr>
-        <p:spPr>
-          <a:xfrm>
-            <a:off x="4142232" y="4712678"/>
-            <a:ext cx="0" cy="0"/>
-          </a:xfrm>
-          <a:prstGeom prst="line">
-            <a:avLst/>
-          </a:prstGeom>
-        </p:spPr>
-        <p:style>
-          <a:lnRef idx="1">
-            <a:schemeClr val="accent1"/>
-          </a:lnRef>
-          <a:fillRef idx="0">
-            <a:schemeClr val="accent1"/>
-          </a:fillRef>
-          <a:effectRef idx="0">
-            <a:schemeClr val="accent1"/>
-          </a:effectRef>
-          <a:fontRef idx="minor">
-            <a:schemeClr val="tx1"/>
-          </a:fontRef>
-        </p:style>
-      </p:cxnSp>
-      <p:cxnSp>
-        <p:nvCxnSpPr>
-          <p:cNvPr id="17" name="מחבר ישר 16">
-            <a:extLst>
-              <a:ext uri="{FF2B5EF4-FFF2-40B4-BE49-F238E27FC236}">
-                <a16:creationId xmlns:a16="http://schemas.microsoft.com/office/drawing/2014/main" id="{1079B52E-1461-48B2-9F6E-C88EBEBDC8D8}"/>
-              </a:ext>
-            </a:extLst>
-          </p:cNvPr>
-          <p:cNvCxnSpPr>
-            <a:cxnSpLocks/>
-          </p:cNvCxnSpPr>
-          <p:nvPr/>
-        </p:nvCxnSpPr>
-        <p:spPr>
-          <a:xfrm>
-            <a:off x="4105275" y="4557712"/>
-            <a:ext cx="0" cy="154966"/>
-          </a:xfrm>
-          <a:prstGeom prst="line">
-            <a:avLst/>
-          </a:prstGeom>
-        </p:spPr>
-        <p:style>
-          <a:lnRef idx="1">
-            <a:schemeClr val="accent1"/>
-          </a:lnRef>
-          <a:fillRef idx="0">
-            <a:schemeClr val="accent1"/>
-          </a:fillRef>
-          <a:effectRef idx="0">
-            <a:schemeClr val="accent1"/>
-          </a:effectRef>
-          <a:fontRef idx="minor">
-            <a:schemeClr val="tx1"/>
-          </a:fontRef>
-        </p:style>
-      </p:cxnSp>
-      <p:sp>
-        <p:nvSpPr>
-          <p:cNvPr id="21" name="תיבת טקסט 20">
-            <a:extLst>
-              <a:ext uri="{FF2B5EF4-FFF2-40B4-BE49-F238E27FC236}">
-                <a16:creationId xmlns:a16="http://schemas.microsoft.com/office/drawing/2014/main" id="{4EC281CE-1594-427B-9064-3DC2F005CB96}"/>
-              </a:ext>
-            </a:extLst>
-          </p:cNvPr>
-          <p:cNvSpPr txBox="1"/>
-          <p:nvPr/>
-        </p:nvSpPr>
-        <p:spPr>
-          <a:xfrm>
-            <a:off x="3584917" y="4158680"/>
-            <a:ext cx="787790" cy="369332"/>
-          </a:xfrm>
-          <a:prstGeom prst="rect">
-            <a:avLst/>
-          </a:prstGeom>
-          <a:noFill/>
-        </p:spPr>
-        <p:txBody>
-          <a:bodyPr wrap="square" rtlCol="1">
-            <a:spAutoFit/>
-          </a:bodyPr>
-          <a:lstStyle/>
-          <a:p>
-            <a:pPr algn="r"/>
-            <a:r>
-              <a:rPr lang="he-IL" dirty="0">
-                <a:solidFill>
-                  <a:srgbClr val="C00000"/>
-                </a:solidFill>
-              </a:rPr>
-              <a:t>הווה</a:t>
-            </a:r>
-          </a:p>
-        </p:txBody>
-      </p:sp>
-      <p:sp>
-        <p:nvSpPr>
-          <p:cNvPr id="22" name="תיבת טקסט 21">
-            <a:extLst>
-              <a:ext uri="{FF2B5EF4-FFF2-40B4-BE49-F238E27FC236}">
-                <a16:creationId xmlns:a16="http://schemas.microsoft.com/office/drawing/2014/main" id="{B260147D-5FCC-4F73-AAE8-C6EA39016CB7}"/>
-              </a:ext>
-            </a:extLst>
-          </p:cNvPr>
-          <p:cNvSpPr txBox="1"/>
-          <p:nvPr/>
-        </p:nvSpPr>
-        <p:spPr>
-          <a:xfrm>
-            <a:off x="1004669" y="4290462"/>
-            <a:ext cx="787790" cy="369332"/>
-          </a:xfrm>
-          <a:prstGeom prst="rect">
-            <a:avLst/>
-          </a:prstGeom>
-          <a:noFill/>
-        </p:spPr>
-        <p:txBody>
-          <a:bodyPr wrap="square" rtlCol="1">
-            <a:spAutoFit/>
-          </a:bodyPr>
-          <a:lstStyle/>
-          <a:p>
-            <a:pPr algn="r"/>
-            <a:r>
-              <a:rPr lang="he-IL" dirty="0">
-                <a:solidFill>
-                  <a:srgbClr val="C00000"/>
-                </a:solidFill>
-              </a:rPr>
-              <a:t>עתיד</a:t>
-            </a:r>
-          </a:p>
-        </p:txBody>
-      </p:sp>
-    </p:spTree>
-    <p:extLst>
-      <p:ext uri="{BB962C8B-B14F-4D97-AF65-F5344CB8AC3E}">
-        <p14:creationId xmlns:p14="http://schemas.microsoft.com/office/powerpoint/2010/main" val="1816347366"/>
       </p:ext>
     </p:extLst>
   </p:cSld>
@@ -33661,6 +33478,645 @@
       </p:grpSpPr>
       <p:sp>
         <p:nvSpPr>
+          <p:cNvPr id="2" name="כותרת 1">
+            <a:extLst>
+              <a:ext uri="{FF2B5EF4-FFF2-40B4-BE49-F238E27FC236}">
+                <a16:creationId xmlns:a16="http://schemas.microsoft.com/office/drawing/2014/main" id="{7E2CFF58-DDF3-4D79-8E24-D3415F37CA20}"/>
+              </a:ext>
+            </a:extLst>
+          </p:cNvPr>
+          <p:cNvSpPr>
+            <a:spLocks noGrp="1"/>
+          </p:cNvSpPr>
+          <p:nvPr>
+            <p:ph type="ctrTitle"/>
+          </p:nvPr>
+        </p:nvSpPr>
+        <p:spPr>
+          <a:xfrm>
+            <a:off x="3708747" y="2998289"/>
+            <a:ext cx="4774505" cy="861421"/>
+          </a:xfrm>
+        </p:spPr>
+        <p:txBody>
+          <a:bodyPr/>
+          <a:lstStyle/>
+          <a:p>
+            <a:pPr algn="ctr"/>
+            <a:r>
+              <a:rPr lang="he-IL" dirty="0"/>
+              <a:t>ארכיטקטורת מידע</a:t>
+            </a:r>
+            <a:br>
+              <a:rPr lang="he-IL" dirty="0"/>
+            </a:br>
+            <a:r>
+              <a:rPr lang="he-IL" dirty="0"/>
+              <a:t>ומודל הניווט</a:t>
+            </a:r>
+            <a:endParaRPr lang="en-US" dirty="0"/>
+          </a:p>
+        </p:txBody>
+      </p:sp>
+    </p:spTree>
+    <p:extLst>
+      <p:ext uri="{BB962C8B-B14F-4D97-AF65-F5344CB8AC3E}">
+        <p14:creationId xmlns:p14="http://schemas.microsoft.com/office/powerpoint/2010/main" val="1412135787"/>
+      </p:ext>
+    </p:extLst>
+  </p:cSld>
+  <p:clrMapOvr>
+    <a:masterClrMapping/>
+  </p:clrMapOvr>
+</p:sld>
+</file>
+
+<file path=ppt/slides/slide71.xml><?xml version="1.0" encoding="utf-8"?>
+<p:sld xmlns:a="http://schemas.openxmlformats.org/drawingml/2006/main" xmlns:r="http://schemas.openxmlformats.org/officeDocument/2006/relationships" xmlns:p="http://schemas.openxmlformats.org/presentationml/2006/main">
+  <p:cSld>
+    <p:spTree>
+      <p:nvGrpSpPr>
+        <p:cNvPr id="1" name=""/>
+        <p:cNvGrpSpPr/>
+        <p:nvPr/>
+      </p:nvGrpSpPr>
+      <p:grpSpPr>
+        <a:xfrm>
+          <a:off x="0" y="0"/>
+          <a:ext cx="0" cy="0"/>
+          <a:chOff x="0" y="0"/>
+          <a:chExt cx="0" cy="0"/>
+        </a:xfrm>
+      </p:grpSpPr>
+      <p:sp>
+        <p:nvSpPr>
+          <p:cNvPr id="2" name="Title 1">
+            <a:extLst>
+              <a:ext uri="{FF2B5EF4-FFF2-40B4-BE49-F238E27FC236}">
+                <a16:creationId xmlns:a16="http://schemas.microsoft.com/office/drawing/2014/main" id="{F2E75ACD-C303-46DD-8FB4-27FC6A409857}"/>
+              </a:ext>
+            </a:extLst>
+          </p:cNvPr>
+          <p:cNvSpPr>
+            <a:spLocks noGrp="1"/>
+          </p:cNvSpPr>
+          <p:nvPr>
+            <p:ph type="title"/>
+          </p:nvPr>
+        </p:nvSpPr>
+        <p:spPr/>
+        <p:txBody>
+          <a:bodyPr/>
+          <a:lstStyle/>
+          <a:p>
+            <a:pPr algn="ctr"/>
+            <a:r>
+              <a:rPr lang="he-IL" sz="4800" dirty="0"/>
+              <a:t>ארכיטקטורת מידע</a:t>
+            </a:r>
+            <a:endParaRPr lang="en-US" sz="4800" dirty="0"/>
+          </a:p>
+        </p:txBody>
+      </p:sp>
+      <p:sp>
+        <p:nvSpPr>
+          <p:cNvPr id="18" name="תיבת טקסט 17">
+            <a:extLst>
+              <a:ext uri="{FF2B5EF4-FFF2-40B4-BE49-F238E27FC236}">
+                <a16:creationId xmlns:a16="http://schemas.microsoft.com/office/drawing/2014/main" id="{8D31B842-4145-4258-9806-37E51F29916E}"/>
+              </a:ext>
+            </a:extLst>
+          </p:cNvPr>
+          <p:cNvSpPr txBox="1"/>
+          <p:nvPr/>
+        </p:nvSpPr>
+        <p:spPr>
+          <a:xfrm>
+            <a:off x="7919696" y="2534088"/>
+            <a:ext cx="4121834" cy="1754326"/>
+          </a:xfrm>
+          <a:prstGeom prst="rect">
+            <a:avLst/>
+          </a:prstGeom>
+          <a:noFill/>
+        </p:spPr>
+        <p:txBody>
+          <a:bodyPr wrap="square" rtlCol="1">
+            <a:spAutoFit/>
+          </a:bodyPr>
+          <a:lstStyle/>
+          <a:p>
+            <a:pPr marL="285750" indent="-285750" algn="r" rtl="1">
+              <a:buFont typeface="Arial" panose="020B0604020202020204" pitchFamily="34" charset="0"/>
+              <a:buChar char="•"/>
+            </a:pPr>
+            <a:r>
+              <a:rPr lang="he-IL" dirty="0"/>
+              <a:t>המערכת שלנו משתמשת בעיקר בארגון מידע כרונולוגי, מכיוון שהמערכת מתעסקת בפגישות, חשוב למשתמש לראות את הפגישות והאילוצים שלו לפי ציר זמן מסוים אשר מאפשר לו ניהול קל של פגישותיו.</a:t>
+            </a:r>
+          </a:p>
+        </p:txBody>
+      </p:sp>
+      <p:pic>
+        <p:nvPicPr>
+          <p:cNvPr id="19" name="תמונה 18">
+            <a:extLst>
+              <a:ext uri="{FF2B5EF4-FFF2-40B4-BE49-F238E27FC236}">
+                <a16:creationId xmlns:a16="http://schemas.microsoft.com/office/drawing/2014/main" id="{87AAD36D-EE7B-4176-9B99-0EEC6B084F75}"/>
+              </a:ext>
+            </a:extLst>
+          </p:cNvPr>
+          <p:cNvPicPr>
+            <a:picLocks noChangeAspect="1"/>
+          </p:cNvPicPr>
+          <p:nvPr/>
+        </p:nvPicPr>
+        <p:blipFill>
+          <a:blip r:embed="rId2"/>
+          <a:stretch>
+            <a:fillRect/>
+          </a:stretch>
+        </p:blipFill>
+        <p:spPr>
+          <a:xfrm>
+            <a:off x="150470" y="2400030"/>
+            <a:ext cx="7642893" cy="3139322"/>
+          </a:xfrm>
+          <a:prstGeom prst="rect">
+            <a:avLst/>
+          </a:prstGeom>
+        </p:spPr>
+      </p:pic>
+      <p:cxnSp>
+        <p:nvCxnSpPr>
+          <p:cNvPr id="6" name="מחבר חץ ישר 5">
+            <a:extLst>
+              <a:ext uri="{FF2B5EF4-FFF2-40B4-BE49-F238E27FC236}">
+                <a16:creationId xmlns:a16="http://schemas.microsoft.com/office/drawing/2014/main" id="{217F64C3-70A6-4928-B05A-2BDDDF39AEB0}"/>
+              </a:ext>
+            </a:extLst>
+          </p:cNvPr>
+          <p:cNvCxnSpPr/>
+          <p:nvPr/>
+        </p:nvCxnSpPr>
+        <p:spPr>
+          <a:xfrm>
+            <a:off x="3910818" y="3429000"/>
+            <a:ext cx="0" cy="1793795"/>
+          </a:xfrm>
+          <a:prstGeom prst="straightConnector1">
+            <a:avLst/>
+          </a:prstGeom>
+          <a:ln>
+            <a:tailEnd type="triangle"/>
+          </a:ln>
+        </p:spPr>
+        <p:style>
+          <a:lnRef idx="1">
+            <a:schemeClr val="accent1"/>
+          </a:lnRef>
+          <a:fillRef idx="0">
+            <a:schemeClr val="accent1"/>
+          </a:fillRef>
+          <a:effectRef idx="0">
+            <a:schemeClr val="accent1"/>
+          </a:effectRef>
+          <a:fontRef idx="minor">
+            <a:schemeClr val="tx1"/>
+          </a:fontRef>
+        </p:style>
+      </p:cxnSp>
+      <p:sp>
+        <p:nvSpPr>
+          <p:cNvPr id="7" name="תיבת טקסט 6">
+            <a:extLst>
+              <a:ext uri="{FF2B5EF4-FFF2-40B4-BE49-F238E27FC236}">
+                <a16:creationId xmlns:a16="http://schemas.microsoft.com/office/drawing/2014/main" id="{2F2F805E-428B-48F0-BB48-EFDFA9157D27}"/>
+              </a:ext>
+            </a:extLst>
+          </p:cNvPr>
+          <p:cNvSpPr txBox="1"/>
+          <p:nvPr/>
+        </p:nvSpPr>
+        <p:spPr>
+          <a:xfrm>
+            <a:off x="1856942" y="3334044"/>
+            <a:ext cx="1927544" cy="1200329"/>
+          </a:xfrm>
+          <a:prstGeom prst="rect">
+            <a:avLst/>
+          </a:prstGeom>
+          <a:noFill/>
+        </p:spPr>
+        <p:txBody>
+          <a:bodyPr wrap="square" rtlCol="1">
+            <a:spAutoFit/>
+          </a:bodyPr>
+          <a:lstStyle/>
+          <a:p>
+            <a:pPr algn="r"/>
+            <a:r>
+              <a:rPr lang="he-IL" dirty="0"/>
+              <a:t>הפגישות ממוינות מהפגישה הקרובה ביותר לרחוקה ביותר</a:t>
+            </a:r>
+          </a:p>
+        </p:txBody>
+      </p:sp>
+    </p:spTree>
+    <p:extLst>
+      <p:ext uri="{BB962C8B-B14F-4D97-AF65-F5344CB8AC3E}">
+        <p14:creationId xmlns:p14="http://schemas.microsoft.com/office/powerpoint/2010/main" val="971213103"/>
+      </p:ext>
+    </p:extLst>
+  </p:cSld>
+  <p:clrMapOvr>
+    <a:masterClrMapping/>
+  </p:clrMapOvr>
+</p:sld>
+</file>
+
+<file path=ppt/slides/slide72.xml><?xml version="1.0" encoding="utf-8"?>
+<p:sld xmlns:a="http://schemas.openxmlformats.org/drawingml/2006/main" xmlns:r="http://schemas.openxmlformats.org/officeDocument/2006/relationships" xmlns:p="http://schemas.openxmlformats.org/presentationml/2006/main">
+  <p:cSld>
+    <p:spTree>
+      <p:nvGrpSpPr>
+        <p:cNvPr id="1" name=""/>
+        <p:cNvGrpSpPr/>
+        <p:nvPr/>
+      </p:nvGrpSpPr>
+      <p:grpSpPr>
+        <a:xfrm>
+          <a:off x="0" y="0"/>
+          <a:ext cx="0" cy="0"/>
+          <a:chOff x="0" y="0"/>
+          <a:chExt cx="0" cy="0"/>
+        </a:xfrm>
+      </p:grpSpPr>
+      <p:sp>
+        <p:nvSpPr>
+          <p:cNvPr id="2" name="Title 1">
+            <a:extLst>
+              <a:ext uri="{FF2B5EF4-FFF2-40B4-BE49-F238E27FC236}">
+                <a16:creationId xmlns:a16="http://schemas.microsoft.com/office/drawing/2014/main" id="{F2E75ACD-C303-46DD-8FB4-27FC6A409857}"/>
+              </a:ext>
+            </a:extLst>
+          </p:cNvPr>
+          <p:cNvSpPr>
+            <a:spLocks noGrp="1"/>
+          </p:cNvSpPr>
+          <p:nvPr>
+            <p:ph type="title"/>
+          </p:nvPr>
+        </p:nvSpPr>
+        <p:spPr/>
+        <p:txBody>
+          <a:bodyPr/>
+          <a:lstStyle/>
+          <a:p>
+            <a:pPr algn="ctr"/>
+            <a:r>
+              <a:rPr lang="he-IL" sz="4800" dirty="0"/>
+              <a:t>ארכיטקטורת מידע</a:t>
+            </a:r>
+            <a:endParaRPr lang="en-US" sz="4800" dirty="0"/>
+          </a:p>
+        </p:txBody>
+      </p:sp>
+      <p:pic>
+        <p:nvPicPr>
+          <p:cNvPr id="3" name="תמונה 2">
+            <a:extLst>
+              <a:ext uri="{FF2B5EF4-FFF2-40B4-BE49-F238E27FC236}">
+                <a16:creationId xmlns:a16="http://schemas.microsoft.com/office/drawing/2014/main" id="{A55282CC-442F-4983-9221-06D6A8EDAF5D}"/>
+              </a:ext>
+            </a:extLst>
+          </p:cNvPr>
+          <p:cNvPicPr>
+            <a:picLocks noChangeAspect="1"/>
+          </p:cNvPicPr>
+          <p:nvPr/>
+        </p:nvPicPr>
+        <p:blipFill>
+          <a:blip r:embed="rId2"/>
+          <a:stretch>
+            <a:fillRect/>
+          </a:stretch>
+        </p:blipFill>
+        <p:spPr>
+          <a:xfrm>
+            <a:off x="0" y="2257425"/>
+            <a:ext cx="8210550" cy="4600575"/>
+          </a:xfrm>
+          <a:prstGeom prst="rect">
+            <a:avLst/>
+          </a:prstGeom>
+        </p:spPr>
+      </p:pic>
+      <p:sp>
+        <p:nvSpPr>
+          <p:cNvPr id="12" name="תיבת טקסט 11">
+            <a:extLst>
+              <a:ext uri="{FF2B5EF4-FFF2-40B4-BE49-F238E27FC236}">
+                <a16:creationId xmlns:a16="http://schemas.microsoft.com/office/drawing/2014/main" id="{77AF2D51-D00C-40F2-9B31-0894F6F09F0E}"/>
+              </a:ext>
+            </a:extLst>
+          </p:cNvPr>
+          <p:cNvSpPr txBox="1"/>
+          <p:nvPr/>
+        </p:nvSpPr>
+        <p:spPr>
+          <a:xfrm>
+            <a:off x="8361020" y="2257425"/>
+            <a:ext cx="3830980" cy="923330"/>
+          </a:xfrm>
+          <a:prstGeom prst="rect">
+            <a:avLst/>
+          </a:prstGeom>
+          <a:noFill/>
+        </p:spPr>
+        <p:txBody>
+          <a:bodyPr wrap="square" rtlCol="1">
+            <a:spAutoFit/>
+          </a:bodyPr>
+          <a:lstStyle/>
+          <a:p>
+            <a:pPr marL="285750" indent="-285750" algn="r" rtl="1">
+              <a:buFont typeface="Arial" panose="020B0604020202020204" pitchFamily="34" charset="0"/>
+              <a:buChar char="•"/>
+            </a:pPr>
+            <a:r>
+              <a:rPr lang="he-IL" dirty="0"/>
+              <a:t>לוח השנה בנוי כך שהמעבר של הזמן והפגישות ממוקמות מצד ימין לשמאל (לפי סדר הכתיבה בעברית).</a:t>
+            </a:r>
+          </a:p>
+        </p:txBody>
+      </p:sp>
+      <p:cxnSp>
+        <p:nvCxnSpPr>
+          <p:cNvPr id="5" name="מחבר חץ ישר 4">
+            <a:extLst>
+              <a:ext uri="{FF2B5EF4-FFF2-40B4-BE49-F238E27FC236}">
+                <a16:creationId xmlns:a16="http://schemas.microsoft.com/office/drawing/2014/main" id="{3133421B-8C58-408C-8386-659EE009EF4D}"/>
+              </a:ext>
+            </a:extLst>
+          </p:cNvPr>
+          <p:cNvCxnSpPr/>
+          <p:nvPr/>
+        </p:nvCxnSpPr>
+        <p:spPr>
+          <a:xfrm flipH="1">
+            <a:off x="1152144" y="4712678"/>
+            <a:ext cx="5980176" cy="0"/>
+          </a:xfrm>
+          <a:prstGeom prst="straightConnector1">
+            <a:avLst/>
+          </a:prstGeom>
+          <a:ln>
+            <a:headEnd type="triangle"/>
+            <a:tailEnd type="triangle"/>
+          </a:ln>
+        </p:spPr>
+        <p:style>
+          <a:lnRef idx="1">
+            <a:schemeClr val="accent1"/>
+          </a:lnRef>
+          <a:fillRef idx="0">
+            <a:schemeClr val="accent1"/>
+          </a:fillRef>
+          <a:effectRef idx="0">
+            <a:schemeClr val="accent1"/>
+          </a:effectRef>
+          <a:fontRef idx="minor">
+            <a:schemeClr val="tx1"/>
+          </a:fontRef>
+        </p:style>
+      </p:cxnSp>
+      <p:sp>
+        <p:nvSpPr>
+          <p:cNvPr id="13" name="תיבת טקסט 12">
+            <a:extLst>
+              <a:ext uri="{FF2B5EF4-FFF2-40B4-BE49-F238E27FC236}">
+                <a16:creationId xmlns:a16="http://schemas.microsoft.com/office/drawing/2014/main" id="{E18D7AFE-6819-46E8-91E9-7633BA2436D1}"/>
+              </a:ext>
+            </a:extLst>
+          </p:cNvPr>
+          <p:cNvSpPr txBox="1"/>
+          <p:nvPr/>
+        </p:nvSpPr>
+        <p:spPr>
+          <a:xfrm>
+            <a:off x="6344530" y="4343346"/>
+            <a:ext cx="787790" cy="369332"/>
+          </a:xfrm>
+          <a:prstGeom prst="rect">
+            <a:avLst/>
+          </a:prstGeom>
+          <a:noFill/>
+        </p:spPr>
+        <p:txBody>
+          <a:bodyPr wrap="square" rtlCol="1">
+            <a:spAutoFit/>
+          </a:bodyPr>
+          <a:lstStyle/>
+          <a:p>
+            <a:pPr algn="r"/>
+            <a:r>
+              <a:rPr lang="he-IL" dirty="0">
+                <a:solidFill>
+                  <a:srgbClr val="C00000"/>
+                </a:solidFill>
+              </a:rPr>
+              <a:t>עבר</a:t>
+            </a:r>
+          </a:p>
+        </p:txBody>
+      </p:sp>
+      <p:cxnSp>
+        <p:nvCxnSpPr>
+          <p:cNvPr id="15" name="מחבר ישר 14">
+            <a:extLst>
+              <a:ext uri="{FF2B5EF4-FFF2-40B4-BE49-F238E27FC236}">
+                <a16:creationId xmlns:a16="http://schemas.microsoft.com/office/drawing/2014/main" id="{C679A093-27E5-4BE4-A986-E68C743F804F}"/>
+              </a:ext>
+            </a:extLst>
+          </p:cNvPr>
+          <p:cNvCxnSpPr/>
+          <p:nvPr/>
+        </p:nvCxnSpPr>
+        <p:spPr>
+          <a:xfrm>
+            <a:off x="4142232" y="4712678"/>
+            <a:ext cx="0" cy="0"/>
+          </a:xfrm>
+          <a:prstGeom prst="line">
+            <a:avLst/>
+          </a:prstGeom>
+        </p:spPr>
+        <p:style>
+          <a:lnRef idx="1">
+            <a:schemeClr val="accent1"/>
+          </a:lnRef>
+          <a:fillRef idx="0">
+            <a:schemeClr val="accent1"/>
+          </a:fillRef>
+          <a:effectRef idx="0">
+            <a:schemeClr val="accent1"/>
+          </a:effectRef>
+          <a:fontRef idx="minor">
+            <a:schemeClr val="tx1"/>
+          </a:fontRef>
+        </p:style>
+      </p:cxnSp>
+      <p:cxnSp>
+        <p:nvCxnSpPr>
+          <p:cNvPr id="17" name="מחבר ישר 16">
+            <a:extLst>
+              <a:ext uri="{FF2B5EF4-FFF2-40B4-BE49-F238E27FC236}">
+                <a16:creationId xmlns:a16="http://schemas.microsoft.com/office/drawing/2014/main" id="{1079B52E-1461-48B2-9F6E-C88EBEBDC8D8}"/>
+              </a:ext>
+            </a:extLst>
+          </p:cNvPr>
+          <p:cNvCxnSpPr>
+            <a:cxnSpLocks/>
+          </p:cNvCxnSpPr>
+          <p:nvPr/>
+        </p:nvCxnSpPr>
+        <p:spPr>
+          <a:xfrm>
+            <a:off x="4105275" y="4557712"/>
+            <a:ext cx="0" cy="154966"/>
+          </a:xfrm>
+          <a:prstGeom prst="line">
+            <a:avLst/>
+          </a:prstGeom>
+        </p:spPr>
+        <p:style>
+          <a:lnRef idx="1">
+            <a:schemeClr val="accent1"/>
+          </a:lnRef>
+          <a:fillRef idx="0">
+            <a:schemeClr val="accent1"/>
+          </a:fillRef>
+          <a:effectRef idx="0">
+            <a:schemeClr val="accent1"/>
+          </a:effectRef>
+          <a:fontRef idx="minor">
+            <a:schemeClr val="tx1"/>
+          </a:fontRef>
+        </p:style>
+      </p:cxnSp>
+      <p:sp>
+        <p:nvSpPr>
+          <p:cNvPr id="21" name="תיבת טקסט 20">
+            <a:extLst>
+              <a:ext uri="{FF2B5EF4-FFF2-40B4-BE49-F238E27FC236}">
+                <a16:creationId xmlns:a16="http://schemas.microsoft.com/office/drawing/2014/main" id="{4EC281CE-1594-427B-9064-3DC2F005CB96}"/>
+              </a:ext>
+            </a:extLst>
+          </p:cNvPr>
+          <p:cNvSpPr txBox="1"/>
+          <p:nvPr/>
+        </p:nvSpPr>
+        <p:spPr>
+          <a:xfrm>
+            <a:off x="3584917" y="4158680"/>
+            <a:ext cx="787790" cy="369332"/>
+          </a:xfrm>
+          <a:prstGeom prst="rect">
+            <a:avLst/>
+          </a:prstGeom>
+          <a:noFill/>
+        </p:spPr>
+        <p:txBody>
+          <a:bodyPr wrap="square" rtlCol="1">
+            <a:spAutoFit/>
+          </a:bodyPr>
+          <a:lstStyle/>
+          <a:p>
+            <a:pPr algn="r"/>
+            <a:r>
+              <a:rPr lang="he-IL" dirty="0">
+                <a:solidFill>
+                  <a:srgbClr val="C00000"/>
+                </a:solidFill>
+              </a:rPr>
+              <a:t>הווה</a:t>
+            </a:r>
+          </a:p>
+        </p:txBody>
+      </p:sp>
+      <p:sp>
+        <p:nvSpPr>
+          <p:cNvPr id="22" name="תיבת טקסט 21">
+            <a:extLst>
+              <a:ext uri="{FF2B5EF4-FFF2-40B4-BE49-F238E27FC236}">
+                <a16:creationId xmlns:a16="http://schemas.microsoft.com/office/drawing/2014/main" id="{B260147D-5FCC-4F73-AAE8-C6EA39016CB7}"/>
+              </a:ext>
+            </a:extLst>
+          </p:cNvPr>
+          <p:cNvSpPr txBox="1"/>
+          <p:nvPr/>
+        </p:nvSpPr>
+        <p:spPr>
+          <a:xfrm>
+            <a:off x="1004669" y="4290462"/>
+            <a:ext cx="787790" cy="369332"/>
+          </a:xfrm>
+          <a:prstGeom prst="rect">
+            <a:avLst/>
+          </a:prstGeom>
+          <a:noFill/>
+        </p:spPr>
+        <p:txBody>
+          <a:bodyPr wrap="square" rtlCol="1">
+            <a:spAutoFit/>
+          </a:bodyPr>
+          <a:lstStyle/>
+          <a:p>
+            <a:pPr algn="r"/>
+            <a:r>
+              <a:rPr lang="he-IL" dirty="0">
+                <a:solidFill>
+                  <a:srgbClr val="C00000"/>
+                </a:solidFill>
+              </a:rPr>
+              <a:t>עתיד</a:t>
+            </a:r>
+          </a:p>
+        </p:txBody>
+      </p:sp>
+    </p:spTree>
+    <p:extLst>
+      <p:ext uri="{BB962C8B-B14F-4D97-AF65-F5344CB8AC3E}">
+        <p14:creationId xmlns:p14="http://schemas.microsoft.com/office/powerpoint/2010/main" val="1816347366"/>
+      </p:ext>
+    </p:extLst>
+  </p:cSld>
+  <p:clrMapOvr>
+    <a:masterClrMapping/>
+  </p:clrMapOvr>
+</p:sld>
+</file>
+
+<file path=ppt/slides/slide73.xml><?xml version="1.0" encoding="utf-8"?>
+<p:sld xmlns:a="http://schemas.openxmlformats.org/drawingml/2006/main" xmlns:r="http://schemas.openxmlformats.org/officeDocument/2006/relationships" xmlns:p="http://schemas.openxmlformats.org/presentationml/2006/main">
+  <p:cSld>
+    <p:spTree>
+      <p:nvGrpSpPr>
+        <p:cNvPr id="1" name=""/>
+        <p:cNvGrpSpPr/>
+        <p:nvPr/>
+      </p:nvGrpSpPr>
+      <p:grpSpPr>
+        <a:xfrm>
+          <a:off x="0" y="0"/>
+          <a:ext cx="0" cy="0"/>
+          <a:chOff x="0" y="0"/>
+          <a:chExt cx="0" cy="0"/>
+        </a:xfrm>
+      </p:grpSpPr>
+      <p:sp>
+        <p:nvSpPr>
           <p:cNvPr id="2" name="Title 1">
             <a:extLst>
               <a:ext uri="{FF2B5EF4-FFF2-40B4-BE49-F238E27FC236}">
@@ -33766,10 +34222,10 @@
       </p:cxnSp>
       <p:pic>
         <p:nvPicPr>
-          <p:cNvPr id="11" name="תמונה 10">
+          <p:cNvPr id="9" name="תמונה 8">
             <a:extLst>
               <a:ext uri="{FF2B5EF4-FFF2-40B4-BE49-F238E27FC236}">
-                <a16:creationId xmlns:a16="http://schemas.microsoft.com/office/drawing/2014/main" id="{29878191-761A-4093-8102-7EE9E370FBC4}"/>
+                <a16:creationId xmlns:a16="http://schemas.microsoft.com/office/drawing/2014/main" id="{60C89A37-2CB6-4724-AE86-485B0E75F1ED}"/>
               </a:ext>
             </a:extLst>
           </p:cNvPr>
@@ -33786,8 +34242,8 @@
         </p:blipFill>
         <p:spPr>
           <a:xfrm>
-            <a:off x="0" y="2328127"/>
-            <a:ext cx="8060788" cy="4529874"/>
+            <a:off x="0" y="3132306"/>
+            <a:ext cx="6623456" cy="3725694"/>
           </a:xfrm>
           <a:prstGeom prst="rect">
             <a:avLst/>
@@ -33796,22 +34252,22 @@
       </p:pic>
       <p:cxnSp>
         <p:nvCxnSpPr>
-          <p:cNvPr id="6" name="מחבר ישר 5">
+          <p:cNvPr id="10" name="מחבר ישר 9">
             <a:extLst>
               <a:ext uri="{FF2B5EF4-FFF2-40B4-BE49-F238E27FC236}">
-                <a16:creationId xmlns:a16="http://schemas.microsoft.com/office/drawing/2014/main" id="{C97B8B9E-511F-437D-A6A1-0CDA55A9C098}"/>
+                <a16:creationId xmlns:a16="http://schemas.microsoft.com/office/drawing/2014/main" id="{02953174-665F-40BE-820A-A612FC60D3AC}"/>
               </a:ext>
             </a:extLst>
           </p:cNvPr>
           <p:cNvCxnSpPr>
-            <a:endCxn id="11" idx="2"/>
+            <a:cxnSpLocks/>
           </p:cNvCxnSpPr>
           <p:nvPr/>
         </p:nvCxnSpPr>
         <p:spPr>
           <a:xfrm>
-            <a:off x="4009292" y="2869809"/>
-            <a:ext cx="21102" cy="3988192"/>
+            <a:off x="2757776" y="3429000"/>
+            <a:ext cx="0" cy="3416781"/>
           </a:xfrm>
           <a:prstGeom prst="line">
             <a:avLst/>
@@ -33834,20 +34290,22 @@
       </p:cxnSp>
       <p:cxnSp>
         <p:nvCxnSpPr>
-          <p:cNvPr id="8" name="מחבר ישר 7">
+          <p:cNvPr id="13" name="מחבר ישר 12">
             <a:extLst>
               <a:ext uri="{FF2B5EF4-FFF2-40B4-BE49-F238E27FC236}">
-                <a16:creationId xmlns:a16="http://schemas.microsoft.com/office/drawing/2014/main" id="{27BBCB68-329B-4B19-A8F6-B4E111045CC0}"/>
+                <a16:creationId xmlns:a16="http://schemas.microsoft.com/office/drawing/2014/main" id="{A6503391-577D-46C7-9A40-A13F6E51AE3C}"/>
               </a:ext>
             </a:extLst>
           </p:cNvPr>
-          <p:cNvCxnSpPr/>
+          <p:cNvCxnSpPr>
+            <a:cxnSpLocks/>
+          </p:cNvCxnSpPr>
           <p:nvPr/>
         </p:nvCxnSpPr>
         <p:spPr>
           <a:xfrm>
-            <a:off x="0" y="4895557"/>
-            <a:ext cx="8060788" cy="0"/>
+            <a:off x="0" y="5611994"/>
+            <a:ext cx="6623456" cy="0"/>
           </a:xfrm>
           <a:prstGeom prst="line">
             <a:avLst/>
@@ -33881,7 +34339,7 @@
 </p:sld>
 </file>
 
-<file path=ppt/slides/slide71.xml><?xml version="1.0" encoding="utf-8"?>
+<file path=ppt/slides/slide74.xml><?xml version="1.0" encoding="utf-8"?>
 <p:sld xmlns:a="http://schemas.openxmlformats.org/drawingml/2006/main" xmlns:r="http://schemas.openxmlformats.org/officeDocument/2006/relationships" xmlns:p="http://schemas.openxmlformats.org/presentationml/2006/main">
   <p:cSld>
     <p:spTree>

--- a/ux_course/מצגת סופית להגשה.pptx
+++ b/ux_course/מצגת סופית להגשה.pptx
@@ -5,7 +5,7 @@
     <p:sldMasterId id="2147483828" r:id="rId1"/>
   </p:sldMasterIdLst>
   <p:notesMasterIdLst>
-    <p:notesMasterId r:id="rId76"/>
+    <p:notesMasterId r:id="rId81"/>
   </p:notesMasterIdLst>
   <p:sldIdLst>
     <p:sldId id="262" r:id="rId2"/>
@@ -71,17 +71,22 @@
     <p:sldId id="306" r:id="rId62"/>
     <p:sldId id="296" r:id="rId63"/>
     <p:sldId id="295" r:id="rId64"/>
-    <p:sldId id="311" r:id="rId65"/>
-    <p:sldId id="313" r:id="rId66"/>
-    <p:sldId id="314" r:id="rId67"/>
-    <p:sldId id="315" r:id="rId68"/>
-    <p:sldId id="323" r:id="rId69"/>
-    <p:sldId id="324" r:id="rId70"/>
-    <p:sldId id="316" r:id="rId71"/>
-    <p:sldId id="325" r:id="rId72"/>
-    <p:sldId id="326" r:id="rId73"/>
-    <p:sldId id="327" r:id="rId74"/>
-    <p:sldId id="328" r:id="rId75"/>
+    <p:sldId id="335" r:id="rId65"/>
+    <p:sldId id="336" r:id="rId66"/>
+    <p:sldId id="337" r:id="rId67"/>
+    <p:sldId id="338" r:id="rId68"/>
+    <p:sldId id="339" r:id="rId69"/>
+    <p:sldId id="311" r:id="rId70"/>
+    <p:sldId id="313" r:id="rId71"/>
+    <p:sldId id="314" r:id="rId72"/>
+    <p:sldId id="315" r:id="rId73"/>
+    <p:sldId id="323" r:id="rId74"/>
+    <p:sldId id="324" r:id="rId75"/>
+    <p:sldId id="316" r:id="rId76"/>
+    <p:sldId id="325" r:id="rId77"/>
+    <p:sldId id="326" r:id="rId78"/>
+    <p:sldId id="327" r:id="rId79"/>
+    <p:sldId id="328" r:id="rId80"/>
   </p:sldIdLst>
   <p:sldSz cx="12192000" cy="6858000"/>
   <p:notesSz cx="6858000" cy="9144000"/>
@@ -270,7 +275,7 @@
           <a:p>
             <a:fld id="{EECBF3D3-3F3C-4185-B7B9-1B22B8E19755}" type="datetimeFigureOut">
               <a:rPr lang="en-US" smtClean="0"/>
-              <a:t>8/29/2019</a:t>
+              <a:t>8/30/2019</a:t>
             </a:fld>
             <a:endParaRPr lang="en-US"/>
           </a:p>
@@ -1213,7 +1218,7 @@
           <a:p>
             <a:fld id="{C4112ACB-F900-457F-BFCF-7AFE3E0F446C}" type="datetimeFigureOut">
               <a:rPr lang="en-US" smtClean="0"/>
-              <a:t>8/29/2019</a:t>
+              <a:t>8/30/2019</a:t>
             </a:fld>
             <a:endParaRPr lang="en-US"/>
           </a:p>
@@ -2195,7 +2200,7 @@
           <a:p>
             <a:fld id="{C4112ACB-F900-457F-BFCF-7AFE3E0F446C}" type="datetimeFigureOut">
               <a:rPr lang="en-US" smtClean="0"/>
-              <a:t>8/29/2019</a:t>
+              <a:t>8/30/2019</a:t>
             </a:fld>
             <a:endParaRPr lang="en-US"/>
           </a:p>
@@ -3065,7 +3070,7 @@
           <a:p>
             <a:fld id="{C4112ACB-F900-457F-BFCF-7AFE3E0F446C}" type="datetimeFigureOut">
               <a:rPr lang="en-US" smtClean="0"/>
-              <a:t>8/29/2019</a:t>
+              <a:t>8/30/2019</a:t>
             </a:fld>
             <a:endParaRPr lang="en-US"/>
           </a:p>
@@ -4086,7 +4091,7 @@
           <a:p>
             <a:fld id="{C4112ACB-F900-457F-BFCF-7AFE3E0F446C}" type="datetimeFigureOut">
               <a:rPr lang="en-US" smtClean="0"/>
-              <a:t>8/29/2019</a:t>
+              <a:t>8/30/2019</a:t>
             </a:fld>
             <a:endParaRPr lang="en-US"/>
           </a:p>
@@ -5006,7 +5011,7 @@
           <a:p>
             <a:fld id="{C4112ACB-F900-457F-BFCF-7AFE3E0F446C}" type="datetimeFigureOut">
               <a:rPr lang="en-US" smtClean="0"/>
-              <a:t>8/29/2019</a:t>
+              <a:t>8/30/2019</a:t>
             </a:fld>
             <a:endParaRPr lang="en-US"/>
           </a:p>
@@ -5662,7 +5667,7 @@
           <a:p>
             <a:fld id="{C4112ACB-F900-457F-BFCF-7AFE3E0F446C}" type="datetimeFigureOut">
               <a:rPr lang="en-US" smtClean="0"/>
-              <a:t>8/29/2019</a:t>
+              <a:t>8/30/2019</a:t>
             </a:fld>
             <a:endParaRPr lang="en-US"/>
           </a:p>
@@ -6519,7 +6524,7 @@
           <a:p>
             <a:fld id="{C4112ACB-F900-457F-BFCF-7AFE3E0F446C}" type="datetimeFigureOut">
               <a:rPr lang="en-US" smtClean="0"/>
-              <a:t>8/29/2019</a:t>
+              <a:t>8/30/2019</a:t>
             </a:fld>
             <a:endParaRPr lang="en-US"/>
           </a:p>
@@ -6702,7 +6707,7 @@
           <a:p>
             <a:fld id="{C4112ACB-F900-457F-BFCF-7AFE3E0F446C}" type="datetimeFigureOut">
               <a:rPr lang="en-US" smtClean="0"/>
-              <a:t>8/29/2019</a:t>
+              <a:t>8/30/2019</a:t>
             </a:fld>
             <a:endParaRPr lang="en-US"/>
           </a:p>
@@ -7559,7 +7564,7 @@
           <a:p>
             <a:fld id="{C4112ACB-F900-457F-BFCF-7AFE3E0F446C}" type="datetimeFigureOut">
               <a:rPr lang="en-US" smtClean="0"/>
-              <a:t>8/29/2019</a:t>
+              <a:t>8/30/2019</a:t>
             </a:fld>
             <a:endParaRPr lang="en-US"/>
           </a:p>
@@ -7778,7 +7783,7 @@
           <a:p>
             <a:fld id="{C4112ACB-F900-457F-BFCF-7AFE3E0F446C}" type="datetimeFigureOut">
               <a:rPr lang="en-US" smtClean="0"/>
-              <a:t>8/29/2019</a:t>
+              <a:t>8/30/2019</a:t>
             </a:fld>
             <a:endParaRPr lang="en-US"/>
           </a:p>
@@ -8703,7 +8708,7 @@
           <a:p>
             <a:fld id="{C4112ACB-F900-457F-BFCF-7AFE3E0F446C}" type="datetimeFigureOut">
               <a:rPr lang="en-US" smtClean="0"/>
-              <a:t>8/29/2019</a:t>
+              <a:t>8/30/2019</a:t>
             </a:fld>
             <a:endParaRPr lang="en-US"/>
           </a:p>
@@ -8987,7 +8992,7 @@
           <a:p>
             <a:fld id="{C4112ACB-F900-457F-BFCF-7AFE3E0F446C}" type="datetimeFigureOut">
               <a:rPr lang="en-US" smtClean="0"/>
-              <a:t>8/29/2019</a:t>
+              <a:t>8/30/2019</a:t>
             </a:fld>
             <a:endParaRPr lang="en-US"/>
           </a:p>
@@ -9377,7 +9382,7 @@
           <a:p>
             <a:fld id="{C4112ACB-F900-457F-BFCF-7AFE3E0F446C}" type="datetimeFigureOut">
               <a:rPr lang="en-US" smtClean="0"/>
-              <a:t>8/29/2019</a:t>
+              <a:t>8/30/2019</a:t>
             </a:fld>
             <a:endParaRPr lang="en-US"/>
           </a:p>
@@ -9503,7 +9508,7 @@
           <a:p>
             <a:fld id="{C4112ACB-F900-457F-BFCF-7AFE3E0F446C}" type="datetimeFigureOut">
               <a:rPr lang="en-US" smtClean="0"/>
-              <a:t>8/29/2019</a:t>
+              <a:t>8/30/2019</a:t>
             </a:fld>
             <a:endParaRPr lang="en-US"/>
           </a:p>
@@ -9598,7 +9603,7 @@
           <a:p>
             <a:fld id="{C4112ACB-F900-457F-BFCF-7AFE3E0F446C}" type="datetimeFigureOut">
               <a:rPr lang="en-US" smtClean="0"/>
-              <a:t>8/29/2019</a:t>
+              <a:t>8/30/2019</a:t>
             </a:fld>
             <a:endParaRPr lang="en-US"/>
           </a:p>
@@ -10569,7 +10574,7 @@
           <a:p>
             <a:fld id="{C4112ACB-F900-457F-BFCF-7AFE3E0F446C}" type="datetimeFigureOut">
               <a:rPr lang="en-US" smtClean="0"/>
-              <a:t>8/29/2019</a:t>
+              <a:t>8/30/2019</a:t>
             </a:fld>
             <a:endParaRPr lang="en-US"/>
           </a:p>
@@ -11564,7 +11569,7 @@
           <a:p>
             <a:fld id="{C4112ACB-F900-457F-BFCF-7AFE3E0F446C}" type="datetimeFigureOut">
               <a:rPr lang="en-US" smtClean="0"/>
-              <a:t>8/29/2019</a:t>
+              <a:t>8/30/2019</a:t>
             </a:fld>
             <a:endParaRPr lang="en-US"/>
           </a:p>
@@ -12448,7 +12453,7 @@
           <a:p>
             <a:fld id="{C4112ACB-F900-457F-BFCF-7AFE3E0F446C}" type="datetimeFigureOut">
               <a:rPr lang="en-US" smtClean="0"/>
-              <a:t>8/29/2019</a:t>
+              <a:t>8/30/2019</a:t>
             </a:fld>
             <a:endParaRPr lang="en-US"/>
           </a:p>
@@ -27209,6 +27214,1517 @@
       </p:grpSpPr>
       <p:sp>
         <p:nvSpPr>
+          <p:cNvPr id="2" name="Title 1">
+            <a:extLst>
+              <a:ext uri="{FF2B5EF4-FFF2-40B4-BE49-F238E27FC236}">
+                <a16:creationId xmlns:a16="http://schemas.microsoft.com/office/drawing/2014/main" id="{F2E75ACD-C303-46DD-8FB4-27FC6A409857}"/>
+              </a:ext>
+            </a:extLst>
+          </p:cNvPr>
+          <p:cNvSpPr>
+            <a:spLocks noGrp="1"/>
+          </p:cNvSpPr>
+          <p:nvPr>
+            <p:ph type="title"/>
+          </p:nvPr>
+        </p:nvSpPr>
+        <p:spPr/>
+        <p:txBody>
+          <a:bodyPr/>
+          <a:lstStyle/>
+          <a:p>
+            <a:pPr algn="ctr"/>
+            <a:r>
+              <a:rPr lang="he-IL" sz="4800" dirty="0"/>
+              <a:t>מסך הבית</a:t>
+            </a:r>
+            <a:endParaRPr lang="en-US" sz="4800" dirty="0"/>
+          </a:p>
+        </p:txBody>
+      </p:sp>
+      <p:sp>
+        <p:nvSpPr>
+          <p:cNvPr id="27" name="TextBox 26">
+            <a:extLst>
+              <a:ext uri="{FF2B5EF4-FFF2-40B4-BE49-F238E27FC236}">
+                <a16:creationId xmlns:a16="http://schemas.microsoft.com/office/drawing/2014/main" id="{793931D8-69E6-451B-8BCE-EC76158083DE}"/>
+              </a:ext>
+            </a:extLst>
+          </p:cNvPr>
+          <p:cNvSpPr txBox="1"/>
+          <p:nvPr/>
+        </p:nvSpPr>
+        <p:spPr>
+          <a:xfrm>
+            <a:off x="6704846" y="2664995"/>
+            <a:ext cx="5193437" cy="1481881"/>
+          </a:xfrm>
+          <a:prstGeom prst="rect">
+            <a:avLst/>
+          </a:prstGeom>
+          <a:noFill/>
+        </p:spPr>
+        <p:txBody>
+          <a:bodyPr wrap="square" rtlCol="0">
+            <a:spAutoFit/>
+          </a:bodyPr>
+          <a:lstStyle/>
+          <a:p>
+            <a:pPr marL="285750" indent="-285750" algn="r" rtl="1">
+              <a:lnSpc>
+                <a:spcPct val="150000"/>
+              </a:lnSpc>
+              <a:buFont typeface="Arial" panose="020B0604020202020204" pitchFamily="34" charset="0"/>
+              <a:buChar char="•"/>
+            </a:pPr>
+            <a:r>
+              <a:rPr lang="he-IL" sz="1600" dirty="0"/>
+              <a:t>הבעיה הבאה איתה התמודדנו היא שאין דרך לעבור בין החודשים לחודש שאינו החודש הונכחי</a:t>
+            </a:r>
+            <a:r>
+              <a:rPr lang="he-IL" sz="1600" b="1" dirty="0"/>
+              <a:t>(פגיעה בשליטה וחופש של המשתמש)</a:t>
+            </a:r>
+          </a:p>
+          <a:p>
+            <a:pPr marL="285750" indent="-285750" algn="r" rtl="1">
+              <a:lnSpc>
+                <a:spcPct val="150000"/>
+              </a:lnSpc>
+              <a:buFont typeface="Arial" panose="020B0604020202020204" pitchFamily="34" charset="0"/>
+              <a:buChar char="•"/>
+            </a:pPr>
+            <a:endParaRPr lang="en-US" sz="1400" b="1" dirty="0"/>
+          </a:p>
+        </p:txBody>
+      </p:sp>
+      <p:pic>
+        <p:nvPicPr>
+          <p:cNvPr id="4" name="Picture 3">
+            <a:extLst>
+              <a:ext uri="{FF2B5EF4-FFF2-40B4-BE49-F238E27FC236}">
+                <a16:creationId xmlns:a16="http://schemas.microsoft.com/office/drawing/2014/main" id="{4B83C5ED-D84A-480D-93A0-B902ADC65D2C}"/>
+              </a:ext>
+            </a:extLst>
+          </p:cNvPr>
+          <p:cNvPicPr>
+            <a:picLocks noChangeAspect="1"/>
+          </p:cNvPicPr>
+          <p:nvPr/>
+        </p:nvPicPr>
+        <p:blipFill>
+          <a:blip r:embed="rId2"/>
+          <a:stretch>
+            <a:fillRect/>
+          </a:stretch>
+        </p:blipFill>
+        <p:spPr>
+          <a:xfrm>
+            <a:off x="543619" y="2544284"/>
+            <a:ext cx="5712284" cy="3650776"/>
+          </a:xfrm>
+          <a:prstGeom prst="rect">
+            <a:avLst/>
+          </a:prstGeom>
+        </p:spPr>
+      </p:pic>
+      <p:sp>
+        <p:nvSpPr>
+          <p:cNvPr id="5" name="Rectangle 4">
+            <a:extLst>
+              <a:ext uri="{FF2B5EF4-FFF2-40B4-BE49-F238E27FC236}">
+                <a16:creationId xmlns:a16="http://schemas.microsoft.com/office/drawing/2014/main" id="{EDCEBE16-4C3A-4875-B792-9D51AAB3E2D1}"/>
+              </a:ext>
+            </a:extLst>
+          </p:cNvPr>
+          <p:cNvSpPr/>
+          <p:nvPr/>
+        </p:nvSpPr>
+        <p:spPr>
+          <a:xfrm>
+            <a:off x="3680460" y="2664995"/>
+            <a:ext cx="891540" cy="230605"/>
+          </a:xfrm>
+          <a:prstGeom prst="rect">
+            <a:avLst/>
+          </a:prstGeom>
+          <a:solidFill>
+            <a:srgbClr val="B4D0E7"/>
+          </a:solidFill>
+          <a:ln>
+            <a:solidFill>
+              <a:srgbClr val="B4D0E7"/>
+            </a:solidFill>
+          </a:ln>
+        </p:spPr>
+        <p:style>
+          <a:lnRef idx="2">
+            <a:schemeClr val="accent1">
+              <a:shade val="50000"/>
+            </a:schemeClr>
+          </a:lnRef>
+          <a:fillRef idx="1">
+            <a:schemeClr val="accent1"/>
+          </a:fillRef>
+          <a:effectRef idx="0">
+            <a:schemeClr val="accent1"/>
+          </a:effectRef>
+          <a:fontRef idx="minor">
+            <a:schemeClr val="lt1"/>
+          </a:fontRef>
+        </p:style>
+        <p:txBody>
+          <a:bodyPr rtlCol="0" anchor="ctr"/>
+          <a:lstStyle/>
+          <a:p>
+            <a:pPr algn="ctr"/>
+            <a:endParaRPr lang="en-US"/>
+          </a:p>
+        </p:txBody>
+      </p:sp>
+      <p:sp>
+        <p:nvSpPr>
+          <p:cNvPr id="35" name="TextBox 34">
+            <a:extLst>
+              <a:ext uri="{FF2B5EF4-FFF2-40B4-BE49-F238E27FC236}">
+                <a16:creationId xmlns:a16="http://schemas.microsoft.com/office/drawing/2014/main" id="{7C3E669C-908E-4F18-B085-F8B8E4F63DA5}"/>
+              </a:ext>
+            </a:extLst>
+          </p:cNvPr>
+          <p:cNvSpPr txBox="1"/>
+          <p:nvPr/>
+        </p:nvSpPr>
+        <p:spPr>
+          <a:xfrm>
+            <a:off x="5149258" y="2983737"/>
+            <a:ext cx="755229" cy="276999"/>
+          </a:xfrm>
+          <a:prstGeom prst="rect">
+            <a:avLst/>
+          </a:prstGeom>
+          <a:noFill/>
+        </p:spPr>
+        <p:txBody>
+          <a:bodyPr wrap="square" rtlCol="0">
+            <a:noAutofit/>
+          </a:bodyPr>
+          <a:lstStyle/>
+          <a:p>
+            <a:pPr algn="ctr"/>
+            <a:r>
+              <a:rPr lang="he-IL" sz="1400" dirty="0"/>
+              <a:t>נובמבר</a:t>
+            </a:r>
+            <a:endParaRPr lang="en-US" sz="2400" dirty="0"/>
+          </a:p>
+        </p:txBody>
+      </p:sp>
+      <p:pic>
+        <p:nvPicPr>
+          <p:cNvPr id="36" name="Picture 2" descr="Image result for Calendar icon web">
+            <a:extLst>
+              <a:ext uri="{FF2B5EF4-FFF2-40B4-BE49-F238E27FC236}">
+                <a16:creationId xmlns:a16="http://schemas.microsoft.com/office/drawing/2014/main" id="{1E6B3E9C-74C1-4090-A466-42E36CE65B15}"/>
+              </a:ext>
+            </a:extLst>
+          </p:cNvPr>
+          <p:cNvPicPr>
+            <a:picLocks noChangeAspect="1" noChangeArrowheads="1"/>
+          </p:cNvPicPr>
+          <p:nvPr/>
+        </p:nvPicPr>
+        <p:blipFill>
+          <a:blip r:embed="rId3">
+            <a:extLst>
+              <a:ext uri="{28A0092B-C50C-407E-A947-70E740481C1C}">
+                <a14:useLocalDpi xmlns:a14="http://schemas.microsoft.com/office/drawing/2010/main" val="0"/>
+              </a:ext>
+            </a:extLst>
+          </a:blip>
+          <a:srcRect/>
+          <a:stretch>
+            <a:fillRect/>
+          </a:stretch>
+        </p:blipFill>
+        <p:spPr bwMode="auto">
+          <a:xfrm>
+            <a:off x="5811095" y="3030797"/>
+            <a:ext cx="228600" cy="228600"/>
+          </a:xfrm>
+          <a:prstGeom prst="rect">
+            <a:avLst/>
+          </a:prstGeom>
+          <a:noFill/>
+          <a:extLst>
+            <a:ext uri="{909E8E84-426E-40DD-AFC4-6F175D3DCCD1}">
+              <a14:hiddenFill xmlns:a14="http://schemas.microsoft.com/office/drawing/2010/main">
+                <a:solidFill>
+                  <a:srgbClr val="FFFFFF"/>
+                </a:solidFill>
+              </a14:hiddenFill>
+            </a:ext>
+          </a:extLst>
+        </p:spPr>
+      </p:pic>
+    </p:spTree>
+    <p:extLst>
+      <p:ext uri="{BB962C8B-B14F-4D97-AF65-F5344CB8AC3E}">
+        <p14:creationId xmlns:p14="http://schemas.microsoft.com/office/powerpoint/2010/main" val="3916111678"/>
+      </p:ext>
+    </p:extLst>
+  </p:cSld>
+  <p:clrMapOvr>
+    <a:masterClrMapping/>
+  </p:clrMapOvr>
+</p:sld>
+</file>
+
+<file path=ppt/slides/slide65.xml><?xml version="1.0" encoding="utf-8"?>
+<p:sld xmlns:a="http://schemas.openxmlformats.org/drawingml/2006/main" xmlns:r="http://schemas.openxmlformats.org/officeDocument/2006/relationships" xmlns:p="http://schemas.openxmlformats.org/presentationml/2006/main">
+  <p:cSld>
+    <p:spTree>
+      <p:nvGrpSpPr>
+        <p:cNvPr id="1" name=""/>
+        <p:cNvGrpSpPr/>
+        <p:nvPr/>
+      </p:nvGrpSpPr>
+      <p:grpSpPr>
+        <a:xfrm>
+          <a:off x="0" y="0"/>
+          <a:ext cx="0" cy="0"/>
+          <a:chOff x="0" y="0"/>
+          <a:chExt cx="0" cy="0"/>
+        </a:xfrm>
+      </p:grpSpPr>
+      <p:sp>
+        <p:nvSpPr>
+          <p:cNvPr id="2" name="Title 1">
+            <a:extLst>
+              <a:ext uri="{FF2B5EF4-FFF2-40B4-BE49-F238E27FC236}">
+                <a16:creationId xmlns:a16="http://schemas.microsoft.com/office/drawing/2014/main" id="{F2E75ACD-C303-46DD-8FB4-27FC6A409857}"/>
+              </a:ext>
+            </a:extLst>
+          </p:cNvPr>
+          <p:cNvSpPr>
+            <a:spLocks noGrp="1"/>
+          </p:cNvSpPr>
+          <p:nvPr>
+            <p:ph type="title"/>
+          </p:nvPr>
+        </p:nvSpPr>
+        <p:spPr/>
+        <p:txBody>
+          <a:bodyPr/>
+          <a:lstStyle/>
+          <a:p>
+            <a:pPr algn="ctr"/>
+            <a:r>
+              <a:rPr lang="he-IL" sz="4800" dirty="0"/>
+              <a:t>מסך הבית</a:t>
+            </a:r>
+            <a:endParaRPr lang="en-US" sz="4800" dirty="0"/>
+          </a:p>
+        </p:txBody>
+      </p:sp>
+      <p:sp>
+        <p:nvSpPr>
+          <p:cNvPr id="27" name="TextBox 26">
+            <a:extLst>
+              <a:ext uri="{FF2B5EF4-FFF2-40B4-BE49-F238E27FC236}">
+                <a16:creationId xmlns:a16="http://schemas.microsoft.com/office/drawing/2014/main" id="{793931D8-69E6-451B-8BCE-EC76158083DE}"/>
+              </a:ext>
+            </a:extLst>
+          </p:cNvPr>
+          <p:cNvSpPr txBox="1"/>
+          <p:nvPr/>
+        </p:nvSpPr>
+        <p:spPr>
+          <a:xfrm>
+            <a:off x="6704846" y="2664995"/>
+            <a:ext cx="5193437" cy="1523815"/>
+          </a:xfrm>
+          <a:prstGeom prst="rect">
+            <a:avLst/>
+          </a:prstGeom>
+          <a:noFill/>
+        </p:spPr>
+        <p:txBody>
+          <a:bodyPr wrap="square" rtlCol="0">
+            <a:spAutoFit/>
+          </a:bodyPr>
+          <a:lstStyle/>
+          <a:p>
+            <a:pPr marL="285750" indent="-285750" algn="r" rtl="1">
+              <a:lnSpc>
+                <a:spcPct val="150000"/>
+              </a:lnSpc>
+              <a:buFont typeface="Arial" panose="020B0604020202020204" pitchFamily="34" charset="0"/>
+              <a:buChar char="•"/>
+            </a:pPr>
+            <a:r>
+              <a:rPr lang="he-IL" sz="1600" dirty="0"/>
+              <a:t>בעיה זו פתרנו ע"י הוספת אופציות דפדוף בין החודשים קדימה ואחורה. ניתן לראות שהחודשים הם בהתאם לכיוון הכתיבה של ושיש חצים שייתראו בצורה אינטואיטיבית את הפעולה (זיהוי במקום היזכרות)</a:t>
+            </a:r>
+            <a:endParaRPr lang="en-US" sz="1400" dirty="0"/>
+          </a:p>
+        </p:txBody>
+      </p:sp>
+      <p:sp>
+        <p:nvSpPr>
+          <p:cNvPr id="5" name="Rectangle 4">
+            <a:extLst>
+              <a:ext uri="{FF2B5EF4-FFF2-40B4-BE49-F238E27FC236}">
+                <a16:creationId xmlns:a16="http://schemas.microsoft.com/office/drawing/2014/main" id="{EDCEBE16-4C3A-4875-B792-9D51AAB3E2D1}"/>
+              </a:ext>
+            </a:extLst>
+          </p:cNvPr>
+          <p:cNvSpPr/>
+          <p:nvPr/>
+        </p:nvSpPr>
+        <p:spPr>
+          <a:xfrm>
+            <a:off x="3680460" y="2664995"/>
+            <a:ext cx="891540" cy="230605"/>
+          </a:xfrm>
+          <a:prstGeom prst="rect">
+            <a:avLst/>
+          </a:prstGeom>
+          <a:solidFill>
+            <a:srgbClr val="B4D0E7"/>
+          </a:solidFill>
+          <a:ln>
+            <a:solidFill>
+              <a:srgbClr val="B4D0E7"/>
+            </a:solidFill>
+          </a:ln>
+        </p:spPr>
+        <p:style>
+          <a:lnRef idx="2">
+            <a:schemeClr val="accent1">
+              <a:shade val="50000"/>
+            </a:schemeClr>
+          </a:lnRef>
+          <a:fillRef idx="1">
+            <a:schemeClr val="accent1"/>
+          </a:fillRef>
+          <a:effectRef idx="0">
+            <a:schemeClr val="accent1"/>
+          </a:effectRef>
+          <a:fontRef idx="minor">
+            <a:schemeClr val="lt1"/>
+          </a:fontRef>
+        </p:style>
+        <p:txBody>
+          <a:bodyPr rtlCol="0" anchor="ctr"/>
+          <a:lstStyle/>
+          <a:p>
+            <a:pPr algn="ctr"/>
+            <a:endParaRPr lang="en-US"/>
+          </a:p>
+        </p:txBody>
+      </p:sp>
+      <p:sp>
+        <p:nvSpPr>
+          <p:cNvPr id="35" name="TextBox 34">
+            <a:extLst>
+              <a:ext uri="{FF2B5EF4-FFF2-40B4-BE49-F238E27FC236}">
+                <a16:creationId xmlns:a16="http://schemas.microsoft.com/office/drawing/2014/main" id="{7C3E669C-908E-4F18-B085-F8B8E4F63DA5}"/>
+              </a:ext>
+            </a:extLst>
+          </p:cNvPr>
+          <p:cNvSpPr txBox="1"/>
+          <p:nvPr/>
+        </p:nvSpPr>
+        <p:spPr>
+          <a:xfrm>
+            <a:off x="5149258" y="2983737"/>
+            <a:ext cx="755229" cy="276999"/>
+          </a:xfrm>
+          <a:prstGeom prst="rect">
+            <a:avLst/>
+          </a:prstGeom>
+          <a:noFill/>
+        </p:spPr>
+        <p:txBody>
+          <a:bodyPr wrap="square" rtlCol="0">
+            <a:noAutofit/>
+          </a:bodyPr>
+          <a:lstStyle/>
+          <a:p>
+            <a:pPr algn="ctr"/>
+            <a:r>
+              <a:rPr lang="he-IL" sz="1400" dirty="0"/>
+              <a:t>נובמבר</a:t>
+            </a:r>
+            <a:endParaRPr lang="en-US" sz="2400" dirty="0"/>
+          </a:p>
+        </p:txBody>
+      </p:sp>
+      <p:pic>
+        <p:nvPicPr>
+          <p:cNvPr id="36" name="Picture 2" descr="Image result for Calendar icon web">
+            <a:extLst>
+              <a:ext uri="{FF2B5EF4-FFF2-40B4-BE49-F238E27FC236}">
+                <a16:creationId xmlns:a16="http://schemas.microsoft.com/office/drawing/2014/main" id="{1E6B3E9C-74C1-4090-A466-42E36CE65B15}"/>
+              </a:ext>
+            </a:extLst>
+          </p:cNvPr>
+          <p:cNvPicPr>
+            <a:picLocks noChangeAspect="1" noChangeArrowheads="1"/>
+          </p:cNvPicPr>
+          <p:nvPr/>
+        </p:nvPicPr>
+        <p:blipFill>
+          <a:blip r:embed="rId2">
+            <a:extLst>
+              <a:ext uri="{28A0092B-C50C-407E-A947-70E740481C1C}">
+                <a14:useLocalDpi xmlns:a14="http://schemas.microsoft.com/office/drawing/2010/main" val="0"/>
+              </a:ext>
+            </a:extLst>
+          </a:blip>
+          <a:srcRect/>
+          <a:stretch>
+            <a:fillRect/>
+          </a:stretch>
+        </p:blipFill>
+        <p:spPr bwMode="auto">
+          <a:xfrm>
+            <a:off x="5811095" y="3030797"/>
+            <a:ext cx="228600" cy="228600"/>
+          </a:xfrm>
+          <a:prstGeom prst="rect">
+            <a:avLst/>
+          </a:prstGeom>
+          <a:noFill/>
+          <a:extLst>
+            <a:ext uri="{909E8E84-426E-40DD-AFC4-6F175D3DCCD1}">
+              <a14:hiddenFill xmlns:a14="http://schemas.microsoft.com/office/drawing/2010/main">
+                <a:solidFill>
+                  <a:srgbClr val="FFFFFF"/>
+                </a:solidFill>
+              </a14:hiddenFill>
+            </a:ext>
+          </a:extLst>
+        </p:spPr>
+      </p:pic>
+      <p:pic>
+        <p:nvPicPr>
+          <p:cNvPr id="3" name="Picture 2">
+            <a:extLst>
+              <a:ext uri="{FF2B5EF4-FFF2-40B4-BE49-F238E27FC236}">
+                <a16:creationId xmlns:a16="http://schemas.microsoft.com/office/drawing/2014/main" id="{A4EDC44B-BD7D-4650-A348-E8578ACAA0ED}"/>
+              </a:ext>
+            </a:extLst>
+          </p:cNvPr>
+          <p:cNvPicPr>
+            <a:picLocks noChangeAspect="1"/>
+          </p:cNvPicPr>
+          <p:nvPr/>
+        </p:nvPicPr>
+        <p:blipFill>
+          <a:blip r:embed="rId3"/>
+          <a:stretch>
+            <a:fillRect/>
+          </a:stretch>
+        </p:blipFill>
+        <p:spPr>
+          <a:xfrm>
+            <a:off x="588223" y="2577802"/>
+            <a:ext cx="5619750" cy="3629025"/>
+          </a:xfrm>
+          <a:prstGeom prst="rect">
+            <a:avLst/>
+          </a:prstGeom>
+        </p:spPr>
+      </p:pic>
+    </p:spTree>
+    <p:extLst>
+      <p:ext uri="{BB962C8B-B14F-4D97-AF65-F5344CB8AC3E}">
+        <p14:creationId xmlns:p14="http://schemas.microsoft.com/office/powerpoint/2010/main" val="4223329489"/>
+      </p:ext>
+    </p:extLst>
+  </p:cSld>
+  <p:clrMapOvr>
+    <a:masterClrMapping/>
+  </p:clrMapOvr>
+</p:sld>
+</file>
+
+<file path=ppt/slides/slide66.xml><?xml version="1.0" encoding="utf-8"?>
+<p:sld xmlns:a="http://schemas.openxmlformats.org/drawingml/2006/main" xmlns:r="http://schemas.openxmlformats.org/officeDocument/2006/relationships" xmlns:p="http://schemas.openxmlformats.org/presentationml/2006/main">
+  <p:cSld>
+    <p:spTree>
+      <p:nvGrpSpPr>
+        <p:cNvPr id="1" name=""/>
+        <p:cNvGrpSpPr/>
+        <p:nvPr/>
+      </p:nvGrpSpPr>
+      <p:grpSpPr>
+        <a:xfrm>
+          <a:off x="0" y="0"/>
+          <a:ext cx="0" cy="0"/>
+          <a:chOff x="0" y="0"/>
+          <a:chExt cx="0" cy="0"/>
+        </a:xfrm>
+      </p:grpSpPr>
+      <p:sp>
+        <p:nvSpPr>
+          <p:cNvPr id="2" name="Title 1">
+            <a:extLst>
+              <a:ext uri="{FF2B5EF4-FFF2-40B4-BE49-F238E27FC236}">
+                <a16:creationId xmlns:a16="http://schemas.microsoft.com/office/drawing/2014/main" id="{F2E75ACD-C303-46DD-8FB4-27FC6A409857}"/>
+              </a:ext>
+            </a:extLst>
+          </p:cNvPr>
+          <p:cNvSpPr>
+            <a:spLocks noGrp="1"/>
+          </p:cNvSpPr>
+          <p:nvPr>
+            <p:ph type="title"/>
+          </p:nvPr>
+        </p:nvSpPr>
+        <p:spPr/>
+        <p:txBody>
+          <a:bodyPr/>
+          <a:lstStyle/>
+          <a:p>
+            <a:pPr algn="ctr"/>
+            <a:r>
+              <a:rPr lang="he-IL" sz="4800" dirty="0"/>
+              <a:t>מסך הבית</a:t>
+            </a:r>
+            <a:endParaRPr lang="en-US" sz="4800" dirty="0"/>
+          </a:p>
+        </p:txBody>
+      </p:sp>
+      <p:sp>
+        <p:nvSpPr>
+          <p:cNvPr id="27" name="TextBox 26">
+            <a:extLst>
+              <a:ext uri="{FF2B5EF4-FFF2-40B4-BE49-F238E27FC236}">
+                <a16:creationId xmlns:a16="http://schemas.microsoft.com/office/drawing/2014/main" id="{793931D8-69E6-451B-8BCE-EC76158083DE}"/>
+              </a:ext>
+            </a:extLst>
+          </p:cNvPr>
+          <p:cNvSpPr txBox="1"/>
+          <p:nvPr/>
+        </p:nvSpPr>
+        <p:spPr>
+          <a:xfrm>
+            <a:off x="6704846" y="2664995"/>
+            <a:ext cx="5193437" cy="1481881"/>
+          </a:xfrm>
+          <a:prstGeom prst="rect">
+            <a:avLst/>
+          </a:prstGeom>
+          <a:noFill/>
+        </p:spPr>
+        <p:txBody>
+          <a:bodyPr wrap="square" rtlCol="0">
+            <a:spAutoFit/>
+          </a:bodyPr>
+          <a:lstStyle/>
+          <a:p>
+            <a:pPr marL="285750" indent="-285750" algn="r" rtl="1">
+              <a:lnSpc>
+                <a:spcPct val="150000"/>
+              </a:lnSpc>
+              <a:buFont typeface="Arial" panose="020B0604020202020204" pitchFamily="34" charset="0"/>
+              <a:buChar char="•"/>
+            </a:pPr>
+            <a:r>
+              <a:rPr lang="he-IL" sz="1600" dirty="0"/>
+              <a:t>הבעיה הבאה איתה התמודדנו היא שאין דרך לעבור בין החודשים לחודש שאינו החודש הונכחי</a:t>
+            </a:r>
+            <a:r>
+              <a:rPr lang="he-IL" sz="1600" b="1" dirty="0"/>
+              <a:t>(פגיעה בשליטה וחופש של המשתמש)</a:t>
+            </a:r>
+          </a:p>
+          <a:p>
+            <a:pPr marL="285750" indent="-285750" algn="r" rtl="1">
+              <a:lnSpc>
+                <a:spcPct val="150000"/>
+              </a:lnSpc>
+              <a:buFont typeface="Arial" panose="020B0604020202020204" pitchFamily="34" charset="0"/>
+              <a:buChar char="•"/>
+            </a:pPr>
+            <a:endParaRPr lang="en-US" sz="1400" b="1" dirty="0"/>
+          </a:p>
+        </p:txBody>
+      </p:sp>
+      <p:pic>
+        <p:nvPicPr>
+          <p:cNvPr id="4" name="Picture 3">
+            <a:extLst>
+              <a:ext uri="{FF2B5EF4-FFF2-40B4-BE49-F238E27FC236}">
+                <a16:creationId xmlns:a16="http://schemas.microsoft.com/office/drawing/2014/main" id="{4B83C5ED-D84A-480D-93A0-B902ADC65D2C}"/>
+              </a:ext>
+            </a:extLst>
+          </p:cNvPr>
+          <p:cNvPicPr>
+            <a:picLocks noChangeAspect="1"/>
+          </p:cNvPicPr>
+          <p:nvPr/>
+        </p:nvPicPr>
+        <p:blipFill>
+          <a:blip r:embed="rId2"/>
+          <a:stretch>
+            <a:fillRect/>
+          </a:stretch>
+        </p:blipFill>
+        <p:spPr>
+          <a:xfrm>
+            <a:off x="543619" y="2544284"/>
+            <a:ext cx="5712284" cy="3650776"/>
+          </a:xfrm>
+          <a:prstGeom prst="rect">
+            <a:avLst/>
+          </a:prstGeom>
+        </p:spPr>
+      </p:pic>
+      <p:sp>
+        <p:nvSpPr>
+          <p:cNvPr id="5" name="Rectangle 4">
+            <a:extLst>
+              <a:ext uri="{FF2B5EF4-FFF2-40B4-BE49-F238E27FC236}">
+                <a16:creationId xmlns:a16="http://schemas.microsoft.com/office/drawing/2014/main" id="{EDCEBE16-4C3A-4875-B792-9D51AAB3E2D1}"/>
+              </a:ext>
+            </a:extLst>
+          </p:cNvPr>
+          <p:cNvSpPr/>
+          <p:nvPr/>
+        </p:nvSpPr>
+        <p:spPr>
+          <a:xfrm>
+            <a:off x="3680460" y="2664995"/>
+            <a:ext cx="891540" cy="230605"/>
+          </a:xfrm>
+          <a:prstGeom prst="rect">
+            <a:avLst/>
+          </a:prstGeom>
+          <a:solidFill>
+            <a:srgbClr val="B4D0E7"/>
+          </a:solidFill>
+          <a:ln>
+            <a:solidFill>
+              <a:srgbClr val="B4D0E7"/>
+            </a:solidFill>
+          </a:ln>
+        </p:spPr>
+        <p:style>
+          <a:lnRef idx="2">
+            <a:schemeClr val="accent1">
+              <a:shade val="50000"/>
+            </a:schemeClr>
+          </a:lnRef>
+          <a:fillRef idx="1">
+            <a:schemeClr val="accent1"/>
+          </a:fillRef>
+          <a:effectRef idx="0">
+            <a:schemeClr val="accent1"/>
+          </a:effectRef>
+          <a:fontRef idx="minor">
+            <a:schemeClr val="lt1"/>
+          </a:fontRef>
+        </p:style>
+        <p:txBody>
+          <a:bodyPr rtlCol="0" anchor="ctr"/>
+          <a:lstStyle/>
+          <a:p>
+            <a:pPr algn="ctr"/>
+            <a:endParaRPr lang="en-US"/>
+          </a:p>
+        </p:txBody>
+      </p:sp>
+      <p:sp>
+        <p:nvSpPr>
+          <p:cNvPr id="35" name="TextBox 34">
+            <a:extLst>
+              <a:ext uri="{FF2B5EF4-FFF2-40B4-BE49-F238E27FC236}">
+                <a16:creationId xmlns:a16="http://schemas.microsoft.com/office/drawing/2014/main" id="{7C3E669C-908E-4F18-B085-F8B8E4F63DA5}"/>
+              </a:ext>
+            </a:extLst>
+          </p:cNvPr>
+          <p:cNvSpPr txBox="1"/>
+          <p:nvPr/>
+        </p:nvSpPr>
+        <p:spPr>
+          <a:xfrm>
+            <a:off x="5149258" y="2983737"/>
+            <a:ext cx="755229" cy="276999"/>
+          </a:xfrm>
+          <a:prstGeom prst="rect">
+            <a:avLst/>
+          </a:prstGeom>
+          <a:noFill/>
+        </p:spPr>
+        <p:txBody>
+          <a:bodyPr wrap="square" rtlCol="0">
+            <a:noAutofit/>
+          </a:bodyPr>
+          <a:lstStyle/>
+          <a:p>
+            <a:pPr algn="ctr"/>
+            <a:r>
+              <a:rPr lang="he-IL" sz="1400" dirty="0"/>
+              <a:t>נובמבר</a:t>
+            </a:r>
+            <a:endParaRPr lang="en-US" sz="2400" dirty="0"/>
+          </a:p>
+        </p:txBody>
+      </p:sp>
+      <p:pic>
+        <p:nvPicPr>
+          <p:cNvPr id="36" name="Picture 2" descr="Image result for Calendar icon web">
+            <a:extLst>
+              <a:ext uri="{FF2B5EF4-FFF2-40B4-BE49-F238E27FC236}">
+                <a16:creationId xmlns:a16="http://schemas.microsoft.com/office/drawing/2014/main" id="{1E6B3E9C-74C1-4090-A466-42E36CE65B15}"/>
+              </a:ext>
+            </a:extLst>
+          </p:cNvPr>
+          <p:cNvPicPr>
+            <a:picLocks noChangeAspect="1" noChangeArrowheads="1"/>
+          </p:cNvPicPr>
+          <p:nvPr/>
+        </p:nvPicPr>
+        <p:blipFill>
+          <a:blip r:embed="rId3">
+            <a:extLst>
+              <a:ext uri="{28A0092B-C50C-407E-A947-70E740481C1C}">
+                <a14:useLocalDpi xmlns:a14="http://schemas.microsoft.com/office/drawing/2010/main" val="0"/>
+              </a:ext>
+            </a:extLst>
+          </a:blip>
+          <a:srcRect/>
+          <a:stretch>
+            <a:fillRect/>
+          </a:stretch>
+        </p:blipFill>
+        <p:spPr bwMode="auto">
+          <a:xfrm>
+            <a:off x="5811095" y="3030797"/>
+            <a:ext cx="228600" cy="228600"/>
+          </a:xfrm>
+          <a:prstGeom prst="rect">
+            <a:avLst/>
+          </a:prstGeom>
+          <a:noFill/>
+          <a:extLst>
+            <a:ext uri="{909E8E84-426E-40DD-AFC4-6F175D3DCCD1}">
+              <a14:hiddenFill xmlns:a14="http://schemas.microsoft.com/office/drawing/2010/main">
+                <a:solidFill>
+                  <a:srgbClr val="FFFFFF"/>
+                </a:solidFill>
+              </a14:hiddenFill>
+            </a:ext>
+          </a:extLst>
+        </p:spPr>
+      </p:pic>
+    </p:spTree>
+    <p:extLst>
+      <p:ext uri="{BB962C8B-B14F-4D97-AF65-F5344CB8AC3E}">
+        <p14:creationId xmlns:p14="http://schemas.microsoft.com/office/powerpoint/2010/main" val="3665317930"/>
+      </p:ext>
+    </p:extLst>
+  </p:cSld>
+  <p:clrMapOvr>
+    <a:masterClrMapping/>
+  </p:clrMapOvr>
+</p:sld>
+</file>
+
+<file path=ppt/slides/slide67.xml><?xml version="1.0" encoding="utf-8"?>
+<p:sld xmlns:a="http://schemas.openxmlformats.org/drawingml/2006/main" xmlns:r="http://schemas.openxmlformats.org/officeDocument/2006/relationships" xmlns:p="http://schemas.openxmlformats.org/presentationml/2006/main">
+  <p:cSld>
+    <p:spTree>
+      <p:nvGrpSpPr>
+        <p:cNvPr id="1" name=""/>
+        <p:cNvGrpSpPr/>
+        <p:nvPr/>
+      </p:nvGrpSpPr>
+      <p:grpSpPr>
+        <a:xfrm>
+          <a:off x="0" y="0"/>
+          <a:ext cx="0" cy="0"/>
+          <a:chOff x="0" y="0"/>
+          <a:chExt cx="0" cy="0"/>
+        </a:xfrm>
+      </p:grpSpPr>
+      <p:sp>
+        <p:nvSpPr>
+          <p:cNvPr id="2" name="Title 1">
+            <a:extLst>
+              <a:ext uri="{FF2B5EF4-FFF2-40B4-BE49-F238E27FC236}">
+                <a16:creationId xmlns:a16="http://schemas.microsoft.com/office/drawing/2014/main" id="{F2E75ACD-C303-46DD-8FB4-27FC6A409857}"/>
+              </a:ext>
+            </a:extLst>
+          </p:cNvPr>
+          <p:cNvSpPr>
+            <a:spLocks noGrp="1"/>
+          </p:cNvSpPr>
+          <p:nvPr>
+            <p:ph type="title"/>
+          </p:nvPr>
+        </p:nvSpPr>
+        <p:spPr/>
+        <p:txBody>
+          <a:bodyPr/>
+          <a:lstStyle/>
+          <a:p>
+            <a:pPr algn="ctr"/>
+            <a:r>
+              <a:rPr lang="he-IL" sz="4800" dirty="0"/>
+              <a:t>מסך הבית</a:t>
+            </a:r>
+            <a:endParaRPr lang="en-US" sz="4800" dirty="0"/>
+          </a:p>
+        </p:txBody>
+      </p:sp>
+      <p:sp>
+        <p:nvSpPr>
+          <p:cNvPr id="27" name="TextBox 26">
+            <a:extLst>
+              <a:ext uri="{FF2B5EF4-FFF2-40B4-BE49-F238E27FC236}">
+                <a16:creationId xmlns:a16="http://schemas.microsoft.com/office/drawing/2014/main" id="{793931D8-69E6-451B-8BCE-EC76158083DE}"/>
+              </a:ext>
+            </a:extLst>
+          </p:cNvPr>
+          <p:cNvSpPr txBox="1"/>
+          <p:nvPr/>
+        </p:nvSpPr>
+        <p:spPr>
+          <a:xfrm>
+            <a:off x="6704846" y="2664995"/>
+            <a:ext cx="5193437" cy="1523815"/>
+          </a:xfrm>
+          <a:prstGeom prst="rect">
+            <a:avLst/>
+          </a:prstGeom>
+          <a:noFill/>
+        </p:spPr>
+        <p:txBody>
+          <a:bodyPr wrap="square" rtlCol="0">
+            <a:spAutoFit/>
+          </a:bodyPr>
+          <a:lstStyle/>
+          <a:p>
+            <a:pPr marL="285750" indent="-285750" algn="r" rtl="1">
+              <a:lnSpc>
+                <a:spcPct val="150000"/>
+              </a:lnSpc>
+              <a:buFont typeface="Arial" panose="020B0604020202020204" pitchFamily="34" charset="0"/>
+              <a:buChar char="•"/>
+            </a:pPr>
+            <a:r>
+              <a:rPr lang="he-IL" sz="1600" dirty="0"/>
+              <a:t>בעיה זו פתרנו ע"י הוספת אופציות דפדוף בין החודשים קדימה ואחורה. ניתן לראות שהחודשים הם בהתאם לכיוון הכתיבה של ושיש חצים שייתראו בצורה אינטואיטיבית את הפעולה (זיהוי במקום היזכרות)</a:t>
+            </a:r>
+            <a:endParaRPr lang="en-US" sz="1400" dirty="0"/>
+          </a:p>
+        </p:txBody>
+      </p:sp>
+      <p:sp>
+        <p:nvSpPr>
+          <p:cNvPr id="5" name="Rectangle 4">
+            <a:extLst>
+              <a:ext uri="{FF2B5EF4-FFF2-40B4-BE49-F238E27FC236}">
+                <a16:creationId xmlns:a16="http://schemas.microsoft.com/office/drawing/2014/main" id="{EDCEBE16-4C3A-4875-B792-9D51AAB3E2D1}"/>
+              </a:ext>
+            </a:extLst>
+          </p:cNvPr>
+          <p:cNvSpPr/>
+          <p:nvPr/>
+        </p:nvSpPr>
+        <p:spPr>
+          <a:xfrm>
+            <a:off x="3680460" y="2664995"/>
+            <a:ext cx="891540" cy="230605"/>
+          </a:xfrm>
+          <a:prstGeom prst="rect">
+            <a:avLst/>
+          </a:prstGeom>
+          <a:solidFill>
+            <a:srgbClr val="B4D0E7"/>
+          </a:solidFill>
+          <a:ln>
+            <a:solidFill>
+              <a:srgbClr val="B4D0E7"/>
+            </a:solidFill>
+          </a:ln>
+        </p:spPr>
+        <p:style>
+          <a:lnRef idx="2">
+            <a:schemeClr val="accent1">
+              <a:shade val="50000"/>
+            </a:schemeClr>
+          </a:lnRef>
+          <a:fillRef idx="1">
+            <a:schemeClr val="accent1"/>
+          </a:fillRef>
+          <a:effectRef idx="0">
+            <a:schemeClr val="accent1"/>
+          </a:effectRef>
+          <a:fontRef idx="minor">
+            <a:schemeClr val="lt1"/>
+          </a:fontRef>
+        </p:style>
+        <p:txBody>
+          <a:bodyPr rtlCol="0" anchor="ctr"/>
+          <a:lstStyle/>
+          <a:p>
+            <a:pPr algn="ctr"/>
+            <a:endParaRPr lang="en-US"/>
+          </a:p>
+        </p:txBody>
+      </p:sp>
+      <p:sp>
+        <p:nvSpPr>
+          <p:cNvPr id="35" name="TextBox 34">
+            <a:extLst>
+              <a:ext uri="{FF2B5EF4-FFF2-40B4-BE49-F238E27FC236}">
+                <a16:creationId xmlns:a16="http://schemas.microsoft.com/office/drawing/2014/main" id="{7C3E669C-908E-4F18-B085-F8B8E4F63DA5}"/>
+              </a:ext>
+            </a:extLst>
+          </p:cNvPr>
+          <p:cNvSpPr txBox="1"/>
+          <p:nvPr/>
+        </p:nvSpPr>
+        <p:spPr>
+          <a:xfrm>
+            <a:off x="5149258" y="2983737"/>
+            <a:ext cx="755229" cy="276999"/>
+          </a:xfrm>
+          <a:prstGeom prst="rect">
+            <a:avLst/>
+          </a:prstGeom>
+          <a:noFill/>
+        </p:spPr>
+        <p:txBody>
+          <a:bodyPr wrap="square" rtlCol="0">
+            <a:noAutofit/>
+          </a:bodyPr>
+          <a:lstStyle/>
+          <a:p>
+            <a:pPr algn="ctr"/>
+            <a:r>
+              <a:rPr lang="he-IL" sz="1400" dirty="0"/>
+              <a:t>נובמבר</a:t>
+            </a:r>
+            <a:endParaRPr lang="en-US" sz="2400" dirty="0"/>
+          </a:p>
+        </p:txBody>
+      </p:sp>
+      <p:pic>
+        <p:nvPicPr>
+          <p:cNvPr id="36" name="Picture 2" descr="Image result for Calendar icon web">
+            <a:extLst>
+              <a:ext uri="{FF2B5EF4-FFF2-40B4-BE49-F238E27FC236}">
+                <a16:creationId xmlns:a16="http://schemas.microsoft.com/office/drawing/2014/main" id="{1E6B3E9C-74C1-4090-A466-42E36CE65B15}"/>
+              </a:ext>
+            </a:extLst>
+          </p:cNvPr>
+          <p:cNvPicPr>
+            <a:picLocks noChangeAspect="1" noChangeArrowheads="1"/>
+          </p:cNvPicPr>
+          <p:nvPr/>
+        </p:nvPicPr>
+        <p:blipFill>
+          <a:blip r:embed="rId2">
+            <a:extLst>
+              <a:ext uri="{28A0092B-C50C-407E-A947-70E740481C1C}">
+                <a14:useLocalDpi xmlns:a14="http://schemas.microsoft.com/office/drawing/2010/main" val="0"/>
+              </a:ext>
+            </a:extLst>
+          </a:blip>
+          <a:srcRect/>
+          <a:stretch>
+            <a:fillRect/>
+          </a:stretch>
+        </p:blipFill>
+        <p:spPr bwMode="auto">
+          <a:xfrm>
+            <a:off x="5811095" y="3030797"/>
+            <a:ext cx="228600" cy="228600"/>
+          </a:xfrm>
+          <a:prstGeom prst="rect">
+            <a:avLst/>
+          </a:prstGeom>
+          <a:noFill/>
+          <a:extLst>
+            <a:ext uri="{909E8E84-426E-40DD-AFC4-6F175D3DCCD1}">
+              <a14:hiddenFill xmlns:a14="http://schemas.microsoft.com/office/drawing/2010/main">
+                <a:solidFill>
+                  <a:srgbClr val="FFFFFF"/>
+                </a:solidFill>
+              </a14:hiddenFill>
+            </a:ext>
+          </a:extLst>
+        </p:spPr>
+      </p:pic>
+      <p:pic>
+        <p:nvPicPr>
+          <p:cNvPr id="3" name="Picture 2">
+            <a:extLst>
+              <a:ext uri="{FF2B5EF4-FFF2-40B4-BE49-F238E27FC236}">
+                <a16:creationId xmlns:a16="http://schemas.microsoft.com/office/drawing/2014/main" id="{A4EDC44B-BD7D-4650-A348-E8578ACAA0ED}"/>
+              </a:ext>
+            </a:extLst>
+          </p:cNvPr>
+          <p:cNvPicPr>
+            <a:picLocks noChangeAspect="1"/>
+          </p:cNvPicPr>
+          <p:nvPr/>
+        </p:nvPicPr>
+        <p:blipFill>
+          <a:blip r:embed="rId3"/>
+          <a:stretch>
+            <a:fillRect/>
+          </a:stretch>
+        </p:blipFill>
+        <p:spPr>
+          <a:xfrm>
+            <a:off x="588223" y="2577802"/>
+            <a:ext cx="5619750" cy="3629025"/>
+          </a:xfrm>
+          <a:prstGeom prst="rect">
+            <a:avLst/>
+          </a:prstGeom>
+        </p:spPr>
+      </p:pic>
+    </p:spTree>
+    <p:extLst>
+      <p:ext uri="{BB962C8B-B14F-4D97-AF65-F5344CB8AC3E}">
+        <p14:creationId xmlns:p14="http://schemas.microsoft.com/office/powerpoint/2010/main" val="4073408694"/>
+      </p:ext>
+    </p:extLst>
+  </p:cSld>
+  <p:clrMapOvr>
+    <a:masterClrMapping/>
+  </p:clrMapOvr>
+</p:sld>
+</file>
+
+<file path=ppt/slides/slide68.xml><?xml version="1.0" encoding="utf-8"?>
+<p:sld xmlns:a="http://schemas.openxmlformats.org/drawingml/2006/main" xmlns:r="http://schemas.openxmlformats.org/officeDocument/2006/relationships" xmlns:p="http://schemas.openxmlformats.org/presentationml/2006/main">
+  <p:cSld>
+    <p:spTree>
+      <p:nvGrpSpPr>
+        <p:cNvPr id="1" name=""/>
+        <p:cNvGrpSpPr/>
+        <p:nvPr/>
+      </p:nvGrpSpPr>
+      <p:grpSpPr>
+        <a:xfrm>
+          <a:off x="0" y="0"/>
+          <a:ext cx="0" cy="0"/>
+          <a:chOff x="0" y="0"/>
+          <a:chExt cx="0" cy="0"/>
+        </a:xfrm>
+      </p:grpSpPr>
+      <p:sp>
+        <p:nvSpPr>
+          <p:cNvPr id="2" name="Title 1">
+            <a:extLst>
+              <a:ext uri="{FF2B5EF4-FFF2-40B4-BE49-F238E27FC236}">
+                <a16:creationId xmlns:a16="http://schemas.microsoft.com/office/drawing/2014/main" id="{F2E75ACD-C303-46DD-8FB4-27FC6A409857}"/>
+              </a:ext>
+            </a:extLst>
+          </p:cNvPr>
+          <p:cNvSpPr>
+            <a:spLocks noGrp="1"/>
+          </p:cNvSpPr>
+          <p:nvPr>
+            <p:ph type="title"/>
+          </p:nvPr>
+        </p:nvSpPr>
+        <p:spPr/>
+        <p:txBody>
+          <a:bodyPr/>
+          <a:lstStyle/>
+          <a:p>
+            <a:pPr algn="ctr"/>
+            <a:r>
+              <a:rPr lang="he-IL" sz="4800" dirty="0"/>
+              <a:t>מסך הבית</a:t>
+            </a:r>
+            <a:endParaRPr lang="en-US" sz="4800" dirty="0"/>
+          </a:p>
+        </p:txBody>
+      </p:sp>
+      <p:sp>
+        <p:nvSpPr>
+          <p:cNvPr id="27" name="TextBox 26">
+            <a:extLst>
+              <a:ext uri="{FF2B5EF4-FFF2-40B4-BE49-F238E27FC236}">
+                <a16:creationId xmlns:a16="http://schemas.microsoft.com/office/drawing/2014/main" id="{793931D8-69E6-451B-8BCE-EC76158083DE}"/>
+              </a:ext>
+            </a:extLst>
+          </p:cNvPr>
+          <p:cNvSpPr txBox="1"/>
+          <p:nvPr/>
+        </p:nvSpPr>
+        <p:spPr>
+          <a:xfrm>
+            <a:off x="6704846" y="2664995"/>
+            <a:ext cx="5193437" cy="4114011"/>
+          </a:xfrm>
+          <a:prstGeom prst="rect">
+            <a:avLst/>
+          </a:prstGeom>
+          <a:noFill/>
+        </p:spPr>
+        <p:txBody>
+          <a:bodyPr wrap="square" rtlCol="0">
+            <a:spAutoFit/>
+          </a:bodyPr>
+          <a:lstStyle/>
+          <a:p>
+            <a:pPr marL="285750" indent="-285750" algn="r" rtl="1">
+              <a:lnSpc>
+                <a:spcPct val="150000"/>
+              </a:lnSpc>
+              <a:buFont typeface="Arial" panose="020B0604020202020204" pitchFamily="34" charset="0"/>
+              <a:buChar char="•"/>
+            </a:pPr>
+            <a:r>
+              <a:rPr lang="he-IL" sz="1600" dirty="0"/>
+              <a:t>כעת בשביל המשתמשים היותר מנוסים במערכת הוספנו את קיצורי המקשים הבאים:</a:t>
+            </a:r>
+          </a:p>
+          <a:p>
+            <a:pPr marL="742950" lvl="1" indent="-285750" algn="r" rtl="1">
+              <a:lnSpc>
+                <a:spcPct val="150000"/>
+              </a:lnSpc>
+              <a:buFont typeface="Arial" panose="020B0604020202020204" pitchFamily="34" charset="0"/>
+              <a:buChar char="•"/>
+            </a:pPr>
+            <a:r>
+              <a:rPr lang="he-IL" sz="1600" dirty="0"/>
+              <a:t>יצירת פגישה חדשה (</a:t>
+            </a:r>
+            <a:r>
+              <a:rPr lang="en-US" sz="1600" dirty="0"/>
+              <a:t>ctrl + n</a:t>
+            </a:r>
+            <a:r>
+              <a:rPr lang="he-IL" sz="1600" dirty="0"/>
+              <a:t>)</a:t>
+            </a:r>
+          </a:p>
+          <a:p>
+            <a:pPr marL="742950" lvl="1" indent="-285750" algn="r" rtl="1">
+              <a:lnSpc>
+                <a:spcPct val="150000"/>
+              </a:lnSpc>
+              <a:buFont typeface="Arial" panose="020B0604020202020204" pitchFamily="34" charset="0"/>
+              <a:buChar char="•"/>
+            </a:pPr>
+            <a:r>
+              <a:rPr lang="he-IL" sz="1600" dirty="0"/>
+              <a:t>יצירת אילוץ חדש (</a:t>
+            </a:r>
+            <a:r>
+              <a:rPr lang="en-US" sz="1600" dirty="0"/>
+              <a:t>ctrl + shift+ n</a:t>
+            </a:r>
+            <a:r>
+              <a:rPr lang="he-IL" sz="1600" dirty="0"/>
+              <a:t>)</a:t>
+            </a:r>
+          </a:p>
+          <a:p>
+            <a:pPr marL="742950" lvl="1" indent="-285750" algn="r" rtl="1">
+              <a:lnSpc>
+                <a:spcPct val="150000"/>
+              </a:lnSpc>
+              <a:buFont typeface="Arial" panose="020B0604020202020204" pitchFamily="34" charset="0"/>
+              <a:buChar char="•"/>
+            </a:pPr>
+            <a:r>
+              <a:rPr lang="he-IL" sz="1600" dirty="0"/>
+              <a:t>מעבר לחודש הקודם (</a:t>
+            </a:r>
+            <a:r>
+              <a:rPr lang="en-US" sz="1600" dirty="0"/>
+              <a:t>alt + right arrow</a:t>
+            </a:r>
+            <a:r>
+              <a:rPr lang="he-IL" sz="1600" dirty="0"/>
+              <a:t>)</a:t>
+            </a:r>
+            <a:endParaRPr lang="en-US" sz="1600" dirty="0"/>
+          </a:p>
+          <a:p>
+            <a:pPr marL="742950" lvl="1" indent="-285750" algn="r" rtl="1">
+              <a:lnSpc>
+                <a:spcPct val="150000"/>
+              </a:lnSpc>
+              <a:buFont typeface="Arial" panose="020B0604020202020204" pitchFamily="34" charset="0"/>
+              <a:buChar char="•"/>
+            </a:pPr>
+            <a:r>
+              <a:rPr lang="he-IL" sz="1600" dirty="0"/>
+              <a:t>מעבר לחודש הבא (</a:t>
+            </a:r>
+            <a:r>
+              <a:rPr lang="en-US" sz="1600" dirty="0"/>
+              <a:t>alt + left arrow</a:t>
+            </a:r>
+            <a:r>
+              <a:rPr lang="he-IL" sz="1600" dirty="0"/>
+              <a:t>)</a:t>
+            </a:r>
+          </a:p>
+          <a:p>
+            <a:pPr lvl="1" algn="r" rtl="1">
+              <a:lnSpc>
+                <a:spcPct val="150000"/>
+              </a:lnSpc>
+            </a:pPr>
+            <a:endParaRPr lang="he-IL" sz="1600" dirty="0"/>
+          </a:p>
+          <a:p>
+            <a:pPr lvl="1" algn="r" rtl="1">
+              <a:lnSpc>
+                <a:spcPct val="150000"/>
+              </a:lnSpc>
+            </a:pPr>
+            <a:r>
+              <a:rPr lang="he-IL" sz="1600" b="1"/>
+              <a:t>(גמישות ויעילות שימוש.)</a:t>
+            </a:r>
+            <a:endParaRPr lang="en-US" sz="1600" dirty="0"/>
+          </a:p>
+          <a:p>
+            <a:pPr lvl="1" algn="r" rtl="1">
+              <a:lnSpc>
+                <a:spcPct val="150000"/>
+              </a:lnSpc>
+            </a:pPr>
+            <a:endParaRPr lang="en-US" sz="1600" dirty="0"/>
+          </a:p>
+          <a:p>
+            <a:pPr lvl="1" algn="r" rtl="1">
+              <a:lnSpc>
+                <a:spcPct val="150000"/>
+              </a:lnSpc>
+            </a:pPr>
+            <a:endParaRPr lang="en-US" sz="1600" dirty="0"/>
+          </a:p>
+          <a:p>
+            <a:pPr marL="742950" lvl="1" indent="-285750" algn="r" rtl="1">
+              <a:lnSpc>
+                <a:spcPct val="150000"/>
+              </a:lnSpc>
+              <a:buFont typeface="Arial" panose="020B0604020202020204" pitchFamily="34" charset="0"/>
+              <a:buChar char="•"/>
+            </a:pPr>
+            <a:endParaRPr lang="en-US" sz="1400" dirty="0"/>
+          </a:p>
+        </p:txBody>
+      </p:sp>
+      <p:sp>
+        <p:nvSpPr>
+          <p:cNvPr id="5" name="Rectangle 4">
+            <a:extLst>
+              <a:ext uri="{FF2B5EF4-FFF2-40B4-BE49-F238E27FC236}">
+                <a16:creationId xmlns:a16="http://schemas.microsoft.com/office/drawing/2014/main" id="{EDCEBE16-4C3A-4875-B792-9D51AAB3E2D1}"/>
+              </a:ext>
+            </a:extLst>
+          </p:cNvPr>
+          <p:cNvSpPr/>
+          <p:nvPr/>
+        </p:nvSpPr>
+        <p:spPr>
+          <a:xfrm>
+            <a:off x="3680460" y="2664995"/>
+            <a:ext cx="891540" cy="230605"/>
+          </a:xfrm>
+          <a:prstGeom prst="rect">
+            <a:avLst/>
+          </a:prstGeom>
+          <a:solidFill>
+            <a:srgbClr val="B4D0E7"/>
+          </a:solidFill>
+          <a:ln>
+            <a:solidFill>
+              <a:srgbClr val="B4D0E7"/>
+            </a:solidFill>
+          </a:ln>
+        </p:spPr>
+        <p:style>
+          <a:lnRef idx="2">
+            <a:schemeClr val="accent1">
+              <a:shade val="50000"/>
+            </a:schemeClr>
+          </a:lnRef>
+          <a:fillRef idx="1">
+            <a:schemeClr val="accent1"/>
+          </a:fillRef>
+          <a:effectRef idx="0">
+            <a:schemeClr val="accent1"/>
+          </a:effectRef>
+          <a:fontRef idx="minor">
+            <a:schemeClr val="lt1"/>
+          </a:fontRef>
+        </p:style>
+        <p:txBody>
+          <a:bodyPr rtlCol="0" anchor="ctr"/>
+          <a:lstStyle/>
+          <a:p>
+            <a:pPr algn="ctr"/>
+            <a:endParaRPr lang="en-US"/>
+          </a:p>
+        </p:txBody>
+      </p:sp>
+      <p:sp>
+        <p:nvSpPr>
+          <p:cNvPr id="35" name="TextBox 34">
+            <a:extLst>
+              <a:ext uri="{FF2B5EF4-FFF2-40B4-BE49-F238E27FC236}">
+                <a16:creationId xmlns:a16="http://schemas.microsoft.com/office/drawing/2014/main" id="{7C3E669C-908E-4F18-B085-F8B8E4F63DA5}"/>
+              </a:ext>
+            </a:extLst>
+          </p:cNvPr>
+          <p:cNvSpPr txBox="1"/>
+          <p:nvPr/>
+        </p:nvSpPr>
+        <p:spPr>
+          <a:xfrm>
+            <a:off x="5149258" y="2983737"/>
+            <a:ext cx="755229" cy="276999"/>
+          </a:xfrm>
+          <a:prstGeom prst="rect">
+            <a:avLst/>
+          </a:prstGeom>
+          <a:noFill/>
+        </p:spPr>
+        <p:txBody>
+          <a:bodyPr wrap="square" rtlCol="0">
+            <a:noAutofit/>
+          </a:bodyPr>
+          <a:lstStyle/>
+          <a:p>
+            <a:pPr algn="ctr"/>
+            <a:r>
+              <a:rPr lang="he-IL" sz="1400" dirty="0"/>
+              <a:t>נובמבר</a:t>
+            </a:r>
+            <a:endParaRPr lang="en-US" sz="2400" dirty="0"/>
+          </a:p>
+        </p:txBody>
+      </p:sp>
+      <p:pic>
+        <p:nvPicPr>
+          <p:cNvPr id="36" name="Picture 2" descr="Image result for Calendar icon web">
+            <a:extLst>
+              <a:ext uri="{FF2B5EF4-FFF2-40B4-BE49-F238E27FC236}">
+                <a16:creationId xmlns:a16="http://schemas.microsoft.com/office/drawing/2014/main" id="{1E6B3E9C-74C1-4090-A466-42E36CE65B15}"/>
+              </a:ext>
+            </a:extLst>
+          </p:cNvPr>
+          <p:cNvPicPr>
+            <a:picLocks noChangeAspect="1" noChangeArrowheads="1"/>
+          </p:cNvPicPr>
+          <p:nvPr/>
+        </p:nvPicPr>
+        <p:blipFill>
+          <a:blip r:embed="rId2">
+            <a:extLst>
+              <a:ext uri="{28A0092B-C50C-407E-A947-70E740481C1C}">
+                <a14:useLocalDpi xmlns:a14="http://schemas.microsoft.com/office/drawing/2010/main" val="0"/>
+              </a:ext>
+            </a:extLst>
+          </a:blip>
+          <a:srcRect/>
+          <a:stretch>
+            <a:fillRect/>
+          </a:stretch>
+        </p:blipFill>
+        <p:spPr bwMode="auto">
+          <a:xfrm>
+            <a:off x="5811095" y="3030797"/>
+            <a:ext cx="228600" cy="228600"/>
+          </a:xfrm>
+          <a:prstGeom prst="rect">
+            <a:avLst/>
+          </a:prstGeom>
+          <a:noFill/>
+          <a:extLst>
+            <a:ext uri="{909E8E84-426E-40DD-AFC4-6F175D3DCCD1}">
+              <a14:hiddenFill xmlns:a14="http://schemas.microsoft.com/office/drawing/2010/main">
+                <a:solidFill>
+                  <a:srgbClr val="FFFFFF"/>
+                </a:solidFill>
+              </a14:hiddenFill>
+            </a:ext>
+          </a:extLst>
+        </p:spPr>
+      </p:pic>
+      <p:pic>
+        <p:nvPicPr>
+          <p:cNvPr id="3" name="Picture 2">
+            <a:extLst>
+              <a:ext uri="{FF2B5EF4-FFF2-40B4-BE49-F238E27FC236}">
+                <a16:creationId xmlns:a16="http://schemas.microsoft.com/office/drawing/2014/main" id="{A4EDC44B-BD7D-4650-A348-E8578ACAA0ED}"/>
+              </a:ext>
+            </a:extLst>
+          </p:cNvPr>
+          <p:cNvPicPr>
+            <a:picLocks noChangeAspect="1"/>
+          </p:cNvPicPr>
+          <p:nvPr/>
+        </p:nvPicPr>
+        <p:blipFill>
+          <a:blip r:embed="rId3"/>
+          <a:stretch>
+            <a:fillRect/>
+          </a:stretch>
+        </p:blipFill>
+        <p:spPr>
+          <a:xfrm>
+            <a:off x="588223" y="2577802"/>
+            <a:ext cx="5619750" cy="3629025"/>
+          </a:xfrm>
+          <a:prstGeom prst="rect">
+            <a:avLst/>
+          </a:prstGeom>
+        </p:spPr>
+      </p:pic>
+    </p:spTree>
+    <p:extLst>
+      <p:ext uri="{BB962C8B-B14F-4D97-AF65-F5344CB8AC3E}">
+        <p14:creationId xmlns:p14="http://schemas.microsoft.com/office/powerpoint/2010/main" val="2224077714"/>
+      </p:ext>
+    </p:extLst>
+  </p:cSld>
+  <p:clrMapOvr>
+    <a:masterClrMapping/>
+  </p:clrMapOvr>
+</p:sld>
+</file>
+
+<file path=ppt/slides/slide69.xml><?xml version="1.0" encoding="utf-8"?>
+<p:sld xmlns:a="http://schemas.openxmlformats.org/drawingml/2006/main" xmlns:r="http://schemas.openxmlformats.org/officeDocument/2006/relationships" xmlns:p="http://schemas.openxmlformats.org/presentationml/2006/main">
+  <p:cSld>
+    <p:spTree>
+      <p:nvGrpSpPr>
+        <p:cNvPr id="1" name=""/>
+        <p:cNvGrpSpPr/>
+        <p:nvPr/>
+      </p:nvGrpSpPr>
+      <p:grpSpPr>
+        <a:xfrm>
+          <a:off x="0" y="0"/>
+          <a:ext cx="0" cy="0"/>
+          <a:chOff x="0" y="0"/>
+          <a:chExt cx="0" cy="0"/>
+        </a:xfrm>
+      </p:grpSpPr>
+      <p:sp>
+        <p:nvSpPr>
           <p:cNvPr id="2" name="כותרת 1">
             <a:extLst>
               <a:ext uri="{FF2B5EF4-FFF2-40B4-BE49-F238E27FC236}">
@@ -27262,7 +28778,553 @@
 </p:sld>
 </file>
 
-<file path=ppt/slides/slide65.xml><?xml version="1.0" encoding="utf-8"?>
+<file path=ppt/slides/slide7.xml><?xml version="1.0" encoding="utf-8"?>
+<p:sld xmlns:a="http://schemas.openxmlformats.org/drawingml/2006/main" xmlns:r="http://schemas.openxmlformats.org/officeDocument/2006/relationships" xmlns:p="http://schemas.openxmlformats.org/presentationml/2006/main">
+  <p:cSld>
+    <p:spTree>
+      <p:nvGrpSpPr>
+        <p:cNvPr id="1" name=""/>
+        <p:cNvGrpSpPr/>
+        <p:nvPr/>
+      </p:nvGrpSpPr>
+      <p:grpSpPr>
+        <a:xfrm>
+          <a:off x="0" y="0"/>
+          <a:ext cx="0" cy="0"/>
+          <a:chOff x="0" y="0"/>
+          <a:chExt cx="0" cy="0"/>
+        </a:xfrm>
+      </p:grpSpPr>
+      <p:sp>
+        <p:nvSpPr>
+          <p:cNvPr id="2" name="Title 1">
+            <a:extLst>
+              <a:ext uri="{FF2B5EF4-FFF2-40B4-BE49-F238E27FC236}">
+                <a16:creationId xmlns:a16="http://schemas.microsoft.com/office/drawing/2014/main" id="{F2E75ACD-C303-46DD-8FB4-27FC6A409857}"/>
+              </a:ext>
+            </a:extLst>
+          </p:cNvPr>
+          <p:cNvSpPr>
+            <a:spLocks noGrp="1"/>
+          </p:cNvSpPr>
+          <p:nvPr>
+            <p:ph type="title"/>
+          </p:nvPr>
+        </p:nvSpPr>
+        <p:spPr/>
+        <p:txBody>
+          <a:bodyPr/>
+          <a:lstStyle/>
+          <a:p>
+            <a:pPr algn="ctr"/>
+            <a:r>
+              <a:rPr lang="he-IL" sz="4800" dirty="0"/>
+              <a:t>מסך הבית</a:t>
+            </a:r>
+            <a:endParaRPr lang="en-US" sz="4800" dirty="0"/>
+          </a:p>
+        </p:txBody>
+      </p:sp>
+      <p:grpSp>
+        <p:nvGrpSpPr>
+          <p:cNvPr id="20" name="Group 19">
+            <a:extLst>
+              <a:ext uri="{FF2B5EF4-FFF2-40B4-BE49-F238E27FC236}">
+                <a16:creationId xmlns:a16="http://schemas.microsoft.com/office/drawing/2014/main" id="{658F2FAD-9CD3-4083-9C05-368B72ADF35F}"/>
+              </a:ext>
+            </a:extLst>
+          </p:cNvPr>
+          <p:cNvGrpSpPr/>
+          <p:nvPr/>
+        </p:nvGrpSpPr>
+        <p:grpSpPr>
+          <a:xfrm>
+            <a:off x="603682" y="2587752"/>
+            <a:ext cx="5492317" cy="3470148"/>
+            <a:chOff x="0" y="0"/>
+            <a:chExt cx="9144000" cy="5143500"/>
+          </a:xfrm>
+        </p:grpSpPr>
+        <p:sp>
+          <p:nvSpPr>
+            <p:cNvPr id="21" name="Google Shape;91;p15">
+              <a:extLst>
+                <a:ext uri="{FF2B5EF4-FFF2-40B4-BE49-F238E27FC236}">
+                  <a16:creationId xmlns:a16="http://schemas.microsoft.com/office/drawing/2014/main" id="{1CEB6900-4A31-4DF7-A826-F18350A49799}"/>
+                </a:ext>
+              </a:extLst>
+            </p:cNvPr>
+            <p:cNvSpPr/>
+            <p:nvPr/>
+          </p:nvSpPr>
+          <p:spPr>
+            <a:xfrm>
+              <a:off x="0" y="0"/>
+              <a:ext cx="9144000" cy="583200"/>
+            </a:xfrm>
+            <a:prstGeom prst="rect">
+              <a:avLst/>
+            </a:prstGeom>
+            <a:solidFill>
+              <a:srgbClr val="B4D0E7"/>
+            </a:solidFill>
+            <a:ln w="9525" cap="flat" cmpd="sng">
+              <a:solidFill>
+                <a:srgbClr val="B4D0E7"/>
+              </a:solidFill>
+              <a:prstDash val="solid"/>
+              <a:round/>
+              <a:headEnd type="none" w="sm" len="sm"/>
+              <a:tailEnd type="none" w="sm" len="sm"/>
+            </a:ln>
+            <a:effectLst>
+              <a:outerShdw blurRad="57150" dist="19050" dir="5400000" algn="bl" rotWithShape="0">
+                <a:schemeClr val="dk1">
+                  <a:alpha val="50000"/>
+                </a:schemeClr>
+              </a:outerShdw>
+            </a:effectLst>
+          </p:spPr>
+          <p:txBody>
+            <a:bodyPr spcFirstLastPara="1" wrap="square" lIns="91425" tIns="91425" rIns="91425" bIns="91425" anchor="ctr" anchorCtr="0">
+              <a:noAutofit/>
+            </a:bodyPr>
+            <a:lstStyle/>
+            <a:p>
+              <a:pPr marL="0" lvl="0" indent="0" algn="l" rtl="0">
+                <a:spcBef>
+                  <a:spcPts val="0"/>
+                </a:spcBef>
+                <a:spcAft>
+                  <a:spcPts val="0"/>
+                </a:spcAft>
+                <a:buNone/>
+              </a:pPr>
+              <a:endParaRPr sz="800"/>
+            </a:p>
+          </p:txBody>
+        </p:sp>
+        <p:sp>
+          <p:nvSpPr>
+            <p:cNvPr id="22" name="Google Shape;92;p15">
+              <a:extLst>
+                <a:ext uri="{FF2B5EF4-FFF2-40B4-BE49-F238E27FC236}">
+                  <a16:creationId xmlns:a16="http://schemas.microsoft.com/office/drawing/2014/main" id="{62A16A85-9B0A-44DC-9E4C-8AA74E32CCE6}"/>
+                </a:ext>
+              </a:extLst>
+            </p:cNvPr>
+            <p:cNvSpPr txBox="1"/>
+            <p:nvPr/>
+          </p:nvSpPr>
+          <p:spPr>
+            <a:xfrm>
+              <a:off x="7759591" y="120750"/>
+              <a:ext cx="1330159" cy="341701"/>
+            </a:xfrm>
+            <a:prstGeom prst="rect">
+              <a:avLst/>
+            </a:prstGeom>
+            <a:noFill/>
+            <a:ln>
+              <a:noFill/>
+            </a:ln>
+          </p:spPr>
+          <p:txBody>
+            <a:bodyPr spcFirstLastPara="1" wrap="square" lIns="91425" tIns="91425" rIns="91425" bIns="91425" anchor="t" anchorCtr="0">
+              <a:noAutofit/>
+            </a:bodyPr>
+            <a:lstStyle/>
+            <a:p>
+              <a:pPr marL="0" lvl="0" indent="0" algn="r" rtl="0">
+                <a:spcBef>
+                  <a:spcPts val="0"/>
+                </a:spcBef>
+                <a:spcAft>
+                  <a:spcPts val="0"/>
+                </a:spcAft>
+                <a:buNone/>
+              </a:pPr>
+              <a:r>
+                <a:rPr lang="iw" sz="800" dirty="0">
+                  <a:solidFill>
+                    <a:srgbClr val="FFFFFF"/>
+                  </a:solidFill>
+                </a:rPr>
+                <a:t>WeMeet</a:t>
+              </a:r>
+              <a:endParaRPr sz="800" dirty="0">
+                <a:solidFill>
+                  <a:srgbClr val="FFFFFF"/>
+                </a:solidFill>
+              </a:endParaRPr>
+            </a:p>
+          </p:txBody>
+        </p:sp>
+        <p:sp>
+          <p:nvSpPr>
+            <p:cNvPr id="23" name="Google Shape;93;p15">
+              <a:extLst>
+                <a:ext uri="{FF2B5EF4-FFF2-40B4-BE49-F238E27FC236}">
+                  <a16:creationId xmlns:a16="http://schemas.microsoft.com/office/drawing/2014/main" id="{FC8DC434-D63C-4F84-8050-621C7164CDF7}"/>
+                </a:ext>
+              </a:extLst>
+            </p:cNvPr>
+            <p:cNvSpPr txBox="1"/>
+            <p:nvPr/>
+          </p:nvSpPr>
+          <p:spPr>
+            <a:xfrm>
+              <a:off x="6514030" y="114491"/>
+              <a:ext cx="1080000" cy="327900"/>
+            </a:xfrm>
+            <a:prstGeom prst="rect">
+              <a:avLst/>
+            </a:prstGeom>
+            <a:noFill/>
+            <a:ln>
+              <a:noFill/>
+            </a:ln>
+          </p:spPr>
+          <p:txBody>
+            <a:bodyPr spcFirstLastPara="1" wrap="square" lIns="91425" tIns="91425" rIns="91425" bIns="91425" anchor="t" anchorCtr="0">
+              <a:noAutofit/>
+            </a:bodyPr>
+            <a:lstStyle/>
+            <a:p>
+              <a:pPr marL="0" lvl="0" indent="0" algn="r" rtl="1">
+                <a:spcBef>
+                  <a:spcPts val="0"/>
+                </a:spcBef>
+                <a:spcAft>
+                  <a:spcPts val="0"/>
+                </a:spcAft>
+                <a:buNone/>
+              </a:pPr>
+              <a:r>
+                <a:rPr lang="iw" sz="800" dirty="0">
+                  <a:solidFill>
+                    <a:srgbClr val="FFFFFF"/>
+                  </a:solidFill>
+                </a:rPr>
+                <a:t>אזור אישי</a:t>
+              </a:r>
+              <a:endParaRPr sz="800" dirty="0">
+                <a:solidFill>
+                  <a:srgbClr val="FFFFFF"/>
+                </a:solidFill>
+              </a:endParaRPr>
+            </a:p>
+          </p:txBody>
+        </p:sp>
+        <p:sp>
+          <p:nvSpPr>
+            <p:cNvPr id="24" name="Google Shape;94;p15">
+              <a:extLst>
+                <a:ext uri="{FF2B5EF4-FFF2-40B4-BE49-F238E27FC236}">
+                  <a16:creationId xmlns:a16="http://schemas.microsoft.com/office/drawing/2014/main" id="{755C1065-94C8-49E0-A38C-37668A678C16}"/>
+                </a:ext>
+              </a:extLst>
+            </p:cNvPr>
+            <p:cNvSpPr txBox="1"/>
+            <p:nvPr/>
+          </p:nvSpPr>
+          <p:spPr>
+            <a:xfrm>
+              <a:off x="4842907" y="127650"/>
+              <a:ext cx="1476000" cy="327900"/>
+            </a:xfrm>
+            <a:prstGeom prst="rect">
+              <a:avLst/>
+            </a:prstGeom>
+            <a:noFill/>
+            <a:ln>
+              <a:noFill/>
+            </a:ln>
+          </p:spPr>
+          <p:txBody>
+            <a:bodyPr spcFirstLastPara="1" wrap="square" lIns="91425" tIns="91425" rIns="91425" bIns="91425" anchor="t" anchorCtr="0">
+              <a:noAutofit/>
+            </a:bodyPr>
+            <a:lstStyle/>
+            <a:p>
+              <a:pPr marL="0" lvl="0" indent="0" algn="r" rtl="1">
+                <a:spcBef>
+                  <a:spcPts val="0"/>
+                </a:spcBef>
+                <a:spcAft>
+                  <a:spcPts val="0"/>
+                </a:spcAft>
+                <a:buNone/>
+              </a:pPr>
+              <a:r>
+                <a:rPr lang="iw" sz="800" dirty="0">
+                  <a:solidFill>
+                    <a:srgbClr val="FFFFFF"/>
+                  </a:solidFill>
+                </a:rPr>
+                <a:t>פגישה חדשה</a:t>
+              </a:r>
+              <a:endParaRPr sz="800" dirty="0">
+                <a:solidFill>
+                  <a:srgbClr val="FFFFFF"/>
+                </a:solidFill>
+              </a:endParaRPr>
+            </a:p>
+          </p:txBody>
+        </p:sp>
+        <p:sp>
+          <p:nvSpPr>
+            <p:cNvPr id="25" name="Google Shape;95;p15">
+              <a:extLst>
+                <a:ext uri="{FF2B5EF4-FFF2-40B4-BE49-F238E27FC236}">
+                  <a16:creationId xmlns:a16="http://schemas.microsoft.com/office/drawing/2014/main" id="{823D2CA7-AFF5-4DF6-915A-A9FDA4D3BB2B}"/>
+                </a:ext>
+              </a:extLst>
+            </p:cNvPr>
+            <p:cNvSpPr txBox="1"/>
+            <p:nvPr/>
+          </p:nvSpPr>
+          <p:spPr>
+            <a:xfrm>
+              <a:off x="314375" y="127650"/>
+              <a:ext cx="862800" cy="327900"/>
+            </a:xfrm>
+            <a:prstGeom prst="rect">
+              <a:avLst/>
+            </a:prstGeom>
+            <a:noFill/>
+            <a:ln>
+              <a:noFill/>
+            </a:ln>
+          </p:spPr>
+          <p:txBody>
+            <a:bodyPr spcFirstLastPara="1" wrap="square" lIns="91425" tIns="91425" rIns="91425" bIns="91425" anchor="t" anchorCtr="0">
+              <a:noAutofit/>
+            </a:bodyPr>
+            <a:lstStyle/>
+            <a:p>
+              <a:pPr marL="0" lvl="0" indent="0" algn="r" rtl="1">
+                <a:spcBef>
+                  <a:spcPts val="0"/>
+                </a:spcBef>
+                <a:spcAft>
+                  <a:spcPts val="0"/>
+                </a:spcAft>
+                <a:buNone/>
+              </a:pPr>
+              <a:r>
+                <a:rPr lang="iw" sz="800">
+                  <a:solidFill>
+                    <a:srgbClr val="FFFFFF"/>
+                  </a:solidFill>
+                </a:rPr>
+                <a:t>התנתק</a:t>
+              </a:r>
+              <a:endParaRPr sz="800">
+                <a:solidFill>
+                  <a:srgbClr val="FFFFFF"/>
+                </a:solidFill>
+              </a:endParaRPr>
+            </a:p>
+          </p:txBody>
+        </p:sp>
+        <p:pic>
+          <p:nvPicPr>
+            <p:cNvPr id="26" name="Google Shape;96;p15">
+              <a:extLst>
+                <a:ext uri="{FF2B5EF4-FFF2-40B4-BE49-F238E27FC236}">
+                  <a16:creationId xmlns:a16="http://schemas.microsoft.com/office/drawing/2014/main" id="{A1478F72-1340-4F9B-B43B-F0E74452AA54}"/>
+                </a:ext>
+              </a:extLst>
+            </p:cNvPr>
+            <p:cNvPicPr preferRelativeResize="0"/>
+            <p:nvPr/>
+          </p:nvPicPr>
+          <p:blipFill>
+            <a:blip r:embed="rId2">
+              <a:alphaModFix/>
+            </a:blip>
+            <a:stretch>
+              <a:fillRect/>
+            </a:stretch>
+          </p:blipFill>
+          <p:spPr>
+            <a:xfrm>
+              <a:off x="0" y="1069008"/>
+              <a:ext cx="9143999" cy="4074492"/>
+            </a:xfrm>
+            <a:prstGeom prst="rect">
+              <a:avLst/>
+            </a:prstGeom>
+            <a:noFill/>
+            <a:ln>
+              <a:noFill/>
+            </a:ln>
+          </p:spPr>
+        </p:pic>
+      </p:grpSp>
+      <p:sp>
+        <p:nvSpPr>
+          <p:cNvPr id="27" name="TextBox 26">
+            <a:extLst>
+              <a:ext uri="{FF2B5EF4-FFF2-40B4-BE49-F238E27FC236}">
+                <a16:creationId xmlns:a16="http://schemas.microsoft.com/office/drawing/2014/main" id="{793931D8-69E6-451B-8BCE-EC76158083DE}"/>
+              </a:ext>
+            </a:extLst>
+          </p:cNvPr>
+          <p:cNvSpPr txBox="1"/>
+          <p:nvPr/>
+        </p:nvSpPr>
+        <p:spPr>
+          <a:xfrm>
+            <a:off x="6704846" y="2664995"/>
+            <a:ext cx="5193437" cy="3410934"/>
+          </a:xfrm>
+          <a:prstGeom prst="rect">
+            <a:avLst/>
+          </a:prstGeom>
+          <a:noFill/>
+        </p:spPr>
+        <p:txBody>
+          <a:bodyPr wrap="square" rtlCol="0">
+            <a:spAutoFit/>
+          </a:bodyPr>
+          <a:lstStyle/>
+          <a:p>
+            <a:pPr marL="285750" indent="-285750" algn="r" rtl="1">
+              <a:lnSpc>
+                <a:spcPct val="150000"/>
+              </a:lnSpc>
+              <a:buFont typeface="Arial" panose="020B0604020202020204" pitchFamily="34" charset="0"/>
+              <a:buChar char="•"/>
+            </a:pPr>
+            <a:r>
+              <a:rPr lang="he-IL" sz="1600" dirty="0"/>
+              <a:t>אין כפתור למחיקת אילוץ\פגישה לאחר שעשינו אותה</a:t>
+            </a:r>
+            <a:r>
+              <a:rPr lang="en-US" sz="1600" dirty="0"/>
+              <a:t> </a:t>
+            </a:r>
+            <a:r>
+              <a:rPr lang="he-IL" sz="1600" dirty="0"/>
+              <a:t>(נרצה לבטל בלחיצת כפתור).</a:t>
+            </a:r>
+            <a:r>
+              <a:rPr lang="en-US" sz="1600" dirty="0"/>
+              <a:t> </a:t>
+            </a:r>
+            <a:r>
+              <a:rPr lang="he-IL" sz="1600" b="1" dirty="0"/>
+              <a:t>שליטה וחופש של המשתמש</a:t>
+            </a:r>
+            <a:endParaRPr lang="he-IL" sz="900" b="1" dirty="0"/>
+          </a:p>
+          <a:p>
+            <a:pPr marL="285750" indent="-285750" algn="r" rtl="1">
+              <a:lnSpc>
+                <a:spcPct val="150000"/>
+              </a:lnSpc>
+              <a:buFont typeface="Arial" panose="020B0604020202020204" pitchFamily="34" charset="0"/>
+              <a:buChar char="•"/>
+            </a:pPr>
+            <a:r>
+              <a:rPr lang="he-IL" sz="1600" dirty="0"/>
+              <a:t>הכפתורים לא נראים לחיצים (לא נראים כמו כפתורים)</a:t>
+            </a:r>
+            <a:endParaRPr lang="en-US" sz="1600" dirty="0"/>
+          </a:p>
+          <a:p>
+            <a:pPr algn="r" rtl="1">
+              <a:lnSpc>
+                <a:spcPct val="150000"/>
+              </a:lnSpc>
+            </a:pPr>
+            <a:r>
+              <a:rPr lang="en-US" sz="1600" dirty="0"/>
+              <a:t>	</a:t>
+            </a:r>
+            <a:r>
+              <a:rPr lang="he-IL" sz="1600" b="1" dirty="0"/>
+              <a:t>נראות מצב המערכת</a:t>
+            </a:r>
+            <a:endParaRPr lang="he-IL" sz="900" b="1" dirty="0"/>
+          </a:p>
+          <a:p>
+            <a:pPr marL="285750" indent="-285750" algn="r" rtl="1">
+              <a:lnSpc>
+                <a:spcPct val="150000"/>
+              </a:lnSpc>
+              <a:buFont typeface="Arial" panose="020B0604020202020204" pitchFamily="34" charset="0"/>
+              <a:buChar char="•"/>
+            </a:pPr>
+            <a:r>
+              <a:rPr lang="he-IL" sz="1600" dirty="0"/>
+              <a:t>כפתור הוספת אילוץ לא ברור מה עושה נראה כמו הוספת פגישה</a:t>
+            </a:r>
+          </a:p>
+          <a:p>
+            <a:pPr algn="r" rtl="1">
+              <a:lnSpc>
+                <a:spcPct val="150000"/>
+              </a:lnSpc>
+            </a:pPr>
+            <a:r>
+              <a:rPr lang="he-IL" sz="1400" dirty="0"/>
+              <a:t>	</a:t>
+            </a:r>
+            <a:r>
+              <a:rPr lang="he-IL" sz="1600" b="1" dirty="0"/>
+              <a:t>זיהוי במקום היזכרות</a:t>
+            </a:r>
+            <a:endParaRPr lang="he-IL" sz="900" b="1" dirty="0"/>
+          </a:p>
+          <a:p>
+            <a:pPr marL="285750" indent="-285750" algn="r" rtl="1">
+              <a:lnSpc>
+                <a:spcPct val="150000"/>
+              </a:lnSpc>
+              <a:buFont typeface="Arial" panose="020B0604020202020204" pitchFamily="34" charset="0"/>
+              <a:buChar char="•"/>
+            </a:pPr>
+            <a:r>
+              <a:rPr lang="he-IL" sz="1600" dirty="0"/>
+              <a:t>כפתור פגישה חדשה לא ברור וממוקם בתפריט.</a:t>
+            </a:r>
+            <a:r>
+              <a:rPr lang="en-US" sz="1600" dirty="0"/>
+              <a:t> </a:t>
+            </a:r>
+            <a:endParaRPr lang="he-IL" sz="1600" dirty="0"/>
+          </a:p>
+          <a:p>
+            <a:pPr lvl="1" algn="r" rtl="1">
+              <a:lnSpc>
+                <a:spcPct val="150000"/>
+              </a:lnSpc>
+            </a:pPr>
+            <a:r>
+              <a:rPr lang="he-IL" sz="1600" b="1" dirty="0"/>
+              <a:t>עקביות וסטנדרטים</a:t>
+            </a:r>
+            <a:endParaRPr lang="en-US" sz="3600" b="1" dirty="0"/>
+          </a:p>
+        </p:txBody>
+      </p:sp>
+    </p:spTree>
+    <p:extLst>
+      <p:ext uri="{BB962C8B-B14F-4D97-AF65-F5344CB8AC3E}">
+        <p14:creationId xmlns:p14="http://schemas.microsoft.com/office/powerpoint/2010/main" val="1675124401"/>
+      </p:ext>
+    </p:extLst>
+  </p:cSld>
+  <p:clrMapOvr>
+    <a:masterClrMapping/>
+  </p:clrMapOvr>
+</p:sld>
+</file>
+
+<file path=ppt/slides/slide70.xml><?xml version="1.0" encoding="utf-8"?>
 <p:sld xmlns:a="http://schemas.openxmlformats.org/drawingml/2006/main" xmlns:r="http://schemas.openxmlformats.org/officeDocument/2006/relationships" xmlns:p="http://schemas.openxmlformats.org/presentationml/2006/main">
   <p:cSld>
     <p:spTree>
@@ -28735,7 +30797,7 @@
 </p:sld>
 </file>
 
-<file path=ppt/slides/slide66.xml><?xml version="1.0" encoding="utf-8"?>
+<file path=ppt/slides/slide71.xml><?xml version="1.0" encoding="utf-8"?>
 <p:sld xmlns:a="http://schemas.openxmlformats.org/drawingml/2006/main" xmlns:r="http://schemas.openxmlformats.org/officeDocument/2006/relationships" xmlns:p="http://schemas.openxmlformats.org/presentationml/2006/main">
   <p:cSld>
     <p:spTree>
@@ -30602,7 +32664,7 @@
 </p:sld>
 </file>
 
-<file path=ppt/slides/slide67.xml><?xml version="1.0" encoding="utf-8"?>
+<file path=ppt/slides/slide72.xml><?xml version="1.0" encoding="utf-8"?>
 <p:sld xmlns:a="http://schemas.openxmlformats.org/drawingml/2006/main" xmlns:r="http://schemas.openxmlformats.org/officeDocument/2006/relationships" xmlns:p="http://schemas.openxmlformats.org/presentationml/2006/main">
   <p:cSld>
     <p:spTree>
@@ -30667,7 +32729,7 @@
 </p:sld>
 </file>
 
-<file path=ppt/slides/slide68.xml><?xml version="1.0" encoding="utf-8"?>
+<file path=ppt/slides/slide73.xml><?xml version="1.0" encoding="utf-8"?>
 <p:sld xmlns:a="http://schemas.openxmlformats.org/drawingml/2006/main" xmlns:r="http://schemas.openxmlformats.org/officeDocument/2006/relationships" xmlns:p="http://schemas.openxmlformats.org/presentationml/2006/main">
   <p:cSld>
     <p:spTree>
@@ -31404,7 +33466,7 @@
 </p:sld>
 </file>
 
-<file path=ppt/slides/slide69.xml><?xml version="1.0" encoding="utf-8"?>
+<file path=ppt/slides/slide74.xml><?xml version="1.0" encoding="utf-8"?>
 <p:sld xmlns:a="http://schemas.openxmlformats.org/drawingml/2006/main" xmlns:r="http://schemas.openxmlformats.org/officeDocument/2006/relationships" xmlns:p="http://schemas.openxmlformats.org/presentationml/2006/main">
   <p:cSld>
     <p:spTree>
@@ -32913,7 +34975,79 @@
 </p:sld>
 </file>
 
-<file path=ppt/slides/slide7.xml><?xml version="1.0" encoding="utf-8"?>
+<file path=ppt/slides/slide75.xml><?xml version="1.0" encoding="utf-8"?>
+<p:sld xmlns:a="http://schemas.openxmlformats.org/drawingml/2006/main" xmlns:r="http://schemas.openxmlformats.org/officeDocument/2006/relationships" xmlns:p="http://schemas.openxmlformats.org/presentationml/2006/main">
+  <p:cSld>
+    <p:spTree>
+      <p:nvGrpSpPr>
+        <p:cNvPr id="1" name=""/>
+        <p:cNvGrpSpPr/>
+        <p:nvPr/>
+      </p:nvGrpSpPr>
+      <p:grpSpPr>
+        <a:xfrm>
+          <a:off x="0" y="0"/>
+          <a:ext cx="0" cy="0"/>
+          <a:chOff x="0" y="0"/>
+          <a:chExt cx="0" cy="0"/>
+        </a:xfrm>
+      </p:grpSpPr>
+      <p:sp>
+        <p:nvSpPr>
+          <p:cNvPr id="2" name="כותרת 1">
+            <a:extLst>
+              <a:ext uri="{FF2B5EF4-FFF2-40B4-BE49-F238E27FC236}">
+                <a16:creationId xmlns:a16="http://schemas.microsoft.com/office/drawing/2014/main" id="{7E2CFF58-DDF3-4D79-8E24-D3415F37CA20}"/>
+              </a:ext>
+            </a:extLst>
+          </p:cNvPr>
+          <p:cNvSpPr>
+            <a:spLocks noGrp="1"/>
+          </p:cNvSpPr>
+          <p:nvPr>
+            <p:ph type="ctrTitle"/>
+          </p:nvPr>
+        </p:nvSpPr>
+        <p:spPr>
+          <a:xfrm>
+            <a:off x="3708747" y="2998289"/>
+            <a:ext cx="4774505" cy="861421"/>
+          </a:xfrm>
+        </p:spPr>
+        <p:txBody>
+          <a:bodyPr/>
+          <a:lstStyle/>
+          <a:p>
+            <a:pPr algn="ctr"/>
+            <a:r>
+              <a:rPr lang="he-IL" dirty="0"/>
+              <a:t>ארכיטקטורת מידע</a:t>
+            </a:r>
+            <a:br>
+              <a:rPr lang="he-IL" dirty="0"/>
+            </a:br>
+            <a:r>
+              <a:rPr lang="he-IL" dirty="0"/>
+              <a:t>ומודל הניווט</a:t>
+            </a:r>
+            <a:endParaRPr lang="en-US" dirty="0"/>
+          </a:p>
+        </p:txBody>
+      </p:sp>
+    </p:spTree>
+    <p:extLst>
+      <p:ext uri="{BB962C8B-B14F-4D97-AF65-F5344CB8AC3E}">
+        <p14:creationId xmlns:p14="http://schemas.microsoft.com/office/powerpoint/2010/main" val="1412135787"/>
+      </p:ext>
+    </p:extLst>
+  </p:cSld>
+  <p:clrMapOvr>
+    <a:masterClrMapping/>
+  </p:clrMapOvr>
+</p:sld>
+</file>
+
+<file path=ppt/slides/slide76.xml><?xml version="1.0" encoding="utf-8"?>
 <p:sld xmlns:a="http://schemas.openxmlformats.org/drawingml/2006/main" xmlns:r="http://schemas.openxmlformats.org/officeDocument/2006/relationships" xmlns:p="http://schemas.openxmlformats.org/presentationml/2006/main">
   <p:cSld>
     <p:spTree>
@@ -32954,624 +35088,6 @@
             <a:pPr algn="ctr"/>
             <a:r>
               <a:rPr lang="he-IL" sz="4800" dirty="0"/>
-              <a:t>מסך הבית</a:t>
-            </a:r>
-            <a:endParaRPr lang="en-US" sz="4800" dirty="0"/>
-          </a:p>
-        </p:txBody>
-      </p:sp>
-      <p:grpSp>
-        <p:nvGrpSpPr>
-          <p:cNvPr id="20" name="Group 19">
-            <a:extLst>
-              <a:ext uri="{FF2B5EF4-FFF2-40B4-BE49-F238E27FC236}">
-                <a16:creationId xmlns:a16="http://schemas.microsoft.com/office/drawing/2014/main" id="{658F2FAD-9CD3-4083-9C05-368B72ADF35F}"/>
-              </a:ext>
-            </a:extLst>
-          </p:cNvPr>
-          <p:cNvGrpSpPr/>
-          <p:nvPr/>
-        </p:nvGrpSpPr>
-        <p:grpSpPr>
-          <a:xfrm>
-            <a:off x="603682" y="2587752"/>
-            <a:ext cx="5492317" cy="3470148"/>
-            <a:chOff x="0" y="0"/>
-            <a:chExt cx="9144000" cy="5143500"/>
-          </a:xfrm>
-        </p:grpSpPr>
-        <p:sp>
-          <p:nvSpPr>
-            <p:cNvPr id="21" name="Google Shape;91;p15">
-              <a:extLst>
-                <a:ext uri="{FF2B5EF4-FFF2-40B4-BE49-F238E27FC236}">
-                  <a16:creationId xmlns:a16="http://schemas.microsoft.com/office/drawing/2014/main" id="{1CEB6900-4A31-4DF7-A826-F18350A49799}"/>
-                </a:ext>
-              </a:extLst>
-            </p:cNvPr>
-            <p:cNvSpPr/>
-            <p:nvPr/>
-          </p:nvSpPr>
-          <p:spPr>
-            <a:xfrm>
-              <a:off x="0" y="0"/>
-              <a:ext cx="9144000" cy="583200"/>
-            </a:xfrm>
-            <a:prstGeom prst="rect">
-              <a:avLst/>
-            </a:prstGeom>
-            <a:solidFill>
-              <a:srgbClr val="B4D0E7"/>
-            </a:solidFill>
-            <a:ln w="9525" cap="flat" cmpd="sng">
-              <a:solidFill>
-                <a:srgbClr val="B4D0E7"/>
-              </a:solidFill>
-              <a:prstDash val="solid"/>
-              <a:round/>
-              <a:headEnd type="none" w="sm" len="sm"/>
-              <a:tailEnd type="none" w="sm" len="sm"/>
-            </a:ln>
-            <a:effectLst>
-              <a:outerShdw blurRad="57150" dist="19050" dir="5400000" algn="bl" rotWithShape="0">
-                <a:schemeClr val="dk1">
-                  <a:alpha val="50000"/>
-                </a:schemeClr>
-              </a:outerShdw>
-            </a:effectLst>
-          </p:spPr>
-          <p:txBody>
-            <a:bodyPr spcFirstLastPara="1" wrap="square" lIns="91425" tIns="91425" rIns="91425" bIns="91425" anchor="ctr" anchorCtr="0">
-              <a:noAutofit/>
-            </a:bodyPr>
-            <a:lstStyle/>
-            <a:p>
-              <a:pPr marL="0" lvl="0" indent="0" algn="l" rtl="0">
-                <a:spcBef>
-                  <a:spcPts val="0"/>
-                </a:spcBef>
-                <a:spcAft>
-                  <a:spcPts val="0"/>
-                </a:spcAft>
-                <a:buNone/>
-              </a:pPr>
-              <a:endParaRPr sz="800"/>
-            </a:p>
-          </p:txBody>
-        </p:sp>
-        <p:sp>
-          <p:nvSpPr>
-            <p:cNvPr id="22" name="Google Shape;92;p15">
-              <a:extLst>
-                <a:ext uri="{FF2B5EF4-FFF2-40B4-BE49-F238E27FC236}">
-                  <a16:creationId xmlns:a16="http://schemas.microsoft.com/office/drawing/2014/main" id="{62A16A85-9B0A-44DC-9E4C-8AA74E32CCE6}"/>
-                </a:ext>
-              </a:extLst>
-            </p:cNvPr>
-            <p:cNvSpPr txBox="1"/>
-            <p:nvPr/>
-          </p:nvSpPr>
-          <p:spPr>
-            <a:xfrm>
-              <a:off x="7759591" y="120750"/>
-              <a:ext cx="1330159" cy="341701"/>
-            </a:xfrm>
-            <a:prstGeom prst="rect">
-              <a:avLst/>
-            </a:prstGeom>
-            <a:noFill/>
-            <a:ln>
-              <a:noFill/>
-            </a:ln>
-          </p:spPr>
-          <p:txBody>
-            <a:bodyPr spcFirstLastPara="1" wrap="square" lIns="91425" tIns="91425" rIns="91425" bIns="91425" anchor="t" anchorCtr="0">
-              <a:noAutofit/>
-            </a:bodyPr>
-            <a:lstStyle/>
-            <a:p>
-              <a:pPr marL="0" lvl="0" indent="0" algn="r" rtl="0">
-                <a:spcBef>
-                  <a:spcPts val="0"/>
-                </a:spcBef>
-                <a:spcAft>
-                  <a:spcPts val="0"/>
-                </a:spcAft>
-                <a:buNone/>
-              </a:pPr>
-              <a:r>
-                <a:rPr lang="iw" sz="800" dirty="0">
-                  <a:solidFill>
-                    <a:srgbClr val="FFFFFF"/>
-                  </a:solidFill>
-                </a:rPr>
-                <a:t>WeMeet</a:t>
-              </a:r>
-              <a:endParaRPr sz="800" dirty="0">
-                <a:solidFill>
-                  <a:srgbClr val="FFFFFF"/>
-                </a:solidFill>
-              </a:endParaRPr>
-            </a:p>
-          </p:txBody>
-        </p:sp>
-        <p:sp>
-          <p:nvSpPr>
-            <p:cNvPr id="23" name="Google Shape;93;p15">
-              <a:extLst>
-                <a:ext uri="{FF2B5EF4-FFF2-40B4-BE49-F238E27FC236}">
-                  <a16:creationId xmlns:a16="http://schemas.microsoft.com/office/drawing/2014/main" id="{FC8DC434-D63C-4F84-8050-621C7164CDF7}"/>
-                </a:ext>
-              </a:extLst>
-            </p:cNvPr>
-            <p:cNvSpPr txBox="1"/>
-            <p:nvPr/>
-          </p:nvSpPr>
-          <p:spPr>
-            <a:xfrm>
-              <a:off x="6514030" y="114491"/>
-              <a:ext cx="1080000" cy="327900"/>
-            </a:xfrm>
-            <a:prstGeom prst="rect">
-              <a:avLst/>
-            </a:prstGeom>
-            <a:noFill/>
-            <a:ln>
-              <a:noFill/>
-            </a:ln>
-          </p:spPr>
-          <p:txBody>
-            <a:bodyPr spcFirstLastPara="1" wrap="square" lIns="91425" tIns="91425" rIns="91425" bIns="91425" anchor="t" anchorCtr="0">
-              <a:noAutofit/>
-            </a:bodyPr>
-            <a:lstStyle/>
-            <a:p>
-              <a:pPr marL="0" lvl="0" indent="0" algn="r" rtl="1">
-                <a:spcBef>
-                  <a:spcPts val="0"/>
-                </a:spcBef>
-                <a:spcAft>
-                  <a:spcPts val="0"/>
-                </a:spcAft>
-                <a:buNone/>
-              </a:pPr>
-              <a:r>
-                <a:rPr lang="iw" sz="800" dirty="0">
-                  <a:solidFill>
-                    <a:srgbClr val="FFFFFF"/>
-                  </a:solidFill>
-                </a:rPr>
-                <a:t>אזור אישי</a:t>
-              </a:r>
-              <a:endParaRPr sz="800" dirty="0">
-                <a:solidFill>
-                  <a:srgbClr val="FFFFFF"/>
-                </a:solidFill>
-              </a:endParaRPr>
-            </a:p>
-          </p:txBody>
-        </p:sp>
-        <p:sp>
-          <p:nvSpPr>
-            <p:cNvPr id="24" name="Google Shape;94;p15">
-              <a:extLst>
-                <a:ext uri="{FF2B5EF4-FFF2-40B4-BE49-F238E27FC236}">
-                  <a16:creationId xmlns:a16="http://schemas.microsoft.com/office/drawing/2014/main" id="{755C1065-94C8-49E0-A38C-37668A678C16}"/>
-                </a:ext>
-              </a:extLst>
-            </p:cNvPr>
-            <p:cNvSpPr txBox="1"/>
-            <p:nvPr/>
-          </p:nvSpPr>
-          <p:spPr>
-            <a:xfrm>
-              <a:off x="4842907" y="127650"/>
-              <a:ext cx="1476000" cy="327900"/>
-            </a:xfrm>
-            <a:prstGeom prst="rect">
-              <a:avLst/>
-            </a:prstGeom>
-            <a:noFill/>
-            <a:ln>
-              <a:noFill/>
-            </a:ln>
-          </p:spPr>
-          <p:txBody>
-            <a:bodyPr spcFirstLastPara="1" wrap="square" lIns="91425" tIns="91425" rIns="91425" bIns="91425" anchor="t" anchorCtr="0">
-              <a:noAutofit/>
-            </a:bodyPr>
-            <a:lstStyle/>
-            <a:p>
-              <a:pPr marL="0" lvl="0" indent="0" algn="r" rtl="1">
-                <a:spcBef>
-                  <a:spcPts val="0"/>
-                </a:spcBef>
-                <a:spcAft>
-                  <a:spcPts val="0"/>
-                </a:spcAft>
-                <a:buNone/>
-              </a:pPr>
-              <a:r>
-                <a:rPr lang="iw" sz="800" dirty="0">
-                  <a:solidFill>
-                    <a:srgbClr val="FFFFFF"/>
-                  </a:solidFill>
-                </a:rPr>
-                <a:t>פגישה חדשה</a:t>
-              </a:r>
-              <a:endParaRPr sz="800" dirty="0">
-                <a:solidFill>
-                  <a:srgbClr val="FFFFFF"/>
-                </a:solidFill>
-              </a:endParaRPr>
-            </a:p>
-          </p:txBody>
-        </p:sp>
-        <p:sp>
-          <p:nvSpPr>
-            <p:cNvPr id="25" name="Google Shape;95;p15">
-              <a:extLst>
-                <a:ext uri="{FF2B5EF4-FFF2-40B4-BE49-F238E27FC236}">
-                  <a16:creationId xmlns:a16="http://schemas.microsoft.com/office/drawing/2014/main" id="{823D2CA7-AFF5-4DF6-915A-A9FDA4D3BB2B}"/>
-                </a:ext>
-              </a:extLst>
-            </p:cNvPr>
-            <p:cNvSpPr txBox="1"/>
-            <p:nvPr/>
-          </p:nvSpPr>
-          <p:spPr>
-            <a:xfrm>
-              <a:off x="314375" y="127650"/>
-              <a:ext cx="862800" cy="327900"/>
-            </a:xfrm>
-            <a:prstGeom prst="rect">
-              <a:avLst/>
-            </a:prstGeom>
-            <a:noFill/>
-            <a:ln>
-              <a:noFill/>
-            </a:ln>
-          </p:spPr>
-          <p:txBody>
-            <a:bodyPr spcFirstLastPara="1" wrap="square" lIns="91425" tIns="91425" rIns="91425" bIns="91425" anchor="t" anchorCtr="0">
-              <a:noAutofit/>
-            </a:bodyPr>
-            <a:lstStyle/>
-            <a:p>
-              <a:pPr marL="0" lvl="0" indent="0" algn="r" rtl="1">
-                <a:spcBef>
-                  <a:spcPts val="0"/>
-                </a:spcBef>
-                <a:spcAft>
-                  <a:spcPts val="0"/>
-                </a:spcAft>
-                <a:buNone/>
-              </a:pPr>
-              <a:r>
-                <a:rPr lang="iw" sz="800">
-                  <a:solidFill>
-                    <a:srgbClr val="FFFFFF"/>
-                  </a:solidFill>
-                </a:rPr>
-                <a:t>התנתק</a:t>
-              </a:r>
-              <a:endParaRPr sz="800">
-                <a:solidFill>
-                  <a:srgbClr val="FFFFFF"/>
-                </a:solidFill>
-              </a:endParaRPr>
-            </a:p>
-          </p:txBody>
-        </p:sp>
-        <p:pic>
-          <p:nvPicPr>
-            <p:cNvPr id="26" name="Google Shape;96;p15">
-              <a:extLst>
-                <a:ext uri="{FF2B5EF4-FFF2-40B4-BE49-F238E27FC236}">
-                  <a16:creationId xmlns:a16="http://schemas.microsoft.com/office/drawing/2014/main" id="{A1478F72-1340-4F9B-B43B-F0E74452AA54}"/>
-                </a:ext>
-              </a:extLst>
-            </p:cNvPr>
-            <p:cNvPicPr preferRelativeResize="0"/>
-            <p:nvPr/>
-          </p:nvPicPr>
-          <p:blipFill>
-            <a:blip r:embed="rId2">
-              <a:alphaModFix/>
-            </a:blip>
-            <a:stretch>
-              <a:fillRect/>
-            </a:stretch>
-          </p:blipFill>
-          <p:spPr>
-            <a:xfrm>
-              <a:off x="0" y="1069008"/>
-              <a:ext cx="9143999" cy="4074492"/>
-            </a:xfrm>
-            <a:prstGeom prst="rect">
-              <a:avLst/>
-            </a:prstGeom>
-            <a:noFill/>
-            <a:ln>
-              <a:noFill/>
-            </a:ln>
-          </p:spPr>
-        </p:pic>
-      </p:grpSp>
-      <p:sp>
-        <p:nvSpPr>
-          <p:cNvPr id="27" name="TextBox 26">
-            <a:extLst>
-              <a:ext uri="{FF2B5EF4-FFF2-40B4-BE49-F238E27FC236}">
-                <a16:creationId xmlns:a16="http://schemas.microsoft.com/office/drawing/2014/main" id="{793931D8-69E6-451B-8BCE-EC76158083DE}"/>
-              </a:ext>
-            </a:extLst>
-          </p:cNvPr>
-          <p:cNvSpPr txBox="1"/>
-          <p:nvPr/>
-        </p:nvSpPr>
-        <p:spPr>
-          <a:xfrm>
-            <a:off x="6704846" y="2664995"/>
-            <a:ext cx="5193437" cy="3410934"/>
-          </a:xfrm>
-          <a:prstGeom prst="rect">
-            <a:avLst/>
-          </a:prstGeom>
-          <a:noFill/>
-        </p:spPr>
-        <p:txBody>
-          <a:bodyPr wrap="square" rtlCol="0">
-            <a:spAutoFit/>
-          </a:bodyPr>
-          <a:lstStyle/>
-          <a:p>
-            <a:pPr marL="285750" indent="-285750" algn="r" rtl="1">
-              <a:lnSpc>
-                <a:spcPct val="150000"/>
-              </a:lnSpc>
-              <a:buFont typeface="Arial" panose="020B0604020202020204" pitchFamily="34" charset="0"/>
-              <a:buChar char="•"/>
-            </a:pPr>
-            <a:r>
-              <a:rPr lang="he-IL" sz="1600" dirty="0"/>
-              <a:t>אין כפתור למחיקת אילוץ\פגישה לאחר שעשינו אותה</a:t>
-            </a:r>
-            <a:r>
-              <a:rPr lang="en-US" sz="1600" dirty="0"/>
-              <a:t> </a:t>
-            </a:r>
-            <a:r>
-              <a:rPr lang="he-IL" sz="1600" dirty="0"/>
-              <a:t>(נרצה לבטל בלחיצת כפתור).</a:t>
-            </a:r>
-            <a:r>
-              <a:rPr lang="en-US" sz="1600" dirty="0"/>
-              <a:t> </a:t>
-            </a:r>
-            <a:r>
-              <a:rPr lang="he-IL" sz="1600" b="1" dirty="0"/>
-              <a:t>שליטה וחופש של המשתמש</a:t>
-            </a:r>
-            <a:endParaRPr lang="he-IL" sz="900" b="1" dirty="0"/>
-          </a:p>
-          <a:p>
-            <a:pPr marL="285750" indent="-285750" algn="r" rtl="1">
-              <a:lnSpc>
-                <a:spcPct val="150000"/>
-              </a:lnSpc>
-              <a:buFont typeface="Arial" panose="020B0604020202020204" pitchFamily="34" charset="0"/>
-              <a:buChar char="•"/>
-            </a:pPr>
-            <a:r>
-              <a:rPr lang="he-IL" sz="1600" dirty="0"/>
-              <a:t>הכפתורים לא נראים לחיצים (לא נראים כמו כפתורים)</a:t>
-            </a:r>
-            <a:endParaRPr lang="en-US" sz="1600" dirty="0"/>
-          </a:p>
-          <a:p>
-            <a:pPr algn="r" rtl="1">
-              <a:lnSpc>
-                <a:spcPct val="150000"/>
-              </a:lnSpc>
-            </a:pPr>
-            <a:r>
-              <a:rPr lang="en-US" sz="1600" dirty="0"/>
-              <a:t>	</a:t>
-            </a:r>
-            <a:r>
-              <a:rPr lang="he-IL" sz="1600" b="1" dirty="0"/>
-              <a:t>נראות מצב המערכת</a:t>
-            </a:r>
-            <a:endParaRPr lang="he-IL" sz="900" b="1" dirty="0"/>
-          </a:p>
-          <a:p>
-            <a:pPr marL="285750" indent="-285750" algn="r" rtl="1">
-              <a:lnSpc>
-                <a:spcPct val="150000"/>
-              </a:lnSpc>
-              <a:buFont typeface="Arial" panose="020B0604020202020204" pitchFamily="34" charset="0"/>
-              <a:buChar char="•"/>
-            </a:pPr>
-            <a:r>
-              <a:rPr lang="he-IL" sz="1600" dirty="0"/>
-              <a:t>כפתור הוספת אילוץ לא ברור מה עושה נראה כמו הוספת פגישה</a:t>
-            </a:r>
-          </a:p>
-          <a:p>
-            <a:pPr algn="r" rtl="1">
-              <a:lnSpc>
-                <a:spcPct val="150000"/>
-              </a:lnSpc>
-            </a:pPr>
-            <a:r>
-              <a:rPr lang="he-IL" sz="1400" dirty="0"/>
-              <a:t>	</a:t>
-            </a:r>
-            <a:r>
-              <a:rPr lang="he-IL" sz="1600" b="1" dirty="0"/>
-              <a:t>זיהוי במקום היזכרות</a:t>
-            </a:r>
-            <a:endParaRPr lang="he-IL" sz="900" b="1" dirty="0"/>
-          </a:p>
-          <a:p>
-            <a:pPr marL="285750" indent="-285750" algn="r" rtl="1">
-              <a:lnSpc>
-                <a:spcPct val="150000"/>
-              </a:lnSpc>
-              <a:buFont typeface="Arial" panose="020B0604020202020204" pitchFamily="34" charset="0"/>
-              <a:buChar char="•"/>
-            </a:pPr>
-            <a:r>
-              <a:rPr lang="he-IL" sz="1600" dirty="0"/>
-              <a:t>כפתור פגישה חדשה לא ברור וממוקם בתפריט.</a:t>
-            </a:r>
-            <a:r>
-              <a:rPr lang="en-US" sz="1600" dirty="0"/>
-              <a:t> </a:t>
-            </a:r>
-            <a:endParaRPr lang="he-IL" sz="1600" dirty="0"/>
-          </a:p>
-          <a:p>
-            <a:pPr lvl="1" algn="r" rtl="1">
-              <a:lnSpc>
-                <a:spcPct val="150000"/>
-              </a:lnSpc>
-            </a:pPr>
-            <a:r>
-              <a:rPr lang="he-IL" sz="1600" b="1" dirty="0"/>
-              <a:t>עקביות וסטנדרטים</a:t>
-            </a:r>
-            <a:endParaRPr lang="en-US" sz="3600" b="1" dirty="0"/>
-          </a:p>
-        </p:txBody>
-      </p:sp>
-    </p:spTree>
-    <p:extLst>
-      <p:ext uri="{BB962C8B-B14F-4D97-AF65-F5344CB8AC3E}">
-        <p14:creationId xmlns:p14="http://schemas.microsoft.com/office/powerpoint/2010/main" val="1675124401"/>
-      </p:ext>
-    </p:extLst>
-  </p:cSld>
-  <p:clrMapOvr>
-    <a:masterClrMapping/>
-  </p:clrMapOvr>
-</p:sld>
-</file>
-
-<file path=ppt/slides/slide70.xml><?xml version="1.0" encoding="utf-8"?>
-<p:sld xmlns:a="http://schemas.openxmlformats.org/drawingml/2006/main" xmlns:r="http://schemas.openxmlformats.org/officeDocument/2006/relationships" xmlns:p="http://schemas.openxmlformats.org/presentationml/2006/main">
-  <p:cSld>
-    <p:spTree>
-      <p:nvGrpSpPr>
-        <p:cNvPr id="1" name=""/>
-        <p:cNvGrpSpPr/>
-        <p:nvPr/>
-      </p:nvGrpSpPr>
-      <p:grpSpPr>
-        <a:xfrm>
-          <a:off x="0" y="0"/>
-          <a:ext cx="0" cy="0"/>
-          <a:chOff x="0" y="0"/>
-          <a:chExt cx="0" cy="0"/>
-        </a:xfrm>
-      </p:grpSpPr>
-      <p:sp>
-        <p:nvSpPr>
-          <p:cNvPr id="2" name="כותרת 1">
-            <a:extLst>
-              <a:ext uri="{FF2B5EF4-FFF2-40B4-BE49-F238E27FC236}">
-                <a16:creationId xmlns:a16="http://schemas.microsoft.com/office/drawing/2014/main" id="{7E2CFF58-DDF3-4D79-8E24-D3415F37CA20}"/>
-              </a:ext>
-            </a:extLst>
-          </p:cNvPr>
-          <p:cNvSpPr>
-            <a:spLocks noGrp="1"/>
-          </p:cNvSpPr>
-          <p:nvPr>
-            <p:ph type="ctrTitle"/>
-          </p:nvPr>
-        </p:nvSpPr>
-        <p:spPr>
-          <a:xfrm>
-            <a:off x="3708747" y="2998289"/>
-            <a:ext cx="4774505" cy="861421"/>
-          </a:xfrm>
-        </p:spPr>
-        <p:txBody>
-          <a:bodyPr/>
-          <a:lstStyle/>
-          <a:p>
-            <a:pPr algn="ctr"/>
-            <a:r>
-              <a:rPr lang="he-IL" dirty="0"/>
-              <a:t>ארכיטקטורת מידע</a:t>
-            </a:r>
-            <a:br>
-              <a:rPr lang="he-IL" dirty="0"/>
-            </a:br>
-            <a:r>
-              <a:rPr lang="he-IL" dirty="0"/>
-              <a:t>ומודל הניווט</a:t>
-            </a:r>
-            <a:endParaRPr lang="en-US" dirty="0"/>
-          </a:p>
-        </p:txBody>
-      </p:sp>
-    </p:spTree>
-    <p:extLst>
-      <p:ext uri="{BB962C8B-B14F-4D97-AF65-F5344CB8AC3E}">
-        <p14:creationId xmlns:p14="http://schemas.microsoft.com/office/powerpoint/2010/main" val="1412135787"/>
-      </p:ext>
-    </p:extLst>
-  </p:cSld>
-  <p:clrMapOvr>
-    <a:masterClrMapping/>
-  </p:clrMapOvr>
-</p:sld>
-</file>
-
-<file path=ppt/slides/slide71.xml><?xml version="1.0" encoding="utf-8"?>
-<p:sld xmlns:a="http://schemas.openxmlformats.org/drawingml/2006/main" xmlns:r="http://schemas.openxmlformats.org/officeDocument/2006/relationships" xmlns:p="http://schemas.openxmlformats.org/presentationml/2006/main">
-  <p:cSld>
-    <p:spTree>
-      <p:nvGrpSpPr>
-        <p:cNvPr id="1" name=""/>
-        <p:cNvGrpSpPr/>
-        <p:nvPr/>
-      </p:nvGrpSpPr>
-      <p:grpSpPr>
-        <a:xfrm>
-          <a:off x="0" y="0"/>
-          <a:ext cx="0" cy="0"/>
-          <a:chOff x="0" y="0"/>
-          <a:chExt cx="0" cy="0"/>
-        </a:xfrm>
-      </p:grpSpPr>
-      <p:sp>
-        <p:nvSpPr>
-          <p:cNvPr id="2" name="Title 1">
-            <a:extLst>
-              <a:ext uri="{FF2B5EF4-FFF2-40B4-BE49-F238E27FC236}">
-                <a16:creationId xmlns:a16="http://schemas.microsoft.com/office/drawing/2014/main" id="{F2E75ACD-C303-46DD-8FB4-27FC6A409857}"/>
-              </a:ext>
-            </a:extLst>
-          </p:cNvPr>
-          <p:cNvSpPr>
-            <a:spLocks noGrp="1"/>
-          </p:cNvSpPr>
-          <p:nvPr>
-            <p:ph type="title"/>
-          </p:nvPr>
-        </p:nvSpPr>
-        <p:spPr/>
-        <p:txBody>
-          <a:bodyPr/>
-          <a:lstStyle/>
-          <a:p>
-            <a:pPr algn="ctr"/>
-            <a:r>
-              <a:rPr lang="he-IL" sz="4800" dirty="0"/>
               <a:t>ארכיטקטורת מידע</a:t>
             </a:r>
             <a:endParaRPr lang="en-US" sz="4800" dirty="0"/>
@@ -33735,7 +35251,7 @@
 </p:sld>
 </file>
 
-<file path=ppt/slides/slide72.xml><?xml version="1.0" encoding="utf-8"?>
+<file path=ppt/slides/slide77.xml><?xml version="1.0" encoding="utf-8"?>
 <p:sld xmlns:a="http://schemas.openxmlformats.org/drawingml/2006/main" xmlns:r="http://schemas.openxmlformats.org/officeDocument/2006/relationships" xmlns:p="http://schemas.openxmlformats.org/presentationml/2006/main">
   <p:cSld>
     <p:spTree>
@@ -33752,6 +35268,36 @@
           <a:chExt cx="0" cy="0"/>
         </a:xfrm>
       </p:grpSpPr>
+      <p:pic>
+        <p:nvPicPr>
+          <p:cNvPr id="11" name="Picture 10">
+            <a:extLst>
+              <a:ext uri="{FF2B5EF4-FFF2-40B4-BE49-F238E27FC236}">
+                <a16:creationId xmlns:a16="http://schemas.microsoft.com/office/drawing/2014/main" id="{307CED89-1690-4F64-AE76-8F1E1E1D815A}"/>
+              </a:ext>
+            </a:extLst>
+          </p:cNvPr>
+          <p:cNvPicPr>
+            <a:picLocks noChangeAspect="1"/>
+          </p:cNvPicPr>
+          <p:nvPr/>
+        </p:nvPicPr>
+        <p:blipFill>
+          <a:blip r:embed="rId2"/>
+          <a:stretch>
+            <a:fillRect/>
+          </a:stretch>
+        </p:blipFill>
+        <p:spPr>
+          <a:xfrm>
+            <a:off x="-1" y="2334827"/>
+            <a:ext cx="8210550" cy="4523173"/>
+          </a:xfrm>
+          <a:prstGeom prst="rect">
+            <a:avLst/>
+          </a:prstGeom>
+        </p:spPr>
+      </p:pic>
       <p:sp>
         <p:nvSpPr>
           <p:cNvPr id="2" name="Title 1">
@@ -33782,36 +35328,6 @@
           </a:p>
         </p:txBody>
       </p:sp>
-      <p:pic>
-        <p:nvPicPr>
-          <p:cNvPr id="3" name="תמונה 2">
-            <a:extLst>
-              <a:ext uri="{FF2B5EF4-FFF2-40B4-BE49-F238E27FC236}">
-                <a16:creationId xmlns:a16="http://schemas.microsoft.com/office/drawing/2014/main" id="{A55282CC-442F-4983-9221-06D6A8EDAF5D}"/>
-              </a:ext>
-            </a:extLst>
-          </p:cNvPr>
-          <p:cNvPicPr>
-            <a:picLocks noChangeAspect="1"/>
-          </p:cNvPicPr>
-          <p:nvPr/>
-        </p:nvPicPr>
-        <p:blipFill>
-          <a:blip r:embed="rId2"/>
-          <a:stretch>
-            <a:fillRect/>
-          </a:stretch>
-        </p:blipFill>
-        <p:spPr>
-          <a:xfrm>
-            <a:off x="0" y="2257425"/>
-            <a:ext cx="8210550" cy="4600575"/>
-          </a:xfrm>
-          <a:prstGeom prst="rect">
-            <a:avLst/>
-          </a:prstGeom>
-        </p:spPr>
-      </p:pic>
       <p:sp>
         <p:nvSpPr>
           <p:cNvPr id="12" name="תיבת טקסט 11">
@@ -34098,7 +35614,7 @@
 </p:sld>
 </file>
 
-<file path=ppt/slides/slide73.xml><?xml version="1.0" encoding="utf-8"?>
+<file path=ppt/slides/slide78.xml><?xml version="1.0" encoding="utf-8"?>
 <p:sld xmlns:a="http://schemas.openxmlformats.org/drawingml/2006/main" xmlns:r="http://schemas.openxmlformats.org/officeDocument/2006/relationships" xmlns:p="http://schemas.openxmlformats.org/presentationml/2006/main">
   <p:cSld>
     <p:spTree>
@@ -34339,7 +35855,7 @@
 </p:sld>
 </file>
 
-<file path=ppt/slides/slide74.xml><?xml version="1.0" encoding="utf-8"?>
+<file path=ppt/slides/slide79.xml><?xml version="1.0" encoding="utf-8"?>
 <p:sld xmlns:a="http://schemas.openxmlformats.org/drawingml/2006/main" xmlns:r="http://schemas.openxmlformats.org/officeDocument/2006/relationships" xmlns:p="http://schemas.openxmlformats.org/presentationml/2006/main">
   <p:cSld>
     <p:spTree>

--- a/ux_course/מצגת סופית להגשה.pptx
+++ b/ux_course/מצגת סופית להגשה.pptx
@@ -5,7 +5,7 @@
     <p:sldMasterId id="2147483828" r:id="rId1"/>
   </p:sldMasterIdLst>
   <p:notesMasterIdLst>
-    <p:notesMasterId r:id="rId81"/>
+    <p:notesMasterId r:id="rId82"/>
   </p:notesMasterIdLst>
   <p:sldIdLst>
     <p:sldId id="262" r:id="rId2"/>
@@ -19,74 +19,75 @@
     <p:sldId id="259" r:id="rId10"/>
     <p:sldId id="263" r:id="rId11"/>
     <p:sldId id="281" r:id="rId12"/>
-    <p:sldId id="307" r:id="rId13"/>
-    <p:sldId id="308" r:id="rId14"/>
-    <p:sldId id="309" r:id="rId15"/>
-    <p:sldId id="268" r:id="rId16"/>
-    <p:sldId id="293" r:id="rId17"/>
-    <p:sldId id="292" r:id="rId18"/>
-    <p:sldId id="290" r:id="rId19"/>
-    <p:sldId id="291" r:id="rId20"/>
-    <p:sldId id="332" r:id="rId21"/>
-    <p:sldId id="333" r:id="rId22"/>
-    <p:sldId id="269" r:id="rId23"/>
-    <p:sldId id="270" r:id="rId24"/>
-    <p:sldId id="271" r:id="rId25"/>
-    <p:sldId id="272" r:id="rId26"/>
-    <p:sldId id="273" r:id="rId27"/>
-    <p:sldId id="274" r:id="rId28"/>
-    <p:sldId id="275" r:id="rId29"/>
-    <p:sldId id="276" r:id="rId30"/>
-    <p:sldId id="277" r:id="rId31"/>
-    <p:sldId id="317" r:id="rId32"/>
-    <p:sldId id="318" r:id="rId33"/>
-    <p:sldId id="278" r:id="rId34"/>
-    <p:sldId id="279" r:id="rId35"/>
-    <p:sldId id="280" r:id="rId36"/>
-    <p:sldId id="320" r:id="rId37"/>
-    <p:sldId id="321" r:id="rId38"/>
-    <p:sldId id="322" r:id="rId39"/>
-    <p:sldId id="319" r:id="rId40"/>
-    <p:sldId id="329" r:id="rId41"/>
-    <p:sldId id="331" r:id="rId42"/>
-    <p:sldId id="330" r:id="rId43"/>
-    <p:sldId id="282" r:id="rId44"/>
-    <p:sldId id="283" r:id="rId45"/>
-    <p:sldId id="284" r:id="rId46"/>
-    <p:sldId id="285" r:id="rId47"/>
-    <p:sldId id="286" r:id="rId48"/>
-    <p:sldId id="287" r:id="rId49"/>
-    <p:sldId id="288" r:id="rId50"/>
-    <p:sldId id="289" r:id="rId51"/>
-    <p:sldId id="334" r:id="rId52"/>
-    <p:sldId id="297" r:id="rId53"/>
-    <p:sldId id="299" r:id="rId54"/>
-    <p:sldId id="310" r:id="rId55"/>
-    <p:sldId id="300" r:id="rId56"/>
-    <p:sldId id="301" r:id="rId57"/>
-    <p:sldId id="302" r:id="rId58"/>
-    <p:sldId id="303" r:id="rId59"/>
-    <p:sldId id="305" r:id="rId60"/>
-    <p:sldId id="304" r:id="rId61"/>
-    <p:sldId id="306" r:id="rId62"/>
-    <p:sldId id="296" r:id="rId63"/>
-    <p:sldId id="295" r:id="rId64"/>
-    <p:sldId id="335" r:id="rId65"/>
-    <p:sldId id="336" r:id="rId66"/>
-    <p:sldId id="337" r:id="rId67"/>
-    <p:sldId id="338" r:id="rId68"/>
-    <p:sldId id="339" r:id="rId69"/>
-    <p:sldId id="311" r:id="rId70"/>
-    <p:sldId id="313" r:id="rId71"/>
-    <p:sldId id="314" r:id="rId72"/>
-    <p:sldId id="315" r:id="rId73"/>
-    <p:sldId id="323" r:id="rId74"/>
-    <p:sldId id="324" r:id="rId75"/>
-    <p:sldId id="316" r:id="rId76"/>
-    <p:sldId id="325" r:id="rId77"/>
-    <p:sldId id="326" r:id="rId78"/>
-    <p:sldId id="327" r:id="rId79"/>
-    <p:sldId id="328" r:id="rId80"/>
+    <p:sldId id="340" r:id="rId13"/>
+    <p:sldId id="307" r:id="rId14"/>
+    <p:sldId id="308" r:id="rId15"/>
+    <p:sldId id="309" r:id="rId16"/>
+    <p:sldId id="268" r:id="rId17"/>
+    <p:sldId id="293" r:id="rId18"/>
+    <p:sldId id="292" r:id="rId19"/>
+    <p:sldId id="290" r:id="rId20"/>
+    <p:sldId id="291" r:id="rId21"/>
+    <p:sldId id="332" r:id="rId22"/>
+    <p:sldId id="333" r:id="rId23"/>
+    <p:sldId id="269" r:id="rId24"/>
+    <p:sldId id="270" r:id="rId25"/>
+    <p:sldId id="271" r:id="rId26"/>
+    <p:sldId id="272" r:id="rId27"/>
+    <p:sldId id="273" r:id="rId28"/>
+    <p:sldId id="274" r:id="rId29"/>
+    <p:sldId id="275" r:id="rId30"/>
+    <p:sldId id="276" r:id="rId31"/>
+    <p:sldId id="277" r:id="rId32"/>
+    <p:sldId id="317" r:id="rId33"/>
+    <p:sldId id="318" r:id="rId34"/>
+    <p:sldId id="278" r:id="rId35"/>
+    <p:sldId id="279" r:id="rId36"/>
+    <p:sldId id="280" r:id="rId37"/>
+    <p:sldId id="320" r:id="rId38"/>
+    <p:sldId id="321" r:id="rId39"/>
+    <p:sldId id="322" r:id="rId40"/>
+    <p:sldId id="319" r:id="rId41"/>
+    <p:sldId id="329" r:id="rId42"/>
+    <p:sldId id="331" r:id="rId43"/>
+    <p:sldId id="330" r:id="rId44"/>
+    <p:sldId id="282" r:id="rId45"/>
+    <p:sldId id="283" r:id="rId46"/>
+    <p:sldId id="284" r:id="rId47"/>
+    <p:sldId id="285" r:id="rId48"/>
+    <p:sldId id="286" r:id="rId49"/>
+    <p:sldId id="287" r:id="rId50"/>
+    <p:sldId id="288" r:id="rId51"/>
+    <p:sldId id="289" r:id="rId52"/>
+    <p:sldId id="334" r:id="rId53"/>
+    <p:sldId id="297" r:id="rId54"/>
+    <p:sldId id="299" r:id="rId55"/>
+    <p:sldId id="310" r:id="rId56"/>
+    <p:sldId id="300" r:id="rId57"/>
+    <p:sldId id="301" r:id="rId58"/>
+    <p:sldId id="302" r:id="rId59"/>
+    <p:sldId id="303" r:id="rId60"/>
+    <p:sldId id="305" r:id="rId61"/>
+    <p:sldId id="304" r:id="rId62"/>
+    <p:sldId id="306" r:id="rId63"/>
+    <p:sldId id="296" r:id="rId64"/>
+    <p:sldId id="295" r:id="rId65"/>
+    <p:sldId id="335" r:id="rId66"/>
+    <p:sldId id="336" r:id="rId67"/>
+    <p:sldId id="337" r:id="rId68"/>
+    <p:sldId id="338" r:id="rId69"/>
+    <p:sldId id="339" r:id="rId70"/>
+    <p:sldId id="311" r:id="rId71"/>
+    <p:sldId id="313" r:id="rId72"/>
+    <p:sldId id="314" r:id="rId73"/>
+    <p:sldId id="315" r:id="rId74"/>
+    <p:sldId id="323" r:id="rId75"/>
+    <p:sldId id="324" r:id="rId76"/>
+    <p:sldId id="316" r:id="rId77"/>
+    <p:sldId id="325" r:id="rId78"/>
+    <p:sldId id="326" r:id="rId79"/>
+    <p:sldId id="327" r:id="rId80"/>
+    <p:sldId id="328" r:id="rId81"/>
   </p:sldIdLst>
   <p:sldSz cx="12192000" cy="6858000"/>
   <p:notesSz cx="6858000" cy="9144000"/>
@@ -275,7 +276,7 @@
           <a:p>
             <a:fld id="{EECBF3D3-3F3C-4185-B7B9-1B22B8E19755}" type="datetimeFigureOut">
               <a:rPr lang="en-US" smtClean="0"/>
-              <a:t>8/30/2019</a:t>
+              <a:t>8/31/2019</a:t>
             </a:fld>
             <a:endParaRPr lang="en-US"/>
           </a:p>
@@ -691,7 +692,7 @@
           <a:p>
             <a:fld id="{6E084796-162D-476E-82D2-4B26235D4C2C}" type="slidenum">
               <a:rPr lang="en-US" smtClean="0"/>
-              <a:t>58</a:t>
+              <a:t>59</a:t>
             </a:fld>
             <a:endParaRPr lang="en-US"/>
           </a:p>
@@ -1218,7 +1219,7 @@
           <a:p>
             <a:fld id="{C4112ACB-F900-457F-BFCF-7AFE3E0F446C}" type="datetimeFigureOut">
               <a:rPr lang="en-US" smtClean="0"/>
-              <a:t>8/30/2019</a:t>
+              <a:t>8/31/2019</a:t>
             </a:fld>
             <a:endParaRPr lang="en-US"/>
           </a:p>
@@ -2200,7 +2201,7 @@
           <a:p>
             <a:fld id="{C4112ACB-F900-457F-BFCF-7AFE3E0F446C}" type="datetimeFigureOut">
               <a:rPr lang="en-US" smtClean="0"/>
-              <a:t>8/30/2019</a:t>
+              <a:t>8/31/2019</a:t>
             </a:fld>
             <a:endParaRPr lang="en-US"/>
           </a:p>
@@ -3070,7 +3071,7 @@
           <a:p>
             <a:fld id="{C4112ACB-F900-457F-BFCF-7AFE3E0F446C}" type="datetimeFigureOut">
               <a:rPr lang="en-US" smtClean="0"/>
-              <a:t>8/30/2019</a:t>
+              <a:t>8/31/2019</a:t>
             </a:fld>
             <a:endParaRPr lang="en-US"/>
           </a:p>
@@ -4091,7 +4092,7 @@
           <a:p>
             <a:fld id="{C4112ACB-F900-457F-BFCF-7AFE3E0F446C}" type="datetimeFigureOut">
               <a:rPr lang="en-US" smtClean="0"/>
-              <a:t>8/30/2019</a:t>
+              <a:t>8/31/2019</a:t>
             </a:fld>
             <a:endParaRPr lang="en-US"/>
           </a:p>
@@ -5011,7 +5012,7 @@
           <a:p>
             <a:fld id="{C4112ACB-F900-457F-BFCF-7AFE3E0F446C}" type="datetimeFigureOut">
               <a:rPr lang="en-US" smtClean="0"/>
-              <a:t>8/30/2019</a:t>
+              <a:t>8/31/2019</a:t>
             </a:fld>
             <a:endParaRPr lang="en-US"/>
           </a:p>
@@ -5667,7 +5668,7 @@
           <a:p>
             <a:fld id="{C4112ACB-F900-457F-BFCF-7AFE3E0F446C}" type="datetimeFigureOut">
               <a:rPr lang="en-US" smtClean="0"/>
-              <a:t>8/30/2019</a:t>
+              <a:t>8/31/2019</a:t>
             </a:fld>
             <a:endParaRPr lang="en-US"/>
           </a:p>
@@ -6524,7 +6525,7 @@
           <a:p>
             <a:fld id="{C4112ACB-F900-457F-BFCF-7AFE3E0F446C}" type="datetimeFigureOut">
               <a:rPr lang="en-US" smtClean="0"/>
-              <a:t>8/30/2019</a:t>
+              <a:t>8/31/2019</a:t>
             </a:fld>
             <a:endParaRPr lang="en-US"/>
           </a:p>
@@ -6707,7 +6708,7 @@
           <a:p>
             <a:fld id="{C4112ACB-F900-457F-BFCF-7AFE3E0F446C}" type="datetimeFigureOut">
               <a:rPr lang="en-US" smtClean="0"/>
-              <a:t>8/30/2019</a:t>
+              <a:t>8/31/2019</a:t>
             </a:fld>
             <a:endParaRPr lang="en-US"/>
           </a:p>
@@ -7564,7 +7565,7 @@
           <a:p>
             <a:fld id="{C4112ACB-F900-457F-BFCF-7AFE3E0F446C}" type="datetimeFigureOut">
               <a:rPr lang="en-US" smtClean="0"/>
-              <a:t>8/30/2019</a:t>
+              <a:t>8/31/2019</a:t>
             </a:fld>
             <a:endParaRPr lang="en-US"/>
           </a:p>
@@ -7783,7 +7784,7 @@
           <a:p>
             <a:fld id="{C4112ACB-F900-457F-BFCF-7AFE3E0F446C}" type="datetimeFigureOut">
               <a:rPr lang="en-US" smtClean="0"/>
-              <a:t>8/30/2019</a:t>
+              <a:t>8/31/2019</a:t>
             </a:fld>
             <a:endParaRPr lang="en-US"/>
           </a:p>
@@ -8708,7 +8709,7 @@
           <a:p>
             <a:fld id="{C4112ACB-F900-457F-BFCF-7AFE3E0F446C}" type="datetimeFigureOut">
               <a:rPr lang="en-US" smtClean="0"/>
-              <a:t>8/30/2019</a:t>
+              <a:t>8/31/2019</a:t>
             </a:fld>
             <a:endParaRPr lang="en-US"/>
           </a:p>
@@ -8992,7 +8993,7 @@
           <a:p>
             <a:fld id="{C4112ACB-F900-457F-BFCF-7AFE3E0F446C}" type="datetimeFigureOut">
               <a:rPr lang="en-US" smtClean="0"/>
-              <a:t>8/30/2019</a:t>
+              <a:t>8/31/2019</a:t>
             </a:fld>
             <a:endParaRPr lang="en-US"/>
           </a:p>
@@ -9382,7 +9383,7 @@
           <a:p>
             <a:fld id="{C4112ACB-F900-457F-BFCF-7AFE3E0F446C}" type="datetimeFigureOut">
               <a:rPr lang="en-US" smtClean="0"/>
-              <a:t>8/30/2019</a:t>
+              <a:t>8/31/2019</a:t>
             </a:fld>
             <a:endParaRPr lang="en-US"/>
           </a:p>
@@ -9508,7 +9509,7 @@
           <a:p>
             <a:fld id="{C4112ACB-F900-457F-BFCF-7AFE3E0F446C}" type="datetimeFigureOut">
               <a:rPr lang="en-US" smtClean="0"/>
-              <a:t>8/30/2019</a:t>
+              <a:t>8/31/2019</a:t>
             </a:fld>
             <a:endParaRPr lang="en-US"/>
           </a:p>
@@ -9603,7 +9604,7 @@
           <a:p>
             <a:fld id="{C4112ACB-F900-457F-BFCF-7AFE3E0F446C}" type="datetimeFigureOut">
               <a:rPr lang="en-US" smtClean="0"/>
-              <a:t>8/30/2019</a:t>
+              <a:t>8/31/2019</a:t>
             </a:fld>
             <a:endParaRPr lang="en-US"/>
           </a:p>
@@ -10574,7 +10575,7 @@
           <a:p>
             <a:fld id="{C4112ACB-F900-457F-BFCF-7AFE3E0F446C}" type="datetimeFigureOut">
               <a:rPr lang="en-US" smtClean="0"/>
-              <a:t>8/30/2019</a:t>
+              <a:t>8/31/2019</a:t>
             </a:fld>
             <a:endParaRPr lang="en-US"/>
           </a:p>
@@ -11569,7 +11570,7 @@
           <a:p>
             <a:fld id="{C4112ACB-F900-457F-BFCF-7AFE3E0F446C}" type="datetimeFigureOut">
               <a:rPr lang="en-US" smtClean="0"/>
-              <a:t>8/30/2019</a:t>
+              <a:t>8/31/2019</a:t>
             </a:fld>
             <a:endParaRPr lang="en-US"/>
           </a:p>
@@ -12453,7 +12454,7 @@
           <a:p>
             <a:fld id="{C4112ACB-F900-457F-BFCF-7AFE3E0F446C}" type="datetimeFigureOut">
               <a:rPr lang="en-US" smtClean="0"/>
-              <a:t>8/30/2019</a:t>
+              <a:t>8/31/2019</a:t>
             </a:fld>
             <a:endParaRPr lang="en-US"/>
           </a:p>
@@ -13610,6 +13611,247 @@
           <p:cNvPr id="2" name="כותרת 1">
             <a:extLst>
               <a:ext uri="{FF2B5EF4-FFF2-40B4-BE49-F238E27FC236}">
+                <a16:creationId xmlns:a16="http://schemas.microsoft.com/office/drawing/2014/main" id="{DE777293-170B-4164-A212-000191C56DFE}"/>
+              </a:ext>
+            </a:extLst>
+          </p:cNvPr>
+          <p:cNvSpPr>
+            <a:spLocks noGrp="1"/>
+          </p:cNvSpPr>
+          <p:nvPr>
+            <p:ph type="title"/>
+          </p:nvPr>
+        </p:nvSpPr>
+        <p:spPr/>
+        <p:txBody>
+          <a:bodyPr/>
+          <a:lstStyle/>
+          <a:p>
+            <a:pPr algn="ctr" rtl="1"/>
+            <a:r>
+              <a:rPr lang="he-IL" dirty="0"/>
+              <a:t>מסך יצירת אילוץ/פגישה</a:t>
+            </a:r>
+          </a:p>
+        </p:txBody>
+      </p:sp>
+      <p:sp>
+        <p:nvSpPr>
+          <p:cNvPr id="5" name="תיבת טקסט 4">
+            <a:extLst>
+              <a:ext uri="{FF2B5EF4-FFF2-40B4-BE49-F238E27FC236}">
+                <a16:creationId xmlns:a16="http://schemas.microsoft.com/office/drawing/2014/main" id="{49C1F48E-4344-478F-B955-03346A467B7E}"/>
+              </a:ext>
+            </a:extLst>
+          </p:cNvPr>
+          <p:cNvSpPr txBox="1"/>
+          <p:nvPr/>
+        </p:nvSpPr>
+        <p:spPr>
+          <a:xfrm>
+            <a:off x="7431425" y="2459771"/>
+            <a:ext cx="4121834" cy="4524315"/>
+          </a:xfrm>
+          <a:prstGeom prst="rect">
+            <a:avLst/>
+          </a:prstGeom>
+          <a:noFill/>
+        </p:spPr>
+        <p:txBody>
+          <a:bodyPr wrap="square" rtlCol="1">
+            <a:spAutoFit/>
+          </a:bodyPr>
+          <a:lstStyle/>
+          <a:p>
+            <a:pPr marL="285750" indent="-285750" algn="r" rtl="1">
+              <a:buFont typeface="Arial" panose="020B0604020202020204" pitchFamily="34" charset="0"/>
+              <a:buChar char="•"/>
+            </a:pPr>
+            <a:r>
+              <a:rPr lang="he-IL" dirty="0"/>
+              <a:t>אין כפתור יציאה או חזור – </a:t>
+            </a:r>
+            <a:r>
+              <a:rPr lang="he-IL" b="1" dirty="0"/>
+              <a:t>שליטת משתמש וחופש פעולה.</a:t>
+            </a:r>
+          </a:p>
+          <a:p>
+            <a:pPr marL="285750" indent="-285750" algn="r" rtl="1">
+              <a:buFont typeface="Arial" panose="020B0604020202020204" pitchFamily="34" charset="0"/>
+              <a:buChar char="•"/>
+            </a:pPr>
+            <a:r>
+              <a:rPr lang="he-IL" dirty="0"/>
+              <a:t>אין חיווי למשתמש לגביי האם התוכן בשדה תקין או לא – </a:t>
+            </a:r>
+            <a:r>
+              <a:rPr lang="he-IL" b="1" dirty="0"/>
+              <a:t>עזרה ומסמכים.</a:t>
+            </a:r>
+            <a:endParaRPr lang="he-IL" dirty="0"/>
+          </a:p>
+          <a:p>
+            <a:pPr marL="285750" indent="-285750" algn="r" rtl="1">
+              <a:buFont typeface="Arial" panose="020B0604020202020204" pitchFamily="34" charset="0"/>
+              <a:buChar char="•"/>
+            </a:pPr>
+            <a:r>
+              <a:rPr lang="he-IL" dirty="0"/>
+              <a:t>אין חלון לבחירת תאריך (התאריך מוקלד ידנית) – </a:t>
+            </a:r>
+            <a:r>
+              <a:rPr lang="he-IL" b="1" dirty="0"/>
+              <a:t>מניעת טעויות.</a:t>
+            </a:r>
+          </a:p>
+          <a:p>
+            <a:pPr marL="285750" indent="-285750" algn="r" rtl="1">
+              <a:buFont typeface="Arial" panose="020B0604020202020204" pitchFamily="34" charset="0"/>
+              <a:buChar char="•"/>
+            </a:pPr>
+            <a:r>
+              <a:rPr lang="he-IL" dirty="0"/>
+              <a:t>אין חיווי המראה למשתמש היכן הוא ממלא את פרטי האילוץ כרגע – </a:t>
+            </a:r>
+            <a:r>
+              <a:rPr lang="he-IL" b="1" dirty="0"/>
+              <a:t>חיווי מצב המערכת.</a:t>
+            </a:r>
+          </a:p>
+          <a:p>
+            <a:pPr marL="285750" indent="-285750" algn="r" rtl="1">
+              <a:buFont typeface="Arial" panose="020B0604020202020204" pitchFamily="34" charset="0"/>
+              <a:buChar char="•"/>
+            </a:pPr>
+            <a:r>
+              <a:rPr lang="he-IL" dirty="0"/>
+              <a:t>אין סמלים\אייקונים שמאפיינים את שדות הקלט – </a:t>
+            </a:r>
+            <a:r>
+              <a:rPr lang="he-IL" b="1" dirty="0"/>
+              <a:t>זיהוי ולא זיכרון.</a:t>
+            </a:r>
+          </a:p>
+          <a:p>
+            <a:pPr marL="285750" indent="-285750" algn="r" rtl="1">
+              <a:buFont typeface="Arial" panose="020B0604020202020204" pitchFamily="34" charset="0"/>
+              <a:buChar char="•"/>
+            </a:pPr>
+            <a:r>
+              <a:rPr lang="he-IL" dirty="0"/>
+              <a:t>על המשתמש ללחוץ על כל שדה קלט עם העכבר על מנת להכניס את הפרטים –(אין תמיכה בקיצורי מקשים) </a:t>
+            </a:r>
+            <a:r>
+              <a:rPr lang="he-IL" b="1" dirty="0"/>
+              <a:t>גמישות ויעילות שימוש.</a:t>
+            </a:r>
+            <a:endParaRPr lang="he-IL" dirty="0"/>
+          </a:p>
+          <a:p>
+            <a:pPr marL="285750" indent="-285750" algn="r" rtl="1">
+              <a:buFont typeface="Arial" panose="020B0604020202020204" pitchFamily="34" charset="0"/>
+              <a:buChar char="•"/>
+            </a:pPr>
+            <a:endParaRPr lang="he-IL" b="1" dirty="0"/>
+          </a:p>
+        </p:txBody>
+      </p:sp>
+      <p:pic>
+        <p:nvPicPr>
+          <p:cNvPr id="3" name="Picture 2">
+            <a:extLst>
+              <a:ext uri="{FF2B5EF4-FFF2-40B4-BE49-F238E27FC236}">
+                <a16:creationId xmlns:a16="http://schemas.microsoft.com/office/drawing/2014/main" id="{2DB65A17-85B4-4011-AB37-3FCC4E964673}"/>
+              </a:ext>
+            </a:extLst>
+          </p:cNvPr>
+          <p:cNvPicPr>
+            <a:picLocks noChangeAspect="1"/>
+          </p:cNvPicPr>
+          <p:nvPr/>
+        </p:nvPicPr>
+        <p:blipFill>
+          <a:blip r:embed="rId2"/>
+          <a:stretch>
+            <a:fillRect/>
+          </a:stretch>
+        </p:blipFill>
+        <p:spPr>
+          <a:xfrm>
+            <a:off x="322094" y="2480963"/>
+            <a:ext cx="3335507" cy="2797697"/>
+          </a:xfrm>
+          <a:prstGeom prst="rect">
+            <a:avLst/>
+          </a:prstGeom>
+        </p:spPr>
+      </p:pic>
+      <p:pic>
+        <p:nvPicPr>
+          <p:cNvPr id="7" name="Picture 6">
+            <a:extLst>
+              <a:ext uri="{FF2B5EF4-FFF2-40B4-BE49-F238E27FC236}">
+                <a16:creationId xmlns:a16="http://schemas.microsoft.com/office/drawing/2014/main" id="{C0F9A2F3-5C50-441B-935F-B13E07C7052F}"/>
+              </a:ext>
+            </a:extLst>
+          </p:cNvPr>
+          <p:cNvPicPr>
+            <a:picLocks noChangeAspect="1"/>
+          </p:cNvPicPr>
+          <p:nvPr/>
+        </p:nvPicPr>
+        <p:blipFill>
+          <a:blip r:embed="rId3"/>
+          <a:stretch>
+            <a:fillRect/>
+          </a:stretch>
+        </p:blipFill>
+        <p:spPr>
+          <a:xfrm>
+            <a:off x="3725870" y="2480963"/>
+            <a:ext cx="3637285" cy="4006371"/>
+          </a:xfrm>
+          <a:prstGeom prst="rect">
+            <a:avLst/>
+          </a:prstGeom>
+        </p:spPr>
+      </p:pic>
+    </p:spTree>
+    <p:extLst>
+      <p:ext uri="{BB962C8B-B14F-4D97-AF65-F5344CB8AC3E}">
+        <p14:creationId xmlns:p14="http://schemas.microsoft.com/office/powerpoint/2010/main" val="2213172204"/>
+      </p:ext>
+    </p:extLst>
+  </p:cSld>
+  <p:clrMapOvr>
+    <a:masterClrMapping/>
+  </p:clrMapOvr>
+</p:sld>
+</file>
+
+<file path=ppt/slides/slide13.xml><?xml version="1.0" encoding="utf-8"?>
+<p:sld xmlns:a="http://schemas.openxmlformats.org/drawingml/2006/main" xmlns:r="http://schemas.openxmlformats.org/officeDocument/2006/relationships" xmlns:p="http://schemas.openxmlformats.org/presentationml/2006/main">
+  <p:cSld>
+    <p:spTree>
+      <p:nvGrpSpPr>
+        <p:cNvPr id="1" name=""/>
+        <p:cNvGrpSpPr/>
+        <p:nvPr/>
+      </p:nvGrpSpPr>
+      <p:grpSpPr>
+        <a:xfrm>
+          <a:off x="0" y="0"/>
+          <a:ext cx="0" cy="0"/>
+          <a:chOff x="0" y="0"/>
+          <a:chExt cx="0" cy="0"/>
+        </a:xfrm>
+      </p:grpSpPr>
+      <p:sp>
+        <p:nvSpPr>
+          <p:cNvPr id="2" name="כותרת 1">
+            <a:extLst>
+              <a:ext uri="{FF2B5EF4-FFF2-40B4-BE49-F238E27FC236}">
                 <a16:creationId xmlns:a16="http://schemas.microsoft.com/office/drawing/2014/main" id="{7E2CFF58-DDF3-4D79-8E24-D3415F37CA20}"/>
               </a:ext>
             </a:extLst>
@@ -13653,7 +13895,7 @@
 </p:sld>
 </file>
 
-<file path=ppt/slides/slide13.xml><?xml version="1.0" encoding="utf-8"?>
+<file path=ppt/slides/slide14.xml><?xml version="1.0" encoding="utf-8"?>
 <p:sld xmlns:a="http://schemas.openxmlformats.org/drawingml/2006/main" xmlns:r="http://schemas.openxmlformats.org/officeDocument/2006/relationships" xmlns:p="http://schemas.openxmlformats.org/presentationml/2006/main">
   <p:cSld>
     <p:spTree>
@@ -14241,7 +14483,7 @@
 </p:sld>
 </file>
 
-<file path=ppt/slides/slide14.xml><?xml version="1.0" encoding="utf-8"?>
+<file path=ppt/slides/slide15.xml><?xml version="1.0" encoding="utf-8"?>
 <p:sld xmlns:a="http://schemas.openxmlformats.org/drawingml/2006/main" xmlns:r="http://schemas.openxmlformats.org/officeDocument/2006/relationships" xmlns:p="http://schemas.openxmlformats.org/presentationml/2006/main">
   <p:cSld>
     <p:spTree>
@@ -14800,7 +15042,7 @@
 </p:sld>
 </file>
 
-<file path=ppt/slides/slide15.xml><?xml version="1.0" encoding="utf-8"?>
+<file path=ppt/slides/slide16.xml><?xml version="1.0" encoding="utf-8"?>
 <p:sld xmlns:a="http://schemas.openxmlformats.org/drawingml/2006/main" xmlns:r="http://schemas.openxmlformats.org/officeDocument/2006/relationships" xmlns:p="http://schemas.openxmlformats.org/presentationml/2006/main">
   <p:cSld>
     <p:spTree>
@@ -14865,7 +15107,7 @@
 </p:sld>
 </file>
 
-<file path=ppt/slides/slide16.xml><?xml version="1.0" encoding="utf-8"?>
+<file path=ppt/slides/slide17.xml><?xml version="1.0" encoding="utf-8"?>
 <p:sld xmlns:a="http://schemas.openxmlformats.org/drawingml/2006/main" xmlns:r="http://schemas.openxmlformats.org/officeDocument/2006/relationships" xmlns:p="http://schemas.openxmlformats.org/presentationml/2006/main">
   <p:cSld>
     <p:spTree>
@@ -15120,7 +15362,7 @@
 </p:sld>
 </file>
 
-<file path=ppt/slides/slide17.xml><?xml version="1.0" encoding="utf-8"?>
+<file path=ppt/slides/slide18.xml><?xml version="1.0" encoding="utf-8"?>
 <p:sld xmlns:a="http://schemas.openxmlformats.org/drawingml/2006/main" xmlns:r="http://schemas.openxmlformats.org/officeDocument/2006/relationships" xmlns:p="http://schemas.openxmlformats.org/presentationml/2006/main">
   <p:cSld>
     <p:spTree>
@@ -15261,7 +15503,7 @@
 </p:sld>
 </file>
 
-<file path=ppt/slides/slide18.xml><?xml version="1.0" encoding="utf-8"?>
+<file path=ppt/slides/slide19.xml><?xml version="1.0" encoding="utf-8"?>
 <p:sld xmlns:a="http://schemas.openxmlformats.org/drawingml/2006/main" xmlns:r="http://schemas.openxmlformats.org/officeDocument/2006/relationships" xmlns:p="http://schemas.openxmlformats.org/presentationml/2006/main">
   <p:cSld>
     <p:spTree>
@@ -15430,169 +15672,6 @@
     <p:extLst>
       <p:ext uri="{BB962C8B-B14F-4D97-AF65-F5344CB8AC3E}">
         <p14:creationId xmlns:p14="http://schemas.microsoft.com/office/powerpoint/2010/main" val="3760907985"/>
-      </p:ext>
-    </p:extLst>
-  </p:cSld>
-  <p:clrMapOvr>
-    <a:masterClrMapping/>
-  </p:clrMapOvr>
-</p:sld>
-</file>
-
-<file path=ppt/slides/slide19.xml><?xml version="1.0" encoding="utf-8"?>
-<p:sld xmlns:a="http://schemas.openxmlformats.org/drawingml/2006/main" xmlns:r="http://schemas.openxmlformats.org/officeDocument/2006/relationships" xmlns:p="http://schemas.openxmlformats.org/presentationml/2006/main">
-  <p:cSld>
-    <p:spTree>
-      <p:nvGrpSpPr>
-        <p:cNvPr id="1" name=""/>
-        <p:cNvGrpSpPr/>
-        <p:nvPr/>
-      </p:nvGrpSpPr>
-      <p:grpSpPr>
-        <a:xfrm>
-          <a:off x="0" y="0"/>
-          <a:ext cx="0" cy="0"/>
-          <a:chOff x="0" y="0"/>
-          <a:chExt cx="0" cy="0"/>
-        </a:xfrm>
-      </p:grpSpPr>
-      <p:sp>
-        <p:nvSpPr>
-          <p:cNvPr id="4" name="כותרת 1">
-            <a:extLst>
-              <a:ext uri="{FF2B5EF4-FFF2-40B4-BE49-F238E27FC236}">
-                <a16:creationId xmlns:a16="http://schemas.microsoft.com/office/drawing/2014/main" id="{F1B43665-3015-4230-B018-E886844CCA11}"/>
-              </a:ext>
-            </a:extLst>
-          </p:cNvPr>
-          <p:cNvSpPr>
-            <a:spLocks noGrp="1"/>
-          </p:cNvSpPr>
-          <p:nvPr>
-            <p:ph type="title"/>
-          </p:nvPr>
-        </p:nvSpPr>
-        <p:spPr>
-          <a:xfrm>
-            <a:off x="1154954" y="973669"/>
-            <a:ext cx="8825659" cy="706964"/>
-          </a:xfrm>
-        </p:spPr>
-        <p:txBody>
-          <a:bodyPr/>
-          <a:lstStyle/>
-          <a:p>
-            <a:pPr algn="ctr"/>
-            <a:r>
-              <a:rPr lang="he-IL" dirty="0"/>
-              <a:t>דברים כלליים במערכת</a:t>
-            </a:r>
-            <a:endParaRPr lang="en-US" dirty="0"/>
-          </a:p>
-        </p:txBody>
-      </p:sp>
-      <p:sp>
-        <p:nvSpPr>
-          <p:cNvPr id="5" name="תיבת טקסט 4">
-            <a:extLst>
-              <a:ext uri="{FF2B5EF4-FFF2-40B4-BE49-F238E27FC236}">
-                <a16:creationId xmlns:a16="http://schemas.microsoft.com/office/drawing/2014/main" id="{FFF52523-5F99-4BE9-AB01-3D65E85B6A75}"/>
-              </a:ext>
-            </a:extLst>
-          </p:cNvPr>
-          <p:cNvSpPr txBox="1"/>
-          <p:nvPr/>
-        </p:nvSpPr>
-        <p:spPr>
-          <a:xfrm>
-            <a:off x="7540282" y="2610683"/>
-            <a:ext cx="4487594" cy="2308324"/>
-          </a:xfrm>
-          <a:prstGeom prst="rect">
-            <a:avLst/>
-          </a:prstGeom>
-          <a:noFill/>
-        </p:spPr>
-        <p:txBody>
-          <a:bodyPr wrap="square" rtlCol="1">
-            <a:spAutoFit/>
-          </a:bodyPr>
-          <a:lstStyle/>
-          <a:p>
-            <a:pPr marL="285750" indent="-285750" algn="r" rtl="1">
-              <a:buFont typeface="Arial" panose="020B0604020202020204" pitchFamily="34" charset="0"/>
-              <a:buChar char="•"/>
-            </a:pPr>
-            <a:r>
-              <a:rPr lang="he-IL" dirty="0"/>
-              <a:t>הוספנו פופ-אפ אישור על כל פעולה "מסוכנת" - </a:t>
-            </a:r>
-            <a:r>
-              <a:rPr lang="he-IL" b="1" dirty="0"/>
-              <a:t>מניעת טעויות.</a:t>
-            </a:r>
-            <a:br>
-              <a:rPr lang="en-US" b="1" dirty="0"/>
-            </a:br>
-            <a:r>
-              <a:rPr lang="he-IL" dirty="0"/>
-              <a:t>לדוגמא: המשתמש דוחה פגישה שהזמינו אותו אליה ומוקפץ לו פופ אפ שמסביר את השלכות הדחייה עם אופציה לאשר את הפעולה או לבטל אותה.</a:t>
-            </a:r>
-          </a:p>
-          <a:p>
-            <a:pPr marL="285750" indent="-285750" algn="r" rtl="1">
-              <a:buFont typeface="Arial" panose="020B0604020202020204" pitchFamily="34" charset="0"/>
-              <a:buChar char="•"/>
-            </a:pPr>
-            <a:r>
-              <a:rPr lang="he-IL" dirty="0"/>
-              <a:t>במידה ויאשר ועדיין ירצה לבטל אותה, יקפוץ ה</a:t>
-            </a:r>
-            <a:r>
-              <a:rPr lang="en-US" dirty="0"/>
-              <a:t>snack bar</a:t>
-            </a:r>
-            <a:r>
-              <a:rPr lang="he-IL" dirty="0"/>
-              <a:t> שמאפשר את היפוך הפעולה.</a:t>
-            </a:r>
-          </a:p>
-        </p:txBody>
-      </p:sp>
-      <p:pic>
-        <p:nvPicPr>
-          <p:cNvPr id="8" name="תמונה 7">
-            <a:extLst>
-              <a:ext uri="{FF2B5EF4-FFF2-40B4-BE49-F238E27FC236}">
-                <a16:creationId xmlns:a16="http://schemas.microsoft.com/office/drawing/2014/main" id="{21F40EF4-906D-42FA-8C0D-9BE154FA4FFB}"/>
-              </a:ext>
-            </a:extLst>
-          </p:cNvPr>
-          <p:cNvPicPr>
-            <a:picLocks noChangeAspect="1"/>
-          </p:cNvPicPr>
-          <p:nvPr/>
-        </p:nvPicPr>
-        <p:blipFill>
-          <a:blip r:embed="rId2"/>
-          <a:stretch>
-            <a:fillRect/>
-          </a:stretch>
-        </p:blipFill>
-        <p:spPr>
-          <a:xfrm>
-            <a:off x="285242" y="3540057"/>
-            <a:ext cx="5629275" cy="3124200"/>
-          </a:xfrm>
-          <a:prstGeom prst="rect">
-            <a:avLst/>
-          </a:prstGeom>
-        </p:spPr>
-      </p:pic>
-    </p:spTree>
-    <p:extLst>
-      <p:ext uri="{BB962C8B-B14F-4D97-AF65-F5344CB8AC3E}">
-        <p14:creationId xmlns:p14="http://schemas.microsoft.com/office/powerpoint/2010/main" val="1472041432"/>
       </p:ext>
     </p:extLst>
   </p:cSld>
@@ -15686,6 +15765,169 @@
       </p:grpSpPr>
       <p:sp>
         <p:nvSpPr>
+          <p:cNvPr id="4" name="כותרת 1">
+            <a:extLst>
+              <a:ext uri="{FF2B5EF4-FFF2-40B4-BE49-F238E27FC236}">
+                <a16:creationId xmlns:a16="http://schemas.microsoft.com/office/drawing/2014/main" id="{F1B43665-3015-4230-B018-E886844CCA11}"/>
+              </a:ext>
+            </a:extLst>
+          </p:cNvPr>
+          <p:cNvSpPr>
+            <a:spLocks noGrp="1"/>
+          </p:cNvSpPr>
+          <p:nvPr>
+            <p:ph type="title"/>
+          </p:nvPr>
+        </p:nvSpPr>
+        <p:spPr>
+          <a:xfrm>
+            <a:off x="1154954" y="973669"/>
+            <a:ext cx="8825659" cy="706964"/>
+          </a:xfrm>
+        </p:spPr>
+        <p:txBody>
+          <a:bodyPr/>
+          <a:lstStyle/>
+          <a:p>
+            <a:pPr algn="ctr"/>
+            <a:r>
+              <a:rPr lang="he-IL" dirty="0"/>
+              <a:t>דברים כלליים במערכת</a:t>
+            </a:r>
+            <a:endParaRPr lang="en-US" dirty="0"/>
+          </a:p>
+        </p:txBody>
+      </p:sp>
+      <p:sp>
+        <p:nvSpPr>
+          <p:cNvPr id="5" name="תיבת טקסט 4">
+            <a:extLst>
+              <a:ext uri="{FF2B5EF4-FFF2-40B4-BE49-F238E27FC236}">
+                <a16:creationId xmlns:a16="http://schemas.microsoft.com/office/drawing/2014/main" id="{FFF52523-5F99-4BE9-AB01-3D65E85B6A75}"/>
+              </a:ext>
+            </a:extLst>
+          </p:cNvPr>
+          <p:cNvSpPr txBox="1"/>
+          <p:nvPr/>
+        </p:nvSpPr>
+        <p:spPr>
+          <a:xfrm>
+            <a:off x="7540282" y="2610683"/>
+            <a:ext cx="4487594" cy="2308324"/>
+          </a:xfrm>
+          <a:prstGeom prst="rect">
+            <a:avLst/>
+          </a:prstGeom>
+          <a:noFill/>
+        </p:spPr>
+        <p:txBody>
+          <a:bodyPr wrap="square" rtlCol="1">
+            <a:spAutoFit/>
+          </a:bodyPr>
+          <a:lstStyle/>
+          <a:p>
+            <a:pPr marL="285750" indent="-285750" algn="r" rtl="1">
+              <a:buFont typeface="Arial" panose="020B0604020202020204" pitchFamily="34" charset="0"/>
+              <a:buChar char="•"/>
+            </a:pPr>
+            <a:r>
+              <a:rPr lang="he-IL" dirty="0"/>
+              <a:t>הוספנו פופ-אפ אישור על כל פעולה "מסוכנת" - </a:t>
+            </a:r>
+            <a:r>
+              <a:rPr lang="he-IL" b="1" dirty="0"/>
+              <a:t>מניעת טעויות.</a:t>
+            </a:r>
+            <a:br>
+              <a:rPr lang="en-US" b="1" dirty="0"/>
+            </a:br>
+            <a:r>
+              <a:rPr lang="he-IL" dirty="0"/>
+              <a:t>לדוגמא: המשתמש דוחה פגישה שהזמינו אותו אליה ומוקפץ לו פופ אפ שמסביר את השלכות הדחייה עם אופציה לאשר את הפעולה או לבטל אותה.</a:t>
+            </a:r>
+          </a:p>
+          <a:p>
+            <a:pPr marL="285750" indent="-285750" algn="r" rtl="1">
+              <a:buFont typeface="Arial" panose="020B0604020202020204" pitchFamily="34" charset="0"/>
+              <a:buChar char="•"/>
+            </a:pPr>
+            <a:r>
+              <a:rPr lang="he-IL" dirty="0"/>
+              <a:t>במידה ויאשר ועדיין ירצה לבטל אותה, יקפוץ ה</a:t>
+            </a:r>
+            <a:r>
+              <a:rPr lang="en-US" dirty="0"/>
+              <a:t>snack bar</a:t>
+            </a:r>
+            <a:r>
+              <a:rPr lang="he-IL" dirty="0"/>
+              <a:t> שמאפשר את היפוך הפעולה.</a:t>
+            </a:r>
+          </a:p>
+        </p:txBody>
+      </p:sp>
+      <p:pic>
+        <p:nvPicPr>
+          <p:cNvPr id="8" name="תמונה 7">
+            <a:extLst>
+              <a:ext uri="{FF2B5EF4-FFF2-40B4-BE49-F238E27FC236}">
+                <a16:creationId xmlns:a16="http://schemas.microsoft.com/office/drawing/2014/main" id="{21F40EF4-906D-42FA-8C0D-9BE154FA4FFB}"/>
+              </a:ext>
+            </a:extLst>
+          </p:cNvPr>
+          <p:cNvPicPr>
+            <a:picLocks noChangeAspect="1"/>
+          </p:cNvPicPr>
+          <p:nvPr/>
+        </p:nvPicPr>
+        <p:blipFill>
+          <a:blip r:embed="rId2"/>
+          <a:stretch>
+            <a:fillRect/>
+          </a:stretch>
+        </p:blipFill>
+        <p:spPr>
+          <a:xfrm>
+            <a:off x="285242" y="3540057"/>
+            <a:ext cx="5629275" cy="3124200"/>
+          </a:xfrm>
+          <a:prstGeom prst="rect">
+            <a:avLst/>
+          </a:prstGeom>
+        </p:spPr>
+      </p:pic>
+    </p:spTree>
+    <p:extLst>
+      <p:ext uri="{BB962C8B-B14F-4D97-AF65-F5344CB8AC3E}">
+        <p14:creationId xmlns:p14="http://schemas.microsoft.com/office/powerpoint/2010/main" val="1472041432"/>
+      </p:ext>
+    </p:extLst>
+  </p:cSld>
+  <p:clrMapOvr>
+    <a:masterClrMapping/>
+  </p:clrMapOvr>
+</p:sld>
+</file>
+
+<file path=ppt/slides/slide21.xml><?xml version="1.0" encoding="utf-8"?>
+<p:sld xmlns:a="http://schemas.openxmlformats.org/drawingml/2006/main" xmlns:r="http://schemas.openxmlformats.org/officeDocument/2006/relationships" xmlns:p="http://schemas.openxmlformats.org/presentationml/2006/main">
+  <p:cSld>
+    <p:spTree>
+      <p:nvGrpSpPr>
+        <p:cNvPr id="1" name=""/>
+        <p:cNvGrpSpPr/>
+        <p:nvPr/>
+      </p:nvGrpSpPr>
+      <p:grpSpPr>
+        <a:xfrm>
+          <a:off x="0" y="0"/>
+          <a:ext cx="0" cy="0"/>
+          <a:chOff x="0" y="0"/>
+          <a:chExt cx="0" cy="0"/>
+        </a:xfrm>
+      </p:grpSpPr>
+      <p:sp>
+        <p:nvSpPr>
           <p:cNvPr id="4" name="מלבן 3">
             <a:extLst>
               <a:ext uri="{FF2B5EF4-FFF2-40B4-BE49-F238E27FC236}">
@@ -15852,7 +16094,7 @@
 </p:sld>
 </file>
 
-<file path=ppt/slides/slide21.xml><?xml version="1.0" encoding="utf-8"?>
+<file path=ppt/slides/slide22.xml><?xml version="1.0" encoding="utf-8"?>
 <p:sld xmlns:a="http://schemas.openxmlformats.org/drawingml/2006/main" xmlns:r="http://schemas.openxmlformats.org/officeDocument/2006/relationships" xmlns:p="http://schemas.openxmlformats.org/presentationml/2006/main">
   <p:cSld>
     <p:spTree>
@@ -15980,155 +16222,6 @@
     <p:extLst>
       <p:ext uri="{BB962C8B-B14F-4D97-AF65-F5344CB8AC3E}">
         <p14:creationId xmlns:p14="http://schemas.microsoft.com/office/powerpoint/2010/main" val="2433798476"/>
-      </p:ext>
-    </p:extLst>
-  </p:cSld>
-  <p:clrMapOvr>
-    <a:masterClrMapping/>
-  </p:clrMapOvr>
-</p:sld>
-</file>
-
-<file path=ppt/slides/slide22.xml><?xml version="1.0" encoding="utf-8"?>
-<p:sld xmlns:a="http://schemas.openxmlformats.org/drawingml/2006/main" xmlns:r="http://schemas.openxmlformats.org/officeDocument/2006/relationships" xmlns:p="http://schemas.openxmlformats.org/presentationml/2006/main">
-  <p:cSld>
-    <p:spTree>
-      <p:nvGrpSpPr>
-        <p:cNvPr id="1" name=""/>
-        <p:cNvGrpSpPr/>
-        <p:nvPr/>
-      </p:nvGrpSpPr>
-      <p:grpSpPr>
-        <a:xfrm>
-          <a:off x="0" y="0"/>
-          <a:ext cx="0" cy="0"/>
-          <a:chOff x="0" y="0"/>
-          <a:chExt cx="0" cy="0"/>
-        </a:xfrm>
-      </p:grpSpPr>
-      <p:sp>
-        <p:nvSpPr>
-          <p:cNvPr id="2" name="כותרת 1">
-            <a:extLst>
-              <a:ext uri="{FF2B5EF4-FFF2-40B4-BE49-F238E27FC236}">
-                <a16:creationId xmlns:a16="http://schemas.microsoft.com/office/drawing/2014/main" id="{92A500EE-F6C5-4C79-92F1-D2FDEE8174A4}"/>
-              </a:ext>
-            </a:extLst>
-          </p:cNvPr>
-          <p:cNvSpPr>
-            <a:spLocks noGrp="1"/>
-          </p:cNvSpPr>
-          <p:nvPr>
-            <p:ph type="title"/>
-          </p:nvPr>
-        </p:nvSpPr>
-        <p:spPr>
-          <a:xfrm>
-            <a:off x="1154954" y="973669"/>
-            <a:ext cx="8825659" cy="706964"/>
-          </a:xfrm>
-        </p:spPr>
-        <p:txBody>
-          <a:bodyPr/>
-          <a:lstStyle/>
-          <a:p>
-            <a:pPr algn="ctr"/>
-            <a:r>
-              <a:rPr lang="he-IL"/>
-              <a:t>מסך התחברות</a:t>
-            </a:r>
-            <a:endParaRPr lang="he-IL" dirty="0"/>
-          </a:p>
-        </p:txBody>
-      </p:sp>
-      <p:sp>
-        <p:nvSpPr>
-          <p:cNvPr id="17" name="תיבת טקסט 16">
-            <a:extLst>
-              <a:ext uri="{FF2B5EF4-FFF2-40B4-BE49-F238E27FC236}">
-                <a16:creationId xmlns:a16="http://schemas.microsoft.com/office/drawing/2014/main" id="{2F642565-7D83-416E-A7D1-4FA3B48B83E1}"/>
-              </a:ext>
-            </a:extLst>
-          </p:cNvPr>
-          <p:cNvSpPr txBox="1"/>
-          <p:nvPr/>
-        </p:nvSpPr>
-        <p:spPr>
-          <a:xfrm>
-            <a:off x="7540282" y="2610683"/>
-            <a:ext cx="4487594" cy="1477328"/>
-          </a:xfrm>
-          <a:prstGeom prst="rect">
-            <a:avLst/>
-          </a:prstGeom>
-          <a:noFill/>
-        </p:spPr>
-        <p:txBody>
-          <a:bodyPr wrap="square" rtlCol="1">
-            <a:spAutoFit/>
-          </a:bodyPr>
-          <a:lstStyle/>
-          <a:p>
-            <a:pPr marL="285750" indent="-285750" algn="r" rtl="1">
-              <a:buFont typeface="Arial" panose="020B0604020202020204" pitchFamily="34" charset="0"/>
-              <a:buChar char="•"/>
-            </a:pPr>
-            <a:r>
-              <a:rPr lang="he-IL" dirty="0"/>
-              <a:t>שינינו את שדה "שם משתמש" ושדה "סיסמה" כך שיהיו מעוצבים יותר.</a:t>
-            </a:r>
-          </a:p>
-          <a:p>
-            <a:pPr marL="285750" indent="-285750" algn="r" rtl="1">
-              <a:buFont typeface="Arial" panose="020B0604020202020204" pitchFamily="34" charset="0"/>
-              <a:buChar char="•"/>
-            </a:pPr>
-            <a:r>
-              <a:rPr lang="he-IL" dirty="0"/>
-              <a:t>הוספנו סמלים מתאימים בצד כל שדה כך שיהיה ברור למשתמש מה עליו להכניס בשדה אותו הוא ממלא – </a:t>
-            </a:r>
-            <a:r>
-              <a:rPr lang="he-IL" b="1" dirty="0"/>
-              <a:t>זיהוי ולא זיכרון.</a:t>
-            </a:r>
-            <a:endParaRPr lang="he-IL" dirty="0"/>
-          </a:p>
-        </p:txBody>
-      </p:sp>
-      <p:pic>
-        <p:nvPicPr>
-          <p:cNvPr id="3" name="תמונה 2">
-            <a:extLst>
-              <a:ext uri="{FF2B5EF4-FFF2-40B4-BE49-F238E27FC236}">
-                <a16:creationId xmlns:a16="http://schemas.microsoft.com/office/drawing/2014/main" id="{1C6E892A-A569-467D-8D80-26AAEC4C107C}"/>
-              </a:ext>
-            </a:extLst>
-          </p:cNvPr>
-          <p:cNvPicPr>
-            <a:picLocks noChangeAspect="1"/>
-          </p:cNvPicPr>
-          <p:nvPr/>
-        </p:nvPicPr>
-        <p:blipFill>
-          <a:blip r:embed="rId2"/>
-          <a:stretch>
-            <a:fillRect/>
-          </a:stretch>
-        </p:blipFill>
-        <p:spPr>
-          <a:xfrm>
-            <a:off x="0" y="2610683"/>
-            <a:ext cx="7540282" cy="4247317"/>
-          </a:xfrm>
-          <a:prstGeom prst="rect">
-            <a:avLst/>
-          </a:prstGeom>
-        </p:spPr>
-      </p:pic>
-    </p:spTree>
-    <p:extLst>
-      <p:ext uri="{BB962C8B-B14F-4D97-AF65-F5344CB8AC3E}">
-        <p14:creationId xmlns:p14="http://schemas.microsoft.com/office/powerpoint/2010/main" val="3349785906"/>
       </p:ext>
     </p:extLst>
   </p:cSld>
@@ -16204,8 +16297,8 @@
         </p:nvSpPr>
         <p:spPr>
           <a:xfrm>
-            <a:off x="7982504" y="2610683"/>
-            <a:ext cx="4045371" cy="2585323"/>
+            <a:off x="7540282" y="2610683"/>
+            <a:ext cx="4487594" cy="1477328"/>
           </a:xfrm>
           <a:prstGeom prst="rect">
             <a:avLst/>
@@ -16224,11 +16317,7 @@
             </a:pPr>
             <a:r>
               <a:rPr lang="he-IL" dirty="0"/>
-              <a:t>בעת לחיצת המשתמש על אחת השדות, יהיה חיווי של השדה שיראה למשתמש כי הוא ממלא את השדה – </a:t>
-            </a:r>
-            <a:r>
-              <a:rPr lang="he-IL" b="1" dirty="0"/>
-              <a:t>חיווי מצב המערכת.</a:t>
+              <a:t>שינינו את שדה "שם משתמש" ושדה "סיסמה" כך שיהיו מעוצבים יותר.</a:t>
             </a:r>
           </a:p>
           <a:p>
@@ -16238,27 +16327,11 @@
             </a:pPr>
             <a:r>
               <a:rPr lang="he-IL" dirty="0"/>
-              <a:t>נאפשר למשתמש בעת לחיצת הכפתור "</a:t>
-            </a:r>
-            <a:r>
-              <a:rPr lang="en-US" dirty="0"/>
-              <a:t>TAB</a:t>
-            </a:r>
-            <a:r>
-              <a:rPr lang="he-IL" dirty="0"/>
-              <a:t>" לעבור לשדה הבא אוטומטית, ובעת לחיצת הכפתור "</a:t>
-            </a:r>
-            <a:r>
-              <a:rPr lang="en-US" dirty="0"/>
-              <a:t>ENTER</a:t>
-            </a:r>
-            <a:r>
-              <a:rPr lang="he-IL" dirty="0"/>
-              <a:t>" לבצע התחברות מבלי ללחוץ על כפתור ההתחברות – </a:t>
+              <a:t>הוספנו סמלים מתאימים בצד כל שדה כך שיהיה ברור למשתמש מה עליו להכניס בשדה אותו הוא ממלא – </a:t>
             </a:r>
             <a:r>
               <a:rPr lang="he-IL" b="1" dirty="0"/>
-              <a:t>גמישות ויעילות שימוש.</a:t>
+              <a:t>זיהוי ולא זיכרון.</a:t>
             </a:r>
             <a:endParaRPr lang="he-IL" dirty="0"/>
           </a:p>
@@ -16266,10 +16339,10 @@
       </p:sp>
       <p:pic>
         <p:nvPicPr>
-          <p:cNvPr id="4" name="תמונה 3">
+          <p:cNvPr id="3" name="תמונה 2">
             <a:extLst>
               <a:ext uri="{FF2B5EF4-FFF2-40B4-BE49-F238E27FC236}">
-                <a16:creationId xmlns:a16="http://schemas.microsoft.com/office/drawing/2014/main" id="{8C804448-1091-444C-BE73-7D69E8980E8C}"/>
+                <a16:creationId xmlns:a16="http://schemas.microsoft.com/office/drawing/2014/main" id="{1C6E892A-A569-467D-8D80-26AAEC4C107C}"/>
               </a:ext>
             </a:extLst>
           </p:cNvPr>
@@ -16286,8 +16359,8 @@
         </p:blipFill>
         <p:spPr>
           <a:xfrm>
-            <a:off x="0" y="2610000"/>
-            <a:ext cx="7981200" cy="4247306"/>
+            <a:off x="0" y="2610683"/>
+            <a:ext cx="7540282" cy="4247317"/>
           </a:xfrm>
           <a:prstGeom prst="rect">
             <a:avLst/>
@@ -16297,7 +16370,7 @@
     </p:spTree>
     <p:extLst>
       <p:ext uri="{BB962C8B-B14F-4D97-AF65-F5344CB8AC3E}">
-        <p14:creationId xmlns:p14="http://schemas.microsoft.com/office/powerpoint/2010/main" val="3877762486"/>
+        <p14:creationId xmlns:p14="http://schemas.microsoft.com/office/powerpoint/2010/main" val="3349785906"/>
       </p:ext>
     </p:extLst>
   </p:cSld>
@@ -16373,8 +16446,8 @@
         </p:nvSpPr>
         <p:spPr>
           <a:xfrm>
-            <a:off x="7540282" y="2739271"/>
-            <a:ext cx="4487594" cy="923330"/>
+            <a:off x="7982504" y="2610683"/>
+            <a:ext cx="4045371" cy="2585323"/>
           </a:xfrm>
           <a:prstGeom prst="rect">
             <a:avLst/>
@@ -16393,11 +16466,41 @@
             </a:pPr>
             <a:r>
               <a:rPr lang="he-IL" dirty="0"/>
-              <a:t>הוספנו כפתור למשתמש לצד שדה ה"סיסמה" המאפשר לו לראות את הסיסמה שהזין – </a:t>
+              <a:t>בעת לחיצת המשתמש על אחת השדות, יהיה חיווי של השדה שיראה למשתמש כי הוא ממלא את השדה – </a:t>
             </a:r>
             <a:r>
               <a:rPr lang="he-IL" b="1" dirty="0"/>
-              <a:t>מניעת טעויות.</a:t>
+              <a:t>חיווי מצב המערכת.</a:t>
+            </a:r>
+          </a:p>
+          <a:p>
+            <a:pPr marL="285750" indent="-285750" algn="r" rtl="1">
+              <a:buFont typeface="Arial" panose="020B0604020202020204" pitchFamily="34" charset="0"/>
+              <a:buChar char="•"/>
+            </a:pPr>
+            <a:r>
+              <a:rPr lang="he-IL" dirty="0"/>
+              <a:t>נאפשר למשתמש בעת לחיצת הכפתור "</a:t>
+            </a:r>
+            <a:r>
+              <a:rPr lang="en-US" dirty="0"/>
+              <a:t>TAB</a:t>
+            </a:r>
+            <a:r>
+              <a:rPr lang="he-IL" dirty="0"/>
+              <a:t>" לעבור לשדה הבא אוטומטית, ובעת לחיצת הכפתור "</a:t>
+            </a:r>
+            <a:r>
+              <a:rPr lang="en-US" dirty="0"/>
+              <a:t>ENTER</a:t>
+            </a:r>
+            <a:r>
+              <a:rPr lang="he-IL" dirty="0"/>
+              <a:t>" לבצע התחברות מבלי ללחוץ על כפתור ההתחברות – </a:t>
+            </a:r>
+            <a:r>
+              <a:rPr lang="he-IL" b="1" dirty="0"/>
+              <a:t>גמישות ויעילות שימוש.</a:t>
             </a:r>
             <a:endParaRPr lang="he-IL" dirty="0"/>
           </a:p>
@@ -16405,10 +16508,10 @@
       </p:sp>
       <p:pic>
         <p:nvPicPr>
-          <p:cNvPr id="3" name="תמונה 2">
+          <p:cNvPr id="4" name="תמונה 3">
             <a:extLst>
               <a:ext uri="{FF2B5EF4-FFF2-40B4-BE49-F238E27FC236}">
-                <a16:creationId xmlns:a16="http://schemas.microsoft.com/office/drawing/2014/main" id="{44DD3646-170F-4B07-8F52-2001FE2F6DA1}"/>
+                <a16:creationId xmlns:a16="http://schemas.microsoft.com/office/drawing/2014/main" id="{8C804448-1091-444C-BE73-7D69E8980E8C}"/>
               </a:ext>
             </a:extLst>
           </p:cNvPr>
@@ -16425,8 +16528,8 @@
         </p:blipFill>
         <p:spPr>
           <a:xfrm>
-            <a:off x="0" y="2661899"/>
-            <a:ext cx="7489909" cy="4196101"/>
+            <a:off x="0" y="2610000"/>
+            <a:ext cx="7981200" cy="4247306"/>
           </a:xfrm>
           <a:prstGeom prst="rect">
             <a:avLst/>
@@ -16436,7 +16539,7 @@
     </p:spTree>
     <p:extLst>
       <p:ext uri="{BB962C8B-B14F-4D97-AF65-F5344CB8AC3E}">
-        <p14:creationId xmlns:p14="http://schemas.microsoft.com/office/powerpoint/2010/main" val="1977331281"/>
+        <p14:creationId xmlns:p14="http://schemas.microsoft.com/office/powerpoint/2010/main" val="3877762486"/>
       </p:ext>
     </p:extLst>
   </p:cSld>
@@ -16544,10 +16647,10 @@
       </p:sp>
       <p:pic>
         <p:nvPicPr>
-          <p:cNvPr id="4" name="תמונה 3">
+          <p:cNvPr id="3" name="תמונה 2">
             <a:extLst>
               <a:ext uri="{FF2B5EF4-FFF2-40B4-BE49-F238E27FC236}">
-                <a16:creationId xmlns:a16="http://schemas.microsoft.com/office/drawing/2014/main" id="{94326547-AECF-4F4E-AC85-6BD44FEF36E6}"/>
+                <a16:creationId xmlns:a16="http://schemas.microsoft.com/office/drawing/2014/main" id="{44DD3646-170F-4B07-8F52-2001FE2F6DA1}"/>
               </a:ext>
             </a:extLst>
           </p:cNvPr>
@@ -16564,8 +16667,8 @@
         </p:blipFill>
         <p:spPr>
           <a:xfrm>
-            <a:off x="0" y="2703995"/>
-            <a:ext cx="7491600" cy="4154005"/>
+            <a:off x="0" y="2661899"/>
+            <a:ext cx="7489909" cy="4196101"/>
           </a:xfrm>
           <a:prstGeom prst="rect">
             <a:avLst/>
@@ -16575,7 +16678,7 @@
     </p:spTree>
     <p:extLst>
       <p:ext uri="{BB962C8B-B14F-4D97-AF65-F5344CB8AC3E}">
-        <p14:creationId xmlns:p14="http://schemas.microsoft.com/office/powerpoint/2010/main" val="2786482054"/>
+        <p14:creationId xmlns:p14="http://schemas.microsoft.com/office/powerpoint/2010/main" val="1977331281"/>
       </p:ext>
     </p:extLst>
   </p:cSld>
@@ -16652,7 +16755,7 @@
         <p:spPr>
           <a:xfrm>
             <a:off x="7540282" y="2739271"/>
-            <a:ext cx="4487594" cy="1477328"/>
+            <a:ext cx="4487594" cy="923330"/>
           </a:xfrm>
           <a:prstGeom prst="rect">
             <a:avLst/>
@@ -16671,21 +16774,11 @@
             </a:pPr>
             <a:r>
               <a:rPr lang="he-IL" dirty="0"/>
-              <a:t>הזזנו את כפתור ההתחברות לצד שמאל.</a:t>
-            </a:r>
-          </a:p>
-          <a:p>
-            <a:pPr marL="285750" indent="-285750" algn="r" rtl="1">
-              <a:buFont typeface="Arial" panose="020B0604020202020204" pitchFamily="34" charset="0"/>
-              <a:buChar char="•"/>
-            </a:pPr>
-            <a:r>
-              <a:rPr lang="he-IL" dirty="0"/>
-              <a:t>שינינו את כפתור ההרשמה כך שיראה כמו קישור למסך הרשמה. – </a:t>
+              <a:t>הוספנו כפתור למשתמש לצד שדה ה"סיסמה" המאפשר לו לראות את הסיסמה שהזין – </a:t>
             </a:r>
             <a:r>
               <a:rPr lang="he-IL" b="1" dirty="0"/>
-              <a:t>התאמה בין המערכת לעולם האמיתי (שימוש בשפה אנושית + מזמינות).</a:t>
+              <a:t>מניעת טעויות.</a:t>
             </a:r>
             <a:endParaRPr lang="he-IL" dirty="0"/>
           </a:p>
@@ -16693,10 +16786,10 @@
       </p:sp>
       <p:pic>
         <p:nvPicPr>
-          <p:cNvPr id="3" name="תמונה 2">
+          <p:cNvPr id="4" name="תמונה 3">
             <a:extLst>
               <a:ext uri="{FF2B5EF4-FFF2-40B4-BE49-F238E27FC236}">
-                <a16:creationId xmlns:a16="http://schemas.microsoft.com/office/drawing/2014/main" id="{AFF2BC89-6CFF-4440-A217-BA3D6ED40099}"/>
+                <a16:creationId xmlns:a16="http://schemas.microsoft.com/office/drawing/2014/main" id="{94326547-AECF-4F4E-AC85-6BD44FEF36E6}"/>
               </a:ext>
             </a:extLst>
           </p:cNvPr>
@@ -16713,8 +16806,8 @@
         </p:blipFill>
         <p:spPr>
           <a:xfrm>
-            <a:off x="0" y="2724585"/>
-            <a:ext cx="7376157" cy="4133415"/>
+            <a:off x="0" y="2703995"/>
+            <a:ext cx="7491600" cy="4154005"/>
           </a:xfrm>
           <a:prstGeom prst="rect">
             <a:avLst/>
@@ -16724,7 +16817,7 @@
     </p:spTree>
     <p:extLst>
       <p:ext uri="{BB962C8B-B14F-4D97-AF65-F5344CB8AC3E}">
-        <p14:creationId xmlns:p14="http://schemas.microsoft.com/office/powerpoint/2010/main" val="438078503"/>
+        <p14:creationId xmlns:p14="http://schemas.microsoft.com/office/powerpoint/2010/main" val="2786482054"/>
       </p:ext>
     </p:extLst>
   </p:cSld>
@@ -16801,7 +16894,7 @@
         <p:spPr>
           <a:xfrm>
             <a:off x="7540282" y="2739271"/>
-            <a:ext cx="4487594" cy="646331"/>
+            <a:ext cx="4487594" cy="1477328"/>
           </a:xfrm>
           <a:prstGeom prst="rect">
             <a:avLst/>
@@ -16820,17 +16913,32 @@
             </a:pPr>
             <a:r>
               <a:rPr lang="he-IL" dirty="0"/>
-              <a:t>הוספנו אפשרות לזכור את המשתמש לפעמים הבאות</a:t>
-            </a:r>
+              <a:t>הזזנו את כפתור ההתחברות לצד שמאל.</a:t>
+            </a:r>
+          </a:p>
+          <a:p>
+            <a:pPr marL="285750" indent="-285750" algn="r" rtl="1">
+              <a:buFont typeface="Arial" panose="020B0604020202020204" pitchFamily="34" charset="0"/>
+              <a:buChar char="•"/>
+            </a:pPr>
+            <a:r>
+              <a:rPr lang="he-IL" dirty="0"/>
+              <a:t>שינינו את כפתור ההרשמה כך שיראה כמו קישור למסך הרשמה. – </a:t>
+            </a:r>
+            <a:r>
+              <a:rPr lang="he-IL" b="1" dirty="0"/>
+              <a:t>התאמה בין המערכת לעולם האמיתי (שימוש בשפה אנושית + מזמינות).</a:t>
+            </a:r>
+            <a:endParaRPr lang="he-IL" dirty="0"/>
           </a:p>
         </p:txBody>
       </p:sp>
       <p:pic>
         <p:nvPicPr>
-          <p:cNvPr id="4" name="תמונה 3">
+          <p:cNvPr id="3" name="תמונה 2">
             <a:extLst>
               <a:ext uri="{FF2B5EF4-FFF2-40B4-BE49-F238E27FC236}">
-                <a16:creationId xmlns:a16="http://schemas.microsoft.com/office/drawing/2014/main" id="{C4AC84E8-C33D-4B9A-9010-89F637AB80A1}"/>
+                <a16:creationId xmlns:a16="http://schemas.microsoft.com/office/drawing/2014/main" id="{AFF2BC89-6CFF-4440-A217-BA3D6ED40099}"/>
               </a:ext>
             </a:extLst>
           </p:cNvPr>
@@ -16847,8 +16955,8 @@
         </p:blipFill>
         <p:spPr>
           <a:xfrm>
-            <a:off x="0" y="2739271"/>
-            <a:ext cx="7403394" cy="4118729"/>
+            <a:off x="0" y="2724585"/>
+            <a:ext cx="7376157" cy="4133415"/>
           </a:xfrm>
           <a:prstGeom prst="rect">
             <a:avLst/>
@@ -16858,7 +16966,7 @@
     </p:spTree>
     <p:extLst>
       <p:ext uri="{BB962C8B-B14F-4D97-AF65-F5344CB8AC3E}">
-        <p14:creationId xmlns:p14="http://schemas.microsoft.com/office/powerpoint/2010/main" val="2099280823"/>
+        <p14:creationId xmlns:p14="http://schemas.microsoft.com/office/powerpoint/2010/main" val="438078503"/>
       </p:ext>
     </p:extLst>
   </p:cSld>
@@ -16961,10 +17069,10 @@
       </p:sp>
       <p:pic>
         <p:nvPicPr>
-          <p:cNvPr id="3" name="תמונה 2">
+          <p:cNvPr id="4" name="תמונה 3">
             <a:extLst>
               <a:ext uri="{FF2B5EF4-FFF2-40B4-BE49-F238E27FC236}">
-                <a16:creationId xmlns:a16="http://schemas.microsoft.com/office/drawing/2014/main" id="{713B69A8-3AD9-4073-B2B7-E8BD26F62F61}"/>
+                <a16:creationId xmlns:a16="http://schemas.microsoft.com/office/drawing/2014/main" id="{C4AC84E8-C33D-4B9A-9010-89F637AB80A1}"/>
               </a:ext>
             </a:extLst>
           </p:cNvPr>
@@ -16982,7 +17090,7 @@
         <p:spPr>
           <a:xfrm>
             <a:off x="0" y="2739271"/>
-            <a:ext cx="7399606" cy="4118729"/>
+            <a:ext cx="7403394" cy="4118729"/>
           </a:xfrm>
           <a:prstGeom prst="rect">
             <a:avLst/>
@@ -16992,7 +17100,7 @@
     </p:spTree>
     <p:extLst>
       <p:ext uri="{BB962C8B-B14F-4D97-AF65-F5344CB8AC3E}">
-        <p14:creationId xmlns:p14="http://schemas.microsoft.com/office/powerpoint/2010/main" val="2827644645"/>
+        <p14:creationId xmlns:p14="http://schemas.microsoft.com/office/powerpoint/2010/main" val="2099280823"/>
       </p:ext>
     </p:extLst>
   </p:cSld>
@@ -17069,7 +17177,7 @@
         <p:spPr>
           <a:xfrm>
             <a:off x="7540282" y="2739271"/>
-            <a:ext cx="4487594" cy="1200329"/>
+            <a:ext cx="4487594" cy="646331"/>
           </a:xfrm>
           <a:prstGeom prst="rect">
             <a:avLst/>
@@ -17088,22 +17196,17 @@
             </a:pPr>
             <a:r>
               <a:rPr lang="he-IL" dirty="0"/>
-              <a:t>בעת הכנסת אחד מהשדות ערך שגוי ולחיצה על התחברות, נוסיף שגיאה מתאימה למשתמש המסבירה מה קרה – </a:t>
-            </a:r>
-            <a:r>
-              <a:rPr lang="he-IL" b="1" dirty="0"/>
-              <a:t>התאוששות משגיאות.</a:t>
-            </a:r>
-            <a:endParaRPr lang="he-IL" dirty="0"/>
+              <a:t>הוספנו אפשרות לזכור את המשתמש לפעמים הבאות</a:t>
+            </a:r>
           </a:p>
         </p:txBody>
       </p:sp>
       <p:pic>
         <p:nvPicPr>
-          <p:cNvPr id="4" name="תמונה 3">
+          <p:cNvPr id="3" name="תמונה 2">
             <a:extLst>
               <a:ext uri="{FF2B5EF4-FFF2-40B4-BE49-F238E27FC236}">
-                <a16:creationId xmlns:a16="http://schemas.microsoft.com/office/drawing/2014/main" id="{FFFAB130-62FE-4E0C-9148-B93FEA07DEF3}"/>
+                <a16:creationId xmlns:a16="http://schemas.microsoft.com/office/drawing/2014/main" id="{713B69A8-3AD9-4073-B2B7-E8BD26F62F61}"/>
               </a:ext>
             </a:extLst>
           </p:cNvPr>
@@ -17120,8 +17223,8 @@
         </p:blipFill>
         <p:spPr>
           <a:xfrm>
-            <a:off x="1" y="2609458"/>
-            <a:ext cx="7540282" cy="4248541"/>
+            <a:off x="0" y="2739271"/>
+            <a:ext cx="7399606" cy="4118729"/>
           </a:xfrm>
           <a:prstGeom prst="rect">
             <a:avLst/>
@@ -17131,7 +17234,7 @@
     </p:spTree>
     <p:extLst>
       <p:ext uri="{BB962C8B-B14F-4D97-AF65-F5344CB8AC3E}">
-        <p14:creationId xmlns:p14="http://schemas.microsoft.com/office/powerpoint/2010/main" val="1321157970"/>
+        <p14:creationId xmlns:p14="http://schemas.microsoft.com/office/powerpoint/2010/main" val="2827644645"/>
       </p:ext>
     </p:extLst>
   </p:cSld>
@@ -17699,7 +17802,7 @@
         <p:spPr>
           <a:xfrm>
             <a:off x="7540282" y="2739271"/>
-            <a:ext cx="4487594" cy="646331"/>
+            <a:ext cx="4487594" cy="1200329"/>
           </a:xfrm>
           <a:prstGeom prst="rect">
             <a:avLst/>
@@ -17718,17 +17821,22 @@
             </a:pPr>
             <a:r>
               <a:rPr lang="he-IL" dirty="0"/>
-              <a:t>הוספנו אפשרות של "שכחתי סיסמה" על מנת לאפשר למשתמש לשחזר סיסמה.</a:t>
-            </a:r>
+              <a:t>בעת הכנסת אחד מהשדות ערך שגוי ולחיצה על התחברות, נוסיף שגיאה מתאימה למשתמש המסבירה מה קרה – </a:t>
+            </a:r>
+            <a:r>
+              <a:rPr lang="he-IL" b="1" dirty="0"/>
+              <a:t>התאוששות משגיאות.</a:t>
+            </a:r>
+            <a:endParaRPr lang="he-IL" dirty="0"/>
           </a:p>
         </p:txBody>
       </p:sp>
       <p:pic>
         <p:nvPicPr>
-          <p:cNvPr id="3" name="תמונה 2">
+          <p:cNvPr id="4" name="תמונה 3">
             <a:extLst>
               <a:ext uri="{FF2B5EF4-FFF2-40B4-BE49-F238E27FC236}">
-                <a16:creationId xmlns:a16="http://schemas.microsoft.com/office/drawing/2014/main" id="{D9F8231E-B136-4E40-8A95-5E995A9C40F7}"/>
+                <a16:creationId xmlns:a16="http://schemas.microsoft.com/office/drawing/2014/main" id="{FFFAB130-62FE-4E0C-9148-B93FEA07DEF3}"/>
               </a:ext>
             </a:extLst>
           </p:cNvPr>
@@ -17745,8 +17853,8 @@
         </p:blipFill>
         <p:spPr>
           <a:xfrm>
-            <a:off x="0" y="2606431"/>
-            <a:ext cx="7652825" cy="4251569"/>
+            <a:off x="1" y="2609458"/>
+            <a:ext cx="7540282" cy="4248541"/>
           </a:xfrm>
           <a:prstGeom prst="rect">
             <a:avLst/>
@@ -17756,7 +17864,7 @@
     </p:spTree>
     <p:extLst>
       <p:ext uri="{BB962C8B-B14F-4D97-AF65-F5344CB8AC3E}">
-        <p14:creationId xmlns:p14="http://schemas.microsoft.com/office/powerpoint/2010/main" val="2957022314"/>
+        <p14:creationId xmlns:p14="http://schemas.microsoft.com/office/powerpoint/2010/main" val="1321157970"/>
       </p:ext>
     </p:extLst>
   </p:cSld>
@@ -17852,7 +17960,7 @@
             </a:pPr>
             <a:r>
               <a:rPr lang="he-IL" dirty="0"/>
-              <a:t>שינינו את צבע כפתור ההתחברות שיהיה מודגש וברור יותר.</a:t>
+              <a:t>הוספנו אפשרות של "שכחתי סיסמה" על מנת לאפשר למשתמש לשחזר סיסמה.</a:t>
             </a:r>
           </a:p>
         </p:txBody>
@@ -17862,7 +17970,7 @@
           <p:cNvPr id="3" name="תמונה 2">
             <a:extLst>
               <a:ext uri="{FF2B5EF4-FFF2-40B4-BE49-F238E27FC236}">
-                <a16:creationId xmlns:a16="http://schemas.microsoft.com/office/drawing/2014/main" id="{95B648AD-613D-490F-9F20-CD73D874D9C9}"/>
+                <a16:creationId xmlns:a16="http://schemas.microsoft.com/office/drawing/2014/main" id="{D9F8231E-B136-4E40-8A95-5E995A9C40F7}"/>
               </a:ext>
             </a:extLst>
           </p:cNvPr>
@@ -17879,8 +17987,8 @@
         </p:blipFill>
         <p:spPr>
           <a:xfrm>
-            <a:off x="47625" y="2947481"/>
-            <a:ext cx="6900087" cy="3900994"/>
+            <a:off x="0" y="2606431"/>
+            <a:ext cx="7652825" cy="4251569"/>
           </a:xfrm>
           <a:prstGeom prst="rect">
             <a:avLst/>
@@ -17890,7 +17998,7 @@
     </p:spTree>
     <p:extLst>
       <p:ext uri="{BB962C8B-B14F-4D97-AF65-F5344CB8AC3E}">
-        <p14:creationId xmlns:p14="http://schemas.microsoft.com/office/powerpoint/2010/main" val="3155172046"/>
+        <p14:creationId xmlns:p14="http://schemas.microsoft.com/office/powerpoint/2010/main" val="2957022314"/>
       </p:ext>
     </p:extLst>
   </p:cSld>
@@ -17966,8 +18074,8 @@
         </p:nvSpPr>
         <p:spPr>
           <a:xfrm>
-            <a:off x="7877908" y="2739271"/>
-            <a:ext cx="4149968" cy="1200329"/>
+            <a:off x="7540282" y="2739271"/>
+            <a:ext cx="4487594" cy="646331"/>
           </a:xfrm>
           <a:prstGeom prst="rect">
             <a:avLst/>
@@ -17986,21 +18094,8 @@
             </a:pPr>
             <a:r>
               <a:rPr lang="he-IL" dirty="0"/>
-              <a:t>כאשר המשתמש לא הכניס את פרטיו עדיין, נמנע ממנו ללחוץ על כפתור ההתחברות או לחילופין ללחוץ על כפתור ה</a:t>
-            </a:r>
-            <a:r>
-              <a:rPr lang="en-US" dirty="0"/>
-              <a:t>ENTER</a:t>
-            </a:r>
-            <a:r>
-              <a:rPr lang="he-IL" dirty="0"/>
-              <a:t> – </a:t>
-            </a:r>
-            <a:r>
-              <a:rPr lang="he-IL" b="1" dirty="0"/>
-              <a:t>מניעת טעויות.</a:t>
-            </a:r>
-            <a:endParaRPr lang="he-IL" dirty="0"/>
+              <a:t>שינינו את צבע כפתור ההתחברות שיהיה מודגש וברור יותר.</a:t>
+            </a:r>
           </a:p>
         </p:txBody>
       </p:sp>
@@ -18009,7 +18104,7 @@
           <p:cNvPr id="3" name="תמונה 2">
             <a:extLst>
               <a:ext uri="{FF2B5EF4-FFF2-40B4-BE49-F238E27FC236}">
-                <a16:creationId xmlns:a16="http://schemas.microsoft.com/office/drawing/2014/main" id="{E9D24780-DDFD-48A1-AB3A-E9FDE2443D98}"/>
+                <a16:creationId xmlns:a16="http://schemas.microsoft.com/office/drawing/2014/main" id="{95B648AD-613D-490F-9F20-CD73D874D9C9}"/>
               </a:ext>
             </a:extLst>
           </p:cNvPr>
@@ -18026,8 +18121,8 @@
         </p:blipFill>
         <p:spPr>
           <a:xfrm>
-            <a:off x="0" y="2349304"/>
-            <a:ext cx="8025851" cy="4508695"/>
+            <a:off x="47625" y="2947481"/>
+            <a:ext cx="6900087" cy="3900994"/>
           </a:xfrm>
           <a:prstGeom prst="rect">
             <a:avLst/>
@@ -18037,7 +18132,7 @@
     </p:spTree>
     <p:extLst>
       <p:ext uri="{BB962C8B-B14F-4D97-AF65-F5344CB8AC3E}">
-        <p14:creationId xmlns:p14="http://schemas.microsoft.com/office/powerpoint/2010/main" val="3511654369"/>
+        <p14:creationId xmlns:p14="http://schemas.microsoft.com/office/powerpoint/2010/main" val="3155172046"/>
       </p:ext>
     </p:extLst>
   </p:cSld>
@@ -18069,7 +18164,7 @@
           <p:cNvPr id="2" name="כותרת 1">
             <a:extLst>
               <a:ext uri="{FF2B5EF4-FFF2-40B4-BE49-F238E27FC236}">
-                <a16:creationId xmlns:a16="http://schemas.microsoft.com/office/drawing/2014/main" id="{DE777293-170B-4164-A212-000191C56DFE}"/>
+                <a16:creationId xmlns:a16="http://schemas.microsoft.com/office/drawing/2014/main" id="{92A500EE-F6C5-4C79-92F1-D2FDEE8174A4}"/>
               </a:ext>
             </a:extLst>
           </p:cNvPr>
@@ -18080,29 +18175,31 @@
             <p:ph type="title"/>
           </p:nvPr>
         </p:nvSpPr>
-        <p:spPr/>
+        <p:spPr>
+          <a:xfrm>
+            <a:off x="1154954" y="973669"/>
+            <a:ext cx="8825659" cy="706964"/>
+          </a:xfrm>
+        </p:spPr>
         <p:txBody>
           <a:bodyPr/>
           <a:lstStyle/>
           <a:p>
-            <a:pPr algn="ctr" rtl="1"/>
+            <a:pPr algn="ctr"/>
             <a:r>
               <a:rPr lang="he-IL"/>
-              <a:t>מסך </a:t>
-            </a:r>
-            <a:r>
-              <a:rPr lang="he-IL" dirty="0"/>
-              <a:t>הרשמה</a:t>
-            </a:r>
+              <a:t>מסך התחברות</a:t>
+            </a:r>
+            <a:endParaRPr lang="he-IL" dirty="0"/>
           </a:p>
         </p:txBody>
       </p:sp>
       <p:sp>
         <p:nvSpPr>
-          <p:cNvPr id="5" name="תיבת טקסט 4">
+          <p:cNvPr id="17" name="תיבת טקסט 16">
             <a:extLst>
               <a:ext uri="{FF2B5EF4-FFF2-40B4-BE49-F238E27FC236}">
-                <a16:creationId xmlns:a16="http://schemas.microsoft.com/office/drawing/2014/main" id="{49C1F48E-4344-478F-B955-03346A467B7E}"/>
+                <a16:creationId xmlns:a16="http://schemas.microsoft.com/office/drawing/2014/main" id="{2F642565-7D83-416E-A7D1-4FA3B48B83E1}"/>
               </a:ext>
             </a:extLst>
           </p:cNvPr>
@@ -18111,8 +18208,8 @@
         </p:nvSpPr>
         <p:spPr>
           <a:xfrm>
-            <a:off x="7919696" y="2477527"/>
-            <a:ext cx="4121834" cy="3970318"/>
+            <a:off x="7877908" y="2739271"/>
+            <a:ext cx="4149968" cy="1200329"/>
           </a:xfrm>
           <a:prstGeom prst="rect">
             <a:avLst/>
@@ -18131,52 +18228,21 @@
             </a:pPr>
             <a:r>
               <a:rPr lang="he-IL" dirty="0"/>
-              <a:t>שינינו את עיצוב השדות כך שיראו יותר מעודכנים.</a:t>
-            </a:r>
-          </a:p>
-          <a:p>
-            <a:pPr marL="285750" indent="-285750" algn="r" rtl="1">
-              <a:buFont typeface="Arial" panose="020B0604020202020204" pitchFamily="34" charset="0"/>
-              <a:buChar char="•"/>
-            </a:pPr>
+              <a:t>כאשר המשתמש לא הכניס את פרטיו עדיין, נמנע ממנו ללחוץ על כפתור ההתחברות או לחילופין ללחוץ על כפתור ה</a:t>
+            </a:r>
+            <a:r>
+              <a:rPr lang="en-US" dirty="0"/>
+              <a:t>ENTER</a:t>
+            </a:r>
             <a:r>
               <a:rPr lang="he-IL" dirty="0"/>
-              <a:t>הוספנו סמלים מתאימים בצד כל שדה כך שיהיה ברור למשתמש מה עליו להכניס בשדה אותו הוא ממלא – </a:t>
-            </a:r>
-            <a:r>
-              <a:rPr lang="he-IL" b="1" dirty="0"/>
-              <a:t>זיהוי ולא זיכרון.</a:t>
-            </a:r>
-            <a:endParaRPr lang="he-IL" dirty="0"/>
-          </a:p>
-          <a:p>
-            <a:pPr marL="285750" indent="-285750" algn="r" rtl="1">
-              <a:buFont typeface="Arial" panose="020B0604020202020204" pitchFamily="34" charset="0"/>
-              <a:buChar char="•"/>
-            </a:pPr>
-            <a:r>
-              <a:rPr lang="he-IL" dirty="0"/>
-              <a:t>הוספנו תיאור לבחירת המין כדי שיהיה ברור יותר למשתמש מה עליו לבחור, בנוסף סימנו את המין "זכר" כברירת מחדל – </a:t>
+              <a:t> – </a:t>
             </a:r>
             <a:r>
               <a:rPr lang="he-IL" b="1" dirty="0"/>
               <a:t>מניעת טעויות.</a:t>
             </a:r>
             <a:endParaRPr lang="he-IL" dirty="0"/>
-          </a:p>
-          <a:p>
-            <a:pPr marL="285750" indent="-285750" algn="r" rtl="1">
-              <a:buFont typeface="Arial" panose="020B0604020202020204" pitchFamily="34" charset="0"/>
-              <a:buChar char="•"/>
-            </a:pPr>
-            <a:r>
-              <a:rPr lang="he-IL" dirty="0"/>
-              <a:t>הוספנו את אותה התנהגות של השדות כמו במסך ההתחברות (הדגשת השדה כאשר המשתמש מפוקס עליו + קיצורי מקשים) - </a:t>
-            </a:r>
-            <a:r>
-              <a:rPr lang="he-IL" b="1" dirty="0"/>
-              <a:t>חיווי מצב המערכת + גמישות ויעילות שימוש.</a:t>
-            </a:r>
           </a:p>
         </p:txBody>
       </p:sp>
@@ -18185,7 +18251,7 @@
           <p:cNvPr id="3" name="תמונה 2">
             <a:extLst>
               <a:ext uri="{FF2B5EF4-FFF2-40B4-BE49-F238E27FC236}">
-                <a16:creationId xmlns:a16="http://schemas.microsoft.com/office/drawing/2014/main" id="{EDBDBFCF-CC0C-44D5-822E-F5193ADFCEC5}"/>
+                <a16:creationId xmlns:a16="http://schemas.microsoft.com/office/drawing/2014/main" id="{E9D24780-DDFD-48A1-AB3A-E9FDE2443D98}"/>
               </a:ext>
             </a:extLst>
           </p:cNvPr>
@@ -18202,8 +18268,8 @@
         </p:blipFill>
         <p:spPr>
           <a:xfrm>
-            <a:off x="0" y="2477527"/>
-            <a:ext cx="7795603" cy="4380473"/>
+            <a:off x="0" y="2349304"/>
+            <a:ext cx="8025851" cy="4508695"/>
           </a:xfrm>
           <a:prstGeom prst="rect">
             <a:avLst/>
@@ -18213,7 +18279,7 @@
     </p:spTree>
     <p:extLst>
       <p:ext uri="{BB962C8B-B14F-4D97-AF65-F5344CB8AC3E}">
-        <p14:creationId xmlns:p14="http://schemas.microsoft.com/office/powerpoint/2010/main" val="1933346331"/>
+        <p14:creationId xmlns:p14="http://schemas.microsoft.com/office/powerpoint/2010/main" val="3511654369"/>
       </p:ext>
     </p:extLst>
   </p:cSld>
@@ -18288,7 +18354,7 @@
         <p:spPr>
           <a:xfrm>
             <a:off x="7919696" y="2477527"/>
-            <a:ext cx="4121834" cy="923330"/>
+            <a:ext cx="4121834" cy="3970318"/>
           </a:xfrm>
           <a:prstGeom prst="rect">
             <a:avLst/>
@@ -18307,22 +18373,61 @@
             </a:pPr>
             <a:r>
               <a:rPr lang="he-IL" dirty="0"/>
-              <a:t>הוספנו הדגשה עבור כל שדה חובה והסבר בתחתית העמוד המסביר מהי ההדגשה – </a:t>
+              <a:t>שינינו את עיצוב השדות כך שיראו יותר מעודכנים.</a:t>
+            </a:r>
+          </a:p>
+          <a:p>
+            <a:pPr marL="285750" indent="-285750" algn="r" rtl="1">
+              <a:buFont typeface="Arial" panose="020B0604020202020204" pitchFamily="34" charset="0"/>
+              <a:buChar char="•"/>
+            </a:pPr>
+            <a:r>
+              <a:rPr lang="he-IL" dirty="0"/>
+              <a:t>הוספנו סמלים מתאימים בצד כל שדה כך שיהיה ברור למשתמש מה עליו להכניס בשדה אותו הוא ממלא – </a:t>
+            </a:r>
+            <a:r>
+              <a:rPr lang="he-IL" b="1" dirty="0"/>
+              <a:t>זיהוי ולא זיכרון.</a:t>
+            </a:r>
+            <a:endParaRPr lang="he-IL" dirty="0"/>
+          </a:p>
+          <a:p>
+            <a:pPr marL="285750" indent="-285750" algn="r" rtl="1">
+              <a:buFont typeface="Arial" panose="020B0604020202020204" pitchFamily="34" charset="0"/>
+              <a:buChar char="•"/>
+            </a:pPr>
+            <a:r>
+              <a:rPr lang="he-IL" dirty="0"/>
+              <a:t>הוספנו תיאור לבחירת המין כדי שיהיה ברור יותר למשתמש מה עליו לבחור, בנוסף סימנו את המין "זכר" כברירת מחדל – </a:t>
             </a:r>
             <a:r>
               <a:rPr lang="he-IL" b="1" dirty="0"/>
               <a:t>מניעת טעויות.</a:t>
             </a:r>
             <a:endParaRPr lang="he-IL" dirty="0"/>
+          </a:p>
+          <a:p>
+            <a:pPr marL="285750" indent="-285750" algn="r" rtl="1">
+              <a:buFont typeface="Arial" panose="020B0604020202020204" pitchFamily="34" charset="0"/>
+              <a:buChar char="•"/>
+            </a:pPr>
+            <a:r>
+              <a:rPr lang="he-IL" dirty="0"/>
+              <a:t>הוספנו את אותה התנהגות של השדות כמו במסך ההתחברות (הדגשת השדה כאשר המשתמש מפוקס עליו + קיצורי מקשים) - </a:t>
+            </a:r>
+            <a:r>
+              <a:rPr lang="he-IL" b="1" dirty="0"/>
+              <a:t>חיווי מצב המערכת + גמישות ויעילות שימוש.</a:t>
+            </a:r>
           </a:p>
         </p:txBody>
       </p:sp>
       <p:pic>
         <p:nvPicPr>
-          <p:cNvPr id="4" name="תמונה 3">
+          <p:cNvPr id="3" name="תמונה 2">
             <a:extLst>
               <a:ext uri="{FF2B5EF4-FFF2-40B4-BE49-F238E27FC236}">
-                <a16:creationId xmlns:a16="http://schemas.microsoft.com/office/drawing/2014/main" id="{F7A459F8-8EB4-4454-BC2E-F42597AF3D89}"/>
+                <a16:creationId xmlns:a16="http://schemas.microsoft.com/office/drawing/2014/main" id="{EDBDBFCF-CC0C-44D5-822E-F5193ADFCEC5}"/>
               </a:ext>
             </a:extLst>
           </p:cNvPr>
@@ -18339,8 +18444,8 @@
         </p:blipFill>
         <p:spPr>
           <a:xfrm>
-            <a:off x="1" y="2393328"/>
-            <a:ext cx="7919696" cy="4464671"/>
+            <a:off x="0" y="2477527"/>
+            <a:ext cx="7795603" cy="4380473"/>
           </a:xfrm>
           <a:prstGeom prst="rect">
             <a:avLst/>
@@ -18350,7 +18455,7 @@
     </p:spTree>
     <p:extLst>
       <p:ext uri="{BB962C8B-B14F-4D97-AF65-F5344CB8AC3E}">
-        <p14:creationId xmlns:p14="http://schemas.microsoft.com/office/powerpoint/2010/main" val="567271253"/>
+        <p14:creationId xmlns:p14="http://schemas.microsoft.com/office/powerpoint/2010/main" val="1933346331"/>
       </p:ext>
     </p:extLst>
   </p:cSld>
@@ -18425,7 +18530,7 @@
         <p:spPr>
           <a:xfrm>
             <a:off x="7919696" y="2477527"/>
-            <a:ext cx="4121834" cy="1477328"/>
+            <a:ext cx="4121834" cy="923330"/>
           </a:xfrm>
           <a:prstGeom prst="rect">
             <a:avLst/>
@@ -18444,21 +18549,11 @@
             </a:pPr>
             <a:r>
               <a:rPr lang="he-IL" dirty="0"/>
-              <a:t>שינינו את מיקום כפתור "הירשם", וגם שינינו את עיצובו.</a:t>
-            </a:r>
-          </a:p>
-          <a:p>
-            <a:pPr marL="285750" indent="-285750" algn="r" rtl="1">
-              <a:buFont typeface="Arial" panose="020B0604020202020204" pitchFamily="34" charset="0"/>
-              <a:buChar char="•"/>
-            </a:pPr>
-            <a:r>
-              <a:rPr lang="he-IL" dirty="0"/>
-              <a:t>הוספנו כפתור "חזור" לחזרה למסך ההתחברות – </a:t>
+              <a:t>הוספנו הדגשה עבור כל שדה חובה והסבר בתחתית העמוד המסביר מהי ההדגשה – </a:t>
             </a:r>
             <a:r>
               <a:rPr lang="he-IL" b="1" dirty="0"/>
-              <a:t>שליטה וחופש של המשתמש.</a:t>
+              <a:t>מניעת טעויות.</a:t>
             </a:r>
             <a:endParaRPr lang="he-IL" dirty="0"/>
           </a:p>
@@ -18466,10 +18561,10 @@
       </p:sp>
       <p:pic>
         <p:nvPicPr>
-          <p:cNvPr id="3" name="תמונה 2">
+          <p:cNvPr id="4" name="תמונה 3">
             <a:extLst>
               <a:ext uri="{FF2B5EF4-FFF2-40B4-BE49-F238E27FC236}">
-                <a16:creationId xmlns:a16="http://schemas.microsoft.com/office/drawing/2014/main" id="{38430044-946A-4A50-94AE-6A5D66B2DBD5}"/>
+                <a16:creationId xmlns:a16="http://schemas.microsoft.com/office/drawing/2014/main" id="{F7A459F8-8EB4-4454-BC2E-F42597AF3D89}"/>
               </a:ext>
             </a:extLst>
           </p:cNvPr>
@@ -18486,8 +18581,8 @@
         </p:blipFill>
         <p:spPr>
           <a:xfrm>
-            <a:off x="0" y="2477528"/>
-            <a:ext cx="7820968" cy="4380472"/>
+            <a:off x="1" y="2393328"/>
+            <a:ext cx="7919696" cy="4464671"/>
           </a:xfrm>
           <a:prstGeom prst="rect">
             <a:avLst/>
@@ -18497,7 +18592,7 @@
     </p:spTree>
     <p:extLst>
       <p:ext uri="{BB962C8B-B14F-4D97-AF65-F5344CB8AC3E}">
-        <p14:creationId xmlns:p14="http://schemas.microsoft.com/office/powerpoint/2010/main" val="3086947910"/>
+        <p14:creationId xmlns:p14="http://schemas.microsoft.com/office/powerpoint/2010/main" val="567271253"/>
       </p:ext>
     </p:extLst>
   </p:cSld>
@@ -18572,7 +18667,7 @@
         <p:spPr>
           <a:xfrm>
             <a:off x="7919696" y="2477527"/>
-            <a:ext cx="4121834" cy="1200329"/>
+            <a:ext cx="4121834" cy="1477328"/>
           </a:xfrm>
           <a:prstGeom prst="rect">
             <a:avLst/>
@@ -18591,11 +18686,7 @@
             </a:pPr>
             <a:r>
               <a:rPr lang="he-IL" dirty="0"/>
-              <a:t>הוספנו שדה "אימות סיסמה" על מנת שהמשתמש לא יזין בטעות סיסמה שלא רצה – </a:t>
-            </a:r>
-            <a:r>
-              <a:rPr lang="he-IL" b="1" dirty="0"/>
-              <a:t>מניעת טעויות.</a:t>
+              <a:t>שינינו את מיקום כפתור "הירשם", וגם שינינו את עיצובו.</a:t>
             </a:r>
           </a:p>
           <a:p>
@@ -18605,17 +18696,22 @@
             </a:pPr>
             <a:r>
               <a:rPr lang="he-IL" dirty="0"/>
-              <a:t>נוסיף סמל של "עזרה" ליד השדה סיסמה.</a:t>
-            </a:r>
+              <a:t>הוספנו כפתור "חזור" לחזרה למסך ההתחברות – </a:t>
+            </a:r>
+            <a:r>
+              <a:rPr lang="he-IL" b="1" dirty="0"/>
+              <a:t>שליטה וחופש של המשתמש.</a:t>
+            </a:r>
+            <a:endParaRPr lang="he-IL" dirty="0"/>
           </a:p>
         </p:txBody>
       </p:sp>
       <p:pic>
         <p:nvPicPr>
-          <p:cNvPr id="4" name="תמונה 3">
+          <p:cNvPr id="3" name="תמונה 2">
             <a:extLst>
               <a:ext uri="{FF2B5EF4-FFF2-40B4-BE49-F238E27FC236}">
-                <a16:creationId xmlns:a16="http://schemas.microsoft.com/office/drawing/2014/main" id="{0E31DD51-C1AC-4F56-8FC6-3D97FC3714E2}"/>
+                <a16:creationId xmlns:a16="http://schemas.microsoft.com/office/drawing/2014/main" id="{38430044-946A-4A50-94AE-6A5D66B2DBD5}"/>
               </a:ext>
             </a:extLst>
           </p:cNvPr>
@@ -18632,8 +18728,8 @@
         </p:blipFill>
         <p:spPr>
           <a:xfrm>
-            <a:off x="18757" y="2477527"/>
-            <a:ext cx="7781461" cy="4380473"/>
+            <a:off x="0" y="2477528"/>
+            <a:ext cx="7820968" cy="4380472"/>
           </a:xfrm>
           <a:prstGeom prst="rect">
             <a:avLst/>
@@ -18643,7 +18739,7 @@
     </p:spTree>
     <p:extLst>
       <p:ext uri="{BB962C8B-B14F-4D97-AF65-F5344CB8AC3E}">
-        <p14:creationId xmlns:p14="http://schemas.microsoft.com/office/powerpoint/2010/main" val="1077792874"/>
+        <p14:creationId xmlns:p14="http://schemas.microsoft.com/office/powerpoint/2010/main" val="3086947910"/>
       </p:ext>
     </p:extLst>
   </p:cSld>
@@ -18718,7 +18814,7 @@
         <p:spPr>
           <a:xfrm>
             <a:off x="7919696" y="2477527"/>
-            <a:ext cx="4121834" cy="923330"/>
+            <a:ext cx="4121834" cy="1200329"/>
           </a:xfrm>
           <a:prstGeom prst="rect">
             <a:avLst/>
@@ -18737,22 +18833,31 @@
             </a:pPr>
             <a:r>
               <a:rPr lang="he-IL" dirty="0"/>
-              <a:t>כאשר המשתמש יעמוד עם העכבר על סמל העזרה, יפתח פופ-אפ שיסביר לו על דרישות הסיסמה – </a:t>
+              <a:t>הוספנו שדה "אימות סיסמה" על מנת שהמשתמש לא יזין בטעות סיסמה שלא רצה – </a:t>
             </a:r>
             <a:r>
               <a:rPr lang="he-IL" b="1" dirty="0"/>
-              <a:t>עזרה ומסמכים.</a:t>
-            </a:r>
-            <a:endParaRPr lang="he-IL" dirty="0"/>
+              <a:t>מניעת טעויות.</a:t>
+            </a:r>
+          </a:p>
+          <a:p>
+            <a:pPr marL="285750" indent="-285750" algn="r" rtl="1">
+              <a:buFont typeface="Arial" panose="020B0604020202020204" pitchFamily="34" charset="0"/>
+              <a:buChar char="•"/>
+            </a:pPr>
+            <a:r>
+              <a:rPr lang="he-IL" dirty="0"/>
+              <a:t>נוסיף סמל של "עזרה" ליד השדה סיסמה.</a:t>
+            </a:r>
           </a:p>
         </p:txBody>
       </p:sp>
       <p:pic>
         <p:nvPicPr>
-          <p:cNvPr id="3" name="תמונה 2">
+          <p:cNvPr id="4" name="תמונה 3">
             <a:extLst>
               <a:ext uri="{FF2B5EF4-FFF2-40B4-BE49-F238E27FC236}">
-                <a16:creationId xmlns:a16="http://schemas.microsoft.com/office/drawing/2014/main" id="{CF7F28FA-F2A3-4BF5-B0BE-9ABE3FAF5129}"/>
+                <a16:creationId xmlns:a16="http://schemas.microsoft.com/office/drawing/2014/main" id="{0E31DD51-C1AC-4F56-8FC6-3D97FC3714E2}"/>
               </a:ext>
             </a:extLst>
           </p:cNvPr>
@@ -18769,8 +18874,8 @@
         </p:blipFill>
         <p:spPr>
           <a:xfrm>
-            <a:off x="1" y="2477527"/>
-            <a:ext cx="7823508" cy="4391024"/>
+            <a:off x="18757" y="2477527"/>
+            <a:ext cx="7781461" cy="4380473"/>
           </a:xfrm>
           <a:prstGeom prst="rect">
             <a:avLst/>
@@ -18780,7 +18885,7 @@
     </p:spTree>
     <p:extLst>
       <p:ext uri="{BB962C8B-B14F-4D97-AF65-F5344CB8AC3E}">
-        <p14:creationId xmlns:p14="http://schemas.microsoft.com/office/powerpoint/2010/main" val="275190794"/>
+        <p14:creationId xmlns:p14="http://schemas.microsoft.com/office/powerpoint/2010/main" val="1077792874"/>
       </p:ext>
     </p:extLst>
   </p:cSld>
@@ -18855,7 +18960,7 @@
         <p:spPr>
           <a:xfrm>
             <a:off x="7919696" y="2477527"/>
-            <a:ext cx="4121834" cy="1477328"/>
+            <a:ext cx="4121834" cy="923330"/>
           </a:xfrm>
           <a:prstGeom prst="rect">
             <a:avLst/>
@@ -18874,21 +18979,22 @@
             </a:pPr>
             <a:r>
               <a:rPr lang="he-IL" dirty="0"/>
-              <a:t>במידה ואחד הערכים בשדות אינם תקינים, נחזיר הודעת שגיאה מתאימה ואינפורמטיבית עבור כל בעיה בקלט - </a:t>
+              <a:t>כאשר המשתמש יעמוד עם העכבר על סמל העזרה, יפתח פופ-אפ שיסביר לו על דרישות הסיסמה – </a:t>
             </a:r>
             <a:r>
               <a:rPr lang="he-IL" b="1" dirty="0"/>
-              <a:t>עזרה בזיהוי, ניתוח והתאוששות מטעויות.</a:t>
-            </a:r>
+              <a:t>עזרה ומסמכים.</a:t>
+            </a:r>
+            <a:endParaRPr lang="he-IL" dirty="0"/>
           </a:p>
         </p:txBody>
       </p:sp>
       <p:pic>
         <p:nvPicPr>
-          <p:cNvPr id="4" name="תמונה 3">
+          <p:cNvPr id="3" name="תמונה 2">
             <a:extLst>
               <a:ext uri="{FF2B5EF4-FFF2-40B4-BE49-F238E27FC236}">
-                <a16:creationId xmlns:a16="http://schemas.microsoft.com/office/drawing/2014/main" id="{8F2B87F0-BFF7-443B-B7D8-EE64A307640C}"/>
+                <a16:creationId xmlns:a16="http://schemas.microsoft.com/office/drawing/2014/main" id="{CF7F28FA-F2A3-4BF5-B0BE-9ABE3FAF5129}"/>
               </a:ext>
             </a:extLst>
           </p:cNvPr>
@@ -18905,8 +19011,8 @@
         </p:blipFill>
         <p:spPr>
           <a:xfrm>
-            <a:off x="1" y="2305582"/>
-            <a:ext cx="8060788" cy="4552417"/>
+            <a:off x="1" y="2477527"/>
+            <a:ext cx="7823508" cy="4391024"/>
           </a:xfrm>
           <a:prstGeom prst="rect">
             <a:avLst/>
@@ -18916,7 +19022,7 @@
     </p:spTree>
     <p:extLst>
       <p:ext uri="{BB962C8B-B14F-4D97-AF65-F5344CB8AC3E}">
-        <p14:creationId xmlns:p14="http://schemas.microsoft.com/office/powerpoint/2010/main" val="2631093111"/>
+        <p14:creationId xmlns:p14="http://schemas.microsoft.com/office/powerpoint/2010/main" val="275190794"/>
       </p:ext>
     </p:extLst>
   </p:cSld>
@@ -18991,7 +19097,7 @@
         <p:spPr>
           <a:xfrm>
             <a:off x="7919696" y="2477527"/>
-            <a:ext cx="4121834" cy="923330"/>
+            <a:ext cx="4121834" cy="1477328"/>
           </a:xfrm>
           <a:prstGeom prst="rect">
             <a:avLst/>
@@ -19010,13 +19116,12 @@
             </a:pPr>
             <a:r>
               <a:rPr lang="he-IL" dirty="0"/>
-              <a:t>כאשר אחד או יותר מהשדות חובה ריקות לא נאפשר ללחוץ על כפתור ה"הירשם" – </a:t>
+              <a:t>במידה ואחד הערכים בשדות אינם תקינים, נחזיר הודעת שגיאה מתאימה ואינפורמטיבית עבור כל בעיה בקלט - </a:t>
             </a:r>
             <a:r>
               <a:rPr lang="he-IL" b="1" dirty="0"/>
-              <a:t>מניעת טעויות.</a:t>
-            </a:r>
-            <a:endParaRPr lang="he-IL" dirty="0"/>
+              <a:t>עזרה בזיהוי, ניתוח והתאוששות מטעויות.</a:t>
+            </a:r>
           </a:p>
         </p:txBody>
       </p:sp>
@@ -19025,7 +19130,7 @@
           <p:cNvPr id="4" name="תמונה 3">
             <a:extLst>
               <a:ext uri="{FF2B5EF4-FFF2-40B4-BE49-F238E27FC236}">
-                <a16:creationId xmlns:a16="http://schemas.microsoft.com/office/drawing/2014/main" id="{407C7C72-7DE0-4C9C-963E-8C4B6AD52CAF}"/>
+                <a16:creationId xmlns:a16="http://schemas.microsoft.com/office/drawing/2014/main" id="{8F2B87F0-BFF7-443B-B7D8-EE64A307640C}"/>
               </a:ext>
             </a:extLst>
           </p:cNvPr>
@@ -19042,8 +19147,8 @@
         </p:blipFill>
         <p:spPr>
           <a:xfrm>
-            <a:off x="0" y="2477527"/>
-            <a:ext cx="7790531" cy="4380473"/>
+            <a:off x="1" y="2305582"/>
+            <a:ext cx="8060788" cy="4552417"/>
           </a:xfrm>
           <a:prstGeom prst="rect">
             <a:avLst/>
@@ -19053,7 +19158,7 @@
     </p:spTree>
     <p:extLst>
       <p:ext uri="{BB962C8B-B14F-4D97-AF65-F5344CB8AC3E}">
-        <p14:creationId xmlns:p14="http://schemas.microsoft.com/office/powerpoint/2010/main" val="2646762809"/>
+        <p14:creationId xmlns:p14="http://schemas.microsoft.com/office/powerpoint/2010/main" val="2631093111"/>
       </p:ext>
     </p:extLst>
   </p:cSld>
@@ -19271,8 +19376,12 @@
           <a:p>
             <a:pPr algn="ctr" rtl="1"/>
             <a:r>
+              <a:rPr lang="he-IL"/>
+              <a:t>מסך </a:t>
+            </a:r>
+            <a:r>
               <a:rPr lang="he-IL" dirty="0"/>
-              <a:t>מסך הוספת פגישה והוספת אילוץ</a:t>
+              <a:t>הרשמה</a:t>
             </a:r>
           </a:p>
         </p:txBody>
@@ -19291,8 +19400,8 @@
         </p:nvSpPr>
         <p:spPr>
           <a:xfrm>
-            <a:off x="1462310" y="2477527"/>
-            <a:ext cx="9267379" cy="369332"/>
+            <a:off x="7919696" y="2477527"/>
+            <a:ext cx="4121834" cy="923330"/>
           </a:xfrm>
           <a:prstGeom prst="rect">
             <a:avLst/>
@@ -19305,20 +19414,28 @@
           </a:bodyPr>
           <a:lstStyle/>
           <a:p>
-            <a:pPr algn="r" rtl="1"/>
+            <a:pPr marL="285750" indent="-285750" algn="r" rtl="1">
+              <a:buFont typeface="Arial" panose="020B0604020202020204" pitchFamily="34" charset="0"/>
+              <a:buChar char="•"/>
+            </a:pPr>
             <a:r>
               <a:rPr lang="he-IL" dirty="0"/>
-              <a:t>את אותם שינויים שעשינו במסך ההתחברות ובמסך ההרשמה הוספנו למסך הוספת פגישה והוספת אילוץ</a:t>
-            </a:r>
+              <a:t>כאשר אחד או יותר מהשדות חובה ריקות לא נאפשר ללחוץ על כפתור ה"הירשם" – </a:t>
+            </a:r>
+            <a:r>
+              <a:rPr lang="he-IL" b="1" dirty="0"/>
+              <a:t>מניעת טעויות.</a:t>
+            </a:r>
+            <a:endParaRPr lang="he-IL" dirty="0"/>
           </a:p>
         </p:txBody>
       </p:sp>
       <p:pic>
         <p:nvPicPr>
-          <p:cNvPr id="3" name="תמונה 2">
+          <p:cNvPr id="4" name="תמונה 3">
             <a:extLst>
               <a:ext uri="{FF2B5EF4-FFF2-40B4-BE49-F238E27FC236}">
-                <a16:creationId xmlns:a16="http://schemas.microsoft.com/office/drawing/2014/main" id="{F74805F7-6C4A-4A1C-A406-9BDF74A7EE20}"/>
+                <a16:creationId xmlns:a16="http://schemas.microsoft.com/office/drawing/2014/main" id="{407C7C72-7DE0-4C9C-963E-8C4B6AD52CAF}"/>
               </a:ext>
             </a:extLst>
           </p:cNvPr>
@@ -19335,8 +19452,8 @@
         </p:blipFill>
         <p:spPr>
           <a:xfrm>
-            <a:off x="3346188" y="2846858"/>
-            <a:ext cx="4778254" cy="4023793"/>
+            <a:off x="0" y="2477527"/>
+            <a:ext cx="7790531" cy="4380473"/>
           </a:xfrm>
           <a:prstGeom prst="rect">
             <a:avLst/>
@@ -19346,7 +19463,7 @@
     </p:spTree>
     <p:extLst>
       <p:ext uri="{BB962C8B-B14F-4D97-AF65-F5344CB8AC3E}">
-        <p14:creationId xmlns:p14="http://schemas.microsoft.com/office/powerpoint/2010/main" val="2560866086"/>
+        <p14:creationId xmlns:p14="http://schemas.microsoft.com/office/powerpoint/2010/main" val="2646762809"/>
       </p:ext>
     </p:extLst>
   </p:cSld>
@@ -19416,8 +19533,8 @@
         </p:nvSpPr>
         <p:spPr>
           <a:xfrm>
-            <a:off x="450166" y="2477527"/>
-            <a:ext cx="11591364" cy="369332"/>
+            <a:off x="1462310" y="2477527"/>
+            <a:ext cx="9267379" cy="369332"/>
           </a:xfrm>
           <a:prstGeom prst="rect">
             <a:avLst/>
@@ -19443,7 +19560,7 @@
           <p:cNvPr id="3" name="תמונה 2">
             <a:extLst>
               <a:ext uri="{FF2B5EF4-FFF2-40B4-BE49-F238E27FC236}">
-                <a16:creationId xmlns:a16="http://schemas.microsoft.com/office/drawing/2014/main" id="{9C4C959D-044E-406B-A4A7-F12197FD45EA}"/>
+                <a16:creationId xmlns:a16="http://schemas.microsoft.com/office/drawing/2014/main" id="{F74805F7-6C4A-4A1C-A406-9BDF74A7EE20}"/>
               </a:ext>
             </a:extLst>
           </p:cNvPr>
@@ -19460,8 +19577,8 @@
         </p:blipFill>
         <p:spPr>
           <a:xfrm>
-            <a:off x="3924888" y="2846859"/>
-            <a:ext cx="4038672" cy="3988314"/>
+            <a:off x="3346188" y="2846858"/>
+            <a:ext cx="4778254" cy="4023793"/>
           </a:xfrm>
           <a:prstGeom prst="rect">
             <a:avLst/>
@@ -19471,7 +19588,7 @@
     </p:spTree>
     <p:extLst>
       <p:ext uri="{BB962C8B-B14F-4D97-AF65-F5344CB8AC3E}">
-        <p14:creationId xmlns:p14="http://schemas.microsoft.com/office/powerpoint/2010/main" val="3541591789"/>
+        <p14:creationId xmlns:p14="http://schemas.microsoft.com/office/powerpoint/2010/main" val="2560866086"/>
       </p:ext>
     </p:extLst>
   </p:cSld>
@@ -19521,6 +19638,131 @@
           <a:p>
             <a:pPr algn="ctr" rtl="1"/>
             <a:r>
+              <a:rPr lang="he-IL" dirty="0"/>
+              <a:t>מסך הוספת פגישה והוספת אילוץ</a:t>
+            </a:r>
+          </a:p>
+        </p:txBody>
+      </p:sp>
+      <p:sp>
+        <p:nvSpPr>
+          <p:cNvPr id="5" name="תיבת טקסט 4">
+            <a:extLst>
+              <a:ext uri="{FF2B5EF4-FFF2-40B4-BE49-F238E27FC236}">
+                <a16:creationId xmlns:a16="http://schemas.microsoft.com/office/drawing/2014/main" id="{49C1F48E-4344-478F-B955-03346A467B7E}"/>
+              </a:ext>
+            </a:extLst>
+          </p:cNvPr>
+          <p:cNvSpPr txBox="1"/>
+          <p:nvPr/>
+        </p:nvSpPr>
+        <p:spPr>
+          <a:xfrm>
+            <a:off x="450166" y="2477527"/>
+            <a:ext cx="11591364" cy="369332"/>
+          </a:xfrm>
+          <a:prstGeom prst="rect">
+            <a:avLst/>
+          </a:prstGeom>
+          <a:noFill/>
+        </p:spPr>
+        <p:txBody>
+          <a:bodyPr wrap="square" rtlCol="1">
+            <a:spAutoFit/>
+          </a:bodyPr>
+          <a:lstStyle/>
+          <a:p>
+            <a:pPr algn="r" rtl="1"/>
+            <a:r>
+              <a:rPr lang="he-IL" dirty="0"/>
+              <a:t>את אותם שינויים שעשינו במסך ההתחברות ובמסך ההרשמה הוספנו למסך הוספת פגישה והוספת אילוץ</a:t>
+            </a:r>
+          </a:p>
+        </p:txBody>
+      </p:sp>
+      <p:pic>
+        <p:nvPicPr>
+          <p:cNvPr id="3" name="תמונה 2">
+            <a:extLst>
+              <a:ext uri="{FF2B5EF4-FFF2-40B4-BE49-F238E27FC236}">
+                <a16:creationId xmlns:a16="http://schemas.microsoft.com/office/drawing/2014/main" id="{9C4C959D-044E-406B-A4A7-F12197FD45EA}"/>
+              </a:ext>
+            </a:extLst>
+          </p:cNvPr>
+          <p:cNvPicPr>
+            <a:picLocks noChangeAspect="1"/>
+          </p:cNvPicPr>
+          <p:nvPr/>
+        </p:nvPicPr>
+        <p:blipFill>
+          <a:blip r:embed="rId2"/>
+          <a:stretch>
+            <a:fillRect/>
+          </a:stretch>
+        </p:blipFill>
+        <p:spPr>
+          <a:xfrm>
+            <a:off x="3924888" y="2846859"/>
+            <a:ext cx="4038672" cy="3988314"/>
+          </a:xfrm>
+          <a:prstGeom prst="rect">
+            <a:avLst/>
+          </a:prstGeom>
+        </p:spPr>
+      </p:pic>
+    </p:spTree>
+    <p:extLst>
+      <p:ext uri="{BB962C8B-B14F-4D97-AF65-F5344CB8AC3E}">
+        <p14:creationId xmlns:p14="http://schemas.microsoft.com/office/powerpoint/2010/main" val="3541591789"/>
+      </p:ext>
+    </p:extLst>
+  </p:cSld>
+  <p:clrMapOvr>
+    <a:masterClrMapping/>
+  </p:clrMapOvr>
+</p:sld>
+</file>
+
+<file path=ppt/slides/slide43.xml><?xml version="1.0" encoding="utf-8"?>
+<p:sld xmlns:a="http://schemas.openxmlformats.org/drawingml/2006/main" xmlns:r="http://schemas.openxmlformats.org/officeDocument/2006/relationships" xmlns:p="http://schemas.openxmlformats.org/presentationml/2006/main">
+  <p:cSld>
+    <p:spTree>
+      <p:nvGrpSpPr>
+        <p:cNvPr id="1" name=""/>
+        <p:cNvGrpSpPr/>
+        <p:nvPr/>
+      </p:nvGrpSpPr>
+      <p:grpSpPr>
+        <a:xfrm>
+          <a:off x="0" y="0"/>
+          <a:ext cx="0" cy="0"/>
+          <a:chOff x="0" y="0"/>
+          <a:chExt cx="0" cy="0"/>
+        </a:xfrm>
+      </p:grpSpPr>
+      <p:sp>
+        <p:nvSpPr>
+          <p:cNvPr id="2" name="כותרת 1">
+            <a:extLst>
+              <a:ext uri="{FF2B5EF4-FFF2-40B4-BE49-F238E27FC236}">
+                <a16:creationId xmlns:a16="http://schemas.microsoft.com/office/drawing/2014/main" id="{DE777293-170B-4164-A212-000191C56DFE}"/>
+              </a:ext>
+            </a:extLst>
+          </p:cNvPr>
+          <p:cNvSpPr>
+            <a:spLocks noGrp="1"/>
+          </p:cNvSpPr>
+          <p:nvPr>
+            <p:ph type="title"/>
+          </p:nvPr>
+        </p:nvSpPr>
+        <p:spPr/>
+        <p:txBody>
+          <a:bodyPr/>
+          <a:lstStyle/>
+          <a:p>
+            <a:pPr algn="ctr" rtl="1"/>
+            <a:r>
               <a:rPr lang="he-IL"/>
               <a:t>מסך </a:t>
             </a:r>
@@ -19618,7 +19860,7 @@
 </p:sld>
 </file>
 
-<file path=ppt/slides/slide43.xml><?xml version="1.0" encoding="utf-8"?>
+<file path=ppt/slides/slide44.xml><?xml version="1.0" encoding="utf-8"?>
 <p:sld xmlns:a="http://schemas.openxmlformats.org/drawingml/2006/main" xmlns:r="http://schemas.openxmlformats.org/officeDocument/2006/relationships" xmlns:p="http://schemas.openxmlformats.org/presentationml/2006/main">
   <p:cSld>
     <p:spTree>
@@ -19758,7 +20000,7 @@
 </p:sld>
 </file>
 
-<file path=ppt/slides/slide44.xml><?xml version="1.0" encoding="utf-8"?>
+<file path=ppt/slides/slide45.xml><?xml version="1.0" encoding="utf-8"?>
 <p:sld xmlns:a="http://schemas.openxmlformats.org/drawingml/2006/main" xmlns:r="http://schemas.openxmlformats.org/officeDocument/2006/relationships" xmlns:p="http://schemas.openxmlformats.org/presentationml/2006/main">
   <p:cSld>
     <p:spTree>
@@ -19891,7 +20133,7 @@
 </p:sld>
 </file>
 
-<file path=ppt/slides/slide45.xml><?xml version="1.0" encoding="utf-8"?>
+<file path=ppt/slides/slide46.xml><?xml version="1.0" encoding="utf-8"?>
 <p:sld xmlns:a="http://schemas.openxmlformats.org/drawingml/2006/main" xmlns:r="http://schemas.openxmlformats.org/officeDocument/2006/relationships" xmlns:p="http://schemas.openxmlformats.org/presentationml/2006/main">
   <p:cSld>
     <p:spTree>
@@ -20038,7 +20280,7 @@
 </p:sld>
 </file>
 
-<file path=ppt/slides/slide46.xml><?xml version="1.0" encoding="utf-8"?>
+<file path=ppt/slides/slide47.xml><?xml version="1.0" encoding="utf-8"?>
 <p:sld xmlns:a="http://schemas.openxmlformats.org/drawingml/2006/main" xmlns:r="http://schemas.openxmlformats.org/officeDocument/2006/relationships" xmlns:p="http://schemas.openxmlformats.org/presentationml/2006/main">
   <p:cSld>
     <p:spTree>
@@ -20229,7 +20471,7 @@
 </p:sld>
 </file>
 
-<file path=ppt/slides/slide47.xml><?xml version="1.0" encoding="utf-8"?>
+<file path=ppt/slides/slide48.xml><?xml version="1.0" encoding="utf-8"?>
 <p:sld xmlns:a="http://schemas.openxmlformats.org/drawingml/2006/main" xmlns:r="http://schemas.openxmlformats.org/officeDocument/2006/relationships" xmlns:p="http://schemas.openxmlformats.org/presentationml/2006/main">
   <p:cSld>
     <p:spTree>
@@ -20429,7 +20671,7 @@
 </p:sld>
 </file>
 
-<file path=ppt/slides/slide48.xml><?xml version="1.0" encoding="utf-8"?>
+<file path=ppt/slides/slide49.xml><?xml version="1.0" encoding="utf-8"?>
 <p:sld xmlns:a="http://schemas.openxmlformats.org/drawingml/2006/main" xmlns:r="http://schemas.openxmlformats.org/officeDocument/2006/relationships" xmlns:p="http://schemas.openxmlformats.org/presentationml/2006/main">
   <p:cSld>
     <p:spTree>
@@ -20581,243 +20823,6 @@
     <p:extLst>
       <p:ext uri="{BB962C8B-B14F-4D97-AF65-F5344CB8AC3E}">
         <p14:creationId xmlns:p14="http://schemas.microsoft.com/office/powerpoint/2010/main" val="2706630592"/>
-      </p:ext>
-    </p:extLst>
-  </p:cSld>
-  <p:clrMapOvr>
-    <a:masterClrMapping/>
-  </p:clrMapOvr>
-</p:sld>
-</file>
-
-<file path=ppt/slides/slide49.xml><?xml version="1.0" encoding="utf-8"?>
-<p:sld xmlns:a="http://schemas.openxmlformats.org/drawingml/2006/main" xmlns:r="http://schemas.openxmlformats.org/officeDocument/2006/relationships" xmlns:p="http://schemas.openxmlformats.org/presentationml/2006/main">
-  <p:cSld>
-    <p:spTree>
-      <p:nvGrpSpPr>
-        <p:cNvPr id="1" name=""/>
-        <p:cNvGrpSpPr/>
-        <p:nvPr/>
-      </p:nvGrpSpPr>
-      <p:grpSpPr>
-        <a:xfrm>
-          <a:off x="0" y="0"/>
-          <a:ext cx="0" cy="0"/>
-          <a:chOff x="0" y="0"/>
-          <a:chExt cx="0" cy="0"/>
-        </a:xfrm>
-      </p:grpSpPr>
-      <p:sp>
-        <p:nvSpPr>
-          <p:cNvPr id="4" name="כותרת 1">
-            <a:extLst>
-              <a:ext uri="{FF2B5EF4-FFF2-40B4-BE49-F238E27FC236}">
-                <a16:creationId xmlns:a16="http://schemas.microsoft.com/office/drawing/2014/main" id="{73DBC8F2-C1B3-4457-A23C-DA9A46AE7EF5}"/>
-              </a:ext>
-            </a:extLst>
-          </p:cNvPr>
-          <p:cNvSpPr>
-            <a:spLocks noGrp="1"/>
-          </p:cNvSpPr>
-          <p:nvPr>
-            <p:ph type="title"/>
-          </p:nvPr>
-        </p:nvSpPr>
-        <p:spPr>
-          <a:xfrm>
-            <a:off x="1154954" y="973669"/>
-            <a:ext cx="8825659" cy="706964"/>
-          </a:xfrm>
-        </p:spPr>
-        <p:txBody>
-          <a:bodyPr/>
-          <a:lstStyle/>
-          <a:p>
-            <a:pPr algn="ctr" rtl="1"/>
-            <a:r>
-              <a:rPr lang="he-IL" dirty="0"/>
-              <a:t>אזור אישי</a:t>
-            </a:r>
-          </a:p>
-        </p:txBody>
-      </p:sp>
-      <p:sp>
-        <p:nvSpPr>
-          <p:cNvPr id="5" name="תיבת טקסט 4">
-            <a:extLst>
-              <a:ext uri="{FF2B5EF4-FFF2-40B4-BE49-F238E27FC236}">
-                <a16:creationId xmlns:a16="http://schemas.microsoft.com/office/drawing/2014/main" id="{A0B248C0-6A86-4C32-8EB5-4142E5A65D4E}"/>
-              </a:ext>
-            </a:extLst>
-          </p:cNvPr>
-          <p:cNvSpPr txBox="1"/>
-          <p:nvPr/>
-        </p:nvSpPr>
-        <p:spPr>
-          <a:xfrm>
-            <a:off x="7685975" y="2534088"/>
-            <a:ext cx="4121834" cy="2862322"/>
-          </a:xfrm>
-          <a:prstGeom prst="rect">
-            <a:avLst/>
-          </a:prstGeom>
-          <a:noFill/>
-        </p:spPr>
-        <p:txBody>
-          <a:bodyPr wrap="square" rtlCol="1">
-            <a:spAutoFit/>
-          </a:bodyPr>
-          <a:lstStyle/>
-          <a:p>
-            <a:pPr algn="r" rtl="1"/>
-            <a:r>
-              <a:rPr lang="he-IL" b="1" u="sng" dirty="0"/>
-              <a:t>משבצת "המיקומים שלי":</a:t>
-            </a:r>
-          </a:p>
-          <a:p>
-            <a:pPr algn="r" rtl="1"/>
-            <a:endParaRPr lang="he-IL" dirty="0"/>
-          </a:p>
-          <a:p>
-            <a:pPr marL="285750" indent="-285750" algn="r" rtl="1">
-              <a:buFont typeface="Arial" panose="020B0604020202020204" pitchFamily="34" charset="0"/>
-              <a:buChar char="•"/>
-            </a:pPr>
-            <a:r>
-              <a:rPr lang="he-IL" dirty="0"/>
-              <a:t>שינינו את האייקון של המחיקה שיהיה אחיד לאייקונים במערכת.</a:t>
-            </a:r>
-          </a:p>
-          <a:p>
-            <a:pPr marL="285750" indent="-285750" algn="r" rtl="1">
-              <a:buFont typeface="Arial" panose="020B0604020202020204" pitchFamily="34" charset="0"/>
-              <a:buChar char="•"/>
-            </a:pPr>
-            <a:endParaRPr lang="en-US" dirty="0"/>
-          </a:p>
-          <a:p>
-            <a:pPr marL="285750" indent="-285750" algn="r" rtl="1">
-              <a:buFont typeface="Arial" panose="020B0604020202020204" pitchFamily="34" charset="0"/>
-              <a:buChar char="•"/>
-            </a:pPr>
-            <a:r>
-              <a:rPr lang="he-IL" dirty="0"/>
-              <a:t>שינינו את כפתור ההוספה שוב כדי שיתאים לסטנדרט המערכת.</a:t>
-            </a:r>
-          </a:p>
-          <a:p>
-            <a:pPr algn="r" rtl="1"/>
-            <a:endParaRPr lang="he-IL" dirty="0"/>
-          </a:p>
-          <a:p>
-            <a:pPr marL="285750" indent="-285750" algn="r" rtl="1">
-              <a:buFont typeface="Arial" panose="020B0604020202020204" pitchFamily="34" charset="0"/>
-              <a:buChar char="•"/>
-            </a:pPr>
-            <a:r>
-              <a:rPr lang="he-IL" dirty="0"/>
-              <a:t>הכפתור עוצב על פי שיטת העיצוב </a:t>
-            </a:r>
-            <a:r>
-              <a:rPr lang="en-US" dirty="0"/>
-              <a:t>material design</a:t>
-            </a:r>
-            <a:r>
-              <a:rPr lang="he-IL" dirty="0"/>
-              <a:t> של גוגל.</a:t>
-            </a:r>
-          </a:p>
-        </p:txBody>
-      </p:sp>
-      <p:sp>
-        <p:nvSpPr>
-          <p:cNvPr id="2" name="Rectangle 1">
-            <a:extLst>
-              <a:ext uri="{FF2B5EF4-FFF2-40B4-BE49-F238E27FC236}">
-                <a16:creationId xmlns:a16="http://schemas.microsoft.com/office/drawing/2014/main" id="{348E9B25-F603-4D7F-BAC1-078D0FBBE8EC}"/>
-              </a:ext>
-            </a:extLst>
-          </p:cNvPr>
-          <p:cNvSpPr/>
-          <p:nvPr/>
-        </p:nvSpPr>
-        <p:spPr>
-          <a:xfrm>
-            <a:off x="503853" y="4441370"/>
-            <a:ext cx="270588" cy="1418253"/>
-          </a:xfrm>
-          <a:prstGeom prst="rect">
-            <a:avLst/>
-          </a:prstGeom>
-          <a:solidFill>
-            <a:schemeClr val="bg1"/>
-          </a:solidFill>
-          <a:ln>
-            <a:solidFill>
-              <a:schemeClr val="bg1"/>
-            </a:solidFill>
-          </a:ln>
-        </p:spPr>
-        <p:style>
-          <a:lnRef idx="2">
-            <a:schemeClr val="accent1">
-              <a:shade val="50000"/>
-            </a:schemeClr>
-          </a:lnRef>
-          <a:fillRef idx="1">
-            <a:schemeClr val="accent1"/>
-          </a:fillRef>
-          <a:effectRef idx="0">
-            <a:schemeClr val="accent1"/>
-          </a:effectRef>
-          <a:fontRef idx="minor">
-            <a:schemeClr val="lt1"/>
-          </a:fontRef>
-        </p:style>
-        <p:txBody>
-          <a:bodyPr rtlCol="0" anchor="ctr"/>
-          <a:lstStyle/>
-          <a:p>
-            <a:pPr algn="ctr"/>
-            <a:endParaRPr lang="en-US"/>
-          </a:p>
-        </p:txBody>
-      </p:sp>
-      <p:pic>
-        <p:nvPicPr>
-          <p:cNvPr id="6" name="תמונה 5">
-            <a:extLst>
-              <a:ext uri="{FF2B5EF4-FFF2-40B4-BE49-F238E27FC236}">
-                <a16:creationId xmlns:a16="http://schemas.microsoft.com/office/drawing/2014/main" id="{C73E8048-669C-448B-B0D6-FAEFEBB4573C}"/>
-              </a:ext>
-            </a:extLst>
-          </p:cNvPr>
-          <p:cNvPicPr>
-            <a:picLocks noChangeAspect="1"/>
-          </p:cNvPicPr>
-          <p:nvPr/>
-        </p:nvPicPr>
-        <p:blipFill>
-          <a:blip r:embed="rId2"/>
-          <a:stretch>
-            <a:fillRect/>
-          </a:stretch>
-        </p:blipFill>
-        <p:spPr>
-          <a:xfrm>
-            <a:off x="238322" y="3578871"/>
-            <a:ext cx="6191250" cy="3143250"/>
-          </a:xfrm>
-          <a:prstGeom prst="rect">
-            <a:avLst/>
-          </a:prstGeom>
-        </p:spPr>
-      </p:pic>
-    </p:spTree>
-    <p:extLst>
-      <p:ext uri="{BB962C8B-B14F-4D97-AF65-F5344CB8AC3E}">
-        <p14:creationId xmlns:p14="http://schemas.microsoft.com/office/powerpoint/2010/main" val="1431834300"/>
       </p:ext>
     </p:extLst>
   </p:cSld>
@@ -21050,6 +21055,243 @@
           <p:cNvPr id="4" name="כותרת 1">
             <a:extLst>
               <a:ext uri="{FF2B5EF4-FFF2-40B4-BE49-F238E27FC236}">
+                <a16:creationId xmlns:a16="http://schemas.microsoft.com/office/drawing/2014/main" id="{73DBC8F2-C1B3-4457-A23C-DA9A46AE7EF5}"/>
+              </a:ext>
+            </a:extLst>
+          </p:cNvPr>
+          <p:cNvSpPr>
+            <a:spLocks noGrp="1"/>
+          </p:cNvSpPr>
+          <p:nvPr>
+            <p:ph type="title"/>
+          </p:nvPr>
+        </p:nvSpPr>
+        <p:spPr>
+          <a:xfrm>
+            <a:off x="1154954" y="973669"/>
+            <a:ext cx="8825659" cy="706964"/>
+          </a:xfrm>
+        </p:spPr>
+        <p:txBody>
+          <a:bodyPr/>
+          <a:lstStyle/>
+          <a:p>
+            <a:pPr algn="ctr" rtl="1"/>
+            <a:r>
+              <a:rPr lang="he-IL" dirty="0"/>
+              <a:t>אזור אישי</a:t>
+            </a:r>
+          </a:p>
+        </p:txBody>
+      </p:sp>
+      <p:sp>
+        <p:nvSpPr>
+          <p:cNvPr id="5" name="תיבת טקסט 4">
+            <a:extLst>
+              <a:ext uri="{FF2B5EF4-FFF2-40B4-BE49-F238E27FC236}">
+                <a16:creationId xmlns:a16="http://schemas.microsoft.com/office/drawing/2014/main" id="{A0B248C0-6A86-4C32-8EB5-4142E5A65D4E}"/>
+              </a:ext>
+            </a:extLst>
+          </p:cNvPr>
+          <p:cNvSpPr txBox="1"/>
+          <p:nvPr/>
+        </p:nvSpPr>
+        <p:spPr>
+          <a:xfrm>
+            <a:off x="7685975" y="2534088"/>
+            <a:ext cx="4121834" cy="2862322"/>
+          </a:xfrm>
+          <a:prstGeom prst="rect">
+            <a:avLst/>
+          </a:prstGeom>
+          <a:noFill/>
+        </p:spPr>
+        <p:txBody>
+          <a:bodyPr wrap="square" rtlCol="1">
+            <a:spAutoFit/>
+          </a:bodyPr>
+          <a:lstStyle/>
+          <a:p>
+            <a:pPr algn="r" rtl="1"/>
+            <a:r>
+              <a:rPr lang="he-IL" b="1" u="sng" dirty="0"/>
+              <a:t>משבצת "המיקומים שלי":</a:t>
+            </a:r>
+          </a:p>
+          <a:p>
+            <a:pPr algn="r" rtl="1"/>
+            <a:endParaRPr lang="he-IL" dirty="0"/>
+          </a:p>
+          <a:p>
+            <a:pPr marL="285750" indent="-285750" algn="r" rtl="1">
+              <a:buFont typeface="Arial" panose="020B0604020202020204" pitchFamily="34" charset="0"/>
+              <a:buChar char="•"/>
+            </a:pPr>
+            <a:r>
+              <a:rPr lang="he-IL" dirty="0"/>
+              <a:t>שינינו את האייקון של המחיקה שיהיה אחיד לאייקונים במערכת.</a:t>
+            </a:r>
+          </a:p>
+          <a:p>
+            <a:pPr marL="285750" indent="-285750" algn="r" rtl="1">
+              <a:buFont typeface="Arial" panose="020B0604020202020204" pitchFamily="34" charset="0"/>
+              <a:buChar char="•"/>
+            </a:pPr>
+            <a:endParaRPr lang="en-US" dirty="0"/>
+          </a:p>
+          <a:p>
+            <a:pPr marL="285750" indent="-285750" algn="r" rtl="1">
+              <a:buFont typeface="Arial" panose="020B0604020202020204" pitchFamily="34" charset="0"/>
+              <a:buChar char="•"/>
+            </a:pPr>
+            <a:r>
+              <a:rPr lang="he-IL" dirty="0"/>
+              <a:t>שינינו את כפתור ההוספה שוב כדי שיתאים לסטנדרט המערכת.</a:t>
+            </a:r>
+          </a:p>
+          <a:p>
+            <a:pPr algn="r" rtl="1"/>
+            <a:endParaRPr lang="he-IL" dirty="0"/>
+          </a:p>
+          <a:p>
+            <a:pPr marL="285750" indent="-285750" algn="r" rtl="1">
+              <a:buFont typeface="Arial" panose="020B0604020202020204" pitchFamily="34" charset="0"/>
+              <a:buChar char="•"/>
+            </a:pPr>
+            <a:r>
+              <a:rPr lang="he-IL" dirty="0"/>
+              <a:t>הכפתור עוצב על פי שיטת העיצוב </a:t>
+            </a:r>
+            <a:r>
+              <a:rPr lang="en-US" dirty="0"/>
+              <a:t>material design</a:t>
+            </a:r>
+            <a:r>
+              <a:rPr lang="he-IL" dirty="0"/>
+              <a:t> של גוגל.</a:t>
+            </a:r>
+          </a:p>
+        </p:txBody>
+      </p:sp>
+      <p:sp>
+        <p:nvSpPr>
+          <p:cNvPr id="2" name="Rectangle 1">
+            <a:extLst>
+              <a:ext uri="{FF2B5EF4-FFF2-40B4-BE49-F238E27FC236}">
+                <a16:creationId xmlns:a16="http://schemas.microsoft.com/office/drawing/2014/main" id="{348E9B25-F603-4D7F-BAC1-078D0FBBE8EC}"/>
+              </a:ext>
+            </a:extLst>
+          </p:cNvPr>
+          <p:cNvSpPr/>
+          <p:nvPr/>
+        </p:nvSpPr>
+        <p:spPr>
+          <a:xfrm>
+            <a:off x="503853" y="4441370"/>
+            <a:ext cx="270588" cy="1418253"/>
+          </a:xfrm>
+          <a:prstGeom prst="rect">
+            <a:avLst/>
+          </a:prstGeom>
+          <a:solidFill>
+            <a:schemeClr val="bg1"/>
+          </a:solidFill>
+          <a:ln>
+            <a:solidFill>
+              <a:schemeClr val="bg1"/>
+            </a:solidFill>
+          </a:ln>
+        </p:spPr>
+        <p:style>
+          <a:lnRef idx="2">
+            <a:schemeClr val="accent1">
+              <a:shade val="50000"/>
+            </a:schemeClr>
+          </a:lnRef>
+          <a:fillRef idx="1">
+            <a:schemeClr val="accent1"/>
+          </a:fillRef>
+          <a:effectRef idx="0">
+            <a:schemeClr val="accent1"/>
+          </a:effectRef>
+          <a:fontRef idx="minor">
+            <a:schemeClr val="lt1"/>
+          </a:fontRef>
+        </p:style>
+        <p:txBody>
+          <a:bodyPr rtlCol="0" anchor="ctr"/>
+          <a:lstStyle/>
+          <a:p>
+            <a:pPr algn="ctr"/>
+            <a:endParaRPr lang="en-US"/>
+          </a:p>
+        </p:txBody>
+      </p:sp>
+      <p:pic>
+        <p:nvPicPr>
+          <p:cNvPr id="6" name="תמונה 5">
+            <a:extLst>
+              <a:ext uri="{FF2B5EF4-FFF2-40B4-BE49-F238E27FC236}">
+                <a16:creationId xmlns:a16="http://schemas.microsoft.com/office/drawing/2014/main" id="{C73E8048-669C-448B-B0D6-FAEFEBB4573C}"/>
+              </a:ext>
+            </a:extLst>
+          </p:cNvPr>
+          <p:cNvPicPr>
+            <a:picLocks noChangeAspect="1"/>
+          </p:cNvPicPr>
+          <p:nvPr/>
+        </p:nvPicPr>
+        <p:blipFill>
+          <a:blip r:embed="rId2"/>
+          <a:stretch>
+            <a:fillRect/>
+          </a:stretch>
+        </p:blipFill>
+        <p:spPr>
+          <a:xfrm>
+            <a:off x="238322" y="3578871"/>
+            <a:ext cx="6191250" cy="3143250"/>
+          </a:xfrm>
+          <a:prstGeom prst="rect">
+            <a:avLst/>
+          </a:prstGeom>
+        </p:spPr>
+      </p:pic>
+    </p:spTree>
+    <p:extLst>
+      <p:ext uri="{BB962C8B-B14F-4D97-AF65-F5344CB8AC3E}">
+        <p14:creationId xmlns:p14="http://schemas.microsoft.com/office/powerpoint/2010/main" val="1431834300"/>
+      </p:ext>
+    </p:extLst>
+  </p:cSld>
+  <p:clrMapOvr>
+    <a:masterClrMapping/>
+  </p:clrMapOvr>
+</p:sld>
+</file>
+
+<file path=ppt/slides/slide51.xml><?xml version="1.0" encoding="utf-8"?>
+<p:sld xmlns:a="http://schemas.openxmlformats.org/drawingml/2006/main" xmlns:r="http://schemas.openxmlformats.org/officeDocument/2006/relationships" xmlns:p="http://schemas.openxmlformats.org/presentationml/2006/main">
+  <p:cSld>
+    <p:spTree>
+      <p:nvGrpSpPr>
+        <p:cNvPr id="1" name=""/>
+        <p:cNvGrpSpPr/>
+        <p:nvPr/>
+      </p:nvGrpSpPr>
+      <p:grpSpPr>
+        <a:xfrm>
+          <a:off x="0" y="0"/>
+          <a:ext cx="0" cy="0"/>
+          <a:chOff x="0" y="0"/>
+          <a:chExt cx="0" cy="0"/>
+        </a:xfrm>
+      </p:grpSpPr>
+      <p:sp>
+        <p:nvSpPr>
+          <p:cNvPr id="4" name="כותרת 1">
+            <a:extLst>
+              <a:ext uri="{FF2B5EF4-FFF2-40B4-BE49-F238E27FC236}">
                 <a16:creationId xmlns:a16="http://schemas.microsoft.com/office/drawing/2014/main" id="{BBC3B682-CCD3-40B0-B8FA-BB5FDA754345}"/>
               </a:ext>
             </a:extLst>
@@ -21190,7 +21432,7 @@
 </p:sld>
 </file>
 
-<file path=ppt/slides/slide51.xml><?xml version="1.0" encoding="utf-8"?>
+<file path=ppt/slides/slide52.xml><?xml version="1.0" encoding="utf-8"?>
 <p:sld xmlns:a="http://schemas.openxmlformats.org/drawingml/2006/main" xmlns:r="http://schemas.openxmlformats.org/officeDocument/2006/relationships" xmlns:p="http://schemas.openxmlformats.org/presentationml/2006/main">
   <p:cSld>
     <p:spTree>
@@ -21344,7 +21586,7 @@
 </p:sld>
 </file>
 
-<file path=ppt/slides/slide52.xml><?xml version="1.0" encoding="utf-8"?>
+<file path=ppt/slides/slide53.xml><?xml version="1.0" encoding="utf-8"?>
 <p:sld xmlns:a="http://schemas.openxmlformats.org/drawingml/2006/main" xmlns:r="http://schemas.openxmlformats.org/officeDocument/2006/relationships" xmlns:p="http://schemas.openxmlformats.org/presentationml/2006/main">
   <p:cSld>
     <p:spTree>
@@ -21801,7 +22043,7 @@
 </p:sld>
 </file>
 
-<file path=ppt/slides/slide53.xml><?xml version="1.0" encoding="utf-8"?>
+<file path=ppt/slides/slide54.xml><?xml version="1.0" encoding="utf-8"?>
 <p:sld xmlns:a="http://schemas.openxmlformats.org/drawingml/2006/main" xmlns:r="http://schemas.openxmlformats.org/officeDocument/2006/relationships" xmlns:p="http://schemas.openxmlformats.org/presentationml/2006/main">
   <p:cSld>
     <p:spTree>
@@ -22398,7 +22640,7 @@
 </p:sld>
 </file>
 
-<file path=ppt/slides/slide54.xml><?xml version="1.0" encoding="utf-8"?>
+<file path=ppt/slides/slide55.xml><?xml version="1.0" encoding="utf-8"?>
 <p:sld xmlns:a="http://schemas.openxmlformats.org/drawingml/2006/main" xmlns:r="http://schemas.openxmlformats.org/officeDocument/2006/relationships" xmlns:p="http://schemas.openxmlformats.org/presentationml/2006/main">
   <p:cSld>
     <p:spTree>
@@ -22937,7 +23179,7 @@
 </p:sld>
 </file>
 
-<file path=ppt/slides/slide55.xml><?xml version="1.0" encoding="utf-8"?>
+<file path=ppt/slides/slide56.xml><?xml version="1.0" encoding="utf-8"?>
 <p:sld xmlns:a="http://schemas.openxmlformats.org/drawingml/2006/main" xmlns:r="http://schemas.openxmlformats.org/officeDocument/2006/relationships" xmlns:p="http://schemas.openxmlformats.org/presentationml/2006/main">
   <p:cSld>
     <p:spTree>
@@ -23476,7 +23718,7 @@
 </p:sld>
 </file>
 
-<file path=ppt/slides/slide56.xml><?xml version="1.0" encoding="utf-8"?>
+<file path=ppt/slides/slide57.xml><?xml version="1.0" encoding="utf-8"?>
 <p:sld xmlns:a="http://schemas.openxmlformats.org/drawingml/2006/main" xmlns:r="http://schemas.openxmlformats.org/officeDocument/2006/relationships" xmlns:p="http://schemas.openxmlformats.org/presentationml/2006/main">
   <p:cSld>
     <p:spTree>
@@ -23949,7 +24191,7 @@
 </p:sld>
 </file>
 
-<file path=ppt/slides/slide57.xml><?xml version="1.0" encoding="utf-8"?>
+<file path=ppt/slides/slide58.xml><?xml version="1.0" encoding="utf-8"?>
 <p:sld xmlns:a="http://schemas.openxmlformats.org/drawingml/2006/main" xmlns:r="http://schemas.openxmlformats.org/officeDocument/2006/relationships" xmlns:p="http://schemas.openxmlformats.org/presentationml/2006/main">
   <p:cSld>
     <p:spTree>
@@ -24573,7 +24815,7 @@
 </p:sld>
 </file>
 
-<file path=ppt/slides/slide58.xml><?xml version="1.0" encoding="utf-8"?>
+<file path=ppt/slides/slide59.xml><?xml version="1.0" encoding="utf-8"?>
 <p:sld xmlns:a="http://schemas.openxmlformats.org/drawingml/2006/main" xmlns:r="http://schemas.openxmlformats.org/officeDocument/2006/relationships" xmlns:p="http://schemas.openxmlformats.org/presentationml/2006/main">
   <p:cSld>
     <p:spTree>
@@ -25061,7 +25303,200 @@
 </p:sld>
 </file>
 
-<file path=ppt/slides/slide59.xml><?xml version="1.0" encoding="utf-8"?>
+<file path=ppt/slides/slide6.xml><?xml version="1.0" encoding="utf-8"?>
+<p:sld xmlns:a="http://schemas.openxmlformats.org/drawingml/2006/main" xmlns:r="http://schemas.openxmlformats.org/officeDocument/2006/relationships" xmlns:p="http://schemas.openxmlformats.org/presentationml/2006/main">
+  <p:cSld>
+    <p:spTree>
+      <p:nvGrpSpPr>
+        <p:cNvPr id="1" name=""/>
+        <p:cNvGrpSpPr/>
+        <p:nvPr/>
+      </p:nvGrpSpPr>
+      <p:grpSpPr>
+        <a:xfrm>
+          <a:off x="0" y="0"/>
+          <a:ext cx="0" cy="0"/>
+          <a:chOff x="0" y="0"/>
+          <a:chExt cx="0" cy="0"/>
+        </a:xfrm>
+      </p:grpSpPr>
+      <p:sp>
+        <p:nvSpPr>
+          <p:cNvPr id="2" name="כותרת 1">
+            <a:extLst>
+              <a:ext uri="{FF2B5EF4-FFF2-40B4-BE49-F238E27FC236}">
+                <a16:creationId xmlns:a16="http://schemas.microsoft.com/office/drawing/2014/main" id="{DE777293-170B-4164-A212-000191C56DFE}"/>
+              </a:ext>
+            </a:extLst>
+          </p:cNvPr>
+          <p:cNvSpPr>
+            <a:spLocks noGrp="1"/>
+          </p:cNvSpPr>
+          <p:nvPr>
+            <p:ph type="title"/>
+          </p:nvPr>
+        </p:nvSpPr>
+        <p:spPr/>
+        <p:txBody>
+          <a:bodyPr/>
+          <a:lstStyle/>
+          <a:p>
+            <a:pPr algn="ctr" rtl="1"/>
+            <a:r>
+              <a:rPr lang="he-IL"/>
+              <a:t>מסך </a:t>
+            </a:r>
+            <a:r>
+              <a:rPr lang="he-IL" dirty="0"/>
+              <a:t>הרשמה</a:t>
+            </a:r>
+          </a:p>
+        </p:txBody>
+      </p:sp>
+      <p:pic>
+        <p:nvPicPr>
+          <p:cNvPr id="4" name="תמונה 3">
+            <a:extLst>
+              <a:ext uri="{FF2B5EF4-FFF2-40B4-BE49-F238E27FC236}">
+                <a16:creationId xmlns:a16="http://schemas.microsoft.com/office/drawing/2014/main" id="{2B8550E2-EBB3-4A16-B677-A16EF0998913}"/>
+              </a:ext>
+            </a:extLst>
+          </p:cNvPr>
+          <p:cNvPicPr>
+            <a:picLocks noChangeAspect="1"/>
+          </p:cNvPicPr>
+          <p:nvPr/>
+        </p:nvPicPr>
+        <p:blipFill>
+          <a:blip r:embed="rId2"/>
+          <a:stretch>
+            <a:fillRect/>
+          </a:stretch>
+        </p:blipFill>
+        <p:spPr>
+          <a:xfrm>
+            <a:off x="331177" y="2477527"/>
+            <a:ext cx="7434189" cy="4212128"/>
+          </a:xfrm>
+          <a:prstGeom prst="rect">
+            <a:avLst/>
+          </a:prstGeom>
+        </p:spPr>
+      </p:pic>
+      <p:sp>
+        <p:nvSpPr>
+          <p:cNvPr id="5" name="תיבת טקסט 4">
+            <a:extLst>
+              <a:ext uri="{FF2B5EF4-FFF2-40B4-BE49-F238E27FC236}">
+                <a16:creationId xmlns:a16="http://schemas.microsoft.com/office/drawing/2014/main" id="{49C1F48E-4344-478F-B955-03346A467B7E}"/>
+              </a:ext>
+            </a:extLst>
+          </p:cNvPr>
+          <p:cNvSpPr txBox="1"/>
+          <p:nvPr/>
+        </p:nvSpPr>
+        <p:spPr>
+          <a:xfrm>
+            <a:off x="7919696" y="2477527"/>
+            <a:ext cx="4121834" cy="3139321"/>
+          </a:xfrm>
+          <a:prstGeom prst="rect">
+            <a:avLst/>
+          </a:prstGeom>
+          <a:noFill/>
+        </p:spPr>
+        <p:txBody>
+          <a:bodyPr wrap="square" rtlCol="1">
+            <a:spAutoFit/>
+          </a:bodyPr>
+          <a:lstStyle/>
+          <a:p>
+            <a:pPr marL="285750" indent="-285750" algn="r" rtl="1">
+              <a:buFont typeface="Arial" panose="020B0604020202020204" pitchFamily="34" charset="0"/>
+              <a:buChar char="•"/>
+            </a:pPr>
+            <a:r>
+              <a:rPr lang="he-IL" dirty="0"/>
+              <a:t>אין כפתור חזרה למסך ההתחברות – </a:t>
+            </a:r>
+            <a:r>
+              <a:rPr lang="he-IL" b="1" dirty="0"/>
+              <a:t>שליטת משתמש וחופש פעולה.</a:t>
+            </a:r>
+          </a:p>
+          <a:p>
+            <a:pPr marL="285750" indent="-285750" algn="r" rtl="1">
+              <a:buFont typeface="Arial" panose="020B0604020202020204" pitchFamily="34" charset="0"/>
+              <a:buChar char="•"/>
+            </a:pPr>
+            <a:r>
+              <a:rPr lang="he-IL" dirty="0"/>
+              <a:t>אין שדה לאימות סיסמה בשנית – </a:t>
+            </a:r>
+            <a:r>
+              <a:rPr lang="he-IL" b="1" dirty="0"/>
+              <a:t>מניעת טעויות.</a:t>
+            </a:r>
+          </a:p>
+          <a:p>
+            <a:pPr marL="285750" indent="-285750" algn="r" rtl="1">
+              <a:buFont typeface="Arial" panose="020B0604020202020204" pitchFamily="34" charset="0"/>
+              <a:buChar char="•"/>
+            </a:pPr>
+            <a:r>
+              <a:rPr lang="he-IL" dirty="0"/>
+              <a:t>אין חיווי למשתמש לגביי מה הדרישות לסיסמה תקינה – </a:t>
+            </a:r>
+            <a:r>
+              <a:rPr lang="he-IL" b="1" dirty="0"/>
+              <a:t>עזרה ומסמכים.</a:t>
+            </a:r>
+            <a:endParaRPr lang="he-IL" dirty="0"/>
+          </a:p>
+          <a:p>
+            <a:pPr marL="285750" indent="-285750" algn="r" rtl="1">
+              <a:buFont typeface="Arial" panose="020B0604020202020204" pitchFamily="34" charset="0"/>
+              <a:buChar char="•"/>
+            </a:pPr>
+            <a:r>
+              <a:rPr lang="he-IL" dirty="0"/>
+              <a:t>אין ולידציה בעת מילוי האימייל (לפני לחיצת כפתור "הירשם") או תבנית של אימייל המונעות טעויות – </a:t>
+            </a:r>
+            <a:r>
+              <a:rPr lang="he-IL" b="1" dirty="0"/>
+              <a:t>מניעת טעויות.</a:t>
+            </a:r>
+          </a:p>
+          <a:p>
+            <a:pPr marL="285750" indent="-285750" algn="r" rtl="1">
+              <a:buFont typeface="Arial" panose="020B0604020202020204" pitchFamily="34" charset="0"/>
+              <a:buChar char="•"/>
+            </a:pPr>
+            <a:r>
+              <a:rPr lang="he-IL" dirty="0"/>
+              <a:t>אין סימון ברירת מחדל של מין –</a:t>
+            </a:r>
+            <a:r>
+              <a:rPr lang="he-IL" b="1" dirty="0"/>
+              <a:t> מניעת טעויות.</a:t>
+            </a:r>
+          </a:p>
+        </p:txBody>
+      </p:sp>
+    </p:spTree>
+    <p:extLst>
+      <p:ext uri="{BB962C8B-B14F-4D97-AF65-F5344CB8AC3E}">
+        <p14:creationId xmlns:p14="http://schemas.microsoft.com/office/powerpoint/2010/main" val="2598648921"/>
+      </p:ext>
+    </p:extLst>
+  </p:cSld>
+  <p:clrMapOvr>
+    <a:masterClrMapping/>
+  </p:clrMapOvr>
+</p:sld>
+</file>
+
+<file path=ppt/slides/slide60.xml><?xml version="1.0" encoding="utf-8"?>
 <p:sld xmlns:a="http://schemas.openxmlformats.org/drawingml/2006/main" xmlns:r="http://schemas.openxmlformats.org/officeDocument/2006/relationships" xmlns:p="http://schemas.openxmlformats.org/presentationml/2006/main">
   <p:cSld>
     <p:spTree>
@@ -25477,200 +25912,7 @@
 </p:sld>
 </file>
 
-<file path=ppt/slides/slide6.xml><?xml version="1.0" encoding="utf-8"?>
-<p:sld xmlns:a="http://schemas.openxmlformats.org/drawingml/2006/main" xmlns:r="http://schemas.openxmlformats.org/officeDocument/2006/relationships" xmlns:p="http://schemas.openxmlformats.org/presentationml/2006/main">
-  <p:cSld>
-    <p:spTree>
-      <p:nvGrpSpPr>
-        <p:cNvPr id="1" name=""/>
-        <p:cNvGrpSpPr/>
-        <p:nvPr/>
-      </p:nvGrpSpPr>
-      <p:grpSpPr>
-        <a:xfrm>
-          <a:off x="0" y="0"/>
-          <a:ext cx="0" cy="0"/>
-          <a:chOff x="0" y="0"/>
-          <a:chExt cx="0" cy="0"/>
-        </a:xfrm>
-      </p:grpSpPr>
-      <p:sp>
-        <p:nvSpPr>
-          <p:cNvPr id="2" name="כותרת 1">
-            <a:extLst>
-              <a:ext uri="{FF2B5EF4-FFF2-40B4-BE49-F238E27FC236}">
-                <a16:creationId xmlns:a16="http://schemas.microsoft.com/office/drawing/2014/main" id="{DE777293-170B-4164-A212-000191C56DFE}"/>
-              </a:ext>
-            </a:extLst>
-          </p:cNvPr>
-          <p:cNvSpPr>
-            <a:spLocks noGrp="1"/>
-          </p:cNvSpPr>
-          <p:nvPr>
-            <p:ph type="title"/>
-          </p:nvPr>
-        </p:nvSpPr>
-        <p:spPr/>
-        <p:txBody>
-          <a:bodyPr/>
-          <a:lstStyle/>
-          <a:p>
-            <a:pPr algn="ctr" rtl="1"/>
-            <a:r>
-              <a:rPr lang="he-IL"/>
-              <a:t>מסך </a:t>
-            </a:r>
-            <a:r>
-              <a:rPr lang="he-IL" dirty="0"/>
-              <a:t>הרשמה</a:t>
-            </a:r>
-          </a:p>
-        </p:txBody>
-      </p:sp>
-      <p:pic>
-        <p:nvPicPr>
-          <p:cNvPr id="4" name="תמונה 3">
-            <a:extLst>
-              <a:ext uri="{FF2B5EF4-FFF2-40B4-BE49-F238E27FC236}">
-                <a16:creationId xmlns:a16="http://schemas.microsoft.com/office/drawing/2014/main" id="{2B8550E2-EBB3-4A16-B677-A16EF0998913}"/>
-              </a:ext>
-            </a:extLst>
-          </p:cNvPr>
-          <p:cNvPicPr>
-            <a:picLocks noChangeAspect="1"/>
-          </p:cNvPicPr>
-          <p:nvPr/>
-        </p:nvPicPr>
-        <p:blipFill>
-          <a:blip r:embed="rId2"/>
-          <a:stretch>
-            <a:fillRect/>
-          </a:stretch>
-        </p:blipFill>
-        <p:spPr>
-          <a:xfrm>
-            <a:off x="331177" y="2477527"/>
-            <a:ext cx="7434189" cy="4212128"/>
-          </a:xfrm>
-          <a:prstGeom prst="rect">
-            <a:avLst/>
-          </a:prstGeom>
-        </p:spPr>
-      </p:pic>
-      <p:sp>
-        <p:nvSpPr>
-          <p:cNvPr id="5" name="תיבת טקסט 4">
-            <a:extLst>
-              <a:ext uri="{FF2B5EF4-FFF2-40B4-BE49-F238E27FC236}">
-                <a16:creationId xmlns:a16="http://schemas.microsoft.com/office/drawing/2014/main" id="{49C1F48E-4344-478F-B955-03346A467B7E}"/>
-              </a:ext>
-            </a:extLst>
-          </p:cNvPr>
-          <p:cNvSpPr txBox="1"/>
-          <p:nvPr/>
-        </p:nvSpPr>
-        <p:spPr>
-          <a:xfrm>
-            <a:off x="7919696" y="2477527"/>
-            <a:ext cx="4121834" cy="3139321"/>
-          </a:xfrm>
-          <a:prstGeom prst="rect">
-            <a:avLst/>
-          </a:prstGeom>
-          <a:noFill/>
-        </p:spPr>
-        <p:txBody>
-          <a:bodyPr wrap="square" rtlCol="1">
-            <a:spAutoFit/>
-          </a:bodyPr>
-          <a:lstStyle/>
-          <a:p>
-            <a:pPr marL="285750" indent="-285750" algn="r" rtl="1">
-              <a:buFont typeface="Arial" panose="020B0604020202020204" pitchFamily="34" charset="0"/>
-              <a:buChar char="•"/>
-            </a:pPr>
-            <a:r>
-              <a:rPr lang="he-IL" dirty="0"/>
-              <a:t>אין כפתור חזרה למסך ההתחברות – </a:t>
-            </a:r>
-            <a:r>
-              <a:rPr lang="he-IL" b="1" dirty="0"/>
-              <a:t>שליטת משתמש וחופש פעולה.</a:t>
-            </a:r>
-          </a:p>
-          <a:p>
-            <a:pPr marL="285750" indent="-285750" algn="r" rtl="1">
-              <a:buFont typeface="Arial" panose="020B0604020202020204" pitchFamily="34" charset="0"/>
-              <a:buChar char="•"/>
-            </a:pPr>
-            <a:r>
-              <a:rPr lang="he-IL" dirty="0"/>
-              <a:t>אין שדה לאימות סיסמה בשנית – </a:t>
-            </a:r>
-            <a:r>
-              <a:rPr lang="he-IL" b="1" dirty="0"/>
-              <a:t>מניעת טעויות.</a:t>
-            </a:r>
-          </a:p>
-          <a:p>
-            <a:pPr marL="285750" indent="-285750" algn="r" rtl="1">
-              <a:buFont typeface="Arial" panose="020B0604020202020204" pitchFamily="34" charset="0"/>
-              <a:buChar char="•"/>
-            </a:pPr>
-            <a:r>
-              <a:rPr lang="he-IL" dirty="0"/>
-              <a:t>אין חיווי למשתמש לגביי מה הדרישות לסיסמה תקינה – </a:t>
-            </a:r>
-            <a:r>
-              <a:rPr lang="he-IL" b="1" dirty="0"/>
-              <a:t>עזרה ומסמכים.</a:t>
-            </a:r>
-            <a:endParaRPr lang="he-IL" dirty="0"/>
-          </a:p>
-          <a:p>
-            <a:pPr marL="285750" indent="-285750" algn="r" rtl="1">
-              <a:buFont typeface="Arial" panose="020B0604020202020204" pitchFamily="34" charset="0"/>
-              <a:buChar char="•"/>
-            </a:pPr>
-            <a:r>
-              <a:rPr lang="he-IL" dirty="0"/>
-              <a:t>אין ולידציה בעת מילוי האימייל (לפני לחיצת כפתור "הירשם") או תבנית של אימייל המונעות טעויות – </a:t>
-            </a:r>
-            <a:r>
-              <a:rPr lang="he-IL" b="1" dirty="0"/>
-              <a:t>מניעת טעויות.</a:t>
-            </a:r>
-          </a:p>
-          <a:p>
-            <a:pPr marL="285750" indent="-285750" algn="r" rtl="1">
-              <a:buFont typeface="Arial" panose="020B0604020202020204" pitchFamily="34" charset="0"/>
-              <a:buChar char="•"/>
-            </a:pPr>
-            <a:r>
-              <a:rPr lang="he-IL" dirty="0"/>
-              <a:t>אין סימון ברירת מחדל של מין –</a:t>
-            </a:r>
-            <a:r>
-              <a:rPr lang="he-IL" b="1" dirty="0"/>
-              <a:t> מניעת טעויות.</a:t>
-            </a:r>
-          </a:p>
-        </p:txBody>
-      </p:sp>
-    </p:spTree>
-    <p:extLst>
-      <p:ext uri="{BB962C8B-B14F-4D97-AF65-F5344CB8AC3E}">
-        <p14:creationId xmlns:p14="http://schemas.microsoft.com/office/powerpoint/2010/main" val="2598648921"/>
-      </p:ext>
-    </p:extLst>
-  </p:cSld>
-  <p:clrMapOvr>
-    <a:masterClrMapping/>
-  </p:clrMapOvr>
-</p:sld>
-</file>
-
-<file path=ppt/slides/slide60.xml><?xml version="1.0" encoding="utf-8"?>
+<file path=ppt/slides/slide61.xml><?xml version="1.0" encoding="utf-8"?>
 <p:sld xmlns:a="http://schemas.openxmlformats.org/drawingml/2006/main" xmlns:r="http://schemas.openxmlformats.org/officeDocument/2006/relationships" xmlns:p="http://schemas.openxmlformats.org/presentationml/2006/main">
   <p:cSld>
     <p:spTree>
@@ -26144,7 +26386,7 @@
 </p:sld>
 </file>
 
-<file path=ppt/slides/slide61.xml><?xml version="1.0" encoding="utf-8"?>
+<file path=ppt/slides/slide62.xml><?xml version="1.0" encoding="utf-8"?>
 <p:sld xmlns:a="http://schemas.openxmlformats.org/drawingml/2006/main" xmlns:r="http://schemas.openxmlformats.org/officeDocument/2006/relationships" xmlns:p="http://schemas.openxmlformats.org/presentationml/2006/main">
   <p:cSld>
     <p:spTree>
@@ -26649,277 +26891,6 @@
 </p:sld>
 </file>
 
-<file path=ppt/slides/slide62.xml><?xml version="1.0" encoding="utf-8"?>
-<p:sld xmlns:a="http://schemas.openxmlformats.org/drawingml/2006/main" xmlns:r="http://schemas.openxmlformats.org/officeDocument/2006/relationships" xmlns:p="http://schemas.openxmlformats.org/presentationml/2006/main">
-  <p:cSld>
-    <p:spTree>
-      <p:nvGrpSpPr>
-        <p:cNvPr id="1" name=""/>
-        <p:cNvGrpSpPr/>
-        <p:nvPr/>
-      </p:nvGrpSpPr>
-      <p:grpSpPr>
-        <a:xfrm>
-          <a:off x="0" y="0"/>
-          <a:ext cx="0" cy="0"/>
-          <a:chOff x="0" y="0"/>
-          <a:chExt cx="0" cy="0"/>
-        </a:xfrm>
-      </p:grpSpPr>
-      <p:sp>
-        <p:nvSpPr>
-          <p:cNvPr id="2" name="Title 1">
-            <a:extLst>
-              <a:ext uri="{FF2B5EF4-FFF2-40B4-BE49-F238E27FC236}">
-                <a16:creationId xmlns:a16="http://schemas.microsoft.com/office/drawing/2014/main" id="{F2E75ACD-C303-46DD-8FB4-27FC6A409857}"/>
-              </a:ext>
-            </a:extLst>
-          </p:cNvPr>
-          <p:cNvSpPr>
-            <a:spLocks noGrp="1"/>
-          </p:cNvSpPr>
-          <p:nvPr>
-            <p:ph type="title"/>
-          </p:nvPr>
-        </p:nvSpPr>
-        <p:spPr/>
-        <p:txBody>
-          <a:bodyPr/>
-          <a:lstStyle/>
-          <a:p>
-            <a:pPr algn="ctr"/>
-            <a:r>
-              <a:rPr lang="he-IL" sz="4800" dirty="0"/>
-              <a:t>מסך הבית</a:t>
-            </a:r>
-            <a:endParaRPr lang="en-US" sz="4800" dirty="0"/>
-          </a:p>
-        </p:txBody>
-      </p:sp>
-      <p:sp>
-        <p:nvSpPr>
-          <p:cNvPr id="27" name="TextBox 26">
-            <a:extLst>
-              <a:ext uri="{FF2B5EF4-FFF2-40B4-BE49-F238E27FC236}">
-                <a16:creationId xmlns:a16="http://schemas.microsoft.com/office/drawing/2014/main" id="{793931D8-69E6-451B-8BCE-EC76158083DE}"/>
-              </a:ext>
-            </a:extLst>
-          </p:cNvPr>
-          <p:cNvSpPr txBox="1"/>
-          <p:nvPr/>
-        </p:nvSpPr>
-        <p:spPr>
-          <a:xfrm>
-            <a:off x="7039992" y="2664995"/>
-            <a:ext cx="4858291" cy="1524007"/>
-          </a:xfrm>
-          <a:prstGeom prst="rect">
-            <a:avLst/>
-          </a:prstGeom>
-          <a:noFill/>
-        </p:spPr>
-        <p:txBody>
-          <a:bodyPr wrap="square" rtlCol="0">
-            <a:spAutoFit/>
-          </a:bodyPr>
-          <a:lstStyle/>
-          <a:p>
-            <a:pPr marL="285750" indent="-285750" algn="r" rtl="1">
-              <a:lnSpc>
-                <a:spcPct val="150000"/>
-              </a:lnSpc>
-              <a:buFont typeface="Arial" panose="020B0604020202020204" pitchFamily="34" charset="0"/>
-              <a:buChar char="•"/>
-            </a:pPr>
-            <a:r>
-              <a:rPr lang="he-IL" sz="1600" dirty="0"/>
-              <a:t>כמו שאמרנו החלון של היום הנוכחי יצר תחושה לא נכונה אצל המשתמשים שלא ניתן לבצע פעולות הוספת אילוץ או פגישה ביום הנוכחי. לכן בחרנו להוריד את הצבע האפור מהמשבצת</a:t>
-            </a:r>
-            <a:endParaRPr lang="he-IL" b="1" dirty="0"/>
-          </a:p>
-        </p:txBody>
-      </p:sp>
-      <p:pic>
-        <p:nvPicPr>
-          <p:cNvPr id="4" name="Picture 3">
-            <a:extLst>
-              <a:ext uri="{FF2B5EF4-FFF2-40B4-BE49-F238E27FC236}">
-                <a16:creationId xmlns:a16="http://schemas.microsoft.com/office/drawing/2014/main" id="{F5C0651E-3617-40AB-A6DE-0694A7E85B04}"/>
-              </a:ext>
-            </a:extLst>
-          </p:cNvPr>
-          <p:cNvPicPr>
-            <a:picLocks noChangeAspect="1"/>
-          </p:cNvPicPr>
-          <p:nvPr/>
-        </p:nvPicPr>
-        <p:blipFill>
-          <a:blip r:embed="rId2"/>
-          <a:stretch>
-            <a:fillRect/>
-          </a:stretch>
-        </p:blipFill>
-        <p:spPr>
-          <a:xfrm>
-            <a:off x="608693" y="2552700"/>
-            <a:ext cx="5487307" cy="3428999"/>
-          </a:xfrm>
-          <a:prstGeom prst="rect">
-            <a:avLst/>
-          </a:prstGeom>
-        </p:spPr>
-      </p:pic>
-      <p:sp>
-        <p:nvSpPr>
-          <p:cNvPr id="13" name="Rectangle 12">
-            <a:extLst>
-              <a:ext uri="{FF2B5EF4-FFF2-40B4-BE49-F238E27FC236}">
-                <a16:creationId xmlns:a16="http://schemas.microsoft.com/office/drawing/2014/main" id="{1F5C0053-ED28-4B46-B5DE-882067A21BEE}"/>
-              </a:ext>
-            </a:extLst>
-          </p:cNvPr>
-          <p:cNvSpPr/>
-          <p:nvPr/>
-        </p:nvSpPr>
-        <p:spPr>
-          <a:xfrm>
-            <a:off x="3680460" y="2664995"/>
-            <a:ext cx="891540" cy="230605"/>
-          </a:xfrm>
-          <a:prstGeom prst="rect">
-            <a:avLst/>
-          </a:prstGeom>
-          <a:solidFill>
-            <a:srgbClr val="B4D0E7"/>
-          </a:solidFill>
-          <a:ln>
-            <a:solidFill>
-              <a:srgbClr val="B4D0E7"/>
-            </a:solidFill>
-          </a:ln>
-        </p:spPr>
-        <p:style>
-          <a:lnRef idx="2">
-            <a:schemeClr val="accent1">
-              <a:shade val="50000"/>
-            </a:schemeClr>
-          </a:lnRef>
-          <a:fillRef idx="1">
-            <a:schemeClr val="accent1"/>
-          </a:fillRef>
-          <a:effectRef idx="0">
-            <a:schemeClr val="accent1"/>
-          </a:effectRef>
-          <a:fontRef idx="minor">
-            <a:schemeClr val="lt1"/>
-          </a:fontRef>
-        </p:style>
-        <p:txBody>
-          <a:bodyPr rtlCol="0" anchor="ctr"/>
-          <a:lstStyle/>
-          <a:p>
-            <a:pPr algn="ctr"/>
-            <a:endParaRPr lang="en-US"/>
-          </a:p>
-        </p:txBody>
-      </p:sp>
-      <p:sp>
-        <p:nvSpPr>
-          <p:cNvPr id="16" name="TextBox 15">
-            <a:extLst>
-              <a:ext uri="{FF2B5EF4-FFF2-40B4-BE49-F238E27FC236}">
-                <a16:creationId xmlns:a16="http://schemas.microsoft.com/office/drawing/2014/main" id="{D9486BF6-0CA5-4FF9-9BF9-93DFBB7195E4}"/>
-              </a:ext>
-            </a:extLst>
-          </p:cNvPr>
-          <p:cNvSpPr txBox="1"/>
-          <p:nvPr/>
-        </p:nvSpPr>
-        <p:spPr>
-          <a:xfrm>
-            <a:off x="5149258" y="2983737"/>
-            <a:ext cx="755229" cy="276999"/>
-          </a:xfrm>
-          <a:prstGeom prst="rect">
-            <a:avLst/>
-          </a:prstGeom>
-          <a:noFill/>
-        </p:spPr>
-        <p:txBody>
-          <a:bodyPr wrap="square" rtlCol="0">
-            <a:noAutofit/>
-          </a:bodyPr>
-          <a:lstStyle/>
-          <a:p>
-            <a:pPr algn="ctr"/>
-            <a:r>
-              <a:rPr lang="he-IL" sz="1400" dirty="0"/>
-              <a:t>נובמבר</a:t>
-            </a:r>
-            <a:endParaRPr lang="en-US" sz="2400" dirty="0"/>
-          </a:p>
-        </p:txBody>
-      </p:sp>
-      <p:pic>
-        <p:nvPicPr>
-          <p:cNvPr id="17" name="Picture 2" descr="Image result for Calendar icon web">
-            <a:extLst>
-              <a:ext uri="{FF2B5EF4-FFF2-40B4-BE49-F238E27FC236}">
-                <a16:creationId xmlns:a16="http://schemas.microsoft.com/office/drawing/2014/main" id="{2008EE45-7653-4B54-9F36-B179C90AABF3}"/>
-              </a:ext>
-            </a:extLst>
-          </p:cNvPr>
-          <p:cNvPicPr>
-            <a:picLocks noChangeAspect="1" noChangeArrowheads="1"/>
-          </p:cNvPicPr>
-          <p:nvPr/>
-        </p:nvPicPr>
-        <p:blipFill>
-          <a:blip r:embed="rId3">
-            <a:extLst>
-              <a:ext uri="{28A0092B-C50C-407E-A947-70E740481C1C}">
-                <a14:useLocalDpi xmlns:a14="http://schemas.microsoft.com/office/drawing/2010/main" val="0"/>
-              </a:ext>
-            </a:extLst>
-          </a:blip>
-          <a:srcRect/>
-          <a:stretch>
-            <a:fillRect/>
-          </a:stretch>
-        </p:blipFill>
-        <p:spPr bwMode="auto">
-          <a:xfrm>
-            <a:off x="5811095" y="3030797"/>
-            <a:ext cx="228600" cy="228600"/>
-          </a:xfrm>
-          <a:prstGeom prst="rect">
-            <a:avLst/>
-          </a:prstGeom>
-          <a:noFill/>
-          <a:extLst>
-            <a:ext uri="{909E8E84-426E-40DD-AFC4-6F175D3DCCD1}">
-              <a14:hiddenFill xmlns:a14="http://schemas.microsoft.com/office/drawing/2010/main">
-                <a:solidFill>
-                  <a:srgbClr val="FFFFFF"/>
-                </a:solidFill>
-              </a14:hiddenFill>
-            </a:ext>
-          </a:extLst>
-        </p:spPr>
-      </p:pic>
-    </p:spTree>
-    <p:extLst>
-      <p:ext uri="{BB962C8B-B14F-4D97-AF65-F5344CB8AC3E}">
-        <p14:creationId xmlns:p14="http://schemas.microsoft.com/office/powerpoint/2010/main" val="4140185367"/>
-      </p:ext>
-    </p:extLst>
-  </p:cSld>
-  <p:clrMapOvr>
-    <a:masterClrMapping/>
-  </p:clrMapOvr>
-</p:sld>
-</file>
-
 <file path=ppt/slides/slide63.xml><?xml version="1.0" encoding="utf-8"?>
 <p:sld xmlns:a="http://schemas.openxmlformats.org/drawingml/2006/main" xmlns:r="http://schemas.openxmlformats.org/officeDocument/2006/relationships" xmlns:p="http://schemas.openxmlformats.org/presentationml/2006/main">
   <p:cSld>
@@ -26981,8 +26952,8 @@
         </p:nvSpPr>
         <p:spPr>
           <a:xfrm>
-            <a:off x="6704846" y="2664995"/>
-            <a:ext cx="5193437" cy="1523815"/>
+            <a:off x="7039992" y="2664995"/>
+            <a:ext cx="4858291" cy="1524007"/>
           </a:xfrm>
           <a:prstGeom prst="rect">
             <a:avLst/>
@@ -27004,13 +26975,9 @@
             </a:pPr>
             <a:r>
               <a:rPr lang="he-IL" sz="1600" dirty="0"/>
-              <a:t>אבל כעת למשתמשים לקח יותר זמן כדי להבין מה היום הנוכחי העיגול הכחול מסביב לתאריך הנוכחי היה אינדיקציה לא מספקת עבור המשתמשים. לכן הוספנו ריבוע כחול מסביב ליום שייסמן את היום הנוכחי </a:t>
-            </a:r>
-            <a:r>
-              <a:rPr lang="he-IL" sz="1600" b="1" dirty="0"/>
-              <a:t>(נראות מצב המערכת)</a:t>
-            </a:r>
-            <a:endParaRPr lang="en-US" sz="1400" dirty="0"/>
+              <a:t>כמו שאמרנו החלון של היום הנוכחי יצר תחושה לא נכונה אצל המשתמשים שלא ניתן לבצע פעולות הוספת אילוץ או פגישה ביום הנוכחי. לכן בחרנו להוריד את הצבע האפור מהמשבצת</a:t>
+            </a:r>
+            <a:endParaRPr lang="he-IL" b="1" dirty="0"/>
           </a:p>
         </p:txBody>
       </p:sp>
@@ -27019,7 +26986,7 @@
           <p:cNvPr id="4" name="Picture 3">
             <a:extLst>
               <a:ext uri="{FF2B5EF4-FFF2-40B4-BE49-F238E27FC236}">
-                <a16:creationId xmlns:a16="http://schemas.microsoft.com/office/drawing/2014/main" id="{4B83C5ED-D84A-480D-93A0-B902ADC65D2C}"/>
+                <a16:creationId xmlns:a16="http://schemas.microsoft.com/office/drawing/2014/main" id="{F5C0651E-3617-40AB-A6DE-0694A7E85B04}"/>
               </a:ext>
             </a:extLst>
           </p:cNvPr>
@@ -27036,8 +27003,8 @@
         </p:blipFill>
         <p:spPr>
           <a:xfrm>
-            <a:off x="543619" y="2544284"/>
-            <a:ext cx="5712284" cy="3650776"/>
+            <a:off x="608693" y="2552700"/>
+            <a:ext cx="5487307" cy="3428999"/>
           </a:xfrm>
           <a:prstGeom prst="rect">
             <a:avLst/>
@@ -27046,10 +27013,10 @@
       </p:pic>
       <p:sp>
         <p:nvSpPr>
-          <p:cNvPr id="5" name="Rectangle 4">
+          <p:cNvPr id="13" name="Rectangle 12">
             <a:extLst>
               <a:ext uri="{FF2B5EF4-FFF2-40B4-BE49-F238E27FC236}">
-                <a16:creationId xmlns:a16="http://schemas.microsoft.com/office/drawing/2014/main" id="{EDCEBE16-4C3A-4875-B792-9D51AAB3E2D1}"/>
+                <a16:creationId xmlns:a16="http://schemas.microsoft.com/office/drawing/2014/main" id="{1F5C0053-ED28-4B46-B5DE-882067A21BEE}"/>
               </a:ext>
             </a:extLst>
           </p:cNvPr>
@@ -27100,10 +27067,10 @@
       </p:sp>
       <p:sp>
         <p:nvSpPr>
-          <p:cNvPr id="35" name="TextBox 34">
+          <p:cNvPr id="16" name="TextBox 15">
             <a:extLst>
               <a:ext uri="{FF2B5EF4-FFF2-40B4-BE49-F238E27FC236}">
-                <a16:creationId xmlns:a16="http://schemas.microsoft.com/office/drawing/2014/main" id="{7C3E669C-908E-4F18-B085-F8B8E4F63DA5}"/>
+                <a16:creationId xmlns:a16="http://schemas.microsoft.com/office/drawing/2014/main" id="{D9486BF6-0CA5-4FF9-9BF9-93DFBB7195E4}"/>
               </a:ext>
             </a:extLst>
           </p:cNvPr>
@@ -27137,10 +27104,10 @@
       </p:sp>
       <p:pic>
         <p:nvPicPr>
-          <p:cNvPr id="36" name="Picture 2" descr="Image result for Calendar icon web">
+          <p:cNvPr id="17" name="Picture 2" descr="Image result for Calendar icon web">
             <a:extLst>
               <a:ext uri="{FF2B5EF4-FFF2-40B4-BE49-F238E27FC236}">
-                <a16:creationId xmlns:a16="http://schemas.microsoft.com/office/drawing/2014/main" id="{1E6B3E9C-74C1-4090-A466-42E36CE65B15}"/>
+                <a16:creationId xmlns:a16="http://schemas.microsoft.com/office/drawing/2014/main" id="{2008EE45-7653-4B54-9F36-B179C90AABF3}"/>
               </a:ext>
             </a:extLst>
           </p:cNvPr>
@@ -27185,7 +27152,7 @@
     </p:spTree>
     <p:extLst>
       <p:ext uri="{BB962C8B-B14F-4D97-AF65-F5344CB8AC3E}">
-        <p14:creationId xmlns:p14="http://schemas.microsoft.com/office/powerpoint/2010/main" val="2527601576"/>
+        <p14:creationId xmlns:p14="http://schemas.microsoft.com/office/powerpoint/2010/main" val="4140185367"/>
       </p:ext>
     </p:extLst>
   </p:cSld>
@@ -27257,7 +27224,7 @@
         <p:spPr>
           <a:xfrm>
             <a:off x="6704846" y="2664995"/>
-            <a:ext cx="5193437" cy="1481881"/>
+            <a:ext cx="5193437" cy="1523815"/>
           </a:xfrm>
           <a:prstGeom prst="rect">
             <a:avLst/>
@@ -27279,22 +27246,13 @@
             </a:pPr>
             <a:r>
               <a:rPr lang="he-IL" sz="1600" dirty="0"/>
-              <a:t>הבעיה הבאה איתה התמודדנו היא שאין דרך לעבור בין החודשים לחודש שאינו החודש הונכחי</a:t>
+              <a:t>אבל כעת למשתמשים לקח יותר זמן כדי להבין מה היום הנוכחי העיגול הכחול מסביב לתאריך הנוכחי היה אינדיקציה לא מספקת עבור המשתמשים. לכן הוספנו ריבוע כחול מסביב ליום שייסמן את היום הנוכחי </a:t>
             </a:r>
             <a:r>
               <a:rPr lang="he-IL" sz="1600" b="1" dirty="0"/>
-              <a:t>(פגיעה בשליטה וחופש של המשתמש)</a:t>
-            </a:r>
-          </a:p>
-          <a:p>
-            <a:pPr marL="285750" indent="-285750" algn="r" rtl="1">
-              <a:lnSpc>
-                <a:spcPct val="150000"/>
-              </a:lnSpc>
-              <a:buFont typeface="Arial" panose="020B0604020202020204" pitchFamily="34" charset="0"/>
-              <a:buChar char="•"/>
-            </a:pPr>
-            <a:endParaRPr lang="en-US" sz="1400" b="1" dirty="0"/>
+              <a:t>(נראות מצב המערכת)</a:t>
+            </a:r>
+            <a:endParaRPr lang="en-US" sz="1400" dirty="0"/>
           </a:p>
         </p:txBody>
       </p:sp>
@@ -27469,7 +27427,7 @@
     </p:spTree>
     <p:extLst>
       <p:ext uri="{BB962C8B-B14F-4D97-AF65-F5344CB8AC3E}">
-        <p14:creationId xmlns:p14="http://schemas.microsoft.com/office/powerpoint/2010/main" val="3916111678"/>
+        <p14:creationId xmlns:p14="http://schemas.microsoft.com/office/powerpoint/2010/main" val="2527601576"/>
       </p:ext>
     </p:extLst>
   </p:cSld>
@@ -27541,7 +27499,7 @@
         <p:spPr>
           <a:xfrm>
             <a:off x="6704846" y="2664995"/>
-            <a:ext cx="5193437" cy="1523815"/>
+            <a:ext cx="5193437" cy="1481881"/>
           </a:xfrm>
           <a:prstGeom prst="rect">
             <a:avLst/>
@@ -27563,12 +27521,55 @@
             </a:pPr>
             <a:r>
               <a:rPr lang="he-IL" sz="1600" dirty="0"/>
-              <a:t>בעיה זו פתרנו ע"י הוספת אופציות דפדוף בין החודשים קדימה ואחורה. ניתן לראות שהחודשים הם בהתאם לכיוון הכתיבה של ושיש חצים שייתראו בצורה אינטואיטיבית את הפעולה (זיהוי במקום היזכרות)</a:t>
-            </a:r>
-            <a:endParaRPr lang="en-US" sz="1400" dirty="0"/>
+              <a:t>הבעיה הבאה איתה התמודדנו היא שאין דרך לעבור בין החודשים לחודש שאינו החודש הונכחי</a:t>
+            </a:r>
+            <a:r>
+              <a:rPr lang="he-IL" sz="1600" b="1" dirty="0"/>
+              <a:t>(פגיעה בשליטה וחופש של המשתמש)</a:t>
+            </a:r>
+          </a:p>
+          <a:p>
+            <a:pPr marL="285750" indent="-285750" algn="r" rtl="1">
+              <a:lnSpc>
+                <a:spcPct val="150000"/>
+              </a:lnSpc>
+              <a:buFont typeface="Arial" panose="020B0604020202020204" pitchFamily="34" charset="0"/>
+              <a:buChar char="•"/>
+            </a:pPr>
+            <a:endParaRPr lang="en-US" sz="1400" b="1" dirty="0"/>
           </a:p>
         </p:txBody>
       </p:sp>
+      <p:pic>
+        <p:nvPicPr>
+          <p:cNvPr id="4" name="Picture 3">
+            <a:extLst>
+              <a:ext uri="{FF2B5EF4-FFF2-40B4-BE49-F238E27FC236}">
+                <a16:creationId xmlns:a16="http://schemas.microsoft.com/office/drawing/2014/main" id="{4B83C5ED-D84A-480D-93A0-B902ADC65D2C}"/>
+              </a:ext>
+            </a:extLst>
+          </p:cNvPr>
+          <p:cNvPicPr>
+            <a:picLocks noChangeAspect="1"/>
+          </p:cNvPicPr>
+          <p:nvPr/>
+        </p:nvPicPr>
+        <p:blipFill>
+          <a:blip r:embed="rId2"/>
+          <a:stretch>
+            <a:fillRect/>
+          </a:stretch>
+        </p:blipFill>
+        <p:spPr>
+          <a:xfrm>
+            <a:off x="543619" y="2544284"/>
+            <a:ext cx="5712284" cy="3650776"/>
+          </a:xfrm>
+          <a:prstGeom prst="rect">
+            <a:avLst/>
+          </a:prstGeom>
+        </p:spPr>
+      </p:pic>
       <p:sp>
         <p:nvSpPr>
           <p:cNvPr id="5" name="Rectangle 4">
@@ -27675,7 +27676,7 @@
           <p:nvPr/>
         </p:nvPicPr>
         <p:blipFill>
-          <a:blip r:embed="rId2">
+          <a:blip r:embed="rId3">
             <a:extLst>
               <a:ext uri="{28A0092B-C50C-407E-A947-70E740481C1C}">
                 <a14:useLocalDpi xmlns:a14="http://schemas.microsoft.com/office/drawing/2010/main" val="0"/>
@@ -27707,40 +27708,10 @@
           </a:extLst>
         </p:spPr>
       </p:pic>
-      <p:pic>
-        <p:nvPicPr>
-          <p:cNvPr id="3" name="Picture 2">
-            <a:extLst>
-              <a:ext uri="{FF2B5EF4-FFF2-40B4-BE49-F238E27FC236}">
-                <a16:creationId xmlns:a16="http://schemas.microsoft.com/office/drawing/2014/main" id="{A4EDC44B-BD7D-4650-A348-E8578ACAA0ED}"/>
-              </a:ext>
-            </a:extLst>
-          </p:cNvPr>
-          <p:cNvPicPr>
-            <a:picLocks noChangeAspect="1"/>
-          </p:cNvPicPr>
-          <p:nvPr/>
-        </p:nvPicPr>
-        <p:blipFill>
-          <a:blip r:embed="rId3"/>
-          <a:stretch>
-            <a:fillRect/>
-          </a:stretch>
-        </p:blipFill>
-        <p:spPr>
-          <a:xfrm>
-            <a:off x="588223" y="2577802"/>
-            <a:ext cx="5619750" cy="3629025"/>
-          </a:xfrm>
-          <a:prstGeom prst="rect">
-            <a:avLst/>
-          </a:prstGeom>
-        </p:spPr>
-      </p:pic>
     </p:spTree>
     <p:extLst>
       <p:ext uri="{BB962C8B-B14F-4D97-AF65-F5344CB8AC3E}">
-        <p14:creationId xmlns:p14="http://schemas.microsoft.com/office/powerpoint/2010/main" val="4223329489"/>
+        <p14:creationId xmlns:p14="http://schemas.microsoft.com/office/powerpoint/2010/main" val="3916111678"/>
       </p:ext>
     </p:extLst>
   </p:cSld>
@@ -27812,7 +27783,7 @@
         <p:spPr>
           <a:xfrm>
             <a:off x="6704846" y="2664995"/>
-            <a:ext cx="5193437" cy="1481881"/>
+            <a:ext cx="5193437" cy="1523815"/>
           </a:xfrm>
           <a:prstGeom prst="rect">
             <a:avLst/>
@@ -27834,55 +27805,12 @@
             </a:pPr>
             <a:r>
               <a:rPr lang="he-IL" sz="1600" dirty="0"/>
-              <a:t>הבעיה הבאה איתה התמודדנו היא שאין דרך לעבור בין החודשים לחודש שאינו החודש הונכחי</a:t>
-            </a:r>
-            <a:r>
-              <a:rPr lang="he-IL" sz="1600" b="1" dirty="0"/>
-              <a:t>(פגיעה בשליטה וחופש של המשתמש)</a:t>
-            </a:r>
-          </a:p>
-          <a:p>
-            <a:pPr marL="285750" indent="-285750" algn="r" rtl="1">
-              <a:lnSpc>
-                <a:spcPct val="150000"/>
-              </a:lnSpc>
-              <a:buFont typeface="Arial" panose="020B0604020202020204" pitchFamily="34" charset="0"/>
-              <a:buChar char="•"/>
-            </a:pPr>
-            <a:endParaRPr lang="en-US" sz="1400" b="1" dirty="0"/>
+              <a:t>בעיה זו פתרנו ע"י הוספת אופציות דפדוף בין החודשים קדימה ואחורה. ניתן לראות שהחודשים הם בהתאם לכיוון הכתיבה של ושיש חצים שייתראו בצורה אינטואיטיבית את הפעולה (זיהוי במקום היזכרות)</a:t>
+            </a:r>
+            <a:endParaRPr lang="en-US" sz="1400" dirty="0"/>
           </a:p>
         </p:txBody>
       </p:sp>
-      <p:pic>
-        <p:nvPicPr>
-          <p:cNvPr id="4" name="Picture 3">
-            <a:extLst>
-              <a:ext uri="{FF2B5EF4-FFF2-40B4-BE49-F238E27FC236}">
-                <a16:creationId xmlns:a16="http://schemas.microsoft.com/office/drawing/2014/main" id="{4B83C5ED-D84A-480D-93A0-B902ADC65D2C}"/>
-              </a:ext>
-            </a:extLst>
-          </p:cNvPr>
-          <p:cNvPicPr>
-            <a:picLocks noChangeAspect="1"/>
-          </p:cNvPicPr>
-          <p:nvPr/>
-        </p:nvPicPr>
-        <p:blipFill>
-          <a:blip r:embed="rId2"/>
-          <a:stretch>
-            <a:fillRect/>
-          </a:stretch>
-        </p:blipFill>
-        <p:spPr>
-          <a:xfrm>
-            <a:off x="543619" y="2544284"/>
-            <a:ext cx="5712284" cy="3650776"/>
-          </a:xfrm>
-          <a:prstGeom prst="rect">
-            <a:avLst/>
-          </a:prstGeom>
-        </p:spPr>
-      </p:pic>
       <p:sp>
         <p:nvSpPr>
           <p:cNvPr id="5" name="Rectangle 4">
@@ -27989,7 +27917,7 @@
           <p:nvPr/>
         </p:nvPicPr>
         <p:blipFill>
-          <a:blip r:embed="rId3">
+          <a:blip r:embed="rId2">
             <a:extLst>
               <a:ext uri="{28A0092B-C50C-407E-A947-70E740481C1C}">
                 <a14:useLocalDpi xmlns:a14="http://schemas.microsoft.com/office/drawing/2010/main" val="0"/>
@@ -28021,10 +27949,40 @@
           </a:extLst>
         </p:spPr>
       </p:pic>
+      <p:pic>
+        <p:nvPicPr>
+          <p:cNvPr id="3" name="Picture 2">
+            <a:extLst>
+              <a:ext uri="{FF2B5EF4-FFF2-40B4-BE49-F238E27FC236}">
+                <a16:creationId xmlns:a16="http://schemas.microsoft.com/office/drawing/2014/main" id="{A4EDC44B-BD7D-4650-A348-E8578ACAA0ED}"/>
+              </a:ext>
+            </a:extLst>
+          </p:cNvPr>
+          <p:cNvPicPr>
+            <a:picLocks noChangeAspect="1"/>
+          </p:cNvPicPr>
+          <p:nvPr/>
+        </p:nvPicPr>
+        <p:blipFill>
+          <a:blip r:embed="rId3"/>
+          <a:stretch>
+            <a:fillRect/>
+          </a:stretch>
+        </p:blipFill>
+        <p:spPr>
+          <a:xfrm>
+            <a:off x="588223" y="2577802"/>
+            <a:ext cx="5619750" cy="3629025"/>
+          </a:xfrm>
+          <a:prstGeom prst="rect">
+            <a:avLst/>
+          </a:prstGeom>
+        </p:spPr>
+      </p:pic>
     </p:spTree>
     <p:extLst>
       <p:ext uri="{BB962C8B-B14F-4D97-AF65-F5344CB8AC3E}">
-        <p14:creationId xmlns:p14="http://schemas.microsoft.com/office/powerpoint/2010/main" val="3665317930"/>
+        <p14:creationId xmlns:p14="http://schemas.microsoft.com/office/powerpoint/2010/main" val="4223329489"/>
       </p:ext>
     </p:extLst>
   </p:cSld>
@@ -28096,7 +28054,7 @@
         <p:spPr>
           <a:xfrm>
             <a:off x="6704846" y="2664995"/>
-            <a:ext cx="5193437" cy="1523815"/>
+            <a:ext cx="5193437" cy="1481881"/>
           </a:xfrm>
           <a:prstGeom prst="rect">
             <a:avLst/>
@@ -28118,12 +28076,55 @@
             </a:pPr>
             <a:r>
               <a:rPr lang="he-IL" sz="1600" dirty="0"/>
-              <a:t>בעיה זו פתרנו ע"י הוספת אופציות דפדוף בין החודשים קדימה ואחורה. ניתן לראות שהחודשים הם בהתאם לכיוון הכתיבה של ושיש חצים שייתראו בצורה אינטואיטיבית את הפעולה (זיהוי במקום היזכרות)</a:t>
-            </a:r>
-            <a:endParaRPr lang="en-US" sz="1400" dirty="0"/>
+              <a:t>הבעיה הבאה איתה התמודדנו היא שאין דרך לעבור בין החודשים לחודש שאינו החודש הונכחי</a:t>
+            </a:r>
+            <a:r>
+              <a:rPr lang="he-IL" sz="1600" b="1" dirty="0"/>
+              <a:t>(פגיעה בשליטה וחופש של המשתמש)</a:t>
+            </a:r>
+          </a:p>
+          <a:p>
+            <a:pPr marL="285750" indent="-285750" algn="r" rtl="1">
+              <a:lnSpc>
+                <a:spcPct val="150000"/>
+              </a:lnSpc>
+              <a:buFont typeface="Arial" panose="020B0604020202020204" pitchFamily="34" charset="0"/>
+              <a:buChar char="•"/>
+            </a:pPr>
+            <a:endParaRPr lang="en-US" sz="1400" b="1" dirty="0"/>
           </a:p>
         </p:txBody>
       </p:sp>
+      <p:pic>
+        <p:nvPicPr>
+          <p:cNvPr id="4" name="Picture 3">
+            <a:extLst>
+              <a:ext uri="{FF2B5EF4-FFF2-40B4-BE49-F238E27FC236}">
+                <a16:creationId xmlns:a16="http://schemas.microsoft.com/office/drawing/2014/main" id="{4B83C5ED-D84A-480D-93A0-B902ADC65D2C}"/>
+              </a:ext>
+            </a:extLst>
+          </p:cNvPr>
+          <p:cNvPicPr>
+            <a:picLocks noChangeAspect="1"/>
+          </p:cNvPicPr>
+          <p:nvPr/>
+        </p:nvPicPr>
+        <p:blipFill>
+          <a:blip r:embed="rId2"/>
+          <a:stretch>
+            <a:fillRect/>
+          </a:stretch>
+        </p:blipFill>
+        <p:spPr>
+          <a:xfrm>
+            <a:off x="543619" y="2544284"/>
+            <a:ext cx="5712284" cy="3650776"/>
+          </a:xfrm>
+          <a:prstGeom prst="rect">
+            <a:avLst/>
+          </a:prstGeom>
+        </p:spPr>
+      </p:pic>
       <p:sp>
         <p:nvSpPr>
           <p:cNvPr id="5" name="Rectangle 4">
@@ -28230,7 +28231,7 @@
           <p:nvPr/>
         </p:nvPicPr>
         <p:blipFill>
-          <a:blip r:embed="rId2">
+          <a:blip r:embed="rId3">
             <a:extLst>
               <a:ext uri="{28A0092B-C50C-407E-A947-70E740481C1C}">
                 <a14:useLocalDpi xmlns:a14="http://schemas.microsoft.com/office/drawing/2010/main" val="0"/>
@@ -28262,40 +28263,10 @@
           </a:extLst>
         </p:spPr>
       </p:pic>
-      <p:pic>
-        <p:nvPicPr>
-          <p:cNvPr id="3" name="Picture 2">
-            <a:extLst>
-              <a:ext uri="{FF2B5EF4-FFF2-40B4-BE49-F238E27FC236}">
-                <a16:creationId xmlns:a16="http://schemas.microsoft.com/office/drawing/2014/main" id="{A4EDC44B-BD7D-4650-A348-E8578ACAA0ED}"/>
-              </a:ext>
-            </a:extLst>
-          </p:cNvPr>
-          <p:cNvPicPr>
-            <a:picLocks noChangeAspect="1"/>
-          </p:cNvPicPr>
-          <p:nvPr/>
-        </p:nvPicPr>
-        <p:blipFill>
-          <a:blip r:embed="rId3"/>
-          <a:stretch>
-            <a:fillRect/>
-          </a:stretch>
-        </p:blipFill>
-        <p:spPr>
-          <a:xfrm>
-            <a:off x="588223" y="2577802"/>
-            <a:ext cx="5619750" cy="3629025"/>
-          </a:xfrm>
-          <a:prstGeom prst="rect">
-            <a:avLst/>
-          </a:prstGeom>
-        </p:spPr>
-      </p:pic>
     </p:spTree>
     <p:extLst>
       <p:ext uri="{BB962C8B-B14F-4D97-AF65-F5344CB8AC3E}">
-        <p14:creationId xmlns:p14="http://schemas.microsoft.com/office/powerpoint/2010/main" val="4073408694"/>
+        <p14:creationId xmlns:p14="http://schemas.microsoft.com/office/powerpoint/2010/main" val="3665317930"/>
       </p:ext>
     </p:extLst>
   </p:cSld>
@@ -28367,7 +28338,7 @@
         <p:spPr>
           <a:xfrm>
             <a:off x="6704846" y="2664995"/>
-            <a:ext cx="5193437" cy="4114011"/>
+            <a:ext cx="5193437" cy="1523815"/>
           </a:xfrm>
           <a:prstGeom prst="rect">
             <a:avLst/>
@@ -28389,138 +28360,8 @@
             </a:pPr>
             <a:r>
               <a:rPr lang="he-IL" sz="1600" dirty="0"/>
-              <a:t>כעת בשביל המשתמשים היותר מנוסים במערכת הוספנו את קיצורי המקשים הבאים:</a:t>
-            </a:r>
-          </a:p>
-          <a:p>
-            <a:pPr marL="742950" lvl="1" indent="-285750" algn="r" rtl="1">
-              <a:lnSpc>
-                <a:spcPct val="150000"/>
-              </a:lnSpc>
-              <a:buFont typeface="Arial" panose="020B0604020202020204" pitchFamily="34" charset="0"/>
-              <a:buChar char="•"/>
-            </a:pPr>
-            <a:r>
-              <a:rPr lang="he-IL" sz="1600" dirty="0"/>
-              <a:t>יצירת פגישה חדשה (</a:t>
-            </a:r>
-            <a:r>
-              <a:rPr lang="en-US" sz="1600" dirty="0"/>
-              <a:t>ctrl + n</a:t>
-            </a:r>
-            <a:r>
-              <a:rPr lang="he-IL" sz="1600" dirty="0"/>
-              <a:t>)</a:t>
-            </a:r>
-          </a:p>
-          <a:p>
-            <a:pPr marL="742950" lvl="1" indent="-285750" algn="r" rtl="1">
-              <a:lnSpc>
-                <a:spcPct val="150000"/>
-              </a:lnSpc>
-              <a:buFont typeface="Arial" panose="020B0604020202020204" pitchFamily="34" charset="0"/>
-              <a:buChar char="•"/>
-            </a:pPr>
-            <a:r>
-              <a:rPr lang="he-IL" sz="1600" dirty="0"/>
-              <a:t>יצירת אילוץ חדש (</a:t>
-            </a:r>
-            <a:r>
-              <a:rPr lang="en-US" sz="1600" dirty="0"/>
-              <a:t>ctrl + shift+ n</a:t>
-            </a:r>
-            <a:r>
-              <a:rPr lang="he-IL" sz="1600" dirty="0"/>
-              <a:t>)</a:t>
-            </a:r>
-          </a:p>
-          <a:p>
-            <a:pPr marL="742950" lvl="1" indent="-285750" algn="r" rtl="1">
-              <a:lnSpc>
-                <a:spcPct val="150000"/>
-              </a:lnSpc>
-              <a:buFont typeface="Arial" panose="020B0604020202020204" pitchFamily="34" charset="0"/>
-              <a:buChar char="•"/>
-            </a:pPr>
-            <a:r>
-              <a:rPr lang="he-IL" sz="1600" dirty="0"/>
-              <a:t>מעבר לחודש הקודם (</a:t>
-            </a:r>
-            <a:r>
-              <a:rPr lang="en-US" sz="1600" dirty="0"/>
-              <a:t>alt + right arrow</a:t>
-            </a:r>
-            <a:r>
-              <a:rPr lang="he-IL" sz="1600" dirty="0"/>
-              <a:t>)</a:t>
-            </a:r>
-            <a:endParaRPr lang="en-US" sz="1600" dirty="0"/>
-          </a:p>
-          <a:p>
-            <a:pPr marL="742950" lvl="1" indent="-285750" algn="r" rtl="1">
-              <a:lnSpc>
-                <a:spcPct val="150000"/>
-              </a:lnSpc>
-              <a:buFont typeface="Arial" panose="020B0604020202020204" pitchFamily="34" charset="0"/>
-              <a:buChar char="•"/>
-            </a:pPr>
-            <a:r>
-              <a:rPr lang="he-IL" sz="1600" dirty="0"/>
-              <a:t>מעבר לחודש הבא (</a:t>
-            </a:r>
-            <a:r>
-              <a:rPr lang="en-US" sz="1600" dirty="0"/>
-              <a:t>alt + left arrow</a:t>
-            </a:r>
-            <a:r>
-              <a:rPr lang="he-IL" sz="1600" dirty="0"/>
-              <a:t>)</a:t>
-            </a:r>
-          </a:p>
-          <a:p>
-            <a:pPr lvl="1" algn="r" rtl="1">
-              <a:lnSpc>
-                <a:spcPct val="150000"/>
-              </a:lnSpc>
-            </a:pPr>
-            <a:endParaRPr lang="he-IL" sz="1600" dirty="0"/>
-          </a:p>
-          <a:p>
-            <a:pPr lvl="1" algn="r" rtl="1">
-              <a:lnSpc>
-                <a:spcPct val="150000"/>
-              </a:lnSpc>
-            </a:pPr>
-            <a:r>
-              <a:rPr lang="he-IL" sz="1600" b="1"/>
-              <a:t>(גמישות ויעילות שימוש.)</a:t>
-            </a:r>
-            <a:endParaRPr lang="en-US" sz="1600" dirty="0"/>
-          </a:p>
-          <a:p>
-            <a:pPr lvl="1" algn="r" rtl="1">
-              <a:lnSpc>
-                <a:spcPct val="150000"/>
-              </a:lnSpc>
-            </a:pPr>
-            <a:endParaRPr lang="en-US" sz="1600" dirty="0"/>
-          </a:p>
-          <a:p>
-            <a:pPr lvl="1" algn="r" rtl="1">
-              <a:lnSpc>
-                <a:spcPct val="150000"/>
-              </a:lnSpc>
-            </a:pPr>
-            <a:endParaRPr lang="en-US" sz="1600" dirty="0"/>
-          </a:p>
-          <a:p>
-            <a:pPr marL="742950" lvl="1" indent="-285750" algn="r" rtl="1">
-              <a:lnSpc>
-                <a:spcPct val="150000"/>
-              </a:lnSpc>
-              <a:buFont typeface="Arial" panose="020B0604020202020204" pitchFamily="34" charset="0"/>
-              <a:buChar char="•"/>
-            </a:pPr>
+              <a:t>בעיה זו פתרנו ע"י הוספת אופציות דפדוף בין החודשים קדימה ואחורה. ניתן לראות שהחודשים הם בהתאם לכיוון הכתיבה של ושיש חצים שייתראו בצורה אינטואיטיבית את הפעולה (זיהוי במקום היזכרות)</a:t>
+            </a:r>
             <a:endParaRPr lang="en-US" sz="1400" dirty="0"/>
           </a:p>
         </p:txBody>
@@ -28696,7 +28537,7 @@
     </p:spTree>
     <p:extLst>
       <p:ext uri="{BB962C8B-B14F-4D97-AF65-F5344CB8AC3E}">
-        <p14:creationId xmlns:p14="http://schemas.microsoft.com/office/powerpoint/2010/main" val="2224077714"/>
+        <p14:creationId xmlns:p14="http://schemas.microsoft.com/office/powerpoint/2010/main" val="4073408694"/>
       </p:ext>
     </p:extLst>
   </p:cSld>
@@ -28725,10 +28566,10 @@
       </p:grpSpPr>
       <p:sp>
         <p:nvSpPr>
-          <p:cNvPr id="2" name="כותרת 1">
+          <p:cNvPr id="2" name="Title 1">
             <a:extLst>
               <a:ext uri="{FF2B5EF4-FFF2-40B4-BE49-F238E27FC236}">
-                <a16:creationId xmlns:a16="http://schemas.microsoft.com/office/drawing/2014/main" id="{7E2CFF58-DDF3-4D79-8E24-D3415F37CA20}"/>
+                <a16:creationId xmlns:a16="http://schemas.microsoft.com/office/drawing/2014/main" id="{F2E75ACD-C303-46DD-8FB4-27FC6A409857}"/>
               </a:ext>
             </a:extLst>
           </p:cNvPr>
@@ -28736,39 +28577,368 @@
             <a:spLocks noGrp="1"/>
           </p:cNvSpPr>
           <p:nvPr>
-            <p:ph type="ctrTitle"/>
+            <p:ph type="title"/>
           </p:nvPr>
         </p:nvSpPr>
-        <p:spPr>
-          <a:xfrm>
-            <a:off x="2614894" y="2998289"/>
-            <a:ext cx="6962212" cy="861421"/>
-          </a:xfrm>
-        </p:spPr>
+        <p:spPr/>
         <p:txBody>
           <a:bodyPr/>
           <a:lstStyle/>
           <a:p>
             <a:pPr algn="ctr"/>
             <a:r>
-              <a:rPr lang="he-IL" dirty="0"/>
-              <a:t> מסע לקוח </a:t>
-            </a:r>
-            <a:br>
-              <a:rPr lang="he-IL" dirty="0"/>
-            </a:br>
-            <a:r>
-              <a:rPr lang="he-IL" dirty="0"/>
-              <a:t>וזיהוי הזדמנויות</a:t>
-            </a:r>
-            <a:endParaRPr lang="en-US" dirty="0"/>
+              <a:rPr lang="he-IL" sz="4800" dirty="0"/>
+              <a:t>מסך הבית</a:t>
+            </a:r>
+            <a:endParaRPr lang="en-US" sz="4800" dirty="0"/>
           </a:p>
         </p:txBody>
       </p:sp>
+      <p:sp>
+        <p:nvSpPr>
+          <p:cNvPr id="27" name="TextBox 26">
+            <a:extLst>
+              <a:ext uri="{FF2B5EF4-FFF2-40B4-BE49-F238E27FC236}">
+                <a16:creationId xmlns:a16="http://schemas.microsoft.com/office/drawing/2014/main" id="{793931D8-69E6-451B-8BCE-EC76158083DE}"/>
+              </a:ext>
+            </a:extLst>
+          </p:cNvPr>
+          <p:cNvSpPr txBox="1"/>
+          <p:nvPr/>
+        </p:nvSpPr>
+        <p:spPr>
+          <a:xfrm>
+            <a:off x="6704846" y="2664995"/>
+            <a:ext cx="5193437" cy="4114011"/>
+          </a:xfrm>
+          <a:prstGeom prst="rect">
+            <a:avLst/>
+          </a:prstGeom>
+          <a:noFill/>
+        </p:spPr>
+        <p:txBody>
+          <a:bodyPr wrap="square" rtlCol="0">
+            <a:spAutoFit/>
+          </a:bodyPr>
+          <a:lstStyle/>
+          <a:p>
+            <a:pPr marL="285750" indent="-285750" algn="r" rtl="1">
+              <a:lnSpc>
+                <a:spcPct val="150000"/>
+              </a:lnSpc>
+              <a:buFont typeface="Arial" panose="020B0604020202020204" pitchFamily="34" charset="0"/>
+              <a:buChar char="•"/>
+            </a:pPr>
+            <a:r>
+              <a:rPr lang="he-IL" sz="1600" dirty="0"/>
+              <a:t>כעת בשביל המשתמשים היותר מנוסים במערכת הוספנו את קיצורי המקשים הבאים:</a:t>
+            </a:r>
+          </a:p>
+          <a:p>
+            <a:pPr marL="742950" lvl="1" indent="-285750" algn="r" rtl="1">
+              <a:lnSpc>
+                <a:spcPct val="150000"/>
+              </a:lnSpc>
+              <a:buFont typeface="Arial" panose="020B0604020202020204" pitchFamily="34" charset="0"/>
+              <a:buChar char="•"/>
+            </a:pPr>
+            <a:r>
+              <a:rPr lang="he-IL" sz="1600" dirty="0"/>
+              <a:t>יצירת פגישה חדשה (</a:t>
+            </a:r>
+            <a:r>
+              <a:rPr lang="en-US" sz="1600" dirty="0"/>
+              <a:t>ctrl + n</a:t>
+            </a:r>
+            <a:r>
+              <a:rPr lang="he-IL" sz="1600" dirty="0"/>
+              <a:t>)</a:t>
+            </a:r>
+          </a:p>
+          <a:p>
+            <a:pPr marL="742950" lvl="1" indent="-285750" algn="r" rtl="1">
+              <a:lnSpc>
+                <a:spcPct val="150000"/>
+              </a:lnSpc